--- a/Slides/TypeClasses.pptx
+++ b/Slides/TypeClasses.pptx
@@ -26,6 +26,9 @@
     <p:sldId id="273" r:id="rId21"/>
     <p:sldId id="274" r:id="rId22"/>
     <p:sldId id="275" r:id="rId23"/>
+    <p:sldId id="276" r:id="rId24"/>
+    <p:sldId id="277" r:id="rId25"/>
+    <p:sldId id="278" r:id="rId26"/>
   </p:sldIdLst>
   <p:sldSz cx="10080625" cy="7559675"/>
   <p:notesSz cx="7559675" cy="10691812"/>
@@ -73,7 +76,7 @@
       </p:grpSpPr>
       <p:sp>
         <p:nvSpPr>
-          <p:cNvPr id="27" name="PlaceHolder 1"/>
+          <p:cNvPr id="24" name="PlaceHolder 1"/>
           <p:cNvSpPr>
             <a:spLocks noGrp="1"/>
           </p:cNvSpPr>
@@ -84,7 +87,7 @@
         <p:spPr>
           <a:xfrm>
             <a:off x="720000" y="300960"/>
-            <a:ext cx="8855640" cy="1262520"/>
+            <a:ext cx="8855280" cy="1262160"/>
           </a:xfrm>
           <a:prstGeom prst="rect">
             <a:avLst/>
@@ -93,18 +96,16 @@
         <p:txBody>
           <a:bodyPr lIns="0" rIns="0" tIns="0" bIns="0" anchor="ctr"/>
           <a:p>
-            <a:endParaRPr b="1" lang="de-DE" sz="4400" spc="-1" strike="noStrike">
-              <a:solidFill>
-                <a:srgbClr val="333333"/>
-              </a:solidFill>
-              <a:latin typeface="Noto Sans Regular"/>
-            </a:endParaRPr>
-          </a:p>
-        </p:txBody>
-      </p:sp>
-      <p:sp>
-        <p:nvSpPr>
-          <p:cNvPr id="28" name="PlaceHolder 2"/>
+            <a:pPr algn="ctr"/>
+            <a:endParaRPr b="0" lang="de-DE" sz="4400" spc="-1" strike="noStrike">
+              <a:latin typeface="Arial"/>
+            </a:endParaRPr>
+          </a:p>
+        </p:txBody>
+      </p:sp>
+      <p:sp>
+        <p:nvSpPr>
+          <p:cNvPr id="25" name="PlaceHolder 2"/>
           <p:cNvSpPr>
             <a:spLocks noGrp="1"/>
           </p:cNvSpPr>
@@ -115,27 +116,26 @@
         <p:spPr>
           <a:xfrm>
             <a:off x="720000" y="2160000"/>
-            <a:ext cx="8640000" cy="2091240"/>
-          </a:xfrm>
-          <a:prstGeom prst="rect">
-            <a:avLst/>
-          </a:prstGeom>
-        </p:spPr>
-        <p:txBody>
-          <a:bodyPr lIns="0" rIns="0" tIns="0" bIns="0"/>
-          <a:p>
-            <a:endParaRPr b="0" lang="de-DE" sz="2800" spc="-1" strike="noStrike">
-              <a:solidFill>
-                <a:srgbClr val="333333"/>
-              </a:solidFill>
-              <a:latin typeface="Noto Sans Regular"/>
-            </a:endParaRPr>
-          </a:p>
-        </p:txBody>
-      </p:sp>
-      <p:sp>
-        <p:nvSpPr>
-          <p:cNvPr id="29" name="PlaceHolder 3"/>
+            <a:ext cx="8639640" cy="2091240"/>
+          </a:xfrm>
+          <a:prstGeom prst="rect">
+            <a:avLst/>
+          </a:prstGeom>
+        </p:spPr>
+        <p:txBody>
+          <a:bodyPr lIns="0" rIns="0" tIns="0" bIns="0">
+            <a:normAutofit/>
+          </a:bodyPr>
+          <a:p>
+            <a:endParaRPr b="0" lang="de-DE" sz="3200" spc="-1" strike="noStrike">
+              <a:latin typeface="Arial"/>
+            </a:endParaRPr>
+          </a:p>
+        </p:txBody>
+      </p:sp>
+      <p:sp>
+        <p:nvSpPr>
+          <p:cNvPr id="26" name="PlaceHolder 3"/>
           <p:cNvSpPr>
             <a:spLocks noGrp="1"/>
           </p:cNvSpPr>
@@ -146,20 +146,19 @@
         <p:spPr>
           <a:xfrm>
             <a:off x="720000" y="4450320"/>
-            <a:ext cx="8640000" cy="2091240"/>
-          </a:xfrm>
-          <a:prstGeom prst="rect">
-            <a:avLst/>
-          </a:prstGeom>
-        </p:spPr>
-        <p:txBody>
-          <a:bodyPr lIns="0" rIns="0" tIns="0" bIns="0"/>
-          <a:p>
-            <a:endParaRPr b="0" lang="de-DE" sz="2800" spc="-1" strike="noStrike">
-              <a:solidFill>
-                <a:srgbClr val="333333"/>
-              </a:solidFill>
-              <a:latin typeface="Noto Sans Regular"/>
+            <a:ext cx="8639640" cy="2091240"/>
+          </a:xfrm>
+          <a:prstGeom prst="rect">
+            <a:avLst/>
+          </a:prstGeom>
+        </p:spPr>
+        <p:txBody>
+          <a:bodyPr lIns="0" rIns="0" tIns="0" bIns="0">
+            <a:normAutofit/>
+          </a:bodyPr>
+          <a:p>
+            <a:endParaRPr b="0" lang="de-DE" sz="3200" spc="-1" strike="noStrike">
+              <a:latin typeface="Arial"/>
             </a:endParaRPr>
           </a:p>
         </p:txBody>
@@ -188,7 +187,7 @@
       </p:grpSpPr>
       <p:sp>
         <p:nvSpPr>
-          <p:cNvPr id="30" name="PlaceHolder 1"/>
+          <p:cNvPr id="27" name="PlaceHolder 1"/>
           <p:cNvSpPr>
             <a:spLocks noGrp="1"/>
           </p:cNvSpPr>
@@ -199,7 +198,7 @@
         <p:spPr>
           <a:xfrm>
             <a:off x="720000" y="300960"/>
-            <a:ext cx="8855640" cy="1262520"/>
+            <a:ext cx="8855280" cy="1262160"/>
           </a:xfrm>
           <a:prstGeom prst="rect">
             <a:avLst/>
@@ -208,18 +207,16 @@
         <p:txBody>
           <a:bodyPr lIns="0" rIns="0" tIns="0" bIns="0" anchor="ctr"/>
           <a:p>
-            <a:endParaRPr b="1" lang="de-DE" sz="4400" spc="-1" strike="noStrike">
-              <a:solidFill>
-                <a:srgbClr val="333333"/>
-              </a:solidFill>
-              <a:latin typeface="Noto Sans Regular"/>
-            </a:endParaRPr>
-          </a:p>
-        </p:txBody>
-      </p:sp>
-      <p:sp>
-        <p:nvSpPr>
-          <p:cNvPr id="31" name="PlaceHolder 2"/>
+            <a:pPr algn="ctr"/>
+            <a:endParaRPr b="0" lang="de-DE" sz="4400" spc="-1" strike="noStrike">
+              <a:latin typeface="Arial"/>
+            </a:endParaRPr>
+          </a:p>
+        </p:txBody>
+      </p:sp>
+      <p:sp>
+        <p:nvSpPr>
+          <p:cNvPr id="28" name="PlaceHolder 2"/>
           <p:cNvSpPr>
             <a:spLocks noGrp="1"/>
           </p:cNvSpPr>
@@ -237,20 +234,19 @@
           </a:prstGeom>
         </p:spPr>
         <p:txBody>
-          <a:bodyPr lIns="0" rIns="0" tIns="0" bIns="0"/>
-          <a:p>
-            <a:endParaRPr b="0" lang="de-DE" sz="2800" spc="-1" strike="noStrike">
-              <a:solidFill>
-                <a:srgbClr val="333333"/>
-              </a:solidFill>
-              <a:latin typeface="Noto Sans Regular"/>
-            </a:endParaRPr>
-          </a:p>
-        </p:txBody>
-      </p:sp>
-      <p:sp>
-        <p:nvSpPr>
-          <p:cNvPr id="32" name="PlaceHolder 3"/>
+          <a:bodyPr lIns="0" rIns="0" tIns="0" bIns="0">
+            <a:normAutofit/>
+          </a:bodyPr>
+          <a:p>
+            <a:endParaRPr b="0" lang="de-DE" sz="3200" spc="-1" strike="noStrike">
+              <a:latin typeface="Arial"/>
+            </a:endParaRPr>
+          </a:p>
+        </p:txBody>
+      </p:sp>
+      <p:sp>
+        <p:nvSpPr>
+          <p:cNvPr id="29" name="PlaceHolder 3"/>
           <p:cNvSpPr>
             <a:spLocks noGrp="1"/>
           </p:cNvSpPr>
@@ -268,20 +264,19 @@
           </a:prstGeom>
         </p:spPr>
         <p:txBody>
-          <a:bodyPr lIns="0" rIns="0" tIns="0" bIns="0"/>
-          <a:p>
-            <a:endParaRPr b="0" lang="de-DE" sz="2800" spc="-1" strike="noStrike">
-              <a:solidFill>
-                <a:srgbClr val="333333"/>
-              </a:solidFill>
-              <a:latin typeface="Noto Sans Regular"/>
-            </a:endParaRPr>
-          </a:p>
-        </p:txBody>
-      </p:sp>
-      <p:sp>
-        <p:nvSpPr>
-          <p:cNvPr id="33" name="PlaceHolder 4"/>
+          <a:bodyPr lIns="0" rIns="0" tIns="0" bIns="0">
+            <a:normAutofit/>
+          </a:bodyPr>
+          <a:p>
+            <a:endParaRPr b="0" lang="de-DE" sz="3200" spc="-1" strike="noStrike">
+              <a:latin typeface="Arial"/>
+            </a:endParaRPr>
+          </a:p>
+        </p:txBody>
+      </p:sp>
+      <p:sp>
+        <p:nvSpPr>
+          <p:cNvPr id="30" name="PlaceHolder 4"/>
           <p:cNvSpPr>
             <a:spLocks noGrp="1"/>
           </p:cNvSpPr>
@@ -299,20 +294,19 @@
           </a:prstGeom>
         </p:spPr>
         <p:txBody>
-          <a:bodyPr lIns="0" rIns="0" tIns="0" bIns="0"/>
-          <a:p>
-            <a:endParaRPr b="0" lang="de-DE" sz="2800" spc="-1" strike="noStrike">
-              <a:solidFill>
-                <a:srgbClr val="333333"/>
-              </a:solidFill>
-              <a:latin typeface="Noto Sans Regular"/>
-            </a:endParaRPr>
-          </a:p>
-        </p:txBody>
-      </p:sp>
-      <p:sp>
-        <p:nvSpPr>
-          <p:cNvPr id="34" name="PlaceHolder 5"/>
+          <a:bodyPr lIns="0" rIns="0" tIns="0" bIns="0">
+            <a:normAutofit/>
+          </a:bodyPr>
+          <a:p>
+            <a:endParaRPr b="0" lang="de-DE" sz="3200" spc="-1" strike="noStrike">
+              <a:latin typeface="Arial"/>
+            </a:endParaRPr>
+          </a:p>
+        </p:txBody>
+      </p:sp>
+      <p:sp>
+        <p:nvSpPr>
+          <p:cNvPr id="31" name="PlaceHolder 5"/>
           <p:cNvSpPr>
             <a:spLocks noGrp="1"/>
           </p:cNvSpPr>
@@ -330,13 +324,12 @@
           </a:prstGeom>
         </p:spPr>
         <p:txBody>
-          <a:bodyPr lIns="0" rIns="0" tIns="0" bIns="0"/>
-          <a:p>
-            <a:endParaRPr b="0" lang="de-DE" sz="2800" spc="-1" strike="noStrike">
-              <a:solidFill>
-                <a:srgbClr val="333333"/>
-              </a:solidFill>
-              <a:latin typeface="Noto Sans Regular"/>
+          <a:bodyPr lIns="0" rIns="0" tIns="0" bIns="0">
+            <a:normAutofit/>
+          </a:bodyPr>
+          <a:p>
+            <a:endParaRPr b="0" lang="de-DE" sz="3200" spc="-1" strike="noStrike">
+              <a:latin typeface="Arial"/>
             </a:endParaRPr>
           </a:p>
         </p:txBody>
@@ -365,7 +358,7 @@
       </p:grpSpPr>
       <p:sp>
         <p:nvSpPr>
-          <p:cNvPr id="35" name="PlaceHolder 1"/>
+          <p:cNvPr id="32" name="PlaceHolder 1"/>
           <p:cNvSpPr>
             <a:spLocks noGrp="1"/>
           </p:cNvSpPr>
@@ -376,7 +369,7 @@
         <p:spPr>
           <a:xfrm>
             <a:off x="720000" y="300960"/>
-            <a:ext cx="8855640" cy="1262520"/>
+            <a:ext cx="8855280" cy="1262160"/>
           </a:xfrm>
           <a:prstGeom prst="rect">
             <a:avLst/>
@@ -385,18 +378,16 @@
         <p:txBody>
           <a:bodyPr lIns="0" rIns="0" tIns="0" bIns="0" anchor="ctr"/>
           <a:p>
-            <a:endParaRPr b="1" lang="de-DE" sz="4400" spc="-1" strike="noStrike">
-              <a:solidFill>
-                <a:srgbClr val="333333"/>
-              </a:solidFill>
-              <a:latin typeface="Noto Sans Regular"/>
-            </a:endParaRPr>
-          </a:p>
-        </p:txBody>
-      </p:sp>
-      <p:sp>
-        <p:nvSpPr>
-          <p:cNvPr id="36" name="PlaceHolder 2"/>
+            <a:pPr algn="ctr"/>
+            <a:endParaRPr b="0" lang="de-DE" sz="4400" spc="-1" strike="noStrike">
+              <a:latin typeface="Arial"/>
+            </a:endParaRPr>
+          </a:p>
+        </p:txBody>
+      </p:sp>
+      <p:sp>
+        <p:nvSpPr>
+          <p:cNvPr id="33" name="PlaceHolder 2"/>
           <p:cNvSpPr>
             <a:spLocks noGrp="1"/>
           </p:cNvSpPr>
@@ -414,20 +405,19 @@
           </a:prstGeom>
         </p:spPr>
         <p:txBody>
-          <a:bodyPr lIns="0" rIns="0" tIns="0" bIns="0"/>
-          <a:p>
-            <a:endParaRPr b="0" lang="de-DE" sz="2800" spc="-1" strike="noStrike">
-              <a:solidFill>
-                <a:srgbClr val="333333"/>
-              </a:solidFill>
-              <a:latin typeface="Noto Sans Regular"/>
-            </a:endParaRPr>
-          </a:p>
-        </p:txBody>
-      </p:sp>
-      <p:sp>
-        <p:nvSpPr>
-          <p:cNvPr id="37" name="PlaceHolder 3"/>
+          <a:bodyPr lIns="0" rIns="0" tIns="0" bIns="0">
+            <a:normAutofit/>
+          </a:bodyPr>
+          <a:p>
+            <a:endParaRPr b="0" lang="de-DE" sz="3200" spc="-1" strike="noStrike">
+              <a:latin typeface="Arial"/>
+            </a:endParaRPr>
+          </a:p>
+        </p:txBody>
+      </p:sp>
+      <p:sp>
+        <p:nvSpPr>
+          <p:cNvPr id="34" name="PlaceHolder 3"/>
           <p:cNvSpPr>
             <a:spLocks noGrp="1"/>
           </p:cNvSpPr>
@@ -445,20 +435,19 @@
           </a:prstGeom>
         </p:spPr>
         <p:txBody>
-          <a:bodyPr lIns="0" rIns="0" tIns="0" bIns="0"/>
-          <a:p>
-            <a:endParaRPr b="0" lang="de-DE" sz="2800" spc="-1" strike="noStrike">
-              <a:solidFill>
-                <a:srgbClr val="333333"/>
-              </a:solidFill>
-              <a:latin typeface="Noto Sans Regular"/>
-            </a:endParaRPr>
-          </a:p>
-        </p:txBody>
-      </p:sp>
-      <p:sp>
-        <p:nvSpPr>
-          <p:cNvPr id="38" name="PlaceHolder 4"/>
+          <a:bodyPr lIns="0" rIns="0" tIns="0" bIns="0">
+            <a:normAutofit/>
+          </a:bodyPr>
+          <a:p>
+            <a:endParaRPr b="0" lang="de-DE" sz="3200" spc="-1" strike="noStrike">
+              <a:latin typeface="Arial"/>
+            </a:endParaRPr>
+          </a:p>
+        </p:txBody>
+      </p:sp>
+      <p:sp>
+        <p:nvSpPr>
+          <p:cNvPr id="35" name="PlaceHolder 4"/>
           <p:cNvSpPr>
             <a:spLocks noGrp="1"/>
           </p:cNvSpPr>
@@ -476,20 +465,19 @@
           </a:prstGeom>
         </p:spPr>
         <p:txBody>
-          <a:bodyPr lIns="0" rIns="0" tIns="0" bIns="0"/>
-          <a:p>
-            <a:endParaRPr b="0" lang="de-DE" sz="2800" spc="-1" strike="noStrike">
-              <a:solidFill>
-                <a:srgbClr val="333333"/>
-              </a:solidFill>
-              <a:latin typeface="Noto Sans Regular"/>
-            </a:endParaRPr>
-          </a:p>
-        </p:txBody>
-      </p:sp>
-      <p:sp>
-        <p:nvSpPr>
-          <p:cNvPr id="39" name="PlaceHolder 5"/>
+          <a:bodyPr lIns="0" rIns="0" tIns="0" bIns="0">
+            <a:normAutofit/>
+          </a:bodyPr>
+          <a:p>
+            <a:endParaRPr b="0" lang="de-DE" sz="3200" spc="-1" strike="noStrike">
+              <a:latin typeface="Arial"/>
+            </a:endParaRPr>
+          </a:p>
+        </p:txBody>
+      </p:sp>
+      <p:sp>
+        <p:nvSpPr>
+          <p:cNvPr id="36" name="PlaceHolder 5"/>
           <p:cNvSpPr>
             <a:spLocks noGrp="1"/>
           </p:cNvSpPr>
@@ -507,20 +495,19 @@
           </a:prstGeom>
         </p:spPr>
         <p:txBody>
-          <a:bodyPr lIns="0" rIns="0" tIns="0" bIns="0"/>
-          <a:p>
-            <a:endParaRPr b="0" lang="de-DE" sz="2800" spc="-1" strike="noStrike">
-              <a:solidFill>
-                <a:srgbClr val="333333"/>
-              </a:solidFill>
-              <a:latin typeface="Noto Sans Regular"/>
-            </a:endParaRPr>
-          </a:p>
-        </p:txBody>
-      </p:sp>
-      <p:sp>
-        <p:nvSpPr>
-          <p:cNvPr id="40" name="PlaceHolder 6"/>
+          <a:bodyPr lIns="0" rIns="0" tIns="0" bIns="0">
+            <a:normAutofit/>
+          </a:bodyPr>
+          <a:p>
+            <a:endParaRPr b="0" lang="de-DE" sz="3200" spc="-1" strike="noStrike">
+              <a:latin typeface="Arial"/>
+            </a:endParaRPr>
+          </a:p>
+        </p:txBody>
+      </p:sp>
+      <p:sp>
+        <p:nvSpPr>
+          <p:cNvPr id="37" name="PlaceHolder 6"/>
           <p:cNvSpPr>
             <a:spLocks noGrp="1"/>
           </p:cNvSpPr>
@@ -538,20 +525,19 @@
           </a:prstGeom>
         </p:spPr>
         <p:txBody>
-          <a:bodyPr lIns="0" rIns="0" tIns="0" bIns="0"/>
-          <a:p>
-            <a:endParaRPr b="0" lang="de-DE" sz="2800" spc="-1" strike="noStrike">
-              <a:solidFill>
-                <a:srgbClr val="333333"/>
-              </a:solidFill>
-              <a:latin typeface="Noto Sans Regular"/>
-            </a:endParaRPr>
-          </a:p>
-        </p:txBody>
-      </p:sp>
-      <p:sp>
-        <p:nvSpPr>
-          <p:cNvPr id="41" name="PlaceHolder 7"/>
+          <a:bodyPr lIns="0" rIns="0" tIns="0" bIns="0">
+            <a:normAutofit/>
+          </a:bodyPr>
+          <a:p>
+            <a:endParaRPr b="0" lang="de-DE" sz="3200" spc="-1" strike="noStrike">
+              <a:latin typeface="Arial"/>
+            </a:endParaRPr>
+          </a:p>
+        </p:txBody>
+      </p:sp>
+      <p:sp>
+        <p:nvSpPr>
+          <p:cNvPr id="38" name="PlaceHolder 7"/>
           <p:cNvSpPr>
             <a:spLocks noGrp="1"/>
           </p:cNvSpPr>
@@ -569,13 +555,12 @@
           </a:prstGeom>
         </p:spPr>
         <p:txBody>
-          <a:bodyPr lIns="0" rIns="0" tIns="0" bIns="0"/>
-          <a:p>
-            <a:endParaRPr b="0" lang="de-DE" sz="2800" spc="-1" strike="noStrike">
-              <a:solidFill>
-                <a:srgbClr val="333333"/>
-              </a:solidFill>
-              <a:latin typeface="Noto Sans Regular"/>
+          <a:bodyPr lIns="0" rIns="0" tIns="0" bIns="0">
+            <a:normAutofit/>
+          </a:bodyPr>
+          <a:p>
+            <a:endParaRPr b="0" lang="de-DE" sz="3200" spc="-1" strike="noStrike">
+              <a:latin typeface="Arial"/>
             </a:endParaRPr>
           </a:p>
         </p:txBody>
@@ -626,7 +611,7 @@
       </p:grpSpPr>
       <p:sp>
         <p:nvSpPr>
-          <p:cNvPr id="48" name="PlaceHolder 1"/>
+          <p:cNvPr id="42" name="PlaceHolder 1"/>
           <p:cNvSpPr>
             <a:spLocks noGrp="1"/>
           </p:cNvSpPr>
@@ -637,7 +622,7 @@
         <p:spPr>
           <a:xfrm>
             <a:off x="720000" y="300960"/>
-            <a:ext cx="8855640" cy="1262520"/>
+            <a:ext cx="8855280" cy="1262160"/>
           </a:xfrm>
           <a:prstGeom prst="rect">
             <a:avLst/>
@@ -646,18 +631,16 @@
         <p:txBody>
           <a:bodyPr lIns="0" rIns="0" tIns="0" bIns="0" anchor="ctr"/>
           <a:p>
-            <a:endParaRPr b="1" lang="de-DE" sz="4400" spc="-1" strike="noStrike">
-              <a:solidFill>
-                <a:srgbClr val="333333"/>
-              </a:solidFill>
-              <a:latin typeface="Noto Sans Regular"/>
-            </a:endParaRPr>
-          </a:p>
-        </p:txBody>
-      </p:sp>
-      <p:sp>
-        <p:nvSpPr>
-          <p:cNvPr id="49" name="PlaceHolder 2"/>
+            <a:pPr algn="ctr"/>
+            <a:endParaRPr b="0" lang="de-DE" sz="4400" spc="-1" strike="noStrike">
+              <a:latin typeface="Arial"/>
+            </a:endParaRPr>
+          </a:p>
+        </p:txBody>
+      </p:sp>
+      <p:sp>
+        <p:nvSpPr>
+          <p:cNvPr id="43" name="PlaceHolder 2"/>
           <p:cNvSpPr>
             <a:spLocks noGrp="1"/>
           </p:cNvSpPr>
@@ -668,7 +651,7 @@
         <p:spPr>
           <a:xfrm>
             <a:off x="720000" y="2160000"/>
-            <a:ext cx="8640000" cy="4384800"/>
+            <a:ext cx="8639640" cy="4384440"/>
           </a:xfrm>
           <a:prstGeom prst="rect">
             <a:avLst/>
@@ -708,7 +691,7 @@
       </p:grpSpPr>
       <p:sp>
         <p:nvSpPr>
-          <p:cNvPr id="50" name="PlaceHolder 1"/>
+          <p:cNvPr id="44" name="PlaceHolder 1"/>
           <p:cNvSpPr>
             <a:spLocks noGrp="1"/>
           </p:cNvSpPr>
@@ -719,7 +702,7 @@
         <p:spPr>
           <a:xfrm>
             <a:off x="720000" y="300960"/>
-            <a:ext cx="8855640" cy="1262520"/>
+            <a:ext cx="8855280" cy="1262160"/>
           </a:xfrm>
           <a:prstGeom prst="rect">
             <a:avLst/>
@@ -728,18 +711,16 @@
         <p:txBody>
           <a:bodyPr lIns="0" rIns="0" tIns="0" bIns="0" anchor="ctr"/>
           <a:p>
-            <a:endParaRPr b="1" lang="de-DE" sz="4400" spc="-1" strike="noStrike">
-              <a:solidFill>
-                <a:srgbClr val="333333"/>
-              </a:solidFill>
-              <a:latin typeface="Noto Sans Regular"/>
-            </a:endParaRPr>
-          </a:p>
-        </p:txBody>
-      </p:sp>
-      <p:sp>
-        <p:nvSpPr>
-          <p:cNvPr id="51" name="PlaceHolder 2"/>
+            <a:pPr algn="ctr"/>
+            <a:endParaRPr b="0" lang="de-DE" sz="4400" spc="-1" strike="noStrike">
+              <a:latin typeface="Arial"/>
+            </a:endParaRPr>
+          </a:p>
+        </p:txBody>
+      </p:sp>
+      <p:sp>
+        <p:nvSpPr>
+          <p:cNvPr id="45" name="PlaceHolder 2"/>
           <p:cNvSpPr>
             <a:spLocks noGrp="1"/>
           </p:cNvSpPr>
@@ -750,20 +731,19 @@
         <p:spPr>
           <a:xfrm>
             <a:off x="720000" y="2160000"/>
-            <a:ext cx="8640000" cy="4384800"/>
-          </a:xfrm>
-          <a:prstGeom prst="rect">
-            <a:avLst/>
-          </a:prstGeom>
-        </p:spPr>
-        <p:txBody>
-          <a:bodyPr lIns="0" rIns="0" tIns="0" bIns="0"/>
-          <a:p>
-            <a:endParaRPr b="0" lang="de-DE" sz="2800" spc="-1" strike="noStrike">
-              <a:solidFill>
-                <a:srgbClr val="333333"/>
-              </a:solidFill>
-              <a:latin typeface="Noto Sans Regular"/>
+            <a:ext cx="8639640" cy="4384440"/>
+          </a:xfrm>
+          <a:prstGeom prst="rect">
+            <a:avLst/>
+          </a:prstGeom>
+        </p:spPr>
+        <p:txBody>
+          <a:bodyPr lIns="0" rIns="0" tIns="0" bIns="0">
+            <a:normAutofit/>
+          </a:bodyPr>
+          <a:p>
+            <a:endParaRPr b="0" lang="de-DE" sz="3200" spc="-1" strike="noStrike">
+              <a:latin typeface="Arial"/>
             </a:endParaRPr>
           </a:p>
         </p:txBody>
@@ -792,7 +772,7 @@
       </p:grpSpPr>
       <p:sp>
         <p:nvSpPr>
-          <p:cNvPr id="52" name="PlaceHolder 1"/>
+          <p:cNvPr id="46" name="PlaceHolder 1"/>
           <p:cNvSpPr>
             <a:spLocks noGrp="1"/>
           </p:cNvSpPr>
@@ -803,7 +783,7 @@
         <p:spPr>
           <a:xfrm>
             <a:off x="720000" y="300960"/>
-            <a:ext cx="8855640" cy="1262520"/>
+            <a:ext cx="8855280" cy="1262160"/>
           </a:xfrm>
           <a:prstGeom prst="rect">
             <a:avLst/>
@@ -812,18 +792,16 @@
         <p:txBody>
           <a:bodyPr lIns="0" rIns="0" tIns="0" bIns="0" anchor="ctr"/>
           <a:p>
-            <a:endParaRPr b="1" lang="de-DE" sz="4400" spc="-1" strike="noStrike">
-              <a:solidFill>
-                <a:srgbClr val="333333"/>
-              </a:solidFill>
-              <a:latin typeface="Noto Sans Regular"/>
-            </a:endParaRPr>
-          </a:p>
-        </p:txBody>
-      </p:sp>
-      <p:sp>
-        <p:nvSpPr>
-          <p:cNvPr id="53" name="PlaceHolder 2"/>
+            <a:pPr algn="ctr"/>
+            <a:endParaRPr b="0" lang="de-DE" sz="4400" spc="-1" strike="noStrike">
+              <a:latin typeface="Arial"/>
+            </a:endParaRPr>
+          </a:p>
+        </p:txBody>
+      </p:sp>
+      <p:sp>
+        <p:nvSpPr>
+          <p:cNvPr id="47" name="PlaceHolder 2"/>
           <p:cNvSpPr>
             <a:spLocks noGrp="1"/>
           </p:cNvSpPr>
@@ -834,27 +812,26 @@
         <p:spPr>
           <a:xfrm>
             <a:off x="720000" y="2160000"/>
-            <a:ext cx="4215960" cy="4384800"/>
-          </a:xfrm>
-          <a:prstGeom prst="rect">
-            <a:avLst/>
-          </a:prstGeom>
-        </p:spPr>
-        <p:txBody>
-          <a:bodyPr lIns="0" rIns="0" tIns="0" bIns="0"/>
-          <a:p>
-            <a:endParaRPr b="0" lang="de-DE" sz="2800" spc="-1" strike="noStrike">
-              <a:solidFill>
-                <a:srgbClr val="333333"/>
-              </a:solidFill>
-              <a:latin typeface="Noto Sans Regular"/>
-            </a:endParaRPr>
-          </a:p>
-        </p:txBody>
-      </p:sp>
-      <p:sp>
-        <p:nvSpPr>
-          <p:cNvPr id="54" name="PlaceHolder 3"/>
+            <a:ext cx="4215960" cy="4384440"/>
+          </a:xfrm>
+          <a:prstGeom prst="rect">
+            <a:avLst/>
+          </a:prstGeom>
+        </p:spPr>
+        <p:txBody>
+          <a:bodyPr lIns="0" rIns="0" tIns="0" bIns="0">
+            <a:normAutofit/>
+          </a:bodyPr>
+          <a:p>
+            <a:endParaRPr b="0" lang="de-DE" sz="3200" spc="-1" strike="noStrike">
+              <a:latin typeface="Arial"/>
+            </a:endParaRPr>
+          </a:p>
+        </p:txBody>
+      </p:sp>
+      <p:sp>
+        <p:nvSpPr>
+          <p:cNvPr id="48" name="PlaceHolder 3"/>
           <p:cNvSpPr>
             <a:spLocks noGrp="1"/>
           </p:cNvSpPr>
@@ -865,20 +842,19 @@
         <p:spPr>
           <a:xfrm>
             <a:off x="5147280" y="2160000"/>
-            <a:ext cx="4215960" cy="4384800"/>
-          </a:xfrm>
-          <a:prstGeom prst="rect">
-            <a:avLst/>
-          </a:prstGeom>
-        </p:spPr>
-        <p:txBody>
-          <a:bodyPr lIns="0" rIns="0" tIns="0" bIns="0"/>
-          <a:p>
-            <a:endParaRPr b="0" lang="de-DE" sz="2800" spc="-1" strike="noStrike">
-              <a:solidFill>
-                <a:srgbClr val="333333"/>
-              </a:solidFill>
-              <a:latin typeface="Noto Sans Regular"/>
+            <a:ext cx="4215960" cy="4384440"/>
+          </a:xfrm>
+          <a:prstGeom prst="rect">
+            <a:avLst/>
+          </a:prstGeom>
+        </p:spPr>
+        <p:txBody>
+          <a:bodyPr lIns="0" rIns="0" tIns="0" bIns="0">
+            <a:normAutofit/>
+          </a:bodyPr>
+          <a:p>
+            <a:endParaRPr b="0" lang="de-DE" sz="3200" spc="-1" strike="noStrike">
+              <a:latin typeface="Arial"/>
             </a:endParaRPr>
           </a:p>
         </p:txBody>
@@ -907,7 +883,7 @@
       </p:grpSpPr>
       <p:sp>
         <p:nvSpPr>
-          <p:cNvPr id="55" name="PlaceHolder 1"/>
+          <p:cNvPr id="49" name="PlaceHolder 1"/>
           <p:cNvSpPr>
             <a:spLocks noGrp="1"/>
           </p:cNvSpPr>
@@ -918,7 +894,7 @@
         <p:spPr>
           <a:xfrm>
             <a:off x="720000" y="300960"/>
-            <a:ext cx="8855640" cy="1262520"/>
+            <a:ext cx="8855280" cy="1262160"/>
           </a:xfrm>
           <a:prstGeom prst="rect">
             <a:avLst/>
@@ -927,11 +903,9 @@
         <p:txBody>
           <a:bodyPr lIns="0" rIns="0" tIns="0" bIns="0" anchor="ctr"/>
           <a:p>
-            <a:endParaRPr b="1" lang="de-DE" sz="4400" spc="-1" strike="noStrike">
-              <a:solidFill>
-                <a:srgbClr val="333333"/>
-              </a:solidFill>
-              <a:latin typeface="Noto Sans Regular"/>
+            <a:pPr algn="ctr"/>
+            <a:endParaRPr b="0" lang="de-DE" sz="4400" spc="-1" strike="noStrike">
+              <a:latin typeface="Arial"/>
             </a:endParaRPr>
           </a:p>
         </p:txBody>
@@ -960,7 +934,7 @@
       </p:grpSpPr>
       <p:sp>
         <p:nvSpPr>
-          <p:cNvPr id="56" name="PlaceHolder 1"/>
+          <p:cNvPr id="50" name="PlaceHolder 1"/>
           <p:cNvSpPr>
             <a:spLocks noGrp="1"/>
           </p:cNvSpPr>
@@ -971,7 +945,7 @@
         <p:spPr>
           <a:xfrm>
             <a:off x="720000" y="300960"/>
-            <a:ext cx="8855640" cy="5853600"/>
+            <a:ext cx="8855280" cy="5851800"/>
           </a:xfrm>
           <a:prstGeom prst="rect">
             <a:avLst/>
@@ -1011,7 +985,7 @@
       </p:grpSpPr>
       <p:sp>
         <p:nvSpPr>
-          <p:cNvPr id="57" name="PlaceHolder 1"/>
+          <p:cNvPr id="51" name="PlaceHolder 1"/>
           <p:cNvSpPr>
             <a:spLocks noGrp="1"/>
           </p:cNvSpPr>
@@ -1022,7 +996,7 @@
         <p:spPr>
           <a:xfrm>
             <a:off x="720000" y="300960"/>
-            <a:ext cx="8855640" cy="1262520"/>
+            <a:ext cx="8855280" cy="1262160"/>
           </a:xfrm>
           <a:prstGeom prst="rect">
             <a:avLst/>
@@ -1031,18 +1005,16 @@
         <p:txBody>
           <a:bodyPr lIns="0" rIns="0" tIns="0" bIns="0" anchor="ctr"/>
           <a:p>
-            <a:endParaRPr b="1" lang="de-DE" sz="4400" spc="-1" strike="noStrike">
-              <a:solidFill>
-                <a:srgbClr val="333333"/>
-              </a:solidFill>
-              <a:latin typeface="Noto Sans Regular"/>
-            </a:endParaRPr>
-          </a:p>
-        </p:txBody>
-      </p:sp>
-      <p:sp>
-        <p:nvSpPr>
-          <p:cNvPr id="58" name="PlaceHolder 2"/>
+            <a:pPr algn="ctr"/>
+            <a:endParaRPr b="0" lang="de-DE" sz="4400" spc="-1" strike="noStrike">
+              <a:latin typeface="Arial"/>
+            </a:endParaRPr>
+          </a:p>
+        </p:txBody>
+      </p:sp>
+      <p:sp>
+        <p:nvSpPr>
+          <p:cNvPr id="52" name="PlaceHolder 2"/>
           <p:cNvSpPr>
             <a:spLocks noGrp="1"/>
           </p:cNvSpPr>
@@ -1060,20 +1032,19 @@
           </a:prstGeom>
         </p:spPr>
         <p:txBody>
-          <a:bodyPr lIns="0" rIns="0" tIns="0" bIns="0"/>
-          <a:p>
-            <a:endParaRPr b="0" lang="de-DE" sz="2800" spc="-1" strike="noStrike">
-              <a:solidFill>
-                <a:srgbClr val="333333"/>
-              </a:solidFill>
-              <a:latin typeface="Noto Sans Regular"/>
-            </a:endParaRPr>
-          </a:p>
-        </p:txBody>
-      </p:sp>
-      <p:sp>
-        <p:nvSpPr>
-          <p:cNvPr id="59" name="PlaceHolder 3"/>
+          <a:bodyPr lIns="0" rIns="0" tIns="0" bIns="0">
+            <a:normAutofit/>
+          </a:bodyPr>
+          <a:p>
+            <a:endParaRPr b="0" lang="de-DE" sz="3200" spc="-1" strike="noStrike">
+              <a:latin typeface="Arial"/>
+            </a:endParaRPr>
+          </a:p>
+        </p:txBody>
+      </p:sp>
+      <p:sp>
+        <p:nvSpPr>
+          <p:cNvPr id="53" name="PlaceHolder 3"/>
           <p:cNvSpPr>
             <a:spLocks noGrp="1"/>
           </p:cNvSpPr>
@@ -1084,27 +1055,26 @@
         <p:spPr>
           <a:xfrm>
             <a:off x="5147280" y="2160000"/>
-            <a:ext cx="4215960" cy="4384800"/>
-          </a:xfrm>
-          <a:prstGeom prst="rect">
-            <a:avLst/>
-          </a:prstGeom>
-        </p:spPr>
-        <p:txBody>
-          <a:bodyPr lIns="0" rIns="0" tIns="0" bIns="0"/>
-          <a:p>
-            <a:endParaRPr b="0" lang="de-DE" sz="2800" spc="-1" strike="noStrike">
-              <a:solidFill>
-                <a:srgbClr val="333333"/>
-              </a:solidFill>
-              <a:latin typeface="Noto Sans Regular"/>
-            </a:endParaRPr>
-          </a:p>
-        </p:txBody>
-      </p:sp>
-      <p:sp>
-        <p:nvSpPr>
-          <p:cNvPr id="60" name="PlaceHolder 4"/>
+            <a:ext cx="4215960" cy="4384440"/>
+          </a:xfrm>
+          <a:prstGeom prst="rect">
+            <a:avLst/>
+          </a:prstGeom>
+        </p:spPr>
+        <p:txBody>
+          <a:bodyPr lIns="0" rIns="0" tIns="0" bIns="0">
+            <a:normAutofit/>
+          </a:bodyPr>
+          <a:p>
+            <a:endParaRPr b="0" lang="de-DE" sz="3200" spc="-1" strike="noStrike">
+              <a:latin typeface="Arial"/>
+            </a:endParaRPr>
+          </a:p>
+        </p:txBody>
+      </p:sp>
+      <p:sp>
+        <p:nvSpPr>
+          <p:cNvPr id="54" name="PlaceHolder 4"/>
           <p:cNvSpPr>
             <a:spLocks noGrp="1"/>
           </p:cNvSpPr>
@@ -1122,13 +1092,12 @@
           </a:prstGeom>
         </p:spPr>
         <p:txBody>
-          <a:bodyPr lIns="0" rIns="0" tIns="0" bIns="0"/>
-          <a:p>
-            <a:endParaRPr b="0" lang="de-DE" sz="2800" spc="-1" strike="noStrike">
-              <a:solidFill>
-                <a:srgbClr val="333333"/>
-              </a:solidFill>
-              <a:latin typeface="Noto Sans Regular"/>
+          <a:bodyPr lIns="0" rIns="0" tIns="0" bIns="0">
+            <a:normAutofit/>
+          </a:bodyPr>
+          <a:p>
+            <a:endParaRPr b="0" lang="de-DE" sz="3200" spc="-1" strike="noStrike">
+              <a:latin typeface="Arial"/>
             </a:endParaRPr>
           </a:p>
         </p:txBody>
@@ -1157,7 +1126,7 @@
       </p:grpSpPr>
       <p:sp>
         <p:nvSpPr>
-          <p:cNvPr id="6" name="PlaceHolder 1"/>
+          <p:cNvPr id="3" name="PlaceHolder 1"/>
           <p:cNvSpPr>
             <a:spLocks noGrp="1"/>
           </p:cNvSpPr>
@@ -1168,7 +1137,7 @@
         <p:spPr>
           <a:xfrm>
             <a:off x="720000" y="300960"/>
-            <a:ext cx="8855640" cy="1262520"/>
+            <a:ext cx="8855280" cy="1262160"/>
           </a:xfrm>
           <a:prstGeom prst="rect">
             <a:avLst/>
@@ -1177,18 +1146,16 @@
         <p:txBody>
           <a:bodyPr lIns="0" rIns="0" tIns="0" bIns="0" anchor="ctr"/>
           <a:p>
-            <a:endParaRPr b="1" lang="de-DE" sz="4400" spc="-1" strike="noStrike">
-              <a:solidFill>
-                <a:srgbClr val="333333"/>
-              </a:solidFill>
-              <a:latin typeface="Noto Sans Regular"/>
-            </a:endParaRPr>
-          </a:p>
-        </p:txBody>
-      </p:sp>
-      <p:sp>
-        <p:nvSpPr>
-          <p:cNvPr id="7" name="PlaceHolder 2"/>
+            <a:pPr algn="ctr"/>
+            <a:endParaRPr b="0" lang="de-DE" sz="4400" spc="-1" strike="noStrike">
+              <a:latin typeface="Arial"/>
+            </a:endParaRPr>
+          </a:p>
+        </p:txBody>
+      </p:sp>
+      <p:sp>
+        <p:nvSpPr>
+          <p:cNvPr id="4" name="PlaceHolder 2"/>
           <p:cNvSpPr>
             <a:spLocks noGrp="1"/>
           </p:cNvSpPr>
@@ -1199,7 +1166,7 @@
         <p:spPr>
           <a:xfrm>
             <a:off x="720000" y="2160000"/>
-            <a:ext cx="8640000" cy="4384800"/>
+            <a:ext cx="8639640" cy="4384440"/>
           </a:xfrm>
           <a:prstGeom prst="rect">
             <a:avLst/>
@@ -1239,7 +1206,7 @@
       </p:grpSpPr>
       <p:sp>
         <p:nvSpPr>
-          <p:cNvPr id="61" name="PlaceHolder 1"/>
+          <p:cNvPr id="55" name="PlaceHolder 1"/>
           <p:cNvSpPr>
             <a:spLocks noGrp="1"/>
           </p:cNvSpPr>
@@ -1250,7 +1217,7 @@
         <p:spPr>
           <a:xfrm>
             <a:off x="720000" y="300960"/>
-            <a:ext cx="8855640" cy="1262520"/>
+            <a:ext cx="8855280" cy="1262160"/>
           </a:xfrm>
           <a:prstGeom prst="rect">
             <a:avLst/>
@@ -1259,18 +1226,16 @@
         <p:txBody>
           <a:bodyPr lIns="0" rIns="0" tIns="0" bIns="0" anchor="ctr"/>
           <a:p>
-            <a:endParaRPr b="1" lang="de-DE" sz="4400" spc="-1" strike="noStrike">
-              <a:solidFill>
-                <a:srgbClr val="333333"/>
-              </a:solidFill>
-              <a:latin typeface="Noto Sans Regular"/>
-            </a:endParaRPr>
-          </a:p>
-        </p:txBody>
-      </p:sp>
-      <p:sp>
-        <p:nvSpPr>
-          <p:cNvPr id="62" name="PlaceHolder 2"/>
+            <a:pPr algn="ctr"/>
+            <a:endParaRPr b="0" lang="de-DE" sz="4400" spc="-1" strike="noStrike">
+              <a:latin typeface="Arial"/>
+            </a:endParaRPr>
+          </a:p>
+        </p:txBody>
+      </p:sp>
+      <p:sp>
+        <p:nvSpPr>
+          <p:cNvPr id="56" name="PlaceHolder 2"/>
           <p:cNvSpPr>
             <a:spLocks noGrp="1"/>
           </p:cNvSpPr>
@@ -1281,27 +1246,26 @@
         <p:spPr>
           <a:xfrm>
             <a:off x="720000" y="2160000"/>
-            <a:ext cx="4215960" cy="4384800"/>
-          </a:xfrm>
-          <a:prstGeom prst="rect">
-            <a:avLst/>
-          </a:prstGeom>
-        </p:spPr>
-        <p:txBody>
-          <a:bodyPr lIns="0" rIns="0" tIns="0" bIns="0"/>
-          <a:p>
-            <a:endParaRPr b="0" lang="de-DE" sz="2800" spc="-1" strike="noStrike">
-              <a:solidFill>
-                <a:srgbClr val="333333"/>
-              </a:solidFill>
-              <a:latin typeface="Noto Sans Regular"/>
-            </a:endParaRPr>
-          </a:p>
-        </p:txBody>
-      </p:sp>
-      <p:sp>
-        <p:nvSpPr>
-          <p:cNvPr id="63" name="PlaceHolder 3"/>
+            <a:ext cx="4215960" cy="4384440"/>
+          </a:xfrm>
+          <a:prstGeom prst="rect">
+            <a:avLst/>
+          </a:prstGeom>
+        </p:spPr>
+        <p:txBody>
+          <a:bodyPr lIns="0" rIns="0" tIns="0" bIns="0">
+            <a:normAutofit/>
+          </a:bodyPr>
+          <a:p>
+            <a:endParaRPr b="0" lang="de-DE" sz="3200" spc="-1" strike="noStrike">
+              <a:latin typeface="Arial"/>
+            </a:endParaRPr>
+          </a:p>
+        </p:txBody>
+      </p:sp>
+      <p:sp>
+        <p:nvSpPr>
+          <p:cNvPr id="57" name="PlaceHolder 3"/>
           <p:cNvSpPr>
             <a:spLocks noGrp="1"/>
           </p:cNvSpPr>
@@ -1319,20 +1283,19 @@
           </a:prstGeom>
         </p:spPr>
         <p:txBody>
-          <a:bodyPr lIns="0" rIns="0" tIns="0" bIns="0"/>
-          <a:p>
-            <a:endParaRPr b="0" lang="de-DE" sz="2800" spc="-1" strike="noStrike">
-              <a:solidFill>
-                <a:srgbClr val="333333"/>
-              </a:solidFill>
-              <a:latin typeface="Noto Sans Regular"/>
-            </a:endParaRPr>
-          </a:p>
-        </p:txBody>
-      </p:sp>
-      <p:sp>
-        <p:nvSpPr>
-          <p:cNvPr id="64" name="PlaceHolder 4"/>
+          <a:bodyPr lIns="0" rIns="0" tIns="0" bIns="0">
+            <a:normAutofit/>
+          </a:bodyPr>
+          <a:p>
+            <a:endParaRPr b="0" lang="de-DE" sz="3200" spc="-1" strike="noStrike">
+              <a:latin typeface="Arial"/>
+            </a:endParaRPr>
+          </a:p>
+        </p:txBody>
+      </p:sp>
+      <p:sp>
+        <p:nvSpPr>
+          <p:cNvPr id="58" name="PlaceHolder 4"/>
           <p:cNvSpPr>
             <a:spLocks noGrp="1"/>
           </p:cNvSpPr>
@@ -1350,13 +1313,12 @@
           </a:prstGeom>
         </p:spPr>
         <p:txBody>
-          <a:bodyPr lIns="0" rIns="0" tIns="0" bIns="0"/>
-          <a:p>
-            <a:endParaRPr b="0" lang="de-DE" sz="2800" spc="-1" strike="noStrike">
-              <a:solidFill>
-                <a:srgbClr val="333333"/>
-              </a:solidFill>
-              <a:latin typeface="Noto Sans Regular"/>
+          <a:bodyPr lIns="0" rIns="0" tIns="0" bIns="0">
+            <a:normAutofit/>
+          </a:bodyPr>
+          <a:p>
+            <a:endParaRPr b="0" lang="de-DE" sz="3200" spc="-1" strike="noStrike">
+              <a:latin typeface="Arial"/>
             </a:endParaRPr>
           </a:p>
         </p:txBody>
@@ -1385,7 +1347,7 @@
       </p:grpSpPr>
       <p:sp>
         <p:nvSpPr>
-          <p:cNvPr id="65" name="PlaceHolder 1"/>
+          <p:cNvPr id="59" name="PlaceHolder 1"/>
           <p:cNvSpPr>
             <a:spLocks noGrp="1"/>
           </p:cNvSpPr>
@@ -1396,7 +1358,7 @@
         <p:spPr>
           <a:xfrm>
             <a:off x="720000" y="300960"/>
-            <a:ext cx="8855640" cy="1262520"/>
+            <a:ext cx="8855280" cy="1262160"/>
           </a:xfrm>
           <a:prstGeom prst="rect">
             <a:avLst/>
@@ -1405,18 +1367,16 @@
         <p:txBody>
           <a:bodyPr lIns="0" rIns="0" tIns="0" bIns="0" anchor="ctr"/>
           <a:p>
-            <a:endParaRPr b="1" lang="de-DE" sz="4400" spc="-1" strike="noStrike">
-              <a:solidFill>
-                <a:srgbClr val="333333"/>
-              </a:solidFill>
-              <a:latin typeface="Noto Sans Regular"/>
-            </a:endParaRPr>
-          </a:p>
-        </p:txBody>
-      </p:sp>
-      <p:sp>
-        <p:nvSpPr>
-          <p:cNvPr id="66" name="PlaceHolder 2"/>
+            <a:pPr algn="ctr"/>
+            <a:endParaRPr b="0" lang="de-DE" sz="4400" spc="-1" strike="noStrike">
+              <a:latin typeface="Arial"/>
+            </a:endParaRPr>
+          </a:p>
+        </p:txBody>
+      </p:sp>
+      <p:sp>
+        <p:nvSpPr>
+          <p:cNvPr id="60" name="PlaceHolder 2"/>
           <p:cNvSpPr>
             <a:spLocks noGrp="1"/>
           </p:cNvSpPr>
@@ -1434,20 +1394,19 @@
           </a:prstGeom>
         </p:spPr>
         <p:txBody>
-          <a:bodyPr lIns="0" rIns="0" tIns="0" bIns="0"/>
-          <a:p>
-            <a:endParaRPr b="0" lang="de-DE" sz="2800" spc="-1" strike="noStrike">
-              <a:solidFill>
-                <a:srgbClr val="333333"/>
-              </a:solidFill>
-              <a:latin typeface="Noto Sans Regular"/>
-            </a:endParaRPr>
-          </a:p>
-        </p:txBody>
-      </p:sp>
-      <p:sp>
-        <p:nvSpPr>
-          <p:cNvPr id="67" name="PlaceHolder 3"/>
+          <a:bodyPr lIns="0" rIns="0" tIns="0" bIns="0">
+            <a:normAutofit/>
+          </a:bodyPr>
+          <a:p>
+            <a:endParaRPr b="0" lang="de-DE" sz="3200" spc="-1" strike="noStrike">
+              <a:latin typeface="Arial"/>
+            </a:endParaRPr>
+          </a:p>
+        </p:txBody>
+      </p:sp>
+      <p:sp>
+        <p:nvSpPr>
+          <p:cNvPr id="61" name="PlaceHolder 3"/>
           <p:cNvSpPr>
             <a:spLocks noGrp="1"/>
           </p:cNvSpPr>
@@ -1465,20 +1424,19 @@
           </a:prstGeom>
         </p:spPr>
         <p:txBody>
-          <a:bodyPr lIns="0" rIns="0" tIns="0" bIns="0"/>
-          <a:p>
-            <a:endParaRPr b="0" lang="de-DE" sz="2800" spc="-1" strike="noStrike">
-              <a:solidFill>
-                <a:srgbClr val="333333"/>
-              </a:solidFill>
-              <a:latin typeface="Noto Sans Regular"/>
-            </a:endParaRPr>
-          </a:p>
-        </p:txBody>
-      </p:sp>
-      <p:sp>
-        <p:nvSpPr>
-          <p:cNvPr id="68" name="PlaceHolder 4"/>
+          <a:bodyPr lIns="0" rIns="0" tIns="0" bIns="0">
+            <a:normAutofit/>
+          </a:bodyPr>
+          <a:p>
+            <a:endParaRPr b="0" lang="de-DE" sz="3200" spc="-1" strike="noStrike">
+              <a:latin typeface="Arial"/>
+            </a:endParaRPr>
+          </a:p>
+        </p:txBody>
+      </p:sp>
+      <p:sp>
+        <p:nvSpPr>
+          <p:cNvPr id="62" name="PlaceHolder 4"/>
           <p:cNvSpPr>
             <a:spLocks noGrp="1"/>
           </p:cNvSpPr>
@@ -1489,20 +1447,19 @@
         <p:spPr>
           <a:xfrm>
             <a:off x="720000" y="4450320"/>
-            <a:ext cx="8640000" cy="2091240"/>
-          </a:xfrm>
-          <a:prstGeom prst="rect">
-            <a:avLst/>
-          </a:prstGeom>
-        </p:spPr>
-        <p:txBody>
-          <a:bodyPr lIns="0" rIns="0" tIns="0" bIns="0"/>
-          <a:p>
-            <a:endParaRPr b="0" lang="de-DE" sz="2800" spc="-1" strike="noStrike">
-              <a:solidFill>
-                <a:srgbClr val="333333"/>
-              </a:solidFill>
-              <a:latin typeface="Noto Sans Regular"/>
+            <a:ext cx="8639640" cy="2091240"/>
+          </a:xfrm>
+          <a:prstGeom prst="rect">
+            <a:avLst/>
+          </a:prstGeom>
+        </p:spPr>
+        <p:txBody>
+          <a:bodyPr lIns="0" rIns="0" tIns="0" bIns="0">
+            <a:normAutofit/>
+          </a:bodyPr>
+          <a:p>
+            <a:endParaRPr b="0" lang="de-DE" sz="3200" spc="-1" strike="noStrike">
+              <a:latin typeface="Arial"/>
             </a:endParaRPr>
           </a:p>
         </p:txBody>
@@ -1531,7 +1488,7 @@
       </p:grpSpPr>
       <p:sp>
         <p:nvSpPr>
-          <p:cNvPr id="69" name="PlaceHolder 1"/>
+          <p:cNvPr id="63" name="PlaceHolder 1"/>
           <p:cNvSpPr>
             <a:spLocks noGrp="1"/>
           </p:cNvSpPr>
@@ -1542,7 +1499,7 @@
         <p:spPr>
           <a:xfrm>
             <a:off x="720000" y="300960"/>
-            <a:ext cx="8855640" cy="1262520"/>
+            <a:ext cx="8855280" cy="1262160"/>
           </a:xfrm>
           <a:prstGeom prst="rect">
             <a:avLst/>
@@ -1551,18 +1508,16 @@
         <p:txBody>
           <a:bodyPr lIns="0" rIns="0" tIns="0" bIns="0" anchor="ctr"/>
           <a:p>
-            <a:endParaRPr b="1" lang="de-DE" sz="4400" spc="-1" strike="noStrike">
-              <a:solidFill>
-                <a:srgbClr val="333333"/>
-              </a:solidFill>
-              <a:latin typeface="Noto Sans Regular"/>
-            </a:endParaRPr>
-          </a:p>
-        </p:txBody>
-      </p:sp>
-      <p:sp>
-        <p:nvSpPr>
-          <p:cNvPr id="70" name="PlaceHolder 2"/>
+            <a:pPr algn="ctr"/>
+            <a:endParaRPr b="0" lang="de-DE" sz="4400" spc="-1" strike="noStrike">
+              <a:latin typeface="Arial"/>
+            </a:endParaRPr>
+          </a:p>
+        </p:txBody>
+      </p:sp>
+      <p:sp>
+        <p:nvSpPr>
+          <p:cNvPr id="64" name="PlaceHolder 2"/>
           <p:cNvSpPr>
             <a:spLocks noGrp="1"/>
           </p:cNvSpPr>
@@ -1573,27 +1528,26 @@
         <p:spPr>
           <a:xfrm>
             <a:off x="720000" y="2160000"/>
-            <a:ext cx="8640000" cy="2091240"/>
-          </a:xfrm>
-          <a:prstGeom prst="rect">
-            <a:avLst/>
-          </a:prstGeom>
-        </p:spPr>
-        <p:txBody>
-          <a:bodyPr lIns="0" rIns="0" tIns="0" bIns="0"/>
-          <a:p>
-            <a:endParaRPr b="0" lang="de-DE" sz="2800" spc="-1" strike="noStrike">
-              <a:solidFill>
-                <a:srgbClr val="333333"/>
-              </a:solidFill>
-              <a:latin typeface="Noto Sans Regular"/>
-            </a:endParaRPr>
-          </a:p>
-        </p:txBody>
-      </p:sp>
-      <p:sp>
-        <p:nvSpPr>
-          <p:cNvPr id="71" name="PlaceHolder 3"/>
+            <a:ext cx="8639640" cy="2091240"/>
+          </a:xfrm>
+          <a:prstGeom prst="rect">
+            <a:avLst/>
+          </a:prstGeom>
+        </p:spPr>
+        <p:txBody>
+          <a:bodyPr lIns="0" rIns="0" tIns="0" bIns="0">
+            <a:normAutofit/>
+          </a:bodyPr>
+          <a:p>
+            <a:endParaRPr b="0" lang="de-DE" sz="3200" spc="-1" strike="noStrike">
+              <a:latin typeface="Arial"/>
+            </a:endParaRPr>
+          </a:p>
+        </p:txBody>
+      </p:sp>
+      <p:sp>
+        <p:nvSpPr>
+          <p:cNvPr id="65" name="PlaceHolder 3"/>
           <p:cNvSpPr>
             <a:spLocks noGrp="1"/>
           </p:cNvSpPr>
@@ -1604,20 +1558,19 @@
         <p:spPr>
           <a:xfrm>
             <a:off x="720000" y="4450320"/>
-            <a:ext cx="8640000" cy="2091240"/>
-          </a:xfrm>
-          <a:prstGeom prst="rect">
-            <a:avLst/>
-          </a:prstGeom>
-        </p:spPr>
-        <p:txBody>
-          <a:bodyPr lIns="0" rIns="0" tIns="0" bIns="0"/>
-          <a:p>
-            <a:endParaRPr b="0" lang="de-DE" sz="2800" spc="-1" strike="noStrike">
-              <a:solidFill>
-                <a:srgbClr val="333333"/>
-              </a:solidFill>
-              <a:latin typeface="Noto Sans Regular"/>
+            <a:ext cx="8639640" cy="2091240"/>
+          </a:xfrm>
+          <a:prstGeom prst="rect">
+            <a:avLst/>
+          </a:prstGeom>
+        </p:spPr>
+        <p:txBody>
+          <a:bodyPr lIns="0" rIns="0" tIns="0" bIns="0">
+            <a:normAutofit/>
+          </a:bodyPr>
+          <a:p>
+            <a:endParaRPr b="0" lang="de-DE" sz="3200" spc="-1" strike="noStrike">
+              <a:latin typeface="Arial"/>
             </a:endParaRPr>
           </a:p>
         </p:txBody>
@@ -1646,7 +1599,7 @@
       </p:grpSpPr>
       <p:sp>
         <p:nvSpPr>
-          <p:cNvPr id="72" name="PlaceHolder 1"/>
+          <p:cNvPr id="66" name="PlaceHolder 1"/>
           <p:cNvSpPr>
             <a:spLocks noGrp="1"/>
           </p:cNvSpPr>
@@ -1657,7 +1610,7 @@
         <p:spPr>
           <a:xfrm>
             <a:off x="720000" y="300960"/>
-            <a:ext cx="8855640" cy="1262520"/>
+            <a:ext cx="8855280" cy="1262160"/>
           </a:xfrm>
           <a:prstGeom prst="rect">
             <a:avLst/>
@@ -1666,18 +1619,16 @@
         <p:txBody>
           <a:bodyPr lIns="0" rIns="0" tIns="0" bIns="0" anchor="ctr"/>
           <a:p>
-            <a:endParaRPr b="1" lang="de-DE" sz="4400" spc="-1" strike="noStrike">
-              <a:solidFill>
-                <a:srgbClr val="333333"/>
-              </a:solidFill>
-              <a:latin typeface="Noto Sans Regular"/>
-            </a:endParaRPr>
-          </a:p>
-        </p:txBody>
-      </p:sp>
-      <p:sp>
-        <p:nvSpPr>
-          <p:cNvPr id="73" name="PlaceHolder 2"/>
+            <a:pPr algn="ctr"/>
+            <a:endParaRPr b="0" lang="de-DE" sz="4400" spc="-1" strike="noStrike">
+              <a:latin typeface="Arial"/>
+            </a:endParaRPr>
+          </a:p>
+        </p:txBody>
+      </p:sp>
+      <p:sp>
+        <p:nvSpPr>
+          <p:cNvPr id="67" name="PlaceHolder 2"/>
           <p:cNvSpPr>
             <a:spLocks noGrp="1"/>
           </p:cNvSpPr>
@@ -1695,20 +1646,19 @@
           </a:prstGeom>
         </p:spPr>
         <p:txBody>
-          <a:bodyPr lIns="0" rIns="0" tIns="0" bIns="0"/>
-          <a:p>
-            <a:endParaRPr b="0" lang="de-DE" sz="2800" spc="-1" strike="noStrike">
-              <a:solidFill>
-                <a:srgbClr val="333333"/>
-              </a:solidFill>
-              <a:latin typeface="Noto Sans Regular"/>
-            </a:endParaRPr>
-          </a:p>
-        </p:txBody>
-      </p:sp>
-      <p:sp>
-        <p:nvSpPr>
-          <p:cNvPr id="74" name="PlaceHolder 3"/>
+          <a:bodyPr lIns="0" rIns="0" tIns="0" bIns="0">
+            <a:normAutofit/>
+          </a:bodyPr>
+          <a:p>
+            <a:endParaRPr b="0" lang="de-DE" sz="3200" spc="-1" strike="noStrike">
+              <a:latin typeface="Arial"/>
+            </a:endParaRPr>
+          </a:p>
+        </p:txBody>
+      </p:sp>
+      <p:sp>
+        <p:nvSpPr>
+          <p:cNvPr id="68" name="PlaceHolder 3"/>
           <p:cNvSpPr>
             <a:spLocks noGrp="1"/>
           </p:cNvSpPr>
@@ -1726,20 +1676,19 @@
           </a:prstGeom>
         </p:spPr>
         <p:txBody>
-          <a:bodyPr lIns="0" rIns="0" tIns="0" bIns="0"/>
-          <a:p>
-            <a:endParaRPr b="0" lang="de-DE" sz="2800" spc="-1" strike="noStrike">
-              <a:solidFill>
-                <a:srgbClr val="333333"/>
-              </a:solidFill>
-              <a:latin typeface="Noto Sans Regular"/>
-            </a:endParaRPr>
-          </a:p>
-        </p:txBody>
-      </p:sp>
-      <p:sp>
-        <p:nvSpPr>
-          <p:cNvPr id="75" name="PlaceHolder 4"/>
+          <a:bodyPr lIns="0" rIns="0" tIns="0" bIns="0">
+            <a:normAutofit/>
+          </a:bodyPr>
+          <a:p>
+            <a:endParaRPr b="0" lang="de-DE" sz="3200" spc="-1" strike="noStrike">
+              <a:latin typeface="Arial"/>
+            </a:endParaRPr>
+          </a:p>
+        </p:txBody>
+      </p:sp>
+      <p:sp>
+        <p:nvSpPr>
+          <p:cNvPr id="69" name="PlaceHolder 4"/>
           <p:cNvSpPr>
             <a:spLocks noGrp="1"/>
           </p:cNvSpPr>
@@ -1757,20 +1706,19 @@
           </a:prstGeom>
         </p:spPr>
         <p:txBody>
-          <a:bodyPr lIns="0" rIns="0" tIns="0" bIns="0"/>
-          <a:p>
-            <a:endParaRPr b="0" lang="de-DE" sz="2800" spc="-1" strike="noStrike">
-              <a:solidFill>
-                <a:srgbClr val="333333"/>
-              </a:solidFill>
-              <a:latin typeface="Noto Sans Regular"/>
-            </a:endParaRPr>
-          </a:p>
-        </p:txBody>
-      </p:sp>
-      <p:sp>
-        <p:nvSpPr>
-          <p:cNvPr id="76" name="PlaceHolder 5"/>
+          <a:bodyPr lIns="0" rIns="0" tIns="0" bIns="0">
+            <a:normAutofit/>
+          </a:bodyPr>
+          <a:p>
+            <a:endParaRPr b="0" lang="de-DE" sz="3200" spc="-1" strike="noStrike">
+              <a:latin typeface="Arial"/>
+            </a:endParaRPr>
+          </a:p>
+        </p:txBody>
+      </p:sp>
+      <p:sp>
+        <p:nvSpPr>
+          <p:cNvPr id="70" name="PlaceHolder 5"/>
           <p:cNvSpPr>
             <a:spLocks noGrp="1"/>
           </p:cNvSpPr>
@@ -1788,13 +1736,12 @@
           </a:prstGeom>
         </p:spPr>
         <p:txBody>
-          <a:bodyPr lIns="0" rIns="0" tIns="0" bIns="0"/>
-          <a:p>
-            <a:endParaRPr b="0" lang="de-DE" sz="2800" spc="-1" strike="noStrike">
-              <a:solidFill>
-                <a:srgbClr val="333333"/>
-              </a:solidFill>
-              <a:latin typeface="Noto Sans Regular"/>
+          <a:bodyPr lIns="0" rIns="0" tIns="0" bIns="0">
+            <a:normAutofit/>
+          </a:bodyPr>
+          <a:p>
+            <a:endParaRPr b="0" lang="de-DE" sz="3200" spc="-1" strike="noStrike">
+              <a:latin typeface="Arial"/>
             </a:endParaRPr>
           </a:p>
         </p:txBody>
@@ -1823,7 +1770,7 @@
       </p:grpSpPr>
       <p:sp>
         <p:nvSpPr>
-          <p:cNvPr id="77" name="PlaceHolder 1"/>
+          <p:cNvPr id="71" name="PlaceHolder 1"/>
           <p:cNvSpPr>
             <a:spLocks noGrp="1"/>
           </p:cNvSpPr>
@@ -1834,7 +1781,7 @@
         <p:spPr>
           <a:xfrm>
             <a:off x="720000" y="300960"/>
-            <a:ext cx="8855640" cy="1262520"/>
+            <a:ext cx="8855280" cy="1262160"/>
           </a:xfrm>
           <a:prstGeom prst="rect">
             <a:avLst/>
@@ -1843,18 +1790,16 @@
         <p:txBody>
           <a:bodyPr lIns="0" rIns="0" tIns="0" bIns="0" anchor="ctr"/>
           <a:p>
-            <a:endParaRPr b="1" lang="de-DE" sz="4400" spc="-1" strike="noStrike">
-              <a:solidFill>
-                <a:srgbClr val="333333"/>
-              </a:solidFill>
-              <a:latin typeface="Noto Sans Regular"/>
-            </a:endParaRPr>
-          </a:p>
-        </p:txBody>
-      </p:sp>
-      <p:sp>
-        <p:nvSpPr>
-          <p:cNvPr id="78" name="PlaceHolder 2"/>
+            <a:pPr algn="ctr"/>
+            <a:endParaRPr b="0" lang="de-DE" sz="4400" spc="-1" strike="noStrike">
+              <a:latin typeface="Arial"/>
+            </a:endParaRPr>
+          </a:p>
+        </p:txBody>
+      </p:sp>
+      <p:sp>
+        <p:nvSpPr>
+          <p:cNvPr id="72" name="PlaceHolder 2"/>
           <p:cNvSpPr>
             <a:spLocks noGrp="1"/>
           </p:cNvSpPr>
@@ -1872,20 +1817,19 @@
           </a:prstGeom>
         </p:spPr>
         <p:txBody>
-          <a:bodyPr lIns="0" rIns="0" tIns="0" bIns="0"/>
-          <a:p>
-            <a:endParaRPr b="0" lang="de-DE" sz="2800" spc="-1" strike="noStrike">
-              <a:solidFill>
-                <a:srgbClr val="333333"/>
-              </a:solidFill>
-              <a:latin typeface="Noto Sans Regular"/>
-            </a:endParaRPr>
-          </a:p>
-        </p:txBody>
-      </p:sp>
-      <p:sp>
-        <p:nvSpPr>
-          <p:cNvPr id="79" name="PlaceHolder 3"/>
+          <a:bodyPr lIns="0" rIns="0" tIns="0" bIns="0">
+            <a:normAutofit/>
+          </a:bodyPr>
+          <a:p>
+            <a:endParaRPr b="0" lang="de-DE" sz="3200" spc="-1" strike="noStrike">
+              <a:latin typeface="Arial"/>
+            </a:endParaRPr>
+          </a:p>
+        </p:txBody>
+      </p:sp>
+      <p:sp>
+        <p:nvSpPr>
+          <p:cNvPr id="73" name="PlaceHolder 3"/>
           <p:cNvSpPr>
             <a:spLocks noGrp="1"/>
           </p:cNvSpPr>
@@ -1903,20 +1847,19 @@
           </a:prstGeom>
         </p:spPr>
         <p:txBody>
-          <a:bodyPr lIns="0" rIns="0" tIns="0" bIns="0"/>
-          <a:p>
-            <a:endParaRPr b="0" lang="de-DE" sz="2800" spc="-1" strike="noStrike">
-              <a:solidFill>
-                <a:srgbClr val="333333"/>
-              </a:solidFill>
-              <a:latin typeface="Noto Sans Regular"/>
-            </a:endParaRPr>
-          </a:p>
-        </p:txBody>
-      </p:sp>
-      <p:sp>
-        <p:nvSpPr>
-          <p:cNvPr id="80" name="PlaceHolder 4"/>
+          <a:bodyPr lIns="0" rIns="0" tIns="0" bIns="0">
+            <a:normAutofit/>
+          </a:bodyPr>
+          <a:p>
+            <a:endParaRPr b="0" lang="de-DE" sz="3200" spc="-1" strike="noStrike">
+              <a:latin typeface="Arial"/>
+            </a:endParaRPr>
+          </a:p>
+        </p:txBody>
+      </p:sp>
+      <p:sp>
+        <p:nvSpPr>
+          <p:cNvPr id="74" name="PlaceHolder 4"/>
           <p:cNvSpPr>
             <a:spLocks noGrp="1"/>
           </p:cNvSpPr>
@@ -1934,20 +1877,19 @@
           </a:prstGeom>
         </p:spPr>
         <p:txBody>
-          <a:bodyPr lIns="0" rIns="0" tIns="0" bIns="0"/>
-          <a:p>
-            <a:endParaRPr b="0" lang="de-DE" sz="2800" spc="-1" strike="noStrike">
-              <a:solidFill>
-                <a:srgbClr val="333333"/>
-              </a:solidFill>
-              <a:latin typeface="Noto Sans Regular"/>
-            </a:endParaRPr>
-          </a:p>
-        </p:txBody>
-      </p:sp>
-      <p:sp>
-        <p:nvSpPr>
-          <p:cNvPr id="81" name="PlaceHolder 5"/>
+          <a:bodyPr lIns="0" rIns="0" tIns="0" bIns="0">
+            <a:normAutofit/>
+          </a:bodyPr>
+          <a:p>
+            <a:endParaRPr b="0" lang="de-DE" sz="3200" spc="-1" strike="noStrike">
+              <a:latin typeface="Arial"/>
+            </a:endParaRPr>
+          </a:p>
+        </p:txBody>
+      </p:sp>
+      <p:sp>
+        <p:nvSpPr>
+          <p:cNvPr id="75" name="PlaceHolder 5"/>
           <p:cNvSpPr>
             <a:spLocks noGrp="1"/>
           </p:cNvSpPr>
@@ -1965,20 +1907,19 @@
           </a:prstGeom>
         </p:spPr>
         <p:txBody>
-          <a:bodyPr lIns="0" rIns="0" tIns="0" bIns="0"/>
-          <a:p>
-            <a:endParaRPr b="0" lang="de-DE" sz="2800" spc="-1" strike="noStrike">
-              <a:solidFill>
-                <a:srgbClr val="333333"/>
-              </a:solidFill>
-              <a:latin typeface="Noto Sans Regular"/>
-            </a:endParaRPr>
-          </a:p>
-        </p:txBody>
-      </p:sp>
-      <p:sp>
-        <p:nvSpPr>
-          <p:cNvPr id="82" name="PlaceHolder 6"/>
+          <a:bodyPr lIns="0" rIns="0" tIns="0" bIns="0">
+            <a:normAutofit/>
+          </a:bodyPr>
+          <a:p>
+            <a:endParaRPr b="0" lang="de-DE" sz="3200" spc="-1" strike="noStrike">
+              <a:latin typeface="Arial"/>
+            </a:endParaRPr>
+          </a:p>
+        </p:txBody>
+      </p:sp>
+      <p:sp>
+        <p:nvSpPr>
+          <p:cNvPr id="76" name="PlaceHolder 6"/>
           <p:cNvSpPr>
             <a:spLocks noGrp="1"/>
           </p:cNvSpPr>
@@ -1996,20 +1937,19 @@
           </a:prstGeom>
         </p:spPr>
         <p:txBody>
-          <a:bodyPr lIns="0" rIns="0" tIns="0" bIns="0"/>
-          <a:p>
-            <a:endParaRPr b="0" lang="de-DE" sz="2800" spc="-1" strike="noStrike">
-              <a:solidFill>
-                <a:srgbClr val="333333"/>
-              </a:solidFill>
-              <a:latin typeface="Noto Sans Regular"/>
-            </a:endParaRPr>
-          </a:p>
-        </p:txBody>
-      </p:sp>
-      <p:sp>
-        <p:nvSpPr>
-          <p:cNvPr id="83" name="PlaceHolder 7"/>
+          <a:bodyPr lIns="0" rIns="0" tIns="0" bIns="0">
+            <a:normAutofit/>
+          </a:bodyPr>
+          <a:p>
+            <a:endParaRPr b="0" lang="de-DE" sz="3200" spc="-1" strike="noStrike">
+              <a:latin typeface="Arial"/>
+            </a:endParaRPr>
+          </a:p>
+        </p:txBody>
+      </p:sp>
+      <p:sp>
+        <p:nvSpPr>
+          <p:cNvPr id="77" name="PlaceHolder 7"/>
           <p:cNvSpPr>
             <a:spLocks noGrp="1"/>
           </p:cNvSpPr>
@@ -2027,13 +1967,12 @@
           </a:prstGeom>
         </p:spPr>
         <p:txBody>
-          <a:bodyPr lIns="0" rIns="0" tIns="0" bIns="0"/>
-          <a:p>
-            <a:endParaRPr b="0" lang="de-DE" sz="2800" spc="-1" strike="noStrike">
-              <a:solidFill>
-                <a:srgbClr val="333333"/>
-              </a:solidFill>
-              <a:latin typeface="Noto Sans Regular"/>
+          <a:bodyPr lIns="0" rIns="0" tIns="0" bIns="0">
+            <a:normAutofit/>
+          </a:bodyPr>
+          <a:p>
+            <a:endParaRPr b="0" lang="de-DE" sz="3200" spc="-1" strike="noStrike">
+              <a:latin typeface="Arial"/>
             </a:endParaRPr>
           </a:p>
         </p:txBody>
@@ -2062,7 +2001,7 @@
       </p:grpSpPr>
       <p:sp>
         <p:nvSpPr>
-          <p:cNvPr id="8" name="PlaceHolder 1"/>
+          <p:cNvPr id="5" name="PlaceHolder 1"/>
           <p:cNvSpPr>
             <a:spLocks noGrp="1"/>
           </p:cNvSpPr>
@@ -2073,7 +2012,7 @@
         <p:spPr>
           <a:xfrm>
             <a:off x="720000" y="300960"/>
-            <a:ext cx="8855640" cy="1262520"/>
+            <a:ext cx="8855280" cy="1262160"/>
           </a:xfrm>
           <a:prstGeom prst="rect">
             <a:avLst/>
@@ -2082,18 +2021,16 @@
         <p:txBody>
           <a:bodyPr lIns="0" rIns="0" tIns="0" bIns="0" anchor="ctr"/>
           <a:p>
-            <a:endParaRPr b="1" lang="de-DE" sz="4400" spc="-1" strike="noStrike">
-              <a:solidFill>
-                <a:srgbClr val="333333"/>
-              </a:solidFill>
-              <a:latin typeface="Noto Sans Regular"/>
-            </a:endParaRPr>
-          </a:p>
-        </p:txBody>
-      </p:sp>
-      <p:sp>
-        <p:nvSpPr>
-          <p:cNvPr id="9" name="PlaceHolder 2"/>
+            <a:pPr algn="ctr"/>
+            <a:endParaRPr b="0" lang="de-DE" sz="4400" spc="-1" strike="noStrike">
+              <a:latin typeface="Arial"/>
+            </a:endParaRPr>
+          </a:p>
+        </p:txBody>
+      </p:sp>
+      <p:sp>
+        <p:nvSpPr>
+          <p:cNvPr id="6" name="PlaceHolder 2"/>
           <p:cNvSpPr>
             <a:spLocks noGrp="1"/>
           </p:cNvSpPr>
@@ -2104,20 +2041,19 @@
         <p:spPr>
           <a:xfrm>
             <a:off x="720000" y="2160000"/>
-            <a:ext cx="8640000" cy="4384800"/>
-          </a:xfrm>
-          <a:prstGeom prst="rect">
-            <a:avLst/>
-          </a:prstGeom>
-        </p:spPr>
-        <p:txBody>
-          <a:bodyPr lIns="0" rIns="0" tIns="0" bIns="0"/>
-          <a:p>
-            <a:endParaRPr b="0" lang="de-DE" sz="2800" spc="-1" strike="noStrike">
-              <a:solidFill>
-                <a:srgbClr val="333333"/>
-              </a:solidFill>
-              <a:latin typeface="Noto Sans Regular"/>
+            <a:ext cx="8639640" cy="4384440"/>
+          </a:xfrm>
+          <a:prstGeom prst="rect">
+            <a:avLst/>
+          </a:prstGeom>
+        </p:spPr>
+        <p:txBody>
+          <a:bodyPr lIns="0" rIns="0" tIns="0" bIns="0">
+            <a:normAutofit/>
+          </a:bodyPr>
+          <a:p>
+            <a:endParaRPr b="0" lang="de-DE" sz="3200" spc="-1" strike="noStrike">
+              <a:latin typeface="Arial"/>
             </a:endParaRPr>
           </a:p>
         </p:txBody>
@@ -2146,7 +2082,7 @@
       </p:grpSpPr>
       <p:sp>
         <p:nvSpPr>
-          <p:cNvPr id="10" name="PlaceHolder 1"/>
+          <p:cNvPr id="7" name="PlaceHolder 1"/>
           <p:cNvSpPr>
             <a:spLocks noGrp="1"/>
           </p:cNvSpPr>
@@ -2157,7 +2093,7 @@
         <p:spPr>
           <a:xfrm>
             <a:off x="720000" y="300960"/>
-            <a:ext cx="8855640" cy="1262520"/>
+            <a:ext cx="8855280" cy="1262160"/>
           </a:xfrm>
           <a:prstGeom prst="rect">
             <a:avLst/>
@@ -2166,18 +2102,16 @@
         <p:txBody>
           <a:bodyPr lIns="0" rIns="0" tIns="0" bIns="0" anchor="ctr"/>
           <a:p>
-            <a:endParaRPr b="1" lang="de-DE" sz="4400" spc="-1" strike="noStrike">
-              <a:solidFill>
-                <a:srgbClr val="333333"/>
-              </a:solidFill>
-              <a:latin typeface="Noto Sans Regular"/>
-            </a:endParaRPr>
-          </a:p>
-        </p:txBody>
-      </p:sp>
-      <p:sp>
-        <p:nvSpPr>
-          <p:cNvPr id="11" name="PlaceHolder 2"/>
+            <a:pPr algn="ctr"/>
+            <a:endParaRPr b="0" lang="de-DE" sz="4400" spc="-1" strike="noStrike">
+              <a:latin typeface="Arial"/>
+            </a:endParaRPr>
+          </a:p>
+        </p:txBody>
+      </p:sp>
+      <p:sp>
+        <p:nvSpPr>
+          <p:cNvPr id="8" name="PlaceHolder 2"/>
           <p:cNvSpPr>
             <a:spLocks noGrp="1"/>
           </p:cNvSpPr>
@@ -2188,27 +2122,26 @@
         <p:spPr>
           <a:xfrm>
             <a:off x="720000" y="2160000"/>
-            <a:ext cx="4215960" cy="4384800"/>
-          </a:xfrm>
-          <a:prstGeom prst="rect">
-            <a:avLst/>
-          </a:prstGeom>
-        </p:spPr>
-        <p:txBody>
-          <a:bodyPr lIns="0" rIns="0" tIns="0" bIns="0"/>
-          <a:p>
-            <a:endParaRPr b="0" lang="de-DE" sz="2800" spc="-1" strike="noStrike">
-              <a:solidFill>
-                <a:srgbClr val="333333"/>
-              </a:solidFill>
-              <a:latin typeface="Noto Sans Regular"/>
-            </a:endParaRPr>
-          </a:p>
-        </p:txBody>
-      </p:sp>
-      <p:sp>
-        <p:nvSpPr>
-          <p:cNvPr id="12" name="PlaceHolder 3"/>
+            <a:ext cx="4215960" cy="4384440"/>
+          </a:xfrm>
+          <a:prstGeom prst="rect">
+            <a:avLst/>
+          </a:prstGeom>
+        </p:spPr>
+        <p:txBody>
+          <a:bodyPr lIns="0" rIns="0" tIns="0" bIns="0">
+            <a:normAutofit/>
+          </a:bodyPr>
+          <a:p>
+            <a:endParaRPr b="0" lang="de-DE" sz="3200" spc="-1" strike="noStrike">
+              <a:latin typeface="Arial"/>
+            </a:endParaRPr>
+          </a:p>
+        </p:txBody>
+      </p:sp>
+      <p:sp>
+        <p:nvSpPr>
+          <p:cNvPr id="9" name="PlaceHolder 3"/>
           <p:cNvSpPr>
             <a:spLocks noGrp="1"/>
           </p:cNvSpPr>
@@ -2219,20 +2152,19 @@
         <p:spPr>
           <a:xfrm>
             <a:off x="5147280" y="2160000"/>
-            <a:ext cx="4215960" cy="4384800"/>
-          </a:xfrm>
-          <a:prstGeom prst="rect">
-            <a:avLst/>
-          </a:prstGeom>
-        </p:spPr>
-        <p:txBody>
-          <a:bodyPr lIns="0" rIns="0" tIns="0" bIns="0"/>
-          <a:p>
-            <a:endParaRPr b="0" lang="de-DE" sz="2800" spc="-1" strike="noStrike">
-              <a:solidFill>
-                <a:srgbClr val="333333"/>
-              </a:solidFill>
-              <a:latin typeface="Noto Sans Regular"/>
+            <a:ext cx="4215960" cy="4384440"/>
+          </a:xfrm>
+          <a:prstGeom prst="rect">
+            <a:avLst/>
+          </a:prstGeom>
+        </p:spPr>
+        <p:txBody>
+          <a:bodyPr lIns="0" rIns="0" tIns="0" bIns="0">
+            <a:normAutofit/>
+          </a:bodyPr>
+          <a:p>
+            <a:endParaRPr b="0" lang="de-DE" sz="3200" spc="-1" strike="noStrike">
+              <a:latin typeface="Arial"/>
             </a:endParaRPr>
           </a:p>
         </p:txBody>
@@ -2261,7 +2193,7 @@
       </p:grpSpPr>
       <p:sp>
         <p:nvSpPr>
-          <p:cNvPr id="13" name="PlaceHolder 1"/>
+          <p:cNvPr id="10" name="PlaceHolder 1"/>
           <p:cNvSpPr>
             <a:spLocks noGrp="1"/>
           </p:cNvSpPr>
@@ -2272,7 +2204,7 @@
         <p:spPr>
           <a:xfrm>
             <a:off x="720000" y="300960"/>
-            <a:ext cx="8855640" cy="1262520"/>
+            <a:ext cx="8855280" cy="1262160"/>
           </a:xfrm>
           <a:prstGeom prst="rect">
             <a:avLst/>
@@ -2281,11 +2213,9 @@
         <p:txBody>
           <a:bodyPr lIns="0" rIns="0" tIns="0" bIns="0" anchor="ctr"/>
           <a:p>
-            <a:endParaRPr b="1" lang="de-DE" sz="4400" spc="-1" strike="noStrike">
-              <a:solidFill>
-                <a:srgbClr val="333333"/>
-              </a:solidFill>
-              <a:latin typeface="Noto Sans Regular"/>
+            <a:pPr algn="ctr"/>
+            <a:endParaRPr b="0" lang="de-DE" sz="4400" spc="-1" strike="noStrike">
+              <a:latin typeface="Arial"/>
             </a:endParaRPr>
           </a:p>
         </p:txBody>
@@ -2314,7 +2244,7 @@
       </p:grpSpPr>
       <p:sp>
         <p:nvSpPr>
-          <p:cNvPr id="14" name="PlaceHolder 1"/>
+          <p:cNvPr id="11" name="PlaceHolder 1"/>
           <p:cNvSpPr>
             <a:spLocks noGrp="1"/>
           </p:cNvSpPr>
@@ -2325,7 +2255,7 @@
         <p:spPr>
           <a:xfrm>
             <a:off x="720000" y="300960"/>
-            <a:ext cx="8855640" cy="5853600"/>
+            <a:ext cx="8855280" cy="5851800"/>
           </a:xfrm>
           <a:prstGeom prst="rect">
             <a:avLst/>
@@ -2365,7 +2295,7 @@
       </p:grpSpPr>
       <p:sp>
         <p:nvSpPr>
-          <p:cNvPr id="15" name="PlaceHolder 1"/>
+          <p:cNvPr id="12" name="PlaceHolder 1"/>
           <p:cNvSpPr>
             <a:spLocks noGrp="1"/>
           </p:cNvSpPr>
@@ -2376,7 +2306,7 @@
         <p:spPr>
           <a:xfrm>
             <a:off x="720000" y="300960"/>
-            <a:ext cx="8855640" cy="1262520"/>
+            <a:ext cx="8855280" cy="1262160"/>
           </a:xfrm>
           <a:prstGeom prst="rect">
             <a:avLst/>
@@ -2385,18 +2315,16 @@
         <p:txBody>
           <a:bodyPr lIns="0" rIns="0" tIns="0" bIns="0" anchor="ctr"/>
           <a:p>
-            <a:endParaRPr b="1" lang="de-DE" sz="4400" spc="-1" strike="noStrike">
-              <a:solidFill>
-                <a:srgbClr val="333333"/>
-              </a:solidFill>
-              <a:latin typeface="Noto Sans Regular"/>
-            </a:endParaRPr>
-          </a:p>
-        </p:txBody>
-      </p:sp>
-      <p:sp>
-        <p:nvSpPr>
-          <p:cNvPr id="16" name="PlaceHolder 2"/>
+            <a:pPr algn="ctr"/>
+            <a:endParaRPr b="0" lang="de-DE" sz="4400" spc="-1" strike="noStrike">
+              <a:latin typeface="Arial"/>
+            </a:endParaRPr>
+          </a:p>
+        </p:txBody>
+      </p:sp>
+      <p:sp>
+        <p:nvSpPr>
+          <p:cNvPr id="13" name="PlaceHolder 2"/>
           <p:cNvSpPr>
             <a:spLocks noGrp="1"/>
           </p:cNvSpPr>
@@ -2414,20 +2342,19 @@
           </a:prstGeom>
         </p:spPr>
         <p:txBody>
-          <a:bodyPr lIns="0" rIns="0" tIns="0" bIns="0"/>
-          <a:p>
-            <a:endParaRPr b="0" lang="de-DE" sz="2800" spc="-1" strike="noStrike">
-              <a:solidFill>
-                <a:srgbClr val="333333"/>
-              </a:solidFill>
-              <a:latin typeface="Noto Sans Regular"/>
-            </a:endParaRPr>
-          </a:p>
-        </p:txBody>
-      </p:sp>
-      <p:sp>
-        <p:nvSpPr>
-          <p:cNvPr id="17" name="PlaceHolder 3"/>
+          <a:bodyPr lIns="0" rIns="0" tIns="0" bIns="0">
+            <a:normAutofit/>
+          </a:bodyPr>
+          <a:p>
+            <a:endParaRPr b="0" lang="de-DE" sz="3200" spc="-1" strike="noStrike">
+              <a:latin typeface="Arial"/>
+            </a:endParaRPr>
+          </a:p>
+        </p:txBody>
+      </p:sp>
+      <p:sp>
+        <p:nvSpPr>
+          <p:cNvPr id="14" name="PlaceHolder 3"/>
           <p:cNvSpPr>
             <a:spLocks noGrp="1"/>
           </p:cNvSpPr>
@@ -2438,27 +2365,26 @@
         <p:spPr>
           <a:xfrm>
             <a:off x="5147280" y="2160000"/>
-            <a:ext cx="4215960" cy="4384800"/>
-          </a:xfrm>
-          <a:prstGeom prst="rect">
-            <a:avLst/>
-          </a:prstGeom>
-        </p:spPr>
-        <p:txBody>
-          <a:bodyPr lIns="0" rIns="0" tIns="0" bIns="0"/>
-          <a:p>
-            <a:endParaRPr b="0" lang="de-DE" sz="2800" spc="-1" strike="noStrike">
-              <a:solidFill>
-                <a:srgbClr val="333333"/>
-              </a:solidFill>
-              <a:latin typeface="Noto Sans Regular"/>
-            </a:endParaRPr>
-          </a:p>
-        </p:txBody>
-      </p:sp>
-      <p:sp>
-        <p:nvSpPr>
-          <p:cNvPr id="18" name="PlaceHolder 4"/>
+            <a:ext cx="4215960" cy="4384440"/>
+          </a:xfrm>
+          <a:prstGeom prst="rect">
+            <a:avLst/>
+          </a:prstGeom>
+        </p:spPr>
+        <p:txBody>
+          <a:bodyPr lIns="0" rIns="0" tIns="0" bIns="0">
+            <a:normAutofit/>
+          </a:bodyPr>
+          <a:p>
+            <a:endParaRPr b="0" lang="de-DE" sz="3200" spc="-1" strike="noStrike">
+              <a:latin typeface="Arial"/>
+            </a:endParaRPr>
+          </a:p>
+        </p:txBody>
+      </p:sp>
+      <p:sp>
+        <p:nvSpPr>
+          <p:cNvPr id="15" name="PlaceHolder 4"/>
           <p:cNvSpPr>
             <a:spLocks noGrp="1"/>
           </p:cNvSpPr>
@@ -2476,13 +2402,12 @@
           </a:prstGeom>
         </p:spPr>
         <p:txBody>
-          <a:bodyPr lIns="0" rIns="0" tIns="0" bIns="0"/>
-          <a:p>
-            <a:endParaRPr b="0" lang="de-DE" sz="2800" spc="-1" strike="noStrike">
-              <a:solidFill>
-                <a:srgbClr val="333333"/>
-              </a:solidFill>
-              <a:latin typeface="Noto Sans Regular"/>
+          <a:bodyPr lIns="0" rIns="0" tIns="0" bIns="0">
+            <a:normAutofit/>
+          </a:bodyPr>
+          <a:p>
+            <a:endParaRPr b="0" lang="de-DE" sz="3200" spc="-1" strike="noStrike">
+              <a:latin typeface="Arial"/>
             </a:endParaRPr>
           </a:p>
         </p:txBody>
@@ -2511,7 +2436,7 @@
       </p:grpSpPr>
       <p:sp>
         <p:nvSpPr>
-          <p:cNvPr id="19" name="PlaceHolder 1"/>
+          <p:cNvPr id="16" name="PlaceHolder 1"/>
           <p:cNvSpPr>
             <a:spLocks noGrp="1"/>
           </p:cNvSpPr>
@@ -2522,7 +2447,7 @@
         <p:spPr>
           <a:xfrm>
             <a:off x="720000" y="300960"/>
-            <a:ext cx="8855640" cy="1262520"/>
+            <a:ext cx="8855280" cy="1262160"/>
           </a:xfrm>
           <a:prstGeom prst="rect">
             <a:avLst/>
@@ -2531,18 +2456,16 @@
         <p:txBody>
           <a:bodyPr lIns="0" rIns="0" tIns="0" bIns="0" anchor="ctr"/>
           <a:p>
-            <a:endParaRPr b="1" lang="de-DE" sz="4400" spc="-1" strike="noStrike">
-              <a:solidFill>
-                <a:srgbClr val="333333"/>
-              </a:solidFill>
-              <a:latin typeface="Noto Sans Regular"/>
-            </a:endParaRPr>
-          </a:p>
-        </p:txBody>
-      </p:sp>
-      <p:sp>
-        <p:nvSpPr>
-          <p:cNvPr id="20" name="PlaceHolder 2"/>
+            <a:pPr algn="ctr"/>
+            <a:endParaRPr b="0" lang="de-DE" sz="4400" spc="-1" strike="noStrike">
+              <a:latin typeface="Arial"/>
+            </a:endParaRPr>
+          </a:p>
+        </p:txBody>
+      </p:sp>
+      <p:sp>
+        <p:nvSpPr>
+          <p:cNvPr id="17" name="PlaceHolder 2"/>
           <p:cNvSpPr>
             <a:spLocks noGrp="1"/>
           </p:cNvSpPr>
@@ -2553,27 +2476,26 @@
         <p:spPr>
           <a:xfrm>
             <a:off x="720000" y="2160000"/>
-            <a:ext cx="4215960" cy="4384800"/>
-          </a:xfrm>
-          <a:prstGeom prst="rect">
-            <a:avLst/>
-          </a:prstGeom>
-        </p:spPr>
-        <p:txBody>
-          <a:bodyPr lIns="0" rIns="0" tIns="0" bIns="0"/>
-          <a:p>
-            <a:endParaRPr b="0" lang="de-DE" sz="2800" spc="-1" strike="noStrike">
-              <a:solidFill>
-                <a:srgbClr val="333333"/>
-              </a:solidFill>
-              <a:latin typeface="Noto Sans Regular"/>
-            </a:endParaRPr>
-          </a:p>
-        </p:txBody>
-      </p:sp>
-      <p:sp>
-        <p:nvSpPr>
-          <p:cNvPr id="21" name="PlaceHolder 3"/>
+            <a:ext cx="4215960" cy="4384440"/>
+          </a:xfrm>
+          <a:prstGeom prst="rect">
+            <a:avLst/>
+          </a:prstGeom>
+        </p:spPr>
+        <p:txBody>
+          <a:bodyPr lIns="0" rIns="0" tIns="0" bIns="0">
+            <a:normAutofit/>
+          </a:bodyPr>
+          <a:p>
+            <a:endParaRPr b="0" lang="de-DE" sz="3200" spc="-1" strike="noStrike">
+              <a:latin typeface="Arial"/>
+            </a:endParaRPr>
+          </a:p>
+        </p:txBody>
+      </p:sp>
+      <p:sp>
+        <p:nvSpPr>
+          <p:cNvPr id="18" name="PlaceHolder 3"/>
           <p:cNvSpPr>
             <a:spLocks noGrp="1"/>
           </p:cNvSpPr>
@@ -2591,20 +2513,19 @@
           </a:prstGeom>
         </p:spPr>
         <p:txBody>
-          <a:bodyPr lIns="0" rIns="0" tIns="0" bIns="0"/>
-          <a:p>
-            <a:endParaRPr b="0" lang="de-DE" sz="2800" spc="-1" strike="noStrike">
-              <a:solidFill>
-                <a:srgbClr val="333333"/>
-              </a:solidFill>
-              <a:latin typeface="Noto Sans Regular"/>
-            </a:endParaRPr>
-          </a:p>
-        </p:txBody>
-      </p:sp>
-      <p:sp>
-        <p:nvSpPr>
-          <p:cNvPr id="22" name="PlaceHolder 4"/>
+          <a:bodyPr lIns="0" rIns="0" tIns="0" bIns="0">
+            <a:normAutofit/>
+          </a:bodyPr>
+          <a:p>
+            <a:endParaRPr b="0" lang="de-DE" sz="3200" spc="-1" strike="noStrike">
+              <a:latin typeface="Arial"/>
+            </a:endParaRPr>
+          </a:p>
+        </p:txBody>
+      </p:sp>
+      <p:sp>
+        <p:nvSpPr>
+          <p:cNvPr id="19" name="PlaceHolder 4"/>
           <p:cNvSpPr>
             <a:spLocks noGrp="1"/>
           </p:cNvSpPr>
@@ -2622,13 +2543,12 @@
           </a:prstGeom>
         </p:spPr>
         <p:txBody>
-          <a:bodyPr lIns="0" rIns="0" tIns="0" bIns="0"/>
-          <a:p>
-            <a:endParaRPr b="0" lang="de-DE" sz="2800" spc="-1" strike="noStrike">
-              <a:solidFill>
-                <a:srgbClr val="333333"/>
-              </a:solidFill>
-              <a:latin typeface="Noto Sans Regular"/>
+          <a:bodyPr lIns="0" rIns="0" tIns="0" bIns="0">
+            <a:normAutofit/>
+          </a:bodyPr>
+          <a:p>
+            <a:endParaRPr b="0" lang="de-DE" sz="3200" spc="-1" strike="noStrike">
+              <a:latin typeface="Arial"/>
             </a:endParaRPr>
           </a:p>
         </p:txBody>
@@ -2657,7 +2577,7 @@
       </p:grpSpPr>
       <p:sp>
         <p:nvSpPr>
-          <p:cNvPr id="23" name="PlaceHolder 1"/>
+          <p:cNvPr id="20" name="PlaceHolder 1"/>
           <p:cNvSpPr>
             <a:spLocks noGrp="1"/>
           </p:cNvSpPr>
@@ -2668,7 +2588,7 @@
         <p:spPr>
           <a:xfrm>
             <a:off x="720000" y="300960"/>
-            <a:ext cx="8855640" cy="1262520"/>
+            <a:ext cx="8855280" cy="1262160"/>
           </a:xfrm>
           <a:prstGeom prst="rect">
             <a:avLst/>
@@ -2677,18 +2597,16 @@
         <p:txBody>
           <a:bodyPr lIns="0" rIns="0" tIns="0" bIns="0" anchor="ctr"/>
           <a:p>
-            <a:endParaRPr b="1" lang="de-DE" sz="4400" spc="-1" strike="noStrike">
-              <a:solidFill>
-                <a:srgbClr val="333333"/>
-              </a:solidFill>
-              <a:latin typeface="Noto Sans Regular"/>
-            </a:endParaRPr>
-          </a:p>
-        </p:txBody>
-      </p:sp>
-      <p:sp>
-        <p:nvSpPr>
-          <p:cNvPr id="24" name="PlaceHolder 2"/>
+            <a:pPr algn="ctr"/>
+            <a:endParaRPr b="0" lang="de-DE" sz="4400" spc="-1" strike="noStrike">
+              <a:latin typeface="Arial"/>
+            </a:endParaRPr>
+          </a:p>
+        </p:txBody>
+      </p:sp>
+      <p:sp>
+        <p:nvSpPr>
+          <p:cNvPr id="21" name="PlaceHolder 2"/>
           <p:cNvSpPr>
             <a:spLocks noGrp="1"/>
           </p:cNvSpPr>
@@ -2706,20 +2624,19 @@
           </a:prstGeom>
         </p:spPr>
         <p:txBody>
-          <a:bodyPr lIns="0" rIns="0" tIns="0" bIns="0"/>
-          <a:p>
-            <a:endParaRPr b="0" lang="de-DE" sz="2800" spc="-1" strike="noStrike">
-              <a:solidFill>
-                <a:srgbClr val="333333"/>
-              </a:solidFill>
-              <a:latin typeface="Noto Sans Regular"/>
-            </a:endParaRPr>
-          </a:p>
-        </p:txBody>
-      </p:sp>
-      <p:sp>
-        <p:nvSpPr>
-          <p:cNvPr id="25" name="PlaceHolder 3"/>
+          <a:bodyPr lIns="0" rIns="0" tIns="0" bIns="0">
+            <a:normAutofit/>
+          </a:bodyPr>
+          <a:p>
+            <a:endParaRPr b="0" lang="de-DE" sz="3200" spc="-1" strike="noStrike">
+              <a:latin typeface="Arial"/>
+            </a:endParaRPr>
+          </a:p>
+        </p:txBody>
+      </p:sp>
+      <p:sp>
+        <p:nvSpPr>
+          <p:cNvPr id="22" name="PlaceHolder 3"/>
           <p:cNvSpPr>
             <a:spLocks noGrp="1"/>
           </p:cNvSpPr>
@@ -2737,20 +2654,19 @@
           </a:prstGeom>
         </p:spPr>
         <p:txBody>
-          <a:bodyPr lIns="0" rIns="0" tIns="0" bIns="0"/>
-          <a:p>
-            <a:endParaRPr b="0" lang="de-DE" sz="2800" spc="-1" strike="noStrike">
-              <a:solidFill>
-                <a:srgbClr val="333333"/>
-              </a:solidFill>
-              <a:latin typeface="Noto Sans Regular"/>
-            </a:endParaRPr>
-          </a:p>
-        </p:txBody>
-      </p:sp>
-      <p:sp>
-        <p:nvSpPr>
-          <p:cNvPr id="26" name="PlaceHolder 4"/>
+          <a:bodyPr lIns="0" rIns="0" tIns="0" bIns="0">
+            <a:normAutofit/>
+          </a:bodyPr>
+          <a:p>
+            <a:endParaRPr b="0" lang="de-DE" sz="3200" spc="-1" strike="noStrike">
+              <a:latin typeface="Arial"/>
+            </a:endParaRPr>
+          </a:p>
+        </p:txBody>
+      </p:sp>
+      <p:sp>
+        <p:nvSpPr>
+          <p:cNvPr id="23" name="PlaceHolder 4"/>
           <p:cNvSpPr>
             <a:spLocks noGrp="1"/>
           </p:cNvSpPr>
@@ -2761,20 +2677,19 @@
         <p:spPr>
           <a:xfrm>
             <a:off x="720000" y="4450320"/>
-            <a:ext cx="8640000" cy="2091240"/>
-          </a:xfrm>
-          <a:prstGeom prst="rect">
-            <a:avLst/>
-          </a:prstGeom>
-        </p:spPr>
-        <p:txBody>
-          <a:bodyPr lIns="0" rIns="0" tIns="0" bIns="0"/>
-          <a:p>
-            <a:endParaRPr b="0" lang="de-DE" sz="2800" spc="-1" strike="noStrike">
-              <a:solidFill>
-                <a:srgbClr val="333333"/>
-              </a:solidFill>
-              <a:latin typeface="Noto Sans Regular"/>
+            <a:ext cx="8639640" cy="2091240"/>
+          </a:xfrm>
+          <a:prstGeom prst="rect">
+            <a:avLst/>
+          </a:prstGeom>
+        </p:spPr>
+        <p:txBody>
+          <a:bodyPr lIns="0" rIns="0" tIns="0" bIns="0">
+            <a:normAutofit/>
+          </a:bodyPr>
+          <a:p>
+            <a:endParaRPr b="0" lang="de-DE" sz="3200" spc="-1" strike="noStrike">
+              <a:latin typeface="Arial"/>
             </a:endParaRPr>
           </a:p>
         </p:txBody>
@@ -2803,7 +2718,35 @@
       </p:grpSpPr>
       <p:sp>
         <p:nvSpPr>
-          <p:cNvPr id="0" name="PlaceHolder 1"/>
+          <p:cNvPr id="0" name="CustomShape 1"/>
+          <p:cNvSpPr/>
+          <p:nvPr/>
+        </p:nvSpPr>
+        <p:spPr>
+          <a:xfrm>
+            <a:off x="0" y="4320000"/>
+            <a:ext cx="503640" cy="1079640"/>
+          </a:xfrm>
+          <a:prstGeom prst="rect">
+            <a:avLst/>
+          </a:prstGeom>
+          <a:solidFill>
+            <a:srgbClr val="ef2929"/>
+          </a:solidFill>
+          <a:ln>
+            <a:noFill/>
+          </a:ln>
+        </p:spPr>
+        <p:style>
+          <a:lnRef idx="0"/>
+          <a:fillRef idx="0"/>
+          <a:effectRef idx="0"/>
+          <a:fontRef idx="minor"/>
+        </p:style>
+      </p:sp>
+      <p:sp>
+        <p:nvSpPr>
+          <p:cNvPr id="1" name="PlaceHolder 2"/>
           <p:cNvSpPr>
             <a:spLocks noGrp="1"/>
           </p:cNvSpPr>
@@ -2813,39 +2756,31 @@
         </p:nvSpPr>
         <p:spPr>
           <a:xfrm>
-            <a:off x="792000" y="4104000"/>
-            <a:ext cx="8568000" cy="1440000"/>
-          </a:xfrm>
-          <a:prstGeom prst="rect">
-            <a:avLst/>
-          </a:prstGeom>
-        </p:spPr>
-        <p:txBody>
-          <a:bodyPr lIns="0" rIns="0" tIns="0" bIns="0" anchor="ctr">
-            <a:normAutofit/>
-          </a:bodyPr>
-          <a:p>
-            <a:r>
-              <a:rPr b="1" lang="de-DE" sz="4800" spc="-1" strike="noStrike">
-                <a:solidFill>
-                  <a:srgbClr val="333333"/>
-                </a:solidFill>
-                <a:latin typeface="Noto Sans Regular"/>
+            <a:off x="720000" y="300960"/>
+            <a:ext cx="8855280" cy="1262160"/>
+          </a:xfrm>
+          <a:prstGeom prst="rect">
+            <a:avLst/>
+          </a:prstGeom>
+        </p:spPr>
+        <p:txBody>
+          <a:bodyPr lIns="0" rIns="0" tIns="0" bIns="0" anchor="ctr"/>
+          <a:p>
+            <a:r>
+              <a:rPr b="0" lang="de-DE" sz="1800" spc="-1" strike="noStrike">
+                <a:latin typeface="Arial"/>
               </a:rPr>
               <a:t>Format des Titeltextes durch Klicken bearbeiten</a:t>
             </a:r>
-            <a:endParaRPr b="1" lang="de-DE" sz="4800" spc="-1" strike="noStrike">
-              <a:solidFill>
-                <a:srgbClr val="333333"/>
-              </a:solidFill>
-              <a:latin typeface="Noto Sans Regular"/>
-            </a:endParaRPr>
-          </a:p>
-        </p:txBody>
-      </p:sp>
-      <p:sp>
-        <p:nvSpPr>
-          <p:cNvPr id="1" name="PlaceHolder 2"/>
+            <a:endParaRPr b="0" lang="de-DE" sz="1800" spc="-1" strike="noStrike">
+              <a:latin typeface="Arial"/>
+            </a:endParaRPr>
+          </a:p>
+        </p:txBody>
+      </p:sp>
+      <p:sp>
+        <p:nvSpPr>
+          <p:cNvPr id="2" name="PlaceHolder 3"/>
           <p:cNvSpPr>
             <a:spLocks noGrp="1"/>
           </p:cNvSpPr>
@@ -2855,8 +2790,8 @@
         </p:nvSpPr>
         <p:spPr>
           <a:xfrm>
-            <a:off x="792000" y="5904000"/>
-            <a:ext cx="8568000" cy="982440"/>
+            <a:off x="504000" y="1768680"/>
+            <a:ext cx="9072000" cy="4384080"/>
           </a:xfrm>
           <a:prstGeom prst="rect">
             <a:avLst/>
@@ -2868,345 +2803,159 @@
           </a:bodyPr>
           <a:p>
             <a:pPr marL="432000" indent="-324000">
-              <a:spcAft>
-                <a:spcPts val="1879"/>
-              </a:spcAft>
-              <a:buClr>
-                <a:srgbClr val="333333"/>
-              </a:buClr>
-              <a:buSzPct val="45000"/>
-              <a:buFont typeface="Wingdings" charset="2"/>
-              <a:buChar char=""/>
-            </a:pPr>
-            <a:r>
-              <a:rPr b="0" lang="de-DE" sz="2400" spc="-1" strike="noStrike">
-                <a:solidFill>
-                  <a:srgbClr val="333333"/>
-                </a:solidFill>
-                <a:latin typeface="Noto Sans Bold"/>
+              <a:spcBef>
+                <a:spcPts val="1417"/>
+              </a:spcBef>
+              <a:buClr>
+                <a:srgbClr val="000000"/>
+              </a:buClr>
+              <a:buSzPct val="45000"/>
+              <a:buFont typeface="Wingdings" charset="2"/>
+              <a:buChar char=""/>
+            </a:pPr>
+            <a:r>
+              <a:rPr b="0" lang="de-DE" sz="3200" spc="-1" strike="noStrike">
+                <a:latin typeface="Arial"/>
               </a:rPr>
               <a:t>Format des Gliederungstextes durch Klicken bearbeiten</a:t>
             </a:r>
-            <a:endParaRPr b="0" lang="de-DE" sz="2400" spc="-1" strike="noStrike">
-              <a:solidFill>
-                <a:srgbClr val="333333"/>
-              </a:solidFill>
-              <a:latin typeface="Noto Sans Bold"/>
+            <a:endParaRPr b="0" lang="de-DE" sz="3200" spc="-1" strike="noStrike">
+              <a:latin typeface="Arial"/>
             </a:endParaRPr>
           </a:p>
           <a:p>
             <a:pPr lvl="1" marL="864000" indent="-324000">
-              <a:spcAft>
-                <a:spcPts val="1497"/>
-              </a:spcAft>
-              <a:buClr>
-                <a:srgbClr val="ffffff"/>
+              <a:spcBef>
+                <a:spcPts val="1134"/>
+              </a:spcBef>
+              <a:buClr>
+                <a:srgbClr val="000000"/>
               </a:buClr>
               <a:buSzPct val="75000"/>
               <a:buFont typeface="Symbol" charset="2"/>
               <a:buChar char=""/>
             </a:pPr>
             <a:r>
+              <a:rPr b="0" lang="de-DE" sz="2800" spc="-1" strike="noStrike">
+                <a:latin typeface="Arial"/>
+              </a:rPr>
+              <a:t>Zweite Gliederungsebene</a:t>
+            </a:r>
+            <a:endParaRPr b="0" lang="de-DE" sz="2800" spc="-1" strike="noStrike">
+              <a:latin typeface="Arial"/>
+            </a:endParaRPr>
+          </a:p>
+          <a:p>
+            <a:pPr lvl="2" marL="1296000" indent="-288000">
+              <a:spcBef>
+                <a:spcPts val="850"/>
+              </a:spcBef>
+              <a:buClr>
+                <a:srgbClr val="000000"/>
+              </a:buClr>
+              <a:buSzPct val="45000"/>
+              <a:buFont typeface="Wingdings" charset="2"/>
+              <a:buChar char=""/>
+            </a:pPr>
+            <a:r>
               <a:rPr b="0" lang="de-DE" sz="2400" spc="-1" strike="noStrike">
-                <a:solidFill>
-                  <a:srgbClr val="333333"/>
-                </a:solidFill>
-                <a:latin typeface="Noto Sans Bold"/>
-              </a:rPr>
-              <a:t>Zweite Gliederungsebene</a:t>
+                <a:latin typeface="Arial"/>
+              </a:rPr>
+              <a:t>Dritte Gliederungsebene</a:t>
             </a:r>
             <a:endParaRPr b="0" lang="de-DE" sz="2400" spc="-1" strike="noStrike">
-              <a:solidFill>
-                <a:srgbClr val="333333"/>
-              </a:solidFill>
-              <a:latin typeface="Noto Sans Bold"/>
-            </a:endParaRPr>
-          </a:p>
-          <a:p>
-            <a:pPr lvl="2" marL="1296000" indent="-288000">
-              <a:spcAft>
-                <a:spcPts val="1120"/>
-              </a:spcAft>
-              <a:buClr>
-                <a:srgbClr val="ffffff"/>
-              </a:buClr>
-              <a:buSzPct val="45000"/>
-              <a:buFont typeface="Wingdings" charset="2"/>
-              <a:buChar char=""/>
-            </a:pPr>
-            <a:r>
-              <a:rPr b="0" lang="de-DE" sz="2400" spc="-1" strike="noStrike">
-                <a:solidFill>
-                  <a:srgbClr val="333333"/>
-                </a:solidFill>
-                <a:latin typeface="Noto Sans Bold"/>
-              </a:rPr>
-              <a:t>Dritte Gliederungsebene</a:t>
-            </a:r>
-            <a:endParaRPr b="0" lang="de-DE" sz="2400" spc="-1" strike="noStrike">
-              <a:solidFill>
-                <a:srgbClr val="333333"/>
-              </a:solidFill>
-              <a:latin typeface="Noto Sans Bold"/>
+              <a:latin typeface="Arial"/>
             </a:endParaRPr>
           </a:p>
           <a:p>
             <a:pPr lvl="3" marL="1728000" indent="-216000">
-              <a:spcAft>
-                <a:spcPts val="743"/>
-              </a:spcAft>
-              <a:buClr>
-                <a:srgbClr val="ffffff"/>
+              <a:spcBef>
+                <a:spcPts val="567"/>
+              </a:spcBef>
+              <a:buClr>
+                <a:srgbClr val="000000"/>
               </a:buClr>
               <a:buSzPct val="75000"/>
               <a:buFont typeface="Symbol" charset="2"/>
               <a:buChar char=""/>
             </a:pPr>
             <a:r>
-              <a:rPr b="0" lang="de-DE" sz="2400" spc="-1" strike="noStrike">
-                <a:solidFill>
-                  <a:srgbClr val="333333"/>
-                </a:solidFill>
-                <a:latin typeface="Noto Sans Bold"/>
+              <a:rPr b="0" lang="de-DE" sz="2000" spc="-1" strike="noStrike">
+                <a:latin typeface="Arial"/>
               </a:rPr>
               <a:t>Vierte Gliederungsebene</a:t>
             </a:r>
-            <a:endParaRPr b="0" lang="de-DE" sz="2400" spc="-1" strike="noStrike">
-              <a:solidFill>
-                <a:srgbClr val="333333"/>
-              </a:solidFill>
-              <a:latin typeface="Noto Sans Bold"/>
+            <a:endParaRPr b="0" lang="de-DE" sz="2000" spc="-1" strike="noStrike">
+              <a:latin typeface="Arial"/>
             </a:endParaRPr>
           </a:p>
           <a:p>
             <a:pPr lvl="4" marL="2160000" indent="-216000">
-              <a:spcAft>
-                <a:spcPts val="366"/>
-              </a:spcAft>
-              <a:buClr>
-                <a:srgbClr val="ffffff"/>
-              </a:buClr>
-              <a:buSzPct val="45000"/>
-              <a:buFont typeface="Wingdings" charset="2"/>
-              <a:buChar char=""/>
-            </a:pPr>
-            <a:r>
-              <a:rPr b="0" lang="de-DE" sz="2400" spc="-1" strike="noStrike">
-                <a:solidFill>
-                  <a:srgbClr val="333333"/>
-                </a:solidFill>
-                <a:latin typeface="Noto Sans Bold"/>
+              <a:spcBef>
+                <a:spcPts val="283"/>
+              </a:spcBef>
+              <a:buClr>
+                <a:srgbClr val="000000"/>
+              </a:buClr>
+              <a:buSzPct val="45000"/>
+              <a:buFont typeface="Wingdings" charset="2"/>
+              <a:buChar char=""/>
+            </a:pPr>
+            <a:r>
+              <a:rPr b="0" lang="de-DE" sz="2000" spc="-1" strike="noStrike">
+                <a:latin typeface="Arial"/>
               </a:rPr>
               <a:t>Fünfte Gliederungsebene</a:t>
             </a:r>
-            <a:endParaRPr b="0" lang="de-DE" sz="2400" spc="-1" strike="noStrike">
-              <a:solidFill>
-                <a:srgbClr val="333333"/>
-              </a:solidFill>
-              <a:latin typeface="Noto Sans Bold"/>
+            <a:endParaRPr b="0" lang="de-DE" sz="2000" spc="-1" strike="noStrike">
+              <a:latin typeface="Arial"/>
             </a:endParaRPr>
           </a:p>
           <a:p>
             <a:pPr lvl="5" marL="2592000" indent="-216000">
-              <a:spcAft>
-                <a:spcPts val="366"/>
-              </a:spcAft>
-              <a:buClr>
-                <a:srgbClr val="ffffff"/>
-              </a:buClr>
-              <a:buSzPct val="45000"/>
-              <a:buFont typeface="Wingdings" charset="2"/>
-              <a:buChar char=""/>
-            </a:pPr>
-            <a:r>
-              <a:rPr b="0" lang="de-DE" sz="2400" spc="-1" strike="noStrike">
-                <a:solidFill>
-                  <a:srgbClr val="333333"/>
-                </a:solidFill>
-                <a:latin typeface="Noto Sans Bold"/>
+              <a:spcBef>
+                <a:spcPts val="283"/>
+              </a:spcBef>
+              <a:buClr>
+                <a:srgbClr val="000000"/>
+              </a:buClr>
+              <a:buSzPct val="45000"/>
+              <a:buFont typeface="Wingdings" charset="2"/>
+              <a:buChar char=""/>
+            </a:pPr>
+            <a:r>
+              <a:rPr b="0" lang="de-DE" sz="2000" spc="-1" strike="noStrike">
+                <a:latin typeface="Arial"/>
               </a:rPr>
               <a:t>Sechste Gliederungsebene</a:t>
             </a:r>
-            <a:endParaRPr b="0" lang="de-DE" sz="2400" spc="-1" strike="noStrike">
-              <a:solidFill>
-                <a:srgbClr val="333333"/>
-              </a:solidFill>
-              <a:latin typeface="Noto Sans Bold"/>
+            <a:endParaRPr b="0" lang="de-DE" sz="2000" spc="-1" strike="noStrike">
+              <a:latin typeface="Arial"/>
             </a:endParaRPr>
           </a:p>
           <a:p>
             <a:pPr lvl="6" marL="3024000" indent="-216000">
-              <a:spcAft>
-                <a:spcPts val="366"/>
-              </a:spcAft>
-              <a:buClr>
-                <a:srgbClr val="ffffff"/>
-              </a:buClr>
-              <a:buSzPct val="45000"/>
-              <a:buFont typeface="Wingdings" charset="2"/>
-              <a:buChar char=""/>
-            </a:pPr>
-            <a:r>
-              <a:rPr b="0" lang="de-DE" sz="2400" spc="-1" strike="noStrike">
-                <a:solidFill>
-                  <a:srgbClr val="333333"/>
-                </a:solidFill>
-                <a:latin typeface="Noto Sans Bold"/>
+              <a:spcBef>
+                <a:spcPts val="283"/>
+              </a:spcBef>
+              <a:buClr>
+                <a:srgbClr val="000000"/>
+              </a:buClr>
+              <a:buSzPct val="45000"/>
+              <a:buFont typeface="Wingdings" charset="2"/>
+              <a:buChar char=""/>
+            </a:pPr>
+            <a:r>
+              <a:rPr b="0" lang="de-DE" sz="2000" spc="-1" strike="noStrike">
+                <a:latin typeface="Arial"/>
               </a:rPr>
               <a:t>Siebte Gliederungsebene</a:t>
             </a:r>
-            <a:endParaRPr b="0" lang="de-DE" sz="2400" spc="-1" strike="noStrike">
-              <a:solidFill>
-                <a:srgbClr val="333333"/>
-              </a:solidFill>
-              <a:latin typeface="Noto Sans Bold"/>
-            </a:endParaRPr>
-          </a:p>
-        </p:txBody>
-      </p:sp>
-      <p:sp>
-        <p:nvSpPr>
-          <p:cNvPr id="2" name="PlaceHolder 3"/>
-          <p:cNvSpPr>
-            <a:spLocks noGrp="1"/>
-          </p:cNvSpPr>
-          <p:nvPr>
-            <p:ph type="dt"/>
-          </p:nvPr>
-        </p:nvSpPr>
-        <p:spPr>
-          <a:xfrm>
-            <a:off x="504000" y="6886440"/>
-            <a:ext cx="2348280" cy="521280"/>
-          </a:xfrm>
-          <a:prstGeom prst="rect">
-            <a:avLst/>
-          </a:prstGeom>
-        </p:spPr>
-        <p:txBody>
-          <a:bodyPr lIns="0" rIns="0" tIns="0" bIns="0"/>
-          <a:p>
-            <a:r>
-              <a:rPr b="0" lang="de-DE" sz="1400" spc="-1" strike="noStrike">
-                <a:latin typeface="Noto Sans Regular"/>
-              </a:rPr>
-              <a:t>&lt;Datum/Uhrzeit&gt;</a:t>
-            </a:r>
-            <a:endParaRPr b="0" lang="de-DE" sz="1400" spc="-1" strike="noStrike">
-              <a:latin typeface="Noto Sans Regular"/>
-            </a:endParaRPr>
-          </a:p>
-        </p:txBody>
-      </p:sp>
-      <p:sp>
-        <p:nvSpPr>
-          <p:cNvPr id="3" name="PlaceHolder 4"/>
-          <p:cNvSpPr>
-            <a:spLocks noGrp="1"/>
-          </p:cNvSpPr>
-          <p:nvPr>
-            <p:ph type="ftr"/>
-          </p:nvPr>
-        </p:nvSpPr>
-        <p:spPr>
-          <a:xfrm>
-            <a:off x="3447360" y="6886440"/>
-            <a:ext cx="3195000" cy="521280"/>
-          </a:xfrm>
-          <a:prstGeom prst="rect">
-            <a:avLst/>
-          </a:prstGeom>
-        </p:spPr>
-        <p:txBody>
-          <a:bodyPr lIns="0" rIns="0" tIns="0" bIns="0"/>
-          <a:p>
-            <a:pPr algn="ctr"/>
-            <a:r>
-              <a:rPr b="0" lang="de-DE" sz="1400" spc="-1" strike="noStrike">
-                <a:latin typeface="Noto Sans Regular"/>
-              </a:rPr>
-              <a:t>&lt;Fußzeile&gt;</a:t>
-            </a:r>
-            <a:endParaRPr b="0" lang="de-DE" sz="1400" spc="-1" strike="noStrike">
-              <a:latin typeface="Noto Sans Regular"/>
-            </a:endParaRPr>
-          </a:p>
-        </p:txBody>
-      </p:sp>
-      <p:sp>
-        <p:nvSpPr>
-          <p:cNvPr id="4" name="PlaceHolder 5"/>
-          <p:cNvSpPr>
-            <a:spLocks noGrp="1"/>
-          </p:cNvSpPr>
-          <p:nvPr>
-            <p:ph type="sldNum"/>
-          </p:nvPr>
-        </p:nvSpPr>
-        <p:spPr>
-          <a:xfrm>
-            <a:off x="7227360" y="6886440"/>
-            <a:ext cx="2348280" cy="521280"/>
-          </a:xfrm>
-          <a:prstGeom prst="rect">
-            <a:avLst/>
-          </a:prstGeom>
-        </p:spPr>
-        <p:txBody>
-          <a:bodyPr lIns="0" rIns="0" tIns="0" bIns="0"/>
-          <a:p>
-            <a:pPr algn="r"/>
-            <a:fld id="{B9023D4D-3940-41B2-826D-E6148C9FB306}" type="slidenum">
-              <a:rPr b="0" lang="de-DE" sz="1400" spc="-1" strike="noStrike">
-                <a:latin typeface="Noto Sans Regular"/>
-              </a:rPr>
-              <a:t>&lt;Foliennummer&gt;</a:t>
-            </a:fld>
-            <a:r>
-              <a:rPr b="0" lang="de-DE" sz="1400" spc="-1" strike="noStrike">
-                <a:latin typeface="Noto Sans Regular"/>
-              </a:rPr>
-              <a:t> / </a:t>
-            </a:r>
-            <a:fld id="{FEC99DD1-5476-49EE-80AE-5ABFFEE23550}" type="slidecount">
-              <a:rPr b="0" lang="de-DE" sz="1400" spc="-1" strike="noStrike">
-                <a:latin typeface="Noto Sans Regular"/>
-              </a:rPr>
-              <a:t>20</a:t>
-            </a:fld>
-            <a:endParaRPr b="0" lang="de-DE" sz="1400" spc="-1" strike="noStrike">
-              <a:latin typeface="Noto Sans Regular"/>
-            </a:endParaRPr>
-          </a:p>
-        </p:txBody>
-      </p:sp>
-      <p:sp>
-        <p:nvSpPr>
-          <p:cNvPr id="5" name="CustomShape 6"/>
-          <p:cNvSpPr/>
-          <p:nvPr/>
-        </p:nvSpPr>
-        <p:spPr>
-          <a:xfrm>
-            <a:off x="0" y="4320000"/>
-            <a:ext cx="504000" cy="1080000"/>
-          </a:xfrm>
-          <a:prstGeom prst="rect">
-            <a:avLst/>
-          </a:prstGeom>
-          <a:solidFill>
-            <a:srgbClr val="ef2929"/>
-          </a:solidFill>
-          <a:ln>
-            <a:noFill/>
-          </a:ln>
-        </p:spPr>
-        <p:style>
-          <a:lnRef idx="0"/>
-          <a:fillRef idx="0"/>
-          <a:effectRef idx="0"/>
-          <a:fontRef idx="minor"/>
-        </p:style>
+            <a:endParaRPr b="0" lang="de-DE" sz="2000" spc="-1" strike="noStrike">
+              <a:latin typeface="Arial"/>
+            </a:endParaRPr>
+          </a:p>
+        </p:txBody>
       </p:sp>
     </p:spTree>
   </p:cSld>
@@ -3247,7 +2996,35 @@
       </p:grpSpPr>
       <p:sp>
         <p:nvSpPr>
-          <p:cNvPr id="42" name="PlaceHolder 1"/>
+          <p:cNvPr id="39" name="CustomShape 1"/>
+          <p:cNvSpPr/>
+          <p:nvPr/>
+        </p:nvSpPr>
+        <p:spPr>
+          <a:xfrm>
+            <a:off x="0" y="288000"/>
+            <a:ext cx="503640" cy="1079640"/>
+          </a:xfrm>
+          <a:prstGeom prst="rect">
+            <a:avLst/>
+          </a:prstGeom>
+          <a:solidFill>
+            <a:srgbClr val="ef2929"/>
+          </a:solidFill>
+          <a:ln>
+            <a:noFill/>
+          </a:ln>
+        </p:spPr>
+        <p:style>
+          <a:lnRef idx="0"/>
+          <a:fillRef idx="0"/>
+          <a:effectRef idx="0"/>
+          <a:fontRef idx="minor"/>
+        </p:style>
+      </p:sp>
+      <p:sp>
+        <p:nvSpPr>
+          <p:cNvPr id="40" name="PlaceHolder 2"/>
           <p:cNvSpPr>
             <a:spLocks noGrp="1"/>
           </p:cNvSpPr>
@@ -3258,7 +3035,7 @@
         <p:spPr>
           <a:xfrm>
             <a:off x="720000" y="300960"/>
-            <a:ext cx="8855640" cy="1262520"/>
+            <a:ext cx="8855280" cy="1262160"/>
           </a:xfrm>
           <a:prstGeom prst="rect">
             <a:avLst/>
@@ -3268,26 +3045,20 @@
           <a:bodyPr lIns="0" rIns="0" tIns="0" bIns="0" anchor="ctr"/>
           <a:p>
             <a:r>
-              <a:rPr b="1" lang="de-DE" sz="4400" spc="-1" strike="noStrike">
-                <a:solidFill>
-                  <a:srgbClr val="333333"/>
-                </a:solidFill>
-                <a:latin typeface="Noto Sans Regular"/>
+              <a:rPr b="0" lang="de-DE" sz="1800" spc="-1" strike="noStrike">
+                <a:latin typeface="Arial"/>
               </a:rPr>
               <a:t>Format des Titeltextes durch Klicken bearbeiten</a:t>
             </a:r>
-            <a:endParaRPr b="1" lang="de-DE" sz="4400" spc="-1" strike="noStrike">
-              <a:solidFill>
-                <a:srgbClr val="333333"/>
-              </a:solidFill>
-              <a:latin typeface="Noto Sans Regular"/>
-            </a:endParaRPr>
-          </a:p>
-        </p:txBody>
-      </p:sp>
-      <p:sp>
-        <p:nvSpPr>
-          <p:cNvPr id="43" name="PlaceHolder 2"/>
+            <a:endParaRPr b="0" lang="de-DE" sz="1800" spc="-1" strike="noStrike">
+              <a:latin typeface="Arial"/>
+            </a:endParaRPr>
+          </a:p>
+        </p:txBody>
+      </p:sp>
+      <p:sp>
+        <p:nvSpPr>
+          <p:cNvPr id="41" name="PlaceHolder 3"/>
           <p:cNvSpPr>
             <a:spLocks noGrp="1"/>
           </p:cNvSpPr>
@@ -3298,7 +3069,7 @@
         <p:spPr>
           <a:xfrm>
             <a:off x="720000" y="2160000"/>
-            <a:ext cx="8640000" cy="4384800"/>
+            <a:ext cx="8639640" cy="4384440"/>
           </a:xfrm>
           <a:prstGeom prst="rect">
             <a:avLst/>
@@ -3308,345 +3079,159 @@
           <a:bodyPr lIns="0" rIns="0" tIns="0" bIns="0"/>
           <a:p>
             <a:pPr marL="432000" indent="-324000">
-              <a:spcAft>
-                <a:spcPts val="1414"/>
-              </a:spcAft>
-              <a:buClr>
-                <a:srgbClr val="ef2929"/>
-              </a:buClr>
-              <a:buSzPct val="45000"/>
-              <a:buFont typeface="Wingdings" charset="2"/>
-              <a:buChar char=""/>
-            </a:pPr>
-            <a:r>
-              <a:rPr b="0" lang="de-DE" sz="2800" spc="-1" strike="noStrike">
-                <a:solidFill>
-                  <a:srgbClr val="333333"/>
-                </a:solidFill>
-                <a:latin typeface="Noto Sans Regular"/>
+              <a:spcBef>
+                <a:spcPts val="1417"/>
+              </a:spcBef>
+              <a:buClr>
+                <a:srgbClr val="000000"/>
+              </a:buClr>
+              <a:buSzPct val="45000"/>
+              <a:buFont typeface="Wingdings" charset="2"/>
+              <a:buChar char=""/>
+            </a:pPr>
+            <a:r>
+              <a:rPr b="0" lang="de-DE" sz="1800" spc="-1" strike="noStrike">
+                <a:latin typeface="Arial"/>
               </a:rPr>
               <a:t>Format des Gliederungstextes durch Klicken bearbeiten</a:t>
             </a:r>
-            <a:endParaRPr b="0" lang="de-DE" sz="2800" spc="-1" strike="noStrike">
-              <a:solidFill>
-                <a:srgbClr val="333333"/>
-              </a:solidFill>
-              <a:latin typeface="Noto Sans Regular"/>
+            <a:endParaRPr b="0" lang="de-DE" sz="1800" spc="-1" strike="noStrike">
+              <a:latin typeface="Arial"/>
             </a:endParaRPr>
           </a:p>
           <a:p>
             <a:pPr lvl="1" marL="864000" indent="-324000">
-              <a:spcAft>
+              <a:spcBef>
                 <a:spcPts val="1134"/>
-              </a:spcAft>
-              <a:buClr>
-                <a:srgbClr val="ef2929"/>
+              </a:spcBef>
+              <a:buClr>
+                <a:srgbClr val="000000"/>
               </a:buClr>
               <a:buSzPct val="75000"/>
               <a:buFont typeface="Symbol" charset="2"/>
               <a:buChar char=""/>
             </a:pPr>
             <a:r>
-              <a:rPr b="0" lang="de-DE" sz="2800" spc="-1" strike="noStrike">
-                <a:solidFill>
-                  <a:srgbClr val="333333"/>
-                </a:solidFill>
-                <a:latin typeface="Noto Sans Regular"/>
+              <a:rPr b="0" lang="de-DE" sz="1800" spc="-1" strike="noStrike">
+                <a:latin typeface="Arial"/>
               </a:rPr>
               <a:t>Zweite Gliederungsebene</a:t>
             </a:r>
-            <a:endParaRPr b="0" lang="de-DE" sz="2800" spc="-1" strike="noStrike">
-              <a:solidFill>
-                <a:srgbClr val="333333"/>
-              </a:solidFill>
-              <a:latin typeface="Noto Sans Regular"/>
+            <a:endParaRPr b="0" lang="de-DE" sz="1800" spc="-1" strike="noStrike">
+              <a:latin typeface="Arial"/>
             </a:endParaRPr>
           </a:p>
           <a:p>
             <a:pPr lvl="2" marL="1296000" indent="-288000">
-              <a:spcAft>
-                <a:spcPts val="845"/>
-              </a:spcAft>
-              <a:buClr>
-                <a:srgbClr val="ef2929"/>
-              </a:buClr>
-              <a:buSzPct val="45000"/>
-              <a:buFont typeface="Wingdings" charset="2"/>
-              <a:buChar char=""/>
-            </a:pPr>
-            <a:r>
-              <a:rPr b="0" lang="de-DE" sz="2800" spc="-1" strike="noStrike">
-                <a:solidFill>
-                  <a:srgbClr val="333333"/>
-                </a:solidFill>
-                <a:latin typeface="Noto Sans Regular"/>
+              <a:spcBef>
+                <a:spcPts val="850"/>
+              </a:spcBef>
+              <a:buClr>
+                <a:srgbClr val="000000"/>
+              </a:buClr>
+              <a:buSzPct val="45000"/>
+              <a:buFont typeface="Wingdings" charset="2"/>
+              <a:buChar char=""/>
+            </a:pPr>
+            <a:r>
+              <a:rPr b="0" lang="de-DE" sz="1800" spc="-1" strike="noStrike">
+                <a:latin typeface="Arial"/>
               </a:rPr>
               <a:t>Dritte Gliederungsebene</a:t>
             </a:r>
-            <a:endParaRPr b="0" lang="de-DE" sz="2800" spc="-1" strike="noStrike">
-              <a:solidFill>
-                <a:srgbClr val="333333"/>
-              </a:solidFill>
-              <a:latin typeface="Noto Sans Regular"/>
+            <a:endParaRPr b="0" lang="de-DE" sz="1800" spc="-1" strike="noStrike">
+              <a:latin typeface="Arial"/>
             </a:endParaRPr>
           </a:p>
           <a:p>
             <a:pPr lvl="3" marL="1728000" indent="-216000">
-              <a:spcAft>
+              <a:spcBef>
                 <a:spcPts val="567"/>
-              </a:spcAft>
-              <a:buClr>
-                <a:srgbClr val="ef2929"/>
+              </a:spcBef>
+              <a:buClr>
+                <a:srgbClr val="000000"/>
               </a:buClr>
               <a:buSzPct val="75000"/>
               <a:buFont typeface="Symbol" charset="2"/>
               <a:buChar char=""/>
             </a:pPr>
             <a:r>
-              <a:rPr b="0" lang="de-DE" sz="2800" spc="-1" strike="noStrike">
-                <a:solidFill>
-                  <a:srgbClr val="333333"/>
-                </a:solidFill>
-                <a:latin typeface="Noto Sans Regular"/>
+              <a:rPr b="0" lang="de-DE" sz="1800" spc="-1" strike="noStrike">
+                <a:latin typeface="Arial"/>
               </a:rPr>
               <a:t>Vierte Gliederungsebene</a:t>
             </a:r>
-            <a:endParaRPr b="0" lang="de-DE" sz="2800" spc="-1" strike="noStrike">
-              <a:solidFill>
-                <a:srgbClr val="333333"/>
-              </a:solidFill>
-              <a:latin typeface="Noto Sans Regular"/>
+            <a:endParaRPr b="0" lang="de-DE" sz="1800" spc="-1" strike="noStrike">
+              <a:latin typeface="Arial"/>
             </a:endParaRPr>
           </a:p>
           <a:p>
             <a:pPr lvl="4" marL="2160000" indent="-216000">
-              <a:spcAft>
+              <a:spcBef>
                 <a:spcPts val="283"/>
-              </a:spcAft>
-              <a:buClr>
-                <a:srgbClr val="ef2929"/>
-              </a:buClr>
-              <a:buSzPct val="45000"/>
-              <a:buFont typeface="Wingdings" charset="2"/>
-              <a:buChar char=""/>
-            </a:pPr>
-            <a:r>
-              <a:rPr b="0" lang="de-DE" sz="2800" spc="-1" strike="noStrike">
-                <a:solidFill>
-                  <a:srgbClr val="333333"/>
-                </a:solidFill>
-                <a:latin typeface="Noto Sans Regular"/>
+              </a:spcBef>
+              <a:buClr>
+                <a:srgbClr val="000000"/>
+              </a:buClr>
+              <a:buSzPct val="45000"/>
+              <a:buFont typeface="Wingdings" charset="2"/>
+              <a:buChar char=""/>
+            </a:pPr>
+            <a:r>
+              <a:rPr b="0" lang="de-DE" sz="1800" spc="-1" strike="noStrike">
+                <a:latin typeface="Arial"/>
               </a:rPr>
               <a:t>Fünfte Gliederungsebene</a:t>
             </a:r>
-            <a:endParaRPr b="0" lang="de-DE" sz="2800" spc="-1" strike="noStrike">
-              <a:solidFill>
-                <a:srgbClr val="333333"/>
-              </a:solidFill>
-              <a:latin typeface="Noto Sans Regular"/>
+            <a:endParaRPr b="0" lang="de-DE" sz="1800" spc="-1" strike="noStrike">
+              <a:latin typeface="Arial"/>
             </a:endParaRPr>
           </a:p>
           <a:p>
             <a:pPr lvl="5" marL="2592000" indent="-216000">
-              <a:spcAft>
+              <a:spcBef>
                 <a:spcPts val="283"/>
-              </a:spcAft>
-              <a:buClr>
-                <a:srgbClr val="ef2929"/>
-              </a:buClr>
-              <a:buSzPct val="45000"/>
-              <a:buFont typeface="Wingdings" charset="2"/>
-              <a:buChar char=""/>
-            </a:pPr>
-            <a:r>
-              <a:rPr b="0" lang="de-DE" sz="2800" spc="-1" strike="noStrike">
-                <a:solidFill>
-                  <a:srgbClr val="333333"/>
-                </a:solidFill>
-                <a:latin typeface="Noto Sans Regular"/>
+              </a:spcBef>
+              <a:buClr>
+                <a:srgbClr val="000000"/>
+              </a:buClr>
+              <a:buSzPct val="45000"/>
+              <a:buFont typeface="Wingdings" charset="2"/>
+              <a:buChar char=""/>
+            </a:pPr>
+            <a:r>
+              <a:rPr b="0" lang="de-DE" sz="1800" spc="-1" strike="noStrike">
+                <a:latin typeface="Arial"/>
               </a:rPr>
               <a:t>Sechste Gliederungsebene</a:t>
             </a:r>
-            <a:endParaRPr b="0" lang="de-DE" sz="2800" spc="-1" strike="noStrike">
-              <a:solidFill>
-                <a:srgbClr val="333333"/>
-              </a:solidFill>
-              <a:latin typeface="Noto Sans Regular"/>
+            <a:endParaRPr b="0" lang="de-DE" sz="1800" spc="-1" strike="noStrike">
+              <a:latin typeface="Arial"/>
             </a:endParaRPr>
           </a:p>
           <a:p>
             <a:pPr lvl="6" marL="3024000" indent="-216000">
-              <a:spcAft>
+              <a:spcBef>
                 <a:spcPts val="283"/>
-              </a:spcAft>
-              <a:buClr>
-                <a:srgbClr val="ef2929"/>
-              </a:buClr>
-              <a:buSzPct val="45000"/>
-              <a:buFont typeface="Wingdings" charset="2"/>
-              <a:buChar char=""/>
-            </a:pPr>
-            <a:r>
-              <a:rPr b="0" lang="de-DE" sz="2800" spc="-1" strike="noStrike">
-                <a:solidFill>
-                  <a:srgbClr val="333333"/>
-                </a:solidFill>
-                <a:latin typeface="Noto Sans Regular"/>
+              </a:spcBef>
+              <a:buClr>
+                <a:srgbClr val="000000"/>
+              </a:buClr>
+              <a:buSzPct val="45000"/>
+              <a:buFont typeface="Wingdings" charset="2"/>
+              <a:buChar char=""/>
+            </a:pPr>
+            <a:r>
+              <a:rPr b="0" lang="de-DE" sz="1800" spc="-1" strike="noStrike">
+                <a:latin typeface="Arial"/>
               </a:rPr>
               <a:t>Siebte Gliederungsebene</a:t>
             </a:r>
-            <a:endParaRPr b="0" lang="de-DE" sz="2800" spc="-1" strike="noStrike">
-              <a:solidFill>
-                <a:srgbClr val="333333"/>
-              </a:solidFill>
-              <a:latin typeface="Noto Sans Regular"/>
-            </a:endParaRPr>
-          </a:p>
-        </p:txBody>
-      </p:sp>
-      <p:sp>
-        <p:nvSpPr>
-          <p:cNvPr id="44" name="PlaceHolder 3"/>
-          <p:cNvSpPr>
-            <a:spLocks noGrp="1"/>
-          </p:cNvSpPr>
-          <p:nvPr>
-            <p:ph type="dt"/>
-          </p:nvPr>
-        </p:nvSpPr>
-        <p:spPr>
-          <a:xfrm>
-            <a:off x="504000" y="6886800"/>
-            <a:ext cx="2348280" cy="521280"/>
-          </a:xfrm>
-          <a:prstGeom prst="rect">
-            <a:avLst/>
-          </a:prstGeom>
-        </p:spPr>
-        <p:txBody>
-          <a:bodyPr lIns="0" rIns="0" tIns="0" bIns="0"/>
-          <a:p>
-            <a:r>
-              <a:rPr b="0" lang="de-DE" sz="1400" spc="-1" strike="noStrike">
-                <a:latin typeface="Noto Sans Regular"/>
-              </a:rPr>
-              <a:t>&lt;Datum/Uhrzeit&gt;</a:t>
-            </a:r>
-            <a:endParaRPr b="0" lang="de-DE" sz="1400" spc="-1" strike="noStrike">
-              <a:latin typeface="Noto Sans Regular"/>
-            </a:endParaRPr>
-          </a:p>
-        </p:txBody>
-      </p:sp>
-      <p:sp>
-        <p:nvSpPr>
-          <p:cNvPr id="45" name="PlaceHolder 4"/>
-          <p:cNvSpPr>
-            <a:spLocks noGrp="1"/>
-          </p:cNvSpPr>
-          <p:nvPr>
-            <p:ph type="ftr"/>
-          </p:nvPr>
-        </p:nvSpPr>
-        <p:spPr>
-          <a:xfrm>
-            <a:off x="3447360" y="6886800"/>
-            <a:ext cx="3195000" cy="521280"/>
-          </a:xfrm>
-          <a:prstGeom prst="rect">
-            <a:avLst/>
-          </a:prstGeom>
-        </p:spPr>
-        <p:txBody>
-          <a:bodyPr lIns="0" rIns="0" tIns="0" bIns="0"/>
-          <a:p>
-            <a:pPr algn="ctr"/>
-            <a:r>
-              <a:rPr b="0" lang="de-DE" sz="1400" spc="-1" strike="noStrike">
-                <a:latin typeface="Noto Sans Regular"/>
-              </a:rPr>
-              <a:t>&lt;Fußzeile&gt;</a:t>
-            </a:r>
-            <a:endParaRPr b="0" lang="de-DE" sz="1400" spc="-1" strike="noStrike">
-              <a:latin typeface="Noto Sans Regular"/>
-            </a:endParaRPr>
-          </a:p>
-        </p:txBody>
-      </p:sp>
-      <p:sp>
-        <p:nvSpPr>
-          <p:cNvPr id="46" name="PlaceHolder 5"/>
-          <p:cNvSpPr>
-            <a:spLocks noGrp="1"/>
-          </p:cNvSpPr>
-          <p:nvPr>
-            <p:ph type="sldNum"/>
-          </p:nvPr>
-        </p:nvSpPr>
-        <p:spPr>
-          <a:xfrm>
-            <a:off x="7227360" y="6886800"/>
-            <a:ext cx="2348280" cy="521280"/>
-          </a:xfrm>
-          <a:prstGeom prst="rect">
-            <a:avLst/>
-          </a:prstGeom>
-        </p:spPr>
-        <p:txBody>
-          <a:bodyPr lIns="0" rIns="0" tIns="0" bIns="0"/>
-          <a:p>
-            <a:pPr algn="r"/>
-            <a:fld id="{442DBC0D-C724-4C64-83C1-F4AD9F49B963}" type="slidenum">
-              <a:rPr b="0" lang="de-DE" sz="1400" spc="-1" strike="noStrike">
-                <a:latin typeface="Noto Sans Regular"/>
-              </a:rPr>
-              <a:t>&lt;Foliennummer&gt;</a:t>
-            </a:fld>
-            <a:r>
-              <a:rPr b="0" lang="de-DE" sz="1400" spc="-1" strike="noStrike">
-                <a:latin typeface="Noto Sans Regular"/>
-              </a:rPr>
-              <a:t> / </a:t>
-            </a:r>
-            <a:fld id="{38166E74-45DE-4228-97E7-7D3D15DD756C}" type="slidecount">
-              <a:rPr b="0" lang="de-DE" sz="1400" spc="-1" strike="noStrike">
-                <a:latin typeface="Noto Sans Regular"/>
-              </a:rPr>
-              <a:t>20</a:t>
-            </a:fld>
-            <a:endParaRPr b="0" lang="de-DE" sz="1400" spc="-1" strike="noStrike">
-              <a:latin typeface="Noto Sans Regular"/>
-            </a:endParaRPr>
-          </a:p>
-        </p:txBody>
-      </p:sp>
-      <p:sp>
-        <p:nvSpPr>
-          <p:cNvPr id="47" name="CustomShape 6"/>
-          <p:cNvSpPr/>
-          <p:nvPr/>
-        </p:nvSpPr>
-        <p:spPr>
-          <a:xfrm>
-            <a:off x="0" y="288000"/>
-            <a:ext cx="504000" cy="1080000"/>
-          </a:xfrm>
-          <a:prstGeom prst="rect">
-            <a:avLst/>
-          </a:prstGeom>
-          <a:solidFill>
-            <a:srgbClr val="ef2929"/>
-          </a:solidFill>
-          <a:ln>
-            <a:noFill/>
-          </a:ln>
-        </p:spPr>
-        <p:style>
-          <a:lnRef idx="0"/>
-          <a:fillRef idx="0"/>
-          <a:effectRef idx="0"/>
-          <a:fontRef idx="minor"/>
-        </p:style>
+            <a:endParaRPr b="0" lang="de-DE" sz="1800" spc="-1" strike="noStrike">
+              <a:latin typeface="Arial"/>
+            </a:endParaRPr>
+          </a:p>
+        </p:txBody>
       </p:sp>
     </p:spTree>
   </p:cSld>
@@ -3687,14 +3272,14 @@
       </p:grpSpPr>
       <p:sp>
         <p:nvSpPr>
-          <p:cNvPr id="84" name="TextShape 1"/>
-          <p:cNvSpPr txBox="1"/>
+          <p:cNvPr id="78" name="CustomShape 1"/>
+          <p:cNvSpPr/>
           <p:nvPr/>
         </p:nvSpPr>
         <p:spPr>
           <a:xfrm>
             <a:off x="792000" y="3885480"/>
-            <a:ext cx="8568000" cy="1661400"/>
+            <a:ext cx="8567640" cy="1661040"/>
           </a:xfrm>
           <a:prstGeom prst="rect">
             <a:avLst/>
@@ -3704,6 +3289,12 @@
             <a:noFill/>
           </a:ln>
         </p:spPr>
+        <p:style>
+          <a:lnRef idx="0"/>
+          <a:fillRef idx="0"/>
+          <a:effectRef idx="0"/>
+          <a:fontRef idx="minor"/>
+        </p:style>
         <p:txBody>
           <a:bodyPr lIns="0" rIns="0" tIns="0" bIns="0" anchor="ctr">
             <a:normAutofit/>
@@ -3728,25 +3319,22 @@
               </a:rPr>
               <a:t>      in Scala and Haskell</a:t>
             </a:r>
-            <a:endParaRPr b="1" lang="de-DE" sz="4800" spc="-1" strike="noStrike">
-              <a:solidFill>
-                <a:srgbClr val="333333"/>
-              </a:solidFill>
-              <a:latin typeface="Noto Sans Regular"/>
-            </a:endParaRPr>
-          </a:p>
-        </p:txBody>
-      </p:sp>
-      <p:sp>
-        <p:nvSpPr>
-          <p:cNvPr id="85" name="TextShape 2"/>
-          <p:cNvSpPr txBox="1"/>
+            <a:endParaRPr b="0" lang="de-DE" sz="4800" spc="-1" strike="noStrike">
+              <a:latin typeface="Arial"/>
+            </a:endParaRPr>
+          </a:p>
+        </p:txBody>
+      </p:sp>
+      <p:sp>
+        <p:nvSpPr>
+          <p:cNvPr id="79" name="CustomShape 2"/>
+          <p:cNvSpPr/>
           <p:nvPr/>
         </p:nvSpPr>
         <p:spPr>
           <a:xfrm>
             <a:off x="792000" y="5904000"/>
-            <a:ext cx="8568000" cy="982440"/>
+            <a:ext cx="8567640" cy="982080"/>
           </a:xfrm>
           <a:prstGeom prst="rect">
             <a:avLst/>
@@ -3756,10 +3344,20 @@
             <a:noFill/>
           </a:ln>
         </p:spPr>
+        <p:style>
+          <a:lnRef idx="0"/>
+          <a:fillRef idx="0"/>
+          <a:effectRef idx="0"/>
+          <a:fontRef idx="minor"/>
+        </p:style>
         <p:txBody>
           <a:bodyPr lIns="0" rIns="0" tIns="0" bIns="0" anchor="ctr"/>
           <a:p>
-            <a:pPr algn="ctr"/>
+            <a:pPr algn="ctr">
+              <a:lnSpc>
+                <a:spcPct val="100000"/>
+              </a:lnSpc>
+            </a:pPr>
             <a:r>
               <a:rPr b="0" lang="de-DE" sz="2600" spc="-1" strike="noStrike">
                 <a:latin typeface="Amiri Quran"/>
@@ -3772,16 +3370,10 @@
                 <a:latin typeface="Noto Sans Regular"/>
                 <a:ea typeface="Amiri Quran"/>
               </a:rPr>
-              <a:t> 2018 </a:t>
-            </a:r>
-            <a:r>
-              <a:rPr b="0" lang="de-DE" sz="2600" spc="-1" strike="noStrike">
-                <a:latin typeface="Noto Sans Regular"/>
-              </a:rPr>
-              <a:t> Hermann Hueck</a:t>
+              <a:t> 2018  Hermann Hueck</a:t>
             </a:r>
             <a:endParaRPr b="0" lang="de-DE" sz="2600" spc="-1" strike="noStrike">
-              <a:latin typeface="Noto Sans Regular"/>
+              <a:latin typeface="Arial"/>
             </a:endParaRPr>
           </a:p>
         </p:txBody>
@@ -3837,14 +3429,14 @@
       </p:grpSpPr>
       <p:sp>
         <p:nvSpPr>
-          <p:cNvPr id="102" name="TextShape 1"/>
-          <p:cNvSpPr txBox="1"/>
+          <p:cNvPr id="96" name="CustomShape 1"/>
+          <p:cNvSpPr/>
           <p:nvPr/>
         </p:nvSpPr>
         <p:spPr>
           <a:xfrm>
             <a:off x="720000" y="300960"/>
-            <a:ext cx="8855640" cy="1262520"/>
+            <a:ext cx="8855280" cy="1262160"/>
           </a:xfrm>
           <a:prstGeom prst="rect">
             <a:avLst/>
@@ -3854,6 +3446,12 @@
             <a:noFill/>
           </a:ln>
         </p:spPr>
+        <p:style>
+          <a:lnRef idx="0"/>
+          <a:fillRef idx="0"/>
+          <a:effectRef idx="0"/>
+          <a:fontRef idx="minor"/>
+        </p:style>
         <p:txBody>
           <a:bodyPr lIns="0" rIns="0" tIns="0" bIns="0" anchor="ctr"/>
           <a:p>
@@ -3866,25 +3464,22 @@
               </a:rPr>
               <a:t>Use the type class instance (2)</a:t>
             </a:r>
-            <a:endParaRPr b="1" lang="de-DE" sz="4000" spc="-1" strike="noStrike">
-              <a:solidFill>
-                <a:srgbClr val="333333"/>
-              </a:solidFill>
-              <a:latin typeface="Noto Sans Regular"/>
-            </a:endParaRPr>
-          </a:p>
-        </p:txBody>
-      </p:sp>
-      <p:sp>
-        <p:nvSpPr>
-          <p:cNvPr id="103" name="TextShape 2"/>
-          <p:cNvSpPr txBox="1"/>
+            <a:endParaRPr b="0" lang="de-DE" sz="4000" spc="-1" strike="noStrike">
+              <a:latin typeface="Arial"/>
+            </a:endParaRPr>
+          </a:p>
+        </p:txBody>
+      </p:sp>
+      <p:sp>
+        <p:nvSpPr>
+          <p:cNvPr id="97" name="CustomShape 2"/>
+          <p:cNvSpPr/>
           <p:nvPr/>
         </p:nvSpPr>
         <p:spPr>
           <a:xfrm>
             <a:off x="720000" y="2160000"/>
-            <a:ext cx="8640000" cy="4384800"/>
+            <a:ext cx="8639640" cy="4384440"/>
           </a:xfrm>
           <a:prstGeom prst="rect">
             <a:avLst/>
@@ -3894,29 +3489,32 @@
             <a:noFill/>
           </a:ln>
         </p:spPr>
+        <p:style>
+          <a:lnRef idx="0"/>
+          <a:fillRef idx="0"/>
+          <a:effectRef idx="0"/>
+          <a:fontRef idx="minor"/>
+        </p:style>
         <p:txBody>
           <a:bodyPr lIns="0" rIns="0" tIns="0" bIns="0"/>
           <a:p>
-            <a:pPr marL="432000" indent="-324000">
-              <a:spcAft>
-                <a:spcPts val="1414"/>
-              </a:spcAft>
-              <a:buClr>
-                <a:srgbClr val="ef2929"/>
-              </a:buClr>
-              <a:buSzPct val="45000"/>
-              <a:buFont typeface="Wingdings" charset="2"/>
-              <a:buChar char=""/>
+            <a:pPr>
+              <a:lnSpc>
+                <a:spcPct val="100000"/>
+              </a:lnSpc>
+              <a:spcAft>
+                <a:spcPts val="1414"/>
+              </a:spcAft>
             </a:pPr>
             <a:endParaRPr b="0" lang="de-DE" sz="1800" spc="-1" strike="noStrike">
-              <a:solidFill>
-                <a:srgbClr val="333333"/>
-              </a:solidFill>
-              <a:latin typeface="Noto Sans Regular"/>
-            </a:endParaRPr>
-          </a:p>
-          <a:p>
-            <a:pPr marL="432000" indent="-324000">
+              <a:latin typeface="Arial"/>
+            </a:endParaRPr>
+          </a:p>
+          <a:p>
+            <a:pPr marL="432000" indent="-323640">
+              <a:lnSpc>
+                <a:spcPct val="100000"/>
+              </a:lnSpc>
               <a:spcAft>
                 <a:spcPts val="1414"/>
               </a:spcAft>
@@ -3946,14 +3544,14 @@
               <a:t>def myPrint[A](value: A)(implicit printable: Printable[A]): Unit =</a:t>
             </a:r>
             <a:endParaRPr b="0" lang="de-DE" sz="1800" spc="-1" strike="noStrike">
-              <a:solidFill>
-                <a:srgbClr val="333333"/>
-              </a:solidFill>
-              <a:latin typeface="Noto Sans Regular"/>
-            </a:endParaRPr>
-          </a:p>
-          <a:p>
-            <a:pPr marL="432000" indent="-324000">
+              <a:latin typeface="Arial"/>
+            </a:endParaRPr>
+          </a:p>
+          <a:p>
+            <a:pPr marL="432000" indent="-323640">
+              <a:lnSpc>
+                <a:spcPct val="100000"/>
+              </a:lnSpc>
               <a:spcAft>
                 <a:spcPts val="1414"/>
               </a:spcAft>
@@ -4010,33 +3608,27 @@
               <a:t>println(printable.format(value))</a:t>
             </a:r>
             <a:endParaRPr b="0" lang="de-DE" sz="1800" spc="-1" strike="noStrike">
-              <a:solidFill>
-                <a:srgbClr val="333333"/>
-              </a:solidFill>
-              <a:latin typeface="Noto Sans Regular"/>
-            </a:endParaRPr>
-          </a:p>
-          <a:p>
-            <a:pPr marL="432000" indent="-324000">
-              <a:spcAft>
-                <a:spcPts val="1414"/>
-              </a:spcAft>
-              <a:buClr>
-                <a:srgbClr val="ef2929"/>
-              </a:buClr>
-              <a:buSzPct val="45000"/>
-              <a:buFont typeface="Wingdings" charset="2"/>
-              <a:buChar char=""/>
+              <a:latin typeface="Arial"/>
+            </a:endParaRPr>
+          </a:p>
+          <a:p>
+            <a:pPr>
+              <a:lnSpc>
+                <a:spcPct val="100000"/>
+              </a:lnSpc>
+              <a:spcAft>
+                <a:spcPts val="1414"/>
+              </a:spcAft>
             </a:pPr>
             <a:endParaRPr b="0" lang="de-DE" sz="1800" spc="-1" strike="noStrike">
-              <a:solidFill>
-                <a:srgbClr val="333333"/>
-              </a:solidFill>
-              <a:latin typeface="Noto Sans Regular"/>
-            </a:endParaRPr>
-          </a:p>
-          <a:p>
-            <a:pPr marL="432000" indent="-324000">
+              <a:latin typeface="Arial"/>
+            </a:endParaRPr>
+          </a:p>
+          <a:p>
+            <a:pPr marL="432000" indent="-323640">
+              <a:lnSpc>
+                <a:spcPct val="100000"/>
+              </a:lnSpc>
               <a:spcAft>
                 <a:spcPts val="1414"/>
               </a:spcAft>
@@ -4066,14 +3658,14 @@
               <a:t>val mizzi = Cat("Mizzi", 1, "black")</a:t>
             </a:r>
             <a:endParaRPr b="0" lang="de-DE" sz="1800" spc="-1" strike="noStrike">
-              <a:solidFill>
-                <a:srgbClr val="333333"/>
-              </a:solidFill>
-              <a:latin typeface="Noto Sans Regular"/>
-            </a:endParaRPr>
-          </a:p>
-          <a:p>
-            <a:pPr marL="432000" indent="-324000">
+              <a:latin typeface="Arial"/>
+            </a:endParaRPr>
+          </a:p>
+          <a:p>
+            <a:pPr marL="432000" indent="-323640">
+              <a:lnSpc>
+                <a:spcPct val="100000"/>
+              </a:lnSpc>
               <a:spcAft>
                 <a:spcPts val="1414"/>
               </a:spcAft>
@@ -4103,33 +3695,27 @@
               <a:t>val garfield = Cat("Garfield", 38, "ginger and black")</a:t>
             </a:r>
             <a:endParaRPr b="0" lang="de-DE" sz="1800" spc="-1" strike="noStrike">
-              <a:solidFill>
-                <a:srgbClr val="333333"/>
-              </a:solidFill>
-              <a:latin typeface="Noto Sans Regular"/>
-            </a:endParaRPr>
-          </a:p>
-          <a:p>
-            <a:pPr marL="432000" indent="-324000">
-              <a:spcAft>
-                <a:spcPts val="1414"/>
-              </a:spcAft>
-              <a:buClr>
-                <a:srgbClr val="ef2929"/>
-              </a:buClr>
-              <a:buSzPct val="45000"/>
-              <a:buFont typeface="Wingdings" charset="2"/>
-              <a:buChar char=""/>
+              <a:latin typeface="Arial"/>
+            </a:endParaRPr>
+          </a:p>
+          <a:p>
+            <a:pPr>
+              <a:lnSpc>
+                <a:spcPct val="100000"/>
+              </a:lnSpc>
+              <a:spcAft>
+                <a:spcPts val="1414"/>
+              </a:spcAft>
             </a:pPr>
             <a:endParaRPr b="0" lang="de-DE" sz="1800" spc="-1" strike="noStrike">
-              <a:solidFill>
-                <a:srgbClr val="333333"/>
-              </a:solidFill>
-              <a:latin typeface="Noto Sans Regular"/>
-            </a:endParaRPr>
-          </a:p>
-          <a:p>
-            <a:pPr marL="432000" indent="-324000">
+              <a:latin typeface="Arial"/>
+            </a:endParaRPr>
+          </a:p>
+          <a:p>
+            <a:pPr marL="432000" indent="-323640">
+              <a:lnSpc>
+                <a:spcPct val="100000"/>
+              </a:lnSpc>
               <a:spcAft>
                 <a:spcPts val="1414"/>
               </a:spcAft>
@@ -4159,14 +3745,14 @@
               <a:t>myPrint(mizzi)</a:t>
             </a:r>
             <a:endParaRPr b="0" lang="de-DE" sz="1800" spc="-1" strike="noStrike">
-              <a:solidFill>
-                <a:srgbClr val="333333"/>
-              </a:solidFill>
-              <a:latin typeface="Noto Sans Regular"/>
-            </a:endParaRPr>
-          </a:p>
-          <a:p>
-            <a:pPr marL="432000" indent="-324000">
+              <a:latin typeface="Arial"/>
+            </a:endParaRPr>
+          </a:p>
+          <a:p>
+            <a:pPr marL="432000" indent="-323640">
+              <a:lnSpc>
+                <a:spcPct val="100000"/>
+              </a:lnSpc>
               <a:spcAft>
                 <a:spcPts val="1414"/>
               </a:spcAft>
@@ -4196,29 +3782,20 @@
               <a:t>myPrint(garfield)</a:t>
             </a:r>
             <a:endParaRPr b="0" lang="de-DE" sz="1800" spc="-1" strike="noStrike">
-              <a:solidFill>
-                <a:srgbClr val="333333"/>
-              </a:solidFill>
-              <a:latin typeface="Noto Sans Regular"/>
-            </a:endParaRPr>
-          </a:p>
-          <a:p>
-            <a:pPr marL="432000" indent="-324000">
-              <a:spcAft>
-                <a:spcPts val="1414"/>
-              </a:spcAft>
-              <a:buClr>
-                <a:srgbClr val="ef2929"/>
-              </a:buClr>
-              <a:buSzPct val="45000"/>
-              <a:buFont typeface="Wingdings" charset="2"/>
-              <a:buChar char=""/>
+              <a:latin typeface="Arial"/>
+            </a:endParaRPr>
+          </a:p>
+          <a:p>
+            <a:pPr>
+              <a:lnSpc>
+                <a:spcPct val="100000"/>
+              </a:lnSpc>
+              <a:spcAft>
+                <a:spcPts val="1414"/>
+              </a:spcAft>
             </a:pPr>
             <a:endParaRPr b="0" lang="de-DE" sz="1800" spc="-1" strike="noStrike">
-              <a:solidFill>
-                <a:srgbClr val="333333"/>
-              </a:solidFill>
-              <a:latin typeface="Noto Sans Regular"/>
+              <a:latin typeface="Arial"/>
             </a:endParaRPr>
           </a:p>
         </p:txBody>
@@ -4274,14 +3851,14 @@
       </p:grpSpPr>
       <p:sp>
         <p:nvSpPr>
-          <p:cNvPr id="104" name="TextShape 1"/>
-          <p:cNvSpPr txBox="1"/>
+          <p:cNvPr id="98" name="CustomShape 1"/>
+          <p:cNvSpPr/>
           <p:nvPr/>
         </p:nvSpPr>
         <p:spPr>
           <a:xfrm>
             <a:off x="720000" y="300960"/>
-            <a:ext cx="8855640" cy="1262520"/>
+            <a:ext cx="8855280" cy="1262160"/>
           </a:xfrm>
           <a:prstGeom prst="rect">
             <a:avLst/>
@@ -4291,6 +3868,12 @@
             <a:noFill/>
           </a:ln>
         </p:spPr>
+        <p:style>
+          <a:lnRef idx="0"/>
+          <a:fillRef idx="0"/>
+          <a:effectRef idx="0"/>
+          <a:fontRef idx="minor"/>
+        </p:style>
         <p:txBody>
           <a:bodyPr lIns="0" rIns="0" tIns="0" bIns="0" anchor="ctr"/>
           <a:p>
@@ -4303,25 +3886,22 @@
               </a:rPr>
               <a:t>Better Design</a:t>
             </a:r>
-            <a:endParaRPr b="1" lang="de-DE" sz="4000" spc="-1" strike="noStrike">
-              <a:solidFill>
-                <a:srgbClr val="333333"/>
-              </a:solidFill>
-              <a:latin typeface="Noto Sans Regular"/>
-            </a:endParaRPr>
-          </a:p>
-        </p:txBody>
-      </p:sp>
-      <p:sp>
-        <p:nvSpPr>
-          <p:cNvPr id="105" name="TextShape 2"/>
-          <p:cNvSpPr txBox="1"/>
+            <a:endParaRPr b="0" lang="de-DE" sz="4000" spc="-1" strike="noStrike">
+              <a:latin typeface="Arial"/>
+            </a:endParaRPr>
+          </a:p>
+        </p:txBody>
+      </p:sp>
+      <p:sp>
+        <p:nvSpPr>
+          <p:cNvPr id="99" name="CustomShape 2"/>
+          <p:cNvSpPr/>
           <p:nvPr/>
         </p:nvSpPr>
         <p:spPr>
           <a:xfrm>
             <a:off x="720000" y="2160000"/>
-            <a:ext cx="8640000" cy="4384800"/>
+            <a:ext cx="8639640" cy="4384440"/>
           </a:xfrm>
           <a:prstGeom prst="rect">
             <a:avLst/>
@@ -4331,10 +3911,19 @@
             <a:noFill/>
           </a:ln>
         </p:spPr>
+        <p:style>
+          <a:lnRef idx="0"/>
+          <a:fillRef idx="0"/>
+          <a:effectRef idx="0"/>
+          <a:fontRef idx="minor"/>
+        </p:style>
         <p:txBody>
           <a:bodyPr lIns="0" rIns="0" tIns="0" bIns="0"/>
           <a:p>
-            <a:pPr marL="432000" indent="-324000">
+            <a:pPr marL="432000" indent="-323640">
+              <a:lnSpc>
+                <a:spcPct val="100000"/>
+              </a:lnSpc>
               <a:spcAft>
                 <a:spcPts val="1414"/>
               </a:spcAft>
@@ -4355,14 +3944,14 @@
               <a:t>Move the print method into a singleton object (e.g. the companion object of the type class).</a:t>
             </a:r>
             <a:endParaRPr b="0" lang="de-DE" sz="2800" spc="-1" strike="noStrike">
-              <a:solidFill>
-                <a:srgbClr val="333333"/>
-              </a:solidFill>
-              <a:latin typeface="Noto Sans Regular"/>
-            </a:endParaRPr>
-          </a:p>
-          <a:p>
-            <a:pPr marL="432000" indent="-324000">
+              <a:latin typeface="Arial"/>
+            </a:endParaRPr>
+          </a:p>
+          <a:p>
+            <a:pPr marL="432000" indent="-323640">
+              <a:lnSpc>
+                <a:spcPct val="100000"/>
+              </a:lnSpc>
               <a:spcAft>
                 <a:spcPts val="1414"/>
               </a:spcAft>
@@ -4383,10 +3972,7 @@
               <a:t>Use extension methods (= type enrichment) by defining an implicit class. (The implicit class must be parameterized with the same type as the type class.)</a:t>
             </a:r>
             <a:endParaRPr b="0" lang="de-DE" sz="2800" spc="-1" strike="noStrike">
-              <a:solidFill>
-                <a:srgbClr val="333333"/>
-              </a:solidFill>
-              <a:latin typeface="Noto Sans Regular"/>
+              <a:latin typeface="Arial"/>
             </a:endParaRPr>
           </a:p>
         </p:txBody>
@@ -4442,14 +4028,14 @@
       </p:grpSpPr>
       <p:sp>
         <p:nvSpPr>
-          <p:cNvPr id="106" name="TextShape 1"/>
-          <p:cNvSpPr txBox="1"/>
+          <p:cNvPr id="100" name="CustomShape 1"/>
+          <p:cNvSpPr/>
           <p:nvPr/>
         </p:nvSpPr>
         <p:spPr>
           <a:xfrm>
             <a:off x="720000" y="300960"/>
-            <a:ext cx="8855640" cy="1262520"/>
+            <a:ext cx="8855280" cy="1262160"/>
           </a:xfrm>
           <a:prstGeom prst="rect">
             <a:avLst/>
@@ -4459,6 +4045,12 @@
             <a:noFill/>
           </a:ln>
         </p:spPr>
+        <p:style>
+          <a:lnRef idx="0"/>
+          <a:fillRef idx="0"/>
+          <a:effectRef idx="0"/>
+          <a:fontRef idx="minor"/>
+        </p:style>
         <p:txBody>
           <a:bodyPr lIns="0" rIns="0" tIns="0" bIns="0" anchor="ctr"/>
           <a:p>
@@ -4471,25 +4063,22 @@
               </a:rPr>
               <a:t>Better Design (1)</a:t>
             </a:r>
-            <a:endParaRPr b="1" lang="de-DE" sz="4000" spc="-1" strike="noStrike">
-              <a:solidFill>
-                <a:srgbClr val="333333"/>
-              </a:solidFill>
-              <a:latin typeface="Noto Sans Regular"/>
-            </a:endParaRPr>
-          </a:p>
-        </p:txBody>
-      </p:sp>
-      <p:sp>
-        <p:nvSpPr>
-          <p:cNvPr id="107" name="TextShape 2"/>
-          <p:cNvSpPr txBox="1"/>
+            <a:endParaRPr b="0" lang="de-DE" sz="4000" spc="-1" strike="noStrike">
+              <a:latin typeface="Arial"/>
+            </a:endParaRPr>
+          </a:p>
+        </p:txBody>
+      </p:sp>
+      <p:sp>
+        <p:nvSpPr>
+          <p:cNvPr id="101" name="CustomShape 2"/>
+          <p:cNvSpPr/>
           <p:nvPr/>
         </p:nvSpPr>
         <p:spPr>
           <a:xfrm>
             <a:off x="720000" y="2160000"/>
-            <a:ext cx="8640000" cy="4384800"/>
+            <a:ext cx="8639640" cy="4384440"/>
           </a:xfrm>
           <a:prstGeom prst="rect">
             <a:avLst/>
@@ -4499,10 +4088,19 @@
             <a:noFill/>
           </a:ln>
         </p:spPr>
+        <p:style>
+          <a:lnRef idx="0"/>
+          <a:fillRef idx="0"/>
+          <a:effectRef idx="0"/>
+          <a:fontRef idx="minor"/>
+        </p:style>
         <p:txBody>
           <a:bodyPr lIns="0" rIns="0" tIns="0" bIns="0"/>
           <a:p>
-            <a:pPr marL="432000" indent="-324000">
+            <a:pPr marL="432000" indent="-323640">
+              <a:lnSpc>
+                <a:spcPct val="100000"/>
+              </a:lnSpc>
               <a:spcAft>
                 <a:spcPts val="1414"/>
               </a:spcAft>
@@ -4523,14 +4121,14 @@
               <a:t>Move the print method into a singleton object (e.g. the companion object of the type class).</a:t>
             </a:r>
             <a:endParaRPr b="0" lang="de-DE" sz="2800" spc="-1" strike="noStrike">
-              <a:solidFill>
-                <a:srgbClr val="333333"/>
-              </a:solidFill>
-              <a:latin typeface="Noto Sans Regular"/>
-            </a:endParaRPr>
-          </a:p>
-          <a:p>
-            <a:pPr marL="432000" indent="-324000">
+              <a:latin typeface="Arial"/>
+            </a:endParaRPr>
+          </a:p>
+          <a:p>
+            <a:pPr marL="432000" indent="-323640">
+              <a:lnSpc>
+                <a:spcPct val="100000"/>
+              </a:lnSpc>
               <a:spcAft>
                 <a:spcPts val="1414"/>
               </a:spcAft>
@@ -4551,14 +4149,14 @@
               <a:t>object Printable {</a:t>
             </a:r>
             <a:endParaRPr b="0" lang="de-DE" sz="1800" spc="-1" strike="noStrike">
-              <a:solidFill>
-                <a:srgbClr val="333333"/>
-              </a:solidFill>
-              <a:latin typeface="Noto Sans Regular"/>
-            </a:endParaRPr>
-          </a:p>
-          <a:p>
-            <a:pPr marL="432000" indent="-324000">
+              <a:latin typeface="Arial"/>
+            </a:endParaRPr>
+          </a:p>
+          <a:p>
+            <a:pPr marL="432000" indent="-323640">
+              <a:lnSpc>
+                <a:spcPct val="100000"/>
+              </a:lnSpc>
               <a:spcAft>
                 <a:spcPts val="1414"/>
               </a:spcAft>
@@ -4588,14 +4186,14 @@
               <a:t>def format[A](value: A)(implicit printable: Printable[A]): String =</a:t>
             </a:r>
             <a:endParaRPr b="0" lang="de-DE" sz="1800" spc="-1" strike="noStrike">
-              <a:solidFill>
-                <a:srgbClr val="333333"/>
-              </a:solidFill>
-              <a:latin typeface="Noto Sans Regular"/>
-            </a:endParaRPr>
-          </a:p>
-          <a:p>
-            <a:pPr lvl="2" marL="1296000" indent="-288000">
+              <a:latin typeface="Arial"/>
+            </a:endParaRPr>
+          </a:p>
+          <a:p>
+            <a:pPr lvl="2" marL="1296000" indent="-287640">
+              <a:lnSpc>
+                <a:spcPct val="100000"/>
+              </a:lnSpc>
               <a:spcAft>
                 <a:spcPts val="845"/>
               </a:spcAft>
@@ -4616,14 +4214,14 @@
               <a:t>printable.format(value)</a:t>
             </a:r>
             <a:endParaRPr b="0" lang="de-DE" sz="1800" spc="-1" strike="noStrike">
-              <a:solidFill>
-                <a:srgbClr val="333333"/>
-              </a:solidFill>
-              <a:latin typeface="Noto Sans Regular"/>
-            </a:endParaRPr>
-          </a:p>
-          <a:p>
-            <a:pPr marL="432000" indent="-324000">
+              <a:latin typeface="Arial"/>
+            </a:endParaRPr>
+          </a:p>
+          <a:p>
+            <a:pPr marL="432000" indent="-323640">
+              <a:lnSpc>
+                <a:spcPct val="100000"/>
+              </a:lnSpc>
               <a:spcAft>
                 <a:spcPts val="1414"/>
               </a:spcAft>
@@ -4653,14 +4251,14 @@
               <a:t>def print[A](value: A)(implicit printable: Printable[A]): Unit =</a:t>
             </a:r>
             <a:endParaRPr b="0" lang="de-DE" sz="1800" spc="-1" strike="noStrike">
-              <a:solidFill>
-                <a:srgbClr val="333333"/>
-              </a:solidFill>
-              <a:latin typeface="Noto Sans Regular"/>
-            </a:endParaRPr>
-          </a:p>
-          <a:p>
-            <a:pPr lvl="2" marL="1296000" indent="-288000">
+              <a:latin typeface="Arial"/>
+            </a:endParaRPr>
+          </a:p>
+          <a:p>
+            <a:pPr lvl="2" marL="1296000" indent="-287640">
+              <a:lnSpc>
+                <a:spcPct val="100000"/>
+              </a:lnSpc>
               <a:spcAft>
                 <a:spcPts val="845"/>
               </a:spcAft>
@@ -4678,26 +4276,17 @@
                 </a:solidFill>
                 <a:latin typeface="Noto Sans Regular"/>
               </a:rPr>
-              <a:t>println(</a:t>
-            </a:r>
-            <a:r>
-              <a:rPr b="0" lang="de-DE" sz="1800" spc="-1" strike="noStrike">
-                <a:solidFill>
-                  <a:srgbClr val="333333"/>
-                </a:solidFill>
-                <a:latin typeface="Noto Sans Regular"/>
-              </a:rPr>
-              <a:t>printable.format(value))</a:t>
+              <a:t>println(printable.format(value))</a:t>
             </a:r>
             <a:endParaRPr b="0" lang="de-DE" sz="1800" spc="-1" strike="noStrike">
-              <a:solidFill>
-                <a:srgbClr val="333333"/>
-              </a:solidFill>
-              <a:latin typeface="Noto Sans Regular"/>
-            </a:endParaRPr>
-          </a:p>
-          <a:p>
-            <a:pPr marL="432000" indent="-324000">
+              <a:latin typeface="Arial"/>
+            </a:endParaRPr>
+          </a:p>
+          <a:p>
+            <a:pPr marL="432000" indent="-323640">
+              <a:lnSpc>
+                <a:spcPct val="100000"/>
+              </a:lnSpc>
               <a:spcAft>
                 <a:spcPts val="1414"/>
               </a:spcAft>
@@ -4718,14 +4307,14 @@
               <a:t>}</a:t>
             </a:r>
             <a:endParaRPr b="0" lang="de-DE" sz="1800" spc="-1" strike="noStrike">
-              <a:solidFill>
-                <a:srgbClr val="333333"/>
-              </a:solidFill>
-              <a:latin typeface="Noto Sans Regular"/>
-            </a:endParaRPr>
-          </a:p>
-          <a:p>
-            <a:pPr marL="432000" indent="-324000">
+              <a:latin typeface="Arial"/>
+            </a:endParaRPr>
+          </a:p>
+          <a:p>
+            <a:pPr marL="432000" indent="-323640">
+              <a:lnSpc>
+                <a:spcPct val="100000"/>
+              </a:lnSpc>
               <a:spcAft>
                 <a:spcPts val="1414"/>
               </a:spcAft>
@@ -4746,10 +4335,7 @@
               <a:t>Printable.print(mizzi)</a:t>
             </a:r>
             <a:endParaRPr b="0" lang="de-DE" sz="1800" spc="-1" strike="noStrike">
-              <a:solidFill>
-                <a:srgbClr val="333333"/>
-              </a:solidFill>
-              <a:latin typeface="Noto Sans Regular"/>
+              <a:latin typeface="Arial"/>
             </a:endParaRPr>
           </a:p>
         </p:txBody>
@@ -4805,14 +4391,14 @@
       </p:grpSpPr>
       <p:sp>
         <p:nvSpPr>
-          <p:cNvPr id="108" name="TextShape 1"/>
-          <p:cNvSpPr txBox="1"/>
+          <p:cNvPr id="102" name="CustomShape 1"/>
+          <p:cNvSpPr/>
           <p:nvPr/>
         </p:nvSpPr>
         <p:spPr>
           <a:xfrm>
             <a:off x="720000" y="300960"/>
-            <a:ext cx="8855640" cy="1262520"/>
+            <a:ext cx="8855280" cy="1262160"/>
           </a:xfrm>
           <a:prstGeom prst="rect">
             <a:avLst/>
@@ -4822,6 +4408,12 @@
             <a:noFill/>
           </a:ln>
         </p:spPr>
+        <p:style>
+          <a:lnRef idx="0"/>
+          <a:fillRef idx="0"/>
+          <a:effectRef idx="0"/>
+          <a:fontRef idx="minor"/>
+        </p:style>
         <p:txBody>
           <a:bodyPr lIns="0" rIns="0" tIns="0" bIns="0" anchor="ctr"/>
           <a:p>
@@ -4834,25 +4426,22 @@
               </a:rPr>
               <a:t>Better Design (2)</a:t>
             </a:r>
-            <a:endParaRPr b="1" lang="de-DE" sz="4000" spc="-1" strike="noStrike">
-              <a:solidFill>
-                <a:srgbClr val="333333"/>
-              </a:solidFill>
-              <a:latin typeface="Noto Sans Regular"/>
-            </a:endParaRPr>
-          </a:p>
-        </p:txBody>
-      </p:sp>
-      <p:sp>
-        <p:nvSpPr>
-          <p:cNvPr id="109" name="TextShape 2"/>
-          <p:cNvSpPr txBox="1"/>
+            <a:endParaRPr b="0" lang="de-DE" sz="4000" spc="-1" strike="noStrike">
+              <a:latin typeface="Arial"/>
+            </a:endParaRPr>
+          </a:p>
+        </p:txBody>
+      </p:sp>
+      <p:sp>
+        <p:nvSpPr>
+          <p:cNvPr id="103" name="CustomShape 2"/>
+          <p:cNvSpPr/>
           <p:nvPr/>
         </p:nvSpPr>
         <p:spPr>
           <a:xfrm>
             <a:off x="720000" y="2160000"/>
-            <a:ext cx="8640000" cy="4384800"/>
+            <a:ext cx="8639640" cy="4384440"/>
           </a:xfrm>
           <a:prstGeom prst="rect">
             <a:avLst/>
@@ -4862,10 +4451,19 @@
             <a:noFill/>
           </a:ln>
         </p:spPr>
+        <p:style>
+          <a:lnRef idx="0"/>
+          <a:fillRef idx="0"/>
+          <a:effectRef idx="0"/>
+          <a:fontRef idx="minor"/>
+        </p:style>
         <p:txBody>
           <a:bodyPr lIns="0" rIns="0" tIns="0" bIns="0"/>
           <a:p>
-            <a:pPr marL="432000" indent="-324000">
+            <a:pPr marL="432000" indent="-323640">
+              <a:lnSpc>
+                <a:spcPct val="100000"/>
+              </a:lnSpc>
               <a:spcAft>
                 <a:spcPts val="1414"/>
               </a:spcAft>
@@ -4886,14 +4484,14 @@
               <a:t>Use extension methods (= type enrichment) by defining an implicit class. (The implicit class must be parameterized with the same type as the type class.)</a:t>
             </a:r>
             <a:endParaRPr b="0" lang="de-DE" sz="2800" spc="-1" strike="noStrike">
-              <a:solidFill>
-                <a:srgbClr val="333333"/>
-              </a:solidFill>
-              <a:latin typeface="Noto Sans Regular"/>
-            </a:endParaRPr>
-          </a:p>
-          <a:p>
-            <a:pPr marL="432000" indent="-324000">
+              <a:latin typeface="Arial"/>
+            </a:endParaRPr>
+          </a:p>
+          <a:p>
+            <a:pPr marL="432000" indent="-323640">
+              <a:lnSpc>
+                <a:spcPct val="100000"/>
+              </a:lnSpc>
               <a:spcAft>
                 <a:spcPts val="1414"/>
               </a:spcAft>
@@ -4923,14 +4521,14 @@
               <a:t>implicit class PrintableOps[A](value: A) {</a:t>
             </a:r>
             <a:endParaRPr b="0" lang="de-DE" sz="1800" spc="-1" strike="noStrike">
-              <a:solidFill>
-                <a:srgbClr val="333333"/>
-              </a:solidFill>
-              <a:latin typeface="Noto Sans Regular"/>
-            </a:endParaRPr>
-          </a:p>
-          <a:p>
-            <a:pPr marL="432000" indent="-324000">
+              <a:latin typeface="Arial"/>
+            </a:endParaRPr>
+          </a:p>
+          <a:p>
+            <a:pPr marL="432000" indent="-323640">
+              <a:lnSpc>
+                <a:spcPct val="100000"/>
+              </a:lnSpc>
               <a:spcAft>
                 <a:spcPts val="1414"/>
               </a:spcAft>
@@ -4960,14 +4558,14 @@
               <a:t>def format(implicit printable: Printable[A]): String =</a:t>
             </a:r>
             <a:endParaRPr b="0" lang="de-DE" sz="1800" spc="-1" strike="noStrike">
-              <a:solidFill>
-                <a:srgbClr val="333333"/>
-              </a:solidFill>
-              <a:latin typeface="Noto Sans Regular"/>
-            </a:endParaRPr>
-          </a:p>
-          <a:p>
-            <a:pPr lvl="2" marL="1296000" indent="-288000">
+              <a:latin typeface="Arial"/>
+            </a:endParaRPr>
+          </a:p>
+          <a:p>
+            <a:pPr lvl="2" marL="1296000" indent="-287640">
+              <a:lnSpc>
+                <a:spcPct val="100000"/>
+              </a:lnSpc>
               <a:spcAft>
                 <a:spcPts val="845"/>
               </a:spcAft>
@@ -4988,14 +4586,14 @@
               <a:t>printable.format(value)</a:t>
             </a:r>
             <a:endParaRPr b="0" lang="de-DE" sz="1800" spc="-1" strike="noStrike">
-              <a:solidFill>
-                <a:srgbClr val="333333"/>
-              </a:solidFill>
-              <a:latin typeface="Noto Sans Regular"/>
-            </a:endParaRPr>
-          </a:p>
-          <a:p>
-            <a:pPr marL="432000" indent="-324000">
+              <a:latin typeface="Arial"/>
+            </a:endParaRPr>
+          </a:p>
+          <a:p>
+            <a:pPr marL="432000" indent="-323640">
+              <a:lnSpc>
+                <a:spcPct val="100000"/>
+              </a:lnSpc>
               <a:spcAft>
                 <a:spcPts val="1414"/>
               </a:spcAft>
@@ -5025,14 +4623,14 @@
               <a:t>def print(implicit printable: Printable[A]) = println(format)</a:t>
             </a:r>
             <a:endParaRPr b="0" lang="de-DE" sz="1800" spc="-1" strike="noStrike">
-              <a:solidFill>
-                <a:srgbClr val="333333"/>
-              </a:solidFill>
-              <a:latin typeface="Noto Sans Regular"/>
-            </a:endParaRPr>
-          </a:p>
-          <a:p>
-            <a:pPr marL="432000" indent="-324000">
+              <a:latin typeface="Arial"/>
+            </a:endParaRPr>
+          </a:p>
+          <a:p>
+            <a:pPr marL="432000" indent="-323640">
+              <a:lnSpc>
+                <a:spcPct val="100000"/>
+              </a:lnSpc>
               <a:spcAft>
                 <a:spcPts val="1414"/>
               </a:spcAft>
@@ -5062,14 +4660,14 @@
               <a:t>}</a:t>
             </a:r>
             <a:endParaRPr b="0" lang="de-DE" sz="1800" spc="-1" strike="noStrike">
-              <a:solidFill>
-                <a:srgbClr val="333333"/>
-              </a:solidFill>
-              <a:latin typeface="Noto Sans Regular"/>
-            </a:endParaRPr>
-          </a:p>
-          <a:p>
-            <a:pPr marL="432000" indent="-324000">
+              <a:latin typeface="Arial"/>
+            </a:endParaRPr>
+          </a:p>
+          <a:p>
+            <a:pPr marL="432000" indent="-323640">
+              <a:lnSpc>
+                <a:spcPct val="100000"/>
+              </a:lnSpc>
               <a:spcAft>
                 <a:spcPts val="1414"/>
               </a:spcAft>
@@ -5090,10 +4688,7 @@
               <a:t>mizzi.print</a:t>
             </a:r>
             <a:endParaRPr b="0" lang="de-DE" sz="1800" spc="-1" strike="noStrike">
-              <a:solidFill>
-                <a:srgbClr val="333333"/>
-              </a:solidFill>
-              <a:latin typeface="Noto Sans Regular"/>
+              <a:latin typeface="Arial"/>
             </a:endParaRPr>
           </a:p>
         </p:txBody>
@@ -5149,14 +4744,14 @@
       </p:grpSpPr>
       <p:sp>
         <p:nvSpPr>
-          <p:cNvPr id="110" name="TextShape 1"/>
-          <p:cNvSpPr txBox="1"/>
+          <p:cNvPr id="104" name="CustomShape 1"/>
+          <p:cNvSpPr/>
           <p:nvPr/>
         </p:nvSpPr>
         <p:spPr>
           <a:xfrm>
             <a:off x="720000" y="300960"/>
-            <a:ext cx="8855640" cy="1262520"/>
+            <a:ext cx="8855280" cy="1262160"/>
           </a:xfrm>
           <a:prstGeom prst="rect">
             <a:avLst/>
@@ -5166,6 +4761,12 @@
             <a:noFill/>
           </a:ln>
         </p:spPr>
+        <p:style>
+          <a:lnRef idx="0"/>
+          <a:fillRef idx="0"/>
+          <a:effectRef idx="0"/>
+          <a:fontRef idx="minor"/>
+        </p:style>
         <p:txBody>
           <a:bodyPr lIns="0" rIns="0" tIns="0" bIns="0" anchor="ctr"/>
           <a:p>
@@ -5178,25 +4779,22 @@
               </a:rPr>
               <a:t>Where to keep the type class instances?</a:t>
             </a:r>
-            <a:endParaRPr b="1" lang="de-DE" sz="3200" spc="-1" strike="noStrike">
-              <a:solidFill>
-                <a:srgbClr val="333333"/>
-              </a:solidFill>
-              <a:latin typeface="Noto Sans Regular"/>
-            </a:endParaRPr>
-          </a:p>
-        </p:txBody>
-      </p:sp>
-      <p:sp>
-        <p:nvSpPr>
-          <p:cNvPr id="111" name="TextShape 2"/>
-          <p:cNvSpPr txBox="1"/>
+            <a:endParaRPr b="0" lang="de-DE" sz="3200" spc="-1" strike="noStrike">
+              <a:latin typeface="Arial"/>
+            </a:endParaRPr>
+          </a:p>
+        </p:txBody>
+      </p:sp>
+      <p:sp>
+        <p:nvSpPr>
+          <p:cNvPr id="105" name="CustomShape 2"/>
+          <p:cNvSpPr/>
           <p:nvPr/>
         </p:nvSpPr>
         <p:spPr>
           <a:xfrm>
             <a:off x="720000" y="2160000"/>
-            <a:ext cx="8640000" cy="4384800"/>
+            <a:ext cx="8639640" cy="4384440"/>
           </a:xfrm>
           <a:prstGeom prst="rect">
             <a:avLst/>
@@ -5206,10 +4804,19 @@
             <a:noFill/>
           </a:ln>
         </p:spPr>
+        <p:style>
+          <a:lnRef idx="0"/>
+          <a:fillRef idx="0"/>
+          <a:effectRef idx="0"/>
+          <a:fontRef idx="minor"/>
+        </p:style>
         <p:txBody>
           <a:bodyPr lIns="0" rIns="0" tIns="0" bIns="0"/>
           <a:p>
-            <a:pPr marL="432000" indent="-324000">
+            <a:pPr marL="432000" indent="-323640">
+              <a:lnSpc>
+                <a:spcPct val="100000"/>
+              </a:lnSpc>
               <a:spcAft>
                 <a:spcPts val="1414"/>
               </a:spcAft>
@@ -5230,14 +4837,14 @@
               <a:t>Type class instances for standard types (String, Int, Date etc.) should be stored in the same package as the type class itself.</a:t>
             </a:r>
             <a:endParaRPr b="0" lang="de-DE" sz="2800" spc="-1" strike="noStrike">
-              <a:solidFill>
-                <a:srgbClr val="333333"/>
-              </a:solidFill>
-              <a:latin typeface="Noto Sans Regular"/>
-            </a:endParaRPr>
-          </a:p>
-          <a:p>
-            <a:pPr marL="432000" indent="-324000">
+              <a:latin typeface="Arial"/>
+            </a:endParaRPr>
+          </a:p>
+          <a:p>
+            <a:pPr marL="432000" indent="-323640">
+              <a:lnSpc>
+                <a:spcPct val="100000"/>
+              </a:lnSpc>
               <a:spcAft>
                 <a:spcPts val="1414"/>
               </a:spcAft>
@@ -5258,10 +4865,7 @@
               <a:t>Type class instances for your own types like domain classes (Cat, Person, Order etc.) should be stored in the same package as the respective domain class.</a:t>
             </a:r>
             <a:endParaRPr b="0" lang="de-DE" sz="2800" spc="-1" strike="noStrike">
-              <a:solidFill>
-                <a:srgbClr val="333333"/>
-              </a:solidFill>
-              <a:latin typeface="Noto Sans Regular"/>
+              <a:latin typeface="Arial"/>
             </a:endParaRPr>
           </a:p>
         </p:txBody>
@@ -5317,14 +4921,14 @@
       </p:grpSpPr>
       <p:sp>
         <p:nvSpPr>
-          <p:cNvPr id="112" name="TextShape 1"/>
-          <p:cNvSpPr txBox="1"/>
+          <p:cNvPr id="106" name="CustomShape 1"/>
+          <p:cNvSpPr/>
           <p:nvPr/>
         </p:nvSpPr>
         <p:spPr>
           <a:xfrm>
             <a:off x="720000" y="300960"/>
-            <a:ext cx="8855640" cy="1262520"/>
+            <a:ext cx="8855280" cy="1262160"/>
           </a:xfrm>
           <a:prstGeom prst="rect">
             <a:avLst/>
@@ -5334,6 +4938,12 @@
             <a:noFill/>
           </a:ln>
         </p:spPr>
+        <p:style>
+          <a:lnRef idx="0"/>
+          <a:fillRef idx="0"/>
+          <a:effectRef idx="0"/>
+          <a:fontRef idx="minor"/>
+        </p:style>
         <p:txBody>
           <a:bodyPr lIns="0" rIns="0" tIns="0" bIns="0" anchor="ctr"/>
           <a:p>
@@ -5346,25 +4956,22 @@
               </a:rPr>
               <a:t>Benefit of type classes</a:t>
             </a:r>
-            <a:endParaRPr b="1" lang="de-DE" sz="4000" spc="-1" strike="noStrike">
-              <a:solidFill>
-                <a:srgbClr val="333333"/>
-              </a:solidFill>
-              <a:latin typeface="Noto Sans Regular"/>
-            </a:endParaRPr>
-          </a:p>
-        </p:txBody>
-      </p:sp>
-      <p:sp>
-        <p:nvSpPr>
-          <p:cNvPr id="113" name="TextShape 2"/>
-          <p:cNvSpPr txBox="1"/>
+            <a:endParaRPr b="0" lang="de-DE" sz="4000" spc="-1" strike="noStrike">
+              <a:latin typeface="Arial"/>
+            </a:endParaRPr>
+          </a:p>
+        </p:txBody>
+      </p:sp>
+      <p:sp>
+        <p:nvSpPr>
+          <p:cNvPr id="107" name="CustomShape 2"/>
+          <p:cNvSpPr/>
           <p:nvPr/>
         </p:nvSpPr>
         <p:spPr>
           <a:xfrm>
             <a:off x="720000" y="2160000"/>
-            <a:ext cx="8640000" cy="4384800"/>
+            <a:ext cx="8639640" cy="4384440"/>
           </a:xfrm>
           <a:prstGeom prst="rect">
             <a:avLst/>
@@ -5374,29 +4981,60 @@
             <a:noFill/>
           </a:ln>
         </p:spPr>
+        <p:style>
+          <a:lnRef idx="0"/>
+          <a:fillRef idx="0"/>
+          <a:effectRef idx="0"/>
+          <a:fontRef idx="minor"/>
+        </p:style>
         <p:txBody>
           <a:bodyPr lIns="0" rIns="0" tIns="0" bIns="0"/>
           <a:p>
-            <a:pPr marL="432000" indent="-324000">
-              <a:spcAft>
-                <a:spcPts val="1414"/>
-              </a:spcAft>
-              <a:buClr>
-                <a:srgbClr val="ef2929"/>
-              </a:buClr>
-              <a:buSzPct val="45000"/>
-              <a:buFont typeface="Wingdings" charset="2"/>
-              <a:buChar char=""/>
-            </a:pPr>
+            <a:pPr>
+              <a:lnSpc>
+                <a:spcPct val="100000"/>
+              </a:lnSpc>
+              <a:spcAft>
+                <a:spcPts val="1414"/>
+              </a:spcAft>
+            </a:pPr>
+            <a:endParaRPr b="0" lang="de-DE" sz="1800" spc="-1" strike="noStrike">
+              <a:latin typeface="Arial"/>
+            </a:endParaRPr>
+          </a:p>
+          <a:p>
+            <a:pPr marL="432000" indent="-323640">
+              <a:lnSpc>
+                <a:spcPct val="100000"/>
+              </a:lnSpc>
+              <a:spcAft>
+                <a:spcPts val="1414"/>
+              </a:spcAft>
+              <a:buClr>
+                <a:srgbClr val="ef2929"/>
+              </a:buClr>
+              <a:buSzPct val="45000"/>
+              <a:buFont typeface="Wingdings" charset="2"/>
+              <a:buChar char=""/>
+            </a:pPr>
+            <a:r>
+              <a:rPr b="0" lang="de-DE" sz="2800" spc="-1" strike="noStrike">
+                <a:solidFill>
+                  <a:srgbClr val="333333"/>
+                </a:solidFill>
+                <a:latin typeface="Noto Sans Regular"/>
+              </a:rPr>
+              <a:t>The type class (Printable) and the domain class (Cat) are completely decoupled.</a:t>
+            </a:r>
             <a:endParaRPr b="0" lang="de-DE" sz="2800" spc="-1" strike="noStrike">
-              <a:solidFill>
-                <a:srgbClr val="333333"/>
-              </a:solidFill>
-              <a:latin typeface="Noto Sans Regular"/>
-            </a:endParaRPr>
-          </a:p>
-          <a:p>
-            <a:pPr marL="432000" indent="-324000">
+              <a:latin typeface="Arial"/>
+            </a:endParaRPr>
+          </a:p>
+          <a:p>
+            <a:pPr marL="432000" indent="-323640">
+              <a:lnSpc>
+                <a:spcPct val="100000"/>
+              </a:lnSpc>
               <a:spcAft>
                 <a:spcPts val="1414"/>
               </a:spcAft>
@@ -5417,10 +5055,7 @@
               <a:t>You can extend and enrich not only your own types but also sealed types from libraries which you do not own.</a:t>
             </a:r>
             <a:endParaRPr b="0" lang="de-DE" sz="2800" spc="-1" strike="noStrike">
-              <a:solidFill>
-                <a:srgbClr val="333333"/>
-              </a:solidFill>
-              <a:latin typeface="Noto Sans Regular"/>
+              <a:latin typeface="Arial"/>
             </a:endParaRPr>
           </a:p>
         </p:txBody>
@@ -5476,14 +5111,14 @@
       </p:grpSpPr>
       <p:sp>
         <p:nvSpPr>
-          <p:cNvPr id="114" name="TextShape 1"/>
-          <p:cNvSpPr txBox="1"/>
+          <p:cNvPr id="108" name="CustomShape 1"/>
+          <p:cNvSpPr/>
           <p:nvPr/>
         </p:nvSpPr>
         <p:spPr>
           <a:xfrm>
             <a:off x="720000" y="300960"/>
-            <a:ext cx="8855640" cy="1262520"/>
+            <a:ext cx="8855280" cy="1262160"/>
           </a:xfrm>
           <a:prstGeom prst="rect">
             <a:avLst/>
@@ -5493,6 +5128,12 @@
             <a:noFill/>
           </a:ln>
         </p:spPr>
+        <p:style>
+          <a:lnRef idx="0"/>
+          <a:fillRef idx="0"/>
+          <a:effectRef idx="0"/>
+          <a:fontRef idx="minor"/>
+        </p:style>
         <p:txBody>
           <a:bodyPr lIns="0" rIns="0" tIns="0" bIns="0" anchor="ctr"/>
           <a:p>
@@ -5505,25 +5146,22 @@
               </a:rPr>
               <a:t>Type classes in Haskell</a:t>
             </a:r>
-            <a:endParaRPr b="1" lang="de-DE" sz="4000" spc="-1" strike="noStrike">
-              <a:solidFill>
-                <a:srgbClr val="333333"/>
-              </a:solidFill>
-              <a:latin typeface="Noto Sans Regular"/>
-            </a:endParaRPr>
-          </a:p>
-        </p:txBody>
-      </p:sp>
-      <p:sp>
-        <p:nvSpPr>
-          <p:cNvPr id="115" name="TextShape 2"/>
-          <p:cNvSpPr txBox="1"/>
+            <a:endParaRPr b="0" lang="de-DE" sz="4000" spc="-1" strike="noStrike">
+              <a:latin typeface="Arial"/>
+            </a:endParaRPr>
+          </a:p>
+        </p:txBody>
+      </p:sp>
+      <p:sp>
+        <p:nvSpPr>
+          <p:cNvPr id="109" name="CustomShape 2"/>
+          <p:cNvSpPr/>
           <p:nvPr/>
         </p:nvSpPr>
         <p:spPr>
           <a:xfrm>
             <a:off x="720000" y="2160000"/>
-            <a:ext cx="8640000" cy="4384800"/>
+            <a:ext cx="8639640" cy="4384440"/>
           </a:xfrm>
           <a:prstGeom prst="rect">
             <a:avLst/>
@@ -5533,10 +5171,19 @@
             <a:noFill/>
           </a:ln>
         </p:spPr>
+        <p:style>
+          <a:lnRef idx="0"/>
+          <a:fillRef idx="0"/>
+          <a:effectRef idx="0"/>
+          <a:fontRef idx="minor"/>
+        </p:style>
         <p:txBody>
           <a:bodyPr lIns="0" rIns="0" tIns="0" bIns="0"/>
           <a:p>
-            <a:pPr marL="432000" indent="-324000">
+            <a:pPr marL="432000" indent="-323640">
+              <a:lnSpc>
+                <a:spcPct val="100000"/>
+              </a:lnSpc>
               <a:spcAft>
                 <a:spcPts val="1414"/>
               </a:spcAft>
@@ -5557,14 +5204,14 @@
               <a:t>Define a type class.</a:t>
             </a:r>
             <a:endParaRPr b="0" lang="de-DE" sz="2800" spc="-1" strike="noStrike">
-              <a:solidFill>
-                <a:srgbClr val="333333"/>
-              </a:solidFill>
-              <a:latin typeface="Noto Sans Regular"/>
-            </a:endParaRPr>
-          </a:p>
-          <a:p>
-            <a:pPr marL="432000" indent="-324000">
+              <a:latin typeface="Arial"/>
+            </a:endParaRPr>
+          </a:p>
+          <a:p>
+            <a:pPr marL="432000" indent="-323640">
+              <a:lnSpc>
+                <a:spcPct val="100000"/>
+              </a:lnSpc>
               <a:spcAft>
                 <a:spcPts val="1414"/>
               </a:spcAft>
@@ -5585,14 +5232,14 @@
               <a:t>Define a type class instance for each type that should support the type class. This enriches each type with the methods of the type class.</a:t>
             </a:r>
             <a:endParaRPr b="0" lang="de-DE" sz="2800" spc="-1" strike="noStrike">
-              <a:solidFill>
-                <a:srgbClr val="333333"/>
-              </a:solidFill>
-              <a:latin typeface="Noto Sans Regular"/>
-            </a:endParaRPr>
-          </a:p>
-          <a:p>
-            <a:pPr marL="432000" indent="-324000">
+              <a:latin typeface="Arial"/>
+            </a:endParaRPr>
+          </a:p>
+          <a:p>
+            <a:pPr marL="432000" indent="-323640">
+              <a:lnSpc>
+                <a:spcPct val="100000"/>
+              </a:lnSpc>
               <a:spcAft>
                 <a:spcPts val="1414"/>
               </a:spcAft>
@@ -5613,10 +5260,7 @@
               <a:t>Use the type class methods for the types that have an instance.</a:t>
             </a:r>
             <a:endParaRPr b="0" lang="de-DE" sz="2800" spc="-1" strike="noStrike">
-              <a:solidFill>
-                <a:srgbClr val="333333"/>
-              </a:solidFill>
-              <a:latin typeface="Noto Sans Regular"/>
+              <a:latin typeface="Arial"/>
             </a:endParaRPr>
           </a:p>
         </p:txBody>
@@ -5672,14 +5316,14 @@
       </p:grpSpPr>
       <p:sp>
         <p:nvSpPr>
-          <p:cNvPr id="116" name="TextShape 1"/>
-          <p:cNvSpPr txBox="1"/>
+          <p:cNvPr id="110" name="CustomShape 1"/>
+          <p:cNvSpPr/>
           <p:nvPr/>
         </p:nvSpPr>
         <p:spPr>
           <a:xfrm>
             <a:off x="720000" y="300960"/>
-            <a:ext cx="8855640" cy="1262520"/>
+            <a:ext cx="8855280" cy="1262160"/>
           </a:xfrm>
           <a:prstGeom prst="rect">
             <a:avLst/>
@@ -5689,6 +5333,12 @@
             <a:noFill/>
           </a:ln>
         </p:spPr>
+        <p:style>
+          <a:lnRef idx="0"/>
+          <a:fillRef idx="0"/>
+          <a:effectRef idx="0"/>
+          <a:fontRef idx="minor"/>
+        </p:style>
         <p:txBody>
           <a:bodyPr lIns="0" rIns="0" tIns="0" bIns="0" anchor="ctr"/>
           <a:p>
@@ -5701,25 +5351,22 @@
               </a:rPr>
               <a:t>Define a type class</a:t>
             </a:r>
-            <a:endParaRPr b="1" lang="de-DE" sz="4000" spc="-1" strike="noStrike">
-              <a:solidFill>
-                <a:srgbClr val="333333"/>
-              </a:solidFill>
-              <a:latin typeface="Noto Sans Regular"/>
-            </a:endParaRPr>
-          </a:p>
-        </p:txBody>
-      </p:sp>
-      <p:sp>
-        <p:nvSpPr>
-          <p:cNvPr id="117" name="TextShape 2"/>
-          <p:cNvSpPr txBox="1"/>
+            <a:endParaRPr b="0" lang="de-DE" sz="4000" spc="-1" strike="noStrike">
+              <a:latin typeface="Arial"/>
+            </a:endParaRPr>
+          </a:p>
+        </p:txBody>
+      </p:sp>
+      <p:sp>
+        <p:nvSpPr>
+          <p:cNvPr id="111" name="CustomShape 2"/>
+          <p:cNvSpPr/>
           <p:nvPr/>
         </p:nvSpPr>
         <p:spPr>
           <a:xfrm>
             <a:off x="720000" y="2160000"/>
-            <a:ext cx="8640000" cy="4384800"/>
+            <a:ext cx="8639640" cy="4384440"/>
           </a:xfrm>
           <a:prstGeom prst="rect">
             <a:avLst/>
@@ -5729,29 +5376,32 @@
             <a:noFill/>
           </a:ln>
         </p:spPr>
+        <p:style>
+          <a:lnRef idx="0"/>
+          <a:fillRef idx="0"/>
+          <a:effectRef idx="0"/>
+          <a:fontRef idx="minor"/>
+        </p:style>
         <p:txBody>
           <a:bodyPr lIns="0" rIns="0" tIns="0" bIns="0"/>
           <a:p>
-            <a:pPr marL="432000" indent="-324000">
-              <a:spcAft>
-                <a:spcPts val="1414"/>
-              </a:spcAft>
-              <a:buClr>
-                <a:srgbClr val="ef2929"/>
-              </a:buClr>
-              <a:buSzPct val="45000"/>
-              <a:buFont typeface="Wingdings" charset="2"/>
-              <a:buChar char=""/>
+            <a:pPr>
+              <a:lnSpc>
+                <a:spcPct val="100000"/>
+              </a:lnSpc>
+              <a:spcAft>
+                <a:spcPts val="1414"/>
+              </a:spcAft>
             </a:pPr>
             <a:endParaRPr b="0" lang="de-DE" sz="1800" spc="-1" strike="noStrike">
-              <a:solidFill>
-                <a:srgbClr val="333333"/>
-              </a:solidFill>
-              <a:latin typeface="Noto Sans Regular"/>
-            </a:endParaRPr>
-          </a:p>
-          <a:p>
-            <a:pPr marL="432000" indent="-324000">
+              <a:latin typeface="Arial"/>
+            </a:endParaRPr>
+          </a:p>
+          <a:p>
+            <a:pPr marL="432000" indent="-323640">
+              <a:lnSpc>
+                <a:spcPct val="100000"/>
+              </a:lnSpc>
               <a:spcAft>
                 <a:spcPts val="1414"/>
               </a:spcAft>
@@ -5772,33 +5422,27 @@
               <a:t>class Printable a where</a:t>
             </a:r>
             <a:endParaRPr b="0" lang="de-DE" sz="1800" spc="-1" strike="noStrike">
-              <a:solidFill>
-                <a:srgbClr val="333333"/>
-              </a:solidFill>
-              <a:latin typeface="Noto Sans Regular"/>
-            </a:endParaRPr>
-          </a:p>
-          <a:p>
-            <a:pPr marL="432000" indent="-324000">
-              <a:spcAft>
-                <a:spcPts val="1414"/>
-              </a:spcAft>
-              <a:buClr>
-                <a:srgbClr val="ef2929"/>
-              </a:buClr>
-              <a:buSzPct val="45000"/>
-              <a:buFont typeface="Wingdings" charset="2"/>
-              <a:buChar char=""/>
+              <a:latin typeface="Arial"/>
+            </a:endParaRPr>
+          </a:p>
+          <a:p>
+            <a:pPr>
+              <a:lnSpc>
+                <a:spcPct val="100000"/>
+              </a:lnSpc>
+              <a:spcAft>
+                <a:spcPts val="1414"/>
+              </a:spcAft>
             </a:pPr>
             <a:endParaRPr b="0" lang="de-DE" sz="1800" spc="-1" strike="noStrike">
-              <a:solidFill>
-                <a:srgbClr val="333333"/>
-              </a:solidFill>
-              <a:latin typeface="Noto Sans Regular"/>
-            </a:endParaRPr>
-          </a:p>
-          <a:p>
-            <a:pPr marL="432000" indent="-324000">
+              <a:latin typeface="Arial"/>
+            </a:endParaRPr>
+          </a:p>
+          <a:p>
+            <a:pPr marL="432000" indent="-323640">
+              <a:lnSpc>
+                <a:spcPct val="100000"/>
+              </a:lnSpc>
               <a:spcAft>
                 <a:spcPts val="1414"/>
               </a:spcAft>
@@ -5828,14 +5472,14 @@
               <a:t>format :: a -&gt; String</a:t>
             </a:r>
             <a:endParaRPr b="0" lang="de-DE" sz="1800" spc="-1" strike="noStrike">
-              <a:solidFill>
-                <a:srgbClr val="333333"/>
-              </a:solidFill>
-              <a:latin typeface="Noto Sans Regular"/>
-            </a:endParaRPr>
-          </a:p>
-          <a:p>
-            <a:pPr marL="432000" indent="-324000">
+              <a:latin typeface="Arial"/>
+            </a:endParaRPr>
+          </a:p>
+          <a:p>
+            <a:pPr marL="432000" indent="-323640">
+              <a:lnSpc>
+                <a:spcPct val="100000"/>
+              </a:lnSpc>
               <a:spcAft>
                 <a:spcPts val="1414"/>
               </a:spcAft>
@@ -5856,14 +5500,14 @@
               <a:t>    </a:t>
             </a:r>
             <a:endParaRPr b="0" lang="de-DE" sz="1800" spc="-1" strike="noStrike">
-              <a:solidFill>
-                <a:srgbClr val="333333"/>
-              </a:solidFill>
-              <a:latin typeface="Noto Sans Regular"/>
-            </a:endParaRPr>
-          </a:p>
-          <a:p>
-            <a:pPr marL="432000" indent="-324000">
+              <a:latin typeface="Arial"/>
+            </a:endParaRPr>
+          </a:p>
+          <a:p>
+            <a:pPr marL="432000" indent="-323640">
+              <a:lnSpc>
+                <a:spcPct val="100000"/>
+              </a:lnSpc>
               <a:spcAft>
                 <a:spcPts val="1414"/>
               </a:spcAft>
@@ -5893,14 +5537,14 @@
               <a:t>pprintt :: a -&gt; IO ()</a:t>
             </a:r>
             <a:endParaRPr b="0" lang="de-DE" sz="1800" spc="-1" strike="noStrike">
-              <a:solidFill>
-                <a:srgbClr val="333333"/>
-              </a:solidFill>
-              <a:latin typeface="Noto Sans Regular"/>
-            </a:endParaRPr>
-          </a:p>
-          <a:p>
-            <a:pPr marL="432000" indent="-324000">
+              <a:latin typeface="Arial"/>
+            </a:endParaRPr>
+          </a:p>
+          <a:p>
+            <a:pPr marL="432000" indent="-323640">
+              <a:lnSpc>
+                <a:spcPct val="100000"/>
+              </a:lnSpc>
               <a:spcAft>
                 <a:spcPts val="1414"/>
               </a:spcAft>
@@ -5930,10 +5574,7 @@
               <a:t>pprintt x = putStrLn $ format x</a:t>
             </a:r>
             <a:endParaRPr b="0" lang="de-DE" sz="1800" spc="-1" strike="noStrike">
-              <a:solidFill>
-                <a:srgbClr val="333333"/>
-              </a:solidFill>
-              <a:latin typeface="Noto Sans Regular"/>
+              <a:latin typeface="Arial"/>
             </a:endParaRPr>
           </a:p>
         </p:txBody>
@@ -5989,14 +5630,14 @@
       </p:grpSpPr>
       <p:sp>
         <p:nvSpPr>
-          <p:cNvPr id="118" name="TextShape 1"/>
-          <p:cNvSpPr txBox="1"/>
+          <p:cNvPr id="112" name="CustomShape 1"/>
+          <p:cNvSpPr/>
           <p:nvPr/>
         </p:nvSpPr>
         <p:spPr>
           <a:xfrm>
             <a:off x="720000" y="300960"/>
-            <a:ext cx="8855640" cy="1262520"/>
+            <a:ext cx="8855280" cy="1262160"/>
           </a:xfrm>
           <a:prstGeom prst="rect">
             <a:avLst/>
@@ -6006,6 +5647,12 @@
             <a:noFill/>
           </a:ln>
         </p:spPr>
+        <p:style>
+          <a:lnRef idx="0"/>
+          <a:fillRef idx="0"/>
+          <a:effectRef idx="0"/>
+          <a:fontRef idx="minor"/>
+        </p:style>
         <p:txBody>
           <a:bodyPr lIns="0" rIns="0" tIns="0" bIns="0" anchor="ctr"/>
           <a:p>
@@ -6018,25 +5665,22 @@
               </a:rPr>
               <a:t>Define type class instances (1)</a:t>
             </a:r>
-            <a:endParaRPr b="1" lang="de-DE" sz="4000" spc="-1" strike="noStrike">
-              <a:solidFill>
-                <a:srgbClr val="333333"/>
-              </a:solidFill>
-              <a:latin typeface="Noto Sans Regular"/>
-            </a:endParaRPr>
-          </a:p>
-        </p:txBody>
-      </p:sp>
-      <p:sp>
-        <p:nvSpPr>
-          <p:cNvPr id="119" name="TextShape 2"/>
-          <p:cNvSpPr txBox="1"/>
+            <a:endParaRPr b="0" lang="de-DE" sz="4000" spc="-1" strike="noStrike">
+              <a:latin typeface="Arial"/>
+            </a:endParaRPr>
+          </a:p>
+        </p:txBody>
+      </p:sp>
+      <p:sp>
+        <p:nvSpPr>
+          <p:cNvPr id="113" name="CustomShape 2"/>
+          <p:cNvSpPr/>
           <p:nvPr/>
         </p:nvSpPr>
         <p:spPr>
           <a:xfrm>
             <a:off x="720000" y="2160000"/>
-            <a:ext cx="8640000" cy="4384800"/>
+            <a:ext cx="8639640" cy="4384440"/>
           </a:xfrm>
           <a:prstGeom prst="rect">
             <a:avLst/>
@@ -6046,29 +5690,32 @@
             <a:noFill/>
           </a:ln>
         </p:spPr>
+        <p:style>
+          <a:lnRef idx="0"/>
+          <a:fillRef idx="0"/>
+          <a:effectRef idx="0"/>
+          <a:fontRef idx="minor"/>
+        </p:style>
         <p:txBody>
           <a:bodyPr lIns="0" rIns="0" tIns="0" bIns="0"/>
           <a:p>
-            <a:pPr marL="432000" indent="-324000">
-              <a:spcAft>
-                <a:spcPts val="1414"/>
-              </a:spcAft>
-              <a:buClr>
-                <a:srgbClr val="ef2929"/>
-              </a:buClr>
-              <a:buSzPct val="45000"/>
-              <a:buFont typeface="Wingdings" charset="2"/>
-              <a:buChar char=""/>
+            <a:pPr>
+              <a:lnSpc>
+                <a:spcPct val="100000"/>
+              </a:lnSpc>
+              <a:spcAft>
+                <a:spcPts val="1414"/>
+              </a:spcAft>
             </a:pPr>
             <a:endParaRPr b="0" lang="de-DE" sz="1800" spc="-1" strike="noStrike">
-              <a:solidFill>
-                <a:srgbClr val="333333"/>
-              </a:solidFill>
-              <a:latin typeface="Noto Sans Regular"/>
-            </a:endParaRPr>
-          </a:p>
-          <a:p>
-            <a:pPr marL="432000" indent="-324000">
+              <a:latin typeface="Arial"/>
+            </a:endParaRPr>
+          </a:p>
+          <a:p>
+            <a:pPr marL="432000" indent="-323640">
+              <a:lnSpc>
+                <a:spcPct val="100000"/>
+              </a:lnSpc>
               <a:spcAft>
                 <a:spcPts val="1414"/>
               </a:spcAft>
@@ -6089,14 +5736,14 @@
               <a:t>instance Printable Int where</a:t>
             </a:r>
             <a:endParaRPr b="0" lang="de-DE" sz="1800" spc="-1" strike="noStrike">
-              <a:solidFill>
-                <a:srgbClr val="333333"/>
-              </a:solidFill>
-              <a:latin typeface="Noto Sans Regular"/>
-            </a:endParaRPr>
-          </a:p>
-          <a:p>
-            <a:pPr marL="432000" indent="-324000">
+              <a:latin typeface="Arial"/>
+            </a:endParaRPr>
+          </a:p>
+          <a:p>
+            <a:pPr marL="432000" indent="-323640">
+              <a:lnSpc>
+                <a:spcPct val="100000"/>
+              </a:lnSpc>
               <a:spcAft>
                 <a:spcPts val="1414"/>
               </a:spcAft>
@@ -6126,33 +5773,27 @@
               <a:t>format = show</a:t>
             </a:r>
             <a:endParaRPr b="0" lang="de-DE" sz="1800" spc="-1" strike="noStrike">
-              <a:solidFill>
-                <a:srgbClr val="333333"/>
-              </a:solidFill>
-              <a:latin typeface="Noto Sans Regular"/>
-            </a:endParaRPr>
-          </a:p>
-          <a:p>
-            <a:pPr marL="432000" indent="-324000">
-              <a:spcAft>
-                <a:spcPts val="1414"/>
-              </a:spcAft>
-              <a:buClr>
-                <a:srgbClr val="ef2929"/>
-              </a:buClr>
-              <a:buSzPct val="45000"/>
-              <a:buFont typeface="Wingdings" charset="2"/>
-              <a:buChar char=""/>
+              <a:latin typeface="Arial"/>
+            </a:endParaRPr>
+          </a:p>
+          <a:p>
+            <a:pPr>
+              <a:lnSpc>
+                <a:spcPct val="100000"/>
+              </a:lnSpc>
+              <a:spcAft>
+                <a:spcPts val="1414"/>
+              </a:spcAft>
             </a:pPr>
             <a:endParaRPr b="0" lang="de-DE" sz="1800" spc="-1" strike="noStrike">
-              <a:solidFill>
-                <a:srgbClr val="333333"/>
-              </a:solidFill>
-              <a:latin typeface="Noto Sans Regular"/>
-            </a:endParaRPr>
-          </a:p>
-          <a:p>
-            <a:pPr marL="432000" indent="-324000">
+              <a:latin typeface="Arial"/>
+            </a:endParaRPr>
+          </a:p>
+          <a:p>
+            <a:pPr marL="432000" indent="-323640">
+              <a:lnSpc>
+                <a:spcPct val="100000"/>
+              </a:lnSpc>
               <a:spcAft>
                 <a:spcPts val="1414"/>
               </a:spcAft>
@@ -6173,14 +5814,14 @@
               <a:t>instance Printable UTCTime where</a:t>
             </a:r>
             <a:endParaRPr b="0" lang="de-DE" sz="1800" spc="-1" strike="noStrike">
-              <a:solidFill>
-                <a:srgbClr val="333333"/>
-              </a:solidFill>
-              <a:latin typeface="Noto Sans Regular"/>
-            </a:endParaRPr>
-          </a:p>
-          <a:p>
-            <a:pPr marL="432000" indent="-324000">
+              <a:latin typeface="Arial"/>
+            </a:endParaRPr>
+          </a:p>
+          <a:p>
+            <a:pPr marL="432000" indent="-323640">
+              <a:lnSpc>
+                <a:spcPct val="100000"/>
+              </a:lnSpc>
               <a:spcAft>
                 <a:spcPts val="1414"/>
               </a:spcAft>
@@ -6210,10 +5851,7 @@
               <a:t>format time = "The exact date is: " ++ formatTime defaultTimeLocale "%F, %T (%Z)" time</a:t>
             </a:r>
             <a:endParaRPr b="0" lang="de-DE" sz="1800" spc="-1" strike="noStrike">
-              <a:solidFill>
-                <a:srgbClr val="333333"/>
-              </a:solidFill>
-              <a:latin typeface="Noto Sans Regular"/>
+              <a:latin typeface="Arial"/>
             </a:endParaRPr>
           </a:p>
         </p:txBody>
@@ -6269,14 +5907,14 @@
       </p:grpSpPr>
       <p:sp>
         <p:nvSpPr>
-          <p:cNvPr id="120" name="TextShape 1"/>
-          <p:cNvSpPr txBox="1"/>
+          <p:cNvPr id="114" name="CustomShape 1"/>
+          <p:cNvSpPr/>
           <p:nvPr/>
         </p:nvSpPr>
         <p:spPr>
           <a:xfrm>
             <a:off x="720000" y="300960"/>
-            <a:ext cx="8855640" cy="1262520"/>
+            <a:ext cx="8855280" cy="1262160"/>
           </a:xfrm>
           <a:prstGeom prst="rect">
             <a:avLst/>
@@ -6286,6 +5924,12 @@
             <a:noFill/>
           </a:ln>
         </p:spPr>
+        <p:style>
+          <a:lnRef idx="0"/>
+          <a:fillRef idx="0"/>
+          <a:effectRef idx="0"/>
+          <a:fontRef idx="minor"/>
+        </p:style>
         <p:txBody>
           <a:bodyPr lIns="0" rIns="0" tIns="0" bIns="0" anchor="ctr"/>
           <a:p>
@@ -6298,25 +5942,22 @@
               </a:rPr>
               <a:t>Define type class instances (2)</a:t>
             </a:r>
-            <a:endParaRPr b="1" lang="de-DE" sz="4000" spc="-1" strike="noStrike">
-              <a:solidFill>
-                <a:srgbClr val="333333"/>
-              </a:solidFill>
-              <a:latin typeface="Noto Sans Regular"/>
-            </a:endParaRPr>
-          </a:p>
-        </p:txBody>
-      </p:sp>
-      <p:sp>
-        <p:nvSpPr>
-          <p:cNvPr id="121" name="TextShape 2"/>
-          <p:cNvSpPr txBox="1"/>
+            <a:endParaRPr b="0" lang="de-DE" sz="4000" spc="-1" strike="noStrike">
+              <a:latin typeface="Arial"/>
+            </a:endParaRPr>
+          </a:p>
+        </p:txBody>
+      </p:sp>
+      <p:sp>
+        <p:nvSpPr>
+          <p:cNvPr id="115" name="CustomShape 2"/>
+          <p:cNvSpPr/>
           <p:nvPr/>
         </p:nvSpPr>
         <p:spPr>
           <a:xfrm>
             <a:off x="720000" y="2160000"/>
-            <a:ext cx="8640000" cy="4384800"/>
+            <a:ext cx="8639640" cy="4384440"/>
           </a:xfrm>
           <a:prstGeom prst="rect">
             <a:avLst/>
@@ -6326,10 +5967,19 @@
             <a:noFill/>
           </a:ln>
         </p:spPr>
+        <p:style>
+          <a:lnRef idx="0"/>
+          <a:fillRef idx="0"/>
+          <a:effectRef idx="0"/>
+          <a:fontRef idx="minor"/>
+        </p:style>
         <p:txBody>
           <a:bodyPr lIns="0" rIns="0" tIns="0" bIns="0"/>
           <a:p>
-            <a:pPr marL="432000" indent="-324000">
+            <a:pPr marL="432000" indent="-323640">
+              <a:lnSpc>
+                <a:spcPct val="100000"/>
+              </a:lnSpc>
               <a:spcAft>
                 <a:spcPts val="1414"/>
               </a:spcAft>
@@ -6350,14 +6000,14 @@
               <a:t>data Cat = Cat</a:t>
             </a:r>
             <a:endParaRPr b="0" lang="de-DE" sz="1800" spc="-1" strike="noStrike">
-              <a:solidFill>
-                <a:srgbClr val="333333"/>
-              </a:solidFill>
-              <a:latin typeface="Noto Sans Regular"/>
-            </a:endParaRPr>
-          </a:p>
-          <a:p>
-            <a:pPr marL="432000" indent="-324000">
+              <a:latin typeface="Arial"/>
+            </a:endParaRPr>
+          </a:p>
+          <a:p>
+            <a:pPr marL="432000" indent="-323640">
+              <a:lnSpc>
+                <a:spcPct val="100000"/>
+              </a:lnSpc>
               <a:spcAft>
                 <a:spcPts val="1414"/>
               </a:spcAft>
@@ -6387,14 +6037,14 @@
               <a:t>{ name  :: String</a:t>
             </a:r>
             <a:endParaRPr b="0" lang="de-DE" sz="1800" spc="-1" strike="noStrike">
-              <a:solidFill>
-                <a:srgbClr val="333333"/>
-              </a:solidFill>
-              <a:latin typeface="Noto Sans Regular"/>
-            </a:endParaRPr>
-          </a:p>
-          <a:p>
-            <a:pPr marL="432000" indent="-324000">
+              <a:latin typeface="Arial"/>
+            </a:endParaRPr>
+          </a:p>
+          <a:p>
+            <a:pPr marL="432000" indent="-323640">
+              <a:lnSpc>
+                <a:spcPct val="100000"/>
+              </a:lnSpc>
               <a:spcAft>
                 <a:spcPts val="1414"/>
               </a:spcAft>
@@ -6424,14 +6074,14 @@
               <a:t>, age   :: Int</a:t>
             </a:r>
             <a:endParaRPr b="0" lang="de-DE" sz="1800" spc="-1" strike="noStrike">
-              <a:solidFill>
-                <a:srgbClr val="333333"/>
-              </a:solidFill>
-              <a:latin typeface="Noto Sans Regular"/>
-            </a:endParaRPr>
-          </a:p>
-          <a:p>
-            <a:pPr marL="432000" indent="-324000">
+              <a:latin typeface="Arial"/>
+            </a:endParaRPr>
+          </a:p>
+          <a:p>
+            <a:pPr marL="432000" indent="-323640">
+              <a:lnSpc>
+                <a:spcPct val="100000"/>
+              </a:lnSpc>
               <a:spcAft>
                 <a:spcPts val="1414"/>
               </a:spcAft>
@@ -6461,14 +6111,14 @@
               <a:t>, color :: String</a:t>
             </a:r>
             <a:endParaRPr b="0" lang="de-DE" sz="1800" spc="-1" strike="noStrike">
-              <a:solidFill>
-                <a:srgbClr val="333333"/>
-              </a:solidFill>
-              <a:latin typeface="Noto Sans Regular"/>
-            </a:endParaRPr>
-          </a:p>
-          <a:p>
-            <a:pPr marL="432000" indent="-324000">
+              <a:latin typeface="Arial"/>
+            </a:endParaRPr>
+          </a:p>
+          <a:p>
+            <a:pPr marL="432000" indent="-323640">
+              <a:lnSpc>
+                <a:spcPct val="100000"/>
+              </a:lnSpc>
               <a:spcAft>
                 <a:spcPts val="1414"/>
               </a:spcAft>
@@ -6498,33 +6148,27 @@
               <a:t>}</a:t>
             </a:r>
             <a:endParaRPr b="0" lang="de-DE" sz="1800" spc="-1" strike="noStrike">
-              <a:solidFill>
-                <a:srgbClr val="333333"/>
-              </a:solidFill>
-              <a:latin typeface="Noto Sans Regular"/>
-            </a:endParaRPr>
-          </a:p>
-          <a:p>
-            <a:pPr marL="432000" indent="-324000">
-              <a:spcAft>
-                <a:spcPts val="1414"/>
-              </a:spcAft>
-              <a:buClr>
-                <a:srgbClr val="ef2929"/>
-              </a:buClr>
-              <a:buSzPct val="45000"/>
-              <a:buFont typeface="Wingdings" charset="2"/>
-              <a:buChar char=""/>
+              <a:latin typeface="Arial"/>
+            </a:endParaRPr>
+          </a:p>
+          <a:p>
+            <a:pPr>
+              <a:lnSpc>
+                <a:spcPct val="100000"/>
+              </a:lnSpc>
+              <a:spcAft>
+                <a:spcPts val="1414"/>
+              </a:spcAft>
             </a:pPr>
             <a:endParaRPr b="0" lang="de-DE" sz="1800" spc="-1" strike="noStrike">
-              <a:solidFill>
-                <a:srgbClr val="333333"/>
-              </a:solidFill>
-              <a:latin typeface="Noto Sans Regular"/>
-            </a:endParaRPr>
-          </a:p>
-          <a:p>
-            <a:pPr marL="432000" indent="-324000">
+              <a:latin typeface="Arial"/>
+            </a:endParaRPr>
+          </a:p>
+          <a:p>
+            <a:pPr marL="432000" indent="-323640">
+              <a:lnSpc>
+                <a:spcPct val="100000"/>
+              </a:lnSpc>
               <a:spcAft>
                 <a:spcPts val="1414"/>
               </a:spcAft>
@@ -6545,14 +6189,14 @@
               <a:t>instance Printable Cat where</a:t>
             </a:r>
             <a:endParaRPr b="0" lang="de-DE" sz="1800" spc="-1" strike="noStrike">
-              <a:solidFill>
-                <a:srgbClr val="333333"/>
-              </a:solidFill>
-              <a:latin typeface="Noto Sans Regular"/>
-            </a:endParaRPr>
-          </a:p>
-          <a:p>
-            <a:pPr marL="432000" indent="-324000">
+              <a:latin typeface="Arial"/>
+            </a:endParaRPr>
+          </a:p>
+          <a:p>
+            <a:pPr marL="432000" indent="-323640">
+              <a:lnSpc>
+                <a:spcPct val="100000"/>
+              </a:lnSpc>
               <a:spcAft>
                 <a:spcPts val="1414"/>
               </a:spcAft>
@@ -6582,10 +6226,7 @@
               <a:t>format cat = "Cat {name=" ++ name cat ++ ", age=" ++ show (age cat) ++ ", color=" ++ color cat ++ "}"</a:t>
             </a:r>
             <a:endParaRPr b="0" lang="de-DE" sz="1800" spc="-1" strike="noStrike">
-              <a:solidFill>
-                <a:srgbClr val="333333"/>
-              </a:solidFill>
-              <a:latin typeface="Noto Sans Regular"/>
+              <a:latin typeface="Arial"/>
             </a:endParaRPr>
           </a:p>
         </p:txBody>
@@ -6641,14 +6282,14 @@
       </p:grpSpPr>
       <p:sp>
         <p:nvSpPr>
-          <p:cNvPr id="86" name="TextShape 1"/>
-          <p:cNvSpPr txBox="1"/>
+          <p:cNvPr id="80" name="CustomShape 1"/>
+          <p:cNvSpPr/>
           <p:nvPr/>
         </p:nvSpPr>
         <p:spPr>
           <a:xfrm>
             <a:off x="720000" y="300960"/>
-            <a:ext cx="8855640" cy="1262520"/>
+            <a:ext cx="8855280" cy="1262160"/>
           </a:xfrm>
           <a:prstGeom prst="rect">
             <a:avLst/>
@@ -6658,6 +6299,12 @@
             <a:noFill/>
           </a:ln>
         </p:spPr>
+        <p:style>
+          <a:lnRef idx="0"/>
+          <a:fillRef idx="0"/>
+          <a:effectRef idx="0"/>
+          <a:fontRef idx="minor"/>
+        </p:style>
         <p:txBody>
           <a:bodyPr lIns="0" rIns="0" tIns="0" bIns="0" anchor="ctr"/>
           <a:p>
@@ -6670,25 +6317,22 @@
               </a:rPr>
               <a:t>Table of Contents</a:t>
             </a:r>
-            <a:endParaRPr b="1" lang="de-DE" sz="4400" spc="-1" strike="noStrike">
-              <a:solidFill>
-                <a:srgbClr val="333333"/>
-              </a:solidFill>
-              <a:latin typeface="Noto Sans Regular"/>
-            </a:endParaRPr>
-          </a:p>
-        </p:txBody>
-      </p:sp>
-      <p:sp>
-        <p:nvSpPr>
-          <p:cNvPr id="87" name="TextShape 2"/>
-          <p:cNvSpPr txBox="1"/>
+            <a:endParaRPr b="0" lang="de-DE" sz="4400" spc="-1" strike="noStrike">
+              <a:latin typeface="Arial"/>
+            </a:endParaRPr>
+          </a:p>
+        </p:txBody>
+      </p:sp>
+      <p:sp>
+        <p:nvSpPr>
+          <p:cNvPr id="81" name="CustomShape 2"/>
+          <p:cNvSpPr/>
           <p:nvPr/>
         </p:nvSpPr>
         <p:spPr>
           <a:xfrm>
             <a:off x="720000" y="2160000"/>
-            <a:ext cx="8640000" cy="4384800"/>
+            <a:ext cx="8639640" cy="4384440"/>
           </a:xfrm>
           <a:prstGeom prst="rect">
             <a:avLst/>
@@ -6698,10 +6342,19 @@
             <a:noFill/>
           </a:ln>
         </p:spPr>
+        <p:style>
+          <a:lnRef idx="0"/>
+          <a:fillRef idx="0"/>
+          <a:effectRef idx="0"/>
+          <a:fontRef idx="minor"/>
+        </p:style>
         <p:txBody>
           <a:bodyPr lIns="0" rIns="0" tIns="0" bIns="0"/>
           <a:p>
-            <a:pPr marL="432000" indent="-324000">
+            <a:pPr marL="432000" indent="-323640">
+              <a:lnSpc>
+                <a:spcPct val="100000"/>
+              </a:lnSpc>
               <a:spcAft>
                 <a:spcPts val="1414"/>
               </a:spcAft>
@@ -6722,14 +6375,14 @@
               <a:t>Scala type classes</a:t>
             </a:r>
             <a:endParaRPr b="0" lang="de-DE" sz="2800" spc="-1" strike="noStrike">
-              <a:solidFill>
-                <a:srgbClr val="333333"/>
-              </a:solidFill>
-              <a:latin typeface="Noto Sans Regular"/>
-            </a:endParaRPr>
-          </a:p>
-          <a:p>
-            <a:pPr marL="432000" indent="-324000">
+              <a:latin typeface="Arial"/>
+            </a:endParaRPr>
+          </a:p>
+          <a:p>
+            <a:pPr marL="432000" indent="-323640">
+              <a:lnSpc>
+                <a:spcPct val="100000"/>
+              </a:lnSpc>
               <a:spcAft>
                 <a:spcPts val="1414"/>
               </a:spcAft>
@@ -6750,14 +6403,14 @@
               <a:t>A type class and its instances</a:t>
             </a:r>
             <a:endParaRPr b="0" lang="de-DE" sz="2800" spc="-1" strike="noStrike">
-              <a:solidFill>
-                <a:srgbClr val="333333"/>
-              </a:solidFill>
-              <a:latin typeface="Noto Sans Regular"/>
-            </a:endParaRPr>
-          </a:p>
-          <a:p>
-            <a:pPr marL="432000" indent="-324000">
+              <a:latin typeface="Arial"/>
+            </a:endParaRPr>
+          </a:p>
+          <a:p>
+            <a:pPr marL="432000" indent="-323640">
+              <a:lnSpc>
+                <a:spcPct val="100000"/>
+              </a:lnSpc>
               <a:spcAft>
                 <a:spcPts val="1414"/>
               </a:spcAft>
@@ -6778,14 +6431,14 @@
               <a:t>Example: type class Printable</a:t>
             </a:r>
             <a:endParaRPr b="0" lang="de-DE" sz="2800" spc="-1" strike="noStrike">
-              <a:solidFill>
-                <a:srgbClr val="333333"/>
-              </a:solidFill>
-              <a:latin typeface="Noto Sans Regular"/>
-            </a:endParaRPr>
-          </a:p>
-          <a:p>
-            <a:pPr marL="432000" indent="-324000">
+              <a:latin typeface="Arial"/>
+            </a:endParaRPr>
+          </a:p>
+          <a:p>
+            <a:pPr marL="432000" indent="-323640">
+              <a:lnSpc>
+                <a:spcPct val="100000"/>
+              </a:lnSpc>
               <a:spcAft>
                 <a:spcPts val="1414"/>
               </a:spcAft>
@@ -6806,14 +6459,14 @@
               <a:t>Better Design</a:t>
             </a:r>
             <a:endParaRPr b="0" lang="de-DE" sz="2800" spc="-1" strike="noStrike">
-              <a:solidFill>
-                <a:srgbClr val="333333"/>
-              </a:solidFill>
-              <a:latin typeface="Noto Sans Regular"/>
-            </a:endParaRPr>
-          </a:p>
-          <a:p>
-            <a:pPr marL="432000" indent="-324000">
+              <a:latin typeface="Arial"/>
+            </a:endParaRPr>
+          </a:p>
+          <a:p>
+            <a:pPr marL="432000" indent="-323640">
+              <a:lnSpc>
+                <a:spcPct val="100000"/>
+              </a:lnSpc>
               <a:spcAft>
                 <a:spcPts val="1414"/>
               </a:spcAft>
@@ -6834,14 +6487,14 @@
               <a:t>Where to store the instances?</a:t>
             </a:r>
             <a:endParaRPr b="0" lang="de-DE" sz="2800" spc="-1" strike="noStrike">
-              <a:solidFill>
-                <a:srgbClr val="333333"/>
-              </a:solidFill>
-              <a:latin typeface="Noto Sans Regular"/>
-            </a:endParaRPr>
-          </a:p>
-          <a:p>
-            <a:pPr marL="432000" indent="-324000">
+              <a:latin typeface="Arial"/>
+            </a:endParaRPr>
+          </a:p>
+          <a:p>
+            <a:pPr marL="432000" indent="-323640">
+              <a:lnSpc>
+                <a:spcPct val="100000"/>
+              </a:lnSpc>
               <a:spcAft>
                 <a:spcPts val="1414"/>
               </a:spcAft>
@@ -6862,14 +6515,14 @@
               <a:t>Benefit of type classes</a:t>
             </a:r>
             <a:endParaRPr b="0" lang="de-DE" sz="2800" spc="-1" strike="noStrike">
-              <a:solidFill>
-                <a:srgbClr val="333333"/>
-              </a:solidFill>
-              <a:latin typeface="Noto Sans Regular"/>
-            </a:endParaRPr>
-          </a:p>
-          <a:p>
-            <a:pPr marL="432000" indent="-324000">
+              <a:latin typeface="Arial"/>
+            </a:endParaRPr>
+          </a:p>
+          <a:p>
+            <a:pPr marL="432000" indent="-323640">
+              <a:lnSpc>
+                <a:spcPct val="100000"/>
+              </a:lnSpc>
               <a:spcAft>
                 <a:spcPts val="1414"/>
               </a:spcAft>
@@ -6890,10 +6543,7 @@
               <a:t>Type classes in Haskell</a:t>
             </a:r>
             <a:endParaRPr b="0" lang="de-DE" sz="2800" spc="-1" strike="noStrike">
-              <a:solidFill>
-                <a:srgbClr val="333333"/>
-              </a:solidFill>
-              <a:latin typeface="Noto Sans Regular"/>
+              <a:latin typeface="Arial"/>
             </a:endParaRPr>
           </a:p>
         </p:txBody>
@@ -6949,14 +6599,14 @@
       </p:grpSpPr>
       <p:sp>
         <p:nvSpPr>
-          <p:cNvPr id="122" name="TextShape 1"/>
-          <p:cNvSpPr txBox="1"/>
+          <p:cNvPr id="116" name="CustomShape 1"/>
+          <p:cNvSpPr/>
           <p:nvPr/>
         </p:nvSpPr>
         <p:spPr>
           <a:xfrm>
             <a:off x="720000" y="240120"/>
-            <a:ext cx="8855640" cy="1384200"/>
+            <a:ext cx="8855280" cy="1383840"/>
           </a:xfrm>
           <a:prstGeom prst="rect">
             <a:avLst/>
@@ -6966,6 +6616,12 @@
             <a:noFill/>
           </a:ln>
         </p:spPr>
+        <p:style>
+          <a:lnRef idx="0"/>
+          <a:fillRef idx="0"/>
+          <a:effectRef idx="0"/>
+          <a:fontRef idx="minor"/>
+        </p:style>
         <p:txBody>
           <a:bodyPr lIns="0" rIns="0" tIns="0" bIns="0" anchor="ctr"/>
           <a:p>
@@ -6978,25 +6634,22 @@
               </a:rPr>
               <a:t>Use the type class methods with the instance types.</a:t>
             </a:r>
-            <a:endParaRPr b="1" lang="de-DE" sz="4000" spc="-1" strike="noStrike">
-              <a:solidFill>
-                <a:srgbClr val="333333"/>
-              </a:solidFill>
-              <a:latin typeface="Noto Sans Regular"/>
-            </a:endParaRPr>
-          </a:p>
-        </p:txBody>
-      </p:sp>
-      <p:sp>
-        <p:nvSpPr>
-          <p:cNvPr id="123" name="TextShape 2"/>
-          <p:cNvSpPr txBox="1"/>
+            <a:endParaRPr b="0" lang="de-DE" sz="4000" spc="-1" strike="noStrike">
+              <a:latin typeface="Arial"/>
+            </a:endParaRPr>
+          </a:p>
+        </p:txBody>
+      </p:sp>
+      <p:sp>
+        <p:nvSpPr>
+          <p:cNvPr id="117" name="CustomShape 2"/>
+          <p:cNvSpPr/>
           <p:nvPr/>
         </p:nvSpPr>
         <p:spPr>
           <a:xfrm>
             <a:off x="720000" y="2160000"/>
-            <a:ext cx="8640000" cy="4384800"/>
+            <a:ext cx="8639640" cy="4384440"/>
           </a:xfrm>
           <a:prstGeom prst="rect">
             <a:avLst/>
@@ -7006,10 +6659,19 @@
             <a:noFill/>
           </a:ln>
         </p:spPr>
+        <p:style>
+          <a:lnRef idx="0"/>
+          <a:fillRef idx="0"/>
+          <a:effectRef idx="0"/>
+          <a:fontRef idx="minor"/>
+        </p:style>
         <p:txBody>
           <a:bodyPr lIns="0" rIns="0" tIns="0" bIns="0"/>
           <a:p>
-            <a:pPr marL="432000" indent="-324000">
+            <a:pPr marL="432000" indent="-323640">
+              <a:lnSpc>
+                <a:spcPct val="100000"/>
+              </a:lnSpc>
               <a:spcAft>
                 <a:spcPts val="1414"/>
               </a:spcAft>
@@ -7039,14 +6701,14 @@
               <a:t>putStrLn $ format $ utcTime 2018 3 8 16 38 19</a:t>
             </a:r>
             <a:endParaRPr b="0" lang="de-DE" sz="1800" spc="-1" strike="noStrike">
-              <a:solidFill>
-                <a:srgbClr val="333333"/>
-              </a:solidFill>
-              <a:latin typeface="Noto Sans Regular"/>
-            </a:endParaRPr>
-          </a:p>
-          <a:p>
-            <a:pPr marL="432000" indent="-324000">
+              <a:latin typeface="Arial"/>
+            </a:endParaRPr>
+          </a:p>
+          <a:p>
+            <a:pPr marL="432000" indent="-323640">
+              <a:lnSpc>
+                <a:spcPct val="100000"/>
+              </a:lnSpc>
               <a:spcAft>
                 <a:spcPts val="1414"/>
               </a:spcAft>
@@ -7076,33 +6738,27 @@
               <a:t>pprintt $ utcTime 2018 3 8 16 38 19</a:t>
             </a:r>
             <a:endParaRPr b="0" lang="de-DE" sz="1800" spc="-1" strike="noStrike">
-              <a:solidFill>
-                <a:srgbClr val="333333"/>
-              </a:solidFill>
-              <a:latin typeface="Noto Sans Regular"/>
-            </a:endParaRPr>
-          </a:p>
-          <a:p>
-            <a:pPr marL="432000" indent="-324000">
-              <a:spcAft>
-                <a:spcPts val="1414"/>
-              </a:spcAft>
-              <a:buClr>
-                <a:srgbClr val="ef2929"/>
-              </a:buClr>
-              <a:buSzPct val="45000"/>
-              <a:buFont typeface="Wingdings" charset="2"/>
-              <a:buChar char=""/>
+              <a:latin typeface="Arial"/>
+            </a:endParaRPr>
+          </a:p>
+          <a:p>
+            <a:pPr>
+              <a:lnSpc>
+                <a:spcPct val="100000"/>
+              </a:lnSpc>
+              <a:spcAft>
+                <a:spcPts val="1414"/>
+              </a:spcAft>
             </a:pPr>
             <a:endParaRPr b="0" lang="de-DE" sz="1800" spc="-1" strike="noStrike">
-              <a:solidFill>
-                <a:srgbClr val="333333"/>
-              </a:solidFill>
-              <a:latin typeface="Noto Sans Regular"/>
-            </a:endParaRPr>
-          </a:p>
-          <a:p>
-            <a:pPr marL="432000" indent="-324000">
+              <a:latin typeface="Arial"/>
+            </a:endParaRPr>
+          </a:p>
+          <a:p>
+            <a:pPr marL="432000" indent="-323640">
+              <a:lnSpc>
+                <a:spcPct val="100000"/>
+              </a:lnSpc>
               <a:spcAft>
                 <a:spcPts val="1414"/>
               </a:spcAft>
@@ -7132,14 +6788,14 @@
               <a:t>let mizzi = Cat "Mizzi" 1 "black"</a:t>
             </a:r>
             <a:endParaRPr b="0" lang="de-DE" sz="1800" spc="-1" strike="noStrike">
-              <a:solidFill>
-                <a:srgbClr val="333333"/>
-              </a:solidFill>
-              <a:latin typeface="Noto Sans Regular"/>
-            </a:endParaRPr>
-          </a:p>
-          <a:p>
-            <a:pPr marL="432000" indent="-324000">
+              <a:latin typeface="Arial"/>
+            </a:endParaRPr>
+          </a:p>
+          <a:p>
+            <a:pPr marL="432000" indent="-323640">
+              <a:lnSpc>
+                <a:spcPct val="100000"/>
+              </a:lnSpc>
               <a:spcAft>
                 <a:spcPts val="1414"/>
               </a:spcAft>
@@ -7169,14 +6825,14 @@
               <a:t>garfield = Cat "Garfield" 38 "ginger and black"</a:t>
             </a:r>
             <a:endParaRPr b="0" lang="de-DE" sz="1800" spc="-1" strike="noStrike">
-              <a:solidFill>
-                <a:srgbClr val="333333"/>
-              </a:solidFill>
-              <a:latin typeface="Noto Sans Regular"/>
-            </a:endParaRPr>
-          </a:p>
-          <a:p>
-            <a:pPr marL="432000" indent="-324000">
+              <a:latin typeface="Arial"/>
+            </a:endParaRPr>
+          </a:p>
+          <a:p>
+            <a:pPr marL="432000" indent="-323640">
+              <a:lnSpc>
+                <a:spcPct val="100000"/>
+              </a:lnSpc>
               <a:spcAft>
                 <a:spcPts val="1414"/>
               </a:spcAft>
@@ -7206,14 +6862,14 @@
               <a:t>putStrLn $ format mizzi</a:t>
             </a:r>
             <a:endParaRPr b="0" lang="de-DE" sz="1800" spc="-1" strike="noStrike">
-              <a:solidFill>
-                <a:srgbClr val="333333"/>
-              </a:solidFill>
-              <a:latin typeface="Noto Sans Regular"/>
-            </a:endParaRPr>
-          </a:p>
-          <a:p>
-            <a:pPr marL="432000" indent="-324000">
+              <a:latin typeface="Arial"/>
+            </a:endParaRPr>
+          </a:p>
+          <a:p>
+            <a:pPr marL="432000" indent="-323640">
+              <a:lnSpc>
+                <a:spcPct val="100000"/>
+              </a:lnSpc>
               <a:spcAft>
                 <a:spcPts val="1414"/>
               </a:spcAft>
@@ -7243,14 +6899,14 @@
               <a:t>pprintt mizzi</a:t>
             </a:r>
             <a:endParaRPr b="0" lang="de-DE" sz="1800" spc="-1" strike="noStrike">
-              <a:solidFill>
-                <a:srgbClr val="333333"/>
-              </a:solidFill>
-              <a:latin typeface="Noto Sans Regular"/>
-            </a:endParaRPr>
-          </a:p>
-          <a:p>
-            <a:pPr marL="432000" indent="-324000">
+              <a:latin typeface="Arial"/>
+            </a:endParaRPr>
+          </a:p>
+          <a:p>
+            <a:pPr marL="432000" indent="-323640">
+              <a:lnSpc>
+                <a:spcPct val="100000"/>
+              </a:lnSpc>
               <a:spcAft>
                 <a:spcPts val="1414"/>
               </a:spcAft>
@@ -7280,14 +6936,14 @@
               <a:t>putStrLn $ format garfield</a:t>
             </a:r>
             <a:endParaRPr b="0" lang="de-DE" sz="1800" spc="-1" strike="noStrike">
-              <a:solidFill>
-                <a:srgbClr val="333333"/>
-              </a:solidFill>
-              <a:latin typeface="Noto Sans Regular"/>
-            </a:endParaRPr>
-          </a:p>
-          <a:p>
-            <a:pPr marL="432000" indent="-324000">
+              <a:latin typeface="Arial"/>
+            </a:endParaRPr>
+          </a:p>
+          <a:p>
+            <a:pPr marL="432000" indent="-323640">
+              <a:lnSpc>
+                <a:spcPct val="100000"/>
+              </a:lnSpc>
               <a:spcAft>
                 <a:spcPts val="1414"/>
               </a:spcAft>
@@ -7317,10 +6973,7 @@
               <a:t>pprintt garfield</a:t>
             </a:r>
             <a:endParaRPr b="0" lang="de-DE" sz="1800" spc="-1" strike="noStrike">
-              <a:solidFill>
-                <a:srgbClr val="333333"/>
-              </a:solidFill>
-              <a:latin typeface="Noto Sans Regular"/>
+              <a:latin typeface="Arial"/>
             </a:endParaRPr>
           </a:p>
         </p:txBody>
@@ -7334,6 +6987,730 @@
           <p:childTnLst>
             <p:seq>
               <p:cTn id="40" dur="indefinite" nodeType="mainSeq"/>
+              <p:prevCondLst>
+                <p:cond delay="0" evt="onPrev">
+                  <p:tgtEl>
+                    <p:sldTgt/>
+                  </p:tgtEl>
+                </p:cond>
+              </p:prevCondLst>
+              <p:nextCondLst>
+                <p:cond delay="0" evt="onNext">
+                  <p:tgtEl>
+                    <p:sldTgt/>
+                  </p:tgtEl>
+                </p:cond>
+              </p:nextCondLst>
+            </p:seq>
+          </p:childTnLst>
+        </p:cTn>
+      </p:par>
+    </p:tnLst>
+  </p:timing>
+</p:sld>
+</file>
+
+<file path=ppt/slides/slide21.xml><?xml version="1.0" encoding="utf-8"?>
+<p:sld xmlns:a="http://schemas.openxmlformats.org/drawingml/2006/main" xmlns:p="http://schemas.openxmlformats.org/presentationml/2006/main" xmlns:r="http://schemas.openxmlformats.org/officeDocument/2006/relationships" xmlns:p14="http://schemas.microsoft.com/office/powerpoint/2010/main" xmlns:p15="http://schemas.microsoft.com/office/powerpoint/2012/main" xmlns:mc="http://schemas.openxmlformats.org/markup-compatibility/2006">
+  <p:cSld>
+    <p:spTree>
+      <p:nvGrpSpPr>
+        <p:cNvPr id="1" name=""/>
+        <p:cNvGrpSpPr/>
+        <p:nvPr/>
+      </p:nvGrpSpPr>
+      <p:grpSpPr>
+        <a:xfrm>
+          <a:off x="0" y="0"/>
+          <a:ext cx="0" cy="0"/>
+          <a:chOff x="0" y="0"/>
+          <a:chExt cx="0" cy="0"/>
+        </a:xfrm>
+      </p:grpSpPr>
+      <p:sp>
+        <p:nvSpPr>
+          <p:cNvPr id="118" name="CustomShape 1"/>
+          <p:cNvSpPr/>
+          <p:nvPr/>
+        </p:nvSpPr>
+        <p:spPr>
+          <a:xfrm>
+            <a:off x="720000" y="300960"/>
+            <a:ext cx="8855280" cy="1262160"/>
+          </a:xfrm>
+          <a:prstGeom prst="rect">
+            <a:avLst/>
+          </a:prstGeom>
+          <a:noFill/>
+          <a:ln>
+            <a:noFill/>
+          </a:ln>
+        </p:spPr>
+        <p:style>
+          <a:lnRef idx="0"/>
+          <a:fillRef idx="0"/>
+          <a:effectRef idx="0"/>
+          <a:fontRef idx="minor"/>
+        </p:style>
+        <p:txBody>
+          <a:bodyPr lIns="0" rIns="0" tIns="0" bIns="0" anchor="ctr"/>
+          <a:p>
+            <a:r>
+              <a:rPr b="1" lang="de-DE" sz="4000" spc="-1" strike="noStrike">
+                <a:solidFill>
+                  <a:srgbClr val="333333"/>
+                </a:solidFill>
+                <a:latin typeface="Noto Sans Regular"/>
+              </a:rPr>
+              <a:t>Comparison</a:t>
+            </a:r>
+            <a:endParaRPr b="0" lang="de-DE" sz="4000" spc="-1" strike="noStrike">
+              <a:latin typeface="Times New Roman"/>
+            </a:endParaRPr>
+          </a:p>
+        </p:txBody>
+      </p:sp>
+      <p:sp>
+        <p:nvSpPr>
+          <p:cNvPr id="119" name="CustomShape 2"/>
+          <p:cNvSpPr/>
+          <p:nvPr/>
+        </p:nvSpPr>
+        <p:spPr>
+          <a:xfrm>
+            <a:off x="720000" y="2160000"/>
+            <a:ext cx="8639640" cy="4384440"/>
+          </a:xfrm>
+          <a:prstGeom prst="rect">
+            <a:avLst/>
+          </a:prstGeom>
+          <a:noFill/>
+          <a:ln>
+            <a:noFill/>
+          </a:ln>
+        </p:spPr>
+        <p:style>
+          <a:lnRef idx="0"/>
+          <a:fillRef idx="0"/>
+          <a:effectRef idx="0"/>
+          <a:fontRef idx="minor"/>
+        </p:style>
+        <p:txBody>
+          <a:bodyPr lIns="0" rIns="0" tIns="0" bIns="0"/>
+          <a:p>
+            <a:pPr marL="432000" indent="-323640">
+              <a:lnSpc>
+                <a:spcPct val="100000"/>
+              </a:lnSpc>
+              <a:spcAft>
+                <a:spcPts val="1414"/>
+              </a:spcAft>
+              <a:buClr>
+                <a:srgbClr val="ef2929"/>
+              </a:buClr>
+              <a:buSzPct val="45000"/>
+              <a:buFont typeface="Wingdings" charset="2"/>
+              <a:buChar char=""/>
+            </a:pPr>
+            <a:r>
+              <a:rPr b="0" lang="de-DE" sz="2800" spc="-1" strike="noStrike">
+                <a:solidFill>
+                  <a:srgbClr val="333333"/>
+                </a:solidFill>
+                <a:latin typeface="Noto Sans Regular"/>
+              </a:rPr>
+              <a:t>Haskell has its own type class syntax.</a:t>
+            </a:r>
+            <a:endParaRPr b="0" lang="de-DE" sz="2800" spc="-1" strike="noStrike">
+              <a:latin typeface="Times New Roman"/>
+            </a:endParaRPr>
+          </a:p>
+          <a:p>
+            <a:pPr marL="432000" indent="-323640">
+              <a:lnSpc>
+                <a:spcPct val="100000"/>
+              </a:lnSpc>
+              <a:spcAft>
+                <a:spcPts val="1414"/>
+              </a:spcAft>
+              <a:buClr>
+                <a:srgbClr val="ef2929"/>
+              </a:buClr>
+              <a:buSzPct val="45000"/>
+              <a:buFont typeface="Wingdings" charset="2"/>
+              <a:buChar char=""/>
+            </a:pPr>
+            <a:r>
+              <a:rPr b="0" lang="de-DE" sz="2800" spc="-1" strike="noStrike">
+                <a:solidFill>
+                  <a:srgbClr val="333333"/>
+                </a:solidFill>
+                <a:latin typeface="Noto Sans Regular"/>
+              </a:rPr>
+              <a:t>Scala uses implicits to provide type classes.</a:t>
+            </a:r>
+            <a:endParaRPr b="0" lang="de-DE" sz="2800" spc="-1" strike="noStrike">
+              <a:latin typeface="Times New Roman"/>
+            </a:endParaRPr>
+          </a:p>
+          <a:p>
+            <a:pPr marL="432000" indent="-323640">
+              <a:lnSpc>
+                <a:spcPct val="100000"/>
+              </a:lnSpc>
+              <a:spcAft>
+                <a:spcPts val="1414"/>
+              </a:spcAft>
+              <a:buClr>
+                <a:srgbClr val="ef2929"/>
+              </a:buClr>
+              <a:buSzPct val="45000"/>
+              <a:buFont typeface="Wingdings" charset="2"/>
+              <a:buChar char=""/>
+            </a:pPr>
+            <a:r>
+              <a:rPr b="0" lang="de-DE" sz="2800" spc="-1" strike="noStrike">
+                <a:solidFill>
+                  <a:srgbClr val="333333"/>
+                </a:solidFill>
+                <a:latin typeface="Noto Sans Regular"/>
+              </a:rPr>
+              <a:t>In Scala (using implicit val …) you need to create an object for each type class instance.</a:t>
+            </a:r>
+            <a:endParaRPr b="0" lang="de-DE" sz="2800" spc="-1" strike="noStrike">
+              <a:latin typeface="Times New Roman"/>
+            </a:endParaRPr>
+          </a:p>
+          <a:p>
+            <a:pPr marL="432000" indent="-323640">
+              <a:lnSpc>
+                <a:spcPct val="100000"/>
+              </a:lnSpc>
+              <a:spcAft>
+                <a:spcPts val="1414"/>
+              </a:spcAft>
+              <a:buClr>
+                <a:srgbClr val="ef2929"/>
+              </a:buClr>
+              <a:buSzPct val="45000"/>
+              <a:buFont typeface="Wingdings" charset="2"/>
+              <a:buChar char=""/>
+            </a:pPr>
+            <a:r>
+              <a:rPr b="0" lang="de-DE" sz="2800" spc="-1" strike="noStrike">
+                <a:solidFill>
+                  <a:srgbClr val="333333"/>
+                </a:solidFill>
+                <a:latin typeface="Noto Sans Regular"/>
+              </a:rPr>
+              <a:t>In Haskell object creation is avoided.</a:t>
+            </a:r>
+            <a:endParaRPr b="0" lang="de-DE" sz="2800" spc="-1" strike="noStrike">
+              <a:latin typeface="Arial"/>
+            </a:endParaRPr>
+          </a:p>
+          <a:p>
+            <a:endParaRPr b="0" lang="de-DE" sz="2800" spc="-1" strike="noStrike">
+              <a:latin typeface="Arial"/>
+            </a:endParaRPr>
+          </a:p>
+        </p:txBody>
+      </p:sp>
+    </p:spTree>
+  </p:cSld>
+  <p:timing>
+    <p:tnLst>
+      <p:par>
+        <p:cTn id="41" dur="indefinite" restart="never" nodeType="tmRoot">
+          <p:childTnLst>
+            <p:seq>
+              <p:cTn id="42" dur="indefinite" nodeType="mainSeq"/>
+              <p:prevCondLst>
+                <p:cond delay="0" evt="onPrev">
+                  <p:tgtEl>
+                    <p:sldTgt/>
+                  </p:tgtEl>
+                </p:cond>
+              </p:prevCondLst>
+              <p:nextCondLst>
+                <p:cond delay="0" evt="onNext">
+                  <p:tgtEl>
+                    <p:sldTgt/>
+                  </p:tgtEl>
+                </p:cond>
+              </p:nextCondLst>
+            </p:seq>
+          </p:childTnLst>
+        </p:cTn>
+      </p:par>
+    </p:tnLst>
+  </p:timing>
+</p:sld>
+</file>
+
+<file path=ppt/slides/slide22.xml><?xml version="1.0" encoding="utf-8"?>
+<p:sld xmlns:a="http://schemas.openxmlformats.org/drawingml/2006/main" xmlns:p="http://schemas.openxmlformats.org/presentationml/2006/main" xmlns:r="http://schemas.openxmlformats.org/officeDocument/2006/relationships" xmlns:p14="http://schemas.microsoft.com/office/powerpoint/2010/main" xmlns:p15="http://schemas.microsoft.com/office/powerpoint/2012/main" xmlns:mc="http://schemas.openxmlformats.org/markup-compatibility/2006">
+  <p:cSld>
+    <p:spTree>
+      <p:nvGrpSpPr>
+        <p:cNvPr id="1" name=""/>
+        <p:cNvGrpSpPr/>
+        <p:nvPr/>
+      </p:nvGrpSpPr>
+      <p:grpSpPr>
+        <a:xfrm>
+          <a:off x="0" y="0"/>
+          <a:ext cx="0" cy="0"/>
+          <a:chOff x="0" y="0"/>
+          <a:chExt cx="0" cy="0"/>
+        </a:xfrm>
+      </p:grpSpPr>
+      <p:sp>
+        <p:nvSpPr>
+          <p:cNvPr id="120" name="CustomShape 1"/>
+          <p:cNvSpPr/>
+          <p:nvPr/>
+        </p:nvSpPr>
+        <p:spPr>
+          <a:xfrm>
+            <a:off x="720000" y="300960"/>
+            <a:ext cx="8855280" cy="1262160"/>
+          </a:xfrm>
+          <a:prstGeom prst="rect">
+            <a:avLst/>
+          </a:prstGeom>
+          <a:noFill/>
+          <a:ln>
+            <a:noFill/>
+          </a:ln>
+        </p:spPr>
+        <p:style>
+          <a:lnRef idx="0"/>
+          <a:fillRef idx="0"/>
+          <a:effectRef idx="0"/>
+          <a:fontRef idx="minor"/>
+        </p:style>
+        <p:txBody>
+          <a:bodyPr lIns="0" rIns="0" tIns="0" bIns="0" anchor="ctr"/>
+          <a:p>
+            <a:r>
+              <a:rPr b="1" lang="de-DE" sz="4000" spc="-1" strike="noStrike">
+                <a:solidFill>
+                  <a:srgbClr val="333333"/>
+                </a:solidFill>
+                <a:latin typeface="Noto Sans Regular"/>
+              </a:rPr>
+              <a:t>Resources</a:t>
+            </a:r>
+            <a:endParaRPr b="0" lang="de-DE" sz="4000" spc="-1" strike="noStrike">
+              <a:latin typeface="Times New Roman"/>
+            </a:endParaRPr>
+          </a:p>
+        </p:txBody>
+      </p:sp>
+      <p:sp>
+        <p:nvSpPr>
+          <p:cNvPr id="121" name="CustomShape 2"/>
+          <p:cNvSpPr/>
+          <p:nvPr/>
+        </p:nvSpPr>
+        <p:spPr>
+          <a:xfrm>
+            <a:off x="756000" y="2160000"/>
+            <a:ext cx="8639640" cy="4384440"/>
+          </a:xfrm>
+          <a:prstGeom prst="rect">
+            <a:avLst/>
+          </a:prstGeom>
+          <a:noFill/>
+          <a:ln>
+            <a:noFill/>
+          </a:ln>
+        </p:spPr>
+        <p:style>
+          <a:lnRef idx="0"/>
+          <a:fillRef idx="0"/>
+          <a:effectRef idx="0"/>
+          <a:fontRef idx="minor"/>
+        </p:style>
+        <p:txBody>
+          <a:bodyPr lIns="0" rIns="0" tIns="0" bIns="0"/>
+          <a:p>
+            <a:pPr marL="432000" indent="-323640">
+              <a:lnSpc>
+                <a:spcPct val="100000"/>
+              </a:lnSpc>
+              <a:spcAft>
+                <a:spcPts val="1414"/>
+              </a:spcAft>
+              <a:buClr>
+                <a:srgbClr val="ef2929"/>
+              </a:buClr>
+              <a:buSzPct val="45000"/>
+              <a:buFont typeface="Wingdings" charset="2"/>
+              <a:buChar char=""/>
+            </a:pPr>
+            <a:r>
+              <a:rPr b="0" lang="de-DE" sz="2800" spc="-1" strike="noStrike">
+                <a:solidFill>
+                  <a:srgbClr val="333333"/>
+                </a:solidFill>
+                <a:latin typeface="Noto Sans Regular"/>
+              </a:rPr>
+              <a:t>Source code and slides – </a:t>
+            </a:r>
+            <a:r>
+              <a:rPr b="0" lang="de-DE" sz="2200" spc="-1" strike="noStrike">
+                <a:solidFill>
+                  <a:srgbClr val="333333"/>
+                </a:solidFill>
+                <a:latin typeface="Noto Sans Regular"/>
+                <a:hlinkClick r:id="rId1"/>
+              </a:rPr>
+              <a:t>https://github.com/hermannhueck/typeclasses</a:t>
+            </a:r>
+            <a:r>
+              <a:rPr b="0" lang="de-DE" sz="2800" spc="-1" strike="noStrike">
+                <a:solidFill>
+                  <a:srgbClr val="333333"/>
+                </a:solidFill>
+                <a:latin typeface="Noto Sans Regular"/>
+              </a:rPr>
+              <a:t> </a:t>
+            </a:r>
+            <a:endParaRPr b="0" lang="de-DE" sz="2800" spc="-1" strike="noStrike">
+              <a:latin typeface="Times New Roman"/>
+            </a:endParaRPr>
+          </a:p>
+          <a:p>
+            <a:pPr marL="432000" indent="-323640">
+              <a:lnSpc>
+                <a:spcPct val="100000"/>
+              </a:lnSpc>
+              <a:spcAft>
+                <a:spcPts val="1414"/>
+              </a:spcAft>
+              <a:buClr>
+                <a:srgbClr val="ef2929"/>
+              </a:buClr>
+              <a:buSzPct val="45000"/>
+              <a:buFont typeface="Wingdings" charset="2"/>
+              <a:buChar char=""/>
+            </a:pPr>
+            <a:r>
+              <a:rPr b="0" lang="de-DE" sz="2800" spc="-1" strike="noStrike">
+                <a:solidFill>
+                  <a:srgbClr val="333333"/>
+                </a:solidFill>
+                <a:latin typeface="Noto Sans Regular"/>
+              </a:rPr>
+              <a:t>„</a:t>
+            </a:r>
+            <a:r>
+              <a:rPr b="0" lang="de-DE" sz="2800" spc="-1" strike="noStrike">
+                <a:solidFill>
+                  <a:srgbClr val="333333"/>
+                </a:solidFill>
+                <a:latin typeface="Noto Sans Regular"/>
+              </a:rPr>
+              <a:t>Scala with Cats“ by Noel Welsh and Dave Gurnell – </a:t>
+            </a:r>
+            <a:r>
+              <a:rPr b="0" lang="de-DE" sz="2200" spc="-1" strike="noStrike">
+                <a:solidFill>
+                  <a:srgbClr val="333333"/>
+                </a:solidFill>
+                <a:latin typeface="Noto Sans Regular"/>
+                <a:hlinkClick r:id="rId2"/>
+              </a:rPr>
+              <a:t>https://gumroad.com/discover?query=scala+cats</a:t>
+            </a:r>
+            <a:r>
+              <a:rPr b="0" lang="de-DE" sz="2200" spc="-1" strike="noStrike">
+                <a:solidFill>
+                  <a:srgbClr val="333333"/>
+                </a:solidFill>
+                <a:latin typeface="Noto Sans Regular"/>
+              </a:rPr>
+              <a:t> </a:t>
+            </a:r>
+            <a:endParaRPr b="0" lang="de-DE" sz="2200" spc="-1" strike="noStrike">
+              <a:latin typeface="Times New Roman"/>
+            </a:endParaRPr>
+          </a:p>
+          <a:p>
+            <a:pPr marL="432000" indent="-323640">
+              <a:lnSpc>
+                <a:spcPct val="100000"/>
+              </a:lnSpc>
+              <a:spcAft>
+                <a:spcPts val="1414"/>
+              </a:spcAft>
+              <a:buClr>
+                <a:srgbClr val="ef2929"/>
+              </a:buClr>
+              <a:buSzPct val="45000"/>
+              <a:buFont typeface="Wingdings" charset="2"/>
+              <a:buChar char=""/>
+            </a:pPr>
+            <a:r>
+              <a:rPr b="0" lang="de-DE" sz="2800" spc="-1" strike="noStrike">
+                <a:solidFill>
+                  <a:srgbClr val="333333"/>
+                </a:solidFill>
+                <a:latin typeface="Noto Sans Regular"/>
+              </a:rPr>
+              <a:t>„</a:t>
+            </a:r>
+            <a:r>
+              <a:rPr b="0" lang="de-DE" sz="2800" spc="-1" strike="noStrike">
+                <a:solidFill>
+                  <a:srgbClr val="333333"/>
+                </a:solidFill>
+                <a:latin typeface="Noto Sans Regular"/>
+              </a:rPr>
+              <a:t>Haskell Programming from first principles“ by Christoper Allen and Julie Moronuki – </a:t>
+            </a:r>
+            <a:r>
+              <a:rPr b="0" lang="de-DE" sz="2200" spc="-1" strike="noStrike">
+                <a:solidFill>
+                  <a:srgbClr val="333333"/>
+                </a:solidFill>
+                <a:latin typeface="Noto Sans Regular"/>
+                <a:hlinkClick r:id="rId3"/>
+              </a:rPr>
+              <a:t>https://gumroad.com/discover?query=allen+haskell</a:t>
+            </a:r>
+            <a:r>
+              <a:rPr b="0" lang="de-DE" sz="2800" spc="-1" strike="noStrike">
+                <a:solidFill>
+                  <a:srgbClr val="333333"/>
+                </a:solidFill>
+                <a:latin typeface="Noto Sans Regular"/>
+              </a:rPr>
+              <a:t> </a:t>
+            </a:r>
+            <a:endParaRPr b="0" lang="de-DE" sz="2800" spc="-1" strike="noStrike">
+              <a:latin typeface="Times New Roman"/>
+            </a:endParaRPr>
+          </a:p>
+          <a:p>
+            <a:endParaRPr b="0" lang="de-DE" sz="2800" spc="-1" strike="noStrike">
+              <a:latin typeface="Times New Roman"/>
+            </a:endParaRPr>
+          </a:p>
+        </p:txBody>
+      </p:sp>
+    </p:spTree>
+  </p:cSld>
+  <p:timing>
+    <p:tnLst>
+      <p:par>
+        <p:cTn id="43" dur="indefinite" restart="never" nodeType="tmRoot">
+          <p:childTnLst>
+            <p:seq>
+              <p:cTn id="44" dur="indefinite" nodeType="mainSeq"/>
+              <p:prevCondLst>
+                <p:cond delay="0" evt="onPrev">
+                  <p:tgtEl>
+                    <p:sldTgt/>
+                  </p:tgtEl>
+                </p:cond>
+              </p:prevCondLst>
+              <p:nextCondLst>
+                <p:cond delay="0" evt="onNext">
+                  <p:tgtEl>
+                    <p:sldTgt/>
+                  </p:tgtEl>
+                </p:cond>
+              </p:nextCondLst>
+            </p:seq>
+          </p:childTnLst>
+        </p:cTn>
+      </p:par>
+    </p:tnLst>
+  </p:timing>
+</p:sld>
+</file>
+
+<file path=ppt/slides/slide23.xml><?xml version="1.0" encoding="utf-8"?>
+<p:sld xmlns:a="http://schemas.openxmlformats.org/drawingml/2006/main" xmlns:p="http://schemas.openxmlformats.org/presentationml/2006/main" xmlns:r="http://schemas.openxmlformats.org/officeDocument/2006/relationships" xmlns:p14="http://schemas.microsoft.com/office/powerpoint/2010/main" xmlns:p15="http://schemas.microsoft.com/office/powerpoint/2012/main" xmlns:mc="http://schemas.openxmlformats.org/markup-compatibility/2006">
+  <p:cSld>
+    <p:spTree>
+      <p:nvGrpSpPr>
+        <p:cNvPr id="1" name=""/>
+        <p:cNvGrpSpPr/>
+        <p:nvPr/>
+      </p:nvGrpSpPr>
+      <p:grpSpPr>
+        <a:xfrm>
+          <a:off x="0" y="0"/>
+          <a:ext cx="0" cy="0"/>
+          <a:chOff x="0" y="0"/>
+          <a:chExt cx="0" cy="0"/>
+        </a:xfrm>
+      </p:grpSpPr>
+      <p:sp>
+        <p:nvSpPr>
+          <p:cNvPr id="122" name="CustomShape 1"/>
+          <p:cNvSpPr/>
+          <p:nvPr/>
+        </p:nvSpPr>
+        <p:spPr>
+          <a:xfrm>
+            <a:off x="720000" y="300960"/>
+            <a:ext cx="8855280" cy="1262160"/>
+          </a:xfrm>
+          <a:prstGeom prst="rect">
+            <a:avLst/>
+          </a:prstGeom>
+          <a:noFill/>
+          <a:ln>
+            <a:noFill/>
+          </a:ln>
+        </p:spPr>
+        <p:style>
+          <a:lnRef idx="0"/>
+          <a:fillRef idx="0"/>
+          <a:effectRef idx="0"/>
+          <a:fontRef idx="minor"/>
+        </p:style>
+        <p:txBody>
+          <a:bodyPr lIns="0" rIns="0" tIns="0" bIns="0" anchor="ctr"/>
+          <a:p>
+            <a:r>
+              <a:rPr b="1" lang="de-DE" sz="4000" spc="-1" strike="noStrike">
+                <a:solidFill>
+                  <a:srgbClr val="333333"/>
+                </a:solidFill>
+                <a:latin typeface="Noto Sans Regular"/>
+              </a:rPr>
+              <a:t>Thank you!</a:t>
+            </a:r>
+            <a:endParaRPr b="0" lang="de-DE" sz="4000" spc="-1" strike="noStrike">
+              <a:latin typeface="Times New Roman"/>
+            </a:endParaRPr>
+          </a:p>
+        </p:txBody>
+      </p:sp>
+      <p:sp>
+        <p:nvSpPr>
+          <p:cNvPr id="123" name="CustomShape 2"/>
+          <p:cNvSpPr/>
+          <p:nvPr/>
+        </p:nvSpPr>
+        <p:spPr>
+          <a:xfrm>
+            <a:off x="720000" y="2160000"/>
+            <a:ext cx="8639640" cy="4384440"/>
+          </a:xfrm>
+          <a:prstGeom prst="rect">
+            <a:avLst/>
+          </a:prstGeom>
+          <a:noFill/>
+          <a:ln>
+            <a:noFill/>
+          </a:ln>
+        </p:spPr>
+        <p:style>
+          <a:lnRef idx="0"/>
+          <a:fillRef idx="0"/>
+          <a:effectRef idx="0"/>
+          <a:fontRef idx="minor"/>
+        </p:style>
+        <p:txBody>
+          <a:bodyPr lIns="0" rIns="0" tIns="0" bIns="0"/>
+          <a:p>
+            <a:pPr marL="432000" indent="-323640">
+              <a:lnSpc>
+                <a:spcPct val="100000"/>
+              </a:lnSpc>
+              <a:spcAft>
+                <a:spcPts val="1414"/>
+              </a:spcAft>
+              <a:buClr>
+                <a:srgbClr val="ef2929"/>
+              </a:buClr>
+              <a:buSzPct val="45000"/>
+              <a:buFont typeface="Wingdings" charset="2"/>
+              <a:buChar char=""/>
+            </a:pPr>
+            <a:endParaRPr b="0" lang="de-DE" sz="2400" spc="-1" strike="noStrike">
+              <a:latin typeface="Times New Roman"/>
+            </a:endParaRPr>
+          </a:p>
+          <a:p>
+            <a:pPr marL="432000" indent="-323640">
+              <a:lnSpc>
+                <a:spcPct val="100000"/>
+              </a:lnSpc>
+              <a:spcAft>
+                <a:spcPts val="1414"/>
+              </a:spcAft>
+              <a:buClr>
+                <a:srgbClr val="ef2929"/>
+              </a:buClr>
+              <a:buSzPct val="45000"/>
+              <a:buFont typeface="Wingdings" charset="2"/>
+              <a:buChar char=""/>
+            </a:pPr>
+            <a:endParaRPr b="0" lang="de-DE" sz="2400" spc="-1" strike="noStrike">
+              <a:latin typeface="Times New Roman"/>
+            </a:endParaRPr>
+          </a:p>
+          <a:p>
+            <a:pPr marL="432000" indent="-323640" algn="ctr">
+              <a:lnSpc>
+                <a:spcPct val="100000"/>
+              </a:lnSpc>
+              <a:spcAft>
+                <a:spcPts val="1414"/>
+              </a:spcAft>
+              <a:buClr>
+                <a:srgbClr val="ef2929"/>
+              </a:buClr>
+              <a:buSzPct val="45000"/>
+              <a:buFont typeface="Wingdings" charset="2"/>
+              <a:buChar char=""/>
+            </a:pPr>
+            <a:r>
+              <a:rPr b="1" lang="de-DE" sz="8000" spc="-1" strike="noStrike">
+                <a:solidFill>
+                  <a:srgbClr val="333333"/>
+                </a:solidFill>
+                <a:latin typeface="Noto Sans Regular"/>
+              </a:rPr>
+              <a:t>Q &amp; A</a:t>
+            </a:r>
+            <a:r>
+              <a:rPr b="0" lang="de-DE" sz="2800" spc="-1" strike="noStrike">
+                <a:solidFill>
+                  <a:srgbClr val="333333"/>
+                </a:solidFill>
+                <a:latin typeface="Noto Sans Regular"/>
+              </a:rPr>
+              <a:t> </a:t>
+            </a:r>
+            <a:endParaRPr b="0" lang="de-DE" sz="2800" spc="-1" strike="noStrike">
+              <a:latin typeface="Times New Roman"/>
+            </a:endParaRPr>
+          </a:p>
+          <a:p>
+            <a:endParaRPr b="0" lang="de-DE" sz="2800" spc="-1" strike="noStrike">
+              <a:latin typeface="Times New Roman"/>
+            </a:endParaRPr>
+          </a:p>
+        </p:txBody>
+      </p:sp>
+    </p:spTree>
+  </p:cSld>
+  <p:timing>
+    <p:tnLst>
+      <p:par>
+        <p:cTn id="45" dur="indefinite" restart="never" nodeType="tmRoot">
+          <p:childTnLst>
+            <p:seq>
+              <p:cTn id="46" dur="indefinite" nodeType="mainSeq"/>
               <p:prevCondLst>
                 <p:cond delay="0" evt="onPrev">
                   <p:tgtEl>
@@ -7376,14 +7753,14 @@
       </p:grpSpPr>
       <p:sp>
         <p:nvSpPr>
-          <p:cNvPr id="88" name="TextShape 1"/>
-          <p:cNvSpPr txBox="1"/>
+          <p:cNvPr id="82" name="CustomShape 1"/>
+          <p:cNvSpPr/>
           <p:nvPr/>
         </p:nvSpPr>
         <p:spPr>
           <a:xfrm>
             <a:off x="720000" y="300960"/>
-            <a:ext cx="8855640" cy="1262520"/>
+            <a:ext cx="8855280" cy="1262160"/>
           </a:xfrm>
           <a:prstGeom prst="rect">
             <a:avLst/>
@@ -7393,6 +7770,12 @@
             <a:noFill/>
           </a:ln>
         </p:spPr>
+        <p:style>
+          <a:lnRef idx="0"/>
+          <a:fillRef idx="0"/>
+          <a:effectRef idx="0"/>
+          <a:fontRef idx="minor"/>
+        </p:style>
         <p:txBody>
           <a:bodyPr lIns="0" rIns="0" tIns="0" bIns="0" anchor="ctr"/>
           <a:p>
@@ -7405,25 +7788,22 @@
               </a:rPr>
               <a:t>Example: List.sorted + List.sum</a:t>
             </a:r>
-            <a:endParaRPr b="1" lang="de-DE" sz="4000" spc="-1" strike="noStrike">
-              <a:solidFill>
-                <a:srgbClr val="333333"/>
-              </a:solidFill>
-              <a:latin typeface="Noto Sans Regular"/>
-            </a:endParaRPr>
-          </a:p>
-        </p:txBody>
-      </p:sp>
-      <p:sp>
-        <p:nvSpPr>
-          <p:cNvPr id="89" name="TextShape 2"/>
-          <p:cNvSpPr txBox="1"/>
+            <a:endParaRPr b="0" lang="de-DE" sz="4000" spc="-1" strike="noStrike">
+              <a:latin typeface="Arial"/>
+            </a:endParaRPr>
+          </a:p>
+        </p:txBody>
+      </p:sp>
+      <p:sp>
+        <p:nvSpPr>
+          <p:cNvPr id="83" name="CustomShape 2"/>
+          <p:cNvSpPr/>
           <p:nvPr/>
         </p:nvSpPr>
         <p:spPr>
           <a:xfrm>
             <a:off x="720000" y="2160000"/>
-            <a:ext cx="8640000" cy="4384800"/>
+            <a:ext cx="8639640" cy="4384440"/>
           </a:xfrm>
           <a:prstGeom prst="rect">
             <a:avLst/>
@@ -7433,10 +7813,19 @@
             <a:noFill/>
           </a:ln>
         </p:spPr>
+        <p:style>
+          <a:lnRef idx="0"/>
+          <a:fillRef idx="0"/>
+          <a:effectRef idx="0"/>
+          <a:fontRef idx="minor"/>
+        </p:style>
         <p:txBody>
           <a:bodyPr lIns="0" rIns="0" tIns="0" bIns="0"/>
           <a:p>
-            <a:pPr marL="432000" indent="-324000">
+            <a:pPr marL="432000" indent="-323640">
+              <a:lnSpc>
+                <a:spcPct val="100000"/>
+              </a:lnSpc>
               <a:spcAft>
                 <a:spcPts val="1414"/>
               </a:spcAft>
@@ -7457,14 +7846,14 @@
               <a:t>class List[+A] {</a:t>
             </a:r>
             <a:endParaRPr b="0" lang="de-DE" sz="2200" spc="-1" strike="noStrike">
-              <a:solidFill>
-                <a:srgbClr val="333333"/>
-              </a:solidFill>
-              <a:latin typeface="Noto Sans Regular"/>
-            </a:endParaRPr>
-          </a:p>
-          <a:p>
-            <a:pPr lvl="1" marL="864000" indent="-324000">
+              <a:latin typeface="Arial"/>
+            </a:endParaRPr>
+          </a:p>
+          <a:p>
+            <a:pPr lvl="1" marL="864000" indent="-323640">
+              <a:lnSpc>
+                <a:spcPct val="100000"/>
+              </a:lnSpc>
               <a:spcAft>
                 <a:spcPts val="1134"/>
               </a:spcAft>
@@ -7472,7 +7861,7 @@
                 <a:srgbClr val="ef2929"/>
               </a:buClr>
               <a:buSzPct val="75000"/>
-              <a:buFont typeface="Symbol" charset="2"/>
+              <a:buFont typeface="Symbol"/>
               <a:buChar char=""/>
             </a:pPr>
             <a:r>
@@ -7485,14 +7874,14 @@
               <a:t>...</a:t>
             </a:r>
             <a:endParaRPr b="0" lang="de-DE" sz="2200" spc="-1" strike="noStrike">
-              <a:solidFill>
-                <a:srgbClr val="333333"/>
-              </a:solidFill>
-              <a:latin typeface="Noto Sans Regular"/>
-            </a:endParaRPr>
-          </a:p>
-          <a:p>
-            <a:pPr lvl="1" marL="864000" indent="-324000">
+              <a:latin typeface="Arial"/>
+            </a:endParaRPr>
+          </a:p>
+          <a:p>
+            <a:pPr lvl="1" marL="864000" indent="-323640">
+              <a:lnSpc>
+                <a:spcPct val="100000"/>
+              </a:lnSpc>
               <a:spcAft>
                 <a:spcPts val="1134"/>
               </a:spcAft>
@@ -7500,7 +7889,7 @@
                 <a:srgbClr val="ef2929"/>
               </a:buClr>
               <a:buSzPct val="75000"/>
-              <a:buFont typeface="Symbol" charset="2"/>
+              <a:buFont typeface="Symbol"/>
               <a:buChar char=""/>
             </a:pPr>
             <a:r>
@@ -7513,14 +7902,14 @@
               <a:t>def sorted[B &gt;: A](implicit ord: math.Ordering[B]): List[A]</a:t>
             </a:r>
             <a:endParaRPr b="0" lang="de-DE" sz="2200" spc="-1" strike="noStrike">
-              <a:solidFill>
-                <a:srgbClr val="333333"/>
-              </a:solidFill>
-              <a:latin typeface="Noto Sans Regular"/>
-            </a:endParaRPr>
-          </a:p>
-          <a:p>
-            <a:pPr lvl="1" marL="864000" indent="-324000">
+              <a:latin typeface="Arial"/>
+            </a:endParaRPr>
+          </a:p>
+          <a:p>
+            <a:pPr lvl="1" marL="864000" indent="-323640">
+              <a:lnSpc>
+                <a:spcPct val="100000"/>
+              </a:lnSpc>
               <a:spcAft>
                 <a:spcPts val="1134"/>
               </a:spcAft>
@@ -7528,7 +7917,7 @@
                 <a:srgbClr val="ef2929"/>
               </a:buClr>
               <a:buSzPct val="75000"/>
-              <a:buFont typeface="Symbol" charset="2"/>
+              <a:buFont typeface="Symbol"/>
               <a:buChar char=""/>
             </a:pPr>
             <a:r>
@@ -7541,14 +7930,14 @@
               <a:t>def sum[B &gt;: A](implicit num: Numeric[B]): B </a:t>
             </a:r>
             <a:endParaRPr b="0" lang="de-DE" sz="2200" spc="-1" strike="noStrike">
-              <a:solidFill>
-                <a:srgbClr val="333333"/>
-              </a:solidFill>
-              <a:latin typeface="Noto Sans Regular"/>
-            </a:endParaRPr>
-          </a:p>
-          <a:p>
-            <a:pPr lvl="1" marL="864000" indent="-324000">
+              <a:latin typeface="Arial"/>
+            </a:endParaRPr>
+          </a:p>
+          <a:p>
+            <a:pPr lvl="1" marL="864000" indent="-323640">
+              <a:lnSpc>
+                <a:spcPct val="100000"/>
+              </a:lnSpc>
               <a:spcAft>
                 <a:spcPts val="1134"/>
               </a:spcAft>
@@ -7556,7 +7945,7 @@
                 <a:srgbClr val="ef2929"/>
               </a:buClr>
               <a:buSzPct val="75000"/>
-              <a:buFont typeface="Symbol" charset="2"/>
+              <a:buFont typeface="Symbol"/>
               <a:buChar char=""/>
             </a:pPr>
             <a:r>
@@ -7569,14 +7958,14 @@
               <a:t>…</a:t>
             </a:r>
             <a:endParaRPr b="0" lang="de-DE" sz="2200" spc="-1" strike="noStrike">
-              <a:solidFill>
-                <a:srgbClr val="333333"/>
-              </a:solidFill>
-              <a:latin typeface="Noto Sans Regular"/>
-            </a:endParaRPr>
-          </a:p>
-          <a:p>
-            <a:pPr marL="432000" indent="-324000">
+              <a:latin typeface="Arial"/>
+            </a:endParaRPr>
+          </a:p>
+          <a:p>
+            <a:pPr marL="432000" indent="-323640">
+              <a:lnSpc>
+                <a:spcPct val="100000"/>
+              </a:lnSpc>
               <a:spcAft>
                 <a:spcPts val="1414"/>
               </a:spcAft>
@@ -7597,10 +7986,7 @@
               <a:t>}</a:t>
             </a:r>
             <a:endParaRPr b="0" lang="de-DE" sz="2200" spc="-1" strike="noStrike">
-              <a:solidFill>
-                <a:srgbClr val="333333"/>
-              </a:solidFill>
-              <a:latin typeface="Noto Sans Regular"/>
+              <a:latin typeface="Arial"/>
             </a:endParaRPr>
           </a:p>
         </p:txBody>
@@ -7656,14 +8042,14 @@
       </p:grpSpPr>
       <p:sp>
         <p:nvSpPr>
-          <p:cNvPr id="90" name="TextShape 1"/>
-          <p:cNvSpPr txBox="1"/>
+          <p:cNvPr id="84" name="CustomShape 1"/>
+          <p:cNvSpPr/>
           <p:nvPr/>
         </p:nvSpPr>
         <p:spPr>
           <a:xfrm>
             <a:off x="720000" y="300960"/>
-            <a:ext cx="8855640" cy="1262520"/>
+            <a:ext cx="8855280" cy="1262160"/>
           </a:xfrm>
           <a:prstGeom prst="rect">
             <a:avLst/>
@@ -7673,6 +8059,12 @@
             <a:noFill/>
           </a:ln>
         </p:spPr>
+        <p:style>
+          <a:lnRef idx="0"/>
+          <a:fillRef idx="0"/>
+          <a:effectRef idx="0"/>
+          <a:fontRef idx="minor"/>
+        </p:style>
         <p:txBody>
           <a:bodyPr lIns="0" rIns="0" tIns="0" bIns="0" anchor="ctr"/>
           <a:p>
@@ -7685,25 +8077,22 @@
               </a:rPr>
               <a:t>Some Type Classes (Scala)</a:t>
             </a:r>
-            <a:endParaRPr b="1" lang="de-DE" sz="4000" spc="-1" strike="noStrike">
-              <a:solidFill>
-                <a:srgbClr val="333333"/>
-              </a:solidFill>
-              <a:latin typeface="Noto Sans Regular"/>
-            </a:endParaRPr>
-          </a:p>
-        </p:txBody>
-      </p:sp>
-      <p:sp>
-        <p:nvSpPr>
-          <p:cNvPr id="91" name="TextShape 2"/>
-          <p:cNvSpPr txBox="1"/>
+            <a:endParaRPr b="0" lang="de-DE" sz="4000" spc="-1" strike="noStrike">
+              <a:latin typeface="Arial"/>
+            </a:endParaRPr>
+          </a:p>
+        </p:txBody>
+      </p:sp>
+      <p:sp>
+        <p:nvSpPr>
+          <p:cNvPr id="85" name="CustomShape 2"/>
+          <p:cNvSpPr/>
           <p:nvPr/>
         </p:nvSpPr>
         <p:spPr>
           <a:xfrm>
             <a:off x="720000" y="2160000"/>
-            <a:ext cx="8640000" cy="4384800"/>
+            <a:ext cx="8639640" cy="4384440"/>
           </a:xfrm>
           <a:prstGeom prst="rect">
             <a:avLst/>
@@ -7713,10 +8102,19 @@
             <a:noFill/>
           </a:ln>
         </p:spPr>
+        <p:style>
+          <a:lnRef idx="0"/>
+          <a:fillRef idx="0"/>
+          <a:effectRef idx="0"/>
+          <a:fontRef idx="minor"/>
+        </p:style>
         <p:txBody>
           <a:bodyPr lIns="0" rIns="0" tIns="0" bIns="0"/>
           <a:p>
-            <a:pPr marL="432000" indent="-324000">
+            <a:pPr marL="432000" indent="-323640">
+              <a:lnSpc>
+                <a:spcPct val="100000"/>
+              </a:lnSpc>
               <a:spcAft>
                 <a:spcPts val="1414"/>
               </a:spcAft>
@@ -7737,14 +8135,14 @@
               <a:t>scala.math.Ordering</a:t>
             </a:r>
             <a:endParaRPr b="0" lang="de-DE" sz="2800" spc="-1" strike="noStrike">
-              <a:solidFill>
-                <a:srgbClr val="333333"/>
-              </a:solidFill>
-              <a:latin typeface="Noto Sans Regular"/>
-            </a:endParaRPr>
-          </a:p>
-          <a:p>
-            <a:pPr marL="432000" indent="-324000">
+              <a:latin typeface="Arial"/>
+            </a:endParaRPr>
+          </a:p>
+          <a:p>
+            <a:pPr marL="432000" indent="-323640">
+              <a:lnSpc>
+                <a:spcPct val="100000"/>
+              </a:lnSpc>
               <a:spcAft>
                 <a:spcPts val="1414"/>
               </a:spcAft>
@@ -7765,14 +8163,14 @@
               <a:t>scala.math.Numeric</a:t>
             </a:r>
             <a:endParaRPr b="0" lang="de-DE" sz="2800" spc="-1" strike="noStrike">
-              <a:solidFill>
-                <a:srgbClr val="333333"/>
-              </a:solidFill>
-              <a:latin typeface="Noto Sans Regular"/>
-            </a:endParaRPr>
-          </a:p>
-          <a:p>
-            <a:pPr marL="432000" indent="-324000">
+              <a:latin typeface="Arial"/>
+            </a:endParaRPr>
+          </a:p>
+          <a:p>
+            <a:pPr marL="432000" indent="-323640">
+              <a:lnSpc>
+                <a:spcPct val="100000"/>
+              </a:lnSpc>
               <a:spcAft>
                 <a:spcPts val="1414"/>
               </a:spcAft>
@@ -7793,14 +8191,14 @@
               <a:t>cats.Monoid</a:t>
             </a:r>
             <a:endParaRPr b="0" lang="de-DE" sz="2800" spc="-1" strike="noStrike">
-              <a:solidFill>
-                <a:srgbClr val="333333"/>
-              </a:solidFill>
-              <a:latin typeface="Noto Sans Regular"/>
-            </a:endParaRPr>
-          </a:p>
-          <a:p>
-            <a:pPr marL="432000" indent="-324000">
+              <a:latin typeface="Arial"/>
+            </a:endParaRPr>
+          </a:p>
+          <a:p>
+            <a:pPr marL="432000" indent="-323640">
+              <a:lnSpc>
+                <a:spcPct val="100000"/>
+              </a:lnSpc>
               <a:spcAft>
                 <a:spcPts val="1414"/>
               </a:spcAft>
@@ -7821,14 +8219,14 @@
               <a:t>cats.Functor</a:t>
             </a:r>
             <a:endParaRPr b="0" lang="de-DE" sz="2800" spc="-1" strike="noStrike">
-              <a:solidFill>
-                <a:srgbClr val="333333"/>
-              </a:solidFill>
-              <a:latin typeface="Noto Sans Regular"/>
-            </a:endParaRPr>
-          </a:p>
-          <a:p>
-            <a:pPr marL="432000" indent="-324000">
+              <a:latin typeface="Arial"/>
+            </a:endParaRPr>
+          </a:p>
+          <a:p>
+            <a:pPr marL="432000" indent="-323640">
+              <a:lnSpc>
+                <a:spcPct val="100000"/>
+              </a:lnSpc>
               <a:spcAft>
                 <a:spcPts val="1414"/>
               </a:spcAft>
@@ -7849,14 +8247,14 @@
               <a:t>cats.Monad</a:t>
             </a:r>
             <a:endParaRPr b="0" lang="de-DE" sz="2800" spc="-1" strike="noStrike">
-              <a:solidFill>
-                <a:srgbClr val="333333"/>
-              </a:solidFill>
-              <a:latin typeface="Noto Sans Regular"/>
-            </a:endParaRPr>
-          </a:p>
-          <a:p>
-            <a:pPr marL="432000" indent="-324000">
+              <a:latin typeface="Arial"/>
+            </a:endParaRPr>
+          </a:p>
+          <a:p>
+            <a:pPr marL="432000" indent="-323640">
+              <a:lnSpc>
+                <a:spcPct val="100000"/>
+              </a:lnSpc>
               <a:spcAft>
                 <a:spcPts val="1414"/>
               </a:spcAft>
@@ -7877,10 +8275,7 @@
               <a:t>etc.</a:t>
             </a:r>
             <a:endParaRPr b="0" lang="de-DE" sz="2800" spc="-1" strike="noStrike">
-              <a:solidFill>
-                <a:srgbClr val="333333"/>
-              </a:solidFill>
-              <a:latin typeface="Noto Sans Regular"/>
+              <a:latin typeface="Arial"/>
             </a:endParaRPr>
           </a:p>
         </p:txBody>
@@ -7936,14 +8331,14 @@
       </p:grpSpPr>
       <p:sp>
         <p:nvSpPr>
-          <p:cNvPr id="92" name="TextShape 1"/>
-          <p:cNvSpPr txBox="1"/>
+          <p:cNvPr id="86" name="CustomShape 1"/>
+          <p:cNvSpPr/>
           <p:nvPr/>
         </p:nvSpPr>
         <p:spPr>
           <a:xfrm>
             <a:off x="720000" y="300960"/>
-            <a:ext cx="8855640" cy="1262520"/>
+            <a:ext cx="8855280" cy="1262160"/>
           </a:xfrm>
           <a:prstGeom prst="rect">
             <a:avLst/>
@@ -7953,6 +8348,12 @@
             <a:noFill/>
           </a:ln>
         </p:spPr>
+        <p:style>
+          <a:lnRef idx="0"/>
+          <a:fillRef idx="0"/>
+          <a:effectRef idx="0"/>
+          <a:fontRef idx="minor"/>
+        </p:style>
         <p:txBody>
           <a:bodyPr lIns="0" rIns="0" tIns="0" bIns="0" anchor="ctr"/>
           <a:p>
@@ -7965,25 +8366,22 @@
               </a:rPr>
               <a:t>How to use the Type Class Pattern</a:t>
             </a:r>
-            <a:endParaRPr b="1" lang="de-DE" sz="4000" spc="-1" strike="noStrike">
-              <a:solidFill>
-                <a:srgbClr val="333333"/>
-              </a:solidFill>
-              <a:latin typeface="Noto Sans Regular"/>
-            </a:endParaRPr>
-          </a:p>
-        </p:txBody>
-      </p:sp>
-      <p:sp>
-        <p:nvSpPr>
-          <p:cNvPr id="93" name="TextShape 2"/>
-          <p:cNvSpPr txBox="1"/>
+            <a:endParaRPr b="0" lang="de-DE" sz="4000" spc="-1" strike="noStrike">
+              <a:latin typeface="Arial"/>
+            </a:endParaRPr>
+          </a:p>
+        </p:txBody>
+      </p:sp>
+      <p:sp>
+        <p:nvSpPr>
+          <p:cNvPr id="87" name="CustomShape 2"/>
+          <p:cNvSpPr/>
           <p:nvPr/>
         </p:nvSpPr>
         <p:spPr>
           <a:xfrm>
             <a:off x="720000" y="2160000"/>
-            <a:ext cx="8640000" cy="4384800"/>
+            <a:ext cx="8639640" cy="4384440"/>
           </a:xfrm>
           <a:prstGeom prst="rect">
             <a:avLst/>
@@ -7993,10 +8391,19 @@
             <a:noFill/>
           </a:ln>
         </p:spPr>
+        <p:style>
+          <a:lnRef idx="0"/>
+          <a:fillRef idx="0"/>
+          <a:effectRef idx="0"/>
+          <a:fontRef idx="minor"/>
+        </p:style>
         <p:txBody>
           <a:bodyPr lIns="0" rIns="0" tIns="0" bIns="0"/>
           <a:p>
-            <a:pPr marL="432000" indent="-324000">
+            <a:pPr marL="432000" indent="-323640">
+              <a:lnSpc>
+                <a:spcPct val="100000"/>
+              </a:lnSpc>
               <a:spcAft>
                 <a:spcPts val="1414"/>
               </a:spcAft>
@@ -8017,14 +8424,14 @@
               <a:t>Define a type class (as a trait)</a:t>
             </a:r>
             <a:endParaRPr b="0" lang="de-DE" sz="2800" spc="-1" strike="noStrike">
-              <a:solidFill>
-                <a:srgbClr val="333333"/>
-              </a:solidFill>
-              <a:latin typeface="Noto Sans Regular"/>
-            </a:endParaRPr>
-          </a:p>
-          <a:p>
-            <a:pPr marL="432000" indent="-324000">
+              <a:latin typeface="Arial"/>
+            </a:endParaRPr>
+          </a:p>
+          <a:p>
+            <a:pPr marL="432000" indent="-323640">
+              <a:lnSpc>
+                <a:spcPct val="100000"/>
+              </a:lnSpc>
               <a:spcAft>
                 <a:spcPts val="1414"/>
               </a:spcAft>
@@ -8045,14 +8452,14 @@
               <a:t>Define a type class instance for each type that should support the type class (as an implicit val)</a:t>
             </a:r>
             <a:endParaRPr b="0" lang="de-DE" sz="2800" spc="-1" strike="noStrike">
-              <a:solidFill>
-                <a:srgbClr val="333333"/>
-              </a:solidFill>
-              <a:latin typeface="Noto Sans Regular"/>
-            </a:endParaRPr>
-          </a:p>
-          <a:p>
-            <a:pPr marL="432000" indent="-324000">
+              <a:latin typeface="Arial"/>
+            </a:endParaRPr>
+          </a:p>
+          <a:p>
+            <a:pPr marL="432000" indent="-323640">
+              <a:lnSpc>
+                <a:spcPct val="100000"/>
+              </a:lnSpc>
               <a:spcAft>
                 <a:spcPts val="1414"/>
               </a:spcAft>
@@ -8073,10 +8480,7 @@
               <a:t>Use the type class instance implicitly (= as an implicit parameter to another method or function)</a:t>
             </a:r>
             <a:endParaRPr b="0" lang="de-DE" sz="2800" spc="-1" strike="noStrike">
-              <a:solidFill>
-                <a:srgbClr val="333333"/>
-              </a:solidFill>
-              <a:latin typeface="Noto Sans Regular"/>
+              <a:latin typeface="Arial"/>
             </a:endParaRPr>
           </a:p>
         </p:txBody>
@@ -8132,14 +8536,14 @@
       </p:grpSpPr>
       <p:sp>
         <p:nvSpPr>
-          <p:cNvPr id="94" name="TextShape 1"/>
-          <p:cNvSpPr txBox="1"/>
+          <p:cNvPr id="88" name="CustomShape 1"/>
+          <p:cNvSpPr/>
           <p:nvPr/>
         </p:nvSpPr>
         <p:spPr>
           <a:xfrm>
             <a:off x="720000" y="300960"/>
-            <a:ext cx="8855640" cy="1262520"/>
+            <a:ext cx="8855280" cy="1262160"/>
           </a:xfrm>
           <a:prstGeom prst="rect">
             <a:avLst/>
@@ -8149,6 +8553,12 @@
             <a:noFill/>
           </a:ln>
         </p:spPr>
+        <p:style>
+          <a:lnRef idx="0"/>
+          <a:fillRef idx="0"/>
+          <a:effectRef idx="0"/>
+          <a:fontRef idx="minor"/>
+        </p:style>
         <p:txBody>
           <a:bodyPr lIns="0" rIns="0" tIns="0" bIns="0" anchor="ctr"/>
           <a:p>
@@ -8161,25 +8571,22 @@
               </a:rPr>
               <a:t>Define a type class</a:t>
             </a:r>
-            <a:endParaRPr b="1" lang="de-DE" sz="4000" spc="-1" strike="noStrike">
-              <a:solidFill>
-                <a:srgbClr val="333333"/>
-              </a:solidFill>
-              <a:latin typeface="Noto Sans Regular"/>
-            </a:endParaRPr>
-          </a:p>
-        </p:txBody>
-      </p:sp>
-      <p:sp>
-        <p:nvSpPr>
-          <p:cNvPr id="95" name="TextShape 2"/>
-          <p:cNvSpPr txBox="1"/>
+            <a:endParaRPr b="0" lang="de-DE" sz="4000" spc="-1" strike="noStrike">
+              <a:latin typeface="Arial"/>
+            </a:endParaRPr>
+          </a:p>
+        </p:txBody>
+      </p:sp>
+      <p:sp>
+        <p:nvSpPr>
+          <p:cNvPr id="89" name="CustomShape 2"/>
+          <p:cNvSpPr/>
           <p:nvPr/>
         </p:nvSpPr>
         <p:spPr>
           <a:xfrm>
             <a:off x="720000" y="2160000"/>
-            <a:ext cx="8640000" cy="4384800"/>
+            <a:ext cx="8639640" cy="4384440"/>
           </a:xfrm>
           <a:prstGeom prst="rect">
             <a:avLst/>
@@ -8189,29 +8596,32 @@
             <a:noFill/>
           </a:ln>
         </p:spPr>
+        <p:style>
+          <a:lnRef idx="0"/>
+          <a:fillRef idx="0"/>
+          <a:effectRef idx="0"/>
+          <a:fontRef idx="minor"/>
+        </p:style>
         <p:txBody>
           <a:bodyPr lIns="0" rIns="0" tIns="0" bIns="0"/>
           <a:p>
-            <a:pPr marL="432000" indent="-324000">
-              <a:spcAft>
-                <a:spcPts val="1414"/>
-              </a:spcAft>
-              <a:buClr>
-                <a:srgbClr val="ef2929"/>
-              </a:buClr>
-              <a:buSzPct val="45000"/>
-              <a:buFont typeface="Wingdings" charset="2"/>
-              <a:buChar char=""/>
+            <a:pPr>
+              <a:lnSpc>
+                <a:spcPct val="100000"/>
+              </a:lnSpc>
+              <a:spcAft>
+                <a:spcPts val="1414"/>
+              </a:spcAft>
             </a:pPr>
             <a:endParaRPr b="0" lang="de-DE" sz="1800" spc="-1" strike="noStrike">
-              <a:solidFill>
-                <a:srgbClr val="333333"/>
-              </a:solidFill>
-              <a:latin typeface="Noto Sans Regular"/>
-            </a:endParaRPr>
-          </a:p>
-          <a:p>
-            <a:pPr marL="432000" indent="-324000">
+              <a:latin typeface="Arial"/>
+            </a:endParaRPr>
+          </a:p>
+          <a:p>
+            <a:pPr marL="432000" indent="-323640">
+              <a:lnSpc>
+                <a:spcPct val="100000"/>
+              </a:lnSpc>
               <a:spcAft>
                 <a:spcPts val="1414"/>
               </a:spcAft>
@@ -8232,14 +8642,14 @@
               <a:t>trait Printable[A] {</a:t>
             </a:r>
             <a:endParaRPr b="0" lang="de-DE" sz="1800" spc="-1" strike="noStrike">
-              <a:solidFill>
-                <a:srgbClr val="333333"/>
-              </a:solidFill>
-              <a:latin typeface="Noto Sans Regular"/>
-            </a:endParaRPr>
-          </a:p>
-          <a:p>
-            <a:pPr marL="432000" indent="-324000">
+              <a:latin typeface="Arial"/>
+            </a:endParaRPr>
+          </a:p>
+          <a:p>
+            <a:pPr marL="432000" indent="-323640">
+              <a:lnSpc>
+                <a:spcPct val="100000"/>
+              </a:lnSpc>
               <a:spcAft>
                 <a:spcPts val="1414"/>
               </a:spcAft>
@@ -8269,14 +8679,14 @@
               <a:t>def format(value: A): String</a:t>
             </a:r>
             <a:endParaRPr b="0" lang="de-DE" sz="1800" spc="-1" strike="noStrike">
-              <a:solidFill>
-                <a:srgbClr val="333333"/>
-              </a:solidFill>
-              <a:latin typeface="Noto Sans Regular"/>
-            </a:endParaRPr>
-          </a:p>
-          <a:p>
-            <a:pPr marL="432000" indent="-324000">
+              <a:latin typeface="Arial"/>
+            </a:endParaRPr>
+          </a:p>
+          <a:p>
+            <a:pPr marL="432000" indent="-323640">
+              <a:lnSpc>
+                <a:spcPct val="100000"/>
+              </a:lnSpc>
               <a:spcAft>
                 <a:spcPts val="1414"/>
               </a:spcAft>
@@ -8297,29 +8707,20 @@
               <a:t>}</a:t>
             </a:r>
             <a:endParaRPr b="0" lang="de-DE" sz="1800" spc="-1" strike="noStrike">
-              <a:solidFill>
-                <a:srgbClr val="333333"/>
-              </a:solidFill>
-              <a:latin typeface="Noto Sans Regular"/>
-            </a:endParaRPr>
-          </a:p>
-          <a:p>
-            <a:pPr marL="432000" indent="-324000">
-              <a:spcAft>
-                <a:spcPts val="1414"/>
-              </a:spcAft>
-              <a:buClr>
-                <a:srgbClr val="ef2929"/>
-              </a:buClr>
-              <a:buSzPct val="45000"/>
-              <a:buFont typeface="Wingdings" charset="2"/>
-              <a:buChar char=""/>
+              <a:latin typeface="Arial"/>
+            </a:endParaRPr>
+          </a:p>
+          <a:p>
+            <a:pPr>
+              <a:lnSpc>
+                <a:spcPct val="100000"/>
+              </a:lnSpc>
+              <a:spcAft>
+                <a:spcPts val="1414"/>
+              </a:spcAft>
             </a:pPr>
             <a:endParaRPr b="0" lang="de-DE" sz="1800" spc="-1" strike="noStrike">
-              <a:solidFill>
-                <a:srgbClr val="333333"/>
-              </a:solidFill>
-              <a:latin typeface="Noto Sans Regular"/>
+              <a:latin typeface="Arial"/>
             </a:endParaRPr>
           </a:p>
         </p:txBody>
@@ -8375,14 +8776,14 @@
       </p:grpSpPr>
       <p:sp>
         <p:nvSpPr>
-          <p:cNvPr id="96" name="TextShape 1"/>
-          <p:cNvSpPr txBox="1"/>
+          <p:cNvPr id="90" name="CustomShape 1"/>
+          <p:cNvSpPr/>
           <p:nvPr/>
         </p:nvSpPr>
         <p:spPr>
           <a:xfrm>
             <a:off x="720000" y="300960"/>
-            <a:ext cx="8855640" cy="1262520"/>
+            <a:ext cx="8855280" cy="1262160"/>
           </a:xfrm>
           <a:prstGeom prst="rect">
             <a:avLst/>
@@ -8392,6 +8793,12 @@
             <a:noFill/>
           </a:ln>
         </p:spPr>
+        <p:style>
+          <a:lnRef idx="0"/>
+          <a:fillRef idx="0"/>
+          <a:effectRef idx="0"/>
+          <a:fontRef idx="minor"/>
+        </p:style>
         <p:txBody>
           <a:bodyPr lIns="0" rIns="0" tIns="0" bIns="0" anchor="ctr"/>
           <a:p>
@@ -8404,25 +8811,22 @@
               </a:rPr>
               <a:t>Define type class instances (1)</a:t>
             </a:r>
-            <a:endParaRPr b="1" lang="de-DE" sz="4000" spc="-1" strike="noStrike">
-              <a:solidFill>
-                <a:srgbClr val="333333"/>
-              </a:solidFill>
-              <a:latin typeface="Noto Sans Regular"/>
-            </a:endParaRPr>
-          </a:p>
-        </p:txBody>
-      </p:sp>
-      <p:sp>
-        <p:nvSpPr>
-          <p:cNvPr id="97" name="TextShape 2"/>
-          <p:cNvSpPr txBox="1"/>
+            <a:endParaRPr b="0" lang="de-DE" sz="4000" spc="-1" strike="noStrike">
+              <a:latin typeface="Arial"/>
+            </a:endParaRPr>
+          </a:p>
+        </p:txBody>
+      </p:sp>
+      <p:sp>
+        <p:nvSpPr>
+          <p:cNvPr id="91" name="CustomShape 2"/>
+          <p:cNvSpPr/>
           <p:nvPr/>
         </p:nvSpPr>
         <p:spPr>
           <a:xfrm>
             <a:off x="720000" y="2160000"/>
-            <a:ext cx="8640000" cy="4384800"/>
+            <a:ext cx="8639640" cy="4384440"/>
           </a:xfrm>
           <a:prstGeom prst="rect">
             <a:avLst/>
@@ -8432,10 +8836,19 @@
             <a:noFill/>
           </a:ln>
         </p:spPr>
+        <p:style>
+          <a:lnRef idx="0"/>
+          <a:fillRef idx="0"/>
+          <a:effectRef idx="0"/>
+          <a:fontRef idx="minor"/>
+        </p:style>
         <p:txBody>
           <a:bodyPr lIns="0" rIns="0" tIns="0" bIns="0"/>
           <a:p>
-            <a:pPr marL="432000" indent="-324000">
+            <a:pPr marL="432000" indent="-323640">
+              <a:lnSpc>
+                <a:spcPct val="100000"/>
+              </a:lnSpc>
               <a:spcAft>
                 <a:spcPts val="1414"/>
               </a:spcAft>
@@ -8465,14 +8878,14 @@
               <a:t>implicit val intPrintable: Printable[Int] = new Printable[Int] {</a:t>
             </a:r>
             <a:endParaRPr b="0" lang="de-DE" sz="1800" spc="-1" strike="noStrike">
-              <a:solidFill>
-                <a:srgbClr val="333333"/>
-              </a:solidFill>
-              <a:latin typeface="Noto Sans Regular"/>
-            </a:endParaRPr>
-          </a:p>
-          <a:p>
-            <a:pPr marL="432000" indent="-324000">
+              <a:latin typeface="Arial"/>
+            </a:endParaRPr>
+          </a:p>
+          <a:p>
+            <a:pPr marL="432000" indent="-323640">
+              <a:lnSpc>
+                <a:spcPct val="100000"/>
+              </a:lnSpc>
               <a:spcAft>
                 <a:spcPts val="1414"/>
               </a:spcAft>
@@ -8502,14 +8915,14 @@
               <a:t>override def format(value: Int): String =</a:t>
             </a:r>
             <a:endParaRPr b="0" lang="de-DE" sz="1800" spc="-1" strike="noStrike">
-              <a:solidFill>
-                <a:srgbClr val="333333"/>
-              </a:solidFill>
-              <a:latin typeface="Noto Sans Regular"/>
-            </a:endParaRPr>
-          </a:p>
-          <a:p>
-            <a:pPr lvl="4" marL="2160000" indent="-216000">
+              <a:latin typeface="Arial"/>
+            </a:endParaRPr>
+          </a:p>
+          <a:p>
+            <a:pPr lvl="4" marL="2160000" indent="-215640">
+              <a:lnSpc>
+                <a:spcPct val="100000"/>
+              </a:lnSpc>
               <a:spcAft>
                 <a:spcPts val="283"/>
               </a:spcAft>
@@ -8530,14 +8943,14 @@
               <a:t>"How many cats? " + value.toString</a:t>
             </a:r>
             <a:endParaRPr b="0" lang="de-DE" sz="1800" spc="-1" strike="noStrike">
-              <a:solidFill>
-                <a:srgbClr val="333333"/>
-              </a:solidFill>
-              <a:latin typeface="Noto Sans Regular"/>
-            </a:endParaRPr>
-          </a:p>
-          <a:p>
-            <a:pPr marL="432000" indent="-324000">
+              <a:latin typeface="Arial"/>
+            </a:endParaRPr>
+          </a:p>
+          <a:p>
+            <a:pPr marL="432000" indent="-323640">
+              <a:lnSpc>
+                <a:spcPct val="100000"/>
+              </a:lnSpc>
               <a:spcAft>
                 <a:spcPts val="1414"/>
               </a:spcAft>
@@ -8567,33 +8980,27 @@
               <a:t>}</a:t>
             </a:r>
             <a:endParaRPr b="0" lang="de-DE" sz="1800" spc="-1" strike="noStrike">
-              <a:solidFill>
-                <a:srgbClr val="333333"/>
-              </a:solidFill>
-              <a:latin typeface="Noto Sans Regular"/>
-            </a:endParaRPr>
-          </a:p>
-          <a:p>
-            <a:pPr marL="432000" indent="-324000">
-              <a:spcAft>
-                <a:spcPts val="1414"/>
-              </a:spcAft>
-              <a:buClr>
-                <a:srgbClr val="ef2929"/>
-              </a:buClr>
-              <a:buSzPct val="45000"/>
-              <a:buFont typeface="Wingdings" charset="2"/>
-              <a:buChar char=""/>
+              <a:latin typeface="Arial"/>
+            </a:endParaRPr>
+          </a:p>
+          <a:p>
+            <a:pPr>
+              <a:lnSpc>
+                <a:spcPct val="100000"/>
+              </a:lnSpc>
+              <a:spcAft>
+                <a:spcPts val="1414"/>
+              </a:spcAft>
             </a:pPr>
             <a:endParaRPr b="0" lang="de-DE" sz="1800" spc="-1" strike="noStrike">
-              <a:solidFill>
-                <a:srgbClr val="333333"/>
-              </a:solidFill>
-              <a:latin typeface="Noto Sans Regular"/>
-            </a:endParaRPr>
-          </a:p>
-          <a:p>
-            <a:pPr marL="432000" indent="-324000">
+              <a:latin typeface="Arial"/>
+            </a:endParaRPr>
+          </a:p>
+          <a:p>
+            <a:pPr marL="432000" indent="-323640">
+              <a:lnSpc>
+                <a:spcPct val="100000"/>
+              </a:lnSpc>
               <a:spcAft>
                 <a:spcPts val="1414"/>
               </a:spcAft>
@@ -8623,14 +9030,14 @@
               <a:t>implicit val datePrintable: Printable[Date] = new Printable[Date] {</a:t>
             </a:r>
             <a:endParaRPr b="0" lang="de-DE" sz="1800" spc="-1" strike="noStrike">
-              <a:solidFill>
-                <a:srgbClr val="333333"/>
-              </a:solidFill>
-              <a:latin typeface="Noto Sans Regular"/>
-            </a:endParaRPr>
-          </a:p>
-          <a:p>
-            <a:pPr marL="432000" indent="-324000">
+              <a:latin typeface="Arial"/>
+            </a:endParaRPr>
+          </a:p>
+          <a:p>
+            <a:pPr marL="432000" indent="-323640">
+              <a:lnSpc>
+                <a:spcPct val="100000"/>
+              </a:lnSpc>
               <a:spcAft>
                 <a:spcPts val="1414"/>
               </a:spcAft>
@@ -8660,14 +9067,14 @@
               <a:t>override def format(value: Date): String =</a:t>
             </a:r>
             <a:endParaRPr b="0" lang="de-DE" sz="1800" spc="-1" strike="noStrike">
-              <a:solidFill>
-                <a:srgbClr val="333333"/>
-              </a:solidFill>
-              <a:latin typeface="Noto Sans Regular"/>
-            </a:endParaRPr>
-          </a:p>
-          <a:p>
-            <a:pPr lvl="4" marL="2160000" indent="-216000">
+              <a:latin typeface="Arial"/>
+            </a:endParaRPr>
+          </a:p>
+          <a:p>
+            <a:pPr lvl="4" marL="2160000" indent="-215640">
+              <a:lnSpc>
+                <a:spcPct val="100000"/>
+              </a:lnSpc>
               <a:spcAft>
                 <a:spcPts val="283"/>
               </a:spcAft>
@@ -8688,14 +9095,14 @@
               <a:t>"Date of meeting: " + value.toString</a:t>
             </a:r>
             <a:endParaRPr b="0" lang="de-DE" sz="1800" spc="-1" strike="noStrike">
-              <a:solidFill>
-                <a:srgbClr val="333333"/>
-              </a:solidFill>
-              <a:latin typeface="Noto Sans Regular"/>
-            </a:endParaRPr>
-          </a:p>
-          <a:p>
-            <a:pPr marL="432000" indent="-324000">
+              <a:latin typeface="Arial"/>
+            </a:endParaRPr>
+          </a:p>
+          <a:p>
+            <a:pPr marL="432000" indent="-323640">
+              <a:lnSpc>
+                <a:spcPct val="100000"/>
+              </a:lnSpc>
               <a:spcAft>
                 <a:spcPts val="1414"/>
               </a:spcAft>
@@ -8725,10 +9132,7 @@
               <a:t>}</a:t>
             </a:r>
             <a:endParaRPr b="0" lang="de-DE" sz="1800" spc="-1" strike="noStrike">
-              <a:solidFill>
-                <a:srgbClr val="333333"/>
-              </a:solidFill>
-              <a:latin typeface="Noto Sans Regular"/>
+              <a:latin typeface="Arial"/>
             </a:endParaRPr>
           </a:p>
         </p:txBody>
@@ -8784,14 +9188,14 @@
       </p:grpSpPr>
       <p:sp>
         <p:nvSpPr>
-          <p:cNvPr id="98" name="TextShape 1"/>
-          <p:cNvSpPr txBox="1"/>
+          <p:cNvPr id="92" name="CustomShape 1"/>
+          <p:cNvSpPr/>
           <p:nvPr/>
         </p:nvSpPr>
         <p:spPr>
           <a:xfrm>
             <a:off x="720000" y="300960"/>
-            <a:ext cx="8855640" cy="1262520"/>
+            <a:ext cx="8855280" cy="1262160"/>
           </a:xfrm>
           <a:prstGeom prst="rect">
             <a:avLst/>
@@ -8801,6 +9205,12 @@
             <a:noFill/>
           </a:ln>
         </p:spPr>
+        <p:style>
+          <a:lnRef idx="0"/>
+          <a:fillRef idx="0"/>
+          <a:effectRef idx="0"/>
+          <a:fontRef idx="minor"/>
+        </p:style>
         <p:txBody>
           <a:bodyPr lIns="0" rIns="0" tIns="0" bIns="0" anchor="ctr"/>
           <a:p>
@@ -8813,25 +9223,22 @@
               </a:rPr>
               <a:t>Use the type class instance (1)</a:t>
             </a:r>
-            <a:endParaRPr b="1" lang="de-DE" sz="4000" spc="-1" strike="noStrike">
-              <a:solidFill>
-                <a:srgbClr val="333333"/>
-              </a:solidFill>
-              <a:latin typeface="Noto Sans Regular"/>
-            </a:endParaRPr>
-          </a:p>
-        </p:txBody>
-      </p:sp>
-      <p:sp>
-        <p:nvSpPr>
-          <p:cNvPr id="99" name="TextShape 2"/>
-          <p:cNvSpPr txBox="1"/>
+            <a:endParaRPr b="0" lang="de-DE" sz="4000" spc="-1" strike="noStrike">
+              <a:latin typeface="Arial"/>
+            </a:endParaRPr>
+          </a:p>
+        </p:txBody>
+      </p:sp>
+      <p:sp>
+        <p:nvSpPr>
+          <p:cNvPr id="93" name="CustomShape 2"/>
+          <p:cNvSpPr/>
           <p:nvPr/>
         </p:nvSpPr>
         <p:spPr>
           <a:xfrm>
             <a:off x="720000" y="2160000"/>
-            <a:ext cx="8640000" cy="4384800"/>
+            <a:ext cx="8639640" cy="4384440"/>
           </a:xfrm>
           <a:prstGeom prst="rect">
             <a:avLst/>
@@ -8841,29 +9248,32 @@
             <a:noFill/>
           </a:ln>
         </p:spPr>
+        <p:style>
+          <a:lnRef idx="0"/>
+          <a:fillRef idx="0"/>
+          <a:effectRef idx="0"/>
+          <a:fontRef idx="minor"/>
+        </p:style>
         <p:txBody>
           <a:bodyPr lIns="0" rIns="0" tIns="0" bIns="0"/>
           <a:p>
-            <a:pPr marL="432000" indent="-324000">
-              <a:spcAft>
-                <a:spcPts val="1414"/>
-              </a:spcAft>
-              <a:buClr>
-                <a:srgbClr val="ef2929"/>
-              </a:buClr>
-              <a:buSzPct val="45000"/>
-              <a:buFont typeface="Wingdings" charset="2"/>
-              <a:buChar char=""/>
+            <a:pPr>
+              <a:lnSpc>
+                <a:spcPct val="100000"/>
+              </a:lnSpc>
+              <a:spcAft>
+                <a:spcPts val="1414"/>
+              </a:spcAft>
             </a:pPr>
             <a:endParaRPr b="0" lang="de-DE" sz="1800" spc="-1" strike="noStrike">
-              <a:solidFill>
-                <a:srgbClr val="333333"/>
-              </a:solidFill>
-              <a:latin typeface="Noto Sans Regular"/>
-            </a:endParaRPr>
-          </a:p>
-          <a:p>
-            <a:pPr marL="432000" indent="-324000">
+              <a:latin typeface="Arial"/>
+            </a:endParaRPr>
+          </a:p>
+          <a:p>
+            <a:pPr marL="432000" indent="-323640">
+              <a:lnSpc>
+                <a:spcPct val="100000"/>
+              </a:lnSpc>
               <a:spcAft>
                 <a:spcPts val="1414"/>
               </a:spcAft>
@@ -8893,14 +9303,14 @@
               <a:t>def myPrint[A](value: A)(implicit printable: Printable[A]): Unit =</a:t>
             </a:r>
             <a:endParaRPr b="0" lang="de-DE" sz="1800" spc="-1" strike="noStrike">
-              <a:solidFill>
-                <a:srgbClr val="333333"/>
-              </a:solidFill>
-              <a:latin typeface="Noto Sans Regular"/>
-            </a:endParaRPr>
-          </a:p>
-          <a:p>
-            <a:pPr marL="432000" indent="-324000">
+              <a:latin typeface="Arial"/>
+            </a:endParaRPr>
+          </a:p>
+          <a:p>
+            <a:pPr marL="432000" indent="-323640">
+              <a:lnSpc>
+                <a:spcPct val="100000"/>
+              </a:lnSpc>
               <a:spcAft>
                 <a:spcPts val="1414"/>
               </a:spcAft>
@@ -8957,33 +9367,27 @@
               <a:t>println(printable.format(value))</a:t>
             </a:r>
             <a:endParaRPr b="0" lang="de-DE" sz="1800" spc="-1" strike="noStrike">
-              <a:solidFill>
-                <a:srgbClr val="333333"/>
-              </a:solidFill>
-              <a:latin typeface="Noto Sans Regular"/>
-            </a:endParaRPr>
-          </a:p>
-          <a:p>
-            <a:pPr marL="432000" indent="-324000">
-              <a:spcAft>
-                <a:spcPts val="1414"/>
-              </a:spcAft>
-              <a:buClr>
-                <a:srgbClr val="ef2929"/>
-              </a:buClr>
-              <a:buSzPct val="45000"/>
-              <a:buFont typeface="Wingdings" charset="2"/>
-              <a:buChar char=""/>
+              <a:latin typeface="Arial"/>
+            </a:endParaRPr>
+          </a:p>
+          <a:p>
+            <a:pPr>
+              <a:lnSpc>
+                <a:spcPct val="100000"/>
+              </a:lnSpc>
+              <a:spcAft>
+                <a:spcPts val="1414"/>
+              </a:spcAft>
             </a:pPr>
             <a:endParaRPr b="0" lang="de-DE" sz="1800" spc="-1" strike="noStrike">
-              <a:solidFill>
-                <a:srgbClr val="333333"/>
-              </a:solidFill>
-              <a:latin typeface="Noto Sans Regular"/>
-            </a:endParaRPr>
-          </a:p>
-          <a:p>
-            <a:pPr marL="432000" indent="-324000">
+              <a:latin typeface="Arial"/>
+            </a:endParaRPr>
+          </a:p>
+          <a:p>
+            <a:pPr marL="432000" indent="-323640">
+              <a:lnSpc>
+                <a:spcPct val="100000"/>
+              </a:lnSpc>
               <a:spcAft>
                 <a:spcPts val="1414"/>
               </a:spcAft>
@@ -9013,14 +9417,14 @@
               <a:t>myPrint(2)</a:t>
             </a:r>
             <a:endParaRPr b="0" lang="de-DE" sz="1800" spc="-1" strike="noStrike">
-              <a:solidFill>
-                <a:srgbClr val="333333"/>
-              </a:solidFill>
-              <a:latin typeface="Noto Sans Regular"/>
-            </a:endParaRPr>
-          </a:p>
-          <a:p>
-            <a:pPr marL="432000" indent="-324000">
+              <a:latin typeface="Arial"/>
+            </a:endParaRPr>
+          </a:p>
+          <a:p>
+            <a:pPr marL="432000" indent="-323640">
+              <a:lnSpc>
+                <a:spcPct val="100000"/>
+              </a:lnSpc>
               <a:spcAft>
                 <a:spcPts val="1414"/>
               </a:spcAft>
@@ -9050,29 +9454,20 @@
               <a:t>myPrint(new Date)</a:t>
             </a:r>
             <a:endParaRPr b="0" lang="de-DE" sz="1800" spc="-1" strike="noStrike">
-              <a:solidFill>
-                <a:srgbClr val="333333"/>
-              </a:solidFill>
-              <a:latin typeface="Noto Sans Regular"/>
-            </a:endParaRPr>
-          </a:p>
-          <a:p>
-            <a:pPr marL="432000" indent="-324000">
-              <a:spcAft>
-                <a:spcPts val="1414"/>
-              </a:spcAft>
-              <a:buClr>
-                <a:srgbClr val="ef2929"/>
-              </a:buClr>
-              <a:buSzPct val="45000"/>
-              <a:buFont typeface="Wingdings" charset="2"/>
-              <a:buChar char=""/>
+              <a:latin typeface="Arial"/>
+            </a:endParaRPr>
+          </a:p>
+          <a:p>
+            <a:pPr>
+              <a:lnSpc>
+                <a:spcPct val="100000"/>
+              </a:lnSpc>
+              <a:spcAft>
+                <a:spcPts val="1414"/>
+              </a:spcAft>
             </a:pPr>
             <a:endParaRPr b="0" lang="de-DE" sz="1800" spc="-1" strike="noStrike">
-              <a:solidFill>
-                <a:srgbClr val="333333"/>
-              </a:solidFill>
-              <a:latin typeface="Noto Sans Regular"/>
+              <a:latin typeface="Arial"/>
             </a:endParaRPr>
           </a:p>
         </p:txBody>
@@ -9128,14 +9523,14 @@
       </p:grpSpPr>
       <p:sp>
         <p:nvSpPr>
-          <p:cNvPr id="100" name="TextShape 1"/>
-          <p:cNvSpPr txBox="1"/>
+          <p:cNvPr id="94" name="CustomShape 1"/>
+          <p:cNvSpPr/>
           <p:nvPr/>
         </p:nvSpPr>
         <p:spPr>
           <a:xfrm>
             <a:off x="720000" y="300960"/>
-            <a:ext cx="8855640" cy="1262520"/>
+            <a:ext cx="8855280" cy="1262160"/>
           </a:xfrm>
           <a:prstGeom prst="rect">
             <a:avLst/>
@@ -9145,6 +9540,12 @@
             <a:noFill/>
           </a:ln>
         </p:spPr>
+        <p:style>
+          <a:lnRef idx="0"/>
+          <a:fillRef idx="0"/>
+          <a:effectRef idx="0"/>
+          <a:fontRef idx="minor"/>
+        </p:style>
         <p:txBody>
           <a:bodyPr lIns="0" rIns="0" tIns="0" bIns="0" anchor="ctr"/>
           <a:p>
@@ -9157,25 +9558,22 @@
               </a:rPr>
               <a:t>Define type class instances (2)</a:t>
             </a:r>
-            <a:endParaRPr b="1" lang="de-DE" sz="4000" spc="-1" strike="noStrike">
-              <a:solidFill>
-                <a:srgbClr val="333333"/>
-              </a:solidFill>
-              <a:latin typeface="Noto Sans Regular"/>
-            </a:endParaRPr>
-          </a:p>
-        </p:txBody>
-      </p:sp>
-      <p:sp>
-        <p:nvSpPr>
-          <p:cNvPr id="101" name="TextShape 2"/>
-          <p:cNvSpPr txBox="1"/>
+            <a:endParaRPr b="0" lang="de-DE" sz="4000" spc="-1" strike="noStrike">
+              <a:latin typeface="Arial"/>
+            </a:endParaRPr>
+          </a:p>
+        </p:txBody>
+      </p:sp>
+      <p:sp>
+        <p:nvSpPr>
+          <p:cNvPr id="95" name="CustomShape 2"/>
+          <p:cNvSpPr/>
           <p:nvPr/>
         </p:nvSpPr>
         <p:spPr>
           <a:xfrm>
             <a:off x="720000" y="2160000"/>
-            <a:ext cx="8640000" cy="4384800"/>
+            <a:ext cx="8639640" cy="4384440"/>
           </a:xfrm>
           <a:prstGeom prst="rect">
             <a:avLst/>
@@ -9185,10 +9583,19 @@
             <a:noFill/>
           </a:ln>
         </p:spPr>
+        <p:style>
+          <a:lnRef idx="0"/>
+          <a:fillRef idx="0"/>
+          <a:effectRef idx="0"/>
+          <a:fontRef idx="minor"/>
+        </p:style>
         <p:txBody>
           <a:bodyPr lIns="0" rIns="0" tIns="0" bIns="0"/>
           <a:p>
-            <a:pPr marL="432000" indent="-324000">
+            <a:pPr marL="432000" indent="-323640">
+              <a:lnSpc>
+                <a:spcPct val="100000"/>
+              </a:lnSpc>
               <a:spcAft>
                 <a:spcPts val="1414"/>
               </a:spcAft>
@@ -9209,14 +9616,14 @@
               <a:t>final case class Cat(name: String, age: Int, color: String)</a:t>
             </a:r>
             <a:endParaRPr b="0" lang="de-DE" sz="1800" spc="-1" strike="noStrike">
-              <a:solidFill>
-                <a:srgbClr val="333333"/>
-              </a:solidFill>
-              <a:latin typeface="Noto Sans Regular"/>
-            </a:endParaRPr>
-          </a:p>
-          <a:p>
-            <a:pPr marL="432000" indent="-324000">
+              <a:latin typeface="Arial"/>
+            </a:endParaRPr>
+          </a:p>
+          <a:p>
+            <a:pPr marL="432000" indent="-323640">
+              <a:lnSpc>
+                <a:spcPct val="100000"/>
+              </a:lnSpc>
               <a:spcAft>
                 <a:spcPts val="1414"/>
               </a:spcAft>
@@ -9237,14 +9644,14 @@
               <a:t>object Cat {</a:t>
             </a:r>
             <a:endParaRPr b="0" lang="de-DE" sz="1800" spc="-1" strike="noStrike">
-              <a:solidFill>
-                <a:srgbClr val="333333"/>
-              </a:solidFill>
-              <a:latin typeface="Noto Sans Regular"/>
-            </a:endParaRPr>
-          </a:p>
-          <a:p>
-            <a:pPr marL="432000" indent="-324000">
+              <a:latin typeface="Arial"/>
+            </a:endParaRPr>
+          </a:p>
+          <a:p>
+            <a:pPr marL="432000" indent="-323640">
+              <a:lnSpc>
+                <a:spcPct val="100000"/>
+              </a:lnSpc>
               <a:spcAft>
                 <a:spcPts val="1414"/>
               </a:spcAft>
@@ -9274,14 +9681,14 @@
               <a:t>implicit val catPrintable: Printable[Cat] = new Printable[Cat] {</a:t>
             </a:r>
             <a:endParaRPr b="0" lang="de-DE" sz="1800" spc="-1" strike="noStrike">
-              <a:solidFill>
-                <a:srgbClr val="333333"/>
-              </a:solidFill>
-              <a:latin typeface="Noto Sans Regular"/>
-            </a:endParaRPr>
-          </a:p>
-          <a:p>
-            <a:pPr marL="432000" indent="-324000">
+              <a:latin typeface="Arial"/>
+            </a:endParaRPr>
+          </a:p>
+          <a:p>
+            <a:pPr marL="432000" indent="-323640">
+              <a:lnSpc>
+                <a:spcPct val="100000"/>
+              </a:lnSpc>
               <a:spcAft>
                 <a:spcPts val="1414"/>
               </a:spcAft>
@@ -9311,14 +9718,14 @@
               <a:t>override def format(cat: Cat): String = {</a:t>
             </a:r>
             <a:endParaRPr b="0" lang="de-DE" sz="1800" spc="-1" strike="noStrike">
-              <a:solidFill>
-                <a:srgbClr val="333333"/>
-              </a:solidFill>
-              <a:latin typeface="Noto Sans Regular"/>
-            </a:endParaRPr>
-          </a:p>
-          <a:p>
-            <a:pPr marL="432000" indent="-324000">
+              <a:latin typeface="Arial"/>
+            </a:endParaRPr>
+          </a:p>
+          <a:p>
+            <a:pPr marL="432000" indent="-323640">
+              <a:lnSpc>
+                <a:spcPct val="100000"/>
+              </a:lnSpc>
               <a:spcAft>
                 <a:spcPts val="1414"/>
               </a:spcAft>
@@ -9348,14 +9755,14 @@
               <a:t>val name  = Printable.format(cat.name)</a:t>
             </a:r>
             <a:endParaRPr b="0" lang="de-DE" sz="1800" spc="-1" strike="noStrike">
-              <a:solidFill>
-                <a:srgbClr val="333333"/>
-              </a:solidFill>
-              <a:latin typeface="Noto Sans Regular"/>
-            </a:endParaRPr>
-          </a:p>
-          <a:p>
-            <a:pPr marL="432000" indent="-324000">
+              <a:latin typeface="Arial"/>
+            </a:endParaRPr>
+          </a:p>
+          <a:p>
+            <a:pPr marL="432000" indent="-323640">
+              <a:lnSpc>
+                <a:spcPct val="100000"/>
+              </a:lnSpc>
               <a:spcAft>
                 <a:spcPts val="1414"/>
               </a:spcAft>
@@ -9385,14 +9792,14 @@
               <a:t>val age   = Printable.format(cat.age)</a:t>
             </a:r>
             <a:endParaRPr b="0" lang="de-DE" sz="1800" spc="-1" strike="noStrike">
-              <a:solidFill>
-                <a:srgbClr val="333333"/>
-              </a:solidFill>
-              <a:latin typeface="Noto Sans Regular"/>
-            </a:endParaRPr>
-          </a:p>
-          <a:p>
-            <a:pPr marL="432000" indent="-324000">
+              <a:latin typeface="Arial"/>
+            </a:endParaRPr>
+          </a:p>
+          <a:p>
+            <a:pPr marL="432000" indent="-323640">
+              <a:lnSpc>
+                <a:spcPct val="100000"/>
+              </a:lnSpc>
               <a:spcAft>
                 <a:spcPts val="1414"/>
               </a:spcAft>
@@ -9422,14 +9829,14 @@
               <a:t>val color = Printable.format(cat.color)</a:t>
             </a:r>
             <a:endParaRPr b="0" lang="de-DE" sz="1800" spc="-1" strike="noStrike">
-              <a:solidFill>
-                <a:srgbClr val="333333"/>
-              </a:solidFill>
-              <a:latin typeface="Noto Sans Regular"/>
-            </a:endParaRPr>
-          </a:p>
-          <a:p>
-            <a:pPr marL="432000" indent="-324000">
+              <a:latin typeface="Arial"/>
+            </a:endParaRPr>
+          </a:p>
+          <a:p>
+            <a:pPr marL="432000" indent="-323640">
+              <a:lnSpc>
+                <a:spcPct val="100000"/>
+              </a:lnSpc>
               <a:spcAft>
                 <a:spcPts val="1414"/>
               </a:spcAft>
@@ -9459,14 +9866,14 @@
               <a:t>s"$name is a $age year-old $color cat."</a:t>
             </a:r>
             <a:endParaRPr b="0" lang="de-DE" sz="1800" spc="-1" strike="noStrike">
-              <a:solidFill>
-                <a:srgbClr val="333333"/>
-              </a:solidFill>
-              <a:latin typeface="Noto Sans Regular"/>
-            </a:endParaRPr>
-          </a:p>
-          <a:p>
-            <a:pPr marL="432000" indent="-324000">
+              <a:latin typeface="Arial"/>
+            </a:endParaRPr>
+          </a:p>
+          <a:p>
+            <a:pPr marL="432000" indent="-323640">
+              <a:lnSpc>
+                <a:spcPct val="100000"/>
+              </a:lnSpc>
               <a:spcAft>
                 <a:spcPts val="1414"/>
               </a:spcAft>
@@ -9496,14 +9903,14 @@
               <a:t>}</a:t>
             </a:r>
             <a:endParaRPr b="0" lang="de-DE" sz="1800" spc="-1" strike="noStrike">
-              <a:solidFill>
-                <a:srgbClr val="333333"/>
-              </a:solidFill>
-              <a:latin typeface="Noto Sans Regular"/>
-            </a:endParaRPr>
-          </a:p>
-          <a:p>
-            <a:pPr marL="432000" indent="-324000">
+              <a:latin typeface="Arial"/>
+            </a:endParaRPr>
+          </a:p>
+          <a:p>
+            <a:pPr marL="432000" indent="-323640">
+              <a:lnSpc>
+                <a:spcPct val="100000"/>
+              </a:lnSpc>
               <a:spcAft>
                 <a:spcPts val="1414"/>
               </a:spcAft>
@@ -9533,14 +9940,14 @@
               <a:t>}</a:t>
             </a:r>
             <a:endParaRPr b="0" lang="de-DE" sz="1800" spc="-1" strike="noStrike">
-              <a:solidFill>
-                <a:srgbClr val="333333"/>
-              </a:solidFill>
-              <a:latin typeface="Noto Sans Regular"/>
-            </a:endParaRPr>
-          </a:p>
-          <a:p>
-            <a:pPr marL="432000" indent="-324000">
+              <a:latin typeface="Arial"/>
+            </a:endParaRPr>
+          </a:p>
+          <a:p>
+            <a:pPr marL="432000" indent="-323640">
+              <a:lnSpc>
+                <a:spcPct val="100000"/>
+              </a:lnSpc>
               <a:spcAft>
                 <a:spcPts val="1414"/>
               </a:spcAft>
@@ -9561,10 +9968,7 @@
               <a:t>}</a:t>
             </a:r>
             <a:endParaRPr b="0" lang="de-DE" sz="1800" spc="-1" strike="noStrike">
-              <a:solidFill>
-                <a:srgbClr val="333333"/>
-              </a:solidFill>
-              <a:latin typeface="Noto Sans Regular"/>
+              <a:latin typeface="Arial"/>
             </a:endParaRPr>
           </a:p>
         </p:txBody>

--- a/Slides/TypeClasses.pptx
+++ b/Slides/TypeClasses.pptx
@@ -86,8 +86,8 @@
         </p:nvSpPr>
         <p:spPr>
           <a:xfrm>
-            <a:off x="720000" y="300960"/>
-            <a:ext cx="8855280" cy="1262160"/>
+            <a:off x="504000" y="301320"/>
+            <a:ext cx="9072000" cy="1261800"/>
           </a:xfrm>
           <a:prstGeom prst="rect">
             <a:avLst/>
@@ -115,8 +115,8 @@
         </p:nvSpPr>
         <p:spPr>
           <a:xfrm>
-            <a:off x="720000" y="2160000"/>
-            <a:ext cx="8639640" cy="2091240"/>
+            <a:off x="504000" y="1768680"/>
+            <a:ext cx="9072000" cy="2090880"/>
           </a:xfrm>
           <a:prstGeom prst="rect">
             <a:avLst/>
@@ -145,8 +145,8 @@
         </p:nvSpPr>
         <p:spPr>
           <a:xfrm>
-            <a:off x="720000" y="4450320"/>
-            <a:ext cx="8639640" cy="2091240"/>
+            <a:off x="504000" y="4058640"/>
+            <a:ext cx="9072000" cy="2090880"/>
           </a:xfrm>
           <a:prstGeom prst="rect">
             <a:avLst/>
@@ -197,8 +197,8 @@
         </p:nvSpPr>
         <p:spPr>
           <a:xfrm>
-            <a:off x="720000" y="300960"/>
-            <a:ext cx="8855280" cy="1262160"/>
+            <a:off x="504000" y="301320"/>
+            <a:ext cx="9072000" cy="1261800"/>
           </a:xfrm>
           <a:prstGeom prst="rect">
             <a:avLst/>
@@ -226,8 +226,8 @@
         </p:nvSpPr>
         <p:spPr>
           <a:xfrm>
-            <a:off x="720000" y="2160000"/>
-            <a:ext cx="4215960" cy="2091240"/>
+            <a:off x="504000" y="1768680"/>
+            <a:ext cx="4426920" cy="2090880"/>
           </a:xfrm>
           <a:prstGeom prst="rect">
             <a:avLst/>
@@ -256,8 +256,8 @@
         </p:nvSpPr>
         <p:spPr>
           <a:xfrm>
-            <a:off x="5147280" y="2160000"/>
-            <a:ext cx="4215960" cy="2091240"/>
+            <a:off x="5152680" y="1768680"/>
+            <a:ext cx="4426920" cy="2090880"/>
           </a:xfrm>
           <a:prstGeom prst="rect">
             <a:avLst/>
@@ -286,8 +286,8 @@
         </p:nvSpPr>
         <p:spPr>
           <a:xfrm>
-            <a:off x="720000" y="4450320"/>
-            <a:ext cx="4215960" cy="2091240"/>
+            <a:off x="504000" y="4058640"/>
+            <a:ext cx="4426920" cy="2090880"/>
           </a:xfrm>
           <a:prstGeom prst="rect">
             <a:avLst/>
@@ -316,8 +316,8 @@
         </p:nvSpPr>
         <p:spPr>
           <a:xfrm>
-            <a:off x="5147280" y="4450320"/>
-            <a:ext cx="4215960" cy="2091240"/>
+            <a:off x="5152680" y="4058640"/>
+            <a:ext cx="4426920" cy="2090880"/>
           </a:xfrm>
           <a:prstGeom prst="rect">
             <a:avLst/>
@@ -368,8 +368,8 @@
         </p:nvSpPr>
         <p:spPr>
           <a:xfrm>
-            <a:off x="720000" y="300960"/>
-            <a:ext cx="8855280" cy="1262160"/>
+            <a:off x="504000" y="301320"/>
+            <a:ext cx="9072000" cy="1261800"/>
           </a:xfrm>
           <a:prstGeom prst="rect">
             <a:avLst/>
@@ -397,8 +397,8 @@
         </p:nvSpPr>
         <p:spPr>
           <a:xfrm>
-            <a:off x="720000" y="2160000"/>
-            <a:ext cx="2781720" cy="2091240"/>
+            <a:off x="504000" y="1768680"/>
+            <a:ext cx="2921040" cy="2090880"/>
           </a:xfrm>
           <a:prstGeom prst="rect">
             <a:avLst/>
@@ -427,8 +427,8 @@
         </p:nvSpPr>
         <p:spPr>
           <a:xfrm>
-            <a:off x="3641040" y="2160000"/>
-            <a:ext cx="2781720" cy="2091240"/>
+            <a:off x="3571560" y="1768680"/>
+            <a:ext cx="2921040" cy="2090880"/>
           </a:xfrm>
           <a:prstGeom prst="rect">
             <a:avLst/>
@@ -457,8 +457,8 @@
         </p:nvSpPr>
         <p:spPr>
           <a:xfrm>
-            <a:off x="6562440" y="2160000"/>
-            <a:ext cx="2781720" cy="2091240"/>
+            <a:off x="6639120" y="1768680"/>
+            <a:ext cx="2921040" cy="2090880"/>
           </a:xfrm>
           <a:prstGeom prst="rect">
             <a:avLst/>
@@ -487,8 +487,8 @@
         </p:nvSpPr>
         <p:spPr>
           <a:xfrm>
-            <a:off x="720000" y="4450320"/>
-            <a:ext cx="2781720" cy="2091240"/>
+            <a:off x="504000" y="4058640"/>
+            <a:ext cx="2921040" cy="2090880"/>
           </a:xfrm>
           <a:prstGeom prst="rect">
             <a:avLst/>
@@ -517,8 +517,8 @@
         </p:nvSpPr>
         <p:spPr>
           <a:xfrm>
-            <a:off x="3641040" y="4450320"/>
-            <a:ext cx="2781720" cy="2091240"/>
+            <a:off x="3571560" y="4058640"/>
+            <a:ext cx="2921040" cy="2090880"/>
           </a:xfrm>
           <a:prstGeom prst="rect">
             <a:avLst/>
@@ -547,8 +547,8 @@
         </p:nvSpPr>
         <p:spPr>
           <a:xfrm>
-            <a:off x="6562440" y="4450320"/>
-            <a:ext cx="2781720" cy="2091240"/>
+            <a:off x="6639120" y="4058640"/>
+            <a:ext cx="2921040" cy="2090880"/>
           </a:xfrm>
           <a:prstGeom prst="rect">
             <a:avLst/>
@@ -621,8 +621,8 @@
         </p:nvSpPr>
         <p:spPr>
           <a:xfrm>
-            <a:off x="720000" y="300960"/>
-            <a:ext cx="8855280" cy="1262160"/>
+            <a:off x="504000" y="301320"/>
+            <a:ext cx="9072000" cy="1261800"/>
           </a:xfrm>
           <a:prstGeom prst="rect">
             <a:avLst/>
@@ -650,8 +650,8 @@
         </p:nvSpPr>
         <p:spPr>
           <a:xfrm>
-            <a:off x="720000" y="2160000"/>
-            <a:ext cx="8639640" cy="4384440"/>
+            <a:off x="504000" y="1768680"/>
+            <a:ext cx="9072000" cy="4384080"/>
           </a:xfrm>
           <a:prstGeom prst="rect">
             <a:avLst/>
@@ -701,8 +701,8 @@
         </p:nvSpPr>
         <p:spPr>
           <a:xfrm>
-            <a:off x="720000" y="300960"/>
-            <a:ext cx="8855280" cy="1262160"/>
+            <a:off x="504000" y="301320"/>
+            <a:ext cx="9072000" cy="1261800"/>
           </a:xfrm>
           <a:prstGeom prst="rect">
             <a:avLst/>
@@ -730,8 +730,8 @@
         </p:nvSpPr>
         <p:spPr>
           <a:xfrm>
-            <a:off x="720000" y="2160000"/>
-            <a:ext cx="8639640" cy="4384440"/>
+            <a:off x="504000" y="1768680"/>
+            <a:ext cx="9072000" cy="4384080"/>
           </a:xfrm>
           <a:prstGeom prst="rect">
             <a:avLst/>
@@ -782,8 +782,8 @@
         </p:nvSpPr>
         <p:spPr>
           <a:xfrm>
-            <a:off x="720000" y="300960"/>
-            <a:ext cx="8855280" cy="1262160"/>
+            <a:off x="504000" y="301320"/>
+            <a:ext cx="9072000" cy="1261800"/>
           </a:xfrm>
           <a:prstGeom prst="rect">
             <a:avLst/>
@@ -811,8 +811,8 @@
         </p:nvSpPr>
         <p:spPr>
           <a:xfrm>
-            <a:off x="720000" y="2160000"/>
-            <a:ext cx="4215960" cy="4384440"/>
+            <a:off x="504000" y="1768680"/>
+            <a:ext cx="4426920" cy="4384080"/>
           </a:xfrm>
           <a:prstGeom prst="rect">
             <a:avLst/>
@@ -841,8 +841,8 @@
         </p:nvSpPr>
         <p:spPr>
           <a:xfrm>
-            <a:off x="5147280" y="2160000"/>
-            <a:ext cx="4215960" cy="4384440"/>
+            <a:off x="5152680" y="1768680"/>
+            <a:ext cx="4426920" cy="4384080"/>
           </a:xfrm>
           <a:prstGeom prst="rect">
             <a:avLst/>
@@ -893,8 +893,8 @@
         </p:nvSpPr>
         <p:spPr>
           <a:xfrm>
-            <a:off x="720000" y="300960"/>
-            <a:ext cx="8855280" cy="1262160"/>
+            <a:off x="504000" y="301320"/>
+            <a:ext cx="9072000" cy="1261800"/>
           </a:xfrm>
           <a:prstGeom prst="rect">
             <a:avLst/>
@@ -944,8 +944,8 @@
         </p:nvSpPr>
         <p:spPr>
           <a:xfrm>
-            <a:off x="720000" y="300960"/>
-            <a:ext cx="8855280" cy="5851800"/>
+            <a:off x="504000" y="301320"/>
+            <a:ext cx="9072000" cy="5850360"/>
           </a:xfrm>
           <a:prstGeom prst="rect">
             <a:avLst/>
@@ -995,8 +995,8 @@
         </p:nvSpPr>
         <p:spPr>
           <a:xfrm>
-            <a:off x="720000" y="300960"/>
-            <a:ext cx="8855280" cy="1262160"/>
+            <a:off x="504000" y="301320"/>
+            <a:ext cx="9072000" cy="1261800"/>
           </a:xfrm>
           <a:prstGeom prst="rect">
             <a:avLst/>
@@ -1024,8 +1024,8 @@
         </p:nvSpPr>
         <p:spPr>
           <a:xfrm>
-            <a:off x="720000" y="2160000"/>
-            <a:ext cx="4215960" cy="2091240"/>
+            <a:off x="504000" y="1768680"/>
+            <a:ext cx="4426920" cy="2090880"/>
           </a:xfrm>
           <a:prstGeom prst="rect">
             <a:avLst/>
@@ -1054,8 +1054,8 @@
         </p:nvSpPr>
         <p:spPr>
           <a:xfrm>
-            <a:off x="5147280" y="2160000"/>
-            <a:ext cx="4215960" cy="4384440"/>
+            <a:off x="5152680" y="1768680"/>
+            <a:ext cx="4426920" cy="4384080"/>
           </a:xfrm>
           <a:prstGeom prst="rect">
             <a:avLst/>
@@ -1084,8 +1084,8 @@
         </p:nvSpPr>
         <p:spPr>
           <a:xfrm>
-            <a:off x="720000" y="4450320"/>
-            <a:ext cx="4215960" cy="2091240"/>
+            <a:off x="504000" y="4058640"/>
+            <a:ext cx="4426920" cy="2090880"/>
           </a:xfrm>
           <a:prstGeom prst="rect">
             <a:avLst/>
@@ -1136,8 +1136,8 @@
         </p:nvSpPr>
         <p:spPr>
           <a:xfrm>
-            <a:off x="720000" y="300960"/>
-            <a:ext cx="8855280" cy="1262160"/>
+            <a:off x="504000" y="301320"/>
+            <a:ext cx="9072000" cy="1261800"/>
           </a:xfrm>
           <a:prstGeom prst="rect">
             <a:avLst/>
@@ -1165,8 +1165,8 @@
         </p:nvSpPr>
         <p:spPr>
           <a:xfrm>
-            <a:off x="720000" y="2160000"/>
-            <a:ext cx="8639640" cy="4384440"/>
+            <a:off x="504000" y="1768680"/>
+            <a:ext cx="9072000" cy="4384080"/>
           </a:xfrm>
           <a:prstGeom prst="rect">
             <a:avLst/>
@@ -1216,8 +1216,8 @@
         </p:nvSpPr>
         <p:spPr>
           <a:xfrm>
-            <a:off x="720000" y="300960"/>
-            <a:ext cx="8855280" cy="1262160"/>
+            <a:off x="504000" y="301320"/>
+            <a:ext cx="9072000" cy="1261800"/>
           </a:xfrm>
           <a:prstGeom prst="rect">
             <a:avLst/>
@@ -1245,8 +1245,8 @@
         </p:nvSpPr>
         <p:spPr>
           <a:xfrm>
-            <a:off x="720000" y="2160000"/>
-            <a:ext cx="4215960" cy="4384440"/>
+            <a:off x="504000" y="1768680"/>
+            <a:ext cx="4426920" cy="4384080"/>
           </a:xfrm>
           <a:prstGeom prst="rect">
             <a:avLst/>
@@ -1275,8 +1275,8 @@
         </p:nvSpPr>
         <p:spPr>
           <a:xfrm>
-            <a:off x="5147280" y="2160000"/>
-            <a:ext cx="4215960" cy="2091240"/>
+            <a:off x="5152680" y="1768680"/>
+            <a:ext cx="4426920" cy="2090880"/>
           </a:xfrm>
           <a:prstGeom prst="rect">
             <a:avLst/>
@@ -1305,8 +1305,8 @@
         </p:nvSpPr>
         <p:spPr>
           <a:xfrm>
-            <a:off x="5147280" y="4450320"/>
-            <a:ext cx="4215960" cy="2091240"/>
+            <a:off x="5152680" y="4058640"/>
+            <a:ext cx="4426920" cy="2090880"/>
           </a:xfrm>
           <a:prstGeom prst="rect">
             <a:avLst/>
@@ -1357,8 +1357,8 @@
         </p:nvSpPr>
         <p:spPr>
           <a:xfrm>
-            <a:off x="720000" y="300960"/>
-            <a:ext cx="8855280" cy="1262160"/>
+            <a:off x="504000" y="301320"/>
+            <a:ext cx="9072000" cy="1261800"/>
           </a:xfrm>
           <a:prstGeom prst="rect">
             <a:avLst/>
@@ -1386,8 +1386,8 @@
         </p:nvSpPr>
         <p:spPr>
           <a:xfrm>
-            <a:off x="720000" y="2160000"/>
-            <a:ext cx="4215960" cy="2091240"/>
+            <a:off x="504000" y="1768680"/>
+            <a:ext cx="4426920" cy="2090880"/>
           </a:xfrm>
           <a:prstGeom prst="rect">
             <a:avLst/>
@@ -1416,8 +1416,8 @@
         </p:nvSpPr>
         <p:spPr>
           <a:xfrm>
-            <a:off x="5147280" y="2160000"/>
-            <a:ext cx="4215960" cy="2091240"/>
+            <a:off x="5152680" y="1768680"/>
+            <a:ext cx="4426920" cy="2090880"/>
           </a:xfrm>
           <a:prstGeom prst="rect">
             <a:avLst/>
@@ -1446,8 +1446,8 @@
         </p:nvSpPr>
         <p:spPr>
           <a:xfrm>
-            <a:off x="720000" y="4450320"/>
-            <a:ext cx="8639640" cy="2091240"/>
+            <a:off x="504000" y="4058640"/>
+            <a:ext cx="9072000" cy="2090880"/>
           </a:xfrm>
           <a:prstGeom prst="rect">
             <a:avLst/>
@@ -1498,8 +1498,8 @@
         </p:nvSpPr>
         <p:spPr>
           <a:xfrm>
-            <a:off x="720000" y="300960"/>
-            <a:ext cx="8855280" cy="1262160"/>
+            <a:off x="504000" y="301320"/>
+            <a:ext cx="9072000" cy="1261800"/>
           </a:xfrm>
           <a:prstGeom prst="rect">
             <a:avLst/>
@@ -1527,8 +1527,8 @@
         </p:nvSpPr>
         <p:spPr>
           <a:xfrm>
-            <a:off x="720000" y="2160000"/>
-            <a:ext cx="8639640" cy="2091240"/>
+            <a:off x="504000" y="1768680"/>
+            <a:ext cx="9072000" cy="2090880"/>
           </a:xfrm>
           <a:prstGeom prst="rect">
             <a:avLst/>
@@ -1557,8 +1557,8 @@
         </p:nvSpPr>
         <p:spPr>
           <a:xfrm>
-            <a:off x="720000" y="4450320"/>
-            <a:ext cx="8639640" cy="2091240"/>
+            <a:off x="504000" y="4058640"/>
+            <a:ext cx="9072000" cy="2090880"/>
           </a:xfrm>
           <a:prstGeom prst="rect">
             <a:avLst/>
@@ -1609,8 +1609,8 @@
         </p:nvSpPr>
         <p:spPr>
           <a:xfrm>
-            <a:off x="720000" y="300960"/>
-            <a:ext cx="8855280" cy="1262160"/>
+            <a:off x="504000" y="301320"/>
+            <a:ext cx="9072000" cy="1261800"/>
           </a:xfrm>
           <a:prstGeom prst="rect">
             <a:avLst/>
@@ -1638,8 +1638,8 @@
         </p:nvSpPr>
         <p:spPr>
           <a:xfrm>
-            <a:off x="720000" y="2160000"/>
-            <a:ext cx="4215960" cy="2091240"/>
+            <a:off x="504000" y="1768680"/>
+            <a:ext cx="4426920" cy="2090880"/>
           </a:xfrm>
           <a:prstGeom prst="rect">
             <a:avLst/>
@@ -1668,8 +1668,8 @@
         </p:nvSpPr>
         <p:spPr>
           <a:xfrm>
-            <a:off x="5147280" y="2160000"/>
-            <a:ext cx="4215960" cy="2091240"/>
+            <a:off x="5152680" y="1768680"/>
+            <a:ext cx="4426920" cy="2090880"/>
           </a:xfrm>
           <a:prstGeom prst="rect">
             <a:avLst/>
@@ -1698,8 +1698,8 @@
         </p:nvSpPr>
         <p:spPr>
           <a:xfrm>
-            <a:off x="720000" y="4450320"/>
-            <a:ext cx="4215960" cy="2091240"/>
+            <a:off x="504000" y="4058640"/>
+            <a:ext cx="4426920" cy="2090880"/>
           </a:xfrm>
           <a:prstGeom prst="rect">
             <a:avLst/>
@@ -1728,8 +1728,8 @@
         </p:nvSpPr>
         <p:spPr>
           <a:xfrm>
-            <a:off x="5147280" y="4450320"/>
-            <a:ext cx="4215960" cy="2091240"/>
+            <a:off x="5152680" y="4058640"/>
+            <a:ext cx="4426920" cy="2090880"/>
           </a:xfrm>
           <a:prstGeom prst="rect">
             <a:avLst/>
@@ -1780,8 +1780,8 @@
         </p:nvSpPr>
         <p:spPr>
           <a:xfrm>
-            <a:off x="720000" y="300960"/>
-            <a:ext cx="8855280" cy="1262160"/>
+            <a:off x="504000" y="301320"/>
+            <a:ext cx="9072000" cy="1261800"/>
           </a:xfrm>
           <a:prstGeom prst="rect">
             <a:avLst/>
@@ -1809,8 +1809,8 @@
         </p:nvSpPr>
         <p:spPr>
           <a:xfrm>
-            <a:off x="720000" y="2160000"/>
-            <a:ext cx="2781720" cy="2091240"/>
+            <a:off x="504000" y="1768680"/>
+            <a:ext cx="2921040" cy="2090880"/>
           </a:xfrm>
           <a:prstGeom prst="rect">
             <a:avLst/>
@@ -1839,8 +1839,8 @@
         </p:nvSpPr>
         <p:spPr>
           <a:xfrm>
-            <a:off x="3641040" y="2160000"/>
-            <a:ext cx="2781720" cy="2091240"/>
+            <a:off x="3571560" y="1768680"/>
+            <a:ext cx="2921040" cy="2090880"/>
           </a:xfrm>
           <a:prstGeom prst="rect">
             <a:avLst/>
@@ -1869,8 +1869,8 @@
         </p:nvSpPr>
         <p:spPr>
           <a:xfrm>
-            <a:off x="6562440" y="2160000"/>
-            <a:ext cx="2781720" cy="2091240"/>
+            <a:off x="6639120" y="1768680"/>
+            <a:ext cx="2921040" cy="2090880"/>
           </a:xfrm>
           <a:prstGeom prst="rect">
             <a:avLst/>
@@ -1899,8 +1899,8 @@
         </p:nvSpPr>
         <p:spPr>
           <a:xfrm>
-            <a:off x="720000" y="4450320"/>
-            <a:ext cx="2781720" cy="2091240"/>
+            <a:off x="504000" y="4058640"/>
+            <a:ext cx="2921040" cy="2090880"/>
           </a:xfrm>
           <a:prstGeom prst="rect">
             <a:avLst/>
@@ -1929,8 +1929,8 @@
         </p:nvSpPr>
         <p:spPr>
           <a:xfrm>
-            <a:off x="3641040" y="4450320"/>
-            <a:ext cx="2781720" cy="2091240"/>
+            <a:off x="3571560" y="4058640"/>
+            <a:ext cx="2921040" cy="2090880"/>
           </a:xfrm>
           <a:prstGeom prst="rect">
             <a:avLst/>
@@ -1959,8 +1959,8 @@
         </p:nvSpPr>
         <p:spPr>
           <a:xfrm>
-            <a:off x="6562440" y="4450320"/>
-            <a:ext cx="2781720" cy="2091240"/>
+            <a:off x="6639120" y="4058640"/>
+            <a:ext cx="2921040" cy="2090880"/>
           </a:xfrm>
           <a:prstGeom prst="rect">
             <a:avLst/>
@@ -2011,8 +2011,8 @@
         </p:nvSpPr>
         <p:spPr>
           <a:xfrm>
-            <a:off x="720000" y="300960"/>
-            <a:ext cx="8855280" cy="1262160"/>
+            <a:off x="504000" y="301320"/>
+            <a:ext cx="9072000" cy="1261800"/>
           </a:xfrm>
           <a:prstGeom prst="rect">
             <a:avLst/>
@@ -2040,8 +2040,8 @@
         </p:nvSpPr>
         <p:spPr>
           <a:xfrm>
-            <a:off x="720000" y="2160000"/>
-            <a:ext cx="8639640" cy="4384440"/>
+            <a:off x="504000" y="1768680"/>
+            <a:ext cx="9072000" cy="4384080"/>
           </a:xfrm>
           <a:prstGeom prst="rect">
             <a:avLst/>
@@ -2092,8 +2092,8 @@
         </p:nvSpPr>
         <p:spPr>
           <a:xfrm>
-            <a:off x="720000" y="300960"/>
-            <a:ext cx="8855280" cy="1262160"/>
+            <a:off x="504000" y="301320"/>
+            <a:ext cx="9072000" cy="1261800"/>
           </a:xfrm>
           <a:prstGeom prst="rect">
             <a:avLst/>
@@ -2121,8 +2121,8 @@
         </p:nvSpPr>
         <p:spPr>
           <a:xfrm>
-            <a:off x="720000" y="2160000"/>
-            <a:ext cx="4215960" cy="4384440"/>
+            <a:off x="504000" y="1768680"/>
+            <a:ext cx="4426920" cy="4384080"/>
           </a:xfrm>
           <a:prstGeom prst="rect">
             <a:avLst/>
@@ -2151,8 +2151,8 @@
         </p:nvSpPr>
         <p:spPr>
           <a:xfrm>
-            <a:off x="5147280" y="2160000"/>
-            <a:ext cx="4215960" cy="4384440"/>
+            <a:off x="5152680" y="1768680"/>
+            <a:ext cx="4426920" cy="4384080"/>
           </a:xfrm>
           <a:prstGeom prst="rect">
             <a:avLst/>
@@ -2203,8 +2203,8 @@
         </p:nvSpPr>
         <p:spPr>
           <a:xfrm>
-            <a:off x="720000" y="300960"/>
-            <a:ext cx="8855280" cy="1262160"/>
+            <a:off x="504000" y="301320"/>
+            <a:ext cx="9072000" cy="1261800"/>
           </a:xfrm>
           <a:prstGeom prst="rect">
             <a:avLst/>
@@ -2254,8 +2254,8 @@
         </p:nvSpPr>
         <p:spPr>
           <a:xfrm>
-            <a:off x="720000" y="300960"/>
-            <a:ext cx="8855280" cy="5851800"/>
+            <a:off x="504000" y="301320"/>
+            <a:ext cx="9072000" cy="5850360"/>
           </a:xfrm>
           <a:prstGeom prst="rect">
             <a:avLst/>
@@ -2305,8 +2305,8 @@
         </p:nvSpPr>
         <p:spPr>
           <a:xfrm>
-            <a:off x="720000" y="300960"/>
-            <a:ext cx="8855280" cy="1262160"/>
+            <a:off x="504000" y="301320"/>
+            <a:ext cx="9072000" cy="1261800"/>
           </a:xfrm>
           <a:prstGeom prst="rect">
             <a:avLst/>
@@ -2334,8 +2334,8 @@
         </p:nvSpPr>
         <p:spPr>
           <a:xfrm>
-            <a:off x="720000" y="2160000"/>
-            <a:ext cx="4215960" cy="2091240"/>
+            <a:off x="504000" y="1768680"/>
+            <a:ext cx="4426920" cy="2090880"/>
           </a:xfrm>
           <a:prstGeom prst="rect">
             <a:avLst/>
@@ -2364,8 +2364,8 @@
         </p:nvSpPr>
         <p:spPr>
           <a:xfrm>
-            <a:off x="5147280" y="2160000"/>
-            <a:ext cx="4215960" cy="4384440"/>
+            <a:off x="5152680" y="1768680"/>
+            <a:ext cx="4426920" cy="4384080"/>
           </a:xfrm>
           <a:prstGeom prst="rect">
             <a:avLst/>
@@ -2394,8 +2394,8 @@
         </p:nvSpPr>
         <p:spPr>
           <a:xfrm>
-            <a:off x="720000" y="4450320"/>
-            <a:ext cx="4215960" cy="2091240"/>
+            <a:off x="504000" y="4058640"/>
+            <a:ext cx="4426920" cy="2090880"/>
           </a:xfrm>
           <a:prstGeom prst="rect">
             <a:avLst/>
@@ -2446,8 +2446,8 @@
         </p:nvSpPr>
         <p:spPr>
           <a:xfrm>
-            <a:off x="720000" y="300960"/>
-            <a:ext cx="8855280" cy="1262160"/>
+            <a:off x="504000" y="301320"/>
+            <a:ext cx="9072000" cy="1261800"/>
           </a:xfrm>
           <a:prstGeom prst="rect">
             <a:avLst/>
@@ -2475,8 +2475,8 @@
         </p:nvSpPr>
         <p:spPr>
           <a:xfrm>
-            <a:off x="720000" y="2160000"/>
-            <a:ext cx="4215960" cy="4384440"/>
+            <a:off x="504000" y="1768680"/>
+            <a:ext cx="4426920" cy="4384080"/>
           </a:xfrm>
           <a:prstGeom prst="rect">
             <a:avLst/>
@@ -2505,8 +2505,8 @@
         </p:nvSpPr>
         <p:spPr>
           <a:xfrm>
-            <a:off x="5147280" y="2160000"/>
-            <a:ext cx="4215960" cy="2091240"/>
+            <a:off x="5152680" y="1768680"/>
+            <a:ext cx="4426920" cy="2090880"/>
           </a:xfrm>
           <a:prstGeom prst="rect">
             <a:avLst/>
@@ -2535,8 +2535,8 @@
         </p:nvSpPr>
         <p:spPr>
           <a:xfrm>
-            <a:off x="5147280" y="4450320"/>
-            <a:ext cx="4215960" cy="2091240"/>
+            <a:off x="5152680" y="4058640"/>
+            <a:ext cx="4426920" cy="2090880"/>
           </a:xfrm>
           <a:prstGeom prst="rect">
             <a:avLst/>
@@ -2587,8 +2587,8 @@
         </p:nvSpPr>
         <p:spPr>
           <a:xfrm>
-            <a:off x="720000" y="300960"/>
-            <a:ext cx="8855280" cy="1262160"/>
+            <a:off x="504000" y="301320"/>
+            <a:ext cx="9072000" cy="1261800"/>
           </a:xfrm>
           <a:prstGeom prst="rect">
             <a:avLst/>
@@ -2616,8 +2616,8 @@
         </p:nvSpPr>
         <p:spPr>
           <a:xfrm>
-            <a:off x="720000" y="2160000"/>
-            <a:ext cx="4215960" cy="2091240"/>
+            <a:off x="504000" y="1768680"/>
+            <a:ext cx="4426920" cy="2090880"/>
           </a:xfrm>
           <a:prstGeom prst="rect">
             <a:avLst/>
@@ -2646,8 +2646,8 @@
         </p:nvSpPr>
         <p:spPr>
           <a:xfrm>
-            <a:off x="5147280" y="2160000"/>
-            <a:ext cx="4215960" cy="2091240"/>
+            <a:off x="5152680" y="1768680"/>
+            <a:ext cx="4426920" cy="2090880"/>
           </a:xfrm>
           <a:prstGeom prst="rect">
             <a:avLst/>
@@ -2676,8 +2676,8 @@
         </p:nvSpPr>
         <p:spPr>
           <a:xfrm>
-            <a:off x="720000" y="4450320"/>
-            <a:ext cx="8639640" cy="2091240"/>
+            <a:off x="504000" y="4058640"/>
+            <a:ext cx="9072000" cy="2090880"/>
           </a:xfrm>
           <a:prstGeom prst="rect">
             <a:avLst/>
@@ -2725,7 +2725,7 @@
         <p:spPr>
           <a:xfrm>
             <a:off x="0" y="4320000"/>
-            <a:ext cx="503640" cy="1079640"/>
+            <a:ext cx="503280" cy="1079280"/>
           </a:xfrm>
           <a:prstGeom prst="rect">
             <a:avLst/>
@@ -2757,7 +2757,7 @@
         <p:spPr>
           <a:xfrm>
             <a:off x="720000" y="300960"/>
-            <a:ext cx="8855280" cy="1262160"/>
+            <a:ext cx="8854920" cy="1261800"/>
           </a:xfrm>
           <a:prstGeom prst="rect">
             <a:avLst/>
@@ -2790,8 +2790,8 @@
         </p:nvSpPr>
         <p:spPr>
           <a:xfrm>
-            <a:off x="504000" y="1768680"/>
-            <a:ext cx="9072000" cy="4384080"/>
+            <a:off x="720000" y="2160000"/>
+            <a:ext cx="8639280" cy="4384080"/>
           </a:xfrm>
           <a:prstGeom prst="rect">
             <a:avLst/>
@@ -2814,12 +2814,12 @@
               <a:buChar char=""/>
             </a:pPr>
             <a:r>
-              <a:rPr b="0" lang="de-DE" sz="3200" spc="-1" strike="noStrike">
+              <a:rPr b="0" lang="de-DE" sz="1800" spc="-1" strike="noStrike">
                 <a:latin typeface="Arial"/>
               </a:rPr>
               <a:t>Format des Gliederungstextes durch Klicken bearbeiten</a:t>
             </a:r>
-            <a:endParaRPr b="0" lang="de-DE" sz="3200" spc="-1" strike="noStrike">
+            <a:endParaRPr b="0" lang="de-DE" sz="1800" spc="-1" strike="noStrike">
               <a:latin typeface="Arial"/>
             </a:endParaRPr>
           </a:p>
@@ -2836,12 +2836,12 @@
               <a:buChar char=""/>
             </a:pPr>
             <a:r>
-              <a:rPr b="0" lang="de-DE" sz="2800" spc="-1" strike="noStrike">
+              <a:rPr b="0" lang="de-DE" sz="1800" spc="-1" strike="noStrike">
                 <a:latin typeface="Arial"/>
               </a:rPr>
               <a:t>Zweite Gliederungsebene</a:t>
             </a:r>
-            <a:endParaRPr b="0" lang="de-DE" sz="2800" spc="-1" strike="noStrike">
+            <a:endParaRPr b="0" lang="de-DE" sz="1800" spc="-1" strike="noStrike">
               <a:latin typeface="Arial"/>
             </a:endParaRPr>
           </a:p>
@@ -2858,12 +2858,12 @@
               <a:buChar char=""/>
             </a:pPr>
             <a:r>
-              <a:rPr b="0" lang="de-DE" sz="2400" spc="-1" strike="noStrike">
+              <a:rPr b="0" lang="de-DE" sz="1800" spc="-1" strike="noStrike">
                 <a:latin typeface="Arial"/>
               </a:rPr>
               <a:t>Dritte Gliederungsebene</a:t>
             </a:r>
-            <a:endParaRPr b="0" lang="de-DE" sz="2400" spc="-1" strike="noStrike">
+            <a:endParaRPr b="0" lang="de-DE" sz="1800" spc="-1" strike="noStrike">
               <a:latin typeface="Arial"/>
             </a:endParaRPr>
           </a:p>
@@ -2880,12 +2880,12 @@
               <a:buChar char=""/>
             </a:pPr>
             <a:r>
-              <a:rPr b="0" lang="de-DE" sz="2000" spc="-1" strike="noStrike">
+              <a:rPr b="0" lang="de-DE" sz="1800" spc="-1" strike="noStrike">
                 <a:latin typeface="Arial"/>
               </a:rPr>
               <a:t>Vierte Gliederungsebene</a:t>
             </a:r>
-            <a:endParaRPr b="0" lang="de-DE" sz="2000" spc="-1" strike="noStrike">
+            <a:endParaRPr b="0" lang="de-DE" sz="1800" spc="-1" strike="noStrike">
               <a:latin typeface="Arial"/>
             </a:endParaRPr>
           </a:p>
@@ -2902,12 +2902,12 @@
               <a:buChar char=""/>
             </a:pPr>
             <a:r>
-              <a:rPr b="0" lang="de-DE" sz="2000" spc="-1" strike="noStrike">
+              <a:rPr b="0" lang="de-DE" sz="1800" spc="-1" strike="noStrike">
                 <a:latin typeface="Arial"/>
               </a:rPr>
               <a:t>Fünfte Gliederungsebene</a:t>
             </a:r>
-            <a:endParaRPr b="0" lang="de-DE" sz="2000" spc="-1" strike="noStrike">
+            <a:endParaRPr b="0" lang="de-DE" sz="1800" spc="-1" strike="noStrike">
               <a:latin typeface="Arial"/>
             </a:endParaRPr>
           </a:p>
@@ -2924,12 +2924,12 @@
               <a:buChar char=""/>
             </a:pPr>
             <a:r>
-              <a:rPr b="0" lang="de-DE" sz="2000" spc="-1" strike="noStrike">
+              <a:rPr b="0" lang="de-DE" sz="1800" spc="-1" strike="noStrike">
                 <a:latin typeface="Arial"/>
               </a:rPr>
               <a:t>Sechste Gliederungsebene</a:t>
             </a:r>
-            <a:endParaRPr b="0" lang="de-DE" sz="2000" spc="-1" strike="noStrike">
+            <a:endParaRPr b="0" lang="de-DE" sz="1800" spc="-1" strike="noStrike">
               <a:latin typeface="Arial"/>
             </a:endParaRPr>
           </a:p>
@@ -2946,12 +2946,12 @@
               <a:buChar char=""/>
             </a:pPr>
             <a:r>
-              <a:rPr b="0" lang="de-DE" sz="2000" spc="-1" strike="noStrike">
+              <a:rPr b="0" lang="de-DE" sz="1800" spc="-1" strike="noStrike">
                 <a:latin typeface="Arial"/>
               </a:rPr>
               <a:t>Siebte Gliederungsebene</a:t>
             </a:r>
-            <a:endParaRPr b="0" lang="de-DE" sz="2000" spc="-1" strike="noStrike">
+            <a:endParaRPr b="0" lang="de-DE" sz="1800" spc="-1" strike="noStrike">
               <a:latin typeface="Arial"/>
             </a:endParaRPr>
           </a:p>
@@ -3003,7 +3003,7 @@
         <p:spPr>
           <a:xfrm>
             <a:off x="0" y="288000"/>
-            <a:ext cx="503640" cy="1079640"/>
+            <a:ext cx="503280" cy="1079280"/>
           </a:xfrm>
           <a:prstGeom prst="rect">
             <a:avLst/>
@@ -3034,8 +3034,8 @@
         </p:nvSpPr>
         <p:spPr>
           <a:xfrm>
-            <a:off x="720000" y="300960"/>
-            <a:ext cx="8855280" cy="1262160"/>
+            <a:off x="504000" y="301320"/>
+            <a:ext cx="9072000" cy="1261800"/>
           </a:xfrm>
           <a:prstGeom prst="rect">
             <a:avLst/>
@@ -3044,13 +3044,14 @@
         <p:txBody>
           <a:bodyPr lIns="0" rIns="0" tIns="0" bIns="0" anchor="ctr"/>
           <a:p>
-            <a:r>
-              <a:rPr b="0" lang="de-DE" sz="1800" spc="-1" strike="noStrike">
+            <a:pPr algn="ctr"/>
+            <a:r>
+              <a:rPr b="0" lang="de-DE" sz="4400" spc="-1" strike="noStrike">
                 <a:latin typeface="Arial"/>
               </a:rPr>
               <a:t>Format des Titeltextes durch Klicken bearbeiten</a:t>
             </a:r>
-            <a:endParaRPr b="0" lang="de-DE" sz="1800" spc="-1" strike="noStrike">
+            <a:endParaRPr b="0" lang="de-DE" sz="4400" spc="-1" strike="noStrike">
               <a:latin typeface="Arial"/>
             </a:endParaRPr>
           </a:p>
@@ -3068,15 +3069,17 @@
         </p:nvSpPr>
         <p:spPr>
           <a:xfrm>
-            <a:off x="720000" y="2160000"/>
-            <a:ext cx="8639640" cy="4384440"/>
-          </a:xfrm>
-          <a:prstGeom prst="rect">
-            <a:avLst/>
-          </a:prstGeom>
-        </p:spPr>
-        <p:txBody>
-          <a:bodyPr lIns="0" rIns="0" tIns="0" bIns="0"/>
+            <a:off x="504000" y="1768680"/>
+            <a:ext cx="9072000" cy="4384080"/>
+          </a:xfrm>
+          <a:prstGeom prst="rect">
+            <a:avLst/>
+          </a:prstGeom>
+        </p:spPr>
+        <p:txBody>
+          <a:bodyPr lIns="0" rIns="0" tIns="0" bIns="0">
+            <a:normAutofit/>
+          </a:bodyPr>
           <a:p>
             <a:pPr marL="432000" indent="-324000">
               <a:spcBef>
@@ -3090,12 +3093,12 @@
               <a:buChar char=""/>
             </a:pPr>
             <a:r>
-              <a:rPr b="0" lang="de-DE" sz="1800" spc="-1" strike="noStrike">
+              <a:rPr b="0" lang="de-DE" sz="3200" spc="-1" strike="noStrike">
                 <a:latin typeface="Arial"/>
               </a:rPr>
               <a:t>Format des Gliederungstextes durch Klicken bearbeiten</a:t>
             </a:r>
-            <a:endParaRPr b="0" lang="de-DE" sz="1800" spc="-1" strike="noStrike">
+            <a:endParaRPr b="0" lang="de-DE" sz="3200" spc="-1" strike="noStrike">
               <a:latin typeface="Arial"/>
             </a:endParaRPr>
           </a:p>
@@ -3112,12 +3115,12 @@
               <a:buChar char=""/>
             </a:pPr>
             <a:r>
-              <a:rPr b="0" lang="de-DE" sz="1800" spc="-1" strike="noStrike">
+              <a:rPr b="0" lang="de-DE" sz="2800" spc="-1" strike="noStrike">
                 <a:latin typeface="Arial"/>
               </a:rPr>
               <a:t>Zweite Gliederungsebene</a:t>
             </a:r>
-            <a:endParaRPr b="0" lang="de-DE" sz="1800" spc="-1" strike="noStrike">
+            <a:endParaRPr b="0" lang="de-DE" sz="2800" spc="-1" strike="noStrike">
               <a:latin typeface="Arial"/>
             </a:endParaRPr>
           </a:p>
@@ -3134,12 +3137,12 @@
               <a:buChar char=""/>
             </a:pPr>
             <a:r>
-              <a:rPr b="0" lang="de-DE" sz="1800" spc="-1" strike="noStrike">
+              <a:rPr b="0" lang="de-DE" sz="2400" spc="-1" strike="noStrike">
                 <a:latin typeface="Arial"/>
               </a:rPr>
               <a:t>Dritte Gliederungsebene</a:t>
             </a:r>
-            <a:endParaRPr b="0" lang="de-DE" sz="1800" spc="-1" strike="noStrike">
+            <a:endParaRPr b="0" lang="de-DE" sz="2400" spc="-1" strike="noStrike">
               <a:latin typeface="Arial"/>
             </a:endParaRPr>
           </a:p>
@@ -3156,12 +3159,12 @@
               <a:buChar char=""/>
             </a:pPr>
             <a:r>
-              <a:rPr b="0" lang="de-DE" sz="1800" spc="-1" strike="noStrike">
+              <a:rPr b="0" lang="de-DE" sz="2000" spc="-1" strike="noStrike">
                 <a:latin typeface="Arial"/>
               </a:rPr>
               <a:t>Vierte Gliederungsebene</a:t>
             </a:r>
-            <a:endParaRPr b="0" lang="de-DE" sz="1800" spc="-1" strike="noStrike">
+            <a:endParaRPr b="0" lang="de-DE" sz="2000" spc="-1" strike="noStrike">
               <a:latin typeface="Arial"/>
             </a:endParaRPr>
           </a:p>
@@ -3178,12 +3181,12 @@
               <a:buChar char=""/>
             </a:pPr>
             <a:r>
-              <a:rPr b="0" lang="de-DE" sz="1800" spc="-1" strike="noStrike">
+              <a:rPr b="0" lang="de-DE" sz="2000" spc="-1" strike="noStrike">
                 <a:latin typeface="Arial"/>
               </a:rPr>
               <a:t>Fünfte Gliederungsebene</a:t>
             </a:r>
-            <a:endParaRPr b="0" lang="de-DE" sz="1800" spc="-1" strike="noStrike">
+            <a:endParaRPr b="0" lang="de-DE" sz="2000" spc="-1" strike="noStrike">
               <a:latin typeface="Arial"/>
             </a:endParaRPr>
           </a:p>
@@ -3200,12 +3203,12 @@
               <a:buChar char=""/>
             </a:pPr>
             <a:r>
-              <a:rPr b="0" lang="de-DE" sz="1800" spc="-1" strike="noStrike">
+              <a:rPr b="0" lang="de-DE" sz="2000" spc="-1" strike="noStrike">
                 <a:latin typeface="Arial"/>
               </a:rPr>
               <a:t>Sechste Gliederungsebene</a:t>
             </a:r>
-            <a:endParaRPr b="0" lang="de-DE" sz="1800" spc="-1" strike="noStrike">
+            <a:endParaRPr b="0" lang="de-DE" sz="2000" spc="-1" strike="noStrike">
               <a:latin typeface="Arial"/>
             </a:endParaRPr>
           </a:p>
@@ -3222,12 +3225,12 @@
               <a:buChar char=""/>
             </a:pPr>
             <a:r>
-              <a:rPr b="0" lang="de-DE" sz="1800" spc="-1" strike="noStrike">
+              <a:rPr b="0" lang="de-DE" sz="2000" spc="-1" strike="noStrike">
                 <a:latin typeface="Arial"/>
               </a:rPr>
               <a:t>Siebte Gliederungsebene</a:t>
             </a:r>
-            <a:endParaRPr b="0" lang="de-DE" sz="1800" spc="-1" strike="noStrike">
+            <a:endParaRPr b="0" lang="de-DE" sz="2000" spc="-1" strike="noStrike">
               <a:latin typeface="Arial"/>
             </a:endParaRPr>
           </a:p>
@@ -3279,7 +3282,7 @@
         <p:spPr>
           <a:xfrm>
             <a:off x="792000" y="3885480"/>
-            <a:ext cx="8567640" cy="1661040"/>
+            <a:ext cx="8567280" cy="1660680"/>
           </a:xfrm>
           <a:prstGeom prst="rect">
             <a:avLst/>
@@ -3306,6 +3309,7 @@
                   <a:srgbClr val="333333"/>
                 </a:solidFill>
                 <a:latin typeface="Noto Sans Regular"/>
+                <a:ea typeface="DejaVu Sans"/>
               </a:rPr>
               <a:t>Type Classes</a:t>
             </a:r>
@@ -3316,6 +3320,7 @@
                   <a:srgbClr val="333333"/>
                 </a:solidFill>
                 <a:latin typeface="Noto Sans Regular"/>
+                <a:ea typeface="DejaVu Sans"/>
               </a:rPr>
               <a:t>      in Scala and Haskell</a:t>
             </a:r>
@@ -3334,7 +3339,7 @@
         <p:spPr>
           <a:xfrm>
             <a:off x="792000" y="5904000"/>
-            <a:ext cx="8567640" cy="982080"/>
+            <a:ext cx="8567280" cy="981720"/>
           </a:xfrm>
           <a:prstGeom prst="rect">
             <a:avLst/>
@@ -3360,6 +3365,9 @@
             </a:pPr>
             <a:r>
               <a:rPr b="0" lang="de-DE" sz="2600" spc="-1" strike="noStrike">
+                <a:solidFill>
+                  <a:srgbClr val="000000"/>
+                </a:solidFill>
                 <a:latin typeface="Amiri Quran"/>
                 <a:ea typeface="Amiri Quran"/>
               </a:rPr>
@@ -3367,6 +3375,9 @@
             </a:r>
             <a:r>
               <a:rPr b="0" lang="de-DE" sz="2600" spc="-1" strike="noStrike">
+                <a:solidFill>
+                  <a:srgbClr val="000000"/>
+                </a:solidFill>
                 <a:latin typeface="Noto Sans Regular"/>
                 <a:ea typeface="Amiri Quran"/>
               </a:rPr>
@@ -3436,7 +3447,7 @@
         <p:spPr>
           <a:xfrm>
             <a:off x="720000" y="300960"/>
-            <a:ext cx="8855280" cy="1262160"/>
+            <a:ext cx="8854920" cy="1261800"/>
           </a:xfrm>
           <a:prstGeom prst="rect">
             <a:avLst/>
@@ -3461,6 +3472,7 @@
                   <a:srgbClr val="333333"/>
                 </a:solidFill>
                 <a:latin typeface="Noto Sans Regular"/>
+                <a:ea typeface="DejaVu Sans"/>
               </a:rPr>
               <a:t>Use the type class instance (2)</a:t>
             </a:r>
@@ -3479,7 +3491,7 @@
         <p:spPr>
           <a:xfrm>
             <a:off x="720000" y="2160000"/>
-            <a:ext cx="8639640" cy="4384440"/>
+            <a:ext cx="8639280" cy="4384080"/>
           </a:xfrm>
           <a:prstGeom prst="rect">
             <a:avLst/>
@@ -3498,7 +3510,7 @@
         <p:txBody>
           <a:bodyPr lIns="0" rIns="0" tIns="0" bIns="0"/>
           <a:p>
-            <a:pPr>
+            <a:pPr marL="360000">
               <a:lnSpc>
                 <a:spcPct val="100000"/>
               </a:lnSpc>
@@ -3511,26 +3523,21 @@
             </a:endParaRPr>
           </a:p>
           <a:p>
-            <a:pPr marL="432000" indent="-323640">
-              <a:lnSpc>
-                <a:spcPct val="100000"/>
-              </a:lnSpc>
-              <a:spcAft>
-                <a:spcPts val="1414"/>
-              </a:spcAft>
-              <a:buClr>
-                <a:srgbClr val="ef2929"/>
-              </a:buClr>
-              <a:buSzPct val="45000"/>
-              <a:buFont typeface="Wingdings" charset="2"/>
-              <a:buChar char=""/>
-            </a:pPr>
-            <a:r>
-              <a:rPr b="0" lang="de-DE" sz="1800" spc="-1" strike="noStrike">
-                <a:solidFill>
-                  <a:srgbClr val="333333"/>
-                </a:solidFill>
-                <a:latin typeface="Noto Sans Regular"/>
+            <a:pPr marL="360000">
+              <a:lnSpc>
+                <a:spcPct val="100000"/>
+              </a:lnSpc>
+              <a:spcAft>
+                <a:spcPts val="1414"/>
+              </a:spcAft>
+            </a:pPr>
+            <a:r>
+              <a:rPr b="0" lang="de-DE" sz="1800" spc="-1" strike="noStrike">
+                <a:solidFill>
+                  <a:srgbClr val="333333"/>
+                </a:solidFill>
+                <a:latin typeface="Noto Sans Regular"/>
+                <a:ea typeface="DejaVu Sans"/>
               </a:rPr>
               <a:t>  </a:t>
             </a:r>
@@ -3540,6 +3547,7 @@
                   <a:srgbClr val="333333"/>
                 </a:solidFill>
                 <a:latin typeface="Noto Sans Regular"/>
+                <a:ea typeface="DejaVu Sans"/>
               </a:rPr>
               <a:t>def myPrint[A](value: A)(implicit printable: Printable[A]): Unit =</a:t>
             </a:r>
@@ -3548,26 +3556,21 @@
             </a:endParaRPr>
           </a:p>
           <a:p>
-            <a:pPr marL="432000" indent="-323640">
-              <a:lnSpc>
-                <a:spcPct val="100000"/>
-              </a:lnSpc>
-              <a:spcAft>
-                <a:spcPts val="1414"/>
-              </a:spcAft>
-              <a:buClr>
-                <a:srgbClr val="ef2929"/>
-              </a:buClr>
-              <a:buSzPct val="45000"/>
-              <a:buFont typeface="Wingdings" charset="2"/>
-              <a:buChar char=""/>
-            </a:pPr>
-            <a:r>
-              <a:rPr b="0" lang="de-DE" sz="1800" spc="-1" strike="noStrike">
-                <a:solidFill>
-                  <a:srgbClr val="333333"/>
-                </a:solidFill>
-                <a:latin typeface="Noto Sans Regular"/>
+            <a:pPr marL="360000">
+              <a:lnSpc>
+                <a:spcPct val="100000"/>
+              </a:lnSpc>
+              <a:spcAft>
+                <a:spcPts val="1414"/>
+              </a:spcAft>
+            </a:pPr>
+            <a:r>
+              <a:rPr b="0" lang="de-DE" sz="1800" spc="-1" strike="noStrike">
+                <a:solidFill>
+                  <a:srgbClr val="333333"/>
+                </a:solidFill>
+                <a:latin typeface="Noto Sans Regular"/>
+                <a:ea typeface="DejaVu Sans"/>
               </a:rPr>
               <a:t>    </a:t>
             </a:r>
@@ -3577,6 +3580,7 @@
                   <a:srgbClr val="333333"/>
                 </a:solidFill>
                 <a:latin typeface="Noto Sans Regular"/>
+                <a:ea typeface="DejaVu Sans"/>
               </a:rPr>
               <a:t>	</a:t>
             </a:r>
@@ -3586,6 +3590,7 @@
                   <a:srgbClr val="333333"/>
                 </a:solidFill>
                 <a:latin typeface="Noto Sans Regular"/>
+                <a:ea typeface="DejaVu Sans"/>
               </a:rPr>
               <a:t>	</a:t>
             </a:r>
@@ -3595,6 +3600,7 @@
                   <a:srgbClr val="333333"/>
                 </a:solidFill>
                 <a:latin typeface="Noto Sans Regular"/>
+                <a:ea typeface="DejaVu Sans"/>
               </a:rPr>
               <a:t>	</a:t>
             </a:r>
@@ -3604,6 +3610,7 @@
                   <a:srgbClr val="333333"/>
                 </a:solidFill>
                 <a:latin typeface="Noto Sans Regular"/>
+                <a:ea typeface="DejaVu Sans"/>
               </a:rPr>
               <a:t>println(printable.format(value))</a:t>
             </a:r>
@@ -3612,7 +3619,7 @@
             </a:endParaRPr>
           </a:p>
           <a:p>
-            <a:pPr>
+            <a:pPr marL="360000">
               <a:lnSpc>
                 <a:spcPct val="100000"/>
               </a:lnSpc>
@@ -3625,26 +3632,21 @@
             </a:endParaRPr>
           </a:p>
           <a:p>
-            <a:pPr marL="432000" indent="-323640">
-              <a:lnSpc>
-                <a:spcPct val="100000"/>
-              </a:lnSpc>
-              <a:spcAft>
-                <a:spcPts val="1414"/>
-              </a:spcAft>
-              <a:buClr>
-                <a:srgbClr val="ef2929"/>
-              </a:buClr>
-              <a:buSzPct val="45000"/>
-              <a:buFont typeface="Wingdings" charset="2"/>
-              <a:buChar char=""/>
-            </a:pPr>
-            <a:r>
-              <a:rPr b="0" lang="de-DE" sz="1800" spc="-1" strike="noStrike">
-                <a:solidFill>
-                  <a:srgbClr val="333333"/>
-                </a:solidFill>
-                <a:latin typeface="Noto Sans Regular"/>
+            <a:pPr marL="360000">
+              <a:lnSpc>
+                <a:spcPct val="100000"/>
+              </a:lnSpc>
+              <a:spcAft>
+                <a:spcPts val="1414"/>
+              </a:spcAft>
+            </a:pPr>
+            <a:r>
+              <a:rPr b="0" lang="de-DE" sz="1800" spc="-1" strike="noStrike">
+                <a:solidFill>
+                  <a:srgbClr val="333333"/>
+                </a:solidFill>
+                <a:latin typeface="Noto Sans Regular"/>
+                <a:ea typeface="DejaVu Sans"/>
               </a:rPr>
               <a:t>  </a:t>
             </a:r>
@@ -3654,6 +3656,7 @@
                   <a:srgbClr val="333333"/>
                 </a:solidFill>
                 <a:latin typeface="Noto Sans Regular"/>
+                <a:ea typeface="DejaVu Sans"/>
               </a:rPr>
               <a:t>val mizzi = Cat("Mizzi", 1, "black")</a:t>
             </a:r>
@@ -3662,26 +3665,21 @@
             </a:endParaRPr>
           </a:p>
           <a:p>
-            <a:pPr marL="432000" indent="-323640">
-              <a:lnSpc>
-                <a:spcPct val="100000"/>
-              </a:lnSpc>
-              <a:spcAft>
-                <a:spcPts val="1414"/>
-              </a:spcAft>
-              <a:buClr>
-                <a:srgbClr val="ef2929"/>
-              </a:buClr>
-              <a:buSzPct val="45000"/>
-              <a:buFont typeface="Wingdings" charset="2"/>
-              <a:buChar char=""/>
-            </a:pPr>
-            <a:r>
-              <a:rPr b="0" lang="de-DE" sz="1800" spc="-1" strike="noStrike">
-                <a:solidFill>
-                  <a:srgbClr val="333333"/>
-                </a:solidFill>
-                <a:latin typeface="Noto Sans Regular"/>
+            <a:pPr marL="360000">
+              <a:lnSpc>
+                <a:spcPct val="100000"/>
+              </a:lnSpc>
+              <a:spcAft>
+                <a:spcPts val="1414"/>
+              </a:spcAft>
+            </a:pPr>
+            <a:r>
+              <a:rPr b="0" lang="de-DE" sz="1800" spc="-1" strike="noStrike">
+                <a:solidFill>
+                  <a:srgbClr val="333333"/>
+                </a:solidFill>
+                <a:latin typeface="Noto Sans Regular"/>
+                <a:ea typeface="DejaVu Sans"/>
               </a:rPr>
               <a:t>  </a:t>
             </a:r>
@@ -3691,6 +3689,7 @@
                   <a:srgbClr val="333333"/>
                 </a:solidFill>
                 <a:latin typeface="Noto Sans Regular"/>
+                <a:ea typeface="DejaVu Sans"/>
               </a:rPr>
               <a:t>val garfield = Cat("Garfield", 38, "ginger and black")</a:t>
             </a:r>
@@ -3699,7 +3698,7 @@
             </a:endParaRPr>
           </a:p>
           <a:p>
-            <a:pPr>
+            <a:pPr marL="360000">
               <a:lnSpc>
                 <a:spcPct val="100000"/>
               </a:lnSpc>
@@ -3712,26 +3711,21 @@
             </a:endParaRPr>
           </a:p>
           <a:p>
-            <a:pPr marL="432000" indent="-323640">
-              <a:lnSpc>
-                <a:spcPct val="100000"/>
-              </a:lnSpc>
-              <a:spcAft>
-                <a:spcPts val="1414"/>
-              </a:spcAft>
-              <a:buClr>
-                <a:srgbClr val="ef2929"/>
-              </a:buClr>
-              <a:buSzPct val="45000"/>
-              <a:buFont typeface="Wingdings" charset="2"/>
-              <a:buChar char=""/>
-            </a:pPr>
-            <a:r>
-              <a:rPr b="0" lang="de-DE" sz="1800" spc="-1" strike="noStrike">
-                <a:solidFill>
-                  <a:srgbClr val="333333"/>
-                </a:solidFill>
-                <a:latin typeface="Noto Sans Regular"/>
+            <a:pPr marL="360000">
+              <a:lnSpc>
+                <a:spcPct val="100000"/>
+              </a:lnSpc>
+              <a:spcAft>
+                <a:spcPts val="1414"/>
+              </a:spcAft>
+            </a:pPr>
+            <a:r>
+              <a:rPr b="0" lang="de-DE" sz="1800" spc="-1" strike="noStrike">
+                <a:solidFill>
+                  <a:srgbClr val="333333"/>
+                </a:solidFill>
+                <a:latin typeface="Noto Sans Regular"/>
+                <a:ea typeface="DejaVu Sans"/>
               </a:rPr>
               <a:t>  </a:t>
             </a:r>
@@ -3741,6 +3735,7 @@
                   <a:srgbClr val="333333"/>
                 </a:solidFill>
                 <a:latin typeface="Noto Sans Regular"/>
+                <a:ea typeface="DejaVu Sans"/>
               </a:rPr>
               <a:t>myPrint(mizzi)</a:t>
             </a:r>
@@ -3749,26 +3744,21 @@
             </a:endParaRPr>
           </a:p>
           <a:p>
-            <a:pPr marL="432000" indent="-323640">
-              <a:lnSpc>
-                <a:spcPct val="100000"/>
-              </a:lnSpc>
-              <a:spcAft>
-                <a:spcPts val="1414"/>
-              </a:spcAft>
-              <a:buClr>
-                <a:srgbClr val="ef2929"/>
-              </a:buClr>
-              <a:buSzPct val="45000"/>
-              <a:buFont typeface="Wingdings" charset="2"/>
-              <a:buChar char=""/>
-            </a:pPr>
-            <a:r>
-              <a:rPr b="0" lang="de-DE" sz="1800" spc="-1" strike="noStrike">
-                <a:solidFill>
-                  <a:srgbClr val="333333"/>
-                </a:solidFill>
-                <a:latin typeface="Noto Sans Regular"/>
+            <a:pPr marL="360000">
+              <a:lnSpc>
+                <a:spcPct val="100000"/>
+              </a:lnSpc>
+              <a:spcAft>
+                <a:spcPts val="1414"/>
+              </a:spcAft>
+            </a:pPr>
+            <a:r>
+              <a:rPr b="0" lang="de-DE" sz="1800" spc="-1" strike="noStrike">
+                <a:solidFill>
+                  <a:srgbClr val="333333"/>
+                </a:solidFill>
+                <a:latin typeface="Noto Sans Regular"/>
+                <a:ea typeface="DejaVu Sans"/>
               </a:rPr>
               <a:t>  </a:t>
             </a:r>
@@ -3778,6 +3768,7 @@
                   <a:srgbClr val="333333"/>
                 </a:solidFill>
                 <a:latin typeface="Noto Sans Regular"/>
+                <a:ea typeface="DejaVu Sans"/>
               </a:rPr>
               <a:t>myPrint(garfield)</a:t>
             </a:r>
@@ -3786,7 +3777,7 @@
             </a:endParaRPr>
           </a:p>
           <a:p>
-            <a:pPr>
+            <a:pPr marL="360000">
               <a:lnSpc>
                 <a:spcPct val="100000"/>
               </a:lnSpc>
@@ -3858,7 +3849,7 @@
         <p:spPr>
           <a:xfrm>
             <a:off x="720000" y="300960"/>
-            <a:ext cx="8855280" cy="1262160"/>
+            <a:ext cx="8854920" cy="1261800"/>
           </a:xfrm>
           <a:prstGeom prst="rect">
             <a:avLst/>
@@ -3883,6 +3874,7 @@
                   <a:srgbClr val="333333"/>
                 </a:solidFill>
                 <a:latin typeface="Noto Sans Regular"/>
+                <a:ea typeface="DejaVu Sans"/>
               </a:rPr>
               <a:t>Better Design</a:t>
             </a:r>
@@ -3901,7 +3893,7 @@
         <p:spPr>
           <a:xfrm>
             <a:off x="720000" y="2160000"/>
-            <a:ext cx="8639640" cy="4384440"/>
+            <a:ext cx="8639280" cy="4384080"/>
           </a:xfrm>
           <a:prstGeom prst="rect">
             <a:avLst/>
@@ -3920,7 +3912,7 @@
         <p:txBody>
           <a:bodyPr lIns="0" rIns="0" tIns="0" bIns="0"/>
           <a:p>
-            <a:pPr marL="432000" indent="-323640">
+            <a:pPr marL="432000" indent="-323280">
               <a:lnSpc>
                 <a:spcPct val="100000"/>
               </a:lnSpc>
@@ -3940,6 +3932,7 @@
                   <a:srgbClr val="333333"/>
                 </a:solidFill>
                 <a:latin typeface="Noto Sans Regular"/>
+                <a:ea typeface="DejaVu Sans"/>
               </a:rPr>
               <a:t>Move the print method into a singleton object (e.g. the companion object of the type class).</a:t>
             </a:r>
@@ -3948,7 +3941,7 @@
             </a:endParaRPr>
           </a:p>
           <a:p>
-            <a:pPr marL="432000" indent="-323640">
+            <a:pPr marL="432000" indent="-323280">
               <a:lnSpc>
                 <a:spcPct val="100000"/>
               </a:lnSpc>
@@ -3968,6 +3961,7 @@
                   <a:srgbClr val="333333"/>
                 </a:solidFill>
                 <a:latin typeface="Noto Sans Regular"/>
+                <a:ea typeface="DejaVu Sans"/>
               </a:rPr>
               <a:t>Use extension methods (= type enrichment) by defining an implicit class. (The implicit class must be parameterized with the same type as the type class.)</a:t>
             </a:r>
@@ -4035,7 +4029,7 @@
         <p:spPr>
           <a:xfrm>
             <a:off x="720000" y="300960"/>
-            <a:ext cx="8855280" cy="1262160"/>
+            <a:ext cx="8854920" cy="1261800"/>
           </a:xfrm>
           <a:prstGeom prst="rect">
             <a:avLst/>
@@ -4060,6 +4054,7 @@
                   <a:srgbClr val="333333"/>
                 </a:solidFill>
                 <a:latin typeface="Noto Sans Regular"/>
+                <a:ea typeface="DejaVu Sans"/>
               </a:rPr>
               <a:t>Better Design (1)</a:t>
             </a:r>
@@ -4078,7 +4073,7 @@
         <p:spPr>
           <a:xfrm>
             <a:off x="720000" y="2160000"/>
-            <a:ext cx="8639640" cy="4384440"/>
+            <a:ext cx="8639280" cy="4384080"/>
           </a:xfrm>
           <a:prstGeom prst="rect">
             <a:avLst/>
@@ -4097,7 +4092,7 @@
         <p:txBody>
           <a:bodyPr lIns="0" rIns="0" tIns="0" bIns="0"/>
           <a:p>
-            <a:pPr marL="432000" indent="-323640">
+            <a:pPr marL="432000" indent="-323280">
               <a:lnSpc>
                 <a:spcPct val="100000"/>
               </a:lnSpc>
@@ -4117,6 +4112,7 @@
                   <a:srgbClr val="333333"/>
                 </a:solidFill>
                 <a:latin typeface="Noto Sans Regular"/>
+                <a:ea typeface="DejaVu Sans"/>
               </a:rPr>
               <a:t>Move the print method into a singleton object (e.g. the companion object of the type class).</a:t>
             </a:r>
@@ -4125,26 +4121,34 @@
             </a:endParaRPr>
           </a:p>
           <a:p>
-            <a:pPr marL="432000" indent="-323640">
-              <a:lnSpc>
-                <a:spcPct val="100000"/>
-              </a:lnSpc>
-              <a:spcAft>
-                <a:spcPts val="1414"/>
-              </a:spcAft>
-              <a:buClr>
-                <a:srgbClr val="ef2929"/>
-              </a:buClr>
-              <a:buSzPct val="45000"/>
-              <a:buFont typeface="Wingdings" charset="2"/>
-              <a:buChar char=""/>
-            </a:pPr>
-            <a:r>
-              <a:rPr b="0" lang="de-DE" sz="1800" spc="-1" strike="noStrike">
-                <a:solidFill>
-                  <a:srgbClr val="333333"/>
-                </a:solidFill>
-                <a:latin typeface="Noto Sans Regular"/>
+            <a:pPr marL="720000">
+              <a:lnSpc>
+                <a:spcPct val="100000"/>
+              </a:lnSpc>
+              <a:spcAft>
+                <a:spcPts val="1414"/>
+              </a:spcAft>
+            </a:pPr>
+            <a:endParaRPr b="0" lang="de-DE" sz="2800" spc="-1" strike="noStrike">
+              <a:latin typeface="Arial"/>
+            </a:endParaRPr>
+          </a:p>
+          <a:p>
+            <a:pPr marL="720000">
+              <a:lnSpc>
+                <a:spcPct val="100000"/>
+              </a:lnSpc>
+              <a:spcAft>
+                <a:spcPts val="1414"/>
+              </a:spcAft>
+            </a:pPr>
+            <a:r>
+              <a:rPr b="0" lang="de-DE" sz="1800" spc="-1" strike="noStrike">
+                <a:solidFill>
+                  <a:srgbClr val="333333"/>
+                </a:solidFill>
+                <a:latin typeface="Noto Sans Regular"/>
+                <a:ea typeface="DejaVu Sans"/>
               </a:rPr>
               <a:t>object Printable {</a:t>
             </a:r>
@@ -4153,26 +4157,21 @@
             </a:endParaRPr>
           </a:p>
           <a:p>
-            <a:pPr marL="432000" indent="-323640">
-              <a:lnSpc>
-                <a:spcPct val="100000"/>
-              </a:lnSpc>
-              <a:spcAft>
-                <a:spcPts val="1414"/>
-              </a:spcAft>
-              <a:buClr>
-                <a:srgbClr val="ef2929"/>
-              </a:buClr>
-              <a:buSzPct val="45000"/>
-              <a:buFont typeface="Wingdings" charset="2"/>
-              <a:buChar char=""/>
-            </a:pPr>
-            <a:r>
-              <a:rPr b="0" lang="de-DE" sz="1800" spc="-1" strike="noStrike">
-                <a:solidFill>
-                  <a:srgbClr val="333333"/>
-                </a:solidFill>
-                <a:latin typeface="Noto Sans Regular"/>
+            <a:pPr marL="720000">
+              <a:lnSpc>
+                <a:spcPct val="100000"/>
+              </a:lnSpc>
+              <a:spcAft>
+                <a:spcPts val="845"/>
+              </a:spcAft>
+            </a:pPr>
+            <a:r>
+              <a:rPr b="0" lang="de-DE" sz="1800" spc="-1" strike="noStrike">
+                <a:solidFill>
+                  <a:srgbClr val="333333"/>
+                </a:solidFill>
+                <a:latin typeface="Noto Sans Regular"/>
+                <a:ea typeface="DejaVu Sans"/>
               </a:rPr>
               <a:t>  </a:t>
             </a:r>
@@ -4182,155 +4181,108 @@
                   <a:srgbClr val="333333"/>
                 </a:solidFill>
                 <a:latin typeface="Noto Sans Regular"/>
+                <a:ea typeface="DejaVu Sans"/>
               </a:rPr>
               <a:t>def format[A](value: A)(implicit printable: Printable[A]): String =</a:t>
             </a:r>
+            <a:br/>
+            <a:r>
+              <a:rPr b="0" lang="de-DE" sz="1800" spc="-1" strike="noStrike">
+                <a:solidFill>
+                  <a:srgbClr val="333333"/>
+                </a:solidFill>
+                <a:latin typeface="Noto Sans Regular"/>
+                <a:ea typeface="DejaVu Sans"/>
+              </a:rPr>
+              <a:t>                 printable.format(value)</a:t>
+            </a:r>
             <a:endParaRPr b="0" lang="de-DE" sz="1800" spc="-1" strike="noStrike">
               <a:latin typeface="Arial"/>
             </a:endParaRPr>
           </a:p>
           <a:p>
-            <a:pPr lvl="2" marL="1296000" indent="-287640">
+            <a:pPr marL="720000">
               <a:lnSpc>
                 <a:spcPct val="100000"/>
               </a:lnSpc>
               <a:spcAft>
                 <a:spcPts val="845"/>
               </a:spcAft>
-              <a:buClr>
-                <a:srgbClr val="ef2929"/>
-              </a:buClr>
-              <a:buSzPct val="45000"/>
-              <a:buFont typeface="Wingdings" charset="2"/>
-              <a:buChar char=""/>
-            </a:pPr>
-            <a:r>
-              <a:rPr b="0" lang="de-DE" sz="1800" spc="-1" strike="noStrike">
-                <a:solidFill>
-                  <a:srgbClr val="333333"/>
-                </a:solidFill>
-                <a:latin typeface="Noto Sans Regular"/>
-              </a:rPr>
-              <a:t>printable.format(value)</a:t>
+            </a:pPr>
+            <a:r>
+              <a:rPr b="0" lang="de-DE" sz="1800" spc="-1" strike="noStrike">
+                <a:solidFill>
+                  <a:srgbClr val="333333"/>
+                </a:solidFill>
+                <a:latin typeface="Noto Sans Regular"/>
+                <a:ea typeface="DejaVu Sans"/>
+              </a:rPr>
+              <a:t>  </a:t>
+            </a:r>
+            <a:r>
+              <a:rPr b="0" lang="de-DE" sz="1800" spc="-1" strike="noStrike">
+                <a:solidFill>
+                  <a:srgbClr val="333333"/>
+                </a:solidFill>
+                <a:latin typeface="Noto Sans Regular"/>
+                <a:ea typeface="DejaVu Sans"/>
+              </a:rPr>
+              <a:t>def print[A](value: A)(implicit printable: Printable[A]): Unit =</a:t>
+            </a:r>
+            <a:br/>
+            <a:r>
+              <a:rPr b="0" lang="de-DE" sz="1800" spc="-1" strike="noStrike">
+                <a:solidFill>
+                  <a:srgbClr val="333333"/>
+                </a:solidFill>
+                <a:latin typeface="Noto Sans Regular"/>
+                <a:ea typeface="DejaVu Sans"/>
+              </a:rPr>
+              <a:t>                 println(printable.format(value))</a:t>
             </a:r>
             <a:endParaRPr b="0" lang="de-DE" sz="1800" spc="-1" strike="noStrike">
               <a:latin typeface="Arial"/>
             </a:endParaRPr>
           </a:p>
           <a:p>
-            <a:pPr marL="432000" indent="-323640">
-              <a:lnSpc>
-                <a:spcPct val="100000"/>
-              </a:lnSpc>
-              <a:spcAft>
-                <a:spcPts val="1414"/>
-              </a:spcAft>
-              <a:buClr>
-                <a:srgbClr val="ef2929"/>
-              </a:buClr>
-              <a:buSzPct val="45000"/>
-              <a:buFont typeface="Wingdings" charset="2"/>
-              <a:buChar char=""/>
-            </a:pPr>
-            <a:r>
-              <a:rPr b="0" lang="de-DE" sz="1800" spc="-1" strike="noStrike">
-                <a:solidFill>
-                  <a:srgbClr val="333333"/>
-                </a:solidFill>
-                <a:latin typeface="Noto Sans Regular"/>
-              </a:rPr>
-              <a:t>  </a:t>
-            </a:r>
-            <a:r>
-              <a:rPr b="0" lang="de-DE" sz="1800" spc="-1" strike="noStrike">
-                <a:solidFill>
-                  <a:srgbClr val="333333"/>
-                </a:solidFill>
-                <a:latin typeface="Noto Sans Regular"/>
-              </a:rPr>
-              <a:t>def print[A](value: A)(implicit printable: Printable[A]): Unit =</a:t>
+            <a:pPr marL="720000">
+              <a:lnSpc>
+                <a:spcPct val="100000"/>
+              </a:lnSpc>
+              <a:spcAft>
+                <a:spcPts val="1414"/>
+              </a:spcAft>
+            </a:pPr>
+            <a:r>
+              <a:rPr b="0" lang="de-DE" sz="1800" spc="-1" strike="noStrike">
+                <a:solidFill>
+                  <a:srgbClr val="333333"/>
+                </a:solidFill>
+                <a:latin typeface="Noto Sans Regular"/>
+                <a:ea typeface="DejaVu Sans"/>
+              </a:rPr>
+              <a:t>}</a:t>
             </a:r>
             <a:endParaRPr b="0" lang="de-DE" sz="1800" spc="-1" strike="noStrike">
               <a:latin typeface="Arial"/>
             </a:endParaRPr>
           </a:p>
           <a:p>
-            <a:pPr lvl="2" marL="1296000" indent="-287640">
-              <a:lnSpc>
-                <a:spcPct val="100000"/>
-              </a:lnSpc>
-              <a:spcAft>
-                <a:spcPts val="845"/>
-              </a:spcAft>
-              <a:buClr>
-                <a:srgbClr val="ef2929"/>
-              </a:buClr>
-              <a:buSzPct val="45000"/>
-              <a:buFont typeface="Wingdings" charset="2"/>
-              <a:buChar char=""/>
-            </a:pPr>
-            <a:r>
-              <a:rPr b="0" lang="de-DE" sz="1800" spc="-1" strike="noStrike">
-                <a:solidFill>
-                  <a:srgbClr val="333333"/>
-                </a:solidFill>
-                <a:latin typeface="Noto Sans Regular"/>
-              </a:rPr>
-              <a:t>println(printable.format(value))</a:t>
-            </a:r>
-            <a:endParaRPr b="0" lang="de-DE" sz="1800" spc="-1" strike="noStrike">
-              <a:latin typeface="Arial"/>
-            </a:endParaRPr>
-          </a:p>
-          <a:p>
-            <a:pPr marL="432000" indent="-323640">
-              <a:lnSpc>
-                <a:spcPct val="100000"/>
-              </a:lnSpc>
-              <a:spcAft>
-                <a:spcPts val="1414"/>
-              </a:spcAft>
-              <a:buClr>
-                <a:srgbClr val="ef2929"/>
-              </a:buClr>
-              <a:buSzPct val="45000"/>
-              <a:buFont typeface="Wingdings" charset="2"/>
-              <a:buChar char=""/>
-            </a:pPr>
-            <a:r>
-              <a:rPr b="0" lang="de-DE" sz="1800" spc="-1" strike="noStrike">
-                <a:solidFill>
-                  <a:srgbClr val="333333"/>
-                </a:solidFill>
-                <a:latin typeface="Noto Sans Regular"/>
-              </a:rPr>
-              <a:t>}</a:t>
-            </a:r>
-            <a:endParaRPr b="0" lang="de-DE" sz="1800" spc="-1" strike="noStrike">
-              <a:latin typeface="Arial"/>
-            </a:endParaRPr>
-          </a:p>
-          <a:p>
-            <a:pPr marL="432000" indent="-323640">
-              <a:lnSpc>
-                <a:spcPct val="100000"/>
-              </a:lnSpc>
-              <a:spcAft>
-                <a:spcPts val="1414"/>
-              </a:spcAft>
-              <a:buClr>
-                <a:srgbClr val="ef2929"/>
-              </a:buClr>
-              <a:buSzPct val="45000"/>
-              <a:buFont typeface="Wingdings" charset="2"/>
-              <a:buChar char=""/>
-            </a:pPr>
-            <a:r>
-              <a:rPr b="0" lang="de-DE" sz="1800" spc="-1" strike="noStrike">
-                <a:solidFill>
-                  <a:srgbClr val="333333"/>
-                </a:solidFill>
-                <a:latin typeface="Noto Sans Regular"/>
+            <a:pPr marL="720000">
+              <a:lnSpc>
+                <a:spcPct val="100000"/>
+              </a:lnSpc>
+              <a:spcAft>
+                <a:spcPts val="1414"/>
+              </a:spcAft>
+            </a:pPr>
+            <a:r>
+              <a:rPr b="0" lang="de-DE" sz="1800" spc="-1" strike="noStrike">
+                <a:solidFill>
+                  <a:srgbClr val="333333"/>
+                </a:solidFill>
+                <a:latin typeface="Noto Sans Regular"/>
+                <a:ea typeface="DejaVu Sans"/>
               </a:rPr>
               <a:t>Printable.print(mizzi)</a:t>
             </a:r>
@@ -4398,7 +4350,7 @@
         <p:spPr>
           <a:xfrm>
             <a:off x="720000" y="300960"/>
-            <a:ext cx="8855280" cy="1262160"/>
+            <a:ext cx="8854920" cy="1261800"/>
           </a:xfrm>
           <a:prstGeom prst="rect">
             <a:avLst/>
@@ -4423,6 +4375,7 @@
                   <a:srgbClr val="333333"/>
                 </a:solidFill>
                 <a:latin typeface="Noto Sans Regular"/>
+                <a:ea typeface="DejaVu Sans"/>
               </a:rPr>
               <a:t>Better Design (2)</a:t>
             </a:r>
@@ -4441,7 +4394,7 @@
         <p:spPr>
           <a:xfrm>
             <a:off x="720000" y="2160000"/>
-            <a:ext cx="8639640" cy="4384440"/>
+            <a:ext cx="8639280" cy="4384080"/>
           </a:xfrm>
           <a:prstGeom prst="rect">
             <a:avLst/>
@@ -4460,7 +4413,7 @@
         <p:txBody>
           <a:bodyPr lIns="0" rIns="0" tIns="0" bIns="0"/>
           <a:p>
-            <a:pPr marL="432000" indent="-323640">
+            <a:pPr marL="432000" indent="-323280">
               <a:lnSpc>
                 <a:spcPct val="100000"/>
               </a:lnSpc>
@@ -4475,48 +4428,58 @@
               <a:buChar char=""/>
             </a:pPr>
             <a:r>
-              <a:rPr b="0" lang="de-DE" sz="2800" spc="-1" strike="noStrike">
-                <a:solidFill>
-                  <a:srgbClr val="333333"/>
-                </a:solidFill>
-                <a:latin typeface="Noto Sans Regular"/>
+              <a:rPr b="0" lang="de-DE" sz="2600" spc="-1" strike="noStrike">
+                <a:solidFill>
+                  <a:srgbClr val="333333"/>
+                </a:solidFill>
+                <a:latin typeface="Noto Sans Regular"/>
+                <a:ea typeface="DejaVu Sans"/>
               </a:rPr>
               <a:t>Use extension methods (= type enrichment) by defining an implicit class. (The implicit class must be parameterized with the same type as the type class.)</a:t>
             </a:r>
-            <a:endParaRPr b="0" lang="de-DE" sz="2800" spc="-1" strike="noStrike">
-              <a:latin typeface="Arial"/>
-            </a:endParaRPr>
-          </a:p>
-          <a:p>
-            <a:pPr marL="432000" indent="-323640">
-              <a:lnSpc>
-                <a:spcPct val="100000"/>
-              </a:lnSpc>
-              <a:spcAft>
-                <a:spcPts val="1414"/>
-              </a:spcAft>
-              <a:buClr>
-                <a:srgbClr val="ef2929"/>
-              </a:buClr>
-              <a:buSzPct val="45000"/>
-              <a:buFont typeface="Wingdings" charset="2"/>
-              <a:buChar char=""/>
-            </a:pPr>
-            <a:r>
-              <a:rPr b="0" lang="de-DE" sz="1800" spc="-1" strike="noStrike">
-                <a:solidFill>
-                  <a:srgbClr val="333333"/>
-                </a:solidFill>
-                <a:latin typeface="Noto Sans Regular"/>
+            <a:endParaRPr b="0" lang="de-DE" sz="2600" spc="-1" strike="noStrike">
+              <a:latin typeface="Arial"/>
+            </a:endParaRPr>
+          </a:p>
+          <a:p>
+            <a:pPr marL="720000">
+              <a:lnSpc>
+                <a:spcPct val="100000"/>
+              </a:lnSpc>
+              <a:spcAft>
+                <a:spcPts val="1414"/>
+              </a:spcAft>
+            </a:pPr>
+            <a:r>
+              <a:rPr b="0" lang="de-DE" sz="1800" spc="-1" strike="noStrike">
+                <a:solidFill>
+                  <a:srgbClr val="333333"/>
+                </a:solidFill>
+                <a:latin typeface="Noto Sans Regular"/>
+                <a:ea typeface="DejaVu Sans"/>
               </a:rPr>
               <a:t>  </a:t>
             </a:r>
-            <a:r>
-              <a:rPr b="0" lang="de-DE" sz="1800" spc="-1" strike="noStrike">
-                <a:solidFill>
-                  <a:srgbClr val="333333"/>
-                </a:solidFill>
-                <a:latin typeface="Noto Sans Regular"/>
+            <a:endParaRPr b="0" lang="de-DE" sz="1800" spc="-1" strike="noStrike">
+              <a:latin typeface="Arial"/>
+            </a:endParaRPr>
+          </a:p>
+          <a:p>
+            <a:pPr marL="720000">
+              <a:lnSpc>
+                <a:spcPct val="100000"/>
+              </a:lnSpc>
+              <a:spcAft>
+                <a:spcPts val="1414"/>
+              </a:spcAft>
+            </a:pPr>
+            <a:r>
+              <a:rPr b="0" lang="de-DE" sz="1800" spc="-1" strike="noStrike">
+                <a:solidFill>
+                  <a:srgbClr val="333333"/>
+                </a:solidFill>
+                <a:latin typeface="Noto Sans Regular"/>
+                <a:ea typeface="DejaVu Sans"/>
               </a:rPr>
               <a:t>implicit class PrintableOps[A](value: A) {</a:t>
             </a:r>
@@ -4525,26 +4488,21 @@
             </a:endParaRPr>
           </a:p>
           <a:p>
-            <a:pPr marL="432000" indent="-323640">
-              <a:lnSpc>
-                <a:spcPct val="100000"/>
-              </a:lnSpc>
-              <a:spcAft>
-                <a:spcPts val="1414"/>
-              </a:spcAft>
-              <a:buClr>
-                <a:srgbClr val="ef2929"/>
-              </a:buClr>
-              <a:buSzPct val="45000"/>
-              <a:buFont typeface="Wingdings" charset="2"/>
-              <a:buChar char=""/>
-            </a:pPr>
-            <a:r>
-              <a:rPr b="0" lang="de-DE" sz="1800" spc="-1" strike="noStrike">
-                <a:solidFill>
-                  <a:srgbClr val="333333"/>
-                </a:solidFill>
-                <a:latin typeface="Noto Sans Regular"/>
+            <a:pPr marL="720000">
+              <a:lnSpc>
+                <a:spcPct val="100000"/>
+              </a:lnSpc>
+              <a:spcAft>
+                <a:spcPts val="845"/>
+              </a:spcAft>
+            </a:pPr>
+            <a:r>
+              <a:rPr b="0" lang="de-DE" sz="1800" spc="-1" strike="noStrike">
+                <a:solidFill>
+                  <a:srgbClr val="333333"/>
+                </a:solidFill>
+                <a:latin typeface="Noto Sans Regular"/>
+                <a:ea typeface="DejaVu Sans"/>
               </a:rPr>
               <a:t>    </a:t>
             </a:r>
@@ -4554,136 +4512,107 @@
                   <a:srgbClr val="333333"/>
                 </a:solidFill>
                 <a:latin typeface="Noto Sans Regular"/>
+                <a:ea typeface="DejaVu Sans"/>
               </a:rPr>
               <a:t>def format(implicit printable: Printable[A]): String =</a:t>
             </a:r>
+            <a:br/>
+            <a:r>
+              <a:rPr b="0" lang="de-DE" sz="1800" spc="-1" strike="noStrike">
+                <a:solidFill>
+                  <a:srgbClr val="333333"/>
+                </a:solidFill>
+                <a:latin typeface="Noto Sans Regular"/>
+                <a:ea typeface="DejaVu Sans"/>
+              </a:rPr>
+              <a:t>                   printable.format(value)</a:t>
+            </a:r>
             <a:endParaRPr b="0" lang="de-DE" sz="1800" spc="-1" strike="noStrike">
               <a:latin typeface="Arial"/>
             </a:endParaRPr>
           </a:p>
           <a:p>
-            <a:pPr lvl="2" marL="1296000" indent="-287640">
-              <a:lnSpc>
-                <a:spcPct val="100000"/>
-              </a:lnSpc>
-              <a:spcAft>
-                <a:spcPts val="845"/>
-              </a:spcAft>
-              <a:buClr>
-                <a:srgbClr val="ef2929"/>
-              </a:buClr>
-              <a:buSzPct val="45000"/>
-              <a:buFont typeface="Wingdings" charset="2"/>
-              <a:buChar char=""/>
-            </a:pPr>
-            <a:r>
-              <a:rPr b="0" lang="de-DE" sz="1800" spc="-1" strike="noStrike">
-                <a:solidFill>
-                  <a:srgbClr val="333333"/>
-                </a:solidFill>
-                <a:latin typeface="Noto Sans Regular"/>
-              </a:rPr>
-              <a:t>printable.format(value)</a:t>
+            <a:pPr marL="720000">
+              <a:lnSpc>
+                <a:spcPct val="100000"/>
+              </a:lnSpc>
+              <a:spcAft>
+                <a:spcPts val="1414"/>
+              </a:spcAft>
+            </a:pPr>
+            <a:r>
+              <a:rPr b="0" lang="de-DE" sz="1800" spc="-1" strike="noStrike">
+                <a:solidFill>
+                  <a:srgbClr val="333333"/>
+                </a:solidFill>
+                <a:latin typeface="Noto Sans Regular"/>
+                <a:ea typeface="DejaVu Sans"/>
+              </a:rPr>
+              <a:t>    </a:t>
+            </a:r>
+            <a:r>
+              <a:rPr b="0" lang="de-DE" sz="1800" spc="-1" strike="noStrike">
+                <a:solidFill>
+                  <a:srgbClr val="333333"/>
+                </a:solidFill>
+                <a:latin typeface="Noto Sans Regular"/>
+                <a:ea typeface="DejaVu Sans"/>
+              </a:rPr>
+              <a:t>def print(implicit printable: Printable[A]) = println(format)</a:t>
             </a:r>
             <a:endParaRPr b="0" lang="de-DE" sz="1800" spc="-1" strike="noStrike">
               <a:latin typeface="Arial"/>
             </a:endParaRPr>
           </a:p>
           <a:p>
-            <a:pPr marL="432000" indent="-323640">
-              <a:lnSpc>
-                <a:spcPct val="100000"/>
-              </a:lnSpc>
-              <a:spcAft>
-                <a:spcPts val="1414"/>
-              </a:spcAft>
-              <a:buClr>
-                <a:srgbClr val="ef2929"/>
-              </a:buClr>
-              <a:buSzPct val="45000"/>
-              <a:buFont typeface="Wingdings" charset="2"/>
-              <a:buChar char=""/>
-            </a:pPr>
-            <a:r>
-              <a:rPr b="0" lang="de-DE" sz="1800" spc="-1" strike="noStrike">
-                <a:solidFill>
-                  <a:srgbClr val="333333"/>
-                </a:solidFill>
-                <a:latin typeface="Noto Sans Regular"/>
-              </a:rPr>
-              <a:t>    </a:t>
-            </a:r>
-            <a:r>
-              <a:rPr b="0" lang="de-DE" sz="1800" spc="-1" strike="noStrike">
-                <a:solidFill>
-                  <a:srgbClr val="333333"/>
-                </a:solidFill>
-                <a:latin typeface="Noto Sans Regular"/>
-              </a:rPr>
-              <a:t>def print(implicit printable: Printable[A]) = println(format)</a:t>
+            <a:pPr marL="720000">
+              <a:lnSpc>
+                <a:spcPct val="100000"/>
+              </a:lnSpc>
+              <a:spcAft>
+                <a:spcPts val="1414"/>
+              </a:spcAft>
+            </a:pPr>
+            <a:r>
+              <a:rPr b="0" lang="de-DE" sz="1800" spc="-1" strike="noStrike">
+                <a:solidFill>
+                  <a:srgbClr val="333333"/>
+                </a:solidFill>
+                <a:latin typeface="Noto Sans Regular"/>
+                <a:ea typeface="DejaVu Sans"/>
+              </a:rPr>
+              <a:t>  </a:t>
+            </a:r>
+            <a:r>
+              <a:rPr b="0" lang="de-DE" sz="1800" spc="-1" strike="noStrike">
+                <a:solidFill>
+                  <a:srgbClr val="333333"/>
+                </a:solidFill>
+                <a:latin typeface="Noto Sans Regular"/>
+                <a:ea typeface="DejaVu Sans"/>
+              </a:rPr>
+              <a:t>}</a:t>
             </a:r>
             <a:endParaRPr b="0" lang="de-DE" sz="1800" spc="-1" strike="noStrike">
               <a:latin typeface="Arial"/>
             </a:endParaRPr>
           </a:p>
           <a:p>
-            <a:pPr marL="432000" indent="-323640">
-              <a:lnSpc>
-                <a:spcPct val="100000"/>
-              </a:lnSpc>
-              <a:spcAft>
-                <a:spcPts val="1414"/>
-              </a:spcAft>
-              <a:buClr>
-                <a:srgbClr val="ef2929"/>
-              </a:buClr>
-              <a:buSzPct val="45000"/>
-              <a:buFont typeface="Wingdings" charset="2"/>
-              <a:buChar char=""/>
-            </a:pPr>
-            <a:r>
-              <a:rPr b="0" lang="de-DE" sz="1800" spc="-1" strike="noStrike">
-                <a:solidFill>
-                  <a:srgbClr val="333333"/>
-                </a:solidFill>
-                <a:latin typeface="Noto Sans Regular"/>
-              </a:rPr>
-              <a:t>  </a:t>
-            </a:r>
-            <a:r>
-              <a:rPr b="0" lang="de-DE" sz="1800" spc="-1" strike="noStrike">
-                <a:solidFill>
-                  <a:srgbClr val="333333"/>
-                </a:solidFill>
-                <a:latin typeface="Noto Sans Regular"/>
-              </a:rPr>
-              <a:t>}</a:t>
-            </a:r>
-            <a:endParaRPr b="0" lang="de-DE" sz="1800" spc="-1" strike="noStrike">
-              <a:latin typeface="Arial"/>
-            </a:endParaRPr>
-          </a:p>
-          <a:p>
-            <a:pPr marL="432000" indent="-323640">
-              <a:lnSpc>
-                <a:spcPct val="100000"/>
-              </a:lnSpc>
-              <a:spcAft>
-                <a:spcPts val="1414"/>
-              </a:spcAft>
-              <a:buClr>
-                <a:srgbClr val="ef2929"/>
-              </a:buClr>
-              <a:buSzPct val="45000"/>
-              <a:buFont typeface="Wingdings" charset="2"/>
-              <a:buChar char=""/>
-            </a:pPr>
-            <a:r>
-              <a:rPr b="0" lang="de-DE" sz="1800" spc="-1" strike="noStrike">
-                <a:solidFill>
-                  <a:srgbClr val="333333"/>
-                </a:solidFill>
-                <a:latin typeface="Noto Sans Regular"/>
+            <a:pPr marL="720000">
+              <a:lnSpc>
+                <a:spcPct val="100000"/>
+              </a:lnSpc>
+              <a:spcAft>
+                <a:spcPts val="1414"/>
+              </a:spcAft>
+            </a:pPr>
+            <a:r>
+              <a:rPr b="0" lang="de-DE" sz="1800" spc="-1" strike="noStrike">
+                <a:solidFill>
+                  <a:srgbClr val="333333"/>
+                </a:solidFill>
+                <a:latin typeface="Noto Sans Regular"/>
+                <a:ea typeface="DejaVu Sans"/>
               </a:rPr>
               <a:t>mizzi.print</a:t>
             </a:r>
@@ -4751,7 +4680,7 @@
         <p:spPr>
           <a:xfrm>
             <a:off x="720000" y="300960"/>
-            <a:ext cx="8855280" cy="1262160"/>
+            <a:ext cx="8854920" cy="1261800"/>
           </a:xfrm>
           <a:prstGeom prst="rect">
             <a:avLst/>
@@ -4776,6 +4705,7 @@
                   <a:srgbClr val="333333"/>
                 </a:solidFill>
                 <a:latin typeface="Noto Sans Regular"/>
+                <a:ea typeface="DejaVu Sans"/>
               </a:rPr>
               <a:t>Where to keep the type class instances?</a:t>
             </a:r>
@@ -4794,7 +4724,7 @@
         <p:spPr>
           <a:xfrm>
             <a:off x="720000" y="2160000"/>
-            <a:ext cx="8639640" cy="4384440"/>
+            <a:ext cx="8639280" cy="4384080"/>
           </a:xfrm>
           <a:prstGeom prst="rect">
             <a:avLst/>
@@ -4813,7 +4743,7 @@
         <p:txBody>
           <a:bodyPr lIns="0" rIns="0" tIns="0" bIns="0"/>
           <a:p>
-            <a:pPr marL="432000" indent="-323640">
+            <a:pPr marL="432000" indent="-323280">
               <a:lnSpc>
                 <a:spcPct val="100000"/>
               </a:lnSpc>
@@ -4833,6 +4763,7 @@
                   <a:srgbClr val="333333"/>
                 </a:solidFill>
                 <a:latin typeface="Noto Sans Regular"/>
+                <a:ea typeface="DejaVu Sans"/>
               </a:rPr>
               <a:t>Type class instances for standard types (String, Int, Date etc.) should be stored in the same package as the type class itself.</a:t>
             </a:r>
@@ -4841,7 +4772,7 @@
             </a:endParaRPr>
           </a:p>
           <a:p>
-            <a:pPr marL="432000" indent="-323640">
+            <a:pPr marL="432000" indent="-323280">
               <a:lnSpc>
                 <a:spcPct val="100000"/>
               </a:lnSpc>
@@ -4861,8 +4792,9 @@
                   <a:srgbClr val="333333"/>
                 </a:solidFill>
                 <a:latin typeface="Noto Sans Regular"/>
-              </a:rPr>
-              <a:t>Type class instances for your own types like domain classes (Cat, Person, Order etc.) should be stored in the same package as the respective domain class.</a:t>
+                <a:ea typeface="DejaVu Sans"/>
+              </a:rPr>
+              <a:t>Type class instances for your own types, i.e. domain classes (Cat, Person, Order etc.) should be stored in the same package as the respective domain class.</a:t>
             </a:r>
             <a:endParaRPr b="0" lang="de-DE" sz="2800" spc="-1" strike="noStrike">
               <a:latin typeface="Arial"/>
@@ -4928,7 +4860,7 @@
         <p:spPr>
           <a:xfrm>
             <a:off x="720000" y="300960"/>
-            <a:ext cx="8855280" cy="1262160"/>
+            <a:ext cx="8854920" cy="1261800"/>
           </a:xfrm>
           <a:prstGeom prst="rect">
             <a:avLst/>
@@ -4953,6 +4885,7 @@
                   <a:srgbClr val="333333"/>
                 </a:solidFill>
                 <a:latin typeface="Noto Sans Regular"/>
+                <a:ea typeface="DejaVu Sans"/>
               </a:rPr>
               <a:t>Benefit of type classes</a:t>
             </a:r>
@@ -4971,7 +4904,7 @@
         <p:spPr>
           <a:xfrm>
             <a:off x="720000" y="2160000"/>
-            <a:ext cx="8639640" cy="4384440"/>
+            <a:ext cx="8639280" cy="4384080"/>
           </a:xfrm>
           <a:prstGeom prst="rect">
             <a:avLst/>
@@ -5003,7 +4936,7 @@
             </a:endParaRPr>
           </a:p>
           <a:p>
-            <a:pPr marL="432000" indent="-323640">
+            <a:pPr marL="432000" indent="-323280">
               <a:lnSpc>
                 <a:spcPct val="100000"/>
               </a:lnSpc>
@@ -5023,6 +4956,7 @@
                   <a:srgbClr val="333333"/>
                 </a:solidFill>
                 <a:latin typeface="Noto Sans Regular"/>
+                <a:ea typeface="DejaVu Sans"/>
               </a:rPr>
               <a:t>The type class (Printable) and the domain class (Cat) are completely decoupled.</a:t>
             </a:r>
@@ -5031,7 +4965,7 @@
             </a:endParaRPr>
           </a:p>
           <a:p>
-            <a:pPr marL="432000" indent="-323640">
+            <a:pPr marL="432000" indent="-323280">
               <a:lnSpc>
                 <a:spcPct val="100000"/>
               </a:lnSpc>
@@ -5051,8 +4985,38 @@
                   <a:srgbClr val="333333"/>
                 </a:solidFill>
                 <a:latin typeface="Noto Sans Regular"/>
+                <a:ea typeface="DejaVu Sans"/>
               </a:rPr>
               <a:t>You can extend and enrich not only your own types but also sealed types from libraries which you do not own.</a:t>
+            </a:r>
+            <a:endParaRPr b="0" lang="de-DE" sz="2800" spc="-1" strike="noStrike">
+              <a:latin typeface="Arial"/>
+            </a:endParaRPr>
+          </a:p>
+          <a:p>
+            <a:pPr marL="432000" indent="-323280">
+              <a:lnSpc>
+                <a:spcPct val="100000"/>
+              </a:lnSpc>
+              <a:spcAft>
+                <a:spcPts val="1414"/>
+              </a:spcAft>
+              <a:buClr>
+                <a:srgbClr val="ef2929"/>
+              </a:buClr>
+              <a:buSzPct val="45000"/>
+              <a:buFont typeface="Wingdings" charset="2"/>
+              <a:buChar char=""/>
+            </a:pPr>
+            <a:r>
+              <a:rPr b="0" lang="de-DE" sz="2800" spc="-1" strike="noStrike">
+                <a:solidFill>
+                  <a:srgbClr val="333333"/>
+                </a:solidFill>
+                <a:latin typeface="Noto Sans Regular"/>
+                <a:ea typeface="DejaVu Sans"/>
+              </a:rPr>
+              <a:t>You do not need inheritence to extend existing library classes.</a:t>
             </a:r>
             <a:endParaRPr b="0" lang="de-DE" sz="2800" spc="-1" strike="noStrike">
               <a:latin typeface="Arial"/>
@@ -5118,7 +5082,7 @@
         <p:spPr>
           <a:xfrm>
             <a:off x="720000" y="300960"/>
-            <a:ext cx="8855280" cy="1262160"/>
+            <a:ext cx="8854920" cy="1261800"/>
           </a:xfrm>
           <a:prstGeom prst="rect">
             <a:avLst/>
@@ -5143,6 +5107,7 @@
                   <a:srgbClr val="333333"/>
                 </a:solidFill>
                 <a:latin typeface="Noto Sans Regular"/>
+                <a:ea typeface="DejaVu Sans"/>
               </a:rPr>
               <a:t>Type classes in Haskell</a:t>
             </a:r>
@@ -5161,7 +5126,7 @@
         <p:spPr>
           <a:xfrm>
             <a:off x="720000" y="2160000"/>
-            <a:ext cx="8639640" cy="4384440"/>
+            <a:ext cx="8639280" cy="4384080"/>
           </a:xfrm>
           <a:prstGeom prst="rect">
             <a:avLst/>
@@ -5180,7 +5145,7 @@
         <p:txBody>
           <a:bodyPr lIns="0" rIns="0" tIns="0" bIns="0"/>
           <a:p>
-            <a:pPr marL="432000" indent="-323640">
+            <a:pPr marL="432000" indent="-323280">
               <a:lnSpc>
                 <a:spcPct val="100000"/>
               </a:lnSpc>
@@ -5200,15 +5165,37 @@
                   <a:srgbClr val="333333"/>
                 </a:solidFill>
                 <a:latin typeface="Noto Sans Regular"/>
+                <a:ea typeface="DejaVu Sans"/>
               </a:rPr>
               <a:t>Define a type class.</a:t>
             </a:r>
-            <a:endParaRPr b="0" lang="de-DE" sz="2800" spc="-1" strike="noStrike">
-              <a:latin typeface="Arial"/>
-            </a:endParaRPr>
-          </a:p>
-          <a:p>
-            <a:pPr marL="432000" indent="-323640">
+            <a:br/>
+            <a:r>
+              <a:rPr b="0" lang="de-DE" sz="2800" spc="-1" strike="noStrike">
+                <a:solidFill>
+                  <a:srgbClr val="333333"/>
+                </a:solidFill>
+                <a:latin typeface="Noto Sans Regular"/>
+                <a:ea typeface="DejaVu Sans"/>
+              </a:rPr>
+              <a:t>     </a:t>
+            </a:r>
+            <a:r>
+              <a:rPr b="0" lang="de-DE" sz="1800" spc="-1" strike="noStrike">
+                <a:solidFill>
+                  <a:srgbClr val="333333"/>
+                </a:solidFill>
+                <a:latin typeface="Courier New"/>
+                <a:ea typeface="DejaVu Sans"/>
+              </a:rPr>
+              <a:t>class Printable a where … </a:t>
+            </a:r>
+            <a:endParaRPr b="0" lang="de-DE" sz="1800" spc="-1" strike="noStrike">
+              <a:latin typeface="Arial"/>
+            </a:endParaRPr>
+          </a:p>
+          <a:p>
+            <a:pPr marL="432000" indent="-323280">
               <a:lnSpc>
                 <a:spcPct val="100000"/>
               </a:lnSpc>
@@ -5228,15 +5215,48 @@
                   <a:srgbClr val="333333"/>
                 </a:solidFill>
                 <a:latin typeface="Noto Sans Regular"/>
-              </a:rPr>
-              <a:t>Define a type class instance for each type that should support the type class. This enriches each type with the methods of the type class.</a:t>
-            </a:r>
-            <a:endParaRPr b="0" lang="de-DE" sz="2800" spc="-1" strike="noStrike">
-              <a:latin typeface="Arial"/>
-            </a:endParaRPr>
-          </a:p>
-          <a:p>
-            <a:pPr marL="432000" indent="-323640">
+                <a:ea typeface="DejaVu Sans"/>
+              </a:rPr>
+              <a:t>For each type that should support the type class. (This enriches each type with the methods of the type class.)</a:t>
+            </a:r>
+            <a:br/>
+            <a:r>
+              <a:rPr b="0" lang="de-DE" sz="2800" spc="-1" strike="noStrike">
+                <a:solidFill>
+                  <a:srgbClr val="333333"/>
+                </a:solidFill>
+                <a:latin typeface="Noto Sans Regular"/>
+                <a:ea typeface="DejaVu Sans"/>
+              </a:rPr>
+              <a:t>      </a:t>
+            </a:r>
+            <a:r>
+              <a:rPr b="0" lang="de-DE" sz="1800" spc="-1" strike="noStrike">
+                <a:solidFill>
+                  <a:srgbClr val="333333"/>
+                </a:solidFill>
+                <a:latin typeface="Courier New"/>
+                <a:ea typeface="DejaVu Sans"/>
+              </a:rPr>
+              <a:t>instance Printable Int where … </a:t>
+            </a:r>
+            <a:br/>
+            <a:r>
+              <a:rPr b="0" lang="de-DE" sz="1800" spc="-1" strike="noStrike">
+                <a:solidFill>
+                  <a:srgbClr val="333333"/>
+                </a:solidFill>
+                <a:latin typeface="Courier New"/>
+                <a:ea typeface="DejaVu Sans"/>
+              </a:rPr>
+              <a:t>    instnace Printable Cat where … </a:t>
+            </a:r>
+            <a:endParaRPr b="0" lang="de-DE" sz="1800" spc="-1" strike="noStrike">
+              <a:latin typeface="Arial"/>
+            </a:endParaRPr>
+          </a:p>
+          <a:p>
+            <a:pPr marL="432000" indent="-323280">
               <a:lnSpc>
                 <a:spcPct val="100000"/>
               </a:lnSpc>
@@ -5256,8 +5276,9 @@
                   <a:srgbClr val="333333"/>
                 </a:solidFill>
                 <a:latin typeface="Noto Sans Regular"/>
-              </a:rPr>
-              <a:t>Use the type class methods for the types that have an instance.</a:t>
+                <a:ea typeface="DejaVu Sans"/>
+              </a:rPr>
+              <a:t>Use the type class methods for the types that have an instance. No extra user interface needs to be provided (like in Scala).</a:t>
             </a:r>
             <a:endParaRPr b="0" lang="de-DE" sz="2800" spc="-1" strike="noStrike">
               <a:latin typeface="Arial"/>
@@ -5323,7 +5344,7 @@
         <p:spPr>
           <a:xfrm>
             <a:off x="720000" y="300960"/>
-            <a:ext cx="8855280" cy="1262160"/>
+            <a:ext cx="8854920" cy="1261800"/>
           </a:xfrm>
           <a:prstGeom prst="rect">
             <a:avLst/>
@@ -5348,6 +5369,7 @@
                   <a:srgbClr val="333333"/>
                 </a:solidFill>
                 <a:latin typeface="Noto Sans Regular"/>
+                <a:ea typeface="DejaVu Sans"/>
               </a:rPr>
               <a:t>Define a type class</a:t>
             </a:r>
@@ -5366,7 +5388,7 @@
         <p:spPr>
           <a:xfrm>
             <a:off x="720000" y="2160000"/>
-            <a:ext cx="8639640" cy="4384440"/>
+            <a:ext cx="8639280" cy="4384080"/>
           </a:xfrm>
           <a:prstGeom prst="rect">
             <a:avLst/>
@@ -5385,7 +5407,7 @@
         <p:txBody>
           <a:bodyPr lIns="0" rIns="0" tIns="0" bIns="0"/>
           <a:p>
-            <a:pPr>
+            <a:pPr marL="360000">
               <a:lnSpc>
                 <a:spcPct val="100000"/>
               </a:lnSpc>
@@ -5398,26 +5420,21 @@
             </a:endParaRPr>
           </a:p>
           <a:p>
-            <a:pPr marL="432000" indent="-323640">
-              <a:lnSpc>
-                <a:spcPct val="100000"/>
-              </a:lnSpc>
-              <a:spcAft>
-                <a:spcPts val="1414"/>
-              </a:spcAft>
-              <a:buClr>
-                <a:srgbClr val="ef2929"/>
-              </a:buClr>
-              <a:buSzPct val="45000"/>
-              <a:buFont typeface="Wingdings" charset="2"/>
-              <a:buChar char=""/>
-            </a:pPr>
-            <a:r>
-              <a:rPr b="0" lang="de-DE" sz="1800" spc="-1" strike="noStrike">
-                <a:solidFill>
-                  <a:srgbClr val="333333"/>
-                </a:solidFill>
-                <a:latin typeface="Noto Sans Regular"/>
+            <a:pPr marL="360000">
+              <a:lnSpc>
+                <a:spcPct val="100000"/>
+              </a:lnSpc>
+              <a:spcAft>
+                <a:spcPts val="1414"/>
+              </a:spcAft>
+            </a:pPr>
+            <a:r>
+              <a:rPr b="0" lang="de-DE" sz="1800" spc="-1" strike="noStrike">
+                <a:solidFill>
+                  <a:srgbClr val="333333"/>
+                </a:solidFill>
+                <a:latin typeface="Noto Sans Regular"/>
+                <a:ea typeface="DejaVu Sans"/>
               </a:rPr>
               <a:t>class Printable a where</a:t>
             </a:r>
@@ -5426,7 +5443,7 @@
             </a:endParaRPr>
           </a:p>
           <a:p>
-            <a:pPr>
+            <a:pPr marL="360000">
               <a:lnSpc>
                 <a:spcPct val="100000"/>
               </a:lnSpc>
@@ -5439,26 +5456,21 @@
             </a:endParaRPr>
           </a:p>
           <a:p>
-            <a:pPr marL="432000" indent="-323640">
-              <a:lnSpc>
-                <a:spcPct val="100000"/>
-              </a:lnSpc>
-              <a:spcAft>
-                <a:spcPts val="1414"/>
-              </a:spcAft>
-              <a:buClr>
-                <a:srgbClr val="ef2929"/>
-              </a:buClr>
-              <a:buSzPct val="45000"/>
-              <a:buFont typeface="Wingdings" charset="2"/>
-              <a:buChar char=""/>
-            </a:pPr>
-            <a:r>
-              <a:rPr b="0" lang="de-DE" sz="1800" spc="-1" strike="noStrike">
-                <a:solidFill>
-                  <a:srgbClr val="333333"/>
-                </a:solidFill>
-                <a:latin typeface="Noto Sans Regular"/>
+            <a:pPr marL="360000">
+              <a:lnSpc>
+                <a:spcPct val="100000"/>
+              </a:lnSpc>
+              <a:spcAft>
+                <a:spcPts val="1414"/>
+              </a:spcAft>
+            </a:pPr>
+            <a:r>
+              <a:rPr b="0" lang="de-DE" sz="1800" spc="-1" strike="noStrike">
+                <a:solidFill>
+                  <a:srgbClr val="333333"/>
+                </a:solidFill>
+                <a:latin typeface="Noto Sans Regular"/>
+                <a:ea typeface="DejaVu Sans"/>
               </a:rPr>
               <a:t>    </a:t>
             </a:r>
@@ -5468,6 +5480,7 @@
                   <a:srgbClr val="333333"/>
                 </a:solidFill>
                 <a:latin typeface="Noto Sans Regular"/>
+                <a:ea typeface="DejaVu Sans"/>
               </a:rPr>
               <a:t>format :: a -&gt; String</a:t>
             </a:r>
@@ -5476,26 +5489,21 @@
             </a:endParaRPr>
           </a:p>
           <a:p>
-            <a:pPr marL="432000" indent="-323640">
-              <a:lnSpc>
-                <a:spcPct val="100000"/>
-              </a:lnSpc>
-              <a:spcAft>
-                <a:spcPts val="1414"/>
-              </a:spcAft>
-              <a:buClr>
-                <a:srgbClr val="ef2929"/>
-              </a:buClr>
-              <a:buSzPct val="45000"/>
-              <a:buFont typeface="Wingdings" charset="2"/>
-              <a:buChar char=""/>
-            </a:pPr>
-            <a:r>
-              <a:rPr b="0" lang="de-DE" sz="1800" spc="-1" strike="noStrike">
-                <a:solidFill>
-                  <a:srgbClr val="333333"/>
-                </a:solidFill>
-                <a:latin typeface="Noto Sans Regular"/>
+            <a:pPr marL="360000">
+              <a:lnSpc>
+                <a:spcPct val="100000"/>
+              </a:lnSpc>
+              <a:spcAft>
+                <a:spcPts val="1414"/>
+              </a:spcAft>
+            </a:pPr>
+            <a:r>
+              <a:rPr b="0" lang="de-DE" sz="1800" spc="-1" strike="noStrike">
+                <a:solidFill>
+                  <a:srgbClr val="333333"/>
+                </a:solidFill>
+                <a:latin typeface="Noto Sans Regular"/>
+                <a:ea typeface="DejaVu Sans"/>
               </a:rPr>
               <a:t>    </a:t>
             </a:r>
@@ -5504,26 +5512,21 @@
             </a:endParaRPr>
           </a:p>
           <a:p>
-            <a:pPr marL="432000" indent="-323640">
-              <a:lnSpc>
-                <a:spcPct val="100000"/>
-              </a:lnSpc>
-              <a:spcAft>
-                <a:spcPts val="1414"/>
-              </a:spcAft>
-              <a:buClr>
-                <a:srgbClr val="ef2929"/>
-              </a:buClr>
-              <a:buSzPct val="45000"/>
-              <a:buFont typeface="Wingdings" charset="2"/>
-              <a:buChar char=""/>
-            </a:pPr>
-            <a:r>
-              <a:rPr b="0" lang="de-DE" sz="1800" spc="-1" strike="noStrike">
-                <a:solidFill>
-                  <a:srgbClr val="333333"/>
-                </a:solidFill>
-                <a:latin typeface="Noto Sans Regular"/>
+            <a:pPr marL="360000">
+              <a:lnSpc>
+                <a:spcPct val="100000"/>
+              </a:lnSpc>
+              <a:spcAft>
+                <a:spcPts val="1414"/>
+              </a:spcAft>
+            </a:pPr>
+            <a:r>
+              <a:rPr b="0" lang="de-DE" sz="1800" spc="-1" strike="noStrike">
+                <a:solidFill>
+                  <a:srgbClr val="333333"/>
+                </a:solidFill>
+                <a:latin typeface="Noto Sans Regular"/>
+                <a:ea typeface="DejaVu Sans"/>
               </a:rPr>
               <a:t>    </a:t>
             </a:r>
@@ -5533,6 +5536,7 @@
                   <a:srgbClr val="333333"/>
                 </a:solidFill>
                 <a:latin typeface="Noto Sans Regular"/>
+                <a:ea typeface="DejaVu Sans"/>
               </a:rPr>
               <a:t>pprintt :: a -&gt; IO ()</a:t>
             </a:r>
@@ -5541,26 +5545,21 @@
             </a:endParaRPr>
           </a:p>
           <a:p>
-            <a:pPr marL="432000" indent="-323640">
-              <a:lnSpc>
-                <a:spcPct val="100000"/>
-              </a:lnSpc>
-              <a:spcAft>
-                <a:spcPts val="1414"/>
-              </a:spcAft>
-              <a:buClr>
-                <a:srgbClr val="ef2929"/>
-              </a:buClr>
-              <a:buSzPct val="45000"/>
-              <a:buFont typeface="Wingdings" charset="2"/>
-              <a:buChar char=""/>
-            </a:pPr>
-            <a:r>
-              <a:rPr b="0" lang="de-DE" sz="1800" spc="-1" strike="noStrike">
-                <a:solidFill>
-                  <a:srgbClr val="333333"/>
-                </a:solidFill>
-                <a:latin typeface="Noto Sans Regular"/>
+            <a:pPr marL="360000">
+              <a:lnSpc>
+                <a:spcPct val="100000"/>
+              </a:lnSpc>
+              <a:spcAft>
+                <a:spcPts val="1414"/>
+              </a:spcAft>
+            </a:pPr>
+            <a:r>
+              <a:rPr b="0" lang="de-DE" sz="1800" spc="-1" strike="noStrike">
+                <a:solidFill>
+                  <a:srgbClr val="333333"/>
+                </a:solidFill>
+                <a:latin typeface="Noto Sans Regular"/>
+                <a:ea typeface="DejaVu Sans"/>
               </a:rPr>
               <a:t>    </a:t>
             </a:r>
@@ -5570,6 +5569,7 @@
                   <a:srgbClr val="333333"/>
                 </a:solidFill>
                 <a:latin typeface="Noto Sans Regular"/>
+                <a:ea typeface="DejaVu Sans"/>
               </a:rPr>
               <a:t>pprintt x = putStrLn $ format x</a:t>
             </a:r>
@@ -5637,7 +5637,7 @@
         <p:spPr>
           <a:xfrm>
             <a:off x="720000" y="300960"/>
-            <a:ext cx="8855280" cy="1262160"/>
+            <a:ext cx="8854920" cy="1261800"/>
           </a:xfrm>
           <a:prstGeom prst="rect">
             <a:avLst/>
@@ -5662,6 +5662,7 @@
                   <a:srgbClr val="333333"/>
                 </a:solidFill>
                 <a:latin typeface="Noto Sans Regular"/>
+                <a:ea typeface="DejaVu Sans"/>
               </a:rPr>
               <a:t>Define type class instances (1)</a:t>
             </a:r>
@@ -5680,7 +5681,7 @@
         <p:spPr>
           <a:xfrm>
             <a:off x="720000" y="2160000"/>
-            <a:ext cx="8639640" cy="4384440"/>
+            <a:ext cx="8639280" cy="4384080"/>
           </a:xfrm>
           <a:prstGeom prst="rect">
             <a:avLst/>
@@ -5699,7 +5700,7 @@
         <p:txBody>
           <a:bodyPr lIns="0" rIns="0" tIns="0" bIns="0"/>
           <a:p>
-            <a:pPr>
+            <a:pPr marL="360000">
               <a:lnSpc>
                 <a:spcPct val="100000"/>
               </a:lnSpc>
@@ -5712,26 +5713,21 @@
             </a:endParaRPr>
           </a:p>
           <a:p>
-            <a:pPr marL="432000" indent="-323640">
-              <a:lnSpc>
-                <a:spcPct val="100000"/>
-              </a:lnSpc>
-              <a:spcAft>
-                <a:spcPts val="1414"/>
-              </a:spcAft>
-              <a:buClr>
-                <a:srgbClr val="ef2929"/>
-              </a:buClr>
-              <a:buSzPct val="45000"/>
-              <a:buFont typeface="Wingdings" charset="2"/>
-              <a:buChar char=""/>
-            </a:pPr>
-            <a:r>
-              <a:rPr b="0" lang="de-DE" sz="1800" spc="-1" strike="noStrike">
-                <a:solidFill>
-                  <a:srgbClr val="333333"/>
-                </a:solidFill>
-                <a:latin typeface="Noto Sans Regular"/>
+            <a:pPr marL="360000">
+              <a:lnSpc>
+                <a:spcPct val="100000"/>
+              </a:lnSpc>
+              <a:spcAft>
+                <a:spcPts val="1414"/>
+              </a:spcAft>
+            </a:pPr>
+            <a:r>
+              <a:rPr b="0" lang="de-DE" sz="1800" spc="-1" strike="noStrike">
+                <a:solidFill>
+                  <a:srgbClr val="333333"/>
+                </a:solidFill>
+                <a:latin typeface="Noto Sans Regular"/>
+                <a:ea typeface="DejaVu Sans"/>
               </a:rPr>
               <a:t>instance Printable Int where</a:t>
             </a:r>
@@ -5740,26 +5736,21 @@
             </a:endParaRPr>
           </a:p>
           <a:p>
-            <a:pPr marL="432000" indent="-323640">
-              <a:lnSpc>
-                <a:spcPct val="100000"/>
-              </a:lnSpc>
-              <a:spcAft>
-                <a:spcPts val="1414"/>
-              </a:spcAft>
-              <a:buClr>
-                <a:srgbClr val="ef2929"/>
-              </a:buClr>
-              <a:buSzPct val="45000"/>
-              <a:buFont typeface="Wingdings" charset="2"/>
-              <a:buChar char=""/>
-            </a:pPr>
-            <a:r>
-              <a:rPr b="0" lang="de-DE" sz="1800" spc="-1" strike="noStrike">
-                <a:solidFill>
-                  <a:srgbClr val="333333"/>
-                </a:solidFill>
-                <a:latin typeface="Noto Sans Regular"/>
+            <a:pPr marL="360000">
+              <a:lnSpc>
+                <a:spcPct val="100000"/>
+              </a:lnSpc>
+              <a:spcAft>
+                <a:spcPts val="1414"/>
+              </a:spcAft>
+            </a:pPr>
+            <a:r>
+              <a:rPr b="0" lang="de-DE" sz="1800" spc="-1" strike="noStrike">
+                <a:solidFill>
+                  <a:srgbClr val="333333"/>
+                </a:solidFill>
+                <a:latin typeface="Noto Sans Regular"/>
+                <a:ea typeface="DejaVu Sans"/>
               </a:rPr>
               <a:t>    </a:t>
             </a:r>
@@ -5769,6 +5760,7 @@
                   <a:srgbClr val="333333"/>
                 </a:solidFill>
                 <a:latin typeface="Noto Sans Regular"/>
+                <a:ea typeface="DejaVu Sans"/>
               </a:rPr>
               <a:t>format = show</a:t>
             </a:r>
@@ -5777,7 +5769,7 @@
             </a:endParaRPr>
           </a:p>
           <a:p>
-            <a:pPr>
+            <a:pPr marL="360000">
               <a:lnSpc>
                 <a:spcPct val="100000"/>
               </a:lnSpc>
@@ -5790,26 +5782,21 @@
             </a:endParaRPr>
           </a:p>
           <a:p>
-            <a:pPr marL="432000" indent="-323640">
-              <a:lnSpc>
-                <a:spcPct val="100000"/>
-              </a:lnSpc>
-              <a:spcAft>
-                <a:spcPts val="1414"/>
-              </a:spcAft>
-              <a:buClr>
-                <a:srgbClr val="ef2929"/>
-              </a:buClr>
-              <a:buSzPct val="45000"/>
-              <a:buFont typeface="Wingdings" charset="2"/>
-              <a:buChar char=""/>
-            </a:pPr>
-            <a:r>
-              <a:rPr b="0" lang="de-DE" sz="1800" spc="-1" strike="noStrike">
-                <a:solidFill>
-                  <a:srgbClr val="333333"/>
-                </a:solidFill>
-                <a:latin typeface="Noto Sans Regular"/>
+            <a:pPr marL="360000">
+              <a:lnSpc>
+                <a:spcPct val="100000"/>
+              </a:lnSpc>
+              <a:spcAft>
+                <a:spcPts val="1414"/>
+              </a:spcAft>
+            </a:pPr>
+            <a:r>
+              <a:rPr b="0" lang="de-DE" sz="1800" spc="-1" strike="noStrike">
+                <a:solidFill>
+                  <a:srgbClr val="333333"/>
+                </a:solidFill>
+                <a:latin typeface="Noto Sans Regular"/>
+                <a:ea typeface="DejaVu Sans"/>
               </a:rPr>
               <a:t>instance Printable UTCTime where</a:t>
             </a:r>
@@ -5818,26 +5805,21 @@
             </a:endParaRPr>
           </a:p>
           <a:p>
-            <a:pPr marL="432000" indent="-323640">
-              <a:lnSpc>
-                <a:spcPct val="100000"/>
-              </a:lnSpc>
-              <a:spcAft>
-                <a:spcPts val="1414"/>
-              </a:spcAft>
-              <a:buClr>
-                <a:srgbClr val="ef2929"/>
-              </a:buClr>
-              <a:buSzPct val="45000"/>
-              <a:buFont typeface="Wingdings" charset="2"/>
-              <a:buChar char=""/>
-            </a:pPr>
-            <a:r>
-              <a:rPr b="0" lang="de-DE" sz="1800" spc="-1" strike="noStrike">
-                <a:solidFill>
-                  <a:srgbClr val="333333"/>
-                </a:solidFill>
-                <a:latin typeface="Noto Sans Regular"/>
+            <a:pPr marL="360000">
+              <a:lnSpc>
+                <a:spcPct val="100000"/>
+              </a:lnSpc>
+              <a:spcAft>
+                <a:spcPts val="1414"/>
+              </a:spcAft>
+            </a:pPr>
+            <a:r>
+              <a:rPr b="0" lang="de-DE" sz="1800" spc="-1" strike="noStrike">
+                <a:solidFill>
+                  <a:srgbClr val="333333"/>
+                </a:solidFill>
+                <a:latin typeface="Noto Sans Regular"/>
+                <a:ea typeface="DejaVu Sans"/>
               </a:rPr>
               <a:t>    </a:t>
             </a:r>
@@ -5847,8 +5829,20 @@
                   <a:srgbClr val="333333"/>
                 </a:solidFill>
                 <a:latin typeface="Noto Sans Regular"/>
-              </a:rPr>
-              <a:t>format time = "The exact date is: " ++ formatTime defaultTimeLocale "%F, %T (%Z)" time</a:t>
+                <a:ea typeface="DejaVu Sans"/>
+              </a:rPr>
+              <a:t>format time = "The exact date is: "</a:t>
+            </a:r>
+            <a:br/>
+            <a:r>
+              <a:rPr b="0" lang="de-DE" sz="1800" spc="-1" strike="noStrike">
+                <a:solidFill>
+                  <a:srgbClr val="333333"/>
+                </a:solidFill>
+                <a:latin typeface="Noto Sans Regular"/>
+                <a:ea typeface="DejaVu Sans"/>
+              </a:rPr>
+              <a:t>                                   ++ formatTime defaultTimeLocale "%F, %T (%Z)" time</a:t>
             </a:r>
             <a:endParaRPr b="0" lang="de-DE" sz="1800" spc="-1" strike="noStrike">
               <a:latin typeface="Arial"/>
@@ -5914,7 +5908,7 @@
         <p:spPr>
           <a:xfrm>
             <a:off x="720000" y="300960"/>
-            <a:ext cx="8855280" cy="1262160"/>
+            <a:ext cx="8854920" cy="1261800"/>
           </a:xfrm>
           <a:prstGeom prst="rect">
             <a:avLst/>
@@ -5939,6 +5933,7 @@
                   <a:srgbClr val="333333"/>
                 </a:solidFill>
                 <a:latin typeface="Noto Sans Regular"/>
+                <a:ea typeface="DejaVu Sans"/>
               </a:rPr>
               <a:t>Define type class instances (2)</a:t>
             </a:r>
@@ -5957,7 +5952,7 @@
         <p:spPr>
           <a:xfrm>
             <a:off x="720000" y="2160000"/>
-            <a:ext cx="8639640" cy="4384440"/>
+            <a:ext cx="8639280" cy="4384080"/>
           </a:xfrm>
           <a:prstGeom prst="rect">
             <a:avLst/>
@@ -5976,26 +5971,21 @@
         <p:txBody>
           <a:bodyPr lIns="0" rIns="0" tIns="0" bIns="0"/>
           <a:p>
-            <a:pPr marL="432000" indent="-323640">
-              <a:lnSpc>
-                <a:spcPct val="100000"/>
-              </a:lnSpc>
-              <a:spcAft>
-                <a:spcPts val="1414"/>
-              </a:spcAft>
-              <a:buClr>
-                <a:srgbClr val="ef2929"/>
-              </a:buClr>
-              <a:buSzPct val="45000"/>
-              <a:buFont typeface="Wingdings" charset="2"/>
-              <a:buChar char=""/>
-            </a:pPr>
-            <a:r>
-              <a:rPr b="0" lang="de-DE" sz="1800" spc="-1" strike="noStrike">
-                <a:solidFill>
-                  <a:srgbClr val="333333"/>
-                </a:solidFill>
-                <a:latin typeface="Noto Sans Regular"/>
+            <a:pPr marL="360000">
+              <a:lnSpc>
+                <a:spcPct val="100000"/>
+              </a:lnSpc>
+              <a:spcAft>
+                <a:spcPts val="1414"/>
+              </a:spcAft>
+            </a:pPr>
+            <a:r>
+              <a:rPr b="0" lang="de-DE" sz="1800" spc="-1" strike="noStrike">
+                <a:solidFill>
+                  <a:srgbClr val="333333"/>
+                </a:solidFill>
+                <a:latin typeface="Noto Sans Regular"/>
+                <a:ea typeface="DejaVu Sans"/>
               </a:rPr>
               <a:t>data Cat = Cat</a:t>
             </a:r>
@@ -6004,26 +5994,21 @@
             </a:endParaRPr>
           </a:p>
           <a:p>
-            <a:pPr marL="432000" indent="-323640">
-              <a:lnSpc>
-                <a:spcPct val="100000"/>
-              </a:lnSpc>
-              <a:spcAft>
-                <a:spcPts val="1414"/>
-              </a:spcAft>
-              <a:buClr>
-                <a:srgbClr val="ef2929"/>
-              </a:buClr>
-              <a:buSzPct val="45000"/>
-              <a:buFont typeface="Wingdings" charset="2"/>
-              <a:buChar char=""/>
-            </a:pPr>
-            <a:r>
-              <a:rPr b="0" lang="de-DE" sz="1800" spc="-1" strike="noStrike">
-                <a:solidFill>
-                  <a:srgbClr val="333333"/>
-                </a:solidFill>
-                <a:latin typeface="Noto Sans Regular"/>
+            <a:pPr marL="360000">
+              <a:lnSpc>
+                <a:spcPct val="100000"/>
+              </a:lnSpc>
+              <a:spcAft>
+                <a:spcPts val="1414"/>
+              </a:spcAft>
+            </a:pPr>
+            <a:r>
+              <a:rPr b="0" lang="de-DE" sz="1800" spc="-1" strike="noStrike">
+                <a:solidFill>
+                  <a:srgbClr val="333333"/>
+                </a:solidFill>
+                <a:latin typeface="Noto Sans Regular"/>
+                <a:ea typeface="DejaVu Sans"/>
               </a:rPr>
               <a:t>  </a:t>
             </a:r>
@@ -6033,6 +6018,7 @@
                   <a:srgbClr val="333333"/>
                 </a:solidFill>
                 <a:latin typeface="Noto Sans Regular"/>
+                <a:ea typeface="DejaVu Sans"/>
               </a:rPr>
               <a:t>{ name  :: String</a:t>
             </a:r>
@@ -6041,26 +6027,21 @@
             </a:endParaRPr>
           </a:p>
           <a:p>
-            <a:pPr marL="432000" indent="-323640">
-              <a:lnSpc>
-                <a:spcPct val="100000"/>
-              </a:lnSpc>
-              <a:spcAft>
-                <a:spcPts val="1414"/>
-              </a:spcAft>
-              <a:buClr>
-                <a:srgbClr val="ef2929"/>
-              </a:buClr>
-              <a:buSzPct val="45000"/>
-              <a:buFont typeface="Wingdings" charset="2"/>
-              <a:buChar char=""/>
-            </a:pPr>
-            <a:r>
-              <a:rPr b="0" lang="de-DE" sz="1800" spc="-1" strike="noStrike">
-                <a:solidFill>
-                  <a:srgbClr val="333333"/>
-                </a:solidFill>
-                <a:latin typeface="Noto Sans Regular"/>
+            <a:pPr marL="360000">
+              <a:lnSpc>
+                <a:spcPct val="100000"/>
+              </a:lnSpc>
+              <a:spcAft>
+                <a:spcPts val="1414"/>
+              </a:spcAft>
+            </a:pPr>
+            <a:r>
+              <a:rPr b="0" lang="de-DE" sz="1800" spc="-1" strike="noStrike">
+                <a:solidFill>
+                  <a:srgbClr val="333333"/>
+                </a:solidFill>
+                <a:latin typeface="Noto Sans Regular"/>
+                <a:ea typeface="DejaVu Sans"/>
               </a:rPr>
               <a:t>  </a:t>
             </a:r>
@@ -6070,6 +6051,7 @@
                   <a:srgbClr val="333333"/>
                 </a:solidFill>
                 <a:latin typeface="Noto Sans Regular"/>
+                <a:ea typeface="DejaVu Sans"/>
               </a:rPr>
               <a:t>, age   :: Int</a:t>
             </a:r>
@@ -6078,26 +6060,21 @@
             </a:endParaRPr>
           </a:p>
           <a:p>
-            <a:pPr marL="432000" indent="-323640">
-              <a:lnSpc>
-                <a:spcPct val="100000"/>
-              </a:lnSpc>
-              <a:spcAft>
-                <a:spcPts val="1414"/>
-              </a:spcAft>
-              <a:buClr>
-                <a:srgbClr val="ef2929"/>
-              </a:buClr>
-              <a:buSzPct val="45000"/>
-              <a:buFont typeface="Wingdings" charset="2"/>
-              <a:buChar char=""/>
-            </a:pPr>
-            <a:r>
-              <a:rPr b="0" lang="de-DE" sz="1800" spc="-1" strike="noStrike">
-                <a:solidFill>
-                  <a:srgbClr val="333333"/>
-                </a:solidFill>
-                <a:latin typeface="Noto Sans Regular"/>
+            <a:pPr marL="360000">
+              <a:lnSpc>
+                <a:spcPct val="100000"/>
+              </a:lnSpc>
+              <a:spcAft>
+                <a:spcPts val="1414"/>
+              </a:spcAft>
+            </a:pPr>
+            <a:r>
+              <a:rPr b="0" lang="de-DE" sz="1800" spc="-1" strike="noStrike">
+                <a:solidFill>
+                  <a:srgbClr val="333333"/>
+                </a:solidFill>
+                <a:latin typeface="Noto Sans Regular"/>
+                <a:ea typeface="DejaVu Sans"/>
               </a:rPr>
               <a:t>  </a:t>
             </a:r>
@@ -6107,6 +6084,7 @@
                   <a:srgbClr val="333333"/>
                 </a:solidFill>
                 <a:latin typeface="Noto Sans Regular"/>
+                <a:ea typeface="DejaVu Sans"/>
               </a:rPr>
               <a:t>, color :: String</a:t>
             </a:r>
@@ -6115,26 +6093,21 @@
             </a:endParaRPr>
           </a:p>
           <a:p>
-            <a:pPr marL="432000" indent="-323640">
-              <a:lnSpc>
-                <a:spcPct val="100000"/>
-              </a:lnSpc>
-              <a:spcAft>
-                <a:spcPts val="1414"/>
-              </a:spcAft>
-              <a:buClr>
-                <a:srgbClr val="ef2929"/>
-              </a:buClr>
-              <a:buSzPct val="45000"/>
-              <a:buFont typeface="Wingdings" charset="2"/>
-              <a:buChar char=""/>
-            </a:pPr>
-            <a:r>
-              <a:rPr b="0" lang="de-DE" sz="1800" spc="-1" strike="noStrike">
-                <a:solidFill>
-                  <a:srgbClr val="333333"/>
-                </a:solidFill>
-                <a:latin typeface="Noto Sans Regular"/>
+            <a:pPr marL="360000">
+              <a:lnSpc>
+                <a:spcPct val="100000"/>
+              </a:lnSpc>
+              <a:spcAft>
+                <a:spcPts val="1414"/>
+              </a:spcAft>
+            </a:pPr>
+            <a:r>
+              <a:rPr b="0" lang="de-DE" sz="1800" spc="-1" strike="noStrike">
+                <a:solidFill>
+                  <a:srgbClr val="333333"/>
+                </a:solidFill>
+                <a:latin typeface="Noto Sans Regular"/>
+                <a:ea typeface="DejaVu Sans"/>
               </a:rPr>
               <a:t>  </a:t>
             </a:r>
@@ -6144,6 +6117,7 @@
                   <a:srgbClr val="333333"/>
                 </a:solidFill>
                 <a:latin typeface="Noto Sans Regular"/>
+                <a:ea typeface="DejaVu Sans"/>
               </a:rPr>
               <a:t>}</a:t>
             </a:r>
@@ -6152,7 +6126,7 @@
             </a:endParaRPr>
           </a:p>
           <a:p>
-            <a:pPr>
+            <a:pPr marL="360000">
               <a:lnSpc>
                 <a:spcPct val="100000"/>
               </a:lnSpc>
@@ -6165,26 +6139,21 @@
             </a:endParaRPr>
           </a:p>
           <a:p>
-            <a:pPr marL="432000" indent="-323640">
-              <a:lnSpc>
-                <a:spcPct val="100000"/>
-              </a:lnSpc>
-              <a:spcAft>
-                <a:spcPts val="1414"/>
-              </a:spcAft>
-              <a:buClr>
-                <a:srgbClr val="ef2929"/>
-              </a:buClr>
-              <a:buSzPct val="45000"/>
-              <a:buFont typeface="Wingdings" charset="2"/>
-              <a:buChar char=""/>
-            </a:pPr>
-            <a:r>
-              <a:rPr b="0" lang="de-DE" sz="1800" spc="-1" strike="noStrike">
-                <a:solidFill>
-                  <a:srgbClr val="333333"/>
-                </a:solidFill>
-                <a:latin typeface="Noto Sans Regular"/>
+            <a:pPr marL="360000">
+              <a:lnSpc>
+                <a:spcPct val="100000"/>
+              </a:lnSpc>
+              <a:spcAft>
+                <a:spcPts val="1414"/>
+              </a:spcAft>
+            </a:pPr>
+            <a:r>
+              <a:rPr b="0" lang="de-DE" sz="1800" spc="-1" strike="noStrike">
+                <a:solidFill>
+                  <a:srgbClr val="333333"/>
+                </a:solidFill>
+                <a:latin typeface="Noto Sans Regular"/>
+                <a:ea typeface="DejaVu Sans"/>
               </a:rPr>
               <a:t>instance Printable Cat where</a:t>
             </a:r>
@@ -6193,26 +6162,21 @@
             </a:endParaRPr>
           </a:p>
           <a:p>
-            <a:pPr marL="432000" indent="-323640">
-              <a:lnSpc>
-                <a:spcPct val="100000"/>
-              </a:lnSpc>
-              <a:spcAft>
-                <a:spcPts val="1414"/>
-              </a:spcAft>
-              <a:buClr>
-                <a:srgbClr val="ef2929"/>
-              </a:buClr>
-              <a:buSzPct val="45000"/>
-              <a:buFont typeface="Wingdings" charset="2"/>
-              <a:buChar char=""/>
-            </a:pPr>
-            <a:r>
-              <a:rPr b="0" lang="de-DE" sz="1800" spc="-1" strike="noStrike">
-                <a:solidFill>
-                  <a:srgbClr val="333333"/>
-                </a:solidFill>
-                <a:latin typeface="Noto Sans Regular"/>
+            <a:pPr marL="360000">
+              <a:lnSpc>
+                <a:spcPct val="100000"/>
+              </a:lnSpc>
+              <a:spcAft>
+                <a:spcPts val="1414"/>
+              </a:spcAft>
+            </a:pPr>
+            <a:r>
+              <a:rPr b="0" lang="de-DE" sz="1800" spc="-1" strike="noStrike">
+                <a:solidFill>
+                  <a:srgbClr val="333333"/>
+                </a:solidFill>
+                <a:latin typeface="Noto Sans Regular"/>
+                <a:ea typeface="DejaVu Sans"/>
               </a:rPr>
               <a:t>    </a:t>
             </a:r>
@@ -6222,8 +6186,20 @@
                   <a:srgbClr val="333333"/>
                 </a:solidFill>
                 <a:latin typeface="Noto Sans Regular"/>
-              </a:rPr>
-              <a:t>format cat = "Cat {name=" ++ name cat ++ ", age=" ++ show (age cat) ++ ", color=" ++ color cat ++ "}"</a:t>
+                <a:ea typeface="DejaVu Sans"/>
+              </a:rPr>
+              <a:t>format cat = "Cat {name=" ++ name cat</a:t>
+            </a:r>
+            <a:br/>
+            <a:r>
+              <a:rPr b="0" lang="de-DE" sz="1800" spc="-1" strike="noStrike">
+                <a:solidFill>
+                  <a:srgbClr val="333333"/>
+                </a:solidFill>
+                <a:latin typeface="Noto Sans Regular"/>
+                <a:ea typeface="DejaVu Sans"/>
+              </a:rPr>
+              <a:t>                            ++ ", age=" ++ show (age cat) ++ ", color=" ++ color cat ++ "}"</a:t>
             </a:r>
             <a:endParaRPr b="0" lang="de-DE" sz="1800" spc="-1" strike="noStrike">
               <a:latin typeface="Arial"/>
@@ -6289,7 +6265,7 @@
         <p:spPr>
           <a:xfrm>
             <a:off x="720000" y="300960"/>
-            <a:ext cx="8855280" cy="1262160"/>
+            <a:ext cx="8854920" cy="1261800"/>
           </a:xfrm>
           <a:prstGeom prst="rect">
             <a:avLst/>
@@ -6314,6 +6290,7 @@
                   <a:srgbClr val="333333"/>
                 </a:solidFill>
                 <a:latin typeface="Noto Sans Regular"/>
+                <a:ea typeface="DejaVu Sans"/>
               </a:rPr>
               <a:t>Table of Contents</a:t>
             </a:r>
@@ -6332,7 +6309,7 @@
         <p:spPr>
           <a:xfrm>
             <a:off x="720000" y="2160000"/>
-            <a:ext cx="8639640" cy="4384440"/>
+            <a:ext cx="8639280" cy="4384080"/>
           </a:xfrm>
           <a:prstGeom prst="rect">
             <a:avLst/>
@@ -6351,7 +6328,7 @@
         <p:txBody>
           <a:bodyPr lIns="0" rIns="0" tIns="0" bIns="0"/>
           <a:p>
-            <a:pPr marL="432000" indent="-323640">
+            <a:pPr marL="432000" indent="-323280">
               <a:lnSpc>
                 <a:spcPct val="100000"/>
               </a:lnSpc>
@@ -6371,6 +6348,7 @@
                   <a:srgbClr val="333333"/>
                 </a:solidFill>
                 <a:latin typeface="Noto Sans Regular"/>
+                <a:ea typeface="DejaVu Sans"/>
               </a:rPr>
               <a:t>Scala type classes</a:t>
             </a:r>
@@ -6379,7 +6357,7 @@
             </a:endParaRPr>
           </a:p>
           <a:p>
-            <a:pPr marL="432000" indent="-323640">
+            <a:pPr marL="432000" indent="-323280">
               <a:lnSpc>
                 <a:spcPct val="100000"/>
               </a:lnSpc>
@@ -6399,6 +6377,7 @@
                   <a:srgbClr val="333333"/>
                 </a:solidFill>
                 <a:latin typeface="Noto Sans Regular"/>
+                <a:ea typeface="DejaVu Sans"/>
               </a:rPr>
               <a:t>A type class and its instances</a:t>
             </a:r>
@@ -6407,7 +6386,7 @@
             </a:endParaRPr>
           </a:p>
           <a:p>
-            <a:pPr marL="432000" indent="-323640">
+            <a:pPr marL="432000" indent="-323280">
               <a:lnSpc>
                 <a:spcPct val="100000"/>
               </a:lnSpc>
@@ -6427,15 +6406,16 @@
                   <a:srgbClr val="333333"/>
                 </a:solidFill>
                 <a:latin typeface="Noto Sans Regular"/>
-              </a:rPr>
-              <a:t>Example: type class Printable</a:t>
+                <a:ea typeface="DejaVu Sans"/>
+              </a:rPr>
+              <a:t>Example: type class Printable[A]</a:t>
             </a:r>
             <a:endParaRPr b="0" lang="de-DE" sz="2800" spc="-1" strike="noStrike">
               <a:latin typeface="Arial"/>
             </a:endParaRPr>
           </a:p>
           <a:p>
-            <a:pPr marL="432000" indent="-323640">
+            <a:pPr marL="432000" indent="-323280">
               <a:lnSpc>
                 <a:spcPct val="100000"/>
               </a:lnSpc>
@@ -6455,6 +6435,7 @@
                   <a:srgbClr val="333333"/>
                 </a:solidFill>
                 <a:latin typeface="Noto Sans Regular"/>
+                <a:ea typeface="DejaVu Sans"/>
               </a:rPr>
               <a:t>Better Design</a:t>
             </a:r>
@@ -6463,7 +6444,7 @@
             </a:endParaRPr>
           </a:p>
           <a:p>
-            <a:pPr marL="432000" indent="-323640">
+            <a:pPr marL="432000" indent="-323280">
               <a:lnSpc>
                 <a:spcPct val="100000"/>
               </a:lnSpc>
@@ -6483,6 +6464,7 @@
                   <a:srgbClr val="333333"/>
                 </a:solidFill>
                 <a:latin typeface="Noto Sans Regular"/>
+                <a:ea typeface="DejaVu Sans"/>
               </a:rPr>
               <a:t>Where to store the instances?</a:t>
             </a:r>
@@ -6491,7 +6473,7 @@
             </a:endParaRPr>
           </a:p>
           <a:p>
-            <a:pPr marL="432000" indent="-323640">
+            <a:pPr marL="432000" indent="-323280">
               <a:lnSpc>
                 <a:spcPct val="100000"/>
               </a:lnSpc>
@@ -6511,6 +6493,7 @@
                   <a:srgbClr val="333333"/>
                 </a:solidFill>
                 <a:latin typeface="Noto Sans Regular"/>
+                <a:ea typeface="DejaVu Sans"/>
               </a:rPr>
               <a:t>Benefit of type classes</a:t>
             </a:r>
@@ -6519,7 +6502,7 @@
             </a:endParaRPr>
           </a:p>
           <a:p>
-            <a:pPr marL="432000" indent="-323640">
+            <a:pPr marL="432000" indent="-323280">
               <a:lnSpc>
                 <a:spcPct val="100000"/>
               </a:lnSpc>
@@ -6539,6 +6522,7 @@
                   <a:srgbClr val="333333"/>
                 </a:solidFill>
                 <a:latin typeface="Noto Sans Regular"/>
+                <a:ea typeface="DejaVu Sans"/>
               </a:rPr>
               <a:t>Type classes in Haskell</a:t>
             </a:r>
@@ -6606,7 +6590,7 @@
         <p:spPr>
           <a:xfrm>
             <a:off x="720000" y="240120"/>
-            <a:ext cx="8855280" cy="1383840"/>
+            <a:ext cx="8854920" cy="1383480"/>
           </a:xfrm>
           <a:prstGeom prst="rect">
             <a:avLst/>
@@ -6631,6 +6615,7 @@
                   <a:srgbClr val="333333"/>
                 </a:solidFill>
                 <a:latin typeface="Noto Sans Regular"/>
+                <a:ea typeface="DejaVu Sans"/>
               </a:rPr>
               <a:t>Use the type class methods with the instance types.</a:t>
             </a:r>
@@ -6649,7 +6634,7 @@
         <p:spPr>
           <a:xfrm>
             <a:off x="720000" y="2160000"/>
-            <a:ext cx="8639640" cy="4384440"/>
+            <a:ext cx="8639280" cy="4384080"/>
           </a:xfrm>
           <a:prstGeom prst="rect">
             <a:avLst/>
@@ -6668,26 +6653,21 @@
         <p:txBody>
           <a:bodyPr lIns="0" rIns="0" tIns="0" bIns="0"/>
           <a:p>
-            <a:pPr marL="432000" indent="-323640">
-              <a:lnSpc>
-                <a:spcPct val="100000"/>
-              </a:lnSpc>
-              <a:spcAft>
-                <a:spcPts val="1414"/>
-              </a:spcAft>
-              <a:buClr>
-                <a:srgbClr val="ef2929"/>
-              </a:buClr>
-              <a:buSzPct val="45000"/>
-              <a:buFont typeface="Wingdings" charset="2"/>
-              <a:buChar char=""/>
-            </a:pPr>
-            <a:r>
-              <a:rPr b="0" lang="de-DE" sz="1800" spc="-1" strike="noStrike">
-                <a:solidFill>
-                  <a:srgbClr val="333333"/>
-                </a:solidFill>
-                <a:latin typeface="Noto Sans Regular"/>
+            <a:pPr marL="360000">
+              <a:lnSpc>
+                <a:spcPct val="100000"/>
+              </a:lnSpc>
+              <a:spcAft>
+                <a:spcPts val="1414"/>
+              </a:spcAft>
+            </a:pPr>
+            <a:r>
+              <a:rPr b="0" lang="de-DE" sz="1800" spc="-1" strike="noStrike">
+                <a:solidFill>
+                  <a:srgbClr val="333333"/>
+                </a:solidFill>
+                <a:latin typeface="Noto Sans Regular"/>
+                <a:ea typeface="DejaVu Sans"/>
               </a:rPr>
               <a:t>  </a:t>
             </a:r>
@@ -6697,6 +6677,7 @@
                   <a:srgbClr val="333333"/>
                 </a:solidFill>
                 <a:latin typeface="Noto Sans Regular"/>
+                <a:ea typeface="DejaVu Sans"/>
               </a:rPr>
               <a:t>putStrLn $ format $ utcTime 2018 3 8 16 38 19</a:t>
             </a:r>
@@ -6705,26 +6686,21 @@
             </a:endParaRPr>
           </a:p>
           <a:p>
-            <a:pPr marL="432000" indent="-323640">
-              <a:lnSpc>
-                <a:spcPct val="100000"/>
-              </a:lnSpc>
-              <a:spcAft>
-                <a:spcPts val="1414"/>
-              </a:spcAft>
-              <a:buClr>
-                <a:srgbClr val="ef2929"/>
-              </a:buClr>
-              <a:buSzPct val="45000"/>
-              <a:buFont typeface="Wingdings" charset="2"/>
-              <a:buChar char=""/>
-            </a:pPr>
-            <a:r>
-              <a:rPr b="0" lang="de-DE" sz="1800" spc="-1" strike="noStrike">
-                <a:solidFill>
-                  <a:srgbClr val="333333"/>
-                </a:solidFill>
-                <a:latin typeface="Noto Sans Regular"/>
+            <a:pPr marL="360000">
+              <a:lnSpc>
+                <a:spcPct val="100000"/>
+              </a:lnSpc>
+              <a:spcAft>
+                <a:spcPts val="1414"/>
+              </a:spcAft>
+            </a:pPr>
+            <a:r>
+              <a:rPr b="0" lang="de-DE" sz="1800" spc="-1" strike="noStrike">
+                <a:solidFill>
+                  <a:srgbClr val="333333"/>
+                </a:solidFill>
+                <a:latin typeface="Noto Sans Regular"/>
+                <a:ea typeface="DejaVu Sans"/>
               </a:rPr>
               <a:t>  </a:t>
             </a:r>
@@ -6734,6 +6710,7 @@
                   <a:srgbClr val="333333"/>
                 </a:solidFill>
                 <a:latin typeface="Noto Sans Regular"/>
+                <a:ea typeface="DejaVu Sans"/>
               </a:rPr>
               <a:t>pprintt $ utcTime 2018 3 8 16 38 19</a:t>
             </a:r>
@@ -6742,7 +6719,7 @@
             </a:endParaRPr>
           </a:p>
           <a:p>
-            <a:pPr>
+            <a:pPr marL="360000">
               <a:lnSpc>
                 <a:spcPct val="100000"/>
               </a:lnSpc>
@@ -6755,26 +6732,21 @@
             </a:endParaRPr>
           </a:p>
           <a:p>
-            <a:pPr marL="432000" indent="-323640">
-              <a:lnSpc>
-                <a:spcPct val="100000"/>
-              </a:lnSpc>
-              <a:spcAft>
-                <a:spcPts val="1414"/>
-              </a:spcAft>
-              <a:buClr>
-                <a:srgbClr val="ef2929"/>
-              </a:buClr>
-              <a:buSzPct val="45000"/>
-              <a:buFont typeface="Wingdings" charset="2"/>
-              <a:buChar char=""/>
-            </a:pPr>
-            <a:r>
-              <a:rPr b="0" lang="de-DE" sz="1800" spc="-1" strike="noStrike">
-                <a:solidFill>
-                  <a:srgbClr val="333333"/>
-                </a:solidFill>
-                <a:latin typeface="Noto Sans Regular"/>
+            <a:pPr marL="360000">
+              <a:lnSpc>
+                <a:spcPct val="100000"/>
+              </a:lnSpc>
+              <a:spcAft>
+                <a:spcPts val="1414"/>
+              </a:spcAft>
+            </a:pPr>
+            <a:r>
+              <a:rPr b="0" lang="de-DE" sz="1800" spc="-1" strike="noStrike">
+                <a:solidFill>
+                  <a:srgbClr val="333333"/>
+                </a:solidFill>
+                <a:latin typeface="Noto Sans Regular"/>
+                <a:ea typeface="DejaVu Sans"/>
               </a:rPr>
               <a:t>  </a:t>
             </a:r>
@@ -6784,6 +6756,7 @@
                   <a:srgbClr val="333333"/>
                 </a:solidFill>
                 <a:latin typeface="Noto Sans Regular"/>
+                <a:ea typeface="DejaVu Sans"/>
               </a:rPr>
               <a:t>let mizzi = Cat "Mizzi" 1 "black"</a:t>
             </a:r>
@@ -6792,63 +6765,54 @@
             </a:endParaRPr>
           </a:p>
           <a:p>
-            <a:pPr marL="432000" indent="-323640">
-              <a:lnSpc>
-                <a:spcPct val="100000"/>
-              </a:lnSpc>
-              <a:spcAft>
-                <a:spcPts val="1414"/>
-              </a:spcAft>
-              <a:buClr>
-                <a:srgbClr val="ef2929"/>
-              </a:buClr>
-              <a:buSzPct val="45000"/>
-              <a:buFont typeface="Wingdings" charset="2"/>
-              <a:buChar char=""/>
-            </a:pPr>
-            <a:r>
-              <a:rPr b="0" lang="de-DE" sz="1800" spc="-1" strike="noStrike">
-                <a:solidFill>
-                  <a:srgbClr val="333333"/>
-                </a:solidFill>
-                <a:latin typeface="Noto Sans Regular"/>
-              </a:rPr>
-              <a:t>      </a:t>
-            </a:r>
-            <a:r>
-              <a:rPr b="0" lang="de-DE" sz="1800" spc="-1" strike="noStrike">
-                <a:solidFill>
-                  <a:srgbClr val="333333"/>
-                </a:solidFill>
-                <a:latin typeface="Noto Sans Regular"/>
-              </a:rPr>
-              <a:t>garfield = Cat "Garfield" 38 "ginger and black"</a:t>
+            <a:pPr marL="360000">
+              <a:lnSpc>
+                <a:spcPct val="100000"/>
+              </a:lnSpc>
+              <a:spcAft>
+                <a:spcPts val="1414"/>
+              </a:spcAft>
+            </a:pPr>
+            <a:r>
+              <a:rPr b="0" lang="de-DE" sz="1800" spc="-1" strike="noStrike">
+                <a:solidFill>
+                  <a:srgbClr val="333333"/>
+                </a:solidFill>
+                <a:latin typeface="Noto Sans Regular"/>
+                <a:ea typeface="DejaVu Sans"/>
+              </a:rPr>
+              <a:t>  </a:t>
+            </a:r>
+            <a:r>
+              <a:rPr b="0" lang="de-DE" sz="1800" spc="-1" strike="noStrike">
+                <a:solidFill>
+                  <a:srgbClr val="333333"/>
+                </a:solidFill>
+                <a:latin typeface="Noto Sans Regular"/>
+                <a:ea typeface="DejaVu Sans"/>
+              </a:rPr>
+              <a:t>putStrLn $ format mizzi</a:t>
             </a:r>
             <a:endParaRPr b="0" lang="de-DE" sz="1800" spc="-1" strike="noStrike">
               <a:latin typeface="Arial"/>
             </a:endParaRPr>
           </a:p>
           <a:p>
-            <a:pPr marL="432000" indent="-323640">
-              <a:lnSpc>
-                <a:spcPct val="100000"/>
-              </a:lnSpc>
-              <a:spcAft>
-                <a:spcPts val="1414"/>
-              </a:spcAft>
-              <a:buClr>
-                <a:srgbClr val="ef2929"/>
-              </a:buClr>
-              <a:buSzPct val="45000"/>
-              <a:buFont typeface="Wingdings" charset="2"/>
-              <a:buChar char=""/>
-            </a:pPr>
-            <a:r>
-              <a:rPr b="0" lang="de-DE" sz="1800" spc="-1" strike="noStrike">
-                <a:solidFill>
-                  <a:srgbClr val="333333"/>
-                </a:solidFill>
-                <a:latin typeface="Noto Sans Regular"/>
+            <a:pPr marL="360000">
+              <a:lnSpc>
+                <a:spcPct val="100000"/>
+              </a:lnSpc>
+              <a:spcAft>
+                <a:spcPts val="1414"/>
+              </a:spcAft>
+            </a:pPr>
+            <a:r>
+              <a:rPr b="0" lang="de-DE" sz="1800" spc="-1" strike="noStrike">
+                <a:solidFill>
+                  <a:srgbClr val="333333"/>
+                </a:solidFill>
+                <a:latin typeface="Noto Sans Regular"/>
+                <a:ea typeface="DejaVu Sans"/>
               </a:rPr>
               <a:t>  </a:t>
             </a:r>
@@ -6858,119 +6822,9 @@
                   <a:srgbClr val="333333"/>
                 </a:solidFill>
                 <a:latin typeface="Noto Sans Regular"/>
-              </a:rPr>
-              <a:t>putStrLn $ format mizzi</a:t>
-            </a:r>
-            <a:endParaRPr b="0" lang="de-DE" sz="1800" spc="-1" strike="noStrike">
-              <a:latin typeface="Arial"/>
-            </a:endParaRPr>
-          </a:p>
-          <a:p>
-            <a:pPr marL="432000" indent="-323640">
-              <a:lnSpc>
-                <a:spcPct val="100000"/>
-              </a:lnSpc>
-              <a:spcAft>
-                <a:spcPts val="1414"/>
-              </a:spcAft>
-              <a:buClr>
-                <a:srgbClr val="ef2929"/>
-              </a:buClr>
-              <a:buSzPct val="45000"/>
-              <a:buFont typeface="Wingdings" charset="2"/>
-              <a:buChar char=""/>
-            </a:pPr>
-            <a:r>
-              <a:rPr b="0" lang="de-DE" sz="1800" spc="-1" strike="noStrike">
-                <a:solidFill>
-                  <a:srgbClr val="333333"/>
-                </a:solidFill>
-                <a:latin typeface="Noto Sans Regular"/>
-              </a:rPr>
-              <a:t>  </a:t>
-            </a:r>
-            <a:r>
-              <a:rPr b="0" lang="de-DE" sz="1800" spc="-1" strike="noStrike">
-                <a:solidFill>
-                  <a:srgbClr val="333333"/>
-                </a:solidFill>
-                <a:latin typeface="Noto Sans Regular"/>
+                <a:ea typeface="DejaVu Sans"/>
               </a:rPr>
               <a:t>pprintt mizzi</a:t>
-            </a:r>
-            <a:endParaRPr b="0" lang="de-DE" sz="1800" spc="-1" strike="noStrike">
-              <a:latin typeface="Arial"/>
-            </a:endParaRPr>
-          </a:p>
-          <a:p>
-            <a:pPr marL="432000" indent="-323640">
-              <a:lnSpc>
-                <a:spcPct val="100000"/>
-              </a:lnSpc>
-              <a:spcAft>
-                <a:spcPts val="1414"/>
-              </a:spcAft>
-              <a:buClr>
-                <a:srgbClr val="ef2929"/>
-              </a:buClr>
-              <a:buSzPct val="45000"/>
-              <a:buFont typeface="Wingdings" charset="2"/>
-              <a:buChar char=""/>
-            </a:pPr>
-            <a:r>
-              <a:rPr b="0" lang="de-DE" sz="1800" spc="-1" strike="noStrike">
-                <a:solidFill>
-                  <a:srgbClr val="333333"/>
-                </a:solidFill>
-                <a:latin typeface="Noto Sans Regular"/>
-              </a:rPr>
-              <a:t>  </a:t>
-            </a:r>
-            <a:r>
-              <a:rPr b="0" lang="de-DE" sz="1800" spc="-1" strike="noStrike">
-                <a:solidFill>
-                  <a:srgbClr val="333333"/>
-                </a:solidFill>
-                <a:latin typeface="Noto Sans Regular"/>
-              </a:rPr>
-              <a:t>putStrLn $ format garfield</a:t>
-            </a:r>
-            <a:endParaRPr b="0" lang="de-DE" sz="1800" spc="-1" strike="noStrike">
-              <a:latin typeface="Arial"/>
-            </a:endParaRPr>
-          </a:p>
-          <a:p>
-            <a:pPr marL="432000" indent="-323640">
-              <a:lnSpc>
-                <a:spcPct val="100000"/>
-              </a:lnSpc>
-              <a:spcAft>
-                <a:spcPts val="1414"/>
-              </a:spcAft>
-              <a:buClr>
-                <a:srgbClr val="ef2929"/>
-              </a:buClr>
-              <a:buSzPct val="45000"/>
-              <a:buFont typeface="Wingdings" charset="2"/>
-              <a:buChar char=""/>
-            </a:pPr>
-            <a:r>
-              <a:rPr b="0" lang="de-DE" sz="1800" spc="-1" strike="noStrike">
-                <a:solidFill>
-                  <a:srgbClr val="333333"/>
-                </a:solidFill>
-                <a:latin typeface="Noto Sans Regular"/>
-              </a:rPr>
-              <a:t>  </a:t>
-            </a:r>
-            <a:r>
-              <a:rPr b="0" lang="de-DE" sz="1800" spc="-1" strike="noStrike">
-                <a:solidFill>
-                  <a:srgbClr val="333333"/>
-                </a:solidFill>
-                <a:latin typeface="Noto Sans Regular"/>
-              </a:rPr>
-              <a:t>pprintt garfield</a:t>
             </a:r>
             <a:endParaRPr b="0" lang="de-DE" sz="1800" spc="-1" strike="noStrike">
               <a:latin typeface="Arial"/>
@@ -7036,7 +6890,7 @@
         <p:spPr>
           <a:xfrm>
             <a:off x="720000" y="300960"/>
-            <a:ext cx="8855280" cy="1262160"/>
+            <a:ext cx="8854920" cy="1261800"/>
           </a:xfrm>
           <a:prstGeom prst="rect">
             <a:avLst/>
@@ -7061,11 +6915,12 @@
                   <a:srgbClr val="333333"/>
                 </a:solidFill>
                 <a:latin typeface="Noto Sans Regular"/>
+                <a:ea typeface="DejaVu Sans"/>
               </a:rPr>
               <a:t>Comparison</a:t>
             </a:r>
             <a:endParaRPr b="0" lang="de-DE" sz="4000" spc="-1" strike="noStrike">
-              <a:latin typeface="Times New Roman"/>
+              <a:latin typeface="Arial"/>
             </a:endParaRPr>
           </a:p>
         </p:txBody>
@@ -7079,7 +6934,7 @@
         <p:spPr>
           <a:xfrm>
             <a:off x="720000" y="2160000"/>
-            <a:ext cx="8639640" cy="4384440"/>
+            <a:ext cx="8639280" cy="4384080"/>
           </a:xfrm>
           <a:prstGeom prst="rect">
             <a:avLst/>
@@ -7098,7 +6953,7 @@
         <p:txBody>
           <a:bodyPr lIns="0" rIns="0" tIns="0" bIns="0"/>
           <a:p>
-            <a:pPr marL="432000" indent="-323640">
+            <a:pPr marL="432000" indent="-323280">
               <a:lnSpc>
                 <a:spcPct val="100000"/>
               </a:lnSpc>
@@ -7118,15 +6973,56 @@
                   <a:srgbClr val="333333"/>
                 </a:solidFill>
                 <a:latin typeface="Noto Sans Regular"/>
-              </a:rPr>
-              <a:t>Haskell has its own type class syntax.</a:t>
+                <a:ea typeface="DejaVu Sans"/>
+              </a:rPr>
+              <a:t>Haskell has its own type class syntax (key words </a:t>
+            </a:r>
+            <a:r>
+              <a:rPr b="0" lang="de-DE" sz="2800" spc="-1" strike="noStrike">
+                <a:solidFill>
+                  <a:srgbClr val="333333"/>
+                </a:solidFill>
+                <a:latin typeface="Courier New"/>
+                <a:ea typeface="DejaVu Sans"/>
+              </a:rPr>
+              <a:t>class</a:t>
+            </a:r>
+            <a:r>
+              <a:rPr b="0" lang="de-DE" sz="2800" spc="-1" strike="noStrike">
+                <a:solidFill>
+                  <a:srgbClr val="333333"/>
+                </a:solidFill>
+                <a:latin typeface="Noto Sans Regular"/>
+                <a:ea typeface="DejaVu Sans"/>
+              </a:rPr>
+              <a:t> and </a:t>
+            </a:r>
+            <a:r>
+              <a:rPr b="0" lang="de-DE" sz="2800" spc="-1" strike="noStrike">
+                <a:solidFill>
+                  <a:srgbClr val="333333"/>
+                </a:solidFill>
+                <a:latin typeface="Courier New"/>
+                <a:ea typeface="DejaVu Sans"/>
+              </a:rPr>
+              <a:t>instance</a:t>
+            </a:r>
+            <a:r>
+              <a:rPr b="0" lang="de-DE" sz="2800" spc="-1" strike="noStrike">
+                <a:solidFill>
+                  <a:srgbClr val="333333"/>
+                </a:solidFill>
+                <a:latin typeface="Noto Sans Regular"/>
+                <a:ea typeface="DejaVu Sans"/>
+              </a:rPr>
+              <a:t>).</a:t>
             </a:r>
             <a:endParaRPr b="0" lang="de-DE" sz="2800" spc="-1" strike="noStrike">
-              <a:latin typeface="Times New Roman"/>
-            </a:endParaRPr>
-          </a:p>
-          <a:p>
-            <a:pPr marL="432000" indent="-323640">
+              <a:latin typeface="Arial"/>
+            </a:endParaRPr>
+          </a:p>
+          <a:p>
+            <a:pPr marL="432000" indent="-323280">
               <a:lnSpc>
                 <a:spcPct val="100000"/>
               </a:lnSpc>
@@ -7146,15 +7042,16 @@
                   <a:srgbClr val="333333"/>
                 </a:solidFill>
                 <a:latin typeface="Noto Sans Regular"/>
+                <a:ea typeface="DejaVu Sans"/>
               </a:rPr>
               <a:t>Scala uses implicits to provide type classes.</a:t>
             </a:r>
             <a:endParaRPr b="0" lang="de-DE" sz="2800" spc="-1" strike="noStrike">
-              <a:latin typeface="Times New Roman"/>
-            </a:endParaRPr>
-          </a:p>
-          <a:p>
-            <a:pPr marL="432000" indent="-323640">
+              <a:latin typeface="Arial"/>
+            </a:endParaRPr>
+          </a:p>
+          <a:p>
+            <a:pPr marL="432000" indent="-323280">
               <a:lnSpc>
                 <a:spcPct val="100000"/>
               </a:lnSpc>
@@ -7174,15 +7071,16 @@
                   <a:srgbClr val="333333"/>
                 </a:solidFill>
                 <a:latin typeface="Noto Sans Regular"/>
+                <a:ea typeface="DejaVu Sans"/>
               </a:rPr>
               <a:t>In Scala (using implicit val …) you need to create an object for each type class instance.</a:t>
             </a:r>
             <a:endParaRPr b="0" lang="de-DE" sz="2800" spc="-1" strike="noStrike">
-              <a:latin typeface="Times New Roman"/>
-            </a:endParaRPr>
-          </a:p>
-          <a:p>
-            <a:pPr marL="432000" indent="-323640">
+              <a:latin typeface="Arial"/>
+            </a:endParaRPr>
+          </a:p>
+          <a:p>
+            <a:pPr marL="432000" indent="-323280">
               <a:lnSpc>
                 <a:spcPct val="100000"/>
               </a:lnSpc>
@@ -7202,14 +7100,20 @@
                   <a:srgbClr val="333333"/>
                 </a:solidFill>
                 <a:latin typeface="Noto Sans Regular"/>
-              </a:rPr>
-              <a:t>In Haskell object creation is avoided.</a:t>
+                <a:ea typeface="DejaVu Sans"/>
+              </a:rPr>
+              <a:t>No object creation in Haskell.</a:t>
             </a:r>
             <a:endParaRPr b="0" lang="de-DE" sz="2800" spc="-1" strike="noStrike">
               <a:latin typeface="Arial"/>
             </a:endParaRPr>
           </a:p>
           <a:p>
+            <a:pPr>
+              <a:lnSpc>
+                <a:spcPct val="100000"/>
+              </a:lnSpc>
+            </a:pPr>
             <a:endParaRPr b="0" lang="de-DE" sz="2800" spc="-1" strike="noStrike">
               <a:latin typeface="Arial"/>
             </a:endParaRPr>
@@ -7274,7 +7178,7 @@
         <p:spPr>
           <a:xfrm>
             <a:off x="720000" y="300960"/>
-            <a:ext cx="8855280" cy="1262160"/>
+            <a:ext cx="8854920" cy="1261800"/>
           </a:xfrm>
           <a:prstGeom prst="rect">
             <a:avLst/>
@@ -7299,11 +7203,12 @@
                   <a:srgbClr val="333333"/>
                 </a:solidFill>
                 <a:latin typeface="Noto Sans Regular"/>
+                <a:ea typeface="DejaVu Sans"/>
               </a:rPr>
               <a:t>Resources</a:t>
             </a:r>
             <a:endParaRPr b="0" lang="de-DE" sz="4000" spc="-1" strike="noStrike">
-              <a:latin typeface="Times New Roman"/>
+              <a:latin typeface="Arial"/>
             </a:endParaRPr>
           </a:p>
         </p:txBody>
@@ -7317,7 +7222,7 @@
         <p:spPr>
           <a:xfrm>
             <a:off x="756000" y="2160000"/>
-            <a:ext cx="8639640" cy="4384440"/>
+            <a:ext cx="8639280" cy="4384080"/>
           </a:xfrm>
           <a:prstGeom prst="rect">
             <a:avLst/>
@@ -7336,7 +7241,7 @@
         <p:txBody>
           <a:bodyPr lIns="0" rIns="0" tIns="0" bIns="0"/>
           <a:p>
-            <a:pPr marL="432000" indent="-323640">
+            <a:pPr marL="432000" indent="-323280">
               <a:lnSpc>
                 <a:spcPct val="100000"/>
               </a:lnSpc>
@@ -7356,15 +7261,18 @@
                   <a:srgbClr val="333333"/>
                 </a:solidFill>
                 <a:latin typeface="Noto Sans Regular"/>
+                <a:ea typeface="DejaVu Sans"/>
               </a:rPr>
               <a:t>Source code and slides – </a:t>
             </a:r>
             <a:r>
-              <a:rPr b="0" lang="de-DE" sz="2200" spc="-1" strike="noStrike">
-                <a:solidFill>
-                  <a:srgbClr val="333333"/>
-                </a:solidFill>
-                <a:latin typeface="Noto Sans Regular"/>
+              <a:rPr b="0" lang="de-DE" sz="2200" spc="-1" strike="noStrike" u="sng">
+                <a:solidFill>
+                  <a:srgbClr val="0000ff"/>
+                </a:solidFill>
+                <a:uFillTx/>
+                <a:latin typeface="Noto Sans Regular"/>
+                <a:ea typeface="DejaVu Sans"/>
                 <a:hlinkClick r:id="rId1"/>
               </a:rPr>
               <a:t>https://github.com/hermannhueck/typeclasses</a:t>
@@ -7375,15 +7283,16 @@
                   <a:srgbClr val="333333"/>
                 </a:solidFill>
                 <a:latin typeface="Noto Sans Regular"/>
+                <a:ea typeface="DejaVu Sans"/>
               </a:rPr>
               <a:t> </a:t>
             </a:r>
             <a:endParaRPr b="0" lang="de-DE" sz="2800" spc="-1" strike="noStrike">
-              <a:latin typeface="Times New Roman"/>
-            </a:endParaRPr>
-          </a:p>
-          <a:p>
-            <a:pPr marL="432000" indent="-323640">
+              <a:latin typeface="Arial"/>
+            </a:endParaRPr>
+          </a:p>
+          <a:p>
+            <a:pPr marL="432000" indent="-323280">
               <a:lnSpc>
                 <a:spcPct val="100000"/>
               </a:lnSpc>
@@ -7403,6 +7312,7 @@
                   <a:srgbClr val="333333"/>
                 </a:solidFill>
                 <a:latin typeface="Noto Sans Regular"/>
+                <a:ea typeface="DejaVu Sans"/>
               </a:rPr>
               <a:t>„</a:t>
             </a:r>
@@ -7412,34 +7322,38 @@
                   <a:srgbClr val="333333"/>
                 </a:solidFill>
                 <a:latin typeface="Noto Sans Regular"/>
+                <a:ea typeface="DejaVu Sans"/>
               </a:rPr>
               <a:t>Scala with Cats“ by Noel Welsh and Dave Gurnell – </a:t>
             </a:r>
             <a:r>
+              <a:rPr b="0" lang="de-DE" sz="2200" spc="-1" strike="noStrike" u="sng">
+                <a:solidFill>
+                  <a:srgbClr val="0000ff"/>
+                </a:solidFill>
+                <a:uFillTx/>
+                <a:latin typeface="Noto Sans Regular"/>
+                <a:ea typeface="DejaVu Sans"/>
+                <a:hlinkClick r:id="rId2"/>
+              </a:rPr>
+              <a:t>https://gumroad.com/discover?query=scala+cats</a:t>
+            </a:r>
+            <a:r>
               <a:rPr b="0" lang="de-DE" sz="2200" spc="-1" strike="noStrike">
                 <a:solidFill>
                   <a:srgbClr val="333333"/>
                 </a:solidFill>
                 <a:latin typeface="Noto Sans Regular"/>
-                <a:hlinkClick r:id="rId2"/>
-              </a:rPr>
-              <a:t>https://gumroad.com/discover?query=scala+cats</a:t>
-            </a:r>
-            <a:r>
-              <a:rPr b="0" lang="de-DE" sz="2200" spc="-1" strike="noStrike">
-                <a:solidFill>
-                  <a:srgbClr val="333333"/>
-                </a:solidFill>
-                <a:latin typeface="Noto Sans Regular"/>
+                <a:ea typeface="DejaVu Sans"/>
               </a:rPr>
               <a:t> </a:t>
             </a:r>
             <a:endParaRPr b="0" lang="de-DE" sz="2200" spc="-1" strike="noStrike">
-              <a:latin typeface="Times New Roman"/>
-            </a:endParaRPr>
-          </a:p>
-          <a:p>
-            <a:pPr marL="432000" indent="-323640">
+              <a:latin typeface="Arial"/>
+            </a:endParaRPr>
+          </a:p>
+          <a:p>
+            <a:pPr marL="432000" indent="-323280">
               <a:lnSpc>
                 <a:spcPct val="100000"/>
               </a:lnSpc>
@@ -7459,6 +7373,7 @@
                   <a:srgbClr val="333333"/>
                 </a:solidFill>
                 <a:latin typeface="Noto Sans Regular"/>
+                <a:ea typeface="DejaVu Sans"/>
               </a:rPr>
               <a:t>„</a:t>
             </a:r>
@@ -7468,15 +7383,18 @@
                   <a:srgbClr val="333333"/>
                 </a:solidFill>
                 <a:latin typeface="Noto Sans Regular"/>
+                <a:ea typeface="DejaVu Sans"/>
               </a:rPr>
               <a:t>Haskell Programming from first principles“ by Christoper Allen and Julie Moronuki – </a:t>
             </a:r>
             <a:r>
-              <a:rPr b="0" lang="de-DE" sz="2200" spc="-1" strike="noStrike">
-                <a:solidFill>
-                  <a:srgbClr val="333333"/>
-                </a:solidFill>
-                <a:latin typeface="Noto Sans Regular"/>
+              <a:rPr b="0" lang="de-DE" sz="2200" spc="-1" strike="noStrike" u="sng">
+                <a:solidFill>
+                  <a:srgbClr val="0000ff"/>
+                </a:solidFill>
+                <a:uFillTx/>
+                <a:latin typeface="Noto Sans Regular"/>
+                <a:ea typeface="DejaVu Sans"/>
                 <a:hlinkClick r:id="rId3"/>
               </a:rPr>
               <a:t>https://gumroad.com/discover?query=allen+haskell</a:t>
@@ -7487,16 +7405,22 @@
                   <a:srgbClr val="333333"/>
                 </a:solidFill>
                 <a:latin typeface="Noto Sans Regular"/>
+                <a:ea typeface="DejaVu Sans"/>
               </a:rPr>
               <a:t> </a:t>
             </a:r>
             <a:endParaRPr b="0" lang="de-DE" sz="2800" spc="-1" strike="noStrike">
-              <a:latin typeface="Times New Roman"/>
-            </a:endParaRPr>
-          </a:p>
-          <a:p>
+              <a:latin typeface="Arial"/>
+            </a:endParaRPr>
+          </a:p>
+          <a:p>
+            <a:pPr>
+              <a:lnSpc>
+                <a:spcPct val="100000"/>
+              </a:lnSpc>
+            </a:pPr>
             <a:endParaRPr b="0" lang="de-DE" sz="2800" spc="-1" strike="noStrike">
-              <a:latin typeface="Times New Roman"/>
+              <a:latin typeface="Arial"/>
             </a:endParaRPr>
           </a:p>
         </p:txBody>
@@ -7559,7 +7483,7 @@
         <p:spPr>
           <a:xfrm>
             <a:off x="720000" y="300960"/>
-            <a:ext cx="8855280" cy="1262160"/>
+            <a:ext cx="8854920" cy="1261800"/>
           </a:xfrm>
           <a:prstGeom prst="rect">
             <a:avLst/>
@@ -7584,11 +7508,12 @@
                   <a:srgbClr val="333333"/>
                 </a:solidFill>
                 <a:latin typeface="Noto Sans Regular"/>
+                <a:ea typeface="DejaVu Sans"/>
               </a:rPr>
               <a:t>Thank you!</a:t>
             </a:r>
             <a:endParaRPr b="0" lang="de-DE" sz="4000" spc="-1" strike="noStrike">
-              <a:latin typeface="Times New Roman"/>
+              <a:latin typeface="Arial"/>
             </a:endParaRPr>
           </a:p>
         </p:txBody>
@@ -7602,7 +7527,7 @@
         <p:spPr>
           <a:xfrm>
             <a:off x="720000" y="2160000"/>
-            <a:ext cx="8639640" cy="4384440"/>
+            <a:ext cx="8639280" cy="4384080"/>
           </a:xfrm>
           <a:prstGeom prst="rect">
             <a:avLst/>
@@ -7621,57 +7546,39 @@
         <p:txBody>
           <a:bodyPr lIns="0" rIns="0" tIns="0" bIns="0"/>
           <a:p>
-            <a:pPr marL="432000" indent="-323640">
-              <a:lnSpc>
-                <a:spcPct val="100000"/>
-              </a:lnSpc>
-              <a:spcAft>
-                <a:spcPts val="1414"/>
-              </a:spcAft>
-              <a:buClr>
-                <a:srgbClr val="ef2929"/>
-              </a:buClr>
-              <a:buSzPct val="45000"/>
-              <a:buFont typeface="Wingdings" charset="2"/>
-              <a:buChar char=""/>
-            </a:pPr>
-            <a:endParaRPr b="0" lang="de-DE" sz="2400" spc="-1" strike="noStrike">
-              <a:latin typeface="Times New Roman"/>
-            </a:endParaRPr>
-          </a:p>
-          <a:p>
-            <a:pPr marL="432000" indent="-323640">
-              <a:lnSpc>
-                <a:spcPct val="100000"/>
-              </a:lnSpc>
-              <a:spcAft>
-                <a:spcPts val="1414"/>
-              </a:spcAft>
-              <a:buClr>
-                <a:srgbClr val="ef2929"/>
-              </a:buClr>
-              <a:buSzPct val="45000"/>
-              <a:buFont typeface="Wingdings" charset="2"/>
-              <a:buChar char=""/>
-            </a:pPr>
-            <a:endParaRPr b="0" lang="de-DE" sz="2400" spc="-1" strike="noStrike">
-              <a:latin typeface="Times New Roman"/>
-            </a:endParaRPr>
-          </a:p>
-          <a:p>
-            <a:pPr marL="432000" indent="-323640" algn="ctr">
-              <a:lnSpc>
-                <a:spcPct val="100000"/>
-              </a:lnSpc>
-              <a:spcAft>
-                <a:spcPts val="1414"/>
-              </a:spcAft>
-              <a:buClr>
-                <a:srgbClr val="ef2929"/>
-              </a:buClr>
-              <a:buSzPct val="45000"/>
-              <a:buFont typeface="Wingdings" charset="2"/>
-              <a:buChar char=""/>
+            <a:pPr>
+              <a:lnSpc>
+                <a:spcPct val="100000"/>
+              </a:lnSpc>
+              <a:spcAft>
+                <a:spcPts val="1414"/>
+              </a:spcAft>
+            </a:pPr>
+            <a:endParaRPr b="0" lang="de-DE" sz="1800" spc="-1" strike="noStrike">
+              <a:latin typeface="Arial"/>
+            </a:endParaRPr>
+          </a:p>
+          <a:p>
+            <a:pPr>
+              <a:lnSpc>
+                <a:spcPct val="100000"/>
+              </a:lnSpc>
+              <a:spcAft>
+                <a:spcPts val="1414"/>
+              </a:spcAft>
+            </a:pPr>
+            <a:endParaRPr b="0" lang="de-DE" sz="1800" spc="-1" strike="noStrike">
+              <a:latin typeface="Arial"/>
+            </a:endParaRPr>
+          </a:p>
+          <a:p>
+            <a:pPr algn="ctr">
+              <a:lnSpc>
+                <a:spcPct val="100000"/>
+              </a:lnSpc>
+              <a:spcAft>
+                <a:spcPts val="1414"/>
+              </a:spcAft>
             </a:pPr>
             <a:r>
               <a:rPr b="1" lang="de-DE" sz="8000" spc="-1" strike="noStrike">
@@ -7679,6 +7586,7 @@
                   <a:srgbClr val="333333"/>
                 </a:solidFill>
                 <a:latin typeface="Noto Sans Regular"/>
+                <a:ea typeface="DejaVu Sans"/>
               </a:rPr>
               <a:t>Q &amp; A</a:t>
             </a:r>
@@ -7688,16 +7596,22 @@
                   <a:srgbClr val="333333"/>
                 </a:solidFill>
                 <a:latin typeface="Noto Sans Regular"/>
+                <a:ea typeface="DejaVu Sans"/>
               </a:rPr>
               <a:t> </a:t>
             </a:r>
             <a:endParaRPr b="0" lang="de-DE" sz="2800" spc="-1" strike="noStrike">
-              <a:latin typeface="Times New Roman"/>
-            </a:endParaRPr>
-          </a:p>
-          <a:p>
+              <a:latin typeface="Arial"/>
+            </a:endParaRPr>
+          </a:p>
+          <a:p>
+            <a:pPr>
+              <a:lnSpc>
+                <a:spcPct val="100000"/>
+              </a:lnSpc>
+            </a:pPr>
             <a:endParaRPr b="0" lang="de-DE" sz="2800" spc="-1" strike="noStrike">
-              <a:latin typeface="Times New Roman"/>
+              <a:latin typeface="Arial"/>
             </a:endParaRPr>
           </a:p>
         </p:txBody>
@@ -7760,7 +7674,7 @@
         <p:spPr>
           <a:xfrm>
             <a:off x="720000" y="300960"/>
-            <a:ext cx="8855280" cy="1262160"/>
+            <a:ext cx="8854920" cy="1261800"/>
           </a:xfrm>
           <a:prstGeom prst="rect">
             <a:avLst/>
@@ -7785,6 +7699,7 @@
                   <a:srgbClr val="333333"/>
                 </a:solidFill>
                 <a:latin typeface="Noto Sans Regular"/>
+                <a:ea typeface="DejaVu Sans"/>
               </a:rPr>
               <a:t>Example: List.sorted + List.sum</a:t>
             </a:r>
@@ -7803,7 +7718,7 @@
         <p:spPr>
           <a:xfrm>
             <a:off x="720000" y="2160000"/>
-            <a:ext cx="8639640" cy="4384440"/>
+            <a:ext cx="8639280" cy="4384080"/>
           </a:xfrm>
           <a:prstGeom prst="rect">
             <a:avLst/>
@@ -7822,7 +7737,7 @@
         <p:txBody>
           <a:bodyPr lIns="0" rIns="0" tIns="0" bIns="0"/>
           <a:p>
-            <a:pPr marL="432000" indent="-323640">
+            <a:pPr marL="432000" indent="-323280">
               <a:lnSpc>
                 <a:spcPct val="100000"/>
               </a:lnSpc>
@@ -7842,6 +7757,7 @@
                   <a:srgbClr val="333333"/>
                 </a:solidFill>
                 <a:latin typeface="Noto Sans Regular"/>
+                <a:ea typeface="DejaVu Sans"/>
               </a:rPr>
               <a:t>class List[+A] {</a:t>
             </a:r>
@@ -7850,7 +7766,7 @@
             </a:endParaRPr>
           </a:p>
           <a:p>
-            <a:pPr lvl="1" marL="864000" indent="-323640">
+            <a:pPr lvl="1" marL="864000" indent="-323280">
               <a:lnSpc>
                 <a:spcPct val="100000"/>
               </a:lnSpc>
@@ -7870,6 +7786,7 @@
                   <a:srgbClr val="333333"/>
                 </a:solidFill>
                 <a:latin typeface="Noto Sans Regular"/>
+                <a:ea typeface="DejaVu Sans"/>
               </a:rPr>
               <a:t>...</a:t>
             </a:r>
@@ -7878,7 +7795,7 @@
             </a:endParaRPr>
           </a:p>
           <a:p>
-            <a:pPr lvl="1" marL="864000" indent="-323640">
+            <a:pPr lvl="1" marL="864000" indent="-323280">
               <a:lnSpc>
                 <a:spcPct val="100000"/>
               </a:lnSpc>
@@ -7898,6 +7815,7 @@
                   <a:srgbClr val="333333"/>
                 </a:solidFill>
                 <a:latin typeface="Noto Sans Regular"/>
+                <a:ea typeface="DejaVu Sans"/>
               </a:rPr>
               <a:t>def sorted[B &gt;: A](implicit ord: math.Ordering[B]): List[A]</a:t>
             </a:r>
@@ -7906,7 +7824,7 @@
             </a:endParaRPr>
           </a:p>
           <a:p>
-            <a:pPr lvl="1" marL="864000" indent="-323640">
+            <a:pPr lvl="1" marL="864000" indent="-323280">
               <a:lnSpc>
                 <a:spcPct val="100000"/>
               </a:lnSpc>
@@ -7926,6 +7844,7 @@
                   <a:srgbClr val="333333"/>
                 </a:solidFill>
                 <a:latin typeface="Noto Sans Regular"/>
+                <a:ea typeface="DejaVu Sans"/>
               </a:rPr>
               <a:t>def sum[B &gt;: A](implicit num: Numeric[B]): B </a:t>
             </a:r>
@@ -7934,7 +7853,7 @@
             </a:endParaRPr>
           </a:p>
           <a:p>
-            <a:pPr lvl="1" marL="864000" indent="-323640">
+            <a:pPr lvl="1" marL="864000" indent="-323280">
               <a:lnSpc>
                 <a:spcPct val="100000"/>
               </a:lnSpc>
@@ -7954,6 +7873,7 @@
                   <a:srgbClr val="333333"/>
                 </a:solidFill>
                 <a:latin typeface="Noto Sans Regular"/>
+                <a:ea typeface="DejaVu Sans"/>
               </a:rPr>
               <a:t>…</a:t>
             </a:r>
@@ -7962,7 +7882,7 @@
             </a:endParaRPr>
           </a:p>
           <a:p>
-            <a:pPr marL="432000" indent="-323640">
+            <a:pPr marL="432000" indent="-323280">
               <a:lnSpc>
                 <a:spcPct val="100000"/>
               </a:lnSpc>
@@ -7982,6 +7902,7 @@
                   <a:srgbClr val="333333"/>
                 </a:solidFill>
                 <a:latin typeface="Noto Sans Regular"/>
+                <a:ea typeface="DejaVu Sans"/>
               </a:rPr>
               <a:t>}</a:t>
             </a:r>
@@ -8049,7 +7970,7 @@
         <p:spPr>
           <a:xfrm>
             <a:off x="720000" y="300960"/>
-            <a:ext cx="8855280" cy="1262160"/>
+            <a:ext cx="8854920" cy="1261800"/>
           </a:xfrm>
           <a:prstGeom prst="rect">
             <a:avLst/>
@@ -8074,6 +7995,7 @@
                   <a:srgbClr val="333333"/>
                 </a:solidFill>
                 <a:latin typeface="Noto Sans Regular"/>
+                <a:ea typeface="DejaVu Sans"/>
               </a:rPr>
               <a:t>Some Type Classes (Scala)</a:t>
             </a:r>
@@ -8092,7 +8014,7 @@
         <p:spPr>
           <a:xfrm>
             <a:off x="720000" y="2160000"/>
-            <a:ext cx="8639640" cy="4384440"/>
+            <a:ext cx="8639280" cy="4384080"/>
           </a:xfrm>
           <a:prstGeom prst="rect">
             <a:avLst/>
@@ -8111,7 +8033,7 @@
         <p:txBody>
           <a:bodyPr lIns="0" rIns="0" tIns="0" bIns="0"/>
           <a:p>
-            <a:pPr marL="432000" indent="-323640">
+            <a:pPr marL="432000" indent="-323280">
               <a:lnSpc>
                 <a:spcPct val="100000"/>
               </a:lnSpc>
@@ -8131,15 +8053,16 @@
                   <a:srgbClr val="333333"/>
                 </a:solidFill>
                 <a:latin typeface="Noto Sans Regular"/>
-              </a:rPr>
-              <a:t>scala.math.Ordering</a:t>
+                <a:ea typeface="DejaVu Sans"/>
+              </a:rPr>
+              <a:t>scala.math.Ordering[T]</a:t>
             </a:r>
             <a:endParaRPr b="0" lang="de-DE" sz="2800" spc="-1" strike="noStrike">
               <a:latin typeface="Arial"/>
             </a:endParaRPr>
           </a:p>
           <a:p>
-            <a:pPr marL="432000" indent="-323640">
+            <a:pPr marL="432000" indent="-323280">
               <a:lnSpc>
                 <a:spcPct val="100000"/>
               </a:lnSpc>
@@ -8159,15 +8082,16 @@
                   <a:srgbClr val="333333"/>
                 </a:solidFill>
                 <a:latin typeface="Noto Sans Regular"/>
-              </a:rPr>
-              <a:t>scala.math.Numeric</a:t>
+                <a:ea typeface="DejaVu Sans"/>
+              </a:rPr>
+              <a:t>scala.math.Numeric[T]</a:t>
             </a:r>
             <a:endParaRPr b="0" lang="de-DE" sz="2800" spc="-1" strike="noStrike">
               <a:latin typeface="Arial"/>
             </a:endParaRPr>
           </a:p>
           <a:p>
-            <a:pPr marL="432000" indent="-323640">
+            <a:pPr marL="432000" indent="-323280">
               <a:lnSpc>
                 <a:spcPct val="100000"/>
               </a:lnSpc>
@@ -8187,15 +8111,16 @@
                   <a:srgbClr val="333333"/>
                 </a:solidFill>
                 <a:latin typeface="Noto Sans Regular"/>
-              </a:rPr>
-              <a:t>cats.Monoid</a:t>
+                <a:ea typeface="DejaVu Sans"/>
+              </a:rPr>
+              <a:t>JSON Serialization (in play-json etc.)</a:t>
             </a:r>
             <a:endParaRPr b="0" lang="de-DE" sz="2800" spc="-1" strike="noStrike">
               <a:latin typeface="Arial"/>
             </a:endParaRPr>
           </a:p>
           <a:p>
-            <a:pPr marL="432000" indent="-323640">
+            <a:pPr marL="432000" indent="-323280">
               <a:lnSpc>
                 <a:spcPct val="100000"/>
               </a:lnSpc>
@@ -8215,15 +8140,16 @@
                   <a:srgbClr val="333333"/>
                 </a:solidFill>
                 <a:latin typeface="Noto Sans Regular"/>
-              </a:rPr>
-              <a:t>cats.Functor</a:t>
+                <a:ea typeface="DejaVu Sans"/>
+              </a:rPr>
+              <a:t>cats.{Monoid, Functor, Monad …}</a:t>
             </a:r>
             <a:endParaRPr b="0" lang="de-DE" sz="2800" spc="-1" strike="noStrike">
               <a:latin typeface="Arial"/>
             </a:endParaRPr>
           </a:p>
           <a:p>
-            <a:pPr marL="432000" indent="-323640">
+            <a:pPr marL="432000" indent="-323280">
               <a:lnSpc>
                 <a:spcPct val="100000"/>
               </a:lnSpc>
@@ -8243,34 +8169,7 @@
                   <a:srgbClr val="333333"/>
                 </a:solidFill>
                 <a:latin typeface="Noto Sans Regular"/>
-              </a:rPr>
-              <a:t>cats.Monad</a:t>
-            </a:r>
-            <a:endParaRPr b="0" lang="de-DE" sz="2800" spc="-1" strike="noStrike">
-              <a:latin typeface="Arial"/>
-            </a:endParaRPr>
-          </a:p>
-          <a:p>
-            <a:pPr marL="432000" indent="-323640">
-              <a:lnSpc>
-                <a:spcPct val="100000"/>
-              </a:lnSpc>
-              <a:spcAft>
-                <a:spcPts val="1414"/>
-              </a:spcAft>
-              <a:buClr>
-                <a:srgbClr val="ef2929"/>
-              </a:buClr>
-              <a:buSzPct val="45000"/>
-              <a:buFont typeface="Wingdings" charset="2"/>
-              <a:buChar char=""/>
-            </a:pPr>
-            <a:r>
-              <a:rPr b="0" lang="de-DE" sz="2800" spc="-1" strike="noStrike">
-                <a:solidFill>
-                  <a:srgbClr val="333333"/>
-                </a:solidFill>
-                <a:latin typeface="Noto Sans Regular"/>
+                <a:ea typeface="DejaVu Sans"/>
               </a:rPr>
               <a:t>etc.</a:t>
             </a:r>
@@ -8338,7 +8237,7 @@
         <p:spPr>
           <a:xfrm>
             <a:off x="720000" y="300960"/>
-            <a:ext cx="8855280" cy="1262160"/>
+            <a:ext cx="8854920" cy="1261800"/>
           </a:xfrm>
           <a:prstGeom prst="rect">
             <a:avLst/>
@@ -8363,6 +8262,7 @@
                   <a:srgbClr val="333333"/>
                 </a:solidFill>
                 <a:latin typeface="Noto Sans Regular"/>
+                <a:ea typeface="DejaVu Sans"/>
               </a:rPr>
               <a:t>How to use the Type Class Pattern</a:t>
             </a:r>
@@ -8381,7 +8281,7 @@
         <p:spPr>
           <a:xfrm>
             <a:off x="720000" y="2160000"/>
-            <a:ext cx="8639640" cy="4384440"/>
+            <a:ext cx="8639280" cy="4384080"/>
           </a:xfrm>
           <a:prstGeom prst="rect">
             <a:avLst/>
@@ -8400,7 +8300,7 @@
         <p:txBody>
           <a:bodyPr lIns="0" rIns="0" tIns="0" bIns="0"/>
           <a:p>
-            <a:pPr marL="432000" indent="-323640">
+            <a:pPr marL="432000" indent="-323280">
               <a:lnSpc>
                 <a:spcPct val="100000"/>
               </a:lnSpc>
@@ -8420,15 +8320,37 @@
                   <a:srgbClr val="333333"/>
                 </a:solidFill>
                 <a:latin typeface="Noto Sans Regular"/>
-              </a:rPr>
-              <a:t>Define a type class (as a trait)</a:t>
-            </a:r>
-            <a:endParaRPr b="0" lang="de-DE" sz="2800" spc="-1" strike="noStrike">
-              <a:latin typeface="Arial"/>
-            </a:endParaRPr>
-          </a:p>
-          <a:p>
-            <a:pPr marL="432000" indent="-323640">
+                <a:ea typeface="DejaVu Sans"/>
+              </a:rPr>
+              <a:t>Define a type class - a trait with at least one type parameter </a:t>
+            </a:r>
+            <a:br/>
+            <a:r>
+              <a:rPr b="0" lang="de-DE" sz="2800" spc="-1" strike="noStrike">
+                <a:solidFill>
+                  <a:srgbClr val="333333"/>
+                </a:solidFill>
+                <a:latin typeface="Noto Sans Regular"/>
+                <a:ea typeface="DejaVu Sans"/>
+              </a:rPr>
+              <a:t>     </a:t>
+            </a:r>
+            <a:r>
+              <a:rPr b="0" lang="de-DE" sz="1800" spc="-1" strike="noStrike">
+                <a:solidFill>
+                  <a:srgbClr val="333333"/>
+                </a:solidFill>
+                <a:latin typeface="Courier New"/>
+                <a:ea typeface="DejaVu Sans"/>
+              </a:rPr>
+              <a:t>trait Printable[A] { … }</a:t>
+            </a:r>
+            <a:endParaRPr b="0" lang="de-DE" sz="1800" spc="-1" strike="noStrike">
+              <a:latin typeface="Arial"/>
+            </a:endParaRPr>
+          </a:p>
+          <a:p>
+            <a:pPr marL="432000" indent="-323280">
               <a:lnSpc>
                 <a:spcPct val="100000"/>
               </a:lnSpc>
@@ -8448,15 +8370,68 @@
                   <a:srgbClr val="333333"/>
                 </a:solidFill>
                 <a:latin typeface="Noto Sans Regular"/>
-              </a:rPr>
-              <a:t>Define a type class instance for each type that should support the type class (as an implicit val)</a:t>
-            </a:r>
-            <a:endParaRPr b="0" lang="de-DE" sz="2800" spc="-1" strike="noStrike">
-              <a:latin typeface="Arial"/>
-            </a:endParaRPr>
-          </a:p>
-          <a:p>
-            <a:pPr marL="432000" indent="-323640">
+                <a:ea typeface="DejaVu Sans"/>
+              </a:rPr>
+              <a:t>For each type to support the type class define a type class instance</a:t>
+            </a:r>
+            <a:br/>
+            <a:r>
+              <a:rPr b="0" lang="de-DE" sz="2800" spc="-1" strike="noStrike">
+                <a:solidFill>
+                  <a:srgbClr val="333333"/>
+                </a:solidFill>
+                <a:latin typeface="Noto Sans Regular"/>
+                <a:ea typeface="DejaVu Sans"/>
+              </a:rPr>
+              <a:t>     </a:t>
+            </a:r>
+            <a:r>
+              <a:rPr b="0" lang="de-DE" sz="1800" spc="-1" strike="noStrike">
+                <a:solidFill>
+                  <a:srgbClr val="333333"/>
+                </a:solidFill>
+                <a:latin typeface="Courier New"/>
+                <a:ea typeface="DejaVu Sans"/>
+              </a:rPr>
+              <a:t>implicit val intPrintable Printable[Int] = …</a:t>
+            </a:r>
+            <a:br/>
+            <a:r>
+              <a:rPr b="0" lang="de-DE" sz="2800" spc="-1" strike="noStrike">
+                <a:solidFill>
+                  <a:srgbClr val="333333"/>
+                </a:solidFill>
+                <a:latin typeface="Noto Sans Regular"/>
+                <a:ea typeface="DejaVu Sans"/>
+              </a:rPr>
+              <a:t>     </a:t>
+            </a:r>
+            <a:r>
+              <a:rPr b="0" lang="de-DE" sz="1800" spc="-1" strike="noStrike">
+                <a:solidFill>
+                  <a:srgbClr val="333333"/>
+                </a:solidFill>
+                <a:latin typeface="Courier New"/>
+                <a:ea typeface="DejaVu Sans"/>
+              </a:rPr>
+              <a:t>implicit val catPrintable Printable[Cat] = </a:t>
+            </a:r>
+            <a:r>
+              <a:rPr b="0" lang="de-DE" sz="1800" spc="-1" strike="noStrike">
+                <a:solidFill>
+                  <a:srgbClr val="333333"/>
+                </a:solidFill>
+                <a:latin typeface="Courier New"/>
+                <a:ea typeface="DejaVu Sans"/>
+              </a:rPr>
+              <a:t>…</a:t>
+            </a:r>
+            <a:endParaRPr b="0" lang="de-DE" sz="1800" spc="-1" strike="noStrike">
+              <a:latin typeface="Arial"/>
+            </a:endParaRPr>
+          </a:p>
+          <a:p>
+            <a:pPr marL="432000" indent="-323280">
               <a:lnSpc>
                 <a:spcPct val="100000"/>
               </a:lnSpc>
@@ -8476,10 +8451,32 @@
                   <a:srgbClr val="333333"/>
                 </a:solidFill>
                 <a:latin typeface="Noto Sans Regular"/>
-              </a:rPr>
-              <a:t>Use the type class instance implicitly (= as an implicit parameter to another method or function)</a:t>
-            </a:r>
-            <a:endParaRPr b="0" lang="de-DE" sz="2800" spc="-1" strike="noStrike">
+                <a:ea typeface="DejaVu Sans"/>
+              </a:rPr>
+              <a:t>Provide a generic user interface</a:t>
+            </a:r>
+            <a:br/>
+            <a:r>
+              <a:rPr b="0" lang="de-DE" sz="2800" spc="-1" strike="noStrike">
+                <a:solidFill>
+                  <a:srgbClr val="333333"/>
+                </a:solidFill>
+                <a:latin typeface="Noto Sans Regular"/>
+                <a:ea typeface="DejaVu Sans"/>
+              </a:rPr>
+              <a:t>     </a:t>
+            </a:r>
+            <a:r>
+              <a:rPr b="0" lang="de-DE" sz="1800" spc="-1" strike="noStrike">
+                <a:solidFill>
+                  <a:srgbClr val="333333"/>
+                </a:solidFill>
+                <a:latin typeface="Courier New"/>
+                <a:ea typeface="DejaVu Sans"/>
+              </a:rPr>
+              <a:t>def myPrint[A](value: A)(implicit p: Printable[A]) = …</a:t>
+            </a:r>
+            <a:endParaRPr b="0" lang="de-DE" sz="1800" spc="-1" strike="noStrike">
               <a:latin typeface="Arial"/>
             </a:endParaRPr>
           </a:p>
@@ -8543,7 +8540,7 @@
         <p:spPr>
           <a:xfrm>
             <a:off x="720000" y="300960"/>
-            <a:ext cx="8855280" cy="1262160"/>
+            <a:ext cx="8854920" cy="1261800"/>
           </a:xfrm>
           <a:prstGeom prst="rect">
             <a:avLst/>
@@ -8568,6 +8565,7 @@
                   <a:srgbClr val="333333"/>
                 </a:solidFill>
                 <a:latin typeface="Noto Sans Regular"/>
+                <a:ea typeface="DejaVu Sans"/>
               </a:rPr>
               <a:t>Define a type class</a:t>
             </a:r>
@@ -8586,7 +8584,7 @@
         <p:spPr>
           <a:xfrm>
             <a:off x="720000" y="2160000"/>
-            <a:ext cx="8639640" cy="4384440"/>
+            <a:ext cx="8639280" cy="4384080"/>
           </a:xfrm>
           <a:prstGeom prst="rect">
             <a:avLst/>
@@ -8605,7 +8603,7 @@
         <p:txBody>
           <a:bodyPr lIns="0" rIns="0" tIns="0" bIns="0"/>
           <a:p>
-            <a:pPr>
+            <a:pPr marL="360000">
               <a:lnSpc>
                 <a:spcPct val="100000"/>
               </a:lnSpc>
@@ -8618,26 +8616,21 @@
             </a:endParaRPr>
           </a:p>
           <a:p>
-            <a:pPr marL="432000" indent="-323640">
-              <a:lnSpc>
-                <a:spcPct val="100000"/>
-              </a:lnSpc>
-              <a:spcAft>
-                <a:spcPts val="1414"/>
-              </a:spcAft>
-              <a:buClr>
-                <a:srgbClr val="ef2929"/>
-              </a:buClr>
-              <a:buSzPct val="45000"/>
-              <a:buFont typeface="Wingdings" charset="2"/>
-              <a:buChar char=""/>
-            </a:pPr>
-            <a:r>
-              <a:rPr b="0" lang="de-DE" sz="1800" spc="-1" strike="noStrike">
-                <a:solidFill>
-                  <a:srgbClr val="333333"/>
-                </a:solidFill>
-                <a:latin typeface="Noto Sans Regular"/>
+            <a:pPr marL="360000">
+              <a:lnSpc>
+                <a:spcPct val="100000"/>
+              </a:lnSpc>
+              <a:spcAft>
+                <a:spcPts val="1414"/>
+              </a:spcAft>
+            </a:pPr>
+            <a:r>
+              <a:rPr b="0" lang="de-DE" sz="1800" spc="-1" strike="noStrike">
+                <a:solidFill>
+                  <a:srgbClr val="333333"/>
+                </a:solidFill>
+                <a:latin typeface="Noto Sans Regular"/>
+                <a:ea typeface="DejaVu Sans"/>
               </a:rPr>
               <a:t>trait Printable[A] {</a:t>
             </a:r>
@@ -8646,35 +8639,31 @@
             </a:endParaRPr>
           </a:p>
           <a:p>
-            <a:pPr marL="432000" indent="-323640">
-              <a:lnSpc>
-                <a:spcPct val="100000"/>
-              </a:lnSpc>
-              <a:spcAft>
-                <a:spcPts val="1414"/>
-              </a:spcAft>
-              <a:buClr>
-                <a:srgbClr val="ef2929"/>
-              </a:buClr>
-              <a:buSzPct val="45000"/>
-              <a:buFont typeface="Wingdings" charset="2"/>
-              <a:buChar char=""/>
-            </a:pPr>
-            <a:r>
-              <a:rPr b="0" lang="de-DE" sz="1800" spc="-1" strike="noStrike">
-                <a:solidFill>
-                  <a:srgbClr val="333333"/>
-                </a:solidFill>
-                <a:latin typeface="Noto Sans Regular"/>
-              </a:rPr>
-              <a:t>  </a:t>
-            </a:r>
-            <a:r>
-              <a:rPr b="0" lang="de-DE" sz="1800" spc="-1" strike="noStrike">
-                <a:solidFill>
-                  <a:srgbClr val="333333"/>
-                </a:solidFill>
-                <a:latin typeface="Noto Sans Regular"/>
+            <a:pPr marL="360000">
+              <a:lnSpc>
+                <a:spcPct val="100000"/>
+              </a:lnSpc>
+              <a:spcAft>
+                <a:spcPts val="1414"/>
+              </a:spcAft>
+            </a:pPr>
+            <a:r>
+              <a:rPr b="0" lang="de-DE" sz="1800" spc="-1" strike="noStrike">
+                <a:solidFill>
+                  <a:srgbClr val="333333"/>
+                </a:solidFill>
+                <a:latin typeface="Noto Sans Regular"/>
+                <a:ea typeface="DejaVu Sans"/>
+              </a:rPr>
+              <a:t>    </a:t>
+            </a:r>
+            <a:r>
+              <a:rPr b="0" lang="de-DE" sz="1800" spc="-1" strike="noStrike">
+                <a:solidFill>
+                  <a:srgbClr val="333333"/>
+                </a:solidFill>
+                <a:latin typeface="Noto Sans Regular"/>
+                <a:ea typeface="DejaVu Sans"/>
               </a:rPr>
               <a:t>def format(value: A): String</a:t>
             </a:r>
@@ -8683,26 +8672,21 @@
             </a:endParaRPr>
           </a:p>
           <a:p>
-            <a:pPr marL="432000" indent="-323640">
-              <a:lnSpc>
-                <a:spcPct val="100000"/>
-              </a:lnSpc>
-              <a:spcAft>
-                <a:spcPts val="1414"/>
-              </a:spcAft>
-              <a:buClr>
-                <a:srgbClr val="ef2929"/>
-              </a:buClr>
-              <a:buSzPct val="45000"/>
-              <a:buFont typeface="Wingdings" charset="2"/>
-              <a:buChar char=""/>
-            </a:pPr>
-            <a:r>
-              <a:rPr b="0" lang="de-DE" sz="1800" spc="-1" strike="noStrike">
-                <a:solidFill>
-                  <a:srgbClr val="333333"/>
-                </a:solidFill>
-                <a:latin typeface="Noto Sans Regular"/>
+            <a:pPr marL="360000">
+              <a:lnSpc>
+                <a:spcPct val="100000"/>
+              </a:lnSpc>
+              <a:spcAft>
+                <a:spcPts val="1414"/>
+              </a:spcAft>
+            </a:pPr>
+            <a:r>
+              <a:rPr b="0" lang="de-DE" sz="1800" spc="-1" strike="noStrike">
+                <a:solidFill>
+                  <a:srgbClr val="333333"/>
+                </a:solidFill>
+                <a:latin typeface="Noto Sans Regular"/>
+                <a:ea typeface="DejaVu Sans"/>
               </a:rPr>
               <a:t>}</a:t>
             </a:r>
@@ -8711,7 +8695,7 @@
             </a:endParaRPr>
           </a:p>
           <a:p>
-            <a:pPr>
+            <a:pPr marL="360000">
               <a:lnSpc>
                 <a:spcPct val="100000"/>
               </a:lnSpc>
@@ -8783,7 +8767,7 @@
         <p:spPr>
           <a:xfrm>
             <a:off x="720000" y="300960"/>
-            <a:ext cx="8855280" cy="1262160"/>
+            <a:ext cx="8854920" cy="1261800"/>
           </a:xfrm>
           <a:prstGeom prst="rect">
             <a:avLst/>
@@ -8808,6 +8792,7 @@
                   <a:srgbClr val="333333"/>
                 </a:solidFill>
                 <a:latin typeface="Noto Sans Regular"/>
+                <a:ea typeface="DejaVu Sans"/>
               </a:rPr>
               <a:t>Define type class instances (1)</a:t>
             </a:r>
@@ -8826,7 +8811,7 @@
         <p:spPr>
           <a:xfrm>
             <a:off x="720000" y="2160000"/>
-            <a:ext cx="8639640" cy="4384440"/>
+            <a:ext cx="8639280" cy="4384080"/>
           </a:xfrm>
           <a:prstGeom prst="rect">
             <a:avLst/>
@@ -8845,26 +8830,21 @@
         <p:txBody>
           <a:bodyPr lIns="0" rIns="0" tIns="0" bIns="0"/>
           <a:p>
-            <a:pPr marL="432000" indent="-323640">
-              <a:lnSpc>
-                <a:spcPct val="100000"/>
-              </a:lnSpc>
-              <a:spcAft>
-                <a:spcPts val="1414"/>
-              </a:spcAft>
-              <a:buClr>
-                <a:srgbClr val="ef2929"/>
-              </a:buClr>
-              <a:buSzPct val="45000"/>
-              <a:buFont typeface="Wingdings" charset="2"/>
-              <a:buChar char=""/>
-            </a:pPr>
-            <a:r>
-              <a:rPr b="0" lang="de-DE" sz="1800" spc="-1" strike="noStrike">
-                <a:solidFill>
-                  <a:srgbClr val="333333"/>
-                </a:solidFill>
-                <a:latin typeface="Noto Sans Regular"/>
+            <a:pPr marL="360000">
+              <a:lnSpc>
+                <a:spcPct val="100000"/>
+              </a:lnSpc>
+              <a:spcAft>
+                <a:spcPts val="1414"/>
+              </a:spcAft>
+            </a:pPr>
+            <a:r>
+              <a:rPr b="0" lang="de-DE" sz="1800" spc="-1" strike="noStrike">
+                <a:solidFill>
+                  <a:srgbClr val="333333"/>
+                </a:solidFill>
+                <a:latin typeface="Noto Sans Regular"/>
+                <a:ea typeface="DejaVu Sans"/>
               </a:rPr>
               <a:t>  </a:t>
             </a:r>
@@ -8874,6 +8854,7 @@
                   <a:srgbClr val="333333"/>
                 </a:solidFill>
                 <a:latin typeface="Noto Sans Regular"/>
+                <a:ea typeface="DejaVu Sans"/>
               </a:rPr>
               <a:t>implicit val intPrintable: Printable[Int] = new Printable[Int] {</a:t>
             </a:r>
@@ -8882,91 +8863,188 @@
             </a:endParaRPr>
           </a:p>
           <a:p>
-            <a:pPr marL="432000" indent="-323640">
-              <a:lnSpc>
-                <a:spcPct val="100000"/>
-              </a:lnSpc>
-              <a:spcAft>
-                <a:spcPts val="1414"/>
-              </a:spcAft>
-              <a:buClr>
-                <a:srgbClr val="ef2929"/>
-              </a:buClr>
-              <a:buSzPct val="45000"/>
-              <a:buFont typeface="Wingdings" charset="2"/>
-              <a:buChar char=""/>
-            </a:pPr>
-            <a:r>
-              <a:rPr b="0" lang="de-DE" sz="1800" spc="-1" strike="noStrike">
-                <a:solidFill>
-                  <a:srgbClr val="333333"/>
-                </a:solidFill>
-                <a:latin typeface="Noto Sans Regular"/>
-              </a:rPr>
-              <a:t>    </a:t>
-            </a:r>
-            <a:r>
-              <a:rPr b="0" lang="de-DE" sz="1800" spc="-1" strike="noStrike">
-                <a:solidFill>
-                  <a:srgbClr val="333333"/>
-                </a:solidFill>
-                <a:latin typeface="Noto Sans Regular"/>
+            <a:pPr marL="360000">
+              <a:lnSpc>
+                <a:spcPct val="100000"/>
+              </a:lnSpc>
+              <a:spcAft>
+                <a:spcPts val="283"/>
+              </a:spcAft>
+            </a:pPr>
+            <a:r>
+              <a:rPr b="0" lang="de-DE" sz="1800" spc="-1" strike="noStrike">
+                <a:solidFill>
+                  <a:srgbClr val="333333"/>
+                </a:solidFill>
+                <a:latin typeface="Noto Sans Regular"/>
+                <a:ea typeface="DejaVu Sans"/>
+              </a:rPr>
+              <a:t>      </a:t>
+            </a:r>
+            <a:r>
+              <a:rPr b="0" lang="de-DE" sz="1800" spc="-1" strike="noStrike">
+                <a:solidFill>
+                  <a:srgbClr val="333333"/>
+                </a:solidFill>
+                <a:latin typeface="Noto Sans Regular"/>
+                <a:ea typeface="DejaVu Sans"/>
               </a:rPr>
               <a:t>override def format(value: Int): String =</a:t>
             </a:r>
+            <a:br/>
+            <a:r>
+              <a:rPr b="0" lang="de-DE" sz="1800" spc="-1" strike="noStrike">
+                <a:solidFill>
+                  <a:srgbClr val="333333"/>
+                </a:solidFill>
+                <a:latin typeface="Noto Sans Regular"/>
+                <a:ea typeface="DejaVu Sans"/>
+              </a:rPr>
+              <a:t>                                "How many cats? " + value.toString</a:t>
+            </a:r>
             <a:endParaRPr b="0" lang="de-DE" sz="1800" spc="-1" strike="noStrike">
               <a:latin typeface="Arial"/>
             </a:endParaRPr>
           </a:p>
           <a:p>
-            <a:pPr lvl="4" marL="2160000" indent="-215640">
+            <a:pPr marL="360000">
+              <a:lnSpc>
+                <a:spcPct val="100000"/>
+              </a:lnSpc>
+              <a:spcAft>
+                <a:spcPts val="1414"/>
+              </a:spcAft>
+            </a:pPr>
+            <a:r>
+              <a:rPr b="0" lang="de-DE" sz="1800" spc="-1" strike="noStrike">
+                <a:solidFill>
+                  <a:srgbClr val="333333"/>
+                </a:solidFill>
+                <a:latin typeface="Noto Sans Regular"/>
+                <a:ea typeface="DejaVu Sans"/>
+              </a:rPr>
+              <a:t>  </a:t>
+            </a:r>
+            <a:r>
+              <a:rPr b="0" lang="de-DE" sz="1800" spc="-1" strike="noStrike">
+                <a:solidFill>
+                  <a:srgbClr val="333333"/>
+                </a:solidFill>
+                <a:latin typeface="Noto Sans Regular"/>
+                <a:ea typeface="DejaVu Sans"/>
+              </a:rPr>
+              <a:t>}</a:t>
+            </a:r>
+            <a:endParaRPr b="0" lang="de-DE" sz="1800" spc="-1" strike="noStrike">
+              <a:latin typeface="Arial"/>
+            </a:endParaRPr>
+          </a:p>
+          <a:p>
+            <a:pPr marL="360000">
+              <a:lnSpc>
+                <a:spcPct val="100000"/>
+              </a:lnSpc>
+              <a:spcAft>
+                <a:spcPts val="1414"/>
+              </a:spcAft>
+            </a:pPr>
+            <a:endParaRPr b="0" lang="de-DE" sz="1800" spc="-1" strike="noStrike">
+              <a:latin typeface="Arial"/>
+            </a:endParaRPr>
+          </a:p>
+          <a:p>
+            <a:pPr marL="360000">
+              <a:lnSpc>
+                <a:spcPct val="100000"/>
+              </a:lnSpc>
+              <a:spcAft>
+                <a:spcPts val="1414"/>
+              </a:spcAft>
+            </a:pPr>
+            <a:r>
+              <a:rPr b="0" lang="de-DE" sz="1800" spc="-1" strike="noStrike">
+                <a:solidFill>
+                  <a:srgbClr val="333333"/>
+                </a:solidFill>
+                <a:latin typeface="Noto Sans Regular"/>
+                <a:ea typeface="DejaVu Sans"/>
+              </a:rPr>
+              <a:t>  </a:t>
+            </a:r>
+            <a:r>
+              <a:rPr b="0" lang="de-DE" sz="1800" spc="-1" strike="noStrike">
+                <a:solidFill>
+                  <a:srgbClr val="333333"/>
+                </a:solidFill>
+                <a:latin typeface="Noto Sans Regular"/>
+                <a:ea typeface="DejaVu Sans"/>
+              </a:rPr>
+              <a:t>implicit val datePrintable: Printable[Date] = new Printable[Date] {</a:t>
+            </a:r>
+            <a:endParaRPr b="0" lang="de-DE" sz="1800" spc="-1" strike="noStrike">
+              <a:latin typeface="Arial"/>
+            </a:endParaRPr>
+          </a:p>
+          <a:p>
+            <a:pPr marL="360000">
               <a:lnSpc>
                 <a:spcPct val="100000"/>
               </a:lnSpc>
               <a:spcAft>
                 <a:spcPts val="283"/>
               </a:spcAft>
-              <a:buClr>
-                <a:srgbClr val="ef2929"/>
-              </a:buClr>
-              <a:buSzPct val="45000"/>
-              <a:buFont typeface="Wingdings" charset="2"/>
-              <a:buChar char=""/>
-            </a:pPr>
-            <a:r>
-              <a:rPr b="0" lang="de-DE" sz="1800" spc="-1" strike="noStrike">
-                <a:solidFill>
-                  <a:srgbClr val="333333"/>
-                </a:solidFill>
-                <a:latin typeface="Noto Sans Regular"/>
-              </a:rPr>
-              <a:t>"How many cats? " + value.toString</a:t>
+            </a:pPr>
+            <a:r>
+              <a:rPr b="0" lang="de-DE" sz="1800" spc="-1" strike="noStrike">
+                <a:solidFill>
+                  <a:srgbClr val="333333"/>
+                </a:solidFill>
+                <a:latin typeface="Noto Sans Regular"/>
+                <a:ea typeface="DejaVu Sans"/>
+              </a:rPr>
+              <a:t>      </a:t>
+            </a:r>
+            <a:r>
+              <a:rPr b="0" lang="de-DE" sz="1800" spc="-1" strike="noStrike">
+                <a:solidFill>
+                  <a:srgbClr val="333333"/>
+                </a:solidFill>
+                <a:latin typeface="Noto Sans Regular"/>
+                <a:ea typeface="DejaVu Sans"/>
+              </a:rPr>
+              <a:t>override def format(value: Date): String =</a:t>
+            </a:r>
+            <a:br/>
+            <a:r>
+              <a:rPr b="0" lang="de-DE" sz="1800" spc="-1" strike="noStrike">
+                <a:solidFill>
+                  <a:srgbClr val="333333"/>
+                </a:solidFill>
+                <a:latin typeface="Noto Sans Regular"/>
+                <a:ea typeface="DejaVu Sans"/>
+              </a:rPr>
+              <a:t>                                "Date of meeting: " + value.toString</a:t>
             </a:r>
             <a:endParaRPr b="0" lang="de-DE" sz="1800" spc="-1" strike="noStrike">
               <a:latin typeface="Arial"/>
             </a:endParaRPr>
           </a:p>
           <a:p>
-            <a:pPr marL="432000" indent="-323640">
-              <a:lnSpc>
-                <a:spcPct val="100000"/>
-              </a:lnSpc>
-              <a:spcAft>
-                <a:spcPts val="1414"/>
-              </a:spcAft>
-              <a:buClr>
-                <a:srgbClr val="ef2929"/>
-              </a:buClr>
-              <a:buSzPct val="45000"/>
-              <a:buFont typeface="Wingdings" charset="2"/>
-              <a:buChar char=""/>
-            </a:pPr>
-            <a:r>
-              <a:rPr b="0" lang="de-DE" sz="1800" spc="-1" strike="noStrike">
-                <a:solidFill>
-                  <a:srgbClr val="333333"/>
-                </a:solidFill>
-                <a:latin typeface="Noto Sans Regular"/>
+            <a:pPr marL="360000">
+              <a:lnSpc>
+                <a:spcPct val="100000"/>
+              </a:lnSpc>
+              <a:spcAft>
+                <a:spcPts val="1414"/>
+              </a:spcAft>
+            </a:pPr>
+            <a:r>
+              <a:rPr b="0" lang="de-DE" sz="1800" spc="-1" strike="noStrike">
+                <a:solidFill>
+                  <a:srgbClr val="333333"/>
+                </a:solidFill>
+                <a:latin typeface="Noto Sans Regular"/>
+                <a:ea typeface="DejaVu Sans"/>
               </a:rPr>
               <a:t>  </a:t>
             </a:r>
@@ -8976,158 +9054,7 @@
                   <a:srgbClr val="333333"/>
                 </a:solidFill>
                 <a:latin typeface="Noto Sans Regular"/>
-              </a:rPr>
-              <a:t>}</a:t>
-            </a:r>
-            <a:endParaRPr b="0" lang="de-DE" sz="1800" spc="-1" strike="noStrike">
-              <a:latin typeface="Arial"/>
-            </a:endParaRPr>
-          </a:p>
-          <a:p>
-            <a:pPr>
-              <a:lnSpc>
-                <a:spcPct val="100000"/>
-              </a:lnSpc>
-              <a:spcAft>
-                <a:spcPts val="1414"/>
-              </a:spcAft>
-            </a:pPr>
-            <a:endParaRPr b="0" lang="de-DE" sz="1800" spc="-1" strike="noStrike">
-              <a:latin typeface="Arial"/>
-            </a:endParaRPr>
-          </a:p>
-          <a:p>
-            <a:pPr marL="432000" indent="-323640">
-              <a:lnSpc>
-                <a:spcPct val="100000"/>
-              </a:lnSpc>
-              <a:spcAft>
-                <a:spcPts val="1414"/>
-              </a:spcAft>
-              <a:buClr>
-                <a:srgbClr val="ef2929"/>
-              </a:buClr>
-              <a:buSzPct val="45000"/>
-              <a:buFont typeface="Wingdings" charset="2"/>
-              <a:buChar char=""/>
-            </a:pPr>
-            <a:r>
-              <a:rPr b="0" lang="de-DE" sz="1800" spc="-1" strike="noStrike">
-                <a:solidFill>
-                  <a:srgbClr val="333333"/>
-                </a:solidFill>
-                <a:latin typeface="Noto Sans Regular"/>
-              </a:rPr>
-              <a:t>  </a:t>
-            </a:r>
-            <a:r>
-              <a:rPr b="0" lang="de-DE" sz="1800" spc="-1" strike="noStrike">
-                <a:solidFill>
-                  <a:srgbClr val="333333"/>
-                </a:solidFill>
-                <a:latin typeface="Noto Sans Regular"/>
-              </a:rPr>
-              <a:t>implicit val datePrintable: Printable[Date] = new Printable[Date] {</a:t>
-            </a:r>
-            <a:endParaRPr b="0" lang="de-DE" sz="1800" spc="-1" strike="noStrike">
-              <a:latin typeface="Arial"/>
-            </a:endParaRPr>
-          </a:p>
-          <a:p>
-            <a:pPr marL="432000" indent="-323640">
-              <a:lnSpc>
-                <a:spcPct val="100000"/>
-              </a:lnSpc>
-              <a:spcAft>
-                <a:spcPts val="1414"/>
-              </a:spcAft>
-              <a:buClr>
-                <a:srgbClr val="ef2929"/>
-              </a:buClr>
-              <a:buSzPct val="45000"/>
-              <a:buFont typeface="Wingdings" charset="2"/>
-              <a:buChar char=""/>
-            </a:pPr>
-            <a:r>
-              <a:rPr b="0" lang="de-DE" sz="1800" spc="-1" strike="noStrike">
-                <a:solidFill>
-                  <a:srgbClr val="333333"/>
-                </a:solidFill>
-                <a:latin typeface="Noto Sans Regular"/>
-              </a:rPr>
-              <a:t>    </a:t>
-            </a:r>
-            <a:r>
-              <a:rPr b="0" lang="de-DE" sz="1800" spc="-1" strike="noStrike">
-                <a:solidFill>
-                  <a:srgbClr val="333333"/>
-                </a:solidFill>
-                <a:latin typeface="Noto Sans Regular"/>
-              </a:rPr>
-              <a:t>override def format(value: Date): String =</a:t>
-            </a:r>
-            <a:endParaRPr b="0" lang="de-DE" sz="1800" spc="-1" strike="noStrike">
-              <a:latin typeface="Arial"/>
-            </a:endParaRPr>
-          </a:p>
-          <a:p>
-            <a:pPr lvl="4" marL="2160000" indent="-215640">
-              <a:lnSpc>
-                <a:spcPct val="100000"/>
-              </a:lnSpc>
-              <a:spcAft>
-                <a:spcPts val="283"/>
-              </a:spcAft>
-              <a:buClr>
-                <a:srgbClr val="ef2929"/>
-              </a:buClr>
-              <a:buSzPct val="45000"/>
-              <a:buFont typeface="Wingdings" charset="2"/>
-              <a:buChar char=""/>
-            </a:pPr>
-            <a:r>
-              <a:rPr b="0" lang="de-DE" sz="1800" spc="-1" strike="noStrike">
-                <a:solidFill>
-                  <a:srgbClr val="333333"/>
-                </a:solidFill>
-                <a:latin typeface="Noto Sans Regular"/>
-              </a:rPr>
-              <a:t>"Date of meeting: " + value.toString</a:t>
-            </a:r>
-            <a:endParaRPr b="0" lang="de-DE" sz="1800" spc="-1" strike="noStrike">
-              <a:latin typeface="Arial"/>
-            </a:endParaRPr>
-          </a:p>
-          <a:p>
-            <a:pPr marL="432000" indent="-323640">
-              <a:lnSpc>
-                <a:spcPct val="100000"/>
-              </a:lnSpc>
-              <a:spcAft>
-                <a:spcPts val="1414"/>
-              </a:spcAft>
-              <a:buClr>
-                <a:srgbClr val="ef2929"/>
-              </a:buClr>
-              <a:buSzPct val="45000"/>
-              <a:buFont typeface="Wingdings" charset="2"/>
-              <a:buChar char=""/>
-            </a:pPr>
-            <a:r>
-              <a:rPr b="0" lang="de-DE" sz="1800" spc="-1" strike="noStrike">
-                <a:solidFill>
-                  <a:srgbClr val="333333"/>
-                </a:solidFill>
-                <a:latin typeface="Noto Sans Regular"/>
-              </a:rPr>
-              <a:t>  </a:t>
-            </a:r>
-            <a:r>
-              <a:rPr b="0" lang="de-DE" sz="1800" spc="-1" strike="noStrike">
-                <a:solidFill>
-                  <a:srgbClr val="333333"/>
-                </a:solidFill>
-                <a:latin typeface="Noto Sans Regular"/>
+                <a:ea typeface="DejaVu Sans"/>
               </a:rPr>
               <a:t>}</a:t>
             </a:r>
@@ -9195,7 +9122,7 @@
         <p:spPr>
           <a:xfrm>
             <a:off x="720000" y="300960"/>
-            <a:ext cx="8855280" cy="1262160"/>
+            <a:ext cx="8854920" cy="1261800"/>
           </a:xfrm>
           <a:prstGeom prst="rect">
             <a:avLst/>
@@ -9220,6 +9147,7 @@
                   <a:srgbClr val="333333"/>
                 </a:solidFill>
                 <a:latin typeface="Noto Sans Regular"/>
+                <a:ea typeface="DejaVu Sans"/>
               </a:rPr>
               <a:t>Use the type class instance (1)</a:t>
             </a:r>
@@ -9238,7 +9166,7 @@
         <p:spPr>
           <a:xfrm>
             <a:off x="720000" y="2160000"/>
-            <a:ext cx="8639640" cy="4384440"/>
+            <a:ext cx="8639280" cy="4384080"/>
           </a:xfrm>
           <a:prstGeom prst="rect">
             <a:avLst/>
@@ -9257,7 +9185,7 @@
         <p:txBody>
           <a:bodyPr lIns="0" rIns="0" tIns="0" bIns="0"/>
           <a:p>
-            <a:pPr>
+            <a:pPr marL="360000">
               <a:lnSpc>
                 <a:spcPct val="100000"/>
               </a:lnSpc>
@@ -9270,26 +9198,21 @@
             </a:endParaRPr>
           </a:p>
           <a:p>
-            <a:pPr marL="432000" indent="-323640">
-              <a:lnSpc>
-                <a:spcPct val="100000"/>
-              </a:lnSpc>
-              <a:spcAft>
-                <a:spcPts val="1414"/>
-              </a:spcAft>
-              <a:buClr>
-                <a:srgbClr val="ef2929"/>
-              </a:buClr>
-              <a:buSzPct val="45000"/>
-              <a:buFont typeface="Wingdings" charset="2"/>
-              <a:buChar char=""/>
-            </a:pPr>
-            <a:r>
-              <a:rPr b="0" lang="de-DE" sz="1800" spc="-1" strike="noStrike">
-                <a:solidFill>
-                  <a:srgbClr val="333333"/>
-                </a:solidFill>
-                <a:latin typeface="Noto Sans Regular"/>
+            <a:pPr marL="360000">
+              <a:lnSpc>
+                <a:spcPct val="100000"/>
+              </a:lnSpc>
+              <a:spcAft>
+                <a:spcPts val="1414"/>
+              </a:spcAft>
+            </a:pPr>
+            <a:r>
+              <a:rPr b="0" lang="de-DE" sz="1800" spc="-1" strike="noStrike">
+                <a:solidFill>
+                  <a:srgbClr val="333333"/>
+                </a:solidFill>
+                <a:latin typeface="Noto Sans Regular"/>
+                <a:ea typeface="DejaVu Sans"/>
               </a:rPr>
               <a:t>  </a:t>
             </a:r>
@@ -9299,111 +9222,87 @@
                   <a:srgbClr val="333333"/>
                 </a:solidFill>
                 <a:latin typeface="Noto Sans Regular"/>
+                <a:ea typeface="DejaVu Sans"/>
               </a:rPr>
               <a:t>def myPrint[A](value: A)(implicit printable: Printable[A]): Unit =</a:t>
             </a:r>
+            <a:br/>
+            <a:r>
+              <a:rPr b="0" lang="de-DE" sz="1800" spc="-1" strike="noStrike">
+                <a:solidFill>
+                  <a:srgbClr val="333333"/>
+                </a:solidFill>
+                <a:latin typeface="Noto Sans Regular"/>
+                <a:ea typeface="DejaVu Sans"/>
+              </a:rPr>
+              <a:t>                            println(printable.format(value))</a:t>
+            </a:r>
             <a:endParaRPr b="0" lang="de-DE" sz="1800" spc="-1" strike="noStrike">
               <a:latin typeface="Arial"/>
             </a:endParaRPr>
           </a:p>
           <a:p>
-            <a:pPr marL="432000" indent="-323640">
-              <a:lnSpc>
-                <a:spcPct val="100000"/>
-              </a:lnSpc>
-              <a:spcAft>
-                <a:spcPts val="1414"/>
-              </a:spcAft>
-              <a:buClr>
-                <a:srgbClr val="ef2929"/>
-              </a:buClr>
-              <a:buSzPct val="45000"/>
-              <a:buFont typeface="Wingdings" charset="2"/>
-              <a:buChar char=""/>
-            </a:pPr>
-            <a:r>
-              <a:rPr b="0" lang="de-DE" sz="1800" spc="-1" strike="noStrike">
-                <a:solidFill>
-                  <a:srgbClr val="333333"/>
-                </a:solidFill>
-                <a:latin typeface="Noto Sans Regular"/>
-              </a:rPr>
-              <a:t>    </a:t>
-            </a:r>
-            <a:r>
-              <a:rPr b="0" lang="de-DE" sz="1800" spc="-1" strike="noStrike">
-                <a:solidFill>
-                  <a:srgbClr val="333333"/>
-                </a:solidFill>
-                <a:latin typeface="Noto Sans Regular"/>
-              </a:rPr>
-              <a:t>	</a:t>
-            </a:r>
-            <a:r>
-              <a:rPr b="0" lang="de-DE" sz="1800" spc="-1" strike="noStrike">
-                <a:solidFill>
-                  <a:srgbClr val="333333"/>
-                </a:solidFill>
-                <a:latin typeface="Noto Sans Regular"/>
-              </a:rPr>
-              <a:t>	</a:t>
-            </a:r>
-            <a:r>
-              <a:rPr b="0" lang="de-DE" sz="1800" spc="-1" strike="noStrike">
-                <a:solidFill>
-                  <a:srgbClr val="333333"/>
-                </a:solidFill>
-                <a:latin typeface="Noto Sans Regular"/>
-              </a:rPr>
-              <a:t>	</a:t>
-            </a:r>
-            <a:r>
-              <a:rPr b="0" lang="de-DE" sz="1800" spc="-1" strike="noStrike">
-                <a:solidFill>
-                  <a:srgbClr val="333333"/>
-                </a:solidFill>
-                <a:latin typeface="Noto Sans Regular"/>
-              </a:rPr>
-              <a:t>println(printable.format(value))</a:t>
-            </a:r>
+            <a:pPr marL="360000">
+              <a:lnSpc>
+                <a:spcPct val="100000"/>
+              </a:lnSpc>
+              <a:spcAft>
+                <a:spcPts val="1414"/>
+              </a:spcAft>
+            </a:pPr>
             <a:endParaRPr b="0" lang="de-DE" sz="1800" spc="-1" strike="noStrike">
               <a:latin typeface="Arial"/>
             </a:endParaRPr>
           </a:p>
           <a:p>
-            <a:pPr>
-              <a:lnSpc>
-                <a:spcPct val="100000"/>
-              </a:lnSpc>
-              <a:spcAft>
-                <a:spcPts val="1414"/>
-              </a:spcAft>
-            </a:pPr>
+            <a:pPr marL="360000">
+              <a:lnSpc>
+                <a:spcPct val="100000"/>
+              </a:lnSpc>
+              <a:spcAft>
+                <a:spcPts val="1414"/>
+              </a:spcAft>
+            </a:pPr>
+            <a:r>
+              <a:rPr b="0" lang="de-DE" sz="1800" spc="-1" strike="noStrike">
+                <a:solidFill>
+                  <a:srgbClr val="333333"/>
+                </a:solidFill>
+                <a:latin typeface="Noto Sans Regular"/>
+                <a:ea typeface="DejaVu Sans"/>
+              </a:rPr>
+              <a:t>  </a:t>
+            </a:r>
+            <a:r>
+              <a:rPr b="0" lang="de-DE" sz="1800" spc="-1" strike="noStrike">
+                <a:solidFill>
+                  <a:srgbClr val="333333"/>
+                </a:solidFill>
+                <a:latin typeface="Noto Sans Regular"/>
+                <a:ea typeface="DejaVu Sans"/>
+              </a:rPr>
+              <a:t>myPrint(2)</a:t>
+            </a:r>
             <a:endParaRPr b="0" lang="de-DE" sz="1800" spc="-1" strike="noStrike">
               <a:latin typeface="Arial"/>
             </a:endParaRPr>
           </a:p>
           <a:p>
-            <a:pPr marL="432000" indent="-323640">
-              <a:lnSpc>
-                <a:spcPct val="100000"/>
-              </a:lnSpc>
-              <a:spcAft>
-                <a:spcPts val="1414"/>
-              </a:spcAft>
-              <a:buClr>
-                <a:srgbClr val="ef2929"/>
-              </a:buClr>
-              <a:buSzPct val="45000"/>
-              <a:buFont typeface="Wingdings" charset="2"/>
-              <a:buChar char=""/>
-            </a:pPr>
-            <a:r>
-              <a:rPr b="0" lang="de-DE" sz="1800" spc="-1" strike="noStrike">
-                <a:solidFill>
-                  <a:srgbClr val="333333"/>
-                </a:solidFill>
-                <a:latin typeface="Noto Sans Regular"/>
+            <a:pPr marL="360000">
+              <a:lnSpc>
+                <a:spcPct val="100000"/>
+              </a:lnSpc>
+              <a:spcAft>
+                <a:spcPts val="1414"/>
+              </a:spcAft>
+            </a:pPr>
+            <a:r>
+              <a:rPr b="0" lang="de-DE" sz="1800" spc="-1" strike="noStrike">
+                <a:solidFill>
+                  <a:srgbClr val="333333"/>
+                </a:solidFill>
+                <a:latin typeface="Noto Sans Regular"/>
+                <a:ea typeface="DejaVu Sans"/>
               </a:rPr>
               <a:t>  </a:t>
             </a:r>
@@ -9413,52 +9312,16 @@
                   <a:srgbClr val="333333"/>
                 </a:solidFill>
                 <a:latin typeface="Noto Sans Regular"/>
-              </a:rPr>
-              <a:t>myPrint(2)</a:t>
+                <a:ea typeface="DejaVu Sans"/>
+              </a:rPr>
+              <a:t>myPrint(new Date)</a:t>
             </a:r>
             <a:endParaRPr b="0" lang="de-DE" sz="1800" spc="-1" strike="noStrike">
               <a:latin typeface="Arial"/>
             </a:endParaRPr>
           </a:p>
           <a:p>
-            <a:pPr marL="432000" indent="-323640">
-              <a:lnSpc>
-                <a:spcPct val="100000"/>
-              </a:lnSpc>
-              <a:spcAft>
-                <a:spcPts val="1414"/>
-              </a:spcAft>
-              <a:buClr>
-                <a:srgbClr val="ef2929"/>
-              </a:buClr>
-              <a:buSzPct val="45000"/>
-              <a:buFont typeface="Wingdings" charset="2"/>
-              <a:buChar char=""/>
-            </a:pPr>
-            <a:r>
-              <a:rPr b="0" lang="de-DE" sz="1800" spc="-1" strike="noStrike">
-                <a:solidFill>
-                  <a:srgbClr val="333333"/>
-                </a:solidFill>
-                <a:latin typeface="Noto Sans Regular"/>
-              </a:rPr>
-              <a:t>  </a:t>
-            </a:r>
-            <a:r>
-              <a:rPr b="0" lang="de-DE" sz="1800" spc="-1" strike="noStrike">
-                <a:solidFill>
-                  <a:srgbClr val="333333"/>
-                </a:solidFill>
-                <a:latin typeface="Noto Sans Regular"/>
-              </a:rPr>
-              <a:t>myPrint(new Date)</a:t>
-            </a:r>
-            <a:endParaRPr b="0" lang="de-DE" sz="1800" spc="-1" strike="noStrike">
-              <a:latin typeface="Arial"/>
-            </a:endParaRPr>
-          </a:p>
-          <a:p>
-            <a:pPr>
+            <a:pPr marL="360000">
               <a:lnSpc>
                 <a:spcPct val="100000"/>
               </a:lnSpc>
@@ -9530,7 +9393,7 @@
         <p:spPr>
           <a:xfrm>
             <a:off x="720000" y="300960"/>
-            <a:ext cx="8855280" cy="1262160"/>
+            <a:ext cx="8854920" cy="1261800"/>
           </a:xfrm>
           <a:prstGeom prst="rect">
             <a:avLst/>
@@ -9555,6 +9418,7 @@
                   <a:srgbClr val="333333"/>
                 </a:solidFill>
                 <a:latin typeface="Noto Sans Regular"/>
+                <a:ea typeface="DejaVu Sans"/>
               </a:rPr>
               <a:t>Define type class instances (2)</a:t>
             </a:r>
@@ -9572,8 +9436,8 @@
         </p:nvSpPr>
         <p:spPr>
           <a:xfrm>
-            <a:off x="720000" y="2160000"/>
-            <a:ext cx="8639640" cy="4384440"/>
+            <a:off x="720000" y="1800000"/>
+            <a:ext cx="8639280" cy="5328000"/>
           </a:xfrm>
           <a:prstGeom prst="rect">
             <a:avLst/>
@@ -9592,54 +9456,45 @@
         <p:txBody>
           <a:bodyPr lIns="0" rIns="0" tIns="0" bIns="0"/>
           <a:p>
-            <a:pPr marL="432000" indent="-323640">
-              <a:lnSpc>
-                <a:spcPct val="100000"/>
-              </a:lnSpc>
-              <a:spcAft>
-                <a:spcPts val="1414"/>
-              </a:spcAft>
-              <a:buClr>
-                <a:srgbClr val="ef2929"/>
-              </a:buClr>
-              <a:buSzPct val="45000"/>
-              <a:buFont typeface="Wingdings" charset="2"/>
-              <a:buChar char=""/>
-            </a:pPr>
-            <a:r>
-              <a:rPr b="0" lang="de-DE" sz="1800" spc="-1" strike="noStrike">
-                <a:solidFill>
-                  <a:srgbClr val="333333"/>
-                </a:solidFill>
-                <a:latin typeface="Noto Sans Regular"/>
+            <a:pPr marL="360000">
+              <a:lnSpc>
+                <a:spcPct val="100000"/>
+              </a:lnSpc>
+              <a:spcAft>
+                <a:spcPts val="1414"/>
+              </a:spcAft>
+            </a:pPr>
+            <a:r>
+              <a:rPr b="0" lang="de-DE" sz="1800" spc="-1" strike="noStrike">
+                <a:solidFill>
+                  <a:srgbClr val="333333"/>
+                </a:solidFill>
+                <a:latin typeface="Noto Sans Regular"/>
+                <a:ea typeface="DejaVu Sans"/>
               </a:rPr>
               <a:t>final case class Cat(name: String, age: Int, color: String)</a:t>
             </a:r>
+            <a:br/>
             <a:endParaRPr b="0" lang="de-DE" sz="1800" spc="-1" strike="noStrike">
               <a:latin typeface="Arial"/>
             </a:endParaRPr>
           </a:p>
           <a:p>
-            <a:pPr marL="432000" indent="-323640">
-              <a:lnSpc>
-                <a:spcPct val="100000"/>
-              </a:lnSpc>
-              <a:spcAft>
-                <a:spcPts val="1414"/>
-              </a:spcAft>
-              <a:buClr>
-                <a:srgbClr val="ef2929"/>
-              </a:buClr>
-              <a:buSzPct val="45000"/>
-              <a:buFont typeface="Wingdings" charset="2"/>
-              <a:buChar char=""/>
-            </a:pPr>
-            <a:r>
-              <a:rPr b="0" lang="de-DE" sz="1800" spc="-1" strike="noStrike">
-                <a:solidFill>
-                  <a:srgbClr val="333333"/>
-                </a:solidFill>
-                <a:latin typeface="Noto Sans Regular"/>
+            <a:pPr marL="360000">
+              <a:lnSpc>
+                <a:spcPct val="100000"/>
+              </a:lnSpc>
+              <a:spcAft>
+                <a:spcPts val="1414"/>
+              </a:spcAft>
+            </a:pPr>
+            <a:r>
+              <a:rPr b="0" lang="de-DE" sz="1800" spc="-1" strike="noStrike">
+                <a:solidFill>
+                  <a:srgbClr val="333333"/>
+                </a:solidFill>
+                <a:latin typeface="Noto Sans Regular"/>
+                <a:ea typeface="DejaVu Sans"/>
               </a:rPr>
               <a:t>object Cat {</a:t>
             </a:r>
@@ -9648,35 +9503,31 @@
             </a:endParaRPr>
           </a:p>
           <a:p>
-            <a:pPr marL="432000" indent="-323640">
-              <a:lnSpc>
-                <a:spcPct val="100000"/>
-              </a:lnSpc>
-              <a:spcAft>
-                <a:spcPts val="1414"/>
-              </a:spcAft>
-              <a:buClr>
-                <a:srgbClr val="ef2929"/>
-              </a:buClr>
-              <a:buSzPct val="45000"/>
-              <a:buFont typeface="Wingdings" charset="2"/>
-              <a:buChar char=""/>
-            </a:pPr>
-            <a:r>
-              <a:rPr b="0" lang="de-DE" sz="1800" spc="-1" strike="noStrike">
-                <a:solidFill>
-                  <a:srgbClr val="333333"/>
-                </a:solidFill>
-                <a:latin typeface="Noto Sans Regular"/>
-              </a:rPr>
-              <a:t>  </a:t>
-            </a:r>
-            <a:r>
-              <a:rPr b="0" lang="de-DE" sz="1800" spc="-1" strike="noStrike">
-                <a:solidFill>
-                  <a:srgbClr val="333333"/>
-                </a:solidFill>
-                <a:latin typeface="Noto Sans Regular"/>
+            <a:pPr marL="360000">
+              <a:lnSpc>
+                <a:spcPct val="100000"/>
+              </a:lnSpc>
+              <a:spcAft>
+                <a:spcPts val="1414"/>
+              </a:spcAft>
+            </a:pPr>
+            <a:r>
+              <a:rPr b="0" lang="de-DE" sz="1800" spc="-1" strike="noStrike">
+                <a:solidFill>
+                  <a:srgbClr val="333333"/>
+                </a:solidFill>
+                <a:latin typeface="Noto Sans Regular"/>
+                <a:ea typeface="DejaVu Sans"/>
+              </a:rPr>
+              <a:t>    </a:t>
+            </a:r>
+            <a:r>
+              <a:rPr b="0" lang="de-DE" sz="1800" spc="-1" strike="noStrike">
+                <a:solidFill>
+                  <a:srgbClr val="333333"/>
+                </a:solidFill>
+                <a:latin typeface="Noto Sans Regular"/>
+                <a:ea typeface="DejaVu Sans"/>
               </a:rPr>
               <a:t>implicit val catPrintable: Printable[Cat] = new Printable[Cat] {</a:t>
             </a:r>
@@ -9685,26 +9536,219 @@
             </a:endParaRPr>
           </a:p>
           <a:p>
-            <a:pPr marL="432000" indent="-323640">
-              <a:lnSpc>
-                <a:spcPct val="100000"/>
-              </a:lnSpc>
-              <a:spcAft>
-                <a:spcPts val="1414"/>
-              </a:spcAft>
-              <a:buClr>
-                <a:srgbClr val="ef2929"/>
-              </a:buClr>
-              <a:buSzPct val="45000"/>
-              <a:buFont typeface="Wingdings" charset="2"/>
-              <a:buChar char=""/>
-            </a:pPr>
-            <a:r>
-              <a:rPr b="0" lang="de-DE" sz="1800" spc="-1" strike="noStrike">
-                <a:solidFill>
-                  <a:srgbClr val="333333"/>
-                </a:solidFill>
-                <a:latin typeface="Noto Sans Regular"/>
+            <a:pPr marL="360000">
+              <a:lnSpc>
+                <a:spcPct val="100000"/>
+              </a:lnSpc>
+              <a:spcAft>
+                <a:spcPts val="1414"/>
+              </a:spcAft>
+            </a:pPr>
+            <a:r>
+              <a:rPr b="0" lang="de-DE" sz="1800" spc="-1" strike="noStrike">
+                <a:solidFill>
+                  <a:srgbClr val="333333"/>
+                </a:solidFill>
+                <a:latin typeface="Noto Sans Regular"/>
+                <a:ea typeface="DejaVu Sans"/>
+              </a:rPr>
+              <a:t>        </a:t>
+            </a:r>
+            <a:r>
+              <a:rPr b="0" lang="de-DE" sz="1800" spc="-1" strike="noStrike">
+                <a:solidFill>
+                  <a:srgbClr val="333333"/>
+                </a:solidFill>
+                <a:latin typeface="Noto Sans Regular"/>
+                <a:ea typeface="DejaVu Sans"/>
+              </a:rPr>
+              <a:t>override def format(cat: Cat): String = {</a:t>
+            </a:r>
+            <a:endParaRPr b="0" lang="de-DE" sz="1800" spc="-1" strike="noStrike">
+              <a:latin typeface="Arial"/>
+            </a:endParaRPr>
+          </a:p>
+          <a:p>
+            <a:pPr marL="360000">
+              <a:lnSpc>
+                <a:spcPct val="100000"/>
+              </a:lnSpc>
+              <a:spcAft>
+                <a:spcPts val="1414"/>
+              </a:spcAft>
+            </a:pPr>
+            <a:r>
+              <a:rPr b="0" lang="de-DE" sz="1800" spc="-1" strike="noStrike">
+                <a:solidFill>
+                  <a:srgbClr val="333333"/>
+                </a:solidFill>
+                <a:latin typeface="Noto Sans Regular"/>
+                <a:ea typeface="DejaVu Sans"/>
+              </a:rPr>
+              <a:t>            </a:t>
+            </a:r>
+            <a:r>
+              <a:rPr b="0" lang="de-DE" sz="1800" spc="-1" strike="noStrike">
+                <a:solidFill>
+                  <a:srgbClr val="333333"/>
+                </a:solidFill>
+                <a:latin typeface="Noto Sans Regular"/>
+                <a:ea typeface="DejaVu Sans"/>
+              </a:rPr>
+              <a:t>val name  = Printable.format(cat.name)</a:t>
+            </a:r>
+            <a:endParaRPr b="0" lang="de-DE" sz="1800" spc="-1" strike="noStrike">
+              <a:latin typeface="Arial"/>
+            </a:endParaRPr>
+          </a:p>
+          <a:p>
+            <a:pPr marL="360000">
+              <a:lnSpc>
+                <a:spcPct val="100000"/>
+              </a:lnSpc>
+              <a:spcAft>
+                <a:spcPts val="1414"/>
+              </a:spcAft>
+            </a:pPr>
+            <a:r>
+              <a:rPr b="0" lang="de-DE" sz="1800" spc="-1" strike="noStrike">
+                <a:solidFill>
+                  <a:srgbClr val="333333"/>
+                </a:solidFill>
+                <a:latin typeface="Noto Sans Regular"/>
+                <a:ea typeface="DejaVu Sans"/>
+              </a:rPr>
+              <a:t>            </a:t>
+            </a:r>
+            <a:r>
+              <a:rPr b="0" lang="de-DE" sz="1800" spc="-1" strike="noStrike">
+                <a:solidFill>
+                  <a:srgbClr val="333333"/>
+                </a:solidFill>
+                <a:latin typeface="Noto Sans Regular"/>
+                <a:ea typeface="DejaVu Sans"/>
+              </a:rPr>
+              <a:t>val age   = Printable.format(cat.age)</a:t>
+            </a:r>
+            <a:endParaRPr b="0" lang="de-DE" sz="1800" spc="-1" strike="noStrike">
+              <a:latin typeface="Arial"/>
+            </a:endParaRPr>
+          </a:p>
+          <a:p>
+            <a:pPr marL="360000">
+              <a:lnSpc>
+                <a:spcPct val="100000"/>
+              </a:lnSpc>
+              <a:spcAft>
+                <a:spcPts val="1414"/>
+              </a:spcAft>
+            </a:pPr>
+            <a:r>
+              <a:rPr b="0" lang="de-DE" sz="1800" spc="-1" strike="noStrike">
+                <a:solidFill>
+                  <a:srgbClr val="333333"/>
+                </a:solidFill>
+                <a:latin typeface="Noto Sans Regular"/>
+                <a:ea typeface="DejaVu Sans"/>
+              </a:rPr>
+              <a:t>            </a:t>
+            </a:r>
+            <a:r>
+              <a:rPr b="0" lang="de-DE" sz="1800" spc="-1" strike="noStrike">
+                <a:solidFill>
+                  <a:srgbClr val="333333"/>
+                </a:solidFill>
+                <a:latin typeface="Noto Sans Regular"/>
+                <a:ea typeface="DejaVu Sans"/>
+              </a:rPr>
+              <a:t>val color = Printable.format(cat.color)</a:t>
+            </a:r>
+            <a:endParaRPr b="0" lang="de-DE" sz="1800" spc="-1" strike="noStrike">
+              <a:latin typeface="Arial"/>
+            </a:endParaRPr>
+          </a:p>
+          <a:p>
+            <a:pPr marL="360000">
+              <a:lnSpc>
+                <a:spcPct val="100000"/>
+              </a:lnSpc>
+              <a:spcAft>
+                <a:spcPts val="1414"/>
+              </a:spcAft>
+            </a:pPr>
+            <a:r>
+              <a:rPr b="0" lang="de-DE" sz="1800" spc="-1" strike="noStrike">
+                <a:solidFill>
+                  <a:srgbClr val="333333"/>
+                </a:solidFill>
+                <a:latin typeface="Noto Sans Regular"/>
+                <a:ea typeface="DejaVu Sans"/>
+              </a:rPr>
+              <a:t>            </a:t>
+            </a:r>
+            <a:r>
+              <a:rPr b="0" lang="de-DE" sz="1800" spc="-1" strike="noStrike">
+                <a:solidFill>
+                  <a:srgbClr val="333333"/>
+                </a:solidFill>
+                <a:latin typeface="Noto Sans Regular"/>
+                <a:ea typeface="DejaVu Sans"/>
+              </a:rPr>
+              <a:t>s"$name is a $age year-old $color cat."</a:t>
+            </a:r>
+            <a:endParaRPr b="0" lang="de-DE" sz="1800" spc="-1" strike="noStrike">
+              <a:latin typeface="Arial"/>
+            </a:endParaRPr>
+          </a:p>
+          <a:p>
+            <a:pPr marL="360000">
+              <a:lnSpc>
+                <a:spcPct val="100000"/>
+              </a:lnSpc>
+              <a:spcAft>
+                <a:spcPts val="1414"/>
+              </a:spcAft>
+            </a:pPr>
+            <a:r>
+              <a:rPr b="0" lang="de-DE" sz="1800" spc="-1" strike="noStrike">
+                <a:solidFill>
+                  <a:srgbClr val="333333"/>
+                </a:solidFill>
+                <a:latin typeface="Noto Sans Regular"/>
+                <a:ea typeface="DejaVu Sans"/>
+              </a:rPr>
+              <a:t>        </a:t>
+            </a:r>
+            <a:r>
+              <a:rPr b="0" lang="de-DE" sz="1800" spc="-1" strike="noStrike">
+                <a:solidFill>
+                  <a:srgbClr val="333333"/>
+                </a:solidFill>
+                <a:latin typeface="Noto Sans Regular"/>
+                <a:ea typeface="DejaVu Sans"/>
+              </a:rPr>
+              <a:t>}</a:t>
+            </a:r>
+            <a:endParaRPr b="0" lang="de-DE" sz="1800" spc="-1" strike="noStrike">
+              <a:latin typeface="Arial"/>
+            </a:endParaRPr>
+          </a:p>
+          <a:p>
+            <a:pPr marL="360000">
+              <a:lnSpc>
+                <a:spcPct val="100000"/>
+              </a:lnSpc>
+              <a:spcAft>
+                <a:spcPts val="1414"/>
+              </a:spcAft>
+            </a:pPr>
+            <a:r>
+              <a:rPr b="0" lang="de-DE" sz="1800" spc="-1" strike="noStrike">
+                <a:solidFill>
+                  <a:srgbClr val="333333"/>
+                </a:solidFill>
+                <a:latin typeface="Noto Sans Regular"/>
+                <a:ea typeface="DejaVu Sans"/>
               </a:rPr>
               <a:t>    </a:t>
             </a:r>
@@ -9714,256 +9758,30 @@
                   <a:srgbClr val="333333"/>
                 </a:solidFill>
                 <a:latin typeface="Noto Sans Regular"/>
-              </a:rPr>
-              <a:t>override def format(cat: Cat): String = {</a:t>
+                <a:ea typeface="DejaVu Sans"/>
+              </a:rPr>
+              <a:t>}</a:t>
             </a:r>
             <a:endParaRPr b="0" lang="de-DE" sz="1800" spc="-1" strike="noStrike">
               <a:latin typeface="Arial"/>
             </a:endParaRPr>
           </a:p>
           <a:p>
-            <a:pPr marL="432000" indent="-323640">
-              <a:lnSpc>
-                <a:spcPct val="100000"/>
-              </a:lnSpc>
-              <a:spcAft>
-                <a:spcPts val="1414"/>
-              </a:spcAft>
-              <a:buClr>
-                <a:srgbClr val="ef2929"/>
-              </a:buClr>
-              <a:buSzPct val="45000"/>
-              <a:buFont typeface="Wingdings" charset="2"/>
-              <a:buChar char=""/>
-            </a:pPr>
-            <a:r>
-              <a:rPr b="0" lang="de-DE" sz="1800" spc="-1" strike="noStrike">
-                <a:solidFill>
-                  <a:srgbClr val="333333"/>
-                </a:solidFill>
-                <a:latin typeface="Noto Sans Regular"/>
-              </a:rPr>
-              <a:t>      </a:t>
-            </a:r>
-            <a:r>
-              <a:rPr b="0" lang="de-DE" sz="1800" spc="-1" strike="noStrike">
-                <a:solidFill>
-                  <a:srgbClr val="333333"/>
-                </a:solidFill>
-                <a:latin typeface="Noto Sans Regular"/>
-              </a:rPr>
-              <a:t>val name  = Printable.format(cat.name)</a:t>
-            </a:r>
-            <a:endParaRPr b="0" lang="de-DE" sz="1800" spc="-1" strike="noStrike">
-              <a:latin typeface="Arial"/>
-            </a:endParaRPr>
-          </a:p>
-          <a:p>
-            <a:pPr marL="432000" indent="-323640">
-              <a:lnSpc>
-                <a:spcPct val="100000"/>
-              </a:lnSpc>
-              <a:spcAft>
-                <a:spcPts val="1414"/>
-              </a:spcAft>
-              <a:buClr>
-                <a:srgbClr val="ef2929"/>
-              </a:buClr>
-              <a:buSzPct val="45000"/>
-              <a:buFont typeface="Wingdings" charset="2"/>
-              <a:buChar char=""/>
-            </a:pPr>
-            <a:r>
-              <a:rPr b="0" lang="de-DE" sz="1800" spc="-1" strike="noStrike">
-                <a:solidFill>
-                  <a:srgbClr val="333333"/>
-                </a:solidFill>
-                <a:latin typeface="Noto Sans Regular"/>
-              </a:rPr>
-              <a:t>      </a:t>
-            </a:r>
-            <a:r>
-              <a:rPr b="0" lang="de-DE" sz="1800" spc="-1" strike="noStrike">
-                <a:solidFill>
-                  <a:srgbClr val="333333"/>
-                </a:solidFill>
-                <a:latin typeface="Noto Sans Regular"/>
-              </a:rPr>
-              <a:t>val age   = Printable.format(cat.age)</a:t>
-            </a:r>
-            <a:endParaRPr b="0" lang="de-DE" sz="1800" spc="-1" strike="noStrike">
-              <a:latin typeface="Arial"/>
-            </a:endParaRPr>
-          </a:p>
-          <a:p>
-            <a:pPr marL="432000" indent="-323640">
-              <a:lnSpc>
-                <a:spcPct val="100000"/>
-              </a:lnSpc>
-              <a:spcAft>
-                <a:spcPts val="1414"/>
-              </a:spcAft>
-              <a:buClr>
-                <a:srgbClr val="ef2929"/>
-              </a:buClr>
-              <a:buSzPct val="45000"/>
-              <a:buFont typeface="Wingdings" charset="2"/>
-              <a:buChar char=""/>
-            </a:pPr>
-            <a:r>
-              <a:rPr b="0" lang="de-DE" sz="1800" spc="-1" strike="noStrike">
-                <a:solidFill>
-                  <a:srgbClr val="333333"/>
-                </a:solidFill>
-                <a:latin typeface="Noto Sans Regular"/>
-              </a:rPr>
-              <a:t>      </a:t>
-            </a:r>
-            <a:r>
-              <a:rPr b="0" lang="de-DE" sz="1800" spc="-1" strike="noStrike">
-                <a:solidFill>
-                  <a:srgbClr val="333333"/>
-                </a:solidFill>
-                <a:latin typeface="Noto Sans Regular"/>
-              </a:rPr>
-              <a:t>val color = Printable.format(cat.color)</a:t>
-            </a:r>
-            <a:endParaRPr b="0" lang="de-DE" sz="1800" spc="-1" strike="noStrike">
-              <a:latin typeface="Arial"/>
-            </a:endParaRPr>
-          </a:p>
-          <a:p>
-            <a:pPr marL="432000" indent="-323640">
-              <a:lnSpc>
-                <a:spcPct val="100000"/>
-              </a:lnSpc>
-              <a:spcAft>
-                <a:spcPts val="1414"/>
-              </a:spcAft>
-              <a:buClr>
-                <a:srgbClr val="ef2929"/>
-              </a:buClr>
-              <a:buSzPct val="45000"/>
-              <a:buFont typeface="Wingdings" charset="2"/>
-              <a:buChar char=""/>
-            </a:pPr>
-            <a:r>
-              <a:rPr b="0" lang="de-DE" sz="1800" spc="-1" strike="noStrike">
-                <a:solidFill>
-                  <a:srgbClr val="333333"/>
-                </a:solidFill>
-                <a:latin typeface="Noto Sans Regular"/>
-              </a:rPr>
-              <a:t>      </a:t>
-            </a:r>
-            <a:r>
-              <a:rPr b="0" lang="de-DE" sz="1800" spc="-1" strike="noStrike">
-                <a:solidFill>
-                  <a:srgbClr val="333333"/>
-                </a:solidFill>
-                <a:latin typeface="Noto Sans Regular"/>
-              </a:rPr>
-              <a:t>s"$name is a $age year-old $color cat."</a:t>
-            </a:r>
-            <a:endParaRPr b="0" lang="de-DE" sz="1800" spc="-1" strike="noStrike">
-              <a:latin typeface="Arial"/>
-            </a:endParaRPr>
-          </a:p>
-          <a:p>
-            <a:pPr marL="432000" indent="-323640">
-              <a:lnSpc>
-                <a:spcPct val="100000"/>
-              </a:lnSpc>
-              <a:spcAft>
-                <a:spcPts val="1414"/>
-              </a:spcAft>
-              <a:buClr>
-                <a:srgbClr val="ef2929"/>
-              </a:buClr>
-              <a:buSzPct val="45000"/>
-              <a:buFont typeface="Wingdings" charset="2"/>
-              <a:buChar char=""/>
-            </a:pPr>
-            <a:r>
-              <a:rPr b="0" lang="de-DE" sz="1800" spc="-1" strike="noStrike">
-                <a:solidFill>
-                  <a:srgbClr val="333333"/>
-                </a:solidFill>
-                <a:latin typeface="Noto Sans Regular"/>
-              </a:rPr>
-              <a:t>    </a:t>
-            </a:r>
-            <a:r>
-              <a:rPr b="0" lang="de-DE" sz="1800" spc="-1" strike="noStrike">
-                <a:solidFill>
-                  <a:srgbClr val="333333"/>
-                </a:solidFill>
-                <a:latin typeface="Noto Sans Regular"/>
-              </a:rPr>
-              <a:t>}</a:t>
-            </a:r>
-            <a:endParaRPr b="0" lang="de-DE" sz="1800" spc="-1" strike="noStrike">
-              <a:latin typeface="Arial"/>
-            </a:endParaRPr>
-          </a:p>
-          <a:p>
-            <a:pPr marL="432000" indent="-323640">
-              <a:lnSpc>
-                <a:spcPct val="100000"/>
-              </a:lnSpc>
-              <a:spcAft>
-                <a:spcPts val="1414"/>
-              </a:spcAft>
-              <a:buClr>
-                <a:srgbClr val="ef2929"/>
-              </a:buClr>
-              <a:buSzPct val="45000"/>
-              <a:buFont typeface="Wingdings" charset="2"/>
-              <a:buChar char=""/>
-            </a:pPr>
-            <a:r>
-              <a:rPr b="0" lang="de-DE" sz="1800" spc="-1" strike="noStrike">
-                <a:solidFill>
-                  <a:srgbClr val="333333"/>
-                </a:solidFill>
-                <a:latin typeface="Noto Sans Regular"/>
-              </a:rPr>
-              <a:t>  </a:t>
-            </a:r>
-            <a:r>
-              <a:rPr b="0" lang="de-DE" sz="1800" spc="-1" strike="noStrike">
-                <a:solidFill>
-                  <a:srgbClr val="333333"/>
-                </a:solidFill>
-                <a:latin typeface="Noto Sans Regular"/>
-              </a:rPr>
-              <a:t>}</a:t>
-            </a:r>
-            <a:endParaRPr b="0" lang="de-DE" sz="1800" spc="-1" strike="noStrike">
-              <a:latin typeface="Arial"/>
-            </a:endParaRPr>
-          </a:p>
-          <a:p>
-            <a:pPr marL="432000" indent="-323640">
-              <a:lnSpc>
-                <a:spcPct val="100000"/>
-              </a:lnSpc>
-              <a:spcAft>
-                <a:spcPts val="1414"/>
-              </a:spcAft>
-              <a:buClr>
-                <a:srgbClr val="ef2929"/>
-              </a:buClr>
-              <a:buSzPct val="45000"/>
-              <a:buFont typeface="Wingdings" charset="2"/>
-              <a:buChar char=""/>
-            </a:pPr>
-            <a:r>
-              <a:rPr b="0" lang="de-DE" sz="1800" spc="-1" strike="noStrike">
-                <a:solidFill>
-                  <a:srgbClr val="333333"/>
-                </a:solidFill>
-                <a:latin typeface="Noto Sans Regular"/>
+            <a:pPr marL="360000">
+              <a:lnSpc>
+                <a:spcPct val="100000"/>
+              </a:lnSpc>
+              <a:spcAft>
+                <a:spcPts val="1414"/>
+              </a:spcAft>
+            </a:pPr>
+            <a:r>
+              <a:rPr b="0" lang="de-DE" sz="1800" spc="-1" strike="noStrike">
+                <a:solidFill>
+                  <a:srgbClr val="333333"/>
+                </a:solidFill>
+                <a:latin typeface="Noto Sans Regular"/>
+                <a:ea typeface="DejaVu Sans"/>
               </a:rPr>
               <a:t>}</a:t>
             </a:r>

--- a/Slides/TypeClasses.pptx
+++ b/Slides/TypeClasses.pptx
@@ -29,6 +29,10 @@
     <p:sldId id="276" r:id="rId24"/>
     <p:sldId id="277" r:id="rId25"/>
     <p:sldId id="278" r:id="rId26"/>
+    <p:sldId id="279" r:id="rId27"/>
+    <p:sldId id="280" r:id="rId28"/>
+    <p:sldId id="281" r:id="rId29"/>
+    <p:sldId id="282" r:id="rId30"/>
   </p:sldIdLst>
   <p:sldSz cx="10080625" cy="7559675"/>
   <p:notesSz cx="7559675" cy="10691812"/>
@@ -2725,7 +2729,7 @@
         <p:spPr>
           <a:xfrm>
             <a:off x="0" y="4320000"/>
-            <a:ext cx="503280" cy="1079280"/>
+            <a:ext cx="502920" cy="1078920"/>
           </a:xfrm>
           <a:prstGeom prst="rect">
             <a:avLst/>
@@ -2756,8 +2760,8 @@
         </p:nvSpPr>
         <p:spPr>
           <a:xfrm>
-            <a:off x="720000" y="300960"/>
-            <a:ext cx="8854920" cy="1261800"/>
+            <a:off x="504000" y="301320"/>
+            <a:ext cx="9072000" cy="1261800"/>
           </a:xfrm>
           <a:prstGeom prst="rect">
             <a:avLst/>
@@ -2766,13 +2770,14 @@
         <p:txBody>
           <a:bodyPr lIns="0" rIns="0" tIns="0" bIns="0" anchor="ctr"/>
           <a:p>
-            <a:r>
-              <a:rPr b="0" lang="de-DE" sz="1800" spc="-1" strike="noStrike">
+            <a:pPr algn="ctr"/>
+            <a:r>
+              <a:rPr b="0" lang="de-DE" sz="4400" spc="-1" strike="noStrike">
                 <a:latin typeface="Arial"/>
               </a:rPr>
               <a:t>Format des Titeltextes durch Klicken bearbeiten</a:t>
             </a:r>
-            <a:endParaRPr b="0" lang="de-DE" sz="1800" spc="-1" strike="noStrike">
+            <a:endParaRPr b="0" lang="de-DE" sz="4400" spc="-1" strike="noStrike">
               <a:latin typeface="Arial"/>
             </a:endParaRPr>
           </a:p>
@@ -2790,8 +2795,8 @@
         </p:nvSpPr>
         <p:spPr>
           <a:xfrm>
-            <a:off x="720000" y="2160000"/>
-            <a:ext cx="8639280" cy="4384080"/>
+            <a:off x="504000" y="1768680"/>
+            <a:ext cx="9072000" cy="4384080"/>
           </a:xfrm>
           <a:prstGeom prst="rect">
             <a:avLst/>
@@ -2814,12 +2819,12 @@
               <a:buChar char=""/>
             </a:pPr>
             <a:r>
-              <a:rPr b="0" lang="de-DE" sz="1800" spc="-1" strike="noStrike">
+              <a:rPr b="0" lang="de-DE" sz="3200" spc="-1" strike="noStrike">
                 <a:latin typeface="Arial"/>
               </a:rPr>
               <a:t>Format des Gliederungstextes durch Klicken bearbeiten</a:t>
             </a:r>
-            <a:endParaRPr b="0" lang="de-DE" sz="1800" spc="-1" strike="noStrike">
+            <a:endParaRPr b="0" lang="de-DE" sz="3200" spc="-1" strike="noStrike">
               <a:latin typeface="Arial"/>
             </a:endParaRPr>
           </a:p>
@@ -2836,12 +2841,12 @@
               <a:buChar char=""/>
             </a:pPr>
             <a:r>
-              <a:rPr b="0" lang="de-DE" sz="1800" spc="-1" strike="noStrike">
+              <a:rPr b="0" lang="de-DE" sz="2800" spc="-1" strike="noStrike">
                 <a:latin typeface="Arial"/>
               </a:rPr>
               <a:t>Zweite Gliederungsebene</a:t>
             </a:r>
-            <a:endParaRPr b="0" lang="de-DE" sz="1800" spc="-1" strike="noStrike">
+            <a:endParaRPr b="0" lang="de-DE" sz="2800" spc="-1" strike="noStrike">
               <a:latin typeface="Arial"/>
             </a:endParaRPr>
           </a:p>
@@ -2858,12 +2863,12 @@
               <a:buChar char=""/>
             </a:pPr>
             <a:r>
-              <a:rPr b="0" lang="de-DE" sz="1800" spc="-1" strike="noStrike">
+              <a:rPr b="0" lang="de-DE" sz="2400" spc="-1" strike="noStrike">
                 <a:latin typeface="Arial"/>
               </a:rPr>
               <a:t>Dritte Gliederungsebene</a:t>
             </a:r>
-            <a:endParaRPr b="0" lang="de-DE" sz="1800" spc="-1" strike="noStrike">
+            <a:endParaRPr b="0" lang="de-DE" sz="2400" spc="-1" strike="noStrike">
               <a:latin typeface="Arial"/>
             </a:endParaRPr>
           </a:p>
@@ -2880,12 +2885,12 @@
               <a:buChar char=""/>
             </a:pPr>
             <a:r>
-              <a:rPr b="0" lang="de-DE" sz="1800" spc="-1" strike="noStrike">
+              <a:rPr b="0" lang="de-DE" sz="2000" spc="-1" strike="noStrike">
                 <a:latin typeface="Arial"/>
               </a:rPr>
               <a:t>Vierte Gliederungsebene</a:t>
             </a:r>
-            <a:endParaRPr b="0" lang="de-DE" sz="1800" spc="-1" strike="noStrike">
+            <a:endParaRPr b="0" lang="de-DE" sz="2000" spc="-1" strike="noStrike">
               <a:latin typeface="Arial"/>
             </a:endParaRPr>
           </a:p>
@@ -2902,12 +2907,12 @@
               <a:buChar char=""/>
             </a:pPr>
             <a:r>
-              <a:rPr b="0" lang="de-DE" sz="1800" spc="-1" strike="noStrike">
+              <a:rPr b="0" lang="de-DE" sz="2000" spc="-1" strike="noStrike">
                 <a:latin typeface="Arial"/>
               </a:rPr>
               <a:t>Fünfte Gliederungsebene</a:t>
             </a:r>
-            <a:endParaRPr b="0" lang="de-DE" sz="1800" spc="-1" strike="noStrike">
+            <a:endParaRPr b="0" lang="de-DE" sz="2000" spc="-1" strike="noStrike">
               <a:latin typeface="Arial"/>
             </a:endParaRPr>
           </a:p>
@@ -2924,12 +2929,12 @@
               <a:buChar char=""/>
             </a:pPr>
             <a:r>
-              <a:rPr b="0" lang="de-DE" sz="1800" spc="-1" strike="noStrike">
+              <a:rPr b="0" lang="de-DE" sz="2000" spc="-1" strike="noStrike">
                 <a:latin typeface="Arial"/>
               </a:rPr>
               <a:t>Sechste Gliederungsebene</a:t>
             </a:r>
-            <a:endParaRPr b="0" lang="de-DE" sz="1800" spc="-1" strike="noStrike">
+            <a:endParaRPr b="0" lang="de-DE" sz="2000" spc="-1" strike="noStrike">
               <a:latin typeface="Arial"/>
             </a:endParaRPr>
           </a:p>
@@ -2946,12 +2951,12 @@
               <a:buChar char=""/>
             </a:pPr>
             <a:r>
-              <a:rPr b="0" lang="de-DE" sz="1800" spc="-1" strike="noStrike">
+              <a:rPr b="0" lang="de-DE" sz="2000" spc="-1" strike="noStrike">
                 <a:latin typeface="Arial"/>
               </a:rPr>
               <a:t>Siebte Gliederungsebene</a:t>
             </a:r>
-            <a:endParaRPr b="0" lang="de-DE" sz="1800" spc="-1" strike="noStrike">
+            <a:endParaRPr b="0" lang="de-DE" sz="2000" spc="-1" strike="noStrike">
               <a:latin typeface="Arial"/>
             </a:endParaRPr>
           </a:p>
@@ -3003,7 +3008,7 @@
         <p:spPr>
           <a:xfrm>
             <a:off x="0" y="288000"/>
-            <a:ext cx="503280" cy="1079280"/>
+            <a:ext cx="502920" cy="1078920"/>
           </a:xfrm>
           <a:prstGeom prst="rect">
             <a:avLst/>
@@ -3282,7 +3287,7 @@
         <p:spPr>
           <a:xfrm>
             <a:off x="792000" y="3885480"/>
-            <a:ext cx="8567280" cy="1660680"/>
+            <a:ext cx="8566920" cy="1660320"/>
           </a:xfrm>
           <a:prstGeom prst="rect">
             <a:avLst/>
@@ -3339,7 +3344,7 @@
         <p:spPr>
           <a:xfrm>
             <a:off x="792000" y="5904000"/>
-            <a:ext cx="8567280" cy="981720"/>
+            <a:ext cx="8566920" cy="981360"/>
           </a:xfrm>
           <a:prstGeom prst="rect">
             <a:avLst/>
@@ -3447,7 +3452,7 @@
         <p:spPr>
           <a:xfrm>
             <a:off x="720000" y="300960"/>
-            <a:ext cx="8854920" cy="1261800"/>
+            <a:ext cx="8854560" cy="1261440"/>
           </a:xfrm>
           <a:prstGeom prst="rect">
             <a:avLst/>
@@ -3491,7 +3496,7 @@
         <p:spPr>
           <a:xfrm>
             <a:off x="720000" y="2160000"/>
-            <a:ext cx="8639280" cy="4384080"/>
+            <a:ext cx="8638920" cy="4383720"/>
           </a:xfrm>
           <a:prstGeom prst="rect">
             <a:avLst/>
@@ -3849,7 +3854,7 @@
         <p:spPr>
           <a:xfrm>
             <a:off x="720000" y="300960"/>
-            <a:ext cx="8854920" cy="1261800"/>
+            <a:ext cx="8854560" cy="1261440"/>
           </a:xfrm>
           <a:prstGeom prst="rect">
             <a:avLst/>
@@ -3893,7 +3898,7 @@
         <p:spPr>
           <a:xfrm>
             <a:off x="720000" y="2160000"/>
-            <a:ext cx="8639280" cy="4384080"/>
+            <a:ext cx="8638920" cy="4383720"/>
           </a:xfrm>
           <a:prstGeom prst="rect">
             <a:avLst/>
@@ -3912,7 +3917,7 @@
         <p:txBody>
           <a:bodyPr lIns="0" rIns="0" tIns="0" bIns="0"/>
           <a:p>
-            <a:pPr marL="432000" indent="-323280">
+            <a:pPr marL="432000" indent="-322920">
               <a:lnSpc>
                 <a:spcPct val="100000"/>
               </a:lnSpc>
@@ -3941,7 +3946,7 @@
             </a:endParaRPr>
           </a:p>
           <a:p>
-            <a:pPr marL="432000" indent="-323280">
+            <a:pPr marL="432000" indent="-322920">
               <a:lnSpc>
                 <a:spcPct val="100000"/>
               </a:lnSpc>
@@ -4029,7 +4034,7 @@
         <p:spPr>
           <a:xfrm>
             <a:off x="720000" y="300960"/>
-            <a:ext cx="8854920" cy="1261800"/>
+            <a:ext cx="8854560" cy="1261440"/>
           </a:xfrm>
           <a:prstGeom prst="rect">
             <a:avLst/>
@@ -4073,7 +4078,7 @@
         <p:spPr>
           <a:xfrm>
             <a:off x="720000" y="2160000"/>
-            <a:ext cx="8639280" cy="4384080"/>
+            <a:ext cx="8638920" cy="4383720"/>
           </a:xfrm>
           <a:prstGeom prst="rect">
             <a:avLst/>
@@ -4092,7 +4097,7 @@
         <p:txBody>
           <a:bodyPr lIns="0" rIns="0" tIns="0" bIns="0"/>
           <a:p>
-            <a:pPr marL="432000" indent="-323280">
+            <a:pPr marL="432000" indent="-322920">
               <a:lnSpc>
                 <a:spcPct val="100000"/>
               </a:lnSpc>
@@ -4350,7 +4355,7 @@
         <p:spPr>
           <a:xfrm>
             <a:off x="720000" y="300960"/>
-            <a:ext cx="8854920" cy="1261800"/>
+            <a:ext cx="8854560" cy="1261440"/>
           </a:xfrm>
           <a:prstGeom prst="rect">
             <a:avLst/>
@@ -4394,7 +4399,7 @@
         <p:spPr>
           <a:xfrm>
             <a:off x="720000" y="2160000"/>
-            <a:ext cx="8639280" cy="4384080"/>
+            <a:ext cx="8638920" cy="4383720"/>
           </a:xfrm>
           <a:prstGeom prst="rect">
             <a:avLst/>
@@ -4413,7 +4418,7 @@
         <p:txBody>
           <a:bodyPr lIns="0" rIns="0" tIns="0" bIns="0"/>
           <a:p>
-            <a:pPr marL="432000" indent="-323280">
+            <a:pPr marL="432000" indent="-322920">
               <a:lnSpc>
                 <a:spcPct val="100000"/>
               </a:lnSpc>
@@ -4680,7 +4685,7 @@
         <p:spPr>
           <a:xfrm>
             <a:off x="720000" y="300960"/>
-            <a:ext cx="8854920" cy="1261800"/>
+            <a:ext cx="8854560" cy="1261440"/>
           </a:xfrm>
           <a:prstGeom prst="rect">
             <a:avLst/>
@@ -4724,7 +4729,7 @@
         <p:spPr>
           <a:xfrm>
             <a:off x="720000" y="2160000"/>
-            <a:ext cx="8639280" cy="4384080"/>
+            <a:ext cx="8638920" cy="4383720"/>
           </a:xfrm>
           <a:prstGeom prst="rect">
             <a:avLst/>
@@ -4743,7 +4748,7 @@
         <p:txBody>
           <a:bodyPr lIns="0" rIns="0" tIns="0" bIns="0"/>
           <a:p>
-            <a:pPr marL="432000" indent="-323280">
+            <a:pPr marL="432000" indent="-322920">
               <a:lnSpc>
                 <a:spcPct val="100000"/>
               </a:lnSpc>
@@ -4765,14 +4770,74 @@
                 <a:latin typeface="Noto Sans Regular"/>
                 <a:ea typeface="DejaVu Sans"/>
               </a:rPr>
-              <a:t>Type class instances for standard types (String, Int, Date etc.) should be stored in the same package as the type class itself.</a:t>
+              <a:t>Type class instances for standard types (</a:t>
+            </a:r>
+            <a:r>
+              <a:rPr b="0" lang="de-DE" sz="2800" spc="-1" strike="noStrike">
+                <a:solidFill>
+                  <a:srgbClr val="333333"/>
+                </a:solidFill>
+                <a:latin typeface="Courier New"/>
+                <a:ea typeface="DejaVu Sans"/>
+              </a:rPr>
+              <a:t>String</a:t>
+            </a:r>
+            <a:r>
+              <a:rPr b="0" lang="de-DE" sz="2800" spc="-1" strike="noStrike">
+                <a:solidFill>
+                  <a:srgbClr val="333333"/>
+                </a:solidFill>
+                <a:latin typeface="Noto Sans Regular"/>
+                <a:ea typeface="DejaVu Sans"/>
+              </a:rPr>
+              <a:t>, </a:t>
+            </a:r>
+            <a:r>
+              <a:rPr b="0" lang="de-DE" sz="2800" spc="-1" strike="noStrike">
+                <a:solidFill>
+                  <a:srgbClr val="333333"/>
+                </a:solidFill>
+                <a:latin typeface="Courier New"/>
+                <a:ea typeface="DejaVu Sans"/>
+              </a:rPr>
+              <a:t>Int</a:t>
+            </a:r>
+            <a:r>
+              <a:rPr b="0" lang="de-DE" sz="2800" spc="-1" strike="noStrike">
+                <a:solidFill>
+                  <a:srgbClr val="333333"/>
+                </a:solidFill>
+                <a:latin typeface="Noto Sans Regular"/>
+                <a:ea typeface="DejaVu Sans"/>
+              </a:rPr>
+              <a:t>, </a:t>
+            </a:r>
+            <a:r>
+              <a:rPr b="0" lang="de-DE" sz="2800" spc="-1" strike="noStrike">
+                <a:solidFill>
+                  <a:srgbClr val="333333"/>
+                </a:solidFill>
+                <a:latin typeface="Courier New"/>
+                <a:ea typeface="DejaVu Sans"/>
+              </a:rPr>
+              <a:t>Date</a:t>
+            </a:r>
+            <a:r>
+              <a:rPr b="0" lang="de-DE" sz="2800" spc="-1" strike="noStrike">
+                <a:solidFill>
+                  <a:srgbClr val="333333"/>
+                </a:solidFill>
+                <a:latin typeface="Noto Sans Regular"/>
+                <a:ea typeface="DejaVu Sans"/>
+              </a:rPr>
+              <a:t> etc.) should be stored in the same package as the type class itself.</a:t>
             </a:r>
             <a:endParaRPr b="0" lang="de-DE" sz="2800" spc="-1" strike="noStrike">
               <a:latin typeface="Arial"/>
             </a:endParaRPr>
           </a:p>
           <a:p>
-            <a:pPr marL="432000" indent="-323280">
+            <a:pPr marL="432000" indent="-322920">
               <a:lnSpc>
                 <a:spcPct val="100000"/>
               </a:lnSpc>
@@ -4794,7 +4859,107 @@
                 <a:latin typeface="Noto Sans Regular"/>
                 <a:ea typeface="DejaVu Sans"/>
               </a:rPr>
-              <a:t>Type class instances for your own types, i.e. domain classes (Cat, Person, Order etc.) should be stored in the same package as the respective domain class.</a:t>
+              <a:t>Type class instances for your own types, i.e. domain classes (</a:t>
+            </a:r>
+            <a:r>
+              <a:rPr b="0" lang="de-DE" sz="2800" spc="-1" strike="noStrike">
+                <a:solidFill>
+                  <a:srgbClr val="333333"/>
+                </a:solidFill>
+                <a:latin typeface="Courier New"/>
+                <a:ea typeface="DejaVu Sans"/>
+              </a:rPr>
+              <a:t>Cat</a:t>
+            </a:r>
+            <a:r>
+              <a:rPr b="0" lang="de-DE" sz="2800" spc="-1" strike="noStrike">
+                <a:solidFill>
+                  <a:srgbClr val="333333"/>
+                </a:solidFill>
+                <a:latin typeface="Noto Sans Regular"/>
+                <a:ea typeface="DejaVu Sans"/>
+              </a:rPr>
+              <a:t>, </a:t>
+            </a:r>
+            <a:r>
+              <a:rPr b="0" lang="de-DE" sz="2800" spc="-1" strike="noStrike">
+                <a:solidFill>
+                  <a:srgbClr val="333333"/>
+                </a:solidFill>
+                <a:latin typeface="Courier New"/>
+                <a:ea typeface="DejaVu Sans"/>
+              </a:rPr>
+              <a:t>Person</a:t>
+            </a:r>
+            <a:r>
+              <a:rPr b="0" lang="de-DE" sz="2800" spc="-1" strike="noStrike">
+                <a:solidFill>
+                  <a:srgbClr val="333333"/>
+                </a:solidFill>
+                <a:latin typeface="Noto Sans Regular"/>
+                <a:ea typeface="DejaVu Sans"/>
+              </a:rPr>
+              <a:t>, </a:t>
+            </a:r>
+            <a:r>
+              <a:rPr b="0" lang="de-DE" sz="2800" spc="-1" strike="noStrike">
+                <a:solidFill>
+                  <a:srgbClr val="333333"/>
+                </a:solidFill>
+                <a:latin typeface="Courier New"/>
+                <a:ea typeface="DejaVu Sans"/>
+              </a:rPr>
+              <a:t>Customer</a:t>
+            </a:r>
+            <a:r>
+              <a:rPr b="0" lang="de-DE" sz="2800" spc="-1" strike="noStrike">
+                <a:solidFill>
+                  <a:srgbClr val="333333"/>
+                </a:solidFill>
+                <a:latin typeface="Noto Sans Regular"/>
+                <a:ea typeface="DejaVu Sans"/>
+              </a:rPr>
+              <a:t>, </a:t>
+            </a:r>
+            <a:r>
+              <a:rPr b="0" lang="de-DE" sz="2800" spc="-1" strike="noStrike">
+                <a:solidFill>
+                  <a:srgbClr val="333333"/>
+                </a:solidFill>
+                <a:latin typeface="Courier New"/>
+                <a:ea typeface="DejaVu Sans"/>
+              </a:rPr>
+              <a:t>Order</a:t>
+            </a:r>
+            <a:r>
+              <a:rPr b="0" lang="de-DE" sz="2800" spc="-1" strike="noStrike">
+                <a:solidFill>
+                  <a:srgbClr val="333333"/>
+                </a:solidFill>
+                <a:latin typeface="Noto Sans Regular"/>
+                <a:ea typeface="DejaVu Sans"/>
+              </a:rPr>
+              <a:t>, </a:t>
+            </a:r>
+            <a:r>
+              <a:rPr b="0" lang="de-DE" sz="2800" spc="-1" strike="noStrike">
+                <a:solidFill>
+                  <a:srgbClr val="333333"/>
+                </a:solidFill>
+                <a:latin typeface="Courier New"/>
+                <a:ea typeface="DejaVu Sans"/>
+              </a:rPr>
+              <a:t>Invoice</a:t>
+            </a:r>
+            <a:r>
+              <a:rPr b="0" lang="de-DE" sz="2800" spc="-1" strike="noStrike">
+                <a:solidFill>
+                  <a:srgbClr val="333333"/>
+                </a:solidFill>
+                <a:latin typeface="Noto Sans Regular"/>
+                <a:ea typeface="DejaVu Sans"/>
+              </a:rPr>
+              <a:t> etc.) should be stored in the same package as the respective domain class.</a:t>
             </a:r>
             <a:endParaRPr b="0" lang="de-DE" sz="2800" spc="-1" strike="noStrike">
               <a:latin typeface="Arial"/>
@@ -4860,7 +5025,7 @@
         <p:spPr>
           <a:xfrm>
             <a:off x="720000" y="300960"/>
-            <a:ext cx="8854920" cy="1261800"/>
+            <a:ext cx="8854560" cy="1261440"/>
           </a:xfrm>
           <a:prstGeom prst="rect">
             <a:avLst/>
@@ -4904,7 +5069,7 @@
         <p:spPr>
           <a:xfrm>
             <a:off x="720000" y="2160000"/>
-            <a:ext cx="8639280" cy="4384080"/>
+            <a:ext cx="8638920" cy="4383720"/>
           </a:xfrm>
           <a:prstGeom prst="rect">
             <a:avLst/>
@@ -4936,7 +5101,7 @@
             </a:endParaRPr>
           </a:p>
           <a:p>
-            <a:pPr marL="432000" indent="-323280">
+            <a:pPr marL="432000" indent="-322920">
               <a:lnSpc>
                 <a:spcPct val="100000"/>
               </a:lnSpc>
@@ -4958,14 +5123,54 @@
                 <a:latin typeface="Noto Sans Regular"/>
                 <a:ea typeface="DejaVu Sans"/>
               </a:rPr>
-              <a:t>The type class (Printable) and the domain class (Cat) are completely decoupled.</a:t>
+              <a:t>The type class (</a:t>
+            </a:r>
+            <a:r>
+              <a:rPr b="0" lang="de-DE" sz="2800" spc="-1" strike="noStrike">
+                <a:solidFill>
+                  <a:srgbClr val="333333"/>
+                </a:solidFill>
+                <a:latin typeface="Courier New"/>
+                <a:ea typeface="DejaVu Sans"/>
+              </a:rPr>
+              <a:t>Printable</a:t>
+            </a:r>
+            <a:r>
+              <a:rPr b="0" lang="de-DE" sz="2800" spc="-1" strike="noStrike">
+                <a:solidFill>
+                  <a:srgbClr val="333333"/>
+                </a:solidFill>
+                <a:latin typeface="Noto Sans Regular"/>
+                <a:ea typeface="DejaVu Sans"/>
+              </a:rPr>
+              <a:t>) and the domain class (</a:t>
+            </a:r>
+            <a:r>
+              <a:rPr b="0" lang="de-DE" sz="2800" spc="-1" strike="noStrike">
+                <a:solidFill>
+                  <a:srgbClr val="333333"/>
+                </a:solidFill>
+                <a:latin typeface="Courier New"/>
+                <a:ea typeface="DejaVu Sans"/>
+              </a:rPr>
+              <a:t>Cat</a:t>
+            </a:r>
+            <a:r>
+              <a:rPr b="0" lang="de-DE" sz="2800" spc="-1" strike="noStrike">
+                <a:solidFill>
+                  <a:srgbClr val="333333"/>
+                </a:solidFill>
+                <a:latin typeface="Noto Sans Regular"/>
+                <a:ea typeface="DejaVu Sans"/>
+              </a:rPr>
+              <a:t>) are completely decoupled.</a:t>
             </a:r>
             <a:endParaRPr b="0" lang="de-DE" sz="2800" spc="-1" strike="noStrike">
               <a:latin typeface="Arial"/>
             </a:endParaRPr>
           </a:p>
           <a:p>
-            <a:pPr marL="432000" indent="-323280">
+            <a:pPr marL="432000" indent="-322920">
               <a:lnSpc>
                 <a:spcPct val="100000"/>
               </a:lnSpc>
@@ -4994,7 +5199,7 @@
             </a:endParaRPr>
           </a:p>
           <a:p>
-            <a:pPr marL="432000" indent="-323280">
+            <a:pPr marL="432000" indent="-322920">
               <a:lnSpc>
                 <a:spcPct val="100000"/>
               </a:lnSpc>
@@ -5082,7 +5287,7 @@
         <p:spPr>
           <a:xfrm>
             <a:off x="720000" y="300960"/>
-            <a:ext cx="8854920" cy="1261800"/>
+            <a:ext cx="8854560" cy="1261440"/>
           </a:xfrm>
           <a:prstGeom prst="rect">
             <a:avLst/>
@@ -5109,10 +5314,10 @@
                 <a:latin typeface="Noto Sans Regular"/>
                 <a:ea typeface="DejaVu Sans"/>
               </a:rPr>
-              <a:t>Type classes in Haskell</a:t>
+              <a:t>Type class cats.Show</a:t>
             </a:r>
             <a:endParaRPr b="0" lang="de-DE" sz="4000" spc="-1" strike="noStrike">
-              <a:latin typeface="Arial"/>
+              <a:latin typeface="Times New Roman"/>
             </a:endParaRPr>
           </a:p>
         </p:txBody>
@@ -5126,7 +5331,7 @@
         <p:spPr>
           <a:xfrm>
             <a:off x="720000" y="2160000"/>
-            <a:ext cx="8639280" cy="4384080"/>
+            <a:ext cx="8638920" cy="4383720"/>
           </a:xfrm>
           <a:prstGeom prst="rect">
             <a:avLst/>
@@ -5145,7 +5350,25 @@
         <p:txBody>
           <a:bodyPr lIns="0" rIns="0" tIns="0" bIns="0"/>
           <a:p>
-            <a:pPr marL="432000" indent="-323280">
+            <a:endParaRPr b="0" lang="de-DE" sz="1800" spc="-1" strike="noStrike">
+              <a:latin typeface="Arial"/>
+            </a:endParaRPr>
+          </a:p>
+          <a:p>
+            <a:pPr>
+              <a:lnSpc>
+                <a:spcPct val="100000"/>
+              </a:lnSpc>
+              <a:spcAft>
+                <a:spcPts val="1414"/>
+              </a:spcAft>
+            </a:pPr>
+            <a:endParaRPr b="0" lang="de-DE" sz="2400" spc="-1" strike="noStrike">
+              <a:latin typeface="Times New Roman"/>
+            </a:endParaRPr>
+          </a:p>
+          <a:p>
+            <a:pPr marL="432000" indent="-322920">
               <a:lnSpc>
                 <a:spcPct val="100000"/>
               </a:lnSpc>
@@ -5167,38 +5390,34 @@
                 <a:latin typeface="Noto Sans Regular"/>
                 <a:ea typeface="DejaVu Sans"/>
               </a:rPr>
-              <a:t>Define a type class.</a:t>
-            </a:r>
-            <a:br/>
-            <a:r>
-              <a:rPr b="0" lang="de-DE" sz="2800" spc="-1" strike="noStrike">
-                <a:solidFill>
-                  <a:srgbClr val="333333"/>
-                </a:solidFill>
-                <a:latin typeface="Noto Sans Regular"/>
-                <a:ea typeface="DejaVu Sans"/>
-              </a:rPr>
-              <a:t>     </a:t>
-            </a:r>
-            <a:r>
-              <a:rPr b="0" lang="de-DE" sz="1800" spc="-1" strike="noStrike">
+              <a:t>No need to implement the </a:t>
+            </a:r>
+            <a:r>
+              <a:rPr b="0" lang="de-DE" sz="2800" spc="-1" strike="noStrike">
                 <a:solidFill>
                   <a:srgbClr val="333333"/>
                 </a:solidFill>
                 <a:latin typeface="Courier New"/>
                 <a:ea typeface="DejaVu Sans"/>
               </a:rPr>
-              <a:t>class Printable a where … </a:t>
-            </a:r>
-            <a:endParaRPr b="0" lang="de-DE" sz="1800" spc="-1" strike="noStrike">
-              <a:latin typeface="Arial"/>
-            </a:endParaRPr>
-          </a:p>
-          <a:p>
-            <a:pPr marL="432000" indent="-323280">
-              <a:lnSpc>
-                <a:spcPct val="100000"/>
-              </a:lnSpc>
+              <a:t>Printable</a:t>
+            </a:r>
+            <a:r>
+              <a:rPr b="0" lang="de-DE" sz="2800" spc="-1" strike="noStrike">
+                <a:solidFill>
+                  <a:srgbClr val="333333"/>
+                </a:solidFill>
+                <a:latin typeface="Noto Sans Regular"/>
+                <a:ea typeface="DejaVu Sans"/>
+              </a:rPr>
+              <a:t> type class</a:t>
+            </a:r>
+            <a:endParaRPr b="0" lang="de-DE" sz="2800" spc="-1" strike="noStrike">
+              <a:latin typeface="Times New Roman"/>
+            </a:endParaRPr>
+          </a:p>
+          <a:p>
+            <a:pPr marL="432000" indent="-322920">
               <a:spcAft>
                 <a:spcPts val="1414"/>
               </a:spcAft>
@@ -5217,71 +5436,20 @@
                 <a:latin typeface="Noto Sans Regular"/>
                 <a:ea typeface="DejaVu Sans"/>
               </a:rPr>
-              <a:t>For each type that should support the type class. (This enriches each type with the methods of the type class.)</a:t>
-            </a:r>
-            <a:br/>
-            <a:r>
-              <a:rPr b="0" lang="de-DE" sz="2800" spc="-1" strike="noStrike">
-                <a:solidFill>
-                  <a:srgbClr val="333333"/>
-                </a:solidFill>
-                <a:latin typeface="Noto Sans Regular"/>
-                <a:ea typeface="DejaVu Sans"/>
-              </a:rPr>
-              <a:t>      </a:t>
-            </a:r>
-            <a:r>
-              <a:rPr b="0" lang="de-DE" sz="1800" spc="-1" strike="noStrike">
+              <a:t>Cats already has such a type class: </a:t>
+            </a:r>
+            <a:r>
+              <a:rPr b="0" lang="de-DE" sz="2800" spc="-1" strike="noStrike">
                 <a:solidFill>
                   <a:srgbClr val="333333"/>
                 </a:solidFill>
                 <a:latin typeface="Courier New"/>
                 <a:ea typeface="DejaVu Sans"/>
               </a:rPr>
-              <a:t>instance Printable Int where … </a:t>
-            </a:r>
-            <a:br/>
-            <a:r>
-              <a:rPr b="0" lang="de-DE" sz="1800" spc="-1" strike="noStrike">
-                <a:solidFill>
-                  <a:srgbClr val="333333"/>
-                </a:solidFill>
-                <a:latin typeface="Courier New"/>
-                <a:ea typeface="DejaVu Sans"/>
-              </a:rPr>
-              <a:t>    instnace Printable Cat where … </a:t>
-            </a:r>
-            <a:endParaRPr b="0" lang="de-DE" sz="1800" spc="-1" strike="noStrike">
-              <a:latin typeface="Arial"/>
-            </a:endParaRPr>
-          </a:p>
-          <a:p>
-            <a:pPr marL="432000" indent="-323280">
-              <a:lnSpc>
-                <a:spcPct val="100000"/>
-              </a:lnSpc>
-              <a:spcAft>
-                <a:spcPts val="1414"/>
-              </a:spcAft>
-              <a:buClr>
-                <a:srgbClr val="ef2929"/>
-              </a:buClr>
-              <a:buSzPct val="45000"/>
-              <a:buFont typeface="Wingdings" charset="2"/>
-              <a:buChar char=""/>
-            </a:pPr>
-            <a:r>
-              <a:rPr b="0" lang="de-DE" sz="2800" spc="-1" strike="noStrike">
-                <a:solidFill>
-                  <a:srgbClr val="333333"/>
-                </a:solidFill>
-                <a:latin typeface="Noto Sans Regular"/>
-                <a:ea typeface="DejaVu Sans"/>
-              </a:rPr>
-              <a:t>Use the type class methods for the types that have an instance. No extra user interface needs to be provided (like in Scala).</a:t>
+              <a:t>cats.Show</a:t>
             </a:r>
             <a:endParaRPr b="0" lang="de-DE" sz="2800" spc="-1" strike="noStrike">
-              <a:latin typeface="Arial"/>
+              <a:latin typeface="Times New Roman"/>
             </a:endParaRPr>
           </a:p>
         </p:txBody>
@@ -5344,7 +5512,7 @@
         <p:spPr>
           <a:xfrm>
             <a:off x="720000" y="300960"/>
-            <a:ext cx="8854920" cy="1261800"/>
+            <a:ext cx="8854560" cy="1261440"/>
           </a:xfrm>
           <a:prstGeom prst="rect">
             <a:avLst/>
@@ -5371,10 +5539,10 @@
                 <a:latin typeface="Noto Sans Regular"/>
                 <a:ea typeface="DejaVu Sans"/>
               </a:rPr>
-              <a:t>Define a type class</a:t>
+              <a:t>Type classes in Cats</a:t>
             </a:r>
             <a:endParaRPr b="0" lang="de-DE" sz="4000" spc="-1" strike="noStrike">
-              <a:latin typeface="Arial"/>
+              <a:latin typeface="Times New Roman"/>
             </a:endParaRPr>
           </a:p>
         </p:txBody>
@@ -5388,7 +5556,7 @@
         <p:spPr>
           <a:xfrm>
             <a:off x="720000" y="2160000"/>
-            <a:ext cx="8639280" cy="4384080"/>
+            <a:ext cx="8638920" cy="4383720"/>
           </a:xfrm>
           <a:prstGeom prst="rect">
             <a:avLst/>
@@ -5407,174 +5575,235 @@
         <p:txBody>
           <a:bodyPr lIns="0" rIns="0" tIns="0" bIns="0"/>
           <a:p>
-            <a:pPr marL="360000">
-              <a:lnSpc>
-                <a:spcPct val="100000"/>
-              </a:lnSpc>
-              <a:spcAft>
-                <a:spcPts val="1414"/>
-              </a:spcAft>
+            <a:pPr marL="216000" indent="-216000">
+              <a:buClr>
+                <a:srgbClr val="000000"/>
+              </a:buClr>
+              <a:buSzPct val="45000"/>
+              <a:buFont typeface="Wingdings" charset="2"/>
+              <a:buChar char=""/>
             </a:pPr>
             <a:endParaRPr b="0" lang="de-DE" sz="1800" spc="-1" strike="noStrike">
               <a:latin typeface="Arial"/>
             </a:endParaRPr>
           </a:p>
           <a:p>
-            <a:pPr marL="360000">
-              <a:lnSpc>
-                <a:spcPct val="100000"/>
-              </a:lnSpc>
-              <a:spcAft>
-                <a:spcPts val="1414"/>
-              </a:spcAft>
-            </a:pPr>
-            <a:r>
-              <a:rPr b="0" lang="de-DE" sz="1800" spc="-1" strike="noStrike">
-                <a:solidFill>
-                  <a:srgbClr val="333333"/>
-                </a:solidFill>
-                <a:latin typeface="Noto Sans Regular"/>
-                <a:ea typeface="DejaVu Sans"/>
-              </a:rPr>
-              <a:t>class Printable a where</a:t>
-            </a:r>
-            <a:endParaRPr b="0" lang="de-DE" sz="1800" spc="-1" strike="noStrike">
-              <a:latin typeface="Arial"/>
-            </a:endParaRPr>
-          </a:p>
-          <a:p>
-            <a:pPr marL="360000">
-              <a:lnSpc>
-                <a:spcPct val="100000"/>
-              </a:lnSpc>
-              <a:spcAft>
-                <a:spcPts val="1414"/>
-              </a:spcAft>
-            </a:pPr>
-            <a:endParaRPr b="0" lang="de-DE" sz="1800" spc="-1" strike="noStrike">
-              <a:latin typeface="Arial"/>
-            </a:endParaRPr>
-          </a:p>
-          <a:p>
-            <a:pPr marL="360000">
-              <a:lnSpc>
-                <a:spcPct val="100000"/>
-              </a:lnSpc>
-              <a:spcAft>
-                <a:spcPts val="1414"/>
-              </a:spcAft>
-            </a:pPr>
-            <a:r>
-              <a:rPr b="0" lang="de-DE" sz="1800" spc="-1" strike="noStrike">
-                <a:solidFill>
-                  <a:srgbClr val="333333"/>
-                </a:solidFill>
-                <a:latin typeface="Noto Sans Regular"/>
-                <a:ea typeface="DejaVu Sans"/>
-              </a:rPr>
-              <a:t>    </a:t>
-            </a:r>
-            <a:r>
-              <a:rPr b="0" lang="de-DE" sz="1800" spc="-1" strike="noStrike">
-                <a:solidFill>
-                  <a:srgbClr val="333333"/>
-                </a:solidFill>
-                <a:latin typeface="Noto Sans Regular"/>
-                <a:ea typeface="DejaVu Sans"/>
-              </a:rPr>
-              <a:t>format :: a -&gt; String</a:t>
-            </a:r>
-            <a:endParaRPr b="0" lang="de-DE" sz="1800" spc="-1" strike="noStrike">
-              <a:latin typeface="Arial"/>
-            </a:endParaRPr>
-          </a:p>
-          <a:p>
-            <a:pPr marL="360000">
-              <a:lnSpc>
-                <a:spcPct val="100000"/>
-              </a:lnSpc>
-              <a:spcAft>
-                <a:spcPts val="1414"/>
-              </a:spcAft>
-            </a:pPr>
-            <a:r>
-              <a:rPr b="0" lang="de-DE" sz="1800" spc="-1" strike="noStrike">
-                <a:solidFill>
-                  <a:srgbClr val="333333"/>
-                </a:solidFill>
-                <a:latin typeface="Noto Sans Regular"/>
-                <a:ea typeface="DejaVu Sans"/>
-              </a:rPr>
-              <a:t>    </a:t>
-            </a:r>
-            <a:endParaRPr b="0" lang="de-DE" sz="1800" spc="-1" strike="noStrike">
-              <a:latin typeface="Arial"/>
-            </a:endParaRPr>
-          </a:p>
-          <a:p>
-            <a:pPr marL="360000">
-              <a:lnSpc>
-                <a:spcPct val="100000"/>
-              </a:lnSpc>
-              <a:spcAft>
-                <a:spcPts val="1414"/>
-              </a:spcAft>
-            </a:pPr>
-            <a:r>
-              <a:rPr b="0" lang="de-DE" sz="1800" spc="-1" strike="noStrike">
-                <a:solidFill>
-                  <a:srgbClr val="333333"/>
-                </a:solidFill>
-                <a:latin typeface="Noto Sans Regular"/>
-                <a:ea typeface="DejaVu Sans"/>
-              </a:rPr>
-              <a:t>    </a:t>
-            </a:r>
-            <a:r>
-              <a:rPr b="0" lang="de-DE" sz="1800" spc="-1" strike="noStrike">
-                <a:solidFill>
-                  <a:srgbClr val="333333"/>
-                </a:solidFill>
-                <a:latin typeface="Noto Sans Regular"/>
-                <a:ea typeface="DejaVu Sans"/>
-              </a:rPr>
-              <a:t>pprintt :: a -&gt; IO ()</a:t>
-            </a:r>
-            <a:endParaRPr b="0" lang="de-DE" sz="1800" spc="-1" strike="noStrike">
-              <a:latin typeface="Arial"/>
-            </a:endParaRPr>
-          </a:p>
-          <a:p>
-            <a:pPr marL="360000">
-              <a:lnSpc>
-                <a:spcPct val="100000"/>
-              </a:lnSpc>
-              <a:spcAft>
-                <a:spcPts val="1414"/>
-              </a:spcAft>
-            </a:pPr>
-            <a:r>
-              <a:rPr b="0" lang="de-DE" sz="1800" spc="-1" strike="noStrike">
-                <a:solidFill>
-                  <a:srgbClr val="333333"/>
-                </a:solidFill>
-                <a:latin typeface="Noto Sans Regular"/>
-                <a:ea typeface="DejaVu Sans"/>
-              </a:rPr>
-              <a:t>    </a:t>
-            </a:r>
-            <a:r>
-              <a:rPr b="0" lang="de-DE" sz="1800" spc="-1" strike="noStrike">
-                <a:solidFill>
-                  <a:srgbClr val="333333"/>
-                </a:solidFill>
-                <a:latin typeface="Noto Sans Regular"/>
-                <a:ea typeface="DejaVu Sans"/>
-              </a:rPr>
-              <a:t>pprintt x = putStrLn $ format x</a:t>
-            </a:r>
-            <a:endParaRPr b="0" lang="de-DE" sz="1800" spc="-1" strike="noStrike">
-              <a:latin typeface="Arial"/>
+            <a:pPr marL="216000" indent="-216000">
+              <a:buClr>
+                <a:srgbClr val="000000"/>
+              </a:buClr>
+              <a:buSzPct val="45000"/>
+              <a:buFont typeface="Wingdings" charset="2"/>
+              <a:buChar char=""/>
+            </a:pPr>
+            <a:r>
+              <a:rPr b="0" lang="de-DE" sz="2800" spc="-1" strike="noStrike">
+                <a:solidFill>
+                  <a:srgbClr val="333333"/>
+                </a:solidFill>
+                <a:latin typeface="Noto Sans Regular"/>
+                <a:ea typeface="DejaVu Sans"/>
+              </a:rPr>
+              <a:t> </a:t>
+            </a:r>
+            <a:endParaRPr b="0" lang="de-DE" sz="2800" spc="-1" strike="noStrike">
+              <a:latin typeface="Arial"/>
+            </a:endParaRPr>
+          </a:p>
+          <a:p>
+            <a:pPr marL="216000" indent="-216000">
+              <a:buClr>
+                <a:srgbClr val="000000"/>
+              </a:buClr>
+              <a:buSzPct val="45000"/>
+              <a:buFont typeface="Wingdings" charset="2"/>
+              <a:buChar char=""/>
+            </a:pPr>
+            <a:r>
+              <a:rPr b="0" lang="de-DE" sz="2800" spc="-1" strike="noStrike">
+                <a:solidFill>
+                  <a:srgbClr val="333333"/>
+                </a:solidFill>
+                <a:latin typeface="Noto Sans Regular"/>
+                <a:ea typeface="DejaVu Sans"/>
+              </a:rPr>
+              <a:t>Cats provides most of its core functionality as type classes: </a:t>
+            </a:r>
+            <a:r>
+              <a:rPr b="0" lang="de-DE" sz="2800" spc="-1" strike="noStrike">
+                <a:solidFill>
+                  <a:srgbClr val="333333"/>
+                </a:solidFill>
+                <a:latin typeface="Courier New"/>
+                <a:ea typeface="DejaVu Sans"/>
+              </a:rPr>
+              <a:t>cats.{Show, Eq, Monoid</a:t>
+            </a:r>
+            <a:r>
+              <a:rPr b="0" lang="de-DE" sz="2800" spc="-1" strike="noStrike">
+                <a:solidFill>
+                  <a:srgbClr val="333333"/>
+                </a:solidFill>
+                <a:latin typeface="Courier New"/>
+                <a:ea typeface="DejaVu Sans"/>
+              </a:rPr>
+              <a:t>, </a:t>
+            </a:r>
+            <a:r>
+              <a:rPr b="0" lang="de-DE" sz="2800" spc="-1" strike="noStrike">
+                <a:solidFill>
+                  <a:srgbClr val="333333"/>
+                </a:solidFill>
+                <a:latin typeface="Courier New"/>
+                <a:ea typeface="DejaVu Sans"/>
+              </a:rPr>
+              <a:t>Functor</a:t>
+            </a:r>
+            <a:r>
+              <a:rPr b="0" lang="de-DE" sz="2800" spc="-1" strike="noStrike">
+                <a:solidFill>
+                  <a:srgbClr val="333333"/>
+                </a:solidFill>
+                <a:latin typeface="Courier New"/>
+                <a:ea typeface="DejaVu Sans"/>
+              </a:rPr>
+              <a:t>, </a:t>
+            </a:r>
+            <a:r>
+              <a:rPr b="0" lang="de-DE" sz="2800" spc="-1" strike="noStrike">
+                <a:solidFill>
+                  <a:srgbClr val="333333"/>
+                </a:solidFill>
+                <a:latin typeface="Courier New"/>
+                <a:ea typeface="DejaVu Sans"/>
+              </a:rPr>
+              <a:t>Monad</a:t>
+            </a:r>
+            <a:r>
+              <a:rPr b="0" lang="de-DE" sz="2800" spc="-1" strike="noStrike">
+                <a:solidFill>
+                  <a:srgbClr val="333333"/>
+                </a:solidFill>
+                <a:latin typeface="Courier New"/>
+                <a:ea typeface="DejaVu Sans"/>
+              </a:rPr>
+              <a:t>, </a:t>
+            </a:r>
+            <a:r>
+              <a:rPr b="0" lang="de-DE" sz="2800" spc="-1" strike="noStrike">
+                <a:solidFill>
+                  <a:srgbClr val="333333"/>
+                </a:solidFill>
+                <a:latin typeface="Courier New"/>
+                <a:ea typeface="DejaVu Sans"/>
+              </a:rPr>
+              <a:t>Applicative</a:t>
+            </a:r>
+            <a:r>
+              <a:rPr b="0" lang="de-DE" sz="2800" spc="-1" strike="noStrike">
+                <a:solidFill>
+                  <a:srgbClr val="333333"/>
+                </a:solidFill>
+                <a:latin typeface="Courier New"/>
+                <a:ea typeface="DejaVu Sans"/>
+              </a:rPr>
+              <a:t>, </a:t>
+            </a:r>
+            <a:r>
+              <a:rPr b="0" lang="de-DE" sz="2800" spc="-1" strike="noStrike">
+                <a:solidFill>
+                  <a:srgbClr val="333333"/>
+                </a:solidFill>
+                <a:latin typeface="Courier New"/>
+                <a:ea typeface="DejaVu Sans"/>
+              </a:rPr>
+              <a:t>Foldable}</a:t>
+            </a:r>
+            <a:r>
+              <a:rPr b="0" lang="de-DE" sz="2800" spc="-1" strike="noStrike">
+                <a:solidFill>
+                  <a:srgbClr val="333333"/>
+                </a:solidFill>
+                <a:latin typeface="Noto Sans Regular"/>
+                <a:ea typeface="DejaVu Sans"/>
+              </a:rPr>
+              <a:t> and many more.</a:t>
+            </a:r>
+            <a:endParaRPr b="0" lang="de-DE" sz="2800" spc="-1" strike="noStrike">
+              <a:latin typeface="Arial"/>
+            </a:endParaRPr>
+          </a:p>
+          <a:p>
+            <a:pPr marL="432000" indent="-322920">
+              <a:spcAft>
+                <a:spcPts val="1414"/>
+              </a:spcAft>
+              <a:buClr>
+                <a:srgbClr val="ef2929"/>
+              </a:buClr>
+              <a:buSzPct val="45000"/>
+              <a:buFont typeface="Wingdings" charset="2"/>
+              <a:buChar char=""/>
+            </a:pPr>
+            <a:r>
+              <a:rPr b="0" lang="de-DE" sz="2800" spc="-1" strike="noStrike">
+                <a:solidFill>
+                  <a:srgbClr val="333333"/>
+                </a:solidFill>
+                <a:latin typeface="Noto Sans Regular"/>
+                <a:ea typeface="DejaVu Sans"/>
+              </a:rPr>
+              <a:t>Cats provides most of its core functionality as type classes: </a:t>
+            </a:r>
+            <a:endParaRPr b="0" lang="de-DE" sz="2800" spc="-1" strike="noStrike">
+              <a:latin typeface="Times New Roman"/>
+            </a:endParaRPr>
+          </a:p>
+          <a:p>
+            <a:pPr marL="432000" indent="-322920">
+              <a:spcAft>
+                <a:spcPts val="1414"/>
+              </a:spcAft>
+              <a:buClr>
+                <a:srgbClr val="ef2929"/>
+              </a:buClr>
+              <a:buSzPct val="45000"/>
+              <a:buFont typeface="Wingdings" charset="2"/>
+              <a:buChar char=""/>
+            </a:pPr>
+            <a:r>
+              <a:rPr b="0" lang="de-DE" sz="2800" spc="-1" strike="noStrike">
+                <a:solidFill>
+                  <a:srgbClr val="333333"/>
+                </a:solidFill>
+                <a:latin typeface="Noto Sans Regular"/>
+                <a:ea typeface="DejaVu Sans"/>
+              </a:rPr>
+              <a:t>See </a:t>
+            </a:r>
+            <a:r>
+              <a:rPr b="0" lang="de-DE" sz="2800" spc="-1" strike="noStrike">
+                <a:solidFill>
+                  <a:srgbClr val="333333"/>
+                </a:solidFill>
+                <a:latin typeface="Noto Sans Regular"/>
+                <a:ea typeface="DejaVu Sans"/>
+                <a:hlinkClick r:id="rId1"/>
+              </a:rPr>
+              <a:t>https://typelevel.org/cats/typeclasses.html</a:t>
+            </a:r>
+            <a:r>
+              <a:rPr b="0" lang="de-DE" sz="2800" spc="-1" strike="noStrike">
+                <a:solidFill>
+                  <a:srgbClr val="333333"/>
+                </a:solidFill>
+                <a:latin typeface="Noto Sans Regular"/>
+                <a:ea typeface="DejaVu Sans"/>
+              </a:rPr>
+              <a:t> </a:t>
+            </a:r>
+            <a:endParaRPr b="0" lang="de-DE" sz="2800" spc="-1" strike="noStrike">
+              <a:latin typeface="Times New Roman"/>
             </a:endParaRPr>
           </a:p>
         </p:txBody>
@@ -5637,7 +5866,7 @@
         <p:spPr>
           <a:xfrm>
             <a:off x="720000" y="300960"/>
-            <a:ext cx="8854920" cy="1261800"/>
+            <a:ext cx="8854560" cy="1261440"/>
           </a:xfrm>
           <a:prstGeom prst="rect">
             <a:avLst/>
@@ -5664,7 +5893,7 @@
                 <a:latin typeface="Noto Sans Regular"/>
                 <a:ea typeface="DejaVu Sans"/>
               </a:rPr>
-              <a:t>Define type class instances (1)</a:t>
+              <a:t>Type classes in Haskell</a:t>
             </a:r>
             <a:endParaRPr b="0" lang="de-DE" sz="4000" spc="-1" strike="noStrike">
               <a:latin typeface="Arial"/>
@@ -5681,7 +5910,7 @@
         <p:spPr>
           <a:xfrm>
             <a:off x="720000" y="2160000"/>
-            <a:ext cx="8639280" cy="4384080"/>
+            <a:ext cx="8638920" cy="4383720"/>
           </a:xfrm>
           <a:prstGeom prst="rect">
             <a:avLst/>
@@ -5700,151 +5929,142 @@
         <p:txBody>
           <a:bodyPr lIns="0" rIns="0" tIns="0" bIns="0"/>
           <a:p>
-            <a:pPr marL="360000">
-              <a:lnSpc>
-                <a:spcPct val="100000"/>
-              </a:lnSpc>
-              <a:spcAft>
-                <a:spcPts val="1414"/>
-              </a:spcAft>
-            </a:pPr>
+            <a:pPr marL="432000" indent="-322920">
+              <a:lnSpc>
+                <a:spcPct val="100000"/>
+              </a:lnSpc>
+              <a:spcAft>
+                <a:spcPts val="1414"/>
+              </a:spcAft>
+              <a:buClr>
+                <a:srgbClr val="ef2929"/>
+              </a:buClr>
+              <a:buSzPct val="45000"/>
+              <a:buFont typeface="Wingdings" charset="2"/>
+              <a:buChar char=""/>
+            </a:pPr>
+            <a:r>
+              <a:rPr b="0" lang="de-DE" sz="2800" spc="-1" strike="noStrike">
+                <a:solidFill>
+                  <a:srgbClr val="333333"/>
+                </a:solidFill>
+                <a:latin typeface="Noto Sans Regular"/>
+                <a:ea typeface="DejaVu Sans"/>
+              </a:rPr>
+              <a:t>Define a type class.</a:t>
+            </a:r>
+            <a:br/>
+            <a:r>
+              <a:rPr b="0" lang="de-DE" sz="2800" spc="-1" strike="noStrike">
+                <a:solidFill>
+                  <a:srgbClr val="333333"/>
+                </a:solidFill>
+                <a:latin typeface="Noto Sans Regular"/>
+                <a:ea typeface="DejaVu Sans"/>
+              </a:rPr>
+              <a:t>     </a:t>
+            </a:r>
+            <a:r>
+              <a:rPr b="0" lang="de-DE" sz="1800" spc="-1" strike="noStrike">
+                <a:solidFill>
+                  <a:srgbClr val="333333"/>
+                </a:solidFill>
+                <a:latin typeface="Courier New"/>
+                <a:ea typeface="DejaVu Sans"/>
+              </a:rPr>
+              <a:t>class Printable a where … </a:t>
+            </a:r>
             <a:endParaRPr b="0" lang="de-DE" sz="1800" spc="-1" strike="noStrike">
               <a:latin typeface="Arial"/>
             </a:endParaRPr>
           </a:p>
           <a:p>
-            <a:pPr marL="360000">
-              <a:lnSpc>
-                <a:spcPct val="100000"/>
-              </a:lnSpc>
-              <a:spcAft>
-                <a:spcPts val="1414"/>
-              </a:spcAft>
-            </a:pPr>
-            <a:r>
-              <a:rPr b="0" lang="de-DE" sz="1800" spc="-1" strike="noStrike">
-                <a:solidFill>
-                  <a:srgbClr val="333333"/>
-                </a:solidFill>
-                <a:latin typeface="Noto Sans Regular"/>
-                <a:ea typeface="DejaVu Sans"/>
-              </a:rPr>
-              <a:t>instance Printable Int where</a:t>
+            <a:pPr marL="432000" indent="-322920">
+              <a:lnSpc>
+                <a:spcPct val="100000"/>
+              </a:lnSpc>
+              <a:spcAft>
+                <a:spcPts val="1414"/>
+              </a:spcAft>
+              <a:buClr>
+                <a:srgbClr val="ef2929"/>
+              </a:buClr>
+              <a:buSzPct val="45000"/>
+              <a:buFont typeface="Wingdings" charset="2"/>
+              <a:buChar char=""/>
+            </a:pPr>
+            <a:r>
+              <a:rPr b="0" lang="de-DE" sz="2800" spc="-1" strike="noStrike">
+                <a:solidFill>
+                  <a:srgbClr val="333333"/>
+                </a:solidFill>
+                <a:latin typeface="Noto Sans Regular"/>
+                <a:ea typeface="DejaVu Sans"/>
+              </a:rPr>
+              <a:t>For each type that should support the type class. (This enriches each type with the methods of the type class.)</a:t>
+            </a:r>
+            <a:br/>
+            <a:r>
+              <a:rPr b="0" lang="de-DE" sz="2800" spc="-1" strike="noStrike">
+                <a:solidFill>
+                  <a:srgbClr val="333333"/>
+                </a:solidFill>
+                <a:latin typeface="Noto Sans Regular"/>
+                <a:ea typeface="DejaVu Sans"/>
+              </a:rPr>
+              <a:t>      </a:t>
+            </a:r>
+            <a:r>
+              <a:rPr b="0" lang="de-DE" sz="1800" spc="-1" strike="noStrike">
+                <a:solidFill>
+                  <a:srgbClr val="333333"/>
+                </a:solidFill>
+                <a:latin typeface="Courier New"/>
+                <a:ea typeface="DejaVu Sans"/>
+              </a:rPr>
+              <a:t>instance Printable Int where … </a:t>
+            </a:r>
+            <a:br/>
+            <a:r>
+              <a:rPr b="0" lang="de-DE" sz="1800" spc="-1" strike="noStrike">
+                <a:solidFill>
+                  <a:srgbClr val="333333"/>
+                </a:solidFill>
+                <a:latin typeface="Courier New"/>
+                <a:ea typeface="DejaVu Sans"/>
+              </a:rPr>
+              <a:t>    instnace Printable Cat where … </a:t>
             </a:r>
             <a:endParaRPr b="0" lang="de-DE" sz="1800" spc="-1" strike="noStrike">
               <a:latin typeface="Arial"/>
             </a:endParaRPr>
           </a:p>
           <a:p>
-            <a:pPr marL="360000">
-              <a:lnSpc>
-                <a:spcPct val="100000"/>
-              </a:lnSpc>
-              <a:spcAft>
-                <a:spcPts val="1414"/>
-              </a:spcAft>
-            </a:pPr>
-            <a:r>
-              <a:rPr b="0" lang="de-DE" sz="1800" spc="-1" strike="noStrike">
-                <a:solidFill>
-                  <a:srgbClr val="333333"/>
-                </a:solidFill>
-                <a:latin typeface="Noto Sans Regular"/>
-                <a:ea typeface="DejaVu Sans"/>
-              </a:rPr>
-              <a:t>    </a:t>
-            </a:r>
-            <a:r>
-              <a:rPr b="0" lang="de-DE" sz="1800" spc="-1" strike="noStrike">
-                <a:solidFill>
-                  <a:srgbClr val="333333"/>
-                </a:solidFill>
-                <a:latin typeface="Noto Sans Regular"/>
-                <a:ea typeface="DejaVu Sans"/>
-              </a:rPr>
-              <a:t>format = show</a:t>
-            </a:r>
-            <a:endParaRPr b="0" lang="de-DE" sz="1800" spc="-1" strike="noStrike">
-              <a:latin typeface="Arial"/>
-            </a:endParaRPr>
-          </a:p>
-          <a:p>
-            <a:pPr marL="360000">
-              <a:lnSpc>
-                <a:spcPct val="100000"/>
-              </a:lnSpc>
-              <a:spcAft>
-                <a:spcPts val="1414"/>
-              </a:spcAft>
-            </a:pPr>
-            <a:endParaRPr b="0" lang="de-DE" sz="1800" spc="-1" strike="noStrike">
-              <a:latin typeface="Arial"/>
-            </a:endParaRPr>
-          </a:p>
-          <a:p>
-            <a:pPr marL="360000">
-              <a:lnSpc>
-                <a:spcPct val="100000"/>
-              </a:lnSpc>
-              <a:spcAft>
-                <a:spcPts val="1414"/>
-              </a:spcAft>
-            </a:pPr>
-            <a:r>
-              <a:rPr b="0" lang="de-DE" sz="1800" spc="-1" strike="noStrike">
-                <a:solidFill>
-                  <a:srgbClr val="333333"/>
-                </a:solidFill>
-                <a:latin typeface="Noto Sans Regular"/>
-                <a:ea typeface="DejaVu Sans"/>
-              </a:rPr>
-              <a:t>instance Printable UTCTime where</a:t>
-            </a:r>
-            <a:endParaRPr b="0" lang="de-DE" sz="1800" spc="-1" strike="noStrike">
-              <a:latin typeface="Arial"/>
-            </a:endParaRPr>
-          </a:p>
-          <a:p>
-            <a:pPr marL="360000">
-              <a:lnSpc>
-                <a:spcPct val="100000"/>
-              </a:lnSpc>
-              <a:spcAft>
-                <a:spcPts val="1414"/>
-              </a:spcAft>
-            </a:pPr>
-            <a:r>
-              <a:rPr b="0" lang="de-DE" sz="1800" spc="-1" strike="noStrike">
-                <a:solidFill>
-                  <a:srgbClr val="333333"/>
-                </a:solidFill>
-                <a:latin typeface="Noto Sans Regular"/>
-                <a:ea typeface="DejaVu Sans"/>
-              </a:rPr>
-              <a:t>    </a:t>
-            </a:r>
-            <a:r>
-              <a:rPr b="0" lang="de-DE" sz="1800" spc="-1" strike="noStrike">
-                <a:solidFill>
-                  <a:srgbClr val="333333"/>
-                </a:solidFill>
-                <a:latin typeface="Noto Sans Regular"/>
-                <a:ea typeface="DejaVu Sans"/>
-              </a:rPr>
-              <a:t>format time = "The exact date is: "</a:t>
-            </a:r>
-            <a:br/>
-            <a:r>
-              <a:rPr b="0" lang="de-DE" sz="1800" spc="-1" strike="noStrike">
-                <a:solidFill>
-                  <a:srgbClr val="333333"/>
-                </a:solidFill>
-                <a:latin typeface="Noto Sans Regular"/>
-                <a:ea typeface="DejaVu Sans"/>
-              </a:rPr>
-              <a:t>                                   ++ formatTime defaultTimeLocale "%F, %T (%Z)" time</a:t>
-            </a:r>
-            <a:endParaRPr b="0" lang="de-DE" sz="1800" spc="-1" strike="noStrike">
+            <a:pPr marL="432000" indent="-322920">
+              <a:lnSpc>
+                <a:spcPct val="100000"/>
+              </a:lnSpc>
+              <a:spcAft>
+                <a:spcPts val="1414"/>
+              </a:spcAft>
+              <a:buClr>
+                <a:srgbClr val="ef2929"/>
+              </a:buClr>
+              <a:buSzPct val="45000"/>
+              <a:buFont typeface="Wingdings" charset="2"/>
+              <a:buChar char=""/>
+            </a:pPr>
+            <a:r>
+              <a:rPr b="0" lang="de-DE" sz="2800" spc="-1" strike="noStrike">
+                <a:solidFill>
+                  <a:srgbClr val="333333"/>
+                </a:solidFill>
+                <a:latin typeface="Noto Sans Regular"/>
+                <a:ea typeface="DejaVu Sans"/>
+              </a:rPr>
+              <a:t>Use the type class methods for the types that have an instance. No extra user interface needs to be provided (like in Scala).</a:t>
+            </a:r>
+            <a:endParaRPr b="0" lang="de-DE" sz="2800" spc="-1" strike="noStrike">
               <a:latin typeface="Arial"/>
             </a:endParaRPr>
           </a:p>
@@ -5908,7 +6128,7 @@
         <p:spPr>
           <a:xfrm>
             <a:off x="720000" y="300960"/>
-            <a:ext cx="8854920" cy="1261800"/>
+            <a:ext cx="8854560" cy="1261440"/>
           </a:xfrm>
           <a:prstGeom prst="rect">
             <a:avLst/>
@@ -5935,7 +6155,7 @@
                 <a:latin typeface="Noto Sans Regular"/>
                 <a:ea typeface="DejaVu Sans"/>
               </a:rPr>
-              <a:t>Define type class instances (2)</a:t>
+              <a:t>Define a type class</a:t>
             </a:r>
             <a:endParaRPr b="0" lang="de-DE" sz="4000" spc="-1" strike="noStrike">
               <a:latin typeface="Arial"/>
@@ -5952,7 +6172,7 @@
         <p:spPr>
           <a:xfrm>
             <a:off x="720000" y="2160000"/>
-            <a:ext cx="8639280" cy="4384080"/>
+            <a:ext cx="8638920" cy="4383720"/>
           </a:xfrm>
           <a:prstGeom prst="rect">
             <a:avLst/>
@@ -5979,16 +6199,6 @@
                 <a:spcPts val="1414"/>
               </a:spcAft>
             </a:pPr>
-            <a:r>
-              <a:rPr b="0" lang="de-DE" sz="1800" spc="-1" strike="noStrike">
-                <a:solidFill>
-                  <a:srgbClr val="333333"/>
-                </a:solidFill>
-                <a:latin typeface="Noto Sans Regular"/>
-                <a:ea typeface="DejaVu Sans"/>
-              </a:rPr>
-              <a:t>data Cat = Cat</a:t>
-            </a:r>
             <a:endParaRPr b="0" lang="de-DE" sz="1800" spc="-1" strike="noStrike">
               <a:latin typeface="Arial"/>
             </a:endParaRPr>
@@ -6005,22 +6215,22 @@
             <a:r>
               <a:rPr b="0" lang="de-DE" sz="1800" spc="-1" strike="noStrike">
                 <a:solidFill>
-                  <a:srgbClr val="333333"/>
-                </a:solidFill>
-                <a:latin typeface="Noto Sans Regular"/>
-                <a:ea typeface="DejaVu Sans"/>
-              </a:rPr>
-              <a:t>  </a:t>
-            </a:r>
-            <a:r>
-              <a:rPr b="0" lang="de-DE" sz="1800" spc="-1" strike="noStrike">
-                <a:solidFill>
-                  <a:srgbClr val="333333"/>
-                </a:solidFill>
-                <a:latin typeface="Noto Sans Regular"/>
-                <a:ea typeface="DejaVu Sans"/>
-              </a:rPr>
-              <a:t>{ name  :: String</a:t>
+                  <a:srgbClr val="00b6bd"/>
+                </a:solidFill>
+                <a:latin typeface="Noto Sans Regular"/>
+                <a:ea typeface="DejaVu Sans"/>
+              </a:rPr>
+              <a:t>class</a:t>
+            </a:r>
+            <a:r>
+              <a:rPr b="0" lang="de-DE" sz="1800" spc="-1" strike="noStrike">
+                <a:solidFill>
+                  <a:srgbClr val="333333"/>
+                </a:solidFill>
+                <a:latin typeface="Noto Sans Regular"/>
+                <a:ea typeface="DejaVu Sans"/>
+              </a:rPr>
+              <a:t> Printable a where</a:t>
             </a:r>
             <a:endParaRPr b="0" lang="de-DE" sz="1800" spc="-1" strike="noStrike">
               <a:latin typeface="Arial"/>
@@ -6035,26 +6245,6 @@
                 <a:spcPts val="1414"/>
               </a:spcAft>
             </a:pPr>
-            <a:r>
-              <a:rPr b="0" lang="de-DE" sz="1800" spc="-1" strike="noStrike">
-                <a:solidFill>
-                  <a:srgbClr val="333333"/>
-                </a:solidFill>
-                <a:latin typeface="Noto Sans Regular"/>
-                <a:ea typeface="DejaVu Sans"/>
-              </a:rPr>
-              <a:t>  </a:t>
-            </a:r>
-            <a:r>
-              <a:rPr b="0" lang="de-DE" sz="1800" spc="-1" strike="noStrike">
-                <a:solidFill>
-                  <a:srgbClr val="333333"/>
-                </a:solidFill>
-                <a:latin typeface="Noto Sans Regular"/>
-                <a:ea typeface="DejaVu Sans"/>
-              </a:rPr>
-              <a:t>, age   :: Int</a:t>
-            </a:r>
             <a:endParaRPr b="0" lang="de-DE" sz="1800" spc="-1" strike="noStrike">
               <a:latin typeface="Arial"/>
             </a:endParaRPr>
@@ -6076,17 +6266,17 @@
                 <a:latin typeface="Noto Sans Regular"/>
                 <a:ea typeface="DejaVu Sans"/>
               </a:rPr>
-              <a:t>  </a:t>
-            </a:r>
-            <a:r>
-              <a:rPr b="0" lang="de-DE" sz="1800" spc="-1" strike="noStrike">
-                <a:solidFill>
-                  <a:srgbClr val="333333"/>
-                </a:solidFill>
-                <a:latin typeface="Noto Sans Regular"/>
-                <a:ea typeface="DejaVu Sans"/>
-              </a:rPr>
-              <a:t>, color :: String</a:t>
+              <a:t>    </a:t>
+            </a:r>
+            <a:r>
+              <a:rPr b="0" lang="de-DE" sz="1800" spc="-1" strike="noStrike">
+                <a:solidFill>
+                  <a:srgbClr val="333333"/>
+                </a:solidFill>
+                <a:latin typeface="Noto Sans Regular"/>
+                <a:ea typeface="DejaVu Sans"/>
+              </a:rPr>
+              <a:t>format :: a -&gt; String</a:t>
             </a:r>
             <a:endParaRPr b="0" lang="de-DE" sz="1800" spc="-1" strike="noStrike">
               <a:latin typeface="Arial"/>
@@ -6109,17 +6299,7 @@
                 <a:latin typeface="Noto Sans Regular"/>
                 <a:ea typeface="DejaVu Sans"/>
               </a:rPr>
-              <a:t>  </a:t>
-            </a:r>
-            <a:r>
-              <a:rPr b="0" lang="de-DE" sz="1800" spc="-1" strike="noStrike">
-                <a:solidFill>
-                  <a:srgbClr val="333333"/>
-                </a:solidFill>
-                <a:latin typeface="Noto Sans Regular"/>
-                <a:ea typeface="DejaVu Sans"/>
-              </a:rPr>
-              <a:t>}</a:t>
+              <a:t>    </a:t>
             </a:r>
             <a:endParaRPr b="0" lang="de-DE" sz="1800" spc="-1" strike="noStrike">
               <a:latin typeface="Arial"/>
@@ -6134,6 +6314,26 @@
                 <a:spcPts val="1414"/>
               </a:spcAft>
             </a:pPr>
+            <a:r>
+              <a:rPr b="0" lang="de-DE" sz="1800" spc="-1" strike="noStrike">
+                <a:solidFill>
+                  <a:srgbClr val="333333"/>
+                </a:solidFill>
+                <a:latin typeface="Noto Sans Regular"/>
+                <a:ea typeface="DejaVu Sans"/>
+              </a:rPr>
+              <a:t>    </a:t>
+            </a:r>
+            <a:r>
+              <a:rPr b="0" lang="de-DE" sz="1800" spc="-1" strike="noStrike">
+                <a:solidFill>
+                  <a:srgbClr val="333333"/>
+                </a:solidFill>
+                <a:latin typeface="Noto Sans Regular"/>
+                <a:ea typeface="DejaVu Sans"/>
+              </a:rPr>
+              <a:t>pprintt :: a -&gt; IO ()</a:t>
+            </a:r>
             <a:endParaRPr b="0" lang="de-DE" sz="1800" spc="-1" strike="noStrike">
               <a:latin typeface="Arial"/>
             </a:endParaRPr>
@@ -6155,29 +6355,6 @@
                 <a:latin typeface="Noto Sans Regular"/>
                 <a:ea typeface="DejaVu Sans"/>
               </a:rPr>
-              <a:t>instance Printable Cat where</a:t>
-            </a:r>
-            <a:endParaRPr b="0" lang="de-DE" sz="1800" spc="-1" strike="noStrike">
-              <a:latin typeface="Arial"/>
-            </a:endParaRPr>
-          </a:p>
-          <a:p>
-            <a:pPr marL="360000">
-              <a:lnSpc>
-                <a:spcPct val="100000"/>
-              </a:lnSpc>
-              <a:spcAft>
-                <a:spcPts val="1414"/>
-              </a:spcAft>
-            </a:pPr>
-            <a:r>
-              <a:rPr b="0" lang="de-DE" sz="1800" spc="-1" strike="noStrike">
-                <a:solidFill>
-                  <a:srgbClr val="333333"/>
-                </a:solidFill>
-                <a:latin typeface="Noto Sans Regular"/>
-                <a:ea typeface="DejaVu Sans"/>
-              </a:rPr>
               <a:t>    </a:t>
             </a:r>
             <a:r>
@@ -6188,18 +6365,7 @@
                 <a:latin typeface="Noto Sans Regular"/>
                 <a:ea typeface="DejaVu Sans"/>
               </a:rPr>
-              <a:t>format cat = "Cat {name=" ++ name cat</a:t>
-            </a:r>
-            <a:br/>
-            <a:r>
-              <a:rPr b="0" lang="de-DE" sz="1800" spc="-1" strike="noStrike">
-                <a:solidFill>
-                  <a:srgbClr val="333333"/>
-                </a:solidFill>
-                <a:latin typeface="Noto Sans Regular"/>
-                <a:ea typeface="DejaVu Sans"/>
-              </a:rPr>
-              <a:t>                            ++ ", age=" ++ show (age cat) ++ ", color=" ++ color cat ++ "}"</a:t>
+              <a:t>pprintt x = putStrLn $ format x</a:t>
             </a:r>
             <a:endParaRPr b="0" lang="de-DE" sz="1800" spc="-1" strike="noStrike">
               <a:latin typeface="Arial"/>
@@ -6265,7 +6431,7 @@
         <p:spPr>
           <a:xfrm>
             <a:off x="720000" y="300960"/>
-            <a:ext cx="8854920" cy="1261800"/>
+            <a:ext cx="8854560" cy="1261440"/>
           </a:xfrm>
           <a:prstGeom prst="rect">
             <a:avLst/>
@@ -6309,7 +6475,7 @@
         <p:spPr>
           <a:xfrm>
             <a:off x="720000" y="2160000"/>
-            <a:ext cx="8639280" cy="4384080"/>
+            <a:ext cx="8638920" cy="4383720"/>
           </a:xfrm>
           <a:prstGeom prst="rect">
             <a:avLst/>
@@ -6328,7 +6494,7 @@
         <p:txBody>
           <a:bodyPr lIns="0" rIns="0" tIns="0" bIns="0"/>
           <a:p>
-            <a:pPr marL="432000" indent="-323280">
+            <a:pPr marL="432000" indent="-322920">
               <a:lnSpc>
                 <a:spcPct val="100000"/>
               </a:lnSpc>
@@ -6357,7 +6523,7 @@
             </a:endParaRPr>
           </a:p>
           <a:p>
-            <a:pPr marL="432000" indent="-323280">
+            <a:pPr marL="432000" indent="-322920">
               <a:lnSpc>
                 <a:spcPct val="100000"/>
               </a:lnSpc>
@@ -6386,7 +6552,7 @@
             </a:endParaRPr>
           </a:p>
           <a:p>
-            <a:pPr marL="432000" indent="-323280">
+            <a:pPr marL="432000" indent="-322920">
               <a:lnSpc>
                 <a:spcPct val="100000"/>
               </a:lnSpc>
@@ -6408,14 +6574,24 @@
                 <a:latin typeface="Noto Sans Regular"/>
                 <a:ea typeface="DejaVu Sans"/>
               </a:rPr>
-              <a:t>Example: type class Printable[A]</a:t>
+              <a:t>Example: type class </a:t>
+            </a:r>
+            <a:r>
+              <a:rPr b="0" lang="de-DE" sz="2800" spc="-1" strike="noStrike">
+                <a:solidFill>
+                  <a:srgbClr val="333333"/>
+                </a:solidFill>
+                <a:latin typeface="Courier New"/>
+                <a:ea typeface="DejaVu Sans"/>
+              </a:rPr>
+              <a:t>Printable[A]</a:t>
             </a:r>
             <a:endParaRPr b="0" lang="de-DE" sz="2800" spc="-1" strike="noStrike">
               <a:latin typeface="Arial"/>
             </a:endParaRPr>
           </a:p>
           <a:p>
-            <a:pPr marL="432000" indent="-323280">
+            <a:pPr marL="432000" indent="-322920">
               <a:lnSpc>
                 <a:spcPct val="100000"/>
               </a:lnSpc>
@@ -6444,7 +6620,7 @@
             </a:endParaRPr>
           </a:p>
           <a:p>
-            <a:pPr marL="432000" indent="-323280">
+            <a:pPr marL="432000" indent="-322920">
               <a:lnSpc>
                 <a:spcPct val="100000"/>
               </a:lnSpc>
@@ -6473,7 +6649,7 @@
             </a:endParaRPr>
           </a:p>
           <a:p>
-            <a:pPr marL="432000" indent="-323280">
+            <a:pPr marL="432000" indent="-322920">
               <a:lnSpc>
                 <a:spcPct val="100000"/>
               </a:lnSpc>
@@ -6502,7 +6678,7 @@
             </a:endParaRPr>
           </a:p>
           <a:p>
-            <a:pPr marL="432000" indent="-323280">
+            <a:pPr marL="432000" indent="-322920">
               <a:lnSpc>
                 <a:spcPct val="100000"/>
               </a:lnSpc>
@@ -6589,8 +6765,8 @@
         </p:nvSpPr>
         <p:spPr>
           <a:xfrm>
-            <a:off x="720000" y="240120"/>
-            <a:ext cx="8854920" cy="1383480"/>
+            <a:off x="720000" y="300960"/>
+            <a:ext cx="8854560" cy="1261440"/>
           </a:xfrm>
           <a:prstGeom prst="rect">
             <a:avLst/>
@@ -6617,7 +6793,7 @@
                 <a:latin typeface="Noto Sans Regular"/>
                 <a:ea typeface="DejaVu Sans"/>
               </a:rPr>
-              <a:t>Use the type class methods with the instance types.</a:t>
+              <a:t>Define type class instances (1)</a:t>
             </a:r>
             <a:endParaRPr b="0" lang="de-DE" sz="4000" spc="-1" strike="noStrike">
               <a:latin typeface="Arial"/>
@@ -6634,7 +6810,7 @@
         <p:spPr>
           <a:xfrm>
             <a:off x="720000" y="2160000"/>
-            <a:ext cx="8639280" cy="4384080"/>
+            <a:ext cx="8638920" cy="4383720"/>
           </a:xfrm>
           <a:prstGeom prst="rect">
             <a:avLst/>
@@ -6661,26 +6837,6 @@
                 <a:spcPts val="1414"/>
               </a:spcAft>
             </a:pPr>
-            <a:r>
-              <a:rPr b="0" lang="de-DE" sz="1800" spc="-1" strike="noStrike">
-                <a:solidFill>
-                  <a:srgbClr val="333333"/>
-                </a:solidFill>
-                <a:latin typeface="Noto Sans Regular"/>
-                <a:ea typeface="DejaVu Sans"/>
-              </a:rPr>
-              <a:t>  </a:t>
-            </a:r>
-            <a:r>
-              <a:rPr b="0" lang="de-DE" sz="1800" spc="-1" strike="noStrike">
-                <a:solidFill>
-                  <a:srgbClr val="333333"/>
-                </a:solidFill>
-                <a:latin typeface="Noto Sans Regular"/>
-                <a:ea typeface="DejaVu Sans"/>
-              </a:rPr>
-              <a:t>putStrLn $ format $ utcTime 2018 3 8 16 38 19</a:t>
-            </a:r>
             <a:endParaRPr b="0" lang="de-DE" sz="1800" spc="-1" strike="noStrike">
               <a:latin typeface="Arial"/>
             </a:endParaRPr>
@@ -6697,22 +6853,22 @@
             <a:r>
               <a:rPr b="0" lang="de-DE" sz="1800" spc="-1" strike="noStrike">
                 <a:solidFill>
-                  <a:srgbClr val="333333"/>
-                </a:solidFill>
-                <a:latin typeface="Noto Sans Regular"/>
-                <a:ea typeface="DejaVu Sans"/>
-              </a:rPr>
-              <a:t>  </a:t>
-            </a:r>
-            <a:r>
-              <a:rPr b="0" lang="de-DE" sz="1800" spc="-1" strike="noStrike">
-                <a:solidFill>
-                  <a:srgbClr val="333333"/>
-                </a:solidFill>
-                <a:latin typeface="Noto Sans Regular"/>
-                <a:ea typeface="DejaVu Sans"/>
-              </a:rPr>
-              <a:t>pprintt $ utcTime 2018 3 8 16 38 19</a:t>
+                  <a:srgbClr val="00b6bd"/>
+                </a:solidFill>
+                <a:latin typeface="Noto Sans Regular"/>
+                <a:ea typeface="DejaVu Sans"/>
+              </a:rPr>
+              <a:t>instance</a:t>
+            </a:r>
+            <a:r>
+              <a:rPr b="0" lang="de-DE" sz="1800" spc="-1" strike="noStrike">
+                <a:solidFill>
+                  <a:srgbClr val="333333"/>
+                </a:solidFill>
+                <a:latin typeface="Noto Sans Regular"/>
+                <a:ea typeface="DejaVu Sans"/>
+              </a:rPr>
+              <a:t> Printable Int where</a:t>
             </a:r>
             <a:endParaRPr b="0" lang="de-DE" sz="1800" spc="-1" strike="noStrike">
               <a:latin typeface="Arial"/>
@@ -6727,6 +6883,26 @@
                 <a:spcPts val="1414"/>
               </a:spcAft>
             </a:pPr>
+            <a:r>
+              <a:rPr b="0" lang="de-DE" sz="1800" spc="-1" strike="noStrike">
+                <a:solidFill>
+                  <a:srgbClr val="333333"/>
+                </a:solidFill>
+                <a:latin typeface="Noto Sans Regular"/>
+                <a:ea typeface="DejaVu Sans"/>
+              </a:rPr>
+              <a:t>    </a:t>
+            </a:r>
+            <a:r>
+              <a:rPr b="0" lang="de-DE" sz="1800" spc="-1" strike="noStrike">
+                <a:solidFill>
+                  <a:srgbClr val="333333"/>
+                </a:solidFill>
+                <a:latin typeface="Noto Sans Regular"/>
+                <a:ea typeface="DejaVu Sans"/>
+              </a:rPr>
+              <a:t>format = show</a:t>
+            </a:r>
             <a:endParaRPr b="0" lang="de-DE" sz="1800" spc="-1" strike="noStrike">
               <a:latin typeface="Arial"/>
             </a:endParaRPr>
@@ -6740,26 +6916,6 @@
                 <a:spcPts val="1414"/>
               </a:spcAft>
             </a:pPr>
-            <a:r>
-              <a:rPr b="0" lang="de-DE" sz="1800" spc="-1" strike="noStrike">
-                <a:solidFill>
-                  <a:srgbClr val="333333"/>
-                </a:solidFill>
-                <a:latin typeface="Noto Sans Regular"/>
-                <a:ea typeface="DejaVu Sans"/>
-              </a:rPr>
-              <a:t>  </a:t>
-            </a:r>
-            <a:r>
-              <a:rPr b="0" lang="de-DE" sz="1800" spc="-1" strike="noStrike">
-                <a:solidFill>
-                  <a:srgbClr val="333333"/>
-                </a:solidFill>
-                <a:latin typeface="Noto Sans Regular"/>
-                <a:ea typeface="DejaVu Sans"/>
-              </a:rPr>
-              <a:t>let mizzi = Cat "Mizzi" 1 "black"</a:t>
-            </a:r>
             <a:endParaRPr b="0" lang="de-DE" sz="1800" spc="-1" strike="noStrike">
               <a:latin typeface="Arial"/>
             </a:endParaRPr>
@@ -6776,22 +6932,22 @@
             <a:r>
               <a:rPr b="0" lang="de-DE" sz="1800" spc="-1" strike="noStrike">
                 <a:solidFill>
-                  <a:srgbClr val="333333"/>
-                </a:solidFill>
-                <a:latin typeface="Noto Sans Regular"/>
-                <a:ea typeface="DejaVu Sans"/>
-              </a:rPr>
-              <a:t>  </a:t>
-            </a:r>
-            <a:r>
-              <a:rPr b="0" lang="de-DE" sz="1800" spc="-1" strike="noStrike">
-                <a:solidFill>
-                  <a:srgbClr val="333333"/>
-                </a:solidFill>
-                <a:latin typeface="Noto Sans Regular"/>
-                <a:ea typeface="DejaVu Sans"/>
-              </a:rPr>
-              <a:t>putStrLn $ format mizzi</a:t>
+                  <a:srgbClr val="00b6bd"/>
+                </a:solidFill>
+                <a:latin typeface="Noto Sans Regular"/>
+                <a:ea typeface="DejaVu Sans"/>
+              </a:rPr>
+              <a:t>instance</a:t>
+            </a:r>
+            <a:r>
+              <a:rPr b="0" lang="de-DE" sz="1800" spc="-1" strike="noStrike">
+                <a:solidFill>
+                  <a:srgbClr val="333333"/>
+                </a:solidFill>
+                <a:latin typeface="Noto Sans Regular"/>
+                <a:ea typeface="DejaVu Sans"/>
+              </a:rPr>
+              <a:t> Printable UTCTime where</a:t>
             </a:r>
             <a:endParaRPr b="0" lang="de-DE" sz="1800" spc="-1" strike="noStrike">
               <a:latin typeface="Arial"/>
@@ -6814,17 +6970,28 @@
                 <a:latin typeface="Noto Sans Regular"/>
                 <a:ea typeface="DejaVu Sans"/>
               </a:rPr>
-              <a:t>  </a:t>
-            </a:r>
-            <a:r>
-              <a:rPr b="0" lang="de-DE" sz="1800" spc="-1" strike="noStrike">
-                <a:solidFill>
-                  <a:srgbClr val="333333"/>
-                </a:solidFill>
-                <a:latin typeface="Noto Sans Regular"/>
-                <a:ea typeface="DejaVu Sans"/>
-              </a:rPr>
-              <a:t>pprintt mizzi</a:t>
+              <a:t>    </a:t>
+            </a:r>
+            <a:r>
+              <a:rPr b="0" lang="de-DE" sz="1800" spc="-1" strike="noStrike">
+                <a:solidFill>
+                  <a:srgbClr val="333333"/>
+                </a:solidFill>
+                <a:latin typeface="Noto Sans Regular"/>
+                <a:ea typeface="DejaVu Sans"/>
+              </a:rPr>
+              <a:t>format time = "The exact date is: "</a:t>
+            </a:r>
+            <a:br/>
+            <a:r>
+              <a:rPr b="0" lang="de-DE" sz="1800" spc="-1" strike="noStrike">
+                <a:solidFill>
+                  <a:srgbClr val="333333"/>
+                </a:solidFill>
+                <a:latin typeface="Noto Sans Regular"/>
+                <a:ea typeface="DejaVu Sans"/>
+              </a:rPr>
+              <a:t>                                   ++ formatTime defaultTimeLocale "%F, %T (%Z)" time</a:t>
             </a:r>
             <a:endParaRPr b="0" lang="de-DE" sz="1800" spc="-1" strike="noStrike">
               <a:latin typeface="Arial"/>
@@ -6890,7 +7057,7 @@
         <p:spPr>
           <a:xfrm>
             <a:off x="720000" y="300960"/>
-            <a:ext cx="8854920" cy="1261800"/>
+            <a:ext cx="8854560" cy="1261440"/>
           </a:xfrm>
           <a:prstGeom prst="rect">
             <a:avLst/>
@@ -6917,7 +7084,7 @@
                 <a:latin typeface="Noto Sans Regular"/>
                 <a:ea typeface="DejaVu Sans"/>
               </a:rPr>
-              <a:t>Comparison</a:t>
+              <a:t>Define type class instances (2)</a:t>
             </a:r>
             <a:endParaRPr b="0" lang="de-DE" sz="4000" spc="-1" strike="noStrike">
               <a:latin typeface="Arial"/>
@@ -6934,7 +7101,7 @@
         <p:spPr>
           <a:xfrm>
             <a:off x="720000" y="2160000"/>
-            <a:ext cx="8639280" cy="4384080"/>
+            <a:ext cx="8638920" cy="4383720"/>
           </a:xfrm>
           <a:prstGeom prst="rect">
             <a:avLst/>
@@ -6953,168 +7120,247 @@
         <p:txBody>
           <a:bodyPr lIns="0" rIns="0" tIns="0" bIns="0"/>
           <a:p>
-            <a:pPr marL="432000" indent="-323280">
-              <a:lnSpc>
-                <a:spcPct val="100000"/>
-              </a:lnSpc>
-              <a:spcAft>
-                <a:spcPts val="1414"/>
-              </a:spcAft>
-              <a:buClr>
-                <a:srgbClr val="ef2929"/>
-              </a:buClr>
-              <a:buSzPct val="45000"/>
-              <a:buFont typeface="Wingdings" charset="2"/>
-              <a:buChar char=""/>
-            </a:pPr>
-            <a:r>
-              <a:rPr b="0" lang="de-DE" sz="2800" spc="-1" strike="noStrike">
-                <a:solidFill>
-                  <a:srgbClr val="333333"/>
-                </a:solidFill>
-                <a:latin typeface="Noto Sans Regular"/>
-                <a:ea typeface="DejaVu Sans"/>
-              </a:rPr>
-              <a:t>Haskell has its own type class syntax (key words </a:t>
-            </a:r>
-            <a:r>
-              <a:rPr b="0" lang="de-DE" sz="2800" spc="-1" strike="noStrike">
-                <a:solidFill>
-                  <a:srgbClr val="333333"/>
-                </a:solidFill>
-                <a:latin typeface="Courier New"/>
-                <a:ea typeface="DejaVu Sans"/>
-              </a:rPr>
-              <a:t>class</a:t>
-            </a:r>
-            <a:r>
-              <a:rPr b="0" lang="de-DE" sz="2800" spc="-1" strike="noStrike">
-                <a:solidFill>
-                  <a:srgbClr val="333333"/>
-                </a:solidFill>
-                <a:latin typeface="Noto Sans Regular"/>
-                <a:ea typeface="DejaVu Sans"/>
-              </a:rPr>
-              <a:t> and </a:t>
-            </a:r>
-            <a:r>
-              <a:rPr b="0" lang="de-DE" sz="2800" spc="-1" strike="noStrike">
-                <a:solidFill>
-                  <a:srgbClr val="333333"/>
-                </a:solidFill>
-                <a:latin typeface="Courier New"/>
+            <a:pPr marL="360000">
+              <a:lnSpc>
+                <a:spcPct val="100000"/>
+              </a:lnSpc>
+              <a:spcAft>
+                <a:spcPts val="1414"/>
+              </a:spcAft>
+            </a:pPr>
+            <a:r>
+              <a:rPr b="0" lang="de-DE" sz="1800" spc="-1" strike="noStrike">
+                <a:solidFill>
+                  <a:srgbClr val="333333"/>
+                </a:solidFill>
+                <a:latin typeface="Noto Sans Regular"/>
+                <a:ea typeface="DejaVu Sans"/>
+              </a:rPr>
+              <a:t>data Cat = Cat</a:t>
+            </a:r>
+            <a:endParaRPr b="0" lang="de-DE" sz="1800" spc="-1" strike="noStrike">
+              <a:latin typeface="Arial"/>
+            </a:endParaRPr>
+          </a:p>
+          <a:p>
+            <a:pPr marL="360000">
+              <a:lnSpc>
+                <a:spcPct val="100000"/>
+              </a:lnSpc>
+              <a:spcAft>
+                <a:spcPts val="1414"/>
+              </a:spcAft>
+            </a:pPr>
+            <a:r>
+              <a:rPr b="0" lang="de-DE" sz="1800" spc="-1" strike="noStrike">
+                <a:solidFill>
+                  <a:srgbClr val="333333"/>
+                </a:solidFill>
+                <a:latin typeface="Noto Sans Regular"/>
+                <a:ea typeface="DejaVu Sans"/>
+              </a:rPr>
+              <a:t>  </a:t>
+            </a:r>
+            <a:r>
+              <a:rPr b="0" lang="de-DE" sz="1800" spc="-1" strike="noStrike">
+                <a:solidFill>
+                  <a:srgbClr val="333333"/>
+                </a:solidFill>
+                <a:latin typeface="Noto Sans Regular"/>
+                <a:ea typeface="DejaVu Sans"/>
+              </a:rPr>
+              <a:t>{ name  :: String</a:t>
+            </a:r>
+            <a:endParaRPr b="0" lang="de-DE" sz="1800" spc="-1" strike="noStrike">
+              <a:latin typeface="Arial"/>
+            </a:endParaRPr>
+          </a:p>
+          <a:p>
+            <a:pPr marL="360000">
+              <a:lnSpc>
+                <a:spcPct val="100000"/>
+              </a:lnSpc>
+              <a:spcAft>
+                <a:spcPts val="1414"/>
+              </a:spcAft>
+            </a:pPr>
+            <a:r>
+              <a:rPr b="0" lang="de-DE" sz="1800" spc="-1" strike="noStrike">
+                <a:solidFill>
+                  <a:srgbClr val="333333"/>
+                </a:solidFill>
+                <a:latin typeface="Noto Sans Regular"/>
+                <a:ea typeface="DejaVu Sans"/>
+              </a:rPr>
+              <a:t>  </a:t>
+            </a:r>
+            <a:r>
+              <a:rPr b="0" lang="de-DE" sz="1800" spc="-1" strike="noStrike">
+                <a:solidFill>
+                  <a:srgbClr val="333333"/>
+                </a:solidFill>
+                <a:latin typeface="Noto Sans Regular"/>
+                <a:ea typeface="DejaVu Sans"/>
+              </a:rPr>
+              <a:t>, age   :: Int</a:t>
+            </a:r>
+            <a:endParaRPr b="0" lang="de-DE" sz="1800" spc="-1" strike="noStrike">
+              <a:latin typeface="Arial"/>
+            </a:endParaRPr>
+          </a:p>
+          <a:p>
+            <a:pPr marL="360000">
+              <a:lnSpc>
+                <a:spcPct val="100000"/>
+              </a:lnSpc>
+              <a:spcAft>
+                <a:spcPts val="1414"/>
+              </a:spcAft>
+            </a:pPr>
+            <a:r>
+              <a:rPr b="0" lang="de-DE" sz="1800" spc="-1" strike="noStrike">
+                <a:solidFill>
+                  <a:srgbClr val="333333"/>
+                </a:solidFill>
+                <a:latin typeface="Noto Sans Regular"/>
+                <a:ea typeface="DejaVu Sans"/>
+              </a:rPr>
+              <a:t>  </a:t>
+            </a:r>
+            <a:r>
+              <a:rPr b="0" lang="de-DE" sz="1800" spc="-1" strike="noStrike">
+                <a:solidFill>
+                  <a:srgbClr val="333333"/>
+                </a:solidFill>
+                <a:latin typeface="Noto Sans Regular"/>
+                <a:ea typeface="DejaVu Sans"/>
+              </a:rPr>
+              <a:t>, color :: String</a:t>
+            </a:r>
+            <a:endParaRPr b="0" lang="de-DE" sz="1800" spc="-1" strike="noStrike">
+              <a:latin typeface="Arial"/>
+            </a:endParaRPr>
+          </a:p>
+          <a:p>
+            <a:pPr marL="360000">
+              <a:lnSpc>
+                <a:spcPct val="100000"/>
+              </a:lnSpc>
+              <a:spcAft>
+                <a:spcPts val="1414"/>
+              </a:spcAft>
+            </a:pPr>
+            <a:r>
+              <a:rPr b="0" lang="de-DE" sz="1800" spc="-1" strike="noStrike">
+                <a:solidFill>
+                  <a:srgbClr val="333333"/>
+                </a:solidFill>
+                <a:latin typeface="Noto Sans Regular"/>
+                <a:ea typeface="DejaVu Sans"/>
+              </a:rPr>
+              <a:t>  </a:t>
+            </a:r>
+            <a:r>
+              <a:rPr b="0" lang="de-DE" sz="1800" spc="-1" strike="noStrike">
+                <a:solidFill>
+                  <a:srgbClr val="333333"/>
+                </a:solidFill>
+                <a:latin typeface="Noto Sans Regular"/>
+                <a:ea typeface="DejaVu Sans"/>
+              </a:rPr>
+              <a:t>}</a:t>
+            </a:r>
+            <a:endParaRPr b="0" lang="de-DE" sz="1800" spc="-1" strike="noStrike">
+              <a:latin typeface="Arial"/>
+            </a:endParaRPr>
+          </a:p>
+          <a:p>
+            <a:pPr marL="360000">
+              <a:lnSpc>
+                <a:spcPct val="100000"/>
+              </a:lnSpc>
+              <a:spcAft>
+                <a:spcPts val="1414"/>
+              </a:spcAft>
+            </a:pPr>
+            <a:endParaRPr b="0" lang="de-DE" sz="1800" spc="-1" strike="noStrike">
+              <a:latin typeface="Arial"/>
+            </a:endParaRPr>
+          </a:p>
+          <a:p>
+            <a:pPr marL="360000">
+              <a:lnSpc>
+                <a:spcPct val="100000"/>
+              </a:lnSpc>
+              <a:spcAft>
+                <a:spcPts val="1414"/>
+              </a:spcAft>
+            </a:pPr>
+            <a:r>
+              <a:rPr b="0" lang="de-DE" sz="1800" spc="-1" strike="noStrike">
+                <a:solidFill>
+                  <a:srgbClr val="00b6bd"/>
+                </a:solidFill>
+                <a:latin typeface="Noto Sans Regular"/>
                 <a:ea typeface="DejaVu Sans"/>
               </a:rPr>
               <a:t>instance</a:t>
             </a:r>
             <a:r>
-              <a:rPr b="0" lang="de-DE" sz="2800" spc="-1" strike="noStrike">
-                <a:solidFill>
-                  <a:srgbClr val="333333"/>
-                </a:solidFill>
-                <a:latin typeface="Noto Sans Regular"/>
-                <a:ea typeface="DejaVu Sans"/>
-              </a:rPr>
-              <a:t>).</a:t>
-            </a:r>
-            <a:endParaRPr b="0" lang="de-DE" sz="2800" spc="-1" strike="noStrike">
-              <a:latin typeface="Arial"/>
-            </a:endParaRPr>
-          </a:p>
-          <a:p>
-            <a:pPr marL="432000" indent="-323280">
-              <a:lnSpc>
-                <a:spcPct val="100000"/>
-              </a:lnSpc>
-              <a:spcAft>
-                <a:spcPts val="1414"/>
-              </a:spcAft>
-              <a:buClr>
-                <a:srgbClr val="ef2929"/>
-              </a:buClr>
-              <a:buSzPct val="45000"/>
-              <a:buFont typeface="Wingdings" charset="2"/>
-              <a:buChar char=""/>
-            </a:pPr>
-            <a:r>
-              <a:rPr b="0" lang="de-DE" sz="2800" spc="-1" strike="noStrike">
-                <a:solidFill>
-                  <a:srgbClr val="333333"/>
-                </a:solidFill>
-                <a:latin typeface="Noto Sans Regular"/>
-                <a:ea typeface="DejaVu Sans"/>
-              </a:rPr>
-              <a:t>Scala uses implicits to provide type classes.</a:t>
-            </a:r>
-            <a:endParaRPr b="0" lang="de-DE" sz="2800" spc="-1" strike="noStrike">
-              <a:latin typeface="Arial"/>
-            </a:endParaRPr>
-          </a:p>
-          <a:p>
-            <a:pPr marL="432000" indent="-323280">
-              <a:lnSpc>
-                <a:spcPct val="100000"/>
-              </a:lnSpc>
-              <a:spcAft>
-                <a:spcPts val="1414"/>
-              </a:spcAft>
-              <a:buClr>
-                <a:srgbClr val="ef2929"/>
-              </a:buClr>
-              <a:buSzPct val="45000"/>
-              <a:buFont typeface="Wingdings" charset="2"/>
-              <a:buChar char=""/>
-            </a:pPr>
-            <a:r>
-              <a:rPr b="0" lang="de-DE" sz="2800" spc="-1" strike="noStrike">
-                <a:solidFill>
-                  <a:srgbClr val="333333"/>
-                </a:solidFill>
-                <a:latin typeface="Noto Sans Regular"/>
-                <a:ea typeface="DejaVu Sans"/>
-              </a:rPr>
-              <a:t>In Scala (using implicit val …) you need to create an object for each type class instance.</a:t>
-            </a:r>
-            <a:endParaRPr b="0" lang="de-DE" sz="2800" spc="-1" strike="noStrike">
-              <a:latin typeface="Arial"/>
-            </a:endParaRPr>
-          </a:p>
-          <a:p>
-            <a:pPr marL="432000" indent="-323280">
-              <a:lnSpc>
-                <a:spcPct val="100000"/>
-              </a:lnSpc>
-              <a:spcAft>
-                <a:spcPts val="1414"/>
-              </a:spcAft>
-              <a:buClr>
-                <a:srgbClr val="ef2929"/>
-              </a:buClr>
-              <a:buSzPct val="45000"/>
-              <a:buFont typeface="Wingdings" charset="2"/>
-              <a:buChar char=""/>
-            </a:pPr>
-            <a:r>
-              <a:rPr b="0" lang="de-DE" sz="2800" spc="-1" strike="noStrike">
-                <a:solidFill>
-                  <a:srgbClr val="333333"/>
-                </a:solidFill>
-                <a:latin typeface="Noto Sans Regular"/>
-                <a:ea typeface="DejaVu Sans"/>
-              </a:rPr>
-              <a:t>No object creation in Haskell.</a:t>
-            </a:r>
-            <a:endParaRPr b="0" lang="de-DE" sz="2800" spc="-1" strike="noStrike">
-              <a:latin typeface="Arial"/>
-            </a:endParaRPr>
-          </a:p>
-          <a:p>
-            <a:pPr>
-              <a:lnSpc>
-                <a:spcPct val="100000"/>
-              </a:lnSpc>
-            </a:pPr>
-            <a:endParaRPr b="0" lang="de-DE" sz="2800" spc="-1" strike="noStrike">
+              <a:rPr b="0" lang="de-DE" sz="1800" spc="-1" strike="noStrike">
+                <a:solidFill>
+                  <a:srgbClr val="333333"/>
+                </a:solidFill>
+                <a:latin typeface="Noto Sans Regular"/>
+                <a:ea typeface="DejaVu Sans"/>
+              </a:rPr>
+              <a:t> Printable Cat where</a:t>
+            </a:r>
+            <a:endParaRPr b="0" lang="de-DE" sz="1800" spc="-1" strike="noStrike">
+              <a:latin typeface="Arial"/>
+            </a:endParaRPr>
+          </a:p>
+          <a:p>
+            <a:pPr marL="360000">
+              <a:lnSpc>
+                <a:spcPct val="100000"/>
+              </a:lnSpc>
+              <a:spcAft>
+                <a:spcPts val="1414"/>
+              </a:spcAft>
+            </a:pPr>
+            <a:r>
+              <a:rPr b="0" lang="de-DE" sz="1800" spc="-1" strike="noStrike">
+                <a:solidFill>
+                  <a:srgbClr val="333333"/>
+                </a:solidFill>
+                <a:latin typeface="Noto Sans Regular"/>
+                <a:ea typeface="DejaVu Sans"/>
+              </a:rPr>
+              <a:t>    </a:t>
+            </a:r>
+            <a:r>
+              <a:rPr b="0" lang="de-DE" sz="1800" spc="-1" strike="noStrike">
+                <a:solidFill>
+                  <a:srgbClr val="333333"/>
+                </a:solidFill>
+                <a:latin typeface="Noto Sans Regular"/>
+                <a:ea typeface="DejaVu Sans"/>
+              </a:rPr>
+              <a:t>format cat = "Cat {name=" ++ name cat</a:t>
+            </a:r>
+            <a:br/>
+            <a:r>
+              <a:rPr b="0" lang="de-DE" sz="1800" spc="-1" strike="noStrike">
+                <a:solidFill>
+                  <a:srgbClr val="333333"/>
+                </a:solidFill>
+                <a:latin typeface="Noto Sans Regular"/>
+                <a:ea typeface="DejaVu Sans"/>
+              </a:rPr>
+              <a:t>                            ++ ", age=" ++ show (age cat) ++ ", color=" ++ color cat ++ "}"</a:t>
+            </a:r>
+            <a:endParaRPr b="0" lang="de-DE" sz="1800" spc="-1" strike="noStrike">
               <a:latin typeface="Arial"/>
             </a:endParaRPr>
           </a:p>
@@ -7177,8 +7423,8 @@
         </p:nvSpPr>
         <p:spPr>
           <a:xfrm>
-            <a:off x="720000" y="300960"/>
-            <a:ext cx="8854920" cy="1261800"/>
+            <a:off x="720000" y="240120"/>
+            <a:ext cx="8854560" cy="1383120"/>
           </a:xfrm>
           <a:prstGeom prst="rect">
             <a:avLst/>
@@ -7205,7 +7451,7 @@
                 <a:latin typeface="Noto Sans Regular"/>
                 <a:ea typeface="DejaVu Sans"/>
               </a:rPr>
-              <a:t>Resources</a:t>
+              <a:t>Use the type class methods with the instance types.</a:t>
             </a:r>
             <a:endParaRPr b="0" lang="de-DE" sz="4000" spc="-1" strike="noStrike">
               <a:latin typeface="Arial"/>
@@ -7221,8 +7467,8 @@
         </p:nvSpPr>
         <p:spPr>
           <a:xfrm>
-            <a:off x="756000" y="2160000"/>
-            <a:ext cx="8639280" cy="4384080"/>
+            <a:off x="720000" y="2160000"/>
+            <a:ext cx="8638920" cy="4383720"/>
           </a:xfrm>
           <a:prstGeom prst="rect">
             <a:avLst/>
@@ -7241,185 +7487,180 @@
         <p:txBody>
           <a:bodyPr lIns="0" rIns="0" tIns="0" bIns="0"/>
           <a:p>
-            <a:pPr marL="432000" indent="-323280">
-              <a:lnSpc>
-                <a:spcPct val="100000"/>
-              </a:lnSpc>
-              <a:spcAft>
-                <a:spcPts val="1414"/>
-              </a:spcAft>
-              <a:buClr>
-                <a:srgbClr val="ef2929"/>
-              </a:buClr>
-              <a:buSzPct val="45000"/>
-              <a:buFont typeface="Wingdings" charset="2"/>
-              <a:buChar char=""/>
-            </a:pPr>
-            <a:r>
-              <a:rPr b="0" lang="de-DE" sz="2800" spc="-1" strike="noStrike">
-                <a:solidFill>
-                  <a:srgbClr val="333333"/>
-                </a:solidFill>
-                <a:latin typeface="Noto Sans Regular"/>
-                <a:ea typeface="DejaVu Sans"/>
-              </a:rPr>
-              <a:t>Source code and slides – </a:t>
-            </a:r>
-            <a:r>
-              <a:rPr b="0" lang="de-DE" sz="2200" spc="-1" strike="noStrike" u="sng">
-                <a:solidFill>
-                  <a:srgbClr val="0000ff"/>
-                </a:solidFill>
-                <a:uFillTx/>
-                <a:latin typeface="Noto Sans Regular"/>
-                <a:ea typeface="DejaVu Sans"/>
-                <a:hlinkClick r:id="rId1"/>
-              </a:rPr>
-              <a:t>https://github.com/hermannhueck/typeclasses</a:t>
-            </a:r>
-            <a:r>
-              <a:rPr b="0" lang="de-DE" sz="2800" spc="-1" strike="noStrike">
-                <a:solidFill>
-                  <a:srgbClr val="333333"/>
-                </a:solidFill>
-                <a:latin typeface="Noto Sans Regular"/>
-                <a:ea typeface="DejaVu Sans"/>
-              </a:rPr>
-              <a:t> </a:t>
-            </a:r>
-            <a:endParaRPr b="0" lang="de-DE" sz="2800" spc="-1" strike="noStrike">
-              <a:latin typeface="Arial"/>
-            </a:endParaRPr>
-          </a:p>
-          <a:p>
-            <a:pPr marL="432000" indent="-323280">
-              <a:lnSpc>
-                <a:spcPct val="100000"/>
-              </a:lnSpc>
-              <a:spcAft>
-                <a:spcPts val="1414"/>
-              </a:spcAft>
-              <a:buClr>
-                <a:srgbClr val="ef2929"/>
-              </a:buClr>
-              <a:buSzPct val="45000"/>
-              <a:buFont typeface="Wingdings" charset="2"/>
-              <a:buChar char=""/>
-            </a:pPr>
-            <a:r>
-              <a:rPr b="0" lang="de-DE" sz="2800" spc="-1" strike="noStrike">
-                <a:solidFill>
-                  <a:srgbClr val="333333"/>
-                </a:solidFill>
-                <a:latin typeface="Noto Sans Regular"/>
-                <a:ea typeface="DejaVu Sans"/>
-              </a:rPr>
-              <a:t>„</a:t>
-            </a:r>
-            <a:r>
-              <a:rPr b="0" lang="de-DE" sz="2800" spc="-1" strike="noStrike">
-                <a:solidFill>
-                  <a:srgbClr val="333333"/>
-                </a:solidFill>
-                <a:latin typeface="Noto Sans Regular"/>
-                <a:ea typeface="DejaVu Sans"/>
-              </a:rPr>
-              <a:t>Scala with Cats“ by Noel Welsh and Dave Gurnell – </a:t>
-            </a:r>
-            <a:r>
-              <a:rPr b="0" lang="de-DE" sz="2200" spc="-1" strike="noStrike" u="sng">
-                <a:solidFill>
-                  <a:srgbClr val="0000ff"/>
-                </a:solidFill>
-                <a:uFillTx/>
-                <a:latin typeface="Noto Sans Regular"/>
-                <a:ea typeface="DejaVu Sans"/>
-                <a:hlinkClick r:id="rId2"/>
-              </a:rPr>
-              <a:t>https://gumroad.com/discover?query=scala+cats</a:t>
-            </a:r>
-            <a:r>
-              <a:rPr b="0" lang="de-DE" sz="2200" spc="-1" strike="noStrike">
-                <a:solidFill>
-                  <a:srgbClr val="333333"/>
-                </a:solidFill>
-                <a:latin typeface="Noto Sans Regular"/>
-                <a:ea typeface="DejaVu Sans"/>
-              </a:rPr>
-              <a:t> </a:t>
-            </a:r>
-            <a:endParaRPr b="0" lang="de-DE" sz="2200" spc="-1" strike="noStrike">
-              <a:latin typeface="Arial"/>
-            </a:endParaRPr>
-          </a:p>
-          <a:p>
-            <a:pPr marL="432000" indent="-323280">
-              <a:lnSpc>
-                <a:spcPct val="100000"/>
-              </a:lnSpc>
-              <a:spcAft>
-                <a:spcPts val="1414"/>
-              </a:spcAft>
-              <a:buClr>
-                <a:srgbClr val="ef2929"/>
-              </a:buClr>
-              <a:buSzPct val="45000"/>
-              <a:buFont typeface="Wingdings" charset="2"/>
-              <a:buChar char=""/>
-            </a:pPr>
-            <a:r>
-              <a:rPr b="0" lang="de-DE" sz="2800" spc="-1" strike="noStrike">
-                <a:solidFill>
-                  <a:srgbClr val="333333"/>
-                </a:solidFill>
-                <a:latin typeface="Noto Sans Regular"/>
-                <a:ea typeface="DejaVu Sans"/>
-              </a:rPr>
-              <a:t>„</a:t>
-            </a:r>
-            <a:r>
-              <a:rPr b="0" lang="de-DE" sz="2800" spc="-1" strike="noStrike">
-                <a:solidFill>
-                  <a:srgbClr val="333333"/>
-                </a:solidFill>
-                <a:latin typeface="Noto Sans Regular"/>
-                <a:ea typeface="DejaVu Sans"/>
-              </a:rPr>
-              <a:t>Haskell Programming from first principles“ by Christoper Allen and Julie Moronuki – </a:t>
-            </a:r>
-            <a:r>
-              <a:rPr b="0" lang="de-DE" sz="2200" spc="-1" strike="noStrike" u="sng">
-                <a:solidFill>
-                  <a:srgbClr val="0000ff"/>
-                </a:solidFill>
-                <a:uFillTx/>
-                <a:latin typeface="Noto Sans Regular"/>
-                <a:ea typeface="DejaVu Sans"/>
-                <a:hlinkClick r:id="rId3"/>
-              </a:rPr>
-              <a:t>https://gumroad.com/discover?query=allen+haskell</a:t>
-            </a:r>
-            <a:r>
-              <a:rPr b="0" lang="de-DE" sz="2800" spc="-1" strike="noStrike">
-                <a:solidFill>
-                  <a:srgbClr val="333333"/>
-                </a:solidFill>
-                <a:latin typeface="Noto Sans Regular"/>
-                <a:ea typeface="DejaVu Sans"/>
-              </a:rPr>
-              <a:t> </a:t>
-            </a:r>
-            <a:endParaRPr b="0" lang="de-DE" sz="2800" spc="-1" strike="noStrike">
-              <a:latin typeface="Arial"/>
-            </a:endParaRPr>
-          </a:p>
-          <a:p>
-            <a:pPr>
-              <a:lnSpc>
-                <a:spcPct val="100000"/>
-              </a:lnSpc>
-            </a:pPr>
-            <a:endParaRPr b="0" lang="de-DE" sz="2800" spc="-1" strike="noStrike">
+            <a:pPr marL="360000">
+              <a:lnSpc>
+                <a:spcPct val="100000"/>
+              </a:lnSpc>
+              <a:spcAft>
+                <a:spcPts val="1414"/>
+              </a:spcAft>
+            </a:pPr>
+            <a:r>
+              <a:rPr b="0" lang="de-DE" sz="1800" spc="-1" strike="noStrike">
+                <a:solidFill>
+                  <a:srgbClr val="333333"/>
+                </a:solidFill>
+                <a:latin typeface="Noto Sans Regular"/>
+                <a:ea typeface="DejaVu Sans"/>
+              </a:rPr>
+              <a:t>  </a:t>
+            </a:r>
+            <a:r>
+              <a:rPr b="0" lang="de-DE" sz="1800" spc="-1" strike="noStrike">
+                <a:solidFill>
+                  <a:srgbClr val="333333"/>
+                </a:solidFill>
+                <a:latin typeface="Noto Sans Regular"/>
+                <a:ea typeface="DejaVu Sans"/>
+              </a:rPr>
+              <a:t>putStrLn $ format $ utcTime 2018 3 8 16 38 19</a:t>
+            </a:r>
+            <a:endParaRPr b="0" lang="de-DE" sz="1800" spc="-1" strike="noStrike">
+              <a:latin typeface="Arial"/>
+            </a:endParaRPr>
+          </a:p>
+          <a:p>
+            <a:pPr marL="360000">
+              <a:lnSpc>
+                <a:spcPct val="100000"/>
+              </a:lnSpc>
+              <a:spcAft>
+                <a:spcPts val="1414"/>
+              </a:spcAft>
+            </a:pPr>
+            <a:r>
+              <a:rPr b="0" lang="de-DE" sz="1800" spc="-1" strike="noStrike">
+                <a:solidFill>
+                  <a:srgbClr val="333333"/>
+                </a:solidFill>
+                <a:latin typeface="Noto Sans Regular"/>
+                <a:ea typeface="DejaVu Sans"/>
+              </a:rPr>
+              <a:t>  </a:t>
+            </a:r>
+            <a:r>
+              <a:rPr b="0" lang="de-DE" sz="1800" spc="-1" strike="noStrike">
+                <a:solidFill>
+                  <a:srgbClr val="333333"/>
+                </a:solidFill>
+                <a:latin typeface="Noto Sans Regular"/>
+                <a:ea typeface="DejaVu Sans"/>
+              </a:rPr>
+              <a:t>pprintt $ utcTime 2018 3 8 16 38 19</a:t>
+            </a:r>
+            <a:endParaRPr b="0" lang="de-DE" sz="1800" spc="-1" strike="noStrike">
+              <a:latin typeface="Arial"/>
+            </a:endParaRPr>
+          </a:p>
+          <a:p>
+            <a:pPr marL="360000">
+              <a:lnSpc>
+                <a:spcPct val="100000"/>
+              </a:lnSpc>
+              <a:spcAft>
+                <a:spcPts val="1414"/>
+              </a:spcAft>
+            </a:pPr>
+            <a:endParaRPr b="0" lang="de-DE" sz="1800" spc="-1" strike="noStrike">
+              <a:latin typeface="Arial"/>
+            </a:endParaRPr>
+          </a:p>
+          <a:p>
+            <a:pPr marL="360000">
+              <a:lnSpc>
+                <a:spcPct val="100000"/>
+              </a:lnSpc>
+              <a:spcAft>
+                <a:spcPts val="1414"/>
+              </a:spcAft>
+            </a:pPr>
+            <a:r>
+              <a:rPr b="0" lang="de-DE" sz="1800" spc="-1" strike="noStrike">
+                <a:solidFill>
+                  <a:srgbClr val="333333"/>
+                </a:solidFill>
+                <a:latin typeface="Noto Sans Regular"/>
+                <a:ea typeface="DejaVu Sans"/>
+              </a:rPr>
+              <a:t>  </a:t>
+            </a:r>
+            <a:r>
+              <a:rPr b="0" lang="de-DE" sz="1800" spc="-1" strike="noStrike">
+                <a:solidFill>
+                  <a:srgbClr val="333333"/>
+                </a:solidFill>
+                <a:latin typeface="Noto Sans Regular"/>
+                <a:ea typeface="DejaVu Sans"/>
+              </a:rPr>
+              <a:t>let mizzi = Cat "Mizzi" 1 "black"</a:t>
+            </a:r>
+            <a:endParaRPr b="0" lang="de-DE" sz="1800" spc="-1" strike="noStrike">
+              <a:latin typeface="Arial"/>
+            </a:endParaRPr>
+          </a:p>
+          <a:p>
+            <a:pPr marL="360000">
+              <a:lnSpc>
+                <a:spcPct val="100000"/>
+              </a:lnSpc>
+              <a:spcAft>
+                <a:spcPts val="1414"/>
+              </a:spcAft>
+            </a:pPr>
+            <a:r>
+              <a:rPr b="0" lang="de-DE" sz="1800" spc="-1" strike="noStrike">
+                <a:solidFill>
+                  <a:srgbClr val="333333"/>
+                </a:solidFill>
+                <a:latin typeface="Noto Sans Regular"/>
+                <a:ea typeface="DejaVu Sans"/>
+              </a:rPr>
+              <a:t>  </a:t>
+            </a:r>
+            <a:r>
+              <a:rPr b="0" lang="de-DE" sz="1800" spc="-1" strike="noStrike">
+                <a:solidFill>
+                  <a:srgbClr val="333333"/>
+                </a:solidFill>
+                <a:latin typeface="Noto Sans Regular"/>
+                <a:ea typeface="DejaVu Sans"/>
+              </a:rPr>
+              <a:t>putStrLn $ format mizzi</a:t>
+            </a:r>
+            <a:endParaRPr b="0" lang="de-DE" sz="1800" spc="-1" strike="noStrike">
+              <a:latin typeface="Arial"/>
+            </a:endParaRPr>
+          </a:p>
+          <a:p>
+            <a:pPr marL="360000">
+              <a:lnSpc>
+                <a:spcPct val="100000"/>
+              </a:lnSpc>
+              <a:spcAft>
+                <a:spcPts val="1414"/>
+              </a:spcAft>
+            </a:pPr>
+            <a:r>
+              <a:rPr b="0" lang="de-DE" sz="1800" spc="-1" strike="noStrike">
+                <a:solidFill>
+                  <a:srgbClr val="333333"/>
+                </a:solidFill>
+                <a:latin typeface="Noto Sans Regular"/>
+                <a:ea typeface="DejaVu Sans"/>
+              </a:rPr>
+              <a:t>  </a:t>
+            </a:r>
+            <a:r>
+              <a:rPr b="0" lang="de-DE" sz="1800" spc="-1" strike="noStrike">
+                <a:solidFill>
+                  <a:srgbClr val="333333"/>
+                </a:solidFill>
+                <a:latin typeface="Noto Sans Regular"/>
+                <a:ea typeface="DejaVu Sans"/>
+              </a:rPr>
+              <a:t>pprintt mizzi</a:t>
+            </a:r>
+            <a:endParaRPr b="0" lang="de-DE" sz="1800" spc="-1" strike="noStrike">
               <a:latin typeface="Arial"/>
             </a:endParaRPr>
           </a:p>
@@ -7483,7 +7724,7 @@
         <p:spPr>
           <a:xfrm>
             <a:off x="720000" y="300960"/>
-            <a:ext cx="8854920" cy="1261800"/>
+            <a:ext cx="8854560" cy="1261440"/>
           </a:xfrm>
           <a:prstGeom prst="rect">
             <a:avLst/>
@@ -7510,10 +7751,10 @@
                 <a:latin typeface="Noto Sans Regular"/>
                 <a:ea typeface="DejaVu Sans"/>
               </a:rPr>
-              <a:t>Thank you!</a:t>
+              <a:t>Type class Show</a:t>
             </a:r>
             <a:endParaRPr b="0" lang="de-DE" sz="4000" spc="-1" strike="noStrike">
-              <a:latin typeface="Arial"/>
+              <a:latin typeface="Times New Roman"/>
             </a:endParaRPr>
           </a:p>
         </p:txBody>
@@ -7527,7 +7768,7 @@
         <p:spPr>
           <a:xfrm>
             <a:off x="720000" y="2160000"/>
-            <a:ext cx="8639280" cy="4384080"/>
+            <a:ext cx="8638920" cy="4383720"/>
           </a:xfrm>
           <a:prstGeom prst="rect">
             <a:avLst/>
@@ -7546,6 +7787,11 @@
         <p:txBody>
           <a:bodyPr lIns="0" rIns="0" tIns="0" bIns="0"/>
           <a:p>
+            <a:endParaRPr b="0" lang="de-DE" sz="1800" spc="-1" strike="noStrike">
+              <a:latin typeface="Times New Roman"/>
+            </a:endParaRPr>
+          </a:p>
+          <a:p>
             <a:pPr>
               <a:lnSpc>
                 <a:spcPct val="100000"/>
@@ -7555,63 +7801,99 @@
               </a:spcAft>
             </a:pPr>
             <a:endParaRPr b="0" lang="de-DE" sz="1800" spc="-1" strike="noStrike">
-              <a:latin typeface="Arial"/>
-            </a:endParaRPr>
-          </a:p>
-          <a:p>
-            <a:pPr>
-              <a:lnSpc>
-                <a:spcPct val="100000"/>
-              </a:lnSpc>
-              <a:spcAft>
-                <a:spcPts val="1414"/>
-              </a:spcAft>
-            </a:pPr>
-            <a:endParaRPr b="0" lang="de-DE" sz="1800" spc="-1" strike="noStrike">
-              <a:latin typeface="Arial"/>
-            </a:endParaRPr>
-          </a:p>
-          <a:p>
-            <a:pPr algn="ctr">
-              <a:lnSpc>
-                <a:spcPct val="100000"/>
-              </a:lnSpc>
-              <a:spcAft>
-                <a:spcPts val="1414"/>
-              </a:spcAft>
-            </a:pPr>
-            <a:r>
-              <a:rPr b="1" lang="de-DE" sz="8000" spc="-1" strike="noStrike">
-                <a:solidFill>
-                  <a:srgbClr val="333333"/>
-                </a:solidFill>
-                <a:latin typeface="Noto Sans Regular"/>
-                <a:ea typeface="DejaVu Sans"/>
-              </a:rPr>
-              <a:t>Q &amp; A</a:t>
-            </a:r>
-            <a:r>
-              <a:rPr b="0" lang="de-DE" sz="2800" spc="-1" strike="noStrike">
-                <a:solidFill>
-                  <a:srgbClr val="333333"/>
-                </a:solidFill>
-                <a:latin typeface="Noto Sans Regular"/>
-                <a:ea typeface="DejaVu Sans"/>
-              </a:rPr>
-              <a:t> </a:t>
+              <a:latin typeface="Times New Roman"/>
+            </a:endParaRPr>
+          </a:p>
+          <a:p>
+            <a:pPr marL="432000" indent="-322920">
+              <a:spcAft>
+                <a:spcPts val="1414"/>
+              </a:spcAft>
+              <a:buClr>
+                <a:srgbClr val="ef2929"/>
+              </a:buClr>
+              <a:buSzPct val="45000"/>
+              <a:buFont typeface="Wingdings" charset="2"/>
+              <a:buChar char=""/>
+            </a:pPr>
+            <a:r>
+              <a:rPr b="0" lang="de-DE" sz="2800" spc="-1" strike="noStrike">
+                <a:solidFill>
+                  <a:srgbClr val="333333"/>
+                </a:solidFill>
+                <a:latin typeface="Noto Sans Regular"/>
+                <a:ea typeface="DejaVu Sans"/>
+              </a:rPr>
+              <a:t>No need to implement the </a:t>
+            </a:r>
+            <a:r>
+              <a:rPr b="0" lang="de-DE" sz="2800" spc="-1" strike="noStrike">
+                <a:solidFill>
+                  <a:srgbClr val="333333"/>
+                </a:solidFill>
+                <a:latin typeface="Courier New"/>
+                <a:ea typeface="DejaVu Sans"/>
+              </a:rPr>
+              <a:t>Printable</a:t>
+            </a:r>
+            <a:r>
+              <a:rPr b="0" lang="de-DE" sz="2800" spc="-1" strike="noStrike">
+                <a:solidFill>
+                  <a:srgbClr val="333333"/>
+                </a:solidFill>
+                <a:latin typeface="Noto Sans Regular"/>
+                <a:ea typeface="DejaVu Sans"/>
+              </a:rPr>
+              <a:t> type class</a:t>
             </a:r>
             <a:endParaRPr b="0" lang="de-DE" sz="2800" spc="-1" strike="noStrike">
-              <a:latin typeface="Arial"/>
-            </a:endParaRPr>
-          </a:p>
-          <a:p>
-            <a:pPr>
-              <a:lnSpc>
-                <a:spcPct val="100000"/>
-              </a:lnSpc>
-            </a:pPr>
+              <a:latin typeface="Times New Roman"/>
+            </a:endParaRPr>
+          </a:p>
+          <a:p>
+            <a:pPr marL="432000" indent="-322920">
+              <a:spcAft>
+                <a:spcPts val="1414"/>
+              </a:spcAft>
+              <a:buClr>
+                <a:srgbClr val="ef2929"/>
+              </a:buClr>
+              <a:buSzPct val="45000"/>
+              <a:buFont typeface="Wingdings" charset="2"/>
+              <a:buChar char=""/>
+            </a:pPr>
+            <a:r>
+              <a:rPr b="0" lang="de-DE" sz="2800" spc="-1" strike="noStrike">
+                <a:solidFill>
+                  <a:srgbClr val="333333"/>
+                </a:solidFill>
+                <a:latin typeface="Noto Sans Regular"/>
+                <a:ea typeface="DejaVu Sans"/>
+              </a:rPr>
+              <a:t>Haskell already has a type class </a:t>
+            </a:r>
+            <a:r>
+              <a:rPr b="0" lang="de-DE" sz="2800" spc="-1" strike="noStrike">
+                <a:solidFill>
+                  <a:srgbClr val="333333"/>
+                </a:solidFill>
+                <a:latin typeface="Courier New"/>
+                <a:ea typeface="DejaVu Sans"/>
+              </a:rPr>
+              <a:t>Show</a:t>
+            </a:r>
+            <a:r>
+              <a:rPr b="0" lang="de-DE" sz="2800" spc="-1" strike="noStrike">
+                <a:solidFill>
+                  <a:srgbClr val="333333"/>
+                </a:solidFill>
+                <a:latin typeface="Noto Sans Regular"/>
+                <a:ea typeface="DejaVu Sans"/>
+              </a:rPr>
+              <a:t> in the Prelude</a:t>
+            </a:r>
             <a:endParaRPr b="0" lang="de-DE" sz="2800" spc="-1" strike="noStrike">
-              <a:latin typeface="Arial"/>
+              <a:latin typeface="Times New Roman"/>
             </a:endParaRPr>
           </a:p>
         </p:txBody>
@@ -7625,6 +7907,1212 @@
           <p:childTnLst>
             <p:seq>
               <p:cTn id="46" dur="indefinite" nodeType="mainSeq"/>
+              <p:prevCondLst>
+                <p:cond delay="0" evt="onPrev">
+                  <p:tgtEl>
+                    <p:sldTgt/>
+                  </p:tgtEl>
+                </p:cond>
+              </p:prevCondLst>
+              <p:nextCondLst>
+                <p:cond delay="0" evt="onNext">
+                  <p:tgtEl>
+                    <p:sldTgt/>
+                  </p:tgtEl>
+                </p:cond>
+              </p:nextCondLst>
+            </p:seq>
+          </p:childTnLst>
+        </p:cTn>
+      </p:par>
+    </p:tnLst>
+  </p:timing>
+</p:sld>
+</file>
+
+<file path=ppt/slides/slide24.xml><?xml version="1.0" encoding="utf-8"?>
+<p:sld xmlns:a="http://schemas.openxmlformats.org/drawingml/2006/main" xmlns:p="http://schemas.openxmlformats.org/presentationml/2006/main" xmlns:r="http://schemas.openxmlformats.org/officeDocument/2006/relationships" xmlns:p14="http://schemas.microsoft.com/office/powerpoint/2010/main" xmlns:p15="http://schemas.microsoft.com/office/powerpoint/2012/main" xmlns:mc="http://schemas.openxmlformats.org/markup-compatibility/2006">
+  <p:cSld>
+    <p:spTree>
+      <p:nvGrpSpPr>
+        <p:cNvPr id="1" name=""/>
+        <p:cNvGrpSpPr/>
+        <p:nvPr/>
+      </p:nvGrpSpPr>
+      <p:grpSpPr>
+        <a:xfrm>
+          <a:off x="0" y="0"/>
+          <a:ext cx="0" cy="0"/>
+          <a:chOff x="0" y="0"/>
+          <a:chExt cx="0" cy="0"/>
+        </a:xfrm>
+      </p:grpSpPr>
+      <p:sp>
+        <p:nvSpPr>
+          <p:cNvPr id="124" name="CustomShape 1"/>
+          <p:cNvSpPr/>
+          <p:nvPr/>
+        </p:nvSpPr>
+        <p:spPr>
+          <a:xfrm>
+            <a:off x="720000" y="300960"/>
+            <a:ext cx="8854560" cy="1261440"/>
+          </a:xfrm>
+          <a:prstGeom prst="rect">
+            <a:avLst/>
+          </a:prstGeom>
+          <a:noFill/>
+          <a:ln>
+            <a:noFill/>
+          </a:ln>
+        </p:spPr>
+        <p:style>
+          <a:lnRef idx="0"/>
+          <a:fillRef idx="0"/>
+          <a:effectRef idx="0"/>
+          <a:fontRef idx="minor"/>
+        </p:style>
+        <p:txBody>
+          <a:bodyPr lIns="0" rIns="0" tIns="0" bIns="0" anchor="ctr"/>
+          <a:p>
+            <a:r>
+              <a:rPr b="1" lang="de-DE" sz="4000" spc="-1" strike="noStrike">
+                <a:solidFill>
+                  <a:srgbClr val="333333"/>
+                </a:solidFill>
+                <a:latin typeface="Noto Sans Regular"/>
+                <a:ea typeface="DejaVu Sans"/>
+              </a:rPr>
+              <a:t>Type classes in Haskell</a:t>
+            </a:r>
+            <a:endParaRPr b="0" lang="de-DE" sz="4000" spc="-1" strike="noStrike">
+              <a:latin typeface="Times New Roman"/>
+            </a:endParaRPr>
+          </a:p>
+        </p:txBody>
+      </p:sp>
+      <p:sp>
+        <p:nvSpPr>
+          <p:cNvPr id="125" name="CustomShape 2"/>
+          <p:cNvSpPr/>
+          <p:nvPr/>
+        </p:nvSpPr>
+        <p:spPr>
+          <a:xfrm>
+            <a:off x="720000" y="2160000"/>
+            <a:ext cx="8638920" cy="4383720"/>
+          </a:xfrm>
+          <a:prstGeom prst="rect">
+            <a:avLst/>
+          </a:prstGeom>
+          <a:noFill/>
+          <a:ln>
+            <a:noFill/>
+          </a:ln>
+        </p:spPr>
+        <p:style>
+          <a:lnRef idx="0"/>
+          <a:fillRef idx="0"/>
+          <a:effectRef idx="0"/>
+          <a:fontRef idx="minor"/>
+        </p:style>
+        <p:txBody>
+          <a:bodyPr lIns="0" rIns="0" tIns="0" bIns="0"/>
+          <a:p>
+            <a:endParaRPr b="0" lang="de-DE" sz="1800" spc="-1" strike="noStrike">
+              <a:latin typeface="Times New Roman"/>
+            </a:endParaRPr>
+          </a:p>
+          <a:p>
+            <a:pPr>
+              <a:lnSpc>
+                <a:spcPct val="100000"/>
+              </a:lnSpc>
+              <a:spcAft>
+                <a:spcPts val="1414"/>
+              </a:spcAft>
+            </a:pPr>
+            <a:endParaRPr b="0" lang="de-DE" sz="1800" spc="-1" strike="noStrike">
+              <a:latin typeface="Times New Roman"/>
+            </a:endParaRPr>
+          </a:p>
+          <a:p>
+            <a:pPr marL="432000" indent="-322920">
+              <a:spcAft>
+                <a:spcPts val="1414"/>
+              </a:spcAft>
+              <a:buClr>
+                <a:srgbClr val="ef2929"/>
+              </a:buClr>
+              <a:buSzPct val="45000"/>
+              <a:buFont typeface="Wingdings" charset="2"/>
+              <a:buChar char=""/>
+            </a:pPr>
+            <a:r>
+              <a:rPr b="0" lang="de-DE" sz="2800" spc="-1" strike="noStrike">
+                <a:solidFill>
+                  <a:srgbClr val="333333"/>
+                </a:solidFill>
+                <a:latin typeface="Noto Sans Regular"/>
+                <a:ea typeface="DejaVu Sans"/>
+              </a:rPr>
+              <a:t>Many type classes are available in the Haskell Prelude</a:t>
+            </a:r>
+            <a:endParaRPr b="0" lang="de-DE" sz="2800" spc="-1" strike="noStrike">
+              <a:latin typeface="Times New Roman"/>
+            </a:endParaRPr>
+          </a:p>
+          <a:p>
+            <a:pPr marL="432000" indent="-322920">
+              <a:spcAft>
+                <a:spcPts val="1414"/>
+              </a:spcAft>
+              <a:buClr>
+                <a:srgbClr val="ef2929"/>
+              </a:buClr>
+              <a:buSzPct val="45000"/>
+              <a:buFont typeface="Wingdings" charset="2"/>
+              <a:buChar char=""/>
+            </a:pPr>
+            <a:r>
+              <a:rPr b="0" lang="de-DE" sz="2800" spc="-1" strike="noStrike">
+                <a:solidFill>
+                  <a:srgbClr val="333333"/>
+                </a:solidFill>
+                <a:latin typeface="Noto Sans Regular"/>
+                <a:ea typeface="DejaVu Sans"/>
+              </a:rPr>
+              <a:t>Haskell provides its own kosmos of type classes in Base, most of them available in the</a:t>
+            </a:r>
+            <a:r>
+              <a:rPr b="0" lang="de-DE" sz="2800" spc="-1" strike="noStrike">
+                <a:solidFill>
+                  <a:srgbClr val="333333"/>
+                </a:solidFill>
+                <a:latin typeface="Noto Sans Regular"/>
+                <a:ea typeface="DejaVu Sans"/>
+              </a:rPr>
+              <a:t> Prelude: </a:t>
+            </a:r>
+            <a:r>
+              <a:rPr b="0" lang="de-DE" sz="2800" spc="-1" strike="noStrike">
+                <a:solidFill>
+                  <a:srgbClr val="333333"/>
+                </a:solidFill>
+                <a:latin typeface="Courier New"/>
+                <a:ea typeface="DejaVu Sans"/>
+              </a:rPr>
+              <a:t>Show</a:t>
+            </a:r>
+            <a:r>
+              <a:rPr b="0" lang="de-DE" sz="2800" spc="-1" strike="noStrike">
+                <a:solidFill>
+                  <a:srgbClr val="333333"/>
+                </a:solidFill>
+                <a:latin typeface="Noto Sans Regular"/>
+                <a:ea typeface="DejaVu Sans"/>
+              </a:rPr>
+              <a:t>, </a:t>
+            </a:r>
+            <a:r>
+              <a:rPr b="0" lang="de-DE" sz="2800" spc="-1" strike="noStrike">
+                <a:solidFill>
+                  <a:srgbClr val="333333"/>
+                </a:solidFill>
+                <a:latin typeface="Courier New"/>
+                <a:ea typeface="DejaVu Sans"/>
+              </a:rPr>
+              <a:t>Eq</a:t>
+            </a:r>
+            <a:r>
+              <a:rPr b="0" lang="de-DE" sz="2800" spc="-1" strike="noStrike">
+                <a:solidFill>
+                  <a:srgbClr val="333333"/>
+                </a:solidFill>
+                <a:latin typeface="Noto Sans Regular"/>
+                <a:ea typeface="DejaVu Sans"/>
+              </a:rPr>
+              <a:t>, </a:t>
+            </a:r>
+            <a:r>
+              <a:rPr b="0" lang="de-DE" sz="2800" spc="-1" strike="noStrike">
+                <a:solidFill>
+                  <a:srgbClr val="333333"/>
+                </a:solidFill>
+                <a:latin typeface="Courier New"/>
+                <a:ea typeface="DejaVu Sans"/>
+              </a:rPr>
+              <a:t>Ord</a:t>
+            </a:r>
+            <a:r>
+              <a:rPr b="0" lang="de-DE" sz="2800" spc="-1" strike="noStrike">
+                <a:solidFill>
+                  <a:srgbClr val="333333"/>
+                </a:solidFill>
+                <a:latin typeface="Noto Sans Regular"/>
+                <a:ea typeface="DejaVu Sans"/>
+              </a:rPr>
+              <a:t>, </a:t>
+            </a:r>
+            <a:r>
+              <a:rPr b="0" lang="de-DE" sz="2800" spc="-1" strike="noStrike">
+                <a:solidFill>
+                  <a:srgbClr val="333333"/>
+                </a:solidFill>
+                <a:latin typeface="Courier New"/>
+                <a:ea typeface="DejaVu Sans"/>
+              </a:rPr>
+              <a:t>Num</a:t>
+            </a:r>
+            <a:r>
+              <a:rPr b="0" lang="de-DE" sz="2800" spc="-1" strike="noStrike">
+                <a:solidFill>
+                  <a:srgbClr val="333333"/>
+                </a:solidFill>
+                <a:latin typeface="Noto Sans Regular"/>
+                <a:ea typeface="DejaVu Sans"/>
+              </a:rPr>
+              <a:t>, </a:t>
+            </a:r>
+            <a:r>
+              <a:rPr b="0" lang="de-DE" sz="2800" spc="-1" strike="noStrike">
+                <a:solidFill>
+                  <a:srgbClr val="333333"/>
+                </a:solidFill>
+                <a:latin typeface="Courier New"/>
+                <a:ea typeface="DejaVu Sans"/>
+              </a:rPr>
+              <a:t>Integral</a:t>
+            </a:r>
+            <a:r>
+              <a:rPr b="0" lang="de-DE" sz="2800" spc="-1" strike="noStrike">
+                <a:solidFill>
+                  <a:srgbClr val="333333"/>
+                </a:solidFill>
+                <a:latin typeface="Noto Sans Regular"/>
+                <a:ea typeface="DejaVu Sans"/>
+              </a:rPr>
+              <a:t>, </a:t>
+            </a:r>
+            <a:r>
+              <a:rPr b="0" lang="de-DE" sz="2800" spc="-1" strike="noStrike">
+                <a:solidFill>
+                  <a:srgbClr val="333333"/>
+                </a:solidFill>
+                <a:latin typeface="Courier New"/>
+                <a:ea typeface="DejaVu Sans"/>
+              </a:rPr>
+              <a:t>Fractional</a:t>
+            </a:r>
+            <a:r>
+              <a:rPr b="0" lang="de-DE" sz="2800" spc="-1" strike="noStrike">
+                <a:solidFill>
+                  <a:srgbClr val="333333"/>
+                </a:solidFill>
+                <a:latin typeface="Noto Sans Regular"/>
+                <a:ea typeface="DejaVu Sans"/>
+              </a:rPr>
+              <a:t>, </a:t>
+            </a:r>
+            <a:r>
+              <a:rPr b="0" lang="de-DE" sz="2800" spc="-1" strike="noStrike">
+                <a:solidFill>
+                  <a:srgbClr val="333333"/>
+                </a:solidFill>
+                <a:latin typeface="Courier New"/>
+                <a:ea typeface="DejaVu Sans"/>
+              </a:rPr>
+              <a:t>Monoid</a:t>
+            </a:r>
+            <a:r>
+              <a:rPr b="0" lang="de-DE" sz="2800" spc="-1" strike="noStrike">
+                <a:solidFill>
+                  <a:srgbClr val="333333"/>
+                </a:solidFill>
+                <a:latin typeface="Noto Sans Regular"/>
+                <a:ea typeface="DejaVu Sans"/>
+              </a:rPr>
+              <a:t>, </a:t>
+            </a:r>
+            <a:r>
+              <a:rPr b="0" lang="de-DE" sz="2800" spc="-1" strike="noStrike">
+                <a:solidFill>
+                  <a:srgbClr val="333333"/>
+                </a:solidFill>
+                <a:latin typeface="Courier New"/>
+                <a:ea typeface="DejaVu Sans"/>
+              </a:rPr>
+              <a:t>Functor</a:t>
+            </a:r>
+            <a:r>
+              <a:rPr b="0" lang="de-DE" sz="2800" spc="-1" strike="noStrike">
+                <a:solidFill>
+                  <a:srgbClr val="333333"/>
+                </a:solidFill>
+                <a:latin typeface="Noto Sans Regular"/>
+                <a:ea typeface="DejaVu Sans"/>
+              </a:rPr>
+              <a:t>, </a:t>
+            </a:r>
+            <a:r>
+              <a:rPr b="0" lang="de-DE" sz="2800" spc="-1" strike="noStrike">
+                <a:solidFill>
+                  <a:srgbClr val="333333"/>
+                </a:solidFill>
+                <a:latin typeface="Courier New"/>
+                <a:ea typeface="DejaVu Sans"/>
+              </a:rPr>
+              <a:t>Applicative</a:t>
+            </a:r>
+            <a:r>
+              <a:rPr b="0" lang="de-DE" sz="2800" spc="-1" strike="noStrike">
+                <a:solidFill>
+                  <a:srgbClr val="333333"/>
+                </a:solidFill>
+                <a:latin typeface="Noto Sans Regular"/>
+                <a:ea typeface="DejaVu Sans"/>
+              </a:rPr>
+              <a:t>, </a:t>
+            </a:r>
+            <a:r>
+              <a:rPr b="0" lang="de-DE" sz="2800" spc="-1" strike="noStrike">
+                <a:solidFill>
+                  <a:srgbClr val="333333"/>
+                </a:solidFill>
+                <a:latin typeface="Courier New"/>
+                <a:ea typeface="DejaVu Sans"/>
+              </a:rPr>
+              <a:t>Monad</a:t>
+            </a:r>
+            <a:r>
+              <a:rPr b="0" lang="de-DE" sz="2800" spc="-1" strike="noStrike">
+                <a:solidFill>
+                  <a:srgbClr val="333333"/>
+                </a:solidFill>
+                <a:latin typeface="Noto Sans Regular"/>
+                <a:ea typeface="DejaVu Sans"/>
+              </a:rPr>
+              <a:t>, </a:t>
+            </a:r>
+            <a:r>
+              <a:rPr b="0" lang="de-DE" sz="2800" spc="-1" strike="noStrike">
+                <a:solidFill>
+                  <a:srgbClr val="333333"/>
+                </a:solidFill>
+                <a:latin typeface="Courier New"/>
+                <a:ea typeface="DejaVu Sans"/>
+              </a:rPr>
+              <a:t>Foldable</a:t>
+            </a:r>
+            <a:r>
+              <a:rPr b="0" lang="de-DE" sz="2800" spc="-1" strike="noStrike">
+                <a:solidFill>
+                  <a:srgbClr val="333333"/>
+                </a:solidFill>
+                <a:latin typeface="Noto Sans Regular"/>
+                <a:ea typeface="DejaVu Sans"/>
+              </a:rPr>
+              <a:t> etc.</a:t>
+            </a:r>
+            <a:endParaRPr b="0" lang="de-DE" sz="2800" spc="-1" strike="noStrike">
+              <a:latin typeface="Times New Roman"/>
+            </a:endParaRPr>
+          </a:p>
+        </p:txBody>
+      </p:sp>
+    </p:spTree>
+  </p:cSld>
+  <p:timing>
+    <p:tnLst>
+      <p:par>
+        <p:cTn id="47" dur="indefinite" restart="never" nodeType="tmRoot">
+          <p:childTnLst>
+            <p:seq>
+              <p:cTn id="48" dur="indefinite" nodeType="mainSeq"/>
+              <p:prevCondLst>
+                <p:cond delay="0" evt="onPrev">
+                  <p:tgtEl>
+                    <p:sldTgt/>
+                  </p:tgtEl>
+                </p:cond>
+              </p:prevCondLst>
+              <p:nextCondLst>
+                <p:cond delay="0" evt="onNext">
+                  <p:tgtEl>
+                    <p:sldTgt/>
+                  </p:tgtEl>
+                </p:cond>
+              </p:nextCondLst>
+            </p:seq>
+          </p:childTnLst>
+        </p:cTn>
+      </p:par>
+    </p:tnLst>
+  </p:timing>
+</p:sld>
+</file>
+
+<file path=ppt/slides/slide25.xml><?xml version="1.0" encoding="utf-8"?>
+<p:sld xmlns:a="http://schemas.openxmlformats.org/drawingml/2006/main" xmlns:p="http://schemas.openxmlformats.org/presentationml/2006/main" xmlns:r="http://schemas.openxmlformats.org/officeDocument/2006/relationships" xmlns:p14="http://schemas.microsoft.com/office/powerpoint/2010/main" xmlns:p15="http://schemas.microsoft.com/office/powerpoint/2012/main" xmlns:mc="http://schemas.openxmlformats.org/markup-compatibility/2006">
+  <p:cSld>
+    <p:spTree>
+      <p:nvGrpSpPr>
+        <p:cNvPr id="1" name=""/>
+        <p:cNvGrpSpPr/>
+        <p:nvPr/>
+      </p:nvGrpSpPr>
+      <p:grpSpPr>
+        <a:xfrm>
+          <a:off x="0" y="0"/>
+          <a:ext cx="0" cy="0"/>
+          <a:chOff x="0" y="0"/>
+          <a:chExt cx="0" cy="0"/>
+        </a:xfrm>
+      </p:grpSpPr>
+      <p:sp>
+        <p:nvSpPr>
+          <p:cNvPr id="126" name="CustomShape 1"/>
+          <p:cNvSpPr/>
+          <p:nvPr/>
+        </p:nvSpPr>
+        <p:spPr>
+          <a:xfrm>
+            <a:off x="720000" y="300960"/>
+            <a:ext cx="8854560" cy="1261440"/>
+          </a:xfrm>
+          <a:prstGeom prst="rect">
+            <a:avLst/>
+          </a:prstGeom>
+          <a:noFill/>
+          <a:ln>
+            <a:noFill/>
+          </a:ln>
+        </p:spPr>
+        <p:style>
+          <a:lnRef idx="0"/>
+          <a:fillRef idx="0"/>
+          <a:effectRef idx="0"/>
+          <a:fontRef idx="minor"/>
+        </p:style>
+        <p:txBody>
+          <a:bodyPr lIns="0" rIns="0" tIns="0" bIns="0" anchor="ctr"/>
+          <a:p>
+            <a:r>
+              <a:rPr b="1" lang="de-DE" sz="4000" spc="-1" strike="noStrike">
+                <a:solidFill>
+                  <a:srgbClr val="333333"/>
+                </a:solidFill>
+                <a:latin typeface="Noto Sans Regular"/>
+                <a:ea typeface="DejaVu Sans"/>
+              </a:rPr>
+              <a:t>Comparison</a:t>
+            </a:r>
+            <a:endParaRPr b="0" lang="de-DE" sz="4000" spc="-1" strike="noStrike">
+              <a:latin typeface="Arial"/>
+            </a:endParaRPr>
+          </a:p>
+        </p:txBody>
+      </p:sp>
+      <p:sp>
+        <p:nvSpPr>
+          <p:cNvPr id="127" name="CustomShape 2"/>
+          <p:cNvSpPr/>
+          <p:nvPr/>
+        </p:nvSpPr>
+        <p:spPr>
+          <a:xfrm>
+            <a:off x="720000" y="2160000"/>
+            <a:ext cx="8638920" cy="4383720"/>
+          </a:xfrm>
+          <a:prstGeom prst="rect">
+            <a:avLst/>
+          </a:prstGeom>
+          <a:noFill/>
+          <a:ln>
+            <a:noFill/>
+          </a:ln>
+        </p:spPr>
+        <p:style>
+          <a:lnRef idx="0"/>
+          <a:fillRef idx="0"/>
+          <a:effectRef idx="0"/>
+          <a:fontRef idx="minor"/>
+        </p:style>
+        <p:txBody>
+          <a:bodyPr lIns="0" rIns="0" tIns="0" bIns="0"/>
+          <a:p>
+            <a:pPr marL="432000" indent="-322920">
+              <a:lnSpc>
+                <a:spcPct val="100000"/>
+              </a:lnSpc>
+              <a:spcAft>
+                <a:spcPts val="1414"/>
+              </a:spcAft>
+              <a:buClr>
+                <a:srgbClr val="ef2929"/>
+              </a:buClr>
+              <a:buSzPct val="45000"/>
+              <a:buFont typeface="Wingdings" charset="2"/>
+              <a:buChar char=""/>
+            </a:pPr>
+            <a:r>
+              <a:rPr b="0" lang="de-DE" sz="2800" spc="-1" strike="noStrike">
+                <a:solidFill>
+                  <a:srgbClr val="333333"/>
+                </a:solidFill>
+                <a:latin typeface="Noto Sans Regular"/>
+                <a:ea typeface="DejaVu Sans"/>
+              </a:rPr>
+              <a:t>Haskell has its own type class syntax (key words </a:t>
+            </a:r>
+            <a:r>
+              <a:rPr b="1" lang="de-DE" sz="2800" spc="-1" strike="noStrike">
+                <a:solidFill>
+                  <a:srgbClr val="00b6bd"/>
+                </a:solidFill>
+                <a:latin typeface="Courier New"/>
+                <a:ea typeface="DejaVu Sans"/>
+              </a:rPr>
+              <a:t>class</a:t>
+            </a:r>
+            <a:r>
+              <a:rPr b="0" lang="de-DE" sz="2800" spc="-1" strike="noStrike">
+                <a:solidFill>
+                  <a:srgbClr val="333333"/>
+                </a:solidFill>
+                <a:latin typeface="Noto Sans Regular"/>
+                <a:ea typeface="DejaVu Sans"/>
+              </a:rPr>
+              <a:t> and </a:t>
+            </a:r>
+            <a:r>
+              <a:rPr b="1" lang="de-DE" sz="2800" spc="-1" strike="noStrike">
+                <a:solidFill>
+                  <a:srgbClr val="00b6bd"/>
+                </a:solidFill>
+                <a:latin typeface="Courier New"/>
+                <a:ea typeface="DejaVu Sans"/>
+              </a:rPr>
+              <a:t>instance</a:t>
+            </a:r>
+            <a:r>
+              <a:rPr b="0" lang="de-DE" sz="2800" spc="-1" strike="noStrike">
+                <a:solidFill>
+                  <a:srgbClr val="333333"/>
+                </a:solidFill>
+                <a:latin typeface="Noto Sans Regular"/>
+                <a:ea typeface="DejaVu Sans"/>
+              </a:rPr>
+              <a:t>).</a:t>
+            </a:r>
+            <a:endParaRPr b="0" lang="de-DE" sz="2800" spc="-1" strike="noStrike">
+              <a:latin typeface="Arial"/>
+            </a:endParaRPr>
+          </a:p>
+          <a:p>
+            <a:pPr marL="432000" indent="-322920">
+              <a:lnSpc>
+                <a:spcPct val="100000"/>
+              </a:lnSpc>
+              <a:spcAft>
+                <a:spcPts val="1414"/>
+              </a:spcAft>
+              <a:buClr>
+                <a:srgbClr val="ef2929"/>
+              </a:buClr>
+              <a:buSzPct val="45000"/>
+              <a:buFont typeface="Wingdings" charset="2"/>
+              <a:buChar char=""/>
+            </a:pPr>
+            <a:r>
+              <a:rPr b="0" lang="de-DE" sz="2800" spc="-1" strike="noStrike">
+                <a:solidFill>
+                  <a:srgbClr val="333333"/>
+                </a:solidFill>
+                <a:latin typeface="Noto Sans Regular"/>
+                <a:ea typeface="DejaVu Sans"/>
+              </a:rPr>
+              <a:t>Scala uses implicits to provide type classes.</a:t>
+            </a:r>
+            <a:endParaRPr b="0" lang="de-DE" sz="2800" spc="-1" strike="noStrike">
+              <a:latin typeface="Arial"/>
+            </a:endParaRPr>
+          </a:p>
+          <a:p>
+            <a:pPr marL="432000" indent="-322920">
+              <a:lnSpc>
+                <a:spcPct val="100000"/>
+              </a:lnSpc>
+              <a:spcAft>
+                <a:spcPts val="1414"/>
+              </a:spcAft>
+              <a:buClr>
+                <a:srgbClr val="ef2929"/>
+              </a:buClr>
+              <a:buSzPct val="45000"/>
+              <a:buFont typeface="Wingdings" charset="2"/>
+              <a:buChar char=""/>
+            </a:pPr>
+            <a:r>
+              <a:rPr b="0" lang="de-DE" sz="2800" spc="-1" strike="noStrike">
+                <a:solidFill>
+                  <a:srgbClr val="333333"/>
+                </a:solidFill>
+                <a:latin typeface="Noto Sans Regular"/>
+                <a:ea typeface="DejaVu Sans"/>
+              </a:rPr>
+              <a:t>In Scala (using implicit val …) you need to create an object for each type class instance.</a:t>
+            </a:r>
+            <a:endParaRPr b="0" lang="de-DE" sz="2800" spc="-1" strike="noStrike">
+              <a:latin typeface="Arial"/>
+            </a:endParaRPr>
+          </a:p>
+          <a:p>
+            <a:pPr marL="432000" indent="-322920">
+              <a:lnSpc>
+                <a:spcPct val="100000"/>
+              </a:lnSpc>
+              <a:spcAft>
+                <a:spcPts val="1414"/>
+              </a:spcAft>
+              <a:buClr>
+                <a:srgbClr val="ef2929"/>
+              </a:buClr>
+              <a:buSzPct val="45000"/>
+              <a:buFont typeface="Wingdings" charset="2"/>
+              <a:buChar char=""/>
+            </a:pPr>
+            <a:r>
+              <a:rPr b="0" lang="de-DE" sz="2800" spc="-1" strike="noStrike">
+                <a:solidFill>
+                  <a:srgbClr val="333333"/>
+                </a:solidFill>
+                <a:latin typeface="Noto Sans Regular"/>
+                <a:ea typeface="DejaVu Sans"/>
+              </a:rPr>
+              <a:t>No object creation in Haskell.</a:t>
+            </a:r>
+            <a:endParaRPr b="0" lang="de-DE" sz="2800" spc="-1" strike="noStrike">
+              <a:latin typeface="Arial"/>
+            </a:endParaRPr>
+          </a:p>
+          <a:p>
+            <a:pPr>
+              <a:lnSpc>
+                <a:spcPct val="100000"/>
+              </a:lnSpc>
+            </a:pPr>
+            <a:endParaRPr b="0" lang="de-DE" sz="2800" spc="-1" strike="noStrike">
+              <a:latin typeface="Arial"/>
+            </a:endParaRPr>
+          </a:p>
+        </p:txBody>
+      </p:sp>
+    </p:spTree>
+  </p:cSld>
+  <p:timing>
+    <p:tnLst>
+      <p:par>
+        <p:cTn id="49" dur="indefinite" restart="never" nodeType="tmRoot">
+          <p:childTnLst>
+            <p:seq>
+              <p:cTn id="50" dur="indefinite" nodeType="mainSeq"/>
+              <p:prevCondLst>
+                <p:cond delay="0" evt="onPrev">
+                  <p:tgtEl>
+                    <p:sldTgt/>
+                  </p:tgtEl>
+                </p:cond>
+              </p:prevCondLst>
+              <p:nextCondLst>
+                <p:cond delay="0" evt="onNext">
+                  <p:tgtEl>
+                    <p:sldTgt/>
+                  </p:tgtEl>
+                </p:cond>
+              </p:nextCondLst>
+            </p:seq>
+          </p:childTnLst>
+        </p:cTn>
+      </p:par>
+    </p:tnLst>
+  </p:timing>
+</p:sld>
+</file>
+
+<file path=ppt/slides/slide26.xml><?xml version="1.0" encoding="utf-8"?>
+<p:sld xmlns:a="http://schemas.openxmlformats.org/drawingml/2006/main" xmlns:p="http://schemas.openxmlformats.org/presentationml/2006/main" xmlns:r="http://schemas.openxmlformats.org/officeDocument/2006/relationships" xmlns:p14="http://schemas.microsoft.com/office/powerpoint/2010/main" xmlns:p15="http://schemas.microsoft.com/office/powerpoint/2012/main" xmlns:mc="http://schemas.openxmlformats.org/markup-compatibility/2006">
+  <p:cSld>
+    <p:spTree>
+      <p:nvGrpSpPr>
+        <p:cNvPr id="1" name=""/>
+        <p:cNvGrpSpPr/>
+        <p:nvPr/>
+      </p:nvGrpSpPr>
+      <p:grpSpPr>
+        <a:xfrm>
+          <a:off x="0" y="0"/>
+          <a:ext cx="0" cy="0"/>
+          <a:chOff x="0" y="0"/>
+          <a:chExt cx="0" cy="0"/>
+        </a:xfrm>
+      </p:grpSpPr>
+      <p:sp>
+        <p:nvSpPr>
+          <p:cNvPr id="128" name="CustomShape 1"/>
+          <p:cNvSpPr/>
+          <p:nvPr/>
+        </p:nvSpPr>
+        <p:spPr>
+          <a:xfrm>
+            <a:off x="720000" y="300960"/>
+            <a:ext cx="8854560" cy="1261440"/>
+          </a:xfrm>
+          <a:prstGeom prst="rect">
+            <a:avLst/>
+          </a:prstGeom>
+          <a:noFill/>
+          <a:ln>
+            <a:noFill/>
+          </a:ln>
+        </p:spPr>
+        <p:style>
+          <a:lnRef idx="0"/>
+          <a:fillRef idx="0"/>
+          <a:effectRef idx="0"/>
+          <a:fontRef idx="minor"/>
+        </p:style>
+        <p:txBody>
+          <a:bodyPr lIns="0" rIns="0" tIns="0" bIns="0" anchor="ctr"/>
+          <a:p>
+            <a:r>
+              <a:rPr b="1" lang="de-DE" sz="4000" spc="-1" strike="noStrike">
+                <a:solidFill>
+                  <a:srgbClr val="333333"/>
+                </a:solidFill>
+                <a:latin typeface="Noto Sans Regular"/>
+                <a:ea typeface="DejaVu Sans"/>
+              </a:rPr>
+              <a:t>Resources</a:t>
+            </a:r>
+            <a:endParaRPr b="0" lang="de-DE" sz="4000" spc="-1" strike="noStrike">
+              <a:latin typeface="Arial"/>
+            </a:endParaRPr>
+          </a:p>
+        </p:txBody>
+      </p:sp>
+      <p:sp>
+        <p:nvSpPr>
+          <p:cNvPr id="129" name="CustomShape 2"/>
+          <p:cNvSpPr/>
+          <p:nvPr/>
+        </p:nvSpPr>
+        <p:spPr>
+          <a:xfrm>
+            <a:off x="756000" y="2160000"/>
+            <a:ext cx="8638920" cy="4383720"/>
+          </a:xfrm>
+          <a:prstGeom prst="rect">
+            <a:avLst/>
+          </a:prstGeom>
+          <a:noFill/>
+          <a:ln>
+            <a:noFill/>
+          </a:ln>
+        </p:spPr>
+        <p:style>
+          <a:lnRef idx="0"/>
+          <a:fillRef idx="0"/>
+          <a:effectRef idx="0"/>
+          <a:fontRef idx="minor"/>
+        </p:style>
+        <p:txBody>
+          <a:bodyPr lIns="0" rIns="0" tIns="0" bIns="0"/>
+          <a:p>
+            <a:pPr marL="432000" indent="-322920">
+              <a:lnSpc>
+                <a:spcPct val="100000"/>
+              </a:lnSpc>
+              <a:spcAft>
+                <a:spcPts val="1414"/>
+              </a:spcAft>
+              <a:buClr>
+                <a:srgbClr val="ef2929"/>
+              </a:buClr>
+              <a:buSzPct val="45000"/>
+              <a:buFont typeface="Wingdings" charset="2"/>
+              <a:buChar char=""/>
+            </a:pPr>
+            <a:r>
+              <a:rPr b="0" lang="de-DE" sz="2800" spc="-1" strike="noStrike">
+                <a:solidFill>
+                  <a:srgbClr val="333333"/>
+                </a:solidFill>
+                <a:latin typeface="Noto Sans Regular"/>
+                <a:ea typeface="DejaVu Sans"/>
+              </a:rPr>
+              <a:t>Source code and slides – </a:t>
+            </a:r>
+            <a:r>
+              <a:rPr b="0" lang="de-DE" sz="2200" spc="-1" strike="noStrike" u="sng">
+                <a:solidFill>
+                  <a:srgbClr val="0000ff"/>
+                </a:solidFill>
+                <a:uFillTx/>
+                <a:latin typeface="Noto Sans Regular"/>
+                <a:ea typeface="DejaVu Sans"/>
+                <a:hlinkClick r:id="rId1"/>
+              </a:rPr>
+              <a:t>https://github.com/hermannhueck/typeclasses</a:t>
+            </a:r>
+            <a:r>
+              <a:rPr b="0" lang="de-DE" sz="2800" spc="-1" strike="noStrike">
+                <a:solidFill>
+                  <a:srgbClr val="333333"/>
+                </a:solidFill>
+                <a:latin typeface="Noto Sans Regular"/>
+                <a:ea typeface="DejaVu Sans"/>
+              </a:rPr>
+              <a:t> </a:t>
+            </a:r>
+            <a:endParaRPr b="0" lang="de-DE" sz="2800" spc="-1" strike="noStrike">
+              <a:latin typeface="Arial"/>
+            </a:endParaRPr>
+          </a:p>
+          <a:p>
+            <a:pPr marL="432000" indent="-322920">
+              <a:lnSpc>
+                <a:spcPct val="100000"/>
+              </a:lnSpc>
+              <a:spcAft>
+                <a:spcPts val="1414"/>
+              </a:spcAft>
+              <a:buClr>
+                <a:srgbClr val="ef2929"/>
+              </a:buClr>
+              <a:buSzPct val="45000"/>
+              <a:buFont typeface="Wingdings" charset="2"/>
+              <a:buChar char=""/>
+            </a:pPr>
+            <a:r>
+              <a:rPr b="0" lang="de-DE" sz="2800" spc="-1" strike="noStrike">
+                <a:solidFill>
+                  <a:srgbClr val="333333"/>
+                </a:solidFill>
+                <a:latin typeface="Noto Sans Regular"/>
+                <a:ea typeface="DejaVu Sans"/>
+              </a:rPr>
+              <a:t>„</a:t>
+            </a:r>
+            <a:r>
+              <a:rPr b="0" lang="de-DE" sz="2800" spc="-1" strike="noStrike">
+                <a:solidFill>
+                  <a:srgbClr val="333333"/>
+                </a:solidFill>
+                <a:latin typeface="Noto Sans Regular"/>
+                <a:ea typeface="DejaVu Sans"/>
+              </a:rPr>
+              <a:t>Scala with Cats“ by Noel Welsh and Dave Gurnell – </a:t>
+            </a:r>
+            <a:r>
+              <a:rPr b="0" lang="de-DE" sz="2200" spc="-1" strike="noStrike" u="sng">
+                <a:solidFill>
+                  <a:srgbClr val="0000ff"/>
+                </a:solidFill>
+                <a:uFillTx/>
+                <a:latin typeface="Noto Sans Regular"/>
+                <a:ea typeface="DejaVu Sans"/>
+                <a:hlinkClick r:id="rId2"/>
+              </a:rPr>
+              <a:t>https://gumroad.com/discover?query=scala+cats</a:t>
+            </a:r>
+            <a:r>
+              <a:rPr b="0" lang="de-DE" sz="2200" spc="-1" strike="noStrike">
+                <a:solidFill>
+                  <a:srgbClr val="333333"/>
+                </a:solidFill>
+                <a:latin typeface="Noto Sans Regular"/>
+                <a:ea typeface="DejaVu Sans"/>
+              </a:rPr>
+              <a:t> </a:t>
+            </a:r>
+            <a:endParaRPr b="0" lang="de-DE" sz="2200" spc="-1" strike="noStrike">
+              <a:latin typeface="Arial"/>
+            </a:endParaRPr>
+          </a:p>
+          <a:p>
+            <a:pPr marL="432000" indent="-322920">
+              <a:lnSpc>
+                <a:spcPct val="100000"/>
+              </a:lnSpc>
+              <a:spcAft>
+                <a:spcPts val="1414"/>
+              </a:spcAft>
+              <a:buClr>
+                <a:srgbClr val="ef2929"/>
+              </a:buClr>
+              <a:buSzPct val="45000"/>
+              <a:buFont typeface="Wingdings" charset="2"/>
+              <a:buChar char=""/>
+            </a:pPr>
+            <a:r>
+              <a:rPr b="0" lang="de-DE" sz="2800" spc="-1" strike="noStrike">
+                <a:solidFill>
+                  <a:srgbClr val="333333"/>
+                </a:solidFill>
+                <a:latin typeface="Noto Sans Regular"/>
+                <a:ea typeface="DejaVu Sans"/>
+              </a:rPr>
+              <a:t>„</a:t>
+            </a:r>
+            <a:r>
+              <a:rPr b="0" lang="de-DE" sz="2800" spc="-1" strike="noStrike">
+                <a:solidFill>
+                  <a:srgbClr val="333333"/>
+                </a:solidFill>
+                <a:latin typeface="Noto Sans Regular"/>
+                <a:ea typeface="DejaVu Sans"/>
+              </a:rPr>
+              <a:t>Haskell Programming from first principles“ by Christoper Allen and Julie Moronuki – </a:t>
+            </a:r>
+            <a:r>
+              <a:rPr b="0" lang="de-DE" sz="2200" spc="-1" strike="noStrike" u="sng">
+                <a:solidFill>
+                  <a:srgbClr val="0000ff"/>
+                </a:solidFill>
+                <a:uFillTx/>
+                <a:latin typeface="Noto Sans Regular"/>
+                <a:ea typeface="DejaVu Sans"/>
+                <a:hlinkClick r:id="rId3"/>
+              </a:rPr>
+              <a:t>https://gumroad.com/discover?query=allen+haskell</a:t>
+            </a:r>
+            <a:r>
+              <a:rPr b="0" lang="de-DE" sz="2800" spc="-1" strike="noStrike">
+                <a:solidFill>
+                  <a:srgbClr val="333333"/>
+                </a:solidFill>
+                <a:latin typeface="Noto Sans Regular"/>
+                <a:ea typeface="DejaVu Sans"/>
+              </a:rPr>
+              <a:t> </a:t>
+            </a:r>
+            <a:endParaRPr b="0" lang="de-DE" sz="2800" spc="-1" strike="noStrike">
+              <a:latin typeface="Arial"/>
+            </a:endParaRPr>
+          </a:p>
+          <a:p>
+            <a:pPr>
+              <a:lnSpc>
+                <a:spcPct val="100000"/>
+              </a:lnSpc>
+            </a:pPr>
+            <a:endParaRPr b="0" lang="de-DE" sz="2800" spc="-1" strike="noStrike">
+              <a:latin typeface="Arial"/>
+            </a:endParaRPr>
+          </a:p>
+        </p:txBody>
+      </p:sp>
+    </p:spTree>
+  </p:cSld>
+  <p:timing>
+    <p:tnLst>
+      <p:par>
+        <p:cTn id="51" dur="indefinite" restart="never" nodeType="tmRoot">
+          <p:childTnLst>
+            <p:seq>
+              <p:cTn id="52" dur="indefinite" nodeType="mainSeq"/>
+              <p:prevCondLst>
+                <p:cond delay="0" evt="onPrev">
+                  <p:tgtEl>
+                    <p:sldTgt/>
+                  </p:tgtEl>
+                </p:cond>
+              </p:prevCondLst>
+              <p:nextCondLst>
+                <p:cond delay="0" evt="onNext">
+                  <p:tgtEl>
+                    <p:sldTgt/>
+                  </p:tgtEl>
+                </p:cond>
+              </p:nextCondLst>
+            </p:seq>
+          </p:childTnLst>
+        </p:cTn>
+      </p:par>
+    </p:tnLst>
+  </p:timing>
+</p:sld>
+</file>
+
+<file path=ppt/slides/slide27.xml><?xml version="1.0" encoding="utf-8"?>
+<p:sld xmlns:a="http://schemas.openxmlformats.org/drawingml/2006/main" xmlns:p="http://schemas.openxmlformats.org/presentationml/2006/main" xmlns:r="http://schemas.openxmlformats.org/officeDocument/2006/relationships" xmlns:p14="http://schemas.microsoft.com/office/powerpoint/2010/main" xmlns:p15="http://schemas.microsoft.com/office/powerpoint/2012/main" xmlns:mc="http://schemas.openxmlformats.org/markup-compatibility/2006">
+  <p:cSld>
+    <p:spTree>
+      <p:nvGrpSpPr>
+        <p:cNvPr id="1" name=""/>
+        <p:cNvGrpSpPr/>
+        <p:nvPr/>
+      </p:nvGrpSpPr>
+      <p:grpSpPr>
+        <a:xfrm>
+          <a:off x="0" y="0"/>
+          <a:ext cx="0" cy="0"/>
+          <a:chOff x="0" y="0"/>
+          <a:chExt cx="0" cy="0"/>
+        </a:xfrm>
+      </p:grpSpPr>
+      <p:sp>
+        <p:nvSpPr>
+          <p:cNvPr id="130" name="CustomShape 1"/>
+          <p:cNvSpPr/>
+          <p:nvPr/>
+        </p:nvSpPr>
+        <p:spPr>
+          <a:xfrm>
+            <a:off x="720000" y="300960"/>
+            <a:ext cx="8854560" cy="1261440"/>
+          </a:xfrm>
+          <a:prstGeom prst="rect">
+            <a:avLst/>
+          </a:prstGeom>
+          <a:noFill/>
+          <a:ln>
+            <a:noFill/>
+          </a:ln>
+        </p:spPr>
+        <p:style>
+          <a:lnRef idx="0"/>
+          <a:fillRef idx="0"/>
+          <a:effectRef idx="0"/>
+          <a:fontRef idx="minor"/>
+        </p:style>
+        <p:txBody>
+          <a:bodyPr lIns="0" rIns="0" tIns="0" bIns="0" anchor="ctr"/>
+          <a:p>
+            <a:r>
+              <a:rPr b="1" lang="de-DE" sz="4000" spc="-1" strike="noStrike">
+                <a:solidFill>
+                  <a:srgbClr val="333333"/>
+                </a:solidFill>
+                <a:latin typeface="Noto Sans Regular"/>
+                <a:ea typeface="DejaVu Sans"/>
+              </a:rPr>
+              <a:t>Thank you!</a:t>
+            </a:r>
+            <a:endParaRPr b="0" lang="de-DE" sz="4000" spc="-1" strike="noStrike">
+              <a:latin typeface="Arial"/>
+            </a:endParaRPr>
+          </a:p>
+        </p:txBody>
+      </p:sp>
+      <p:sp>
+        <p:nvSpPr>
+          <p:cNvPr id="131" name="CustomShape 2"/>
+          <p:cNvSpPr/>
+          <p:nvPr/>
+        </p:nvSpPr>
+        <p:spPr>
+          <a:xfrm>
+            <a:off x="720000" y="2160000"/>
+            <a:ext cx="8638920" cy="4383720"/>
+          </a:xfrm>
+          <a:prstGeom prst="rect">
+            <a:avLst/>
+          </a:prstGeom>
+          <a:noFill/>
+          <a:ln>
+            <a:noFill/>
+          </a:ln>
+        </p:spPr>
+        <p:style>
+          <a:lnRef idx="0"/>
+          <a:fillRef idx="0"/>
+          <a:effectRef idx="0"/>
+          <a:fontRef idx="minor"/>
+        </p:style>
+        <p:txBody>
+          <a:bodyPr lIns="0" rIns="0" tIns="0" bIns="0"/>
+          <a:p>
+            <a:pPr>
+              <a:lnSpc>
+                <a:spcPct val="100000"/>
+              </a:lnSpc>
+              <a:spcAft>
+                <a:spcPts val="1414"/>
+              </a:spcAft>
+            </a:pPr>
+            <a:endParaRPr b="0" lang="de-DE" sz="1800" spc="-1" strike="noStrike">
+              <a:latin typeface="Arial"/>
+            </a:endParaRPr>
+          </a:p>
+          <a:p>
+            <a:pPr>
+              <a:lnSpc>
+                <a:spcPct val="100000"/>
+              </a:lnSpc>
+              <a:spcAft>
+                <a:spcPts val="1414"/>
+              </a:spcAft>
+            </a:pPr>
+            <a:endParaRPr b="0" lang="de-DE" sz="1800" spc="-1" strike="noStrike">
+              <a:latin typeface="Arial"/>
+            </a:endParaRPr>
+          </a:p>
+          <a:p>
+            <a:pPr algn="ctr">
+              <a:lnSpc>
+                <a:spcPct val="100000"/>
+              </a:lnSpc>
+              <a:spcAft>
+                <a:spcPts val="1414"/>
+              </a:spcAft>
+            </a:pPr>
+            <a:r>
+              <a:rPr b="1" lang="de-DE" sz="8000" spc="-1" strike="noStrike">
+                <a:solidFill>
+                  <a:srgbClr val="333333"/>
+                </a:solidFill>
+                <a:latin typeface="Noto Sans Regular"/>
+                <a:ea typeface="DejaVu Sans"/>
+              </a:rPr>
+              <a:t>Q &amp; A</a:t>
+            </a:r>
+            <a:r>
+              <a:rPr b="0" lang="de-DE" sz="2800" spc="-1" strike="noStrike">
+                <a:solidFill>
+                  <a:srgbClr val="333333"/>
+                </a:solidFill>
+                <a:latin typeface="Noto Sans Regular"/>
+                <a:ea typeface="DejaVu Sans"/>
+              </a:rPr>
+              <a:t> </a:t>
+            </a:r>
+            <a:endParaRPr b="0" lang="de-DE" sz="2800" spc="-1" strike="noStrike">
+              <a:latin typeface="Arial"/>
+            </a:endParaRPr>
+          </a:p>
+          <a:p>
+            <a:pPr>
+              <a:lnSpc>
+                <a:spcPct val="100000"/>
+              </a:lnSpc>
+            </a:pPr>
+            <a:endParaRPr b="0" lang="de-DE" sz="2800" spc="-1" strike="noStrike">
+              <a:latin typeface="Arial"/>
+            </a:endParaRPr>
+          </a:p>
+        </p:txBody>
+      </p:sp>
+    </p:spTree>
+  </p:cSld>
+  <p:timing>
+    <p:tnLst>
+      <p:par>
+        <p:cTn id="53" dur="indefinite" restart="never" nodeType="tmRoot">
+          <p:childTnLst>
+            <p:seq>
+              <p:cTn id="54" dur="indefinite" nodeType="mainSeq"/>
               <p:prevCondLst>
                 <p:cond delay="0" evt="onPrev">
                   <p:tgtEl>
@@ -7674,7 +9162,7 @@
         <p:spPr>
           <a:xfrm>
             <a:off x="720000" y="300960"/>
-            <a:ext cx="8854920" cy="1261800"/>
+            <a:ext cx="8854560" cy="1261440"/>
           </a:xfrm>
           <a:prstGeom prst="rect">
             <a:avLst/>
@@ -7718,7 +9206,7 @@
         <p:spPr>
           <a:xfrm>
             <a:off x="720000" y="2160000"/>
-            <a:ext cx="8639280" cy="4384080"/>
+            <a:ext cx="8638920" cy="4383720"/>
           </a:xfrm>
           <a:prstGeom prst="rect">
             <a:avLst/>
@@ -7737,7 +9225,7 @@
         <p:txBody>
           <a:bodyPr lIns="0" rIns="0" tIns="0" bIns="0"/>
           <a:p>
-            <a:pPr marL="432000" indent="-323280">
+            <a:pPr marL="432000" indent="-322920">
               <a:lnSpc>
                 <a:spcPct val="100000"/>
               </a:lnSpc>
@@ -7766,7 +9254,7 @@
             </a:endParaRPr>
           </a:p>
           <a:p>
-            <a:pPr lvl="1" marL="864000" indent="-323280">
+            <a:pPr lvl="1" marL="864000" indent="-322920">
               <a:lnSpc>
                 <a:spcPct val="100000"/>
               </a:lnSpc>
@@ -7795,7 +9283,7 @@
             </a:endParaRPr>
           </a:p>
           <a:p>
-            <a:pPr lvl="1" marL="864000" indent="-323280">
+            <a:pPr lvl="1" marL="864000" indent="-322920">
               <a:lnSpc>
                 <a:spcPct val="100000"/>
               </a:lnSpc>
@@ -7824,7 +9312,7 @@
             </a:endParaRPr>
           </a:p>
           <a:p>
-            <a:pPr lvl="1" marL="864000" indent="-323280">
+            <a:pPr lvl="1" marL="864000" indent="-322920">
               <a:lnSpc>
                 <a:spcPct val="100000"/>
               </a:lnSpc>
@@ -7853,7 +9341,7 @@
             </a:endParaRPr>
           </a:p>
           <a:p>
-            <a:pPr lvl="1" marL="864000" indent="-323280">
+            <a:pPr lvl="1" marL="864000" indent="-322920">
               <a:lnSpc>
                 <a:spcPct val="100000"/>
               </a:lnSpc>
@@ -7882,7 +9370,7 @@
             </a:endParaRPr>
           </a:p>
           <a:p>
-            <a:pPr marL="432000" indent="-323280">
+            <a:pPr marL="432000" indent="-322920">
               <a:lnSpc>
                 <a:spcPct val="100000"/>
               </a:lnSpc>
@@ -7970,7 +9458,7 @@
         <p:spPr>
           <a:xfrm>
             <a:off x="720000" y="300960"/>
-            <a:ext cx="8854920" cy="1261800"/>
+            <a:ext cx="8854560" cy="1261440"/>
           </a:xfrm>
           <a:prstGeom prst="rect">
             <a:avLst/>
@@ -8014,7 +9502,7 @@
         <p:spPr>
           <a:xfrm>
             <a:off x="720000" y="2160000"/>
-            <a:ext cx="8639280" cy="4384080"/>
+            <a:ext cx="8638920" cy="4383720"/>
           </a:xfrm>
           <a:prstGeom prst="rect">
             <a:avLst/>
@@ -8033,7 +9521,7 @@
         <p:txBody>
           <a:bodyPr lIns="0" rIns="0" tIns="0" bIns="0"/>
           <a:p>
-            <a:pPr marL="432000" indent="-323280">
+            <a:pPr marL="432000" indent="-322920">
               <a:lnSpc>
                 <a:spcPct val="100000"/>
               </a:lnSpc>
@@ -8052,7 +9540,7 @@
                 <a:solidFill>
                   <a:srgbClr val="333333"/>
                 </a:solidFill>
-                <a:latin typeface="Noto Sans Regular"/>
+                <a:latin typeface="Courier New"/>
                 <a:ea typeface="DejaVu Sans"/>
               </a:rPr>
               <a:t>scala.math.Ordering[T]</a:t>
@@ -8062,7 +9550,7 @@
             </a:endParaRPr>
           </a:p>
           <a:p>
-            <a:pPr marL="432000" indent="-323280">
+            <a:pPr marL="432000" indent="-322920">
               <a:lnSpc>
                 <a:spcPct val="100000"/>
               </a:lnSpc>
@@ -8081,7 +9569,7 @@
                 <a:solidFill>
                   <a:srgbClr val="333333"/>
                 </a:solidFill>
-                <a:latin typeface="Noto Sans Regular"/>
+                <a:latin typeface="Courier New"/>
                 <a:ea typeface="DejaVu Sans"/>
               </a:rPr>
               <a:t>scala.math.Numeric[T]</a:t>
@@ -8091,7 +9579,7 @@
             </a:endParaRPr>
           </a:p>
           <a:p>
-            <a:pPr marL="432000" indent="-323280">
+            <a:pPr marL="432000" indent="-322920">
               <a:lnSpc>
                 <a:spcPct val="100000"/>
               </a:lnSpc>
@@ -8120,7 +9608,7 @@
             </a:endParaRPr>
           </a:p>
           <a:p>
-            <a:pPr marL="432000" indent="-323280">
+            <a:pPr marL="432000" indent="-322920">
               <a:lnSpc>
                 <a:spcPct val="100000"/>
               </a:lnSpc>
@@ -8139,17 +9627,17 @@
                 <a:solidFill>
                   <a:srgbClr val="333333"/>
                 </a:solidFill>
-                <a:latin typeface="Noto Sans Regular"/>
-                <a:ea typeface="DejaVu Sans"/>
-              </a:rPr>
-              <a:t>cats.{Monoid, Functor, Monad …}</a:t>
+                <a:latin typeface="Courier New"/>
+                <a:ea typeface="DejaVu Sans"/>
+              </a:rPr>
+              <a:t>cats.{Show, Monoid, Functor, Monad …}</a:t>
             </a:r>
             <a:endParaRPr b="0" lang="de-DE" sz="2800" spc="-1" strike="noStrike">
               <a:latin typeface="Arial"/>
             </a:endParaRPr>
           </a:p>
           <a:p>
-            <a:pPr marL="432000" indent="-323280">
+            <a:pPr marL="432000" indent="-322920">
               <a:lnSpc>
                 <a:spcPct val="100000"/>
               </a:lnSpc>
@@ -8237,7 +9725,7 @@
         <p:spPr>
           <a:xfrm>
             <a:off x="720000" y="300960"/>
-            <a:ext cx="8854920" cy="1261800"/>
+            <a:ext cx="8854560" cy="1261440"/>
           </a:xfrm>
           <a:prstGeom prst="rect">
             <a:avLst/>
@@ -8281,7 +9769,7 @@
         <p:spPr>
           <a:xfrm>
             <a:off x="720000" y="2160000"/>
-            <a:ext cx="8639280" cy="4384080"/>
+            <a:ext cx="8638920" cy="4383720"/>
           </a:xfrm>
           <a:prstGeom prst="rect">
             <a:avLst/>
@@ -8300,7 +9788,7 @@
         <p:txBody>
           <a:bodyPr lIns="0" rIns="0" tIns="0" bIns="0"/>
           <a:p>
-            <a:pPr marL="432000" indent="-323280">
+            <a:pPr marL="432000" indent="-322920">
               <a:lnSpc>
                 <a:spcPct val="100000"/>
               </a:lnSpc>
@@ -8350,7 +9838,7 @@
             </a:endParaRPr>
           </a:p>
           <a:p>
-            <a:pPr marL="432000" indent="-323280">
+            <a:pPr marL="432000" indent="-322920">
               <a:lnSpc>
                 <a:spcPct val="100000"/>
               </a:lnSpc>
@@ -8414,24 +9902,14 @@
                 <a:latin typeface="Courier New"/>
                 <a:ea typeface="DejaVu Sans"/>
               </a:rPr>
-              <a:t>implicit val catPrintable Printable[Cat] = </a:t>
-            </a:r>
-            <a:r>
-              <a:rPr b="0" lang="de-DE" sz="1800" spc="-1" strike="noStrike">
-                <a:solidFill>
-                  <a:srgbClr val="333333"/>
-                </a:solidFill>
-                <a:latin typeface="Courier New"/>
-                <a:ea typeface="DejaVu Sans"/>
-              </a:rPr>
-              <a:t>…</a:t>
+              <a:t>implicit val catPrintable Printable[Cat] = …</a:t>
             </a:r>
             <a:endParaRPr b="0" lang="de-DE" sz="1800" spc="-1" strike="noStrike">
               <a:latin typeface="Arial"/>
             </a:endParaRPr>
           </a:p>
           <a:p>
-            <a:pPr marL="432000" indent="-323280">
+            <a:pPr marL="432000" indent="-322920">
               <a:lnSpc>
                 <a:spcPct val="100000"/>
               </a:lnSpc>
@@ -8540,7 +10018,7 @@
         <p:spPr>
           <a:xfrm>
             <a:off x="720000" y="300960"/>
-            <a:ext cx="8854920" cy="1261800"/>
+            <a:ext cx="8854560" cy="1261440"/>
           </a:xfrm>
           <a:prstGeom prst="rect">
             <a:avLst/>
@@ -8584,7 +10062,7 @@
         <p:spPr>
           <a:xfrm>
             <a:off x="720000" y="2160000"/>
-            <a:ext cx="8639280" cy="4384080"/>
+            <a:ext cx="8638920" cy="4383720"/>
           </a:xfrm>
           <a:prstGeom prst="rect">
             <a:avLst/>
@@ -8767,7 +10245,7 @@
         <p:spPr>
           <a:xfrm>
             <a:off x="720000" y="300960"/>
-            <a:ext cx="8854920" cy="1261800"/>
+            <a:ext cx="8854560" cy="1261440"/>
           </a:xfrm>
           <a:prstGeom prst="rect">
             <a:avLst/>
@@ -8811,7 +10289,7 @@
         <p:spPr>
           <a:xfrm>
             <a:off x="720000" y="2160000"/>
-            <a:ext cx="8639280" cy="4384080"/>
+            <a:ext cx="8638920" cy="4383720"/>
           </a:xfrm>
           <a:prstGeom prst="rect">
             <a:avLst/>
@@ -9122,7 +10600,7 @@
         <p:spPr>
           <a:xfrm>
             <a:off x="720000" y="300960"/>
-            <a:ext cx="8854920" cy="1261800"/>
+            <a:ext cx="8854560" cy="1261440"/>
           </a:xfrm>
           <a:prstGeom prst="rect">
             <a:avLst/>
@@ -9166,7 +10644,7 @@
         <p:spPr>
           <a:xfrm>
             <a:off x="720000" y="2160000"/>
-            <a:ext cx="8639280" cy="4384080"/>
+            <a:ext cx="8638920" cy="4383720"/>
           </a:xfrm>
           <a:prstGeom prst="rect">
             <a:avLst/>
@@ -9393,7 +10871,7 @@
         <p:spPr>
           <a:xfrm>
             <a:off x="720000" y="300960"/>
-            <a:ext cx="8854920" cy="1261800"/>
+            <a:ext cx="8854560" cy="1261440"/>
           </a:xfrm>
           <a:prstGeom prst="rect">
             <a:avLst/>
@@ -9437,7 +10915,7 @@
         <p:spPr>
           <a:xfrm>
             <a:off x="720000" y="1800000"/>
-            <a:ext cx="8639280" cy="5328000"/>
+            <a:ext cx="8638920" cy="5327640"/>
           </a:xfrm>
           <a:prstGeom prst="rect">
             <a:avLst/>

--- a/Slides/TypeClasses.pptx
+++ b/Slides/TypeClasses.pptx
@@ -2729,7 +2729,7 @@
         <p:spPr>
           <a:xfrm>
             <a:off x="0" y="4320000"/>
-            <a:ext cx="502920" cy="1078920"/>
+            <a:ext cx="502560" cy="1078560"/>
           </a:xfrm>
           <a:prstGeom prst="rect">
             <a:avLst/>
@@ -3008,7 +3008,7 @@
         <p:spPr>
           <a:xfrm>
             <a:off x="0" y="288000"/>
-            <a:ext cx="502920" cy="1078920"/>
+            <a:ext cx="502560" cy="1078560"/>
           </a:xfrm>
           <a:prstGeom prst="rect">
             <a:avLst/>
@@ -3287,7 +3287,7 @@
         <p:spPr>
           <a:xfrm>
             <a:off x="792000" y="3885480"/>
-            <a:ext cx="8566920" cy="1660320"/>
+            <a:ext cx="8566560" cy="1659960"/>
           </a:xfrm>
           <a:prstGeom prst="rect">
             <a:avLst/>
@@ -3344,7 +3344,7 @@
         <p:spPr>
           <a:xfrm>
             <a:off x="792000" y="5904000"/>
-            <a:ext cx="8566920" cy="981360"/>
+            <a:ext cx="8566560" cy="981000"/>
           </a:xfrm>
           <a:prstGeom prst="rect">
             <a:avLst/>
@@ -3452,7 +3452,7 @@
         <p:spPr>
           <a:xfrm>
             <a:off x="720000" y="300960"/>
-            <a:ext cx="8854560" cy="1261440"/>
+            <a:ext cx="8854200" cy="1261080"/>
           </a:xfrm>
           <a:prstGeom prst="rect">
             <a:avLst/>
@@ -3496,7 +3496,7 @@
         <p:spPr>
           <a:xfrm>
             <a:off x="720000" y="2160000"/>
-            <a:ext cx="8638920" cy="4383720"/>
+            <a:ext cx="8638560" cy="4383360"/>
           </a:xfrm>
           <a:prstGeom prst="rect">
             <a:avLst/>
@@ -3854,7 +3854,7 @@
         <p:spPr>
           <a:xfrm>
             <a:off x="720000" y="300960"/>
-            <a:ext cx="8854560" cy="1261440"/>
+            <a:ext cx="8854200" cy="1261080"/>
           </a:xfrm>
           <a:prstGeom prst="rect">
             <a:avLst/>
@@ -3898,7 +3898,7 @@
         <p:spPr>
           <a:xfrm>
             <a:off x="720000" y="2160000"/>
-            <a:ext cx="8638920" cy="4383720"/>
+            <a:ext cx="8638560" cy="4383360"/>
           </a:xfrm>
           <a:prstGeom prst="rect">
             <a:avLst/>
@@ -3917,7 +3917,7 @@
         <p:txBody>
           <a:bodyPr lIns="0" rIns="0" tIns="0" bIns="0"/>
           <a:p>
-            <a:pPr marL="432000" indent="-322920">
+            <a:pPr marL="432000" indent="-322560">
               <a:lnSpc>
                 <a:spcPct val="100000"/>
               </a:lnSpc>
@@ -3946,7 +3946,7 @@
             </a:endParaRPr>
           </a:p>
           <a:p>
-            <a:pPr marL="432000" indent="-322920">
+            <a:pPr marL="432000" indent="-322560">
               <a:lnSpc>
                 <a:spcPct val="100000"/>
               </a:lnSpc>
@@ -4034,7 +4034,7 @@
         <p:spPr>
           <a:xfrm>
             <a:off x="720000" y="300960"/>
-            <a:ext cx="8854560" cy="1261440"/>
+            <a:ext cx="8854200" cy="1261080"/>
           </a:xfrm>
           <a:prstGeom prst="rect">
             <a:avLst/>
@@ -4078,7 +4078,7 @@
         <p:spPr>
           <a:xfrm>
             <a:off x="720000" y="2160000"/>
-            <a:ext cx="8638920" cy="4383720"/>
+            <a:ext cx="8638560" cy="4383360"/>
           </a:xfrm>
           <a:prstGeom prst="rect">
             <a:avLst/>
@@ -4097,7 +4097,7 @@
         <p:txBody>
           <a:bodyPr lIns="0" rIns="0" tIns="0" bIns="0"/>
           <a:p>
-            <a:pPr marL="432000" indent="-322920">
+            <a:pPr marL="432000" indent="-322560">
               <a:lnSpc>
                 <a:spcPct val="100000"/>
               </a:lnSpc>
@@ -4355,7 +4355,7 @@
         <p:spPr>
           <a:xfrm>
             <a:off x="720000" y="300960"/>
-            <a:ext cx="8854560" cy="1261440"/>
+            <a:ext cx="8854200" cy="1261080"/>
           </a:xfrm>
           <a:prstGeom prst="rect">
             <a:avLst/>
@@ -4399,7 +4399,7 @@
         <p:spPr>
           <a:xfrm>
             <a:off x="720000" y="2160000"/>
-            <a:ext cx="8638920" cy="4383720"/>
+            <a:ext cx="8638560" cy="4383360"/>
           </a:xfrm>
           <a:prstGeom prst="rect">
             <a:avLst/>
@@ -4418,7 +4418,7 @@
         <p:txBody>
           <a:bodyPr lIns="0" rIns="0" tIns="0" bIns="0"/>
           <a:p>
-            <a:pPr marL="432000" indent="-322920">
+            <a:pPr marL="432000" indent="-322560">
               <a:lnSpc>
                 <a:spcPct val="100000"/>
               </a:lnSpc>
@@ -4685,7 +4685,7 @@
         <p:spPr>
           <a:xfrm>
             <a:off x="720000" y="300960"/>
-            <a:ext cx="8854560" cy="1261440"/>
+            <a:ext cx="8854200" cy="1261080"/>
           </a:xfrm>
           <a:prstGeom prst="rect">
             <a:avLst/>
@@ -4729,7 +4729,7 @@
         <p:spPr>
           <a:xfrm>
             <a:off x="720000" y="2160000"/>
-            <a:ext cx="8638920" cy="4383720"/>
+            <a:ext cx="8638560" cy="4383360"/>
           </a:xfrm>
           <a:prstGeom prst="rect">
             <a:avLst/>
@@ -4748,7 +4748,7 @@
         <p:txBody>
           <a:bodyPr lIns="0" rIns="0" tIns="0" bIns="0"/>
           <a:p>
-            <a:pPr marL="432000" indent="-322920">
+            <a:pPr marL="432000" indent="-322560">
               <a:lnSpc>
                 <a:spcPct val="100000"/>
               </a:lnSpc>
@@ -4837,7 +4837,7 @@
             </a:endParaRPr>
           </a:p>
           <a:p>
-            <a:pPr marL="432000" indent="-322920">
+            <a:pPr marL="432000" indent="-322560">
               <a:lnSpc>
                 <a:spcPct val="100000"/>
               </a:lnSpc>
@@ -5025,7 +5025,7 @@
         <p:spPr>
           <a:xfrm>
             <a:off x="720000" y="300960"/>
-            <a:ext cx="8854560" cy="1261440"/>
+            <a:ext cx="8854200" cy="1261080"/>
           </a:xfrm>
           <a:prstGeom prst="rect">
             <a:avLst/>
@@ -5069,7 +5069,7 @@
         <p:spPr>
           <a:xfrm>
             <a:off x="720000" y="2160000"/>
-            <a:ext cx="8638920" cy="4383720"/>
+            <a:ext cx="8638560" cy="4383360"/>
           </a:xfrm>
           <a:prstGeom prst="rect">
             <a:avLst/>
@@ -5101,7 +5101,7 @@
             </a:endParaRPr>
           </a:p>
           <a:p>
-            <a:pPr marL="432000" indent="-322920">
+            <a:pPr marL="432000" indent="-322560">
               <a:lnSpc>
                 <a:spcPct val="100000"/>
               </a:lnSpc>
@@ -5170,7 +5170,7 @@
             </a:endParaRPr>
           </a:p>
           <a:p>
-            <a:pPr marL="432000" indent="-322920">
+            <a:pPr marL="432000" indent="-322560">
               <a:lnSpc>
                 <a:spcPct val="100000"/>
               </a:lnSpc>
@@ -5199,7 +5199,7 @@
             </a:endParaRPr>
           </a:p>
           <a:p>
-            <a:pPr marL="432000" indent="-322920">
+            <a:pPr marL="432000" indent="-322560">
               <a:lnSpc>
                 <a:spcPct val="100000"/>
               </a:lnSpc>
@@ -5287,7 +5287,7 @@
         <p:spPr>
           <a:xfrm>
             <a:off x="720000" y="300960"/>
-            <a:ext cx="8854560" cy="1261440"/>
+            <a:ext cx="8854200" cy="1261080"/>
           </a:xfrm>
           <a:prstGeom prst="rect">
             <a:avLst/>
@@ -5317,7 +5317,7 @@
               <a:t>Type class cats.Show</a:t>
             </a:r>
             <a:endParaRPr b="0" lang="de-DE" sz="4000" spc="-1" strike="noStrike">
-              <a:latin typeface="Times New Roman"/>
+              <a:latin typeface="Arial"/>
             </a:endParaRPr>
           </a:p>
         </p:txBody>
@@ -5331,7 +5331,7 @@
         <p:spPr>
           <a:xfrm>
             <a:off x="720000" y="2160000"/>
-            <a:ext cx="8638920" cy="4383720"/>
+            <a:ext cx="8638560" cy="4383360"/>
           </a:xfrm>
           <a:prstGeom prst="rect">
             <a:avLst/>
@@ -5363,12 +5363,12 @@
                 <a:spcPts val="1414"/>
               </a:spcAft>
             </a:pPr>
-            <a:endParaRPr b="0" lang="de-DE" sz="2400" spc="-1" strike="noStrike">
-              <a:latin typeface="Times New Roman"/>
-            </a:endParaRPr>
-          </a:p>
-          <a:p>
-            <a:pPr marL="432000" indent="-322920">
+            <a:endParaRPr b="0" lang="de-DE" sz="1800" spc="-1" strike="noStrike">
+              <a:latin typeface="Arial"/>
+            </a:endParaRPr>
+          </a:p>
+          <a:p>
+            <a:pPr marL="432000" indent="-322560">
               <a:lnSpc>
                 <a:spcPct val="100000"/>
               </a:lnSpc>
@@ -5413,11 +5413,14 @@
               <a:t> type class</a:t>
             </a:r>
             <a:endParaRPr b="0" lang="de-DE" sz="2800" spc="-1" strike="noStrike">
-              <a:latin typeface="Times New Roman"/>
-            </a:endParaRPr>
-          </a:p>
-          <a:p>
-            <a:pPr marL="432000" indent="-322920">
+              <a:latin typeface="Arial"/>
+            </a:endParaRPr>
+          </a:p>
+          <a:p>
+            <a:pPr marL="432000" indent="-322560">
+              <a:lnSpc>
+                <a:spcPct val="100000"/>
+              </a:lnSpc>
               <a:spcAft>
                 <a:spcPts val="1414"/>
               </a:spcAft>
@@ -5449,7 +5452,7 @@
               <a:t>cats.Show</a:t>
             </a:r>
             <a:endParaRPr b="0" lang="de-DE" sz="2800" spc="-1" strike="noStrike">
-              <a:latin typeface="Times New Roman"/>
+              <a:latin typeface="Arial"/>
             </a:endParaRPr>
           </a:p>
         </p:txBody>
@@ -5512,7 +5515,7 @@
         <p:spPr>
           <a:xfrm>
             <a:off x="720000" y="300960"/>
-            <a:ext cx="8854560" cy="1261440"/>
+            <a:ext cx="8854200" cy="1261080"/>
           </a:xfrm>
           <a:prstGeom prst="rect">
             <a:avLst/>
@@ -5542,7 +5545,7 @@
               <a:t>Type classes in Cats</a:t>
             </a:r>
             <a:endParaRPr b="0" lang="de-DE" sz="4000" spc="-1" strike="noStrike">
-              <a:latin typeface="Times New Roman"/>
+              <a:latin typeface="Arial"/>
             </a:endParaRPr>
           </a:p>
         </p:txBody>
@@ -5556,7 +5559,7 @@
         <p:spPr>
           <a:xfrm>
             <a:off x="720000" y="2160000"/>
-            <a:ext cx="8638920" cy="4383720"/>
+            <a:ext cx="8638560" cy="4383360"/>
           </a:xfrm>
           <a:prstGeom prst="rect">
             <a:avLst/>
@@ -5575,7 +5578,20 @@
         <p:txBody>
           <a:bodyPr lIns="0" rIns="0" tIns="0" bIns="0"/>
           <a:p>
-            <a:pPr marL="216000" indent="-216000">
+            <a:pPr>
+              <a:lnSpc>
+                <a:spcPct val="100000"/>
+              </a:lnSpc>
+            </a:pPr>
+            <a:endParaRPr b="0" lang="de-DE" sz="1800" spc="-1" strike="noStrike">
+              <a:latin typeface="Arial"/>
+            </a:endParaRPr>
+          </a:p>
+          <a:p>
+            <a:pPr marL="216000" indent="-215640">
+              <a:lnSpc>
+                <a:spcPct val="100000"/>
+              </a:lnSpc>
               <a:buClr>
                 <a:srgbClr val="000000"/>
               </a:buClr>
@@ -5583,12 +5599,25 @@
               <a:buFont typeface="Wingdings" charset="2"/>
               <a:buChar char=""/>
             </a:pPr>
-            <a:endParaRPr b="0" lang="de-DE" sz="1800" spc="-1" strike="noStrike">
-              <a:latin typeface="Arial"/>
-            </a:endParaRPr>
-          </a:p>
-          <a:p>
-            <a:pPr marL="216000" indent="-216000">
+            <a:r>
+              <a:rPr b="0" lang="de-DE" sz="2800" spc="-1" strike="noStrike">
+                <a:solidFill>
+                  <a:srgbClr val="333333"/>
+                </a:solidFill>
+                <a:latin typeface="Noto Sans Regular"/>
+                <a:ea typeface="DejaVu Sans"/>
+              </a:rPr>
+              <a:t> </a:t>
+            </a:r>
+            <a:endParaRPr b="0" lang="de-DE" sz="2800" spc="-1" strike="noStrike">
+              <a:latin typeface="Arial"/>
+            </a:endParaRPr>
+          </a:p>
+          <a:p>
+            <a:pPr marL="216000" indent="-215640">
+              <a:lnSpc>
+                <a:spcPct val="100000"/>
+              </a:lnSpc>
               <a:buClr>
                 <a:srgbClr val="000000"/>
               </a:buClr>
@@ -5604,137 +5633,37 @@
                 <a:latin typeface="Noto Sans Regular"/>
                 <a:ea typeface="DejaVu Sans"/>
               </a:rPr>
-              <a:t> </a:t>
+              <a:t>Cats provides most of its core functionality as type classes: </a:t>
+            </a:r>
+            <a:r>
+              <a:rPr b="0" lang="de-DE" sz="2800" spc="-1" strike="noStrike">
+                <a:solidFill>
+                  <a:srgbClr val="333333"/>
+                </a:solidFill>
+                <a:latin typeface="Courier New"/>
+                <a:ea typeface="DejaVu Sans"/>
+              </a:rPr>
+              <a:t>cats.{Show, Eq, Monoid, Functor, Monad, Applicative, Foldable}</a:t>
+            </a:r>
+            <a:r>
+              <a:rPr b="0" lang="de-DE" sz="2800" spc="-1" strike="noStrike">
+                <a:solidFill>
+                  <a:srgbClr val="333333"/>
+                </a:solidFill>
+                <a:latin typeface="Noto Sans Regular"/>
+                <a:ea typeface="DejaVu Sans"/>
+              </a:rPr>
+              <a:t> and many more.</a:t>
             </a:r>
             <a:endParaRPr b="0" lang="de-DE" sz="2800" spc="-1" strike="noStrike">
               <a:latin typeface="Arial"/>
             </a:endParaRPr>
           </a:p>
           <a:p>
-            <a:pPr marL="216000" indent="-216000">
-              <a:buClr>
-                <a:srgbClr val="000000"/>
-              </a:buClr>
-              <a:buSzPct val="45000"/>
-              <a:buFont typeface="Wingdings" charset="2"/>
-              <a:buChar char=""/>
-            </a:pPr>
-            <a:r>
-              <a:rPr b="0" lang="de-DE" sz="2800" spc="-1" strike="noStrike">
-                <a:solidFill>
-                  <a:srgbClr val="333333"/>
-                </a:solidFill>
-                <a:latin typeface="Noto Sans Regular"/>
-                <a:ea typeface="DejaVu Sans"/>
-              </a:rPr>
-              <a:t>Cats provides most of its core functionality as type classes: </a:t>
-            </a:r>
-            <a:r>
-              <a:rPr b="0" lang="de-DE" sz="2800" spc="-1" strike="noStrike">
-                <a:solidFill>
-                  <a:srgbClr val="333333"/>
-                </a:solidFill>
-                <a:latin typeface="Courier New"/>
-                <a:ea typeface="DejaVu Sans"/>
-              </a:rPr>
-              <a:t>cats.{Show, Eq, Monoid</a:t>
-            </a:r>
-            <a:r>
-              <a:rPr b="0" lang="de-DE" sz="2800" spc="-1" strike="noStrike">
-                <a:solidFill>
-                  <a:srgbClr val="333333"/>
-                </a:solidFill>
-                <a:latin typeface="Courier New"/>
-                <a:ea typeface="DejaVu Sans"/>
-              </a:rPr>
-              <a:t>, </a:t>
-            </a:r>
-            <a:r>
-              <a:rPr b="0" lang="de-DE" sz="2800" spc="-1" strike="noStrike">
-                <a:solidFill>
-                  <a:srgbClr val="333333"/>
-                </a:solidFill>
-                <a:latin typeface="Courier New"/>
-                <a:ea typeface="DejaVu Sans"/>
-              </a:rPr>
-              <a:t>Functor</a:t>
-            </a:r>
-            <a:r>
-              <a:rPr b="0" lang="de-DE" sz="2800" spc="-1" strike="noStrike">
-                <a:solidFill>
-                  <a:srgbClr val="333333"/>
-                </a:solidFill>
-                <a:latin typeface="Courier New"/>
-                <a:ea typeface="DejaVu Sans"/>
-              </a:rPr>
-              <a:t>, </a:t>
-            </a:r>
-            <a:r>
-              <a:rPr b="0" lang="de-DE" sz="2800" spc="-1" strike="noStrike">
-                <a:solidFill>
-                  <a:srgbClr val="333333"/>
-                </a:solidFill>
-                <a:latin typeface="Courier New"/>
-                <a:ea typeface="DejaVu Sans"/>
-              </a:rPr>
-              <a:t>Monad</a:t>
-            </a:r>
-            <a:r>
-              <a:rPr b="0" lang="de-DE" sz="2800" spc="-1" strike="noStrike">
-                <a:solidFill>
-                  <a:srgbClr val="333333"/>
-                </a:solidFill>
-                <a:latin typeface="Courier New"/>
-                <a:ea typeface="DejaVu Sans"/>
-              </a:rPr>
-              <a:t>, </a:t>
-            </a:r>
-            <a:r>
-              <a:rPr b="0" lang="de-DE" sz="2800" spc="-1" strike="noStrike">
-                <a:solidFill>
-                  <a:srgbClr val="333333"/>
-                </a:solidFill>
-                <a:latin typeface="Courier New"/>
-                <a:ea typeface="DejaVu Sans"/>
-              </a:rPr>
-              <a:t>Applicative</a:t>
-            </a:r>
-            <a:r>
-              <a:rPr b="0" lang="de-DE" sz="2800" spc="-1" strike="noStrike">
-                <a:solidFill>
-                  <a:srgbClr val="333333"/>
-                </a:solidFill>
-                <a:latin typeface="Courier New"/>
-                <a:ea typeface="DejaVu Sans"/>
-              </a:rPr>
-              <a:t>, </a:t>
-            </a:r>
-            <a:r>
-              <a:rPr b="0" lang="de-DE" sz="2800" spc="-1" strike="noStrike">
-                <a:solidFill>
-                  <a:srgbClr val="333333"/>
-                </a:solidFill>
-                <a:latin typeface="Courier New"/>
-                <a:ea typeface="DejaVu Sans"/>
-              </a:rPr>
-              <a:t>Foldable}</a:t>
-            </a:r>
-            <a:r>
-              <a:rPr b="0" lang="de-DE" sz="2800" spc="-1" strike="noStrike">
-                <a:solidFill>
-                  <a:srgbClr val="333333"/>
-                </a:solidFill>
-                <a:latin typeface="Noto Sans Regular"/>
-                <a:ea typeface="DejaVu Sans"/>
-              </a:rPr>
-              <a:t> and many more.</a:t>
-            </a:r>
-            <a:endParaRPr b="0" lang="de-DE" sz="2800" spc="-1" strike="noStrike">
-              <a:latin typeface="Arial"/>
-            </a:endParaRPr>
-          </a:p>
-          <a:p>
-            <a:pPr marL="432000" indent="-322920">
+            <a:pPr marL="432000" indent="-322560">
+              <a:lnSpc>
+                <a:spcPct val="100000"/>
+              </a:lnSpc>
               <a:spcAft>
                 <a:spcPts val="1414"/>
               </a:spcAft>
@@ -5756,11 +5685,14 @@
               <a:t>Cats provides most of its core functionality as type classes: </a:t>
             </a:r>
             <a:endParaRPr b="0" lang="de-DE" sz="2800" spc="-1" strike="noStrike">
-              <a:latin typeface="Times New Roman"/>
-            </a:endParaRPr>
-          </a:p>
-          <a:p>
-            <a:pPr marL="432000" indent="-322920">
+              <a:latin typeface="Arial"/>
+            </a:endParaRPr>
+          </a:p>
+          <a:p>
+            <a:pPr marL="432000" indent="-322560">
+              <a:lnSpc>
+                <a:spcPct val="100000"/>
+              </a:lnSpc>
               <a:spcAft>
                 <a:spcPts val="1414"/>
               </a:spcAft>
@@ -5782,28 +5714,29 @@
               <a:t>See </a:t>
             </a:r>
             <a:r>
+              <a:rPr b="0" lang="de-DE" sz="2800" spc="-1" strike="noStrike" u="sng">
+                <a:solidFill>
+                  <a:srgbClr val="0000ff"/>
+                </a:solidFill>
+                <a:uFillTx/>
+                <a:latin typeface="Noto Sans Regular"/>
+                <a:ea typeface="DejaVu Sans"/>
+                <a:hlinkClick r:id="rId1"/>
+              </a:rPr>
+              <a:t>https://typelevel.org/cats/typeclasses.html</a:t>
+            </a:r>
+            <a:r>
               <a:rPr b="0" lang="de-DE" sz="2800" spc="-1" strike="noStrike">
                 <a:solidFill>
                   <a:srgbClr val="333333"/>
                 </a:solidFill>
                 <a:latin typeface="Noto Sans Regular"/>
                 <a:ea typeface="DejaVu Sans"/>
-                <a:hlinkClick r:id="rId1"/>
-              </a:rPr>
-              <a:t>https://typelevel.org/cats/typeclasses.html</a:t>
-            </a:r>
-            <a:r>
-              <a:rPr b="0" lang="de-DE" sz="2800" spc="-1" strike="noStrike">
-                <a:solidFill>
-                  <a:srgbClr val="333333"/>
-                </a:solidFill>
-                <a:latin typeface="Noto Sans Regular"/>
-                <a:ea typeface="DejaVu Sans"/>
               </a:rPr>
               <a:t> </a:t>
             </a:r>
             <a:endParaRPr b="0" lang="de-DE" sz="2800" spc="-1" strike="noStrike">
-              <a:latin typeface="Times New Roman"/>
+              <a:latin typeface="Arial"/>
             </a:endParaRPr>
           </a:p>
         </p:txBody>
@@ -5866,7 +5799,7 @@
         <p:spPr>
           <a:xfrm>
             <a:off x="720000" y="300960"/>
-            <a:ext cx="8854560" cy="1261440"/>
+            <a:ext cx="8854200" cy="1261080"/>
           </a:xfrm>
           <a:prstGeom prst="rect">
             <a:avLst/>
@@ -5910,7 +5843,7 @@
         <p:spPr>
           <a:xfrm>
             <a:off x="720000" y="2160000"/>
-            <a:ext cx="8638920" cy="4383720"/>
+            <a:ext cx="8638560" cy="4383360"/>
           </a:xfrm>
           <a:prstGeom prst="rect">
             <a:avLst/>
@@ -5929,7 +5862,7 @@
         <p:txBody>
           <a:bodyPr lIns="0" rIns="0" tIns="0" bIns="0"/>
           <a:p>
-            <a:pPr marL="432000" indent="-322920">
+            <a:pPr marL="432000" indent="-322560">
               <a:lnSpc>
                 <a:spcPct val="100000"/>
               </a:lnSpc>
@@ -5979,7 +5912,7 @@
             </a:endParaRPr>
           </a:p>
           <a:p>
-            <a:pPr marL="432000" indent="-322920">
+            <a:pPr marL="432000" indent="-322560">
               <a:lnSpc>
                 <a:spcPct val="100000"/>
               </a:lnSpc>
@@ -6040,7 +5973,7 @@
             </a:endParaRPr>
           </a:p>
           <a:p>
-            <a:pPr marL="432000" indent="-322920">
+            <a:pPr marL="432000" indent="-322560">
               <a:lnSpc>
                 <a:spcPct val="100000"/>
               </a:lnSpc>
@@ -6128,7 +6061,7 @@
         <p:spPr>
           <a:xfrm>
             <a:off x="720000" y="300960"/>
-            <a:ext cx="8854560" cy="1261440"/>
+            <a:ext cx="8854200" cy="1261080"/>
           </a:xfrm>
           <a:prstGeom prst="rect">
             <a:avLst/>
@@ -6172,7 +6105,7 @@
         <p:spPr>
           <a:xfrm>
             <a:off x="720000" y="2160000"/>
-            <a:ext cx="8638920" cy="4383720"/>
+            <a:ext cx="8638560" cy="4383360"/>
           </a:xfrm>
           <a:prstGeom prst="rect">
             <a:avLst/>
@@ -6431,7 +6364,7 @@
         <p:spPr>
           <a:xfrm>
             <a:off x="720000" y="300960"/>
-            <a:ext cx="8854560" cy="1261440"/>
+            <a:ext cx="8854200" cy="1261080"/>
           </a:xfrm>
           <a:prstGeom prst="rect">
             <a:avLst/>
@@ -6475,7 +6408,7 @@
         <p:spPr>
           <a:xfrm>
             <a:off x="720000" y="2160000"/>
-            <a:ext cx="8638920" cy="4383720"/>
+            <a:ext cx="8638560" cy="4383360"/>
           </a:xfrm>
           <a:prstGeom prst="rect">
             <a:avLst/>
@@ -6494,7 +6427,7 @@
         <p:txBody>
           <a:bodyPr lIns="0" rIns="0" tIns="0" bIns="0"/>
           <a:p>
-            <a:pPr marL="432000" indent="-322920">
+            <a:pPr marL="432000" indent="-322560">
               <a:lnSpc>
                 <a:spcPct val="100000"/>
               </a:lnSpc>
@@ -6523,7 +6456,7 @@
             </a:endParaRPr>
           </a:p>
           <a:p>
-            <a:pPr marL="432000" indent="-322920">
+            <a:pPr marL="432000" indent="-322560">
               <a:lnSpc>
                 <a:spcPct val="100000"/>
               </a:lnSpc>
@@ -6552,7 +6485,7 @@
             </a:endParaRPr>
           </a:p>
           <a:p>
-            <a:pPr marL="432000" indent="-322920">
+            <a:pPr marL="432000" indent="-322560">
               <a:lnSpc>
                 <a:spcPct val="100000"/>
               </a:lnSpc>
@@ -6591,7 +6524,7 @@
             </a:endParaRPr>
           </a:p>
           <a:p>
-            <a:pPr marL="432000" indent="-322920">
+            <a:pPr marL="432000" indent="-322560">
               <a:lnSpc>
                 <a:spcPct val="100000"/>
               </a:lnSpc>
@@ -6620,7 +6553,7 @@
             </a:endParaRPr>
           </a:p>
           <a:p>
-            <a:pPr marL="432000" indent="-322920">
+            <a:pPr marL="432000" indent="-322560">
               <a:lnSpc>
                 <a:spcPct val="100000"/>
               </a:lnSpc>
@@ -6649,7 +6582,7 @@
             </a:endParaRPr>
           </a:p>
           <a:p>
-            <a:pPr marL="432000" indent="-322920">
+            <a:pPr marL="432000" indent="-322560">
               <a:lnSpc>
                 <a:spcPct val="100000"/>
               </a:lnSpc>
@@ -6678,7 +6611,7 @@
             </a:endParaRPr>
           </a:p>
           <a:p>
-            <a:pPr marL="432000" indent="-322920">
+            <a:pPr marL="432000" indent="-322560">
               <a:lnSpc>
                 <a:spcPct val="100000"/>
               </a:lnSpc>
@@ -6766,7 +6699,7 @@
         <p:spPr>
           <a:xfrm>
             <a:off x="720000" y="300960"/>
-            <a:ext cx="8854560" cy="1261440"/>
+            <a:ext cx="8854200" cy="1261080"/>
           </a:xfrm>
           <a:prstGeom prst="rect">
             <a:avLst/>
@@ -6810,7 +6743,7 @@
         <p:spPr>
           <a:xfrm>
             <a:off x="720000" y="2160000"/>
-            <a:ext cx="8638920" cy="4383720"/>
+            <a:ext cx="8638560" cy="4383360"/>
           </a:xfrm>
           <a:prstGeom prst="rect">
             <a:avLst/>
@@ -7057,7 +6990,7 @@
         <p:spPr>
           <a:xfrm>
             <a:off x="720000" y="300960"/>
-            <a:ext cx="8854560" cy="1261440"/>
+            <a:ext cx="8854200" cy="1261080"/>
           </a:xfrm>
           <a:prstGeom prst="rect">
             <a:avLst/>
@@ -7101,7 +7034,7 @@
         <p:spPr>
           <a:xfrm>
             <a:off x="720000" y="2160000"/>
-            <a:ext cx="8638920" cy="4383720"/>
+            <a:ext cx="8638560" cy="4383360"/>
           </a:xfrm>
           <a:prstGeom prst="rect">
             <a:avLst/>
@@ -7424,7 +7357,7 @@
         <p:spPr>
           <a:xfrm>
             <a:off x="720000" y="240120"/>
-            <a:ext cx="8854560" cy="1383120"/>
+            <a:ext cx="8854200" cy="1382760"/>
           </a:xfrm>
           <a:prstGeom prst="rect">
             <a:avLst/>
@@ -7468,7 +7401,7 @@
         <p:spPr>
           <a:xfrm>
             <a:off x="720000" y="2160000"/>
-            <a:ext cx="8638920" cy="4383720"/>
+            <a:ext cx="8638560" cy="4383360"/>
           </a:xfrm>
           <a:prstGeom prst="rect">
             <a:avLst/>
@@ -7724,7 +7657,7 @@
         <p:spPr>
           <a:xfrm>
             <a:off x="720000" y="300960"/>
-            <a:ext cx="8854560" cy="1261440"/>
+            <a:ext cx="8854200" cy="1261080"/>
           </a:xfrm>
           <a:prstGeom prst="rect">
             <a:avLst/>
@@ -7754,7 +7687,7 @@
               <a:t>Type class Show</a:t>
             </a:r>
             <a:endParaRPr b="0" lang="de-DE" sz="4000" spc="-1" strike="noStrike">
-              <a:latin typeface="Times New Roman"/>
+              <a:latin typeface="Arial"/>
             </a:endParaRPr>
           </a:p>
         </p:txBody>
@@ -7768,7 +7701,7 @@
         <p:spPr>
           <a:xfrm>
             <a:off x="720000" y="2160000"/>
-            <a:ext cx="8638920" cy="4383720"/>
+            <a:ext cx="8638560" cy="4383360"/>
           </a:xfrm>
           <a:prstGeom prst="rect">
             <a:avLst/>
@@ -7788,7 +7721,7 @@
           <a:bodyPr lIns="0" rIns="0" tIns="0" bIns="0"/>
           <a:p>
             <a:endParaRPr b="0" lang="de-DE" sz="1800" spc="-1" strike="noStrike">
-              <a:latin typeface="Times New Roman"/>
+              <a:latin typeface="Arial"/>
             </a:endParaRPr>
           </a:p>
           <a:p>
@@ -7801,11 +7734,14 @@
               </a:spcAft>
             </a:pPr>
             <a:endParaRPr b="0" lang="de-DE" sz="1800" spc="-1" strike="noStrike">
-              <a:latin typeface="Times New Roman"/>
-            </a:endParaRPr>
-          </a:p>
-          <a:p>
-            <a:pPr marL="432000" indent="-322920">
+              <a:latin typeface="Arial"/>
+            </a:endParaRPr>
+          </a:p>
+          <a:p>
+            <a:pPr marL="432000" indent="-322560">
+              <a:lnSpc>
+                <a:spcPct val="100000"/>
+              </a:lnSpc>
               <a:spcAft>
                 <a:spcPts val="1414"/>
               </a:spcAft>
@@ -7847,11 +7783,14 @@
               <a:t> type class</a:t>
             </a:r>
             <a:endParaRPr b="0" lang="de-DE" sz="2800" spc="-1" strike="noStrike">
-              <a:latin typeface="Times New Roman"/>
-            </a:endParaRPr>
-          </a:p>
-          <a:p>
-            <a:pPr marL="432000" indent="-322920">
+              <a:latin typeface="Arial"/>
+            </a:endParaRPr>
+          </a:p>
+          <a:p>
+            <a:pPr marL="432000" indent="-322560">
+              <a:lnSpc>
+                <a:spcPct val="100000"/>
+              </a:lnSpc>
               <a:spcAft>
                 <a:spcPts val="1414"/>
               </a:spcAft>
@@ -7893,7 +7832,7 @@
               <a:t> in the Prelude</a:t>
             </a:r>
             <a:endParaRPr b="0" lang="de-DE" sz="2800" spc="-1" strike="noStrike">
-              <a:latin typeface="Times New Roman"/>
+              <a:latin typeface="Arial"/>
             </a:endParaRPr>
           </a:p>
         </p:txBody>
@@ -7956,7 +7895,7 @@
         <p:spPr>
           <a:xfrm>
             <a:off x="720000" y="300960"/>
-            <a:ext cx="8854560" cy="1261440"/>
+            <a:ext cx="8854200" cy="1261080"/>
           </a:xfrm>
           <a:prstGeom prst="rect">
             <a:avLst/>
@@ -7986,7 +7925,7 @@
               <a:t>Type classes in Haskell</a:t>
             </a:r>
             <a:endParaRPr b="0" lang="de-DE" sz="4000" spc="-1" strike="noStrike">
-              <a:latin typeface="Times New Roman"/>
+              <a:latin typeface="Arial"/>
             </a:endParaRPr>
           </a:p>
         </p:txBody>
@@ -8000,7 +7939,7 @@
         <p:spPr>
           <a:xfrm>
             <a:off x="720000" y="2160000"/>
-            <a:ext cx="8638920" cy="4383720"/>
+            <a:ext cx="8638560" cy="4383360"/>
           </a:xfrm>
           <a:prstGeom prst="rect">
             <a:avLst/>
@@ -8020,7 +7959,7 @@
           <a:bodyPr lIns="0" rIns="0" tIns="0" bIns="0"/>
           <a:p>
             <a:endParaRPr b="0" lang="de-DE" sz="1800" spc="-1" strike="noStrike">
-              <a:latin typeface="Times New Roman"/>
+              <a:latin typeface="Arial"/>
             </a:endParaRPr>
           </a:p>
           <a:p>
@@ -8033,11 +7972,14 @@
               </a:spcAft>
             </a:pPr>
             <a:endParaRPr b="0" lang="de-DE" sz="1800" spc="-1" strike="noStrike">
-              <a:latin typeface="Times New Roman"/>
-            </a:endParaRPr>
-          </a:p>
-          <a:p>
-            <a:pPr marL="432000" indent="-322920">
+              <a:latin typeface="Arial"/>
+            </a:endParaRPr>
+          </a:p>
+          <a:p>
+            <a:pPr marL="432000" indent="-322560">
+              <a:lnSpc>
+                <a:spcPct val="100000"/>
+              </a:lnSpc>
               <a:spcAft>
                 <a:spcPts val="1414"/>
               </a:spcAft>
@@ -8059,11 +8001,14 @@
               <a:t>Many type classes are available in the Haskell Prelude</a:t>
             </a:r>
             <a:endParaRPr b="0" lang="de-DE" sz="2800" spc="-1" strike="noStrike">
-              <a:latin typeface="Times New Roman"/>
-            </a:endParaRPr>
-          </a:p>
-          <a:p>
-            <a:pPr marL="432000" indent="-322920">
+              <a:latin typeface="Arial"/>
+            </a:endParaRPr>
+          </a:p>
+          <a:p>
+            <a:pPr marL="432000" indent="-322560">
+              <a:lnSpc>
+                <a:spcPct val="100000"/>
+              </a:lnSpc>
               <a:spcAft>
                 <a:spcPts val="1414"/>
               </a:spcAft>
@@ -8082,27 +8027,37 @@
                 <a:latin typeface="Noto Sans Regular"/>
                 <a:ea typeface="DejaVu Sans"/>
               </a:rPr>
-              <a:t>Haskell provides its own kosmos of type classes in Base, most of them available in the</a:t>
+              <a:t>Haskell provides its own kosmos of type classes in Base, most of them available in the Prelude: </a:t>
             </a:r>
             <a:r>
               <a:rPr b="0" lang="de-DE" sz="2800" spc="-1" strike="noStrike">
                 <a:solidFill>
                   <a:srgbClr val="333333"/>
                 </a:solidFill>
-                <a:latin typeface="Noto Sans Regular"/>
-                <a:ea typeface="DejaVu Sans"/>
-              </a:rPr>
-              <a:t> Prelude: </a:t>
+                <a:latin typeface="Courier New"/>
+                <a:ea typeface="DejaVu Sans"/>
+              </a:rPr>
+              <a:t>Show</a:t>
             </a:r>
             <a:r>
               <a:rPr b="0" lang="de-DE" sz="2800" spc="-1" strike="noStrike">
                 <a:solidFill>
                   <a:srgbClr val="333333"/>
                 </a:solidFill>
+                <a:latin typeface="Noto Sans Regular"/>
+                <a:ea typeface="DejaVu Sans"/>
+              </a:rPr>
+              <a:t>, </a:t>
+            </a:r>
+            <a:r>
+              <a:rPr b="0" lang="de-DE" sz="2800" spc="-1" strike="noStrike">
+                <a:solidFill>
+                  <a:srgbClr val="333333"/>
+                </a:solidFill>
                 <a:latin typeface="Courier New"/>
                 <a:ea typeface="DejaVu Sans"/>
               </a:rPr>
-              <a:t>Show</a:t>
+              <a:t>Eq</a:t>
             </a:r>
             <a:r>
               <a:rPr b="0" lang="de-DE" sz="2800" spc="-1" strike="noStrike">
@@ -8122,7 +8077,7 @@
                 <a:latin typeface="Courier New"/>
                 <a:ea typeface="DejaVu Sans"/>
               </a:rPr>
-              <a:t>Eq</a:t>
+              <a:t>Ord</a:t>
             </a:r>
             <a:r>
               <a:rPr b="0" lang="de-DE" sz="2800" spc="-1" strike="noStrike">
@@ -8142,7 +8097,7 @@
                 <a:latin typeface="Courier New"/>
                 <a:ea typeface="DejaVu Sans"/>
               </a:rPr>
-              <a:t>Ord</a:t>
+              <a:t>Num</a:t>
             </a:r>
             <a:r>
               <a:rPr b="0" lang="de-DE" sz="2800" spc="-1" strike="noStrike">
@@ -8162,7 +8117,7 @@
                 <a:latin typeface="Courier New"/>
                 <a:ea typeface="DejaVu Sans"/>
               </a:rPr>
-              <a:t>Num</a:t>
+              <a:t>Integral</a:t>
             </a:r>
             <a:r>
               <a:rPr b="0" lang="de-DE" sz="2800" spc="-1" strike="noStrike">
@@ -8182,7 +8137,7 @@
                 <a:latin typeface="Courier New"/>
                 <a:ea typeface="DejaVu Sans"/>
               </a:rPr>
-              <a:t>Integral</a:t>
+              <a:t>Fractional</a:t>
             </a:r>
             <a:r>
               <a:rPr b="0" lang="de-DE" sz="2800" spc="-1" strike="noStrike">
@@ -8202,7 +8157,7 @@
                 <a:latin typeface="Courier New"/>
                 <a:ea typeface="DejaVu Sans"/>
               </a:rPr>
-              <a:t>Fractional</a:t>
+              <a:t>Monoid</a:t>
             </a:r>
             <a:r>
               <a:rPr b="0" lang="de-DE" sz="2800" spc="-1" strike="noStrike">
@@ -8222,7 +8177,7 @@
                 <a:latin typeface="Courier New"/>
                 <a:ea typeface="DejaVu Sans"/>
               </a:rPr>
-              <a:t>Monoid</a:t>
+              <a:t>Functor</a:t>
             </a:r>
             <a:r>
               <a:rPr b="0" lang="de-DE" sz="2800" spc="-1" strike="noStrike">
@@ -8242,7 +8197,7 @@
                 <a:latin typeface="Courier New"/>
                 <a:ea typeface="DejaVu Sans"/>
               </a:rPr>
-              <a:t>Functor</a:t>
+              <a:t>Applicative</a:t>
             </a:r>
             <a:r>
               <a:rPr b="0" lang="de-DE" sz="2800" spc="-1" strike="noStrike">
@@ -8262,7 +8217,7 @@
                 <a:latin typeface="Courier New"/>
                 <a:ea typeface="DejaVu Sans"/>
               </a:rPr>
-              <a:t>Applicative</a:t>
+              <a:t>Monad</a:t>
             </a:r>
             <a:r>
               <a:rPr b="0" lang="de-DE" sz="2800" spc="-1" strike="noStrike">
@@ -8282,7 +8237,7 @@
                 <a:latin typeface="Courier New"/>
                 <a:ea typeface="DejaVu Sans"/>
               </a:rPr>
-              <a:t>Monad</a:t>
+              <a:t>Foldable</a:t>
             </a:r>
             <a:r>
               <a:rPr b="0" lang="de-DE" sz="2800" spc="-1" strike="noStrike">
@@ -8292,30 +8247,10 @@
                 <a:latin typeface="Noto Sans Regular"/>
                 <a:ea typeface="DejaVu Sans"/>
               </a:rPr>
-              <a:t>, </a:t>
-            </a:r>
-            <a:r>
-              <a:rPr b="0" lang="de-DE" sz="2800" spc="-1" strike="noStrike">
-                <a:solidFill>
-                  <a:srgbClr val="333333"/>
-                </a:solidFill>
-                <a:latin typeface="Courier New"/>
-                <a:ea typeface="DejaVu Sans"/>
-              </a:rPr>
-              <a:t>Foldable</a:t>
-            </a:r>
-            <a:r>
-              <a:rPr b="0" lang="de-DE" sz="2800" spc="-1" strike="noStrike">
-                <a:solidFill>
-                  <a:srgbClr val="333333"/>
-                </a:solidFill>
-                <a:latin typeface="Noto Sans Regular"/>
-                <a:ea typeface="DejaVu Sans"/>
-              </a:rPr>
               <a:t> etc.</a:t>
             </a:r>
             <a:endParaRPr b="0" lang="de-DE" sz="2800" spc="-1" strike="noStrike">
-              <a:latin typeface="Times New Roman"/>
+              <a:latin typeface="Arial"/>
             </a:endParaRPr>
           </a:p>
         </p:txBody>
@@ -8378,7 +8313,7 @@
         <p:spPr>
           <a:xfrm>
             <a:off x="720000" y="300960"/>
-            <a:ext cx="8854560" cy="1261440"/>
+            <a:ext cx="8854200" cy="1261080"/>
           </a:xfrm>
           <a:prstGeom prst="rect">
             <a:avLst/>
@@ -8422,7 +8357,7 @@
         <p:spPr>
           <a:xfrm>
             <a:off x="720000" y="2160000"/>
-            <a:ext cx="8638920" cy="4383720"/>
+            <a:ext cx="8638560" cy="4383360"/>
           </a:xfrm>
           <a:prstGeom prst="rect">
             <a:avLst/>
@@ -8441,7 +8376,7 @@
         <p:txBody>
           <a:bodyPr lIns="0" rIns="0" tIns="0" bIns="0"/>
           <a:p>
-            <a:pPr marL="432000" indent="-322920">
+            <a:pPr marL="432000" indent="-322560">
               <a:lnSpc>
                 <a:spcPct val="100000"/>
               </a:lnSpc>
@@ -8510,7 +8445,7 @@
             </a:endParaRPr>
           </a:p>
           <a:p>
-            <a:pPr marL="432000" indent="-322920">
+            <a:pPr marL="432000" indent="-322560">
               <a:lnSpc>
                 <a:spcPct val="100000"/>
               </a:lnSpc>
@@ -8539,7 +8474,7 @@
             </a:endParaRPr>
           </a:p>
           <a:p>
-            <a:pPr marL="432000" indent="-322920">
+            <a:pPr marL="432000" indent="-322560">
               <a:lnSpc>
                 <a:spcPct val="100000"/>
               </a:lnSpc>
@@ -8568,7 +8503,7 @@
             </a:endParaRPr>
           </a:p>
           <a:p>
-            <a:pPr marL="432000" indent="-322920">
+            <a:pPr marL="432000" indent="-322560">
               <a:lnSpc>
                 <a:spcPct val="100000"/>
               </a:lnSpc>
@@ -8591,6 +8526,35 @@
                 <a:ea typeface="DejaVu Sans"/>
               </a:rPr>
               <a:t>No object creation in Haskell.</a:t>
+            </a:r>
+            <a:endParaRPr b="0" lang="de-DE" sz="2800" spc="-1" strike="noStrike">
+              <a:latin typeface="Arial"/>
+            </a:endParaRPr>
+          </a:p>
+          <a:p>
+            <a:pPr marL="432000" indent="-322560">
+              <a:lnSpc>
+                <a:spcPct val="100000"/>
+              </a:lnSpc>
+              <a:spcAft>
+                <a:spcPts val="1414"/>
+              </a:spcAft>
+              <a:buClr>
+                <a:srgbClr val="ef2929"/>
+              </a:buClr>
+              <a:buSzPct val="45000"/>
+              <a:buFont typeface="Wingdings" charset="2"/>
+              <a:buChar char=""/>
+            </a:pPr>
+            <a:r>
+              <a:rPr b="0" lang="de-DE" sz="2800" spc="-1" strike="noStrike">
+                <a:solidFill>
+                  <a:srgbClr val="333333"/>
+                </a:solidFill>
+                <a:latin typeface="Noto Sans Regular"/>
+                <a:ea typeface="DejaVu Sans"/>
+              </a:rPr>
+              <a:t>No implicit hocus-pocus in Haskell.</a:t>
             </a:r>
             <a:endParaRPr b="0" lang="de-DE" sz="2800" spc="-1" strike="noStrike">
               <a:latin typeface="Arial"/>
@@ -8666,7 +8630,7 @@
         <p:spPr>
           <a:xfrm>
             <a:off x="720000" y="300960"/>
-            <a:ext cx="8854560" cy="1261440"/>
+            <a:ext cx="8854200" cy="1261080"/>
           </a:xfrm>
           <a:prstGeom prst="rect">
             <a:avLst/>
@@ -8710,7 +8674,7 @@
         <p:spPr>
           <a:xfrm>
             <a:off x="756000" y="2160000"/>
-            <a:ext cx="8638920" cy="4383720"/>
+            <a:ext cx="8638560" cy="4383360"/>
           </a:xfrm>
           <a:prstGeom prst="rect">
             <a:avLst/>
@@ -8729,7 +8693,7 @@
         <p:txBody>
           <a:bodyPr lIns="0" rIns="0" tIns="0" bIns="0"/>
           <a:p>
-            <a:pPr marL="432000" indent="-322920">
+            <a:pPr marL="432000" indent="-322560">
               <a:lnSpc>
                 <a:spcPct val="100000"/>
               </a:lnSpc>
@@ -8780,7 +8744,7 @@
             </a:endParaRPr>
           </a:p>
           <a:p>
-            <a:pPr marL="432000" indent="-322920">
+            <a:pPr marL="432000" indent="-322560">
               <a:lnSpc>
                 <a:spcPct val="100000"/>
               </a:lnSpc>
@@ -8841,7 +8805,7 @@
             </a:endParaRPr>
           </a:p>
           <a:p>
-            <a:pPr marL="432000" indent="-322920">
+            <a:pPr marL="432000" indent="-322560">
               <a:lnSpc>
                 <a:spcPct val="100000"/>
               </a:lnSpc>
@@ -8971,7 +8935,7 @@
         <p:spPr>
           <a:xfrm>
             <a:off x="720000" y="300960"/>
-            <a:ext cx="8854560" cy="1261440"/>
+            <a:ext cx="8854200" cy="1261080"/>
           </a:xfrm>
           <a:prstGeom prst="rect">
             <a:avLst/>
@@ -9015,7 +8979,7 @@
         <p:spPr>
           <a:xfrm>
             <a:off x="720000" y="2160000"/>
-            <a:ext cx="8638920" cy="4383720"/>
+            <a:ext cx="8638560" cy="4383360"/>
           </a:xfrm>
           <a:prstGeom prst="rect">
             <a:avLst/>
@@ -9162,7 +9126,7 @@
         <p:spPr>
           <a:xfrm>
             <a:off x="720000" y="300960"/>
-            <a:ext cx="8854560" cy="1261440"/>
+            <a:ext cx="8854200" cy="1261080"/>
           </a:xfrm>
           <a:prstGeom prst="rect">
             <a:avLst/>
@@ -9206,7 +9170,7 @@
         <p:spPr>
           <a:xfrm>
             <a:off x="720000" y="2160000"/>
-            <a:ext cx="8638920" cy="4383720"/>
+            <a:ext cx="8638560" cy="4383360"/>
           </a:xfrm>
           <a:prstGeom prst="rect">
             <a:avLst/>
@@ -9225,7 +9189,7 @@
         <p:txBody>
           <a:bodyPr lIns="0" rIns="0" tIns="0" bIns="0"/>
           <a:p>
-            <a:pPr marL="432000" indent="-322920">
+            <a:pPr marL="432000" indent="-322560">
               <a:lnSpc>
                 <a:spcPct val="100000"/>
               </a:lnSpc>
@@ -9254,7 +9218,7 @@
             </a:endParaRPr>
           </a:p>
           <a:p>
-            <a:pPr lvl="1" marL="864000" indent="-322920">
+            <a:pPr lvl="1" marL="864000" indent="-322560">
               <a:lnSpc>
                 <a:spcPct val="100000"/>
               </a:lnSpc>
@@ -9283,7 +9247,7 @@
             </a:endParaRPr>
           </a:p>
           <a:p>
-            <a:pPr lvl="1" marL="864000" indent="-322920">
+            <a:pPr lvl="1" marL="864000" indent="-322560">
               <a:lnSpc>
                 <a:spcPct val="100000"/>
               </a:lnSpc>
@@ -9312,7 +9276,7 @@
             </a:endParaRPr>
           </a:p>
           <a:p>
-            <a:pPr lvl="1" marL="864000" indent="-322920">
+            <a:pPr lvl="1" marL="864000" indent="-322560">
               <a:lnSpc>
                 <a:spcPct val="100000"/>
               </a:lnSpc>
@@ -9341,7 +9305,7 @@
             </a:endParaRPr>
           </a:p>
           <a:p>
-            <a:pPr lvl="1" marL="864000" indent="-322920">
+            <a:pPr lvl="1" marL="864000" indent="-322560">
               <a:lnSpc>
                 <a:spcPct val="100000"/>
               </a:lnSpc>
@@ -9370,7 +9334,7 @@
             </a:endParaRPr>
           </a:p>
           <a:p>
-            <a:pPr marL="432000" indent="-322920">
+            <a:pPr marL="432000" indent="-322560">
               <a:lnSpc>
                 <a:spcPct val="100000"/>
               </a:lnSpc>
@@ -9458,7 +9422,7 @@
         <p:spPr>
           <a:xfrm>
             <a:off x="720000" y="300960"/>
-            <a:ext cx="8854560" cy="1261440"/>
+            <a:ext cx="8854200" cy="1261080"/>
           </a:xfrm>
           <a:prstGeom prst="rect">
             <a:avLst/>
@@ -9502,7 +9466,7 @@
         <p:spPr>
           <a:xfrm>
             <a:off x="720000" y="2160000"/>
-            <a:ext cx="8638920" cy="4383720"/>
+            <a:ext cx="8638560" cy="4383360"/>
           </a:xfrm>
           <a:prstGeom prst="rect">
             <a:avLst/>
@@ -9521,7 +9485,7 @@
         <p:txBody>
           <a:bodyPr lIns="0" rIns="0" tIns="0" bIns="0"/>
           <a:p>
-            <a:pPr marL="432000" indent="-322920">
+            <a:pPr marL="432000" indent="-322560">
               <a:lnSpc>
                 <a:spcPct val="100000"/>
               </a:lnSpc>
@@ -9550,7 +9514,7 @@
             </a:endParaRPr>
           </a:p>
           <a:p>
-            <a:pPr marL="432000" indent="-322920">
+            <a:pPr marL="432000" indent="-322560">
               <a:lnSpc>
                 <a:spcPct val="100000"/>
               </a:lnSpc>
@@ -9579,7 +9543,7 @@
             </a:endParaRPr>
           </a:p>
           <a:p>
-            <a:pPr marL="432000" indent="-322920">
+            <a:pPr marL="432000" indent="-322560">
               <a:lnSpc>
                 <a:spcPct val="100000"/>
               </a:lnSpc>
@@ -9608,7 +9572,7 @@
             </a:endParaRPr>
           </a:p>
           <a:p>
-            <a:pPr marL="432000" indent="-322920">
+            <a:pPr marL="432000" indent="-322560">
               <a:lnSpc>
                 <a:spcPct val="100000"/>
               </a:lnSpc>
@@ -9637,7 +9601,7 @@
             </a:endParaRPr>
           </a:p>
           <a:p>
-            <a:pPr marL="432000" indent="-322920">
+            <a:pPr marL="432000" indent="-322560">
               <a:lnSpc>
                 <a:spcPct val="100000"/>
               </a:lnSpc>
@@ -9725,7 +9689,7 @@
         <p:spPr>
           <a:xfrm>
             <a:off x="720000" y="300960"/>
-            <a:ext cx="8854560" cy="1261440"/>
+            <a:ext cx="8854200" cy="1261080"/>
           </a:xfrm>
           <a:prstGeom prst="rect">
             <a:avLst/>
@@ -9769,7 +9733,7 @@
         <p:spPr>
           <a:xfrm>
             <a:off x="720000" y="2160000"/>
-            <a:ext cx="8638920" cy="4383720"/>
+            <a:ext cx="8638560" cy="4383360"/>
           </a:xfrm>
           <a:prstGeom prst="rect">
             <a:avLst/>
@@ -9788,7 +9752,7 @@
         <p:txBody>
           <a:bodyPr lIns="0" rIns="0" tIns="0" bIns="0"/>
           <a:p>
-            <a:pPr marL="432000" indent="-322920">
+            <a:pPr marL="432000" indent="-322560">
               <a:lnSpc>
                 <a:spcPct val="100000"/>
               </a:lnSpc>
@@ -9803,6 +9767,17 @@
               <a:buChar char=""/>
             </a:pPr>
             <a:r>
+              <a:rPr b="0" lang="de-DE" sz="2400" spc="-1" strike="noStrike">
+                <a:solidFill>
+                  <a:srgbClr val="333333"/>
+                </a:solidFill>
+                <a:latin typeface="Noto Sans Regular"/>
+                <a:ea typeface="DejaVu Sans"/>
+              </a:rPr>
+              <a:t>Define a type class - a trait with at least one type parameter.</a:t>
+            </a:r>
+            <a:br/>
+            <a:r>
               <a:rPr b="0" lang="de-DE" sz="2800" spc="-1" strike="noStrike">
                 <a:solidFill>
                   <a:srgbClr val="333333"/>
@@ -9810,17 +9785,6 @@
                 <a:latin typeface="Noto Sans Regular"/>
                 <a:ea typeface="DejaVu Sans"/>
               </a:rPr>
-              <a:t>Define a type class - a trait with at least one type parameter </a:t>
-            </a:r>
-            <a:br/>
-            <a:r>
-              <a:rPr b="0" lang="de-DE" sz="2800" spc="-1" strike="noStrike">
-                <a:solidFill>
-                  <a:srgbClr val="333333"/>
-                </a:solidFill>
-                <a:latin typeface="Noto Sans Regular"/>
-                <a:ea typeface="DejaVu Sans"/>
-              </a:rPr>
               <a:t>     </a:t>
             </a:r>
             <a:r>
@@ -9838,7 +9802,7 @@
             </a:endParaRPr>
           </a:p>
           <a:p>
-            <a:pPr marL="432000" indent="-322920">
+            <a:pPr marL="432000" indent="-322560">
               <a:lnSpc>
                 <a:spcPct val="100000"/>
               </a:lnSpc>
@@ -9853,6 +9817,77 @@
               <a:buChar char=""/>
             </a:pPr>
             <a:r>
+              <a:rPr b="0" lang="de-DE" sz="2400" spc="-1" strike="noStrike">
+                <a:solidFill>
+                  <a:srgbClr val="333333"/>
+                </a:solidFill>
+                <a:latin typeface="Noto Sans Regular"/>
+                <a:ea typeface="DejaVu Sans"/>
+              </a:rPr>
+              <a:t>For each type to support the type class define a type class instance. Each instance replaces the type parameter </a:t>
+            </a:r>
+            <a:r>
+              <a:rPr b="0" lang="de-DE" sz="2400" spc="-1" strike="noStrike">
+                <a:solidFill>
+                  <a:srgbClr val="333333"/>
+                </a:solidFill>
+                <a:latin typeface="Courier New"/>
+                <a:ea typeface="DejaVu Sans"/>
+              </a:rPr>
+              <a:t>A</a:t>
+            </a:r>
+            <a:r>
+              <a:rPr b="0" lang="de-DE" sz="2400" spc="-1" strike="noStrike">
+                <a:solidFill>
+                  <a:srgbClr val="333333"/>
+                </a:solidFill>
+                <a:latin typeface="Noto Sans Regular"/>
+                <a:ea typeface="DejaVu Sans"/>
+              </a:rPr>
+              <a:t> by a concrete type (</a:t>
+            </a:r>
+            <a:r>
+              <a:rPr b="0" lang="de-DE" sz="2400" spc="-1" strike="noStrike">
+                <a:solidFill>
+                  <a:srgbClr val="333333"/>
+                </a:solidFill>
+                <a:latin typeface="Courier New"/>
+                <a:ea typeface="DejaVu Sans"/>
+              </a:rPr>
+              <a:t>Int</a:t>
+            </a:r>
+            <a:r>
+              <a:rPr b="0" lang="de-DE" sz="2400" spc="-1" strike="noStrike">
+                <a:solidFill>
+                  <a:srgbClr val="333333"/>
+                </a:solidFill>
+                <a:latin typeface="Noto Sans Regular"/>
+                <a:ea typeface="DejaVu Sans"/>
+              </a:rPr>
+              <a:t>, </a:t>
+            </a:r>
+            <a:r>
+              <a:rPr b="0" lang="de-DE" sz="2400" spc="-1" strike="noStrike">
+                <a:solidFill>
+                  <a:srgbClr val="333333"/>
+                </a:solidFill>
+                <a:latin typeface="Courier New"/>
+                <a:ea typeface="DejaVu Sans"/>
+              </a:rPr>
+              <a:t>Cat</a:t>
+            </a:r>
+            <a:r>
+              <a:rPr b="0" lang="de-DE" sz="2400" spc="-1" strike="noStrike">
+                <a:solidFill>
+                  <a:srgbClr val="333333"/>
+                </a:solidFill>
+                <a:latin typeface="Noto Sans Regular"/>
+                <a:ea typeface="DejaVu Sans"/>
+              </a:rPr>
+              <a:t>, etc.).</a:t>
+            </a:r>
+            <a:br/>
+            <a:r>
               <a:rPr b="0" lang="de-DE" sz="2800" spc="-1" strike="noStrike">
                 <a:solidFill>
                   <a:srgbClr val="333333"/>
@@ -9860,7 +9895,17 @@
                 <a:latin typeface="Noto Sans Regular"/>
                 <a:ea typeface="DejaVu Sans"/>
               </a:rPr>
-              <a:t>For each type to support the type class define a type class instance</a:t>
+              <a:t>     </a:t>
+            </a:r>
+            <a:r>
+              <a:rPr b="0" lang="de-DE" sz="1800" spc="-1" strike="noStrike">
+                <a:solidFill>
+                  <a:srgbClr val="333333"/>
+                </a:solidFill>
+                <a:latin typeface="Courier New"/>
+                <a:ea typeface="DejaVu Sans"/>
+              </a:rPr>
+              <a:t>implicit val intPrintable Printable[Int] = …</a:t>
             </a:r>
             <a:br/>
             <a:r>
@@ -9881,27 +9926,6 @@
                 <a:latin typeface="Courier New"/>
                 <a:ea typeface="DejaVu Sans"/>
               </a:rPr>
-              <a:t>implicit val intPrintable Printable[Int] = …</a:t>
-            </a:r>
-            <a:br/>
-            <a:r>
-              <a:rPr b="0" lang="de-DE" sz="2800" spc="-1" strike="noStrike">
-                <a:solidFill>
-                  <a:srgbClr val="333333"/>
-                </a:solidFill>
-                <a:latin typeface="Noto Sans Regular"/>
-                <a:ea typeface="DejaVu Sans"/>
-              </a:rPr>
-              <a:t>     </a:t>
-            </a:r>
-            <a:r>
-              <a:rPr b="0" lang="de-DE" sz="1800" spc="-1" strike="noStrike">
-                <a:solidFill>
-                  <a:srgbClr val="333333"/>
-                </a:solidFill>
-                <a:latin typeface="Courier New"/>
-                <a:ea typeface="DejaVu Sans"/>
-              </a:rPr>
               <a:t>implicit val catPrintable Printable[Cat] = …</a:t>
             </a:r>
             <a:endParaRPr b="0" lang="de-DE" sz="1800" spc="-1" strike="noStrike">
@@ -9909,7 +9933,7 @@
             </a:endParaRPr>
           </a:p>
           <a:p>
-            <a:pPr marL="432000" indent="-322920">
+            <a:pPr marL="432000" indent="-322560">
               <a:lnSpc>
                 <a:spcPct val="100000"/>
               </a:lnSpc>
@@ -9924,14 +9948,14 @@
               <a:buChar char=""/>
             </a:pPr>
             <a:r>
-              <a:rPr b="0" lang="de-DE" sz="2800" spc="-1" strike="noStrike">
-                <a:solidFill>
-                  <a:srgbClr val="333333"/>
-                </a:solidFill>
-                <a:latin typeface="Noto Sans Regular"/>
-                <a:ea typeface="DejaVu Sans"/>
-              </a:rPr>
-              <a:t>Provide a generic user interface</a:t>
+              <a:rPr b="0" lang="de-DE" sz="2400" spc="-1" strike="noStrike">
+                <a:solidFill>
+                  <a:srgbClr val="333333"/>
+                </a:solidFill>
+                <a:latin typeface="Noto Sans Regular"/>
+                <a:ea typeface="DejaVu Sans"/>
+              </a:rPr>
+              <a:t>Provide a generic user interface with an implicit type class parameter.</a:t>
             </a:r>
             <a:br/>
             <a:r>
@@ -10018,7 +10042,7 @@
         <p:spPr>
           <a:xfrm>
             <a:off x="720000" y="300960"/>
-            <a:ext cx="8854560" cy="1261440"/>
+            <a:ext cx="8854200" cy="1261080"/>
           </a:xfrm>
           <a:prstGeom prst="rect">
             <a:avLst/>
@@ -10062,7 +10086,7 @@
         <p:spPr>
           <a:xfrm>
             <a:off x="720000" y="2160000"/>
-            <a:ext cx="8638920" cy="4383720"/>
+            <a:ext cx="8638560" cy="4383360"/>
           </a:xfrm>
           <a:prstGeom prst="rect">
             <a:avLst/>
@@ -10245,7 +10269,7 @@
         <p:spPr>
           <a:xfrm>
             <a:off x="720000" y="300960"/>
-            <a:ext cx="8854560" cy="1261440"/>
+            <a:ext cx="8854200" cy="1261080"/>
           </a:xfrm>
           <a:prstGeom prst="rect">
             <a:avLst/>
@@ -10289,7 +10313,7 @@
         <p:spPr>
           <a:xfrm>
             <a:off x="720000" y="2160000"/>
-            <a:ext cx="8638920" cy="4383720"/>
+            <a:ext cx="8638560" cy="4383360"/>
           </a:xfrm>
           <a:prstGeom prst="rect">
             <a:avLst/>
@@ -10600,7 +10624,7 @@
         <p:spPr>
           <a:xfrm>
             <a:off x="720000" y="300960"/>
-            <a:ext cx="8854560" cy="1261440"/>
+            <a:ext cx="8854200" cy="1261080"/>
           </a:xfrm>
           <a:prstGeom prst="rect">
             <a:avLst/>
@@ -10644,7 +10668,7 @@
         <p:spPr>
           <a:xfrm>
             <a:off x="720000" y="2160000"/>
-            <a:ext cx="8638920" cy="4383720"/>
+            <a:ext cx="8638560" cy="4383360"/>
           </a:xfrm>
           <a:prstGeom prst="rect">
             <a:avLst/>
@@ -10871,7 +10895,7 @@
         <p:spPr>
           <a:xfrm>
             <a:off x="720000" y="300960"/>
-            <a:ext cx="8854560" cy="1261440"/>
+            <a:ext cx="8854200" cy="1261080"/>
           </a:xfrm>
           <a:prstGeom prst="rect">
             <a:avLst/>
@@ -10915,7 +10939,7 @@
         <p:spPr>
           <a:xfrm>
             <a:off x="720000" y="1800000"/>
-            <a:ext cx="8638920" cy="5327640"/>
+            <a:ext cx="8638560" cy="5327280"/>
           </a:xfrm>
           <a:prstGeom prst="rect">
             <a:avLst/>

--- a/Slides/TypeClasses.pptx
+++ b/Slides/TypeClasses.pptx
@@ -2729,7 +2729,7 @@
         <p:spPr>
           <a:xfrm>
             <a:off x="0" y="4320000"/>
-            <a:ext cx="502560" cy="1078560"/>
+            <a:ext cx="502200" cy="1078200"/>
           </a:xfrm>
           <a:prstGeom prst="rect">
             <a:avLst/>
@@ -3008,7 +3008,7 @@
         <p:spPr>
           <a:xfrm>
             <a:off x="0" y="288000"/>
-            <a:ext cx="502560" cy="1078560"/>
+            <a:ext cx="502200" cy="1078200"/>
           </a:xfrm>
           <a:prstGeom prst="rect">
             <a:avLst/>
@@ -3287,7 +3287,7 @@
         <p:spPr>
           <a:xfrm>
             <a:off x="792000" y="3885480"/>
-            <a:ext cx="8566560" cy="1659960"/>
+            <a:ext cx="8566200" cy="1659600"/>
           </a:xfrm>
           <a:prstGeom prst="rect">
             <a:avLst/>
@@ -3344,7 +3344,7 @@
         <p:spPr>
           <a:xfrm>
             <a:off x="792000" y="5904000"/>
-            <a:ext cx="8566560" cy="981000"/>
+            <a:ext cx="8566200" cy="980640"/>
           </a:xfrm>
           <a:prstGeom prst="rect">
             <a:avLst/>
@@ -3452,7 +3452,7 @@
         <p:spPr>
           <a:xfrm>
             <a:off x="720000" y="300960"/>
-            <a:ext cx="8854200" cy="1261080"/>
+            <a:ext cx="8853840" cy="1260720"/>
           </a:xfrm>
           <a:prstGeom prst="rect">
             <a:avLst/>
@@ -3496,7 +3496,7 @@
         <p:spPr>
           <a:xfrm>
             <a:off x="720000" y="2160000"/>
-            <a:ext cx="8638560" cy="4383360"/>
+            <a:ext cx="8638200" cy="4383000"/>
           </a:xfrm>
           <a:prstGeom prst="rect">
             <a:avLst/>
@@ -3854,7 +3854,7 @@
         <p:spPr>
           <a:xfrm>
             <a:off x="720000" y="300960"/>
-            <a:ext cx="8854200" cy="1261080"/>
+            <a:ext cx="8853840" cy="1260720"/>
           </a:xfrm>
           <a:prstGeom prst="rect">
             <a:avLst/>
@@ -3898,7 +3898,7 @@
         <p:spPr>
           <a:xfrm>
             <a:off x="720000" y="2160000"/>
-            <a:ext cx="8638560" cy="4383360"/>
+            <a:ext cx="8638200" cy="4383000"/>
           </a:xfrm>
           <a:prstGeom prst="rect">
             <a:avLst/>
@@ -3917,7 +3917,7 @@
         <p:txBody>
           <a:bodyPr lIns="0" rIns="0" tIns="0" bIns="0"/>
           <a:p>
-            <a:pPr marL="432000" indent="-322560">
+            <a:pPr marL="432000" indent="-322200">
               <a:lnSpc>
                 <a:spcPct val="100000"/>
               </a:lnSpc>
@@ -3946,7 +3946,7 @@
             </a:endParaRPr>
           </a:p>
           <a:p>
-            <a:pPr marL="432000" indent="-322560">
+            <a:pPr marL="432000" indent="-322200">
               <a:lnSpc>
                 <a:spcPct val="100000"/>
               </a:lnSpc>
@@ -4034,7 +4034,7 @@
         <p:spPr>
           <a:xfrm>
             <a:off x="720000" y="300960"/>
-            <a:ext cx="8854200" cy="1261080"/>
+            <a:ext cx="8853840" cy="1260720"/>
           </a:xfrm>
           <a:prstGeom prst="rect">
             <a:avLst/>
@@ -4078,7 +4078,7 @@
         <p:spPr>
           <a:xfrm>
             <a:off x="720000" y="2160000"/>
-            <a:ext cx="8638560" cy="4383360"/>
+            <a:ext cx="8638200" cy="4383000"/>
           </a:xfrm>
           <a:prstGeom prst="rect">
             <a:avLst/>
@@ -4097,7 +4097,7 @@
         <p:txBody>
           <a:bodyPr lIns="0" rIns="0" tIns="0" bIns="0"/>
           <a:p>
-            <a:pPr marL="432000" indent="-322560">
+            <a:pPr marL="432000" indent="-322200">
               <a:lnSpc>
                 <a:spcPct val="100000"/>
               </a:lnSpc>
@@ -4355,7 +4355,7 @@
         <p:spPr>
           <a:xfrm>
             <a:off x="720000" y="300960"/>
-            <a:ext cx="8854200" cy="1261080"/>
+            <a:ext cx="8853840" cy="1260720"/>
           </a:xfrm>
           <a:prstGeom prst="rect">
             <a:avLst/>
@@ -4399,7 +4399,7 @@
         <p:spPr>
           <a:xfrm>
             <a:off x="720000" y="2160000"/>
-            <a:ext cx="8638560" cy="4383360"/>
+            <a:ext cx="8638200" cy="4383000"/>
           </a:xfrm>
           <a:prstGeom prst="rect">
             <a:avLst/>
@@ -4418,7 +4418,7 @@
         <p:txBody>
           <a:bodyPr lIns="0" rIns="0" tIns="0" bIns="0"/>
           <a:p>
-            <a:pPr marL="432000" indent="-322560">
+            <a:pPr marL="432000" indent="-322200">
               <a:lnSpc>
                 <a:spcPct val="100000"/>
               </a:lnSpc>
@@ -4685,7 +4685,7 @@
         <p:spPr>
           <a:xfrm>
             <a:off x="720000" y="300960"/>
-            <a:ext cx="8854200" cy="1261080"/>
+            <a:ext cx="8853840" cy="1260720"/>
           </a:xfrm>
           <a:prstGeom prst="rect">
             <a:avLst/>
@@ -4729,7 +4729,7 @@
         <p:spPr>
           <a:xfrm>
             <a:off x="720000" y="2160000"/>
-            <a:ext cx="8638560" cy="4383360"/>
+            <a:ext cx="8638200" cy="4383000"/>
           </a:xfrm>
           <a:prstGeom prst="rect">
             <a:avLst/>
@@ -4748,7 +4748,7 @@
         <p:txBody>
           <a:bodyPr lIns="0" rIns="0" tIns="0" bIns="0"/>
           <a:p>
-            <a:pPr marL="432000" indent="-322560">
+            <a:pPr marL="432000" indent="-322200">
               <a:lnSpc>
                 <a:spcPct val="100000"/>
               </a:lnSpc>
@@ -4837,7 +4837,7 @@
             </a:endParaRPr>
           </a:p>
           <a:p>
-            <a:pPr marL="432000" indent="-322560">
+            <a:pPr marL="432000" indent="-322200">
               <a:lnSpc>
                 <a:spcPct val="100000"/>
               </a:lnSpc>
@@ -5025,7 +5025,7 @@
         <p:spPr>
           <a:xfrm>
             <a:off x="720000" y="300960"/>
-            <a:ext cx="8854200" cy="1261080"/>
+            <a:ext cx="8853840" cy="1260720"/>
           </a:xfrm>
           <a:prstGeom prst="rect">
             <a:avLst/>
@@ -5069,7 +5069,7 @@
         <p:spPr>
           <a:xfrm>
             <a:off x="720000" y="2160000"/>
-            <a:ext cx="8638560" cy="4383360"/>
+            <a:ext cx="8638200" cy="4383000"/>
           </a:xfrm>
           <a:prstGeom prst="rect">
             <a:avLst/>
@@ -5101,7 +5101,7 @@
             </a:endParaRPr>
           </a:p>
           <a:p>
-            <a:pPr marL="432000" indent="-322560">
+            <a:pPr marL="432000" indent="-322200">
               <a:lnSpc>
                 <a:spcPct val="100000"/>
               </a:lnSpc>
@@ -5170,7 +5170,7 @@
             </a:endParaRPr>
           </a:p>
           <a:p>
-            <a:pPr marL="432000" indent="-322560">
+            <a:pPr marL="432000" indent="-322200">
               <a:lnSpc>
                 <a:spcPct val="100000"/>
               </a:lnSpc>
@@ -5199,7 +5199,7 @@
             </a:endParaRPr>
           </a:p>
           <a:p>
-            <a:pPr marL="432000" indent="-322560">
+            <a:pPr marL="432000" indent="-322200">
               <a:lnSpc>
                 <a:spcPct val="100000"/>
               </a:lnSpc>
@@ -5287,7 +5287,7 @@
         <p:spPr>
           <a:xfrm>
             <a:off x="720000" y="300960"/>
-            <a:ext cx="8854200" cy="1261080"/>
+            <a:ext cx="8853840" cy="1260720"/>
           </a:xfrm>
           <a:prstGeom prst="rect">
             <a:avLst/>
@@ -5331,7 +5331,7 @@
         <p:spPr>
           <a:xfrm>
             <a:off x="720000" y="2160000"/>
-            <a:ext cx="8638560" cy="4383360"/>
+            <a:ext cx="8638200" cy="4383000"/>
           </a:xfrm>
           <a:prstGeom prst="rect">
             <a:avLst/>
@@ -5368,7 +5368,7 @@
             </a:endParaRPr>
           </a:p>
           <a:p>
-            <a:pPr marL="432000" indent="-322560">
+            <a:pPr marL="432000" indent="-322200">
               <a:lnSpc>
                 <a:spcPct val="100000"/>
               </a:lnSpc>
@@ -5417,7 +5417,7 @@
             </a:endParaRPr>
           </a:p>
           <a:p>
-            <a:pPr marL="432000" indent="-322560">
+            <a:pPr marL="432000" indent="-322200">
               <a:lnSpc>
                 <a:spcPct val="100000"/>
               </a:lnSpc>
@@ -5515,7 +5515,7 @@
         <p:spPr>
           <a:xfrm>
             <a:off x="720000" y="300960"/>
-            <a:ext cx="8854200" cy="1261080"/>
+            <a:ext cx="8853840" cy="1260720"/>
           </a:xfrm>
           <a:prstGeom prst="rect">
             <a:avLst/>
@@ -5559,7 +5559,7 @@
         <p:spPr>
           <a:xfrm>
             <a:off x="720000" y="2160000"/>
-            <a:ext cx="8638560" cy="4383360"/>
+            <a:ext cx="8638200" cy="4383000"/>
           </a:xfrm>
           <a:prstGeom prst="rect">
             <a:avLst/>
@@ -5588,16 +5588,10 @@
             </a:endParaRPr>
           </a:p>
           <a:p>
-            <a:pPr marL="216000" indent="-215640">
-              <a:lnSpc>
-                <a:spcPct val="100000"/>
-              </a:lnSpc>
-              <a:buClr>
-                <a:srgbClr val="000000"/>
-              </a:buClr>
-              <a:buSzPct val="45000"/>
-              <a:buFont typeface="Wingdings" charset="2"/>
-              <a:buChar char=""/>
+            <a:pPr>
+              <a:lnSpc>
+                <a:spcPct val="100000"/>
+              </a:lnSpc>
             </a:pPr>
             <a:r>
               <a:rPr b="0" lang="de-DE" sz="2800" spc="-1" strike="noStrike">
@@ -5614,53 +5608,7 @@
             </a:endParaRPr>
           </a:p>
           <a:p>
-            <a:pPr marL="216000" indent="-215640">
-              <a:lnSpc>
-                <a:spcPct val="100000"/>
-              </a:lnSpc>
-              <a:buClr>
-                <a:srgbClr val="000000"/>
-              </a:buClr>
-              <a:buSzPct val="45000"/>
-              <a:buFont typeface="Wingdings" charset="2"/>
-              <a:buChar char=""/>
-            </a:pPr>
-            <a:r>
-              <a:rPr b="0" lang="de-DE" sz="2800" spc="-1" strike="noStrike">
-                <a:solidFill>
-                  <a:srgbClr val="333333"/>
-                </a:solidFill>
-                <a:latin typeface="Noto Sans Regular"/>
-                <a:ea typeface="DejaVu Sans"/>
-              </a:rPr>
-              <a:t>Cats provides most of its core functionality as type classes: </a:t>
-            </a:r>
-            <a:r>
-              <a:rPr b="0" lang="de-DE" sz="2800" spc="-1" strike="noStrike">
-                <a:solidFill>
-                  <a:srgbClr val="333333"/>
-                </a:solidFill>
-                <a:latin typeface="Courier New"/>
-                <a:ea typeface="DejaVu Sans"/>
-              </a:rPr>
-              <a:t>cats.{Show, Eq, Monoid, Functor, Monad, Applicative, Foldable}</a:t>
-            </a:r>
-            <a:r>
-              <a:rPr b="0" lang="de-DE" sz="2800" spc="-1" strike="noStrike">
-                <a:solidFill>
-                  <a:srgbClr val="333333"/>
-                </a:solidFill>
-                <a:latin typeface="Noto Sans Regular"/>
-                <a:ea typeface="DejaVu Sans"/>
-              </a:rPr>
-              <a:t> and many more.</a:t>
-            </a:r>
-            <a:endParaRPr b="0" lang="de-DE" sz="2800" spc="-1" strike="noStrike">
-              <a:latin typeface="Arial"/>
-            </a:endParaRPr>
-          </a:p>
-          <a:p>
-            <a:pPr marL="432000" indent="-322560">
+            <a:pPr marL="432000" indent="-322200">
               <a:lnSpc>
                 <a:spcPct val="100000"/>
               </a:lnSpc>
@@ -5684,12 +5632,32 @@
               </a:rPr>
               <a:t>Cats provides most of its core functionality as type classes: </a:t>
             </a:r>
+            <a:r>
+              <a:rPr b="0" lang="de-DE" sz="2800" spc="-1" strike="noStrike">
+                <a:solidFill>
+                  <a:srgbClr val="333333"/>
+                </a:solidFill>
+                <a:latin typeface="Courier New"/>
+                <a:ea typeface="DejaVu Sans"/>
+              </a:rPr>
+              <a:t>cats.{Show, Eq, Ord, Num, Monoid, Functor, Monad, Applicative, Foldable}</a:t>
+            </a:r>
+            <a:r>
+              <a:rPr b="0" lang="de-DE" sz="2800" spc="-1" strike="noStrike">
+                <a:solidFill>
+                  <a:srgbClr val="333333"/>
+                </a:solidFill>
+                <a:latin typeface="Noto Sans Regular"/>
+                <a:ea typeface="DejaVu Sans"/>
+              </a:rPr>
+              <a:t> and many more.</a:t>
+            </a:r>
             <a:endParaRPr b="0" lang="de-DE" sz="2800" spc="-1" strike="noStrike">
               <a:latin typeface="Arial"/>
             </a:endParaRPr>
           </a:p>
           <a:p>
-            <a:pPr marL="432000" indent="-322560">
+            <a:pPr marL="432000" indent="-322200">
               <a:lnSpc>
                 <a:spcPct val="100000"/>
               </a:lnSpc>
@@ -5799,7 +5767,7 @@
         <p:spPr>
           <a:xfrm>
             <a:off x="720000" y="300960"/>
-            <a:ext cx="8854200" cy="1261080"/>
+            <a:ext cx="8853840" cy="1260720"/>
           </a:xfrm>
           <a:prstGeom prst="rect">
             <a:avLst/>
@@ -5843,7 +5811,7 @@
         <p:spPr>
           <a:xfrm>
             <a:off x="720000" y="2160000"/>
-            <a:ext cx="8638560" cy="4383360"/>
+            <a:ext cx="8638200" cy="4383000"/>
           </a:xfrm>
           <a:prstGeom prst="rect">
             <a:avLst/>
@@ -5862,7 +5830,7 @@
         <p:txBody>
           <a:bodyPr lIns="0" rIns="0" tIns="0" bIns="0"/>
           <a:p>
-            <a:pPr marL="432000" indent="-322560">
+            <a:pPr marL="432000" indent="-322200">
               <a:lnSpc>
                 <a:spcPct val="100000"/>
               </a:lnSpc>
@@ -5912,7 +5880,7 @@
             </a:endParaRPr>
           </a:p>
           <a:p>
-            <a:pPr marL="432000" indent="-322560">
+            <a:pPr marL="432000" indent="-322200">
               <a:lnSpc>
                 <a:spcPct val="100000"/>
               </a:lnSpc>
@@ -5973,7 +5941,7 @@
             </a:endParaRPr>
           </a:p>
           <a:p>
-            <a:pPr marL="432000" indent="-322560">
+            <a:pPr marL="432000" indent="-322200">
               <a:lnSpc>
                 <a:spcPct val="100000"/>
               </a:lnSpc>
@@ -6061,7 +6029,7 @@
         <p:spPr>
           <a:xfrm>
             <a:off x="720000" y="300960"/>
-            <a:ext cx="8854200" cy="1261080"/>
+            <a:ext cx="8853840" cy="1260720"/>
           </a:xfrm>
           <a:prstGeom prst="rect">
             <a:avLst/>
@@ -6105,7 +6073,7 @@
         <p:spPr>
           <a:xfrm>
             <a:off x="720000" y="2160000"/>
-            <a:ext cx="8638560" cy="4383360"/>
+            <a:ext cx="8638200" cy="4383000"/>
           </a:xfrm>
           <a:prstGeom prst="rect">
             <a:avLst/>
@@ -6364,7 +6332,7 @@
         <p:spPr>
           <a:xfrm>
             <a:off x="720000" y="300960"/>
-            <a:ext cx="8854200" cy="1261080"/>
+            <a:ext cx="8853840" cy="1260720"/>
           </a:xfrm>
           <a:prstGeom prst="rect">
             <a:avLst/>
@@ -6408,7 +6376,7 @@
         <p:spPr>
           <a:xfrm>
             <a:off x="720000" y="2160000"/>
-            <a:ext cx="8638560" cy="4383360"/>
+            <a:ext cx="8638200" cy="4383000"/>
           </a:xfrm>
           <a:prstGeom prst="rect">
             <a:avLst/>
@@ -6427,7 +6395,7 @@
         <p:txBody>
           <a:bodyPr lIns="0" rIns="0" tIns="0" bIns="0"/>
           <a:p>
-            <a:pPr marL="432000" indent="-322560">
+            <a:pPr marL="432000" indent="-322200">
               <a:lnSpc>
                 <a:spcPct val="100000"/>
               </a:lnSpc>
@@ -6456,7 +6424,7 @@
             </a:endParaRPr>
           </a:p>
           <a:p>
-            <a:pPr marL="432000" indent="-322560">
+            <a:pPr marL="432000" indent="-322200">
               <a:lnSpc>
                 <a:spcPct val="100000"/>
               </a:lnSpc>
@@ -6485,7 +6453,7 @@
             </a:endParaRPr>
           </a:p>
           <a:p>
-            <a:pPr marL="432000" indent="-322560">
+            <a:pPr marL="432000" indent="-322200">
               <a:lnSpc>
                 <a:spcPct val="100000"/>
               </a:lnSpc>
@@ -6524,7 +6492,7 @@
             </a:endParaRPr>
           </a:p>
           <a:p>
-            <a:pPr marL="432000" indent="-322560">
+            <a:pPr marL="432000" indent="-322200">
               <a:lnSpc>
                 <a:spcPct val="100000"/>
               </a:lnSpc>
@@ -6553,7 +6521,7 @@
             </a:endParaRPr>
           </a:p>
           <a:p>
-            <a:pPr marL="432000" indent="-322560">
+            <a:pPr marL="432000" indent="-322200">
               <a:lnSpc>
                 <a:spcPct val="100000"/>
               </a:lnSpc>
@@ -6582,7 +6550,7 @@
             </a:endParaRPr>
           </a:p>
           <a:p>
-            <a:pPr marL="432000" indent="-322560">
+            <a:pPr marL="432000" indent="-322200">
               <a:lnSpc>
                 <a:spcPct val="100000"/>
               </a:lnSpc>
@@ -6611,7 +6579,7 @@
             </a:endParaRPr>
           </a:p>
           <a:p>
-            <a:pPr marL="432000" indent="-322560">
+            <a:pPr marL="432000" indent="-322200">
               <a:lnSpc>
                 <a:spcPct val="100000"/>
               </a:lnSpc>
@@ -6699,7 +6667,7 @@
         <p:spPr>
           <a:xfrm>
             <a:off x="720000" y="300960"/>
-            <a:ext cx="8854200" cy="1261080"/>
+            <a:ext cx="8853840" cy="1260720"/>
           </a:xfrm>
           <a:prstGeom prst="rect">
             <a:avLst/>
@@ -6743,7 +6711,7 @@
         <p:spPr>
           <a:xfrm>
             <a:off x="720000" y="2160000"/>
-            <a:ext cx="8638560" cy="4383360"/>
+            <a:ext cx="8638200" cy="4383000"/>
           </a:xfrm>
           <a:prstGeom prst="rect">
             <a:avLst/>
@@ -6990,7 +6958,7 @@
         <p:spPr>
           <a:xfrm>
             <a:off x="720000" y="300960"/>
-            <a:ext cx="8854200" cy="1261080"/>
+            <a:ext cx="8853840" cy="1260720"/>
           </a:xfrm>
           <a:prstGeom prst="rect">
             <a:avLst/>
@@ -7034,7 +7002,7 @@
         <p:spPr>
           <a:xfrm>
             <a:off x="720000" y="2160000"/>
-            <a:ext cx="8638560" cy="4383360"/>
+            <a:ext cx="8638200" cy="4383000"/>
           </a:xfrm>
           <a:prstGeom prst="rect">
             <a:avLst/>
@@ -7357,7 +7325,7 @@
         <p:spPr>
           <a:xfrm>
             <a:off x="720000" y="240120"/>
-            <a:ext cx="8854200" cy="1382760"/>
+            <a:ext cx="8853840" cy="1382400"/>
           </a:xfrm>
           <a:prstGeom prst="rect">
             <a:avLst/>
@@ -7401,7 +7369,7 @@
         <p:spPr>
           <a:xfrm>
             <a:off x="720000" y="2160000"/>
-            <a:ext cx="8638560" cy="4383360"/>
+            <a:ext cx="8638200" cy="4383000"/>
           </a:xfrm>
           <a:prstGeom prst="rect">
             <a:avLst/>
@@ -7657,7 +7625,7 @@
         <p:spPr>
           <a:xfrm>
             <a:off x="720000" y="300960"/>
-            <a:ext cx="8854200" cy="1261080"/>
+            <a:ext cx="8853840" cy="1260720"/>
           </a:xfrm>
           <a:prstGeom prst="rect">
             <a:avLst/>
@@ -7701,7 +7669,7 @@
         <p:spPr>
           <a:xfrm>
             <a:off x="720000" y="2160000"/>
-            <a:ext cx="8638560" cy="4383360"/>
+            <a:ext cx="8638200" cy="4383000"/>
           </a:xfrm>
           <a:prstGeom prst="rect">
             <a:avLst/>
@@ -7738,7 +7706,7 @@
             </a:endParaRPr>
           </a:p>
           <a:p>
-            <a:pPr marL="432000" indent="-322560">
+            <a:pPr marL="432000" indent="-322200">
               <a:lnSpc>
                 <a:spcPct val="100000"/>
               </a:lnSpc>
@@ -7787,7 +7755,7 @@
             </a:endParaRPr>
           </a:p>
           <a:p>
-            <a:pPr marL="432000" indent="-322560">
+            <a:pPr marL="432000" indent="-322200">
               <a:lnSpc>
                 <a:spcPct val="100000"/>
               </a:lnSpc>
@@ -7895,7 +7863,7 @@
         <p:spPr>
           <a:xfrm>
             <a:off x="720000" y="300960"/>
-            <a:ext cx="8854200" cy="1261080"/>
+            <a:ext cx="8853840" cy="1260720"/>
           </a:xfrm>
           <a:prstGeom prst="rect">
             <a:avLst/>
@@ -7939,7 +7907,7 @@
         <p:spPr>
           <a:xfrm>
             <a:off x="720000" y="2160000"/>
-            <a:ext cx="8638560" cy="4383360"/>
+            <a:ext cx="8638200" cy="4383000"/>
           </a:xfrm>
           <a:prstGeom prst="rect">
             <a:avLst/>
@@ -7976,7 +7944,7 @@
             </a:endParaRPr>
           </a:p>
           <a:p>
-            <a:pPr marL="432000" indent="-322560">
+            <a:pPr marL="432000" indent="-322200">
               <a:lnSpc>
                 <a:spcPct val="100000"/>
               </a:lnSpc>
@@ -8005,7 +7973,7 @@
             </a:endParaRPr>
           </a:p>
           <a:p>
-            <a:pPr marL="432000" indent="-322560">
+            <a:pPr marL="432000" indent="-322200">
               <a:lnSpc>
                 <a:spcPct val="100000"/>
               </a:lnSpc>
@@ -8313,7 +8281,7 @@
         <p:spPr>
           <a:xfrm>
             <a:off x="720000" y="300960"/>
-            <a:ext cx="8854200" cy="1261080"/>
+            <a:ext cx="8853840" cy="1260720"/>
           </a:xfrm>
           <a:prstGeom prst="rect">
             <a:avLst/>
@@ -8357,7 +8325,7 @@
         <p:spPr>
           <a:xfrm>
             <a:off x="720000" y="2160000"/>
-            <a:ext cx="8638560" cy="4383360"/>
+            <a:ext cx="8638200" cy="4383000"/>
           </a:xfrm>
           <a:prstGeom prst="rect">
             <a:avLst/>
@@ -8376,7 +8344,7 @@
         <p:txBody>
           <a:bodyPr lIns="0" rIns="0" tIns="0" bIns="0"/>
           <a:p>
-            <a:pPr marL="432000" indent="-322560">
+            <a:pPr marL="432000" indent="-322200">
               <a:lnSpc>
                 <a:spcPct val="100000"/>
               </a:lnSpc>
@@ -8445,7 +8413,7 @@
             </a:endParaRPr>
           </a:p>
           <a:p>
-            <a:pPr marL="432000" indent="-322560">
+            <a:pPr marL="432000" indent="-322200">
               <a:lnSpc>
                 <a:spcPct val="100000"/>
               </a:lnSpc>
@@ -8474,7 +8442,7 @@
             </a:endParaRPr>
           </a:p>
           <a:p>
-            <a:pPr marL="432000" indent="-322560">
+            <a:pPr marL="432000" indent="-322200">
               <a:lnSpc>
                 <a:spcPct val="100000"/>
               </a:lnSpc>
@@ -8503,7 +8471,7 @@
             </a:endParaRPr>
           </a:p>
           <a:p>
-            <a:pPr marL="432000" indent="-322560">
+            <a:pPr marL="432000" indent="-322200">
               <a:lnSpc>
                 <a:spcPct val="100000"/>
               </a:lnSpc>
@@ -8532,7 +8500,7 @@
             </a:endParaRPr>
           </a:p>
           <a:p>
-            <a:pPr marL="432000" indent="-322560">
+            <a:pPr marL="432000" indent="-322200">
               <a:lnSpc>
                 <a:spcPct val="100000"/>
               </a:lnSpc>
@@ -8630,7 +8598,7 @@
         <p:spPr>
           <a:xfrm>
             <a:off x="720000" y="300960"/>
-            <a:ext cx="8854200" cy="1261080"/>
+            <a:ext cx="8853840" cy="1260720"/>
           </a:xfrm>
           <a:prstGeom prst="rect">
             <a:avLst/>
@@ -8674,7 +8642,7 @@
         <p:spPr>
           <a:xfrm>
             <a:off x="756000" y="2160000"/>
-            <a:ext cx="8638560" cy="4383360"/>
+            <a:ext cx="8638200" cy="4383000"/>
           </a:xfrm>
           <a:prstGeom prst="rect">
             <a:avLst/>
@@ -8693,7 +8661,7 @@
         <p:txBody>
           <a:bodyPr lIns="0" rIns="0" tIns="0" bIns="0"/>
           <a:p>
-            <a:pPr marL="432000" indent="-322560">
+            <a:pPr marL="432000" indent="-322200">
               <a:lnSpc>
                 <a:spcPct val="100000"/>
               </a:lnSpc>
@@ -8744,7 +8712,7 @@
             </a:endParaRPr>
           </a:p>
           <a:p>
-            <a:pPr marL="432000" indent="-322560">
+            <a:pPr marL="432000" indent="-322200">
               <a:lnSpc>
                 <a:spcPct val="100000"/>
               </a:lnSpc>
@@ -8805,7 +8773,7 @@
             </a:endParaRPr>
           </a:p>
           <a:p>
-            <a:pPr marL="432000" indent="-322560">
+            <a:pPr marL="432000" indent="-322200">
               <a:lnSpc>
                 <a:spcPct val="100000"/>
               </a:lnSpc>
@@ -8935,7 +8903,7 @@
         <p:spPr>
           <a:xfrm>
             <a:off x="720000" y="300960"/>
-            <a:ext cx="8854200" cy="1261080"/>
+            <a:ext cx="8853840" cy="1260720"/>
           </a:xfrm>
           <a:prstGeom prst="rect">
             <a:avLst/>
@@ -8979,7 +8947,7 @@
         <p:spPr>
           <a:xfrm>
             <a:off x="720000" y="2160000"/>
-            <a:ext cx="8638560" cy="4383360"/>
+            <a:ext cx="8638200" cy="4383000"/>
           </a:xfrm>
           <a:prstGeom prst="rect">
             <a:avLst/>
@@ -9126,7 +9094,7 @@
         <p:spPr>
           <a:xfrm>
             <a:off x="720000" y="300960"/>
-            <a:ext cx="8854200" cy="1261080"/>
+            <a:ext cx="8853840" cy="1260720"/>
           </a:xfrm>
           <a:prstGeom prst="rect">
             <a:avLst/>
@@ -9170,7 +9138,7 @@
         <p:spPr>
           <a:xfrm>
             <a:off x="720000" y="2160000"/>
-            <a:ext cx="8638560" cy="4383360"/>
+            <a:ext cx="8638200" cy="4383000"/>
           </a:xfrm>
           <a:prstGeom prst="rect">
             <a:avLst/>
@@ -9189,7 +9157,7 @@
         <p:txBody>
           <a:bodyPr lIns="0" rIns="0" tIns="0" bIns="0"/>
           <a:p>
-            <a:pPr marL="432000" indent="-322560">
+            <a:pPr marL="432000" indent="-322200">
               <a:lnSpc>
                 <a:spcPct val="100000"/>
               </a:lnSpc>
@@ -9218,7 +9186,7 @@
             </a:endParaRPr>
           </a:p>
           <a:p>
-            <a:pPr lvl="1" marL="864000" indent="-322560">
+            <a:pPr lvl="1" marL="864000" indent="-322200">
               <a:lnSpc>
                 <a:spcPct val="100000"/>
               </a:lnSpc>
@@ -9247,7 +9215,7 @@
             </a:endParaRPr>
           </a:p>
           <a:p>
-            <a:pPr lvl="1" marL="864000" indent="-322560">
+            <a:pPr lvl="1" marL="864000" indent="-322200">
               <a:lnSpc>
                 <a:spcPct val="100000"/>
               </a:lnSpc>
@@ -9276,7 +9244,7 @@
             </a:endParaRPr>
           </a:p>
           <a:p>
-            <a:pPr lvl="1" marL="864000" indent="-322560">
+            <a:pPr lvl="1" marL="864000" indent="-322200">
               <a:lnSpc>
                 <a:spcPct val="100000"/>
               </a:lnSpc>
@@ -9305,7 +9273,7 @@
             </a:endParaRPr>
           </a:p>
           <a:p>
-            <a:pPr lvl="1" marL="864000" indent="-322560">
+            <a:pPr lvl="1" marL="864000" indent="-322200">
               <a:lnSpc>
                 <a:spcPct val="100000"/>
               </a:lnSpc>
@@ -9334,7 +9302,7 @@
             </a:endParaRPr>
           </a:p>
           <a:p>
-            <a:pPr marL="432000" indent="-322560">
+            <a:pPr marL="432000" indent="-322200">
               <a:lnSpc>
                 <a:spcPct val="100000"/>
               </a:lnSpc>
@@ -9422,7 +9390,7 @@
         <p:spPr>
           <a:xfrm>
             <a:off x="720000" y="300960"/>
-            <a:ext cx="8854200" cy="1261080"/>
+            <a:ext cx="8853840" cy="1260720"/>
           </a:xfrm>
           <a:prstGeom prst="rect">
             <a:avLst/>
@@ -9466,7 +9434,7 @@
         <p:spPr>
           <a:xfrm>
             <a:off x="720000" y="2160000"/>
-            <a:ext cx="8638560" cy="4383360"/>
+            <a:ext cx="8638200" cy="4383000"/>
           </a:xfrm>
           <a:prstGeom prst="rect">
             <a:avLst/>
@@ -9485,7 +9453,7 @@
         <p:txBody>
           <a:bodyPr lIns="0" rIns="0" tIns="0" bIns="0"/>
           <a:p>
-            <a:pPr marL="432000" indent="-322560">
+            <a:pPr marL="432000" indent="-322200">
               <a:lnSpc>
                 <a:spcPct val="100000"/>
               </a:lnSpc>
@@ -9514,7 +9482,7 @@
             </a:endParaRPr>
           </a:p>
           <a:p>
-            <a:pPr marL="432000" indent="-322560">
+            <a:pPr marL="432000" indent="-322200">
               <a:lnSpc>
                 <a:spcPct val="100000"/>
               </a:lnSpc>
@@ -9543,7 +9511,7 @@
             </a:endParaRPr>
           </a:p>
           <a:p>
-            <a:pPr marL="432000" indent="-322560">
+            <a:pPr marL="432000" indent="-322200">
               <a:lnSpc>
                 <a:spcPct val="100000"/>
               </a:lnSpc>
@@ -9572,7 +9540,7 @@
             </a:endParaRPr>
           </a:p>
           <a:p>
-            <a:pPr marL="432000" indent="-322560">
+            <a:pPr marL="432000" indent="-322200">
               <a:lnSpc>
                 <a:spcPct val="100000"/>
               </a:lnSpc>
@@ -9601,7 +9569,7 @@
             </a:endParaRPr>
           </a:p>
           <a:p>
-            <a:pPr marL="432000" indent="-322560">
+            <a:pPr marL="432000" indent="-322200">
               <a:lnSpc>
                 <a:spcPct val="100000"/>
               </a:lnSpc>
@@ -9689,7 +9657,7 @@
         <p:spPr>
           <a:xfrm>
             <a:off x="720000" y="300960"/>
-            <a:ext cx="8854200" cy="1261080"/>
+            <a:ext cx="8853840" cy="1260720"/>
           </a:xfrm>
           <a:prstGeom prst="rect">
             <a:avLst/>
@@ -9733,7 +9701,7 @@
         <p:spPr>
           <a:xfrm>
             <a:off x="720000" y="2160000"/>
-            <a:ext cx="8638560" cy="4383360"/>
+            <a:ext cx="8638200" cy="4383000"/>
           </a:xfrm>
           <a:prstGeom prst="rect">
             <a:avLst/>
@@ -9752,7 +9720,7 @@
         <p:txBody>
           <a:bodyPr lIns="0" rIns="0" tIns="0" bIns="0"/>
           <a:p>
-            <a:pPr marL="432000" indent="-322560">
+            <a:pPr marL="432000" indent="-322200">
               <a:lnSpc>
                 <a:spcPct val="100000"/>
               </a:lnSpc>
@@ -9802,7 +9770,7 @@
             </a:endParaRPr>
           </a:p>
           <a:p>
-            <a:pPr marL="432000" indent="-322560">
+            <a:pPr marL="432000" indent="-322200">
               <a:lnSpc>
                 <a:spcPct val="100000"/>
               </a:lnSpc>
@@ -9933,7 +9901,7 @@
             </a:endParaRPr>
           </a:p>
           <a:p>
-            <a:pPr marL="432000" indent="-322560">
+            <a:pPr marL="432000" indent="-322200">
               <a:lnSpc>
                 <a:spcPct val="100000"/>
               </a:lnSpc>
@@ -10042,7 +10010,7 @@
         <p:spPr>
           <a:xfrm>
             <a:off x="720000" y="300960"/>
-            <a:ext cx="8854200" cy="1261080"/>
+            <a:ext cx="8853840" cy="1260720"/>
           </a:xfrm>
           <a:prstGeom prst="rect">
             <a:avLst/>
@@ -10086,7 +10054,7 @@
         <p:spPr>
           <a:xfrm>
             <a:off x="720000" y="2160000"/>
-            <a:ext cx="8638560" cy="4383360"/>
+            <a:ext cx="8638200" cy="4383000"/>
           </a:xfrm>
           <a:prstGeom prst="rect">
             <a:avLst/>
@@ -10269,7 +10237,7 @@
         <p:spPr>
           <a:xfrm>
             <a:off x="720000" y="300960"/>
-            <a:ext cx="8854200" cy="1261080"/>
+            <a:ext cx="8853840" cy="1260720"/>
           </a:xfrm>
           <a:prstGeom prst="rect">
             <a:avLst/>
@@ -10313,7 +10281,7 @@
         <p:spPr>
           <a:xfrm>
             <a:off x="720000" y="2160000"/>
-            <a:ext cx="8638560" cy="4383360"/>
+            <a:ext cx="8638200" cy="4383000"/>
           </a:xfrm>
           <a:prstGeom prst="rect">
             <a:avLst/>
@@ -10624,7 +10592,7 @@
         <p:spPr>
           <a:xfrm>
             <a:off x="720000" y="300960"/>
-            <a:ext cx="8854200" cy="1261080"/>
+            <a:ext cx="8853840" cy="1260720"/>
           </a:xfrm>
           <a:prstGeom prst="rect">
             <a:avLst/>
@@ -10668,7 +10636,7 @@
         <p:spPr>
           <a:xfrm>
             <a:off x="720000" y="2160000"/>
-            <a:ext cx="8638560" cy="4383360"/>
+            <a:ext cx="8638200" cy="4383000"/>
           </a:xfrm>
           <a:prstGeom prst="rect">
             <a:avLst/>
@@ -10895,7 +10863,7 @@
         <p:spPr>
           <a:xfrm>
             <a:off x="720000" y="300960"/>
-            <a:ext cx="8854200" cy="1261080"/>
+            <a:ext cx="8853840" cy="1260720"/>
           </a:xfrm>
           <a:prstGeom prst="rect">
             <a:avLst/>
@@ -10939,7 +10907,7 @@
         <p:spPr>
           <a:xfrm>
             <a:off x="720000" y="1800000"/>
-            <a:ext cx="8638560" cy="5327280"/>
+            <a:ext cx="8638200" cy="5326920"/>
           </a:xfrm>
           <a:prstGeom prst="rect">
             <a:avLst/>

--- a/Slides/TypeClasses.pptx
+++ b/Slides/TypeClasses.pptx
@@ -2742,7 +2742,7 @@
         <p:spPr>
           <a:xfrm>
             <a:off x="0" y="4320000"/>
-            <a:ext cx="499320" cy="1075320"/>
+            <a:ext cx="498960" cy="1074960"/>
           </a:xfrm>
           <a:prstGeom prst="rect">
             <a:avLst/>
@@ -3021,7 +3021,7 @@
         <p:spPr>
           <a:xfrm>
             <a:off x="0" y="288000"/>
-            <a:ext cx="499320" cy="1075320"/>
+            <a:ext cx="498960" cy="1074960"/>
           </a:xfrm>
           <a:prstGeom prst="rect">
             <a:avLst/>
@@ -3300,7 +3300,7 @@
         <p:spPr>
           <a:xfrm>
             <a:off x="792000" y="3885480"/>
-            <a:ext cx="8563320" cy="1656720"/>
+            <a:ext cx="8562960" cy="1656360"/>
           </a:xfrm>
           <a:prstGeom prst="rect">
             <a:avLst/>
@@ -3357,7 +3357,7 @@
         <p:spPr>
           <a:xfrm>
             <a:off x="792000" y="5904000"/>
-            <a:ext cx="8563320" cy="977760"/>
+            <a:ext cx="8562960" cy="977400"/>
           </a:xfrm>
           <a:prstGeom prst="rect">
             <a:avLst/>
@@ -3465,7 +3465,7 @@
         <p:spPr>
           <a:xfrm>
             <a:off x="720000" y="300960"/>
-            <a:ext cx="8850960" cy="1257840"/>
+            <a:ext cx="8850600" cy="1257480"/>
           </a:xfrm>
           <a:prstGeom prst="rect">
             <a:avLst/>
@@ -3509,7 +3509,7 @@
         <p:spPr>
           <a:xfrm>
             <a:off x="720000" y="2160000"/>
-            <a:ext cx="8635320" cy="4380120"/>
+            <a:ext cx="8634960" cy="4379760"/>
           </a:xfrm>
           <a:prstGeom prst="rect">
             <a:avLst/>
@@ -3528,7 +3528,7 @@
         <p:txBody>
           <a:bodyPr lIns="0" rIns="0" tIns="0" bIns="0"/>
           <a:p>
-            <a:pPr marL="432000" indent="-319320">
+            <a:pPr marL="432000" indent="-318960">
               <a:lnSpc>
                 <a:spcPct val="100000"/>
               </a:lnSpc>
@@ -3578,7 +3578,7 @@
             </a:endParaRPr>
           </a:p>
           <a:p>
-            <a:pPr marL="432000" indent="-319320">
+            <a:pPr marL="432000" indent="-318960">
               <a:lnSpc>
                 <a:spcPct val="100000"/>
               </a:lnSpc>
@@ -3709,7 +3709,7 @@
             </a:endParaRPr>
           </a:p>
           <a:p>
-            <a:pPr marL="432000" indent="-319320">
+            <a:pPr marL="432000" indent="-318960">
               <a:lnSpc>
                 <a:spcPct val="100000"/>
               </a:lnSpc>
@@ -3818,7 +3818,7 @@
         <p:spPr>
           <a:xfrm>
             <a:off x="720000" y="300960"/>
-            <a:ext cx="8850960" cy="1257840"/>
+            <a:ext cx="8850600" cy="1257480"/>
           </a:xfrm>
           <a:prstGeom prst="rect">
             <a:avLst/>
@@ -3862,7 +3862,7 @@
         <p:spPr>
           <a:xfrm>
             <a:off x="720000" y="2160000"/>
-            <a:ext cx="8635320" cy="4380120"/>
+            <a:ext cx="8634960" cy="4379760"/>
           </a:xfrm>
           <a:prstGeom prst="rect">
             <a:avLst/>
@@ -4145,7 +4145,7 @@
         <p:spPr>
           <a:xfrm>
             <a:off x="720000" y="300960"/>
-            <a:ext cx="8850960" cy="1257840"/>
+            <a:ext cx="8850600" cy="1257480"/>
           </a:xfrm>
           <a:prstGeom prst="rect">
             <a:avLst/>
@@ -4189,7 +4189,7 @@
         <p:spPr>
           <a:xfrm>
             <a:off x="720000" y="2160000"/>
-            <a:ext cx="8635320" cy="4380120"/>
+            <a:ext cx="8634960" cy="4379760"/>
           </a:xfrm>
           <a:prstGeom prst="rect">
             <a:avLst/>
@@ -4622,7 +4622,7 @@
         <p:spPr>
           <a:xfrm>
             <a:off x="720000" y="300960"/>
-            <a:ext cx="8850960" cy="1257840"/>
+            <a:ext cx="8850600" cy="1257480"/>
           </a:xfrm>
           <a:prstGeom prst="rect">
             <a:avLst/>
@@ -4666,7 +4666,7 @@
         <p:spPr>
           <a:xfrm>
             <a:off x="720000" y="2160000"/>
-            <a:ext cx="8635320" cy="4380120"/>
+            <a:ext cx="8634960" cy="4379760"/>
           </a:xfrm>
           <a:prstGeom prst="rect">
             <a:avLst/>
@@ -5039,7 +5039,7 @@
         <p:spPr>
           <a:xfrm>
             <a:off x="720000" y="300960"/>
-            <a:ext cx="8850960" cy="1257840"/>
+            <a:ext cx="8850600" cy="1257480"/>
           </a:xfrm>
           <a:prstGeom prst="rect">
             <a:avLst/>
@@ -5083,7 +5083,7 @@
         <p:spPr>
           <a:xfrm>
             <a:off x="720000" y="1800000"/>
-            <a:ext cx="8635320" cy="5324040"/>
+            <a:ext cx="8634960" cy="5323680"/>
           </a:xfrm>
           <a:prstGeom prst="rect">
             <a:avLst/>
@@ -5751,7 +5751,7 @@
         <p:spPr>
           <a:xfrm>
             <a:off x="720000" y="300960"/>
-            <a:ext cx="8850960" cy="1257840"/>
+            <a:ext cx="8850600" cy="1257480"/>
           </a:xfrm>
           <a:prstGeom prst="rect">
             <a:avLst/>
@@ -5781,7 +5781,7 @@
               <a:t>Generic type class instances</a:t>
             </a:r>
             <a:endParaRPr b="0" lang="de-DE" sz="4000" spc="-1" strike="noStrike">
-              <a:latin typeface="Times New Roman"/>
+              <a:latin typeface="Arial"/>
             </a:endParaRPr>
           </a:p>
         </p:txBody>
@@ -5795,7 +5795,7 @@
         <p:spPr>
           <a:xfrm>
             <a:off x="720000" y="1800000"/>
-            <a:ext cx="8635320" cy="5324040"/>
+            <a:ext cx="8634960" cy="5323680"/>
           </a:xfrm>
           <a:prstGeom prst="rect">
             <a:avLst/>
@@ -5814,8 +5814,8 @@
         <p:txBody>
           <a:bodyPr lIns="0" rIns="0" tIns="0" bIns="0"/>
           <a:p>
-            <a:endParaRPr b="0" lang="de-DE" sz="2400" spc="-1" strike="noStrike">
-              <a:latin typeface="Times New Roman"/>
+            <a:endParaRPr b="0" lang="de-DE" sz="1800" spc="-1" strike="noStrike">
+              <a:latin typeface="Arial"/>
             </a:endParaRPr>
           </a:p>
           <a:p>
@@ -5830,7 +5830,7 @@
               <a:t>// a generic instance for Option[A] is a def with a type</a:t>
             </a:r>
             <a:endParaRPr b="0" lang="de-DE" sz="1800" spc="-1" strike="noStrike">
-              <a:latin typeface="Times New Roman"/>
+              <a:latin typeface="Arial"/>
             </a:endParaRPr>
           </a:p>
           <a:p>
@@ -5948,21 +5948,101 @@
                 <a:latin typeface="Menlo"/>
                 <a:ea typeface="Menlo"/>
               </a:rPr>
-              <a:t>]] = </a:t>
+              <a:t>]] = (optA: Option[</a:t>
             </a:r>
             <a:r>
               <a:rPr b="0" lang="de-DE" sz="1800" spc="-1" strike="noStrike">
                 <a:solidFill>
-                  <a:srgbClr val="000000"/>
-                </a:solidFill>
-                <a:latin typeface="Menlo"/>
-                <a:ea typeface="Menlo"/>
-              </a:rPr>
-              <a:t>(optA: Option[</a:t>
+                  <a:srgbClr val="1f888b"/>
+                </a:solidFill>
+                <a:latin typeface="Menlo"/>
+                <a:ea typeface="Menlo"/>
+              </a:rPr>
+              <a:t>A</a:t>
             </a:r>
             <a:r>
               <a:rPr b="0" lang="de-DE" sz="1800" spc="-1" strike="noStrike">
                 <a:solidFill>
+                  <a:srgbClr val="000000"/>
+                </a:solidFill>
+                <a:latin typeface="Menlo"/>
+                <a:ea typeface="Menlo"/>
+              </a:rPr>
+              <a:t>]) =&gt; </a:t>
+            </a:r>
+            <a:endParaRPr b="0" lang="de-DE" sz="1800" spc="-1" strike="noStrike">
+              <a:latin typeface="Arial"/>
+            </a:endParaRPr>
+          </a:p>
+          <a:p>
+            <a:r>
+              <a:rPr b="0" lang="de-DE" sz="1800" spc="-1" strike="noStrike">
+                <a:solidFill>
+                  <a:srgbClr val="000000"/>
+                </a:solidFill>
+                <a:latin typeface="Menlo"/>
+                <a:ea typeface="Menlo"/>
+              </a:rPr>
+              <a:t>  </a:t>
+            </a:r>
+            <a:r>
+              <a:rPr b="0" lang="de-DE" sz="1800" spc="-1" strike="noStrike">
+                <a:solidFill>
+                  <a:srgbClr val="000000"/>
+                </a:solidFill>
+                <a:latin typeface="Menlo"/>
+                <a:ea typeface="Menlo"/>
+              </a:rPr>
+              <a:t>optA</a:t>
+            </a:r>
+            <a:endParaRPr b="0" lang="de-DE" sz="1800" spc="-1" strike="noStrike">
+              <a:latin typeface="Arial"/>
+            </a:endParaRPr>
+          </a:p>
+          <a:p>
+            <a:r>
+              <a:rPr b="0" lang="de-DE" sz="1800" spc="-1" strike="noStrike">
+                <a:solidFill>
+                  <a:srgbClr val="000000"/>
+                </a:solidFill>
+                <a:latin typeface="Menlo"/>
+                <a:ea typeface="Menlo"/>
+              </a:rPr>
+              <a:t>    </a:t>
+            </a:r>
+            <a:r>
+              <a:rPr b="0" lang="de-DE" sz="1800" spc="-1" strike="noStrike">
+                <a:solidFill>
+                  <a:srgbClr val="000000"/>
+                </a:solidFill>
+                <a:latin typeface="Menlo"/>
+                <a:ea typeface="Menlo"/>
+              </a:rPr>
+              <a:t>.map(</a:t>
+            </a:r>
+            <a:r>
+              <a:rPr b="0" i="1" lang="de-DE" sz="1800" spc="-1" strike="noStrike">
+                <a:solidFill>
+                  <a:srgbClr val="000000"/>
+                </a:solidFill>
+                <a:latin typeface="Menlo"/>
+                <a:ea typeface="Menlo"/>
+              </a:rPr>
+              <a:t>implicitly</a:t>
+            </a:r>
+            <a:r>
+              <a:rPr b="0" lang="de-DE" sz="1800" spc="-1" strike="noStrike">
+                <a:solidFill>
+                  <a:srgbClr val="000000"/>
+                </a:solidFill>
+                <a:latin typeface="Menlo"/>
+                <a:ea typeface="Menlo"/>
+              </a:rPr>
+              <a:t>[Printable[</a:t>
+            </a:r>
+            <a:r>
+              <a:rPr b="0" lang="de-DE" sz="1800" spc="-1" strike="noStrike">
+                <a:solidFill>
                   <a:srgbClr val="1f888b"/>
                 </a:solidFill>
                 <a:latin typeface="Menlo"/>
@@ -5978,7 +6058,7 @@
                 <a:latin typeface="Menlo"/>
                 <a:ea typeface="Menlo"/>
               </a:rPr>
-              <a:t>]) =&gt; </a:t>
+              <a:t>]].stringify)</a:t>
             </a:r>
             <a:endParaRPr b="0" lang="de-DE" sz="1800" spc="-1" strike="noStrike">
               <a:latin typeface="Arial"/>
@@ -5993,7 +6073,7 @@
                 <a:latin typeface="Menlo"/>
                 <a:ea typeface="Menlo"/>
               </a:rPr>
-              <a:t>  </a:t>
+              <a:t>    </a:t>
             </a:r>
             <a:r>
               <a:rPr b="0" lang="de-DE" sz="1800" spc="-1" strike="noStrike">
@@ -6003,7 +6083,57 @@
                 <a:latin typeface="Menlo"/>
                 <a:ea typeface="Menlo"/>
               </a:rPr>
-              <a:t>optA</a:t>
+              <a:t>.map(s =&gt; </a:t>
+            </a:r>
+            <a:r>
+              <a:rPr b="1" lang="de-DE" sz="1800" spc="-1" strike="noStrike">
+                <a:solidFill>
+                  <a:srgbClr val="0f7003"/>
+                </a:solidFill>
+                <a:latin typeface="Menlo"/>
+                <a:ea typeface="Menlo"/>
+              </a:rPr>
+              <a:t>s"Option(</a:t>
+            </a:r>
+            <a:r>
+              <a:rPr b="1" lang="de-DE" sz="1800" spc="-1" strike="noStrike">
+                <a:solidFill>
+                  <a:srgbClr val="16abad"/>
+                </a:solidFill>
+                <a:latin typeface="Menlo"/>
+                <a:ea typeface="Menlo"/>
+              </a:rPr>
+              <a:t>$</a:t>
+            </a:r>
+            <a:r>
+              <a:rPr b="0" lang="de-DE" sz="1800" spc="-1" strike="noStrike">
+                <a:solidFill>
+                  <a:srgbClr val="000000"/>
+                </a:solidFill>
+                <a:latin typeface="Menlo"/>
+                <a:ea typeface="Menlo"/>
+              </a:rPr>
+              <a:t>s</a:t>
+            </a:r>
+            <a:r>
+              <a:rPr b="1" lang="de-DE" sz="1800" spc="-1" strike="noStrike">
+                <a:solidFill>
+                  <a:srgbClr val="0f7003"/>
+                </a:solidFill>
+                <a:latin typeface="Menlo"/>
+                <a:ea typeface="Menlo"/>
+              </a:rPr>
+              <a:t>)"</a:t>
+            </a:r>
+            <a:r>
+              <a:rPr b="0" lang="de-DE" sz="1800" spc="-1" strike="noStrike">
+                <a:solidFill>
+                  <a:srgbClr val="000000"/>
+                </a:solidFill>
+                <a:latin typeface="Menlo"/>
+                <a:ea typeface="Menlo"/>
+              </a:rPr>
+              <a:t>)</a:t>
             </a:r>
             <a:endParaRPr b="0" lang="de-DE" sz="1800" spc="-1" strike="noStrike">
               <a:latin typeface="Arial"/>
@@ -6028,17 +6158,17 @@
                 <a:latin typeface="Menlo"/>
                 <a:ea typeface="Menlo"/>
               </a:rPr>
-              <a:t>.map(</a:t>
-            </a:r>
-            <a:r>
-              <a:rPr b="0" i="1" lang="de-DE" sz="1800" spc="-1" strike="noStrike">
-                <a:solidFill>
-                  <a:srgbClr val="000000"/>
-                </a:solidFill>
-                <a:latin typeface="Menlo"/>
-                <a:ea typeface="Menlo"/>
-              </a:rPr>
-              <a:t>implicitly</a:t>
+              <a:t>.getOrElse(</a:t>
+            </a:r>
+            <a:r>
+              <a:rPr b="1" lang="de-DE" sz="1800" spc="-1" strike="noStrike">
+                <a:solidFill>
+                  <a:srgbClr val="0f7003"/>
+                </a:solidFill>
+                <a:latin typeface="Menlo"/>
+                <a:ea typeface="Menlo"/>
+              </a:rPr>
+              <a:t>"None"</a:t>
             </a:r>
             <a:r>
               <a:rPr b="0" lang="de-DE" sz="1800" spc="-1" strike="noStrike">
@@ -6048,160 +6178,20 @@
                 <a:latin typeface="Menlo"/>
                 <a:ea typeface="Menlo"/>
               </a:rPr>
-              <a:t>[Printable[</a:t>
-            </a:r>
-            <a:r>
-              <a:rPr b="0" lang="de-DE" sz="1800" spc="-1" strike="noStrike">
-                <a:solidFill>
-                  <a:srgbClr val="1f888b"/>
-                </a:solidFill>
-                <a:latin typeface="Menlo"/>
-                <a:ea typeface="Menlo"/>
-              </a:rPr>
-              <a:t>A</a:t>
-            </a:r>
-            <a:r>
-              <a:rPr b="0" lang="de-DE" sz="1800" spc="-1" strike="noStrike">
-                <a:solidFill>
-                  <a:srgbClr val="000000"/>
-                </a:solidFill>
-                <a:latin typeface="Menlo"/>
-                <a:ea typeface="Menlo"/>
-              </a:rPr>
-              <a:t>]].stringify)</a:t>
+              <a:t>)</a:t>
             </a:r>
             <a:endParaRPr b="0" lang="de-DE" sz="1800" spc="-1" strike="noStrike">
               <a:latin typeface="Arial"/>
             </a:endParaRPr>
           </a:p>
           <a:p>
-            <a:r>
-              <a:rPr b="0" lang="de-DE" sz="1800" spc="-1" strike="noStrike">
-                <a:solidFill>
-                  <a:srgbClr val="000000"/>
-                </a:solidFill>
-                <a:latin typeface="Menlo"/>
-                <a:ea typeface="Menlo"/>
-              </a:rPr>
-              <a:t>    </a:t>
-            </a:r>
-            <a:r>
-              <a:rPr b="0" lang="de-DE" sz="1800" spc="-1" strike="noStrike">
-                <a:solidFill>
-                  <a:srgbClr val="000000"/>
-                </a:solidFill>
-                <a:latin typeface="Menlo"/>
-                <a:ea typeface="Menlo"/>
-              </a:rPr>
-              <a:t>.map(s =&gt; </a:t>
-            </a:r>
-            <a:r>
-              <a:rPr b="1" lang="de-DE" sz="1800" spc="-1" strike="noStrike">
-                <a:solidFill>
-                  <a:srgbClr val="0f7003"/>
-                </a:solidFill>
-                <a:latin typeface="Menlo"/>
-                <a:ea typeface="Menlo"/>
-              </a:rPr>
-              <a:t>s"Option(</a:t>
-            </a:r>
-            <a:r>
-              <a:rPr b="1" lang="de-DE" sz="1800" spc="-1" strike="noStrike">
-                <a:solidFill>
-                  <a:srgbClr val="16abad"/>
-                </a:solidFill>
-                <a:latin typeface="Menlo"/>
-                <a:ea typeface="Menlo"/>
-              </a:rPr>
-              <a:t>$</a:t>
-            </a:r>
-            <a:r>
-              <a:rPr b="0" lang="de-DE" sz="1800" spc="-1" strike="noStrike">
-                <a:solidFill>
-                  <a:srgbClr val="000000"/>
-                </a:solidFill>
-                <a:latin typeface="Menlo"/>
-                <a:ea typeface="Menlo"/>
-              </a:rPr>
-              <a:t>s</a:t>
-            </a:r>
-            <a:r>
-              <a:rPr b="1" lang="de-DE" sz="1800" spc="-1" strike="noStrike">
-                <a:solidFill>
-                  <a:srgbClr val="0f7003"/>
-                </a:solidFill>
-                <a:latin typeface="Menlo"/>
-                <a:ea typeface="Menlo"/>
-              </a:rPr>
-              <a:t>)"</a:t>
-            </a:r>
-            <a:r>
-              <a:rPr b="0" lang="de-DE" sz="1800" spc="-1" strike="noStrike">
-                <a:solidFill>
-                  <a:srgbClr val="000000"/>
-                </a:solidFill>
-                <a:latin typeface="Menlo"/>
-                <a:ea typeface="Menlo"/>
-              </a:rPr>
-              <a:t>)</a:t>
-            </a:r>
             <a:endParaRPr b="0" lang="de-DE" sz="1800" spc="-1" strike="noStrike">
               <a:latin typeface="Arial"/>
             </a:endParaRPr>
           </a:p>
           <a:p>
-            <a:r>
-              <a:rPr b="0" lang="de-DE" sz="1800" spc="-1" strike="noStrike">
-                <a:solidFill>
-                  <a:srgbClr val="000000"/>
-                </a:solidFill>
-                <a:latin typeface="Menlo"/>
-                <a:ea typeface="Menlo"/>
-              </a:rPr>
-              <a:t>    </a:t>
-            </a:r>
-            <a:r>
-              <a:rPr b="0" lang="de-DE" sz="1800" spc="-1" strike="noStrike">
-                <a:solidFill>
-                  <a:srgbClr val="000000"/>
-                </a:solidFill>
-                <a:latin typeface="Menlo"/>
-                <a:ea typeface="Menlo"/>
-              </a:rPr>
-              <a:t>.getOrElse(</a:t>
-            </a:r>
-            <a:r>
-              <a:rPr b="1" lang="de-DE" sz="1800" spc="-1" strike="noStrike">
-                <a:solidFill>
-                  <a:srgbClr val="0f7003"/>
-                </a:solidFill>
-                <a:latin typeface="Menlo"/>
-                <a:ea typeface="Menlo"/>
-              </a:rPr>
-              <a:t>"None"</a:t>
-            </a:r>
-            <a:r>
-              <a:rPr b="0" lang="de-DE" sz="1800" spc="-1" strike="noStrike">
-                <a:solidFill>
-                  <a:srgbClr val="000000"/>
-                </a:solidFill>
-                <a:latin typeface="Menlo"/>
-                <a:ea typeface="Menlo"/>
-              </a:rPr>
-              <a:t>)</a:t>
-            </a:r>
             <a:endParaRPr b="0" lang="de-DE" sz="1800" spc="-1" strike="noStrike">
               <a:latin typeface="Arial"/>
-            </a:endParaRPr>
-          </a:p>
-          <a:p>
-            <a:endParaRPr b="0" lang="de-DE" sz="1800" spc="-1" strike="noStrike">
-              <a:latin typeface="Arial"/>
-            </a:endParaRPr>
-          </a:p>
-          <a:p>
-            <a:endParaRPr b="0" lang="de-DE" sz="1800" spc="-1" strike="noStrike">
-              <a:latin typeface="Times New Roman"/>
             </a:endParaRPr>
           </a:p>
         </p:txBody>
@@ -6264,7 +6254,7 @@
         <p:spPr>
           <a:xfrm>
             <a:off x="720000" y="300960"/>
-            <a:ext cx="8850960" cy="1257840"/>
+            <a:ext cx="8850600" cy="1257480"/>
           </a:xfrm>
           <a:prstGeom prst="rect">
             <a:avLst/>
@@ -6308,7 +6298,7 @@
         <p:spPr>
           <a:xfrm>
             <a:off x="720000" y="2160000"/>
-            <a:ext cx="8635320" cy="4380120"/>
+            <a:ext cx="8634960" cy="4379760"/>
           </a:xfrm>
           <a:prstGeom prst="rect">
             <a:avLst/>
@@ -6415,7 +6405,7 @@
                 <a:latin typeface="Menlo"/>
                 <a:ea typeface="Menlo"/>
               </a:rPr>
-              <a:t>printable: Printable[</a:t>
+              <a:t>p: Printable[</a:t>
             </a:r>
             <a:r>
               <a:rPr b="0" lang="de-DE" sz="1600" spc="-1" strike="noStrike">
@@ -6470,7 +6460,7 @@
                 <a:latin typeface="Menlo"/>
                 <a:ea typeface="Menlo"/>
               </a:rPr>
-              <a:t>(printable.stringify(value))</a:t>
+              <a:t>(p.stringify(value))</a:t>
             </a:r>
             <a:endParaRPr b="0" lang="de-DE" sz="1600" spc="-1" strike="noStrike">
               <a:latin typeface="Arial"/>
@@ -6592,6 +6582,11 @@
             </a:endParaRPr>
           </a:p>
           <a:p>
+            <a:pPr>
+              <a:lnSpc>
+                <a:spcPct val="100000"/>
+              </a:lnSpc>
+            </a:pPr>
             <a:endParaRPr b="0" lang="de-DE" sz="1600" spc="-1" strike="noStrike">
               <a:latin typeface="Arial"/>
             </a:endParaRPr>
@@ -6656,7 +6651,7 @@
         <p:spPr>
           <a:xfrm>
             <a:off x="720000" y="300960"/>
-            <a:ext cx="8850960" cy="1257840"/>
+            <a:ext cx="8850600" cy="1257480"/>
           </a:xfrm>
           <a:prstGeom prst="rect">
             <a:avLst/>
@@ -6700,7 +6695,7 @@
         <p:spPr>
           <a:xfrm>
             <a:off x="720000" y="2160000"/>
-            <a:ext cx="8635320" cy="4380120"/>
+            <a:ext cx="8634960" cy="4379760"/>
           </a:xfrm>
           <a:prstGeom prst="rect">
             <a:avLst/>
@@ -6719,7 +6714,7 @@
         <p:txBody>
           <a:bodyPr lIns="0" rIns="0" tIns="0" bIns="0"/>
           <a:p>
-            <a:pPr marL="432000" indent="-319320">
+            <a:pPr marL="432000" indent="-318960">
               <a:lnSpc>
                 <a:spcPct val="100000"/>
               </a:lnSpc>
@@ -6741,14 +6736,54 @@
                 <a:latin typeface="Noto Sans Regular"/>
                 <a:ea typeface="DejaVu Sans"/>
               </a:rPr>
-              <a:t>Move the print method into an object (e.g. the companion object of the type class).</a:t>
+              <a:t>Move </a:t>
+            </a:r>
+            <a:r>
+              <a:rPr b="0" lang="de-DE" sz="2800" spc="-1" strike="noStrike">
+                <a:solidFill>
+                  <a:srgbClr val="333333"/>
+                </a:solidFill>
+                <a:latin typeface="Courier New"/>
+                <a:ea typeface="DejaVu Sans"/>
+              </a:rPr>
+              <a:t>stringify</a:t>
+            </a:r>
+            <a:r>
+              <a:rPr b="0" lang="de-DE" sz="2800" spc="-1" strike="noStrike">
+                <a:solidFill>
+                  <a:srgbClr val="333333"/>
+                </a:solidFill>
+                <a:latin typeface="Noto Sans Regular"/>
+                <a:ea typeface="DejaVu Sans"/>
+              </a:rPr>
+              <a:t> and </a:t>
+            </a:r>
+            <a:r>
+              <a:rPr b="0" lang="de-DE" sz="2800" spc="-1" strike="noStrike">
+                <a:solidFill>
+                  <a:srgbClr val="333333"/>
+                </a:solidFill>
+                <a:latin typeface="Courier New"/>
+                <a:ea typeface="DejaVu Sans"/>
+              </a:rPr>
+              <a:t>pprint</a:t>
+            </a:r>
+            <a:r>
+              <a:rPr b="0" lang="de-DE" sz="2800" spc="-1" strike="noStrike">
+                <a:solidFill>
+                  <a:srgbClr val="333333"/>
+                </a:solidFill>
+                <a:latin typeface="Noto Sans Regular"/>
+                <a:ea typeface="DejaVu Sans"/>
+              </a:rPr>
+              <a:t> methods into an object (e.g. the companion object or package object of the type class).</a:t>
             </a:r>
             <a:endParaRPr b="0" lang="de-DE" sz="2800" spc="-1" strike="noStrike">
               <a:latin typeface="Arial"/>
             </a:endParaRPr>
           </a:p>
           <a:p>
-            <a:pPr marL="432000" indent="-319320">
+            <a:pPr marL="432000" indent="-318960">
               <a:lnSpc>
                 <a:spcPct val="100000"/>
               </a:lnSpc>
@@ -6777,7 +6812,7 @@
             </a:endParaRPr>
           </a:p>
           <a:p>
-            <a:pPr marL="432000" indent="-319320">
+            <a:pPr marL="432000" indent="-318960">
               <a:lnSpc>
                 <a:spcPct val="100000"/>
               </a:lnSpc>
@@ -6865,7 +6900,7 @@
         <p:spPr>
           <a:xfrm>
             <a:off x="720000" y="300960"/>
-            <a:ext cx="8850960" cy="1257840"/>
+            <a:ext cx="8850600" cy="1257480"/>
           </a:xfrm>
           <a:prstGeom prst="rect">
             <a:avLst/>
@@ -6908,8 +6943,8 @@
         </p:nvSpPr>
         <p:spPr>
           <a:xfrm>
-            <a:off x="720000" y="2160000"/>
-            <a:ext cx="8635320" cy="4380120"/>
+            <a:off x="720000" y="1692000"/>
+            <a:ext cx="8634960" cy="5220000"/>
           </a:xfrm>
           <a:prstGeom prst="rect">
             <a:avLst/>
@@ -6974,7 +7009,7 @@
                 <a:latin typeface="Courier New"/>
                 <a:ea typeface="DejaVu Sans"/>
               </a:rPr>
-              <a:t>print</a:t>
+              <a:t>pprint</a:t>
             </a:r>
             <a:r>
               <a:rPr b="0" lang="de-DE" sz="2400" spc="-1" strike="noStrike">
@@ -6984,7 +7019,7 @@
                 <a:latin typeface="Noto Sans Regular"/>
                 <a:ea typeface="DejaVu Sans"/>
               </a:rPr>
-              <a:t>) into a singleton object (e.g. the companion object of the type class). They will be found automatically without extra import statement in the user code.</a:t>
+              <a:t>) into a singleton object (e.g. the companion object or package object of the type class). They will be found automatically without extra import statement in the user code.</a:t>
             </a:r>
             <a:endParaRPr b="0" lang="de-DE" sz="2400" spc="-1" strike="noStrike">
               <a:latin typeface="Arial"/>
@@ -7334,7 +7369,7 @@
                 <a:latin typeface="Menlo"/>
                 <a:ea typeface="Menlo"/>
               </a:rPr>
-              <a:t>print[</a:t>
+              <a:t>pprint[</a:t>
             </a:r>
             <a:r>
               <a:rPr b="0" lang="de-DE" sz="1600" spc="-1" strike="noStrike">
@@ -7504,7 +7539,7 @@
                 <a:latin typeface="Menlo"/>
                 <a:ea typeface="Menlo"/>
               </a:rPr>
-              <a:t>print</a:t>
+              <a:t>pprint</a:t>
             </a:r>
             <a:r>
               <a:rPr b="0" lang="de-DE" sz="1600" spc="-1" strike="noStrike">
@@ -7610,7 +7645,7 @@
         <p:spPr>
           <a:xfrm>
             <a:off x="720000" y="300960"/>
-            <a:ext cx="8850960" cy="1257840"/>
+            <a:ext cx="8850600" cy="1257480"/>
           </a:xfrm>
           <a:prstGeom prst="rect">
             <a:avLst/>
@@ -7654,7 +7689,7 @@
         <p:spPr>
           <a:xfrm>
             <a:off x="720000" y="2160000"/>
-            <a:ext cx="8635320" cy="4380120"/>
+            <a:ext cx="8634960" cy="4379760"/>
           </a:xfrm>
           <a:prstGeom prst="rect">
             <a:avLst/>
@@ -7673,7 +7708,7 @@
         <p:txBody>
           <a:bodyPr lIns="0" rIns="0" tIns="0" bIns="0"/>
           <a:p>
-            <a:pPr marL="432000" indent="-319320">
+            <a:pPr marL="432000" indent="-318960">
               <a:lnSpc>
                 <a:spcPct val="100000"/>
               </a:lnSpc>
@@ -7968,7 +8003,7 @@
                 <a:latin typeface="Menlo"/>
                 <a:ea typeface="Menlo"/>
               </a:rPr>
-              <a:t>print(</a:t>
+              <a:t>pprint(</a:t>
             </a:r>
             <a:r>
               <a:rPr b="1" lang="de-DE" sz="1600" spc="-1" strike="noStrike">
@@ -8088,7 +8123,7 @@
                 <a:latin typeface="Menlo"/>
                 <a:ea typeface="Menlo"/>
               </a:rPr>
-              <a:t>.print</a:t>
+              <a:t>.pprint</a:t>
             </a:r>
             <a:endParaRPr b="0" lang="de-DE" sz="1600" spc="-1" strike="noStrike">
               <a:latin typeface="Arial"/>
@@ -8164,7 +8199,7 @@
         <p:spPr>
           <a:xfrm>
             <a:off x="720000" y="300960"/>
-            <a:ext cx="8850960" cy="1257840"/>
+            <a:ext cx="8850600" cy="1257480"/>
           </a:xfrm>
           <a:prstGeom prst="rect">
             <a:avLst/>
@@ -8208,7 +8243,7 @@
         <p:spPr>
           <a:xfrm>
             <a:off x="720000" y="2160000"/>
-            <a:ext cx="8635320" cy="4380120"/>
+            <a:ext cx="8634960" cy="4379760"/>
           </a:xfrm>
           <a:prstGeom prst="rect">
             <a:avLst/>
@@ -8227,7 +8262,7 @@
         <p:txBody>
           <a:bodyPr lIns="0" rIns="0" tIns="0" bIns="0"/>
           <a:p>
-            <a:pPr marL="432000" indent="-319320">
+            <a:pPr marL="432000" indent="-318960">
               <a:lnSpc>
                 <a:spcPct val="100000"/>
               </a:lnSpc>
@@ -8256,7 +8291,7 @@
             </a:endParaRPr>
           </a:p>
           <a:p>
-            <a:pPr marL="432000" indent="-319320">
+            <a:pPr marL="432000" indent="-318960">
               <a:lnSpc>
                 <a:spcPct val="100000"/>
               </a:lnSpc>
@@ -8285,7 +8320,7 @@
             </a:endParaRPr>
           </a:p>
           <a:p>
-            <a:pPr marL="432000" indent="-319320">
+            <a:pPr marL="432000" indent="-318960">
               <a:lnSpc>
                 <a:spcPct val="100000"/>
               </a:lnSpc>
@@ -8314,7 +8349,7 @@
             </a:endParaRPr>
           </a:p>
           <a:p>
-            <a:pPr marL="432000" indent="-319320">
+            <a:pPr marL="432000" indent="-318960">
               <a:lnSpc>
                 <a:spcPct val="100000"/>
               </a:lnSpc>
@@ -8353,7 +8388,7 @@
             </a:endParaRPr>
           </a:p>
           <a:p>
-            <a:pPr marL="432000" indent="-319320">
+            <a:pPr marL="432000" indent="-318960">
               <a:lnSpc>
                 <a:spcPct val="100000"/>
               </a:lnSpc>
@@ -8382,7 +8417,7 @@
             </a:endParaRPr>
           </a:p>
           <a:p>
-            <a:pPr marL="432000" indent="-319320">
+            <a:pPr marL="432000" indent="-318960">
               <a:lnSpc>
                 <a:spcPct val="100000"/>
               </a:lnSpc>
@@ -8411,7 +8446,7 @@
             </a:endParaRPr>
           </a:p>
           <a:p>
-            <a:pPr marL="432000" indent="-319320">
+            <a:pPr marL="432000" indent="-318960">
               <a:lnSpc>
                 <a:spcPct val="100000"/>
               </a:lnSpc>
@@ -8440,7 +8475,7 @@
             </a:endParaRPr>
           </a:p>
           <a:p>
-            <a:pPr marL="432000" indent="-319320">
+            <a:pPr marL="432000" indent="-318960">
               <a:lnSpc>
                 <a:spcPct val="100000"/>
               </a:lnSpc>
@@ -8528,7 +8563,7 @@
         <p:spPr>
           <a:xfrm>
             <a:off x="720000" y="300960"/>
-            <a:ext cx="8850960" cy="1257840"/>
+            <a:ext cx="8850600" cy="1257480"/>
           </a:xfrm>
           <a:prstGeom prst="rect">
             <a:avLst/>
@@ -8572,7 +8607,7 @@
         <p:spPr>
           <a:xfrm>
             <a:off x="720000" y="2160000"/>
-            <a:ext cx="8635320" cy="4380120"/>
+            <a:ext cx="8634960" cy="4379760"/>
           </a:xfrm>
           <a:prstGeom prst="rect">
             <a:avLst/>
@@ -8591,7 +8626,7 @@
         <p:txBody>
           <a:bodyPr lIns="0" rIns="0" tIns="0" bIns="0"/>
           <a:p>
-            <a:pPr marL="432000" indent="-319320">
+            <a:pPr marL="432000" indent="-318960">
               <a:lnSpc>
                 <a:spcPct val="100000"/>
               </a:lnSpc>
@@ -8673,14 +8708,14 @@
                 <a:latin typeface="Noto Sans Regular"/>
                 <a:ea typeface="DejaVu Sans"/>
               </a:rPr>
-              <a:t> etc.) should be stored under the same package as the type class itself (typically in companion object or in the package object of the type class).</a:t>
+              <a:t> etc.) should be stored under the same package as the type class itself (typically in companion object of the type class).</a:t>
             </a:r>
             <a:endParaRPr b="0" lang="de-DE" sz="2600" spc="-1" strike="noStrike">
               <a:latin typeface="Arial"/>
             </a:endParaRPr>
           </a:p>
           <a:p>
-            <a:pPr marL="432000" indent="-319320">
+            <a:pPr marL="432000" indent="-318960">
               <a:lnSpc>
                 <a:spcPct val="100000"/>
               </a:lnSpc>
@@ -8802,7 +8837,7 @@
                 <a:latin typeface="Noto Sans Regular"/>
                 <a:ea typeface="DejaVu Sans"/>
               </a:rPr>
-              <a:t> etc.) should be stored under the same package as the respective domain class (typically in the companion object or the package object of the type class.</a:t>
+              <a:t> etc.) should be stored under the same package as the respective domain class (typically in the companion object of the domain class.</a:t>
             </a:r>
             <a:endParaRPr b="0" lang="de-DE" sz="2600" spc="-1" strike="noStrike">
               <a:latin typeface="Arial"/>
@@ -8868,7 +8903,7 @@
         <p:spPr>
           <a:xfrm>
             <a:off x="720000" y="300960"/>
-            <a:ext cx="8850960" cy="1257840"/>
+            <a:ext cx="8850600" cy="1257480"/>
           </a:xfrm>
           <a:prstGeom prst="rect">
             <a:avLst/>
@@ -8898,7 +8933,7 @@
               <a:t>Implicits without import tax</a:t>
             </a:r>
             <a:endParaRPr b="0" lang="de-DE" sz="3200" spc="-1" strike="noStrike">
-              <a:latin typeface="Times New Roman"/>
+              <a:latin typeface="Arial"/>
             </a:endParaRPr>
           </a:p>
         </p:txBody>
@@ -8912,7 +8947,7 @@
         <p:spPr>
           <a:xfrm>
             <a:off x="720000" y="2160000"/>
-            <a:ext cx="8635320" cy="4380120"/>
+            <a:ext cx="8634960" cy="4379760"/>
           </a:xfrm>
           <a:prstGeom prst="rect">
             <a:avLst/>
@@ -8931,7 +8966,7 @@
         <p:txBody>
           <a:bodyPr lIns="0" rIns="0" tIns="0" bIns="0"/>
           <a:p>
-            <a:pPr marL="432000" indent="-319320">
+            <a:pPr marL="432000" indent="-318960">
               <a:lnSpc>
                 <a:spcPct val="100000"/>
               </a:lnSpc>
@@ -8987,11 +9022,11 @@
               <a:t>import path.to.libPrintable._</a:t>
             </a:r>
             <a:endParaRPr b="0" lang="de-DE" sz="2200" spc="-1" strike="noStrike">
-              <a:latin typeface="Times New Roman"/>
-            </a:endParaRPr>
-          </a:p>
-          <a:p>
-            <a:pPr marL="432000" indent="-319320">
+              <a:latin typeface="Arial"/>
+            </a:endParaRPr>
+          </a:p>
+          <a:p>
+            <a:pPr marL="432000" indent="-318960">
               <a:lnSpc>
                 <a:spcPct val="100000"/>
               </a:lnSpc>
@@ -9016,11 +9051,11 @@
               <a:t>Type class instances in the type class companian object (or in the type class package object) are found automatically without extra import.</a:t>
             </a:r>
             <a:endParaRPr b="0" lang="de-DE" sz="2600" spc="-1" strike="noStrike">
-              <a:latin typeface="Times New Roman"/>
-            </a:endParaRPr>
-          </a:p>
-          <a:p>
-            <a:pPr marL="432000" indent="-319320">
+              <a:latin typeface="Arial"/>
+            </a:endParaRPr>
+          </a:p>
+          <a:p>
+            <a:pPr marL="432000" indent="-318960">
               <a:lnSpc>
                 <a:spcPct val="100000"/>
               </a:lnSpc>
@@ -9042,20 +9077,10 @@
                 <a:latin typeface="Noto Sans Regular"/>
                 <a:ea typeface="DejaVu Sans"/>
               </a:rPr>
-              <a:t>If the implicit class with the extension methods is located in the type class</a:t>
-            </a:r>
-            <a:r>
-              <a:rPr b="0" lang="de-DE" sz="2600" spc="-1" strike="noStrike">
-                <a:solidFill>
-                  <a:srgbClr val="333333"/>
-                </a:solidFill>
-                <a:latin typeface="Noto Sans Regular"/>
-                <a:ea typeface="DejaVu Sans"/>
-              </a:rPr>
-              <a:t> package object it is also found without extra import.</a:t>
+              <a:t>If the implicit class with the extension methods is located in the type class package object it is also found without extra import.</a:t>
             </a:r>
             <a:endParaRPr b="0" lang="de-DE" sz="2600" spc="-1" strike="noStrike">
-              <a:latin typeface="Times New Roman"/>
+              <a:latin typeface="Arial"/>
             </a:endParaRPr>
           </a:p>
         </p:txBody>
@@ -9118,7 +9143,7 @@
         <p:spPr>
           <a:xfrm>
             <a:off x="720000" y="300960"/>
-            <a:ext cx="8850960" cy="1257840"/>
+            <a:ext cx="8850600" cy="1257480"/>
           </a:xfrm>
           <a:prstGeom prst="rect">
             <a:avLst/>
@@ -9148,7 +9173,7 @@
               <a:t>Implicits without import tax - code</a:t>
             </a:r>
             <a:endParaRPr b="0" lang="de-DE" sz="3200" spc="-1" strike="noStrike">
-              <a:latin typeface="Times New Roman"/>
+              <a:latin typeface="Arial"/>
             </a:endParaRPr>
           </a:p>
         </p:txBody>
@@ -9162,7 +9187,7 @@
         <p:spPr>
           <a:xfrm>
             <a:off x="720000" y="1440000"/>
-            <a:ext cx="8635320" cy="5652000"/>
+            <a:ext cx="8634960" cy="5651640"/>
           </a:xfrm>
           <a:prstGeom prst="rect">
             <a:avLst/>
@@ -9207,11 +9232,7 @@
           </a:p>
           <a:p>
             <a:endParaRPr b="0" lang="de-DE" sz="1200" spc="-1" strike="noStrike">
-              <a:solidFill>
-                <a:srgbClr val="000000"/>
-              </a:solidFill>
-              <a:latin typeface="Menlo"/>
-              <a:ea typeface="Menlo"/>
+              <a:latin typeface="Arial"/>
             </a:endParaRPr>
           </a:p>
           <a:p>
@@ -9236,12 +9257,12 @@
               <a:t>Printable {</a:t>
             </a:r>
             <a:endParaRPr b="0" lang="de-DE" sz="1200" spc="-1" strike="noStrike">
-              <a:latin typeface="Menlo"/>
+              <a:latin typeface="Arial"/>
             </a:endParaRPr>
           </a:p>
           <a:p>
             <a:endParaRPr b="0" lang="de-DE" sz="1200" spc="-1" strike="noStrike">
-              <a:latin typeface="Menlo"/>
+              <a:latin typeface="Arial"/>
             </a:endParaRPr>
           </a:p>
           <a:p>
@@ -9376,7 +9397,7 @@
               <a:t>= p.stringify(value)</a:t>
             </a:r>
             <a:endParaRPr b="0" lang="de-DE" sz="1200" spc="-1" strike="noStrike">
-              <a:latin typeface="Menlo"/>
+              <a:latin typeface="Arial"/>
             </a:endParaRPr>
           </a:p>
           <a:p>
@@ -9408,7 +9429,7 @@
                 <a:latin typeface="Menlo"/>
                 <a:ea typeface="Menlo"/>
               </a:rPr>
-              <a:t>print(value: </a:t>
+              <a:t>pprint(value: </a:t>
             </a:r>
             <a:r>
               <a:rPr b="0" lang="de-DE" sz="1200" spc="-1" strike="noStrike">
@@ -9468,7 +9489,17 @@
                 <a:latin typeface="Menlo"/>
                 <a:ea typeface="Menlo"/>
               </a:rPr>
-              <a:t>])</a:t>
+              <a:t>]): Unit = </a:t>
+            </a:r>
+            <a:r>
+              <a:rPr b="0" i="1" lang="de-DE" sz="1200" spc="-1" strike="noStrike">
+                <a:solidFill>
+                  <a:srgbClr val="000000"/>
+                </a:solidFill>
+                <a:latin typeface="Menlo"/>
+                <a:ea typeface="Menlo"/>
+              </a:rPr>
+              <a:t>println</a:t>
             </a:r>
             <a:r>
               <a:rPr b="0" lang="de-DE" sz="1200" spc="-1" strike="noStrike">
@@ -9478,7 +9509,7 @@
                 <a:latin typeface="Menlo"/>
                 <a:ea typeface="Menlo"/>
               </a:rPr>
-              <a:t>: Unit = </a:t>
+              <a:t>(</a:t>
             </a:r>
             <a:r>
               <a:rPr b="0" i="1" lang="de-DE" sz="1200" spc="-1" strike="noStrike">
@@ -9488,6 +9519,541 @@
                 <a:latin typeface="Menlo"/>
                 <a:ea typeface="Menlo"/>
               </a:rPr>
+              <a:t>stringify</a:t>
+            </a:r>
+            <a:r>
+              <a:rPr b="0" lang="de-DE" sz="1200" spc="-1" strike="noStrike">
+                <a:solidFill>
+                  <a:srgbClr val="000000"/>
+                </a:solidFill>
+                <a:latin typeface="Menlo"/>
+                <a:ea typeface="Menlo"/>
+              </a:rPr>
+              <a:t>(value))</a:t>
+            </a:r>
+            <a:endParaRPr b="0" lang="de-DE" sz="1200" spc="-1" strike="noStrike">
+              <a:latin typeface="Arial"/>
+            </a:endParaRPr>
+          </a:p>
+          <a:p>
+            <a:endParaRPr b="0" lang="de-DE" sz="1200" spc="-1" strike="noStrike">
+              <a:latin typeface="Arial"/>
+            </a:endParaRPr>
+          </a:p>
+          <a:p>
+            <a:r>
+              <a:rPr b="0" lang="de-DE" sz="1200" spc="-1" strike="noStrike">
+                <a:solidFill>
+                  <a:srgbClr val="000000"/>
+                </a:solidFill>
+                <a:latin typeface="Menlo"/>
+                <a:ea typeface="Menlo"/>
+              </a:rPr>
+              <a:t>  </a:t>
+            </a:r>
+            <a:r>
+              <a:rPr b="1" lang="de-DE" sz="1200" spc="-1" strike="noStrike">
+                <a:solidFill>
+                  <a:srgbClr val="00006d"/>
+                </a:solidFill>
+                <a:latin typeface="Menlo"/>
+                <a:ea typeface="Menlo"/>
+              </a:rPr>
+              <a:t>implicit val </a:t>
+            </a:r>
+            <a:r>
+              <a:rPr b="0" i="1" lang="de-DE" sz="1200" spc="-1" strike="noStrike">
+                <a:solidFill>
+                  <a:srgbClr val="520067"/>
+                </a:solidFill>
+                <a:latin typeface="Menlo"/>
+                <a:ea typeface="Menlo"/>
+              </a:rPr>
+              <a:t>intPrintable</a:t>
+            </a:r>
+            <a:r>
+              <a:rPr b="0" lang="de-DE" sz="1200" spc="-1" strike="noStrike">
+                <a:solidFill>
+                  <a:srgbClr val="000000"/>
+                </a:solidFill>
+                <a:latin typeface="Menlo"/>
+                <a:ea typeface="Menlo"/>
+              </a:rPr>
+              <a:t>: Printable[Int] = ???</a:t>
+            </a:r>
+            <a:endParaRPr b="0" lang="de-DE" sz="1200" spc="-1" strike="noStrike">
+              <a:latin typeface="Arial"/>
+            </a:endParaRPr>
+          </a:p>
+          <a:p>
+            <a:r>
+              <a:rPr b="0" lang="de-DE" sz="1200" spc="-1" strike="noStrike">
+                <a:solidFill>
+                  <a:srgbClr val="000000"/>
+                </a:solidFill>
+                <a:latin typeface="Menlo"/>
+                <a:ea typeface="Menlo"/>
+              </a:rPr>
+              <a:t>  </a:t>
+            </a:r>
+            <a:r>
+              <a:rPr b="1" lang="de-DE" sz="1200" spc="-1" strike="noStrike">
+                <a:solidFill>
+                  <a:srgbClr val="00006d"/>
+                </a:solidFill>
+                <a:latin typeface="Menlo"/>
+                <a:ea typeface="Menlo"/>
+              </a:rPr>
+              <a:t>implicit val </a:t>
+            </a:r>
+            <a:r>
+              <a:rPr b="0" i="1" lang="de-DE" sz="1200" spc="-1" strike="noStrike">
+                <a:solidFill>
+                  <a:srgbClr val="520067"/>
+                </a:solidFill>
+                <a:latin typeface="Menlo"/>
+                <a:ea typeface="Menlo"/>
+              </a:rPr>
+              <a:t>datePrintable</a:t>
+            </a:r>
+            <a:r>
+              <a:rPr b="0" lang="de-DE" sz="1200" spc="-1" strike="noStrike">
+                <a:solidFill>
+                  <a:srgbClr val="000000"/>
+                </a:solidFill>
+                <a:latin typeface="Menlo"/>
+                <a:ea typeface="Menlo"/>
+              </a:rPr>
+              <a:t>: Printable[Date] = ???</a:t>
+            </a:r>
+            <a:endParaRPr b="0" lang="de-DE" sz="1200" spc="-1" strike="noStrike">
+              <a:latin typeface="Arial"/>
+            </a:endParaRPr>
+          </a:p>
+          <a:p>
+            <a:r>
+              <a:rPr b="0" i="1" lang="de-DE" sz="1200" spc="-1" strike="noStrike">
+                <a:solidFill>
+                  <a:srgbClr val="6d6d6d"/>
+                </a:solidFill>
+                <a:latin typeface="Menlo"/>
+                <a:ea typeface="Menlo"/>
+              </a:rPr>
+              <a:t>  </a:t>
+            </a:r>
+            <a:r>
+              <a:rPr b="1" lang="de-DE" sz="1200" spc="-1" strike="noStrike">
+                <a:solidFill>
+                  <a:srgbClr val="00006d"/>
+                </a:solidFill>
+                <a:latin typeface="Menlo"/>
+                <a:ea typeface="Menlo"/>
+              </a:rPr>
+              <a:t>implicit def </a:t>
+            </a:r>
+            <a:r>
+              <a:rPr b="0" lang="de-DE" sz="1200" spc="-1" strike="noStrike">
+                <a:solidFill>
+                  <a:srgbClr val="000000"/>
+                </a:solidFill>
+                <a:latin typeface="Menlo"/>
+                <a:ea typeface="Menlo"/>
+              </a:rPr>
+              <a:t>optionPrintable[</a:t>
+            </a:r>
+            <a:r>
+              <a:rPr b="0" lang="de-DE" sz="1200" spc="-1" strike="noStrike">
+                <a:solidFill>
+                  <a:srgbClr val="1f888b"/>
+                </a:solidFill>
+                <a:latin typeface="Menlo"/>
+                <a:ea typeface="Menlo"/>
+              </a:rPr>
+              <a:t>A</a:t>
+            </a:r>
+            <a:r>
+              <a:rPr b="0" lang="de-DE" sz="1200" spc="-1" strike="noStrike">
+                <a:solidFill>
+                  <a:srgbClr val="000000"/>
+                </a:solidFill>
+                <a:latin typeface="Menlo"/>
+                <a:ea typeface="Menlo"/>
+              </a:rPr>
+              <a:t>: Printable]: Printable[Option[</a:t>
+            </a:r>
+            <a:r>
+              <a:rPr b="0" lang="de-DE" sz="1200" spc="-1" strike="noStrike">
+                <a:solidFill>
+                  <a:srgbClr val="1f888b"/>
+                </a:solidFill>
+                <a:latin typeface="Menlo"/>
+                <a:ea typeface="Menlo"/>
+              </a:rPr>
+              <a:t>A</a:t>
+            </a:r>
+            <a:r>
+              <a:rPr b="0" lang="de-DE" sz="1200" spc="-1" strike="noStrike">
+                <a:solidFill>
+                  <a:srgbClr val="000000"/>
+                </a:solidFill>
+                <a:latin typeface="Menlo"/>
+                <a:ea typeface="Menlo"/>
+              </a:rPr>
+              <a:t>]] = ???</a:t>
+            </a:r>
+            <a:endParaRPr b="0" lang="de-DE" sz="1200" spc="-1" strike="noStrike">
+              <a:latin typeface="Arial"/>
+            </a:endParaRPr>
+          </a:p>
+          <a:p>
+            <a:r>
+              <a:rPr b="0" lang="de-DE" sz="1200" spc="-1" strike="noStrike">
+                <a:solidFill>
+                  <a:srgbClr val="333333"/>
+                </a:solidFill>
+                <a:latin typeface="Menlo"/>
+                <a:ea typeface="DejaVu Sans"/>
+              </a:rPr>
+              <a:t>}</a:t>
+            </a:r>
+            <a:endParaRPr b="0" lang="de-DE" sz="1200" spc="-1" strike="noStrike">
+              <a:latin typeface="Arial"/>
+            </a:endParaRPr>
+          </a:p>
+          <a:p>
+            <a:endParaRPr b="0" lang="de-DE" sz="1200" spc="-1" strike="noStrike">
+              <a:latin typeface="Arial"/>
+            </a:endParaRPr>
+          </a:p>
+          <a:p>
+            <a:r>
+              <a:rPr b="0" lang="de-DE" sz="1200" spc="-1" strike="noStrike">
+                <a:solidFill>
+                  <a:srgbClr val="333333"/>
+                </a:solidFill>
+                <a:latin typeface="Menlo"/>
+                <a:ea typeface="DejaVu Sans"/>
+              </a:rPr>
+              <a:t>- - - - </a:t>
+            </a:r>
+            <a:endParaRPr b="0" lang="de-DE" sz="1200" spc="-1" strike="noStrike">
+              <a:latin typeface="Arial"/>
+            </a:endParaRPr>
+          </a:p>
+          <a:p>
+            <a:endParaRPr b="0" lang="de-DE" sz="1200" spc="-1" strike="noStrike">
+              <a:latin typeface="Arial"/>
+            </a:endParaRPr>
+          </a:p>
+          <a:p>
+            <a:r>
+              <a:rPr b="1" lang="de-DE" sz="1200" spc="-1" strike="noStrike">
+                <a:solidFill>
+                  <a:srgbClr val="00006d"/>
+                </a:solidFill>
+                <a:latin typeface="Menlo"/>
+                <a:ea typeface="Menlo"/>
+              </a:rPr>
+              <a:t>package </a:t>
+            </a:r>
+            <a:r>
+              <a:rPr b="0" lang="de-DE" sz="1200" spc="-1" strike="noStrike">
+                <a:solidFill>
+                  <a:srgbClr val="000000"/>
+                </a:solidFill>
+                <a:latin typeface="Menlo"/>
+                <a:ea typeface="Menlo"/>
+              </a:rPr>
+              <a:t>path.to</a:t>
+            </a:r>
+            <a:endParaRPr b="0" lang="de-DE" sz="1200" spc="-1" strike="noStrike">
+              <a:latin typeface="Arial"/>
+            </a:endParaRPr>
+          </a:p>
+          <a:p>
+            <a:endParaRPr b="0" lang="de-DE" sz="1200" spc="-1" strike="noStrike">
+              <a:latin typeface="Arial"/>
+            </a:endParaRPr>
+          </a:p>
+          <a:p>
+            <a:r>
+              <a:rPr b="1" lang="de-DE" sz="1200" spc="-1" strike="noStrike">
+                <a:solidFill>
+                  <a:srgbClr val="00006d"/>
+                </a:solidFill>
+                <a:latin typeface="Menlo"/>
+                <a:ea typeface="Menlo"/>
+              </a:rPr>
+              <a:t>package object </a:t>
+            </a:r>
+            <a:r>
+              <a:rPr b="0" lang="de-DE" sz="1200" spc="-1" strike="noStrike">
+                <a:solidFill>
+                  <a:srgbClr val="000000"/>
+                </a:solidFill>
+                <a:latin typeface="Menlo"/>
+                <a:ea typeface="Menlo"/>
+              </a:rPr>
+              <a:t>libPrintable {</a:t>
+            </a:r>
+            <a:endParaRPr b="0" lang="de-DE" sz="1200" spc="-1" strike="noStrike">
+              <a:latin typeface="Arial"/>
+            </a:endParaRPr>
+          </a:p>
+          <a:p>
+            <a:endParaRPr b="0" lang="de-DE" sz="1200" spc="-1" strike="noStrike">
+              <a:latin typeface="Arial"/>
+            </a:endParaRPr>
+          </a:p>
+          <a:p>
+            <a:r>
+              <a:rPr b="0" i="1" lang="de-DE" sz="1200" spc="-1" strike="noStrike">
+                <a:solidFill>
+                  <a:srgbClr val="6d6d6d"/>
+                </a:solidFill>
+                <a:latin typeface="Menlo"/>
+                <a:ea typeface="Menlo"/>
+              </a:rPr>
+              <a:t>  </a:t>
+            </a:r>
+            <a:r>
+              <a:rPr b="1" lang="de-DE" sz="1200" spc="-1" strike="noStrike">
+                <a:solidFill>
+                  <a:srgbClr val="00006d"/>
+                </a:solidFill>
+                <a:latin typeface="Menlo"/>
+                <a:ea typeface="Menlo"/>
+              </a:rPr>
+              <a:t>implicit class </a:t>
+            </a:r>
+            <a:r>
+              <a:rPr b="0" lang="de-DE" sz="1200" spc="-1" strike="noStrike">
+                <a:solidFill>
+                  <a:srgbClr val="000000"/>
+                </a:solidFill>
+                <a:latin typeface="Menlo"/>
+                <a:ea typeface="Menlo"/>
+              </a:rPr>
+              <a:t>PrintableOps[</a:t>
+            </a:r>
+            <a:r>
+              <a:rPr b="0" lang="de-DE" sz="1200" spc="-1" strike="noStrike">
+                <a:solidFill>
+                  <a:srgbClr val="1f888b"/>
+                </a:solidFill>
+                <a:latin typeface="Menlo"/>
+                <a:ea typeface="Menlo"/>
+              </a:rPr>
+              <a:t>A</a:t>
+            </a:r>
+            <a:r>
+              <a:rPr b="0" lang="de-DE" sz="1200" spc="-1" strike="noStrike">
+                <a:solidFill>
+                  <a:srgbClr val="000000"/>
+                </a:solidFill>
+                <a:latin typeface="Menlo"/>
+                <a:ea typeface="Menlo"/>
+              </a:rPr>
+              <a:t>](value: </a:t>
+            </a:r>
+            <a:r>
+              <a:rPr b="0" lang="de-DE" sz="1200" spc="-1" strike="noStrike">
+                <a:solidFill>
+                  <a:srgbClr val="1f888b"/>
+                </a:solidFill>
+                <a:latin typeface="Menlo"/>
+                <a:ea typeface="Menlo"/>
+              </a:rPr>
+              <a:t>A</a:t>
+            </a:r>
+            <a:r>
+              <a:rPr b="0" lang="de-DE" sz="1200" spc="-1" strike="noStrike">
+                <a:solidFill>
+                  <a:srgbClr val="000000"/>
+                </a:solidFill>
+                <a:latin typeface="Menlo"/>
+                <a:ea typeface="Menlo"/>
+              </a:rPr>
+              <a:t>) {</a:t>
+            </a:r>
+            <a:endParaRPr b="0" lang="de-DE" sz="1200" spc="-1" strike="noStrike">
+              <a:latin typeface="Arial"/>
+            </a:endParaRPr>
+          </a:p>
+          <a:p>
+            <a:r>
+              <a:rPr b="1" lang="de-DE" sz="1200" spc="-1" strike="noStrike">
+                <a:solidFill>
+                  <a:srgbClr val="00006d"/>
+                </a:solidFill>
+                <a:latin typeface="Menlo"/>
+                <a:ea typeface="Menlo"/>
+              </a:rPr>
+              <a:t>    </a:t>
+            </a:r>
+            <a:r>
+              <a:rPr b="1" lang="de-DE" sz="1200" spc="-1" strike="noStrike">
+                <a:solidFill>
+                  <a:srgbClr val="00006d"/>
+                </a:solidFill>
+                <a:latin typeface="Menlo"/>
+                <a:ea typeface="Menlo"/>
+              </a:rPr>
+              <a:t>def </a:t>
+            </a:r>
+            <a:r>
+              <a:rPr b="0" lang="de-DE" sz="1200" spc="-1" strike="noStrike">
+                <a:solidFill>
+                  <a:srgbClr val="000000"/>
+                </a:solidFill>
+                <a:latin typeface="Menlo"/>
+                <a:ea typeface="Menlo"/>
+              </a:rPr>
+              <a:t>stringify(</a:t>
+            </a:r>
+            <a:r>
+              <a:rPr b="1" lang="de-DE" sz="1200" spc="-1" strike="noStrike">
+                <a:solidFill>
+                  <a:srgbClr val="00006d"/>
+                </a:solidFill>
+                <a:latin typeface="Menlo"/>
+                <a:ea typeface="Menlo"/>
+              </a:rPr>
+              <a:t>implicit </a:t>
+            </a:r>
+            <a:r>
+              <a:rPr b="0" lang="de-DE" sz="1200" spc="-1" strike="noStrike">
+                <a:solidFill>
+                  <a:srgbClr val="000000"/>
+                </a:solidFill>
+                <a:latin typeface="Menlo"/>
+                <a:ea typeface="Menlo"/>
+              </a:rPr>
+              <a:t>p: Printable[</a:t>
+            </a:r>
+            <a:r>
+              <a:rPr b="0" lang="de-DE" sz="1200" spc="-1" strike="noStrike">
+                <a:solidFill>
+                  <a:srgbClr val="1f888b"/>
+                </a:solidFill>
+                <a:latin typeface="Menlo"/>
+                <a:ea typeface="Menlo"/>
+              </a:rPr>
+              <a:t>A</a:t>
+            </a:r>
+            <a:r>
+              <a:rPr b="0" lang="de-DE" sz="1200" spc="-1" strike="noStrike">
+                <a:solidFill>
+                  <a:srgbClr val="000000"/>
+                </a:solidFill>
+                <a:latin typeface="Menlo"/>
+                <a:ea typeface="Menlo"/>
+              </a:rPr>
+              <a:t>]): </a:t>
+            </a:r>
+            <a:r>
+              <a:rPr b="0" lang="de-DE" sz="1200" spc="-1" strike="noStrike">
+                <a:solidFill>
+                  <a:srgbClr val="1f888b"/>
+                </a:solidFill>
+                <a:latin typeface="Menlo"/>
+                <a:ea typeface="Menlo"/>
+              </a:rPr>
+              <a:t>String </a:t>
+            </a:r>
+            <a:r>
+              <a:rPr b="0" lang="de-DE" sz="1200" spc="-1" strike="noStrike">
+                <a:solidFill>
+                  <a:srgbClr val="000000"/>
+                </a:solidFill>
+                <a:latin typeface="Menlo"/>
+                <a:ea typeface="Menlo"/>
+              </a:rPr>
+              <a:t>= p.stringify(value)</a:t>
+            </a:r>
+            <a:endParaRPr b="0" lang="de-DE" sz="1200" spc="-1" strike="noStrike">
+              <a:latin typeface="Arial"/>
+            </a:endParaRPr>
+          </a:p>
+          <a:p>
+            <a:r>
+              <a:rPr b="1" lang="de-DE" sz="1200" spc="-1" strike="noStrike">
+                <a:solidFill>
+                  <a:srgbClr val="00006d"/>
+                </a:solidFill>
+                <a:latin typeface="Menlo"/>
+                <a:ea typeface="Menlo"/>
+              </a:rPr>
+              <a:t>    </a:t>
+            </a:r>
+            <a:r>
+              <a:rPr b="1" lang="de-DE" sz="1200" spc="-1" strike="noStrike">
+                <a:solidFill>
+                  <a:srgbClr val="00006d"/>
+                </a:solidFill>
+                <a:latin typeface="Menlo"/>
+                <a:ea typeface="Menlo"/>
+              </a:rPr>
+              <a:t>def </a:t>
+            </a:r>
+            <a:r>
+              <a:rPr b="0" lang="de-DE" sz="1200" spc="-1" strike="noStrike">
+                <a:solidFill>
+                  <a:srgbClr val="000000"/>
+                </a:solidFill>
+                <a:latin typeface="Menlo"/>
+                <a:ea typeface="Menlo"/>
+              </a:rPr>
+              <a:t>pprint(</a:t>
+            </a:r>
+            <a:r>
+              <a:rPr b="1" lang="de-DE" sz="1200" spc="-1" strike="noStrike">
+                <a:solidFill>
+                  <a:srgbClr val="00006d"/>
+                </a:solidFill>
+                <a:latin typeface="Menlo"/>
+                <a:ea typeface="Menlo"/>
+              </a:rPr>
+              <a:t>implicit </a:t>
+            </a:r>
+            <a:r>
+              <a:rPr b="0" lang="de-DE" sz="1200" spc="-1" strike="noStrike">
+                <a:solidFill>
+                  <a:srgbClr val="000000"/>
+                </a:solidFill>
+                <a:latin typeface="Menlo"/>
+                <a:ea typeface="Menlo"/>
+              </a:rPr>
+              <a:t>p: Printable[</a:t>
+            </a:r>
+            <a:r>
+              <a:rPr b="0" lang="de-DE" sz="1200" spc="-1" strike="noStrike">
+                <a:solidFill>
+                  <a:srgbClr val="1f888b"/>
+                </a:solidFill>
+                <a:latin typeface="Menlo"/>
+                <a:ea typeface="Menlo"/>
+              </a:rPr>
+              <a:t>A</a:t>
+            </a:r>
+            <a:r>
+              <a:rPr b="0" lang="de-DE" sz="1200" spc="-1" strike="noStrike">
+                <a:solidFill>
+                  <a:srgbClr val="000000"/>
+                </a:solidFill>
+                <a:latin typeface="Menlo"/>
+                <a:ea typeface="Menlo"/>
+              </a:rPr>
+              <a:t>]): Unit = </a:t>
+            </a:r>
+            <a:r>
+              <a:rPr b="0" i="1" lang="de-DE" sz="1200" spc="-1" strike="noStrike">
+                <a:solidFill>
+                  <a:srgbClr val="000000"/>
+                </a:solidFill>
+                <a:latin typeface="Menlo"/>
+                <a:ea typeface="Menlo"/>
+              </a:rPr>
               <a:t>println</a:t>
             </a:r>
             <a:r>
@@ -9498,617 +10064,50 @@
                 <a:latin typeface="Menlo"/>
                 <a:ea typeface="Menlo"/>
               </a:rPr>
-              <a:t>(</a:t>
-            </a:r>
-            <a:r>
-              <a:rPr b="0" i="1" lang="de-DE" sz="1200" spc="-1" strike="noStrike">
-                <a:solidFill>
-                  <a:srgbClr val="000000"/>
-                </a:solidFill>
-                <a:latin typeface="Menlo"/>
-                <a:ea typeface="Menlo"/>
-              </a:rPr>
-              <a:t>stringify</a:t>
-            </a:r>
+              <a:t>(stringify)</a:t>
+            </a:r>
+            <a:endParaRPr b="0" lang="de-DE" sz="1200" spc="-1" strike="noStrike">
+              <a:latin typeface="Arial"/>
+            </a:endParaRPr>
+          </a:p>
+          <a:p>
             <a:r>
               <a:rPr b="0" lang="de-DE" sz="1200" spc="-1" strike="noStrike">
                 <a:solidFill>
-                  <a:srgbClr val="000000"/>
-                </a:solidFill>
-                <a:latin typeface="Menlo"/>
-                <a:ea typeface="Menlo"/>
-              </a:rPr>
-              <a:t>(value))</a:t>
+                  <a:srgbClr val="333333"/>
+                </a:solidFill>
+                <a:latin typeface="Menlo"/>
+                <a:ea typeface="DejaVu Sans"/>
+              </a:rPr>
+              <a:t>  </a:t>
+            </a:r>
+            <a:r>
+              <a:rPr b="0" lang="de-DE" sz="1200" spc="-1" strike="noStrike">
+                <a:solidFill>
+                  <a:srgbClr val="333333"/>
+                </a:solidFill>
+                <a:latin typeface="Menlo"/>
+                <a:ea typeface="DejaVu Sans"/>
+              </a:rPr>
+              <a:t>}</a:t>
             </a:r>
             <a:endParaRPr b="0" lang="de-DE" sz="1200" spc="-1" strike="noStrike">
-              <a:latin typeface="Menlo"/>
-            </a:endParaRPr>
-          </a:p>
-          <a:p>
+              <a:latin typeface="Arial"/>
+            </a:endParaRPr>
+          </a:p>
+          <a:p>
+            <a:r>
+              <a:rPr b="0" lang="de-DE" sz="1200" spc="-1" strike="noStrike">
+                <a:solidFill>
+                  <a:srgbClr val="333333"/>
+                </a:solidFill>
+                <a:latin typeface="Menlo"/>
+                <a:ea typeface="DejaVu Sans"/>
+              </a:rPr>
+              <a:t>}</a:t>
+            </a:r>
             <a:endParaRPr b="0" lang="de-DE" sz="1200" spc="-1" strike="noStrike">
-              <a:latin typeface="Menlo"/>
-            </a:endParaRPr>
-          </a:p>
-          <a:p>
-            <a:r>
-              <a:rPr b="0" lang="de-DE" sz="1200" spc="-1" strike="noStrike">
-                <a:solidFill>
-                  <a:srgbClr val="000000"/>
-                </a:solidFill>
-                <a:latin typeface="Menlo"/>
-                <a:ea typeface="Menlo"/>
-              </a:rPr>
-              <a:t>  </a:t>
-            </a:r>
-            <a:r>
-              <a:rPr b="1" lang="de-DE" sz="1200" spc="-1" strike="noStrike">
-                <a:solidFill>
-                  <a:srgbClr val="00006d"/>
-                </a:solidFill>
-                <a:latin typeface="Menlo"/>
-                <a:ea typeface="Menlo"/>
-              </a:rPr>
-              <a:t>implicit val </a:t>
-            </a:r>
-            <a:r>
-              <a:rPr b="0" i="1" lang="de-DE" sz="1200" spc="-1" strike="noStrike">
-                <a:solidFill>
-                  <a:srgbClr val="520067"/>
-                </a:solidFill>
-                <a:latin typeface="Menlo"/>
-                <a:ea typeface="Menlo"/>
-              </a:rPr>
-              <a:t>intPrintable</a:t>
-            </a:r>
-            <a:r>
-              <a:rPr b="0" lang="de-DE" sz="1200" spc="-1" strike="noStrike">
-                <a:solidFill>
-                  <a:srgbClr val="000000"/>
-                </a:solidFill>
-                <a:latin typeface="Menlo"/>
-                <a:ea typeface="Menlo"/>
-              </a:rPr>
-              <a:t>: Printable[Int] = ???</a:t>
-            </a:r>
-            <a:endParaRPr b="0" lang="de-DE" sz="1200" spc="-1" strike="noStrike">
-              <a:latin typeface="Menlo"/>
-            </a:endParaRPr>
-          </a:p>
-          <a:p>
-            <a:r>
-              <a:rPr b="0" lang="de-DE" sz="1200" spc="-1" strike="noStrike">
-                <a:solidFill>
-                  <a:srgbClr val="000000"/>
-                </a:solidFill>
-                <a:latin typeface="Menlo"/>
-                <a:ea typeface="Menlo"/>
-              </a:rPr>
-              <a:t>  </a:t>
-            </a:r>
-            <a:r>
-              <a:rPr b="1" lang="de-DE" sz="1200" spc="-1" strike="noStrike">
-                <a:solidFill>
-                  <a:srgbClr val="00006d"/>
-                </a:solidFill>
-                <a:latin typeface="Menlo"/>
-                <a:ea typeface="Menlo"/>
-              </a:rPr>
-              <a:t>implicit val </a:t>
-            </a:r>
-            <a:r>
-              <a:rPr b="0" i="1" lang="de-DE" sz="1200" spc="-1" strike="noStrike">
-                <a:solidFill>
-                  <a:srgbClr val="520067"/>
-                </a:solidFill>
-                <a:latin typeface="Menlo"/>
-                <a:ea typeface="Menlo"/>
-              </a:rPr>
-              <a:t>datePrintable</a:t>
-            </a:r>
-            <a:r>
-              <a:rPr b="0" lang="de-DE" sz="1200" spc="-1" strike="noStrike">
-                <a:solidFill>
-                  <a:srgbClr val="000000"/>
-                </a:solidFill>
-                <a:latin typeface="Menlo"/>
-                <a:ea typeface="Menlo"/>
-              </a:rPr>
-              <a:t>: Printable[Date] = ???</a:t>
-            </a:r>
-            <a:endParaRPr b="0" lang="de-DE" sz="1200" spc="-1" strike="noStrike">
-              <a:latin typeface="Menlo"/>
-            </a:endParaRPr>
-          </a:p>
-          <a:p>
-            <a:r>
-              <a:rPr b="0" i="1" lang="de-DE" sz="1200" spc="-1" strike="noStrike">
-                <a:solidFill>
-                  <a:srgbClr val="6d6d6d"/>
-                </a:solidFill>
-                <a:latin typeface="Menlo"/>
-                <a:ea typeface="Menlo"/>
-              </a:rPr>
-              <a:t>  </a:t>
-            </a:r>
-            <a:r>
-              <a:rPr b="1" lang="de-DE" sz="1200" spc="-1" strike="noStrike">
-                <a:solidFill>
-                  <a:srgbClr val="00006d"/>
-                </a:solidFill>
-                <a:latin typeface="Menlo"/>
-                <a:ea typeface="Menlo"/>
-              </a:rPr>
-              <a:t>implicit def </a:t>
-            </a:r>
-            <a:r>
-              <a:rPr b="0" lang="de-DE" sz="1200" spc="-1" strike="noStrike">
-                <a:solidFill>
-                  <a:srgbClr val="000000"/>
-                </a:solidFill>
-                <a:latin typeface="Menlo"/>
-                <a:ea typeface="Menlo"/>
-              </a:rPr>
-              <a:t>optionPrintable[</a:t>
-            </a:r>
-            <a:r>
-              <a:rPr b="0" lang="de-DE" sz="1200" spc="-1" strike="noStrike">
-                <a:solidFill>
-                  <a:srgbClr val="1f888b"/>
-                </a:solidFill>
-                <a:latin typeface="Menlo"/>
-                <a:ea typeface="Menlo"/>
-              </a:rPr>
-              <a:t>A</a:t>
-            </a:r>
-            <a:r>
-              <a:rPr b="0" lang="de-DE" sz="1200" spc="-1" strike="noStrike">
-                <a:solidFill>
-                  <a:srgbClr val="000000"/>
-                </a:solidFill>
-                <a:latin typeface="Menlo"/>
-                <a:ea typeface="Menlo"/>
-              </a:rPr>
-              <a:t>: Printable]: Printable[Option[</a:t>
-            </a:r>
-            <a:r>
-              <a:rPr b="0" lang="de-DE" sz="1200" spc="-1" strike="noStrike">
-                <a:solidFill>
-                  <a:srgbClr val="1f888b"/>
-                </a:solidFill>
-                <a:latin typeface="Menlo"/>
-                <a:ea typeface="Menlo"/>
-              </a:rPr>
-              <a:t>A</a:t>
-            </a:r>
-            <a:r>
-              <a:rPr b="0" lang="de-DE" sz="1200" spc="-1" strike="noStrike">
-                <a:solidFill>
-                  <a:srgbClr val="000000"/>
-                </a:solidFill>
-                <a:latin typeface="Menlo"/>
-                <a:ea typeface="Menlo"/>
-              </a:rPr>
-              <a:t>]] = ???</a:t>
-            </a:r>
-            <a:endParaRPr b="0" lang="de-DE" sz="1200" spc="-1" strike="noStrike">
-              <a:latin typeface="Menlo"/>
-            </a:endParaRPr>
-          </a:p>
-          <a:p>
-            <a:r>
-              <a:rPr b="0" lang="de-DE" sz="1200" spc="-1" strike="noStrike">
-                <a:solidFill>
-                  <a:srgbClr val="333333"/>
-                </a:solidFill>
-                <a:latin typeface="Menlo"/>
-                <a:ea typeface="DejaVu Sans"/>
-              </a:rPr>
-              <a:t>}</a:t>
-            </a:r>
-            <a:endParaRPr b="0" lang="de-DE" sz="1200" spc="-1" strike="noStrike">
-              <a:latin typeface="Menlo"/>
-            </a:endParaRPr>
-          </a:p>
-          <a:p>
-            <a:endParaRPr b="0" lang="de-DE" sz="1200" spc="-1" strike="noStrike">
-              <a:latin typeface="Menlo"/>
-            </a:endParaRPr>
-          </a:p>
-          <a:p>
-            <a:r>
-              <a:rPr b="0" lang="de-DE" sz="1200" spc="-1" strike="noStrike">
-                <a:solidFill>
-                  <a:srgbClr val="333333"/>
-                </a:solidFill>
-                <a:latin typeface="Menlo"/>
-                <a:ea typeface="DejaVu Sans"/>
-              </a:rPr>
-              <a:t>- - - - </a:t>
-            </a:r>
-            <a:endParaRPr b="0" lang="de-DE" sz="1200" spc="-1" strike="noStrike">
-              <a:latin typeface="Menlo"/>
-            </a:endParaRPr>
-          </a:p>
-          <a:p>
-            <a:endParaRPr b="0" lang="de-DE" sz="1200" spc="-1" strike="noStrike">
-              <a:latin typeface="Menlo"/>
-            </a:endParaRPr>
-          </a:p>
-          <a:p>
-            <a:r>
-              <a:rPr b="1" lang="de-DE" sz="1200" spc="-1" strike="noStrike">
-                <a:solidFill>
-                  <a:srgbClr val="00006d"/>
-                </a:solidFill>
-                <a:latin typeface="Menlo"/>
-                <a:ea typeface="Menlo"/>
-              </a:rPr>
-              <a:t>package </a:t>
-            </a:r>
-            <a:r>
-              <a:rPr b="0" lang="de-DE" sz="1200" spc="-1" strike="noStrike">
-                <a:solidFill>
-                  <a:srgbClr val="000000"/>
-                </a:solidFill>
-                <a:latin typeface="Menlo"/>
-                <a:ea typeface="Menlo"/>
-              </a:rPr>
-              <a:t>path.to</a:t>
-            </a:r>
-            <a:endParaRPr b="0" lang="de-DE" sz="1200" spc="-1" strike="noStrike">
-              <a:latin typeface="Arial"/>
-            </a:endParaRPr>
-          </a:p>
-          <a:p>
-            <a:endParaRPr b="0" lang="de-DE" sz="1200" spc="-1" strike="noStrike">
-              <a:solidFill>
-                <a:srgbClr val="000000"/>
-              </a:solidFill>
-              <a:latin typeface="Menlo"/>
-              <a:ea typeface="Menlo"/>
-            </a:endParaRPr>
-          </a:p>
-          <a:p>
-            <a:r>
-              <a:rPr b="1" lang="de-DE" sz="1200" spc="-1" strike="noStrike">
-                <a:solidFill>
-                  <a:srgbClr val="00006d"/>
-                </a:solidFill>
-                <a:latin typeface="Menlo"/>
-                <a:ea typeface="Menlo"/>
-              </a:rPr>
-              <a:t>package object </a:t>
-            </a:r>
-            <a:r>
-              <a:rPr b="0" lang="de-DE" sz="1200" spc="-1" strike="noStrike">
-                <a:solidFill>
-                  <a:srgbClr val="000000"/>
-                </a:solidFill>
-                <a:latin typeface="Menlo"/>
-                <a:ea typeface="Menlo"/>
-              </a:rPr>
-              <a:t>libPrintable {</a:t>
-            </a:r>
-            <a:endParaRPr b="0" lang="de-DE" sz="1200" spc="-1" strike="noStrike">
-              <a:latin typeface="Arial"/>
-            </a:endParaRPr>
-          </a:p>
-          <a:p>
-            <a:endParaRPr b="0" lang="de-DE" sz="1200" spc="-1" strike="noStrike">
-              <a:solidFill>
-                <a:srgbClr val="000000"/>
-              </a:solidFill>
-              <a:latin typeface="Menlo"/>
-              <a:ea typeface="Menlo"/>
-            </a:endParaRPr>
-          </a:p>
-          <a:p>
-            <a:r>
-              <a:rPr b="0" i="1" lang="de-DE" sz="1200" spc="-1" strike="noStrike">
-                <a:solidFill>
-                  <a:srgbClr val="6d6d6d"/>
-                </a:solidFill>
-                <a:latin typeface="Menlo"/>
-                <a:ea typeface="Menlo"/>
-              </a:rPr>
-              <a:t>  </a:t>
-            </a:r>
-            <a:r>
-              <a:rPr b="1" lang="de-DE" sz="1200" spc="-1" strike="noStrike">
-                <a:solidFill>
-                  <a:srgbClr val="00006d"/>
-                </a:solidFill>
-                <a:latin typeface="Menlo"/>
-                <a:ea typeface="Menlo"/>
-              </a:rPr>
-              <a:t>implicit class </a:t>
-            </a:r>
-            <a:r>
-              <a:rPr b="0" lang="de-DE" sz="1200" spc="-1" strike="noStrike">
-                <a:solidFill>
-                  <a:srgbClr val="000000"/>
-                </a:solidFill>
-                <a:latin typeface="Menlo"/>
-                <a:ea typeface="Menlo"/>
-              </a:rPr>
-              <a:t>PrintableOps[</a:t>
-            </a:r>
-            <a:r>
-              <a:rPr b="0" lang="de-DE" sz="1200" spc="-1" strike="noStrike">
-                <a:solidFill>
-                  <a:srgbClr val="1f888b"/>
-                </a:solidFill>
-                <a:latin typeface="Menlo"/>
-                <a:ea typeface="Menlo"/>
-              </a:rPr>
-              <a:t>A</a:t>
-            </a:r>
-            <a:r>
-              <a:rPr b="0" lang="de-DE" sz="1200" spc="-1" strike="noStrike">
-                <a:solidFill>
-                  <a:srgbClr val="000000"/>
-                </a:solidFill>
-                <a:latin typeface="Menlo"/>
-                <a:ea typeface="Menlo"/>
-              </a:rPr>
-              <a:t>](value: </a:t>
-            </a:r>
-            <a:r>
-              <a:rPr b="0" lang="de-DE" sz="1200" spc="-1" strike="noStrike">
-                <a:solidFill>
-                  <a:srgbClr val="1f888b"/>
-                </a:solidFill>
-                <a:latin typeface="Menlo"/>
-                <a:ea typeface="Menlo"/>
-              </a:rPr>
-              <a:t>A</a:t>
-            </a:r>
-            <a:r>
-              <a:rPr b="0" lang="de-DE" sz="1200" spc="-1" strike="noStrike">
-                <a:solidFill>
-                  <a:srgbClr val="000000"/>
-                </a:solidFill>
-                <a:latin typeface="Menlo"/>
-                <a:ea typeface="Menlo"/>
-              </a:rPr>
-              <a:t>) {</a:t>
-            </a:r>
-            <a:endParaRPr b="0" lang="de-DE" sz="1200" spc="-1" strike="noStrike">
-              <a:latin typeface="Arial"/>
-            </a:endParaRPr>
-          </a:p>
-          <a:p>
-            <a:r>
-              <a:rPr b="1" lang="de-DE" sz="1200" spc="-1" strike="noStrike">
-                <a:solidFill>
-                  <a:srgbClr val="00006d"/>
-                </a:solidFill>
-                <a:latin typeface="Menlo"/>
-                <a:ea typeface="Menlo"/>
-              </a:rPr>
-              <a:t>    </a:t>
-            </a:r>
-            <a:r>
-              <a:rPr b="1" lang="de-DE" sz="1200" spc="-1" strike="noStrike">
-                <a:solidFill>
-                  <a:srgbClr val="00006d"/>
-                </a:solidFill>
-                <a:latin typeface="Menlo"/>
-                <a:ea typeface="Menlo"/>
-              </a:rPr>
-              <a:t>def </a:t>
-            </a:r>
-            <a:r>
-              <a:rPr b="0" lang="de-DE" sz="1200" spc="-1" strike="noStrike">
-                <a:solidFill>
-                  <a:srgbClr val="000000"/>
-                </a:solidFill>
-                <a:latin typeface="Menlo"/>
-                <a:ea typeface="Menlo"/>
-              </a:rPr>
-              <a:t>stringify(</a:t>
-            </a:r>
-            <a:r>
-              <a:rPr b="1" lang="de-DE" sz="1200" spc="-1" strike="noStrike">
-                <a:solidFill>
-                  <a:srgbClr val="00006d"/>
-                </a:solidFill>
-                <a:latin typeface="Menlo"/>
-                <a:ea typeface="Menlo"/>
-              </a:rPr>
-              <a:t>implicit </a:t>
-            </a:r>
-            <a:r>
-              <a:rPr b="0" lang="de-DE" sz="1200" spc="-1" strike="noStrike">
-                <a:solidFill>
-                  <a:srgbClr val="000000"/>
-                </a:solidFill>
-                <a:latin typeface="Menlo"/>
-                <a:ea typeface="Menlo"/>
-              </a:rPr>
-              <a:t>p: Printable[</a:t>
-            </a:r>
-            <a:r>
-              <a:rPr b="0" lang="de-DE" sz="1200" spc="-1" strike="noStrike">
-                <a:solidFill>
-                  <a:srgbClr val="1f888b"/>
-                </a:solidFill>
-                <a:latin typeface="Menlo"/>
-                <a:ea typeface="Menlo"/>
-              </a:rPr>
-              <a:t>A</a:t>
-            </a:r>
-            <a:r>
-              <a:rPr b="0" lang="de-DE" sz="1200" spc="-1" strike="noStrike">
-                <a:solidFill>
-                  <a:srgbClr val="000000"/>
-                </a:solidFill>
-                <a:latin typeface="Menlo"/>
-                <a:ea typeface="Menlo"/>
-              </a:rPr>
-              <a:t>]): </a:t>
-            </a:r>
-            <a:r>
-              <a:rPr b="0" lang="de-DE" sz="1200" spc="-1" strike="noStrike">
-                <a:solidFill>
-                  <a:srgbClr val="1f888b"/>
-                </a:solidFill>
-                <a:latin typeface="Menlo"/>
-                <a:ea typeface="Menlo"/>
-              </a:rPr>
-              <a:t>String </a:t>
-            </a:r>
-            <a:r>
-              <a:rPr b="0" lang="de-DE" sz="1200" spc="-1" strike="noStrike">
-                <a:solidFill>
-                  <a:srgbClr val="000000"/>
-                </a:solidFill>
-                <a:latin typeface="Menlo"/>
-                <a:ea typeface="Menlo"/>
-              </a:rPr>
-              <a:t>= p.stringify(value)</a:t>
-            </a:r>
-            <a:endParaRPr b="0" lang="de-DE" sz="1200" spc="-1" strike="noStrike">
-              <a:latin typeface="Arial"/>
-            </a:endParaRPr>
-          </a:p>
-          <a:p>
-            <a:r>
-              <a:rPr b="1" lang="de-DE" sz="1200" spc="-1" strike="noStrike">
-                <a:solidFill>
-                  <a:srgbClr val="00006d"/>
-                </a:solidFill>
-                <a:latin typeface="Menlo"/>
-                <a:ea typeface="Menlo"/>
-              </a:rPr>
-              <a:t>    </a:t>
-            </a:r>
-            <a:r>
-              <a:rPr b="1" lang="de-DE" sz="1200" spc="-1" strike="noStrike">
-                <a:solidFill>
-                  <a:srgbClr val="00006d"/>
-                </a:solidFill>
-                <a:latin typeface="Menlo"/>
-                <a:ea typeface="Menlo"/>
-              </a:rPr>
-              <a:t>def </a:t>
-            </a:r>
-            <a:r>
-              <a:rPr b="0" lang="de-DE" sz="1200" spc="-1" strike="noStrike">
-                <a:solidFill>
-                  <a:srgbClr val="000000"/>
-                </a:solidFill>
-                <a:latin typeface="Menlo"/>
-                <a:ea typeface="Menlo"/>
-              </a:rPr>
-              <a:t>print(</a:t>
-            </a:r>
-            <a:r>
-              <a:rPr b="1" lang="de-DE" sz="1200" spc="-1" strike="noStrike">
-                <a:solidFill>
-                  <a:srgbClr val="00006d"/>
-                </a:solidFill>
-                <a:latin typeface="Menlo"/>
-                <a:ea typeface="Menlo"/>
-              </a:rPr>
-              <a:t>implicit </a:t>
-            </a:r>
-            <a:r>
-              <a:rPr b="0" lang="de-DE" sz="1200" spc="-1" strike="noStrike">
-                <a:solidFill>
-                  <a:srgbClr val="000000"/>
-                </a:solidFill>
-                <a:latin typeface="Menlo"/>
-                <a:ea typeface="Menlo"/>
-              </a:rPr>
-              <a:t>p: Printable[</a:t>
-            </a:r>
-            <a:r>
-              <a:rPr b="0" lang="de-DE" sz="1200" spc="-1" strike="noStrike">
-                <a:solidFill>
-                  <a:srgbClr val="1f888b"/>
-                </a:solidFill>
-                <a:latin typeface="Menlo"/>
-                <a:ea typeface="Menlo"/>
-              </a:rPr>
-              <a:t>A</a:t>
-            </a:r>
-            <a:r>
-              <a:rPr b="0" lang="de-DE" sz="1200" spc="-1" strike="noStrike">
-                <a:solidFill>
-                  <a:srgbClr val="000000"/>
-                </a:solidFill>
-                <a:latin typeface="Menlo"/>
-                <a:ea typeface="Menlo"/>
-              </a:rPr>
-              <a:t>]): Unit = </a:t>
-            </a:r>
-            <a:r>
-              <a:rPr b="0" i="1" lang="de-DE" sz="1200" spc="-1" strike="noStrike">
-                <a:solidFill>
-                  <a:srgbClr val="000000"/>
-                </a:solidFill>
-                <a:latin typeface="Menlo"/>
-                <a:ea typeface="Menlo"/>
-              </a:rPr>
-              <a:t>println</a:t>
-            </a:r>
-            <a:r>
-              <a:rPr b="0" lang="de-DE" sz="1200" spc="-1" strike="noStrike">
-                <a:solidFill>
-                  <a:srgbClr val="000000"/>
-                </a:solidFill>
-                <a:latin typeface="Menlo"/>
-                <a:ea typeface="Menlo"/>
-              </a:rPr>
-              <a:t>(stringify)</a:t>
-            </a:r>
-            <a:endParaRPr b="0" lang="de-DE" sz="1200" spc="-1" strike="noStrike">
-              <a:latin typeface="Arial"/>
-            </a:endParaRPr>
-          </a:p>
-          <a:p>
-            <a:r>
-              <a:rPr b="0" lang="de-DE" sz="1200" spc="-1" strike="noStrike">
-                <a:solidFill>
-                  <a:srgbClr val="333333"/>
-                </a:solidFill>
-                <a:latin typeface="Menlo"/>
-                <a:ea typeface="DejaVu Sans"/>
-              </a:rPr>
-              <a:t>  </a:t>
-            </a:r>
-            <a:r>
-              <a:rPr b="0" lang="de-DE" sz="1200" spc="-1" strike="noStrike">
-                <a:solidFill>
-                  <a:srgbClr val="333333"/>
-                </a:solidFill>
-                <a:latin typeface="Menlo"/>
-                <a:ea typeface="DejaVu Sans"/>
-              </a:rPr>
-              <a:t>}</a:t>
-            </a:r>
-            <a:endParaRPr b="0" lang="de-DE" sz="1200" spc="-1" strike="noStrike">
-              <a:latin typeface="Arial"/>
-            </a:endParaRPr>
-          </a:p>
-          <a:p>
-            <a:r>
-              <a:rPr b="0" lang="de-DE" sz="1200" spc="-1" strike="noStrike">
-                <a:solidFill>
-                  <a:srgbClr val="333333"/>
-                </a:solidFill>
-                <a:latin typeface="Menlo"/>
-                <a:ea typeface="DejaVu Sans"/>
-              </a:rPr>
-              <a:t>}</a:t>
-            </a:r>
-            <a:endParaRPr b="0" lang="de-DE" sz="1200" spc="-1" strike="noStrike">
-              <a:solidFill>
-                <a:srgbClr val="000000"/>
-              </a:solidFill>
-              <a:latin typeface="Menlo"/>
-              <a:ea typeface="Menlo"/>
+              <a:latin typeface="Arial"/>
             </a:endParaRPr>
           </a:p>
           <a:p>
@@ -10118,11 +10117,7 @@
               </a:lnSpc>
             </a:pPr>
             <a:endParaRPr b="0" lang="de-DE" sz="1200" spc="-1" strike="noStrike">
-              <a:solidFill>
-                <a:srgbClr val="000000"/>
-              </a:solidFill>
-              <a:latin typeface="Menlo"/>
-              <a:ea typeface="Menlo"/>
+              <a:latin typeface="Arial"/>
             </a:endParaRPr>
           </a:p>
           <a:p>
@@ -10142,11 +10137,7 @@
               <a:t>- - - - </a:t>
             </a:r>
             <a:endParaRPr b="0" lang="de-DE" sz="1200" spc="-1" strike="noStrike">
-              <a:solidFill>
-                <a:srgbClr val="000000"/>
-              </a:solidFill>
-              <a:latin typeface="Menlo"/>
-              <a:ea typeface="Menlo"/>
+              <a:latin typeface="Arial"/>
             </a:endParaRPr>
           </a:p>
           <a:p>
@@ -10156,11 +10147,7 @@
               </a:lnSpc>
             </a:pPr>
             <a:endParaRPr b="0" lang="de-DE" sz="1200" spc="-1" strike="noStrike">
-              <a:solidFill>
-                <a:srgbClr val="000000"/>
-              </a:solidFill>
-              <a:latin typeface="Menlo"/>
-              <a:ea typeface="Menlo"/>
+              <a:latin typeface="Arial"/>
             </a:endParaRPr>
           </a:p>
           <a:p>
@@ -10190,11 +10177,7 @@
               <a:t>user.code</a:t>
             </a:r>
             <a:endParaRPr b="0" lang="de-DE" sz="1200" spc="-1" strike="noStrike">
-              <a:solidFill>
-                <a:srgbClr val="000000"/>
-              </a:solidFill>
-              <a:latin typeface="Menlo"/>
-              <a:ea typeface="Menlo"/>
+              <a:latin typeface="Arial"/>
             </a:endParaRPr>
           </a:p>
           <a:p>
@@ -10204,35 +10187,6 @@
               </a:lnSpc>
             </a:pPr>
             <a:endParaRPr b="0" lang="de-DE" sz="1200" spc="-1" strike="noStrike">
-              <a:solidFill>
-                <a:srgbClr val="000000"/>
-              </a:solidFill>
-              <a:latin typeface="Menlo"/>
-              <a:ea typeface="Menlo"/>
-            </a:endParaRPr>
-          </a:p>
-          <a:p>
-            <a:r>
-              <a:rPr b="1" lang="de-DE" sz="1200" spc="-1" strike="noStrike">
-                <a:solidFill>
-                  <a:srgbClr val="00006d"/>
-                </a:solidFill>
-                <a:latin typeface="Menlo"/>
-                <a:ea typeface="Menlo"/>
-              </a:rPr>
-              <a:t>import </a:t>
-            </a:r>
-            <a:r>
-              <a:rPr b="0" lang="de-DE" sz="1200" spc="-1" strike="noStrike">
-                <a:solidFill>
-                  <a:srgbClr val="000000"/>
-                </a:solidFill>
-                <a:latin typeface="Menlo"/>
-                <a:ea typeface="Menlo"/>
-              </a:rPr>
-              <a:t>path.to.libPrintable._</a:t>
-            </a:r>
-            <a:endParaRPr b="0" lang="de-DE" sz="1200" spc="-1" strike="noStrike">
               <a:latin typeface="Arial"/>
             </a:endParaRPr>
           </a:p>
@@ -10242,15 +10196,46 @@
                 <a:spcPct val="100000"/>
               </a:lnSpc>
             </a:pPr>
+            <a:r>
+              <a:rPr b="1" lang="de-DE" sz="1200" spc="-1" strike="noStrike">
+                <a:solidFill>
+                  <a:srgbClr val="00006d"/>
+                </a:solidFill>
+                <a:latin typeface="Menlo"/>
+                <a:ea typeface="Menlo"/>
+              </a:rPr>
+              <a:t>import </a:t>
+            </a:r>
+            <a:r>
+              <a:rPr b="0" lang="de-DE" sz="1200" spc="-1" strike="noStrike">
+                <a:solidFill>
+                  <a:srgbClr val="000000"/>
+                </a:solidFill>
+                <a:latin typeface="Menlo"/>
+                <a:ea typeface="Menlo"/>
+              </a:rPr>
+              <a:t>path.to.libPrintable._</a:t>
+            </a:r>
             <a:endParaRPr b="0" lang="de-DE" sz="1200" spc="-1" strike="noStrike">
-              <a:solidFill>
-                <a:srgbClr val="000000"/>
-              </a:solidFill>
-              <a:latin typeface="Menlo"/>
-              <a:ea typeface="Menlo"/>
-            </a:endParaRPr>
-          </a:p>
-          <a:p>
+              <a:latin typeface="Arial"/>
+            </a:endParaRPr>
+          </a:p>
+          <a:p>
+            <a:pPr>
+              <a:lnSpc>
+                <a:spcPct val="100000"/>
+              </a:lnSpc>
+            </a:pPr>
+            <a:endParaRPr b="0" lang="de-DE" sz="1200" spc="-1" strike="noStrike">
+              <a:latin typeface="Arial"/>
+            </a:endParaRPr>
+          </a:p>
+          <a:p>
+            <a:pPr>
+              <a:lnSpc>
+                <a:spcPct val="100000"/>
+              </a:lnSpc>
+            </a:pPr>
             <a:r>
               <a:rPr b="0" lang="de-DE" sz="1200" spc="-1" strike="noStrike">
                 <a:solidFill>
@@ -10269,13 +10254,18 @@
                 <a:latin typeface="Menlo"/>
                 <a:ea typeface="Menlo"/>
               </a:rPr>
-              <a:t>.print</a:t>
+              <a:t>.pprint</a:t>
             </a:r>
             <a:endParaRPr b="0" lang="de-DE" sz="1200" spc="-1" strike="noStrike">
               <a:latin typeface="Arial"/>
             </a:endParaRPr>
           </a:p>
           <a:p>
+            <a:pPr>
+              <a:lnSpc>
+                <a:spcPct val="100000"/>
+              </a:lnSpc>
+            </a:pPr>
             <a:r>
               <a:rPr b="1" lang="de-DE" sz="1200" spc="-1" strike="noStrike">
                 <a:solidFill>
@@ -10294,13 +10284,18 @@
                 <a:latin typeface="Menlo"/>
                 <a:ea typeface="Menlo"/>
               </a:rPr>
-              <a:t>Date().print</a:t>
+              <a:t>Date().pprint</a:t>
             </a:r>
             <a:endParaRPr b="0" lang="de-DE" sz="1200" spc="-1" strike="noStrike">
               <a:latin typeface="Arial"/>
             </a:endParaRPr>
           </a:p>
           <a:p>
+            <a:pPr>
+              <a:lnSpc>
+                <a:spcPct val="100000"/>
+              </a:lnSpc>
+            </a:pPr>
             <a:r>
               <a:rPr b="0" i="1" lang="de-DE" sz="1200" spc="-1" strike="noStrike">
                 <a:solidFill>
@@ -10319,10 +10314,10 @@
                 <a:latin typeface="Menlo"/>
                 <a:ea typeface="Menlo"/>
               </a:rPr>
-              <a:t>.print</a:t>
+              <a:t>.pprint</a:t>
             </a:r>
             <a:endParaRPr b="0" lang="de-DE" sz="1200" spc="-1" strike="noStrike">
-              <a:latin typeface="Menlo"/>
+              <a:latin typeface="Arial"/>
             </a:endParaRPr>
           </a:p>
         </p:txBody>
@@ -10385,7 +10380,7 @@
         <p:spPr>
           <a:xfrm>
             <a:off x="720000" y="300960"/>
-            <a:ext cx="8850960" cy="1257840"/>
+            <a:ext cx="8850600" cy="1257480"/>
           </a:xfrm>
           <a:prstGeom prst="rect">
             <a:avLst/>
@@ -10415,7 +10410,7 @@
               <a:t>Context Bound + implicitly (1)</a:t>
             </a:r>
             <a:endParaRPr b="0" lang="de-DE" sz="3200" spc="-1" strike="noStrike">
-              <a:latin typeface="Times New Roman"/>
+              <a:latin typeface="Arial"/>
             </a:endParaRPr>
           </a:p>
         </p:txBody>
@@ -10429,7 +10424,7 @@
         <p:spPr>
           <a:xfrm>
             <a:off x="720000" y="1872000"/>
-            <a:ext cx="8635320" cy="4572000"/>
+            <a:ext cx="8634960" cy="4571640"/>
           </a:xfrm>
           <a:prstGeom prst="rect">
             <a:avLst/>
@@ -10448,8 +10443,8 @@
         <p:txBody>
           <a:bodyPr lIns="0" rIns="0" tIns="0" bIns="0"/>
           <a:p>
-            <a:endParaRPr b="0" lang="de-DE" sz="1600" spc="-1" strike="noStrike">
-              <a:latin typeface="Times New Roman"/>
+            <a:endParaRPr b="0" lang="de-DE" sz="1800" spc="-1" strike="noStrike">
+              <a:latin typeface="Arial"/>
             </a:endParaRPr>
           </a:p>
           <a:p>
@@ -10484,286 +10479,7 @@
               <a:t>//</a:t>
             </a:r>
             <a:endParaRPr b="0" lang="de-DE" sz="1600" spc="-1" strike="noStrike">
-              <a:latin typeface="Times New Roman"/>
-            </a:endParaRPr>
-          </a:p>
-          <a:p>
-            <a:r>
-              <a:rPr b="1" lang="de-DE" sz="1600" spc="-1" strike="noStrike">
-                <a:solidFill>
-                  <a:srgbClr val="00006d"/>
-                </a:solidFill>
-                <a:latin typeface="Menlo"/>
-                <a:ea typeface="Menlo"/>
-              </a:rPr>
-              <a:t>implicit class </a:t>
-            </a:r>
-            <a:r>
-              <a:rPr b="0" lang="de-DE" sz="1600" spc="-1" strike="noStrike">
-                <a:solidFill>
-                  <a:srgbClr val="000000"/>
-                </a:solidFill>
-                <a:latin typeface="Menlo"/>
-                <a:ea typeface="Menlo"/>
-              </a:rPr>
-              <a:t>PrintableOps[</a:t>
-            </a:r>
-            <a:r>
-              <a:rPr b="0" lang="de-DE" sz="1600" spc="-1" strike="noStrike">
-                <a:solidFill>
-                  <a:srgbClr val="1f888b"/>
-                </a:solidFill>
-                <a:latin typeface="Menlo"/>
-                <a:ea typeface="Menlo"/>
-              </a:rPr>
-              <a:t>A</a:t>
-            </a:r>
-            <a:r>
-              <a:rPr b="0" lang="de-DE" sz="1600" spc="-1" strike="noStrike">
-                <a:solidFill>
-                  <a:srgbClr val="000000"/>
-                </a:solidFill>
-                <a:latin typeface="Menlo"/>
-                <a:ea typeface="Menlo"/>
-              </a:rPr>
-              <a:t>](value: </a:t>
-            </a:r>
-            <a:r>
-              <a:rPr b="0" lang="de-DE" sz="1600" spc="-1" strike="noStrike">
-                <a:solidFill>
-                  <a:srgbClr val="1f888b"/>
-                </a:solidFill>
-                <a:latin typeface="Menlo"/>
-                <a:ea typeface="Menlo"/>
-              </a:rPr>
-              <a:t>A</a:t>
-            </a:r>
-            <a:r>
-              <a:rPr b="0" lang="de-DE" sz="1600" spc="-1" strike="noStrike">
-                <a:solidFill>
-                  <a:srgbClr val="000000"/>
-                </a:solidFill>
-                <a:latin typeface="Menlo"/>
-                <a:ea typeface="Menlo"/>
-              </a:rPr>
-              <a:t>) {</a:t>
-            </a:r>
-            <a:endParaRPr b="0" lang="de-DE" sz="1600" spc="-1" strike="noStrike">
-              <a:latin typeface="Times New Roman"/>
-            </a:endParaRPr>
-          </a:p>
-          <a:p>
-            <a:r>
-              <a:rPr b="1" lang="de-DE" sz="1600" spc="-1" strike="noStrike">
-                <a:solidFill>
-                  <a:srgbClr val="00006d"/>
-                </a:solidFill>
-                <a:latin typeface="Menlo"/>
-                <a:ea typeface="Menlo"/>
-              </a:rPr>
-              <a:t>  </a:t>
-            </a:r>
-            <a:r>
-              <a:rPr b="1" lang="de-DE" sz="1600" spc="-1" strike="noStrike">
-                <a:solidFill>
-                  <a:srgbClr val="00006d"/>
-                </a:solidFill>
-                <a:latin typeface="Menlo"/>
-                <a:ea typeface="Menlo"/>
-              </a:rPr>
-              <a:t>def </a:t>
-            </a:r>
-            <a:r>
-              <a:rPr b="0" lang="de-DE" sz="1600" spc="-1" strike="noStrike">
-                <a:solidFill>
-                  <a:srgbClr val="000000"/>
-                </a:solidFill>
-                <a:latin typeface="Menlo"/>
-                <a:ea typeface="Menlo"/>
-              </a:rPr>
-              <a:t>stringify(</a:t>
-            </a:r>
-            <a:r>
-              <a:rPr b="1" lang="de-DE" sz="1600" spc="-1" strike="noStrike">
-                <a:solidFill>
-                  <a:srgbClr val="00006d"/>
-                </a:solidFill>
-                <a:latin typeface="Menlo"/>
-                <a:ea typeface="Menlo"/>
-              </a:rPr>
-              <a:t>implicit </a:t>
-            </a:r>
-            <a:r>
-              <a:rPr b="0" lang="de-DE" sz="1600" spc="-1" strike="noStrike">
-                <a:solidFill>
-                  <a:srgbClr val="000000"/>
-                </a:solidFill>
-                <a:latin typeface="Menlo"/>
-                <a:ea typeface="Menlo"/>
-              </a:rPr>
-              <a:t>p: Printable[</a:t>
-            </a:r>
-            <a:r>
-              <a:rPr b="0" lang="de-DE" sz="1600" spc="-1" strike="noStrike">
-                <a:solidFill>
-                  <a:srgbClr val="1f888b"/>
-                </a:solidFill>
-                <a:latin typeface="Menlo"/>
-                <a:ea typeface="Menlo"/>
-              </a:rPr>
-              <a:t>A</a:t>
-            </a:r>
-            <a:r>
-              <a:rPr b="0" lang="de-DE" sz="1600" spc="-1" strike="noStrike">
-                <a:solidFill>
-                  <a:srgbClr val="000000"/>
-                </a:solidFill>
-                <a:latin typeface="Menlo"/>
-                <a:ea typeface="Menlo"/>
-              </a:rPr>
-              <a:t>]): </a:t>
-            </a:r>
-            <a:r>
-              <a:rPr b="0" lang="de-DE" sz="1600" spc="-1" strike="noStrike">
-                <a:solidFill>
-                  <a:srgbClr val="1f888b"/>
-                </a:solidFill>
-                <a:latin typeface="Menlo"/>
-                <a:ea typeface="Menlo"/>
-              </a:rPr>
-              <a:t>String </a:t>
-            </a:r>
-            <a:r>
-              <a:rPr b="0" lang="de-DE" sz="1600" spc="-1" strike="noStrike">
-                <a:solidFill>
-                  <a:srgbClr val="000000"/>
-                </a:solidFill>
-                <a:latin typeface="Menlo"/>
-                <a:ea typeface="Menlo"/>
-              </a:rPr>
-              <a:t>= p.stringify(value)</a:t>
-            </a:r>
-            <a:endParaRPr b="0" lang="de-DE" sz="1600" spc="-1" strike="noStrike">
-              <a:latin typeface="Times New Roman"/>
-            </a:endParaRPr>
-          </a:p>
-          <a:p>
-            <a:r>
-              <a:rPr b="1" lang="de-DE" sz="1600" spc="-1" strike="noStrike">
-                <a:solidFill>
-                  <a:srgbClr val="00006d"/>
-                </a:solidFill>
-                <a:latin typeface="Menlo"/>
-                <a:ea typeface="Menlo"/>
-              </a:rPr>
-              <a:t>  </a:t>
-            </a:r>
-            <a:r>
-              <a:rPr b="1" lang="de-DE" sz="1600" spc="-1" strike="noStrike">
-                <a:solidFill>
-                  <a:srgbClr val="00006d"/>
-                </a:solidFill>
-                <a:latin typeface="Menlo"/>
-                <a:ea typeface="Menlo"/>
-              </a:rPr>
-              <a:t>def </a:t>
-            </a:r>
-            <a:r>
-              <a:rPr b="0" lang="de-DE" sz="1600" spc="-1" strike="noStrike">
-                <a:solidFill>
-                  <a:srgbClr val="000000"/>
-                </a:solidFill>
-                <a:latin typeface="Menlo"/>
-                <a:ea typeface="Menlo"/>
-              </a:rPr>
-              <a:t>print(</a:t>
-            </a:r>
-            <a:r>
-              <a:rPr b="1" lang="de-DE" sz="1600" spc="-1" strike="noStrike">
-                <a:solidFill>
-                  <a:srgbClr val="00006d"/>
-                </a:solidFill>
-                <a:latin typeface="Menlo"/>
-                <a:ea typeface="Menlo"/>
-              </a:rPr>
-              <a:t>implicit </a:t>
-            </a:r>
-            <a:r>
-              <a:rPr b="0" lang="de-DE" sz="1600" spc="-1" strike="noStrike">
-                <a:solidFill>
-                  <a:srgbClr val="000000"/>
-                </a:solidFill>
-                <a:latin typeface="Menlo"/>
-                <a:ea typeface="Menlo"/>
-              </a:rPr>
-              <a:t>p: Printable[</a:t>
-            </a:r>
-            <a:r>
-              <a:rPr b="0" lang="de-DE" sz="1600" spc="-1" strike="noStrike">
-                <a:solidFill>
-                  <a:srgbClr val="1f888b"/>
-                </a:solidFill>
-                <a:latin typeface="Menlo"/>
-                <a:ea typeface="Menlo"/>
-              </a:rPr>
-              <a:t>A</a:t>
-            </a:r>
-            <a:r>
-              <a:rPr b="0" lang="de-DE" sz="1600" spc="-1" strike="noStrike">
-                <a:solidFill>
-                  <a:srgbClr val="000000"/>
-                </a:solidFill>
-                <a:latin typeface="Menlo"/>
-                <a:ea typeface="Menlo"/>
-              </a:rPr>
-              <a:t>]): Unit = </a:t>
-            </a:r>
-            <a:r>
-              <a:rPr b="0" i="1" lang="de-DE" sz="1600" spc="-1" strike="noStrike">
-                <a:solidFill>
-                  <a:srgbClr val="000000"/>
-                </a:solidFill>
-                <a:latin typeface="Menlo"/>
-                <a:ea typeface="Menlo"/>
-              </a:rPr>
-              <a:t>println</a:t>
-            </a:r>
-            <a:r>
-              <a:rPr b="0" lang="de-DE" sz="1600" spc="-1" strike="noStrike">
-                <a:solidFill>
-                  <a:srgbClr val="000000"/>
-                </a:solidFill>
-                <a:latin typeface="Menlo"/>
-                <a:ea typeface="Menlo"/>
-              </a:rPr>
-              <a:t>(stringify)</a:t>
-            </a:r>
-            <a:endParaRPr b="0" lang="de-DE" sz="1600" spc="-1" strike="noStrike">
-              <a:latin typeface="Times New Roman"/>
-            </a:endParaRPr>
-          </a:p>
-          <a:p>
-            <a:r>
-              <a:rPr b="0" lang="de-DE" sz="1600" spc="-1" strike="noStrike">
-                <a:solidFill>
-                  <a:srgbClr val="333333"/>
-                </a:solidFill>
-                <a:latin typeface="Menlo"/>
-                <a:ea typeface="DejaVu Sans"/>
-              </a:rPr>
-              <a:t>}</a:t>
-            </a:r>
-            <a:endParaRPr b="0" lang="de-DE" sz="1600" spc="-1" strike="noStrike">
-              <a:latin typeface="Times New Roman"/>
-            </a:endParaRPr>
-          </a:p>
-          <a:p>
-            <a:endParaRPr b="0" lang="de-DE" sz="1600" spc="-1" strike="noStrike">
-              <a:solidFill>
-                <a:srgbClr val="000000"/>
-              </a:solidFill>
-              <a:latin typeface="Menlo"/>
-              <a:ea typeface="Menlo"/>
+              <a:latin typeface="Arial"/>
             </a:endParaRPr>
           </a:p>
           <a:p>
@@ -10773,21 +10489,67 @@
               </a:lnSpc>
             </a:pPr>
             <a:r>
-              <a:rPr b="0" lang="de-DE" sz="1600" spc="-1" strike="noStrike">
-                <a:solidFill>
-                  <a:srgbClr val="333333"/>
-                </a:solidFill>
-                <a:latin typeface="Menlo"/>
-                <a:ea typeface="DejaVu Sans"/>
-              </a:rPr>
-              <a:t>- - - - </a:t>
+              <a:rPr b="1" lang="de-DE" sz="1600" spc="-1" strike="noStrike">
+                <a:solidFill>
+                  <a:srgbClr val="00006d"/>
+                </a:solidFill>
+                <a:latin typeface="Menlo"/>
+                <a:ea typeface="Menlo"/>
+              </a:rPr>
+              <a:t>implicit class </a:t>
+            </a:r>
+            <a:r>
+              <a:rPr b="0" lang="de-DE" sz="1600" spc="-1" strike="noStrike">
+                <a:solidFill>
+                  <a:srgbClr val="000000"/>
+                </a:solidFill>
+                <a:latin typeface="Menlo"/>
+                <a:ea typeface="Menlo"/>
+              </a:rPr>
+              <a:t>PrintableOps[</a:t>
+            </a:r>
+            <a:r>
+              <a:rPr b="0" lang="de-DE" sz="1600" spc="-1" strike="noStrike">
+                <a:solidFill>
+                  <a:srgbClr val="1f888b"/>
+                </a:solidFill>
+                <a:latin typeface="Menlo"/>
+                <a:ea typeface="Menlo"/>
+              </a:rPr>
+              <a:t>A</a:t>
+            </a:r>
+            <a:r>
+              <a:rPr b="0" lang="de-DE" sz="1600" spc="-1" strike="noStrike">
+                <a:solidFill>
+                  <a:srgbClr val="000000"/>
+                </a:solidFill>
+                <a:latin typeface="Menlo"/>
+                <a:ea typeface="Menlo"/>
+              </a:rPr>
+              <a:t>](value: </a:t>
+            </a:r>
+            <a:r>
+              <a:rPr b="0" lang="de-DE" sz="1600" spc="-1" strike="noStrike">
+                <a:solidFill>
+                  <a:srgbClr val="1f888b"/>
+                </a:solidFill>
+                <a:latin typeface="Menlo"/>
+                <a:ea typeface="Menlo"/>
+              </a:rPr>
+              <a:t>A</a:t>
+            </a:r>
+            <a:r>
+              <a:rPr b="0" lang="de-DE" sz="1600" spc="-1" strike="noStrike">
+                <a:solidFill>
+                  <a:srgbClr val="000000"/>
+                </a:solidFill>
+                <a:latin typeface="Menlo"/>
+                <a:ea typeface="Menlo"/>
+              </a:rPr>
+              <a:t>) {</a:t>
             </a:r>
             <a:endParaRPr b="0" lang="de-DE" sz="1600" spc="-1" strike="noStrike">
-              <a:solidFill>
-                <a:srgbClr val="000000"/>
-              </a:solidFill>
-              <a:latin typeface="Menlo"/>
-              <a:ea typeface="Menlo"/>
+              <a:latin typeface="Arial"/>
             </a:endParaRPr>
           </a:p>
           <a:p>
@@ -10796,15 +10558,266 @@
                 <a:spcPct val="100000"/>
               </a:lnSpc>
             </a:pPr>
+            <a:r>
+              <a:rPr b="1" lang="de-DE" sz="1600" spc="-1" strike="noStrike">
+                <a:solidFill>
+                  <a:srgbClr val="00006d"/>
+                </a:solidFill>
+                <a:latin typeface="Menlo"/>
+                <a:ea typeface="Menlo"/>
+              </a:rPr>
+              <a:t>  </a:t>
+            </a:r>
+            <a:r>
+              <a:rPr b="1" lang="de-DE" sz="1600" spc="-1" strike="noStrike">
+                <a:solidFill>
+                  <a:srgbClr val="00006d"/>
+                </a:solidFill>
+                <a:latin typeface="Menlo"/>
+                <a:ea typeface="Menlo"/>
+              </a:rPr>
+              <a:t>def </a:t>
+            </a:r>
+            <a:r>
+              <a:rPr b="0" lang="de-DE" sz="1600" spc="-1" strike="noStrike">
+                <a:solidFill>
+                  <a:srgbClr val="000000"/>
+                </a:solidFill>
+                <a:latin typeface="Menlo"/>
+                <a:ea typeface="Menlo"/>
+              </a:rPr>
+              <a:t>stringify(</a:t>
+            </a:r>
+            <a:r>
+              <a:rPr b="1" lang="de-DE" sz="1600" spc="-1" strike="noStrike">
+                <a:solidFill>
+                  <a:srgbClr val="00006d"/>
+                </a:solidFill>
+                <a:latin typeface="Menlo"/>
+                <a:ea typeface="Menlo"/>
+              </a:rPr>
+              <a:t>implicit </a:t>
+            </a:r>
+            <a:r>
+              <a:rPr b="0" lang="de-DE" sz="1600" spc="-1" strike="noStrike">
+                <a:solidFill>
+                  <a:srgbClr val="000000"/>
+                </a:solidFill>
+                <a:latin typeface="Menlo"/>
+                <a:ea typeface="Menlo"/>
+              </a:rPr>
+              <a:t>p: Printable[</a:t>
+            </a:r>
+            <a:r>
+              <a:rPr b="0" lang="de-DE" sz="1600" spc="-1" strike="noStrike">
+                <a:solidFill>
+                  <a:srgbClr val="1f888b"/>
+                </a:solidFill>
+                <a:latin typeface="Menlo"/>
+                <a:ea typeface="Menlo"/>
+              </a:rPr>
+              <a:t>A</a:t>
+            </a:r>
+            <a:r>
+              <a:rPr b="0" lang="de-DE" sz="1600" spc="-1" strike="noStrike">
+                <a:solidFill>
+                  <a:srgbClr val="000000"/>
+                </a:solidFill>
+                <a:latin typeface="Menlo"/>
+                <a:ea typeface="Menlo"/>
+              </a:rPr>
+              <a:t>]): </a:t>
+            </a:r>
+            <a:r>
+              <a:rPr b="0" lang="de-DE" sz="1600" spc="-1" strike="noStrike">
+                <a:solidFill>
+                  <a:srgbClr val="1f888b"/>
+                </a:solidFill>
+                <a:latin typeface="Menlo"/>
+                <a:ea typeface="Menlo"/>
+              </a:rPr>
+              <a:t>String </a:t>
+            </a:r>
+            <a:r>
+              <a:rPr b="0" lang="de-DE" sz="1600" spc="-1" strike="noStrike">
+                <a:solidFill>
+                  <a:srgbClr val="000000"/>
+                </a:solidFill>
+                <a:latin typeface="Menlo"/>
+                <a:ea typeface="Menlo"/>
+              </a:rPr>
+              <a:t>= p.stringify(value)</a:t>
+            </a:r>
             <a:endParaRPr b="0" lang="de-DE" sz="1600" spc="-1" strike="noStrike">
-              <a:solidFill>
-                <a:srgbClr val="000000"/>
-              </a:solidFill>
-              <a:latin typeface="Menlo"/>
-              <a:ea typeface="Menlo"/>
-            </a:endParaRPr>
-          </a:p>
-          <a:p>
+              <a:latin typeface="Arial"/>
+            </a:endParaRPr>
+          </a:p>
+          <a:p>
+            <a:pPr>
+              <a:lnSpc>
+                <a:spcPct val="100000"/>
+              </a:lnSpc>
+            </a:pPr>
+            <a:r>
+              <a:rPr b="1" lang="de-DE" sz="1600" spc="-1" strike="noStrike">
+                <a:solidFill>
+                  <a:srgbClr val="00006d"/>
+                </a:solidFill>
+                <a:latin typeface="Menlo"/>
+                <a:ea typeface="Menlo"/>
+              </a:rPr>
+              <a:t>  </a:t>
+            </a:r>
+            <a:r>
+              <a:rPr b="1" lang="de-DE" sz="1600" spc="-1" strike="noStrike">
+                <a:solidFill>
+                  <a:srgbClr val="00006d"/>
+                </a:solidFill>
+                <a:latin typeface="Menlo"/>
+                <a:ea typeface="Menlo"/>
+              </a:rPr>
+              <a:t>def </a:t>
+            </a:r>
+            <a:r>
+              <a:rPr b="0" lang="de-DE" sz="1600" spc="-1" strike="noStrike">
+                <a:solidFill>
+                  <a:srgbClr val="000000"/>
+                </a:solidFill>
+                <a:latin typeface="Menlo"/>
+                <a:ea typeface="Menlo"/>
+              </a:rPr>
+              <a:t>pprint(</a:t>
+            </a:r>
+            <a:r>
+              <a:rPr b="1" lang="de-DE" sz="1600" spc="-1" strike="noStrike">
+                <a:solidFill>
+                  <a:srgbClr val="00006d"/>
+                </a:solidFill>
+                <a:latin typeface="Menlo"/>
+                <a:ea typeface="Menlo"/>
+              </a:rPr>
+              <a:t>implicit </a:t>
+            </a:r>
+            <a:r>
+              <a:rPr b="0" lang="de-DE" sz="1600" spc="-1" strike="noStrike">
+                <a:solidFill>
+                  <a:srgbClr val="000000"/>
+                </a:solidFill>
+                <a:latin typeface="Menlo"/>
+                <a:ea typeface="Menlo"/>
+              </a:rPr>
+              <a:t>p: Printable[</a:t>
+            </a:r>
+            <a:r>
+              <a:rPr b="0" lang="de-DE" sz="1600" spc="-1" strike="noStrike">
+                <a:solidFill>
+                  <a:srgbClr val="1f888b"/>
+                </a:solidFill>
+                <a:latin typeface="Menlo"/>
+                <a:ea typeface="Menlo"/>
+              </a:rPr>
+              <a:t>A</a:t>
+            </a:r>
+            <a:r>
+              <a:rPr b="0" lang="de-DE" sz="1600" spc="-1" strike="noStrike">
+                <a:solidFill>
+                  <a:srgbClr val="000000"/>
+                </a:solidFill>
+                <a:latin typeface="Menlo"/>
+                <a:ea typeface="Menlo"/>
+              </a:rPr>
+              <a:t>]): Unit = </a:t>
+            </a:r>
+            <a:r>
+              <a:rPr b="0" i="1" lang="de-DE" sz="1600" spc="-1" strike="noStrike">
+                <a:solidFill>
+                  <a:srgbClr val="000000"/>
+                </a:solidFill>
+                <a:latin typeface="Menlo"/>
+                <a:ea typeface="Menlo"/>
+              </a:rPr>
+              <a:t>println</a:t>
+            </a:r>
+            <a:r>
+              <a:rPr b="0" lang="de-DE" sz="1600" spc="-1" strike="noStrike">
+                <a:solidFill>
+                  <a:srgbClr val="000000"/>
+                </a:solidFill>
+                <a:latin typeface="Menlo"/>
+                <a:ea typeface="Menlo"/>
+              </a:rPr>
+              <a:t>(stringify)</a:t>
+            </a:r>
+            <a:endParaRPr b="0" lang="de-DE" sz="1600" spc="-1" strike="noStrike">
+              <a:latin typeface="Arial"/>
+            </a:endParaRPr>
+          </a:p>
+          <a:p>
+            <a:pPr>
+              <a:lnSpc>
+                <a:spcPct val="100000"/>
+              </a:lnSpc>
+            </a:pPr>
+            <a:r>
+              <a:rPr b="0" lang="de-DE" sz="1600" spc="-1" strike="noStrike">
+                <a:solidFill>
+                  <a:srgbClr val="333333"/>
+                </a:solidFill>
+                <a:latin typeface="Menlo"/>
+                <a:ea typeface="DejaVu Sans"/>
+              </a:rPr>
+              <a:t>}</a:t>
+            </a:r>
+            <a:endParaRPr b="0" lang="de-DE" sz="1600" spc="-1" strike="noStrike">
+              <a:latin typeface="Arial"/>
+            </a:endParaRPr>
+          </a:p>
+          <a:p>
+            <a:pPr>
+              <a:lnSpc>
+                <a:spcPct val="100000"/>
+              </a:lnSpc>
+            </a:pPr>
+            <a:endParaRPr b="0" lang="de-DE" sz="1600" spc="-1" strike="noStrike">
+              <a:latin typeface="Arial"/>
+            </a:endParaRPr>
+          </a:p>
+          <a:p>
+            <a:pPr>
+              <a:lnSpc>
+                <a:spcPct val="100000"/>
+              </a:lnSpc>
+            </a:pPr>
+            <a:r>
+              <a:rPr b="0" lang="de-DE" sz="1600" spc="-1" strike="noStrike">
+                <a:solidFill>
+                  <a:srgbClr val="333333"/>
+                </a:solidFill>
+                <a:latin typeface="Menlo"/>
+                <a:ea typeface="DejaVu Sans"/>
+              </a:rPr>
+              <a:t>- - - - </a:t>
+            </a:r>
+            <a:endParaRPr b="0" lang="de-DE" sz="1600" spc="-1" strike="noStrike">
+              <a:latin typeface="Arial"/>
+            </a:endParaRPr>
+          </a:p>
+          <a:p>
+            <a:pPr>
+              <a:lnSpc>
+                <a:spcPct val="100000"/>
+              </a:lnSpc>
+            </a:pPr>
+            <a:endParaRPr b="0" lang="de-DE" sz="1600" spc="-1" strike="noStrike">
+              <a:latin typeface="Arial"/>
+            </a:endParaRPr>
+          </a:p>
+          <a:p>
+            <a:pPr>
+              <a:lnSpc>
+                <a:spcPct val="100000"/>
+              </a:lnSpc>
+            </a:pPr>
             <a:r>
               <a:rPr b="0" lang="de-DE" sz="1600" spc="-1" strike="noStrike">
                 <a:solidFill>
@@ -10820,6 +10833,11 @@
             </a:endParaRPr>
           </a:p>
           <a:p>
+            <a:pPr>
+              <a:lnSpc>
+                <a:spcPct val="100000"/>
+              </a:lnSpc>
+            </a:pPr>
             <a:r>
               <a:rPr b="0" lang="de-DE" sz="1600" spc="-1" strike="noStrike">
                 <a:solidFill>
@@ -10835,6 +10853,11 @@
             </a:endParaRPr>
           </a:p>
           <a:p>
+            <a:pPr>
+              <a:lnSpc>
+                <a:spcPct val="100000"/>
+              </a:lnSpc>
+            </a:pPr>
             <a:r>
               <a:rPr b="1" lang="de-DE" sz="1600" spc="-1" strike="noStrike">
                 <a:solidFill>
@@ -10920,6 +10943,11 @@
             </a:endParaRPr>
           </a:p>
           <a:p>
+            <a:pPr>
+              <a:lnSpc>
+                <a:spcPct val="100000"/>
+              </a:lnSpc>
+            </a:pPr>
             <a:r>
               <a:rPr b="0" lang="de-DE" sz="1600" spc="-1" strike="noStrike">
                 <a:solidFill>
@@ -11025,6 +11053,11 @@
             </a:endParaRPr>
           </a:p>
           <a:p>
+            <a:pPr>
+              <a:lnSpc>
+                <a:spcPct val="100000"/>
+              </a:lnSpc>
+            </a:pPr>
             <a:r>
               <a:rPr b="0" lang="de-DE" sz="1600" spc="-1" strike="noStrike">
                 <a:solidFill>
@@ -11053,7 +11086,7 @@
                 <a:latin typeface="Menlo"/>
                 <a:ea typeface="Menlo"/>
               </a:rPr>
-              <a:t>print(): Unit = </a:t>
+              <a:t>pprint(): Unit = </a:t>
             </a:r>
             <a:r>
               <a:rPr b="0" i="1" lang="de-DE" sz="1600" spc="-1" strike="noStrike">
@@ -11080,6 +11113,11 @@
             </a:endParaRPr>
           </a:p>
           <a:p>
+            <a:pPr>
+              <a:lnSpc>
+                <a:spcPct val="100000"/>
+              </a:lnSpc>
+            </a:pPr>
             <a:r>
               <a:rPr b="0" lang="de-DE" sz="1600" spc="-1" strike="noStrike">
                 <a:solidFill>
@@ -11095,8 +11133,13 @@
             </a:endParaRPr>
           </a:p>
           <a:p>
+            <a:pPr>
+              <a:lnSpc>
+                <a:spcPct val="100000"/>
+              </a:lnSpc>
+            </a:pPr>
             <a:endParaRPr b="0" lang="de-DE" sz="1600" spc="-1" strike="noStrike">
-              <a:latin typeface="Menlo"/>
+              <a:latin typeface="Arial"/>
             </a:endParaRPr>
           </a:p>
         </p:txBody>
@@ -11159,7 +11202,7 @@
         <p:spPr>
           <a:xfrm>
             <a:off x="720000" y="300960"/>
-            <a:ext cx="8850960" cy="1257840"/>
+            <a:ext cx="8850600" cy="1257480"/>
           </a:xfrm>
           <a:prstGeom prst="rect">
             <a:avLst/>
@@ -11189,7 +11232,7 @@
               <a:t>Context Bound + implicitly (2)</a:t>
             </a:r>
             <a:endParaRPr b="0" lang="de-DE" sz="3200" spc="-1" strike="noStrike">
-              <a:latin typeface="Times New Roman"/>
+              <a:latin typeface="Arial"/>
             </a:endParaRPr>
           </a:p>
         </p:txBody>
@@ -11203,7 +11246,7 @@
         <p:spPr>
           <a:xfrm>
             <a:off x="720000" y="1944000"/>
-            <a:ext cx="8635320" cy="4716000"/>
+            <a:ext cx="8634960" cy="4715640"/>
           </a:xfrm>
           <a:prstGeom prst="rect">
             <a:avLst/>
@@ -11222,8 +11265,8 @@
         <p:txBody>
           <a:bodyPr lIns="0" rIns="0" tIns="0" bIns="0"/>
           <a:p>
-            <a:endParaRPr b="0" lang="de-DE" sz="1600" spc="-1" strike="noStrike">
-              <a:latin typeface="Times New Roman"/>
+            <a:endParaRPr b="0" lang="de-DE" sz="1800" spc="-1" strike="noStrike">
+              <a:latin typeface="Arial"/>
             </a:endParaRPr>
           </a:p>
           <a:p>
@@ -11258,321 +11301,6 @@
               <a:t>//</a:t>
             </a:r>
             <a:endParaRPr b="0" lang="de-DE" sz="1600" spc="-1" strike="noStrike">
-              <a:latin typeface="Times New Roman"/>
-            </a:endParaRPr>
-          </a:p>
-          <a:p>
-            <a:r>
-              <a:rPr b="1" lang="de-DE" sz="1600" spc="-1" strike="noStrike">
-                <a:solidFill>
-                  <a:srgbClr val="00006d"/>
-                </a:solidFill>
-                <a:latin typeface="Menlo"/>
-                <a:ea typeface="Menlo"/>
-              </a:rPr>
-              <a:t>def </a:t>
-            </a:r>
-            <a:r>
-              <a:rPr b="0" lang="de-DE" sz="1600" spc="-1" strike="noStrike">
-                <a:solidFill>
-                  <a:srgbClr val="000000"/>
-                </a:solidFill>
-                <a:latin typeface="Menlo"/>
-                <a:ea typeface="Menlo"/>
-              </a:rPr>
-              <a:t>stringify[</a:t>
-            </a:r>
-            <a:r>
-              <a:rPr b="0" lang="de-DE" sz="1600" spc="-1" strike="noStrike">
-                <a:solidFill>
-                  <a:srgbClr val="1f888b"/>
-                </a:solidFill>
-                <a:latin typeface="Menlo"/>
-                <a:ea typeface="Menlo"/>
-              </a:rPr>
-              <a:t>A</a:t>
-            </a:r>
-            <a:r>
-              <a:rPr b="0" lang="de-DE" sz="1600" spc="-1" strike="noStrike">
-                <a:solidFill>
-                  <a:srgbClr val="000000"/>
-                </a:solidFill>
-                <a:latin typeface="Menlo"/>
-                <a:ea typeface="Menlo"/>
-              </a:rPr>
-              <a:t>](value: </a:t>
-            </a:r>
-            <a:r>
-              <a:rPr b="0" lang="de-DE" sz="1600" spc="-1" strike="noStrike">
-                <a:solidFill>
-                  <a:srgbClr val="1f888b"/>
-                </a:solidFill>
-                <a:latin typeface="Menlo"/>
-                <a:ea typeface="Menlo"/>
-              </a:rPr>
-              <a:t>A</a:t>
-            </a:r>
-            <a:r>
-              <a:rPr b="0" lang="de-DE" sz="1600" spc="-1" strike="noStrike">
-                <a:solidFill>
-                  <a:srgbClr val="000000"/>
-                </a:solidFill>
-                <a:latin typeface="Menlo"/>
-                <a:ea typeface="Menlo"/>
-              </a:rPr>
-              <a:t>)(</a:t>
-            </a:r>
-            <a:r>
-              <a:rPr b="1" lang="de-DE" sz="1600" spc="-1" strike="noStrike">
-                <a:solidFill>
-                  <a:srgbClr val="00006d"/>
-                </a:solidFill>
-                <a:latin typeface="Menlo"/>
-                <a:ea typeface="Menlo"/>
-              </a:rPr>
-              <a:t>implicit </a:t>
-            </a:r>
-            <a:r>
-              <a:rPr b="0" lang="de-DE" sz="1600" spc="-1" strike="noStrike">
-                <a:solidFill>
-                  <a:srgbClr val="000000"/>
-                </a:solidFill>
-                <a:latin typeface="Menlo"/>
-                <a:ea typeface="Menlo"/>
-              </a:rPr>
-              <a:t>p: Printable[</a:t>
-            </a:r>
-            <a:r>
-              <a:rPr b="0" lang="de-DE" sz="1600" spc="-1" strike="noStrike">
-                <a:solidFill>
-                  <a:srgbClr val="1f888b"/>
-                </a:solidFill>
-                <a:latin typeface="Menlo"/>
-                <a:ea typeface="Menlo"/>
-              </a:rPr>
-              <a:t>A</a:t>
-            </a:r>
-            <a:r>
-              <a:rPr b="0" lang="de-DE" sz="1600" spc="-1" strike="noStrike">
-                <a:solidFill>
-                  <a:srgbClr val="000000"/>
-                </a:solidFill>
-                <a:latin typeface="Menlo"/>
-                <a:ea typeface="Menlo"/>
-              </a:rPr>
-              <a:t>]): </a:t>
-            </a:r>
-            <a:r>
-              <a:rPr b="0" lang="de-DE" sz="1600" spc="-1" strike="noStrike">
-                <a:solidFill>
-                  <a:srgbClr val="1f888b"/>
-                </a:solidFill>
-                <a:latin typeface="Menlo"/>
-                <a:ea typeface="Menlo"/>
-              </a:rPr>
-              <a:t>String </a:t>
-            </a:r>
-            <a:r>
-              <a:rPr b="0" lang="de-DE" sz="1600" spc="-1" strike="noStrike">
-                <a:solidFill>
-                  <a:srgbClr val="000000"/>
-                </a:solidFill>
-                <a:latin typeface="Menlo"/>
-                <a:ea typeface="Menlo"/>
-              </a:rPr>
-              <a:t>=</a:t>
-            </a:r>
-            <a:endParaRPr b="0" lang="de-DE" sz="1600" spc="-1" strike="noStrike">
-              <a:latin typeface="Arial"/>
-            </a:endParaRPr>
-          </a:p>
-          <a:p>
-            <a:r>
-              <a:rPr b="0" lang="de-DE" sz="1600" spc="-1" strike="noStrike">
-                <a:solidFill>
-                  <a:srgbClr val="000000"/>
-                </a:solidFill>
-                <a:latin typeface="Menlo"/>
-                <a:ea typeface="Menlo"/>
-              </a:rPr>
-              <a:t>       </a:t>
-            </a:r>
-            <a:r>
-              <a:rPr b="0" lang="de-DE" sz="1600" spc="-1" strike="noStrike">
-                <a:solidFill>
-                  <a:srgbClr val="000000"/>
-                </a:solidFill>
-                <a:latin typeface="Menlo"/>
-                <a:ea typeface="Menlo"/>
-              </a:rPr>
-              <a:t>p.stringify(value)</a:t>
-            </a:r>
-            <a:endParaRPr b="0" lang="de-DE" sz="1600" spc="-1" strike="noStrike">
-              <a:latin typeface="Arial"/>
-            </a:endParaRPr>
-          </a:p>
-          <a:p>
-            <a:r>
-              <a:rPr b="1" lang="de-DE" sz="1600" spc="-1" strike="noStrike">
-                <a:solidFill>
-                  <a:srgbClr val="00006d"/>
-                </a:solidFill>
-                <a:latin typeface="Menlo"/>
-                <a:ea typeface="Menlo"/>
-              </a:rPr>
-              <a:t>def </a:t>
-            </a:r>
-            <a:r>
-              <a:rPr b="0" lang="de-DE" sz="1600" spc="-1" strike="noStrike">
-                <a:solidFill>
-                  <a:srgbClr val="000000"/>
-                </a:solidFill>
-                <a:latin typeface="Menlo"/>
-                <a:ea typeface="Menlo"/>
-              </a:rPr>
-              <a:t>print[</a:t>
-            </a:r>
-            <a:r>
-              <a:rPr b="0" lang="de-DE" sz="1600" spc="-1" strike="noStrike">
-                <a:solidFill>
-                  <a:srgbClr val="1f888b"/>
-                </a:solidFill>
-                <a:latin typeface="Menlo"/>
-                <a:ea typeface="Menlo"/>
-              </a:rPr>
-              <a:t>A</a:t>
-            </a:r>
-            <a:r>
-              <a:rPr b="0" lang="de-DE" sz="1600" spc="-1" strike="noStrike">
-                <a:solidFill>
-                  <a:srgbClr val="000000"/>
-                </a:solidFill>
-                <a:latin typeface="Menlo"/>
-                <a:ea typeface="Menlo"/>
-              </a:rPr>
-              <a:t>](value: </a:t>
-            </a:r>
-            <a:r>
-              <a:rPr b="0" lang="de-DE" sz="1600" spc="-1" strike="noStrike">
-                <a:solidFill>
-                  <a:srgbClr val="1f888b"/>
-                </a:solidFill>
-                <a:latin typeface="Menlo"/>
-                <a:ea typeface="Menlo"/>
-              </a:rPr>
-              <a:t>A</a:t>
-            </a:r>
-            <a:r>
-              <a:rPr b="0" lang="de-DE" sz="1600" spc="-1" strike="noStrike">
-                <a:solidFill>
-                  <a:srgbClr val="000000"/>
-                </a:solidFill>
-                <a:latin typeface="Menlo"/>
-                <a:ea typeface="Menlo"/>
-              </a:rPr>
-              <a:t>)(</a:t>
-            </a:r>
-            <a:r>
-              <a:rPr b="1" lang="de-DE" sz="1600" spc="-1" strike="noStrike">
-                <a:solidFill>
-                  <a:srgbClr val="00006d"/>
-                </a:solidFill>
-                <a:latin typeface="Menlo"/>
-                <a:ea typeface="Menlo"/>
-              </a:rPr>
-              <a:t>implicit </a:t>
-            </a:r>
-            <a:r>
-              <a:rPr b="0" lang="de-DE" sz="1600" spc="-1" strike="noStrike">
-                <a:solidFill>
-                  <a:srgbClr val="000000"/>
-                </a:solidFill>
-                <a:latin typeface="Menlo"/>
-                <a:ea typeface="Menlo"/>
-              </a:rPr>
-              <a:t>p: Printable[</a:t>
-            </a:r>
-            <a:r>
-              <a:rPr b="0" lang="de-DE" sz="1600" spc="-1" strike="noStrike">
-                <a:solidFill>
-                  <a:srgbClr val="1f888b"/>
-                </a:solidFill>
-                <a:latin typeface="Menlo"/>
-                <a:ea typeface="Menlo"/>
-              </a:rPr>
-              <a:t>A</a:t>
-            </a:r>
-            <a:r>
-              <a:rPr b="0" lang="de-DE" sz="1600" spc="-1" strike="noStrike">
-                <a:solidFill>
-                  <a:srgbClr val="000000"/>
-                </a:solidFill>
-                <a:latin typeface="Menlo"/>
-                <a:ea typeface="Menlo"/>
-              </a:rPr>
-              <a:t>]): Unit =</a:t>
-            </a:r>
-            <a:endParaRPr b="0" lang="de-DE" sz="1600" spc="-1" strike="noStrike">
-              <a:latin typeface="Arial"/>
-            </a:endParaRPr>
-          </a:p>
-          <a:p>
-            <a:r>
-              <a:rPr b="0" lang="de-DE" sz="1600" spc="-1" strike="noStrike">
-                <a:solidFill>
-                  <a:srgbClr val="000000"/>
-                </a:solidFill>
-                <a:latin typeface="Menlo"/>
-                <a:ea typeface="Menlo"/>
-              </a:rPr>
-              <a:t>       </a:t>
-            </a:r>
-            <a:r>
-              <a:rPr b="0" i="1" lang="de-DE" sz="1600" spc="-1" strike="noStrike">
-                <a:solidFill>
-                  <a:srgbClr val="000000"/>
-                </a:solidFill>
-                <a:latin typeface="Menlo"/>
-                <a:ea typeface="Menlo"/>
-              </a:rPr>
-              <a:t>println</a:t>
-            </a:r>
-            <a:r>
-              <a:rPr b="0" lang="de-DE" sz="1600" spc="-1" strike="noStrike">
-                <a:solidFill>
-                  <a:srgbClr val="000000"/>
-                </a:solidFill>
-                <a:latin typeface="Menlo"/>
-                <a:ea typeface="Menlo"/>
-              </a:rPr>
-              <a:t>(</a:t>
-            </a:r>
-            <a:r>
-              <a:rPr b="0" i="1" lang="de-DE" sz="1600" spc="-1" strike="noStrike">
-                <a:solidFill>
-                  <a:srgbClr val="000000"/>
-                </a:solidFill>
-                <a:latin typeface="Menlo"/>
-                <a:ea typeface="Menlo"/>
-              </a:rPr>
-              <a:t>stringify</a:t>
-            </a:r>
-            <a:r>
-              <a:rPr b="0" lang="de-DE" sz="1600" spc="-1" strike="noStrike">
-                <a:solidFill>
-                  <a:srgbClr val="000000"/>
-                </a:solidFill>
-                <a:latin typeface="Menlo"/>
-                <a:ea typeface="Menlo"/>
-              </a:rPr>
-              <a:t>(value))</a:t>
-            </a:r>
-            <a:endParaRPr b="0" lang="de-DE" sz="1600" spc="-1" strike="noStrike">
-              <a:latin typeface="Arial"/>
-            </a:endParaRPr>
-          </a:p>
-          <a:p>
-            <a:endParaRPr b="0" lang="de-DE" sz="1600" spc="-1" strike="noStrike">
               <a:latin typeface="Arial"/>
             </a:endParaRPr>
           </a:p>
@@ -11583,21 +11311,127 @@
               </a:lnSpc>
             </a:pPr>
             <a:r>
-              <a:rPr b="0" lang="de-DE" sz="1600" spc="-1" strike="noStrike">
-                <a:solidFill>
-                  <a:srgbClr val="333333"/>
-                </a:solidFill>
-                <a:latin typeface="Menlo"/>
-                <a:ea typeface="DejaVu Sans"/>
-              </a:rPr>
-              <a:t>- - - - </a:t>
+              <a:rPr b="1" lang="de-DE" sz="1600" spc="-1" strike="noStrike">
+                <a:solidFill>
+                  <a:srgbClr val="00006d"/>
+                </a:solidFill>
+                <a:latin typeface="Menlo"/>
+                <a:ea typeface="Menlo"/>
+              </a:rPr>
+              <a:t>def </a:t>
+            </a:r>
+            <a:r>
+              <a:rPr b="0" lang="de-DE" sz="1600" spc="-1" strike="noStrike">
+                <a:solidFill>
+                  <a:srgbClr val="000000"/>
+                </a:solidFill>
+                <a:latin typeface="Menlo"/>
+                <a:ea typeface="Menlo"/>
+              </a:rPr>
+              <a:t>stringify[</a:t>
+            </a:r>
+            <a:r>
+              <a:rPr b="0" lang="de-DE" sz="1600" spc="-1" strike="noStrike">
+                <a:solidFill>
+                  <a:srgbClr val="1f888b"/>
+                </a:solidFill>
+                <a:latin typeface="Menlo"/>
+                <a:ea typeface="Menlo"/>
+              </a:rPr>
+              <a:t>A</a:t>
+            </a:r>
+            <a:r>
+              <a:rPr b="0" lang="de-DE" sz="1600" spc="-1" strike="noStrike">
+                <a:solidFill>
+                  <a:srgbClr val="000000"/>
+                </a:solidFill>
+                <a:latin typeface="Menlo"/>
+                <a:ea typeface="Menlo"/>
+              </a:rPr>
+              <a:t>](value: </a:t>
+            </a:r>
+            <a:r>
+              <a:rPr b="0" lang="de-DE" sz="1600" spc="-1" strike="noStrike">
+                <a:solidFill>
+                  <a:srgbClr val="1f888b"/>
+                </a:solidFill>
+                <a:latin typeface="Menlo"/>
+                <a:ea typeface="Menlo"/>
+              </a:rPr>
+              <a:t>A</a:t>
+            </a:r>
+            <a:r>
+              <a:rPr b="0" lang="de-DE" sz="1600" spc="-1" strike="noStrike">
+                <a:solidFill>
+                  <a:srgbClr val="000000"/>
+                </a:solidFill>
+                <a:latin typeface="Menlo"/>
+                <a:ea typeface="Menlo"/>
+              </a:rPr>
+              <a:t>)(</a:t>
+            </a:r>
+            <a:r>
+              <a:rPr b="1" lang="de-DE" sz="1600" spc="-1" strike="noStrike">
+                <a:solidFill>
+                  <a:srgbClr val="00006d"/>
+                </a:solidFill>
+                <a:latin typeface="Menlo"/>
+                <a:ea typeface="Menlo"/>
+              </a:rPr>
+              <a:t>implicit </a:t>
+            </a:r>
+            <a:r>
+              <a:rPr b="0" lang="de-DE" sz="1600" spc="-1" strike="noStrike">
+                <a:solidFill>
+                  <a:srgbClr val="000000"/>
+                </a:solidFill>
+                <a:latin typeface="Menlo"/>
+                <a:ea typeface="Menlo"/>
+              </a:rPr>
+              <a:t>p: Printable[</a:t>
+            </a:r>
+            <a:r>
+              <a:rPr b="0" lang="de-DE" sz="1600" spc="-1" strike="noStrike">
+                <a:solidFill>
+                  <a:srgbClr val="1f888b"/>
+                </a:solidFill>
+                <a:latin typeface="Menlo"/>
+                <a:ea typeface="Menlo"/>
+              </a:rPr>
+              <a:t>A</a:t>
+            </a:r>
+            <a:r>
+              <a:rPr b="0" lang="de-DE" sz="1600" spc="-1" strike="noStrike">
+                <a:solidFill>
+                  <a:srgbClr val="000000"/>
+                </a:solidFill>
+                <a:latin typeface="Menlo"/>
+                <a:ea typeface="Menlo"/>
+              </a:rPr>
+              <a:t>]): </a:t>
+            </a:r>
+            <a:r>
+              <a:rPr b="0" lang="de-DE" sz="1600" spc="-1" strike="noStrike">
+                <a:solidFill>
+                  <a:srgbClr val="1f888b"/>
+                </a:solidFill>
+                <a:latin typeface="Menlo"/>
+                <a:ea typeface="Menlo"/>
+              </a:rPr>
+              <a:t>String </a:t>
+            </a:r>
+            <a:r>
+              <a:rPr b="0" lang="de-DE" sz="1600" spc="-1" strike="noStrike">
+                <a:solidFill>
+                  <a:srgbClr val="000000"/>
+                </a:solidFill>
+                <a:latin typeface="Menlo"/>
+                <a:ea typeface="Menlo"/>
+              </a:rPr>
+              <a:t>=</a:t>
             </a:r>
             <a:endParaRPr b="0" lang="de-DE" sz="1600" spc="-1" strike="noStrike">
-              <a:solidFill>
-                <a:srgbClr val="000000"/>
-              </a:solidFill>
-              <a:latin typeface="Menlo"/>
-              <a:ea typeface="Menlo"/>
+              <a:latin typeface="Arial"/>
             </a:endParaRPr>
           </a:p>
           <a:p>
@@ -11606,15 +11440,246 @@
                 <a:spcPct val="100000"/>
               </a:lnSpc>
             </a:pPr>
+            <a:r>
+              <a:rPr b="0" lang="de-DE" sz="1600" spc="-1" strike="noStrike">
+                <a:solidFill>
+                  <a:srgbClr val="000000"/>
+                </a:solidFill>
+                <a:latin typeface="Menlo"/>
+                <a:ea typeface="Menlo"/>
+              </a:rPr>
+              <a:t>       </a:t>
+            </a:r>
+            <a:r>
+              <a:rPr b="0" lang="de-DE" sz="1600" spc="-1" strike="noStrike">
+                <a:solidFill>
+                  <a:srgbClr val="000000"/>
+                </a:solidFill>
+                <a:latin typeface="Menlo"/>
+                <a:ea typeface="Menlo"/>
+              </a:rPr>
+              <a:t>p.stringify(value)</a:t>
+            </a:r>
             <a:endParaRPr b="0" lang="de-DE" sz="1600" spc="-1" strike="noStrike">
-              <a:solidFill>
-                <a:srgbClr val="000000"/>
-              </a:solidFill>
-              <a:latin typeface="Menlo"/>
-              <a:ea typeface="Menlo"/>
-            </a:endParaRPr>
-          </a:p>
-          <a:p>
+              <a:latin typeface="Arial"/>
+            </a:endParaRPr>
+          </a:p>
+          <a:p>
+            <a:pPr>
+              <a:lnSpc>
+                <a:spcPct val="100000"/>
+              </a:lnSpc>
+            </a:pPr>
+            <a:r>
+              <a:rPr b="1" lang="de-DE" sz="1600" spc="-1" strike="noStrike">
+                <a:solidFill>
+                  <a:srgbClr val="00006d"/>
+                </a:solidFill>
+                <a:latin typeface="Menlo"/>
+                <a:ea typeface="Menlo"/>
+              </a:rPr>
+              <a:t>def </a:t>
+            </a:r>
+            <a:r>
+              <a:rPr b="0" lang="de-DE" sz="1600" spc="-1" strike="noStrike">
+                <a:solidFill>
+                  <a:srgbClr val="000000"/>
+                </a:solidFill>
+                <a:latin typeface="Menlo"/>
+                <a:ea typeface="Menlo"/>
+              </a:rPr>
+              <a:t>pprint[</a:t>
+            </a:r>
+            <a:r>
+              <a:rPr b="0" lang="de-DE" sz="1600" spc="-1" strike="noStrike">
+                <a:solidFill>
+                  <a:srgbClr val="1f888b"/>
+                </a:solidFill>
+                <a:latin typeface="Menlo"/>
+                <a:ea typeface="Menlo"/>
+              </a:rPr>
+              <a:t>A</a:t>
+            </a:r>
+            <a:r>
+              <a:rPr b="0" lang="de-DE" sz="1600" spc="-1" strike="noStrike">
+                <a:solidFill>
+                  <a:srgbClr val="000000"/>
+                </a:solidFill>
+                <a:latin typeface="Menlo"/>
+                <a:ea typeface="Menlo"/>
+              </a:rPr>
+              <a:t>](value: </a:t>
+            </a:r>
+            <a:r>
+              <a:rPr b="0" lang="de-DE" sz="1600" spc="-1" strike="noStrike">
+                <a:solidFill>
+                  <a:srgbClr val="1f888b"/>
+                </a:solidFill>
+                <a:latin typeface="Menlo"/>
+                <a:ea typeface="Menlo"/>
+              </a:rPr>
+              <a:t>A</a:t>
+            </a:r>
+            <a:r>
+              <a:rPr b="0" lang="de-DE" sz="1600" spc="-1" strike="noStrike">
+                <a:solidFill>
+                  <a:srgbClr val="000000"/>
+                </a:solidFill>
+                <a:latin typeface="Menlo"/>
+                <a:ea typeface="Menlo"/>
+              </a:rPr>
+              <a:t>)(</a:t>
+            </a:r>
+            <a:r>
+              <a:rPr b="1" lang="de-DE" sz="1600" spc="-1" strike="noStrike">
+                <a:solidFill>
+                  <a:srgbClr val="00006d"/>
+                </a:solidFill>
+                <a:latin typeface="Menlo"/>
+                <a:ea typeface="Menlo"/>
+              </a:rPr>
+              <a:t>implicit </a:t>
+            </a:r>
+            <a:r>
+              <a:rPr b="0" lang="de-DE" sz="1600" spc="-1" strike="noStrike">
+                <a:solidFill>
+                  <a:srgbClr val="000000"/>
+                </a:solidFill>
+                <a:latin typeface="Menlo"/>
+                <a:ea typeface="Menlo"/>
+              </a:rPr>
+              <a:t>p: Printable[</a:t>
+            </a:r>
+            <a:r>
+              <a:rPr b="0" lang="de-DE" sz="1600" spc="-1" strike="noStrike">
+                <a:solidFill>
+                  <a:srgbClr val="1f888b"/>
+                </a:solidFill>
+                <a:latin typeface="Menlo"/>
+                <a:ea typeface="Menlo"/>
+              </a:rPr>
+              <a:t>A</a:t>
+            </a:r>
+            <a:r>
+              <a:rPr b="0" lang="de-DE" sz="1600" spc="-1" strike="noStrike">
+                <a:solidFill>
+                  <a:srgbClr val="000000"/>
+                </a:solidFill>
+                <a:latin typeface="Menlo"/>
+                <a:ea typeface="Menlo"/>
+              </a:rPr>
+              <a:t>]): Unit =</a:t>
+            </a:r>
+            <a:endParaRPr b="0" lang="de-DE" sz="1600" spc="-1" strike="noStrike">
+              <a:latin typeface="Arial"/>
+            </a:endParaRPr>
+          </a:p>
+          <a:p>
+            <a:pPr>
+              <a:lnSpc>
+                <a:spcPct val="100000"/>
+              </a:lnSpc>
+            </a:pPr>
+            <a:r>
+              <a:rPr b="0" lang="de-DE" sz="1600" spc="-1" strike="noStrike">
+                <a:solidFill>
+                  <a:srgbClr val="000000"/>
+                </a:solidFill>
+                <a:latin typeface="Menlo"/>
+                <a:ea typeface="Menlo"/>
+              </a:rPr>
+              <a:t>       </a:t>
+            </a:r>
+            <a:r>
+              <a:rPr b="0" i="1" lang="de-DE" sz="1600" spc="-1" strike="noStrike">
+                <a:solidFill>
+                  <a:srgbClr val="000000"/>
+                </a:solidFill>
+                <a:latin typeface="Menlo"/>
+                <a:ea typeface="Menlo"/>
+              </a:rPr>
+              <a:t>println</a:t>
+            </a:r>
+            <a:r>
+              <a:rPr b="0" lang="de-DE" sz="1600" spc="-1" strike="noStrike">
+                <a:solidFill>
+                  <a:srgbClr val="000000"/>
+                </a:solidFill>
+                <a:latin typeface="Menlo"/>
+                <a:ea typeface="Menlo"/>
+              </a:rPr>
+              <a:t>(</a:t>
+            </a:r>
+            <a:r>
+              <a:rPr b="0" i="1" lang="de-DE" sz="1600" spc="-1" strike="noStrike">
+                <a:solidFill>
+                  <a:srgbClr val="000000"/>
+                </a:solidFill>
+                <a:latin typeface="Menlo"/>
+                <a:ea typeface="Menlo"/>
+              </a:rPr>
+              <a:t>stringify</a:t>
+            </a:r>
+            <a:r>
+              <a:rPr b="0" lang="de-DE" sz="1600" spc="-1" strike="noStrike">
+                <a:solidFill>
+                  <a:srgbClr val="000000"/>
+                </a:solidFill>
+                <a:latin typeface="Menlo"/>
+                <a:ea typeface="Menlo"/>
+              </a:rPr>
+              <a:t>(value))</a:t>
+            </a:r>
+            <a:endParaRPr b="0" lang="de-DE" sz="1600" spc="-1" strike="noStrike">
+              <a:latin typeface="Arial"/>
+            </a:endParaRPr>
+          </a:p>
+          <a:p>
+            <a:pPr>
+              <a:lnSpc>
+                <a:spcPct val="100000"/>
+              </a:lnSpc>
+            </a:pPr>
+            <a:endParaRPr b="0" lang="de-DE" sz="1600" spc="-1" strike="noStrike">
+              <a:latin typeface="Arial"/>
+            </a:endParaRPr>
+          </a:p>
+          <a:p>
+            <a:pPr>
+              <a:lnSpc>
+                <a:spcPct val="100000"/>
+              </a:lnSpc>
+            </a:pPr>
+            <a:r>
+              <a:rPr b="0" lang="de-DE" sz="1600" spc="-1" strike="noStrike">
+                <a:solidFill>
+                  <a:srgbClr val="333333"/>
+                </a:solidFill>
+                <a:latin typeface="Menlo"/>
+                <a:ea typeface="DejaVu Sans"/>
+              </a:rPr>
+              <a:t>- - - - </a:t>
+            </a:r>
+            <a:endParaRPr b="0" lang="de-DE" sz="1600" spc="-1" strike="noStrike">
+              <a:latin typeface="Arial"/>
+            </a:endParaRPr>
+          </a:p>
+          <a:p>
+            <a:pPr>
+              <a:lnSpc>
+                <a:spcPct val="100000"/>
+              </a:lnSpc>
+            </a:pPr>
+            <a:endParaRPr b="0" lang="de-DE" sz="1600" spc="-1" strike="noStrike">
+              <a:latin typeface="Arial"/>
+            </a:endParaRPr>
+          </a:p>
+          <a:p>
+            <a:pPr>
+              <a:lnSpc>
+                <a:spcPct val="100000"/>
+              </a:lnSpc>
+            </a:pPr>
             <a:r>
               <a:rPr b="0" lang="de-DE" sz="1600" spc="-1" strike="noStrike">
                 <a:solidFill>
@@ -11630,6 +11695,11 @@
             </a:endParaRPr>
           </a:p>
           <a:p>
+            <a:pPr>
+              <a:lnSpc>
+                <a:spcPct val="100000"/>
+              </a:lnSpc>
+            </a:pPr>
             <a:r>
               <a:rPr b="0" lang="de-DE" sz="1600" spc="-1" strike="noStrike">
                 <a:solidFill>
@@ -11641,10 +11711,15 @@
               <a:t>//</a:t>
             </a:r>
             <a:endParaRPr b="0" lang="de-DE" sz="1600" spc="-1" strike="noStrike">
-              <a:latin typeface="Times New Roman"/>
-            </a:endParaRPr>
-          </a:p>
-          <a:p>
+              <a:latin typeface="Arial"/>
+            </a:endParaRPr>
+          </a:p>
+          <a:p>
+            <a:pPr>
+              <a:lnSpc>
+                <a:spcPct val="100000"/>
+              </a:lnSpc>
+            </a:pPr>
             <a:r>
               <a:rPr b="1" lang="de-DE" sz="1600" spc="-1" strike="noStrike">
                 <a:solidFill>
@@ -11750,6 +11825,11 @@
             </a:endParaRPr>
           </a:p>
           <a:p>
+            <a:pPr>
+              <a:lnSpc>
+                <a:spcPct val="100000"/>
+              </a:lnSpc>
+            </a:pPr>
             <a:r>
               <a:rPr b="0" lang="de-DE" sz="1600" spc="-1" strike="noStrike">
                 <a:solidFill>
@@ -11815,6 +11895,11 @@
             </a:endParaRPr>
           </a:p>
           <a:p>
+            <a:pPr>
+              <a:lnSpc>
+                <a:spcPct val="100000"/>
+              </a:lnSpc>
+            </a:pPr>
             <a:r>
               <a:rPr b="1" lang="de-DE" sz="1600" spc="-1" strike="noStrike">
                 <a:solidFill>
@@ -11833,7 +11918,7 @@
                 <a:latin typeface="Menlo"/>
                 <a:ea typeface="Menlo"/>
               </a:rPr>
-              <a:t>print</a:t>
+              <a:t>pprint</a:t>
             </a:r>
             <a:r>
               <a:rPr b="1" lang="de-DE" sz="1600" spc="-1" strike="noStrike">
@@ -11900,6 +11985,11 @@
             </a:endParaRPr>
           </a:p>
           <a:p>
+            <a:pPr>
+              <a:lnSpc>
+                <a:spcPct val="100000"/>
+              </a:lnSpc>
+            </a:pPr>
             <a:r>
               <a:rPr b="0" lang="de-DE" sz="1600" spc="-1" strike="noStrike">
                 <a:solidFill>
@@ -11955,6 +12045,11 @@
             </a:endParaRPr>
           </a:p>
           <a:p>
+            <a:pPr>
+              <a:lnSpc>
+                <a:spcPct val="100000"/>
+              </a:lnSpc>
+            </a:pPr>
             <a:endParaRPr b="0" lang="de-DE" sz="1600" spc="-1" strike="noStrike">
               <a:latin typeface="Arial"/>
             </a:endParaRPr>
@@ -12019,7 +12114,7 @@
         <p:spPr>
           <a:xfrm>
             <a:off x="720000" y="300960"/>
-            <a:ext cx="8850960" cy="1257840"/>
+            <a:ext cx="8850600" cy="1257480"/>
           </a:xfrm>
           <a:prstGeom prst="rect">
             <a:avLst/>
@@ -12049,7 +12144,7 @@
               <a:t>Method apply</a:t>
             </a:r>
             <a:endParaRPr b="0" lang="de-DE" sz="3200" spc="-1" strike="noStrike">
-              <a:latin typeface="Times New Roman"/>
+              <a:latin typeface="Arial"/>
             </a:endParaRPr>
           </a:p>
         </p:txBody>
@@ -12063,7 +12158,7 @@
         <p:spPr>
           <a:xfrm>
             <a:off x="720000" y="2052000"/>
-            <a:ext cx="8635320" cy="4428000"/>
+            <a:ext cx="8634960" cy="4427640"/>
           </a:xfrm>
           <a:prstGeom prst="rect">
             <a:avLst/>
@@ -12082,8 +12177,8 @@
         <p:txBody>
           <a:bodyPr lIns="0" rIns="0" tIns="0" bIns="0"/>
           <a:p>
-            <a:endParaRPr b="0" lang="de-DE" sz="1600" spc="-1" strike="noStrike">
-              <a:latin typeface="Times New Roman"/>
+            <a:endParaRPr b="0" lang="de-DE" sz="1800" spc="-1" strike="noStrike">
+              <a:latin typeface="Arial"/>
             </a:endParaRPr>
           </a:p>
           <a:p>
@@ -12531,7 +12626,7 @@
         <p:spPr>
           <a:xfrm>
             <a:off x="720000" y="300960"/>
-            <a:ext cx="8850960" cy="1257840"/>
+            <a:ext cx="8850600" cy="1257480"/>
           </a:xfrm>
           <a:prstGeom prst="rect">
             <a:avLst/>
@@ -12575,7 +12670,7 @@
         <p:spPr>
           <a:xfrm>
             <a:off x="720000" y="2160000"/>
-            <a:ext cx="8635320" cy="4380120"/>
+            <a:ext cx="8634960" cy="4379760"/>
           </a:xfrm>
           <a:prstGeom prst="rect">
             <a:avLst/>
@@ -12607,7 +12702,7 @@
             </a:endParaRPr>
           </a:p>
           <a:p>
-            <a:pPr marL="432000" indent="-319320">
+            <a:pPr marL="432000" indent="-318960">
               <a:lnSpc>
                 <a:spcPct val="100000"/>
               </a:lnSpc>
@@ -12676,7 +12771,7 @@
             </a:endParaRPr>
           </a:p>
           <a:p>
-            <a:pPr marL="432000" indent="-319320">
+            <a:pPr marL="432000" indent="-318960">
               <a:lnSpc>
                 <a:spcPct val="100000"/>
               </a:lnSpc>
@@ -12705,7 +12800,7 @@
             </a:endParaRPr>
           </a:p>
           <a:p>
-            <a:pPr marL="432000" indent="-319320">
+            <a:pPr marL="432000" indent="-318960">
               <a:lnSpc>
                 <a:spcPct val="100000"/>
               </a:lnSpc>
@@ -12793,7 +12888,7 @@
         <p:spPr>
           <a:xfrm>
             <a:off x="720000" y="300960"/>
-            <a:ext cx="8850960" cy="1257840"/>
+            <a:ext cx="8850600" cy="1257480"/>
           </a:xfrm>
           <a:prstGeom prst="rect">
             <a:avLst/>
@@ -12837,7 +12932,7 @@
         <p:spPr>
           <a:xfrm>
             <a:off x="720000" y="2160000"/>
-            <a:ext cx="8635320" cy="4380120"/>
+            <a:ext cx="8634960" cy="4379760"/>
           </a:xfrm>
           <a:prstGeom prst="rect">
             <a:avLst/>
@@ -12869,7 +12964,7 @@
             </a:endParaRPr>
           </a:p>
           <a:p>
-            <a:pPr marL="432000" indent="-319320">
+            <a:pPr marL="432000" indent="-318960">
               <a:lnSpc>
                 <a:spcPct val="100000"/>
               </a:lnSpc>
@@ -12898,7 +12993,7 @@
             </a:endParaRPr>
           </a:p>
           <a:p>
-            <a:pPr marL="432000" indent="-319320">
+            <a:pPr marL="432000" indent="-318960">
               <a:lnSpc>
                 <a:spcPct val="100000"/>
               </a:lnSpc>
@@ -12927,7 +13022,7 @@
             </a:endParaRPr>
           </a:p>
           <a:p>
-            <a:pPr marL="432000" indent="-319320">
+            <a:pPr marL="432000" indent="-318960">
               <a:lnSpc>
                 <a:spcPct val="100000"/>
               </a:lnSpc>
@@ -13015,7 +13110,7 @@
         <p:spPr>
           <a:xfrm>
             <a:off x="720000" y="300960"/>
-            <a:ext cx="8850960" cy="1257840"/>
+            <a:ext cx="8850600" cy="1257480"/>
           </a:xfrm>
           <a:prstGeom prst="rect">
             <a:avLst/>
@@ -13058,8 +13153,8 @@
         </p:nvSpPr>
         <p:spPr>
           <a:xfrm>
-            <a:off x="720000" y="2160000"/>
-            <a:ext cx="8635320" cy="4380120"/>
+            <a:off x="964440" y="2160000"/>
+            <a:ext cx="8146080" cy="2874240"/>
           </a:xfrm>
           <a:prstGeom prst="rect">
             <a:avLst/>
@@ -13076,27 +13171,18 @@
           <a:fontRef idx="minor"/>
         </p:style>
         <p:txBody>
-          <a:bodyPr lIns="0" rIns="0" tIns="0" bIns="0"/>
-          <a:p>
-            <a:endParaRPr b="0" lang="de-DE" sz="1800" spc="-1" strike="noStrike">
-              <a:latin typeface="Arial"/>
-            </a:endParaRPr>
-          </a:p>
-          <a:p>
-            <a:pPr>
-              <a:lnSpc>
-                <a:spcPct val="100000"/>
-              </a:lnSpc>
-              <a:spcAft>
-                <a:spcPts val="1414"/>
-              </a:spcAft>
-            </a:pPr>
-            <a:endParaRPr b="0" lang="de-DE" sz="1800" spc="-1" strike="noStrike">
-              <a:latin typeface="Arial"/>
-            </a:endParaRPr>
-          </a:p>
-          <a:p>
-            <a:pPr marL="432000" indent="-319320">
+          <a:bodyPr wrap="none" lIns="0" rIns="0" tIns="0" bIns="0"/>
+          <a:p>
+            <a:endParaRPr b="0" lang="de-DE" sz="2800" spc="-1" strike="noStrike">
+              <a:solidFill>
+                <a:srgbClr val="333333"/>
+              </a:solidFill>
+              <a:latin typeface="Noto Sans Regular"/>
+              <a:ea typeface="DejaVu Sans"/>
+            </a:endParaRPr>
+          </a:p>
+          <a:p>
+            <a:pPr marL="432000" indent="-318960">
               <a:lnSpc>
                 <a:spcPct val="100000"/>
               </a:lnSpc>
@@ -13116,36 +13202,19 @@
                   <a:srgbClr val="333333"/>
                 </a:solidFill>
                 <a:latin typeface="Noto Sans Regular"/>
-                <a:ea typeface="DejaVu Sans"/>
-              </a:rPr>
-              <a:t>No need to implement the </a:t>
-            </a:r>
-            <a:r>
-              <a:rPr b="0" lang="de-DE" sz="2800" spc="-1" strike="noStrike">
-                <a:solidFill>
-                  <a:srgbClr val="333333"/>
-                </a:solidFill>
-                <a:latin typeface="Courier New"/>
-                <a:ea typeface="DejaVu Sans"/>
-              </a:rPr>
-              <a:t>Printable</a:t>
-            </a:r>
-            <a:r>
-              <a:rPr b="0" lang="de-DE" sz="2800" spc="-1" strike="noStrike">
-                <a:solidFill>
-                  <a:srgbClr val="333333"/>
-                </a:solidFill>
-                <a:latin typeface="Noto Sans Regular"/>
-                <a:ea typeface="DejaVu Sans"/>
-              </a:rPr>
-              <a:t> type class</a:t>
+              </a:rPr>
+              <a:t>If you are using cats ...</a:t>
             </a:r>
             <a:endParaRPr b="0" lang="de-DE" sz="2800" spc="-1" strike="noStrike">
-              <a:latin typeface="Arial"/>
-            </a:endParaRPr>
-          </a:p>
-          <a:p>
-            <a:pPr marL="432000" indent="-319320">
+              <a:solidFill>
+                <a:srgbClr val="333333"/>
+              </a:solidFill>
+              <a:latin typeface="Noto Sans Regular"/>
+              <a:ea typeface="DejaVu Sans"/>
+            </a:endParaRPr>
+          </a:p>
+          <a:p>
+            <a:pPr marL="432000" indent="-318960">
               <a:lnSpc>
                 <a:spcPct val="100000"/>
               </a:lnSpc>
@@ -13165,22 +13234,57 @@
                   <a:srgbClr val="333333"/>
                 </a:solidFill>
                 <a:latin typeface="Noto Sans Regular"/>
-                <a:ea typeface="DejaVu Sans"/>
-              </a:rPr>
-              <a:t>Cats already has such a type class: </a:t>
-            </a:r>
+              </a:rPr>
+              <a:t>No need to implement the Printable type class</a:t>
+            </a:r>
+            <a:endParaRPr b="0" lang="de-DE" sz="2800" spc="-1" strike="noStrike">
+              <a:solidFill>
+                <a:srgbClr val="333333"/>
+              </a:solidFill>
+              <a:latin typeface="Noto Sans Regular"/>
+              <a:ea typeface="DejaVu Sans"/>
+            </a:endParaRPr>
+          </a:p>
+          <a:p>
+            <a:pPr marL="432000" indent="-318960">
+              <a:lnSpc>
+                <a:spcPct val="100000"/>
+              </a:lnSpc>
+              <a:spcAft>
+                <a:spcPts val="1414"/>
+              </a:spcAft>
+              <a:buClr>
+                <a:srgbClr val="ef2929"/>
+              </a:buClr>
+              <a:buSzPct val="45000"/>
+              <a:buFont typeface="Wingdings" charset="2"/>
+              <a:buChar char=""/>
+            </a:pPr>
             <a:r>
               <a:rPr b="0" lang="de-DE" sz="2800" spc="-1" strike="noStrike">
                 <a:solidFill>
                   <a:srgbClr val="333333"/>
                 </a:solidFill>
+                <a:latin typeface="Noto Sans Regular"/>
+              </a:rPr>
+              <a:t>Cats already provides such a type class:</a:t>
+            </a:r>
+            <a:br/>
+            <a:r>
+              <a:rPr b="0" lang="de-DE" sz="2800" spc="-1" strike="noStrike">
+                <a:solidFill>
+                  <a:srgbClr val="333333"/>
+                </a:solidFill>
                 <a:latin typeface="Courier New"/>
-                <a:ea typeface="DejaVu Sans"/>
               </a:rPr>
               <a:t>cats.Show</a:t>
             </a:r>
             <a:endParaRPr b="0" lang="de-DE" sz="2800" spc="-1" strike="noStrike">
-              <a:latin typeface="Arial"/>
+              <a:solidFill>
+                <a:srgbClr val="333333"/>
+              </a:solidFill>
+              <a:latin typeface="Noto Sans Regular"/>
+              <a:ea typeface="DejaVu Sans"/>
             </a:endParaRPr>
           </a:p>
         </p:txBody>
@@ -13243,7 +13347,7 @@
         <p:spPr>
           <a:xfrm>
             <a:off x="720000" y="300960"/>
-            <a:ext cx="8850960" cy="1257840"/>
+            <a:ext cx="8850600" cy="1257480"/>
           </a:xfrm>
           <a:prstGeom prst="rect">
             <a:avLst/>
@@ -13287,7 +13391,7 @@
         <p:spPr>
           <a:xfrm>
             <a:off x="720000" y="2160000"/>
-            <a:ext cx="8635320" cy="4380120"/>
+            <a:ext cx="8634960" cy="4379760"/>
           </a:xfrm>
           <a:prstGeom prst="rect">
             <a:avLst/>
@@ -13336,7 +13440,7 @@
             </a:endParaRPr>
           </a:p>
           <a:p>
-            <a:pPr marL="432000" indent="-319320">
+            <a:pPr marL="432000" indent="-318960">
               <a:lnSpc>
                 <a:spcPct val="100000"/>
               </a:lnSpc>
@@ -13385,7 +13489,7 @@
             </a:endParaRPr>
           </a:p>
           <a:p>
-            <a:pPr marL="432000" indent="-319320">
+            <a:pPr marL="432000" indent="-318960">
               <a:lnSpc>
                 <a:spcPct val="100000"/>
               </a:lnSpc>
@@ -13495,7 +13599,7 @@
         <p:spPr>
           <a:xfrm>
             <a:off x="720000" y="300960"/>
-            <a:ext cx="8850960" cy="1257840"/>
+            <a:ext cx="8850600" cy="1257480"/>
           </a:xfrm>
           <a:prstGeom prst="rect">
             <a:avLst/>
@@ -13539,7 +13643,7 @@
         <p:spPr>
           <a:xfrm>
             <a:off x="720000" y="2160000"/>
-            <a:ext cx="8635320" cy="4380120"/>
+            <a:ext cx="8634960" cy="4379760"/>
           </a:xfrm>
           <a:prstGeom prst="rect">
             <a:avLst/>
@@ -13571,7 +13675,7 @@
             </a:endParaRPr>
           </a:p>
           <a:p>
-            <a:pPr marL="432000" indent="-319320">
+            <a:pPr marL="432000" indent="-318960">
               <a:lnSpc>
                 <a:spcPct val="100000"/>
               </a:lnSpc>
@@ -13600,7 +13704,7 @@
             </a:endParaRPr>
           </a:p>
           <a:p>
-            <a:pPr marL="432000" indent="-319320">
+            <a:pPr marL="432000" indent="-318960">
               <a:lnSpc>
                 <a:spcPct val="100000"/>
               </a:lnSpc>
@@ -13629,7 +13733,7 @@
             </a:endParaRPr>
           </a:p>
           <a:p>
-            <a:pPr marL="432000" indent="-319320">
+            <a:pPr marL="432000" indent="-318960">
               <a:lnSpc>
                 <a:spcPct val="100000"/>
               </a:lnSpc>
@@ -13717,7 +13821,7 @@
         <p:spPr>
           <a:xfrm>
             <a:off x="720000" y="300960"/>
-            <a:ext cx="8850960" cy="1257840"/>
+            <a:ext cx="8850600" cy="1257480"/>
           </a:xfrm>
           <a:prstGeom prst="rect">
             <a:avLst/>
@@ -13761,7 +13865,7 @@
         <p:spPr>
           <a:xfrm>
             <a:off x="720000" y="2160000"/>
-            <a:ext cx="8635320" cy="4380120"/>
+            <a:ext cx="8634960" cy="4379760"/>
           </a:xfrm>
           <a:prstGeom prst="rect">
             <a:avLst/>
@@ -13780,7 +13884,7 @@
         <p:txBody>
           <a:bodyPr lIns="0" rIns="0" tIns="0" bIns="0"/>
           <a:p>
-            <a:pPr marL="432000" indent="-319320">
+            <a:pPr marL="432000" indent="-318960">
               <a:lnSpc>
                 <a:spcPct val="100000"/>
               </a:lnSpc>
@@ -13840,7 +13944,7 @@
             </a:endParaRPr>
           </a:p>
           <a:p>
-            <a:pPr marL="432000" indent="-319320">
+            <a:pPr marL="432000" indent="-318960">
               <a:lnSpc>
                 <a:spcPct val="100000"/>
               </a:lnSpc>
@@ -13931,7 +14035,7 @@
             </a:endParaRPr>
           </a:p>
           <a:p>
-            <a:pPr marL="432000" indent="-319320">
+            <a:pPr marL="432000" indent="-318960">
               <a:lnSpc>
                 <a:spcPct val="100000"/>
               </a:lnSpc>
@@ -14019,7 +14123,7 @@
         <p:spPr>
           <a:xfrm>
             <a:off x="720000" y="300960"/>
-            <a:ext cx="8850960" cy="1257840"/>
+            <a:ext cx="8850600" cy="1257480"/>
           </a:xfrm>
           <a:prstGeom prst="rect">
             <a:avLst/>
@@ -14063,7 +14167,7 @@
         <p:spPr>
           <a:xfrm>
             <a:off x="720000" y="2160000"/>
-            <a:ext cx="8635320" cy="4380120"/>
+            <a:ext cx="8634960" cy="4379760"/>
           </a:xfrm>
           <a:prstGeom prst="rect">
             <a:avLst/>
@@ -14223,7 +14327,7 @@
                 <a:latin typeface="Noto Sans Regular"/>
                 <a:ea typeface="DejaVu Sans"/>
               </a:rPr>
-              <a:t>pprintt :: a -&gt; IO ()</a:t>
+              <a:t>pprint :: a -&gt; IO ()</a:t>
             </a:r>
             <a:endParaRPr b="0" lang="de-DE" sz="1800" spc="-1" strike="noStrike">
               <a:latin typeface="Arial"/>
@@ -14256,7 +14360,7 @@
                 <a:latin typeface="Noto Sans Regular"/>
                 <a:ea typeface="DejaVu Sans"/>
               </a:rPr>
-              <a:t>pprintt x = putStrLn $ stringify x</a:t>
+              <a:t>pprint x = putStrLn $ stringify x</a:t>
             </a:r>
             <a:endParaRPr b="0" lang="de-DE" sz="1800" spc="-1" strike="noStrike">
               <a:latin typeface="Arial"/>
@@ -14322,7 +14426,7 @@
         <p:spPr>
           <a:xfrm>
             <a:off x="720000" y="300960"/>
-            <a:ext cx="8850960" cy="1257840"/>
+            <a:ext cx="8850600" cy="1257480"/>
           </a:xfrm>
           <a:prstGeom prst="rect">
             <a:avLst/>
@@ -14366,7 +14470,7 @@
         <p:spPr>
           <a:xfrm>
             <a:off x="720000" y="2160000"/>
-            <a:ext cx="8635320" cy="4380120"/>
+            <a:ext cx="8634960" cy="4379760"/>
           </a:xfrm>
           <a:prstGeom prst="rect">
             <a:avLst/>
@@ -14613,7 +14717,7 @@
         <p:spPr>
           <a:xfrm>
             <a:off x="720000" y="300960"/>
-            <a:ext cx="8850960" cy="1257840"/>
+            <a:ext cx="8850600" cy="1257480"/>
           </a:xfrm>
           <a:prstGeom prst="rect">
             <a:avLst/>
@@ -14657,7 +14761,7 @@
         <p:spPr>
           <a:xfrm>
             <a:off x="720000" y="2160000"/>
-            <a:ext cx="8635320" cy="4380120"/>
+            <a:ext cx="8634960" cy="4379760"/>
           </a:xfrm>
           <a:prstGeom prst="rect">
             <a:avLst/>
@@ -14980,7 +15084,7 @@
         <p:spPr>
           <a:xfrm>
             <a:off x="720000" y="240120"/>
-            <a:ext cx="8850960" cy="1379520"/>
+            <a:ext cx="8850600" cy="1379160"/>
           </a:xfrm>
           <a:prstGeom prst="rect">
             <a:avLst/>
@@ -15024,7 +15128,7 @@
         <p:spPr>
           <a:xfrm>
             <a:off x="720000" y="2160000"/>
-            <a:ext cx="8635320" cy="4380120"/>
+            <a:ext cx="8634960" cy="4379760"/>
           </a:xfrm>
           <a:prstGeom prst="rect">
             <a:avLst/>
@@ -15102,7 +15206,7 @@
                 <a:latin typeface="Noto Sans Regular"/>
                 <a:ea typeface="DejaVu Sans"/>
               </a:rPr>
-              <a:t>pprintt $ utcTime 2018 3 8 16 38 19</a:t>
+              <a:t>pprint $ utcTime 2018 3 8 16 38 19</a:t>
             </a:r>
             <a:endParaRPr b="0" lang="de-DE" sz="1800" spc="-1" strike="noStrike">
               <a:latin typeface="Arial"/>
@@ -15214,7 +15318,7 @@
                 <a:latin typeface="Noto Sans Regular"/>
                 <a:ea typeface="DejaVu Sans"/>
               </a:rPr>
-              <a:t>pprintt mizzi</a:t>
+              <a:t>pprint mizzi</a:t>
             </a:r>
             <a:endParaRPr b="0" lang="de-DE" sz="1800" spc="-1" strike="noStrike">
               <a:latin typeface="Arial"/>
@@ -15280,7 +15384,7 @@
         <p:spPr>
           <a:xfrm>
             <a:off x="720000" y="300960"/>
-            <a:ext cx="8850960" cy="1257840"/>
+            <a:ext cx="8850600" cy="1257480"/>
           </a:xfrm>
           <a:prstGeom prst="rect">
             <a:avLst/>
@@ -15324,7 +15428,7 @@
         <p:spPr>
           <a:xfrm>
             <a:off x="720000" y="2160000"/>
-            <a:ext cx="8635320" cy="4380120"/>
+            <a:ext cx="8634960" cy="4379760"/>
           </a:xfrm>
           <a:prstGeom prst="rect">
             <a:avLst/>
@@ -15361,7 +15465,7 @@
             </a:endParaRPr>
           </a:p>
           <a:p>
-            <a:pPr marL="432000" indent="-319320">
+            <a:pPr marL="432000" indent="-318960">
               <a:lnSpc>
                 <a:spcPct val="100000"/>
               </a:lnSpc>
@@ -15410,7 +15514,7 @@
             </a:endParaRPr>
           </a:p>
           <a:p>
-            <a:pPr marL="432000" indent="-319320">
+            <a:pPr marL="432000" indent="-318960">
               <a:lnSpc>
                 <a:spcPct val="100000"/>
               </a:lnSpc>
@@ -15518,7 +15622,7 @@
         <p:spPr>
           <a:xfrm>
             <a:off x="720000" y="300960"/>
-            <a:ext cx="8850960" cy="1257840"/>
+            <a:ext cx="8850600" cy="1257480"/>
           </a:xfrm>
           <a:prstGeom prst="rect">
             <a:avLst/>
@@ -15562,7 +15666,7 @@
         <p:spPr>
           <a:xfrm>
             <a:off x="720000" y="2160000"/>
-            <a:ext cx="8635320" cy="4380120"/>
+            <a:ext cx="8634960" cy="4379760"/>
           </a:xfrm>
           <a:prstGeom prst="rect">
             <a:avLst/>
@@ -15599,7 +15703,7 @@
             </a:endParaRPr>
           </a:p>
           <a:p>
-            <a:pPr marL="432000" indent="-319320">
+            <a:pPr marL="432000" indent="-318960">
               <a:lnSpc>
                 <a:spcPct val="100000"/>
               </a:lnSpc>
@@ -15628,7 +15732,7 @@
             </a:endParaRPr>
           </a:p>
           <a:p>
-            <a:pPr marL="432000" indent="-319320">
+            <a:pPr marL="432000" indent="-318960">
               <a:lnSpc>
                 <a:spcPct val="100000"/>
               </a:lnSpc>
@@ -15936,7 +16040,7 @@
         <p:spPr>
           <a:xfrm>
             <a:off x="720000" y="300960"/>
-            <a:ext cx="8850960" cy="1257840"/>
+            <a:ext cx="8850600" cy="1257480"/>
           </a:xfrm>
           <a:prstGeom prst="rect">
             <a:avLst/>
@@ -15980,7 +16084,7 @@
         <p:spPr>
           <a:xfrm>
             <a:off x="720000" y="2160000"/>
-            <a:ext cx="8635320" cy="4380120"/>
+            <a:ext cx="8634960" cy="4379760"/>
           </a:xfrm>
           <a:prstGeom prst="rect">
             <a:avLst/>
@@ -15999,7 +16103,7 @@
         <p:txBody>
           <a:bodyPr lIns="0" rIns="0" tIns="0" bIns="0"/>
           <a:p>
-            <a:pPr marL="432000" indent="-319320">
+            <a:pPr marL="432000" indent="-318960">
               <a:lnSpc>
                 <a:spcPct val="100000"/>
               </a:lnSpc>
@@ -16068,7 +16172,7 @@
             </a:endParaRPr>
           </a:p>
           <a:p>
-            <a:pPr marL="432000" indent="-319320">
+            <a:pPr marL="432000" indent="-318960">
               <a:lnSpc>
                 <a:spcPct val="100000"/>
               </a:lnSpc>
@@ -16097,7 +16201,7 @@
             </a:endParaRPr>
           </a:p>
           <a:p>
-            <a:pPr marL="432000" indent="-319320">
+            <a:pPr marL="432000" indent="-318960">
               <a:lnSpc>
                 <a:spcPct val="100000"/>
               </a:lnSpc>
@@ -16126,7 +16230,7 @@
             </a:endParaRPr>
           </a:p>
           <a:p>
-            <a:pPr marL="432000" indent="-319320">
+            <a:pPr marL="432000" indent="-318960">
               <a:lnSpc>
                 <a:spcPct val="100000"/>
               </a:lnSpc>
@@ -16155,7 +16259,7 @@
             </a:endParaRPr>
           </a:p>
           <a:p>
-            <a:pPr marL="432000" indent="-319320">
+            <a:pPr marL="432000" indent="-318960">
               <a:lnSpc>
                 <a:spcPct val="100000"/>
               </a:lnSpc>
@@ -16253,7 +16357,7 @@
         <p:spPr>
           <a:xfrm>
             <a:off x="720000" y="300960"/>
-            <a:ext cx="8850960" cy="1257840"/>
+            <a:ext cx="8850600" cy="1257480"/>
           </a:xfrm>
           <a:prstGeom prst="rect">
             <a:avLst/>
@@ -16297,7 +16401,7 @@
         <p:spPr>
           <a:xfrm>
             <a:off x="756000" y="2160000"/>
-            <a:ext cx="8635320" cy="4380120"/>
+            <a:ext cx="8634960" cy="4379760"/>
           </a:xfrm>
           <a:prstGeom prst="rect">
             <a:avLst/>
@@ -16316,7 +16420,7 @@
         <p:txBody>
           <a:bodyPr lIns="0" rIns="0" tIns="0" bIns="0"/>
           <a:p>
-            <a:pPr marL="432000" indent="-319320">
+            <a:pPr marL="432000" indent="-318960">
               <a:lnSpc>
                 <a:spcPct val="100000"/>
               </a:lnSpc>
@@ -16367,7 +16471,7 @@
             </a:endParaRPr>
           </a:p>
           <a:p>
-            <a:pPr marL="432000" indent="-319320">
+            <a:pPr marL="432000" indent="-318960">
               <a:lnSpc>
                 <a:spcPct val="100000"/>
               </a:lnSpc>
@@ -16418,7 +16522,7 @@
             </a:endParaRPr>
           </a:p>
           <a:p>
-            <a:pPr marL="432000" indent="-319320">
+            <a:pPr marL="432000" indent="-318960">
               <a:lnSpc>
                 <a:spcPct val="100000"/>
               </a:lnSpc>
@@ -16538,7 +16642,7 @@
         <p:spPr>
           <a:xfrm>
             <a:off x="720000" y="300960"/>
-            <a:ext cx="8850960" cy="1257840"/>
+            <a:ext cx="8850600" cy="1257480"/>
           </a:xfrm>
           <a:prstGeom prst="rect">
             <a:avLst/>
@@ -16582,7 +16686,7 @@
         <p:spPr>
           <a:xfrm>
             <a:off x="756000" y="2160000"/>
-            <a:ext cx="8635320" cy="4380120"/>
+            <a:ext cx="8634960" cy="4379760"/>
           </a:xfrm>
           <a:prstGeom prst="rect">
             <a:avLst/>
@@ -16601,7 +16705,7 @@
         <p:txBody>
           <a:bodyPr lIns="0" rIns="0" tIns="0" bIns="0"/>
           <a:p>
-            <a:pPr marL="432000" indent="-319320">
+            <a:pPr marL="432000" indent="-318960">
               <a:lnSpc>
                 <a:spcPct val="100000"/>
               </a:lnSpc>
@@ -16652,7 +16756,7 @@
             </a:endParaRPr>
           </a:p>
           <a:p>
-            <a:pPr marL="432000" indent="-319320">
+            <a:pPr marL="432000" indent="-318960">
               <a:lnSpc>
                 <a:spcPct val="100000"/>
               </a:lnSpc>
@@ -16693,7 +16797,7 @@
             </a:endParaRPr>
           </a:p>
           <a:p>
-            <a:pPr marL="432000" indent="-319320">
+            <a:pPr marL="432000" indent="-318960">
               <a:lnSpc>
                 <a:spcPct val="100000"/>
               </a:lnSpc>
@@ -16734,7 +16838,7 @@
             </a:endParaRPr>
           </a:p>
           <a:p>
-            <a:pPr marL="432000" indent="-319320">
+            <a:pPr marL="432000" indent="-318960">
               <a:lnSpc>
                 <a:spcPct val="100000"/>
               </a:lnSpc>
@@ -16854,7 +16958,7 @@
         <p:spPr>
           <a:xfrm>
             <a:off x="720000" y="300960"/>
-            <a:ext cx="8850960" cy="1257840"/>
+            <a:ext cx="8850600" cy="1257480"/>
           </a:xfrm>
           <a:prstGeom prst="rect">
             <a:avLst/>
@@ -16898,7 +17002,7 @@
         <p:spPr>
           <a:xfrm>
             <a:off x="720000" y="2160000"/>
-            <a:ext cx="8635320" cy="4380120"/>
+            <a:ext cx="8634960" cy="4379760"/>
           </a:xfrm>
           <a:prstGeom prst="rect">
             <a:avLst/>
@@ -17546,7 +17650,7 @@
         <p:spPr>
           <a:xfrm>
             <a:off x="720000" y="300960"/>
-            <a:ext cx="8850960" cy="1257840"/>
+            <a:ext cx="8850600" cy="1257480"/>
           </a:xfrm>
           <a:prstGeom prst="rect">
             <a:avLst/>
@@ -17590,7 +17694,7 @@
         <p:spPr>
           <a:xfrm>
             <a:off x="720000" y="2160000"/>
-            <a:ext cx="8635320" cy="4380120"/>
+            <a:ext cx="8634960" cy="4379760"/>
           </a:xfrm>
           <a:prstGeom prst="rect">
             <a:avLst/>
@@ -17737,7 +17841,7 @@
         <p:spPr>
           <a:xfrm>
             <a:off x="720000" y="300960"/>
-            <a:ext cx="8850960" cy="1257840"/>
+            <a:ext cx="8850600" cy="1257480"/>
           </a:xfrm>
           <a:prstGeom prst="rect">
             <a:avLst/>
@@ -17781,7 +17885,7 @@
         <p:spPr>
           <a:xfrm>
             <a:off x="720000" y="2160000"/>
-            <a:ext cx="8635320" cy="4380120"/>
+            <a:ext cx="8634960" cy="4379760"/>
           </a:xfrm>
           <a:prstGeom prst="rect">
             <a:avLst/>
@@ -18349,7 +18453,7 @@
         <p:spPr>
           <a:xfrm>
             <a:off x="720000" y="300960"/>
-            <a:ext cx="8850960" cy="1257840"/>
+            <a:ext cx="8850600" cy="1257480"/>
           </a:xfrm>
           <a:prstGeom prst="rect">
             <a:avLst/>
@@ -18393,7 +18497,7 @@
         <p:spPr>
           <a:xfrm>
             <a:off x="720000" y="2160000"/>
-            <a:ext cx="8635320" cy="4380120"/>
+            <a:ext cx="8634960" cy="4379760"/>
           </a:xfrm>
           <a:prstGeom prst="rect">
             <a:avLst/>
@@ -19211,7 +19315,7 @@
         <p:spPr>
           <a:xfrm>
             <a:off x="720000" y="300960"/>
-            <a:ext cx="8850960" cy="1257840"/>
+            <a:ext cx="8850600" cy="1257480"/>
           </a:xfrm>
           <a:prstGeom prst="rect">
             <a:avLst/>
@@ -19255,7 +19359,7 @@
         <p:spPr>
           <a:xfrm>
             <a:off x="720000" y="2160000"/>
-            <a:ext cx="8635320" cy="4380120"/>
+            <a:ext cx="8634960" cy="4379760"/>
           </a:xfrm>
           <a:prstGeom prst="rect">
             <a:avLst/>
@@ -19274,7 +19378,7 @@
         <p:txBody>
           <a:bodyPr lIns="0" rIns="0" tIns="0" bIns="0"/>
           <a:p>
-            <a:pPr marL="432000" indent="-319320">
+            <a:pPr marL="432000" indent="-318960">
               <a:lnSpc>
                 <a:spcPct val="100000"/>
               </a:lnSpc>
@@ -19303,7 +19407,7 @@
             </a:endParaRPr>
           </a:p>
           <a:p>
-            <a:pPr marL="432000" indent="-319320">
+            <a:pPr marL="432000" indent="-318960">
               <a:lnSpc>
                 <a:spcPct val="100000"/>
               </a:lnSpc>
@@ -19332,7 +19436,7 @@
             </a:endParaRPr>
           </a:p>
           <a:p>
-            <a:pPr marL="432000" indent="-319320">
+            <a:pPr marL="432000" indent="-318960">
               <a:lnSpc>
                 <a:spcPct val="100000"/>
               </a:lnSpc>
@@ -19361,7 +19465,7 @@
             </a:endParaRPr>
           </a:p>
           <a:p>
-            <a:pPr marL="432000" indent="-319320">
+            <a:pPr marL="432000" indent="-318960">
               <a:lnSpc>
                 <a:spcPct val="100000"/>
               </a:lnSpc>
@@ -19390,7 +19494,7 @@
             </a:endParaRPr>
           </a:p>
           <a:p>
-            <a:pPr marL="432000" indent="-319320">
+            <a:pPr marL="432000" indent="-318960">
               <a:lnSpc>
                 <a:spcPct val="100000"/>
               </a:lnSpc>
@@ -19478,7 +19582,7 @@
         <p:spPr>
           <a:xfrm>
             <a:off x="720000" y="300960"/>
-            <a:ext cx="8850960" cy="1257840"/>
+            <a:ext cx="8850600" cy="1257480"/>
           </a:xfrm>
           <a:prstGeom prst="rect">
             <a:avLst/>
@@ -19522,7 +19626,7 @@
         <p:spPr>
           <a:xfrm>
             <a:off x="720000" y="2160000"/>
-            <a:ext cx="8635320" cy="4380120"/>
+            <a:ext cx="8634960" cy="4379760"/>
           </a:xfrm>
           <a:prstGeom prst="rect">
             <a:avLst/>
@@ -19942,7 +20046,7 @@
         <p:spPr>
           <a:xfrm>
             <a:off x="720000" y="300960"/>
-            <a:ext cx="8850960" cy="1257840"/>
+            <a:ext cx="8850600" cy="1257480"/>
           </a:xfrm>
           <a:prstGeom prst="rect">
             <a:avLst/>
@@ -19986,7 +20090,7 @@
         <p:spPr>
           <a:xfrm>
             <a:off x="720000" y="2160000"/>
-            <a:ext cx="8635320" cy="4380120"/>
+            <a:ext cx="8634960" cy="4379760"/>
           </a:xfrm>
           <a:prstGeom prst="rect">
             <a:avLst/>
@@ -20005,7 +20109,7 @@
         <p:txBody>
           <a:bodyPr lIns="0" rIns="0" tIns="0" bIns="0"/>
           <a:p>
-            <a:pPr marL="432000" indent="-319320">
+            <a:pPr marL="432000" indent="-318960">
               <a:lnSpc>
                 <a:spcPct val="100000"/>
               </a:lnSpc>
@@ -20034,7 +20138,7 @@
             </a:endParaRPr>
           </a:p>
           <a:p>
-            <a:pPr marL="432000" indent="-319320">
+            <a:pPr marL="432000" indent="-318960">
               <a:lnSpc>
                 <a:spcPct val="100000"/>
               </a:lnSpc>
@@ -20063,7 +20167,7 @@
             </a:endParaRPr>
           </a:p>
           <a:p>
-            <a:pPr marL="432000" indent="-319320">
+            <a:pPr marL="432000" indent="-318960">
               <a:lnSpc>
                 <a:spcPct val="100000"/>
               </a:lnSpc>
@@ -20103,7 +20207,7 @@
             </a:endParaRPr>
           </a:p>
           <a:p>
-            <a:pPr marL="432000" indent="-319320">
+            <a:pPr marL="432000" indent="-318960">
               <a:lnSpc>
                 <a:spcPct val="100000"/>
               </a:lnSpc>
@@ -20132,7 +20236,7 @@
             </a:endParaRPr>
           </a:p>
           <a:p>
-            <a:pPr marL="432000" indent="-319320">
+            <a:pPr marL="432000" indent="-318960">
               <a:lnSpc>
                 <a:spcPct val="100000"/>
               </a:lnSpc>
@@ -20161,7 +20265,7 @@
             </a:endParaRPr>
           </a:p>
           <a:p>
-            <a:pPr marL="432000" indent="-319320">
+            <a:pPr marL="432000" indent="-318960">
               <a:lnSpc>
                 <a:spcPct val="100000"/>
               </a:lnSpc>
@@ -20190,7 +20294,7 @@
             </a:endParaRPr>
           </a:p>
           <a:p>
-            <a:pPr marL="432000" indent="-319320">
+            <a:pPr marL="432000" indent="-318960">
               <a:lnSpc>
                 <a:spcPct val="100000"/>
               </a:lnSpc>

--- a/Slides/TypeClasses.pptx
+++ b/Slides/TypeClasses.pptx
@@ -2748,7 +2748,7 @@
         <p:spPr>
           <a:xfrm>
             <a:off x="0" y="4320000"/>
-            <a:ext cx="497880" cy="1073880"/>
+            <a:ext cx="497160" cy="1073160"/>
           </a:xfrm>
           <a:prstGeom prst="rect">
             <a:avLst/>
@@ -3027,7 +3027,7 @@
         <p:spPr>
           <a:xfrm>
             <a:off x="0" y="288000"/>
-            <a:ext cx="497880" cy="1073880"/>
+            <a:ext cx="497160" cy="1073160"/>
           </a:xfrm>
           <a:prstGeom prst="rect">
             <a:avLst/>
@@ -3306,7 +3306,7 @@
         <p:spPr>
           <a:xfrm>
             <a:off x="792000" y="3885480"/>
-            <a:ext cx="8561880" cy="1655280"/>
+            <a:ext cx="8561160" cy="1654560"/>
           </a:xfrm>
           <a:prstGeom prst="rect">
             <a:avLst/>
@@ -3363,7 +3363,7 @@
         <p:spPr>
           <a:xfrm>
             <a:off x="792000" y="5904000"/>
-            <a:ext cx="8561880" cy="976320"/>
+            <a:ext cx="8561160" cy="975600"/>
           </a:xfrm>
           <a:prstGeom prst="rect">
             <a:avLst/>
@@ -3471,7 +3471,7 @@
         <p:spPr>
           <a:xfrm>
             <a:off x="720000" y="300960"/>
-            <a:ext cx="8849520" cy="1256400"/>
+            <a:ext cx="8848800" cy="1255680"/>
           </a:xfrm>
           <a:prstGeom prst="rect">
             <a:avLst/>
@@ -3515,7 +3515,7 @@
         <p:spPr>
           <a:xfrm>
             <a:off x="720000" y="1944000"/>
-            <a:ext cx="8633880" cy="4378680"/>
+            <a:ext cx="8633160" cy="4377960"/>
           </a:xfrm>
           <a:prstGeom prst="rect">
             <a:avLst/>
@@ -3534,7 +3534,7 @@
         <p:txBody>
           <a:bodyPr lIns="0" rIns="0" tIns="0" bIns="0"/>
           <a:p>
-            <a:pPr marL="432000" indent="-317880">
+            <a:pPr marL="432000" indent="-317160">
               <a:lnSpc>
                 <a:spcPct val="100000"/>
               </a:lnSpc>
@@ -3563,7 +3563,7 @@
             </a:endParaRPr>
           </a:p>
           <a:p>
-            <a:pPr marL="432000" indent="-317880">
+            <a:pPr marL="432000" indent="-317160">
               <a:lnSpc>
                 <a:spcPct val="100000"/>
               </a:lnSpc>
@@ -3592,7 +3592,7 @@
             </a:endParaRPr>
           </a:p>
           <a:p>
-            <a:pPr marL="432000" indent="-317880">
+            <a:pPr marL="432000" indent="-317160">
               <a:lnSpc>
                 <a:spcPct val="100000"/>
               </a:lnSpc>
@@ -3621,7 +3621,7 @@
             </a:endParaRPr>
           </a:p>
           <a:p>
-            <a:pPr marL="432000" indent="-317880">
+            <a:pPr marL="432000" indent="-317160">
               <a:lnSpc>
                 <a:spcPct val="100000"/>
               </a:lnSpc>
@@ -3650,7 +3650,7 @@
             </a:endParaRPr>
           </a:p>
           <a:p>
-            <a:pPr marL="432000" indent="-317880">
+            <a:pPr marL="432000" indent="-317160">
               <a:lnSpc>
                 <a:spcPct val="100000"/>
               </a:lnSpc>
@@ -3778,7 +3778,7 @@
         <p:spPr>
           <a:xfrm>
             <a:off x="720000" y="300960"/>
-            <a:ext cx="8849520" cy="1256400"/>
+            <a:ext cx="8848800" cy="1255680"/>
           </a:xfrm>
           <a:prstGeom prst="rect">
             <a:avLst/>
@@ -3822,7 +3822,7 @@
         <p:spPr>
           <a:xfrm>
             <a:off x="720000" y="2160000"/>
-            <a:ext cx="8633880" cy="4378680"/>
+            <a:ext cx="8633160" cy="4377960"/>
           </a:xfrm>
           <a:prstGeom prst="rect">
             <a:avLst/>
@@ -4242,7 +4242,7 @@
         <p:spPr>
           <a:xfrm>
             <a:off x="720000" y="300960"/>
-            <a:ext cx="8849520" cy="1256400"/>
+            <a:ext cx="8848800" cy="1255680"/>
           </a:xfrm>
           <a:prstGeom prst="rect">
             <a:avLst/>
@@ -4286,7 +4286,7 @@
         <p:spPr>
           <a:xfrm>
             <a:off x="720000" y="2160000"/>
-            <a:ext cx="8633880" cy="4378680"/>
+            <a:ext cx="8633160" cy="4377960"/>
           </a:xfrm>
           <a:prstGeom prst="rect">
             <a:avLst/>
@@ -4305,7 +4305,7 @@
         <p:txBody>
           <a:bodyPr lIns="0" rIns="0" tIns="0" bIns="0"/>
           <a:p>
-            <a:pPr marL="432000" indent="-317880">
+            <a:pPr marL="432000" indent="-317160">
               <a:lnSpc>
                 <a:spcPct val="100000"/>
               </a:lnSpc>
@@ -4334,7 +4334,7 @@
             </a:endParaRPr>
           </a:p>
           <a:p>
-            <a:pPr marL="432000" indent="-317880">
+            <a:pPr marL="432000" indent="-317160">
               <a:lnSpc>
                 <a:spcPct val="100000"/>
               </a:lnSpc>
@@ -4363,7 +4363,7 @@
             </a:endParaRPr>
           </a:p>
           <a:p>
-            <a:pPr marL="432000" indent="-317880">
+            <a:pPr marL="432000" indent="-317160">
               <a:lnSpc>
                 <a:spcPct val="100000"/>
               </a:lnSpc>
@@ -4403,7 +4403,7 @@
             </a:endParaRPr>
           </a:p>
           <a:p>
-            <a:pPr marL="432000" indent="-317880">
+            <a:pPr marL="432000" indent="-317160">
               <a:lnSpc>
                 <a:spcPct val="100000"/>
               </a:lnSpc>
@@ -4432,7 +4432,7 @@
             </a:endParaRPr>
           </a:p>
           <a:p>
-            <a:pPr marL="432000" indent="-317880">
+            <a:pPr marL="432000" indent="-317160">
               <a:lnSpc>
                 <a:spcPct val="100000"/>
               </a:lnSpc>
@@ -4461,7 +4461,7 @@
             </a:endParaRPr>
           </a:p>
           <a:p>
-            <a:pPr marL="432000" indent="-317880">
+            <a:pPr marL="432000" indent="-317160">
               <a:lnSpc>
                 <a:spcPct val="100000"/>
               </a:lnSpc>
@@ -4490,7 +4490,7 @@
             </a:endParaRPr>
           </a:p>
           <a:p>
-            <a:pPr marL="432000" indent="-317880">
+            <a:pPr marL="432000" indent="-317160">
               <a:lnSpc>
                 <a:spcPct val="100000"/>
               </a:lnSpc>
@@ -4578,7 +4578,7 @@
         <p:spPr>
           <a:xfrm>
             <a:off x="720000" y="300960"/>
-            <a:ext cx="8849520" cy="1256400"/>
+            <a:ext cx="8848800" cy="1255680"/>
           </a:xfrm>
           <a:prstGeom prst="rect">
             <a:avLst/>
@@ -4622,7 +4622,7 @@
         <p:spPr>
           <a:xfrm>
             <a:off x="720000" y="2160000"/>
-            <a:ext cx="8633880" cy="4378680"/>
+            <a:ext cx="8633160" cy="4377960"/>
           </a:xfrm>
           <a:prstGeom prst="rect">
             <a:avLst/>
@@ -4641,7 +4641,7 @@
         <p:txBody>
           <a:bodyPr lIns="0" rIns="0" tIns="0" bIns="0"/>
           <a:p>
-            <a:pPr marL="432000" indent="-317880">
+            <a:pPr marL="432000" indent="-317160">
               <a:lnSpc>
                 <a:spcPct val="100000"/>
               </a:lnSpc>
@@ -4691,7 +4691,7 @@
             </a:endParaRPr>
           </a:p>
           <a:p>
-            <a:pPr marL="432000" indent="-317880">
+            <a:pPr marL="432000" indent="-317160">
               <a:lnSpc>
                 <a:spcPct val="100000"/>
               </a:lnSpc>
@@ -4822,7 +4822,7 @@
             </a:endParaRPr>
           </a:p>
           <a:p>
-            <a:pPr marL="432000" indent="-317880">
+            <a:pPr marL="432000" indent="-317160">
               <a:lnSpc>
                 <a:spcPct val="100000"/>
               </a:lnSpc>
@@ -4931,7 +4931,7 @@
         <p:spPr>
           <a:xfrm>
             <a:off x="720000" y="300960"/>
-            <a:ext cx="8849520" cy="1256400"/>
+            <a:ext cx="8848800" cy="1255680"/>
           </a:xfrm>
           <a:prstGeom prst="rect">
             <a:avLst/>
@@ -4975,7 +4975,7 @@
         <p:spPr>
           <a:xfrm>
             <a:off x="720000" y="2160000"/>
-            <a:ext cx="8633880" cy="4378680"/>
+            <a:ext cx="8633160" cy="4377960"/>
           </a:xfrm>
           <a:prstGeom prst="rect">
             <a:avLst/>
@@ -5258,7 +5258,7 @@
         <p:spPr>
           <a:xfrm>
             <a:off x="720000" y="300960"/>
-            <a:ext cx="8849520" cy="1256400"/>
+            <a:ext cx="8848800" cy="1255680"/>
           </a:xfrm>
           <a:prstGeom prst="rect">
             <a:avLst/>
@@ -5302,7 +5302,7 @@
         <p:spPr>
           <a:xfrm>
             <a:off x="720000" y="1764000"/>
-            <a:ext cx="8633880" cy="4378680"/>
+            <a:ext cx="8633160" cy="4377960"/>
           </a:xfrm>
           <a:prstGeom prst="rect">
             <a:avLst/>
@@ -5956,7 +5956,7 @@
         <p:spPr>
           <a:xfrm>
             <a:off x="720000" y="300960"/>
-            <a:ext cx="8849520" cy="1256400"/>
+            <a:ext cx="8848800" cy="1255680"/>
           </a:xfrm>
           <a:prstGeom prst="rect">
             <a:avLst/>
@@ -6000,7 +6000,7 @@
         <p:spPr>
           <a:xfrm>
             <a:off x="720000" y="2160000"/>
-            <a:ext cx="8633880" cy="4378680"/>
+            <a:ext cx="8633160" cy="4377960"/>
           </a:xfrm>
           <a:prstGeom prst="rect">
             <a:avLst/>
@@ -6513,7 +6513,7 @@
         <p:spPr>
           <a:xfrm>
             <a:off x="720000" y="300960"/>
-            <a:ext cx="8849520" cy="1256400"/>
+            <a:ext cx="8848800" cy="1255680"/>
           </a:xfrm>
           <a:prstGeom prst="rect">
             <a:avLst/>
@@ -6557,7 +6557,7 @@
         <p:spPr>
           <a:xfrm>
             <a:off x="720000" y="1800000"/>
-            <a:ext cx="8633880" cy="5322600"/>
+            <a:ext cx="8633160" cy="5321880"/>
           </a:xfrm>
           <a:prstGeom prst="rect">
             <a:avLst/>
@@ -7225,7 +7225,7 @@
         <p:spPr>
           <a:xfrm>
             <a:off x="720000" y="300960"/>
-            <a:ext cx="8849520" cy="1256400"/>
+            <a:ext cx="8848800" cy="1255680"/>
           </a:xfrm>
           <a:prstGeom prst="rect">
             <a:avLst/>
@@ -7269,7 +7269,7 @@
         <p:spPr>
           <a:xfrm>
             <a:off x="720000" y="1800000"/>
-            <a:ext cx="8633880" cy="5322600"/>
+            <a:ext cx="8633160" cy="5321880"/>
           </a:xfrm>
           <a:prstGeom prst="rect">
             <a:avLst/>
@@ -7819,7 +7819,7 @@
         <p:spPr>
           <a:xfrm>
             <a:off x="720000" y="300960"/>
-            <a:ext cx="8849520" cy="1256400"/>
+            <a:ext cx="8848800" cy="1255680"/>
           </a:xfrm>
           <a:prstGeom prst="rect">
             <a:avLst/>
@@ -7863,7 +7863,7 @@
         <p:spPr>
           <a:xfrm>
             <a:off x="720000" y="2160000"/>
-            <a:ext cx="8633880" cy="4378680"/>
+            <a:ext cx="8633160" cy="4377960"/>
           </a:xfrm>
           <a:prstGeom prst="rect">
             <a:avLst/>
@@ -8331,7 +8331,7 @@
         <p:spPr>
           <a:xfrm>
             <a:off x="720000" y="300960"/>
-            <a:ext cx="8849520" cy="1256400"/>
+            <a:ext cx="8848800" cy="1255680"/>
           </a:xfrm>
           <a:prstGeom prst="rect">
             <a:avLst/>
@@ -8375,7 +8375,7 @@
         <p:spPr>
           <a:xfrm>
             <a:off x="720000" y="1656000"/>
-            <a:ext cx="8633880" cy="5399280"/>
+            <a:ext cx="8633160" cy="5398560"/>
           </a:xfrm>
           <a:prstGeom prst="rect">
             <a:avLst/>
@@ -8394,7 +8394,7 @@
         <p:txBody>
           <a:bodyPr lIns="0" rIns="0" tIns="0" bIns="0"/>
           <a:p>
-            <a:pPr marL="432000" indent="-317880">
+            <a:pPr marL="432000" indent="-317160">
               <a:lnSpc>
                 <a:spcPct val="100000"/>
               </a:lnSpc>
@@ -8423,7 +8423,7 @@
             </a:endParaRPr>
           </a:p>
           <a:p>
-            <a:pPr marL="432000" indent="-317880">
+            <a:pPr marL="432000" indent="-317160">
               <a:lnSpc>
                 <a:spcPct val="100000"/>
               </a:lnSpc>
@@ -8452,7 +8452,7 @@
             </a:endParaRPr>
           </a:p>
           <a:p>
-            <a:pPr marL="432000" indent="-317880">
+            <a:pPr marL="432000" indent="-317160">
               <a:lnSpc>
                 <a:spcPct val="100000"/>
               </a:lnSpc>
@@ -8481,7 +8481,7 @@
             </a:endParaRPr>
           </a:p>
           <a:p>
-            <a:pPr marL="432000" indent="-317880">
+            <a:pPr marL="432000" indent="-317160">
               <a:lnSpc>
                 <a:spcPct val="100000"/>
               </a:lnSpc>
@@ -8510,7 +8510,7 @@
             </a:endParaRPr>
           </a:p>
           <a:p>
-            <a:pPr marL="432000" indent="-317880">
+            <a:pPr marL="432000" indent="-317160">
               <a:lnSpc>
                 <a:spcPct val="100000"/>
               </a:lnSpc>
@@ -8549,7 +8549,7 @@
             </a:endParaRPr>
           </a:p>
           <a:p>
-            <a:pPr marL="432000" indent="-317880">
+            <a:pPr marL="432000" indent="-317160">
               <a:lnSpc>
                 <a:spcPct val="100000"/>
               </a:lnSpc>
@@ -8578,7 +8578,7 @@
             </a:endParaRPr>
           </a:p>
           <a:p>
-            <a:pPr marL="432000" indent="-317880">
+            <a:pPr marL="432000" indent="-317160">
               <a:lnSpc>
                 <a:spcPct val="100000"/>
               </a:lnSpc>
@@ -8607,7 +8607,7 @@
             </a:endParaRPr>
           </a:p>
           <a:p>
-            <a:pPr marL="432000" indent="-317880">
+            <a:pPr marL="432000" indent="-317160">
               <a:lnSpc>
                 <a:spcPct val="100000"/>
               </a:lnSpc>
@@ -8636,7 +8636,7 @@
             </a:endParaRPr>
           </a:p>
           <a:p>
-            <a:pPr marL="432000" indent="-317880">
+            <a:pPr marL="432000" indent="-317160">
               <a:lnSpc>
                 <a:spcPct val="100000"/>
               </a:lnSpc>
@@ -8665,7 +8665,7 @@
             </a:endParaRPr>
           </a:p>
           <a:p>
-            <a:pPr marL="432000" indent="-317880">
+            <a:pPr marL="432000" indent="-317160">
               <a:lnSpc>
                 <a:spcPct val="100000"/>
               </a:lnSpc>
@@ -8753,7 +8753,7 @@
         <p:spPr>
           <a:xfrm>
             <a:off x="720000" y="300960"/>
-            <a:ext cx="8849520" cy="1256400"/>
+            <a:ext cx="8848800" cy="1255680"/>
           </a:xfrm>
           <a:prstGeom prst="rect">
             <a:avLst/>
@@ -8797,7 +8797,7 @@
         <p:spPr>
           <a:xfrm>
             <a:off x="720000" y="1944000"/>
-            <a:ext cx="8633880" cy="4378680"/>
+            <a:ext cx="8633160" cy="4377960"/>
           </a:xfrm>
           <a:prstGeom prst="rect">
             <a:avLst/>
@@ -8816,7 +8816,7 @@
         <p:txBody>
           <a:bodyPr lIns="0" rIns="0" tIns="0" bIns="0"/>
           <a:p>
-            <a:pPr marL="432000" indent="-317880">
+            <a:pPr marL="432000" indent="-317160">
               <a:lnSpc>
                 <a:spcPct val="100000"/>
               </a:lnSpc>
@@ -8885,7 +8885,7 @@
             </a:endParaRPr>
           </a:p>
           <a:p>
-            <a:pPr marL="432000" indent="-317880">
+            <a:pPr marL="432000" indent="-317160">
               <a:lnSpc>
                 <a:spcPct val="100000"/>
               </a:lnSpc>
@@ -8914,7 +8914,7 @@
             </a:endParaRPr>
           </a:p>
           <a:p>
-            <a:pPr marL="432000" indent="-317880">
+            <a:pPr marL="432000" indent="-317160">
               <a:lnSpc>
                 <a:spcPct val="100000"/>
               </a:lnSpc>
@@ -8943,7 +8943,7 @@
             </a:endParaRPr>
           </a:p>
           <a:p>
-            <a:pPr marL="432000" indent="-317880">
+            <a:pPr marL="432000" indent="-317160">
               <a:lnSpc>
                 <a:spcPct val="100000"/>
               </a:lnSpc>
@@ -9031,7 +9031,7 @@
         <p:spPr>
           <a:xfrm>
             <a:off x="720000" y="300960"/>
-            <a:ext cx="8849520" cy="1256400"/>
+            <a:ext cx="8848800" cy="1255680"/>
           </a:xfrm>
           <a:prstGeom prst="rect">
             <a:avLst/>
@@ -9075,7 +9075,7 @@
         <p:spPr>
           <a:xfrm>
             <a:off x="720000" y="1692000"/>
-            <a:ext cx="8633880" cy="5218920"/>
+            <a:ext cx="8633160" cy="5218200"/>
           </a:xfrm>
           <a:prstGeom prst="rect">
             <a:avLst/>
@@ -9094,7 +9094,7 @@
         <p:txBody>
           <a:bodyPr lIns="0" rIns="0" tIns="0" bIns="0"/>
           <a:p>
-            <a:pPr marL="432000" indent="-317880">
+            <a:pPr marL="432000" indent="-317160">
               <a:lnSpc>
                 <a:spcPct val="100000"/>
               </a:lnSpc>
@@ -9842,7 +9842,7 @@
         <p:spPr>
           <a:xfrm>
             <a:off x="720000" y="300960"/>
-            <a:ext cx="8849520" cy="1256400"/>
+            <a:ext cx="8848800" cy="1255680"/>
           </a:xfrm>
           <a:prstGeom prst="rect">
             <a:avLst/>
@@ -9886,7 +9886,7 @@
         <p:spPr>
           <a:xfrm>
             <a:off x="720000" y="1980000"/>
-            <a:ext cx="8633880" cy="4787640"/>
+            <a:ext cx="8633160" cy="4786920"/>
           </a:xfrm>
           <a:prstGeom prst="rect">
             <a:avLst/>
@@ -9905,7 +9905,7 @@
         <p:txBody>
           <a:bodyPr lIns="0" rIns="0" tIns="0" bIns="0"/>
           <a:p>
-            <a:pPr marL="432000" indent="-317880">
+            <a:pPr marL="432000" indent="-317160">
               <a:lnSpc>
                 <a:spcPct val="100000"/>
               </a:lnSpc>
@@ -10446,7 +10446,7 @@
         <p:spPr>
           <a:xfrm>
             <a:off x="720000" y="300960"/>
-            <a:ext cx="8849520" cy="1256400"/>
+            <a:ext cx="8848800" cy="1255680"/>
           </a:xfrm>
           <a:prstGeom prst="rect">
             <a:avLst/>
@@ -10490,7 +10490,7 @@
         <p:spPr>
           <a:xfrm>
             <a:off x="720000" y="2160000"/>
-            <a:ext cx="8633880" cy="4378680"/>
+            <a:ext cx="8633160" cy="4377960"/>
           </a:xfrm>
           <a:prstGeom prst="rect">
             <a:avLst/>
@@ -10509,7 +10509,7 @@
         <p:txBody>
           <a:bodyPr lIns="0" rIns="0" tIns="0" bIns="0"/>
           <a:p>
-            <a:pPr marL="432000" indent="-317880">
+            <a:pPr marL="432000" indent="-317160">
               <a:lnSpc>
                 <a:spcPct val="100000"/>
               </a:lnSpc>
@@ -10598,7 +10598,7 @@
             </a:endParaRPr>
           </a:p>
           <a:p>
-            <a:pPr marL="432000" indent="-317880">
+            <a:pPr marL="432000" indent="-317160">
               <a:lnSpc>
                 <a:spcPct val="100000"/>
               </a:lnSpc>
@@ -10786,7 +10786,7 @@
         <p:spPr>
           <a:xfrm>
             <a:off x="720000" y="300960"/>
-            <a:ext cx="8849520" cy="1256400"/>
+            <a:ext cx="8848800" cy="1255680"/>
           </a:xfrm>
           <a:prstGeom prst="rect">
             <a:avLst/>
@@ -10830,7 +10830,7 @@
         <p:spPr>
           <a:xfrm>
             <a:off x="720000" y="1584000"/>
-            <a:ext cx="8633880" cy="5327640"/>
+            <a:ext cx="8633160" cy="5326920"/>
           </a:xfrm>
           <a:prstGeom prst="rect">
             <a:avLst/>
@@ -10849,7 +10849,7 @@
         <p:txBody>
           <a:bodyPr lIns="0" rIns="0" tIns="0" bIns="0"/>
           <a:p>
-            <a:pPr marL="432000" indent="-317880">
+            <a:pPr marL="432000" indent="-317160">
               <a:lnSpc>
                 <a:spcPct val="100000"/>
               </a:lnSpc>
@@ -10898,7 +10898,7 @@
             </a:endParaRPr>
           </a:p>
           <a:p>
-            <a:pPr marL="432000" indent="-317880">
+            <a:pPr marL="432000" indent="-317160">
               <a:lnSpc>
                 <a:spcPct val="100000"/>
               </a:lnSpc>
@@ -10958,7 +10958,7 @@
             </a:endParaRPr>
           </a:p>
           <a:p>
-            <a:pPr marL="432000" indent="-317880">
+            <a:pPr marL="432000" indent="-317160">
               <a:lnSpc>
                 <a:spcPct val="100000"/>
               </a:lnSpc>
@@ -11007,7 +11007,7 @@
             </a:endParaRPr>
           </a:p>
           <a:p>
-            <a:pPr marL="432000" indent="-317880">
+            <a:pPr marL="432000" indent="-317160">
               <a:lnSpc>
                 <a:spcPct val="100000"/>
               </a:lnSpc>
@@ -11056,7 +11056,7 @@
             </a:endParaRPr>
           </a:p>
           <a:p>
-            <a:pPr marL="432000" indent="-317880">
+            <a:pPr marL="432000" indent="-317160">
               <a:lnSpc>
                 <a:spcPct val="100000"/>
               </a:lnSpc>
@@ -11085,7 +11085,7 @@
             </a:endParaRPr>
           </a:p>
           <a:p>
-            <a:pPr marL="432000" indent="-317880">
+            <a:pPr marL="432000" indent="-317160">
               <a:lnSpc>
                 <a:spcPct val="100000"/>
               </a:lnSpc>
@@ -11174,7 +11174,7 @@
         <p:spPr>
           <a:xfrm>
             <a:off x="720000" y="300960"/>
-            <a:ext cx="8849520" cy="1256400"/>
+            <a:ext cx="8848800" cy="1255680"/>
           </a:xfrm>
           <a:prstGeom prst="rect">
             <a:avLst/>
@@ -11218,7 +11218,7 @@
         <p:spPr>
           <a:xfrm>
             <a:off x="720000" y="1404000"/>
-            <a:ext cx="8633880" cy="5650560"/>
+            <a:ext cx="8633160" cy="5649840"/>
           </a:xfrm>
           <a:prstGeom prst="rect">
             <a:avLst/>
@@ -12456,7 +12456,7 @@
         <p:spPr>
           <a:xfrm>
             <a:off x="720000" y="300960"/>
-            <a:ext cx="8849520" cy="1256400"/>
+            <a:ext cx="8848800" cy="1255680"/>
           </a:xfrm>
           <a:prstGeom prst="rect">
             <a:avLst/>
@@ -12500,7 +12500,7 @@
         <p:spPr>
           <a:xfrm>
             <a:off x="720000" y="1872000"/>
-            <a:ext cx="8633880" cy="4570560"/>
+            <a:ext cx="8633160" cy="4569840"/>
           </a:xfrm>
           <a:prstGeom prst="rect">
             <a:avLst/>
@@ -13278,7 +13278,7 @@
         <p:spPr>
           <a:xfrm>
             <a:off x="720000" y="300960"/>
-            <a:ext cx="8849520" cy="1256400"/>
+            <a:ext cx="8848800" cy="1255680"/>
           </a:xfrm>
           <a:prstGeom prst="rect">
             <a:avLst/>
@@ -13322,7 +13322,7 @@
         <p:spPr>
           <a:xfrm>
             <a:off x="720000" y="1944000"/>
-            <a:ext cx="8633880" cy="4714560"/>
+            <a:ext cx="8633160" cy="4713840"/>
           </a:xfrm>
           <a:prstGeom prst="rect">
             <a:avLst/>
@@ -14190,7 +14190,7 @@
         <p:spPr>
           <a:xfrm>
             <a:off x="720000" y="300960"/>
-            <a:ext cx="8849520" cy="1256400"/>
+            <a:ext cx="8848800" cy="1255680"/>
           </a:xfrm>
           <a:prstGeom prst="rect">
             <a:avLst/>
@@ -14234,7 +14234,7 @@
         <p:spPr>
           <a:xfrm>
             <a:off x="720000" y="2052000"/>
-            <a:ext cx="8633880" cy="4426560"/>
+            <a:ext cx="8633160" cy="4425840"/>
           </a:xfrm>
           <a:prstGeom prst="rect">
             <a:avLst/>
@@ -14702,7 +14702,7 @@
         <p:spPr>
           <a:xfrm>
             <a:off x="720000" y="300960"/>
-            <a:ext cx="8849520" cy="1256400"/>
+            <a:ext cx="8848800" cy="1255680"/>
           </a:xfrm>
           <a:prstGeom prst="rect">
             <a:avLst/>
@@ -14746,7 +14746,7 @@
         <p:spPr>
           <a:xfrm>
             <a:off x="720000" y="1692000"/>
-            <a:ext cx="8633880" cy="4378680"/>
+            <a:ext cx="8633160" cy="4377960"/>
           </a:xfrm>
           <a:prstGeom prst="rect">
             <a:avLst/>
@@ -14765,7 +14765,7 @@
         <p:txBody>
           <a:bodyPr lIns="0" rIns="0" tIns="0" bIns="0"/>
           <a:p>
-            <a:pPr marL="432000" indent="-317880">
+            <a:pPr marL="432000" indent="-317160">
               <a:lnSpc>
                 <a:spcPct val="100000"/>
               </a:lnSpc>
@@ -14814,7 +14814,7 @@
             </a:endParaRPr>
           </a:p>
           <a:p>
-            <a:pPr marL="432000" indent="-317880">
+            <a:pPr marL="432000" indent="-317160">
               <a:lnSpc>
                 <a:spcPct val="100000"/>
               </a:lnSpc>
@@ -14854,7 +14854,7 @@
             </a:endParaRPr>
           </a:p>
           <a:p>
-            <a:pPr marL="432000" indent="-317880">
+            <a:pPr marL="432000" indent="-317160">
               <a:lnSpc>
                 <a:spcPct val="100000"/>
               </a:lnSpc>
@@ -14883,7 +14883,7 @@
             </a:endParaRPr>
           </a:p>
           <a:p>
-            <a:pPr marL="432000" indent="-317880">
+            <a:pPr marL="432000" indent="-317160">
               <a:lnSpc>
                 <a:spcPct val="100000"/>
               </a:lnSpc>
@@ -14912,7 +14912,7 @@
             </a:endParaRPr>
           </a:p>
           <a:p>
-            <a:pPr marL="432000" indent="-317880">
+            <a:pPr marL="432000" indent="-317160">
               <a:lnSpc>
                 <a:spcPct val="100000"/>
               </a:lnSpc>
@@ -15010,7 +15010,7 @@
         <p:spPr>
           <a:xfrm>
             <a:off x="720000" y="300960"/>
-            <a:ext cx="8849520" cy="1256400"/>
+            <a:ext cx="8848800" cy="1255680"/>
           </a:xfrm>
           <a:prstGeom prst="rect">
             <a:avLst/>
@@ -15054,7 +15054,7 @@
         <p:spPr>
           <a:xfrm>
             <a:off x="720000" y="2052000"/>
-            <a:ext cx="8633880" cy="4378680"/>
+            <a:ext cx="8633160" cy="4377960"/>
           </a:xfrm>
           <a:prstGeom prst="rect">
             <a:avLst/>
@@ -15073,7 +15073,7 @@
         <p:txBody>
           <a:bodyPr lIns="0" rIns="0" tIns="0" bIns="0"/>
           <a:p>
-            <a:pPr marL="432000" indent="-317880">
+            <a:pPr marL="432000" indent="-317160">
               <a:lnSpc>
                 <a:spcPct val="100000"/>
               </a:lnSpc>
@@ -15135,7 +15135,7 @@
             </a:endParaRPr>
           </a:p>
           <a:p>
-            <a:pPr marL="432000" indent="-317880">
+            <a:pPr marL="432000" indent="-317160">
               <a:lnSpc>
                 <a:spcPct val="100000"/>
               </a:lnSpc>
@@ -15175,7 +15175,7 @@
             </a:endParaRPr>
           </a:p>
           <a:p>
-            <a:pPr marL="432000" indent="-317880">
+            <a:pPr marL="432000" indent="-317160">
               <a:lnSpc>
                 <a:spcPct val="100000"/>
               </a:lnSpc>
@@ -15215,7 +15215,7 @@
             </a:endParaRPr>
           </a:p>
           <a:p>
-            <a:pPr marL="432000" indent="-317880">
+            <a:pPr marL="432000" indent="-317160">
               <a:lnSpc>
                 <a:spcPct val="100000"/>
               </a:lnSpc>
@@ -15314,7 +15314,7 @@
         <p:spPr>
           <a:xfrm>
             <a:off x="720000" y="300960"/>
-            <a:ext cx="8849520" cy="1256400"/>
+            <a:ext cx="8848800" cy="1255680"/>
           </a:xfrm>
           <a:prstGeom prst="rect">
             <a:avLst/>
@@ -15358,7 +15358,7 @@
         <p:spPr>
           <a:xfrm>
             <a:off x="720000" y="1404000"/>
-            <a:ext cx="8633880" cy="5650560"/>
+            <a:ext cx="8633160" cy="5649840"/>
           </a:xfrm>
           <a:prstGeom prst="rect">
             <a:avLst/>
@@ -16836,7 +16836,7 @@
         <p:spPr>
           <a:xfrm>
             <a:off x="720000" y="300960"/>
-            <a:ext cx="8849520" cy="1256400"/>
+            <a:ext cx="8848800" cy="1255680"/>
           </a:xfrm>
           <a:prstGeom prst="rect">
             <a:avLst/>
@@ -16880,7 +16880,7 @@
         <p:spPr>
           <a:xfrm>
             <a:off x="720000" y="2160000"/>
-            <a:ext cx="8633880" cy="4378680"/>
+            <a:ext cx="8633160" cy="4377960"/>
           </a:xfrm>
           <a:prstGeom prst="rect">
             <a:avLst/>
@@ -16899,7 +16899,7 @@
         <p:txBody>
           <a:bodyPr lIns="0" rIns="0" tIns="0" bIns="0"/>
           <a:p>
-            <a:pPr marL="432000" indent="-317880">
+            <a:pPr marL="432000" indent="-317160">
               <a:lnSpc>
                 <a:spcPct val="100000"/>
               </a:lnSpc>
@@ -16968,7 +16968,7 @@
             </a:endParaRPr>
           </a:p>
           <a:p>
-            <a:pPr marL="432000" indent="-317880">
+            <a:pPr marL="432000" indent="-317160">
               <a:lnSpc>
                 <a:spcPct val="100000"/>
               </a:lnSpc>
@@ -16997,7 +16997,7 @@
             </a:endParaRPr>
           </a:p>
           <a:p>
-            <a:pPr marL="432000" indent="-317880">
+            <a:pPr marL="432000" indent="-317160">
               <a:lnSpc>
                 <a:spcPct val="100000"/>
               </a:lnSpc>
@@ -17085,7 +17085,7 @@
         <p:spPr>
           <a:xfrm>
             <a:off x="720000" y="300960"/>
-            <a:ext cx="8849520" cy="1256400"/>
+            <a:ext cx="8848800" cy="1255680"/>
           </a:xfrm>
           <a:prstGeom prst="rect">
             <a:avLst/>
@@ -17129,7 +17129,7 @@
         <p:spPr>
           <a:xfrm>
             <a:off x="720000" y="2160000"/>
-            <a:ext cx="8633880" cy="4378680"/>
+            <a:ext cx="8633160" cy="4377960"/>
           </a:xfrm>
           <a:prstGeom prst="rect">
             <a:avLst/>
@@ -17148,7 +17148,7 @@
         <p:txBody>
           <a:bodyPr lIns="0" rIns="0" tIns="0" bIns="0"/>
           <a:p>
-            <a:pPr marL="432000" indent="-317880">
+            <a:pPr marL="432000" indent="-317160">
               <a:lnSpc>
                 <a:spcPct val="100000"/>
               </a:lnSpc>
@@ -17177,7 +17177,7 @@
             </a:endParaRPr>
           </a:p>
           <a:p>
-            <a:pPr marL="432000" indent="-317880">
+            <a:pPr marL="432000" indent="-317160">
               <a:lnSpc>
                 <a:spcPct val="100000"/>
               </a:lnSpc>
@@ -17206,7 +17206,7 @@
             </a:endParaRPr>
           </a:p>
           <a:p>
-            <a:pPr marL="432000" indent="-317880">
+            <a:pPr marL="432000" indent="-317160">
               <a:lnSpc>
                 <a:spcPct val="100000"/>
               </a:lnSpc>
@@ -17235,7 +17235,7 @@
             </a:endParaRPr>
           </a:p>
           <a:p>
-            <a:pPr marL="432000" indent="-317880">
+            <a:pPr marL="432000" indent="-317160">
               <a:lnSpc>
                 <a:spcPct val="100000"/>
               </a:lnSpc>
@@ -17323,7 +17323,7 @@
         <p:spPr>
           <a:xfrm>
             <a:off x="720000" y="300960"/>
-            <a:ext cx="8849520" cy="1256400"/>
+            <a:ext cx="8848800" cy="1255680"/>
           </a:xfrm>
           <a:prstGeom prst="rect">
             <a:avLst/>
@@ -17367,7 +17367,7 @@
         <p:spPr>
           <a:xfrm>
             <a:off x="964440" y="2160000"/>
-            <a:ext cx="8145000" cy="2873160"/>
+            <a:ext cx="8144280" cy="2872440"/>
           </a:xfrm>
           <a:prstGeom prst="rect">
             <a:avLst/>
@@ -17391,7 +17391,7 @@
             </a:endParaRPr>
           </a:p>
           <a:p>
-            <a:pPr marL="432000" indent="-317880">
+            <a:pPr marL="432000" indent="-317160">
               <a:lnSpc>
                 <a:spcPct val="100000"/>
               </a:lnSpc>
@@ -17420,7 +17420,7 @@
             </a:endParaRPr>
           </a:p>
           <a:p>
-            <a:pPr marL="432000" indent="-317880">
+            <a:pPr marL="432000" indent="-317160">
               <a:lnSpc>
                 <a:spcPct val="100000"/>
               </a:lnSpc>
@@ -17449,7 +17449,7 @@
             </a:endParaRPr>
           </a:p>
           <a:p>
-            <a:pPr marL="432000" indent="-317880">
+            <a:pPr marL="432000" indent="-317160">
               <a:lnSpc>
                 <a:spcPct val="100000"/>
               </a:lnSpc>
@@ -17548,7 +17548,7 @@
         <p:spPr>
           <a:xfrm>
             <a:off x="720000" y="300960"/>
-            <a:ext cx="8849520" cy="1256400"/>
+            <a:ext cx="8848800" cy="1255680"/>
           </a:xfrm>
           <a:prstGeom prst="rect">
             <a:avLst/>
@@ -17592,7 +17592,7 @@
         <p:spPr>
           <a:xfrm>
             <a:off x="720000" y="2160000"/>
-            <a:ext cx="8633880" cy="4378680"/>
+            <a:ext cx="8633160" cy="4377960"/>
           </a:xfrm>
           <a:prstGeom prst="rect">
             <a:avLst/>
@@ -17641,7 +17641,7 @@
             </a:endParaRPr>
           </a:p>
           <a:p>
-            <a:pPr marL="432000" indent="-317880">
+            <a:pPr marL="432000" indent="-317160">
               <a:lnSpc>
                 <a:spcPct val="100000"/>
               </a:lnSpc>
@@ -17690,7 +17690,7 @@
             </a:endParaRPr>
           </a:p>
           <a:p>
-            <a:pPr marL="432000" indent="-317880">
+            <a:pPr marL="432000" indent="-317160">
               <a:lnSpc>
                 <a:spcPct val="100000"/>
               </a:lnSpc>
@@ -17800,7 +17800,7 @@
         <p:spPr>
           <a:xfrm>
             <a:off x="720000" y="300960"/>
-            <a:ext cx="8849520" cy="1256400"/>
+            <a:ext cx="8848800" cy="1255680"/>
           </a:xfrm>
           <a:prstGeom prst="rect">
             <a:avLst/>
@@ -17844,7 +17844,7 @@
         <p:spPr>
           <a:xfrm>
             <a:off x="720000" y="1836000"/>
-            <a:ext cx="8633880" cy="5003280"/>
+            <a:ext cx="8633160" cy="5002560"/>
           </a:xfrm>
           <a:prstGeom prst="rect">
             <a:avLst/>
@@ -17863,7 +17863,7 @@
         <p:txBody>
           <a:bodyPr lIns="0" rIns="0" tIns="0" bIns="0"/>
           <a:p>
-            <a:pPr marL="432000" indent="-317880">
+            <a:pPr marL="432000" indent="-317160">
               <a:lnSpc>
                 <a:spcPct val="100000"/>
               </a:lnSpc>
@@ -17923,7 +17923,7 @@
             </a:endParaRPr>
           </a:p>
           <a:p>
-            <a:pPr marL="432000" indent="-317880">
+            <a:pPr marL="432000" indent="-317160">
               <a:lnSpc>
                 <a:spcPct val="100000"/>
               </a:lnSpc>
@@ -18024,7 +18024,7 @@
             </a:endParaRPr>
           </a:p>
           <a:p>
-            <a:pPr marL="432000" indent="-317880">
+            <a:pPr marL="432000" indent="-317160">
               <a:lnSpc>
                 <a:spcPct val="100000"/>
               </a:lnSpc>
@@ -18112,7 +18112,7 @@
         <p:spPr>
           <a:xfrm>
             <a:off x="720000" y="300960"/>
-            <a:ext cx="8849520" cy="1256400"/>
+            <a:ext cx="8848800" cy="1255680"/>
           </a:xfrm>
           <a:prstGeom prst="rect">
             <a:avLst/>
@@ -18156,7 +18156,7 @@
         <p:spPr>
           <a:xfrm>
             <a:off x="720000" y="2160000"/>
-            <a:ext cx="8633880" cy="4378680"/>
+            <a:ext cx="8633160" cy="4377960"/>
           </a:xfrm>
           <a:prstGeom prst="rect">
             <a:avLst/>
@@ -18488,7 +18488,7 @@
         <p:spPr>
           <a:xfrm>
             <a:off x="720000" y="300960"/>
-            <a:ext cx="8849520" cy="1256400"/>
+            <a:ext cx="8848800" cy="1255680"/>
           </a:xfrm>
           <a:prstGeom prst="rect">
             <a:avLst/>
@@ -18532,7 +18532,7 @@
         <p:spPr>
           <a:xfrm>
             <a:off x="720000" y="2160000"/>
-            <a:ext cx="8633880" cy="4378680"/>
+            <a:ext cx="8633160" cy="4377960"/>
           </a:xfrm>
           <a:prstGeom prst="rect">
             <a:avLst/>
@@ -18779,7 +18779,7 @@
         <p:spPr>
           <a:xfrm>
             <a:off x="720000" y="300960"/>
-            <a:ext cx="8849520" cy="1256400"/>
+            <a:ext cx="8848800" cy="1255680"/>
           </a:xfrm>
           <a:prstGeom prst="rect">
             <a:avLst/>
@@ -18823,7 +18823,7 @@
         <p:spPr>
           <a:xfrm>
             <a:off x="720000" y="2160000"/>
-            <a:ext cx="8633880" cy="4378680"/>
+            <a:ext cx="8633160" cy="4377960"/>
           </a:xfrm>
           <a:prstGeom prst="rect">
             <a:avLst/>
@@ -19157,7 +19157,7 @@
         <p:spPr>
           <a:xfrm>
             <a:off x="720000" y="240120"/>
-            <a:ext cx="8849520" cy="1378080"/>
+            <a:ext cx="8848800" cy="1377360"/>
           </a:xfrm>
           <a:prstGeom prst="rect">
             <a:avLst/>
@@ -19201,7 +19201,7 @@
         <p:spPr>
           <a:xfrm>
             <a:off x="720000" y="2484000"/>
-            <a:ext cx="8633880" cy="3743640"/>
+            <a:ext cx="8633160" cy="3742920"/>
           </a:xfrm>
           <a:prstGeom prst="rect">
             <a:avLst/>
@@ -19457,7 +19457,7 @@
         <p:spPr>
           <a:xfrm>
             <a:off x="720000" y="300960"/>
-            <a:ext cx="8849520" cy="1256400"/>
+            <a:ext cx="8848800" cy="1255680"/>
           </a:xfrm>
           <a:prstGeom prst="rect">
             <a:avLst/>
@@ -19501,7 +19501,7 @@
         <p:spPr>
           <a:xfrm>
             <a:off x="720000" y="1872000"/>
-            <a:ext cx="8633880" cy="4378680"/>
+            <a:ext cx="8633160" cy="4377960"/>
           </a:xfrm>
           <a:prstGeom prst="rect">
             <a:avLst/>
@@ -19520,7 +19520,7 @@
         <p:txBody>
           <a:bodyPr lIns="0" rIns="0" tIns="0" bIns="0"/>
           <a:p>
-            <a:pPr marL="432000" indent="-317880">
+            <a:pPr marL="432000" indent="-317160">
               <a:lnSpc>
                 <a:spcPct val="100000"/>
               </a:lnSpc>
@@ -19549,7 +19549,7 @@
             </a:endParaRPr>
           </a:p>
           <a:p>
-            <a:pPr marL="432000" indent="-317880">
+            <a:pPr marL="432000" indent="-317160">
               <a:lnSpc>
                 <a:spcPct val="100000"/>
               </a:lnSpc>
@@ -19609,7 +19609,7 @@
             </a:endParaRPr>
           </a:p>
           <a:p>
-            <a:pPr marL="432000" indent="-317880">
+            <a:pPr marL="432000" indent="-317160">
               <a:lnSpc>
                 <a:spcPct val="100000"/>
               </a:lnSpc>
@@ -19669,7 +19669,7 @@
             </a:endParaRPr>
           </a:p>
           <a:p>
-            <a:pPr marL="432000" indent="-317880">
+            <a:pPr marL="432000" indent="-317160">
               <a:lnSpc>
                 <a:spcPct val="100000"/>
               </a:lnSpc>
@@ -19698,7 +19698,7 @@
             </a:endParaRPr>
           </a:p>
           <a:p>
-            <a:pPr marL="432000" indent="-317880">
+            <a:pPr marL="432000" indent="-317160">
               <a:lnSpc>
                 <a:spcPct val="100000"/>
               </a:lnSpc>
@@ -19786,7 +19786,7 @@
         <p:spPr>
           <a:xfrm>
             <a:off x="720000" y="300960"/>
-            <a:ext cx="8849520" cy="1256400"/>
+            <a:ext cx="8848800" cy="1255680"/>
           </a:xfrm>
           <a:prstGeom prst="rect">
             <a:avLst/>
@@ -19830,7 +19830,7 @@
         <p:spPr>
           <a:xfrm>
             <a:off x="720000" y="2160000"/>
-            <a:ext cx="8633880" cy="4378680"/>
+            <a:ext cx="8633160" cy="4377960"/>
           </a:xfrm>
           <a:prstGeom prst="rect">
             <a:avLst/>
@@ -19867,7 +19867,7 @@
             </a:endParaRPr>
           </a:p>
           <a:p>
-            <a:pPr marL="432000" indent="-317880">
+            <a:pPr marL="432000" indent="-317160">
               <a:lnSpc>
                 <a:spcPct val="100000"/>
               </a:lnSpc>
@@ -19916,7 +19916,7 @@
             </a:endParaRPr>
           </a:p>
           <a:p>
-            <a:pPr marL="432000" indent="-317880">
+            <a:pPr marL="432000" indent="-317160">
               <a:lnSpc>
                 <a:spcPct val="100000"/>
               </a:lnSpc>
@@ -20024,7 +20024,7 @@
         <p:spPr>
           <a:xfrm>
             <a:off x="720000" y="300960"/>
-            <a:ext cx="8849520" cy="1256400"/>
+            <a:ext cx="8848800" cy="1255680"/>
           </a:xfrm>
           <a:prstGeom prst="rect">
             <a:avLst/>
@@ -20068,7 +20068,7 @@
         <p:spPr>
           <a:xfrm>
             <a:off x="720000" y="2160000"/>
-            <a:ext cx="8633880" cy="4378680"/>
+            <a:ext cx="8633160" cy="4377960"/>
           </a:xfrm>
           <a:prstGeom prst="rect">
             <a:avLst/>
@@ -20092,7 +20092,7 @@
             </a:endParaRPr>
           </a:p>
           <a:p>
-            <a:pPr marL="432000" indent="-317880">
+            <a:pPr marL="432000" indent="-317160">
               <a:lnSpc>
                 <a:spcPct val="100000"/>
               </a:lnSpc>
@@ -20121,7 +20121,7 @@
             </a:endParaRPr>
           </a:p>
           <a:p>
-            <a:pPr marL="432000" indent="-317880">
+            <a:pPr marL="432000" indent="-317160">
               <a:lnSpc>
                 <a:spcPct val="100000"/>
               </a:lnSpc>
@@ -20429,7 +20429,7 @@
         <p:spPr>
           <a:xfrm>
             <a:off x="720000" y="300960"/>
-            <a:ext cx="8849520" cy="1256400"/>
+            <a:ext cx="8848800" cy="1255680"/>
           </a:xfrm>
           <a:prstGeom prst="rect">
             <a:avLst/>
@@ -20473,7 +20473,7 @@
         <p:spPr>
           <a:xfrm>
             <a:off x="720000" y="2088000"/>
-            <a:ext cx="8633880" cy="4378680"/>
+            <a:ext cx="8633160" cy="4377960"/>
           </a:xfrm>
           <a:prstGeom prst="rect">
             <a:avLst/>
@@ -20492,7 +20492,7 @@
         <p:txBody>
           <a:bodyPr lIns="0" rIns="0" tIns="0" bIns="0"/>
           <a:p>
-            <a:pPr marL="432000" indent="-317880">
+            <a:pPr marL="432000" indent="-317160">
               <a:lnSpc>
                 <a:spcPct val="100000"/>
               </a:lnSpc>
@@ -20561,7 +20561,7 @@
             </a:endParaRPr>
           </a:p>
           <a:p>
-            <a:pPr marL="432000" indent="-317880">
+            <a:pPr marL="432000" indent="-317160">
               <a:lnSpc>
                 <a:spcPct val="100000"/>
               </a:lnSpc>
@@ -20590,7 +20590,7 @@
             </a:endParaRPr>
           </a:p>
           <a:p>
-            <a:pPr marL="432000" indent="-317880">
+            <a:pPr marL="432000" indent="-317160">
               <a:lnSpc>
                 <a:spcPct val="100000"/>
               </a:lnSpc>
@@ -20619,7 +20619,7 @@
             </a:endParaRPr>
           </a:p>
           <a:p>
-            <a:pPr marL="432000" indent="-317880">
+            <a:pPr marL="432000" indent="-317160">
               <a:lnSpc>
                 <a:spcPct val="100000"/>
               </a:lnSpc>
@@ -20648,7 +20648,7 @@
             </a:endParaRPr>
           </a:p>
           <a:p>
-            <a:pPr marL="432000" indent="-317880">
+            <a:pPr marL="432000" indent="-317160">
               <a:lnSpc>
                 <a:spcPct val="100000"/>
               </a:lnSpc>
@@ -20677,7 +20677,7 @@
             </a:endParaRPr>
           </a:p>
           <a:p>
-            <a:pPr marL="432000" indent="-317880">
+            <a:pPr marL="432000" indent="-317160">
               <a:lnSpc>
                 <a:spcPct val="100000"/>
               </a:lnSpc>
@@ -20775,7 +20775,7 @@
         <p:spPr>
           <a:xfrm>
             <a:off x="720000" y="300960"/>
-            <a:ext cx="8849520" cy="1256400"/>
+            <a:ext cx="8848800" cy="1255680"/>
           </a:xfrm>
           <a:prstGeom prst="rect">
             <a:avLst/>
@@ -20819,7 +20819,7 @@
         <p:spPr>
           <a:xfrm>
             <a:off x="756000" y="2160000"/>
-            <a:ext cx="8633880" cy="4378680"/>
+            <a:ext cx="8633160" cy="4377960"/>
           </a:xfrm>
           <a:prstGeom prst="rect">
             <a:avLst/>
@@ -20838,7 +20838,7 @@
         <p:txBody>
           <a:bodyPr lIns="0" rIns="0" tIns="0" bIns="0"/>
           <a:p>
-            <a:pPr marL="432000" indent="-317880">
+            <a:pPr marL="432000" indent="-317160">
               <a:lnSpc>
                 <a:spcPct val="100000"/>
               </a:lnSpc>
@@ -20889,7 +20889,7 @@
             </a:endParaRPr>
           </a:p>
           <a:p>
-            <a:pPr marL="432000" indent="-317880">
+            <a:pPr marL="432000" indent="-317160">
               <a:lnSpc>
                 <a:spcPct val="100000"/>
               </a:lnSpc>
@@ -20940,7 +20940,7 @@
             </a:endParaRPr>
           </a:p>
           <a:p>
-            <a:pPr marL="432000" indent="-317880">
+            <a:pPr marL="432000" indent="-317160">
               <a:lnSpc>
                 <a:spcPct val="100000"/>
               </a:lnSpc>
@@ -21060,7 +21060,7 @@
         <p:spPr>
           <a:xfrm>
             <a:off x="720000" y="300960"/>
-            <a:ext cx="8849520" cy="1256400"/>
+            <a:ext cx="8848800" cy="1255680"/>
           </a:xfrm>
           <a:prstGeom prst="rect">
             <a:avLst/>
@@ -21104,7 +21104,7 @@
         <p:spPr>
           <a:xfrm>
             <a:off x="756000" y="2160000"/>
-            <a:ext cx="8633880" cy="4378680"/>
+            <a:ext cx="8633160" cy="4377960"/>
           </a:xfrm>
           <a:prstGeom prst="rect">
             <a:avLst/>
@@ -21123,7 +21123,7 @@
         <p:txBody>
           <a:bodyPr lIns="0" rIns="0" tIns="0" bIns="0"/>
           <a:p>
-            <a:pPr marL="432000" indent="-317880">
+            <a:pPr marL="432000" indent="-317160">
               <a:lnSpc>
                 <a:spcPct val="100000"/>
               </a:lnSpc>
@@ -21174,7 +21174,7 @@
             </a:endParaRPr>
           </a:p>
           <a:p>
-            <a:pPr marL="432000" indent="-317880">
+            <a:pPr marL="432000" indent="-317160">
               <a:lnSpc>
                 <a:spcPct val="100000"/>
               </a:lnSpc>
@@ -21215,7 +21215,7 @@
             </a:endParaRPr>
           </a:p>
           <a:p>
-            <a:pPr marL="432000" indent="-317880">
+            <a:pPr marL="432000" indent="-317160">
               <a:lnSpc>
                 <a:spcPct val="100000"/>
               </a:lnSpc>
@@ -21256,7 +21256,7 @@
             </a:endParaRPr>
           </a:p>
           <a:p>
-            <a:pPr marL="432000" indent="-317880">
+            <a:pPr marL="432000" indent="-317160">
               <a:lnSpc>
                 <a:spcPct val="100000"/>
               </a:lnSpc>
@@ -21376,7 +21376,7 @@
         <p:spPr>
           <a:xfrm>
             <a:off x="720000" y="300960"/>
-            <a:ext cx="8849520" cy="1256400"/>
+            <a:ext cx="8848800" cy="1255680"/>
           </a:xfrm>
           <a:prstGeom prst="rect">
             <a:avLst/>
@@ -21420,7 +21420,7 @@
         <p:spPr>
           <a:xfrm>
             <a:off x="756000" y="2124000"/>
-            <a:ext cx="8633880" cy="4378680"/>
+            <a:ext cx="8633160" cy="4377960"/>
           </a:xfrm>
           <a:prstGeom prst="rect">
             <a:avLst/>
@@ -21439,7 +21439,7 @@
         <p:txBody>
           <a:bodyPr lIns="0" rIns="0" tIns="0" bIns="0"/>
           <a:p>
-            <a:pPr marL="432000" indent="-317880">
+            <a:pPr marL="432000" indent="-317160">
               <a:lnSpc>
                 <a:spcPct val="100000"/>
               </a:lnSpc>
@@ -21490,7 +21490,7 @@
             </a:endParaRPr>
           </a:p>
           <a:p>
-            <a:pPr marL="432000" indent="-317880">
+            <a:pPr marL="432000" indent="-317160">
               <a:lnSpc>
                 <a:spcPct val="100000"/>
               </a:lnSpc>
@@ -21621,7 +21621,7 @@
         <p:spPr>
           <a:xfrm>
             <a:off x="720000" y="300960"/>
-            <a:ext cx="8849520" cy="1256400"/>
+            <a:ext cx="8848800" cy="1255680"/>
           </a:xfrm>
           <a:prstGeom prst="rect">
             <a:avLst/>
@@ -21665,7 +21665,7 @@
         <p:spPr>
           <a:xfrm>
             <a:off x="720000" y="2160000"/>
-            <a:ext cx="8633880" cy="4378680"/>
+            <a:ext cx="8633160" cy="4377960"/>
           </a:xfrm>
           <a:prstGeom prst="rect">
             <a:avLst/>
@@ -21727,6 +21727,54 @@
                 <a:ea typeface="DejaVu Sans"/>
               </a:rPr>
               <a:t>Q &amp; A</a:t>
+            </a:r>
+            <a:endParaRPr b="0" lang="de-DE" sz="8000" spc="-1" strike="noStrike">
+              <a:latin typeface="Arial"/>
+            </a:endParaRPr>
+          </a:p>
+          <a:p>
+            <a:pPr algn="ctr">
+              <a:lnSpc>
+                <a:spcPct val="100000"/>
+              </a:lnSpc>
+              <a:spcAft>
+                <a:spcPts val="1414"/>
+              </a:spcAft>
+            </a:pPr>
+            <a:endParaRPr b="0" lang="de-DE" sz="8000" spc="-1" strike="noStrike">
+              <a:latin typeface="Arial"/>
+            </a:endParaRPr>
+          </a:p>
+          <a:p>
+            <a:pPr algn="ctr">
+              <a:lnSpc>
+                <a:spcPct val="100000"/>
+              </a:lnSpc>
+              <a:spcAft>
+                <a:spcPts val="1414"/>
+              </a:spcAft>
+            </a:pPr>
+            <a:r>
+              <a:rPr b="0" lang="de-DE" sz="2000" spc="-1" strike="noStrike" u="sng">
+                <a:solidFill>
+                  <a:srgbClr val="0000ff"/>
+                </a:solidFill>
+                <a:uFillTx/>
+                <a:latin typeface="Noto Sans Regular"/>
+                <a:ea typeface="DejaVu Sans"/>
+                <a:hlinkClick r:id="rId1"/>
+              </a:rPr>
+              <a:t>https://github.com/hermannhueck/typeclasses</a:t>
+            </a:r>
+            <a:r>
+              <a:rPr b="0" lang="de-DE" sz="2400" spc="-1" strike="noStrike">
+                <a:solidFill>
+                  <a:srgbClr val="333333"/>
+                </a:solidFill>
+                <a:latin typeface="Noto Sans Regular"/>
+                <a:ea typeface="DejaVu Sans"/>
+              </a:rPr>
+              <a:t> </a:t>
             </a:r>
             <a:r>
               <a:rPr b="0" lang="de-DE" sz="2800" spc="-1" strike="noStrike">
@@ -21812,7 +21860,7 @@
         <p:spPr>
           <a:xfrm>
             <a:off x="720000" y="300960"/>
-            <a:ext cx="8849520" cy="1256400"/>
+            <a:ext cx="8848800" cy="1255680"/>
           </a:xfrm>
           <a:prstGeom prst="rect">
             <a:avLst/>
@@ -21856,7 +21904,7 @@
         <p:spPr>
           <a:xfrm>
             <a:off x="720000" y="2160000"/>
-            <a:ext cx="8633880" cy="4378680"/>
+            <a:ext cx="8633160" cy="4377960"/>
           </a:xfrm>
           <a:prstGeom prst="rect">
             <a:avLst/>
@@ -21875,7 +21923,7 @@
         <p:txBody>
           <a:bodyPr lIns="0" rIns="0" tIns="0" bIns="0"/>
           <a:p>
-            <a:pPr marL="432000" indent="-317880">
+            <a:pPr marL="432000" indent="-317160">
               <a:lnSpc>
                 <a:spcPct val="100000"/>
               </a:lnSpc>
@@ -21904,7 +21952,7 @@
             </a:endParaRPr>
           </a:p>
           <a:p>
-            <a:pPr marL="432000" indent="-317880">
+            <a:pPr marL="432000" indent="-317160">
               <a:lnSpc>
                 <a:spcPct val="100000"/>
               </a:lnSpc>
@@ -21933,7 +21981,7 @@
             </a:endParaRPr>
           </a:p>
           <a:p>
-            <a:pPr marL="432000" indent="-317880">
+            <a:pPr marL="432000" indent="-317160">
               <a:lnSpc>
                 <a:spcPct val="100000"/>
               </a:lnSpc>
@@ -21962,7 +22010,7 @@
             </a:endParaRPr>
           </a:p>
           <a:p>
-            <a:pPr marL="432000" indent="-317880">
+            <a:pPr marL="432000" indent="-317160">
               <a:lnSpc>
                 <a:spcPct val="100000"/>
               </a:lnSpc>
@@ -22090,7 +22138,7 @@
         <p:spPr>
           <a:xfrm>
             <a:off x="720000" y="300960"/>
-            <a:ext cx="8849520" cy="1256400"/>
+            <a:ext cx="8848800" cy="1255680"/>
           </a:xfrm>
           <a:prstGeom prst="rect">
             <a:avLst/>
@@ -22134,7 +22182,7 @@
         <p:spPr>
           <a:xfrm>
             <a:off x="720000" y="2160000"/>
-            <a:ext cx="8633880" cy="4378680"/>
+            <a:ext cx="8633160" cy="4377960"/>
           </a:xfrm>
           <a:prstGeom prst="rect">
             <a:avLst/>
@@ -22782,7 +22830,7 @@
         <p:spPr>
           <a:xfrm>
             <a:off x="720000" y="300960"/>
-            <a:ext cx="8849520" cy="1256400"/>
+            <a:ext cx="8848800" cy="1255680"/>
           </a:xfrm>
           <a:prstGeom prst="rect">
             <a:avLst/>
@@ -22826,7 +22874,7 @@
         <p:spPr>
           <a:xfrm>
             <a:off x="720000" y="2160000"/>
-            <a:ext cx="8633880" cy="4378680"/>
+            <a:ext cx="8633160" cy="4377960"/>
           </a:xfrm>
           <a:prstGeom prst="rect">
             <a:avLst/>
@@ -23489,7 +23537,7 @@
         <p:spPr>
           <a:xfrm>
             <a:off x="720000" y="300960"/>
-            <a:ext cx="8849520" cy="1256400"/>
+            <a:ext cx="8848800" cy="1255680"/>
           </a:xfrm>
           <a:prstGeom prst="rect">
             <a:avLst/>
@@ -23533,7 +23581,7 @@
         <p:spPr>
           <a:xfrm>
             <a:off x="720000" y="2160000"/>
-            <a:ext cx="8633880" cy="4378680"/>
+            <a:ext cx="8633160" cy="4377960"/>
           </a:xfrm>
           <a:prstGeom prst="rect">
             <a:avLst/>
@@ -24351,7 +24399,7 @@
         <p:spPr>
           <a:xfrm>
             <a:off x="720000" y="300960"/>
-            <a:ext cx="8849520" cy="1256400"/>
+            <a:ext cx="8848800" cy="1255680"/>
           </a:xfrm>
           <a:prstGeom prst="rect">
             <a:avLst/>
@@ -24395,7 +24443,7 @@
         <p:spPr>
           <a:xfrm>
             <a:off x="720000" y="2160000"/>
-            <a:ext cx="8633880" cy="4378680"/>
+            <a:ext cx="8633160" cy="4377960"/>
           </a:xfrm>
           <a:prstGeom prst="rect">
             <a:avLst/>
@@ -24414,7 +24462,7 @@
         <p:txBody>
           <a:bodyPr lIns="0" rIns="0" tIns="0" bIns="0"/>
           <a:p>
-            <a:pPr marL="432000" indent="-317880">
+            <a:pPr marL="432000" indent="-317160">
               <a:lnSpc>
                 <a:spcPct val="100000"/>
               </a:lnSpc>
@@ -24443,7 +24491,7 @@
             </a:endParaRPr>
           </a:p>
           <a:p>
-            <a:pPr marL="432000" indent="-317880">
+            <a:pPr marL="432000" indent="-317160">
               <a:lnSpc>
                 <a:spcPct val="100000"/>
               </a:lnSpc>
@@ -24472,7 +24520,7 @@
             </a:endParaRPr>
           </a:p>
           <a:p>
-            <a:pPr marL="432000" indent="-317880">
+            <a:pPr marL="432000" indent="-317160">
               <a:lnSpc>
                 <a:spcPct val="100000"/>
               </a:lnSpc>
@@ -24501,7 +24549,7 @@
             </a:endParaRPr>
           </a:p>
           <a:p>
-            <a:pPr marL="432000" indent="-317880">
+            <a:pPr marL="432000" indent="-317160">
               <a:lnSpc>
                 <a:spcPct val="100000"/>
               </a:lnSpc>
@@ -24530,7 +24578,7 @@
             </a:endParaRPr>
           </a:p>
           <a:p>
-            <a:pPr marL="432000" indent="-317880">
+            <a:pPr marL="432000" indent="-317160">
               <a:lnSpc>
                 <a:spcPct val="100000"/>
               </a:lnSpc>

--- a/Slides/TypeClasses.pptx
+++ b/Slides/TypeClasses.pptx
@@ -2750,7 +2750,7 @@
         <p:spPr>
           <a:xfrm>
             <a:off x="0" y="4320000"/>
-            <a:ext cx="496440" cy="1072440"/>
+            <a:ext cx="496080" cy="1072080"/>
           </a:xfrm>
           <a:prstGeom prst="rect">
             <a:avLst/>
@@ -3029,7 +3029,7 @@
         <p:spPr>
           <a:xfrm>
             <a:off x="0" y="288000"/>
-            <a:ext cx="496440" cy="1072440"/>
+            <a:ext cx="496080" cy="1072080"/>
           </a:xfrm>
           <a:prstGeom prst="rect">
             <a:avLst/>
@@ -3308,7 +3308,7 @@
         <p:spPr>
           <a:xfrm>
             <a:off x="792000" y="3885480"/>
-            <a:ext cx="8560440" cy="1653840"/>
+            <a:ext cx="8560080" cy="1653480"/>
           </a:xfrm>
           <a:prstGeom prst="rect">
             <a:avLst/>
@@ -3365,7 +3365,7 @@
         <p:spPr>
           <a:xfrm>
             <a:off x="792000" y="5904000"/>
-            <a:ext cx="8560440" cy="974880"/>
+            <a:ext cx="8560080" cy="974520"/>
           </a:xfrm>
           <a:prstGeom prst="rect">
             <a:avLst/>
@@ -3473,7 +3473,7 @@
         <p:spPr>
           <a:xfrm>
             <a:off x="720000" y="300960"/>
-            <a:ext cx="8848080" cy="1254960"/>
+            <a:ext cx="8847720" cy="1254600"/>
           </a:xfrm>
           <a:prstGeom prst="rect">
             <a:avLst/>
@@ -3500,20 +3500,10 @@
                 <a:latin typeface="Noto Sans Regular"/>
                 <a:ea typeface="DejaVu Sans"/>
               </a:rPr>
-              <a:t>Pimpin‘ </a:t>
-            </a:r>
-            <a:r>
-              <a:rPr b="1" lang="de-DE" sz="4400" spc="-1" strike="noStrike">
-                <a:solidFill>
-                  <a:srgbClr val="333333"/>
-                </a:solidFill>
-                <a:latin typeface="Noto Sans Regular"/>
-                <a:ea typeface="DejaVu Sans"/>
-              </a:rPr>
-              <a:t>- Implicit views (4)</a:t>
+              <a:t>Pimpin‘ - Implicit views (4)</a:t>
             </a:r>
             <a:endParaRPr b="0" lang="de-DE" sz="4400" spc="-1" strike="noStrike">
-              <a:latin typeface="Times New Roman"/>
+              <a:latin typeface="Arial"/>
             </a:endParaRPr>
           </a:p>
         </p:txBody>
@@ -3527,7 +3517,7 @@
         <p:spPr>
           <a:xfrm>
             <a:off x="720000" y="2160000"/>
-            <a:ext cx="8632440" cy="4377240"/>
+            <a:ext cx="8632080" cy="4376880"/>
           </a:xfrm>
           <a:prstGeom prst="rect">
             <a:avLst/>
@@ -3632,10 +3622,15 @@
               <a:t>]) {</a:t>
             </a:r>
             <a:endParaRPr b="0" lang="de-DE" sz="1800" spc="-1" strike="noStrike">
-              <a:latin typeface="Times New Roman"/>
-            </a:endParaRPr>
-          </a:p>
-          <a:p>
+              <a:latin typeface="Arial"/>
+            </a:endParaRPr>
+          </a:p>
+          <a:p>
+            <a:pPr>
+              <a:lnSpc>
+                <a:spcPct val="100000"/>
+              </a:lnSpc>
+            </a:pPr>
             <a:r>
               <a:rPr b="0" lang="de-DE" sz="1800" spc="-1" strike="noStrike">
                 <a:solidFill>
@@ -3847,10 +3842,15 @@
               <a:t>] =</a:t>
             </a:r>
             <a:endParaRPr b="0" lang="de-DE" sz="1800" spc="-1" strike="noStrike">
-              <a:latin typeface="Times New Roman"/>
-            </a:endParaRPr>
-          </a:p>
-          <a:p>
+              <a:latin typeface="Arial"/>
+            </a:endParaRPr>
+          </a:p>
+          <a:p>
+            <a:pPr>
+              <a:lnSpc>
+                <a:spcPct val="100000"/>
+              </a:lnSpc>
+            </a:pPr>
             <a:r>
               <a:rPr b="0" lang="de-DE" sz="1800" spc="-1" strike="noStrike">
                 <a:solidFill>
@@ -3892,10 +3892,15 @@
               <a:t>(x, y) =&gt; f(x, y) }</a:t>
             </a:r>
             <a:endParaRPr b="0" lang="de-DE" sz="1800" spc="-1" strike="noStrike">
-              <a:latin typeface="Times New Roman"/>
-            </a:endParaRPr>
-          </a:p>
-          <a:p>
+              <a:latin typeface="Arial"/>
+            </a:endParaRPr>
+          </a:p>
+          <a:p>
+            <a:pPr>
+              <a:lnSpc>
+                <a:spcPct val="100000"/>
+              </a:lnSpc>
+            </a:pPr>
             <a:r>
               <a:rPr b="0" lang="de-DE" sz="1800" spc="-1" strike="noStrike">
                 <a:solidFill>
@@ -3907,12 +3912,17 @@
               <a:t>}</a:t>
             </a:r>
             <a:endParaRPr b="0" lang="de-DE" sz="1800" spc="-1" strike="noStrike">
-              <a:latin typeface="Times New Roman"/>
-            </a:endParaRPr>
-          </a:p>
-          <a:p>
+              <a:latin typeface="Arial"/>
+            </a:endParaRPr>
+          </a:p>
+          <a:p>
+            <a:pPr>
+              <a:lnSpc>
+                <a:spcPct val="100000"/>
+              </a:lnSpc>
+            </a:pPr>
             <a:endParaRPr b="0" lang="de-DE" sz="1800" spc="-1" strike="noStrike">
-              <a:latin typeface="Times New Roman"/>
+              <a:latin typeface="Arial"/>
             </a:endParaRPr>
           </a:p>
           <a:p>
@@ -3936,6 +3946,11 @@
             </a:endParaRPr>
           </a:p>
           <a:p>
+            <a:pPr>
+              <a:lnSpc>
+                <a:spcPct val="100000"/>
+              </a:lnSpc>
+            </a:pPr>
             <a:r>
               <a:rPr b="1" lang="de-DE" sz="1600" spc="-1" strike="noStrike">
                 <a:solidFill>
@@ -4041,6 +4056,11 @@
             </a:endParaRPr>
           </a:p>
           <a:p>
+            <a:pPr>
+              <a:lnSpc>
+                <a:spcPct val="100000"/>
+              </a:lnSpc>
+            </a:pPr>
             <a:r>
               <a:rPr b="0" lang="de-DE" sz="1600" spc="-1" strike="noStrike">
                 <a:solidFill>
@@ -4096,11 +4116,21 @@
             </a:endParaRPr>
           </a:p>
           <a:p>
+            <a:pPr>
+              <a:lnSpc>
+                <a:spcPct val="100000"/>
+              </a:lnSpc>
+            </a:pPr>
             <a:endParaRPr b="0" lang="de-DE" sz="1600" spc="-1" strike="noStrike">
-              <a:latin typeface="Times New Roman"/>
-            </a:endParaRPr>
-          </a:p>
-          <a:p>
+              <a:latin typeface="Arial"/>
+            </a:endParaRPr>
+          </a:p>
+          <a:p>
+            <a:pPr>
+              <a:lnSpc>
+                <a:spcPct val="100000"/>
+              </a:lnSpc>
+            </a:pPr>
             <a:r>
               <a:rPr b="1" lang="de-DE" sz="1800" spc="-1" strike="noStrike">
                 <a:solidFill>
@@ -4212,10 +4242,15 @@
               <a:t>)</a:t>
             </a:r>
             <a:endParaRPr b="0" lang="de-DE" sz="1800" spc="-1" strike="noStrike">
-              <a:latin typeface="Times New Roman"/>
-            </a:endParaRPr>
-          </a:p>
-          <a:p>
+              <a:latin typeface="Arial"/>
+            </a:endParaRPr>
+          </a:p>
+          <a:p>
+            <a:pPr>
+              <a:lnSpc>
+                <a:spcPct val="100000"/>
+              </a:lnSpc>
+            </a:pPr>
             <a:r>
               <a:rPr b="1" lang="de-DE" sz="1800" spc="-1" strike="noStrike">
                 <a:solidFill>
@@ -4327,15 +4362,25 @@
               <a:t>)</a:t>
             </a:r>
             <a:endParaRPr b="0" lang="de-DE" sz="1800" spc="-1" strike="noStrike">
-              <a:latin typeface="Times New Roman"/>
-            </a:endParaRPr>
-          </a:p>
-          <a:p>
+              <a:latin typeface="Arial"/>
+            </a:endParaRPr>
+          </a:p>
+          <a:p>
+            <a:pPr>
+              <a:lnSpc>
+                <a:spcPct val="100000"/>
+              </a:lnSpc>
+            </a:pPr>
             <a:endParaRPr b="0" lang="de-DE" sz="1800" spc="-1" strike="noStrike">
-              <a:latin typeface="Times New Roman"/>
-            </a:endParaRPr>
-          </a:p>
-          <a:p>
+              <a:latin typeface="Arial"/>
+            </a:endParaRPr>
+          </a:p>
+          <a:p>
+            <a:pPr>
+              <a:lnSpc>
+                <a:spcPct val="100000"/>
+              </a:lnSpc>
+            </a:pPr>
             <a:r>
               <a:rPr b="1" lang="de-DE" sz="1800" spc="-1" strike="noStrike">
                 <a:solidFill>
@@ -4407,10 +4452,15 @@
               <a:t>)(_ + _)</a:t>
             </a:r>
             <a:endParaRPr b="0" lang="de-DE" sz="1800" spc="-1" strike="noStrike">
-              <a:latin typeface="Times New Roman"/>
-            </a:endParaRPr>
-          </a:p>
-          <a:p>
+              <a:latin typeface="Arial"/>
+            </a:endParaRPr>
+          </a:p>
+          <a:p>
+            <a:pPr>
+              <a:lnSpc>
+                <a:spcPct val="100000"/>
+              </a:lnSpc>
+            </a:pPr>
             <a:r>
               <a:rPr b="0" i="1" lang="de-DE" sz="1800" spc="-1" strike="noStrike">
                 <a:solidFill>
@@ -4462,12 +4512,17 @@
               <a:t>// --&gt; List(11, 22, 33)</a:t>
             </a:r>
             <a:endParaRPr b="0" lang="de-DE" sz="1800" spc="-1" strike="noStrike">
-              <a:latin typeface="Times New Roman"/>
-            </a:endParaRPr>
-          </a:p>
-          <a:p>
+              <a:latin typeface="Arial"/>
+            </a:endParaRPr>
+          </a:p>
+          <a:p>
+            <a:pPr>
+              <a:lnSpc>
+                <a:spcPct val="100000"/>
+              </a:lnSpc>
+            </a:pPr>
             <a:endParaRPr b="0" lang="de-DE" sz="1800" spc="-1" strike="noStrike">
-              <a:latin typeface="Times New Roman"/>
+              <a:latin typeface="Arial"/>
             </a:endParaRPr>
           </a:p>
         </p:txBody>
@@ -4530,7 +4585,7 @@
         <p:spPr>
           <a:xfrm>
             <a:off x="720000" y="300960"/>
-            <a:ext cx="8848080" cy="1254960"/>
+            <a:ext cx="8847720" cy="1254600"/>
           </a:xfrm>
           <a:prstGeom prst="rect">
             <a:avLst/>
@@ -4574,7 +4629,7 @@
         <p:spPr>
           <a:xfrm>
             <a:off x="720000" y="2160000"/>
-            <a:ext cx="8632440" cy="4377240"/>
+            <a:ext cx="8632080" cy="4376880"/>
           </a:xfrm>
           <a:prstGeom prst="rect">
             <a:avLst/>
@@ -4593,7 +4648,7 @@
         <p:txBody>
           <a:bodyPr lIns="0" rIns="0" tIns="0" bIns="0"/>
           <a:p>
-            <a:pPr marL="432000" indent="-316440">
+            <a:pPr marL="432000" indent="-316080">
               <a:lnSpc>
                 <a:spcPct val="100000"/>
               </a:lnSpc>
@@ -4622,7 +4677,7 @@
             </a:endParaRPr>
           </a:p>
           <a:p>
-            <a:pPr marL="432000" indent="-316440">
+            <a:pPr marL="432000" indent="-316080">
               <a:lnSpc>
                 <a:spcPct val="100000"/>
               </a:lnSpc>
@@ -4651,7 +4706,7 @@
             </a:endParaRPr>
           </a:p>
           <a:p>
-            <a:pPr marL="432000" indent="-316440">
+            <a:pPr marL="432000" indent="-316080">
               <a:lnSpc>
                 <a:spcPct val="100000"/>
               </a:lnSpc>
@@ -4680,7 +4735,7 @@
             </a:endParaRPr>
           </a:p>
           <a:p>
-            <a:pPr marL="432000" indent="-316440">
+            <a:pPr marL="432000" indent="-316080">
               <a:lnSpc>
                 <a:spcPct val="100000"/>
               </a:lnSpc>
@@ -4709,7 +4764,7 @@
             </a:endParaRPr>
           </a:p>
           <a:p>
-            <a:pPr marL="432000" indent="-316440">
+            <a:pPr marL="432000" indent="-316080">
               <a:lnSpc>
                 <a:spcPct val="100000"/>
               </a:lnSpc>
@@ -4797,7 +4852,7 @@
         <p:spPr>
           <a:xfrm>
             <a:off x="720000" y="300960"/>
-            <a:ext cx="8848080" cy="1254960"/>
+            <a:ext cx="8847720" cy="1254600"/>
           </a:xfrm>
           <a:prstGeom prst="rect">
             <a:avLst/>
@@ -4841,7 +4896,7 @@
         <p:spPr>
           <a:xfrm>
             <a:off x="720000" y="1944000"/>
-            <a:ext cx="8632440" cy="4377240"/>
+            <a:ext cx="8632080" cy="4376880"/>
           </a:xfrm>
           <a:prstGeom prst="rect">
             <a:avLst/>
@@ -4860,7 +4915,7 @@
         <p:txBody>
           <a:bodyPr lIns="0" rIns="0" tIns="0" bIns="0"/>
           <a:p>
-            <a:pPr marL="432000" indent="-316440">
+            <a:pPr marL="432000" indent="-316080">
               <a:lnSpc>
                 <a:spcPct val="100000"/>
               </a:lnSpc>
@@ -4889,7 +4944,7 @@
             </a:endParaRPr>
           </a:p>
           <a:p>
-            <a:pPr marL="432000" indent="-316440">
+            <a:pPr marL="432000" indent="-316080">
               <a:lnSpc>
                 <a:spcPct val="100000"/>
               </a:lnSpc>
@@ -4918,7 +4973,7 @@
             </a:endParaRPr>
           </a:p>
           <a:p>
-            <a:pPr marL="432000" indent="-316440">
+            <a:pPr marL="432000" indent="-316080">
               <a:lnSpc>
                 <a:spcPct val="100000"/>
               </a:lnSpc>
@@ -4947,7 +5002,7 @@
             </a:endParaRPr>
           </a:p>
           <a:p>
-            <a:pPr marL="432000" indent="-316440">
+            <a:pPr marL="432000" indent="-316080">
               <a:lnSpc>
                 <a:spcPct val="100000"/>
               </a:lnSpc>
@@ -4976,7 +5031,7 @@
             </a:endParaRPr>
           </a:p>
           <a:p>
-            <a:pPr marL="432000" indent="-316440">
+            <a:pPr marL="432000" indent="-316080">
               <a:lnSpc>
                 <a:spcPct val="100000"/>
               </a:lnSpc>
@@ -5104,7 +5159,7 @@
         <p:spPr>
           <a:xfrm>
             <a:off x="720000" y="300960"/>
-            <a:ext cx="8848080" cy="1254960"/>
+            <a:ext cx="8847720" cy="1254600"/>
           </a:xfrm>
           <a:prstGeom prst="rect">
             <a:avLst/>
@@ -5148,7 +5203,7 @@
         <p:spPr>
           <a:xfrm>
             <a:off x="720000" y="2160000"/>
-            <a:ext cx="8632440" cy="4377240"/>
+            <a:ext cx="8632080" cy="4376880"/>
           </a:xfrm>
           <a:prstGeom prst="rect">
             <a:avLst/>
@@ -5568,7 +5623,7 @@
         <p:spPr>
           <a:xfrm>
             <a:off x="720000" y="300960"/>
-            <a:ext cx="8848080" cy="1254960"/>
+            <a:ext cx="8847720" cy="1254600"/>
           </a:xfrm>
           <a:prstGeom prst="rect">
             <a:avLst/>
@@ -5612,7 +5667,7 @@
         <p:spPr>
           <a:xfrm>
             <a:off x="720000" y="2160000"/>
-            <a:ext cx="8632440" cy="4377240"/>
+            <a:ext cx="8632080" cy="4376880"/>
           </a:xfrm>
           <a:prstGeom prst="rect">
             <a:avLst/>
@@ -5631,7 +5686,7 @@
         <p:txBody>
           <a:bodyPr lIns="0" rIns="0" tIns="0" bIns="0"/>
           <a:p>
-            <a:pPr marL="432000" indent="-316440">
+            <a:pPr marL="432000" indent="-316080">
               <a:lnSpc>
                 <a:spcPct val="100000"/>
               </a:lnSpc>
@@ -5660,7 +5715,7 @@
             </a:endParaRPr>
           </a:p>
           <a:p>
-            <a:pPr marL="432000" indent="-316440">
+            <a:pPr marL="432000" indent="-316080">
               <a:lnSpc>
                 <a:spcPct val="100000"/>
               </a:lnSpc>
@@ -5689,7 +5744,7 @@
             </a:endParaRPr>
           </a:p>
           <a:p>
-            <a:pPr marL="432000" indent="-316440">
+            <a:pPr marL="432000" indent="-316080">
               <a:lnSpc>
                 <a:spcPct val="100000"/>
               </a:lnSpc>
@@ -5729,7 +5784,7 @@
             </a:endParaRPr>
           </a:p>
           <a:p>
-            <a:pPr marL="432000" indent="-316440">
+            <a:pPr marL="432000" indent="-316080">
               <a:lnSpc>
                 <a:spcPct val="100000"/>
               </a:lnSpc>
@@ -5758,7 +5813,7 @@
             </a:endParaRPr>
           </a:p>
           <a:p>
-            <a:pPr marL="432000" indent="-316440">
+            <a:pPr marL="432000" indent="-316080">
               <a:lnSpc>
                 <a:spcPct val="100000"/>
               </a:lnSpc>
@@ -5787,7 +5842,7 @@
             </a:endParaRPr>
           </a:p>
           <a:p>
-            <a:pPr marL="432000" indent="-316440">
+            <a:pPr marL="432000" indent="-316080">
               <a:lnSpc>
                 <a:spcPct val="100000"/>
               </a:lnSpc>
@@ -5816,7 +5871,7 @@
             </a:endParaRPr>
           </a:p>
           <a:p>
-            <a:pPr marL="432000" indent="-316440">
+            <a:pPr marL="432000" indent="-316080">
               <a:lnSpc>
                 <a:spcPct val="100000"/>
               </a:lnSpc>
@@ -5904,7 +5959,7 @@
         <p:spPr>
           <a:xfrm>
             <a:off x="720000" y="300960"/>
-            <a:ext cx="8848080" cy="1254960"/>
+            <a:ext cx="8847720" cy="1254600"/>
           </a:xfrm>
           <a:prstGeom prst="rect">
             <a:avLst/>
@@ -5948,7 +6003,7 @@
         <p:spPr>
           <a:xfrm>
             <a:off x="720000" y="2160000"/>
-            <a:ext cx="8632440" cy="4377240"/>
+            <a:ext cx="8632080" cy="4376880"/>
           </a:xfrm>
           <a:prstGeom prst="rect">
             <a:avLst/>
@@ -5967,7 +6022,7 @@
         <p:txBody>
           <a:bodyPr lIns="0" rIns="0" tIns="0" bIns="0"/>
           <a:p>
-            <a:pPr marL="432000" indent="-316440">
+            <a:pPr marL="432000" indent="-316080">
               <a:lnSpc>
                 <a:spcPct val="100000"/>
               </a:lnSpc>
@@ -6017,7 +6072,7 @@
             </a:endParaRPr>
           </a:p>
           <a:p>
-            <a:pPr marL="432000" indent="-316440">
+            <a:pPr marL="432000" indent="-316080">
               <a:lnSpc>
                 <a:spcPct val="100000"/>
               </a:lnSpc>
@@ -6148,7 +6203,7 @@
             </a:endParaRPr>
           </a:p>
           <a:p>
-            <a:pPr marL="432000" indent="-316440">
+            <a:pPr marL="432000" indent="-316080">
               <a:lnSpc>
                 <a:spcPct val="100000"/>
               </a:lnSpc>
@@ -6257,7 +6312,7 @@
         <p:spPr>
           <a:xfrm>
             <a:off x="720000" y="300960"/>
-            <a:ext cx="8848080" cy="1254960"/>
+            <a:ext cx="8847720" cy="1254600"/>
           </a:xfrm>
           <a:prstGeom prst="rect">
             <a:avLst/>
@@ -6301,7 +6356,7 @@
         <p:spPr>
           <a:xfrm>
             <a:off x="720000" y="2160000"/>
-            <a:ext cx="8632440" cy="4377240"/>
+            <a:ext cx="8632080" cy="4376880"/>
           </a:xfrm>
           <a:prstGeom prst="rect">
             <a:avLst/>
@@ -6584,7 +6639,7 @@
         <p:spPr>
           <a:xfrm>
             <a:off x="720000" y="300960"/>
-            <a:ext cx="8848080" cy="1254960"/>
+            <a:ext cx="8847720" cy="1254600"/>
           </a:xfrm>
           <a:prstGeom prst="rect">
             <a:avLst/>
@@ -6628,7 +6683,7 @@
         <p:spPr>
           <a:xfrm>
             <a:off x="720000" y="1764000"/>
-            <a:ext cx="8632440" cy="4377240"/>
+            <a:ext cx="8632080" cy="4376880"/>
           </a:xfrm>
           <a:prstGeom prst="rect">
             <a:avLst/>
@@ -7282,7 +7337,7 @@
         <p:spPr>
           <a:xfrm>
             <a:off x="720000" y="300960"/>
-            <a:ext cx="8848080" cy="1254960"/>
+            <a:ext cx="8847720" cy="1254600"/>
           </a:xfrm>
           <a:prstGeom prst="rect">
             <a:avLst/>
@@ -7326,7 +7381,7 @@
         <p:spPr>
           <a:xfrm>
             <a:off x="720000" y="2160000"/>
-            <a:ext cx="8632440" cy="4377240"/>
+            <a:ext cx="8632080" cy="4376880"/>
           </a:xfrm>
           <a:prstGeom prst="rect">
             <a:avLst/>
@@ -7839,7 +7894,7 @@
         <p:spPr>
           <a:xfrm>
             <a:off x="720000" y="300960"/>
-            <a:ext cx="8848080" cy="1254960"/>
+            <a:ext cx="8847720" cy="1254600"/>
           </a:xfrm>
           <a:prstGeom prst="rect">
             <a:avLst/>
@@ -7883,7 +7938,7 @@
         <p:spPr>
           <a:xfrm>
             <a:off x="720000" y="1800000"/>
-            <a:ext cx="8632440" cy="5321160"/>
+            <a:ext cx="8632080" cy="5320800"/>
           </a:xfrm>
           <a:prstGeom prst="rect">
             <a:avLst/>
@@ -8551,7 +8606,7 @@
         <p:spPr>
           <a:xfrm>
             <a:off x="720000" y="300960"/>
-            <a:ext cx="8848080" cy="1254960"/>
+            <a:ext cx="8847720" cy="1254600"/>
           </a:xfrm>
           <a:prstGeom prst="rect">
             <a:avLst/>
@@ -8595,7 +8650,7 @@
         <p:spPr>
           <a:xfrm>
             <a:off x="720000" y="1656000"/>
-            <a:ext cx="8632440" cy="5397840"/>
+            <a:ext cx="8632080" cy="5397480"/>
           </a:xfrm>
           <a:prstGeom prst="rect">
             <a:avLst/>
@@ -8614,7 +8669,7 @@
         <p:txBody>
           <a:bodyPr lIns="0" rIns="0" tIns="0" bIns="0"/>
           <a:p>
-            <a:pPr marL="432000" indent="-316440">
+            <a:pPr marL="432000" indent="-316080">
               <a:lnSpc>
                 <a:spcPct val="100000"/>
               </a:lnSpc>
@@ -8643,7 +8698,7 @@
             </a:endParaRPr>
           </a:p>
           <a:p>
-            <a:pPr marL="432000" indent="-316440">
+            <a:pPr marL="432000" indent="-316080">
               <a:lnSpc>
                 <a:spcPct val="100000"/>
               </a:lnSpc>
@@ -8672,7 +8727,7 @@
             </a:endParaRPr>
           </a:p>
           <a:p>
-            <a:pPr marL="432000" indent="-316440">
+            <a:pPr marL="432000" indent="-316080">
               <a:lnSpc>
                 <a:spcPct val="100000"/>
               </a:lnSpc>
@@ -8701,7 +8756,7 @@
             </a:endParaRPr>
           </a:p>
           <a:p>
-            <a:pPr marL="432000" indent="-316440">
+            <a:pPr marL="432000" indent="-316080">
               <a:lnSpc>
                 <a:spcPct val="100000"/>
               </a:lnSpc>
@@ -8730,7 +8785,7 @@
             </a:endParaRPr>
           </a:p>
           <a:p>
-            <a:pPr marL="432000" indent="-316440">
+            <a:pPr marL="432000" indent="-316080">
               <a:lnSpc>
                 <a:spcPct val="100000"/>
               </a:lnSpc>
@@ -8769,7 +8824,7 @@
             </a:endParaRPr>
           </a:p>
           <a:p>
-            <a:pPr marL="432000" indent="-316440">
+            <a:pPr marL="432000" indent="-316080">
               <a:lnSpc>
                 <a:spcPct val="100000"/>
               </a:lnSpc>
@@ -8798,7 +8853,7 @@
             </a:endParaRPr>
           </a:p>
           <a:p>
-            <a:pPr marL="432000" indent="-316440">
+            <a:pPr marL="432000" indent="-316080">
               <a:lnSpc>
                 <a:spcPct val="100000"/>
               </a:lnSpc>
@@ -8827,7 +8882,7 @@
             </a:endParaRPr>
           </a:p>
           <a:p>
-            <a:pPr marL="432000" indent="-316440">
+            <a:pPr marL="432000" indent="-316080">
               <a:lnSpc>
                 <a:spcPct val="100000"/>
               </a:lnSpc>
@@ -8856,7 +8911,7 @@
             </a:endParaRPr>
           </a:p>
           <a:p>
-            <a:pPr marL="432000" indent="-316440">
+            <a:pPr marL="432000" indent="-316080">
               <a:lnSpc>
                 <a:spcPct val="100000"/>
               </a:lnSpc>
@@ -8885,7 +8940,7 @@
             </a:endParaRPr>
           </a:p>
           <a:p>
-            <a:pPr marL="432000" indent="-316440">
+            <a:pPr marL="432000" indent="-316080">
               <a:lnSpc>
                 <a:spcPct val="100000"/>
               </a:lnSpc>
@@ -8973,7 +9028,7 @@
         <p:spPr>
           <a:xfrm>
             <a:off x="720000" y="300960"/>
-            <a:ext cx="8848080" cy="1254960"/>
+            <a:ext cx="8847720" cy="1254600"/>
           </a:xfrm>
           <a:prstGeom prst="rect">
             <a:avLst/>
@@ -9017,7 +9072,7 @@
         <p:spPr>
           <a:xfrm>
             <a:off x="720000" y="1800000"/>
-            <a:ext cx="8632440" cy="5321160"/>
+            <a:ext cx="8632080" cy="5320800"/>
           </a:xfrm>
           <a:prstGeom prst="rect">
             <a:avLst/>
@@ -9567,7 +9622,7 @@
         <p:spPr>
           <a:xfrm>
             <a:off x="720000" y="300960"/>
-            <a:ext cx="8848080" cy="1254960"/>
+            <a:ext cx="8847720" cy="1254600"/>
           </a:xfrm>
           <a:prstGeom prst="rect">
             <a:avLst/>
@@ -9611,7 +9666,7 @@
         <p:spPr>
           <a:xfrm>
             <a:off x="720000" y="2160000"/>
-            <a:ext cx="8632440" cy="4377240"/>
+            <a:ext cx="8632080" cy="4376880"/>
           </a:xfrm>
           <a:prstGeom prst="rect">
             <a:avLst/>
@@ -10079,7 +10134,7 @@
         <p:spPr>
           <a:xfrm>
             <a:off x="720000" y="300960"/>
-            <a:ext cx="8848080" cy="1254960"/>
+            <a:ext cx="8847720" cy="1254600"/>
           </a:xfrm>
           <a:prstGeom prst="rect">
             <a:avLst/>
@@ -10123,7 +10178,7 @@
         <p:spPr>
           <a:xfrm>
             <a:off x="720000" y="1944000"/>
-            <a:ext cx="8632440" cy="4377240"/>
+            <a:ext cx="8632080" cy="4376880"/>
           </a:xfrm>
           <a:prstGeom prst="rect">
             <a:avLst/>
@@ -10142,7 +10197,7 @@
         <p:txBody>
           <a:bodyPr lIns="0" rIns="0" tIns="0" bIns="0"/>
           <a:p>
-            <a:pPr marL="432000" indent="-316440">
+            <a:pPr marL="432000" indent="-316080">
               <a:lnSpc>
                 <a:spcPct val="100000"/>
               </a:lnSpc>
@@ -10211,7 +10266,7 @@
             </a:endParaRPr>
           </a:p>
           <a:p>
-            <a:pPr marL="432000" indent="-316440">
+            <a:pPr marL="432000" indent="-316080">
               <a:lnSpc>
                 <a:spcPct val="100000"/>
               </a:lnSpc>
@@ -10240,7 +10295,7 @@
             </a:endParaRPr>
           </a:p>
           <a:p>
-            <a:pPr marL="432000" indent="-316440">
+            <a:pPr marL="432000" indent="-316080">
               <a:lnSpc>
                 <a:spcPct val="100000"/>
               </a:lnSpc>
@@ -10269,7 +10324,7 @@
             </a:endParaRPr>
           </a:p>
           <a:p>
-            <a:pPr marL="432000" indent="-316440">
+            <a:pPr marL="432000" indent="-316080">
               <a:lnSpc>
                 <a:spcPct val="100000"/>
               </a:lnSpc>
@@ -10357,7 +10412,7 @@
         <p:spPr>
           <a:xfrm>
             <a:off x="720000" y="300960"/>
-            <a:ext cx="8848080" cy="1254960"/>
+            <a:ext cx="8847720" cy="1254600"/>
           </a:xfrm>
           <a:prstGeom prst="rect">
             <a:avLst/>
@@ -10401,7 +10456,7 @@
         <p:spPr>
           <a:xfrm>
             <a:off x="720000" y="1692000"/>
-            <a:ext cx="8632440" cy="5217480"/>
+            <a:ext cx="8632080" cy="5217120"/>
           </a:xfrm>
           <a:prstGeom prst="rect">
             <a:avLst/>
@@ -10420,7 +10475,7 @@
         <p:txBody>
           <a:bodyPr lIns="0" rIns="0" tIns="0" bIns="0"/>
           <a:p>
-            <a:pPr marL="432000" indent="-316440">
+            <a:pPr marL="432000" indent="-316080">
               <a:lnSpc>
                 <a:spcPct val="100000"/>
               </a:lnSpc>
@@ -10504,6 +10559,16 @@
                 <a:spcPct val="100000"/>
               </a:lnSpc>
             </a:pPr>
+            <a:endParaRPr b="0" lang="de-DE" sz="2400" spc="-1" strike="noStrike">
+              <a:latin typeface="Arial"/>
+            </a:endParaRPr>
+          </a:p>
+          <a:p>
+            <a:pPr>
+              <a:lnSpc>
+                <a:spcPct val="100000"/>
+              </a:lnSpc>
+            </a:pPr>
             <a:r>
               <a:rPr b="0" lang="de-DE" sz="1600" spc="-1" strike="noStrike">
                 <a:solidFill>
@@ -10934,6 +10999,16 @@
                 <a:spcPct val="100000"/>
               </a:lnSpc>
             </a:pPr>
+            <a:r>
+              <a:rPr b="0" lang="de-DE" sz="1600" spc="-1" strike="noStrike">
+                <a:solidFill>
+                  <a:srgbClr val="333333"/>
+                </a:solidFill>
+                <a:latin typeface="Menlo"/>
+                <a:ea typeface="DejaVu Sans"/>
+              </a:rPr>
+              <a:t>- - - - - </a:t>
+            </a:r>
             <a:endParaRPr b="0" lang="de-DE" sz="1600" spc="-1" strike="noStrike">
               <a:latin typeface="Arial"/>
             </a:endParaRPr>
@@ -10945,26 +11020,6 @@
               </a:lnSpc>
             </a:pPr>
             <a:r>
-              <a:rPr b="0" lang="de-DE" sz="1600" spc="-1" strike="noStrike">
-                <a:solidFill>
-                  <a:srgbClr val="333333"/>
-                </a:solidFill>
-                <a:latin typeface="Menlo"/>
-                <a:ea typeface="DejaVu Sans"/>
-              </a:rPr>
-              <a:t>- - - - </a:t>
-            </a:r>
-            <a:endParaRPr b="0" lang="de-DE" sz="1600" spc="-1" strike="noStrike">
-              <a:latin typeface="Arial"/>
-            </a:endParaRPr>
-          </a:p>
-          <a:p>
-            <a:pPr>
-              <a:lnSpc>
-                <a:spcPct val="100000"/>
-              </a:lnSpc>
-            </a:pPr>
-            <a:r>
               <a:rPr b="1" lang="de-DE" sz="1600" spc="-1" strike="noStrike">
                 <a:solidFill>
                   <a:srgbClr val="00006d"/>
@@ -10982,7 +11037,7 @@
                 <a:latin typeface="Menlo"/>
                 <a:ea typeface="Menlo"/>
               </a:rPr>
-              <a:t>user.code</a:t>
+              <a:t>userpkg</a:t>
             </a:r>
             <a:endParaRPr b="0" lang="de-DE" sz="1600" spc="-1" strike="noStrike">
               <a:latin typeface="Arial"/>
@@ -11168,7 +11223,7 @@
         <p:spPr>
           <a:xfrm>
             <a:off x="720000" y="300960"/>
-            <a:ext cx="8848080" cy="1254960"/>
+            <a:ext cx="8847720" cy="1254600"/>
           </a:xfrm>
           <a:prstGeom prst="rect">
             <a:avLst/>
@@ -11212,7 +11267,7 @@
         <p:spPr>
           <a:xfrm>
             <a:off x="720000" y="1980000"/>
-            <a:ext cx="8632440" cy="4786200"/>
+            <a:ext cx="8632080" cy="4785840"/>
           </a:xfrm>
           <a:prstGeom prst="rect">
             <a:avLst/>
@@ -11231,7 +11286,7 @@
         <p:txBody>
           <a:bodyPr lIns="0" rIns="0" tIns="0" bIns="0"/>
           <a:p>
-            <a:pPr marL="432000" indent="-316440">
+            <a:pPr marL="432000" indent="-316080">
               <a:lnSpc>
                 <a:spcPct val="100000"/>
               </a:lnSpc>
@@ -11260,7 +11315,7 @@
             </a:endParaRPr>
           </a:p>
           <a:p>
-            <a:pPr marL="720000">
+            <a:pPr>
               <a:lnSpc>
                 <a:spcPct val="100000"/>
               </a:lnSpc>
@@ -11276,7 +11331,7 @@
                 <a:latin typeface="Noto Sans Regular"/>
                 <a:ea typeface="DejaVu Sans"/>
               </a:rPr>
-              <a:t>  </a:t>
+              <a:t> </a:t>
             </a:r>
             <a:endParaRPr b="0" lang="de-DE" sz="1800" spc="-1" strike="noStrike">
               <a:latin typeface="Arial"/>
@@ -11772,7 +11827,7 @@
         <p:spPr>
           <a:xfrm>
             <a:off x="720000" y="300960"/>
-            <a:ext cx="8848080" cy="1254960"/>
+            <a:ext cx="8847720" cy="1254600"/>
           </a:xfrm>
           <a:prstGeom prst="rect">
             <a:avLst/>
@@ -11816,7 +11871,7 @@
         <p:spPr>
           <a:xfrm>
             <a:off x="720000" y="2160000"/>
-            <a:ext cx="8632440" cy="4377240"/>
+            <a:ext cx="8632080" cy="4376880"/>
           </a:xfrm>
           <a:prstGeom prst="rect">
             <a:avLst/>
@@ -11835,7 +11890,7 @@
         <p:txBody>
           <a:bodyPr lIns="0" rIns="0" tIns="0" bIns="0"/>
           <a:p>
-            <a:pPr marL="432000" indent="-316440">
+            <a:pPr marL="432000" indent="-316080">
               <a:lnSpc>
                 <a:spcPct val="100000"/>
               </a:lnSpc>
@@ -11924,7 +11979,7 @@
             </a:endParaRPr>
           </a:p>
           <a:p>
-            <a:pPr marL="432000" indent="-316440">
+            <a:pPr marL="432000" indent="-316080">
               <a:lnSpc>
                 <a:spcPct val="100000"/>
               </a:lnSpc>
@@ -12112,7 +12167,7 @@
         <p:spPr>
           <a:xfrm>
             <a:off x="720000" y="300960"/>
-            <a:ext cx="8848080" cy="1254960"/>
+            <a:ext cx="8847720" cy="1254600"/>
           </a:xfrm>
           <a:prstGeom prst="rect">
             <a:avLst/>
@@ -12156,7 +12211,7 @@
         <p:spPr>
           <a:xfrm>
             <a:off x="720000" y="1584000"/>
-            <a:ext cx="8632440" cy="5326200"/>
+            <a:ext cx="8632080" cy="5325840"/>
           </a:xfrm>
           <a:prstGeom prst="rect">
             <a:avLst/>
@@ -12175,7 +12230,7 @@
         <p:txBody>
           <a:bodyPr lIns="0" rIns="0" tIns="0" bIns="0"/>
           <a:p>
-            <a:pPr marL="432000" indent="-316440">
+            <a:pPr marL="432000" indent="-316080">
               <a:lnSpc>
                 <a:spcPct val="100000"/>
               </a:lnSpc>
@@ -12224,7 +12279,7 @@
             </a:endParaRPr>
           </a:p>
           <a:p>
-            <a:pPr marL="432000" indent="-316440">
+            <a:pPr marL="432000" indent="-316080">
               <a:lnSpc>
                 <a:spcPct val="100000"/>
               </a:lnSpc>
@@ -12284,7 +12339,7 @@
             </a:endParaRPr>
           </a:p>
           <a:p>
-            <a:pPr marL="432000" indent="-316440">
+            <a:pPr marL="432000" indent="-316080">
               <a:lnSpc>
                 <a:spcPct val="100000"/>
               </a:lnSpc>
@@ -12333,7 +12388,7 @@
             </a:endParaRPr>
           </a:p>
           <a:p>
-            <a:pPr marL="432000" indent="-316440">
+            <a:pPr marL="432000" indent="-316080">
               <a:lnSpc>
                 <a:spcPct val="100000"/>
               </a:lnSpc>
@@ -12382,7 +12437,7 @@
             </a:endParaRPr>
           </a:p>
           <a:p>
-            <a:pPr marL="432000" indent="-316440">
+            <a:pPr marL="432000" indent="-316080">
               <a:lnSpc>
                 <a:spcPct val="100000"/>
               </a:lnSpc>
@@ -12411,7 +12466,7 @@
             </a:endParaRPr>
           </a:p>
           <a:p>
-            <a:pPr marL="432000" indent="-316440">
+            <a:pPr marL="432000" indent="-316080">
               <a:lnSpc>
                 <a:spcPct val="100000"/>
               </a:lnSpc>
@@ -12500,7 +12555,7 @@
         <p:spPr>
           <a:xfrm>
             <a:off x="720000" y="300960"/>
-            <a:ext cx="8848080" cy="1254960"/>
+            <a:ext cx="8847720" cy="1254600"/>
           </a:xfrm>
           <a:prstGeom prst="rect">
             <a:avLst/>
@@ -12544,7 +12599,7 @@
         <p:spPr>
           <a:xfrm>
             <a:off x="720000" y="1404000"/>
-            <a:ext cx="8632440" cy="5649120"/>
+            <a:ext cx="8632080" cy="5648760"/>
           </a:xfrm>
           <a:prstGeom prst="rect">
             <a:avLst/>
@@ -13782,7 +13837,7 @@
         <p:spPr>
           <a:xfrm>
             <a:off x="720000" y="300960"/>
-            <a:ext cx="8848080" cy="1254960"/>
+            <a:ext cx="8847720" cy="1254600"/>
           </a:xfrm>
           <a:prstGeom prst="rect">
             <a:avLst/>
@@ -13826,7 +13881,7 @@
         <p:spPr>
           <a:xfrm>
             <a:off x="720000" y="1872000"/>
-            <a:ext cx="8632440" cy="4569120"/>
+            <a:ext cx="8632080" cy="4568760"/>
           </a:xfrm>
           <a:prstGeom prst="rect">
             <a:avLst/>
@@ -14604,7 +14659,7 @@
         <p:spPr>
           <a:xfrm>
             <a:off x="720000" y="300960"/>
-            <a:ext cx="8848080" cy="1254960"/>
+            <a:ext cx="8847720" cy="1254600"/>
           </a:xfrm>
           <a:prstGeom prst="rect">
             <a:avLst/>
@@ -14648,7 +14703,7 @@
         <p:spPr>
           <a:xfrm>
             <a:off x="720000" y="1944000"/>
-            <a:ext cx="8632440" cy="4713120"/>
+            <a:ext cx="8632080" cy="4712760"/>
           </a:xfrm>
           <a:prstGeom prst="rect">
             <a:avLst/>
@@ -15516,7 +15571,7 @@
         <p:spPr>
           <a:xfrm>
             <a:off x="720000" y="300960"/>
-            <a:ext cx="8848080" cy="1254960"/>
+            <a:ext cx="8847720" cy="1254600"/>
           </a:xfrm>
           <a:prstGeom prst="rect">
             <a:avLst/>
@@ -15560,7 +15615,7 @@
         <p:spPr>
           <a:xfrm>
             <a:off x="720000" y="2052000"/>
-            <a:ext cx="8632440" cy="4377240"/>
+            <a:ext cx="8632080" cy="4376880"/>
           </a:xfrm>
           <a:prstGeom prst="rect">
             <a:avLst/>
@@ -15579,7 +15634,7 @@
         <p:txBody>
           <a:bodyPr lIns="0" rIns="0" tIns="0" bIns="0"/>
           <a:p>
-            <a:pPr marL="432000" indent="-316440">
+            <a:pPr marL="432000" indent="-316080">
               <a:lnSpc>
                 <a:spcPct val="100000"/>
               </a:lnSpc>
@@ -15641,7 +15696,7 @@
             </a:endParaRPr>
           </a:p>
           <a:p>
-            <a:pPr marL="432000" indent="-316440">
+            <a:pPr marL="432000" indent="-316080">
               <a:lnSpc>
                 <a:spcPct val="100000"/>
               </a:lnSpc>
@@ -15681,7 +15736,7 @@
             </a:endParaRPr>
           </a:p>
           <a:p>
-            <a:pPr marL="432000" indent="-316440">
+            <a:pPr marL="432000" indent="-316080">
               <a:lnSpc>
                 <a:spcPct val="100000"/>
               </a:lnSpc>
@@ -15721,7 +15776,7 @@
             </a:endParaRPr>
           </a:p>
           <a:p>
-            <a:pPr marL="432000" indent="-316440">
+            <a:pPr marL="432000" indent="-316080">
               <a:lnSpc>
                 <a:spcPct val="100000"/>
               </a:lnSpc>
@@ -15820,7 +15875,7 @@
         <p:spPr>
           <a:xfrm>
             <a:off x="720000" y="300960"/>
-            <a:ext cx="8848080" cy="1254960"/>
+            <a:ext cx="8847720" cy="1254600"/>
           </a:xfrm>
           <a:prstGeom prst="rect">
             <a:avLst/>
@@ -15864,7 +15919,7 @@
         <p:spPr>
           <a:xfrm>
             <a:off x="720000" y="2052000"/>
-            <a:ext cx="8632440" cy="4425120"/>
+            <a:ext cx="8632080" cy="4424760"/>
           </a:xfrm>
           <a:prstGeom prst="rect">
             <a:avLst/>
@@ -16332,7 +16387,7 @@
         <p:spPr>
           <a:xfrm>
             <a:off x="720000" y="300960"/>
-            <a:ext cx="8848080" cy="1254960"/>
+            <a:ext cx="8847720" cy="1254600"/>
           </a:xfrm>
           <a:prstGeom prst="rect">
             <a:avLst/>
@@ -16376,7 +16431,7 @@
         <p:spPr>
           <a:xfrm>
             <a:off x="720000" y="1692000"/>
-            <a:ext cx="8632440" cy="4377240"/>
+            <a:ext cx="8632080" cy="4376880"/>
           </a:xfrm>
           <a:prstGeom prst="rect">
             <a:avLst/>
@@ -16395,7 +16450,7 @@
         <p:txBody>
           <a:bodyPr lIns="0" rIns="0" tIns="0" bIns="0"/>
           <a:p>
-            <a:pPr marL="432000" indent="-316440">
+            <a:pPr marL="432000" indent="-316080">
               <a:lnSpc>
                 <a:spcPct val="100000"/>
               </a:lnSpc>
@@ -16444,7 +16499,7 @@
             </a:endParaRPr>
           </a:p>
           <a:p>
-            <a:pPr marL="432000" indent="-316440">
+            <a:pPr marL="432000" indent="-316080">
               <a:lnSpc>
                 <a:spcPct val="100000"/>
               </a:lnSpc>
@@ -16484,7 +16539,7 @@
             </a:endParaRPr>
           </a:p>
           <a:p>
-            <a:pPr marL="432000" indent="-316440">
+            <a:pPr marL="432000" indent="-316080">
               <a:lnSpc>
                 <a:spcPct val="100000"/>
               </a:lnSpc>
@@ -16513,7 +16568,7 @@
             </a:endParaRPr>
           </a:p>
           <a:p>
-            <a:pPr marL="432000" indent="-316440">
+            <a:pPr marL="432000" indent="-316080">
               <a:lnSpc>
                 <a:spcPct val="100000"/>
               </a:lnSpc>
@@ -16542,7 +16597,7 @@
             </a:endParaRPr>
           </a:p>
           <a:p>
-            <a:pPr marL="432000" indent="-316440">
+            <a:pPr marL="432000" indent="-316080">
               <a:lnSpc>
                 <a:spcPct val="100000"/>
               </a:lnSpc>
@@ -16640,7 +16695,7 @@
         <p:spPr>
           <a:xfrm>
             <a:off x="720000" y="300960"/>
-            <a:ext cx="8848080" cy="1254960"/>
+            <a:ext cx="8847720" cy="1254600"/>
           </a:xfrm>
           <a:prstGeom prst="rect">
             <a:avLst/>
@@ -16684,7 +16739,7 @@
         <p:spPr>
           <a:xfrm>
             <a:off x="720000" y="1404000"/>
-            <a:ext cx="8632440" cy="5649120"/>
+            <a:ext cx="8632080" cy="5648760"/>
           </a:xfrm>
           <a:prstGeom prst="rect">
             <a:avLst/>
@@ -18188,7 +18243,7 @@
         <p:spPr>
           <a:xfrm>
             <a:off x="720000" y="300960"/>
-            <a:ext cx="8848080" cy="1254960"/>
+            <a:ext cx="8847720" cy="1254600"/>
           </a:xfrm>
           <a:prstGeom prst="rect">
             <a:avLst/>
@@ -18232,7 +18287,7 @@
         <p:spPr>
           <a:xfrm>
             <a:off x="720000" y="1836000"/>
-            <a:ext cx="8632440" cy="4715640"/>
+            <a:ext cx="8632080" cy="4715280"/>
           </a:xfrm>
           <a:prstGeom prst="rect">
             <a:avLst/>
@@ -18251,7 +18306,7 @@
         <p:txBody>
           <a:bodyPr lIns="0" rIns="0" tIns="0" bIns="0"/>
           <a:p>
-            <a:pPr marL="432000" indent="-316440">
+            <a:pPr marL="432000" indent="-316080">
               <a:lnSpc>
                 <a:spcPct val="100000"/>
               </a:lnSpc>
@@ -18320,7 +18375,7 @@
             </a:endParaRPr>
           </a:p>
           <a:p>
-            <a:pPr marL="432000" indent="-316440">
+            <a:pPr marL="432000" indent="-316080">
               <a:lnSpc>
                 <a:spcPct val="100000"/>
               </a:lnSpc>
@@ -18349,7 +18404,7 @@
             </a:endParaRPr>
           </a:p>
           <a:p>
-            <a:pPr marL="432000" indent="-316440">
+            <a:pPr marL="432000" indent="-316080">
               <a:lnSpc>
                 <a:spcPct val="100000"/>
               </a:lnSpc>
@@ -18378,7 +18433,7 @@
             </a:endParaRPr>
           </a:p>
           <a:p>
-            <a:pPr marL="432000" indent="-316440">
+            <a:pPr marL="432000" indent="-316080">
               <a:lnSpc>
                 <a:spcPct val="100000"/>
               </a:lnSpc>
@@ -18466,7 +18521,7 @@
         <p:spPr>
           <a:xfrm>
             <a:off x="720000" y="300960"/>
-            <a:ext cx="8848080" cy="1254960"/>
+            <a:ext cx="8847720" cy="1254600"/>
           </a:xfrm>
           <a:prstGeom prst="rect">
             <a:avLst/>
@@ -18510,7 +18565,7 @@
         <p:spPr>
           <a:xfrm>
             <a:off x="720000" y="2160000"/>
-            <a:ext cx="8632440" cy="4377240"/>
+            <a:ext cx="8632080" cy="4376880"/>
           </a:xfrm>
           <a:prstGeom prst="rect">
             <a:avLst/>
@@ -18529,7 +18584,7 @@
         <p:txBody>
           <a:bodyPr lIns="0" rIns="0" tIns="0" bIns="0"/>
           <a:p>
-            <a:pPr marL="432000" indent="-316440">
+            <a:pPr marL="432000" indent="-316080">
               <a:lnSpc>
                 <a:spcPct val="100000"/>
               </a:lnSpc>
@@ -18558,7 +18613,7 @@
             </a:endParaRPr>
           </a:p>
           <a:p>
-            <a:pPr marL="432000" indent="-316440">
+            <a:pPr marL="432000" indent="-316080">
               <a:lnSpc>
                 <a:spcPct val="100000"/>
               </a:lnSpc>
@@ -18587,7 +18642,7 @@
             </a:endParaRPr>
           </a:p>
           <a:p>
-            <a:pPr marL="432000" indent="-316440">
+            <a:pPr marL="432000" indent="-316080">
               <a:lnSpc>
                 <a:spcPct val="100000"/>
               </a:lnSpc>
@@ -18616,7 +18671,7 @@
             </a:endParaRPr>
           </a:p>
           <a:p>
-            <a:pPr marL="432000" indent="-316440">
+            <a:pPr marL="432000" indent="-316080">
               <a:lnSpc>
                 <a:spcPct val="100000"/>
               </a:lnSpc>
@@ -18704,7 +18759,7 @@
         <p:spPr>
           <a:xfrm>
             <a:off x="720000" y="300960"/>
-            <a:ext cx="8848080" cy="1254960"/>
+            <a:ext cx="8847720" cy="1254600"/>
           </a:xfrm>
           <a:prstGeom prst="rect">
             <a:avLst/>
@@ -18748,7 +18803,7 @@
         <p:spPr>
           <a:xfrm>
             <a:off x="964440" y="2160000"/>
-            <a:ext cx="8143560" cy="2871720"/>
+            <a:ext cx="8143200" cy="2871360"/>
           </a:xfrm>
           <a:prstGeom prst="rect">
             <a:avLst/>
@@ -18772,7 +18827,7 @@
             </a:endParaRPr>
           </a:p>
           <a:p>
-            <a:pPr marL="432000" indent="-316440">
+            <a:pPr marL="432000" indent="-316080">
               <a:lnSpc>
                 <a:spcPct val="100000"/>
               </a:lnSpc>
@@ -18801,7 +18856,7 @@
             </a:endParaRPr>
           </a:p>
           <a:p>
-            <a:pPr marL="432000" indent="-316440">
+            <a:pPr marL="432000" indent="-316080">
               <a:lnSpc>
                 <a:spcPct val="100000"/>
               </a:lnSpc>
@@ -18830,7 +18885,7 @@
             </a:endParaRPr>
           </a:p>
           <a:p>
-            <a:pPr marL="432000" indent="-316440">
+            <a:pPr marL="432000" indent="-316080">
               <a:lnSpc>
                 <a:spcPct val="100000"/>
               </a:lnSpc>
@@ -18929,7 +18984,7 @@
         <p:spPr>
           <a:xfrm>
             <a:off x="720000" y="300960"/>
-            <a:ext cx="8848080" cy="1254960"/>
+            <a:ext cx="8847720" cy="1254600"/>
           </a:xfrm>
           <a:prstGeom prst="rect">
             <a:avLst/>
@@ -18973,7 +19028,7 @@
         <p:spPr>
           <a:xfrm>
             <a:off x="720000" y="2160000"/>
-            <a:ext cx="8632440" cy="4377240"/>
+            <a:ext cx="8632080" cy="4376880"/>
           </a:xfrm>
           <a:prstGeom prst="rect">
             <a:avLst/>
@@ -19022,7 +19077,7 @@
             </a:endParaRPr>
           </a:p>
           <a:p>
-            <a:pPr marL="432000" indent="-316440">
+            <a:pPr marL="432000" indent="-316080">
               <a:lnSpc>
                 <a:spcPct val="100000"/>
               </a:lnSpc>
@@ -19071,7 +19126,7 @@
             </a:endParaRPr>
           </a:p>
           <a:p>
-            <a:pPr marL="432000" indent="-316440">
+            <a:pPr marL="432000" indent="-316080">
               <a:lnSpc>
                 <a:spcPct val="100000"/>
               </a:lnSpc>
@@ -19181,7 +19236,7 @@
         <p:spPr>
           <a:xfrm>
             <a:off x="720000" y="300960"/>
-            <a:ext cx="8848080" cy="1254960"/>
+            <a:ext cx="8847720" cy="1254600"/>
           </a:xfrm>
           <a:prstGeom prst="rect">
             <a:avLst/>
@@ -19225,7 +19280,7 @@
         <p:spPr>
           <a:xfrm>
             <a:off x="720000" y="1836000"/>
-            <a:ext cx="8632440" cy="5001840"/>
+            <a:ext cx="8632080" cy="5001480"/>
           </a:xfrm>
           <a:prstGeom prst="rect">
             <a:avLst/>
@@ -19244,7 +19299,7 @@
         <p:txBody>
           <a:bodyPr lIns="0" rIns="0" tIns="0" bIns="0"/>
           <a:p>
-            <a:pPr marL="432000" indent="-316440">
+            <a:pPr marL="432000" indent="-316080">
               <a:lnSpc>
                 <a:spcPct val="100000"/>
               </a:lnSpc>
@@ -19304,7 +19359,7 @@
             </a:endParaRPr>
           </a:p>
           <a:p>
-            <a:pPr marL="432000" indent="-316440">
+            <a:pPr marL="432000" indent="-316080">
               <a:lnSpc>
                 <a:spcPct val="100000"/>
               </a:lnSpc>
@@ -19405,7 +19460,7 @@
             </a:endParaRPr>
           </a:p>
           <a:p>
-            <a:pPr marL="432000" indent="-316440">
+            <a:pPr marL="432000" indent="-316080">
               <a:lnSpc>
                 <a:spcPct val="100000"/>
               </a:lnSpc>
@@ -19493,7 +19548,7 @@
         <p:spPr>
           <a:xfrm>
             <a:off x="720000" y="300960"/>
-            <a:ext cx="8848080" cy="1254960"/>
+            <a:ext cx="8847720" cy="1254600"/>
           </a:xfrm>
           <a:prstGeom prst="rect">
             <a:avLst/>
@@ -19537,7 +19592,7 @@
         <p:spPr>
           <a:xfrm>
             <a:off x="720000" y="2160000"/>
-            <a:ext cx="8632440" cy="4377240"/>
+            <a:ext cx="8632080" cy="4376880"/>
           </a:xfrm>
           <a:prstGeom prst="rect">
             <a:avLst/>
@@ -19869,7 +19924,7 @@
         <p:spPr>
           <a:xfrm>
             <a:off x="720000" y="300960"/>
-            <a:ext cx="8848080" cy="1254960"/>
+            <a:ext cx="8847720" cy="1254600"/>
           </a:xfrm>
           <a:prstGeom prst="rect">
             <a:avLst/>
@@ -19913,7 +19968,7 @@
         <p:spPr>
           <a:xfrm>
             <a:off x="720000" y="2160000"/>
-            <a:ext cx="8632440" cy="4377240"/>
+            <a:ext cx="8632080" cy="4376880"/>
           </a:xfrm>
           <a:prstGeom prst="rect">
             <a:avLst/>
@@ -20160,7 +20215,7 @@
         <p:spPr>
           <a:xfrm>
             <a:off x="720000" y="300960"/>
-            <a:ext cx="8848080" cy="1254960"/>
+            <a:ext cx="8847720" cy="1254600"/>
           </a:xfrm>
           <a:prstGeom prst="rect">
             <a:avLst/>
@@ -20204,7 +20259,7 @@
         <p:spPr>
           <a:xfrm>
             <a:off x="720000" y="1872000"/>
-            <a:ext cx="8632440" cy="4377240"/>
+            <a:ext cx="8632080" cy="4376880"/>
           </a:xfrm>
           <a:prstGeom prst="rect">
             <a:avLst/>
@@ -20223,7 +20278,7 @@
         <p:txBody>
           <a:bodyPr lIns="0" rIns="0" tIns="0" bIns="0"/>
           <a:p>
-            <a:pPr marL="432000" indent="-316440">
+            <a:pPr marL="432000" indent="-316080">
               <a:lnSpc>
                 <a:spcPct val="100000"/>
               </a:lnSpc>
@@ -20252,7 +20307,7 @@
             </a:endParaRPr>
           </a:p>
           <a:p>
-            <a:pPr marL="432000" indent="-316440">
+            <a:pPr marL="432000" indent="-316080">
               <a:lnSpc>
                 <a:spcPct val="100000"/>
               </a:lnSpc>
@@ -20281,7 +20336,7 @@
             </a:endParaRPr>
           </a:p>
           <a:p>
-            <a:pPr marL="432000" indent="-316440">
+            <a:pPr marL="432000" indent="-316080">
               <a:lnSpc>
                 <a:spcPct val="100000"/>
               </a:lnSpc>
@@ -20310,7 +20365,7 @@
             </a:endParaRPr>
           </a:p>
           <a:p>
-            <a:pPr marL="432000" indent="-316440">
+            <a:pPr marL="432000" indent="-316080">
               <a:lnSpc>
                 <a:spcPct val="100000"/>
               </a:lnSpc>
@@ -20398,7 +20453,7 @@
         <p:spPr>
           <a:xfrm>
             <a:off x="720000" y="300960"/>
-            <a:ext cx="8848080" cy="1254960"/>
+            <a:ext cx="8847720" cy="1254600"/>
           </a:xfrm>
           <a:prstGeom prst="rect">
             <a:avLst/>
@@ -20442,7 +20497,7 @@
         <p:spPr>
           <a:xfrm>
             <a:off x="720000" y="2160000"/>
-            <a:ext cx="8632440" cy="4377240"/>
+            <a:ext cx="8632080" cy="4376880"/>
           </a:xfrm>
           <a:prstGeom prst="rect">
             <a:avLst/>
@@ -20776,7 +20831,7 @@
         <p:spPr>
           <a:xfrm>
             <a:off x="720000" y="240120"/>
-            <a:ext cx="8848080" cy="1376640"/>
+            <a:ext cx="8847720" cy="1376280"/>
           </a:xfrm>
           <a:prstGeom prst="rect">
             <a:avLst/>
@@ -20820,7 +20875,7 @@
         <p:spPr>
           <a:xfrm>
             <a:off x="720000" y="2484000"/>
-            <a:ext cx="8632440" cy="3742200"/>
+            <a:ext cx="8632080" cy="3741840"/>
           </a:xfrm>
           <a:prstGeom prst="rect">
             <a:avLst/>
@@ -21076,7 +21131,7 @@
         <p:spPr>
           <a:xfrm>
             <a:off x="720000" y="300960"/>
-            <a:ext cx="8848080" cy="1254960"/>
+            <a:ext cx="8847720" cy="1254600"/>
           </a:xfrm>
           <a:prstGeom prst="rect">
             <a:avLst/>
@@ -21120,7 +21175,7 @@
         <p:spPr>
           <a:xfrm>
             <a:off x="720000" y="2160000"/>
-            <a:ext cx="8632440" cy="4377240"/>
+            <a:ext cx="8632080" cy="4376880"/>
           </a:xfrm>
           <a:prstGeom prst="rect">
             <a:avLst/>
@@ -21157,7 +21212,7 @@
             </a:endParaRPr>
           </a:p>
           <a:p>
-            <a:pPr marL="432000" indent="-316440">
+            <a:pPr marL="432000" indent="-316080">
               <a:lnSpc>
                 <a:spcPct val="100000"/>
               </a:lnSpc>
@@ -21206,7 +21261,7 @@
             </a:endParaRPr>
           </a:p>
           <a:p>
-            <a:pPr marL="432000" indent="-316440">
+            <a:pPr marL="432000" indent="-316080">
               <a:lnSpc>
                 <a:spcPct val="100000"/>
               </a:lnSpc>
@@ -21314,7 +21369,7 @@
         <p:spPr>
           <a:xfrm>
             <a:off x="720000" y="300960"/>
-            <a:ext cx="8848080" cy="1254960"/>
+            <a:ext cx="8847720" cy="1254600"/>
           </a:xfrm>
           <a:prstGeom prst="rect">
             <a:avLst/>
@@ -21358,7 +21413,7 @@
         <p:spPr>
           <a:xfrm>
             <a:off x="720000" y="2160000"/>
-            <a:ext cx="8632440" cy="4377240"/>
+            <a:ext cx="8632080" cy="4376880"/>
           </a:xfrm>
           <a:prstGeom prst="rect">
             <a:avLst/>
@@ -21382,7 +21437,7 @@
             </a:endParaRPr>
           </a:p>
           <a:p>
-            <a:pPr marL="432000" indent="-316440">
+            <a:pPr marL="432000" indent="-316080">
               <a:lnSpc>
                 <a:spcPct val="100000"/>
               </a:lnSpc>
@@ -21411,7 +21466,7 @@
             </a:endParaRPr>
           </a:p>
           <a:p>
-            <a:pPr marL="432000" indent="-316440">
+            <a:pPr marL="432000" indent="-316080">
               <a:lnSpc>
                 <a:spcPct val="100000"/>
               </a:lnSpc>
@@ -21719,7 +21774,7 @@
         <p:spPr>
           <a:xfrm>
             <a:off x="720000" y="300960"/>
-            <a:ext cx="8848080" cy="1254960"/>
+            <a:ext cx="8847720" cy="1254600"/>
           </a:xfrm>
           <a:prstGeom prst="rect">
             <a:avLst/>
@@ -21763,7 +21818,7 @@
         <p:spPr>
           <a:xfrm>
             <a:off x="720000" y="1692000"/>
-            <a:ext cx="8632440" cy="5147640"/>
+            <a:ext cx="8632080" cy="5147280"/>
           </a:xfrm>
           <a:prstGeom prst="rect">
             <a:avLst/>
@@ -21782,7 +21837,7 @@
         <p:txBody>
           <a:bodyPr lIns="0" rIns="0" tIns="0" bIns="0"/>
           <a:p>
-            <a:pPr marL="432000" indent="-316440">
+            <a:pPr marL="432000" indent="-316080">
               <a:lnSpc>
                 <a:spcPct val="100000"/>
               </a:lnSpc>
@@ -21851,7 +21906,7 @@
             </a:endParaRPr>
           </a:p>
           <a:p>
-            <a:pPr marL="432000" indent="-316440">
+            <a:pPr marL="432000" indent="-316080">
               <a:lnSpc>
                 <a:spcPct val="100000"/>
               </a:lnSpc>
@@ -21880,7 +21935,7 @@
             </a:endParaRPr>
           </a:p>
           <a:p>
-            <a:pPr marL="432000" indent="-316440">
+            <a:pPr marL="432000" indent="-316080">
               <a:lnSpc>
                 <a:spcPct val="100000"/>
               </a:lnSpc>
@@ -21909,7 +21964,7 @@
             </a:endParaRPr>
           </a:p>
           <a:p>
-            <a:pPr marL="432000" indent="-316440">
+            <a:pPr marL="432000" indent="-316080">
               <a:lnSpc>
                 <a:spcPct val="100000"/>
               </a:lnSpc>
@@ -21938,7 +21993,7 @@
             </a:endParaRPr>
           </a:p>
           <a:p>
-            <a:pPr marL="432000" indent="-316440">
+            <a:pPr marL="432000" indent="-316080">
               <a:lnSpc>
                 <a:spcPct val="100000"/>
               </a:lnSpc>
@@ -21967,7 +22022,7 @@
             </a:endParaRPr>
           </a:p>
           <a:p>
-            <a:pPr marL="432000" indent="-316440">
+            <a:pPr marL="432000" indent="-316080">
               <a:lnSpc>
                 <a:spcPct val="100000"/>
               </a:lnSpc>
@@ -21996,7 +22051,7 @@
             </a:endParaRPr>
           </a:p>
           <a:p>
-            <a:pPr marL="432000" indent="-316440">
+            <a:pPr marL="432000" indent="-316080">
               <a:lnSpc>
                 <a:spcPct val="100000"/>
               </a:lnSpc>
@@ -22094,7 +22149,7 @@
         <p:spPr>
           <a:xfrm>
             <a:off x="720000" y="300960"/>
-            <a:ext cx="8848080" cy="1254960"/>
+            <a:ext cx="8847720" cy="1254600"/>
           </a:xfrm>
           <a:prstGeom prst="rect">
             <a:avLst/>
@@ -22138,7 +22193,7 @@
         <p:spPr>
           <a:xfrm>
             <a:off x="756000" y="2160000"/>
-            <a:ext cx="8632440" cy="4377240"/>
+            <a:ext cx="8632080" cy="4376880"/>
           </a:xfrm>
           <a:prstGeom prst="rect">
             <a:avLst/>
@@ -22157,7 +22212,7 @@
         <p:txBody>
           <a:bodyPr lIns="0" rIns="0" tIns="0" bIns="0"/>
           <a:p>
-            <a:pPr marL="432000" indent="-316440">
+            <a:pPr marL="432000" indent="-316080">
               <a:lnSpc>
                 <a:spcPct val="100000"/>
               </a:lnSpc>
@@ -22208,7 +22263,7 @@
             </a:endParaRPr>
           </a:p>
           <a:p>
-            <a:pPr marL="432000" indent="-316440">
+            <a:pPr marL="432000" indent="-316080">
               <a:lnSpc>
                 <a:spcPct val="100000"/>
               </a:lnSpc>
@@ -22279,7 +22334,7 @@
             </a:endParaRPr>
           </a:p>
           <a:p>
-            <a:pPr marL="432000" indent="-316440">
+            <a:pPr marL="432000" indent="-316080">
               <a:lnSpc>
                 <a:spcPct val="100000"/>
               </a:lnSpc>
@@ -22419,7 +22474,7 @@
         <p:spPr>
           <a:xfrm>
             <a:off x="720000" y="300960"/>
-            <a:ext cx="8848080" cy="1254960"/>
+            <a:ext cx="8847720" cy="1254600"/>
           </a:xfrm>
           <a:prstGeom prst="rect">
             <a:avLst/>
@@ -22463,7 +22518,7 @@
         <p:spPr>
           <a:xfrm>
             <a:off x="756000" y="2160000"/>
-            <a:ext cx="8632440" cy="4377240"/>
+            <a:ext cx="8632080" cy="4376880"/>
           </a:xfrm>
           <a:prstGeom prst="rect">
             <a:avLst/>
@@ -22482,7 +22537,7 @@
         <p:txBody>
           <a:bodyPr lIns="0" rIns="0" tIns="0" bIns="0"/>
           <a:p>
-            <a:pPr marL="432000" indent="-316440">
+            <a:pPr marL="432000" indent="-316080">
               <a:lnSpc>
                 <a:spcPct val="100000"/>
               </a:lnSpc>
@@ -22553,7 +22608,7 @@
             </a:endParaRPr>
           </a:p>
           <a:p>
-            <a:pPr marL="432000" indent="-316440">
+            <a:pPr marL="432000" indent="-316080">
               <a:lnSpc>
                 <a:spcPct val="100000"/>
               </a:lnSpc>
@@ -22614,7 +22669,7 @@
             </a:endParaRPr>
           </a:p>
           <a:p>
-            <a:pPr marL="432000" indent="-316440">
+            <a:pPr marL="432000" indent="-316080">
               <a:lnSpc>
                 <a:spcPct val="100000"/>
               </a:lnSpc>
@@ -22724,7 +22779,7 @@
         <p:spPr>
           <a:xfrm>
             <a:off x="720000" y="300960"/>
-            <a:ext cx="8848080" cy="1254960"/>
+            <a:ext cx="8847720" cy="1254600"/>
           </a:xfrm>
           <a:prstGeom prst="rect">
             <a:avLst/>
@@ -22768,7 +22823,7 @@
         <p:spPr>
           <a:xfrm>
             <a:off x="756000" y="2124000"/>
-            <a:ext cx="8632440" cy="4377240"/>
+            <a:ext cx="8632080" cy="4376880"/>
           </a:xfrm>
           <a:prstGeom prst="rect">
             <a:avLst/>
@@ -22787,7 +22842,7 @@
         <p:txBody>
           <a:bodyPr lIns="0" rIns="0" tIns="0" bIns="0"/>
           <a:p>
-            <a:pPr marL="432000" indent="-316440">
+            <a:pPr marL="432000" indent="-316080">
               <a:lnSpc>
                 <a:spcPct val="100000"/>
               </a:lnSpc>
@@ -22838,7 +22893,7 @@
             </a:endParaRPr>
           </a:p>
           <a:p>
-            <a:pPr marL="432000" indent="-316440">
+            <a:pPr marL="432000" indent="-316080">
               <a:lnSpc>
                 <a:spcPct val="100000"/>
               </a:lnSpc>
@@ -22889,7 +22944,7 @@
             </a:endParaRPr>
           </a:p>
           <a:p>
-            <a:pPr marL="432000" indent="-316440">
+            <a:pPr marL="432000" indent="-316080">
               <a:lnSpc>
                 <a:spcPct val="100000"/>
               </a:lnSpc>
@@ -23040,7 +23095,7 @@
         <p:spPr>
           <a:xfrm>
             <a:off x="720000" y="300960"/>
-            <a:ext cx="8848080" cy="1254960"/>
+            <a:ext cx="8847720" cy="1254600"/>
           </a:xfrm>
           <a:prstGeom prst="rect">
             <a:avLst/>
@@ -23084,7 +23139,7 @@
         <p:spPr>
           <a:xfrm>
             <a:off x="720000" y="2160000"/>
-            <a:ext cx="8632440" cy="4377240"/>
+            <a:ext cx="8632080" cy="4376880"/>
           </a:xfrm>
           <a:prstGeom prst="rect">
             <a:avLst/>
@@ -23279,7 +23334,7 @@
         <p:spPr>
           <a:xfrm>
             <a:off x="720000" y="300960"/>
-            <a:ext cx="8848080" cy="1254960"/>
+            <a:ext cx="8847720" cy="1254600"/>
           </a:xfrm>
           <a:prstGeom prst="rect">
             <a:avLst/>
@@ -23323,7 +23378,7 @@
         <p:spPr>
           <a:xfrm>
             <a:off x="720000" y="1872000"/>
-            <a:ext cx="8632440" cy="4377240"/>
+            <a:ext cx="8632080" cy="4376880"/>
           </a:xfrm>
           <a:prstGeom prst="rect">
             <a:avLst/>
@@ -23342,7 +23397,7 @@
         <p:txBody>
           <a:bodyPr lIns="0" rIns="0" tIns="0" bIns="0"/>
           <a:p>
-            <a:pPr marL="432000" indent="-316440">
+            <a:pPr marL="432000" indent="-316080">
               <a:lnSpc>
                 <a:spcPct val="100000"/>
               </a:lnSpc>
@@ -23371,7 +23426,7 @@
             </a:endParaRPr>
           </a:p>
           <a:p>
-            <a:pPr marL="432000" indent="-316440">
+            <a:pPr marL="432000" indent="-316080">
               <a:lnSpc>
                 <a:spcPct val="100000"/>
               </a:lnSpc>
@@ -23431,7 +23486,7 @@
             </a:endParaRPr>
           </a:p>
           <a:p>
-            <a:pPr marL="432000" indent="-316440">
+            <a:pPr marL="432000" indent="-316080">
               <a:lnSpc>
                 <a:spcPct val="100000"/>
               </a:lnSpc>
@@ -23491,7 +23546,7 @@
             </a:endParaRPr>
           </a:p>
           <a:p>
-            <a:pPr marL="432000" indent="-316440">
+            <a:pPr marL="432000" indent="-316080">
               <a:lnSpc>
                 <a:spcPct val="100000"/>
               </a:lnSpc>
@@ -23520,7 +23575,7 @@
             </a:endParaRPr>
           </a:p>
           <a:p>
-            <a:pPr marL="432000" indent="-316440">
+            <a:pPr marL="432000" indent="-316080">
               <a:lnSpc>
                 <a:spcPct val="100000"/>
               </a:lnSpc>
@@ -23608,7 +23663,7 @@
         <p:spPr>
           <a:xfrm>
             <a:off x="720000" y="300960"/>
-            <a:ext cx="8848080" cy="1254960"/>
+            <a:ext cx="8847720" cy="1254600"/>
           </a:xfrm>
           <a:prstGeom prst="rect">
             <a:avLst/>
@@ -23652,7 +23707,7 @@
         <p:spPr>
           <a:xfrm>
             <a:off x="720000" y="2160000"/>
-            <a:ext cx="8632440" cy="4377240"/>
+            <a:ext cx="8632080" cy="4376880"/>
           </a:xfrm>
           <a:prstGeom prst="rect">
             <a:avLst/>
@@ -23671,7 +23726,7 @@
         <p:txBody>
           <a:bodyPr lIns="0" rIns="0" tIns="0" bIns="0"/>
           <a:p>
-            <a:pPr marL="432000" indent="-316440">
+            <a:pPr marL="432000" indent="-316080">
               <a:lnSpc>
                 <a:spcPct val="100000"/>
               </a:lnSpc>
@@ -23700,7 +23755,7 @@
             </a:endParaRPr>
           </a:p>
           <a:p>
-            <a:pPr marL="432000" indent="-316440">
+            <a:pPr marL="432000" indent="-316080">
               <a:lnSpc>
                 <a:spcPct val="100000"/>
               </a:lnSpc>
@@ -23729,7 +23784,7 @@
             </a:endParaRPr>
           </a:p>
           <a:p>
-            <a:pPr marL="432000" indent="-316440">
+            <a:pPr marL="432000" indent="-316080">
               <a:lnSpc>
                 <a:spcPct val="100000"/>
               </a:lnSpc>
@@ -23758,7 +23813,7 @@
             </a:endParaRPr>
           </a:p>
           <a:p>
-            <a:pPr marL="432000" indent="-316440">
+            <a:pPr marL="432000" indent="-316080">
               <a:lnSpc>
                 <a:spcPct val="100000"/>
               </a:lnSpc>
@@ -23886,7 +23941,7 @@
         <p:spPr>
           <a:xfrm>
             <a:off x="720000" y="300960"/>
-            <a:ext cx="8848080" cy="1254960"/>
+            <a:ext cx="8847720" cy="1254600"/>
           </a:xfrm>
           <a:prstGeom prst="rect">
             <a:avLst/>
@@ -23930,7 +23985,7 @@
         <p:spPr>
           <a:xfrm>
             <a:off x="720000" y="2124000"/>
-            <a:ext cx="8632440" cy="4377240"/>
+            <a:ext cx="8632080" cy="4376880"/>
           </a:xfrm>
           <a:prstGeom prst="rect">
             <a:avLst/>
@@ -24593,7 +24648,7 @@
         <p:spPr>
           <a:xfrm>
             <a:off x="720000" y="300960"/>
-            <a:ext cx="8848080" cy="1254960"/>
+            <a:ext cx="8847720" cy="1254600"/>
           </a:xfrm>
           <a:prstGeom prst="rect">
             <a:avLst/>
@@ -24620,17 +24675,7 @@
                 <a:latin typeface="Noto Sans Regular"/>
                 <a:ea typeface="DejaVu Sans"/>
               </a:rPr>
-              <a:t>Pimpin‘ </a:t>
-            </a:r>
-            <a:r>
-              <a:rPr b="1" lang="de-DE" sz="4400" spc="-1" strike="noStrike">
-                <a:solidFill>
-                  <a:srgbClr val="333333"/>
-                </a:solidFill>
-                <a:latin typeface="Noto Sans Regular"/>
-                <a:ea typeface="DejaVu Sans"/>
-              </a:rPr>
-              <a:t>- Implicit views (2)</a:t>
+              <a:t>Pimpin‘ - Implicit views (2)</a:t>
             </a:r>
             <a:endParaRPr b="0" lang="de-DE" sz="4400" spc="-1" strike="noStrike">
               <a:latin typeface="Arial"/>
@@ -24647,7 +24692,7 @@
         <p:spPr>
           <a:xfrm>
             <a:off x="720000" y="2160000"/>
-            <a:ext cx="8632440" cy="4377240"/>
+            <a:ext cx="8632080" cy="4376880"/>
           </a:xfrm>
           <a:prstGeom prst="rect">
             <a:avLst/>
@@ -25325,7 +25370,7 @@
         <p:spPr>
           <a:xfrm>
             <a:off x="720000" y="300960"/>
-            <a:ext cx="8848080" cy="1254960"/>
+            <a:ext cx="8847720" cy="1254600"/>
           </a:xfrm>
           <a:prstGeom prst="rect">
             <a:avLst/>
@@ -25352,17 +25397,7 @@
                 <a:latin typeface="Noto Sans Regular"/>
                 <a:ea typeface="DejaVu Sans"/>
               </a:rPr>
-              <a:t>Pimpin‘ </a:t>
-            </a:r>
-            <a:r>
-              <a:rPr b="1" lang="de-DE" sz="4400" spc="-1" strike="noStrike">
-                <a:solidFill>
-                  <a:srgbClr val="333333"/>
-                </a:solidFill>
-                <a:latin typeface="Noto Sans Regular"/>
-                <a:ea typeface="DejaVu Sans"/>
-              </a:rPr>
-              <a:t>- Implicit views (3)</a:t>
+              <a:t>Pimpin‘ - Implicit views (3)</a:t>
             </a:r>
             <a:endParaRPr b="0" lang="de-DE" sz="4400" spc="-1" strike="noStrike">
               <a:latin typeface="Arial"/>
@@ -25379,7 +25414,7 @@
         <p:spPr>
           <a:xfrm>
             <a:off x="720000" y="2160000"/>
-            <a:ext cx="8632440" cy="4377240"/>
+            <a:ext cx="8632080" cy="4376880"/>
           </a:xfrm>
           <a:prstGeom prst="rect">
             <a:avLst/>
@@ -25418,6 +25453,11 @@
             </a:endParaRPr>
           </a:p>
           <a:p>
+            <a:pPr>
+              <a:lnSpc>
+                <a:spcPct val="100000"/>
+              </a:lnSpc>
+            </a:pPr>
             <a:r>
               <a:rPr b="1" lang="de-DE" sz="1800" spc="-1" strike="noStrike">
                 <a:solidFill>
@@ -25503,6 +25543,11 @@
             </a:endParaRPr>
           </a:p>
           <a:p>
+            <a:pPr>
+              <a:lnSpc>
+                <a:spcPct val="100000"/>
+              </a:lnSpc>
+            </a:pPr>
             <a:r>
               <a:rPr b="0" lang="de-DE" sz="1800" spc="-1" strike="noStrike">
                 <a:solidFill>
@@ -25718,6 +25763,11 @@
             </a:endParaRPr>
           </a:p>
           <a:p>
+            <a:pPr>
+              <a:lnSpc>
+                <a:spcPct val="100000"/>
+              </a:lnSpc>
+            </a:pPr>
             <a:r>
               <a:rPr b="0" lang="de-DE" sz="1800" spc="-1" strike="noStrike">
                 <a:solidFill>
@@ -25763,6 +25813,11 @@
             </a:endParaRPr>
           </a:p>
           <a:p>
+            <a:pPr>
+              <a:lnSpc>
+                <a:spcPct val="100000"/>
+              </a:lnSpc>
+            </a:pPr>
             <a:r>
               <a:rPr b="0" lang="de-DE" sz="1800" spc="-1" strike="noStrike">
                 <a:solidFill>
@@ -25778,11 +25833,21 @@
             </a:endParaRPr>
           </a:p>
           <a:p>
+            <a:pPr>
+              <a:lnSpc>
+                <a:spcPct val="100000"/>
+              </a:lnSpc>
+            </a:pPr>
             <a:endParaRPr b="0" lang="de-DE" sz="1800" spc="-1" strike="noStrike">
               <a:latin typeface="Arial"/>
             </a:endParaRPr>
           </a:p>
           <a:p>
+            <a:pPr>
+              <a:lnSpc>
+                <a:spcPct val="100000"/>
+              </a:lnSpc>
+            </a:pPr>
             <a:r>
               <a:rPr b="1" lang="de-DE" sz="1800" spc="-1" strike="noStrike">
                 <a:solidFill>
@@ -25898,6 +25963,11 @@
             </a:endParaRPr>
           </a:p>
           <a:p>
+            <a:pPr>
+              <a:lnSpc>
+                <a:spcPct val="100000"/>
+              </a:lnSpc>
+            </a:pPr>
             <a:r>
               <a:rPr b="1" lang="de-DE" sz="1800" spc="-1" strike="noStrike">
                 <a:solidFill>
@@ -26013,11 +26083,21 @@
             </a:endParaRPr>
           </a:p>
           <a:p>
+            <a:pPr>
+              <a:lnSpc>
+                <a:spcPct val="100000"/>
+              </a:lnSpc>
+            </a:pPr>
             <a:endParaRPr b="0" lang="de-DE" sz="1800" spc="-1" strike="noStrike">
               <a:latin typeface="Arial"/>
             </a:endParaRPr>
           </a:p>
           <a:p>
+            <a:pPr>
+              <a:lnSpc>
+                <a:spcPct val="100000"/>
+              </a:lnSpc>
+            </a:pPr>
             <a:r>
               <a:rPr b="1" lang="de-DE" sz="1800" spc="-1" strike="noStrike">
                 <a:solidFill>
@@ -26093,6 +26173,11 @@
             </a:endParaRPr>
           </a:p>
           <a:p>
+            <a:pPr>
+              <a:lnSpc>
+                <a:spcPct val="100000"/>
+              </a:lnSpc>
+            </a:pPr>
             <a:r>
               <a:rPr b="0" i="1" lang="de-DE" sz="1800" spc="-1" strike="noStrike">
                 <a:solidFill>
@@ -26148,6 +26233,11 @@
             </a:endParaRPr>
           </a:p>
           <a:p>
+            <a:pPr>
+              <a:lnSpc>
+                <a:spcPct val="100000"/>
+              </a:lnSpc>
+            </a:pPr>
             <a:endParaRPr b="0" lang="de-DE" sz="1800" spc="-1" strike="noStrike">
               <a:latin typeface="Arial"/>
             </a:endParaRPr>

--- a/Slides/TypeClasses.pptx
+++ b/Slides/TypeClasses.pptx
@@ -2751,7 +2751,7 @@
         <p:spPr>
           <a:xfrm>
             <a:off x="0" y="4320000"/>
-            <a:ext cx="495000" cy="1071000"/>
+            <a:ext cx="494640" cy="1070640"/>
           </a:xfrm>
           <a:prstGeom prst="rect">
             <a:avLst/>
@@ -3030,7 +3030,7 @@
         <p:spPr>
           <a:xfrm>
             <a:off x="0" y="288000"/>
-            <a:ext cx="495000" cy="1071000"/>
+            <a:ext cx="494640" cy="1070640"/>
           </a:xfrm>
           <a:prstGeom prst="rect">
             <a:avLst/>
@@ -3309,7 +3309,7 @@
         <p:spPr>
           <a:xfrm>
             <a:off x="792000" y="3885480"/>
-            <a:ext cx="8559000" cy="1652400"/>
+            <a:ext cx="8558640" cy="1652040"/>
           </a:xfrm>
           <a:prstGeom prst="rect">
             <a:avLst/>
@@ -3366,7 +3366,7 @@
         <p:spPr>
           <a:xfrm>
             <a:off x="792000" y="5904000"/>
-            <a:ext cx="8559000" cy="973440"/>
+            <a:ext cx="8558640" cy="973080"/>
           </a:xfrm>
           <a:prstGeom prst="rect">
             <a:avLst/>
@@ -3474,7 +3474,7 @@
         <p:spPr>
           <a:xfrm>
             <a:off x="720000" y="300960"/>
-            <a:ext cx="8846640" cy="1253520"/>
+            <a:ext cx="8846280" cy="1253160"/>
           </a:xfrm>
           <a:prstGeom prst="rect">
             <a:avLst/>
@@ -3518,7 +3518,7 @@
         <p:spPr>
           <a:xfrm>
             <a:off x="720000" y="2160000"/>
-            <a:ext cx="8631000" cy="4375800"/>
+            <a:ext cx="8630640" cy="4375440"/>
           </a:xfrm>
           <a:prstGeom prst="rect">
             <a:avLst/>
@@ -4406,7 +4406,7 @@
         <p:spPr>
           <a:xfrm>
             <a:off x="720000" y="300960"/>
-            <a:ext cx="8846640" cy="1253520"/>
+            <a:ext cx="8846280" cy="1253160"/>
           </a:xfrm>
           <a:prstGeom prst="rect">
             <a:avLst/>
@@ -4450,7 +4450,7 @@
         <p:spPr>
           <a:xfrm>
             <a:off x="720000" y="2160000"/>
-            <a:ext cx="8631000" cy="4375800"/>
+            <a:ext cx="8630640" cy="4375440"/>
           </a:xfrm>
           <a:prstGeom prst="rect">
             <a:avLst/>
@@ -5518,7 +5518,7 @@
         <p:spPr>
           <a:xfrm>
             <a:off x="720000" y="300960"/>
-            <a:ext cx="8846640" cy="1253520"/>
+            <a:ext cx="8846280" cy="1253160"/>
           </a:xfrm>
           <a:prstGeom prst="rect">
             <a:avLst/>
@@ -5562,7 +5562,7 @@
         <p:spPr>
           <a:xfrm>
             <a:off x="720000" y="2160000"/>
-            <a:ext cx="8631000" cy="4375800"/>
+            <a:ext cx="8630640" cy="4375440"/>
           </a:xfrm>
           <a:prstGeom prst="rect">
             <a:avLst/>
@@ -5581,7 +5581,7 @@
         <p:txBody>
           <a:bodyPr lIns="0" rIns="0" tIns="0" bIns="0"/>
           <a:p>
-            <a:pPr marL="432000" indent="-315000">
+            <a:pPr marL="432000" indent="-314640">
               <a:lnSpc>
                 <a:spcPct val="100000"/>
               </a:lnSpc>
@@ -5610,7 +5610,7 @@
             </a:endParaRPr>
           </a:p>
           <a:p>
-            <a:pPr marL="432000" indent="-315000">
+            <a:pPr marL="432000" indent="-314640">
               <a:lnSpc>
                 <a:spcPct val="100000"/>
               </a:lnSpc>
@@ -5639,7 +5639,7 @@
             </a:endParaRPr>
           </a:p>
           <a:p>
-            <a:pPr marL="432000" indent="-315000">
+            <a:pPr marL="432000" indent="-314640">
               <a:lnSpc>
                 <a:spcPct val="100000"/>
               </a:lnSpc>
@@ -5668,7 +5668,7 @@
             </a:endParaRPr>
           </a:p>
           <a:p>
-            <a:pPr marL="432000" indent="-315000">
+            <a:pPr marL="432000" indent="-314640">
               <a:lnSpc>
                 <a:spcPct val="100000"/>
               </a:lnSpc>
@@ -5697,7 +5697,7 @@
             </a:endParaRPr>
           </a:p>
           <a:p>
-            <a:pPr marL="432000" indent="-315000">
+            <a:pPr marL="432000" indent="-314640">
               <a:lnSpc>
                 <a:spcPct val="100000"/>
               </a:lnSpc>
@@ -5785,7 +5785,7 @@
         <p:spPr>
           <a:xfrm>
             <a:off x="720000" y="300960"/>
-            <a:ext cx="8846640" cy="1253520"/>
+            <a:ext cx="8846280" cy="1253160"/>
           </a:xfrm>
           <a:prstGeom prst="rect">
             <a:avLst/>
@@ -5829,7 +5829,7 @@
         <p:spPr>
           <a:xfrm>
             <a:off x="720000" y="1944000"/>
-            <a:ext cx="8631000" cy="4375800"/>
+            <a:ext cx="8630640" cy="4375440"/>
           </a:xfrm>
           <a:prstGeom prst="rect">
             <a:avLst/>
@@ -5848,7 +5848,7 @@
         <p:txBody>
           <a:bodyPr lIns="0" rIns="0" tIns="0" bIns="0"/>
           <a:p>
-            <a:pPr marL="432000" indent="-315000">
+            <a:pPr marL="432000" indent="-314640">
               <a:lnSpc>
                 <a:spcPct val="100000"/>
               </a:lnSpc>
@@ -5877,7 +5877,7 @@
             </a:endParaRPr>
           </a:p>
           <a:p>
-            <a:pPr marL="432000" indent="-315000">
+            <a:pPr marL="432000" indent="-314640">
               <a:lnSpc>
                 <a:spcPct val="100000"/>
               </a:lnSpc>
@@ -5906,7 +5906,7 @@
             </a:endParaRPr>
           </a:p>
           <a:p>
-            <a:pPr marL="432000" indent="-315000">
+            <a:pPr marL="432000" indent="-314640">
               <a:lnSpc>
                 <a:spcPct val="100000"/>
               </a:lnSpc>
@@ -5935,7 +5935,7 @@
             </a:endParaRPr>
           </a:p>
           <a:p>
-            <a:pPr marL="432000" indent="-315000">
+            <a:pPr marL="432000" indent="-314640">
               <a:lnSpc>
                 <a:spcPct val="100000"/>
               </a:lnSpc>
@@ -5964,7 +5964,7 @@
             </a:endParaRPr>
           </a:p>
           <a:p>
-            <a:pPr marL="432000" indent="-315000">
+            <a:pPr marL="432000" indent="-314640">
               <a:lnSpc>
                 <a:spcPct val="100000"/>
               </a:lnSpc>
@@ -6092,7 +6092,7 @@
         <p:spPr>
           <a:xfrm>
             <a:off x="720000" y="300960"/>
-            <a:ext cx="8846640" cy="1253520"/>
+            <a:ext cx="8846280" cy="1253160"/>
           </a:xfrm>
           <a:prstGeom prst="rect">
             <a:avLst/>
@@ -6136,7 +6136,7 @@
         <p:spPr>
           <a:xfrm>
             <a:off x="720000" y="2160000"/>
-            <a:ext cx="8631000" cy="4375800"/>
+            <a:ext cx="8630640" cy="4375440"/>
           </a:xfrm>
           <a:prstGeom prst="rect">
             <a:avLst/>
@@ -6556,7 +6556,7 @@
         <p:spPr>
           <a:xfrm>
             <a:off x="720000" y="300960"/>
-            <a:ext cx="8846640" cy="1253520"/>
+            <a:ext cx="8846280" cy="1253160"/>
           </a:xfrm>
           <a:prstGeom prst="rect">
             <a:avLst/>
@@ -6600,7 +6600,7 @@
         <p:spPr>
           <a:xfrm>
             <a:off x="720000" y="2160000"/>
-            <a:ext cx="8631000" cy="4375800"/>
+            <a:ext cx="8630640" cy="4375440"/>
           </a:xfrm>
           <a:prstGeom prst="rect">
             <a:avLst/>
@@ -6619,7 +6619,7 @@
         <p:txBody>
           <a:bodyPr lIns="0" rIns="0" tIns="0" bIns="0"/>
           <a:p>
-            <a:pPr marL="432000" indent="-315000">
+            <a:pPr marL="432000" indent="-314640">
               <a:lnSpc>
                 <a:spcPct val="100000"/>
               </a:lnSpc>
@@ -6648,7 +6648,7 @@
             </a:endParaRPr>
           </a:p>
           <a:p>
-            <a:pPr marL="432000" indent="-315000">
+            <a:pPr marL="432000" indent="-314640">
               <a:lnSpc>
                 <a:spcPct val="100000"/>
               </a:lnSpc>
@@ -6677,7 +6677,7 @@
             </a:endParaRPr>
           </a:p>
           <a:p>
-            <a:pPr marL="432000" indent="-315000">
+            <a:pPr marL="432000" indent="-314640">
               <a:lnSpc>
                 <a:spcPct val="100000"/>
               </a:lnSpc>
@@ -6717,7 +6717,7 @@
             </a:endParaRPr>
           </a:p>
           <a:p>
-            <a:pPr marL="432000" indent="-315000">
+            <a:pPr marL="432000" indent="-314640">
               <a:lnSpc>
                 <a:spcPct val="100000"/>
               </a:lnSpc>
@@ -6746,7 +6746,7 @@
             </a:endParaRPr>
           </a:p>
           <a:p>
-            <a:pPr marL="432000" indent="-315000">
+            <a:pPr marL="432000" indent="-314640">
               <a:lnSpc>
                 <a:spcPct val="100000"/>
               </a:lnSpc>
@@ -6775,7 +6775,7 @@
             </a:endParaRPr>
           </a:p>
           <a:p>
-            <a:pPr marL="432000" indent="-315000">
+            <a:pPr marL="432000" indent="-314640">
               <a:lnSpc>
                 <a:spcPct val="100000"/>
               </a:lnSpc>
@@ -6863,7 +6863,7 @@
         <p:spPr>
           <a:xfrm>
             <a:off x="720000" y="300960"/>
-            <a:ext cx="8846640" cy="1253520"/>
+            <a:ext cx="8846280" cy="1253160"/>
           </a:xfrm>
           <a:prstGeom prst="rect">
             <a:avLst/>
@@ -6907,7 +6907,7 @@
         <p:spPr>
           <a:xfrm>
             <a:off x="720000" y="1908000"/>
-            <a:ext cx="8631000" cy="4715640"/>
+            <a:ext cx="8630640" cy="4715280"/>
           </a:xfrm>
           <a:prstGeom prst="rect">
             <a:avLst/>
@@ -6926,7 +6926,7 @@
         <p:txBody>
           <a:bodyPr lIns="0" rIns="0" tIns="0" bIns="0"/>
           <a:p>
-            <a:pPr marL="432000" indent="-315000">
+            <a:pPr marL="432000" indent="-314640">
               <a:lnSpc>
                 <a:spcPct val="100000"/>
               </a:lnSpc>
@@ -6976,7 +6976,7 @@
             </a:endParaRPr>
           </a:p>
           <a:p>
-            <a:pPr marL="432000" indent="-315000">
+            <a:pPr marL="432000" indent="-314640">
               <a:lnSpc>
                 <a:spcPct val="100000"/>
               </a:lnSpc>
@@ -7107,7 +7107,7 @@
             </a:endParaRPr>
           </a:p>
           <a:p>
-            <a:pPr marL="432000" indent="-315000">
+            <a:pPr marL="432000" indent="-314640">
               <a:lnSpc>
                 <a:spcPct val="100000"/>
               </a:lnSpc>
@@ -7216,7 +7216,7 @@
         <p:spPr>
           <a:xfrm>
             <a:off x="720000" y="300960"/>
-            <a:ext cx="8846640" cy="1253520"/>
+            <a:ext cx="8846280" cy="1253160"/>
           </a:xfrm>
           <a:prstGeom prst="rect">
             <a:avLst/>
@@ -7260,7 +7260,7 @@
         <p:spPr>
           <a:xfrm>
             <a:off x="720000" y="2160000"/>
-            <a:ext cx="8631000" cy="4375800"/>
+            <a:ext cx="8630640" cy="4375440"/>
           </a:xfrm>
           <a:prstGeom prst="rect">
             <a:avLst/>
@@ -7543,7 +7543,7 @@
         <p:spPr>
           <a:xfrm>
             <a:off x="720000" y="300960"/>
-            <a:ext cx="8846640" cy="1253520"/>
+            <a:ext cx="8846280" cy="1253160"/>
           </a:xfrm>
           <a:prstGeom prst="rect">
             <a:avLst/>
@@ -7587,7 +7587,7 @@
         <p:spPr>
           <a:xfrm>
             <a:off x="720000" y="1764000"/>
-            <a:ext cx="8631000" cy="4375800"/>
+            <a:ext cx="8630640" cy="4375440"/>
           </a:xfrm>
           <a:prstGeom prst="rect">
             <a:avLst/>
@@ -8241,7 +8241,7 @@
         <p:spPr>
           <a:xfrm>
             <a:off x="720000" y="300960"/>
-            <a:ext cx="8846640" cy="1253520"/>
+            <a:ext cx="8846280" cy="1253160"/>
           </a:xfrm>
           <a:prstGeom prst="rect">
             <a:avLst/>
@@ -8285,7 +8285,7 @@
         <p:spPr>
           <a:xfrm>
             <a:off x="720000" y="2160000"/>
-            <a:ext cx="8631000" cy="4375800"/>
+            <a:ext cx="8630640" cy="4375440"/>
           </a:xfrm>
           <a:prstGeom prst="rect">
             <a:avLst/>
@@ -8798,7 +8798,7 @@
         <p:spPr>
           <a:xfrm>
             <a:off x="720000" y="300960"/>
-            <a:ext cx="8846640" cy="1253520"/>
+            <a:ext cx="8846280" cy="1253160"/>
           </a:xfrm>
           <a:prstGeom prst="rect">
             <a:avLst/>
@@ -8842,7 +8842,7 @@
         <p:spPr>
           <a:xfrm>
             <a:off x="720000" y="1656000"/>
-            <a:ext cx="8631000" cy="5396400"/>
+            <a:ext cx="8630640" cy="5396040"/>
           </a:xfrm>
           <a:prstGeom prst="rect">
             <a:avLst/>
@@ -8861,7 +8861,7 @@
         <p:txBody>
           <a:bodyPr lIns="0" rIns="0" tIns="0" bIns="0"/>
           <a:p>
-            <a:pPr marL="432000" indent="-315000">
+            <a:pPr marL="432000" indent="-314640">
               <a:lnSpc>
                 <a:spcPct val="100000"/>
               </a:lnSpc>
@@ -8890,7 +8890,7 @@
             </a:endParaRPr>
           </a:p>
           <a:p>
-            <a:pPr marL="432000" indent="-315000">
+            <a:pPr marL="432000" indent="-314640">
               <a:lnSpc>
                 <a:spcPct val="100000"/>
               </a:lnSpc>
@@ -8919,7 +8919,7 @@
             </a:endParaRPr>
           </a:p>
           <a:p>
-            <a:pPr marL="432000" indent="-315000">
+            <a:pPr marL="432000" indent="-314640">
               <a:lnSpc>
                 <a:spcPct val="100000"/>
               </a:lnSpc>
@@ -8948,7 +8948,7 @@
             </a:endParaRPr>
           </a:p>
           <a:p>
-            <a:pPr marL="432000" indent="-315000">
+            <a:pPr marL="432000" indent="-314640">
               <a:lnSpc>
                 <a:spcPct val="100000"/>
               </a:lnSpc>
@@ -8977,7 +8977,7 @@
             </a:endParaRPr>
           </a:p>
           <a:p>
-            <a:pPr marL="432000" indent="-315000">
+            <a:pPr marL="432000" indent="-314640">
               <a:lnSpc>
                 <a:spcPct val="100000"/>
               </a:lnSpc>
@@ -9016,7 +9016,7 @@
             </a:endParaRPr>
           </a:p>
           <a:p>
-            <a:pPr marL="432000" indent="-315000">
+            <a:pPr marL="432000" indent="-314640">
               <a:lnSpc>
                 <a:spcPct val="100000"/>
               </a:lnSpc>
@@ -9045,7 +9045,7 @@
             </a:endParaRPr>
           </a:p>
           <a:p>
-            <a:pPr marL="432000" indent="-315000">
+            <a:pPr marL="432000" indent="-314640">
               <a:lnSpc>
                 <a:spcPct val="100000"/>
               </a:lnSpc>
@@ -9074,7 +9074,7 @@
             </a:endParaRPr>
           </a:p>
           <a:p>
-            <a:pPr marL="432000" indent="-315000">
+            <a:pPr marL="432000" indent="-314640">
               <a:lnSpc>
                 <a:spcPct val="100000"/>
               </a:lnSpc>
@@ -9103,7 +9103,7 @@
             </a:endParaRPr>
           </a:p>
           <a:p>
-            <a:pPr marL="432000" indent="-315000">
+            <a:pPr marL="432000" indent="-314640">
               <a:lnSpc>
                 <a:spcPct val="100000"/>
               </a:lnSpc>
@@ -9132,7 +9132,7 @@
             </a:endParaRPr>
           </a:p>
           <a:p>
-            <a:pPr marL="432000" indent="-315000">
+            <a:pPr marL="432000" indent="-314640">
               <a:lnSpc>
                 <a:spcPct val="100000"/>
               </a:lnSpc>
@@ -9220,7 +9220,7 @@
         <p:spPr>
           <a:xfrm>
             <a:off x="720000" y="300960"/>
-            <a:ext cx="8846640" cy="1253520"/>
+            <a:ext cx="8846280" cy="1253160"/>
           </a:xfrm>
           <a:prstGeom prst="rect">
             <a:avLst/>
@@ -9264,7 +9264,7 @@
         <p:spPr>
           <a:xfrm>
             <a:off x="720000" y="1800000"/>
-            <a:ext cx="8631000" cy="5319720"/>
+            <a:ext cx="8630640" cy="5319360"/>
           </a:xfrm>
           <a:prstGeom prst="rect">
             <a:avLst/>
@@ -9932,7 +9932,7 @@
         <p:spPr>
           <a:xfrm>
             <a:off x="720000" y="300960"/>
-            <a:ext cx="8846640" cy="1253520"/>
+            <a:ext cx="8846280" cy="1253160"/>
           </a:xfrm>
           <a:prstGeom prst="rect">
             <a:avLst/>
@@ -9976,7 +9976,7 @@
         <p:spPr>
           <a:xfrm>
             <a:off x="720000" y="1800000"/>
-            <a:ext cx="8631000" cy="5319720"/>
+            <a:ext cx="8630640" cy="5319360"/>
           </a:xfrm>
           <a:prstGeom prst="rect">
             <a:avLst/>
@@ -10526,7 +10526,7 @@
         <p:spPr>
           <a:xfrm>
             <a:off x="720000" y="300960"/>
-            <a:ext cx="8846640" cy="1253520"/>
+            <a:ext cx="8846280" cy="1253160"/>
           </a:xfrm>
           <a:prstGeom prst="rect">
             <a:avLst/>
@@ -10570,7 +10570,7 @@
         <p:spPr>
           <a:xfrm>
             <a:off x="720000" y="2160000"/>
-            <a:ext cx="8631000" cy="4375800"/>
+            <a:ext cx="8630640" cy="4375440"/>
           </a:xfrm>
           <a:prstGeom prst="rect">
             <a:avLst/>
@@ -10589,8 +10589,103 @@
         <p:txBody>
           <a:bodyPr lIns="0" rIns="0" tIns="0" bIns="0"/>
           <a:p>
+            <a:endParaRPr b="0" lang="de-DE" sz="1800" spc="-1" strike="noStrike">
+              <a:latin typeface="Arial"/>
+            </a:endParaRPr>
+          </a:p>
+          <a:p>
+            <a:r>
+              <a:rPr b="1" lang="de-DE" sz="1600" spc="-1" strike="noStrike">
+                <a:solidFill>
+                  <a:srgbClr val="00006d"/>
+                </a:solidFill>
+                <a:latin typeface="Menlo"/>
+                <a:ea typeface="Menlo"/>
+              </a:rPr>
+              <a:t>val </a:t>
+            </a:r>
+            <a:r>
+              <a:rPr b="1" i="1" lang="de-DE" sz="1600" spc="-1" strike="noStrike">
+                <a:solidFill>
+                  <a:srgbClr val="520067"/>
+                </a:solidFill>
+                <a:latin typeface="Menlo"/>
+                <a:ea typeface="Menlo"/>
+              </a:rPr>
+              <a:t>mizzi </a:t>
+            </a:r>
+            <a:r>
+              <a:rPr b="1" lang="de-DE" sz="1600" spc="-1" strike="noStrike">
+                <a:solidFill>
+                  <a:srgbClr val="000000"/>
+                </a:solidFill>
+                <a:latin typeface="Menlo"/>
+                <a:ea typeface="Menlo"/>
+              </a:rPr>
+              <a:t>= Cat(</a:t>
+            </a:r>
+            <a:r>
+              <a:rPr b="1" lang="de-DE" sz="1600" spc="-1" strike="noStrike">
+                <a:solidFill>
+                  <a:srgbClr val="0f7003"/>
+                </a:solidFill>
+                <a:latin typeface="Menlo"/>
+                <a:ea typeface="Menlo"/>
+              </a:rPr>
+              <a:t>"Mizzi"</a:t>
+            </a:r>
+            <a:r>
+              <a:rPr b="1" lang="de-DE" sz="1600" spc="-1" strike="noStrike">
+                <a:solidFill>
+                  <a:srgbClr val="000000"/>
+                </a:solidFill>
+                <a:latin typeface="Menlo"/>
+                <a:ea typeface="Menlo"/>
+              </a:rPr>
+              <a:t>, </a:t>
+            </a:r>
+            <a:r>
+              <a:rPr b="1" lang="de-DE" sz="1600" spc="-1" strike="noStrike">
+                <a:solidFill>
+                  <a:srgbClr val="0000fe"/>
+                </a:solidFill>
+                <a:latin typeface="Menlo"/>
+                <a:ea typeface="Menlo"/>
+              </a:rPr>
+              <a:t>1</a:t>
+            </a:r>
+            <a:r>
+              <a:rPr b="1" lang="de-DE" sz="1600" spc="-1" strike="noStrike">
+                <a:solidFill>
+                  <a:srgbClr val="000000"/>
+                </a:solidFill>
+                <a:latin typeface="Menlo"/>
+                <a:ea typeface="Menlo"/>
+              </a:rPr>
+              <a:t>, </a:t>
+            </a:r>
+            <a:r>
+              <a:rPr b="1" lang="de-DE" sz="1600" spc="-1" strike="noStrike">
+                <a:solidFill>
+                  <a:srgbClr val="0f7003"/>
+                </a:solidFill>
+                <a:latin typeface="Menlo"/>
+                <a:ea typeface="Menlo"/>
+              </a:rPr>
+              <a:t>"black"</a:t>
+            </a:r>
+            <a:r>
+              <a:rPr b="1" lang="de-DE" sz="1600" spc="-1" strike="noStrike">
+                <a:solidFill>
+                  <a:srgbClr val="000000"/>
+                </a:solidFill>
+                <a:latin typeface="Menlo"/>
+                <a:ea typeface="Menlo"/>
+              </a:rPr>
+              <a:t>)</a:t>
+            </a:r>
             <a:endParaRPr b="0" lang="de-DE" sz="1600" spc="-1" strike="noStrike">
-              <a:latin typeface="Menlo"/>
+              <a:latin typeface="Arial"/>
             </a:endParaRPr>
           </a:p>
           <a:p>
@@ -10612,7 +10707,7 @@
                 <a:latin typeface="Menlo"/>
                 <a:ea typeface="Menlo"/>
               </a:rPr>
-              <a:t>mizzi </a:t>
+              <a:t>garfield </a:t>
             </a:r>
             <a:r>
               <a:rPr b="1" lang="de-DE" sz="1600" spc="-1" strike="noStrike">
@@ -10622,17 +10717,37 @@
                 <a:latin typeface="Menlo"/>
                 <a:ea typeface="Menlo"/>
               </a:rPr>
-              <a:t>= Cat(</a:t>
+              <a:t>= </a:t>
+            </a:r>
+            <a:r>
+              <a:rPr b="1" i="1" lang="de-DE" sz="1600" spc="-1" strike="noStrike">
+                <a:solidFill>
+                  <a:srgbClr val="000000"/>
+                </a:solidFill>
+                <a:latin typeface="Menlo"/>
+                <a:ea typeface="Menlo"/>
+              </a:rPr>
+              <a:t>Cat</a:t>
             </a:r>
             <a:r>
               <a:rPr b="1" lang="de-DE" sz="1600" spc="-1" strike="noStrike">
                 <a:solidFill>
+                  <a:srgbClr val="000000"/>
+                </a:solidFill>
+                <a:latin typeface="Menlo"/>
+                <a:ea typeface="Menlo"/>
+              </a:rPr>
+              <a:t>(</a:t>
+            </a:r>
+            <a:r>
+              <a:rPr b="1" lang="de-DE" sz="1600" spc="-1" strike="noStrike">
+                <a:solidFill>
                   <a:srgbClr val="0f7003"/>
                 </a:solidFill>
                 <a:latin typeface="Menlo"/>
                 <a:ea typeface="Menlo"/>
               </a:rPr>
-              <a:t>"Mizzi"</a:t>
+              <a:t>"Garfield"</a:t>
             </a:r>
             <a:r>
               <a:rPr b="1" lang="de-DE" sz="1600" spc="-1" strike="noStrike">
@@ -10652,7 +10767,7 @@
                 <a:latin typeface="Menlo"/>
                 <a:ea typeface="Menlo"/>
               </a:rPr>
-              <a:t>1</a:t>
+              <a:t>38</a:t>
             </a:r>
             <a:r>
               <a:rPr b="1" lang="de-DE" sz="1600" spc="-1" strike="noStrike">
@@ -10672,7 +10787,7 @@
                 <a:latin typeface="Menlo"/>
                 <a:ea typeface="Menlo"/>
               </a:rPr>
-              <a:t>"black"</a:t>
+              <a:t>"ginger and black"</a:t>
             </a:r>
             <a:r>
               <a:rPr b="1" lang="de-DE" sz="1600" spc="-1" strike="noStrike">
@@ -10685,7 +10800,12 @@
               <a:t>)</a:t>
             </a:r>
             <a:endParaRPr b="0" lang="de-DE" sz="1600" spc="-1" strike="noStrike">
-              <a:latin typeface="Menlo"/>
+              <a:latin typeface="Arial"/>
+            </a:endParaRPr>
+          </a:p>
+          <a:p>
+            <a:endParaRPr b="0" lang="de-DE" sz="1600" spc="-1" strike="noStrike">
+              <a:latin typeface="Arial"/>
             </a:endParaRPr>
           </a:p>
           <a:p>
@@ -10697,60 +10817,315 @@
                 <a:latin typeface="Menlo"/>
                 <a:ea typeface="Menlo"/>
               </a:rPr>
-              <a:t>val </a:t>
-            </a:r>
-            <a:r>
-              <a:rPr b="1" i="1" lang="de-DE" sz="1600" spc="-1" strike="noStrike">
+              <a:t>def </a:t>
+            </a:r>
+            <a:r>
+              <a:rPr b="0" lang="de-DE" sz="1600" spc="-1" strike="noStrike">
+                <a:solidFill>
+                  <a:srgbClr val="000000"/>
+                </a:solidFill>
+                <a:latin typeface="Menlo"/>
+                <a:ea typeface="Menlo"/>
+              </a:rPr>
+              <a:t>myPrint[</a:t>
+            </a:r>
+            <a:r>
+              <a:rPr b="0" lang="de-DE" sz="1600" spc="-1" strike="noStrike">
+                <a:solidFill>
+                  <a:srgbClr val="1f888b"/>
+                </a:solidFill>
+                <a:latin typeface="Menlo"/>
+                <a:ea typeface="Menlo"/>
+              </a:rPr>
+              <a:t>A</a:t>
+            </a:r>
+            <a:r>
+              <a:rPr b="0" lang="de-DE" sz="1600" spc="-1" strike="noStrike">
+                <a:solidFill>
+                  <a:srgbClr val="000000"/>
+                </a:solidFill>
+                <a:latin typeface="Menlo"/>
+                <a:ea typeface="Menlo"/>
+              </a:rPr>
+              <a:t>](value: </a:t>
+            </a:r>
+            <a:r>
+              <a:rPr b="0" lang="de-DE" sz="1600" spc="-1" strike="noStrike">
+                <a:solidFill>
+                  <a:srgbClr val="1f888b"/>
+                </a:solidFill>
+                <a:latin typeface="Menlo"/>
+                <a:ea typeface="Menlo"/>
+              </a:rPr>
+              <a:t>A</a:t>
+            </a:r>
+            <a:r>
+              <a:rPr b="0" lang="de-DE" sz="1600" spc="-1" strike="noStrike">
+                <a:solidFill>
+                  <a:srgbClr val="000000"/>
+                </a:solidFill>
+                <a:latin typeface="Menlo"/>
+                <a:ea typeface="Menlo"/>
+              </a:rPr>
+              <a:t>)(</a:t>
+            </a:r>
+            <a:r>
+              <a:rPr b="1" lang="de-DE" sz="1600" spc="-1" strike="noStrike">
+                <a:solidFill>
+                  <a:srgbClr val="00006d"/>
+                </a:solidFill>
+                <a:latin typeface="Menlo"/>
+                <a:ea typeface="Menlo"/>
+              </a:rPr>
+              <a:t>implicit </a:t>
+            </a:r>
+            <a:r>
+              <a:rPr b="0" lang="de-DE" sz="1600" spc="-1" strike="noStrike">
+                <a:solidFill>
+                  <a:srgbClr val="000000"/>
+                </a:solidFill>
+                <a:latin typeface="Menlo"/>
+                <a:ea typeface="Menlo"/>
+              </a:rPr>
+              <a:t>p: Printable[</a:t>
+            </a:r>
+            <a:r>
+              <a:rPr b="0" lang="de-DE" sz="1600" spc="-1" strike="noStrike">
+                <a:solidFill>
+                  <a:srgbClr val="1f888b"/>
+                </a:solidFill>
+                <a:latin typeface="Menlo"/>
+                <a:ea typeface="Menlo"/>
+              </a:rPr>
+              <a:t>A</a:t>
+            </a:r>
+            <a:r>
+              <a:rPr b="0" lang="de-DE" sz="1600" spc="-1" strike="noStrike">
+                <a:solidFill>
+                  <a:srgbClr val="000000"/>
+                </a:solidFill>
+                <a:latin typeface="Menlo"/>
+                <a:ea typeface="Menlo"/>
+              </a:rPr>
+              <a:t>]): Unit =</a:t>
+            </a:r>
+            <a:endParaRPr b="0" lang="de-DE" sz="1600" spc="-1" strike="noStrike">
+              <a:latin typeface="Arial"/>
+            </a:endParaRPr>
+          </a:p>
+          <a:p>
+            <a:r>
+              <a:rPr b="0" lang="de-DE" sz="1600" spc="-1" strike="noStrike">
+                <a:solidFill>
+                  <a:srgbClr val="000000"/>
+                </a:solidFill>
+                <a:latin typeface="Menlo"/>
+                <a:ea typeface="Menlo"/>
+              </a:rPr>
+              <a:t>  </a:t>
+            </a:r>
+            <a:r>
+              <a:rPr b="0" i="1" lang="de-DE" sz="1600" spc="-1" strike="noStrike">
+                <a:solidFill>
+                  <a:srgbClr val="000000"/>
+                </a:solidFill>
+                <a:latin typeface="Menlo"/>
+                <a:ea typeface="Menlo"/>
+              </a:rPr>
+              <a:t>println</a:t>
+            </a:r>
+            <a:r>
+              <a:rPr b="0" lang="de-DE" sz="1600" spc="-1" strike="noStrike">
+                <a:solidFill>
+                  <a:srgbClr val="000000"/>
+                </a:solidFill>
+                <a:latin typeface="Menlo"/>
+                <a:ea typeface="Menlo"/>
+              </a:rPr>
+              <a:t>(p.stringify(value))</a:t>
+            </a:r>
+            <a:endParaRPr b="0" lang="de-DE" sz="1600" spc="-1" strike="noStrike">
+              <a:latin typeface="Arial"/>
+            </a:endParaRPr>
+          </a:p>
+          <a:p>
+            <a:endParaRPr b="0" lang="de-DE" sz="1600" spc="-1" strike="noStrike">
+              <a:latin typeface="Arial"/>
+            </a:endParaRPr>
+          </a:p>
+          <a:p>
+            <a:r>
+              <a:rPr b="0" lang="de-DE" sz="1600" spc="-1" strike="noStrike">
+                <a:solidFill>
+                  <a:srgbClr val="000000"/>
+                </a:solidFill>
+                <a:latin typeface="Menlo"/>
+                <a:ea typeface="Menlo"/>
+              </a:rPr>
+              <a:t>myPrint(</a:t>
+            </a:r>
+            <a:r>
+              <a:rPr b="0" i="1" lang="de-DE" sz="1600" spc="-1" strike="noStrike">
                 <a:solidFill>
                   <a:srgbClr val="520067"/>
                 </a:solidFill>
                 <a:latin typeface="Menlo"/>
                 <a:ea typeface="Menlo"/>
               </a:rPr>
-              <a:t>garfield </a:t>
-            </a:r>
-            <a:r>
-              <a:rPr b="1" lang="de-DE" sz="1600" spc="-1" strike="noStrike">
-                <a:solidFill>
-                  <a:srgbClr val="000000"/>
-                </a:solidFill>
-                <a:latin typeface="Menlo"/>
-                <a:ea typeface="Menlo"/>
-              </a:rPr>
-              <a:t>= </a:t>
-            </a:r>
-            <a:r>
-              <a:rPr b="1" i="1" lang="de-DE" sz="1600" spc="-1" strike="noStrike">
-                <a:solidFill>
-                  <a:srgbClr val="000000"/>
-                </a:solidFill>
-                <a:latin typeface="Menlo"/>
-                <a:ea typeface="Menlo"/>
-              </a:rPr>
-              <a:t>Cat</a:t>
-            </a:r>
-            <a:r>
-              <a:rPr b="1" lang="de-DE" sz="1600" spc="-1" strike="noStrike">
-                <a:solidFill>
-                  <a:srgbClr val="000000"/>
-                </a:solidFill>
-                <a:latin typeface="Menlo"/>
-                <a:ea typeface="Menlo"/>
-              </a:rPr>
-              <a:t>(</a:t>
-            </a:r>
-            <a:r>
-              <a:rPr b="1" lang="de-DE" sz="1600" spc="-1" strike="noStrike">
-                <a:solidFill>
-                  <a:srgbClr val="0f7003"/>
-                </a:solidFill>
-                <a:latin typeface="Menlo"/>
-                <a:ea typeface="Menlo"/>
-              </a:rPr>
-              <a:t>"Garfield"</a:t>
-            </a:r>
-            <a:r>
-              <a:rPr b="1" lang="de-DE" sz="1600" spc="-1" strike="noStrike">
+              <a:t>mizzi</a:t>
+            </a:r>
+            <a:r>
+              <a:rPr b="0" lang="de-DE" sz="1600" spc="-1" strike="noStrike">
+                <a:solidFill>
+                  <a:srgbClr val="000000"/>
+                </a:solidFill>
+                <a:latin typeface="Menlo"/>
+                <a:ea typeface="Menlo"/>
+              </a:rPr>
+              <a:t>)</a:t>
+            </a:r>
+            <a:endParaRPr b="0" lang="de-DE" sz="1600" spc="-1" strike="noStrike">
+              <a:latin typeface="Arial"/>
+            </a:endParaRPr>
+          </a:p>
+          <a:p>
+            <a:r>
+              <a:rPr b="0" lang="de-DE" sz="1600" spc="-1" strike="noStrike">
+                <a:solidFill>
+                  <a:srgbClr val="000000"/>
+                </a:solidFill>
+                <a:latin typeface="Menlo"/>
+                <a:ea typeface="Menlo"/>
+              </a:rPr>
+              <a:t>myPrint(</a:t>
+            </a:r>
+            <a:r>
+              <a:rPr b="0" i="1" lang="de-DE" sz="1600" spc="-1" strike="noStrike">
+                <a:solidFill>
+                  <a:srgbClr val="520067"/>
+                </a:solidFill>
+                <a:latin typeface="Menlo"/>
+                <a:ea typeface="Menlo"/>
+              </a:rPr>
+              <a:t>garfield</a:t>
+            </a:r>
+            <a:r>
+              <a:rPr b="0" lang="de-DE" sz="1600" spc="-1" strike="noStrike">
+                <a:solidFill>
+                  <a:srgbClr val="000000"/>
+                </a:solidFill>
+                <a:latin typeface="Menlo"/>
+                <a:ea typeface="Menlo"/>
+              </a:rPr>
+              <a:t>)</a:t>
+            </a:r>
+            <a:endParaRPr b="0" lang="de-DE" sz="1600" spc="-1" strike="noStrike">
+              <a:latin typeface="Arial"/>
+            </a:endParaRPr>
+          </a:p>
+          <a:p>
+            <a:endParaRPr b="0" lang="de-DE" sz="1600" spc="-1" strike="noStrike">
+              <a:latin typeface="Arial"/>
+            </a:endParaRPr>
+          </a:p>
+          <a:p>
+            <a:pPr>
+              <a:lnSpc>
+                <a:spcPct val="100000"/>
+              </a:lnSpc>
+            </a:pPr>
+            <a:r>
+              <a:rPr b="0" lang="de-DE" sz="1600" spc="-1" strike="noStrike">
+                <a:solidFill>
+                  <a:srgbClr val="000000"/>
+                </a:solidFill>
+                <a:latin typeface="Menlo"/>
+                <a:ea typeface="Menlo"/>
+              </a:rPr>
+              <a:t>myPrint(Option(</a:t>
+            </a:r>
+            <a:r>
+              <a:rPr b="0" i="1" lang="de-DE" sz="1600" spc="-1" strike="noStrike">
+                <a:solidFill>
+                  <a:srgbClr val="520067"/>
+                </a:solidFill>
+                <a:latin typeface="Menlo"/>
+                <a:ea typeface="Menlo"/>
+              </a:rPr>
+              <a:t>garfield</a:t>
+            </a:r>
+            <a:r>
+              <a:rPr b="0" lang="de-DE" sz="1600" spc="-1" strike="noStrike">
+                <a:solidFill>
+                  <a:srgbClr val="000000"/>
+                </a:solidFill>
+                <a:latin typeface="Menlo"/>
+                <a:ea typeface="Menlo"/>
+              </a:rPr>
+              <a:t>))</a:t>
+            </a:r>
+            <a:endParaRPr b="0" lang="de-DE" sz="1600" spc="-1" strike="noStrike">
+              <a:latin typeface="Arial"/>
+            </a:endParaRPr>
+          </a:p>
+          <a:p>
+            <a:pPr>
+              <a:lnSpc>
+                <a:spcPct val="100000"/>
+              </a:lnSpc>
+            </a:pPr>
+            <a:r>
+              <a:rPr b="0" lang="de-DE" sz="1600" spc="-1" strike="noStrike">
+                <a:solidFill>
+                  <a:srgbClr val="000000"/>
+                </a:solidFill>
+                <a:latin typeface="Menlo"/>
+                <a:ea typeface="Menlo"/>
+              </a:rPr>
+              <a:t>myPrint(Option.empty[Cat])</a:t>
+            </a:r>
+            <a:endParaRPr b="0" lang="de-DE" sz="1600" spc="-1" strike="noStrike">
+              <a:latin typeface="Arial"/>
+            </a:endParaRPr>
+          </a:p>
+          <a:p>
+            <a:pPr>
+              <a:lnSpc>
+                <a:spcPct val="100000"/>
+              </a:lnSpc>
+            </a:pPr>
+            <a:endParaRPr b="0" lang="de-DE" sz="1600" spc="-1" strike="noStrike">
+              <a:latin typeface="Arial"/>
+            </a:endParaRPr>
+          </a:p>
+          <a:p>
+            <a:pPr>
+              <a:lnSpc>
+                <a:spcPct val="100000"/>
+              </a:lnSpc>
+            </a:pPr>
+            <a:r>
+              <a:rPr b="0" lang="de-DE" sz="1600" spc="-1" strike="noStrike">
+                <a:solidFill>
+                  <a:srgbClr val="000000"/>
+                </a:solidFill>
+                <a:latin typeface="Menlo"/>
+                <a:ea typeface="Menlo"/>
+              </a:rPr>
+              <a:t>myPrint(List(</a:t>
+            </a:r>
+            <a:r>
+              <a:rPr b="0" i="1" lang="de-DE" sz="1600" spc="-1" strike="noStrike">
+                <a:solidFill>
+                  <a:srgbClr val="520067"/>
+                </a:solidFill>
+                <a:latin typeface="Menlo"/>
+                <a:ea typeface="Menlo"/>
+              </a:rPr>
+              <a:t>mizzi</a:t>
+            </a:r>
+            <a:r>
+              <a:rPr b="0" lang="de-DE" sz="1600" spc="-1" strike="noStrike">
                 <a:solidFill>
                   <a:srgbClr val="000000"/>
                 </a:solidFill>
@@ -10760,436 +11135,57 @@
               <a:t>, </a:t>
             </a:r>
             <a:r>
-              <a:rPr b="1" lang="de-DE" sz="1600" spc="-1" strike="noStrike">
-                <a:solidFill>
-                  <a:srgbClr val="0000fe"/>
-                </a:solidFill>
-                <a:latin typeface="Menlo"/>
-                <a:ea typeface="Menlo"/>
-              </a:rPr>
-              <a:t>38</a:t>
-            </a:r>
-            <a:r>
-              <a:rPr b="1" lang="de-DE" sz="1600" spc="-1" strike="noStrike">
-                <a:solidFill>
-                  <a:srgbClr val="000000"/>
-                </a:solidFill>
-                <a:latin typeface="Menlo"/>
-                <a:ea typeface="Menlo"/>
-              </a:rPr>
-              <a:t>, </a:t>
-            </a:r>
-            <a:r>
-              <a:rPr b="1" lang="de-DE" sz="1600" spc="-1" strike="noStrike">
-                <a:solidFill>
-                  <a:srgbClr val="0f7003"/>
-                </a:solidFill>
-                <a:latin typeface="Menlo"/>
-                <a:ea typeface="Menlo"/>
-              </a:rPr>
-              <a:t>"ginger and black"</a:t>
-            </a:r>
-            <a:r>
-              <a:rPr b="1" lang="de-DE" sz="1600" spc="-1" strike="noStrike">
-                <a:solidFill>
-                  <a:srgbClr val="000000"/>
-                </a:solidFill>
-                <a:latin typeface="Menlo"/>
-                <a:ea typeface="Menlo"/>
-              </a:rPr>
-              <a:t>)</a:t>
+              <a:rPr b="0" i="1" lang="de-DE" sz="1600" spc="-1" strike="noStrike">
+                <a:solidFill>
+                  <a:srgbClr val="520067"/>
+                </a:solidFill>
+                <a:latin typeface="Menlo"/>
+                <a:ea typeface="Menlo"/>
+              </a:rPr>
+              <a:t>garfield</a:t>
+            </a:r>
+            <a:r>
+              <a:rPr b="0" lang="de-DE" sz="1600" spc="-1" strike="noStrike">
+                <a:solidFill>
+                  <a:srgbClr val="000000"/>
+                </a:solidFill>
+                <a:latin typeface="Menlo"/>
+                <a:ea typeface="Menlo"/>
+              </a:rPr>
+              <a:t>))</a:t>
             </a:r>
             <a:endParaRPr b="0" lang="de-DE" sz="1600" spc="-1" strike="noStrike">
-              <a:latin typeface="Menlo"/>
-            </a:endParaRPr>
-          </a:p>
-          <a:p>
+              <a:latin typeface="Arial"/>
+            </a:endParaRPr>
+          </a:p>
+          <a:p>
+            <a:pPr>
+              <a:lnSpc>
+                <a:spcPct val="100000"/>
+              </a:lnSpc>
+            </a:pPr>
+            <a:r>
+              <a:rPr b="0" lang="de-DE" sz="1600" spc="-1" strike="noStrike">
+                <a:solidFill>
+                  <a:srgbClr val="000000"/>
+                </a:solidFill>
+                <a:latin typeface="Menlo"/>
+                <a:ea typeface="Menlo"/>
+              </a:rPr>
+              <a:t>myPrint(List.empty[Cat])</a:t>
+            </a:r>
             <a:endParaRPr b="0" lang="de-DE" sz="1600" spc="-1" strike="noStrike">
-              <a:solidFill>
-                <a:srgbClr val="000000"/>
-              </a:solidFill>
-              <a:latin typeface="Menlo"/>
-              <a:ea typeface="Menlo"/>
-            </a:endParaRPr>
-          </a:p>
-          <a:p>
-            <a:r>
-              <a:rPr b="1" lang="de-DE" sz="1600" spc="-1" strike="noStrike">
-                <a:solidFill>
-                  <a:srgbClr val="00006d"/>
-                </a:solidFill>
-                <a:latin typeface="Menlo"/>
-                <a:ea typeface="Menlo"/>
-              </a:rPr>
-              <a:t>def </a:t>
-            </a:r>
-            <a:r>
-              <a:rPr b="0" lang="de-DE" sz="1600" spc="-1" strike="noStrike">
-                <a:solidFill>
-                  <a:srgbClr val="000000"/>
-                </a:solidFill>
-                <a:latin typeface="Menlo"/>
-                <a:ea typeface="Menlo"/>
-              </a:rPr>
-              <a:t>myPrint[</a:t>
-            </a:r>
-            <a:r>
-              <a:rPr b="0" lang="de-DE" sz="1600" spc="-1" strike="noStrike">
-                <a:solidFill>
-                  <a:srgbClr val="1f888b"/>
-                </a:solidFill>
-                <a:latin typeface="Menlo"/>
-                <a:ea typeface="Menlo"/>
-              </a:rPr>
-              <a:t>A</a:t>
-            </a:r>
-            <a:r>
-              <a:rPr b="0" lang="de-DE" sz="1600" spc="-1" strike="noStrike">
-                <a:solidFill>
-                  <a:srgbClr val="000000"/>
-                </a:solidFill>
-                <a:latin typeface="Menlo"/>
-                <a:ea typeface="Menlo"/>
-              </a:rPr>
-              <a:t>](value: </a:t>
-            </a:r>
-            <a:r>
-              <a:rPr b="0" lang="de-DE" sz="1600" spc="-1" strike="noStrike">
-                <a:solidFill>
-                  <a:srgbClr val="1f888b"/>
-                </a:solidFill>
-                <a:latin typeface="Menlo"/>
-                <a:ea typeface="Menlo"/>
-              </a:rPr>
-              <a:t>A</a:t>
-            </a:r>
-            <a:r>
-              <a:rPr b="0" lang="de-DE" sz="1600" spc="-1" strike="noStrike">
-                <a:solidFill>
-                  <a:srgbClr val="000000"/>
-                </a:solidFill>
-                <a:latin typeface="Menlo"/>
-                <a:ea typeface="Menlo"/>
-              </a:rPr>
-              <a:t>)(</a:t>
-            </a:r>
-            <a:r>
-              <a:rPr b="1" lang="de-DE" sz="1600" spc="-1" strike="noStrike">
-                <a:solidFill>
-                  <a:srgbClr val="00006d"/>
-                </a:solidFill>
-                <a:latin typeface="Menlo"/>
-                <a:ea typeface="Menlo"/>
-              </a:rPr>
-              <a:t>implicit </a:t>
-            </a:r>
-            <a:r>
-              <a:rPr b="0" lang="de-DE" sz="1600" spc="-1" strike="noStrike">
-                <a:solidFill>
-                  <a:srgbClr val="000000"/>
-                </a:solidFill>
-                <a:latin typeface="Menlo"/>
-                <a:ea typeface="Menlo"/>
-              </a:rPr>
-              <a:t>p: Printable[</a:t>
-            </a:r>
-            <a:r>
-              <a:rPr b="0" lang="de-DE" sz="1600" spc="-1" strike="noStrike">
-                <a:solidFill>
-                  <a:srgbClr val="1f888b"/>
-                </a:solidFill>
-                <a:latin typeface="Menlo"/>
-                <a:ea typeface="Menlo"/>
-              </a:rPr>
-              <a:t>A</a:t>
-            </a:r>
-            <a:r>
-              <a:rPr b="0" lang="de-DE" sz="1600" spc="-1" strike="noStrike">
-                <a:solidFill>
-                  <a:srgbClr val="000000"/>
-                </a:solidFill>
-                <a:latin typeface="Menlo"/>
-                <a:ea typeface="Menlo"/>
-              </a:rPr>
-              <a:t>]): Unit =</a:t>
-            </a:r>
+              <a:latin typeface="Arial"/>
+            </a:endParaRPr>
+          </a:p>
+          <a:p>
+            <a:pPr>
+              <a:lnSpc>
+                <a:spcPct val="100000"/>
+              </a:lnSpc>
+            </a:pPr>
             <a:endParaRPr b="0" lang="de-DE" sz="1600" spc="-1" strike="noStrike">
-              <a:latin typeface="Menlo"/>
-            </a:endParaRPr>
-          </a:p>
-          <a:p>
-            <a:r>
-              <a:rPr b="0" lang="de-DE" sz="1600" spc="-1" strike="noStrike">
-                <a:solidFill>
-                  <a:srgbClr val="000000"/>
-                </a:solidFill>
-                <a:latin typeface="Menlo"/>
-                <a:ea typeface="Menlo"/>
-              </a:rPr>
-              <a:t>  </a:t>
-            </a:r>
-            <a:r>
-              <a:rPr b="0" i="1" lang="de-DE" sz="1600" spc="-1" strike="noStrike">
-                <a:solidFill>
-                  <a:srgbClr val="000000"/>
-                </a:solidFill>
-                <a:latin typeface="Menlo"/>
-                <a:ea typeface="Menlo"/>
-              </a:rPr>
-              <a:t>println</a:t>
-            </a:r>
-            <a:r>
-              <a:rPr b="0" lang="de-DE" sz="1600" spc="-1" strike="noStrike">
-                <a:solidFill>
-                  <a:srgbClr val="000000"/>
-                </a:solidFill>
-                <a:latin typeface="Menlo"/>
-                <a:ea typeface="Menlo"/>
-              </a:rPr>
-              <a:t>(p.stringify(value))</a:t>
-            </a:r>
-            <a:endParaRPr b="0" lang="de-DE" sz="1600" spc="-1" strike="noStrike">
-              <a:latin typeface="Menlo"/>
-            </a:endParaRPr>
-          </a:p>
-          <a:p>
-            <a:endParaRPr b="0" lang="de-DE" sz="1600" spc="-1" strike="noStrike">
-              <a:latin typeface="Menlo"/>
-            </a:endParaRPr>
-          </a:p>
-          <a:p>
-            <a:r>
-              <a:rPr b="0" lang="de-DE" sz="1600" spc="-1" strike="noStrike">
-                <a:solidFill>
-                  <a:srgbClr val="000000"/>
-                </a:solidFill>
-                <a:latin typeface="Menlo"/>
-                <a:ea typeface="Menlo"/>
-              </a:rPr>
-              <a:t>myPrint(</a:t>
-            </a:r>
-            <a:r>
-              <a:rPr b="0" i="1" lang="de-DE" sz="1600" spc="-1" strike="noStrike">
-                <a:solidFill>
-                  <a:srgbClr val="520067"/>
-                </a:solidFill>
-                <a:latin typeface="Menlo"/>
-                <a:ea typeface="Menlo"/>
-              </a:rPr>
-              <a:t>mizzi</a:t>
-            </a:r>
-            <a:r>
-              <a:rPr b="0" lang="de-DE" sz="1600" spc="-1" strike="noStrike">
-                <a:solidFill>
-                  <a:srgbClr val="000000"/>
-                </a:solidFill>
-                <a:latin typeface="Menlo"/>
-                <a:ea typeface="Menlo"/>
-              </a:rPr>
-              <a:t>)</a:t>
-            </a:r>
-            <a:endParaRPr b="0" lang="de-DE" sz="1600" spc="-1" strike="noStrike">
-              <a:latin typeface="Menlo"/>
-            </a:endParaRPr>
-          </a:p>
-          <a:p>
-            <a:r>
-              <a:rPr b="0" lang="de-DE" sz="1600" spc="-1" strike="noStrike">
-                <a:solidFill>
-                  <a:srgbClr val="000000"/>
-                </a:solidFill>
-                <a:latin typeface="Menlo"/>
-                <a:ea typeface="Menlo"/>
-              </a:rPr>
-              <a:t>myPrint(</a:t>
-            </a:r>
-            <a:r>
-              <a:rPr b="0" i="1" lang="de-DE" sz="1600" spc="-1" strike="noStrike">
-                <a:solidFill>
-                  <a:srgbClr val="520067"/>
-                </a:solidFill>
-                <a:latin typeface="Menlo"/>
-                <a:ea typeface="Menlo"/>
-              </a:rPr>
-              <a:t>garfield</a:t>
-            </a:r>
-            <a:r>
-              <a:rPr b="0" lang="de-DE" sz="1600" spc="-1" strike="noStrike">
-                <a:solidFill>
-                  <a:srgbClr val="000000"/>
-                </a:solidFill>
-                <a:latin typeface="Menlo"/>
-                <a:ea typeface="Menlo"/>
-              </a:rPr>
-              <a:t>)</a:t>
-            </a:r>
-            <a:endParaRPr b="0" lang="de-DE" sz="1600" spc="-1" strike="noStrike">
-              <a:latin typeface="Menlo"/>
-            </a:endParaRPr>
-          </a:p>
-          <a:p>
-            <a:endParaRPr b="0" lang="de-DE" sz="1600" spc="-1" strike="noStrike">
-              <a:latin typeface="Menlo"/>
-            </a:endParaRPr>
-          </a:p>
-          <a:p>
-            <a:pPr>
-              <a:lnSpc>
-                <a:spcPct val="100000"/>
-              </a:lnSpc>
-            </a:pPr>
-            <a:r>
-              <a:rPr b="0" lang="de-DE" sz="1600" spc="-1" strike="noStrike">
-                <a:solidFill>
-                  <a:srgbClr val="000000"/>
-                </a:solidFill>
-                <a:latin typeface="Menlo"/>
-                <a:ea typeface="Menlo"/>
-              </a:rPr>
-              <a:t>myPrint(Option(</a:t>
-            </a:r>
-            <a:r>
-              <a:rPr b="0" i="1" lang="de-DE" sz="1600" spc="-1" strike="noStrike">
-                <a:solidFill>
-                  <a:srgbClr val="520067"/>
-                </a:solidFill>
-                <a:latin typeface="Menlo"/>
-                <a:ea typeface="Menlo"/>
-              </a:rPr>
-              <a:t>garfield</a:t>
-            </a:r>
-            <a:r>
-              <a:rPr b="0" lang="de-DE" sz="1600" spc="-1" strike="noStrike">
-                <a:solidFill>
-                  <a:srgbClr val="000000"/>
-                </a:solidFill>
-                <a:latin typeface="Menlo"/>
-                <a:ea typeface="Menlo"/>
-              </a:rPr>
-              <a:t>))</a:t>
-            </a:r>
-            <a:endParaRPr b="0" lang="de-DE" sz="1600" spc="-1" strike="noStrike">
-              <a:latin typeface="Menlo"/>
-            </a:endParaRPr>
-          </a:p>
-          <a:p>
-            <a:pPr>
-              <a:lnSpc>
-                <a:spcPct val="100000"/>
-              </a:lnSpc>
-            </a:pPr>
-            <a:r>
-              <a:rPr b="0" lang="de-DE" sz="1600" spc="-1" strike="noStrike">
-                <a:solidFill>
-                  <a:srgbClr val="000000"/>
-                </a:solidFill>
-                <a:latin typeface="Menlo"/>
-                <a:ea typeface="Menlo"/>
-              </a:rPr>
-              <a:t>myPrint(Option.empty[Cat])</a:t>
-            </a:r>
-            <a:endParaRPr b="0" lang="de-DE" sz="1600" spc="-1" strike="noStrike">
-              <a:latin typeface="Menlo"/>
-            </a:endParaRPr>
-          </a:p>
-          <a:p>
-            <a:pPr>
-              <a:lnSpc>
-                <a:spcPct val="100000"/>
-              </a:lnSpc>
-            </a:pPr>
-            <a:endParaRPr b="0" lang="de-DE" sz="1600" spc="-1" strike="noStrike">
-              <a:latin typeface="Menlo"/>
-            </a:endParaRPr>
-          </a:p>
-          <a:p>
-            <a:pPr>
-              <a:lnSpc>
-                <a:spcPct val="100000"/>
-              </a:lnSpc>
-            </a:pPr>
-            <a:r>
-              <a:rPr b="0" lang="de-DE" sz="1600" spc="-1" strike="noStrike">
-                <a:solidFill>
-                  <a:srgbClr val="000000"/>
-                </a:solidFill>
-                <a:latin typeface="Menlo"/>
-                <a:ea typeface="Menlo"/>
-              </a:rPr>
-              <a:t>myPrint(List(</a:t>
-            </a:r>
-            <a:r>
-              <a:rPr b="0" i="1" lang="de-DE" sz="1600" spc="-1" strike="noStrike">
-                <a:solidFill>
-                  <a:srgbClr val="520067"/>
-                </a:solidFill>
-                <a:latin typeface="Menlo"/>
-                <a:ea typeface="Menlo"/>
-              </a:rPr>
-              <a:t>mizzi</a:t>
-            </a:r>
-            <a:r>
-              <a:rPr b="0" lang="de-DE" sz="1600" spc="-1" strike="noStrike">
-                <a:solidFill>
-                  <a:srgbClr val="000000"/>
-                </a:solidFill>
-                <a:latin typeface="Menlo"/>
-                <a:ea typeface="Menlo"/>
-              </a:rPr>
-              <a:t>, </a:t>
-            </a:r>
-            <a:r>
-              <a:rPr b="0" i="1" lang="de-DE" sz="1600" spc="-1" strike="noStrike">
-                <a:solidFill>
-                  <a:srgbClr val="520067"/>
-                </a:solidFill>
-                <a:latin typeface="Menlo"/>
-                <a:ea typeface="Menlo"/>
-              </a:rPr>
-              <a:t>garfield</a:t>
-            </a:r>
-            <a:r>
-              <a:rPr b="0" lang="de-DE" sz="1600" spc="-1" strike="noStrike">
-                <a:solidFill>
-                  <a:srgbClr val="000000"/>
-                </a:solidFill>
-                <a:latin typeface="Menlo"/>
-                <a:ea typeface="Menlo"/>
-              </a:rPr>
-              <a:t>))</a:t>
-            </a:r>
-            <a:endParaRPr b="0" lang="de-DE" sz="1600" spc="-1" strike="noStrike">
-              <a:latin typeface="Menlo"/>
-            </a:endParaRPr>
-          </a:p>
-          <a:p>
-            <a:pPr>
-              <a:lnSpc>
-                <a:spcPct val="100000"/>
-              </a:lnSpc>
-            </a:pPr>
-            <a:r>
-              <a:rPr b="0" lang="de-DE" sz="1600" spc="-1" strike="noStrike">
-                <a:solidFill>
-                  <a:srgbClr val="000000"/>
-                </a:solidFill>
-                <a:latin typeface="Menlo"/>
-                <a:ea typeface="Menlo"/>
-              </a:rPr>
-              <a:t>myPrint(List.empty[Cat])</a:t>
-            </a:r>
-            <a:endParaRPr b="0" lang="de-DE" sz="1600" spc="-1" strike="noStrike">
-              <a:latin typeface="Menlo"/>
-            </a:endParaRPr>
-          </a:p>
-          <a:p>
-            <a:pPr>
-              <a:lnSpc>
-                <a:spcPct val="100000"/>
-              </a:lnSpc>
-            </a:pPr>
-            <a:endParaRPr b="0" lang="de-DE" sz="1600" spc="-1" strike="noStrike">
-              <a:latin typeface="Menlo"/>
+              <a:latin typeface="Arial"/>
             </a:endParaRPr>
           </a:p>
         </p:txBody>
@@ -11252,7 +11248,7 @@
         <p:spPr>
           <a:xfrm>
             <a:off x="720000" y="300960"/>
-            <a:ext cx="8846640" cy="1253520"/>
+            <a:ext cx="8846280" cy="1253160"/>
           </a:xfrm>
           <a:prstGeom prst="rect">
             <a:avLst/>
@@ -11296,7 +11292,7 @@
         <p:spPr>
           <a:xfrm>
             <a:off x="720000" y="1944000"/>
-            <a:ext cx="8631000" cy="4375800"/>
+            <a:ext cx="8630640" cy="4375440"/>
           </a:xfrm>
           <a:prstGeom prst="rect">
             <a:avLst/>
@@ -11315,7 +11311,7 @@
         <p:txBody>
           <a:bodyPr lIns="0" rIns="0" tIns="0" bIns="0"/>
           <a:p>
-            <a:pPr marL="432000" indent="-315000">
+            <a:pPr marL="432000" indent="-314640">
               <a:lnSpc>
                 <a:spcPct val="100000"/>
               </a:lnSpc>
@@ -11384,7 +11380,7 @@
             </a:endParaRPr>
           </a:p>
           <a:p>
-            <a:pPr marL="432000" indent="-315000">
+            <a:pPr marL="432000" indent="-314640">
               <a:lnSpc>
                 <a:spcPct val="100000"/>
               </a:lnSpc>
@@ -11413,7 +11409,7 @@
             </a:endParaRPr>
           </a:p>
           <a:p>
-            <a:pPr marL="432000" indent="-315000">
+            <a:pPr marL="432000" indent="-314640">
               <a:lnSpc>
                 <a:spcPct val="100000"/>
               </a:lnSpc>
@@ -11442,7 +11438,7 @@
             </a:endParaRPr>
           </a:p>
           <a:p>
-            <a:pPr marL="432000" indent="-315000">
+            <a:pPr marL="432000" indent="-314640">
               <a:lnSpc>
                 <a:spcPct val="100000"/>
               </a:lnSpc>
@@ -11530,7 +11526,7 @@
         <p:spPr>
           <a:xfrm>
             <a:off x="720000" y="300960"/>
-            <a:ext cx="8846640" cy="1253520"/>
+            <a:ext cx="8846280" cy="1253160"/>
           </a:xfrm>
           <a:prstGeom prst="rect">
             <a:avLst/>
@@ -11574,7 +11570,7 @@
         <p:spPr>
           <a:xfrm>
             <a:off x="720000" y="1692000"/>
-            <a:ext cx="8631000" cy="5216040"/>
+            <a:ext cx="8630640" cy="5215680"/>
           </a:xfrm>
           <a:prstGeom prst="rect">
             <a:avLst/>
@@ -11593,7 +11589,7 @@
         <p:txBody>
           <a:bodyPr lIns="0" rIns="0" tIns="0" bIns="0"/>
           <a:p>
-            <a:pPr marL="432000" indent="-315000">
+            <a:pPr marL="432000" indent="-314640">
               <a:lnSpc>
                 <a:spcPct val="100000"/>
               </a:lnSpc>
@@ -12341,7 +12337,7 @@
         <p:spPr>
           <a:xfrm>
             <a:off x="720000" y="300960"/>
-            <a:ext cx="8846640" cy="1253520"/>
+            <a:ext cx="8846280" cy="1253160"/>
           </a:xfrm>
           <a:prstGeom prst="rect">
             <a:avLst/>
@@ -12385,7 +12381,7 @@
         <p:spPr>
           <a:xfrm>
             <a:off x="720000" y="1980000"/>
-            <a:ext cx="8631000" cy="4784760"/>
+            <a:ext cx="8630640" cy="4784400"/>
           </a:xfrm>
           <a:prstGeom prst="rect">
             <a:avLst/>
@@ -12404,7 +12400,7 @@
         <p:txBody>
           <a:bodyPr lIns="0" rIns="0" tIns="0" bIns="0"/>
           <a:p>
-            <a:pPr marL="432000" indent="-315000">
+            <a:pPr marL="432000" indent="-314640">
               <a:lnSpc>
                 <a:spcPct val="100000"/>
               </a:lnSpc>
@@ -12975,7 +12971,7 @@
         <p:spPr>
           <a:xfrm>
             <a:off x="720000" y="300960"/>
-            <a:ext cx="8846640" cy="1253520"/>
+            <a:ext cx="8846280" cy="1253160"/>
           </a:xfrm>
           <a:prstGeom prst="rect">
             <a:avLst/>
@@ -13019,7 +13015,7 @@
         <p:spPr>
           <a:xfrm>
             <a:off x="720000" y="2160000"/>
-            <a:ext cx="8631000" cy="4375800"/>
+            <a:ext cx="8630640" cy="4375440"/>
           </a:xfrm>
           <a:prstGeom prst="rect">
             <a:avLst/>
@@ -13038,7 +13034,7 @@
         <p:txBody>
           <a:bodyPr lIns="0" rIns="0" tIns="0" bIns="0"/>
           <a:p>
-            <a:pPr marL="432000" indent="-315000">
+            <a:pPr marL="432000" indent="-314640">
               <a:lnSpc>
                 <a:spcPct val="100000"/>
               </a:lnSpc>
@@ -13127,7 +13123,7 @@
             </a:endParaRPr>
           </a:p>
           <a:p>
-            <a:pPr marL="432000" indent="-315000">
+            <a:pPr marL="432000" indent="-314640">
               <a:lnSpc>
                 <a:spcPct val="100000"/>
               </a:lnSpc>
@@ -13315,7 +13311,7 @@
         <p:spPr>
           <a:xfrm>
             <a:off x="720000" y="300960"/>
-            <a:ext cx="8846640" cy="1253520"/>
+            <a:ext cx="8846280" cy="1253160"/>
           </a:xfrm>
           <a:prstGeom prst="rect">
             <a:avLst/>
@@ -13359,7 +13355,7 @@
         <p:spPr>
           <a:xfrm>
             <a:off x="720000" y="1584000"/>
-            <a:ext cx="8631000" cy="5324760"/>
+            <a:ext cx="8630640" cy="5324400"/>
           </a:xfrm>
           <a:prstGeom prst="rect">
             <a:avLst/>
@@ -13378,7 +13374,7 @@
         <p:txBody>
           <a:bodyPr lIns="0" rIns="0" tIns="0" bIns="0"/>
           <a:p>
-            <a:pPr marL="432000" indent="-315000">
+            <a:pPr marL="432000" indent="-314640">
               <a:lnSpc>
                 <a:spcPct val="100000"/>
               </a:lnSpc>
@@ -13427,7 +13423,7 @@
             </a:endParaRPr>
           </a:p>
           <a:p>
-            <a:pPr marL="432000" indent="-315000">
+            <a:pPr marL="432000" indent="-314640">
               <a:lnSpc>
                 <a:spcPct val="100000"/>
               </a:lnSpc>
@@ -13487,7 +13483,7 @@
             </a:endParaRPr>
           </a:p>
           <a:p>
-            <a:pPr marL="432000" indent="-315000">
+            <a:pPr marL="432000" indent="-314640">
               <a:lnSpc>
                 <a:spcPct val="100000"/>
               </a:lnSpc>
@@ -13536,7 +13532,7 @@
             </a:endParaRPr>
           </a:p>
           <a:p>
-            <a:pPr marL="432000" indent="-315000">
+            <a:pPr marL="432000" indent="-314640">
               <a:lnSpc>
                 <a:spcPct val="100000"/>
               </a:lnSpc>
@@ -13585,7 +13581,7 @@
             </a:endParaRPr>
           </a:p>
           <a:p>
-            <a:pPr marL="432000" indent="-315000">
+            <a:pPr marL="432000" indent="-314640">
               <a:lnSpc>
                 <a:spcPct val="100000"/>
               </a:lnSpc>
@@ -13614,7 +13610,7 @@
             </a:endParaRPr>
           </a:p>
           <a:p>
-            <a:pPr marL="432000" indent="-315000">
+            <a:pPr marL="432000" indent="-314640">
               <a:lnSpc>
                 <a:spcPct val="100000"/>
               </a:lnSpc>
@@ -13703,7 +13699,7 @@
         <p:spPr>
           <a:xfrm>
             <a:off x="720000" y="300960"/>
-            <a:ext cx="8846640" cy="1253520"/>
+            <a:ext cx="8846280" cy="1253160"/>
           </a:xfrm>
           <a:prstGeom prst="rect">
             <a:avLst/>
@@ -13747,7 +13743,7 @@
         <p:spPr>
           <a:xfrm>
             <a:off x="720000" y="1404000"/>
-            <a:ext cx="8631000" cy="5647680"/>
+            <a:ext cx="8630640" cy="5647320"/>
           </a:xfrm>
           <a:prstGeom prst="rect">
             <a:avLst/>
@@ -14985,7 +14981,7 @@
         <p:spPr>
           <a:xfrm>
             <a:off x="720000" y="300960"/>
-            <a:ext cx="8846640" cy="1253520"/>
+            <a:ext cx="8846280" cy="1253160"/>
           </a:xfrm>
           <a:prstGeom prst="rect">
             <a:avLst/>
@@ -15029,7 +15025,7 @@
         <p:spPr>
           <a:xfrm>
             <a:off x="720000" y="1872000"/>
-            <a:ext cx="8631000" cy="4567680"/>
+            <a:ext cx="8630640" cy="4567320"/>
           </a:xfrm>
           <a:prstGeom prst="rect">
             <a:avLst/>
@@ -15807,7 +15803,7 @@
         <p:spPr>
           <a:xfrm>
             <a:off x="720000" y="300960"/>
-            <a:ext cx="8846640" cy="1253520"/>
+            <a:ext cx="8846280" cy="1253160"/>
           </a:xfrm>
           <a:prstGeom prst="rect">
             <a:avLst/>
@@ -15851,7 +15847,7 @@
         <p:spPr>
           <a:xfrm>
             <a:off x="720000" y="2052000"/>
-            <a:ext cx="8631000" cy="4375800"/>
+            <a:ext cx="8630640" cy="4375440"/>
           </a:xfrm>
           <a:prstGeom prst="rect">
             <a:avLst/>
@@ -15870,7 +15866,7 @@
         <p:txBody>
           <a:bodyPr lIns="0" rIns="0" tIns="0" bIns="0"/>
           <a:p>
-            <a:pPr marL="432000" indent="-315000">
+            <a:pPr marL="432000" indent="-314640">
               <a:lnSpc>
                 <a:spcPct val="100000"/>
               </a:lnSpc>
@@ -15932,7 +15928,7 @@
             </a:endParaRPr>
           </a:p>
           <a:p>
-            <a:pPr marL="432000" indent="-315000">
+            <a:pPr marL="432000" indent="-314640">
               <a:lnSpc>
                 <a:spcPct val="100000"/>
               </a:lnSpc>
@@ -15972,7 +15968,7 @@
             </a:endParaRPr>
           </a:p>
           <a:p>
-            <a:pPr marL="432000" indent="-315000">
+            <a:pPr marL="432000" indent="-314640">
               <a:lnSpc>
                 <a:spcPct val="100000"/>
               </a:lnSpc>
@@ -16012,7 +16008,7 @@
             </a:endParaRPr>
           </a:p>
           <a:p>
-            <a:pPr marL="432000" indent="-315000">
+            <a:pPr marL="432000" indent="-314640">
               <a:lnSpc>
                 <a:spcPct val="100000"/>
               </a:lnSpc>
@@ -16124,7 +16120,7 @@
         <p:spPr>
           <a:xfrm>
             <a:off x="720000" y="300960"/>
-            <a:ext cx="8846640" cy="1253520"/>
+            <a:ext cx="8846280" cy="1253160"/>
           </a:xfrm>
           <a:prstGeom prst="rect">
             <a:avLst/>
@@ -16168,7 +16164,7 @@
         <p:spPr>
           <a:xfrm>
             <a:off x="720000" y="1944000"/>
-            <a:ext cx="8631000" cy="4711680"/>
+            <a:ext cx="8630640" cy="4711320"/>
           </a:xfrm>
           <a:prstGeom prst="rect">
             <a:avLst/>
@@ -17036,7 +17032,7 @@
         <p:spPr>
           <a:xfrm>
             <a:off x="720000" y="300960"/>
-            <a:ext cx="8846640" cy="1253520"/>
+            <a:ext cx="8846280" cy="1253160"/>
           </a:xfrm>
           <a:prstGeom prst="rect">
             <a:avLst/>
@@ -17080,7 +17076,7 @@
         <p:spPr>
           <a:xfrm>
             <a:off x="720000" y="2052000"/>
-            <a:ext cx="8631000" cy="4423680"/>
+            <a:ext cx="8630640" cy="4423320"/>
           </a:xfrm>
           <a:prstGeom prst="rect">
             <a:avLst/>
@@ -17548,7 +17544,7 @@
         <p:spPr>
           <a:xfrm>
             <a:off x="720000" y="300960"/>
-            <a:ext cx="8846640" cy="1253520"/>
+            <a:ext cx="8846280" cy="1253160"/>
           </a:xfrm>
           <a:prstGeom prst="rect">
             <a:avLst/>
@@ -17592,7 +17588,7 @@
         <p:spPr>
           <a:xfrm>
             <a:off x="720000" y="1692000"/>
-            <a:ext cx="8631000" cy="4375800"/>
+            <a:ext cx="8630640" cy="4375440"/>
           </a:xfrm>
           <a:prstGeom prst="rect">
             <a:avLst/>
@@ -17611,7 +17607,7 @@
         <p:txBody>
           <a:bodyPr lIns="0" rIns="0" tIns="0" bIns="0"/>
           <a:p>
-            <a:pPr marL="432000" indent="-315000">
+            <a:pPr marL="432000" indent="-314640">
               <a:lnSpc>
                 <a:spcPct val="100000"/>
               </a:lnSpc>
@@ -17660,7 +17656,7 @@
             </a:endParaRPr>
           </a:p>
           <a:p>
-            <a:pPr marL="432000" indent="-315000">
+            <a:pPr marL="432000" indent="-314640">
               <a:lnSpc>
                 <a:spcPct val="100000"/>
               </a:lnSpc>
@@ -17700,7 +17696,7 @@
             </a:endParaRPr>
           </a:p>
           <a:p>
-            <a:pPr marL="432000" indent="-315000">
+            <a:pPr marL="432000" indent="-314640">
               <a:lnSpc>
                 <a:spcPct val="100000"/>
               </a:lnSpc>
@@ -17729,7 +17725,7 @@
             </a:endParaRPr>
           </a:p>
           <a:p>
-            <a:pPr marL="432000" indent="-315000">
+            <a:pPr marL="432000" indent="-314640">
               <a:lnSpc>
                 <a:spcPct val="100000"/>
               </a:lnSpc>
@@ -17778,7 +17774,7 @@
             </a:endParaRPr>
           </a:p>
           <a:p>
-            <a:pPr marL="432000" indent="-315000">
+            <a:pPr marL="432000" indent="-314640">
               <a:lnSpc>
                 <a:spcPct val="100000"/>
               </a:lnSpc>
@@ -17876,7 +17872,7 @@
         <p:spPr>
           <a:xfrm>
             <a:off x="720000" y="300960"/>
-            <a:ext cx="8846640" cy="1253520"/>
+            <a:ext cx="8846280" cy="1253160"/>
           </a:xfrm>
           <a:prstGeom prst="rect">
             <a:avLst/>
@@ -17920,7 +17916,7 @@
         <p:spPr>
           <a:xfrm>
             <a:off x="720000" y="1404000"/>
-            <a:ext cx="8631000" cy="5647680"/>
+            <a:ext cx="8630640" cy="5647320"/>
           </a:xfrm>
           <a:prstGeom prst="rect">
             <a:avLst/>
@@ -19444,7 +19440,7 @@
         <p:spPr>
           <a:xfrm>
             <a:off x="720000" y="300960"/>
-            <a:ext cx="8846640" cy="1253520"/>
+            <a:ext cx="8846280" cy="1253160"/>
           </a:xfrm>
           <a:prstGeom prst="rect">
             <a:avLst/>
@@ -19488,7 +19484,7 @@
         <p:spPr>
           <a:xfrm>
             <a:off x="964440" y="2160000"/>
-            <a:ext cx="8142120" cy="2870280"/>
+            <a:ext cx="8141760" cy="2869920"/>
           </a:xfrm>
           <a:prstGeom prst="rect">
             <a:avLst/>
@@ -19512,7 +19508,7 @@
             </a:endParaRPr>
           </a:p>
           <a:p>
-            <a:pPr marL="432000" indent="-315000">
+            <a:pPr marL="432000" indent="-314640">
               <a:lnSpc>
                 <a:spcPct val="100000"/>
               </a:lnSpc>
@@ -19541,7 +19537,7 @@
             </a:endParaRPr>
           </a:p>
           <a:p>
-            <a:pPr marL="432000" indent="-315000">
+            <a:pPr marL="432000" indent="-314640">
               <a:lnSpc>
                 <a:spcPct val="100000"/>
               </a:lnSpc>
@@ -19570,7 +19566,7 @@
             </a:endParaRPr>
           </a:p>
           <a:p>
-            <a:pPr marL="432000" indent="-315000">
+            <a:pPr marL="432000" indent="-314640">
               <a:lnSpc>
                 <a:spcPct val="100000"/>
               </a:lnSpc>
@@ -19669,7 +19665,7 @@
         <p:spPr>
           <a:xfrm>
             <a:off x="720000" y="300960"/>
-            <a:ext cx="8846640" cy="1253520"/>
+            <a:ext cx="8846280" cy="1253160"/>
           </a:xfrm>
           <a:prstGeom prst="rect">
             <a:avLst/>
@@ -19713,7 +19709,7 @@
         <p:spPr>
           <a:xfrm>
             <a:off x="720000" y="2160000"/>
-            <a:ext cx="8631000" cy="4375800"/>
+            <a:ext cx="8630640" cy="4375440"/>
           </a:xfrm>
           <a:prstGeom prst="rect">
             <a:avLst/>
@@ -19762,7 +19758,7 @@
             </a:endParaRPr>
           </a:p>
           <a:p>
-            <a:pPr marL="432000" indent="-315000">
+            <a:pPr marL="432000" indent="-314640">
               <a:lnSpc>
                 <a:spcPct val="100000"/>
               </a:lnSpc>
@@ -19811,7 +19807,7 @@
             </a:endParaRPr>
           </a:p>
           <a:p>
-            <a:pPr marL="432000" indent="-315000">
+            <a:pPr marL="432000" indent="-314640">
               <a:lnSpc>
                 <a:spcPct val="100000"/>
               </a:lnSpc>
@@ -19921,7 +19917,7 @@
         <p:spPr>
           <a:xfrm>
             <a:off x="720000" y="300960"/>
-            <a:ext cx="8846640" cy="1253520"/>
+            <a:ext cx="8846280" cy="1253160"/>
           </a:xfrm>
           <a:prstGeom prst="rect">
             <a:avLst/>
@@ -19965,7 +19961,7 @@
         <p:spPr>
           <a:xfrm>
             <a:off x="720000" y="1836000"/>
-            <a:ext cx="8631000" cy="4714200"/>
+            <a:ext cx="8630640" cy="4713840"/>
           </a:xfrm>
           <a:prstGeom prst="rect">
             <a:avLst/>
@@ -19984,7 +19980,7 @@
         <p:txBody>
           <a:bodyPr lIns="0" rIns="0" tIns="0" bIns="0"/>
           <a:p>
-            <a:pPr marL="432000" indent="-315000">
+            <a:pPr marL="432000" indent="-314640">
               <a:lnSpc>
                 <a:spcPct val="100000"/>
               </a:lnSpc>
@@ -20064,7 +20060,7 @@
             </a:endParaRPr>
           </a:p>
           <a:p>
-            <a:pPr marL="432000" indent="-315000">
+            <a:pPr marL="432000" indent="-314640">
               <a:lnSpc>
                 <a:spcPct val="100000"/>
               </a:lnSpc>
@@ -20104,7 +20100,7 @@
             </a:endParaRPr>
           </a:p>
           <a:p>
-            <a:pPr marL="432000" indent="-315000">
+            <a:pPr marL="432000" indent="-314640">
               <a:lnSpc>
                 <a:spcPct val="100000"/>
               </a:lnSpc>
@@ -20144,7 +20140,7 @@
             </a:endParaRPr>
           </a:p>
           <a:p>
-            <a:pPr marL="432000" indent="-315000">
+            <a:pPr marL="432000" indent="-314640">
               <a:lnSpc>
                 <a:spcPct val="100000"/>
               </a:lnSpc>
@@ -20177,14 +20173,14 @@
                 <a:latin typeface="Noto Sans Regular"/>
                 <a:ea typeface="DejaVu Sans"/>
               </a:rPr>
-              <a:t>: You can override default instances (in companion object) with your own instances.</a:t>
+              <a:t> (only Scala): Default instances (in companion object) can be overridden with your own instances.</a:t>
             </a:r>
             <a:endParaRPr b="0" lang="de-DE" sz="2000" spc="-1" strike="noStrike">
               <a:latin typeface="Arial"/>
             </a:endParaRPr>
           </a:p>
           <a:p>
-            <a:pPr marL="432000" indent="-315000">
+            <a:pPr marL="432000" indent="-314640">
               <a:lnSpc>
                 <a:spcPct val="100000"/>
               </a:lnSpc>
@@ -20224,7 +20220,7 @@
             </a:endParaRPr>
           </a:p>
           <a:p>
-            <a:pPr marL="432000" indent="-315000">
+            <a:pPr marL="432000" indent="-314640">
               <a:lnSpc>
                 <a:spcPct val="100000"/>
               </a:lnSpc>
@@ -20323,7 +20319,7 @@
         <p:spPr>
           <a:xfrm>
             <a:off x="720000" y="300960"/>
-            <a:ext cx="8846640" cy="1253520"/>
+            <a:ext cx="8846280" cy="1253160"/>
           </a:xfrm>
           <a:prstGeom prst="rect">
             <a:avLst/>
@@ -20367,7 +20363,7 @@
         <p:spPr>
           <a:xfrm>
             <a:off x="720000" y="2160000"/>
-            <a:ext cx="8631000" cy="4375800"/>
+            <a:ext cx="8630640" cy="4375440"/>
           </a:xfrm>
           <a:prstGeom prst="rect">
             <a:avLst/>
@@ -20386,7 +20382,7 @@
         <p:txBody>
           <a:bodyPr lIns="0" rIns="0" tIns="0" bIns="0"/>
           <a:p>
-            <a:pPr marL="432000" indent="-315000">
+            <a:pPr marL="432000" indent="-314640">
               <a:lnSpc>
                 <a:spcPct val="100000"/>
               </a:lnSpc>
@@ -20415,7 +20411,7 @@
             </a:endParaRPr>
           </a:p>
           <a:p>
-            <a:pPr marL="432000" indent="-315000">
+            <a:pPr marL="432000" indent="-314640">
               <a:lnSpc>
                 <a:spcPct val="100000"/>
               </a:lnSpc>
@@ -20444,7 +20440,7 @@
             </a:endParaRPr>
           </a:p>
           <a:p>
-            <a:pPr marL="432000" indent="-315000">
+            <a:pPr marL="432000" indent="-314640">
               <a:lnSpc>
                 <a:spcPct val="100000"/>
               </a:lnSpc>
@@ -20473,7 +20469,7 @@
             </a:endParaRPr>
           </a:p>
           <a:p>
-            <a:pPr marL="432000" indent="-315000">
+            <a:pPr marL="432000" indent="-314640">
               <a:lnSpc>
                 <a:spcPct val="100000"/>
               </a:lnSpc>
@@ -20561,7 +20557,7 @@
         <p:spPr>
           <a:xfrm>
             <a:off x="720000" y="300960"/>
-            <a:ext cx="8846640" cy="1253520"/>
+            <a:ext cx="8846280" cy="1253160"/>
           </a:xfrm>
           <a:prstGeom prst="rect">
             <a:avLst/>
@@ -20605,7 +20601,7 @@
         <p:spPr>
           <a:xfrm>
             <a:off x="720000" y="1836000"/>
-            <a:ext cx="8631000" cy="5000400"/>
+            <a:ext cx="8630640" cy="5000040"/>
           </a:xfrm>
           <a:prstGeom prst="rect">
             <a:avLst/>
@@ -20624,7 +20620,7 @@
         <p:txBody>
           <a:bodyPr lIns="0" rIns="0" tIns="0" bIns="0"/>
           <a:p>
-            <a:pPr marL="432000" indent="-315000">
+            <a:pPr marL="432000" indent="-314640">
               <a:lnSpc>
                 <a:spcPct val="100000"/>
               </a:lnSpc>
@@ -20684,7 +20680,7 @@
             </a:endParaRPr>
           </a:p>
           <a:p>
-            <a:pPr marL="432000" indent="-315000">
+            <a:pPr marL="432000" indent="-314640">
               <a:lnSpc>
                 <a:spcPct val="100000"/>
               </a:lnSpc>
@@ -20785,7 +20781,7 @@
             </a:endParaRPr>
           </a:p>
           <a:p>
-            <a:pPr marL="432000" indent="-315000">
+            <a:pPr marL="432000" indent="-314640">
               <a:lnSpc>
                 <a:spcPct val="100000"/>
               </a:lnSpc>
@@ -20873,7 +20869,7 @@
         <p:spPr>
           <a:xfrm>
             <a:off x="720000" y="300960"/>
-            <a:ext cx="8846640" cy="1253520"/>
+            <a:ext cx="8846280" cy="1253160"/>
           </a:xfrm>
           <a:prstGeom prst="rect">
             <a:avLst/>
@@ -20917,7 +20913,7 @@
         <p:spPr>
           <a:xfrm>
             <a:off x="720000" y="2160000"/>
-            <a:ext cx="8631000" cy="4375800"/>
+            <a:ext cx="8630640" cy="4375440"/>
           </a:xfrm>
           <a:prstGeom prst="rect">
             <a:avLst/>
@@ -21249,7 +21245,7 @@
         <p:spPr>
           <a:xfrm>
             <a:off x="720000" y="300960"/>
-            <a:ext cx="8846640" cy="1253520"/>
+            <a:ext cx="8846280" cy="1253160"/>
           </a:xfrm>
           <a:prstGeom prst="rect">
             <a:avLst/>
@@ -21293,7 +21289,7 @@
         <p:spPr>
           <a:xfrm>
             <a:off x="720000" y="1872000"/>
-            <a:ext cx="8631000" cy="4375800"/>
+            <a:ext cx="8630640" cy="4375440"/>
           </a:xfrm>
           <a:prstGeom prst="rect">
             <a:avLst/>
@@ -21312,7 +21308,7 @@
         <p:txBody>
           <a:bodyPr lIns="0" rIns="0" tIns="0" bIns="0"/>
           <a:p>
-            <a:pPr marL="432000" indent="-315000">
+            <a:pPr marL="432000" indent="-314640">
               <a:lnSpc>
                 <a:spcPct val="100000"/>
               </a:lnSpc>
@@ -21341,7 +21337,7 @@
             </a:endParaRPr>
           </a:p>
           <a:p>
-            <a:pPr marL="432000" indent="-315000">
+            <a:pPr marL="432000" indent="-314640">
               <a:lnSpc>
                 <a:spcPct val="100000"/>
               </a:lnSpc>
@@ -21370,7 +21366,7 @@
             </a:endParaRPr>
           </a:p>
           <a:p>
-            <a:pPr marL="432000" indent="-315000">
+            <a:pPr marL="432000" indent="-314640">
               <a:lnSpc>
                 <a:spcPct val="100000"/>
               </a:lnSpc>
@@ -21399,7 +21395,7 @@
             </a:endParaRPr>
           </a:p>
           <a:p>
-            <a:pPr marL="432000" indent="-315000">
+            <a:pPr marL="432000" indent="-314640">
               <a:lnSpc>
                 <a:spcPct val="100000"/>
               </a:lnSpc>
@@ -21487,7 +21483,7 @@
         <p:spPr>
           <a:xfrm>
             <a:off x="720000" y="300960"/>
-            <a:ext cx="8846640" cy="1253520"/>
+            <a:ext cx="8846280" cy="1253160"/>
           </a:xfrm>
           <a:prstGeom prst="rect">
             <a:avLst/>
@@ -21531,7 +21527,7 @@
         <p:spPr>
           <a:xfrm>
             <a:off x="720000" y="2160000"/>
-            <a:ext cx="8631000" cy="4375800"/>
+            <a:ext cx="8630640" cy="4375440"/>
           </a:xfrm>
           <a:prstGeom prst="rect">
             <a:avLst/>
@@ -21778,7 +21774,7 @@
         <p:spPr>
           <a:xfrm>
             <a:off x="720000" y="300960"/>
-            <a:ext cx="8846640" cy="1253520"/>
+            <a:ext cx="8846280" cy="1253160"/>
           </a:xfrm>
           <a:prstGeom prst="rect">
             <a:avLst/>
@@ -21822,7 +21818,7 @@
         <p:spPr>
           <a:xfrm>
             <a:off x="720000" y="2160000"/>
-            <a:ext cx="8631000" cy="4375800"/>
+            <a:ext cx="8630640" cy="4375440"/>
           </a:xfrm>
           <a:prstGeom prst="rect">
             <a:avLst/>
@@ -22156,7 +22152,7 @@
         <p:spPr>
           <a:xfrm>
             <a:off x="720000" y="240120"/>
-            <a:ext cx="8846640" cy="1375200"/>
+            <a:ext cx="8846280" cy="1374840"/>
           </a:xfrm>
           <a:prstGeom prst="rect">
             <a:avLst/>
@@ -22200,7 +22196,7 @@
         <p:spPr>
           <a:xfrm>
             <a:off x="720000" y="2484000"/>
-            <a:ext cx="8631000" cy="3740760"/>
+            <a:ext cx="8630640" cy="3740400"/>
           </a:xfrm>
           <a:prstGeom prst="rect">
             <a:avLst/>
@@ -22456,7 +22452,7 @@
         <p:spPr>
           <a:xfrm>
             <a:off x="720000" y="300960"/>
-            <a:ext cx="8846640" cy="1253520"/>
+            <a:ext cx="8846280" cy="1253160"/>
           </a:xfrm>
           <a:prstGeom prst="rect">
             <a:avLst/>
@@ -22500,7 +22496,7 @@
         <p:spPr>
           <a:xfrm>
             <a:off x="720000" y="2160000"/>
-            <a:ext cx="8631000" cy="4375800"/>
+            <a:ext cx="8630640" cy="4375440"/>
           </a:xfrm>
           <a:prstGeom prst="rect">
             <a:avLst/>
@@ -22537,7 +22533,7 @@
             </a:endParaRPr>
           </a:p>
           <a:p>
-            <a:pPr marL="432000" indent="-315000">
+            <a:pPr marL="432000" indent="-314640">
               <a:lnSpc>
                 <a:spcPct val="100000"/>
               </a:lnSpc>
@@ -22586,7 +22582,7 @@
             </a:endParaRPr>
           </a:p>
           <a:p>
-            <a:pPr marL="432000" indent="-315000">
+            <a:pPr marL="432000" indent="-314640">
               <a:lnSpc>
                 <a:spcPct val="100000"/>
               </a:lnSpc>
@@ -22694,7 +22690,7 @@
         <p:spPr>
           <a:xfrm>
             <a:off x="720000" y="300960"/>
-            <a:ext cx="8846640" cy="1253520"/>
+            <a:ext cx="8846280" cy="1253160"/>
           </a:xfrm>
           <a:prstGeom prst="rect">
             <a:avLst/>
@@ -22738,7 +22734,7 @@
         <p:spPr>
           <a:xfrm>
             <a:off x="720000" y="2160000"/>
-            <a:ext cx="8631000" cy="4375800"/>
+            <a:ext cx="8630640" cy="4375440"/>
           </a:xfrm>
           <a:prstGeom prst="rect">
             <a:avLst/>
@@ -22762,7 +22758,7 @@
             </a:endParaRPr>
           </a:p>
           <a:p>
-            <a:pPr marL="432000" indent="-315000">
+            <a:pPr marL="432000" indent="-314640">
               <a:lnSpc>
                 <a:spcPct val="100000"/>
               </a:lnSpc>
@@ -22791,7 +22787,7 @@
             </a:endParaRPr>
           </a:p>
           <a:p>
-            <a:pPr marL="432000" indent="-315000">
+            <a:pPr marL="432000" indent="-314640">
               <a:lnSpc>
                 <a:spcPct val="100000"/>
               </a:lnSpc>
@@ -23099,7 +23095,7 @@
         <p:spPr>
           <a:xfrm>
             <a:off x="720000" y="300960"/>
-            <a:ext cx="8846640" cy="1253520"/>
+            <a:ext cx="8846280" cy="1253160"/>
           </a:xfrm>
           <a:prstGeom prst="rect">
             <a:avLst/>
@@ -23143,7 +23139,7 @@
         <p:spPr>
           <a:xfrm>
             <a:off x="720000" y="1692000"/>
-            <a:ext cx="8631000" cy="5146200"/>
+            <a:ext cx="8630640" cy="5145840"/>
           </a:xfrm>
           <a:prstGeom prst="rect">
             <a:avLst/>
@@ -23162,7 +23158,7 @@
         <p:txBody>
           <a:bodyPr lIns="0" rIns="0" tIns="0" bIns="0"/>
           <a:p>
-            <a:pPr marL="432000" indent="-315000">
+            <a:pPr marL="432000" indent="-314640">
               <a:lnSpc>
                 <a:spcPct val="100000"/>
               </a:lnSpc>
@@ -23231,7 +23227,7 @@
             </a:endParaRPr>
           </a:p>
           <a:p>
-            <a:pPr marL="432000" indent="-315000">
+            <a:pPr marL="432000" indent="-314640">
               <a:lnSpc>
                 <a:spcPct val="100000"/>
               </a:lnSpc>
@@ -23260,7 +23256,7 @@
             </a:endParaRPr>
           </a:p>
           <a:p>
-            <a:pPr marL="432000" indent="-315000">
+            <a:pPr marL="432000" indent="-314640">
               <a:lnSpc>
                 <a:spcPct val="100000"/>
               </a:lnSpc>
@@ -23289,7 +23285,7 @@
             </a:endParaRPr>
           </a:p>
           <a:p>
-            <a:pPr marL="432000" indent="-315000">
+            <a:pPr marL="432000" indent="-314640">
               <a:lnSpc>
                 <a:spcPct val="100000"/>
               </a:lnSpc>
@@ -23318,7 +23314,7 @@
             </a:endParaRPr>
           </a:p>
           <a:p>
-            <a:pPr marL="432000" indent="-315000">
+            <a:pPr marL="432000" indent="-314640">
               <a:lnSpc>
                 <a:spcPct val="100000"/>
               </a:lnSpc>
@@ -23347,7 +23343,7 @@
             </a:endParaRPr>
           </a:p>
           <a:p>
-            <a:pPr marL="432000" indent="-315000">
+            <a:pPr marL="432000" indent="-314640">
               <a:lnSpc>
                 <a:spcPct val="100000"/>
               </a:lnSpc>
@@ -23376,7 +23372,7 @@
             </a:endParaRPr>
           </a:p>
           <a:p>
-            <a:pPr marL="432000" indent="-315000">
+            <a:pPr marL="432000" indent="-314640">
               <a:lnSpc>
                 <a:spcPct val="100000"/>
               </a:lnSpc>
@@ -23474,7 +23470,7 @@
         <p:spPr>
           <a:xfrm>
             <a:off x="720000" y="300960"/>
-            <a:ext cx="8846640" cy="1253520"/>
+            <a:ext cx="8846280" cy="1253160"/>
           </a:xfrm>
           <a:prstGeom prst="rect">
             <a:avLst/>
@@ -23518,7 +23514,7 @@
         <p:spPr>
           <a:xfrm>
             <a:off x="756000" y="2160000"/>
-            <a:ext cx="8631000" cy="4375800"/>
+            <a:ext cx="8630640" cy="4375440"/>
           </a:xfrm>
           <a:prstGeom prst="rect">
             <a:avLst/>
@@ -23537,7 +23533,7 @@
         <p:txBody>
           <a:bodyPr lIns="0" rIns="0" tIns="0" bIns="0"/>
           <a:p>
-            <a:pPr marL="432000" indent="-315000">
+            <a:pPr marL="432000" indent="-314640">
               <a:lnSpc>
                 <a:spcPct val="100000"/>
               </a:lnSpc>
@@ -23588,7 +23584,7 @@
             </a:endParaRPr>
           </a:p>
           <a:p>
-            <a:pPr marL="432000" indent="-315000">
+            <a:pPr marL="432000" indent="-314640">
               <a:lnSpc>
                 <a:spcPct val="100000"/>
               </a:lnSpc>
@@ -23659,7 +23655,7 @@
             </a:endParaRPr>
           </a:p>
           <a:p>
-            <a:pPr marL="432000" indent="-315000">
+            <a:pPr marL="432000" indent="-314640">
               <a:lnSpc>
                 <a:spcPct val="100000"/>
               </a:lnSpc>
@@ -23730,7 +23726,7 @@
             </a:endParaRPr>
           </a:p>
           <a:p>
-            <a:pPr marL="432000" indent="-315000">
+            <a:pPr marL="432000" indent="-314640">
               <a:lnSpc>
                 <a:spcPct val="100000"/>
               </a:lnSpc>
@@ -23871,7 +23867,7 @@
         <p:spPr>
           <a:xfrm>
             <a:off x="720000" y="300960"/>
-            <a:ext cx="8846640" cy="1253520"/>
+            <a:ext cx="8846280" cy="1253160"/>
           </a:xfrm>
           <a:prstGeom prst="rect">
             <a:avLst/>
@@ -23915,7 +23911,7 @@
         <p:spPr>
           <a:xfrm>
             <a:off x="756000" y="2160000"/>
-            <a:ext cx="8631000" cy="4375800"/>
+            <a:ext cx="8630640" cy="4375440"/>
           </a:xfrm>
           <a:prstGeom prst="rect">
             <a:avLst/>
@@ -23934,7 +23930,7 @@
         <p:txBody>
           <a:bodyPr lIns="0" rIns="0" tIns="0" bIns="0"/>
           <a:p>
-            <a:pPr marL="432000" indent="-315000">
+            <a:pPr marL="432000" indent="-314640">
               <a:lnSpc>
                 <a:spcPct val="100000"/>
               </a:lnSpc>
@@ -24005,7 +24001,7 @@
             </a:endParaRPr>
           </a:p>
           <a:p>
-            <a:pPr marL="432000" indent="-315000">
+            <a:pPr marL="432000" indent="-314640">
               <a:lnSpc>
                 <a:spcPct val="100000"/>
               </a:lnSpc>
@@ -24066,7 +24062,7 @@
             </a:endParaRPr>
           </a:p>
           <a:p>
-            <a:pPr marL="432000" indent="-315000">
+            <a:pPr marL="432000" indent="-314640">
               <a:lnSpc>
                 <a:spcPct val="100000"/>
               </a:lnSpc>
@@ -24107,7 +24103,7 @@
             </a:endParaRPr>
           </a:p>
           <a:p>
-            <a:pPr marL="432000" indent="-315000">
+            <a:pPr marL="432000" indent="-314640">
               <a:lnSpc>
                 <a:spcPct val="100000"/>
               </a:lnSpc>
@@ -24247,7 +24243,7 @@
         <p:spPr>
           <a:xfrm>
             <a:off x="720000" y="300960"/>
-            <a:ext cx="8846640" cy="1253520"/>
+            <a:ext cx="8846280" cy="1253160"/>
           </a:xfrm>
           <a:prstGeom prst="rect">
             <a:avLst/>
@@ -24291,7 +24287,7 @@
         <p:spPr>
           <a:xfrm>
             <a:off x="756000" y="2124000"/>
-            <a:ext cx="8631000" cy="4375800"/>
+            <a:ext cx="8630640" cy="4375440"/>
           </a:xfrm>
           <a:prstGeom prst="rect">
             <a:avLst/>
@@ -24310,7 +24306,7 @@
         <p:txBody>
           <a:bodyPr lIns="0" rIns="0" tIns="0" bIns="0"/>
           <a:p>
-            <a:pPr marL="432000" indent="-315000">
+            <a:pPr marL="432000" indent="-314640">
               <a:lnSpc>
                 <a:spcPct val="100000"/>
               </a:lnSpc>
@@ -24351,7 +24347,7 @@
             </a:endParaRPr>
           </a:p>
           <a:p>
-            <a:pPr marL="432000" indent="-315000">
+            <a:pPr marL="432000" indent="-314640">
               <a:lnSpc>
                 <a:spcPct val="100000"/>
               </a:lnSpc>
@@ -24402,7 +24398,7 @@
             </a:endParaRPr>
           </a:p>
           <a:p>
-            <a:pPr marL="432000" indent="-315000">
+            <a:pPr marL="432000" indent="-314640">
               <a:lnSpc>
                 <a:spcPct val="100000"/>
               </a:lnSpc>
@@ -24453,7 +24449,7 @@
             </a:endParaRPr>
           </a:p>
           <a:p>
-            <a:pPr marL="432000" indent="-315000">
+            <a:pPr marL="432000" indent="-314640">
               <a:lnSpc>
                 <a:spcPct val="100000"/>
               </a:lnSpc>
@@ -24604,7 +24600,7 @@
         <p:spPr>
           <a:xfrm>
             <a:off x="720000" y="300960"/>
-            <a:ext cx="8846640" cy="1253520"/>
+            <a:ext cx="8846280" cy="1253160"/>
           </a:xfrm>
           <a:prstGeom prst="rect">
             <a:avLst/>
@@ -24648,7 +24644,7 @@
         <p:spPr>
           <a:xfrm>
             <a:off x="720000" y="2160000"/>
-            <a:ext cx="8631000" cy="4375800"/>
+            <a:ext cx="8630640" cy="4375440"/>
           </a:xfrm>
           <a:prstGeom prst="rect">
             <a:avLst/>
@@ -24843,7 +24839,7 @@
         <p:spPr>
           <a:xfrm>
             <a:off x="720000" y="300960"/>
-            <a:ext cx="8846640" cy="1253520"/>
+            <a:ext cx="8846280" cy="1253160"/>
           </a:xfrm>
           <a:prstGeom prst="rect">
             <a:avLst/>
@@ -24887,7 +24883,7 @@
         <p:spPr>
           <a:xfrm>
             <a:off x="720000" y="1872000"/>
-            <a:ext cx="8631000" cy="4375800"/>
+            <a:ext cx="8630640" cy="4375440"/>
           </a:xfrm>
           <a:prstGeom prst="rect">
             <a:avLst/>
@@ -24906,7 +24902,7 @@
         <p:txBody>
           <a:bodyPr lIns="0" rIns="0" tIns="0" bIns="0"/>
           <a:p>
-            <a:pPr marL="432000" indent="-315000">
+            <a:pPr marL="432000" indent="-314640">
               <a:lnSpc>
                 <a:spcPct val="100000"/>
               </a:lnSpc>
@@ -24935,7 +24931,7 @@
             </a:endParaRPr>
           </a:p>
           <a:p>
-            <a:pPr marL="432000" indent="-315000">
+            <a:pPr marL="432000" indent="-314640">
               <a:lnSpc>
                 <a:spcPct val="100000"/>
               </a:lnSpc>
@@ -24995,7 +24991,7 @@
             </a:endParaRPr>
           </a:p>
           <a:p>
-            <a:pPr marL="432000" indent="-315000">
+            <a:pPr marL="432000" indent="-314640">
               <a:lnSpc>
                 <a:spcPct val="100000"/>
               </a:lnSpc>
@@ -25055,7 +25051,7 @@
             </a:endParaRPr>
           </a:p>
           <a:p>
-            <a:pPr marL="432000" indent="-315000">
+            <a:pPr marL="432000" indent="-314640">
               <a:lnSpc>
                 <a:spcPct val="100000"/>
               </a:lnSpc>
@@ -25084,7 +25080,7 @@
             </a:endParaRPr>
           </a:p>
           <a:p>
-            <a:pPr marL="432000" indent="-315000">
+            <a:pPr marL="432000" indent="-314640">
               <a:lnSpc>
                 <a:spcPct val="100000"/>
               </a:lnSpc>
@@ -25172,7 +25168,7 @@
         <p:spPr>
           <a:xfrm>
             <a:off x="720000" y="300960"/>
-            <a:ext cx="8846640" cy="1253520"/>
+            <a:ext cx="8846280" cy="1253160"/>
           </a:xfrm>
           <a:prstGeom prst="rect">
             <a:avLst/>
@@ -25216,7 +25212,7 @@
         <p:spPr>
           <a:xfrm>
             <a:off x="720000" y="2160000"/>
-            <a:ext cx="8631000" cy="4375800"/>
+            <a:ext cx="8630640" cy="4375440"/>
           </a:xfrm>
           <a:prstGeom prst="rect">
             <a:avLst/>
@@ -25235,7 +25231,7 @@
         <p:txBody>
           <a:bodyPr lIns="0" rIns="0" tIns="0" bIns="0"/>
           <a:p>
-            <a:pPr marL="432000" indent="-315000">
+            <a:pPr marL="432000" indent="-314640">
               <a:lnSpc>
                 <a:spcPct val="100000"/>
               </a:lnSpc>
@@ -25264,7 +25260,7 @@
             </a:endParaRPr>
           </a:p>
           <a:p>
-            <a:pPr marL="432000" indent="-315000">
+            <a:pPr marL="432000" indent="-314640">
               <a:lnSpc>
                 <a:spcPct val="100000"/>
               </a:lnSpc>
@@ -25745,7 +25741,7 @@
         <p:spPr>
           <a:xfrm>
             <a:off x="720000" y="300960"/>
-            <a:ext cx="8846640" cy="1253520"/>
+            <a:ext cx="8846280" cy="1253160"/>
           </a:xfrm>
           <a:prstGeom prst="rect">
             <a:avLst/>
@@ -25789,7 +25785,7 @@
         <p:spPr>
           <a:xfrm>
             <a:off x="720000" y="2160000"/>
-            <a:ext cx="8631000" cy="4375800"/>
+            <a:ext cx="8630640" cy="4375440"/>
           </a:xfrm>
           <a:prstGeom prst="rect">
             <a:avLst/>
@@ -25808,7 +25804,7 @@
         <p:txBody>
           <a:bodyPr lIns="0" rIns="0" tIns="0" bIns="0"/>
           <a:p>
-            <a:pPr marL="432000" indent="-315000">
+            <a:pPr marL="432000" indent="-314640">
               <a:lnSpc>
                 <a:spcPct val="100000"/>
               </a:lnSpc>
@@ -25837,7 +25833,7 @@
             </a:endParaRPr>
           </a:p>
           <a:p>
-            <a:pPr marL="432000" indent="-315000">
+            <a:pPr marL="432000" indent="-314640">
               <a:lnSpc>
                 <a:spcPct val="100000"/>
               </a:lnSpc>
@@ -25866,7 +25862,7 @@
             </a:endParaRPr>
           </a:p>
           <a:p>
-            <a:pPr marL="432000" indent="-315000">
+            <a:pPr marL="432000" indent="-314640">
               <a:lnSpc>
                 <a:spcPct val="100000"/>
               </a:lnSpc>
@@ -25895,7 +25891,7 @@
             </a:endParaRPr>
           </a:p>
           <a:p>
-            <a:pPr marL="432000" indent="-315000">
+            <a:pPr marL="432000" indent="-314640">
               <a:lnSpc>
                 <a:spcPct val="100000"/>
               </a:lnSpc>
@@ -26023,7 +26019,7 @@
         <p:spPr>
           <a:xfrm>
             <a:off x="720000" y="300960"/>
-            <a:ext cx="8846640" cy="1253520"/>
+            <a:ext cx="8846280" cy="1253160"/>
           </a:xfrm>
           <a:prstGeom prst="rect">
             <a:avLst/>
@@ -26067,7 +26063,7 @@
         <p:spPr>
           <a:xfrm>
             <a:off x="720000" y="2124000"/>
-            <a:ext cx="8631000" cy="4375800"/>
+            <a:ext cx="8630640" cy="4375440"/>
           </a:xfrm>
           <a:prstGeom prst="rect">
             <a:avLst/>
@@ -26730,7 +26726,7 @@
         <p:spPr>
           <a:xfrm>
             <a:off x="720000" y="300960"/>
-            <a:ext cx="8846640" cy="1253520"/>
+            <a:ext cx="8846280" cy="1253160"/>
           </a:xfrm>
           <a:prstGeom prst="rect">
             <a:avLst/>
@@ -26774,7 +26770,7 @@
         <p:spPr>
           <a:xfrm>
             <a:off x="720000" y="2160000"/>
-            <a:ext cx="8631000" cy="4375800"/>
+            <a:ext cx="8630640" cy="4375440"/>
           </a:xfrm>
           <a:prstGeom prst="rect">
             <a:avLst/>

--- a/Slides/TypeClasses.pptx
+++ b/Slides/TypeClasses.pptx
@@ -2751,7 +2751,7 @@
         <p:spPr>
           <a:xfrm>
             <a:off x="0" y="4320000"/>
-            <a:ext cx="494640" cy="1070640"/>
+            <a:ext cx="494280" cy="1070280"/>
           </a:xfrm>
           <a:prstGeom prst="rect">
             <a:avLst/>
@@ -3030,7 +3030,7 @@
         <p:spPr>
           <a:xfrm>
             <a:off x="0" y="288000"/>
-            <a:ext cx="494640" cy="1070640"/>
+            <a:ext cx="494280" cy="1070280"/>
           </a:xfrm>
           <a:prstGeom prst="rect">
             <a:avLst/>
@@ -3309,7 +3309,7 @@
         <p:spPr>
           <a:xfrm>
             <a:off x="792000" y="3885480"/>
-            <a:ext cx="8558640" cy="1652040"/>
+            <a:ext cx="8558280" cy="1651680"/>
           </a:xfrm>
           <a:prstGeom prst="rect">
             <a:avLst/>
@@ -3366,7 +3366,7 @@
         <p:spPr>
           <a:xfrm>
             <a:off x="792000" y="5904000"/>
-            <a:ext cx="8558640" cy="973080"/>
+            <a:ext cx="8558280" cy="972720"/>
           </a:xfrm>
           <a:prstGeom prst="rect">
             <a:avLst/>
@@ -3474,7 +3474,7 @@
         <p:spPr>
           <a:xfrm>
             <a:off x="720000" y="300960"/>
-            <a:ext cx="8846280" cy="1253160"/>
+            <a:ext cx="8845920" cy="1252800"/>
           </a:xfrm>
           <a:prstGeom prst="rect">
             <a:avLst/>
@@ -3518,7 +3518,7 @@
         <p:spPr>
           <a:xfrm>
             <a:off x="720000" y="2160000"/>
-            <a:ext cx="8630640" cy="4375440"/>
+            <a:ext cx="8630280" cy="4375080"/>
           </a:xfrm>
           <a:prstGeom prst="rect">
             <a:avLst/>
@@ -4406,7 +4406,7 @@
         <p:spPr>
           <a:xfrm>
             <a:off x="720000" y="300960"/>
-            <a:ext cx="8846280" cy="1253160"/>
+            <a:ext cx="8845920" cy="1252800"/>
           </a:xfrm>
           <a:prstGeom prst="rect">
             <a:avLst/>
@@ -4450,7 +4450,7 @@
         <p:spPr>
           <a:xfrm>
             <a:off x="720000" y="2160000"/>
-            <a:ext cx="8630640" cy="4375440"/>
+            <a:ext cx="8630280" cy="4375080"/>
           </a:xfrm>
           <a:prstGeom prst="rect">
             <a:avLst/>
@@ -5518,7 +5518,7 @@
         <p:spPr>
           <a:xfrm>
             <a:off x="720000" y="300960"/>
-            <a:ext cx="8846280" cy="1253160"/>
+            <a:ext cx="8845920" cy="1252800"/>
           </a:xfrm>
           <a:prstGeom prst="rect">
             <a:avLst/>
@@ -5562,7 +5562,7 @@
         <p:spPr>
           <a:xfrm>
             <a:off x="720000" y="2160000"/>
-            <a:ext cx="8630640" cy="4375440"/>
+            <a:ext cx="8630280" cy="4375080"/>
           </a:xfrm>
           <a:prstGeom prst="rect">
             <a:avLst/>
@@ -5581,7 +5581,7 @@
         <p:txBody>
           <a:bodyPr lIns="0" rIns="0" tIns="0" bIns="0"/>
           <a:p>
-            <a:pPr marL="432000" indent="-314640">
+            <a:pPr marL="432000" indent="-314280">
               <a:lnSpc>
                 <a:spcPct val="100000"/>
               </a:lnSpc>
@@ -5610,7 +5610,7 @@
             </a:endParaRPr>
           </a:p>
           <a:p>
-            <a:pPr marL="432000" indent="-314640">
+            <a:pPr marL="432000" indent="-314280">
               <a:lnSpc>
                 <a:spcPct val="100000"/>
               </a:lnSpc>
@@ -5639,7 +5639,7 @@
             </a:endParaRPr>
           </a:p>
           <a:p>
-            <a:pPr marL="432000" indent="-314640">
+            <a:pPr marL="432000" indent="-314280">
               <a:lnSpc>
                 <a:spcPct val="100000"/>
               </a:lnSpc>
@@ -5668,7 +5668,7 @@
             </a:endParaRPr>
           </a:p>
           <a:p>
-            <a:pPr marL="432000" indent="-314640">
+            <a:pPr marL="432000" indent="-314280">
               <a:lnSpc>
                 <a:spcPct val="100000"/>
               </a:lnSpc>
@@ -5697,7 +5697,7 @@
             </a:endParaRPr>
           </a:p>
           <a:p>
-            <a:pPr marL="432000" indent="-314640">
+            <a:pPr marL="432000" indent="-314280">
               <a:lnSpc>
                 <a:spcPct val="100000"/>
               </a:lnSpc>
@@ -5785,7 +5785,7 @@
         <p:spPr>
           <a:xfrm>
             <a:off x="720000" y="300960"/>
-            <a:ext cx="8846280" cy="1253160"/>
+            <a:ext cx="8845920" cy="1252800"/>
           </a:xfrm>
           <a:prstGeom prst="rect">
             <a:avLst/>
@@ -5829,7 +5829,7 @@
         <p:spPr>
           <a:xfrm>
             <a:off x="720000" y="1944000"/>
-            <a:ext cx="8630640" cy="4375440"/>
+            <a:ext cx="8630280" cy="4375080"/>
           </a:xfrm>
           <a:prstGeom prst="rect">
             <a:avLst/>
@@ -5848,7 +5848,7 @@
         <p:txBody>
           <a:bodyPr lIns="0" rIns="0" tIns="0" bIns="0"/>
           <a:p>
-            <a:pPr marL="432000" indent="-314640">
+            <a:pPr marL="432000" indent="-314280">
               <a:lnSpc>
                 <a:spcPct val="100000"/>
               </a:lnSpc>
@@ -5877,7 +5877,7 @@
             </a:endParaRPr>
           </a:p>
           <a:p>
-            <a:pPr marL="432000" indent="-314640">
+            <a:pPr marL="432000" indent="-314280">
               <a:lnSpc>
                 <a:spcPct val="100000"/>
               </a:lnSpc>
@@ -5906,7 +5906,7 @@
             </a:endParaRPr>
           </a:p>
           <a:p>
-            <a:pPr marL="432000" indent="-314640">
+            <a:pPr marL="432000" indent="-314280">
               <a:lnSpc>
                 <a:spcPct val="100000"/>
               </a:lnSpc>
@@ -5935,7 +5935,7 @@
             </a:endParaRPr>
           </a:p>
           <a:p>
-            <a:pPr marL="432000" indent="-314640">
+            <a:pPr marL="432000" indent="-314280">
               <a:lnSpc>
                 <a:spcPct val="100000"/>
               </a:lnSpc>
@@ -5964,7 +5964,7 @@
             </a:endParaRPr>
           </a:p>
           <a:p>
-            <a:pPr marL="432000" indent="-314640">
+            <a:pPr marL="432000" indent="-314280">
               <a:lnSpc>
                 <a:spcPct val="100000"/>
               </a:lnSpc>
@@ -6092,7 +6092,7 @@
         <p:spPr>
           <a:xfrm>
             <a:off x="720000" y="300960"/>
-            <a:ext cx="8846280" cy="1253160"/>
+            <a:ext cx="8845920" cy="1252800"/>
           </a:xfrm>
           <a:prstGeom prst="rect">
             <a:avLst/>
@@ -6136,7 +6136,7 @@
         <p:spPr>
           <a:xfrm>
             <a:off x="720000" y="2160000"/>
-            <a:ext cx="8630640" cy="4375440"/>
+            <a:ext cx="8630280" cy="4375080"/>
           </a:xfrm>
           <a:prstGeom prst="rect">
             <a:avLst/>
@@ -6556,7 +6556,7 @@
         <p:spPr>
           <a:xfrm>
             <a:off x="720000" y="300960"/>
-            <a:ext cx="8846280" cy="1253160"/>
+            <a:ext cx="8845920" cy="1252800"/>
           </a:xfrm>
           <a:prstGeom prst="rect">
             <a:avLst/>
@@ -6600,7 +6600,7 @@
         <p:spPr>
           <a:xfrm>
             <a:off x="720000" y="2160000"/>
-            <a:ext cx="8630640" cy="4375440"/>
+            <a:ext cx="8630280" cy="4375080"/>
           </a:xfrm>
           <a:prstGeom prst="rect">
             <a:avLst/>
@@ -6619,7 +6619,7 @@
         <p:txBody>
           <a:bodyPr lIns="0" rIns="0" tIns="0" bIns="0"/>
           <a:p>
-            <a:pPr marL="432000" indent="-314640">
+            <a:pPr marL="432000" indent="-314280">
               <a:lnSpc>
                 <a:spcPct val="100000"/>
               </a:lnSpc>
@@ -6648,7 +6648,7 @@
             </a:endParaRPr>
           </a:p>
           <a:p>
-            <a:pPr marL="432000" indent="-314640">
+            <a:pPr marL="432000" indent="-314280">
               <a:lnSpc>
                 <a:spcPct val="100000"/>
               </a:lnSpc>
@@ -6677,7 +6677,7 @@
             </a:endParaRPr>
           </a:p>
           <a:p>
-            <a:pPr marL="432000" indent="-314640">
+            <a:pPr marL="432000" indent="-314280">
               <a:lnSpc>
                 <a:spcPct val="100000"/>
               </a:lnSpc>
@@ -6717,7 +6717,7 @@
             </a:endParaRPr>
           </a:p>
           <a:p>
-            <a:pPr marL="432000" indent="-314640">
+            <a:pPr marL="432000" indent="-314280">
               <a:lnSpc>
                 <a:spcPct val="100000"/>
               </a:lnSpc>
@@ -6746,7 +6746,7 @@
             </a:endParaRPr>
           </a:p>
           <a:p>
-            <a:pPr marL="432000" indent="-314640">
+            <a:pPr marL="432000" indent="-314280">
               <a:lnSpc>
                 <a:spcPct val="100000"/>
               </a:lnSpc>
@@ -6775,7 +6775,7 @@
             </a:endParaRPr>
           </a:p>
           <a:p>
-            <a:pPr marL="432000" indent="-314640">
+            <a:pPr marL="432000" indent="-314280">
               <a:lnSpc>
                 <a:spcPct val="100000"/>
               </a:lnSpc>
@@ -6863,7 +6863,7 @@
         <p:spPr>
           <a:xfrm>
             <a:off x="720000" y="300960"/>
-            <a:ext cx="8846280" cy="1253160"/>
+            <a:ext cx="8845920" cy="1252800"/>
           </a:xfrm>
           <a:prstGeom prst="rect">
             <a:avLst/>
@@ -6907,7 +6907,7 @@
         <p:spPr>
           <a:xfrm>
             <a:off x="720000" y="1908000"/>
-            <a:ext cx="8630640" cy="4715280"/>
+            <a:ext cx="8630280" cy="4714920"/>
           </a:xfrm>
           <a:prstGeom prst="rect">
             <a:avLst/>
@@ -6926,7 +6926,7 @@
         <p:txBody>
           <a:bodyPr lIns="0" rIns="0" tIns="0" bIns="0"/>
           <a:p>
-            <a:pPr marL="432000" indent="-314640">
+            <a:pPr marL="432000" indent="-314280">
               <a:lnSpc>
                 <a:spcPct val="100000"/>
               </a:lnSpc>
@@ -6936,9 +6936,8 @@
               <a:buClr>
                 <a:srgbClr val="ef2929"/>
               </a:buClr>
-              <a:buSzPct val="45000"/>
               <a:buFont typeface="Wingdings" charset="2"/>
-              <a:buChar char=""/>
+              <a:buAutoNum type="arabicParenR"/>
             </a:pPr>
             <a:r>
               <a:rPr b="0" lang="de-DE" sz="2400" spc="-1" strike="noStrike">
@@ -6976,7 +6975,7 @@
             </a:endParaRPr>
           </a:p>
           <a:p>
-            <a:pPr marL="432000" indent="-314640">
+            <a:pPr marL="432000" indent="-314280">
               <a:lnSpc>
                 <a:spcPct val="100000"/>
               </a:lnSpc>
@@ -6986,9 +6985,8 @@
               <a:buClr>
                 <a:srgbClr val="ef2929"/>
               </a:buClr>
-              <a:buSzPct val="45000"/>
               <a:buFont typeface="Wingdings" charset="2"/>
-              <a:buChar char=""/>
+              <a:buAutoNum type="arabicParenR"/>
             </a:pPr>
             <a:r>
               <a:rPr b="0" lang="de-DE" sz="2400" spc="-1" strike="noStrike">
@@ -7107,7 +7105,7 @@
             </a:endParaRPr>
           </a:p>
           <a:p>
-            <a:pPr marL="432000" indent="-314640">
+            <a:pPr marL="432000" indent="-314280">
               <a:lnSpc>
                 <a:spcPct val="100000"/>
               </a:lnSpc>
@@ -7117,9 +7115,8 @@
               <a:buClr>
                 <a:srgbClr val="ef2929"/>
               </a:buClr>
-              <a:buSzPct val="45000"/>
               <a:buFont typeface="Wingdings" charset="2"/>
-              <a:buChar char=""/>
+              <a:buAutoNum type="arabicParenR"/>
             </a:pPr>
             <a:r>
               <a:rPr b="0" lang="de-DE" sz="2400" spc="-1" strike="noStrike">
@@ -7216,7 +7213,7 @@
         <p:spPr>
           <a:xfrm>
             <a:off x="720000" y="300960"/>
-            <a:ext cx="8846280" cy="1253160"/>
+            <a:ext cx="8845920" cy="1252800"/>
           </a:xfrm>
           <a:prstGeom prst="rect">
             <a:avLst/>
@@ -7243,7 +7240,7 @@
                 <a:latin typeface="Noto Sans Regular"/>
                 <a:ea typeface="DejaVu Sans"/>
               </a:rPr>
-              <a:t>Define a type class</a:t>
+              <a:t>Define a type class (1)</a:t>
             </a:r>
             <a:endParaRPr b="0" lang="de-DE" sz="4000" spc="-1" strike="noStrike">
               <a:latin typeface="Arial"/>
@@ -7260,7 +7257,7 @@
         <p:spPr>
           <a:xfrm>
             <a:off x="720000" y="2160000"/>
-            <a:ext cx="8630640" cy="4375440"/>
+            <a:ext cx="8630280" cy="4375080"/>
           </a:xfrm>
           <a:prstGeom prst="rect">
             <a:avLst/>
@@ -7543,7 +7540,7 @@
         <p:spPr>
           <a:xfrm>
             <a:off x="720000" y="300960"/>
-            <a:ext cx="8846280" cy="1253160"/>
+            <a:ext cx="8845920" cy="1252800"/>
           </a:xfrm>
           <a:prstGeom prst="rect">
             <a:avLst/>
@@ -7570,7 +7567,7 @@
                 <a:latin typeface="Noto Sans Regular"/>
                 <a:ea typeface="DejaVu Sans"/>
               </a:rPr>
-              <a:t>Define type class instances (1)</a:t>
+              <a:t>Define type class instances (2)</a:t>
             </a:r>
             <a:endParaRPr b="0" lang="de-DE" sz="4000" spc="-1" strike="noStrike">
               <a:latin typeface="Arial"/>
@@ -7587,7 +7584,7 @@
         <p:spPr>
           <a:xfrm>
             <a:off x="720000" y="1764000"/>
-            <a:ext cx="8630640" cy="4375440"/>
+            <a:ext cx="8630280" cy="4375080"/>
           </a:xfrm>
           <a:prstGeom prst="rect">
             <a:avLst/>
@@ -8241,7 +8238,7 @@
         <p:spPr>
           <a:xfrm>
             <a:off x="720000" y="300960"/>
-            <a:ext cx="8846280" cy="1253160"/>
+            <a:ext cx="8845920" cy="1252800"/>
           </a:xfrm>
           <a:prstGeom prst="rect">
             <a:avLst/>
@@ -8285,7 +8282,7 @@
         <p:spPr>
           <a:xfrm>
             <a:off x="720000" y="2160000"/>
-            <a:ext cx="8630640" cy="4375440"/>
+            <a:ext cx="8630280" cy="4375080"/>
           </a:xfrm>
           <a:prstGeom prst="rect">
             <a:avLst/>
@@ -8798,7 +8795,7 @@
         <p:spPr>
           <a:xfrm>
             <a:off x="720000" y="300960"/>
-            <a:ext cx="8846280" cy="1253160"/>
+            <a:ext cx="8845920" cy="1252800"/>
           </a:xfrm>
           <a:prstGeom prst="rect">
             <a:avLst/>
@@ -8842,7 +8839,7 @@
         <p:spPr>
           <a:xfrm>
             <a:off x="720000" y="1656000"/>
-            <a:ext cx="8630640" cy="5396040"/>
+            <a:ext cx="8630280" cy="5395680"/>
           </a:xfrm>
           <a:prstGeom prst="rect">
             <a:avLst/>
@@ -8861,7 +8858,7 @@
         <p:txBody>
           <a:bodyPr lIns="0" rIns="0" tIns="0" bIns="0"/>
           <a:p>
-            <a:pPr marL="432000" indent="-314640">
+            <a:pPr marL="432000" indent="-314280">
               <a:lnSpc>
                 <a:spcPct val="100000"/>
               </a:lnSpc>
@@ -8890,7 +8887,7 @@
             </a:endParaRPr>
           </a:p>
           <a:p>
-            <a:pPr marL="432000" indent="-314640">
+            <a:pPr marL="432000" indent="-314280">
               <a:lnSpc>
                 <a:spcPct val="100000"/>
               </a:lnSpc>
@@ -8919,7 +8916,7 @@
             </a:endParaRPr>
           </a:p>
           <a:p>
-            <a:pPr marL="432000" indent="-314640">
+            <a:pPr marL="432000" indent="-314280">
               <a:lnSpc>
                 <a:spcPct val="100000"/>
               </a:lnSpc>
@@ -8948,7 +8945,7 @@
             </a:endParaRPr>
           </a:p>
           <a:p>
-            <a:pPr marL="432000" indent="-314640">
+            <a:pPr marL="432000" indent="-314280">
               <a:lnSpc>
                 <a:spcPct val="100000"/>
               </a:lnSpc>
@@ -8977,7 +8974,7 @@
             </a:endParaRPr>
           </a:p>
           <a:p>
-            <a:pPr marL="432000" indent="-314640">
+            <a:pPr marL="432000" indent="-314280">
               <a:lnSpc>
                 <a:spcPct val="100000"/>
               </a:lnSpc>
@@ -9016,7 +9013,7 @@
             </a:endParaRPr>
           </a:p>
           <a:p>
-            <a:pPr marL="432000" indent="-314640">
+            <a:pPr marL="432000" indent="-314280">
               <a:lnSpc>
                 <a:spcPct val="100000"/>
               </a:lnSpc>
@@ -9045,7 +9042,7 @@
             </a:endParaRPr>
           </a:p>
           <a:p>
-            <a:pPr marL="432000" indent="-314640">
+            <a:pPr marL="432000" indent="-314280">
               <a:lnSpc>
                 <a:spcPct val="100000"/>
               </a:lnSpc>
@@ -9074,7 +9071,7 @@
             </a:endParaRPr>
           </a:p>
           <a:p>
-            <a:pPr marL="432000" indent="-314640">
+            <a:pPr marL="432000" indent="-314280">
               <a:lnSpc>
                 <a:spcPct val="100000"/>
               </a:lnSpc>
@@ -9103,7 +9100,7 @@
             </a:endParaRPr>
           </a:p>
           <a:p>
-            <a:pPr marL="432000" indent="-314640">
+            <a:pPr marL="432000" indent="-314280">
               <a:lnSpc>
                 <a:spcPct val="100000"/>
               </a:lnSpc>
@@ -9132,7 +9129,7 @@
             </a:endParaRPr>
           </a:p>
           <a:p>
-            <a:pPr marL="432000" indent="-314640">
+            <a:pPr marL="432000" indent="-314280">
               <a:lnSpc>
                 <a:spcPct val="100000"/>
               </a:lnSpc>
@@ -9220,7 +9217,7 @@
         <p:spPr>
           <a:xfrm>
             <a:off x="720000" y="300960"/>
-            <a:ext cx="8846280" cy="1253160"/>
+            <a:ext cx="8845920" cy="1252800"/>
           </a:xfrm>
           <a:prstGeom prst="rect">
             <a:avLst/>
@@ -9264,7 +9261,7 @@
         <p:spPr>
           <a:xfrm>
             <a:off x="720000" y="1800000"/>
-            <a:ext cx="8630640" cy="5319360"/>
+            <a:ext cx="8630280" cy="5319000"/>
           </a:xfrm>
           <a:prstGeom prst="rect">
             <a:avLst/>
@@ -9932,7 +9929,7 @@
         <p:spPr>
           <a:xfrm>
             <a:off x="720000" y="300960"/>
-            <a:ext cx="8846280" cy="1253160"/>
+            <a:ext cx="8845920" cy="1252800"/>
           </a:xfrm>
           <a:prstGeom prst="rect">
             <a:avLst/>
@@ -9959,7 +9956,7 @@
                 <a:latin typeface="Noto Sans Regular"/>
                 <a:ea typeface="DejaVu Sans"/>
               </a:rPr>
-              <a:t>Generic type class instances</a:t>
+              <a:t>Generic type class instances (2)</a:t>
             </a:r>
             <a:endParaRPr b="0" lang="de-DE" sz="4000" spc="-1" strike="noStrike">
               <a:latin typeface="Arial"/>
@@ -9976,7 +9973,7 @@
         <p:spPr>
           <a:xfrm>
             <a:off x="720000" y="1800000"/>
-            <a:ext cx="8630640" cy="5319360"/>
+            <a:ext cx="8630280" cy="5319000"/>
           </a:xfrm>
           <a:prstGeom prst="rect">
             <a:avLst/>
@@ -10526,7 +10523,7 @@
         <p:spPr>
           <a:xfrm>
             <a:off x="720000" y="300960"/>
-            <a:ext cx="8846280" cy="1253160"/>
+            <a:ext cx="8845920" cy="1252800"/>
           </a:xfrm>
           <a:prstGeom prst="rect">
             <a:avLst/>
@@ -10553,7 +10550,7 @@
                 <a:latin typeface="Noto Sans Regular"/>
                 <a:ea typeface="DejaVu Sans"/>
               </a:rPr>
-              <a:t>Use the type class instance (3)</a:t>
+              <a:t>Use the type class instances (3)</a:t>
             </a:r>
             <a:endParaRPr b="0" lang="de-DE" sz="4000" spc="-1" strike="noStrike">
               <a:latin typeface="Arial"/>
@@ -10570,7 +10567,7 @@
         <p:spPr>
           <a:xfrm>
             <a:off x="720000" y="2160000"/>
-            <a:ext cx="8630640" cy="4375440"/>
+            <a:ext cx="8630280" cy="4375080"/>
           </a:xfrm>
           <a:prstGeom prst="rect">
             <a:avLst/>
@@ -11248,7 +11245,7 @@
         <p:spPr>
           <a:xfrm>
             <a:off x="720000" y="300960"/>
-            <a:ext cx="8846280" cy="1253160"/>
+            <a:ext cx="8845920" cy="1252800"/>
           </a:xfrm>
           <a:prstGeom prst="rect">
             <a:avLst/>
@@ -11292,7 +11289,7 @@
         <p:spPr>
           <a:xfrm>
             <a:off x="720000" y="1944000"/>
-            <a:ext cx="8630640" cy="4375440"/>
+            <a:ext cx="8630280" cy="4375080"/>
           </a:xfrm>
           <a:prstGeom prst="rect">
             <a:avLst/>
@@ -11311,7 +11308,7 @@
         <p:txBody>
           <a:bodyPr lIns="0" rIns="0" tIns="0" bIns="0"/>
           <a:p>
-            <a:pPr marL="432000" indent="-314640">
+            <a:pPr marL="432000" indent="-314280">
               <a:lnSpc>
                 <a:spcPct val="100000"/>
               </a:lnSpc>
@@ -11380,7 +11377,7 @@
             </a:endParaRPr>
           </a:p>
           <a:p>
-            <a:pPr marL="432000" indent="-314640">
+            <a:pPr marL="432000" indent="-314280">
               <a:lnSpc>
                 <a:spcPct val="100000"/>
               </a:lnSpc>
@@ -11409,7 +11406,7 @@
             </a:endParaRPr>
           </a:p>
           <a:p>
-            <a:pPr marL="432000" indent="-314640">
+            <a:pPr marL="432000" indent="-314280">
               <a:lnSpc>
                 <a:spcPct val="100000"/>
               </a:lnSpc>
@@ -11438,7 +11435,7 @@
             </a:endParaRPr>
           </a:p>
           <a:p>
-            <a:pPr marL="432000" indent="-314640">
+            <a:pPr marL="432000" indent="-314280">
               <a:lnSpc>
                 <a:spcPct val="100000"/>
               </a:lnSpc>
@@ -11526,7 +11523,7 @@
         <p:spPr>
           <a:xfrm>
             <a:off x="720000" y="300960"/>
-            <a:ext cx="8846280" cy="1253160"/>
+            <a:ext cx="8845920" cy="1252800"/>
           </a:xfrm>
           <a:prstGeom prst="rect">
             <a:avLst/>
@@ -11570,7 +11567,7 @@
         <p:spPr>
           <a:xfrm>
             <a:off x="720000" y="1692000"/>
-            <a:ext cx="8630640" cy="5215680"/>
+            <a:ext cx="8630280" cy="5215320"/>
           </a:xfrm>
           <a:prstGeom prst="rect">
             <a:avLst/>
@@ -11589,7 +11586,7 @@
         <p:txBody>
           <a:bodyPr lIns="0" rIns="0" tIns="0" bIns="0"/>
           <a:p>
-            <a:pPr marL="432000" indent="-314640">
+            <a:pPr marL="432000" indent="-314280">
               <a:lnSpc>
                 <a:spcPct val="100000"/>
               </a:lnSpc>
@@ -12337,7 +12334,7 @@
         <p:spPr>
           <a:xfrm>
             <a:off x="720000" y="300960"/>
-            <a:ext cx="8846280" cy="1253160"/>
+            <a:ext cx="8845920" cy="1252800"/>
           </a:xfrm>
           <a:prstGeom prst="rect">
             <a:avLst/>
@@ -12381,7 +12378,7 @@
         <p:spPr>
           <a:xfrm>
             <a:off x="720000" y="1980000"/>
-            <a:ext cx="8630640" cy="4784400"/>
+            <a:ext cx="8630280" cy="4784040"/>
           </a:xfrm>
           <a:prstGeom prst="rect">
             <a:avLst/>
@@ -12400,7 +12397,7 @@
         <p:txBody>
           <a:bodyPr lIns="0" rIns="0" tIns="0" bIns="0"/>
           <a:p>
-            <a:pPr marL="432000" indent="-314640">
+            <a:pPr marL="432000" indent="-314280">
               <a:lnSpc>
                 <a:spcPct val="100000"/>
               </a:lnSpc>
@@ -12971,7 +12968,7 @@
         <p:spPr>
           <a:xfrm>
             <a:off x="720000" y="300960"/>
-            <a:ext cx="8846280" cy="1253160"/>
+            <a:ext cx="8845920" cy="1252800"/>
           </a:xfrm>
           <a:prstGeom prst="rect">
             <a:avLst/>
@@ -13015,7 +13012,7 @@
         <p:spPr>
           <a:xfrm>
             <a:off x="720000" y="2160000"/>
-            <a:ext cx="8630640" cy="4375440"/>
+            <a:ext cx="8630280" cy="4375080"/>
           </a:xfrm>
           <a:prstGeom prst="rect">
             <a:avLst/>
@@ -13034,7 +13031,7 @@
         <p:txBody>
           <a:bodyPr lIns="0" rIns="0" tIns="0" bIns="0"/>
           <a:p>
-            <a:pPr marL="432000" indent="-314640">
+            <a:pPr marL="432000" indent="-314280">
               <a:lnSpc>
                 <a:spcPct val="100000"/>
               </a:lnSpc>
@@ -13123,7 +13120,7 @@
             </a:endParaRPr>
           </a:p>
           <a:p>
-            <a:pPr marL="432000" indent="-314640">
+            <a:pPr marL="432000" indent="-314280">
               <a:lnSpc>
                 <a:spcPct val="100000"/>
               </a:lnSpc>
@@ -13311,7 +13308,7 @@
         <p:spPr>
           <a:xfrm>
             <a:off x="720000" y="300960"/>
-            <a:ext cx="8846280" cy="1253160"/>
+            <a:ext cx="8845920" cy="1252800"/>
           </a:xfrm>
           <a:prstGeom prst="rect">
             <a:avLst/>
@@ -13355,7 +13352,7 @@
         <p:spPr>
           <a:xfrm>
             <a:off x="720000" y="1584000"/>
-            <a:ext cx="8630640" cy="5324400"/>
+            <a:ext cx="8630280" cy="5324040"/>
           </a:xfrm>
           <a:prstGeom prst="rect">
             <a:avLst/>
@@ -13374,7 +13371,7 @@
         <p:txBody>
           <a:bodyPr lIns="0" rIns="0" tIns="0" bIns="0"/>
           <a:p>
-            <a:pPr marL="432000" indent="-314640">
+            <a:pPr marL="432000" indent="-314280">
               <a:lnSpc>
                 <a:spcPct val="100000"/>
               </a:lnSpc>
@@ -13423,7 +13420,7 @@
             </a:endParaRPr>
           </a:p>
           <a:p>
-            <a:pPr marL="432000" indent="-314640">
+            <a:pPr marL="432000" indent="-314280">
               <a:lnSpc>
                 <a:spcPct val="100000"/>
               </a:lnSpc>
@@ -13483,7 +13480,7 @@
             </a:endParaRPr>
           </a:p>
           <a:p>
-            <a:pPr marL="432000" indent="-314640">
+            <a:pPr marL="432000" indent="-314280">
               <a:lnSpc>
                 <a:spcPct val="100000"/>
               </a:lnSpc>
@@ -13532,7 +13529,7 @@
             </a:endParaRPr>
           </a:p>
           <a:p>
-            <a:pPr marL="432000" indent="-314640">
+            <a:pPr marL="432000" indent="-314280">
               <a:lnSpc>
                 <a:spcPct val="100000"/>
               </a:lnSpc>
@@ -13581,7 +13578,7 @@
             </a:endParaRPr>
           </a:p>
           <a:p>
-            <a:pPr marL="432000" indent="-314640">
+            <a:pPr marL="432000" indent="-314280">
               <a:lnSpc>
                 <a:spcPct val="100000"/>
               </a:lnSpc>
@@ -13610,7 +13607,7 @@
             </a:endParaRPr>
           </a:p>
           <a:p>
-            <a:pPr marL="432000" indent="-314640">
+            <a:pPr marL="432000" indent="-314280">
               <a:lnSpc>
                 <a:spcPct val="100000"/>
               </a:lnSpc>
@@ -13699,7 +13696,7 @@
         <p:spPr>
           <a:xfrm>
             <a:off x="720000" y="300960"/>
-            <a:ext cx="8846280" cy="1253160"/>
+            <a:ext cx="8845920" cy="1252800"/>
           </a:xfrm>
           <a:prstGeom prst="rect">
             <a:avLst/>
@@ -13743,7 +13740,7 @@
         <p:spPr>
           <a:xfrm>
             <a:off x="720000" y="1404000"/>
-            <a:ext cx="8630640" cy="5647320"/>
+            <a:ext cx="8630280" cy="5646960"/>
           </a:xfrm>
           <a:prstGeom prst="rect">
             <a:avLst/>
@@ -14981,7 +14978,7 @@
         <p:spPr>
           <a:xfrm>
             <a:off x="720000" y="300960"/>
-            <a:ext cx="8846280" cy="1253160"/>
+            <a:ext cx="8845920" cy="1252800"/>
           </a:xfrm>
           <a:prstGeom prst="rect">
             <a:avLst/>
@@ -15025,7 +15022,7 @@
         <p:spPr>
           <a:xfrm>
             <a:off x="720000" y="1872000"/>
-            <a:ext cx="8630640" cy="4567320"/>
+            <a:ext cx="8630280" cy="4566960"/>
           </a:xfrm>
           <a:prstGeom prst="rect">
             <a:avLst/>
@@ -15803,7 +15800,7 @@
         <p:spPr>
           <a:xfrm>
             <a:off x="720000" y="300960"/>
-            <a:ext cx="8846280" cy="1253160"/>
+            <a:ext cx="8845920" cy="1252800"/>
           </a:xfrm>
           <a:prstGeom prst="rect">
             <a:avLst/>
@@ -15847,7 +15844,7 @@
         <p:spPr>
           <a:xfrm>
             <a:off x="720000" y="2052000"/>
-            <a:ext cx="8630640" cy="4375440"/>
+            <a:ext cx="8630280" cy="4375080"/>
           </a:xfrm>
           <a:prstGeom prst="rect">
             <a:avLst/>
@@ -15866,7 +15863,7 @@
         <p:txBody>
           <a:bodyPr lIns="0" rIns="0" tIns="0" bIns="0"/>
           <a:p>
-            <a:pPr marL="432000" indent="-314640">
+            <a:pPr marL="432000" indent="-314280">
               <a:lnSpc>
                 <a:spcPct val="100000"/>
               </a:lnSpc>
@@ -15928,7 +15925,7 @@
             </a:endParaRPr>
           </a:p>
           <a:p>
-            <a:pPr marL="432000" indent="-314640">
+            <a:pPr marL="432000" indent="-314280">
               <a:lnSpc>
                 <a:spcPct val="100000"/>
               </a:lnSpc>
@@ -15968,7 +15965,7 @@
             </a:endParaRPr>
           </a:p>
           <a:p>
-            <a:pPr marL="432000" indent="-314640">
+            <a:pPr marL="432000" indent="-314280">
               <a:lnSpc>
                 <a:spcPct val="100000"/>
               </a:lnSpc>
@@ -16008,7 +16005,7 @@
             </a:endParaRPr>
           </a:p>
           <a:p>
-            <a:pPr marL="432000" indent="-314640">
+            <a:pPr marL="432000" indent="-314280">
               <a:lnSpc>
                 <a:spcPct val="100000"/>
               </a:lnSpc>
@@ -16120,7 +16117,7 @@
         <p:spPr>
           <a:xfrm>
             <a:off x="720000" y="300960"/>
-            <a:ext cx="8846280" cy="1253160"/>
+            <a:ext cx="8845920" cy="1252800"/>
           </a:xfrm>
           <a:prstGeom prst="rect">
             <a:avLst/>
@@ -16164,7 +16161,7 @@
         <p:spPr>
           <a:xfrm>
             <a:off x="720000" y="1944000"/>
-            <a:ext cx="8630640" cy="4711320"/>
+            <a:ext cx="8630280" cy="4710960"/>
           </a:xfrm>
           <a:prstGeom prst="rect">
             <a:avLst/>
@@ -17032,7 +17029,7 @@
         <p:spPr>
           <a:xfrm>
             <a:off x="720000" y="300960"/>
-            <a:ext cx="8846280" cy="1253160"/>
+            <a:ext cx="8845920" cy="1252800"/>
           </a:xfrm>
           <a:prstGeom prst="rect">
             <a:avLst/>
@@ -17076,7 +17073,7 @@
         <p:spPr>
           <a:xfrm>
             <a:off x="720000" y="2052000"/>
-            <a:ext cx="8630640" cy="4423320"/>
+            <a:ext cx="8630280" cy="4422960"/>
           </a:xfrm>
           <a:prstGeom prst="rect">
             <a:avLst/>
@@ -17544,7 +17541,7 @@
         <p:spPr>
           <a:xfrm>
             <a:off x="720000" y="300960"/>
-            <a:ext cx="8846280" cy="1253160"/>
+            <a:ext cx="8845920" cy="1252800"/>
           </a:xfrm>
           <a:prstGeom prst="rect">
             <a:avLst/>
@@ -17588,7 +17585,7 @@
         <p:spPr>
           <a:xfrm>
             <a:off x="720000" y="1692000"/>
-            <a:ext cx="8630640" cy="4375440"/>
+            <a:ext cx="8630280" cy="4375080"/>
           </a:xfrm>
           <a:prstGeom prst="rect">
             <a:avLst/>
@@ -17607,7 +17604,7 @@
         <p:txBody>
           <a:bodyPr lIns="0" rIns="0" tIns="0" bIns="0"/>
           <a:p>
-            <a:pPr marL="432000" indent="-314640">
+            <a:pPr marL="432000" indent="-314280">
               <a:lnSpc>
                 <a:spcPct val="100000"/>
               </a:lnSpc>
@@ -17656,7 +17653,7 @@
             </a:endParaRPr>
           </a:p>
           <a:p>
-            <a:pPr marL="432000" indent="-314640">
+            <a:pPr marL="432000" indent="-314280">
               <a:lnSpc>
                 <a:spcPct val="100000"/>
               </a:lnSpc>
@@ -17696,7 +17693,7 @@
             </a:endParaRPr>
           </a:p>
           <a:p>
-            <a:pPr marL="432000" indent="-314640">
+            <a:pPr marL="432000" indent="-314280">
               <a:lnSpc>
                 <a:spcPct val="100000"/>
               </a:lnSpc>
@@ -17725,7 +17722,7 @@
             </a:endParaRPr>
           </a:p>
           <a:p>
-            <a:pPr marL="432000" indent="-314640">
+            <a:pPr marL="432000" indent="-314280">
               <a:lnSpc>
                 <a:spcPct val="100000"/>
               </a:lnSpc>
@@ -17774,7 +17771,7 @@
             </a:endParaRPr>
           </a:p>
           <a:p>
-            <a:pPr marL="432000" indent="-314640">
+            <a:pPr marL="432000" indent="-314280">
               <a:lnSpc>
                 <a:spcPct val="100000"/>
               </a:lnSpc>
@@ -17872,7 +17869,7 @@
         <p:spPr>
           <a:xfrm>
             <a:off x="720000" y="300960"/>
-            <a:ext cx="8846280" cy="1253160"/>
+            <a:ext cx="8845920" cy="1252800"/>
           </a:xfrm>
           <a:prstGeom prst="rect">
             <a:avLst/>
@@ -17916,7 +17913,7 @@
         <p:spPr>
           <a:xfrm>
             <a:off x="720000" y="1404000"/>
-            <a:ext cx="8630640" cy="5647320"/>
+            <a:ext cx="8630280" cy="5646960"/>
           </a:xfrm>
           <a:prstGeom prst="rect">
             <a:avLst/>
@@ -19440,7 +19437,7 @@
         <p:spPr>
           <a:xfrm>
             <a:off x="720000" y="300960"/>
-            <a:ext cx="8846280" cy="1253160"/>
+            <a:ext cx="8845920" cy="1252800"/>
           </a:xfrm>
           <a:prstGeom prst="rect">
             <a:avLst/>
@@ -19484,7 +19481,7 @@
         <p:spPr>
           <a:xfrm>
             <a:off x="964440" y="2160000"/>
-            <a:ext cx="8141760" cy="2869920"/>
+            <a:ext cx="8141400" cy="2869560"/>
           </a:xfrm>
           <a:prstGeom prst="rect">
             <a:avLst/>
@@ -19508,7 +19505,7 @@
             </a:endParaRPr>
           </a:p>
           <a:p>
-            <a:pPr marL="432000" indent="-314640">
+            <a:pPr marL="432000" indent="-314280">
               <a:lnSpc>
                 <a:spcPct val="100000"/>
               </a:lnSpc>
@@ -19537,7 +19534,7 @@
             </a:endParaRPr>
           </a:p>
           <a:p>
-            <a:pPr marL="432000" indent="-314640">
+            <a:pPr marL="432000" indent="-314280">
               <a:lnSpc>
                 <a:spcPct val="100000"/>
               </a:lnSpc>
@@ -19566,7 +19563,7 @@
             </a:endParaRPr>
           </a:p>
           <a:p>
-            <a:pPr marL="432000" indent="-314640">
+            <a:pPr marL="432000" indent="-314280">
               <a:lnSpc>
                 <a:spcPct val="100000"/>
               </a:lnSpc>
@@ -19665,7 +19662,7 @@
         <p:spPr>
           <a:xfrm>
             <a:off x="720000" y="300960"/>
-            <a:ext cx="8846280" cy="1253160"/>
+            <a:ext cx="8845920" cy="1252800"/>
           </a:xfrm>
           <a:prstGeom prst="rect">
             <a:avLst/>
@@ -19709,7 +19706,7 @@
         <p:spPr>
           <a:xfrm>
             <a:off x="720000" y="2160000"/>
-            <a:ext cx="8630640" cy="4375440"/>
+            <a:ext cx="8630280" cy="4375080"/>
           </a:xfrm>
           <a:prstGeom prst="rect">
             <a:avLst/>
@@ -19758,7 +19755,7 @@
             </a:endParaRPr>
           </a:p>
           <a:p>
-            <a:pPr marL="432000" indent="-314640">
+            <a:pPr marL="432000" indent="-314280">
               <a:lnSpc>
                 <a:spcPct val="100000"/>
               </a:lnSpc>
@@ -19807,7 +19804,7 @@
             </a:endParaRPr>
           </a:p>
           <a:p>
-            <a:pPr marL="432000" indent="-314640">
+            <a:pPr marL="432000" indent="-314280">
               <a:lnSpc>
                 <a:spcPct val="100000"/>
               </a:lnSpc>
@@ -19917,7 +19914,7 @@
         <p:spPr>
           <a:xfrm>
             <a:off x="720000" y="300960"/>
-            <a:ext cx="8846280" cy="1253160"/>
+            <a:ext cx="8845920" cy="1252800"/>
           </a:xfrm>
           <a:prstGeom prst="rect">
             <a:avLst/>
@@ -19961,7 +19958,7 @@
         <p:spPr>
           <a:xfrm>
             <a:off x="720000" y="1836000"/>
-            <a:ext cx="8630640" cy="4713840"/>
+            <a:ext cx="8630280" cy="4713480"/>
           </a:xfrm>
           <a:prstGeom prst="rect">
             <a:avLst/>
@@ -19980,7 +19977,7 @@
         <p:txBody>
           <a:bodyPr lIns="0" rIns="0" tIns="0" bIns="0"/>
           <a:p>
-            <a:pPr marL="432000" indent="-314640">
+            <a:pPr marL="432000" indent="-314280">
               <a:lnSpc>
                 <a:spcPct val="100000"/>
               </a:lnSpc>
@@ -20060,7 +20057,7 @@
             </a:endParaRPr>
           </a:p>
           <a:p>
-            <a:pPr marL="432000" indent="-314640">
+            <a:pPr marL="432000" indent="-314280">
               <a:lnSpc>
                 <a:spcPct val="100000"/>
               </a:lnSpc>
@@ -20100,7 +20097,7 @@
             </a:endParaRPr>
           </a:p>
           <a:p>
-            <a:pPr marL="432000" indent="-314640">
+            <a:pPr marL="432000" indent="-314280">
               <a:lnSpc>
                 <a:spcPct val="100000"/>
               </a:lnSpc>
@@ -20140,7 +20137,7 @@
             </a:endParaRPr>
           </a:p>
           <a:p>
-            <a:pPr marL="432000" indent="-314640">
+            <a:pPr marL="432000" indent="-314280">
               <a:lnSpc>
                 <a:spcPct val="100000"/>
               </a:lnSpc>
@@ -20180,7 +20177,7 @@
             </a:endParaRPr>
           </a:p>
           <a:p>
-            <a:pPr marL="432000" indent="-314640">
+            <a:pPr marL="432000" indent="-314280">
               <a:lnSpc>
                 <a:spcPct val="100000"/>
               </a:lnSpc>
@@ -20220,7 +20217,7 @@
             </a:endParaRPr>
           </a:p>
           <a:p>
-            <a:pPr marL="432000" indent="-314640">
+            <a:pPr marL="432000" indent="-314280">
               <a:lnSpc>
                 <a:spcPct val="100000"/>
               </a:lnSpc>
@@ -20319,7 +20316,7 @@
         <p:spPr>
           <a:xfrm>
             <a:off x="720000" y="300960"/>
-            <a:ext cx="8846280" cy="1253160"/>
+            <a:ext cx="8845920" cy="1252800"/>
           </a:xfrm>
           <a:prstGeom prst="rect">
             <a:avLst/>
@@ -20363,7 +20360,7 @@
         <p:spPr>
           <a:xfrm>
             <a:off x="720000" y="2160000"/>
-            <a:ext cx="8630640" cy="4375440"/>
+            <a:ext cx="8630280" cy="4375080"/>
           </a:xfrm>
           <a:prstGeom prst="rect">
             <a:avLst/>
@@ -20382,7 +20379,7 @@
         <p:txBody>
           <a:bodyPr lIns="0" rIns="0" tIns="0" bIns="0"/>
           <a:p>
-            <a:pPr marL="432000" indent="-314640">
+            <a:pPr marL="432000" indent="-314280">
               <a:lnSpc>
                 <a:spcPct val="100000"/>
               </a:lnSpc>
@@ -20411,7 +20408,7 @@
             </a:endParaRPr>
           </a:p>
           <a:p>
-            <a:pPr marL="432000" indent="-314640">
+            <a:pPr marL="432000" indent="-314280">
               <a:lnSpc>
                 <a:spcPct val="100000"/>
               </a:lnSpc>
@@ -20440,7 +20437,7 @@
             </a:endParaRPr>
           </a:p>
           <a:p>
-            <a:pPr marL="432000" indent="-314640">
+            <a:pPr marL="432000" indent="-314280">
               <a:lnSpc>
                 <a:spcPct val="100000"/>
               </a:lnSpc>
@@ -20469,7 +20466,7 @@
             </a:endParaRPr>
           </a:p>
           <a:p>
-            <a:pPr marL="432000" indent="-314640">
+            <a:pPr marL="432000" indent="-314280">
               <a:lnSpc>
                 <a:spcPct val="100000"/>
               </a:lnSpc>
@@ -20557,7 +20554,7 @@
         <p:spPr>
           <a:xfrm>
             <a:off x="720000" y="300960"/>
-            <a:ext cx="8846280" cy="1253160"/>
+            <a:ext cx="8845920" cy="1252800"/>
           </a:xfrm>
           <a:prstGeom prst="rect">
             <a:avLst/>
@@ -20601,7 +20598,7 @@
         <p:spPr>
           <a:xfrm>
             <a:off x="720000" y="1836000"/>
-            <a:ext cx="8630640" cy="5000040"/>
+            <a:ext cx="8630280" cy="4999680"/>
           </a:xfrm>
           <a:prstGeom prst="rect">
             <a:avLst/>
@@ -20620,7 +20617,7 @@
         <p:txBody>
           <a:bodyPr lIns="0" rIns="0" tIns="0" bIns="0"/>
           <a:p>
-            <a:pPr marL="432000" indent="-314640">
+            <a:pPr marL="432000" indent="-314280">
               <a:lnSpc>
                 <a:spcPct val="100000"/>
               </a:lnSpc>
@@ -20680,7 +20677,7 @@
             </a:endParaRPr>
           </a:p>
           <a:p>
-            <a:pPr marL="432000" indent="-314640">
+            <a:pPr marL="432000" indent="-314280">
               <a:lnSpc>
                 <a:spcPct val="100000"/>
               </a:lnSpc>
@@ -20781,7 +20778,7 @@
             </a:endParaRPr>
           </a:p>
           <a:p>
-            <a:pPr marL="432000" indent="-314640">
+            <a:pPr marL="432000" indent="-314280">
               <a:lnSpc>
                 <a:spcPct val="100000"/>
               </a:lnSpc>
@@ -20869,7 +20866,7 @@
         <p:spPr>
           <a:xfrm>
             <a:off x="720000" y="300960"/>
-            <a:ext cx="8846280" cy="1253160"/>
+            <a:ext cx="8845920" cy="1252800"/>
           </a:xfrm>
           <a:prstGeom prst="rect">
             <a:avLst/>
@@ -20913,7 +20910,7 @@
         <p:spPr>
           <a:xfrm>
             <a:off x="720000" y="2160000"/>
-            <a:ext cx="8630640" cy="4375440"/>
+            <a:ext cx="8630280" cy="4375080"/>
           </a:xfrm>
           <a:prstGeom prst="rect">
             <a:avLst/>
@@ -21245,7 +21242,7 @@
         <p:spPr>
           <a:xfrm>
             <a:off x="720000" y="300960"/>
-            <a:ext cx="8846280" cy="1253160"/>
+            <a:ext cx="8845920" cy="1252800"/>
           </a:xfrm>
           <a:prstGeom prst="rect">
             <a:avLst/>
@@ -21289,7 +21286,7 @@
         <p:spPr>
           <a:xfrm>
             <a:off x="720000" y="1872000"/>
-            <a:ext cx="8630640" cy="4375440"/>
+            <a:ext cx="8630280" cy="4375080"/>
           </a:xfrm>
           <a:prstGeom prst="rect">
             <a:avLst/>
@@ -21308,7 +21305,7 @@
         <p:txBody>
           <a:bodyPr lIns="0" rIns="0" tIns="0" bIns="0"/>
           <a:p>
-            <a:pPr marL="432000" indent="-314640">
+            <a:pPr marL="432000" indent="-314280">
               <a:lnSpc>
                 <a:spcPct val="100000"/>
               </a:lnSpc>
@@ -21337,7 +21334,7 @@
             </a:endParaRPr>
           </a:p>
           <a:p>
-            <a:pPr marL="432000" indent="-314640">
+            <a:pPr marL="432000" indent="-314280">
               <a:lnSpc>
                 <a:spcPct val="100000"/>
               </a:lnSpc>
@@ -21366,7 +21363,7 @@
             </a:endParaRPr>
           </a:p>
           <a:p>
-            <a:pPr marL="432000" indent="-314640">
+            <a:pPr marL="432000" indent="-314280">
               <a:lnSpc>
                 <a:spcPct val="100000"/>
               </a:lnSpc>
@@ -21395,7 +21392,7 @@
             </a:endParaRPr>
           </a:p>
           <a:p>
-            <a:pPr marL="432000" indent="-314640">
+            <a:pPr marL="432000" indent="-314280">
               <a:lnSpc>
                 <a:spcPct val="100000"/>
               </a:lnSpc>
@@ -21483,7 +21480,7 @@
         <p:spPr>
           <a:xfrm>
             <a:off x="720000" y="300960"/>
-            <a:ext cx="8846280" cy="1253160"/>
+            <a:ext cx="8845920" cy="1252800"/>
           </a:xfrm>
           <a:prstGeom prst="rect">
             <a:avLst/>
@@ -21527,7 +21524,7 @@
         <p:spPr>
           <a:xfrm>
             <a:off x="720000" y="2160000"/>
-            <a:ext cx="8630640" cy="4375440"/>
+            <a:ext cx="8630280" cy="4375080"/>
           </a:xfrm>
           <a:prstGeom prst="rect">
             <a:avLst/>
@@ -21774,7 +21771,7 @@
         <p:spPr>
           <a:xfrm>
             <a:off x="720000" y="300960"/>
-            <a:ext cx="8846280" cy="1253160"/>
+            <a:ext cx="8845920" cy="1252800"/>
           </a:xfrm>
           <a:prstGeom prst="rect">
             <a:avLst/>
@@ -21818,7 +21815,7 @@
         <p:spPr>
           <a:xfrm>
             <a:off x="720000" y="2160000"/>
-            <a:ext cx="8630640" cy="4375440"/>
+            <a:ext cx="8630280" cy="4375080"/>
           </a:xfrm>
           <a:prstGeom prst="rect">
             <a:avLst/>
@@ -22152,7 +22149,7 @@
         <p:spPr>
           <a:xfrm>
             <a:off x="720000" y="240120"/>
-            <a:ext cx="8846280" cy="1374840"/>
+            <a:ext cx="8845920" cy="1374480"/>
           </a:xfrm>
           <a:prstGeom prst="rect">
             <a:avLst/>
@@ -22196,7 +22193,7 @@
         <p:spPr>
           <a:xfrm>
             <a:off x="720000" y="2484000"/>
-            <a:ext cx="8630640" cy="3740400"/>
+            <a:ext cx="8630280" cy="3740040"/>
           </a:xfrm>
           <a:prstGeom prst="rect">
             <a:avLst/>
@@ -22452,7 +22449,7 @@
         <p:spPr>
           <a:xfrm>
             <a:off x="720000" y="300960"/>
-            <a:ext cx="8846280" cy="1253160"/>
+            <a:ext cx="8845920" cy="1252800"/>
           </a:xfrm>
           <a:prstGeom prst="rect">
             <a:avLst/>
@@ -22496,7 +22493,7 @@
         <p:spPr>
           <a:xfrm>
             <a:off x="720000" y="2160000"/>
-            <a:ext cx="8630640" cy="4375440"/>
+            <a:ext cx="8630280" cy="4375080"/>
           </a:xfrm>
           <a:prstGeom prst="rect">
             <a:avLst/>
@@ -22533,7 +22530,7 @@
             </a:endParaRPr>
           </a:p>
           <a:p>
-            <a:pPr marL="432000" indent="-314640">
+            <a:pPr marL="432000" indent="-314280">
               <a:lnSpc>
                 <a:spcPct val="100000"/>
               </a:lnSpc>
@@ -22582,7 +22579,7 @@
             </a:endParaRPr>
           </a:p>
           <a:p>
-            <a:pPr marL="432000" indent="-314640">
+            <a:pPr marL="432000" indent="-314280">
               <a:lnSpc>
                 <a:spcPct val="100000"/>
               </a:lnSpc>
@@ -22690,7 +22687,7 @@
         <p:spPr>
           <a:xfrm>
             <a:off x="720000" y="300960"/>
-            <a:ext cx="8846280" cy="1253160"/>
+            <a:ext cx="8845920" cy="1252800"/>
           </a:xfrm>
           <a:prstGeom prst="rect">
             <a:avLst/>
@@ -22734,7 +22731,7 @@
         <p:spPr>
           <a:xfrm>
             <a:off x="720000" y="2160000"/>
-            <a:ext cx="8630640" cy="4375440"/>
+            <a:ext cx="8630280" cy="4375080"/>
           </a:xfrm>
           <a:prstGeom prst="rect">
             <a:avLst/>
@@ -22758,7 +22755,7 @@
             </a:endParaRPr>
           </a:p>
           <a:p>
-            <a:pPr marL="432000" indent="-314640">
+            <a:pPr marL="432000" indent="-314280">
               <a:lnSpc>
                 <a:spcPct val="100000"/>
               </a:lnSpc>
@@ -22787,7 +22784,7 @@
             </a:endParaRPr>
           </a:p>
           <a:p>
-            <a:pPr marL="432000" indent="-314640">
+            <a:pPr marL="432000" indent="-314280">
               <a:lnSpc>
                 <a:spcPct val="100000"/>
               </a:lnSpc>
@@ -23095,7 +23092,7 @@
         <p:spPr>
           <a:xfrm>
             <a:off x="720000" y="300960"/>
-            <a:ext cx="8846280" cy="1253160"/>
+            <a:ext cx="8845920" cy="1252800"/>
           </a:xfrm>
           <a:prstGeom prst="rect">
             <a:avLst/>
@@ -23139,7 +23136,7 @@
         <p:spPr>
           <a:xfrm>
             <a:off x="720000" y="1692000"/>
-            <a:ext cx="8630640" cy="5145840"/>
+            <a:ext cx="8630280" cy="5145480"/>
           </a:xfrm>
           <a:prstGeom prst="rect">
             <a:avLst/>
@@ -23158,7 +23155,7 @@
         <p:txBody>
           <a:bodyPr lIns="0" rIns="0" tIns="0" bIns="0"/>
           <a:p>
-            <a:pPr marL="432000" indent="-314640">
+            <a:pPr marL="432000" indent="-314280">
               <a:lnSpc>
                 <a:spcPct val="100000"/>
               </a:lnSpc>
@@ -23227,7 +23224,7 @@
             </a:endParaRPr>
           </a:p>
           <a:p>
-            <a:pPr marL="432000" indent="-314640">
+            <a:pPr marL="432000" indent="-314280">
               <a:lnSpc>
                 <a:spcPct val="100000"/>
               </a:lnSpc>
@@ -23256,7 +23253,7 @@
             </a:endParaRPr>
           </a:p>
           <a:p>
-            <a:pPr marL="432000" indent="-314640">
+            <a:pPr marL="432000" indent="-314280">
               <a:lnSpc>
                 <a:spcPct val="100000"/>
               </a:lnSpc>
@@ -23285,7 +23282,7 @@
             </a:endParaRPr>
           </a:p>
           <a:p>
-            <a:pPr marL="432000" indent="-314640">
+            <a:pPr marL="432000" indent="-314280">
               <a:lnSpc>
                 <a:spcPct val="100000"/>
               </a:lnSpc>
@@ -23314,7 +23311,7 @@
             </a:endParaRPr>
           </a:p>
           <a:p>
-            <a:pPr marL="432000" indent="-314640">
+            <a:pPr marL="432000" indent="-314280">
               <a:lnSpc>
                 <a:spcPct val="100000"/>
               </a:lnSpc>
@@ -23343,7 +23340,7 @@
             </a:endParaRPr>
           </a:p>
           <a:p>
-            <a:pPr marL="432000" indent="-314640">
+            <a:pPr marL="432000" indent="-314280">
               <a:lnSpc>
                 <a:spcPct val="100000"/>
               </a:lnSpc>
@@ -23372,7 +23369,7 @@
             </a:endParaRPr>
           </a:p>
           <a:p>
-            <a:pPr marL="432000" indent="-314640">
+            <a:pPr marL="432000" indent="-314280">
               <a:lnSpc>
                 <a:spcPct val="100000"/>
               </a:lnSpc>
@@ -23470,7 +23467,7 @@
         <p:spPr>
           <a:xfrm>
             <a:off x="720000" y="300960"/>
-            <a:ext cx="8846280" cy="1253160"/>
+            <a:ext cx="8845920" cy="1252800"/>
           </a:xfrm>
           <a:prstGeom prst="rect">
             <a:avLst/>
@@ -23514,7 +23511,7 @@
         <p:spPr>
           <a:xfrm>
             <a:off x="756000" y="2160000"/>
-            <a:ext cx="8630640" cy="4375440"/>
+            <a:ext cx="8630280" cy="4375080"/>
           </a:xfrm>
           <a:prstGeom prst="rect">
             <a:avLst/>
@@ -23533,7 +23530,7 @@
         <p:txBody>
           <a:bodyPr lIns="0" rIns="0" tIns="0" bIns="0"/>
           <a:p>
-            <a:pPr marL="432000" indent="-314640">
+            <a:pPr marL="432000" indent="-314280">
               <a:lnSpc>
                 <a:spcPct val="100000"/>
               </a:lnSpc>
@@ -23584,7 +23581,7 @@
             </a:endParaRPr>
           </a:p>
           <a:p>
-            <a:pPr marL="432000" indent="-314640">
+            <a:pPr marL="432000" indent="-314280">
               <a:lnSpc>
                 <a:spcPct val="100000"/>
               </a:lnSpc>
@@ -23655,7 +23652,7 @@
             </a:endParaRPr>
           </a:p>
           <a:p>
-            <a:pPr marL="432000" indent="-314640">
+            <a:pPr marL="432000" indent="-314280">
               <a:lnSpc>
                 <a:spcPct val="100000"/>
               </a:lnSpc>
@@ -23726,7 +23723,7 @@
             </a:endParaRPr>
           </a:p>
           <a:p>
-            <a:pPr marL="432000" indent="-314640">
+            <a:pPr marL="432000" indent="-314280">
               <a:lnSpc>
                 <a:spcPct val="100000"/>
               </a:lnSpc>
@@ -23867,7 +23864,7 @@
         <p:spPr>
           <a:xfrm>
             <a:off x="720000" y="300960"/>
-            <a:ext cx="8846280" cy="1253160"/>
+            <a:ext cx="8845920" cy="1252800"/>
           </a:xfrm>
           <a:prstGeom prst="rect">
             <a:avLst/>
@@ -23911,7 +23908,7 @@
         <p:spPr>
           <a:xfrm>
             <a:off x="756000" y="2160000"/>
-            <a:ext cx="8630640" cy="4375440"/>
+            <a:ext cx="8630280" cy="4375080"/>
           </a:xfrm>
           <a:prstGeom prst="rect">
             <a:avLst/>
@@ -23930,7 +23927,7 @@
         <p:txBody>
           <a:bodyPr lIns="0" rIns="0" tIns="0" bIns="0"/>
           <a:p>
-            <a:pPr marL="432000" indent="-314640">
+            <a:pPr marL="432000" indent="-314280">
               <a:lnSpc>
                 <a:spcPct val="100000"/>
               </a:lnSpc>
@@ -24001,7 +23998,7 @@
             </a:endParaRPr>
           </a:p>
           <a:p>
-            <a:pPr marL="432000" indent="-314640">
+            <a:pPr marL="432000" indent="-314280">
               <a:lnSpc>
                 <a:spcPct val="100000"/>
               </a:lnSpc>
@@ -24062,7 +24059,7 @@
             </a:endParaRPr>
           </a:p>
           <a:p>
-            <a:pPr marL="432000" indent="-314640">
+            <a:pPr marL="432000" indent="-314280">
               <a:lnSpc>
                 <a:spcPct val="100000"/>
               </a:lnSpc>
@@ -24103,7 +24100,7 @@
             </a:endParaRPr>
           </a:p>
           <a:p>
-            <a:pPr marL="432000" indent="-314640">
+            <a:pPr marL="432000" indent="-314280">
               <a:lnSpc>
                 <a:spcPct val="100000"/>
               </a:lnSpc>
@@ -24243,7 +24240,7 @@
         <p:spPr>
           <a:xfrm>
             <a:off x="720000" y="300960"/>
-            <a:ext cx="8846280" cy="1253160"/>
+            <a:ext cx="8845920" cy="1252800"/>
           </a:xfrm>
           <a:prstGeom prst="rect">
             <a:avLst/>
@@ -24287,7 +24284,7 @@
         <p:spPr>
           <a:xfrm>
             <a:off x="756000" y="2124000"/>
-            <a:ext cx="8630640" cy="4375440"/>
+            <a:ext cx="8630280" cy="4375080"/>
           </a:xfrm>
           <a:prstGeom prst="rect">
             <a:avLst/>
@@ -24306,7 +24303,7 @@
         <p:txBody>
           <a:bodyPr lIns="0" rIns="0" tIns="0" bIns="0"/>
           <a:p>
-            <a:pPr marL="432000" indent="-314640">
+            <a:pPr marL="432000" indent="-314280">
               <a:lnSpc>
                 <a:spcPct val="100000"/>
               </a:lnSpc>
@@ -24347,7 +24344,7 @@
             </a:endParaRPr>
           </a:p>
           <a:p>
-            <a:pPr marL="432000" indent="-314640">
+            <a:pPr marL="432000" indent="-314280">
               <a:lnSpc>
                 <a:spcPct val="100000"/>
               </a:lnSpc>
@@ -24398,7 +24395,7 @@
             </a:endParaRPr>
           </a:p>
           <a:p>
-            <a:pPr marL="432000" indent="-314640">
+            <a:pPr marL="432000" indent="-314280">
               <a:lnSpc>
                 <a:spcPct val="100000"/>
               </a:lnSpc>
@@ -24449,7 +24446,7 @@
             </a:endParaRPr>
           </a:p>
           <a:p>
-            <a:pPr marL="432000" indent="-314640">
+            <a:pPr marL="432000" indent="-314280">
               <a:lnSpc>
                 <a:spcPct val="100000"/>
               </a:lnSpc>
@@ -24600,7 +24597,7 @@
         <p:spPr>
           <a:xfrm>
             <a:off x="720000" y="300960"/>
-            <a:ext cx="8846280" cy="1253160"/>
+            <a:ext cx="8845920" cy="1252800"/>
           </a:xfrm>
           <a:prstGeom prst="rect">
             <a:avLst/>
@@ -24644,7 +24641,7 @@
         <p:spPr>
           <a:xfrm>
             <a:off x="720000" y="2160000"/>
-            <a:ext cx="8630640" cy="4375440"/>
+            <a:ext cx="8630280" cy="4375080"/>
           </a:xfrm>
           <a:prstGeom prst="rect">
             <a:avLst/>
@@ -24839,7 +24836,7 @@
         <p:spPr>
           <a:xfrm>
             <a:off x="720000" y="300960"/>
-            <a:ext cx="8846280" cy="1253160"/>
+            <a:ext cx="8845920" cy="1252800"/>
           </a:xfrm>
           <a:prstGeom prst="rect">
             <a:avLst/>
@@ -24883,7 +24880,7 @@
         <p:spPr>
           <a:xfrm>
             <a:off x="720000" y="1872000"/>
-            <a:ext cx="8630640" cy="4375440"/>
+            <a:ext cx="8630280" cy="4375080"/>
           </a:xfrm>
           <a:prstGeom prst="rect">
             <a:avLst/>
@@ -24902,7 +24899,7 @@
         <p:txBody>
           <a:bodyPr lIns="0" rIns="0" tIns="0" bIns="0"/>
           <a:p>
-            <a:pPr marL="432000" indent="-314640">
+            <a:pPr marL="432000" indent="-314280">
               <a:lnSpc>
                 <a:spcPct val="100000"/>
               </a:lnSpc>
@@ -24931,7 +24928,7 @@
             </a:endParaRPr>
           </a:p>
           <a:p>
-            <a:pPr marL="432000" indent="-314640">
+            <a:pPr marL="432000" indent="-314280">
               <a:lnSpc>
                 <a:spcPct val="100000"/>
               </a:lnSpc>
@@ -24991,7 +24988,7 @@
             </a:endParaRPr>
           </a:p>
           <a:p>
-            <a:pPr marL="432000" indent="-314640">
+            <a:pPr marL="432000" indent="-314280">
               <a:lnSpc>
                 <a:spcPct val="100000"/>
               </a:lnSpc>
@@ -25051,7 +25048,7 @@
             </a:endParaRPr>
           </a:p>
           <a:p>
-            <a:pPr marL="432000" indent="-314640">
+            <a:pPr marL="432000" indent="-314280">
               <a:lnSpc>
                 <a:spcPct val="100000"/>
               </a:lnSpc>
@@ -25080,7 +25077,7 @@
             </a:endParaRPr>
           </a:p>
           <a:p>
-            <a:pPr marL="432000" indent="-314640">
+            <a:pPr marL="432000" indent="-314280">
               <a:lnSpc>
                 <a:spcPct val="100000"/>
               </a:lnSpc>
@@ -25168,7 +25165,7 @@
         <p:spPr>
           <a:xfrm>
             <a:off x="720000" y="300960"/>
-            <a:ext cx="8846280" cy="1253160"/>
+            <a:ext cx="8845920" cy="1252800"/>
           </a:xfrm>
           <a:prstGeom prst="rect">
             <a:avLst/>
@@ -25212,7 +25209,7 @@
         <p:spPr>
           <a:xfrm>
             <a:off x="720000" y="2160000"/>
-            <a:ext cx="8630640" cy="4375440"/>
+            <a:ext cx="8630280" cy="4375080"/>
           </a:xfrm>
           <a:prstGeom prst="rect">
             <a:avLst/>
@@ -25231,7 +25228,7 @@
         <p:txBody>
           <a:bodyPr lIns="0" rIns="0" tIns="0" bIns="0"/>
           <a:p>
-            <a:pPr marL="432000" indent="-314640">
+            <a:pPr marL="432000" indent="-314280">
               <a:lnSpc>
                 <a:spcPct val="100000"/>
               </a:lnSpc>
@@ -25260,7 +25257,7 @@
             </a:endParaRPr>
           </a:p>
           <a:p>
-            <a:pPr marL="432000" indent="-314640">
+            <a:pPr marL="432000" indent="-314280">
               <a:lnSpc>
                 <a:spcPct val="100000"/>
               </a:lnSpc>
@@ -25741,7 +25738,7 @@
         <p:spPr>
           <a:xfrm>
             <a:off x="720000" y="300960"/>
-            <a:ext cx="8846280" cy="1253160"/>
+            <a:ext cx="8845920" cy="1252800"/>
           </a:xfrm>
           <a:prstGeom prst="rect">
             <a:avLst/>
@@ -25785,7 +25782,7 @@
         <p:spPr>
           <a:xfrm>
             <a:off x="720000" y="2160000"/>
-            <a:ext cx="8630640" cy="4375440"/>
+            <a:ext cx="8630280" cy="4375080"/>
           </a:xfrm>
           <a:prstGeom prst="rect">
             <a:avLst/>
@@ -25804,7 +25801,7 @@
         <p:txBody>
           <a:bodyPr lIns="0" rIns="0" tIns="0" bIns="0"/>
           <a:p>
-            <a:pPr marL="432000" indent="-314640">
+            <a:pPr marL="432000" indent="-314280">
               <a:lnSpc>
                 <a:spcPct val="100000"/>
               </a:lnSpc>
@@ -25833,7 +25830,7 @@
             </a:endParaRPr>
           </a:p>
           <a:p>
-            <a:pPr marL="432000" indent="-314640">
+            <a:pPr marL="432000" indent="-314280">
               <a:lnSpc>
                 <a:spcPct val="100000"/>
               </a:lnSpc>
@@ -25862,7 +25859,7 @@
             </a:endParaRPr>
           </a:p>
           <a:p>
-            <a:pPr marL="432000" indent="-314640">
+            <a:pPr marL="432000" indent="-314280">
               <a:lnSpc>
                 <a:spcPct val="100000"/>
               </a:lnSpc>
@@ -25891,7 +25888,7 @@
             </a:endParaRPr>
           </a:p>
           <a:p>
-            <a:pPr marL="432000" indent="-314640">
+            <a:pPr marL="432000" indent="-314280">
               <a:lnSpc>
                 <a:spcPct val="100000"/>
               </a:lnSpc>
@@ -26019,7 +26016,7 @@
         <p:spPr>
           <a:xfrm>
             <a:off x="720000" y="300960"/>
-            <a:ext cx="8846280" cy="1253160"/>
+            <a:ext cx="8845920" cy="1252800"/>
           </a:xfrm>
           <a:prstGeom prst="rect">
             <a:avLst/>
@@ -26063,7 +26060,7 @@
         <p:spPr>
           <a:xfrm>
             <a:off x="720000" y="2124000"/>
-            <a:ext cx="8630640" cy="4375440"/>
+            <a:ext cx="8630280" cy="4375080"/>
           </a:xfrm>
           <a:prstGeom prst="rect">
             <a:avLst/>
@@ -26726,7 +26723,7 @@
         <p:spPr>
           <a:xfrm>
             <a:off x="720000" y="300960"/>
-            <a:ext cx="8846280" cy="1253160"/>
+            <a:ext cx="8845920" cy="1252800"/>
           </a:xfrm>
           <a:prstGeom prst="rect">
             <a:avLst/>
@@ -26770,7 +26767,7 @@
         <p:spPr>
           <a:xfrm>
             <a:off x="720000" y="2160000"/>
-            <a:ext cx="8630640" cy="4375440"/>
+            <a:ext cx="8630280" cy="4375080"/>
           </a:xfrm>
           <a:prstGeom prst="rect">
             <a:avLst/>

--- a/Slides/TypeClasses.pptx
+++ b/Slides/TypeClasses.pptx
@@ -2751,7 +2751,7 @@
         <p:spPr>
           <a:xfrm>
             <a:off x="0" y="4320000"/>
-            <a:ext cx="494280" cy="1070280"/>
+            <a:ext cx="493920" cy="1069920"/>
           </a:xfrm>
           <a:prstGeom prst="rect">
             <a:avLst/>
@@ -3030,7 +3030,7 @@
         <p:spPr>
           <a:xfrm>
             <a:off x="0" y="288000"/>
-            <a:ext cx="494280" cy="1070280"/>
+            <a:ext cx="493920" cy="1069920"/>
           </a:xfrm>
           <a:prstGeom prst="rect">
             <a:avLst/>
@@ -3309,7 +3309,7 @@
         <p:spPr>
           <a:xfrm>
             <a:off x="792000" y="3885480"/>
-            <a:ext cx="8558280" cy="1651680"/>
+            <a:ext cx="8557920" cy="1651320"/>
           </a:xfrm>
           <a:prstGeom prst="rect">
             <a:avLst/>
@@ -3366,7 +3366,7 @@
         <p:spPr>
           <a:xfrm>
             <a:off x="792000" y="5904000"/>
-            <a:ext cx="8558280" cy="972720"/>
+            <a:ext cx="8557920" cy="972360"/>
           </a:xfrm>
           <a:prstGeom prst="rect">
             <a:avLst/>
@@ -3474,7 +3474,7 @@
         <p:spPr>
           <a:xfrm>
             <a:off x="720000" y="300960"/>
-            <a:ext cx="8845920" cy="1252800"/>
+            <a:ext cx="8845560" cy="1252440"/>
           </a:xfrm>
           <a:prstGeom prst="rect">
             <a:avLst/>
@@ -3518,7 +3518,7 @@
         <p:spPr>
           <a:xfrm>
             <a:off x="720000" y="2160000"/>
-            <a:ext cx="8630280" cy="4375080"/>
+            <a:ext cx="8629920" cy="4374720"/>
           </a:xfrm>
           <a:prstGeom prst="rect">
             <a:avLst/>
@@ -4406,7 +4406,7 @@
         <p:spPr>
           <a:xfrm>
             <a:off x="720000" y="300960"/>
-            <a:ext cx="8845920" cy="1252800"/>
+            <a:ext cx="8845560" cy="1252440"/>
           </a:xfrm>
           <a:prstGeom prst="rect">
             <a:avLst/>
@@ -4450,7 +4450,7 @@
         <p:spPr>
           <a:xfrm>
             <a:off x="720000" y="2160000"/>
-            <a:ext cx="8630280" cy="4375080"/>
+            <a:ext cx="8629920" cy="4374720"/>
           </a:xfrm>
           <a:prstGeom prst="rect">
             <a:avLst/>
@@ -5518,7 +5518,7 @@
         <p:spPr>
           <a:xfrm>
             <a:off x="720000" y="300960"/>
-            <a:ext cx="8845920" cy="1252800"/>
+            <a:ext cx="8845560" cy="1252440"/>
           </a:xfrm>
           <a:prstGeom prst="rect">
             <a:avLst/>
@@ -5562,7 +5562,7 @@
         <p:spPr>
           <a:xfrm>
             <a:off x="720000" y="2160000"/>
-            <a:ext cx="8630280" cy="4375080"/>
+            <a:ext cx="8629920" cy="4374720"/>
           </a:xfrm>
           <a:prstGeom prst="rect">
             <a:avLst/>
@@ -5581,7 +5581,7 @@
         <p:txBody>
           <a:bodyPr lIns="0" rIns="0" tIns="0" bIns="0"/>
           <a:p>
-            <a:pPr marL="432000" indent="-314280">
+            <a:pPr marL="432000" indent="-313920">
               <a:lnSpc>
                 <a:spcPct val="100000"/>
               </a:lnSpc>
@@ -5610,7 +5610,7 @@
             </a:endParaRPr>
           </a:p>
           <a:p>
-            <a:pPr marL="432000" indent="-314280">
+            <a:pPr marL="432000" indent="-313920">
               <a:lnSpc>
                 <a:spcPct val="100000"/>
               </a:lnSpc>
@@ -5639,7 +5639,7 @@
             </a:endParaRPr>
           </a:p>
           <a:p>
-            <a:pPr marL="432000" indent="-314280">
+            <a:pPr marL="432000" indent="-313920">
               <a:lnSpc>
                 <a:spcPct val="100000"/>
               </a:lnSpc>
@@ -5668,7 +5668,7 @@
             </a:endParaRPr>
           </a:p>
           <a:p>
-            <a:pPr marL="432000" indent="-314280">
+            <a:pPr marL="432000" indent="-313920">
               <a:lnSpc>
                 <a:spcPct val="100000"/>
               </a:lnSpc>
@@ -5697,7 +5697,7 @@
             </a:endParaRPr>
           </a:p>
           <a:p>
-            <a:pPr marL="432000" indent="-314280">
+            <a:pPr marL="432000" indent="-313920">
               <a:lnSpc>
                 <a:spcPct val="100000"/>
               </a:lnSpc>
@@ -5785,7 +5785,7 @@
         <p:spPr>
           <a:xfrm>
             <a:off x="720000" y="300960"/>
-            <a:ext cx="8845920" cy="1252800"/>
+            <a:ext cx="8845560" cy="1252440"/>
           </a:xfrm>
           <a:prstGeom prst="rect">
             <a:avLst/>
@@ -5829,7 +5829,7 @@
         <p:spPr>
           <a:xfrm>
             <a:off x="720000" y="1944000"/>
-            <a:ext cx="8630280" cy="4375080"/>
+            <a:ext cx="8629920" cy="4374720"/>
           </a:xfrm>
           <a:prstGeom prst="rect">
             <a:avLst/>
@@ -5848,7 +5848,7 @@
         <p:txBody>
           <a:bodyPr lIns="0" rIns="0" tIns="0" bIns="0"/>
           <a:p>
-            <a:pPr marL="432000" indent="-314280">
+            <a:pPr marL="432000" indent="-313920">
               <a:lnSpc>
                 <a:spcPct val="100000"/>
               </a:lnSpc>
@@ -5877,7 +5877,7 @@
             </a:endParaRPr>
           </a:p>
           <a:p>
-            <a:pPr marL="432000" indent="-314280">
+            <a:pPr marL="432000" indent="-313920">
               <a:lnSpc>
                 <a:spcPct val="100000"/>
               </a:lnSpc>
@@ -5906,7 +5906,7 @@
             </a:endParaRPr>
           </a:p>
           <a:p>
-            <a:pPr marL="432000" indent="-314280">
+            <a:pPr marL="432000" indent="-313920">
               <a:lnSpc>
                 <a:spcPct val="100000"/>
               </a:lnSpc>
@@ -5935,7 +5935,7 @@
             </a:endParaRPr>
           </a:p>
           <a:p>
-            <a:pPr marL="432000" indent="-314280">
+            <a:pPr marL="432000" indent="-313920">
               <a:lnSpc>
                 <a:spcPct val="100000"/>
               </a:lnSpc>
@@ -5964,7 +5964,7 @@
             </a:endParaRPr>
           </a:p>
           <a:p>
-            <a:pPr marL="432000" indent="-314280">
+            <a:pPr marL="432000" indent="-313920">
               <a:lnSpc>
                 <a:spcPct val="100000"/>
               </a:lnSpc>
@@ -6092,7 +6092,7 @@
         <p:spPr>
           <a:xfrm>
             <a:off x="720000" y="300960"/>
-            <a:ext cx="8845920" cy="1252800"/>
+            <a:ext cx="8845560" cy="1252440"/>
           </a:xfrm>
           <a:prstGeom prst="rect">
             <a:avLst/>
@@ -6136,7 +6136,7 @@
         <p:spPr>
           <a:xfrm>
             <a:off x="720000" y="2160000"/>
-            <a:ext cx="8630280" cy="4375080"/>
+            <a:ext cx="8629920" cy="4374720"/>
           </a:xfrm>
           <a:prstGeom prst="rect">
             <a:avLst/>
@@ -6556,7 +6556,7 @@
         <p:spPr>
           <a:xfrm>
             <a:off x="720000" y="300960"/>
-            <a:ext cx="8845920" cy="1252800"/>
+            <a:ext cx="8845560" cy="1252440"/>
           </a:xfrm>
           <a:prstGeom prst="rect">
             <a:avLst/>
@@ -6600,7 +6600,7 @@
         <p:spPr>
           <a:xfrm>
             <a:off x="720000" y="2160000"/>
-            <a:ext cx="8630280" cy="4375080"/>
+            <a:ext cx="8629920" cy="4374720"/>
           </a:xfrm>
           <a:prstGeom prst="rect">
             <a:avLst/>
@@ -6619,7 +6619,7 @@
         <p:txBody>
           <a:bodyPr lIns="0" rIns="0" tIns="0" bIns="0"/>
           <a:p>
-            <a:pPr marL="432000" indent="-314280">
+            <a:pPr marL="432000" indent="-313920">
               <a:lnSpc>
                 <a:spcPct val="100000"/>
               </a:lnSpc>
@@ -6648,7 +6648,7 @@
             </a:endParaRPr>
           </a:p>
           <a:p>
-            <a:pPr marL="432000" indent="-314280">
+            <a:pPr marL="432000" indent="-313920">
               <a:lnSpc>
                 <a:spcPct val="100000"/>
               </a:lnSpc>
@@ -6677,7 +6677,7 @@
             </a:endParaRPr>
           </a:p>
           <a:p>
-            <a:pPr marL="432000" indent="-314280">
+            <a:pPr marL="432000" indent="-313920">
               <a:lnSpc>
                 <a:spcPct val="100000"/>
               </a:lnSpc>
@@ -6717,7 +6717,7 @@
             </a:endParaRPr>
           </a:p>
           <a:p>
-            <a:pPr marL="432000" indent="-314280">
+            <a:pPr marL="432000" indent="-313920">
               <a:lnSpc>
                 <a:spcPct val="100000"/>
               </a:lnSpc>
@@ -6746,7 +6746,7 @@
             </a:endParaRPr>
           </a:p>
           <a:p>
-            <a:pPr marL="432000" indent="-314280">
+            <a:pPr marL="432000" indent="-313920">
               <a:lnSpc>
                 <a:spcPct val="100000"/>
               </a:lnSpc>
@@ -6775,7 +6775,7 @@
             </a:endParaRPr>
           </a:p>
           <a:p>
-            <a:pPr marL="432000" indent="-314280">
+            <a:pPr marL="432000" indent="-313920">
               <a:lnSpc>
                 <a:spcPct val="100000"/>
               </a:lnSpc>
@@ -6863,7 +6863,7 @@
         <p:spPr>
           <a:xfrm>
             <a:off x="720000" y="300960"/>
-            <a:ext cx="8845920" cy="1252800"/>
+            <a:ext cx="8845560" cy="1252440"/>
           </a:xfrm>
           <a:prstGeom prst="rect">
             <a:avLst/>
@@ -6907,7 +6907,7 @@
         <p:spPr>
           <a:xfrm>
             <a:off x="720000" y="1908000"/>
-            <a:ext cx="8630280" cy="4714920"/>
+            <a:ext cx="8629920" cy="4714560"/>
           </a:xfrm>
           <a:prstGeom prst="rect">
             <a:avLst/>
@@ -6926,7 +6926,7 @@
         <p:txBody>
           <a:bodyPr lIns="0" rIns="0" tIns="0" bIns="0"/>
           <a:p>
-            <a:pPr marL="432000" indent="-314280">
+            <a:pPr marL="432000" indent="-313920">
               <a:lnSpc>
                 <a:spcPct val="100000"/>
               </a:lnSpc>
@@ -6975,7 +6975,7 @@
             </a:endParaRPr>
           </a:p>
           <a:p>
-            <a:pPr marL="432000" indent="-314280">
+            <a:pPr marL="432000" indent="-313920">
               <a:lnSpc>
                 <a:spcPct val="100000"/>
               </a:lnSpc>
@@ -7105,7 +7105,7 @@
             </a:endParaRPr>
           </a:p>
           <a:p>
-            <a:pPr marL="432000" indent="-314280">
+            <a:pPr marL="432000" indent="-313920">
               <a:lnSpc>
                 <a:spcPct val="100000"/>
               </a:lnSpc>
@@ -7213,7 +7213,7 @@
         <p:spPr>
           <a:xfrm>
             <a:off x="720000" y="300960"/>
-            <a:ext cx="8845920" cy="1252800"/>
+            <a:ext cx="8845560" cy="1252440"/>
           </a:xfrm>
           <a:prstGeom prst="rect">
             <a:avLst/>
@@ -7257,7 +7257,7 @@
         <p:spPr>
           <a:xfrm>
             <a:off x="720000" y="2160000"/>
-            <a:ext cx="8630280" cy="4375080"/>
+            <a:ext cx="8629920" cy="4374720"/>
           </a:xfrm>
           <a:prstGeom prst="rect">
             <a:avLst/>
@@ -7540,7 +7540,7 @@
         <p:spPr>
           <a:xfrm>
             <a:off x="720000" y="300960"/>
-            <a:ext cx="8845920" cy="1252800"/>
+            <a:ext cx="8845560" cy="1252440"/>
           </a:xfrm>
           <a:prstGeom prst="rect">
             <a:avLst/>
@@ -7584,7 +7584,7 @@
         <p:spPr>
           <a:xfrm>
             <a:off x="720000" y="1764000"/>
-            <a:ext cx="8630280" cy="4375080"/>
+            <a:ext cx="8629920" cy="4374720"/>
           </a:xfrm>
           <a:prstGeom prst="rect">
             <a:avLst/>
@@ -8238,7 +8238,7 @@
         <p:spPr>
           <a:xfrm>
             <a:off x="720000" y="300960"/>
-            <a:ext cx="8845920" cy="1252800"/>
+            <a:ext cx="8845560" cy="1252440"/>
           </a:xfrm>
           <a:prstGeom prst="rect">
             <a:avLst/>
@@ -8282,7 +8282,7 @@
         <p:spPr>
           <a:xfrm>
             <a:off x="720000" y="2160000"/>
-            <a:ext cx="8630280" cy="4375080"/>
+            <a:ext cx="8629920" cy="4374720"/>
           </a:xfrm>
           <a:prstGeom prst="rect">
             <a:avLst/>
@@ -8795,7 +8795,7 @@
         <p:spPr>
           <a:xfrm>
             <a:off x="720000" y="300960"/>
-            <a:ext cx="8845920" cy="1252800"/>
+            <a:ext cx="8845560" cy="1252440"/>
           </a:xfrm>
           <a:prstGeom prst="rect">
             <a:avLst/>
@@ -8839,7 +8839,7 @@
         <p:spPr>
           <a:xfrm>
             <a:off x="720000" y="1656000"/>
-            <a:ext cx="8630280" cy="5395680"/>
+            <a:ext cx="8629920" cy="5395320"/>
           </a:xfrm>
           <a:prstGeom prst="rect">
             <a:avLst/>
@@ -8858,7 +8858,7 @@
         <p:txBody>
           <a:bodyPr lIns="0" rIns="0" tIns="0" bIns="0"/>
           <a:p>
-            <a:pPr marL="432000" indent="-314280">
+            <a:pPr marL="432000" indent="-313920">
               <a:lnSpc>
                 <a:spcPct val="100000"/>
               </a:lnSpc>
@@ -8887,7 +8887,7 @@
             </a:endParaRPr>
           </a:p>
           <a:p>
-            <a:pPr marL="432000" indent="-314280">
+            <a:pPr marL="432000" indent="-313920">
               <a:lnSpc>
                 <a:spcPct val="100000"/>
               </a:lnSpc>
@@ -8916,7 +8916,7 @@
             </a:endParaRPr>
           </a:p>
           <a:p>
-            <a:pPr marL="432000" indent="-314280">
+            <a:pPr marL="432000" indent="-313920">
               <a:lnSpc>
                 <a:spcPct val="100000"/>
               </a:lnSpc>
@@ -8945,7 +8945,7 @@
             </a:endParaRPr>
           </a:p>
           <a:p>
-            <a:pPr marL="432000" indent="-314280">
+            <a:pPr marL="432000" indent="-313920">
               <a:lnSpc>
                 <a:spcPct val="100000"/>
               </a:lnSpc>
@@ -8974,7 +8974,7 @@
             </a:endParaRPr>
           </a:p>
           <a:p>
-            <a:pPr marL="432000" indent="-314280">
+            <a:pPr marL="432000" indent="-313920">
               <a:lnSpc>
                 <a:spcPct val="100000"/>
               </a:lnSpc>
@@ -9013,7 +9013,7 @@
             </a:endParaRPr>
           </a:p>
           <a:p>
-            <a:pPr marL="432000" indent="-314280">
+            <a:pPr marL="432000" indent="-313920">
               <a:lnSpc>
                 <a:spcPct val="100000"/>
               </a:lnSpc>
@@ -9042,7 +9042,7 @@
             </a:endParaRPr>
           </a:p>
           <a:p>
-            <a:pPr marL="432000" indent="-314280">
+            <a:pPr marL="432000" indent="-313920">
               <a:lnSpc>
                 <a:spcPct val="100000"/>
               </a:lnSpc>
@@ -9071,7 +9071,7 @@
             </a:endParaRPr>
           </a:p>
           <a:p>
-            <a:pPr marL="432000" indent="-314280">
+            <a:pPr marL="432000" indent="-313920">
               <a:lnSpc>
                 <a:spcPct val="100000"/>
               </a:lnSpc>
@@ -9100,7 +9100,7 @@
             </a:endParaRPr>
           </a:p>
           <a:p>
-            <a:pPr marL="432000" indent="-314280">
+            <a:pPr marL="432000" indent="-313920">
               <a:lnSpc>
                 <a:spcPct val="100000"/>
               </a:lnSpc>
@@ -9129,7 +9129,7 @@
             </a:endParaRPr>
           </a:p>
           <a:p>
-            <a:pPr marL="432000" indent="-314280">
+            <a:pPr marL="432000" indent="-313920">
               <a:lnSpc>
                 <a:spcPct val="100000"/>
               </a:lnSpc>
@@ -9217,7 +9217,7 @@
         <p:spPr>
           <a:xfrm>
             <a:off x="720000" y="300960"/>
-            <a:ext cx="8845920" cy="1252800"/>
+            <a:ext cx="8845560" cy="1252440"/>
           </a:xfrm>
           <a:prstGeom prst="rect">
             <a:avLst/>
@@ -9261,7 +9261,7 @@
         <p:spPr>
           <a:xfrm>
             <a:off x="720000" y="1800000"/>
-            <a:ext cx="8630280" cy="5319000"/>
+            <a:ext cx="8629920" cy="5318640"/>
           </a:xfrm>
           <a:prstGeom prst="rect">
             <a:avLst/>
@@ -9929,7 +9929,7 @@
         <p:spPr>
           <a:xfrm>
             <a:off x="720000" y="300960"/>
-            <a:ext cx="8845920" cy="1252800"/>
+            <a:ext cx="8845560" cy="1252440"/>
           </a:xfrm>
           <a:prstGeom prst="rect">
             <a:avLst/>
@@ -9973,7 +9973,7 @@
         <p:spPr>
           <a:xfrm>
             <a:off x="720000" y="1800000"/>
-            <a:ext cx="8630280" cy="5319000"/>
+            <a:ext cx="8629920" cy="5318640"/>
           </a:xfrm>
           <a:prstGeom prst="rect">
             <a:avLst/>
@@ -10523,7 +10523,7 @@
         <p:spPr>
           <a:xfrm>
             <a:off x="720000" y="300960"/>
-            <a:ext cx="8845920" cy="1252800"/>
+            <a:ext cx="8845560" cy="1252440"/>
           </a:xfrm>
           <a:prstGeom prst="rect">
             <a:avLst/>
@@ -10567,7 +10567,7 @@
         <p:spPr>
           <a:xfrm>
             <a:off x="720000" y="2160000"/>
-            <a:ext cx="8630280" cy="4375080"/>
+            <a:ext cx="8629920" cy="4374720"/>
           </a:xfrm>
           <a:prstGeom prst="rect">
             <a:avLst/>
@@ -11245,7 +11245,7 @@
         <p:spPr>
           <a:xfrm>
             <a:off x="720000" y="300960"/>
-            <a:ext cx="8845920" cy="1252800"/>
+            <a:ext cx="8845560" cy="1252440"/>
           </a:xfrm>
           <a:prstGeom prst="rect">
             <a:avLst/>
@@ -11289,7 +11289,7 @@
         <p:spPr>
           <a:xfrm>
             <a:off x="720000" y="1944000"/>
-            <a:ext cx="8630280" cy="4375080"/>
+            <a:ext cx="8629920" cy="4374720"/>
           </a:xfrm>
           <a:prstGeom prst="rect">
             <a:avLst/>
@@ -11308,7 +11308,7 @@
         <p:txBody>
           <a:bodyPr lIns="0" rIns="0" tIns="0" bIns="0"/>
           <a:p>
-            <a:pPr marL="432000" indent="-314280">
+            <a:pPr marL="432000" indent="-313920">
               <a:lnSpc>
                 <a:spcPct val="100000"/>
               </a:lnSpc>
@@ -11377,7 +11377,7 @@
             </a:endParaRPr>
           </a:p>
           <a:p>
-            <a:pPr marL="432000" indent="-314280">
+            <a:pPr marL="432000" indent="-313920">
               <a:lnSpc>
                 <a:spcPct val="100000"/>
               </a:lnSpc>
@@ -11406,7 +11406,7 @@
             </a:endParaRPr>
           </a:p>
           <a:p>
-            <a:pPr marL="432000" indent="-314280">
+            <a:pPr marL="432000" indent="-313920">
               <a:lnSpc>
                 <a:spcPct val="100000"/>
               </a:lnSpc>
@@ -11435,7 +11435,7 @@
             </a:endParaRPr>
           </a:p>
           <a:p>
-            <a:pPr marL="432000" indent="-314280">
+            <a:pPr marL="432000" indent="-313920">
               <a:lnSpc>
                 <a:spcPct val="100000"/>
               </a:lnSpc>
@@ -11523,7 +11523,7 @@
         <p:spPr>
           <a:xfrm>
             <a:off x="720000" y="300960"/>
-            <a:ext cx="8845920" cy="1252800"/>
+            <a:ext cx="8845560" cy="1252440"/>
           </a:xfrm>
           <a:prstGeom prst="rect">
             <a:avLst/>
@@ -11567,7 +11567,7 @@
         <p:spPr>
           <a:xfrm>
             <a:off x="720000" y="1692000"/>
-            <a:ext cx="8630280" cy="5215320"/>
+            <a:ext cx="8629920" cy="5214960"/>
           </a:xfrm>
           <a:prstGeom prst="rect">
             <a:avLst/>
@@ -11586,7 +11586,7 @@
         <p:txBody>
           <a:bodyPr lIns="0" rIns="0" tIns="0" bIns="0"/>
           <a:p>
-            <a:pPr marL="432000" indent="-314280">
+            <a:pPr marL="432000" indent="-313920">
               <a:lnSpc>
                 <a:spcPct val="100000"/>
               </a:lnSpc>
@@ -12334,7 +12334,7 @@
         <p:spPr>
           <a:xfrm>
             <a:off x="720000" y="300960"/>
-            <a:ext cx="8845920" cy="1252800"/>
+            <a:ext cx="8845560" cy="1252440"/>
           </a:xfrm>
           <a:prstGeom prst="rect">
             <a:avLst/>
@@ -12378,7 +12378,7 @@
         <p:spPr>
           <a:xfrm>
             <a:off x="720000" y="1980000"/>
-            <a:ext cx="8630280" cy="4784040"/>
+            <a:ext cx="8629920" cy="4783680"/>
           </a:xfrm>
           <a:prstGeom prst="rect">
             <a:avLst/>
@@ -12397,7 +12397,7 @@
         <p:txBody>
           <a:bodyPr lIns="0" rIns="0" tIns="0" bIns="0"/>
           <a:p>
-            <a:pPr marL="432000" indent="-314280">
+            <a:pPr marL="432000" indent="-313920">
               <a:lnSpc>
                 <a:spcPct val="100000"/>
               </a:lnSpc>
@@ -12968,7 +12968,7 @@
         <p:spPr>
           <a:xfrm>
             <a:off x="720000" y="300960"/>
-            <a:ext cx="8845920" cy="1252800"/>
+            <a:ext cx="8845560" cy="1252440"/>
           </a:xfrm>
           <a:prstGeom prst="rect">
             <a:avLst/>
@@ -13012,7 +13012,7 @@
         <p:spPr>
           <a:xfrm>
             <a:off x="720000" y="2160000"/>
-            <a:ext cx="8630280" cy="4375080"/>
+            <a:ext cx="8629920" cy="4374720"/>
           </a:xfrm>
           <a:prstGeom prst="rect">
             <a:avLst/>
@@ -13031,7 +13031,7 @@
         <p:txBody>
           <a:bodyPr lIns="0" rIns="0" tIns="0" bIns="0"/>
           <a:p>
-            <a:pPr marL="432000" indent="-314280">
+            <a:pPr marL="432000" indent="-313920">
               <a:lnSpc>
                 <a:spcPct val="100000"/>
               </a:lnSpc>
@@ -13120,7 +13120,7 @@
             </a:endParaRPr>
           </a:p>
           <a:p>
-            <a:pPr marL="432000" indent="-314280">
+            <a:pPr marL="432000" indent="-313920">
               <a:lnSpc>
                 <a:spcPct val="100000"/>
               </a:lnSpc>
@@ -13308,7 +13308,7 @@
         <p:spPr>
           <a:xfrm>
             <a:off x="720000" y="300960"/>
-            <a:ext cx="8845920" cy="1252800"/>
+            <a:ext cx="8845560" cy="1252440"/>
           </a:xfrm>
           <a:prstGeom prst="rect">
             <a:avLst/>
@@ -13352,7 +13352,7 @@
         <p:spPr>
           <a:xfrm>
             <a:off x="720000" y="1584000"/>
-            <a:ext cx="8630280" cy="5324040"/>
+            <a:ext cx="8629920" cy="5323680"/>
           </a:xfrm>
           <a:prstGeom prst="rect">
             <a:avLst/>
@@ -13371,7 +13371,7 @@
         <p:txBody>
           <a:bodyPr lIns="0" rIns="0" tIns="0" bIns="0"/>
           <a:p>
-            <a:pPr marL="432000" indent="-314280">
+            <a:pPr marL="432000" indent="-313920">
               <a:lnSpc>
                 <a:spcPct val="100000"/>
               </a:lnSpc>
@@ -13420,7 +13420,7 @@
             </a:endParaRPr>
           </a:p>
           <a:p>
-            <a:pPr marL="432000" indent="-314280">
+            <a:pPr marL="432000" indent="-313920">
               <a:lnSpc>
                 <a:spcPct val="100000"/>
               </a:lnSpc>
@@ -13480,7 +13480,7 @@
             </a:endParaRPr>
           </a:p>
           <a:p>
-            <a:pPr marL="432000" indent="-314280">
+            <a:pPr marL="432000" indent="-313920">
               <a:lnSpc>
                 <a:spcPct val="100000"/>
               </a:lnSpc>
@@ -13529,7 +13529,7 @@
             </a:endParaRPr>
           </a:p>
           <a:p>
-            <a:pPr marL="432000" indent="-314280">
+            <a:pPr marL="432000" indent="-313920">
               <a:lnSpc>
                 <a:spcPct val="100000"/>
               </a:lnSpc>
@@ -13578,7 +13578,7 @@
             </a:endParaRPr>
           </a:p>
           <a:p>
-            <a:pPr marL="432000" indent="-314280">
+            <a:pPr marL="432000" indent="-313920">
               <a:lnSpc>
                 <a:spcPct val="100000"/>
               </a:lnSpc>
@@ -13607,7 +13607,7 @@
             </a:endParaRPr>
           </a:p>
           <a:p>
-            <a:pPr marL="432000" indent="-314280">
+            <a:pPr marL="432000" indent="-313920">
               <a:lnSpc>
                 <a:spcPct val="100000"/>
               </a:lnSpc>
@@ -13696,7 +13696,7 @@
         <p:spPr>
           <a:xfrm>
             <a:off x="720000" y="300960"/>
-            <a:ext cx="8845920" cy="1252800"/>
+            <a:ext cx="8845560" cy="1252440"/>
           </a:xfrm>
           <a:prstGeom prst="rect">
             <a:avLst/>
@@ -13740,7 +13740,7 @@
         <p:spPr>
           <a:xfrm>
             <a:off x="720000" y="1404000"/>
-            <a:ext cx="8630280" cy="5646960"/>
+            <a:ext cx="8629920" cy="5646600"/>
           </a:xfrm>
           <a:prstGeom prst="rect">
             <a:avLst/>
@@ -14978,7 +14978,7 @@
         <p:spPr>
           <a:xfrm>
             <a:off x="720000" y="300960"/>
-            <a:ext cx="8845920" cy="1252800"/>
+            <a:ext cx="8845560" cy="1252440"/>
           </a:xfrm>
           <a:prstGeom prst="rect">
             <a:avLst/>
@@ -15022,7 +15022,7 @@
         <p:spPr>
           <a:xfrm>
             <a:off x="720000" y="1872000"/>
-            <a:ext cx="8630280" cy="4566960"/>
+            <a:ext cx="8629920" cy="4566600"/>
           </a:xfrm>
           <a:prstGeom prst="rect">
             <a:avLst/>
@@ -15800,7 +15800,7 @@
         <p:spPr>
           <a:xfrm>
             <a:off x="720000" y="300960"/>
-            <a:ext cx="8845920" cy="1252800"/>
+            <a:ext cx="8845560" cy="1252440"/>
           </a:xfrm>
           <a:prstGeom prst="rect">
             <a:avLst/>
@@ -15844,7 +15844,7 @@
         <p:spPr>
           <a:xfrm>
             <a:off x="720000" y="2052000"/>
-            <a:ext cx="8630280" cy="4375080"/>
+            <a:ext cx="8629920" cy="4374720"/>
           </a:xfrm>
           <a:prstGeom prst="rect">
             <a:avLst/>
@@ -15863,7 +15863,7 @@
         <p:txBody>
           <a:bodyPr lIns="0" rIns="0" tIns="0" bIns="0"/>
           <a:p>
-            <a:pPr marL="432000" indent="-314280">
+            <a:pPr marL="432000" indent="-313920">
               <a:lnSpc>
                 <a:spcPct val="100000"/>
               </a:lnSpc>
@@ -15925,7 +15925,7 @@
             </a:endParaRPr>
           </a:p>
           <a:p>
-            <a:pPr marL="432000" indent="-314280">
+            <a:pPr marL="432000" indent="-313920">
               <a:lnSpc>
                 <a:spcPct val="100000"/>
               </a:lnSpc>
@@ -15965,7 +15965,7 @@
             </a:endParaRPr>
           </a:p>
           <a:p>
-            <a:pPr marL="432000" indent="-314280">
+            <a:pPr marL="432000" indent="-313920">
               <a:lnSpc>
                 <a:spcPct val="100000"/>
               </a:lnSpc>
@@ -16005,7 +16005,7 @@
             </a:endParaRPr>
           </a:p>
           <a:p>
-            <a:pPr marL="432000" indent="-314280">
+            <a:pPr marL="432000" indent="-313920">
               <a:lnSpc>
                 <a:spcPct val="100000"/>
               </a:lnSpc>
@@ -16117,7 +16117,7 @@
         <p:spPr>
           <a:xfrm>
             <a:off x="720000" y="300960"/>
-            <a:ext cx="8845920" cy="1252800"/>
+            <a:ext cx="8845560" cy="1252440"/>
           </a:xfrm>
           <a:prstGeom prst="rect">
             <a:avLst/>
@@ -16161,7 +16161,7 @@
         <p:spPr>
           <a:xfrm>
             <a:off x="720000" y="1944000"/>
-            <a:ext cx="8630280" cy="4710960"/>
+            <a:ext cx="8629920" cy="4710600"/>
           </a:xfrm>
           <a:prstGeom prst="rect">
             <a:avLst/>
@@ -17029,7 +17029,7 @@
         <p:spPr>
           <a:xfrm>
             <a:off x="720000" y="300960"/>
-            <a:ext cx="8845920" cy="1252800"/>
+            <a:ext cx="8845560" cy="1252440"/>
           </a:xfrm>
           <a:prstGeom prst="rect">
             <a:avLst/>
@@ -17073,7 +17073,7 @@
         <p:spPr>
           <a:xfrm>
             <a:off x="720000" y="2052000"/>
-            <a:ext cx="8630280" cy="4422960"/>
+            <a:ext cx="8629920" cy="4422600"/>
           </a:xfrm>
           <a:prstGeom prst="rect">
             <a:avLst/>
@@ -17541,7 +17541,7 @@
         <p:spPr>
           <a:xfrm>
             <a:off x="720000" y="300960"/>
-            <a:ext cx="8845920" cy="1252800"/>
+            <a:ext cx="8845560" cy="1252440"/>
           </a:xfrm>
           <a:prstGeom prst="rect">
             <a:avLst/>
@@ -17585,7 +17585,7 @@
         <p:spPr>
           <a:xfrm>
             <a:off x="720000" y="1692000"/>
-            <a:ext cx="8630280" cy="4375080"/>
+            <a:ext cx="8629920" cy="4374720"/>
           </a:xfrm>
           <a:prstGeom prst="rect">
             <a:avLst/>
@@ -17604,7 +17604,7 @@
         <p:txBody>
           <a:bodyPr lIns="0" rIns="0" tIns="0" bIns="0"/>
           <a:p>
-            <a:pPr marL="432000" indent="-314280">
+            <a:pPr marL="432000" indent="-313920">
               <a:lnSpc>
                 <a:spcPct val="100000"/>
               </a:lnSpc>
@@ -17653,7 +17653,7 @@
             </a:endParaRPr>
           </a:p>
           <a:p>
-            <a:pPr marL="432000" indent="-314280">
+            <a:pPr marL="432000" indent="-313920">
               <a:lnSpc>
                 <a:spcPct val="100000"/>
               </a:lnSpc>
@@ -17693,7 +17693,7 @@
             </a:endParaRPr>
           </a:p>
           <a:p>
-            <a:pPr marL="432000" indent="-314280">
+            <a:pPr marL="432000" indent="-313920">
               <a:lnSpc>
                 <a:spcPct val="100000"/>
               </a:lnSpc>
@@ -17722,7 +17722,7 @@
             </a:endParaRPr>
           </a:p>
           <a:p>
-            <a:pPr marL="432000" indent="-314280">
+            <a:pPr marL="432000" indent="-313920">
               <a:lnSpc>
                 <a:spcPct val="100000"/>
               </a:lnSpc>
@@ -17771,7 +17771,7 @@
             </a:endParaRPr>
           </a:p>
           <a:p>
-            <a:pPr marL="432000" indent="-314280">
+            <a:pPr marL="432000" indent="-313920">
               <a:lnSpc>
                 <a:spcPct val="100000"/>
               </a:lnSpc>
@@ -17869,7 +17869,7 @@
         <p:spPr>
           <a:xfrm>
             <a:off x="720000" y="300960"/>
-            <a:ext cx="8845920" cy="1252800"/>
+            <a:ext cx="8845560" cy="1252440"/>
           </a:xfrm>
           <a:prstGeom prst="rect">
             <a:avLst/>
@@ -17913,7 +17913,7 @@
         <p:spPr>
           <a:xfrm>
             <a:off x="720000" y="1404000"/>
-            <a:ext cx="8630280" cy="5646960"/>
+            <a:ext cx="8629920" cy="5646600"/>
           </a:xfrm>
           <a:prstGeom prst="rect">
             <a:avLst/>
@@ -19437,7 +19437,7 @@
         <p:spPr>
           <a:xfrm>
             <a:off x="720000" y="300960"/>
-            <a:ext cx="8845920" cy="1252800"/>
+            <a:ext cx="8845560" cy="1252440"/>
           </a:xfrm>
           <a:prstGeom prst="rect">
             <a:avLst/>
@@ -19481,7 +19481,7 @@
         <p:spPr>
           <a:xfrm>
             <a:off x="964440" y="2160000"/>
-            <a:ext cx="8141400" cy="2869560"/>
+            <a:ext cx="8141040" cy="2869200"/>
           </a:xfrm>
           <a:prstGeom prst="rect">
             <a:avLst/>
@@ -19505,7 +19505,7 @@
             </a:endParaRPr>
           </a:p>
           <a:p>
-            <a:pPr marL="432000" indent="-314280">
+            <a:pPr marL="432000" indent="-313920">
               <a:lnSpc>
                 <a:spcPct val="100000"/>
               </a:lnSpc>
@@ -19534,7 +19534,7 @@
             </a:endParaRPr>
           </a:p>
           <a:p>
-            <a:pPr marL="432000" indent="-314280">
+            <a:pPr marL="432000" indent="-313920">
               <a:lnSpc>
                 <a:spcPct val="100000"/>
               </a:lnSpc>
@@ -19563,7 +19563,7 @@
             </a:endParaRPr>
           </a:p>
           <a:p>
-            <a:pPr marL="432000" indent="-314280">
+            <a:pPr marL="432000" indent="-313920">
               <a:lnSpc>
                 <a:spcPct val="100000"/>
               </a:lnSpc>
@@ -19662,7 +19662,7 @@
         <p:spPr>
           <a:xfrm>
             <a:off x="720000" y="300960"/>
-            <a:ext cx="8845920" cy="1252800"/>
+            <a:ext cx="8845560" cy="1252440"/>
           </a:xfrm>
           <a:prstGeom prst="rect">
             <a:avLst/>
@@ -19706,7 +19706,7 @@
         <p:spPr>
           <a:xfrm>
             <a:off x="720000" y="2160000"/>
-            <a:ext cx="8630280" cy="4375080"/>
+            <a:ext cx="8629920" cy="4374720"/>
           </a:xfrm>
           <a:prstGeom prst="rect">
             <a:avLst/>
@@ -19755,7 +19755,7 @@
             </a:endParaRPr>
           </a:p>
           <a:p>
-            <a:pPr marL="432000" indent="-314280">
+            <a:pPr marL="432000" indent="-313920">
               <a:lnSpc>
                 <a:spcPct val="100000"/>
               </a:lnSpc>
@@ -19804,7 +19804,7 @@
             </a:endParaRPr>
           </a:p>
           <a:p>
-            <a:pPr marL="432000" indent="-314280">
+            <a:pPr marL="432000" indent="-313920">
               <a:lnSpc>
                 <a:spcPct val="100000"/>
               </a:lnSpc>
@@ -19914,7 +19914,7 @@
         <p:spPr>
           <a:xfrm>
             <a:off x="720000" y="300960"/>
-            <a:ext cx="8845920" cy="1252800"/>
+            <a:ext cx="8845560" cy="1252440"/>
           </a:xfrm>
           <a:prstGeom prst="rect">
             <a:avLst/>
@@ -19958,7 +19958,7 @@
         <p:spPr>
           <a:xfrm>
             <a:off x="720000" y="1836000"/>
-            <a:ext cx="8630280" cy="4713480"/>
+            <a:ext cx="8629920" cy="4713120"/>
           </a:xfrm>
           <a:prstGeom prst="rect">
             <a:avLst/>
@@ -19977,7 +19977,7 @@
         <p:txBody>
           <a:bodyPr lIns="0" rIns="0" tIns="0" bIns="0"/>
           <a:p>
-            <a:pPr marL="432000" indent="-314280">
+            <a:pPr marL="432000" indent="-313920">
               <a:lnSpc>
                 <a:spcPct val="100000"/>
               </a:lnSpc>
@@ -20057,7 +20057,7 @@
             </a:endParaRPr>
           </a:p>
           <a:p>
-            <a:pPr marL="432000" indent="-314280">
+            <a:pPr marL="432000" indent="-313920">
               <a:lnSpc>
                 <a:spcPct val="100000"/>
               </a:lnSpc>
@@ -20097,7 +20097,7 @@
             </a:endParaRPr>
           </a:p>
           <a:p>
-            <a:pPr marL="432000" indent="-314280">
+            <a:pPr marL="432000" indent="-313920">
               <a:lnSpc>
                 <a:spcPct val="100000"/>
               </a:lnSpc>
@@ -20137,7 +20137,7 @@
             </a:endParaRPr>
           </a:p>
           <a:p>
-            <a:pPr marL="432000" indent="-314280">
+            <a:pPr marL="432000" indent="-313920">
               <a:lnSpc>
                 <a:spcPct val="100000"/>
               </a:lnSpc>
@@ -20177,7 +20177,7 @@
             </a:endParaRPr>
           </a:p>
           <a:p>
-            <a:pPr marL="432000" indent="-314280">
+            <a:pPr marL="432000" indent="-313920">
               <a:lnSpc>
                 <a:spcPct val="100000"/>
               </a:lnSpc>
@@ -20217,7 +20217,7 @@
             </a:endParaRPr>
           </a:p>
           <a:p>
-            <a:pPr marL="432000" indent="-314280">
+            <a:pPr marL="432000" indent="-313920">
               <a:lnSpc>
                 <a:spcPct val="100000"/>
               </a:lnSpc>
@@ -20316,7 +20316,7 @@
         <p:spPr>
           <a:xfrm>
             <a:off x="720000" y="300960"/>
-            <a:ext cx="8845920" cy="1252800"/>
+            <a:ext cx="8845560" cy="1252440"/>
           </a:xfrm>
           <a:prstGeom prst="rect">
             <a:avLst/>
@@ -20360,7 +20360,7 @@
         <p:spPr>
           <a:xfrm>
             <a:off x="720000" y="2160000"/>
-            <a:ext cx="8630280" cy="4375080"/>
+            <a:ext cx="8629920" cy="4374720"/>
           </a:xfrm>
           <a:prstGeom prst="rect">
             <a:avLst/>
@@ -20379,7 +20379,7 @@
         <p:txBody>
           <a:bodyPr lIns="0" rIns="0" tIns="0" bIns="0"/>
           <a:p>
-            <a:pPr marL="432000" indent="-314280">
+            <a:pPr marL="432000" indent="-313920">
               <a:lnSpc>
                 <a:spcPct val="100000"/>
               </a:lnSpc>
@@ -20408,7 +20408,7 @@
             </a:endParaRPr>
           </a:p>
           <a:p>
-            <a:pPr marL="432000" indent="-314280">
+            <a:pPr marL="432000" indent="-313920">
               <a:lnSpc>
                 <a:spcPct val="100000"/>
               </a:lnSpc>
@@ -20437,7 +20437,7 @@
             </a:endParaRPr>
           </a:p>
           <a:p>
-            <a:pPr marL="432000" indent="-314280">
+            <a:pPr marL="432000" indent="-313920">
               <a:lnSpc>
                 <a:spcPct val="100000"/>
               </a:lnSpc>
@@ -20466,7 +20466,7 @@
             </a:endParaRPr>
           </a:p>
           <a:p>
-            <a:pPr marL="432000" indent="-314280">
+            <a:pPr marL="432000" indent="-313920">
               <a:lnSpc>
                 <a:spcPct val="100000"/>
               </a:lnSpc>
@@ -20554,7 +20554,7 @@
         <p:spPr>
           <a:xfrm>
             <a:off x="720000" y="300960"/>
-            <a:ext cx="8845920" cy="1252800"/>
+            <a:ext cx="8845560" cy="1252440"/>
           </a:xfrm>
           <a:prstGeom prst="rect">
             <a:avLst/>
@@ -20598,7 +20598,7 @@
         <p:spPr>
           <a:xfrm>
             <a:off x="720000" y="1836000"/>
-            <a:ext cx="8630280" cy="4999680"/>
+            <a:ext cx="8629920" cy="4999320"/>
           </a:xfrm>
           <a:prstGeom prst="rect">
             <a:avLst/>
@@ -20617,7 +20617,7 @@
         <p:txBody>
           <a:bodyPr lIns="0" rIns="0" tIns="0" bIns="0"/>
           <a:p>
-            <a:pPr marL="432000" indent="-314280">
+            <a:pPr marL="432000" indent="-313920">
               <a:lnSpc>
                 <a:spcPct val="100000"/>
               </a:lnSpc>
@@ -20677,7 +20677,7 @@
             </a:endParaRPr>
           </a:p>
           <a:p>
-            <a:pPr marL="432000" indent="-314280">
+            <a:pPr marL="432000" indent="-313920">
               <a:lnSpc>
                 <a:spcPct val="100000"/>
               </a:lnSpc>
@@ -20778,7 +20778,7 @@
             </a:endParaRPr>
           </a:p>
           <a:p>
-            <a:pPr marL="432000" indent="-314280">
+            <a:pPr marL="432000" indent="-313920">
               <a:lnSpc>
                 <a:spcPct val="100000"/>
               </a:lnSpc>
@@ -20866,7 +20866,7 @@
         <p:spPr>
           <a:xfrm>
             <a:off x="720000" y="300960"/>
-            <a:ext cx="8845920" cy="1252800"/>
+            <a:ext cx="8845560" cy="1252440"/>
           </a:xfrm>
           <a:prstGeom prst="rect">
             <a:avLst/>
@@ -20910,7 +20910,7 @@
         <p:spPr>
           <a:xfrm>
             <a:off x="720000" y="2160000"/>
-            <a:ext cx="8630280" cy="4375080"/>
+            <a:ext cx="8629920" cy="4374720"/>
           </a:xfrm>
           <a:prstGeom prst="rect">
             <a:avLst/>
@@ -21242,7 +21242,7 @@
         <p:spPr>
           <a:xfrm>
             <a:off x="720000" y="300960"/>
-            <a:ext cx="8845920" cy="1252800"/>
+            <a:ext cx="8845560" cy="1252440"/>
           </a:xfrm>
           <a:prstGeom prst="rect">
             <a:avLst/>
@@ -21286,7 +21286,7 @@
         <p:spPr>
           <a:xfrm>
             <a:off x="720000" y="1872000"/>
-            <a:ext cx="8630280" cy="4375080"/>
+            <a:ext cx="8629920" cy="4374720"/>
           </a:xfrm>
           <a:prstGeom prst="rect">
             <a:avLst/>
@@ -21305,7 +21305,7 @@
         <p:txBody>
           <a:bodyPr lIns="0" rIns="0" tIns="0" bIns="0"/>
           <a:p>
-            <a:pPr marL="432000" indent="-314280">
+            <a:pPr marL="432000" indent="-313920">
               <a:lnSpc>
                 <a:spcPct val="100000"/>
               </a:lnSpc>
@@ -21334,7 +21334,7 @@
             </a:endParaRPr>
           </a:p>
           <a:p>
-            <a:pPr marL="432000" indent="-314280">
+            <a:pPr marL="432000" indent="-313920">
               <a:lnSpc>
                 <a:spcPct val="100000"/>
               </a:lnSpc>
@@ -21363,7 +21363,7 @@
             </a:endParaRPr>
           </a:p>
           <a:p>
-            <a:pPr marL="432000" indent="-314280">
+            <a:pPr marL="432000" indent="-313920">
               <a:lnSpc>
                 <a:spcPct val="100000"/>
               </a:lnSpc>
@@ -21392,7 +21392,7 @@
             </a:endParaRPr>
           </a:p>
           <a:p>
-            <a:pPr marL="432000" indent="-314280">
+            <a:pPr marL="432000" indent="-313920">
               <a:lnSpc>
                 <a:spcPct val="100000"/>
               </a:lnSpc>
@@ -21480,7 +21480,7 @@
         <p:spPr>
           <a:xfrm>
             <a:off x="720000" y="300960"/>
-            <a:ext cx="8845920" cy="1252800"/>
+            <a:ext cx="8845560" cy="1252440"/>
           </a:xfrm>
           <a:prstGeom prst="rect">
             <a:avLst/>
@@ -21524,7 +21524,7 @@
         <p:spPr>
           <a:xfrm>
             <a:off x="720000" y="2160000"/>
-            <a:ext cx="8630280" cy="4375080"/>
+            <a:ext cx="8629920" cy="4374720"/>
           </a:xfrm>
           <a:prstGeom prst="rect">
             <a:avLst/>
@@ -21771,7 +21771,7 @@
         <p:spPr>
           <a:xfrm>
             <a:off x="720000" y="300960"/>
-            <a:ext cx="8845920" cy="1252800"/>
+            <a:ext cx="8845560" cy="1252440"/>
           </a:xfrm>
           <a:prstGeom prst="rect">
             <a:avLst/>
@@ -21815,7 +21815,7 @@
         <p:spPr>
           <a:xfrm>
             <a:off x="720000" y="2160000"/>
-            <a:ext cx="8630280" cy="4375080"/>
+            <a:ext cx="8629920" cy="4374720"/>
           </a:xfrm>
           <a:prstGeom prst="rect">
             <a:avLst/>
@@ -22149,7 +22149,7 @@
         <p:spPr>
           <a:xfrm>
             <a:off x="720000" y="240120"/>
-            <a:ext cx="8845920" cy="1374480"/>
+            <a:ext cx="8845560" cy="1374120"/>
           </a:xfrm>
           <a:prstGeom prst="rect">
             <a:avLst/>
@@ -22193,7 +22193,7 @@
         <p:spPr>
           <a:xfrm>
             <a:off x="720000" y="2484000"/>
-            <a:ext cx="8630280" cy="3740040"/>
+            <a:ext cx="8629920" cy="3739680"/>
           </a:xfrm>
           <a:prstGeom prst="rect">
             <a:avLst/>
@@ -22449,7 +22449,7 @@
         <p:spPr>
           <a:xfrm>
             <a:off x="720000" y="300960"/>
-            <a:ext cx="8845920" cy="1252800"/>
+            <a:ext cx="8845560" cy="1252440"/>
           </a:xfrm>
           <a:prstGeom prst="rect">
             <a:avLst/>
@@ -22493,7 +22493,7 @@
         <p:spPr>
           <a:xfrm>
             <a:off x="720000" y="2160000"/>
-            <a:ext cx="8630280" cy="4375080"/>
+            <a:ext cx="8629920" cy="4374720"/>
           </a:xfrm>
           <a:prstGeom prst="rect">
             <a:avLst/>
@@ -22530,7 +22530,7 @@
             </a:endParaRPr>
           </a:p>
           <a:p>
-            <a:pPr marL="432000" indent="-314280">
+            <a:pPr marL="432000" indent="-313920">
               <a:lnSpc>
                 <a:spcPct val="100000"/>
               </a:lnSpc>
@@ -22579,7 +22579,7 @@
             </a:endParaRPr>
           </a:p>
           <a:p>
-            <a:pPr marL="432000" indent="-314280">
+            <a:pPr marL="432000" indent="-313920">
               <a:lnSpc>
                 <a:spcPct val="100000"/>
               </a:lnSpc>
@@ -22687,7 +22687,7 @@
         <p:spPr>
           <a:xfrm>
             <a:off x="720000" y="300960"/>
-            <a:ext cx="8845920" cy="1252800"/>
+            <a:ext cx="8845560" cy="1252440"/>
           </a:xfrm>
           <a:prstGeom prst="rect">
             <a:avLst/>
@@ -22731,7 +22731,7 @@
         <p:spPr>
           <a:xfrm>
             <a:off x="720000" y="2160000"/>
-            <a:ext cx="8630280" cy="4375080"/>
+            <a:ext cx="8629920" cy="4374720"/>
           </a:xfrm>
           <a:prstGeom prst="rect">
             <a:avLst/>
@@ -22755,7 +22755,7 @@
             </a:endParaRPr>
           </a:p>
           <a:p>
-            <a:pPr marL="432000" indent="-314280">
+            <a:pPr marL="432000" indent="-313920">
               <a:lnSpc>
                 <a:spcPct val="100000"/>
               </a:lnSpc>
@@ -22784,7 +22784,7 @@
             </a:endParaRPr>
           </a:p>
           <a:p>
-            <a:pPr marL="432000" indent="-314280">
+            <a:pPr marL="432000" indent="-313920">
               <a:lnSpc>
                 <a:spcPct val="100000"/>
               </a:lnSpc>
@@ -23092,7 +23092,7 @@
         <p:spPr>
           <a:xfrm>
             <a:off x="720000" y="300960"/>
-            <a:ext cx="8845920" cy="1252800"/>
+            <a:ext cx="8845560" cy="1252440"/>
           </a:xfrm>
           <a:prstGeom prst="rect">
             <a:avLst/>
@@ -23136,7 +23136,7 @@
         <p:spPr>
           <a:xfrm>
             <a:off x="720000" y="1692000"/>
-            <a:ext cx="8630280" cy="5145480"/>
+            <a:ext cx="8629920" cy="5145120"/>
           </a:xfrm>
           <a:prstGeom prst="rect">
             <a:avLst/>
@@ -23155,7 +23155,7 @@
         <p:txBody>
           <a:bodyPr lIns="0" rIns="0" tIns="0" bIns="0"/>
           <a:p>
-            <a:pPr marL="432000" indent="-314280">
+            <a:pPr marL="432000" indent="-313920">
               <a:lnSpc>
                 <a:spcPct val="100000"/>
               </a:lnSpc>
@@ -23224,7 +23224,7 @@
             </a:endParaRPr>
           </a:p>
           <a:p>
-            <a:pPr marL="432000" indent="-314280">
+            <a:pPr marL="432000" indent="-313920">
               <a:lnSpc>
                 <a:spcPct val="100000"/>
               </a:lnSpc>
@@ -23253,7 +23253,7 @@
             </a:endParaRPr>
           </a:p>
           <a:p>
-            <a:pPr marL="432000" indent="-314280">
+            <a:pPr marL="432000" indent="-313920">
               <a:lnSpc>
                 <a:spcPct val="100000"/>
               </a:lnSpc>
@@ -23282,7 +23282,7 @@
             </a:endParaRPr>
           </a:p>
           <a:p>
-            <a:pPr marL="432000" indent="-314280">
+            <a:pPr marL="432000" indent="-313920">
               <a:lnSpc>
                 <a:spcPct val="100000"/>
               </a:lnSpc>
@@ -23311,7 +23311,7 @@
             </a:endParaRPr>
           </a:p>
           <a:p>
-            <a:pPr marL="432000" indent="-314280">
+            <a:pPr marL="432000" indent="-313920">
               <a:lnSpc>
                 <a:spcPct val="100000"/>
               </a:lnSpc>
@@ -23340,7 +23340,7 @@
             </a:endParaRPr>
           </a:p>
           <a:p>
-            <a:pPr marL="432000" indent="-314280">
+            <a:pPr marL="432000" indent="-313920">
               <a:lnSpc>
                 <a:spcPct val="100000"/>
               </a:lnSpc>
@@ -23369,7 +23369,7 @@
             </a:endParaRPr>
           </a:p>
           <a:p>
-            <a:pPr marL="432000" indent="-314280">
+            <a:pPr marL="432000" indent="-313920">
               <a:lnSpc>
                 <a:spcPct val="100000"/>
               </a:lnSpc>
@@ -23467,7 +23467,7 @@
         <p:spPr>
           <a:xfrm>
             <a:off x="720000" y="300960"/>
-            <a:ext cx="8845920" cy="1252800"/>
+            <a:ext cx="8845560" cy="1252440"/>
           </a:xfrm>
           <a:prstGeom prst="rect">
             <a:avLst/>
@@ -23511,7 +23511,7 @@
         <p:spPr>
           <a:xfrm>
             <a:off x="756000" y="2160000"/>
-            <a:ext cx="8630280" cy="4375080"/>
+            <a:ext cx="8629920" cy="4374720"/>
           </a:xfrm>
           <a:prstGeom prst="rect">
             <a:avLst/>
@@ -23530,7 +23530,7 @@
         <p:txBody>
           <a:bodyPr lIns="0" rIns="0" tIns="0" bIns="0"/>
           <a:p>
-            <a:pPr marL="432000" indent="-314280">
+            <a:pPr marL="432000" indent="-313920">
               <a:lnSpc>
                 <a:spcPct val="100000"/>
               </a:lnSpc>
@@ -23581,7 +23581,7 @@
             </a:endParaRPr>
           </a:p>
           <a:p>
-            <a:pPr marL="432000" indent="-314280">
+            <a:pPr marL="432000" indent="-313920">
               <a:lnSpc>
                 <a:spcPct val="100000"/>
               </a:lnSpc>
@@ -23652,7 +23652,7 @@
             </a:endParaRPr>
           </a:p>
           <a:p>
-            <a:pPr marL="432000" indent="-314280">
+            <a:pPr marL="432000" indent="-313920">
               <a:lnSpc>
                 <a:spcPct val="100000"/>
               </a:lnSpc>
@@ -23723,7 +23723,7 @@
             </a:endParaRPr>
           </a:p>
           <a:p>
-            <a:pPr marL="432000" indent="-314280">
+            <a:pPr marL="432000" indent="-313920">
               <a:lnSpc>
                 <a:spcPct val="100000"/>
               </a:lnSpc>
@@ -23769,28 +23769,17 @@
             </a:r>
             <a:br/>
             <a:r>
-              <a:rPr b="0" lang="de-DE" sz="2000" spc="-1" strike="noStrike" u="sng">
-                <a:solidFill>
-                  <a:srgbClr val="0000ff"/>
-                </a:solidFill>
-                <a:uFillTx/>
-                <a:latin typeface="Noto Sans Regular"/>
+              <a:rPr b="0" lang="de-DE" sz="2000" spc="-1" strike="noStrike">
+                <a:solidFill>
+                  <a:srgbClr val="000000"/>
+                </a:solidFill>
+                <a:latin typeface="Arial"/>
                 <a:ea typeface="DejaVu Sans"/>
                 <a:hlinkClick r:id="rId4"/>
               </a:rPr>
-              <a:t>http://haskelbook.com</a:t>
-            </a:r>
-            <a:r>
-              <a:rPr b="0" lang="de-DE" sz="2400" spc="-1" strike="noStrike">
-                <a:solidFill>
-                  <a:srgbClr val="333333"/>
-                </a:solidFill>
-                <a:latin typeface="Noto Sans Regular"/>
-                <a:ea typeface="DejaVu Sans"/>
-              </a:rPr>
-              <a:t> </a:t>
-            </a:r>
-            <a:endParaRPr b="0" lang="de-DE" sz="2400" spc="-1" strike="noStrike">
+              <a:t>http://haskellbook.com</a:t>
+            </a:r>
+            <a:endParaRPr b="0" lang="de-DE" sz="2000" spc="-1" strike="noStrike">
               <a:latin typeface="Arial"/>
             </a:endParaRPr>
           </a:p>
@@ -23800,7 +23789,7 @@
                 <a:spcPct val="100000"/>
               </a:lnSpc>
             </a:pPr>
-            <a:endParaRPr b="0" lang="de-DE" sz="2400" spc="-1" strike="noStrike">
+            <a:endParaRPr b="0" lang="de-DE" sz="2000" spc="-1" strike="noStrike">
               <a:latin typeface="Arial"/>
             </a:endParaRPr>
           </a:p>
@@ -23864,7 +23853,7 @@
         <p:spPr>
           <a:xfrm>
             <a:off x="720000" y="300960"/>
-            <a:ext cx="8845920" cy="1252800"/>
+            <a:ext cx="8845560" cy="1252440"/>
           </a:xfrm>
           <a:prstGeom prst="rect">
             <a:avLst/>
@@ -23908,7 +23897,7 @@
         <p:spPr>
           <a:xfrm>
             <a:off x="756000" y="2160000"/>
-            <a:ext cx="8630280" cy="4375080"/>
+            <a:ext cx="8629920" cy="4374720"/>
           </a:xfrm>
           <a:prstGeom prst="rect">
             <a:avLst/>
@@ -23927,7 +23916,7 @@
         <p:txBody>
           <a:bodyPr lIns="0" rIns="0" tIns="0" bIns="0"/>
           <a:p>
-            <a:pPr marL="432000" indent="-314280">
+            <a:pPr marL="432000" indent="-313920">
               <a:lnSpc>
                 <a:spcPct val="100000"/>
               </a:lnSpc>
@@ -23998,7 +23987,7 @@
             </a:endParaRPr>
           </a:p>
           <a:p>
-            <a:pPr marL="432000" indent="-314280">
+            <a:pPr marL="432000" indent="-313920">
               <a:lnSpc>
                 <a:spcPct val="100000"/>
               </a:lnSpc>
@@ -24059,7 +24048,7 @@
             </a:endParaRPr>
           </a:p>
           <a:p>
-            <a:pPr marL="432000" indent="-314280">
+            <a:pPr marL="432000" indent="-313920">
               <a:lnSpc>
                 <a:spcPct val="100000"/>
               </a:lnSpc>
@@ -24100,7 +24089,7 @@
             </a:endParaRPr>
           </a:p>
           <a:p>
-            <a:pPr marL="432000" indent="-314280">
+            <a:pPr marL="432000" indent="-313920">
               <a:lnSpc>
                 <a:spcPct val="100000"/>
               </a:lnSpc>
@@ -24240,7 +24229,7 @@
         <p:spPr>
           <a:xfrm>
             <a:off x="720000" y="300960"/>
-            <a:ext cx="8845920" cy="1252800"/>
+            <a:ext cx="8845560" cy="1252440"/>
           </a:xfrm>
           <a:prstGeom prst="rect">
             <a:avLst/>
@@ -24284,7 +24273,7 @@
         <p:spPr>
           <a:xfrm>
             <a:off x="756000" y="2124000"/>
-            <a:ext cx="8630280" cy="4375080"/>
+            <a:ext cx="8629920" cy="4374720"/>
           </a:xfrm>
           <a:prstGeom prst="rect">
             <a:avLst/>
@@ -24303,7 +24292,7 @@
         <p:txBody>
           <a:bodyPr lIns="0" rIns="0" tIns="0" bIns="0"/>
           <a:p>
-            <a:pPr marL="432000" indent="-314280">
+            <a:pPr marL="432000" indent="-313920">
               <a:lnSpc>
                 <a:spcPct val="100000"/>
               </a:lnSpc>
@@ -24344,7 +24333,7 @@
             </a:endParaRPr>
           </a:p>
           <a:p>
-            <a:pPr marL="432000" indent="-314280">
+            <a:pPr marL="432000" indent="-313920">
               <a:lnSpc>
                 <a:spcPct val="100000"/>
               </a:lnSpc>
@@ -24395,7 +24384,7 @@
             </a:endParaRPr>
           </a:p>
           <a:p>
-            <a:pPr marL="432000" indent="-314280">
+            <a:pPr marL="432000" indent="-313920">
               <a:lnSpc>
                 <a:spcPct val="100000"/>
               </a:lnSpc>
@@ -24446,7 +24435,7 @@
             </a:endParaRPr>
           </a:p>
           <a:p>
-            <a:pPr marL="432000" indent="-314280">
+            <a:pPr marL="432000" indent="-313920">
               <a:lnSpc>
                 <a:spcPct val="100000"/>
               </a:lnSpc>
@@ -24597,7 +24586,7 @@
         <p:spPr>
           <a:xfrm>
             <a:off x="720000" y="300960"/>
-            <a:ext cx="8845920" cy="1252800"/>
+            <a:ext cx="8845560" cy="1252440"/>
           </a:xfrm>
           <a:prstGeom prst="rect">
             <a:avLst/>
@@ -24641,7 +24630,7 @@
         <p:spPr>
           <a:xfrm>
             <a:off x="720000" y="2160000"/>
-            <a:ext cx="8630280" cy="4375080"/>
+            <a:ext cx="8629920" cy="4374720"/>
           </a:xfrm>
           <a:prstGeom prst="rect">
             <a:avLst/>
@@ -24836,7 +24825,7 @@
         <p:spPr>
           <a:xfrm>
             <a:off x="720000" y="300960"/>
-            <a:ext cx="8845920" cy="1252800"/>
+            <a:ext cx="8845560" cy="1252440"/>
           </a:xfrm>
           <a:prstGeom prst="rect">
             <a:avLst/>
@@ -24880,7 +24869,7 @@
         <p:spPr>
           <a:xfrm>
             <a:off x="720000" y="1872000"/>
-            <a:ext cx="8630280" cy="4375080"/>
+            <a:ext cx="8629920" cy="4374720"/>
           </a:xfrm>
           <a:prstGeom prst="rect">
             <a:avLst/>
@@ -24899,7 +24888,7 @@
         <p:txBody>
           <a:bodyPr lIns="0" rIns="0" tIns="0" bIns="0"/>
           <a:p>
-            <a:pPr marL="432000" indent="-314280">
+            <a:pPr marL="432000" indent="-313920">
               <a:lnSpc>
                 <a:spcPct val="100000"/>
               </a:lnSpc>
@@ -24928,7 +24917,7 @@
             </a:endParaRPr>
           </a:p>
           <a:p>
-            <a:pPr marL="432000" indent="-314280">
+            <a:pPr marL="432000" indent="-313920">
               <a:lnSpc>
                 <a:spcPct val="100000"/>
               </a:lnSpc>
@@ -24988,7 +24977,7 @@
             </a:endParaRPr>
           </a:p>
           <a:p>
-            <a:pPr marL="432000" indent="-314280">
+            <a:pPr marL="432000" indent="-313920">
               <a:lnSpc>
                 <a:spcPct val="100000"/>
               </a:lnSpc>
@@ -25048,7 +25037,7 @@
             </a:endParaRPr>
           </a:p>
           <a:p>
-            <a:pPr marL="432000" indent="-314280">
+            <a:pPr marL="432000" indent="-313920">
               <a:lnSpc>
                 <a:spcPct val="100000"/>
               </a:lnSpc>
@@ -25077,7 +25066,7 @@
             </a:endParaRPr>
           </a:p>
           <a:p>
-            <a:pPr marL="432000" indent="-314280">
+            <a:pPr marL="432000" indent="-313920">
               <a:lnSpc>
                 <a:spcPct val="100000"/>
               </a:lnSpc>
@@ -25165,7 +25154,7 @@
         <p:spPr>
           <a:xfrm>
             <a:off x="720000" y="300960"/>
-            <a:ext cx="8845920" cy="1252800"/>
+            <a:ext cx="8845560" cy="1252440"/>
           </a:xfrm>
           <a:prstGeom prst="rect">
             <a:avLst/>
@@ -25209,7 +25198,7 @@
         <p:spPr>
           <a:xfrm>
             <a:off x="720000" y="2160000"/>
-            <a:ext cx="8630280" cy="4375080"/>
+            <a:ext cx="8629920" cy="4374720"/>
           </a:xfrm>
           <a:prstGeom prst="rect">
             <a:avLst/>
@@ -25228,7 +25217,7 @@
         <p:txBody>
           <a:bodyPr lIns="0" rIns="0" tIns="0" bIns="0"/>
           <a:p>
-            <a:pPr marL="432000" indent="-314280">
+            <a:pPr marL="432000" indent="-313920">
               <a:lnSpc>
                 <a:spcPct val="100000"/>
               </a:lnSpc>
@@ -25257,7 +25246,7 @@
             </a:endParaRPr>
           </a:p>
           <a:p>
-            <a:pPr marL="432000" indent="-314280">
+            <a:pPr marL="432000" indent="-313920">
               <a:lnSpc>
                 <a:spcPct val="100000"/>
               </a:lnSpc>
@@ -25738,7 +25727,7 @@
         <p:spPr>
           <a:xfrm>
             <a:off x="720000" y="300960"/>
-            <a:ext cx="8845920" cy="1252800"/>
+            <a:ext cx="8845560" cy="1252440"/>
           </a:xfrm>
           <a:prstGeom prst="rect">
             <a:avLst/>
@@ -25782,7 +25771,7 @@
         <p:spPr>
           <a:xfrm>
             <a:off x="720000" y="2160000"/>
-            <a:ext cx="8630280" cy="4375080"/>
+            <a:ext cx="8629920" cy="4374720"/>
           </a:xfrm>
           <a:prstGeom prst="rect">
             <a:avLst/>
@@ -25801,7 +25790,7 @@
         <p:txBody>
           <a:bodyPr lIns="0" rIns="0" tIns="0" bIns="0"/>
           <a:p>
-            <a:pPr marL="432000" indent="-314280">
+            <a:pPr marL="432000" indent="-313920">
               <a:lnSpc>
                 <a:spcPct val="100000"/>
               </a:lnSpc>
@@ -25830,7 +25819,7 @@
             </a:endParaRPr>
           </a:p>
           <a:p>
-            <a:pPr marL="432000" indent="-314280">
+            <a:pPr marL="432000" indent="-313920">
               <a:lnSpc>
                 <a:spcPct val="100000"/>
               </a:lnSpc>
@@ -25859,7 +25848,7 @@
             </a:endParaRPr>
           </a:p>
           <a:p>
-            <a:pPr marL="432000" indent="-314280">
+            <a:pPr marL="432000" indent="-313920">
               <a:lnSpc>
                 <a:spcPct val="100000"/>
               </a:lnSpc>
@@ -25888,7 +25877,7 @@
             </a:endParaRPr>
           </a:p>
           <a:p>
-            <a:pPr marL="432000" indent="-314280">
+            <a:pPr marL="432000" indent="-313920">
               <a:lnSpc>
                 <a:spcPct val="100000"/>
               </a:lnSpc>
@@ -26016,7 +26005,7 @@
         <p:spPr>
           <a:xfrm>
             <a:off x="720000" y="300960"/>
-            <a:ext cx="8845920" cy="1252800"/>
+            <a:ext cx="8845560" cy="1252440"/>
           </a:xfrm>
           <a:prstGeom prst="rect">
             <a:avLst/>
@@ -26060,7 +26049,7 @@
         <p:spPr>
           <a:xfrm>
             <a:off x="720000" y="2124000"/>
-            <a:ext cx="8630280" cy="4375080"/>
+            <a:ext cx="8629920" cy="4374720"/>
           </a:xfrm>
           <a:prstGeom prst="rect">
             <a:avLst/>
@@ -26723,7 +26712,7 @@
         <p:spPr>
           <a:xfrm>
             <a:off x="720000" y="300960"/>
-            <a:ext cx="8845920" cy="1252800"/>
+            <a:ext cx="8845560" cy="1252440"/>
           </a:xfrm>
           <a:prstGeom prst="rect">
             <a:avLst/>
@@ -26767,7 +26756,7 @@
         <p:spPr>
           <a:xfrm>
             <a:off x="720000" y="2160000"/>
-            <a:ext cx="8630280" cy="4375080"/>
+            <a:ext cx="8629920" cy="4374720"/>
           </a:xfrm>
           <a:prstGeom prst="rect">
             <a:avLst/>

--- a/Slides/TypeClasses.pptx
+++ b/Slides/TypeClasses.pptx
@@ -2751,7 +2751,7 @@
         <p:spPr>
           <a:xfrm>
             <a:off x="0" y="4320000"/>
-            <a:ext cx="493920" cy="1069920"/>
+            <a:ext cx="493560" cy="1069560"/>
           </a:xfrm>
           <a:prstGeom prst="rect">
             <a:avLst/>
@@ -3030,7 +3030,7 @@
         <p:spPr>
           <a:xfrm>
             <a:off x="0" y="288000"/>
-            <a:ext cx="493920" cy="1069920"/>
+            <a:ext cx="493560" cy="1069560"/>
           </a:xfrm>
           <a:prstGeom prst="rect">
             <a:avLst/>
@@ -3309,7 +3309,7 @@
         <p:spPr>
           <a:xfrm>
             <a:off x="792000" y="3885480"/>
-            <a:ext cx="8557920" cy="1651320"/>
+            <a:ext cx="8557560" cy="1650960"/>
           </a:xfrm>
           <a:prstGeom prst="rect">
             <a:avLst/>
@@ -3366,7 +3366,7 @@
         <p:spPr>
           <a:xfrm>
             <a:off x="792000" y="5904000"/>
-            <a:ext cx="8557920" cy="972360"/>
+            <a:ext cx="8557560" cy="972000"/>
           </a:xfrm>
           <a:prstGeom prst="rect">
             <a:avLst/>
@@ -3474,7 +3474,7 @@
         <p:spPr>
           <a:xfrm>
             <a:off x="720000" y="300960"/>
-            <a:ext cx="8845560" cy="1252440"/>
+            <a:ext cx="8845200" cy="1252080"/>
           </a:xfrm>
           <a:prstGeom prst="rect">
             <a:avLst/>
@@ -3518,7 +3518,7 @@
         <p:spPr>
           <a:xfrm>
             <a:off x="720000" y="2160000"/>
-            <a:ext cx="8629920" cy="4374720"/>
+            <a:ext cx="8629560" cy="4374360"/>
           </a:xfrm>
           <a:prstGeom prst="rect">
             <a:avLst/>
@@ -4406,7 +4406,7 @@
         <p:spPr>
           <a:xfrm>
             <a:off x="720000" y="300960"/>
-            <a:ext cx="8845560" cy="1252440"/>
+            <a:ext cx="8845200" cy="1252080"/>
           </a:xfrm>
           <a:prstGeom prst="rect">
             <a:avLst/>
@@ -4450,7 +4450,7 @@
         <p:spPr>
           <a:xfrm>
             <a:off x="720000" y="2160000"/>
-            <a:ext cx="8629920" cy="4374720"/>
+            <a:ext cx="8629560" cy="4374360"/>
           </a:xfrm>
           <a:prstGeom prst="rect">
             <a:avLst/>
@@ -5518,7 +5518,7 @@
         <p:spPr>
           <a:xfrm>
             <a:off x="720000" y="300960"/>
-            <a:ext cx="8845560" cy="1252440"/>
+            <a:ext cx="8845200" cy="1252080"/>
           </a:xfrm>
           <a:prstGeom prst="rect">
             <a:avLst/>
@@ -5562,7 +5562,7 @@
         <p:spPr>
           <a:xfrm>
             <a:off x="720000" y="2160000"/>
-            <a:ext cx="8629920" cy="4374720"/>
+            <a:ext cx="8629560" cy="4374360"/>
           </a:xfrm>
           <a:prstGeom prst="rect">
             <a:avLst/>
@@ -5581,7 +5581,7 @@
         <p:txBody>
           <a:bodyPr lIns="0" rIns="0" tIns="0" bIns="0"/>
           <a:p>
-            <a:pPr marL="432000" indent="-313920">
+            <a:pPr marL="432000" indent="-313560">
               <a:lnSpc>
                 <a:spcPct val="100000"/>
               </a:lnSpc>
@@ -5610,7 +5610,7 @@
             </a:endParaRPr>
           </a:p>
           <a:p>
-            <a:pPr marL="432000" indent="-313920">
+            <a:pPr marL="432000" indent="-313560">
               <a:lnSpc>
                 <a:spcPct val="100000"/>
               </a:lnSpc>
@@ -5639,7 +5639,7 @@
             </a:endParaRPr>
           </a:p>
           <a:p>
-            <a:pPr marL="432000" indent="-313920">
+            <a:pPr marL="432000" indent="-313560">
               <a:lnSpc>
                 <a:spcPct val="100000"/>
               </a:lnSpc>
@@ -5668,7 +5668,7 @@
             </a:endParaRPr>
           </a:p>
           <a:p>
-            <a:pPr marL="432000" indent="-313920">
+            <a:pPr marL="432000" indent="-313560">
               <a:lnSpc>
                 <a:spcPct val="100000"/>
               </a:lnSpc>
@@ -5697,7 +5697,7 @@
             </a:endParaRPr>
           </a:p>
           <a:p>
-            <a:pPr marL="432000" indent="-313920">
+            <a:pPr marL="432000" indent="-313560">
               <a:lnSpc>
                 <a:spcPct val="100000"/>
               </a:lnSpc>
@@ -5785,7 +5785,7 @@
         <p:spPr>
           <a:xfrm>
             <a:off x="720000" y="300960"/>
-            <a:ext cx="8845560" cy="1252440"/>
+            <a:ext cx="8845200" cy="1252080"/>
           </a:xfrm>
           <a:prstGeom prst="rect">
             <a:avLst/>
@@ -5829,7 +5829,7 @@
         <p:spPr>
           <a:xfrm>
             <a:off x="720000" y="1944000"/>
-            <a:ext cx="8629920" cy="4374720"/>
+            <a:ext cx="8629560" cy="4374360"/>
           </a:xfrm>
           <a:prstGeom prst="rect">
             <a:avLst/>
@@ -5848,7 +5848,7 @@
         <p:txBody>
           <a:bodyPr lIns="0" rIns="0" tIns="0" bIns="0"/>
           <a:p>
-            <a:pPr marL="432000" indent="-313920">
+            <a:pPr marL="432000" indent="-313560">
               <a:lnSpc>
                 <a:spcPct val="100000"/>
               </a:lnSpc>
@@ -5877,7 +5877,7 @@
             </a:endParaRPr>
           </a:p>
           <a:p>
-            <a:pPr marL="432000" indent="-313920">
+            <a:pPr marL="432000" indent="-313560">
               <a:lnSpc>
                 <a:spcPct val="100000"/>
               </a:lnSpc>
@@ -5906,7 +5906,7 @@
             </a:endParaRPr>
           </a:p>
           <a:p>
-            <a:pPr marL="432000" indent="-313920">
+            <a:pPr marL="432000" indent="-313560">
               <a:lnSpc>
                 <a:spcPct val="100000"/>
               </a:lnSpc>
@@ -5935,7 +5935,7 @@
             </a:endParaRPr>
           </a:p>
           <a:p>
-            <a:pPr marL="432000" indent="-313920">
+            <a:pPr marL="432000" indent="-313560">
               <a:lnSpc>
                 <a:spcPct val="100000"/>
               </a:lnSpc>
@@ -5964,7 +5964,7 @@
             </a:endParaRPr>
           </a:p>
           <a:p>
-            <a:pPr marL="432000" indent="-313920">
+            <a:pPr marL="432000" indent="-313560">
               <a:lnSpc>
                 <a:spcPct val="100000"/>
               </a:lnSpc>
@@ -6092,7 +6092,7 @@
         <p:spPr>
           <a:xfrm>
             <a:off x="720000" y="300960"/>
-            <a:ext cx="8845560" cy="1252440"/>
+            <a:ext cx="8845200" cy="1252080"/>
           </a:xfrm>
           <a:prstGeom prst="rect">
             <a:avLst/>
@@ -6136,7 +6136,7 @@
         <p:spPr>
           <a:xfrm>
             <a:off x="720000" y="2160000"/>
-            <a:ext cx="8629920" cy="4374720"/>
+            <a:ext cx="8629560" cy="4374360"/>
           </a:xfrm>
           <a:prstGeom prst="rect">
             <a:avLst/>
@@ -6556,7 +6556,7 @@
         <p:spPr>
           <a:xfrm>
             <a:off x="720000" y="300960"/>
-            <a:ext cx="8845560" cy="1252440"/>
+            <a:ext cx="8845200" cy="1252080"/>
           </a:xfrm>
           <a:prstGeom prst="rect">
             <a:avLst/>
@@ -6600,7 +6600,7 @@
         <p:spPr>
           <a:xfrm>
             <a:off x="720000" y="2160000"/>
-            <a:ext cx="8629920" cy="4374720"/>
+            <a:ext cx="8629560" cy="4374360"/>
           </a:xfrm>
           <a:prstGeom prst="rect">
             <a:avLst/>
@@ -6619,7 +6619,7 @@
         <p:txBody>
           <a:bodyPr lIns="0" rIns="0" tIns="0" bIns="0"/>
           <a:p>
-            <a:pPr marL="432000" indent="-313920">
+            <a:pPr marL="432000" indent="-313560">
               <a:lnSpc>
                 <a:spcPct val="100000"/>
               </a:lnSpc>
@@ -6648,7 +6648,7 @@
             </a:endParaRPr>
           </a:p>
           <a:p>
-            <a:pPr marL="432000" indent="-313920">
+            <a:pPr marL="432000" indent="-313560">
               <a:lnSpc>
                 <a:spcPct val="100000"/>
               </a:lnSpc>
@@ -6677,7 +6677,7 @@
             </a:endParaRPr>
           </a:p>
           <a:p>
-            <a:pPr marL="432000" indent="-313920">
+            <a:pPr marL="432000" indent="-313560">
               <a:lnSpc>
                 <a:spcPct val="100000"/>
               </a:lnSpc>
@@ -6717,7 +6717,7 @@
             </a:endParaRPr>
           </a:p>
           <a:p>
-            <a:pPr marL="432000" indent="-313920">
+            <a:pPr marL="432000" indent="-313560">
               <a:lnSpc>
                 <a:spcPct val="100000"/>
               </a:lnSpc>
@@ -6746,7 +6746,7 @@
             </a:endParaRPr>
           </a:p>
           <a:p>
-            <a:pPr marL="432000" indent="-313920">
+            <a:pPr marL="432000" indent="-313560">
               <a:lnSpc>
                 <a:spcPct val="100000"/>
               </a:lnSpc>
@@ -6775,7 +6775,7 @@
             </a:endParaRPr>
           </a:p>
           <a:p>
-            <a:pPr marL="432000" indent="-313920">
+            <a:pPr marL="432000" indent="-313560">
               <a:lnSpc>
                 <a:spcPct val="100000"/>
               </a:lnSpc>
@@ -6863,7 +6863,7 @@
         <p:spPr>
           <a:xfrm>
             <a:off x="720000" y="300960"/>
-            <a:ext cx="8845560" cy="1252440"/>
+            <a:ext cx="8845200" cy="1252080"/>
           </a:xfrm>
           <a:prstGeom prst="rect">
             <a:avLst/>
@@ -6907,7 +6907,7 @@
         <p:spPr>
           <a:xfrm>
             <a:off x="720000" y="1908000"/>
-            <a:ext cx="8629920" cy="4714560"/>
+            <a:ext cx="8629560" cy="4714200"/>
           </a:xfrm>
           <a:prstGeom prst="rect">
             <a:avLst/>
@@ -6926,7 +6926,7 @@
         <p:txBody>
           <a:bodyPr lIns="0" rIns="0" tIns="0" bIns="0"/>
           <a:p>
-            <a:pPr marL="432000" indent="-313920">
+            <a:pPr marL="432000" indent="-313560">
               <a:lnSpc>
                 <a:spcPct val="100000"/>
               </a:lnSpc>
@@ -6975,7 +6975,7 @@
             </a:endParaRPr>
           </a:p>
           <a:p>
-            <a:pPr marL="432000" indent="-313920">
+            <a:pPr marL="432000" indent="-313560">
               <a:lnSpc>
                 <a:spcPct val="100000"/>
               </a:lnSpc>
@@ -7105,7 +7105,7 @@
             </a:endParaRPr>
           </a:p>
           <a:p>
-            <a:pPr marL="432000" indent="-313920">
+            <a:pPr marL="432000" indent="-313560">
               <a:lnSpc>
                 <a:spcPct val="100000"/>
               </a:lnSpc>
@@ -7213,7 +7213,7 @@
         <p:spPr>
           <a:xfrm>
             <a:off x="720000" y="300960"/>
-            <a:ext cx="8845560" cy="1252440"/>
+            <a:ext cx="8845200" cy="1252080"/>
           </a:xfrm>
           <a:prstGeom prst="rect">
             <a:avLst/>
@@ -7257,7 +7257,7 @@
         <p:spPr>
           <a:xfrm>
             <a:off x="720000" y="2160000"/>
-            <a:ext cx="8629920" cy="4374720"/>
+            <a:ext cx="8629560" cy="4374360"/>
           </a:xfrm>
           <a:prstGeom prst="rect">
             <a:avLst/>
@@ -7540,7 +7540,7 @@
         <p:spPr>
           <a:xfrm>
             <a:off x="720000" y="300960"/>
-            <a:ext cx="8845560" cy="1252440"/>
+            <a:ext cx="8845200" cy="1252080"/>
           </a:xfrm>
           <a:prstGeom prst="rect">
             <a:avLst/>
@@ -7584,7 +7584,7 @@
         <p:spPr>
           <a:xfrm>
             <a:off x="720000" y="1764000"/>
-            <a:ext cx="8629920" cy="4374720"/>
+            <a:ext cx="8629560" cy="4374360"/>
           </a:xfrm>
           <a:prstGeom prst="rect">
             <a:avLst/>
@@ -8238,7 +8238,7 @@
         <p:spPr>
           <a:xfrm>
             <a:off x="720000" y="300960"/>
-            <a:ext cx="8845560" cy="1252440"/>
+            <a:ext cx="8845200" cy="1252080"/>
           </a:xfrm>
           <a:prstGeom prst="rect">
             <a:avLst/>
@@ -8282,7 +8282,7 @@
         <p:spPr>
           <a:xfrm>
             <a:off x="720000" y="2160000"/>
-            <a:ext cx="8629920" cy="4374720"/>
+            <a:ext cx="8629560" cy="4374360"/>
           </a:xfrm>
           <a:prstGeom prst="rect">
             <a:avLst/>
@@ -8795,7 +8795,7 @@
         <p:spPr>
           <a:xfrm>
             <a:off x="720000" y="300960"/>
-            <a:ext cx="8845560" cy="1252440"/>
+            <a:ext cx="8845200" cy="1252080"/>
           </a:xfrm>
           <a:prstGeom prst="rect">
             <a:avLst/>
@@ -8839,7 +8839,7 @@
         <p:spPr>
           <a:xfrm>
             <a:off x="720000" y="1656000"/>
-            <a:ext cx="8629920" cy="5395320"/>
+            <a:ext cx="8629560" cy="5394960"/>
           </a:xfrm>
           <a:prstGeom prst="rect">
             <a:avLst/>
@@ -8858,7 +8858,7 @@
         <p:txBody>
           <a:bodyPr lIns="0" rIns="0" tIns="0" bIns="0"/>
           <a:p>
-            <a:pPr marL="432000" indent="-313920">
+            <a:pPr marL="432000" indent="-313560">
               <a:lnSpc>
                 <a:spcPct val="100000"/>
               </a:lnSpc>
@@ -8887,7 +8887,7 @@
             </a:endParaRPr>
           </a:p>
           <a:p>
-            <a:pPr marL="432000" indent="-313920">
+            <a:pPr marL="432000" indent="-313560">
               <a:lnSpc>
                 <a:spcPct val="100000"/>
               </a:lnSpc>
@@ -8916,7 +8916,7 @@
             </a:endParaRPr>
           </a:p>
           <a:p>
-            <a:pPr marL="432000" indent="-313920">
+            <a:pPr marL="432000" indent="-313560">
               <a:lnSpc>
                 <a:spcPct val="100000"/>
               </a:lnSpc>
@@ -8945,7 +8945,7 @@
             </a:endParaRPr>
           </a:p>
           <a:p>
-            <a:pPr marL="432000" indent="-313920">
+            <a:pPr marL="432000" indent="-313560">
               <a:lnSpc>
                 <a:spcPct val="100000"/>
               </a:lnSpc>
@@ -8974,7 +8974,7 @@
             </a:endParaRPr>
           </a:p>
           <a:p>
-            <a:pPr marL="432000" indent="-313920">
+            <a:pPr marL="432000" indent="-313560">
               <a:lnSpc>
                 <a:spcPct val="100000"/>
               </a:lnSpc>
@@ -9013,7 +9013,7 @@
             </a:endParaRPr>
           </a:p>
           <a:p>
-            <a:pPr marL="432000" indent="-313920">
+            <a:pPr marL="432000" indent="-313560">
               <a:lnSpc>
                 <a:spcPct val="100000"/>
               </a:lnSpc>
@@ -9042,7 +9042,7 @@
             </a:endParaRPr>
           </a:p>
           <a:p>
-            <a:pPr marL="432000" indent="-313920">
+            <a:pPr marL="432000" indent="-313560">
               <a:lnSpc>
                 <a:spcPct val="100000"/>
               </a:lnSpc>
@@ -9071,7 +9071,7 @@
             </a:endParaRPr>
           </a:p>
           <a:p>
-            <a:pPr marL="432000" indent="-313920">
+            <a:pPr marL="432000" indent="-313560">
               <a:lnSpc>
                 <a:spcPct val="100000"/>
               </a:lnSpc>
@@ -9100,7 +9100,7 @@
             </a:endParaRPr>
           </a:p>
           <a:p>
-            <a:pPr marL="432000" indent="-313920">
+            <a:pPr marL="432000" indent="-313560">
               <a:lnSpc>
                 <a:spcPct val="100000"/>
               </a:lnSpc>
@@ -9129,7 +9129,7 @@
             </a:endParaRPr>
           </a:p>
           <a:p>
-            <a:pPr marL="432000" indent="-313920">
+            <a:pPr marL="432000" indent="-313560">
               <a:lnSpc>
                 <a:spcPct val="100000"/>
               </a:lnSpc>
@@ -9217,7 +9217,7 @@
         <p:spPr>
           <a:xfrm>
             <a:off x="720000" y="300960"/>
-            <a:ext cx="8845560" cy="1252440"/>
+            <a:ext cx="8845200" cy="1252080"/>
           </a:xfrm>
           <a:prstGeom prst="rect">
             <a:avLst/>
@@ -9261,7 +9261,7 @@
         <p:spPr>
           <a:xfrm>
             <a:off x="720000" y="1800000"/>
-            <a:ext cx="8629920" cy="5318640"/>
+            <a:ext cx="8629560" cy="5318280"/>
           </a:xfrm>
           <a:prstGeom prst="rect">
             <a:avLst/>
@@ -9929,7 +9929,7 @@
         <p:spPr>
           <a:xfrm>
             <a:off x="720000" y="300960"/>
-            <a:ext cx="8845560" cy="1252440"/>
+            <a:ext cx="8845200" cy="1252080"/>
           </a:xfrm>
           <a:prstGeom prst="rect">
             <a:avLst/>
@@ -9973,7 +9973,7 @@
         <p:spPr>
           <a:xfrm>
             <a:off x="720000" y="1800000"/>
-            <a:ext cx="8629920" cy="5318640"/>
+            <a:ext cx="8629560" cy="5318280"/>
           </a:xfrm>
           <a:prstGeom prst="rect">
             <a:avLst/>
@@ -10523,7 +10523,7 @@
         <p:spPr>
           <a:xfrm>
             <a:off x="720000" y="300960"/>
-            <a:ext cx="8845560" cy="1252440"/>
+            <a:ext cx="8845200" cy="1252080"/>
           </a:xfrm>
           <a:prstGeom prst="rect">
             <a:avLst/>
@@ -10567,7 +10567,7 @@
         <p:spPr>
           <a:xfrm>
             <a:off x="720000" y="2160000"/>
-            <a:ext cx="8629920" cy="4374720"/>
+            <a:ext cx="8629560" cy="4374360"/>
           </a:xfrm>
           <a:prstGeom prst="rect">
             <a:avLst/>
@@ -11245,7 +11245,7 @@
         <p:spPr>
           <a:xfrm>
             <a:off x="720000" y="300960"/>
-            <a:ext cx="8845560" cy="1252440"/>
+            <a:ext cx="8845200" cy="1252080"/>
           </a:xfrm>
           <a:prstGeom prst="rect">
             <a:avLst/>
@@ -11289,7 +11289,7 @@
         <p:spPr>
           <a:xfrm>
             <a:off x="720000" y="1944000"/>
-            <a:ext cx="8629920" cy="4374720"/>
+            <a:ext cx="8629560" cy="4374360"/>
           </a:xfrm>
           <a:prstGeom prst="rect">
             <a:avLst/>
@@ -11308,7 +11308,7 @@
         <p:txBody>
           <a:bodyPr lIns="0" rIns="0" tIns="0" bIns="0"/>
           <a:p>
-            <a:pPr marL="432000" indent="-313920">
+            <a:pPr marL="432000" indent="-313560">
               <a:lnSpc>
                 <a:spcPct val="100000"/>
               </a:lnSpc>
@@ -11377,7 +11377,7 @@
             </a:endParaRPr>
           </a:p>
           <a:p>
-            <a:pPr marL="432000" indent="-313920">
+            <a:pPr marL="432000" indent="-313560">
               <a:lnSpc>
                 <a:spcPct val="100000"/>
               </a:lnSpc>
@@ -11406,7 +11406,7 @@
             </a:endParaRPr>
           </a:p>
           <a:p>
-            <a:pPr marL="432000" indent="-313920">
+            <a:pPr marL="432000" indent="-313560">
               <a:lnSpc>
                 <a:spcPct val="100000"/>
               </a:lnSpc>
@@ -11435,7 +11435,7 @@
             </a:endParaRPr>
           </a:p>
           <a:p>
-            <a:pPr marL="432000" indent="-313920">
+            <a:pPr marL="432000" indent="-313560">
               <a:lnSpc>
                 <a:spcPct val="100000"/>
               </a:lnSpc>
@@ -11523,7 +11523,7 @@
         <p:spPr>
           <a:xfrm>
             <a:off x="720000" y="300960"/>
-            <a:ext cx="8845560" cy="1252440"/>
+            <a:ext cx="8845200" cy="1252080"/>
           </a:xfrm>
           <a:prstGeom prst="rect">
             <a:avLst/>
@@ -11567,7 +11567,7 @@
         <p:spPr>
           <a:xfrm>
             <a:off x="720000" y="1692000"/>
-            <a:ext cx="8629920" cy="5214960"/>
+            <a:ext cx="8629560" cy="5214600"/>
           </a:xfrm>
           <a:prstGeom prst="rect">
             <a:avLst/>
@@ -11586,7 +11586,7 @@
         <p:txBody>
           <a:bodyPr lIns="0" rIns="0" tIns="0" bIns="0"/>
           <a:p>
-            <a:pPr marL="432000" indent="-313920">
+            <a:pPr marL="432000" indent="-313560">
               <a:lnSpc>
                 <a:spcPct val="100000"/>
               </a:lnSpc>
@@ -12334,7 +12334,7 @@
         <p:spPr>
           <a:xfrm>
             <a:off x="720000" y="300960"/>
-            <a:ext cx="8845560" cy="1252440"/>
+            <a:ext cx="8845200" cy="1252080"/>
           </a:xfrm>
           <a:prstGeom prst="rect">
             <a:avLst/>
@@ -12378,7 +12378,7 @@
         <p:spPr>
           <a:xfrm>
             <a:off x="720000" y="1980000"/>
-            <a:ext cx="8629920" cy="4783680"/>
+            <a:ext cx="8629560" cy="4783320"/>
           </a:xfrm>
           <a:prstGeom prst="rect">
             <a:avLst/>
@@ -12397,7 +12397,7 @@
         <p:txBody>
           <a:bodyPr lIns="0" rIns="0" tIns="0" bIns="0"/>
           <a:p>
-            <a:pPr marL="432000" indent="-313920">
+            <a:pPr marL="432000" indent="-313560">
               <a:lnSpc>
                 <a:spcPct val="100000"/>
               </a:lnSpc>
@@ -12968,7 +12968,7 @@
         <p:spPr>
           <a:xfrm>
             <a:off x="720000" y="300960"/>
-            <a:ext cx="8845560" cy="1252440"/>
+            <a:ext cx="8845200" cy="1252080"/>
           </a:xfrm>
           <a:prstGeom prst="rect">
             <a:avLst/>
@@ -13012,7 +13012,7 @@
         <p:spPr>
           <a:xfrm>
             <a:off x="720000" y="2160000"/>
-            <a:ext cx="8629920" cy="4374720"/>
+            <a:ext cx="8629560" cy="4374360"/>
           </a:xfrm>
           <a:prstGeom prst="rect">
             <a:avLst/>
@@ -13031,7 +13031,7 @@
         <p:txBody>
           <a:bodyPr lIns="0" rIns="0" tIns="0" bIns="0"/>
           <a:p>
-            <a:pPr marL="432000" indent="-313920">
+            <a:pPr marL="432000" indent="-313560">
               <a:lnSpc>
                 <a:spcPct val="100000"/>
               </a:lnSpc>
@@ -13120,7 +13120,7 @@
             </a:endParaRPr>
           </a:p>
           <a:p>
-            <a:pPr marL="432000" indent="-313920">
+            <a:pPr marL="432000" indent="-313560">
               <a:lnSpc>
                 <a:spcPct val="100000"/>
               </a:lnSpc>
@@ -13308,7 +13308,7 @@
         <p:spPr>
           <a:xfrm>
             <a:off x="720000" y="300960"/>
-            <a:ext cx="8845560" cy="1252440"/>
+            <a:ext cx="8845200" cy="1252080"/>
           </a:xfrm>
           <a:prstGeom prst="rect">
             <a:avLst/>
@@ -13352,7 +13352,7 @@
         <p:spPr>
           <a:xfrm>
             <a:off x="720000" y="1584000"/>
-            <a:ext cx="8629920" cy="5323680"/>
+            <a:ext cx="8629560" cy="5323320"/>
           </a:xfrm>
           <a:prstGeom prst="rect">
             <a:avLst/>
@@ -13371,7 +13371,7 @@
         <p:txBody>
           <a:bodyPr lIns="0" rIns="0" tIns="0" bIns="0"/>
           <a:p>
-            <a:pPr marL="432000" indent="-313920">
+            <a:pPr marL="432000" indent="-313560">
               <a:lnSpc>
                 <a:spcPct val="100000"/>
               </a:lnSpc>
@@ -13420,7 +13420,7 @@
             </a:endParaRPr>
           </a:p>
           <a:p>
-            <a:pPr marL="432000" indent="-313920">
+            <a:pPr marL="432000" indent="-313560">
               <a:lnSpc>
                 <a:spcPct val="100000"/>
               </a:lnSpc>
@@ -13480,7 +13480,7 @@
             </a:endParaRPr>
           </a:p>
           <a:p>
-            <a:pPr marL="432000" indent="-313920">
+            <a:pPr marL="432000" indent="-313560">
               <a:lnSpc>
                 <a:spcPct val="100000"/>
               </a:lnSpc>
@@ -13529,7 +13529,7 @@
             </a:endParaRPr>
           </a:p>
           <a:p>
-            <a:pPr marL="432000" indent="-313920">
+            <a:pPr marL="432000" indent="-313560">
               <a:lnSpc>
                 <a:spcPct val="100000"/>
               </a:lnSpc>
@@ -13578,7 +13578,7 @@
             </a:endParaRPr>
           </a:p>
           <a:p>
-            <a:pPr marL="432000" indent="-313920">
+            <a:pPr marL="432000" indent="-313560">
               <a:lnSpc>
                 <a:spcPct val="100000"/>
               </a:lnSpc>
@@ -13607,7 +13607,7 @@
             </a:endParaRPr>
           </a:p>
           <a:p>
-            <a:pPr marL="432000" indent="-313920">
+            <a:pPr marL="432000" indent="-313560">
               <a:lnSpc>
                 <a:spcPct val="100000"/>
               </a:lnSpc>
@@ -13696,7 +13696,7 @@
         <p:spPr>
           <a:xfrm>
             <a:off x="720000" y="300960"/>
-            <a:ext cx="8845560" cy="1252440"/>
+            <a:ext cx="8845200" cy="1252080"/>
           </a:xfrm>
           <a:prstGeom prst="rect">
             <a:avLst/>
@@ -13740,7 +13740,7 @@
         <p:spPr>
           <a:xfrm>
             <a:off x="720000" y="1404000"/>
-            <a:ext cx="8629920" cy="5646600"/>
+            <a:ext cx="8629560" cy="5646240"/>
           </a:xfrm>
           <a:prstGeom prst="rect">
             <a:avLst/>
@@ -14978,7 +14978,7 @@
         <p:spPr>
           <a:xfrm>
             <a:off x="720000" y="300960"/>
-            <a:ext cx="8845560" cy="1252440"/>
+            <a:ext cx="8845200" cy="1252080"/>
           </a:xfrm>
           <a:prstGeom prst="rect">
             <a:avLst/>
@@ -15022,7 +15022,7 @@
         <p:spPr>
           <a:xfrm>
             <a:off x="720000" y="1872000"/>
-            <a:ext cx="8629920" cy="4566600"/>
+            <a:ext cx="8629560" cy="4566240"/>
           </a:xfrm>
           <a:prstGeom prst="rect">
             <a:avLst/>
@@ -15800,7 +15800,7 @@
         <p:spPr>
           <a:xfrm>
             <a:off x="720000" y="300960"/>
-            <a:ext cx="8845560" cy="1252440"/>
+            <a:ext cx="8845200" cy="1252080"/>
           </a:xfrm>
           <a:prstGeom prst="rect">
             <a:avLst/>
@@ -15844,7 +15844,7 @@
         <p:spPr>
           <a:xfrm>
             <a:off x="720000" y="2052000"/>
-            <a:ext cx="8629920" cy="4374720"/>
+            <a:ext cx="8629560" cy="4374360"/>
           </a:xfrm>
           <a:prstGeom prst="rect">
             <a:avLst/>
@@ -15863,7 +15863,7 @@
         <p:txBody>
           <a:bodyPr lIns="0" rIns="0" tIns="0" bIns="0"/>
           <a:p>
-            <a:pPr marL="432000" indent="-313920">
+            <a:pPr marL="432000" indent="-313560">
               <a:lnSpc>
                 <a:spcPct val="100000"/>
               </a:lnSpc>
@@ -15925,7 +15925,7 @@
             </a:endParaRPr>
           </a:p>
           <a:p>
-            <a:pPr marL="432000" indent="-313920">
+            <a:pPr marL="432000" indent="-313560">
               <a:lnSpc>
                 <a:spcPct val="100000"/>
               </a:lnSpc>
@@ -15965,7 +15965,7 @@
             </a:endParaRPr>
           </a:p>
           <a:p>
-            <a:pPr marL="432000" indent="-313920">
+            <a:pPr marL="432000" indent="-313560">
               <a:lnSpc>
                 <a:spcPct val="100000"/>
               </a:lnSpc>
@@ -16005,7 +16005,7 @@
             </a:endParaRPr>
           </a:p>
           <a:p>
-            <a:pPr marL="432000" indent="-313920">
+            <a:pPr marL="432000" indent="-313560">
               <a:lnSpc>
                 <a:spcPct val="100000"/>
               </a:lnSpc>
@@ -16117,7 +16117,7 @@
         <p:spPr>
           <a:xfrm>
             <a:off x="720000" y="300960"/>
-            <a:ext cx="8845560" cy="1252440"/>
+            <a:ext cx="8845200" cy="1252080"/>
           </a:xfrm>
           <a:prstGeom prst="rect">
             <a:avLst/>
@@ -16161,7 +16161,7 @@
         <p:spPr>
           <a:xfrm>
             <a:off x="720000" y="1944000"/>
-            <a:ext cx="8629920" cy="4710600"/>
+            <a:ext cx="8629560" cy="4710240"/>
           </a:xfrm>
           <a:prstGeom prst="rect">
             <a:avLst/>
@@ -17029,7 +17029,7 @@
         <p:spPr>
           <a:xfrm>
             <a:off x="720000" y="300960"/>
-            <a:ext cx="8845560" cy="1252440"/>
+            <a:ext cx="8845200" cy="1252080"/>
           </a:xfrm>
           <a:prstGeom prst="rect">
             <a:avLst/>
@@ -17073,7 +17073,7 @@
         <p:spPr>
           <a:xfrm>
             <a:off x="720000" y="2052000"/>
-            <a:ext cx="8629920" cy="4422600"/>
+            <a:ext cx="8629560" cy="4422240"/>
           </a:xfrm>
           <a:prstGeom prst="rect">
             <a:avLst/>
@@ -17541,7 +17541,7 @@
         <p:spPr>
           <a:xfrm>
             <a:off x="720000" y="300960"/>
-            <a:ext cx="8845560" cy="1252440"/>
+            <a:ext cx="8845200" cy="1252080"/>
           </a:xfrm>
           <a:prstGeom prst="rect">
             <a:avLst/>
@@ -17585,7 +17585,7 @@
         <p:spPr>
           <a:xfrm>
             <a:off x="720000" y="1692000"/>
-            <a:ext cx="8629920" cy="4374720"/>
+            <a:ext cx="8629560" cy="4374360"/>
           </a:xfrm>
           <a:prstGeom prst="rect">
             <a:avLst/>
@@ -17604,7 +17604,7 @@
         <p:txBody>
           <a:bodyPr lIns="0" rIns="0" tIns="0" bIns="0"/>
           <a:p>
-            <a:pPr marL="432000" indent="-313920">
+            <a:pPr marL="432000" indent="-313560">
               <a:lnSpc>
                 <a:spcPct val="100000"/>
               </a:lnSpc>
@@ -17653,7 +17653,7 @@
             </a:endParaRPr>
           </a:p>
           <a:p>
-            <a:pPr marL="432000" indent="-313920">
+            <a:pPr marL="432000" indent="-313560">
               <a:lnSpc>
                 <a:spcPct val="100000"/>
               </a:lnSpc>
@@ -17693,7 +17693,7 @@
             </a:endParaRPr>
           </a:p>
           <a:p>
-            <a:pPr marL="432000" indent="-313920">
+            <a:pPr marL="432000" indent="-313560">
               <a:lnSpc>
                 <a:spcPct val="100000"/>
               </a:lnSpc>
@@ -17722,7 +17722,7 @@
             </a:endParaRPr>
           </a:p>
           <a:p>
-            <a:pPr marL="432000" indent="-313920">
+            <a:pPr marL="432000" indent="-313560">
               <a:lnSpc>
                 <a:spcPct val="100000"/>
               </a:lnSpc>
@@ -17771,7 +17771,7 @@
             </a:endParaRPr>
           </a:p>
           <a:p>
-            <a:pPr marL="432000" indent="-313920">
+            <a:pPr marL="432000" indent="-313560">
               <a:lnSpc>
                 <a:spcPct val="100000"/>
               </a:lnSpc>
@@ -17869,7 +17869,7 @@
         <p:spPr>
           <a:xfrm>
             <a:off x="720000" y="300960"/>
-            <a:ext cx="8845560" cy="1252440"/>
+            <a:ext cx="8845200" cy="1252080"/>
           </a:xfrm>
           <a:prstGeom prst="rect">
             <a:avLst/>
@@ -17913,7 +17913,7 @@
         <p:spPr>
           <a:xfrm>
             <a:off x="720000" y="1404000"/>
-            <a:ext cx="8629920" cy="5646600"/>
+            <a:ext cx="8629560" cy="5646240"/>
           </a:xfrm>
           <a:prstGeom prst="rect">
             <a:avLst/>
@@ -19437,7 +19437,7 @@
         <p:spPr>
           <a:xfrm>
             <a:off x="720000" y="300960"/>
-            <a:ext cx="8845560" cy="1252440"/>
+            <a:ext cx="8845200" cy="1252080"/>
           </a:xfrm>
           <a:prstGeom prst="rect">
             <a:avLst/>
@@ -19481,7 +19481,7 @@
         <p:spPr>
           <a:xfrm>
             <a:off x="964440" y="2160000"/>
-            <a:ext cx="8141040" cy="2869200"/>
+            <a:ext cx="8140680" cy="2868840"/>
           </a:xfrm>
           <a:prstGeom prst="rect">
             <a:avLst/>
@@ -19505,7 +19505,7 @@
             </a:endParaRPr>
           </a:p>
           <a:p>
-            <a:pPr marL="432000" indent="-313920">
+            <a:pPr marL="432000" indent="-313560">
               <a:lnSpc>
                 <a:spcPct val="100000"/>
               </a:lnSpc>
@@ -19534,7 +19534,7 @@
             </a:endParaRPr>
           </a:p>
           <a:p>
-            <a:pPr marL="432000" indent="-313920">
+            <a:pPr marL="432000" indent="-313560">
               <a:lnSpc>
                 <a:spcPct val="100000"/>
               </a:lnSpc>
@@ -19563,7 +19563,7 @@
             </a:endParaRPr>
           </a:p>
           <a:p>
-            <a:pPr marL="432000" indent="-313920">
+            <a:pPr marL="432000" indent="-313560">
               <a:lnSpc>
                 <a:spcPct val="100000"/>
               </a:lnSpc>
@@ -19662,7 +19662,7 @@
         <p:spPr>
           <a:xfrm>
             <a:off x="720000" y="300960"/>
-            <a:ext cx="8845560" cy="1252440"/>
+            <a:ext cx="8845200" cy="1252080"/>
           </a:xfrm>
           <a:prstGeom prst="rect">
             <a:avLst/>
@@ -19706,7 +19706,7 @@
         <p:spPr>
           <a:xfrm>
             <a:off x="720000" y="2160000"/>
-            <a:ext cx="8629920" cy="4374720"/>
+            <a:ext cx="8629560" cy="4374360"/>
           </a:xfrm>
           <a:prstGeom prst="rect">
             <a:avLst/>
@@ -19755,7 +19755,7 @@
             </a:endParaRPr>
           </a:p>
           <a:p>
-            <a:pPr marL="432000" indent="-313920">
+            <a:pPr marL="432000" indent="-313560">
               <a:lnSpc>
                 <a:spcPct val="100000"/>
               </a:lnSpc>
@@ -19804,7 +19804,7 @@
             </a:endParaRPr>
           </a:p>
           <a:p>
-            <a:pPr marL="432000" indent="-313920">
+            <a:pPr marL="432000" indent="-313560">
               <a:lnSpc>
                 <a:spcPct val="100000"/>
               </a:lnSpc>
@@ -19914,7 +19914,7 @@
         <p:spPr>
           <a:xfrm>
             <a:off x="720000" y="300960"/>
-            <a:ext cx="8845560" cy="1252440"/>
+            <a:ext cx="8845200" cy="1252080"/>
           </a:xfrm>
           <a:prstGeom prst="rect">
             <a:avLst/>
@@ -19958,7 +19958,7 @@
         <p:spPr>
           <a:xfrm>
             <a:off x="720000" y="1836000"/>
-            <a:ext cx="8629920" cy="4713120"/>
+            <a:ext cx="8629560" cy="4712760"/>
           </a:xfrm>
           <a:prstGeom prst="rect">
             <a:avLst/>
@@ -19977,7 +19977,7 @@
         <p:txBody>
           <a:bodyPr lIns="0" rIns="0" tIns="0" bIns="0"/>
           <a:p>
-            <a:pPr marL="432000" indent="-313920">
+            <a:pPr marL="432000" indent="-313560">
               <a:lnSpc>
                 <a:spcPct val="100000"/>
               </a:lnSpc>
@@ -20057,7 +20057,7 @@
             </a:endParaRPr>
           </a:p>
           <a:p>
-            <a:pPr marL="432000" indent="-313920">
+            <a:pPr marL="432000" indent="-313560">
               <a:lnSpc>
                 <a:spcPct val="100000"/>
               </a:lnSpc>
@@ -20097,7 +20097,7 @@
             </a:endParaRPr>
           </a:p>
           <a:p>
-            <a:pPr marL="432000" indent="-313920">
+            <a:pPr marL="432000" indent="-313560">
               <a:lnSpc>
                 <a:spcPct val="100000"/>
               </a:lnSpc>
@@ -20137,7 +20137,7 @@
             </a:endParaRPr>
           </a:p>
           <a:p>
-            <a:pPr marL="432000" indent="-313920">
+            <a:pPr marL="432000" indent="-313560">
               <a:lnSpc>
                 <a:spcPct val="100000"/>
               </a:lnSpc>
@@ -20177,7 +20177,7 @@
             </a:endParaRPr>
           </a:p>
           <a:p>
-            <a:pPr marL="432000" indent="-313920">
+            <a:pPr marL="432000" indent="-313560">
               <a:lnSpc>
                 <a:spcPct val="100000"/>
               </a:lnSpc>
@@ -20217,7 +20217,7 @@
             </a:endParaRPr>
           </a:p>
           <a:p>
-            <a:pPr marL="432000" indent="-313920">
+            <a:pPr marL="432000" indent="-313560">
               <a:lnSpc>
                 <a:spcPct val="100000"/>
               </a:lnSpc>
@@ -20316,7 +20316,7 @@
         <p:spPr>
           <a:xfrm>
             <a:off x="720000" y="300960"/>
-            <a:ext cx="8845560" cy="1252440"/>
+            <a:ext cx="8845200" cy="1252080"/>
           </a:xfrm>
           <a:prstGeom prst="rect">
             <a:avLst/>
@@ -20360,7 +20360,7 @@
         <p:spPr>
           <a:xfrm>
             <a:off x="720000" y="2160000"/>
-            <a:ext cx="8629920" cy="4374720"/>
+            <a:ext cx="8629560" cy="4374360"/>
           </a:xfrm>
           <a:prstGeom prst="rect">
             <a:avLst/>
@@ -20379,7 +20379,7 @@
         <p:txBody>
           <a:bodyPr lIns="0" rIns="0" tIns="0" bIns="0"/>
           <a:p>
-            <a:pPr marL="432000" indent="-313920">
+            <a:pPr marL="432000" indent="-313560">
               <a:lnSpc>
                 <a:spcPct val="100000"/>
               </a:lnSpc>
@@ -20408,7 +20408,7 @@
             </a:endParaRPr>
           </a:p>
           <a:p>
-            <a:pPr marL="432000" indent="-313920">
+            <a:pPr marL="432000" indent="-313560">
               <a:lnSpc>
                 <a:spcPct val="100000"/>
               </a:lnSpc>
@@ -20437,7 +20437,7 @@
             </a:endParaRPr>
           </a:p>
           <a:p>
-            <a:pPr marL="432000" indent="-313920">
+            <a:pPr marL="432000" indent="-313560">
               <a:lnSpc>
                 <a:spcPct val="100000"/>
               </a:lnSpc>
@@ -20466,7 +20466,7 @@
             </a:endParaRPr>
           </a:p>
           <a:p>
-            <a:pPr marL="432000" indent="-313920">
+            <a:pPr marL="432000" indent="-313560">
               <a:lnSpc>
                 <a:spcPct val="100000"/>
               </a:lnSpc>
@@ -20554,7 +20554,7 @@
         <p:spPr>
           <a:xfrm>
             <a:off x="720000" y="300960"/>
-            <a:ext cx="8845560" cy="1252440"/>
+            <a:ext cx="8845200" cy="1252080"/>
           </a:xfrm>
           <a:prstGeom prst="rect">
             <a:avLst/>
@@ -20598,7 +20598,7 @@
         <p:spPr>
           <a:xfrm>
             <a:off x="720000" y="1836000"/>
-            <a:ext cx="8629920" cy="4999320"/>
+            <a:ext cx="8629560" cy="4998960"/>
           </a:xfrm>
           <a:prstGeom prst="rect">
             <a:avLst/>
@@ -20617,7 +20617,7 @@
         <p:txBody>
           <a:bodyPr lIns="0" rIns="0" tIns="0" bIns="0"/>
           <a:p>
-            <a:pPr marL="432000" indent="-313920">
+            <a:pPr marL="432000" indent="-313560">
               <a:lnSpc>
                 <a:spcPct val="100000"/>
               </a:lnSpc>
@@ -20677,7 +20677,7 @@
             </a:endParaRPr>
           </a:p>
           <a:p>
-            <a:pPr marL="432000" indent="-313920">
+            <a:pPr marL="432000" indent="-313560">
               <a:lnSpc>
                 <a:spcPct val="100000"/>
               </a:lnSpc>
@@ -20778,7 +20778,7 @@
             </a:endParaRPr>
           </a:p>
           <a:p>
-            <a:pPr marL="432000" indent="-313920">
+            <a:pPr marL="432000" indent="-313560">
               <a:lnSpc>
                 <a:spcPct val="100000"/>
               </a:lnSpc>
@@ -20866,7 +20866,7 @@
         <p:spPr>
           <a:xfrm>
             <a:off x="720000" y="300960"/>
-            <a:ext cx="8845560" cy="1252440"/>
+            <a:ext cx="8845200" cy="1252080"/>
           </a:xfrm>
           <a:prstGeom prst="rect">
             <a:avLst/>
@@ -20910,7 +20910,7 @@
         <p:spPr>
           <a:xfrm>
             <a:off x="720000" y="2160000"/>
-            <a:ext cx="8629920" cy="4374720"/>
+            <a:ext cx="8629560" cy="4374360"/>
           </a:xfrm>
           <a:prstGeom prst="rect">
             <a:avLst/>
@@ -21242,7 +21242,7 @@
         <p:spPr>
           <a:xfrm>
             <a:off x="720000" y="300960"/>
-            <a:ext cx="8845560" cy="1252440"/>
+            <a:ext cx="8845200" cy="1252080"/>
           </a:xfrm>
           <a:prstGeom prst="rect">
             <a:avLst/>
@@ -21286,7 +21286,7 @@
         <p:spPr>
           <a:xfrm>
             <a:off x="720000" y="1872000"/>
-            <a:ext cx="8629920" cy="4374720"/>
+            <a:ext cx="8629560" cy="4374360"/>
           </a:xfrm>
           <a:prstGeom prst="rect">
             <a:avLst/>
@@ -21305,7 +21305,7 @@
         <p:txBody>
           <a:bodyPr lIns="0" rIns="0" tIns="0" bIns="0"/>
           <a:p>
-            <a:pPr marL="432000" indent="-313920">
+            <a:pPr marL="432000" indent="-313560">
               <a:lnSpc>
                 <a:spcPct val="100000"/>
               </a:lnSpc>
@@ -21334,7 +21334,7 @@
             </a:endParaRPr>
           </a:p>
           <a:p>
-            <a:pPr marL="432000" indent="-313920">
+            <a:pPr marL="432000" indent="-313560">
               <a:lnSpc>
                 <a:spcPct val="100000"/>
               </a:lnSpc>
@@ -21363,7 +21363,7 @@
             </a:endParaRPr>
           </a:p>
           <a:p>
-            <a:pPr marL="432000" indent="-313920">
+            <a:pPr marL="432000" indent="-313560">
               <a:lnSpc>
                 <a:spcPct val="100000"/>
               </a:lnSpc>
@@ -21392,7 +21392,7 @@
             </a:endParaRPr>
           </a:p>
           <a:p>
-            <a:pPr marL="432000" indent="-313920">
+            <a:pPr marL="432000" indent="-313560">
               <a:lnSpc>
                 <a:spcPct val="100000"/>
               </a:lnSpc>
@@ -21480,7 +21480,7 @@
         <p:spPr>
           <a:xfrm>
             <a:off x="720000" y="300960"/>
-            <a:ext cx="8845560" cy="1252440"/>
+            <a:ext cx="8845200" cy="1252080"/>
           </a:xfrm>
           <a:prstGeom prst="rect">
             <a:avLst/>
@@ -21524,7 +21524,7 @@
         <p:spPr>
           <a:xfrm>
             <a:off x="720000" y="2160000"/>
-            <a:ext cx="8629920" cy="4374720"/>
+            <a:ext cx="8629560" cy="4374360"/>
           </a:xfrm>
           <a:prstGeom prst="rect">
             <a:avLst/>
@@ -21771,7 +21771,7 @@
         <p:spPr>
           <a:xfrm>
             <a:off x="720000" y="300960"/>
-            <a:ext cx="8845560" cy="1252440"/>
+            <a:ext cx="8845200" cy="1252080"/>
           </a:xfrm>
           <a:prstGeom prst="rect">
             <a:avLst/>
@@ -21815,7 +21815,7 @@
         <p:spPr>
           <a:xfrm>
             <a:off x="720000" y="2160000"/>
-            <a:ext cx="8629920" cy="4374720"/>
+            <a:ext cx="8629560" cy="4374360"/>
           </a:xfrm>
           <a:prstGeom prst="rect">
             <a:avLst/>
@@ -22149,7 +22149,7 @@
         <p:spPr>
           <a:xfrm>
             <a:off x="720000" y="240120"/>
-            <a:ext cx="8845560" cy="1374120"/>
+            <a:ext cx="8845200" cy="1373760"/>
           </a:xfrm>
           <a:prstGeom prst="rect">
             <a:avLst/>
@@ -22193,7 +22193,7 @@
         <p:spPr>
           <a:xfrm>
             <a:off x="720000" y="2484000"/>
-            <a:ext cx="8629920" cy="3739680"/>
+            <a:ext cx="8629560" cy="3739320"/>
           </a:xfrm>
           <a:prstGeom prst="rect">
             <a:avLst/>
@@ -22449,7 +22449,7 @@
         <p:spPr>
           <a:xfrm>
             <a:off x="720000" y="300960"/>
-            <a:ext cx="8845560" cy="1252440"/>
+            <a:ext cx="8845200" cy="1252080"/>
           </a:xfrm>
           <a:prstGeom prst="rect">
             <a:avLst/>
@@ -22493,7 +22493,7 @@
         <p:spPr>
           <a:xfrm>
             <a:off x="720000" y="2160000"/>
-            <a:ext cx="8629920" cy="4374720"/>
+            <a:ext cx="8629560" cy="4374360"/>
           </a:xfrm>
           <a:prstGeom prst="rect">
             <a:avLst/>
@@ -22530,7 +22530,7 @@
             </a:endParaRPr>
           </a:p>
           <a:p>
-            <a:pPr marL="432000" indent="-313920">
+            <a:pPr marL="432000" indent="-313560">
               <a:lnSpc>
                 <a:spcPct val="100000"/>
               </a:lnSpc>
@@ -22579,7 +22579,7 @@
             </a:endParaRPr>
           </a:p>
           <a:p>
-            <a:pPr marL="432000" indent="-313920">
+            <a:pPr marL="432000" indent="-313560">
               <a:lnSpc>
                 <a:spcPct val="100000"/>
               </a:lnSpc>
@@ -22687,7 +22687,7 @@
         <p:spPr>
           <a:xfrm>
             <a:off x="720000" y="300960"/>
-            <a:ext cx="8845560" cy="1252440"/>
+            <a:ext cx="8845200" cy="1252080"/>
           </a:xfrm>
           <a:prstGeom prst="rect">
             <a:avLst/>
@@ -22731,7 +22731,7 @@
         <p:spPr>
           <a:xfrm>
             <a:off x="720000" y="2160000"/>
-            <a:ext cx="8629920" cy="4374720"/>
+            <a:ext cx="8629560" cy="4374360"/>
           </a:xfrm>
           <a:prstGeom prst="rect">
             <a:avLst/>
@@ -22755,7 +22755,7 @@
             </a:endParaRPr>
           </a:p>
           <a:p>
-            <a:pPr marL="432000" indent="-313920">
+            <a:pPr marL="432000" indent="-313560">
               <a:lnSpc>
                 <a:spcPct val="100000"/>
               </a:lnSpc>
@@ -22784,7 +22784,7 @@
             </a:endParaRPr>
           </a:p>
           <a:p>
-            <a:pPr marL="432000" indent="-313920">
+            <a:pPr marL="432000" indent="-313560">
               <a:lnSpc>
                 <a:spcPct val="100000"/>
               </a:lnSpc>
@@ -23092,7 +23092,7 @@
         <p:spPr>
           <a:xfrm>
             <a:off x="720000" y="300960"/>
-            <a:ext cx="8845560" cy="1252440"/>
+            <a:ext cx="8845200" cy="1252080"/>
           </a:xfrm>
           <a:prstGeom prst="rect">
             <a:avLst/>
@@ -23136,7 +23136,7 @@
         <p:spPr>
           <a:xfrm>
             <a:off x="720000" y="1692000"/>
-            <a:ext cx="8629920" cy="5145120"/>
+            <a:ext cx="8629560" cy="5144760"/>
           </a:xfrm>
           <a:prstGeom prst="rect">
             <a:avLst/>
@@ -23155,7 +23155,7 @@
         <p:txBody>
           <a:bodyPr lIns="0" rIns="0" tIns="0" bIns="0"/>
           <a:p>
-            <a:pPr marL="432000" indent="-313920">
+            <a:pPr marL="432000" indent="-313560">
               <a:lnSpc>
                 <a:spcPct val="100000"/>
               </a:lnSpc>
@@ -23224,7 +23224,7 @@
             </a:endParaRPr>
           </a:p>
           <a:p>
-            <a:pPr marL="432000" indent="-313920">
+            <a:pPr marL="432000" indent="-313560">
               <a:lnSpc>
                 <a:spcPct val="100000"/>
               </a:lnSpc>
@@ -23253,7 +23253,7 @@
             </a:endParaRPr>
           </a:p>
           <a:p>
-            <a:pPr marL="432000" indent="-313920">
+            <a:pPr marL="432000" indent="-313560">
               <a:lnSpc>
                 <a:spcPct val="100000"/>
               </a:lnSpc>
@@ -23282,7 +23282,7 @@
             </a:endParaRPr>
           </a:p>
           <a:p>
-            <a:pPr marL="432000" indent="-313920">
+            <a:pPr marL="432000" indent="-313560">
               <a:lnSpc>
                 <a:spcPct val="100000"/>
               </a:lnSpc>
@@ -23311,7 +23311,7 @@
             </a:endParaRPr>
           </a:p>
           <a:p>
-            <a:pPr marL="432000" indent="-313920">
+            <a:pPr marL="432000" indent="-313560">
               <a:lnSpc>
                 <a:spcPct val="100000"/>
               </a:lnSpc>
@@ -23340,7 +23340,7 @@
             </a:endParaRPr>
           </a:p>
           <a:p>
-            <a:pPr marL="432000" indent="-313920">
+            <a:pPr marL="432000" indent="-313560">
               <a:lnSpc>
                 <a:spcPct val="100000"/>
               </a:lnSpc>
@@ -23369,7 +23369,7 @@
             </a:endParaRPr>
           </a:p>
           <a:p>
-            <a:pPr marL="432000" indent="-313920">
+            <a:pPr marL="432000" indent="-313560">
               <a:lnSpc>
                 <a:spcPct val="100000"/>
               </a:lnSpc>
@@ -23467,7 +23467,7 @@
         <p:spPr>
           <a:xfrm>
             <a:off x="720000" y="300960"/>
-            <a:ext cx="8845560" cy="1252440"/>
+            <a:ext cx="8845200" cy="1252080"/>
           </a:xfrm>
           <a:prstGeom prst="rect">
             <a:avLst/>
@@ -23511,7 +23511,7 @@
         <p:spPr>
           <a:xfrm>
             <a:off x="756000" y="2160000"/>
-            <a:ext cx="8629920" cy="4374720"/>
+            <a:ext cx="8629560" cy="4374360"/>
           </a:xfrm>
           <a:prstGeom prst="rect">
             <a:avLst/>
@@ -23530,7 +23530,7 @@
         <p:txBody>
           <a:bodyPr lIns="0" rIns="0" tIns="0" bIns="0"/>
           <a:p>
-            <a:pPr marL="432000" indent="-313920">
+            <a:pPr marL="432000" indent="-313560">
               <a:lnSpc>
                 <a:spcPct val="100000"/>
               </a:lnSpc>
@@ -23581,7 +23581,7 @@
             </a:endParaRPr>
           </a:p>
           <a:p>
-            <a:pPr marL="432000" indent="-313920">
+            <a:pPr marL="432000" indent="-313560">
               <a:lnSpc>
                 <a:spcPct val="100000"/>
               </a:lnSpc>
@@ -23652,7 +23652,7 @@
             </a:endParaRPr>
           </a:p>
           <a:p>
-            <a:pPr marL="432000" indent="-313920">
+            <a:pPr marL="432000" indent="-313560">
               <a:lnSpc>
                 <a:spcPct val="100000"/>
               </a:lnSpc>
@@ -23723,7 +23723,7 @@
             </a:endParaRPr>
           </a:p>
           <a:p>
-            <a:pPr marL="432000" indent="-313920">
+            <a:pPr marL="432000" indent="-313560">
               <a:lnSpc>
                 <a:spcPct val="100000"/>
               </a:lnSpc>
@@ -23769,10 +23769,11 @@
             </a:r>
             <a:br/>
             <a:r>
-              <a:rPr b="0" lang="de-DE" sz="2000" spc="-1" strike="noStrike">
-                <a:solidFill>
-                  <a:srgbClr val="000000"/>
-                </a:solidFill>
+              <a:rPr b="0" lang="de-DE" sz="2000" spc="-1" strike="noStrike" u="sng">
+                <a:solidFill>
+                  <a:srgbClr val="0000ff"/>
+                </a:solidFill>
+                <a:uFillTx/>
                 <a:latin typeface="Arial"/>
                 <a:ea typeface="DejaVu Sans"/>
                 <a:hlinkClick r:id="rId4"/>
@@ -23853,7 +23854,7 @@
         <p:spPr>
           <a:xfrm>
             <a:off x="720000" y="300960"/>
-            <a:ext cx="8845560" cy="1252440"/>
+            <a:ext cx="8845200" cy="1252080"/>
           </a:xfrm>
           <a:prstGeom prst="rect">
             <a:avLst/>
@@ -23897,7 +23898,7 @@
         <p:spPr>
           <a:xfrm>
             <a:off x="756000" y="2160000"/>
-            <a:ext cx="8629920" cy="4374720"/>
+            <a:ext cx="8629560" cy="4374360"/>
           </a:xfrm>
           <a:prstGeom prst="rect">
             <a:avLst/>
@@ -23916,7 +23917,7 @@
         <p:txBody>
           <a:bodyPr lIns="0" rIns="0" tIns="0" bIns="0"/>
           <a:p>
-            <a:pPr marL="432000" indent="-313920">
+            <a:pPr marL="432000" indent="-313560">
               <a:lnSpc>
                 <a:spcPct val="100000"/>
               </a:lnSpc>
@@ -23958,7 +23959,7 @@
                 <a:latin typeface="Noto Sans Regular"/>
                 <a:ea typeface="DejaVu Sans"/>
               </a:rPr>
-              <a:t>“ by Tim Soethout on Implicits at ScalaDays 2016, Berlin – </a:t>
+              <a:t>“ by Tim Soethout on Implicits at ScalaDays 2016, New York – </a:t>
             </a:r>
             <a:r>
               <a:rPr b="0" lang="de-DE" sz="2000" spc="-1" strike="noStrike" u="sng">
@@ -23987,7 +23988,7 @@
             </a:endParaRPr>
           </a:p>
           <a:p>
-            <a:pPr marL="432000" indent="-313920">
+            <a:pPr marL="432000" indent="-313560">
               <a:lnSpc>
                 <a:spcPct val="100000"/>
               </a:lnSpc>
@@ -24048,7 +24049,7 @@
             </a:endParaRPr>
           </a:p>
           <a:p>
-            <a:pPr marL="432000" indent="-313920">
+            <a:pPr marL="432000" indent="-313560">
               <a:lnSpc>
                 <a:spcPct val="100000"/>
               </a:lnSpc>
@@ -24089,7 +24090,7 @@
             </a:endParaRPr>
           </a:p>
           <a:p>
-            <a:pPr marL="432000" indent="-313920">
+            <a:pPr marL="432000" indent="-313560">
               <a:lnSpc>
                 <a:spcPct val="100000"/>
               </a:lnSpc>
@@ -24229,7 +24230,7 @@
         <p:spPr>
           <a:xfrm>
             <a:off x="720000" y="300960"/>
-            <a:ext cx="8845560" cy="1252440"/>
+            <a:ext cx="8845200" cy="1252080"/>
           </a:xfrm>
           <a:prstGeom prst="rect">
             <a:avLst/>
@@ -24273,7 +24274,7 @@
         <p:spPr>
           <a:xfrm>
             <a:off x="756000" y="2124000"/>
-            <a:ext cx="8629920" cy="4374720"/>
+            <a:ext cx="8629560" cy="4374360"/>
           </a:xfrm>
           <a:prstGeom prst="rect">
             <a:avLst/>
@@ -24292,7 +24293,7 @@
         <p:txBody>
           <a:bodyPr lIns="0" rIns="0" tIns="0" bIns="0"/>
           <a:p>
-            <a:pPr marL="432000" indent="-313920">
+            <a:pPr marL="432000" indent="-313560">
               <a:lnSpc>
                 <a:spcPct val="100000"/>
               </a:lnSpc>
@@ -24333,7 +24334,7 @@
             </a:endParaRPr>
           </a:p>
           <a:p>
-            <a:pPr marL="432000" indent="-313920">
+            <a:pPr marL="432000" indent="-313560">
               <a:lnSpc>
                 <a:spcPct val="100000"/>
               </a:lnSpc>
@@ -24384,7 +24385,7 @@
             </a:endParaRPr>
           </a:p>
           <a:p>
-            <a:pPr marL="432000" indent="-313920">
+            <a:pPr marL="432000" indent="-313560">
               <a:lnSpc>
                 <a:spcPct val="100000"/>
               </a:lnSpc>
@@ -24435,7 +24436,7 @@
             </a:endParaRPr>
           </a:p>
           <a:p>
-            <a:pPr marL="432000" indent="-313920">
+            <a:pPr marL="432000" indent="-313560">
               <a:lnSpc>
                 <a:spcPct val="100000"/>
               </a:lnSpc>
@@ -24586,7 +24587,7 @@
         <p:spPr>
           <a:xfrm>
             <a:off x="720000" y="300960"/>
-            <a:ext cx="8845560" cy="1252440"/>
+            <a:ext cx="8845200" cy="1252080"/>
           </a:xfrm>
           <a:prstGeom prst="rect">
             <a:avLst/>
@@ -24630,7 +24631,7 @@
         <p:spPr>
           <a:xfrm>
             <a:off x="720000" y="2160000"/>
-            <a:ext cx="8629920" cy="4374720"/>
+            <a:ext cx="8629560" cy="4374360"/>
           </a:xfrm>
           <a:prstGeom prst="rect">
             <a:avLst/>
@@ -24825,7 +24826,7 @@
         <p:spPr>
           <a:xfrm>
             <a:off x="720000" y="300960"/>
-            <a:ext cx="8845560" cy="1252440"/>
+            <a:ext cx="8845200" cy="1252080"/>
           </a:xfrm>
           <a:prstGeom prst="rect">
             <a:avLst/>
@@ -24869,7 +24870,7 @@
         <p:spPr>
           <a:xfrm>
             <a:off x="720000" y="1872000"/>
-            <a:ext cx="8629920" cy="4374720"/>
+            <a:ext cx="8629560" cy="4374360"/>
           </a:xfrm>
           <a:prstGeom prst="rect">
             <a:avLst/>
@@ -24888,7 +24889,7 @@
         <p:txBody>
           <a:bodyPr lIns="0" rIns="0" tIns="0" bIns="0"/>
           <a:p>
-            <a:pPr marL="432000" indent="-313920">
+            <a:pPr marL="432000" indent="-313560">
               <a:lnSpc>
                 <a:spcPct val="100000"/>
               </a:lnSpc>
@@ -24917,7 +24918,7 @@
             </a:endParaRPr>
           </a:p>
           <a:p>
-            <a:pPr marL="432000" indent="-313920">
+            <a:pPr marL="432000" indent="-313560">
               <a:lnSpc>
                 <a:spcPct val="100000"/>
               </a:lnSpc>
@@ -24977,7 +24978,7 @@
             </a:endParaRPr>
           </a:p>
           <a:p>
-            <a:pPr marL="432000" indent="-313920">
+            <a:pPr marL="432000" indent="-313560">
               <a:lnSpc>
                 <a:spcPct val="100000"/>
               </a:lnSpc>
@@ -25037,7 +25038,7 @@
             </a:endParaRPr>
           </a:p>
           <a:p>
-            <a:pPr marL="432000" indent="-313920">
+            <a:pPr marL="432000" indent="-313560">
               <a:lnSpc>
                 <a:spcPct val="100000"/>
               </a:lnSpc>
@@ -25066,7 +25067,7 @@
             </a:endParaRPr>
           </a:p>
           <a:p>
-            <a:pPr marL="432000" indent="-313920">
+            <a:pPr marL="432000" indent="-313560">
               <a:lnSpc>
                 <a:spcPct val="100000"/>
               </a:lnSpc>
@@ -25154,7 +25155,7 @@
         <p:spPr>
           <a:xfrm>
             <a:off x="720000" y="300960"/>
-            <a:ext cx="8845560" cy="1252440"/>
+            <a:ext cx="8845200" cy="1252080"/>
           </a:xfrm>
           <a:prstGeom prst="rect">
             <a:avLst/>
@@ -25198,7 +25199,7 @@
         <p:spPr>
           <a:xfrm>
             <a:off x="720000" y="2160000"/>
-            <a:ext cx="8629920" cy="4374720"/>
+            <a:ext cx="8629560" cy="4374360"/>
           </a:xfrm>
           <a:prstGeom prst="rect">
             <a:avLst/>
@@ -25217,7 +25218,7 @@
         <p:txBody>
           <a:bodyPr lIns="0" rIns="0" tIns="0" bIns="0"/>
           <a:p>
-            <a:pPr marL="432000" indent="-313920">
+            <a:pPr marL="432000" indent="-313560">
               <a:lnSpc>
                 <a:spcPct val="100000"/>
               </a:lnSpc>
@@ -25246,7 +25247,7 @@
             </a:endParaRPr>
           </a:p>
           <a:p>
-            <a:pPr marL="432000" indent="-313920">
+            <a:pPr marL="432000" indent="-313560">
               <a:lnSpc>
                 <a:spcPct val="100000"/>
               </a:lnSpc>
@@ -25727,7 +25728,7 @@
         <p:spPr>
           <a:xfrm>
             <a:off x="720000" y="300960"/>
-            <a:ext cx="8845560" cy="1252440"/>
+            <a:ext cx="8845200" cy="1252080"/>
           </a:xfrm>
           <a:prstGeom prst="rect">
             <a:avLst/>
@@ -25771,7 +25772,7 @@
         <p:spPr>
           <a:xfrm>
             <a:off x="720000" y="2160000"/>
-            <a:ext cx="8629920" cy="4374720"/>
+            <a:ext cx="8629560" cy="4374360"/>
           </a:xfrm>
           <a:prstGeom prst="rect">
             <a:avLst/>
@@ -25790,7 +25791,7 @@
         <p:txBody>
           <a:bodyPr lIns="0" rIns="0" tIns="0" bIns="0"/>
           <a:p>
-            <a:pPr marL="432000" indent="-313920">
+            <a:pPr marL="432000" indent="-313560">
               <a:lnSpc>
                 <a:spcPct val="100000"/>
               </a:lnSpc>
@@ -25819,7 +25820,7 @@
             </a:endParaRPr>
           </a:p>
           <a:p>
-            <a:pPr marL="432000" indent="-313920">
+            <a:pPr marL="432000" indent="-313560">
               <a:lnSpc>
                 <a:spcPct val="100000"/>
               </a:lnSpc>
@@ -25848,7 +25849,7 @@
             </a:endParaRPr>
           </a:p>
           <a:p>
-            <a:pPr marL="432000" indent="-313920">
+            <a:pPr marL="432000" indent="-313560">
               <a:lnSpc>
                 <a:spcPct val="100000"/>
               </a:lnSpc>
@@ -25877,7 +25878,7 @@
             </a:endParaRPr>
           </a:p>
           <a:p>
-            <a:pPr marL="432000" indent="-313920">
+            <a:pPr marL="432000" indent="-313560">
               <a:lnSpc>
                 <a:spcPct val="100000"/>
               </a:lnSpc>
@@ -26005,7 +26006,7 @@
         <p:spPr>
           <a:xfrm>
             <a:off x="720000" y="300960"/>
-            <a:ext cx="8845560" cy="1252440"/>
+            <a:ext cx="8845200" cy="1252080"/>
           </a:xfrm>
           <a:prstGeom prst="rect">
             <a:avLst/>
@@ -26049,7 +26050,7 @@
         <p:spPr>
           <a:xfrm>
             <a:off x="720000" y="2124000"/>
-            <a:ext cx="8629920" cy="4374720"/>
+            <a:ext cx="8629560" cy="4374360"/>
           </a:xfrm>
           <a:prstGeom prst="rect">
             <a:avLst/>
@@ -26712,7 +26713,7 @@
         <p:spPr>
           <a:xfrm>
             <a:off x="720000" y="300960"/>
-            <a:ext cx="8845560" cy="1252440"/>
+            <a:ext cx="8845200" cy="1252080"/>
           </a:xfrm>
           <a:prstGeom prst="rect">
             <a:avLst/>
@@ -26756,7 +26757,7 @@
         <p:spPr>
           <a:xfrm>
             <a:off x="720000" y="2160000"/>
-            <a:ext cx="8629920" cy="4374720"/>
+            <a:ext cx="8629560" cy="4374360"/>
           </a:xfrm>
           <a:prstGeom prst="rect">
             <a:avLst/>

--- a/Slides/TypeClasses.pptx
+++ b/Slides/TypeClasses.pptx
@@ -2751,7 +2751,7 @@
         <p:spPr>
           <a:xfrm>
             <a:off x="0" y="4320000"/>
-            <a:ext cx="493560" cy="1069560"/>
+            <a:ext cx="492840" cy="1068840"/>
           </a:xfrm>
           <a:prstGeom prst="rect">
             <a:avLst/>
@@ -3030,7 +3030,7 @@
         <p:spPr>
           <a:xfrm>
             <a:off x="0" y="288000"/>
-            <a:ext cx="493560" cy="1069560"/>
+            <a:ext cx="492840" cy="1068840"/>
           </a:xfrm>
           <a:prstGeom prst="rect">
             <a:avLst/>
@@ -3309,7 +3309,7 @@
         <p:spPr>
           <a:xfrm>
             <a:off x="792000" y="3885480"/>
-            <a:ext cx="8557560" cy="1650960"/>
+            <a:ext cx="8556840" cy="1650240"/>
           </a:xfrm>
           <a:prstGeom prst="rect">
             <a:avLst/>
@@ -3366,7 +3366,7 @@
         <p:spPr>
           <a:xfrm>
             <a:off x="792000" y="5904000"/>
-            <a:ext cx="8557560" cy="972000"/>
+            <a:ext cx="8556840" cy="971280"/>
           </a:xfrm>
           <a:prstGeom prst="rect">
             <a:avLst/>
@@ -3474,7 +3474,7 @@
         <p:spPr>
           <a:xfrm>
             <a:off x="720000" y="300960"/>
-            <a:ext cx="8845200" cy="1252080"/>
+            <a:ext cx="8844480" cy="1251360"/>
           </a:xfrm>
           <a:prstGeom prst="rect">
             <a:avLst/>
@@ -3518,7 +3518,7 @@
         <p:spPr>
           <a:xfrm>
             <a:off x="720000" y="2160000"/>
-            <a:ext cx="8629560" cy="4374360"/>
+            <a:ext cx="8628840" cy="4373640"/>
           </a:xfrm>
           <a:prstGeom prst="rect">
             <a:avLst/>
@@ -4406,7 +4406,7 @@
         <p:spPr>
           <a:xfrm>
             <a:off x="720000" y="300960"/>
-            <a:ext cx="8845200" cy="1252080"/>
+            <a:ext cx="8844480" cy="1251360"/>
           </a:xfrm>
           <a:prstGeom prst="rect">
             <a:avLst/>
@@ -4450,7 +4450,7 @@
         <p:spPr>
           <a:xfrm>
             <a:off x="720000" y="2160000"/>
-            <a:ext cx="8629560" cy="4374360"/>
+            <a:ext cx="8628840" cy="4373640"/>
           </a:xfrm>
           <a:prstGeom prst="rect">
             <a:avLst/>
@@ -5518,7 +5518,7 @@
         <p:spPr>
           <a:xfrm>
             <a:off x="720000" y="300960"/>
-            <a:ext cx="8845200" cy="1252080"/>
+            <a:ext cx="8844480" cy="1251360"/>
           </a:xfrm>
           <a:prstGeom prst="rect">
             <a:avLst/>
@@ -5562,7 +5562,7 @@
         <p:spPr>
           <a:xfrm>
             <a:off x="720000" y="2160000"/>
-            <a:ext cx="8629560" cy="4374360"/>
+            <a:ext cx="8628840" cy="4373640"/>
           </a:xfrm>
           <a:prstGeom prst="rect">
             <a:avLst/>
@@ -5581,7 +5581,7 @@
         <p:txBody>
           <a:bodyPr lIns="0" rIns="0" tIns="0" bIns="0"/>
           <a:p>
-            <a:pPr marL="432000" indent="-313560">
+            <a:pPr marL="432000" indent="-312840">
               <a:lnSpc>
                 <a:spcPct val="100000"/>
               </a:lnSpc>
@@ -5610,7 +5610,7 @@
             </a:endParaRPr>
           </a:p>
           <a:p>
-            <a:pPr marL="432000" indent="-313560">
+            <a:pPr marL="432000" indent="-312840">
               <a:lnSpc>
                 <a:spcPct val="100000"/>
               </a:lnSpc>
@@ -5639,7 +5639,7 @@
             </a:endParaRPr>
           </a:p>
           <a:p>
-            <a:pPr marL="432000" indent="-313560">
+            <a:pPr marL="432000" indent="-312840">
               <a:lnSpc>
                 <a:spcPct val="100000"/>
               </a:lnSpc>
@@ -5668,7 +5668,7 @@
             </a:endParaRPr>
           </a:p>
           <a:p>
-            <a:pPr marL="432000" indent="-313560">
+            <a:pPr marL="432000" indent="-312840">
               <a:lnSpc>
                 <a:spcPct val="100000"/>
               </a:lnSpc>
@@ -5697,7 +5697,7 @@
             </a:endParaRPr>
           </a:p>
           <a:p>
-            <a:pPr marL="432000" indent="-313560">
+            <a:pPr marL="432000" indent="-312840">
               <a:lnSpc>
                 <a:spcPct val="100000"/>
               </a:lnSpc>
@@ -5785,7 +5785,7 @@
         <p:spPr>
           <a:xfrm>
             <a:off x="720000" y="300960"/>
-            <a:ext cx="8845200" cy="1252080"/>
+            <a:ext cx="8844480" cy="1251360"/>
           </a:xfrm>
           <a:prstGeom prst="rect">
             <a:avLst/>
@@ -5829,7 +5829,7 @@
         <p:spPr>
           <a:xfrm>
             <a:off x="720000" y="1944000"/>
-            <a:ext cx="8629560" cy="4374360"/>
+            <a:ext cx="8628840" cy="4373640"/>
           </a:xfrm>
           <a:prstGeom prst="rect">
             <a:avLst/>
@@ -5848,7 +5848,7 @@
         <p:txBody>
           <a:bodyPr lIns="0" rIns="0" tIns="0" bIns="0"/>
           <a:p>
-            <a:pPr marL="432000" indent="-313560">
+            <a:pPr marL="432000" indent="-312840">
               <a:lnSpc>
                 <a:spcPct val="100000"/>
               </a:lnSpc>
@@ -5877,7 +5877,7 @@
             </a:endParaRPr>
           </a:p>
           <a:p>
-            <a:pPr marL="432000" indent="-313560">
+            <a:pPr marL="432000" indent="-312840">
               <a:lnSpc>
                 <a:spcPct val="100000"/>
               </a:lnSpc>
@@ -5906,7 +5906,7 @@
             </a:endParaRPr>
           </a:p>
           <a:p>
-            <a:pPr marL="432000" indent="-313560">
+            <a:pPr marL="432000" indent="-312840">
               <a:lnSpc>
                 <a:spcPct val="100000"/>
               </a:lnSpc>
@@ -5935,7 +5935,7 @@
             </a:endParaRPr>
           </a:p>
           <a:p>
-            <a:pPr marL="432000" indent="-313560">
+            <a:pPr marL="432000" indent="-312840">
               <a:lnSpc>
                 <a:spcPct val="100000"/>
               </a:lnSpc>
@@ -5964,7 +5964,7 @@
             </a:endParaRPr>
           </a:p>
           <a:p>
-            <a:pPr marL="432000" indent="-313560">
+            <a:pPr marL="432000" indent="-312840">
               <a:lnSpc>
                 <a:spcPct val="100000"/>
               </a:lnSpc>
@@ -6092,7 +6092,7 @@
         <p:spPr>
           <a:xfrm>
             <a:off x="720000" y="300960"/>
-            <a:ext cx="8845200" cy="1252080"/>
+            <a:ext cx="8844480" cy="1251360"/>
           </a:xfrm>
           <a:prstGeom prst="rect">
             <a:avLst/>
@@ -6136,7 +6136,7 @@
         <p:spPr>
           <a:xfrm>
             <a:off x="720000" y="2160000"/>
-            <a:ext cx="8629560" cy="4374360"/>
+            <a:ext cx="8628840" cy="4373640"/>
           </a:xfrm>
           <a:prstGeom prst="rect">
             <a:avLst/>
@@ -6556,7 +6556,7 @@
         <p:spPr>
           <a:xfrm>
             <a:off x="720000" y="300960"/>
-            <a:ext cx="8845200" cy="1252080"/>
+            <a:ext cx="8844480" cy="1251360"/>
           </a:xfrm>
           <a:prstGeom prst="rect">
             <a:avLst/>
@@ -6600,7 +6600,7 @@
         <p:spPr>
           <a:xfrm>
             <a:off x="720000" y="2160000"/>
-            <a:ext cx="8629560" cy="4374360"/>
+            <a:ext cx="8628840" cy="4373640"/>
           </a:xfrm>
           <a:prstGeom prst="rect">
             <a:avLst/>
@@ -6619,7 +6619,7 @@
         <p:txBody>
           <a:bodyPr lIns="0" rIns="0" tIns="0" bIns="0"/>
           <a:p>
-            <a:pPr marL="432000" indent="-313560">
+            <a:pPr marL="432000" indent="-312840">
               <a:lnSpc>
                 <a:spcPct val="100000"/>
               </a:lnSpc>
@@ -6648,7 +6648,7 @@
             </a:endParaRPr>
           </a:p>
           <a:p>
-            <a:pPr marL="432000" indent="-313560">
+            <a:pPr marL="432000" indent="-312840">
               <a:lnSpc>
                 <a:spcPct val="100000"/>
               </a:lnSpc>
@@ -6677,7 +6677,7 @@
             </a:endParaRPr>
           </a:p>
           <a:p>
-            <a:pPr marL="432000" indent="-313560">
+            <a:pPr marL="432000" indent="-312840">
               <a:lnSpc>
                 <a:spcPct val="100000"/>
               </a:lnSpc>
@@ -6717,7 +6717,7 @@
             </a:endParaRPr>
           </a:p>
           <a:p>
-            <a:pPr marL="432000" indent="-313560">
+            <a:pPr marL="432000" indent="-312840">
               <a:lnSpc>
                 <a:spcPct val="100000"/>
               </a:lnSpc>
@@ -6746,7 +6746,7 @@
             </a:endParaRPr>
           </a:p>
           <a:p>
-            <a:pPr marL="432000" indent="-313560">
+            <a:pPr marL="432000" indent="-312840">
               <a:lnSpc>
                 <a:spcPct val="100000"/>
               </a:lnSpc>
@@ -6775,7 +6775,7 @@
             </a:endParaRPr>
           </a:p>
           <a:p>
-            <a:pPr marL="432000" indent="-313560">
+            <a:pPr marL="432000" indent="-312840">
               <a:lnSpc>
                 <a:spcPct val="100000"/>
               </a:lnSpc>
@@ -6863,7 +6863,7 @@
         <p:spPr>
           <a:xfrm>
             <a:off x="720000" y="300960"/>
-            <a:ext cx="8845200" cy="1252080"/>
+            <a:ext cx="8844480" cy="1251360"/>
           </a:xfrm>
           <a:prstGeom prst="rect">
             <a:avLst/>
@@ -6907,7 +6907,7 @@
         <p:spPr>
           <a:xfrm>
             <a:off x="720000" y="1908000"/>
-            <a:ext cx="8629560" cy="4714200"/>
+            <a:ext cx="8628840" cy="4713480"/>
           </a:xfrm>
           <a:prstGeom prst="rect">
             <a:avLst/>
@@ -6926,7 +6926,7 @@
         <p:txBody>
           <a:bodyPr lIns="0" rIns="0" tIns="0" bIns="0"/>
           <a:p>
-            <a:pPr marL="432000" indent="-313560">
+            <a:pPr marL="432000" indent="-312840">
               <a:lnSpc>
                 <a:spcPct val="100000"/>
               </a:lnSpc>
@@ -6975,7 +6975,7 @@
             </a:endParaRPr>
           </a:p>
           <a:p>
-            <a:pPr marL="432000" indent="-313560">
+            <a:pPr marL="432000" indent="-312840">
               <a:lnSpc>
                 <a:spcPct val="100000"/>
               </a:lnSpc>
@@ -7105,7 +7105,7 @@
             </a:endParaRPr>
           </a:p>
           <a:p>
-            <a:pPr marL="432000" indent="-313560">
+            <a:pPr marL="432000" indent="-312840">
               <a:lnSpc>
                 <a:spcPct val="100000"/>
               </a:lnSpc>
@@ -7213,7 +7213,7 @@
         <p:spPr>
           <a:xfrm>
             <a:off x="720000" y="300960"/>
-            <a:ext cx="8845200" cy="1252080"/>
+            <a:ext cx="8844480" cy="1251360"/>
           </a:xfrm>
           <a:prstGeom prst="rect">
             <a:avLst/>
@@ -7257,7 +7257,7 @@
         <p:spPr>
           <a:xfrm>
             <a:off x="720000" y="2160000"/>
-            <a:ext cx="8629560" cy="4374360"/>
+            <a:ext cx="8628840" cy="4373640"/>
           </a:xfrm>
           <a:prstGeom prst="rect">
             <a:avLst/>
@@ -7540,7 +7540,7 @@
         <p:spPr>
           <a:xfrm>
             <a:off x="720000" y="300960"/>
-            <a:ext cx="8845200" cy="1252080"/>
+            <a:ext cx="8844480" cy="1251360"/>
           </a:xfrm>
           <a:prstGeom prst="rect">
             <a:avLst/>
@@ -7584,7 +7584,7 @@
         <p:spPr>
           <a:xfrm>
             <a:off x="720000" y="1764000"/>
-            <a:ext cx="8629560" cy="4374360"/>
+            <a:ext cx="8628840" cy="4373640"/>
           </a:xfrm>
           <a:prstGeom prst="rect">
             <a:avLst/>
@@ -8238,7 +8238,7 @@
         <p:spPr>
           <a:xfrm>
             <a:off x="720000" y="300960"/>
-            <a:ext cx="8845200" cy="1252080"/>
+            <a:ext cx="8844480" cy="1251360"/>
           </a:xfrm>
           <a:prstGeom prst="rect">
             <a:avLst/>
@@ -8282,7 +8282,7 @@
         <p:spPr>
           <a:xfrm>
             <a:off x="720000" y="2160000"/>
-            <a:ext cx="8629560" cy="4374360"/>
+            <a:ext cx="8628840" cy="4373640"/>
           </a:xfrm>
           <a:prstGeom prst="rect">
             <a:avLst/>
@@ -8795,7 +8795,7 @@
         <p:spPr>
           <a:xfrm>
             <a:off x="720000" y="300960"/>
-            <a:ext cx="8845200" cy="1252080"/>
+            <a:ext cx="8844480" cy="1251360"/>
           </a:xfrm>
           <a:prstGeom prst="rect">
             <a:avLst/>
@@ -8839,7 +8839,7 @@
         <p:spPr>
           <a:xfrm>
             <a:off x="720000" y="1656000"/>
-            <a:ext cx="8629560" cy="5394960"/>
+            <a:ext cx="8628840" cy="5394240"/>
           </a:xfrm>
           <a:prstGeom prst="rect">
             <a:avLst/>
@@ -8858,7 +8858,7 @@
         <p:txBody>
           <a:bodyPr lIns="0" rIns="0" tIns="0" bIns="0"/>
           <a:p>
-            <a:pPr marL="432000" indent="-313560">
+            <a:pPr marL="432000" indent="-312840">
               <a:lnSpc>
                 <a:spcPct val="100000"/>
               </a:lnSpc>
@@ -8887,7 +8887,7 @@
             </a:endParaRPr>
           </a:p>
           <a:p>
-            <a:pPr marL="432000" indent="-313560">
+            <a:pPr marL="432000" indent="-312840">
               <a:lnSpc>
                 <a:spcPct val="100000"/>
               </a:lnSpc>
@@ -8916,7 +8916,7 @@
             </a:endParaRPr>
           </a:p>
           <a:p>
-            <a:pPr marL="432000" indent="-313560">
+            <a:pPr marL="432000" indent="-312840">
               <a:lnSpc>
                 <a:spcPct val="100000"/>
               </a:lnSpc>
@@ -8945,7 +8945,7 @@
             </a:endParaRPr>
           </a:p>
           <a:p>
-            <a:pPr marL="432000" indent="-313560">
+            <a:pPr marL="432000" indent="-312840">
               <a:lnSpc>
                 <a:spcPct val="100000"/>
               </a:lnSpc>
@@ -8974,7 +8974,7 @@
             </a:endParaRPr>
           </a:p>
           <a:p>
-            <a:pPr marL="432000" indent="-313560">
+            <a:pPr marL="432000" indent="-312840">
               <a:lnSpc>
                 <a:spcPct val="100000"/>
               </a:lnSpc>
@@ -9013,7 +9013,7 @@
             </a:endParaRPr>
           </a:p>
           <a:p>
-            <a:pPr marL="432000" indent="-313560">
+            <a:pPr marL="432000" indent="-312840">
               <a:lnSpc>
                 <a:spcPct val="100000"/>
               </a:lnSpc>
@@ -9042,7 +9042,7 @@
             </a:endParaRPr>
           </a:p>
           <a:p>
-            <a:pPr marL="432000" indent="-313560">
+            <a:pPr marL="432000" indent="-312840">
               <a:lnSpc>
                 <a:spcPct val="100000"/>
               </a:lnSpc>
@@ -9071,7 +9071,7 @@
             </a:endParaRPr>
           </a:p>
           <a:p>
-            <a:pPr marL="432000" indent="-313560">
+            <a:pPr marL="432000" indent="-312840">
               <a:lnSpc>
                 <a:spcPct val="100000"/>
               </a:lnSpc>
@@ -9100,7 +9100,7 @@
             </a:endParaRPr>
           </a:p>
           <a:p>
-            <a:pPr marL="432000" indent="-313560">
+            <a:pPr marL="432000" indent="-312840">
               <a:lnSpc>
                 <a:spcPct val="100000"/>
               </a:lnSpc>
@@ -9129,7 +9129,7 @@
             </a:endParaRPr>
           </a:p>
           <a:p>
-            <a:pPr marL="432000" indent="-313560">
+            <a:pPr marL="432000" indent="-312840">
               <a:lnSpc>
                 <a:spcPct val="100000"/>
               </a:lnSpc>
@@ -9217,7 +9217,7 @@
         <p:spPr>
           <a:xfrm>
             <a:off x="720000" y="300960"/>
-            <a:ext cx="8845200" cy="1252080"/>
+            <a:ext cx="8844480" cy="1251360"/>
           </a:xfrm>
           <a:prstGeom prst="rect">
             <a:avLst/>
@@ -9261,7 +9261,7 @@
         <p:spPr>
           <a:xfrm>
             <a:off x="720000" y="1800000"/>
-            <a:ext cx="8629560" cy="5318280"/>
+            <a:ext cx="8628840" cy="5317560"/>
           </a:xfrm>
           <a:prstGeom prst="rect">
             <a:avLst/>
@@ -9929,7 +9929,7 @@
         <p:spPr>
           <a:xfrm>
             <a:off x="720000" y="300960"/>
-            <a:ext cx="8845200" cy="1252080"/>
+            <a:ext cx="8844480" cy="1251360"/>
           </a:xfrm>
           <a:prstGeom prst="rect">
             <a:avLst/>
@@ -9973,7 +9973,7 @@
         <p:spPr>
           <a:xfrm>
             <a:off x="720000" y="1800000"/>
-            <a:ext cx="8629560" cy="5318280"/>
+            <a:ext cx="8628840" cy="5317560"/>
           </a:xfrm>
           <a:prstGeom prst="rect">
             <a:avLst/>
@@ -10523,7 +10523,7 @@
         <p:spPr>
           <a:xfrm>
             <a:off x="720000" y="300960"/>
-            <a:ext cx="8845200" cy="1252080"/>
+            <a:ext cx="8844480" cy="1251360"/>
           </a:xfrm>
           <a:prstGeom prst="rect">
             <a:avLst/>
@@ -10567,7 +10567,7 @@
         <p:spPr>
           <a:xfrm>
             <a:off x="720000" y="2160000"/>
-            <a:ext cx="8629560" cy="4374360"/>
+            <a:ext cx="8628840" cy="4373640"/>
           </a:xfrm>
           <a:prstGeom prst="rect">
             <a:avLst/>
@@ -11245,7 +11245,7 @@
         <p:spPr>
           <a:xfrm>
             <a:off x="720000" y="300960"/>
-            <a:ext cx="8845200" cy="1252080"/>
+            <a:ext cx="8844480" cy="1251360"/>
           </a:xfrm>
           <a:prstGeom prst="rect">
             <a:avLst/>
@@ -11289,7 +11289,7 @@
         <p:spPr>
           <a:xfrm>
             <a:off x="720000" y="1944000"/>
-            <a:ext cx="8629560" cy="4374360"/>
+            <a:ext cx="8628840" cy="4373640"/>
           </a:xfrm>
           <a:prstGeom prst="rect">
             <a:avLst/>
@@ -11308,7 +11308,7 @@
         <p:txBody>
           <a:bodyPr lIns="0" rIns="0" tIns="0" bIns="0"/>
           <a:p>
-            <a:pPr marL="432000" indent="-313560">
+            <a:pPr marL="432000" indent="-312840">
               <a:lnSpc>
                 <a:spcPct val="100000"/>
               </a:lnSpc>
@@ -11377,7 +11377,7 @@
             </a:endParaRPr>
           </a:p>
           <a:p>
-            <a:pPr marL="432000" indent="-313560">
+            <a:pPr marL="432000" indent="-312840">
               <a:lnSpc>
                 <a:spcPct val="100000"/>
               </a:lnSpc>
@@ -11406,7 +11406,7 @@
             </a:endParaRPr>
           </a:p>
           <a:p>
-            <a:pPr marL="432000" indent="-313560">
+            <a:pPr marL="432000" indent="-312840">
               <a:lnSpc>
                 <a:spcPct val="100000"/>
               </a:lnSpc>
@@ -11435,7 +11435,7 @@
             </a:endParaRPr>
           </a:p>
           <a:p>
-            <a:pPr marL="432000" indent="-313560">
+            <a:pPr marL="432000" indent="-312840">
               <a:lnSpc>
                 <a:spcPct val="100000"/>
               </a:lnSpc>
@@ -11523,7 +11523,7 @@
         <p:spPr>
           <a:xfrm>
             <a:off x="720000" y="300960"/>
-            <a:ext cx="8845200" cy="1252080"/>
+            <a:ext cx="8844480" cy="1251360"/>
           </a:xfrm>
           <a:prstGeom prst="rect">
             <a:avLst/>
@@ -11567,7 +11567,7 @@
         <p:spPr>
           <a:xfrm>
             <a:off x="720000" y="1692000"/>
-            <a:ext cx="8629560" cy="5214600"/>
+            <a:ext cx="8628840" cy="5213880"/>
           </a:xfrm>
           <a:prstGeom prst="rect">
             <a:avLst/>
@@ -11586,7 +11586,7 @@
         <p:txBody>
           <a:bodyPr lIns="0" rIns="0" tIns="0" bIns="0"/>
           <a:p>
-            <a:pPr marL="432000" indent="-313560">
+            <a:pPr marL="432000" indent="-312840">
               <a:lnSpc>
                 <a:spcPct val="100000"/>
               </a:lnSpc>
@@ -12334,7 +12334,7 @@
         <p:spPr>
           <a:xfrm>
             <a:off x="720000" y="300960"/>
-            <a:ext cx="8845200" cy="1252080"/>
+            <a:ext cx="8844480" cy="1251360"/>
           </a:xfrm>
           <a:prstGeom prst="rect">
             <a:avLst/>
@@ -12378,7 +12378,7 @@
         <p:spPr>
           <a:xfrm>
             <a:off x="720000" y="1980000"/>
-            <a:ext cx="8629560" cy="4783320"/>
+            <a:ext cx="8628840" cy="4782600"/>
           </a:xfrm>
           <a:prstGeom prst="rect">
             <a:avLst/>
@@ -12397,7 +12397,7 @@
         <p:txBody>
           <a:bodyPr lIns="0" rIns="0" tIns="0" bIns="0"/>
           <a:p>
-            <a:pPr marL="432000" indent="-313560">
+            <a:pPr marL="432000" indent="-312840">
               <a:lnSpc>
                 <a:spcPct val="100000"/>
               </a:lnSpc>
@@ -12968,7 +12968,7 @@
         <p:spPr>
           <a:xfrm>
             <a:off x="720000" y="300960"/>
-            <a:ext cx="8845200" cy="1252080"/>
+            <a:ext cx="8844480" cy="1251360"/>
           </a:xfrm>
           <a:prstGeom prst="rect">
             <a:avLst/>
@@ -13012,7 +13012,7 @@
         <p:spPr>
           <a:xfrm>
             <a:off x="720000" y="2160000"/>
-            <a:ext cx="8629560" cy="4374360"/>
+            <a:ext cx="8628840" cy="4373640"/>
           </a:xfrm>
           <a:prstGeom prst="rect">
             <a:avLst/>
@@ -13031,7 +13031,7 @@
         <p:txBody>
           <a:bodyPr lIns="0" rIns="0" tIns="0" bIns="0"/>
           <a:p>
-            <a:pPr marL="432000" indent="-313560">
+            <a:pPr marL="432000" indent="-312840">
               <a:lnSpc>
                 <a:spcPct val="100000"/>
               </a:lnSpc>
@@ -13120,7 +13120,7 @@
             </a:endParaRPr>
           </a:p>
           <a:p>
-            <a:pPr marL="432000" indent="-313560">
+            <a:pPr marL="432000" indent="-312840">
               <a:lnSpc>
                 <a:spcPct val="100000"/>
               </a:lnSpc>
@@ -13308,7 +13308,7 @@
         <p:spPr>
           <a:xfrm>
             <a:off x="720000" y="300960"/>
-            <a:ext cx="8845200" cy="1252080"/>
+            <a:ext cx="8844480" cy="1251360"/>
           </a:xfrm>
           <a:prstGeom prst="rect">
             <a:avLst/>
@@ -13352,7 +13352,7 @@
         <p:spPr>
           <a:xfrm>
             <a:off x="720000" y="1584000"/>
-            <a:ext cx="8629560" cy="5323320"/>
+            <a:ext cx="8628840" cy="5322600"/>
           </a:xfrm>
           <a:prstGeom prst="rect">
             <a:avLst/>
@@ -13371,7 +13371,7 @@
         <p:txBody>
           <a:bodyPr lIns="0" rIns="0" tIns="0" bIns="0"/>
           <a:p>
-            <a:pPr marL="432000" indent="-313560">
+            <a:pPr marL="432000" indent="-312840">
               <a:lnSpc>
                 <a:spcPct val="100000"/>
               </a:lnSpc>
@@ -13420,7 +13420,7 @@
             </a:endParaRPr>
           </a:p>
           <a:p>
-            <a:pPr marL="432000" indent="-313560">
+            <a:pPr marL="432000" indent="-312840">
               <a:lnSpc>
                 <a:spcPct val="100000"/>
               </a:lnSpc>
@@ -13480,7 +13480,7 @@
             </a:endParaRPr>
           </a:p>
           <a:p>
-            <a:pPr marL="432000" indent="-313560">
+            <a:pPr marL="432000" indent="-312840">
               <a:lnSpc>
                 <a:spcPct val="100000"/>
               </a:lnSpc>
@@ -13529,7 +13529,7 @@
             </a:endParaRPr>
           </a:p>
           <a:p>
-            <a:pPr marL="432000" indent="-313560">
+            <a:pPr marL="432000" indent="-312840">
               <a:lnSpc>
                 <a:spcPct val="100000"/>
               </a:lnSpc>
@@ -13578,7 +13578,7 @@
             </a:endParaRPr>
           </a:p>
           <a:p>
-            <a:pPr marL="432000" indent="-313560">
+            <a:pPr marL="432000" indent="-312840">
               <a:lnSpc>
                 <a:spcPct val="100000"/>
               </a:lnSpc>
@@ -13607,7 +13607,7 @@
             </a:endParaRPr>
           </a:p>
           <a:p>
-            <a:pPr marL="432000" indent="-313560">
+            <a:pPr marL="432000" indent="-312840">
               <a:lnSpc>
                 <a:spcPct val="100000"/>
               </a:lnSpc>
@@ -13696,7 +13696,7 @@
         <p:spPr>
           <a:xfrm>
             <a:off x="720000" y="300960"/>
-            <a:ext cx="8845200" cy="1252080"/>
+            <a:ext cx="8844480" cy="1251360"/>
           </a:xfrm>
           <a:prstGeom prst="rect">
             <a:avLst/>
@@ -13740,7 +13740,7 @@
         <p:spPr>
           <a:xfrm>
             <a:off x="720000" y="1404000"/>
-            <a:ext cx="8629560" cy="5646240"/>
+            <a:ext cx="8628840" cy="5645520"/>
           </a:xfrm>
           <a:prstGeom prst="rect">
             <a:avLst/>
@@ -14978,7 +14978,7 @@
         <p:spPr>
           <a:xfrm>
             <a:off x="720000" y="300960"/>
-            <a:ext cx="8845200" cy="1252080"/>
+            <a:ext cx="8844480" cy="1251360"/>
           </a:xfrm>
           <a:prstGeom prst="rect">
             <a:avLst/>
@@ -15022,7 +15022,7 @@
         <p:spPr>
           <a:xfrm>
             <a:off x="720000" y="1872000"/>
-            <a:ext cx="8629560" cy="4566240"/>
+            <a:ext cx="8628840" cy="4565520"/>
           </a:xfrm>
           <a:prstGeom prst="rect">
             <a:avLst/>
@@ -15800,7 +15800,7 @@
         <p:spPr>
           <a:xfrm>
             <a:off x="720000" y="300960"/>
-            <a:ext cx="8845200" cy="1252080"/>
+            <a:ext cx="8844480" cy="1251360"/>
           </a:xfrm>
           <a:prstGeom prst="rect">
             <a:avLst/>
@@ -15844,7 +15844,7 @@
         <p:spPr>
           <a:xfrm>
             <a:off x="720000" y="2052000"/>
-            <a:ext cx="8629560" cy="4374360"/>
+            <a:ext cx="8628840" cy="4373640"/>
           </a:xfrm>
           <a:prstGeom prst="rect">
             <a:avLst/>
@@ -15863,7 +15863,7 @@
         <p:txBody>
           <a:bodyPr lIns="0" rIns="0" tIns="0" bIns="0"/>
           <a:p>
-            <a:pPr marL="432000" indent="-313560">
+            <a:pPr marL="432000" indent="-312840">
               <a:lnSpc>
                 <a:spcPct val="100000"/>
               </a:lnSpc>
@@ -15925,7 +15925,7 @@
             </a:endParaRPr>
           </a:p>
           <a:p>
-            <a:pPr marL="432000" indent="-313560">
+            <a:pPr marL="432000" indent="-312840">
               <a:lnSpc>
                 <a:spcPct val="100000"/>
               </a:lnSpc>
@@ -15965,7 +15965,7 @@
             </a:endParaRPr>
           </a:p>
           <a:p>
-            <a:pPr marL="432000" indent="-313560">
+            <a:pPr marL="432000" indent="-312840">
               <a:lnSpc>
                 <a:spcPct val="100000"/>
               </a:lnSpc>
@@ -16005,7 +16005,7 @@
             </a:endParaRPr>
           </a:p>
           <a:p>
-            <a:pPr marL="432000" indent="-313560">
+            <a:pPr marL="432000" indent="-312840">
               <a:lnSpc>
                 <a:spcPct val="100000"/>
               </a:lnSpc>
@@ -16117,7 +16117,7 @@
         <p:spPr>
           <a:xfrm>
             <a:off x="720000" y="300960"/>
-            <a:ext cx="8845200" cy="1252080"/>
+            <a:ext cx="8844480" cy="1251360"/>
           </a:xfrm>
           <a:prstGeom prst="rect">
             <a:avLst/>
@@ -16161,7 +16161,7 @@
         <p:spPr>
           <a:xfrm>
             <a:off x="720000" y="1944000"/>
-            <a:ext cx="8629560" cy="4710240"/>
+            <a:ext cx="8628840" cy="4709520"/>
           </a:xfrm>
           <a:prstGeom prst="rect">
             <a:avLst/>
@@ -17029,7 +17029,7 @@
         <p:spPr>
           <a:xfrm>
             <a:off x="720000" y="300960"/>
-            <a:ext cx="8845200" cy="1252080"/>
+            <a:ext cx="8844480" cy="1251360"/>
           </a:xfrm>
           <a:prstGeom prst="rect">
             <a:avLst/>
@@ -17073,7 +17073,7 @@
         <p:spPr>
           <a:xfrm>
             <a:off x="720000" y="2052000"/>
-            <a:ext cx="8629560" cy="4422240"/>
+            <a:ext cx="8628840" cy="4421520"/>
           </a:xfrm>
           <a:prstGeom prst="rect">
             <a:avLst/>
@@ -17541,7 +17541,7 @@
         <p:spPr>
           <a:xfrm>
             <a:off x="720000" y="300960"/>
-            <a:ext cx="8845200" cy="1252080"/>
+            <a:ext cx="8844480" cy="1251360"/>
           </a:xfrm>
           <a:prstGeom prst="rect">
             <a:avLst/>
@@ -17585,7 +17585,7 @@
         <p:spPr>
           <a:xfrm>
             <a:off x="720000" y="1692000"/>
-            <a:ext cx="8629560" cy="4374360"/>
+            <a:ext cx="8628840" cy="4373640"/>
           </a:xfrm>
           <a:prstGeom prst="rect">
             <a:avLst/>
@@ -17604,7 +17604,7 @@
         <p:txBody>
           <a:bodyPr lIns="0" rIns="0" tIns="0" bIns="0"/>
           <a:p>
-            <a:pPr marL="432000" indent="-313560">
+            <a:pPr marL="432000" indent="-312840">
               <a:lnSpc>
                 <a:spcPct val="100000"/>
               </a:lnSpc>
@@ -17653,7 +17653,7 @@
             </a:endParaRPr>
           </a:p>
           <a:p>
-            <a:pPr marL="432000" indent="-313560">
+            <a:pPr marL="432000" indent="-312840">
               <a:lnSpc>
                 <a:spcPct val="100000"/>
               </a:lnSpc>
@@ -17693,7 +17693,7 @@
             </a:endParaRPr>
           </a:p>
           <a:p>
-            <a:pPr marL="432000" indent="-313560">
+            <a:pPr marL="432000" indent="-312840">
               <a:lnSpc>
                 <a:spcPct val="100000"/>
               </a:lnSpc>
@@ -17722,7 +17722,7 @@
             </a:endParaRPr>
           </a:p>
           <a:p>
-            <a:pPr marL="432000" indent="-313560">
+            <a:pPr marL="432000" indent="-312840">
               <a:lnSpc>
                 <a:spcPct val="100000"/>
               </a:lnSpc>
@@ -17771,7 +17771,7 @@
             </a:endParaRPr>
           </a:p>
           <a:p>
-            <a:pPr marL="432000" indent="-313560">
+            <a:pPr marL="432000" indent="-312840">
               <a:lnSpc>
                 <a:spcPct val="100000"/>
               </a:lnSpc>
@@ -17869,7 +17869,7 @@
         <p:spPr>
           <a:xfrm>
             <a:off x="720000" y="300960"/>
-            <a:ext cx="8845200" cy="1252080"/>
+            <a:ext cx="8844480" cy="1251360"/>
           </a:xfrm>
           <a:prstGeom prst="rect">
             <a:avLst/>
@@ -17913,7 +17913,7 @@
         <p:spPr>
           <a:xfrm>
             <a:off x="720000" y="1404000"/>
-            <a:ext cx="8629560" cy="5646240"/>
+            <a:ext cx="8628840" cy="5645520"/>
           </a:xfrm>
           <a:prstGeom prst="rect">
             <a:avLst/>
@@ -19437,7 +19437,7 @@
         <p:spPr>
           <a:xfrm>
             <a:off x="720000" y="300960"/>
-            <a:ext cx="8845200" cy="1252080"/>
+            <a:ext cx="8844480" cy="1251360"/>
           </a:xfrm>
           <a:prstGeom prst="rect">
             <a:avLst/>
@@ -19481,7 +19481,7 @@
         <p:spPr>
           <a:xfrm>
             <a:off x="964440" y="2160000"/>
-            <a:ext cx="8140680" cy="2868840"/>
+            <a:ext cx="8139960" cy="2868120"/>
           </a:xfrm>
           <a:prstGeom prst="rect">
             <a:avLst/>
@@ -19505,7 +19505,7 @@
             </a:endParaRPr>
           </a:p>
           <a:p>
-            <a:pPr marL="432000" indent="-313560">
+            <a:pPr marL="432000" indent="-312840">
               <a:lnSpc>
                 <a:spcPct val="100000"/>
               </a:lnSpc>
@@ -19534,7 +19534,7 @@
             </a:endParaRPr>
           </a:p>
           <a:p>
-            <a:pPr marL="432000" indent="-313560">
+            <a:pPr marL="432000" indent="-312840">
               <a:lnSpc>
                 <a:spcPct val="100000"/>
               </a:lnSpc>
@@ -19563,7 +19563,7 @@
             </a:endParaRPr>
           </a:p>
           <a:p>
-            <a:pPr marL="432000" indent="-313560">
+            <a:pPr marL="432000" indent="-312840">
               <a:lnSpc>
                 <a:spcPct val="100000"/>
               </a:lnSpc>
@@ -19662,7 +19662,7 @@
         <p:spPr>
           <a:xfrm>
             <a:off x="720000" y="300960"/>
-            <a:ext cx="8845200" cy="1252080"/>
+            <a:ext cx="8844480" cy="1251360"/>
           </a:xfrm>
           <a:prstGeom prst="rect">
             <a:avLst/>
@@ -19706,7 +19706,7 @@
         <p:spPr>
           <a:xfrm>
             <a:off x="720000" y="2160000"/>
-            <a:ext cx="8629560" cy="4374360"/>
+            <a:ext cx="8628840" cy="4373640"/>
           </a:xfrm>
           <a:prstGeom prst="rect">
             <a:avLst/>
@@ -19755,7 +19755,7 @@
             </a:endParaRPr>
           </a:p>
           <a:p>
-            <a:pPr marL="432000" indent="-313560">
+            <a:pPr marL="432000" indent="-312840">
               <a:lnSpc>
                 <a:spcPct val="100000"/>
               </a:lnSpc>
@@ -19804,7 +19804,7 @@
             </a:endParaRPr>
           </a:p>
           <a:p>
-            <a:pPr marL="432000" indent="-313560">
+            <a:pPr marL="432000" indent="-312840">
               <a:lnSpc>
                 <a:spcPct val="100000"/>
               </a:lnSpc>
@@ -19914,7 +19914,7 @@
         <p:spPr>
           <a:xfrm>
             <a:off x="720000" y="300960"/>
-            <a:ext cx="8845200" cy="1252080"/>
+            <a:ext cx="8844480" cy="1251360"/>
           </a:xfrm>
           <a:prstGeom prst="rect">
             <a:avLst/>
@@ -19958,7 +19958,7 @@
         <p:spPr>
           <a:xfrm>
             <a:off x="720000" y="1836000"/>
-            <a:ext cx="8629560" cy="4712760"/>
+            <a:ext cx="8628840" cy="4712040"/>
           </a:xfrm>
           <a:prstGeom prst="rect">
             <a:avLst/>
@@ -19977,7 +19977,7 @@
         <p:txBody>
           <a:bodyPr lIns="0" rIns="0" tIns="0" bIns="0"/>
           <a:p>
-            <a:pPr marL="432000" indent="-313560">
+            <a:pPr marL="432000" indent="-312840">
               <a:lnSpc>
                 <a:spcPct val="100000"/>
               </a:lnSpc>
@@ -20057,7 +20057,7 @@
             </a:endParaRPr>
           </a:p>
           <a:p>
-            <a:pPr marL="432000" indent="-313560">
+            <a:pPr marL="432000" indent="-312840">
               <a:lnSpc>
                 <a:spcPct val="100000"/>
               </a:lnSpc>
@@ -20097,7 +20097,7 @@
             </a:endParaRPr>
           </a:p>
           <a:p>
-            <a:pPr marL="432000" indent="-313560">
+            <a:pPr marL="432000" indent="-312840">
               <a:lnSpc>
                 <a:spcPct val="100000"/>
               </a:lnSpc>
@@ -20137,7 +20137,7 @@
             </a:endParaRPr>
           </a:p>
           <a:p>
-            <a:pPr marL="432000" indent="-313560">
+            <a:pPr marL="432000" indent="-312840">
               <a:lnSpc>
                 <a:spcPct val="100000"/>
               </a:lnSpc>
@@ -20177,7 +20177,7 @@
             </a:endParaRPr>
           </a:p>
           <a:p>
-            <a:pPr marL="432000" indent="-313560">
+            <a:pPr marL="432000" indent="-312840">
               <a:lnSpc>
                 <a:spcPct val="100000"/>
               </a:lnSpc>
@@ -20217,7 +20217,7 @@
             </a:endParaRPr>
           </a:p>
           <a:p>
-            <a:pPr marL="432000" indent="-313560">
+            <a:pPr marL="432000" indent="-312840">
               <a:lnSpc>
                 <a:spcPct val="100000"/>
               </a:lnSpc>
@@ -20316,7 +20316,7 @@
         <p:spPr>
           <a:xfrm>
             <a:off x="720000" y="300960"/>
-            <a:ext cx="8845200" cy="1252080"/>
+            <a:ext cx="8844480" cy="1251360"/>
           </a:xfrm>
           <a:prstGeom prst="rect">
             <a:avLst/>
@@ -20360,7 +20360,7 @@
         <p:spPr>
           <a:xfrm>
             <a:off x="720000" y="2160000"/>
-            <a:ext cx="8629560" cy="4374360"/>
+            <a:ext cx="8628840" cy="4373640"/>
           </a:xfrm>
           <a:prstGeom prst="rect">
             <a:avLst/>
@@ -20379,7 +20379,7 @@
         <p:txBody>
           <a:bodyPr lIns="0" rIns="0" tIns="0" bIns="0"/>
           <a:p>
-            <a:pPr marL="432000" indent="-313560">
+            <a:pPr marL="432000" indent="-312840">
               <a:lnSpc>
                 <a:spcPct val="100000"/>
               </a:lnSpc>
@@ -20408,7 +20408,7 @@
             </a:endParaRPr>
           </a:p>
           <a:p>
-            <a:pPr marL="432000" indent="-313560">
+            <a:pPr marL="432000" indent="-312840">
               <a:lnSpc>
                 <a:spcPct val="100000"/>
               </a:lnSpc>
@@ -20437,7 +20437,7 @@
             </a:endParaRPr>
           </a:p>
           <a:p>
-            <a:pPr marL="432000" indent="-313560">
+            <a:pPr marL="432000" indent="-312840">
               <a:lnSpc>
                 <a:spcPct val="100000"/>
               </a:lnSpc>
@@ -20466,7 +20466,7 @@
             </a:endParaRPr>
           </a:p>
           <a:p>
-            <a:pPr marL="432000" indent="-313560">
+            <a:pPr marL="432000" indent="-312840">
               <a:lnSpc>
                 <a:spcPct val="100000"/>
               </a:lnSpc>
@@ -20554,7 +20554,7 @@
         <p:spPr>
           <a:xfrm>
             <a:off x="720000" y="300960"/>
-            <a:ext cx="8845200" cy="1252080"/>
+            <a:ext cx="8844480" cy="1251360"/>
           </a:xfrm>
           <a:prstGeom prst="rect">
             <a:avLst/>
@@ -20598,7 +20598,7 @@
         <p:spPr>
           <a:xfrm>
             <a:off x="720000" y="1836000"/>
-            <a:ext cx="8629560" cy="4998960"/>
+            <a:ext cx="8628840" cy="4998240"/>
           </a:xfrm>
           <a:prstGeom prst="rect">
             <a:avLst/>
@@ -20617,7 +20617,7 @@
         <p:txBody>
           <a:bodyPr lIns="0" rIns="0" tIns="0" bIns="0"/>
           <a:p>
-            <a:pPr marL="432000" indent="-313560">
+            <a:pPr marL="432000" indent="-312840">
               <a:lnSpc>
                 <a:spcPct val="100000"/>
               </a:lnSpc>
@@ -20677,7 +20677,7 @@
             </a:endParaRPr>
           </a:p>
           <a:p>
-            <a:pPr marL="432000" indent="-313560">
+            <a:pPr marL="432000" indent="-312840">
               <a:lnSpc>
                 <a:spcPct val="100000"/>
               </a:lnSpc>
@@ -20778,7 +20778,7 @@
             </a:endParaRPr>
           </a:p>
           <a:p>
-            <a:pPr marL="432000" indent="-313560">
+            <a:pPr marL="432000" indent="-312840">
               <a:lnSpc>
                 <a:spcPct val="100000"/>
               </a:lnSpc>
@@ -20866,7 +20866,7 @@
         <p:spPr>
           <a:xfrm>
             <a:off x="720000" y="300960"/>
-            <a:ext cx="8845200" cy="1252080"/>
+            <a:ext cx="8844480" cy="1251360"/>
           </a:xfrm>
           <a:prstGeom prst="rect">
             <a:avLst/>
@@ -20910,7 +20910,7 @@
         <p:spPr>
           <a:xfrm>
             <a:off x="720000" y="2160000"/>
-            <a:ext cx="8629560" cy="4374360"/>
+            <a:ext cx="8628840" cy="4373640"/>
           </a:xfrm>
           <a:prstGeom prst="rect">
             <a:avLst/>
@@ -21242,7 +21242,7 @@
         <p:spPr>
           <a:xfrm>
             <a:off x="720000" y="300960"/>
-            <a:ext cx="8845200" cy="1252080"/>
+            <a:ext cx="8844480" cy="1251360"/>
           </a:xfrm>
           <a:prstGeom prst="rect">
             <a:avLst/>
@@ -21286,7 +21286,7 @@
         <p:spPr>
           <a:xfrm>
             <a:off x="720000" y="1872000"/>
-            <a:ext cx="8629560" cy="4374360"/>
+            <a:ext cx="8628840" cy="4373640"/>
           </a:xfrm>
           <a:prstGeom prst="rect">
             <a:avLst/>
@@ -21305,7 +21305,7 @@
         <p:txBody>
           <a:bodyPr lIns="0" rIns="0" tIns="0" bIns="0"/>
           <a:p>
-            <a:pPr marL="432000" indent="-313560">
+            <a:pPr marL="432000" indent="-312840">
               <a:lnSpc>
                 <a:spcPct val="100000"/>
               </a:lnSpc>
@@ -21334,7 +21334,7 @@
             </a:endParaRPr>
           </a:p>
           <a:p>
-            <a:pPr marL="432000" indent="-313560">
+            <a:pPr marL="432000" indent="-312840">
               <a:lnSpc>
                 <a:spcPct val="100000"/>
               </a:lnSpc>
@@ -21363,7 +21363,7 @@
             </a:endParaRPr>
           </a:p>
           <a:p>
-            <a:pPr marL="432000" indent="-313560">
+            <a:pPr marL="432000" indent="-312840">
               <a:lnSpc>
                 <a:spcPct val="100000"/>
               </a:lnSpc>
@@ -21392,7 +21392,7 @@
             </a:endParaRPr>
           </a:p>
           <a:p>
-            <a:pPr marL="432000" indent="-313560">
+            <a:pPr marL="432000" indent="-312840">
               <a:lnSpc>
                 <a:spcPct val="100000"/>
               </a:lnSpc>
@@ -21480,7 +21480,7 @@
         <p:spPr>
           <a:xfrm>
             <a:off x="720000" y="300960"/>
-            <a:ext cx="8845200" cy="1252080"/>
+            <a:ext cx="8844480" cy="1251360"/>
           </a:xfrm>
           <a:prstGeom prst="rect">
             <a:avLst/>
@@ -21524,7 +21524,7 @@
         <p:spPr>
           <a:xfrm>
             <a:off x="720000" y="2160000"/>
-            <a:ext cx="8629560" cy="4374360"/>
+            <a:ext cx="8628840" cy="4373640"/>
           </a:xfrm>
           <a:prstGeom prst="rect">
             <a:avLst/>
@@ -21771,7 +21771,7 @@
         <p:spPr>
           <a:xfrm>
             <a:off x="720000" y="300960"/>
-            <a:ext cx="8845200" cy="1252080"/>
+            <a:ext cx="8844480" cy="1251360"/>
           </a:xfrm>
           <a:prstGeom prst="rect">
             <a:avLst/>
@@ -21815,7 +21815,7 @@
         <p:spPr>
           <a:xfrm>
             <a:off x="720000" y="2160000"/>
-            <a:ext cx="8629560" cy="4374360"/>
+            <a:ext cx="8628840" cy="4373640"/>
           </a:xfrm>
           <a:prstGeom prst="rect">
             <a:avLst/>
@@ -22149,7 +22149,7 @@
         <p:spPr>
           <a:xfrm>
             <a:off x="720000" y="240120"/>
-            <a:ext cx="8845200" cy="1373760"/>
+            <a:ext cx="8844480" cy="1373040"/>
           </a:xfrm>
           <a:prstGeom prst="rect">
             <a:avLst/>
@@ -22193,7 +22193,7 @@
         <p:spPr>
           <a:xfrm>
             <a:off x="720000" y="2484000"/>
-            <a:ext cx="8629560" cy="3739320"/>
+            <a:ext cx="8628840" cy="3738600"/>
           </a:xfrm>
           <a:prstGeom prst="rect">
             <a:avLst/>
@@ -22449,7 +22449,7 @@
         <p:spPr>
           <a:xfrm>
             <a:off x="720000" y="300960"/>
-            <a:ext cx="8845200" cy="1252080"/>
+            <a:ext cx="8844480" cy="1251360"/>
           </a:xfrm>
           <a:prstGeom prst="rect">
             <a:avLst/>
@@ -22493,7 +22493,7 @@
         <p:spPr>
           <a:xfrm>
             <a:off x="720000" y="2160000"/>
-            <a:ext cx="8629560" cy="4374360"/>
+            <a:ext cx="8628840" cy="4373640"/>
           </a:xfrm>
           <a:prstGeom prst="rect">
             <a:avLst/>
@@ -22530,7 +22530,7 @@
             </a:endParaRPr>
           </a:p>
           <a:p>
-            <a:pPr marL="432000" indent="-313560">
+            <a:pPr marL="432000" indent="-312840">
               <a:lnSpc>
                 <a:spcPct val="100000"/>
               </a:lnSpc>
@@ -22579,7 +22579,7 @@
             </a:endParaRPr>
           </a:p>
           <a:p>
-            <a:pPr marL="432000" indent="-313560">
+            <a:pPr marL="432000" indent="-312840">
               <a:lnSpc>
                 <a:spcPct val="100000"/>
               </a:lnSpc>
@@ -22687,7 +22687,7 @@
         <p:spPr>
           <a:xfrm>
             <a:off x="720000" y="300960"/>
-            <a:ext cx="8845200" cy="1252080"/>
+            <a:ext cx="8844480" cy="1251360"/>
           </a:xfrm>
           <a:prstGeom prst="rect">
             <a:avLst/>
@@ -22731,7 +22731,7 @@
         <p:spPr>
           <a:xfrm>
             <a:off x="720000" y="2160000"/>
-            <a:ext cx="8629560" cy="4374360"/>
+            <a:ext cx="8628840" cy="4373640"/>
           </a:xfrm>
           <a:prstGeom prst="rect">
             <a:avLst/>
@@ -22755,7 +22755,7 @@
             </a:endParaRPr>
           </a:p>
           <a:p>
-            <a:pPr marL="432000" indent="-313560">
+            <a:pPr marL="432000" indent="-312840">
               <a:lnSpc>
                 <a:spcPct val="100000"/>
               </a:lnSpc>
@@ -22784,7 +22784,7 @@
             </a:endParaRPr>
           </a:p>
           <a:p>
-            <a:pPr marL="432000" indent="-313560">
+            <a:pPr marL="432000" indent="-312840">
               <a:lnSpc>
                 <a:spcPct val="100000"/>
               </a:lnSpc>
@@ -23092,7 +23092,7 @@
         <p:spPr>
           <a:xfrm>
             <a:off x="720000" y="300960"/>
-            <a:ext cx="8845200" cy="1252080"/>
+            <a:ext cx="8844480" cy="1251360"/>
           </a:xfrm>
           <a:prstGeom prst="rect">
             <a:avLst/>
@@ -23136,7 +23136,7 @@
         <p:spPr>
           <a:xfrm>
             <a:off x="720000" y="1692000"/>
-            <a:ext cx="8629560" cy="5144760"/>
+            <a:ext cx="8628840" cy="5144040"/>
           </a:xfrm>
           <a:prstGeom prst="rect">
             <a:avLst/>
@@ -23155,7 +23155,7 @@
         <p:txBody>
           <a:bodyPr lIns="0" rIns="0" tIns="0" bIns="0"/>
           <a:p>
-            <a:pPr marL="432000" indent="-313560">
+            <a:pPr marL="432000" indent="-312840">
               <a:lnSpc>
                 <a:spcPct val="100000"/>
               </a:lnSpc>
@@ -23224,7 +23224,7 @@
             </a:endParaRPr>
           </a:p>
           <a:p>
-            <a:pPr marL="432000" indent="-313560">
+            <a:pPr marL="432000" indent="-312840">
               <a:lnSpc>
                 <a:spcPct val="100000"/>
               </a:lnSpc>
@@ -23253,7 +23253,7 @@
             </a:endParaRPr>
           </a:p>
           <a:p>
-            <a:pPr marL="432000" indent="-313560">
+            <a:pPr marL="432000" indent="-312840">
               <a:lnSpc>
                 <a:spcPct val="100000"/>
               </a:lnSpc>
@@ -23282,7 +23282,7 @@
             </a:endParaRPr>
           </a:p>
           <a:p>
-            <a:pPr marL="432000" indent="-313560">
+            <a:pPr marL="432000" indent="-312840">
               <a:lnSpc>
                 <a:spcPct val="100000"/>
               </a:lnSpc>
@@ -23311,7 +23311,7 @@
             </a:endParaRPr>
           </a:p>
           <a:p>
-            <a:pPr marL="432000" indent="-313560">
+            <a:pPr marL="432000" indent="-312840">
               <a:lnSpc>
                 <a:spcPct val="100000"/>
               </a:lnSpc>
@@ -23340,7 +23340,7 @@
             </a:endParaRPr>
           </a:p>
           <a:p>
-            <a:pPr marL="432000" indent="-313560">
+            <a:pPr marL="432000" indent="-312840">
               <a:lnSpc>
                 <a:spcPct val="100000"/>
               </a:lnSpc>
@@ -23369,7 +23369,7 @@
             </a:endParaRPr>
           </a:p>
           <a:p>
-            <a:pPr marL="432000" indent="-313560">
+            <a:pPr marL="432000" indent="-312840">
               <a:lnSpc>
                 <a:spcPct val="100000"/>
               </a:lnSpc>
@@ -23467,7 +23467,7 @@
         <p:spPr>
           <a:xfrm>
             <a:off x="720000" y="300960"/>
-            <a:ext cx="8845200" cy="1252080"/>
+            <a:ext cx="8844480" cy="1251360"/>
           </a:xfrm>
           <a:prstGeom prst="rect">
             <a:avLst/>
@@ -23511,7 +23511,7 @@
         <p:spPr>
           <a:xfrm>
             <a:off x="756000" y="2160000"/>
-            <a:ext cx="8629560" cy="4374360"/>
+            <a:ext cx="8628840" cy="4373640"/>
           </a:xfrm>
           <a:prstGeom prst="rect">
             <a:avLst/>
@@ -23530,7 +23530,7 @@
         <p:txBody>
           <a:bodyPr lIns="0" rIns="0" tIns="0" bIns="0"/>
           <a:p>
-            <a:pPr marL="432000" indent="-313560">
+            <a:pPr marL="432000" indent="-312840">
               <a:lnSpc>
                 <a:spcPct val="100000"/>
               </a:lnSpc>
@@ -23581,7 +23581,7 @@
             </a:endParaRPr>
           </a:p>
           <a:p>
-            <a:pPr marL="432000" indent="-313560">
+            <a:pPr marL="432000" indent="-312840">
               <a:lnSpc>
                 <a:spcPct val="100000"/>
               </a:lnSpc>
@@ -23652,7 +23652,7 @@
             </a:endParaRPr>
           </a:p>
           <a:p>
-            <a:pPr marL="432000" indent="-313560">
+            <a:pPr marL="432000" indent="-312840">
               <a:lnSpc>
                 <a:spcPct val="100000"/>
               </a:lnSpc>
@@ -23723,7 +23723,7 @@
             </a:endParaRPr>
           </a:p>
           <a:p>
-            <a:pPr marL="432000" indent="-313560">
+            <a:pPr marL="432000" indent="-312840">
               <a:lnSpc>
                 <a:spcPct val="100000"/>
               </a:lnSpc>
@@ -23854,7 +23854,7 @@
         <p:spPr>
           <a:xfrm>
             <a:off x="720000" y="300960"/>
-            <a:ext cx="8845200" cy="1252080"/>
+            <a:ext cx="8844480" cy="1251360"/>
           </a:xfrm>
           <a:prstGeom prst="rect">
             <a:avLst/>
@@ -23898,7 +23898,7 @@
         <p:spPr>
           <a:xfrm>
             <a:off x="756000" y="2160000"/>
-            <a:ext cx="8629560" cy="4374360"/>
+            <a:ext cx="8628840" cy="4373640"/>
           </a:xfrm>
           <a:prstGeom prst="rect">
             <a:avLst/>
@@ -23917,7 +23917,7 @@
         <p:txBody>
           <a:bodyPr lIns="0" rIns="0" tIns="0" bIns="0"/>
           <a:p>
-            <a:pPr marL="432000" indent="-313560">
+            <a:pPr marL="432000" indent="-312840">
               <a:lnSpc>
                 <a:spcPct val="100000"/>
               </a:lnSpc>
@@ -23988,7 +23988,7 @@
             </a:endParaRPr>
           </a:p>
           <a:p>
-            <a:pPr marL="432000" indent="-313560">
+            <a:pPr marL="432000" indent="-312840">
               <a:lnSpc>
                 <a:spcPct val="100000"/>
               </a:lnSpc>
@@ -24049,7 +24049,7 @@
             </a:endParaRPr>
           </a:p>
           <a:p>
-            <a:pPr marL="432000" indent="-313560">
+            <a:pPr marL="432000" indent="-312840">
               <a:lnSpc>
                 <a:spcPct val="100000"/>
               </a:lnSpc>
@@ -24090,7 +24090,7 @@
             </a:endParaRPr>
           </a:p>
           <a:p>
-            <a:pPr marL="432000" indent="-313560">
+            <a:pPr marL="432000" indent="-312840">
               <a:lnSpc>
                 <a:spcPct val="100000"/>
               </a:lnSpc>
@@ -24230,7 +24230,7 @@
         <p:spPr>
           <a:xfrm>
             <a:off x="720000" y="300960"/>
-            <a:ext cx="8845200" cy="1252080"/>
+            <a:ext cx="8844480" cy="1251360"/>
           </a:xfrm>
           <a:prstGeom prst="rect">
             <a:avLst/>
@@ -24274,7 +24274,7 @@
         <p:spPr>
           <a:xfrm>
             <a:off x="756000" y="2124000"/>
-            <a:ext cx="8629560" cy="4374360"/>
+            <a:ext cx="8628840" cy="4373640"/>
           </a:xfrm>
           <a:prstGeom prst="rect">
             <a:avLst/>
@@ -24293,7 +24293,7 @@
         <p:txBody>
           <a:bodyPr lIns="0" rIns="0" tIns="0" bIns="0"/>
           <a:p>
-            <a:pPr marL="432000" indent="-313560">
+            <a:pPr marL="432000" indent="-312840">
               <a:lnSpc>
                 <a:spcPct val="100000"/>
               </a:lnSpc>
@@ -24334,10 +24334,7 @@
             </a:endParaRPr>
           </a:p>
           <a:p>
-            <a:pPr marL="432000" indent="-313560">
-              <a:lnSpc>
-                <a:spcPct val="100000"/>
-              </a:lnSpc>
+            <a:pPr marL="432000" indent="-312840">
               <a:spcAft>
                 <a:spcPts val="1414"/>
               </a:spcAft>
@@ -24356,7 +24353,17 @@
                 <a:latin typeface="Noto Sans Regular"/>
                 <a:ea typeface="DejaVu Sans"/>
               </a:rPr>
-              <a:t>Blog post: on the details of implicit parameter resolution – </a:t>
+              <a:t>Blog</a:t>
+            </a:r>
+            <a:r>
+              <a:rPr b="0" lang="de-DE" sz="2400" spc="-1" strike="noStrike">
+                <a:solidFill>
+                  <a:srgbClr val="333333"/>
+                </a:solidFill>
+                <a:latin typeface="Noto Sans Regular"/>
+                <a:ea typeface="DejaVu Sans"/>
+              </a:rPr>
+              <a:t> post: on the details of implicit parameter resolution – </a:t>
             </a:r>
             <a:r>
               <a:rPr b="0" lang="de-DE" sz="2000" spc="-1" strike="noStrike" u="sng">
@@ -24368,7 +24375,7 @@
                 <a:ea typeface="DejaVu Sans"/>
                 <a:hlinkClick r:id="rId2"/>
               </a:rPr>
-              <a:t>http://ee3si9n.com/revisiting-implicits-without-import-tax</a:t>
+              <a:t>http://eed3si9n.com/revisiting-implicits-without-import-tax</a:t>
             </a:r>
             <a:r>
               <a:rPr b="0" lang="de-DE" sz="2400" spc="-1" strike="noStrike">
@@ -24385,7 +24392,7 @@
             </a:endParaRPr>
           </a:p>
           <a:p>
-            <a:pPr marL="432000" indent="-313560">
+            <a:pPr marL="432000" indent="-312840">
               <a:lnSpc>
                 <a:spcPct val="100000"/>
               </a:lnSpc>
@@ -24436,7 +24443,7 @@
             </a:endParaRPr>
           </a:p>
           <a:p>
-            <a:pPr marL="432000" indent="-313560">
+            <a:pPr marL="432000" indent="-312840">
               <a:lnSpc>
                 <a:spcPct val="100000"/>
               </a:lnSpc>
@@ -24587,7 +24594,7 @@
         <p:spPr>
           <a:xfrm>
             <a:off x="720000" y="300960"/>
-            <a:ext cx="8845200" cy="1252080"/>
+            <a:ext cx="8844480" cy="1251360"/>
           </a:xfrm>
           <a:prstGeom prst="rect">
             <a:avLst/>
@@ -24631,7 +24638,7 @@
         <p:spPr>
           <a:xfrm>
             <a:off x="720000" y="2160000"/>
-            <a:ext cx="8629560" cy="4374360"/>
+            <a:ext cx="8628840" cy="4373640"/>
           </a:xfrm>
           <a:prstGeom prst="rect">
             <a:avLst/>
@@ -24826,7 +24833,7 @@
         <p:spPr>
           <a:xfrm>
             <a:off x="720000" y="300960"/>
-            <a:ext cx="8845200" cy="1252080"/>
+            <a:ext cx="8844480" cy="1251360"/>
           </a:xfrm>
           <a:prstGeom prst="rect">
             <a:avLst/>
@@ -24870,7 +24877,7 @@
         <p:spPr>
           <a:xfrm>
             <a:off x="720000" y="1872000"/>
-            <a:ext cx="8629560" cy="4374360"/>
+            <a:ext cx="8628840" cy="4373640"/>
           </a:xfrm>
           <a:prstGeom prst="rect">
             <a:avLst/>
@@ -24889,7 +24896,7 @@
         <p:txBody>
           <a:bodyPr lIns="0" rIns="0" tIns="0" bIns="0"/>
           <a:p>
-            <a:pPr marL="432000" indent="-313560">
+            <a:pPr marL="432000" indent="-312840">
               <a:lnSpc>
                 <a:spcPct val="100000"/>
               </a:lnSpc>
@@ -24918,7 +24925,7 @@
             </a:endParaRPr>
           </a:p>
           <a:p>
-            <a:pPr marL="432000" indent="-313560">
+            <a:pPr marL="432000" indent="-312840">
               <a:lnSpc>
                 <a:spcPct val="100000"/>
               </a:lnSpc>
@@ -24978,7 +24985,7 @@
             </a:endParaRPr>
           </a:p>
           <a:p>
-            <a:pPr marL="432000" indent="-313560">
+            <a:pPr marL="432000" indent="-312840">
               <a:lnSpc>
                 <a:spcPct val="100000"/>
               </a:lnSpc>
@@ -25038,7 +25045,7 @@
             </a:endParaRPr>
           </a:p>
           <a:p>
-            <a:pPr marL="432000" indent="-313560">
+            <a:pPr marL="432000" indent="-312840">
               <a:lnSpc>
                 <a:spcPct val="100000"/>
               </a:lnSpc>
@@ -25067,7 +25074,7 @@
             </a:endParaRPr>
           </a:p>
           <a:p>
-            <a:pPr marL="432000" indent="-313560">
+            <a:pPr marL="432000" indent="-312840">
               <a:lnSpc>
                 <a:spcPct val="100000"/>
               </a:lnSpc>
@@ -25155,7 +25162,7 @@
         <p:spPr>
           <a:xfrm>
             <a:off x="720000" y="300960"/>
-            <a:ext cx="8845200" cy="1252080"/>
+            <a:ext cx="8844480" cy="1251360"/>
           </a:xfrm>
           <a:prstGeom prst="rect">
             <a:avLst/>
@@ -25199,7 +25206,7 @@
         <p:spPr>
           <a:xfrm>
             <a:off x="720000" y="2160000"/>
-            <a:ext cx="8629560" cy="4374360"/>
+            <a:ext cx="8628840" cy="4373640"/>
           </a:xfrm>
           <a:prstGeom prst="rect">
             <a:avLst/>
@@ -25218,7 +25225,7 @@
         <p:txBody>
           <a:bodyPr lIns="0" rIns="0" tIns="0" bIns="0"/>
           <a:p>
-            <a:pPr marL="432000" indent="-313560">
+            <a:pPr marL="432000" indent="-312840">
               <a:lnSpc>
                 <a:spcPct val="100000"/>
               </a:lnSpc>
@@ -25247,7 +25254,7 @@
             </a:endParaRPr>
           </a:p>
           <a:p>
-            <a:pPr marL="432000" indent="-313560">
+            <a:pPr marL="432000" indent="-312840">
               <a:lnSpc>
                 <a:spcPct val="100000"/>
               </a:lnSpc>
@@ -25728,7 +25735,7 @@
         <p:spPr>
           <a:xfrm>
             <a:off x="720000" y="300960"/>
-            <a:ext cx="8845200" cy="1252080"/>
+            <a:ext cx="8844480" cy="1251360"/>
           </a:xfrm>
           <a:prstGeom prst="rect">
             <a:avLst/>
@@ -25772,7 +25779,7 @@
         <p:spPr>
           <a:xfrm>
             <a:off x="720000" y="2160000"/>
-            <a:ext cx="8629560" cy="4374360"/>
+            <a:ext cx="8628840" cy="4373640"/>
           </a:xfrm>
           <a:prstGeom prst="rect">
             <a:avLst/>
@@ -25791,7 +25798,7 @@
         <p:txBody>
           <a:bodyPr lIns="0" rIns="0" tIns="0" bIns="0"/>
           <a:p>
-            <a:pPr marL="432000" indent="-313560">
+            <a:pPr marL="432000" indent="-312840">
               <a:lnSpc>
                 <a:spcPct val="100000"/>
               </a:lnSpc>
@@ -25820,7 +25827,7 @@
             </a:endParaRPr>
           </a:p>
           <a:p>
-            <a:pPr marL="432000" indent="-313560">
+            <a:pPr marL="432000" indent="-312840">
               <a:lnSpc>
                 <a:spcPct val="100000"/>
               </a:lnSpc>
@@ -25849,7 +25856,7 @@
             </a:endParaRPr>
           </a:p>
           <a:p>
-            <a:pPr marL="432000" indent="-313560">
+            <a:pPr marL="432000" indent="-312840">
               <a:lnSpc>
                 <a:spcPct val="100000"/>
               </a:lnSpc>
@@ -25878,7 +25885,7 @@
             </a:endParaRPr>
           </a:p>
           <a:p>
-            <a:pPr marL="432000" indent="-313560">
+            <a:pPr marL="432000" indent="-312840">
               <a:lnSpc>
                 <a:spcPct val="100000"/>
               </a:lnSpc>
@@ -26006,7 +26013,7 @@
         <p:spPr>
           <a:xfrm>
             <a:off x="720000" y="300960"/>
-            <a:ext cx="8845200" cy="1252080"/>
+            <a:ext cx="8844480" cy="1251360"/>
           </a:xfrm>
           <a:prstGeom prst="rect">
             <a:avLst/>
@@ -26050,7 +26057,7 @@
         <p:spPr>
           <a:xfrm>
             <a:off x="720000" y="2124000"/>
-            <a:ext cx="8629560" cy="4374360"/>
+            <a:ext cx="8628840" cy="4373640"/>
           </a:xfrm>
           <a:prstGeom prst="rect">
             <a:avLst/>
@@ -26713,7 +26720,7 @@
         <p:spPr>
           <a:xfrm>
             <a:off x="720000" y="300960"/>
-            <a:ext cx="8845200" cy="1252080"/>
+            <a:ext cx="8844480" cy="1251360"/>
           </a:xfrm>
           <a:prstGeom prst="rect">
             <a:avLst/>
@@ -26757,7 +26764,7 @@
         <p:spPr>
           <a:xfrm>
             <a:off x="720000" y="2160000"/>
-            <a:ext cx="8629560" cy="4374360"/>
+            <a:ext cx="8628840" cy="4373640"/>
           </a:xfrm>
           <a:prstGeom prst="rect">
             <a:avLst/>

--- a/Slides/TypeClasses.pptx
+++ b/Slides/TypeClasses.pptx
@@ -2751,7 +2751,7 @@
         <p:spPr>
           <a:xfrm>
             <a:off x="0" y="4320000"/>
-            <a:ext cx="492840" cy="1068840"/>
+            <a:ext cx="492480" cy="1068480"/>
           </a:xfrm>
           <a:prstGeom prst="rect">
             <a:avLst/>
@@ -3030,7 +3030,7 @@
         <p:spPr>
           <a:xfrm>
             <a:off x="0" y="288000"/>
-            <a:ext cx="492840" cy="1068840"/>
+            <a:ext cx="492480" cy="1068480"/>
           </a:xfrm>
           <a:prstGeom prst="rect">
             <a:avLst/>
@@ -3309,7 +3309,7 @@
         <p:spPr>
           <a:xfrm>
             <a:off x="792000" y="3885480"/>
-            <a:ext cx="8556840" cy="1650240"/>
+            <a:ext cx="8556480" cy="1649880"/>
           </a:xfrm>
           <a:prstGeom prst="rect">
             <a:avLst/>
@@ -3366,7 +3366,7 @@
         <p:spPr>
           <a:xfrm>
             <a:off x="792000" y="5904000"/>
-            <a:ext cx="8556840" cy="971280"/>
+            <a:ext cx="8556480" cy="970920"/>
           </a:xfrm>
           <a:prstGeom prst="rect">
             <a:avLst/>
@@ -3474,7 +3474,7 @@
         <p:spPr>
           <a:xfrm>
             <a:off x="720000" y="300960"/>
-            <a:ext cx="8844480" cy="1251360"/>
+            <a:ext cx="8844120" cy="1251000"/>
           </a:xfrm>
           <a:prstGeom prst="rect">
             <a:avLst/>
@@ -3518,7 +3518,7 @@
         <p:spPr>
           <a:xfrm>
             <a:off x="720000" y="2160000"/>
-            <a:ext cx="8628840" cy="4373640"/>
+            <a:ext cx="8628480" cy="4373280"/>
           </a:xfrm>
           <a:prstGeom prst="rect">
             <a:avLst/>
@@ -4406,7 +4406,7 @@
         <p:spPr>
           <a:xfrm>
             <a:off x="720000" y="300960"/>
-            <a:ext cx="8844480" cy="1251360"/>
+            <a:ext cx="8844120" cy="1251000"/>
           </a:xfrm>
           <a:prstGeom prst="rect">
             <a:avLst/>
@@ -4450,7 +4450,7 @@
         <p:spPr>
           <a:xfrm>
             <a:off x="720000" y="2160000"/>
-            <a:ext cx="8628840" cy="4373640"/>
+            <a:ext cx="8628480" cy="4373280"/>
           </a:xfrm>
           <a:prstGeom prst="rect">
             <a:avLst/>
@@ -5518,7 +5518,7 @@
         <p:spPr>
           <a:xfrm>
             <a:off x="720000" y="300960"/>
-            <a:ext cx="8844480" cy="1251360"/>
+            <a:ext cx="8844120" cy="1251000"/>
           </a:xfrm>
           <a:prstGeom prst="rect">
             <a:avLst/>
@@ -5562,7 +5562,7 @@
         <p:spPr>
           <a:xfrm>
             <a:off x="720000" y="2160000"/>
-            <a:ext cx="8628840" cy="4373640"/>
+            <a:ext cx="8628480" cy="4373280"/>
           </a:xfrm>
           <a:prstGeom prst="rect">
             <a:avLst/>
@@ -5581,7 +5581,7 @@
         <p:txBody>
           <a:bodyPr lIns="0" rIns="0" tIns="0" bIns="0"/>
           <a:p>
-            <a:pPr marL="432000" indent="-312840">
+            <a:pPr marL="432000" indent="-312480">
               <a:lnSpc>
                 <a:spcPct val="100000"/>
               </a:lnSpc>
@@ -5610,7 +5610,7 @@
             </a:endParaRPr>
           </a:p>
           <a:p>
-            <a:pPr marL="432000" indent="-312840">
+            <a:pPr marL="432000" indent="-312480">
               <a:lnSpc>
                 <a:spcPct val="100000"/>
               </a:lnSpc>
@@ -5639,7 +5639,7 @@
             </a:endParaRPr>
           </a:p>
           <a:p>
-            <a:pPr marL="432000" indent="-312840">
+            <a:pPr marL="432000" indent="-312480">
               <a:lnSpc>
                 <a:spcPct val="100000"/>
               </a:lnSpc>
@@ -5668,7 +5668,7 @@
             </a:endParaRPr>
           </a:p>
           <a:p>
-            <a:pPr marL="432000" indent="-312840">
+            <a:pPr marL="432000" indent="-312480">
               <a:lnSpc>
                 <a:spcPct val="100000"/>
               </a:lnSpc>
@@ -5697,7 +5697,7 @@
             </a:endParaRPr>
           </a:p>
           <a:p>
-            <a:pPr marL="432000" indent="-312840">
+            <a:pPr marL="432000" indent="-312480">
               <a:lnSpc>
                 <a:spcPct val="100000"/>
               </a:lnSpc>
@@ -5785,7 +5785,7 @@
         <p:spPr>
           <a:xfrm>
             <a:off x="720000" y="300960"/>
-            <a:ext cx="8844480" cy="1251360"/>
+            <a:ext cx="8844120" cy="1251000"/>
           </a:xfrm>
           <a:prstGeom prst="rect">
             <a:avLst/>
@@ -5829,7 +5829,7 @@
         <p:spPr>
           <a:xfrm>
             <a:off x="720000" y="1944000"/>
-            <a:ext cx="8628840" cy="4373640"/>
+            <a:ext cx="8628480" cy="4373280"/>
           </a:xfrm>
           <a:prstGeom prst="rect">
             <a:avLst/>
@@ -5848,7 +5848,7 @@
         <p:txBody>
           <a:bodyPr lIns="0" rIns="0" tIns="0" bIns="0"/>
           <a:p>
-            <a:pPr marL="432000" indent="-312840">
+            <a:pPr marL="432000" indent="-312480">
               <a:lnSpc>
                 <a:spcPct val="100000"/>
               </a:lnSpc>
@@ -5877,7 +5877,7 @@
             </a:endParaRPr>
           </a:p>
           <a:p>
-            <a:pPr marL="432000" indent="-312840">
+            <a:pPr marL="432000" indent="-312480">
               <a:lnSpc>
                 <a:spcPct val="100000"/>
               </a:lnSpc>
@@ -5906,7 +5906,7 @@
             </a:endParaRPr>
           </a:p>
           <a:p>
-            <a:pPr marL="432000" indent="-312840">
+            <a:pPr marL="432000" indent="-312480">
               <a:lnSpc>
                 <a:spcPct val="100000"/>
               </a:lnSpc>
@@ -5935,7 +5935,7 @@
             </a:endParaRPr>
           </a:p>
           <a:p>
-            <a:pPr marL="432000" indent="-312840">
+            <a:pPr marL="432000" indent="-312480">
               <a:lnSpc>
                 <a:spcPct val="100000"/>
               </a:lnSpc>
@@ -5964,7 +5964,7 @@
             </a:endParaRPr>
           </a:p>
           <a:p>
-            <a:pPr marL="432000" indent="-312840">
+            <a:pPr marL="432000" indent="-312480">
               <a:lnSpc>
                 <a:spcPct val="100000"/>
               </a:lnSpc>
@@ -6092,7 +6092,7 @@
         <p:spPr>
           <a:xfrm>
             <a:off x="720000" y="300960"/>
-            <a:ext cx="8844480" cy="1251360"/>
+            <a:ext cx="8844120" cy="1251000"/>
           </a:xfrm>
           <a:prstGeom prst="rect">
             <a:avLst/>
@@ -6136,7 +6136,7 @@
         <p:spPr>
           <a:xfrm>
             <a:off x="720000" y="2160000"/>
-            <a:ext cx="8628840" cy="4373640"/>
+            <a:ext cx="8628480" cy="4373280"/>
           </a:xfrm>
           <a:prstGeom prst="rect">
             <a:avLst/>
@@ -6556,7 +6556,7 @@
         <p:spPr>
           <a:xfrm>
             <a:off x="720000" y="300960"/>
-            <a:ext cx="8844480" cy="1251360"/>
+            <a:ext cx="8844120" cy="1251000"/>
           </a:xfrm>
           <a:prstGeom prst="rect">
             <a:avLst/>
@@ -6600,7 +6600,7 @@
         <p:spPr>
           <a:xfrm>
             <a:off x="720000" y="2160000"/>
-            <a:ext cx="8628840" cy="4373640"/>
+            <a:ext cx="8628480" cy="4373280"/>
           </a:xfrm>
           <a:prstGeom prst="rect">
             <a:avLst/>
@@ -6619,7 +6619,7 @@
         <p:txBody>
           <a:bodyPr lIns="0" rIns="0" tIns="0" bIns="0"/>
           <a:p>
-            <a:pPr marL="432000" indent="-312840">
+            <a:pPr marL="432000" indent="-312480">
               <a:lnSpc>
                 <a:spcPct val="100000"/>
               </a:lnSpc>
@@ -6648,7 +6648,7 @@
             </a:endParaRPr>
           </a:p>
           <a:p>
-            <a:pPr marL="432000" indent="-312840">
+            <a:pPr marL="432000" indent="-312480">
               <a:lnSpc>
                 <a:spcPct val="100000"/>
               </a:lnSpc>
@@ -6677,7 +6677,7 @@
             </a:endParaRPr>
           </a:p>
           <a:p>
-            <a:pPr marL="432000" indent="-312840">
+            <a:pPr marL="432000" indent="-312480">
               <a:lnSpc>
                 <a:spcPct val="100000"/>
               </a:lnSpc>
@@ -6717,7 +6717,7 @@
             </a:endParaRPr>
           </a:p>
           <a:p>
-            <a:pPr marL="432000" indent="-312840">
+            <a:pPr marL="432000" indent="-312480">
               <a:lnSpc>
                 <a:spcPct val="100000"/>
               </a:lnSpc>
@@ -6746,7 +6746,7 @@
             </a:endParaRPr>
           </a:p>
           <a:p>
-            <a:pPr marL="432000" indent="-312840">
+            <a:pPr marL="432000" indent="-312480">
               <a:lnSpc>
                 <a:spcPct val="100000"/>
               </a:lnSpc>
@@ -6775,7 +6775,7 @@
             </a:endParaRPr>
           </a:p>
           <a:p>
-            <a:pPr marL="432000" indent="-312840">
+            <a:pPr marL="432000" indent="-312480">
               <a:lnSpc>
                 <a:spcPct val="100000"/>
               </a:lnSpc>
@@ -6863,7 +6863,7 @@
         <p:spPr>
           <a:xfrm>
             <a:off x="720000" y="300960"/>
-            <a:ext cx="8844480" cy="1251360"/>
+            <a:ext cx="8844120" cy="1251000"/>
           </a:xfrm>
           <a:prstGeom prst="rect">
             <a:avLst/>
@@ -6907,7 +6907,7 @@
         <p:spPr>
           <a:xfrm>
             <a:off x="720000" y="1908000"/>
-            <a:ext cx="8628840" cy="4713480"/>
+            <a:ext cx="8628480" cy="4713120"/>
           </a:xfrm>
           <a:prstGeom prst="rect">
             <a:avLst/>
@@ -6926,7 +6926,7 @@
         <p:txBody>
           <a:bodyPr lIns="0" rIns="0" tIns="0" bIns="0"/>
           <a:p>
-            <a:pPr marL="432000" indent="-312840">
+            <a:pPr marL="432000" indent="-312480">
               <a:lnSpc>
                 <a:spcPct val="100000"/>
               </a:lnSpc>
@@ -6975,7 +6975,7 @@
             </a:endParaRPr>
           </a:p>
           <a:p>
-            <a:pPr marL="432000" indent="-312840">
+            <a:pPr marL="432000" indent="-312480">
               <a:lnSpc>
                 <a:spcPct val="100000"/>
               </a:lnSpc>
@@ -7105,7 +7105,7 @@
             </a:endParaRPr>
           </a:p>
           <a:p>
-            <a:pPr marL="432000" indent="-312840">
+            <a:pPr marL="432000" indent="-312480">
               <a:lnSpc>
                 <a:spcPct val="100000"/>
               </a:lnSpc>
@@ -7213,7 +7213,7 @@
         <p:spPr>
           <a:xfrm>
             <a:off x="720000" y="300960"/>
-            <a:ext cx="8844480" cy="1251360"/>
+            <a:ext cx="8844120" cy="1251000"/>
           </a:xfrm>
           <a:prstGeom prst="rect">
             <a:avLst/>
@@ -7257,7 +7257,7 @@
         <p:spPr>
           <a:xfrm>
             <a:off x="720000" y="2160000"/>
-            <a:ext cx="8628840" cy="4373640"/>
+            <a:ext cx="8628480" cy="4373280"/>
           </a:xfrm>
           <a:prstGeom prst="rect">
             <a:avLst/>
@@ -7540,7 +7540,7 @@
         <p:spPr>
           <a:xfrm>
             <a:off x="720000" y="300960"/>
-            <a:ext cx="8844480" cy="1251360"/>
+            <a:ext cx="8844120" cy="1251000"/>
           </a:xfrm>
           <a:prstGeom prst="rect">
             <a:avLst/>
@@ -7584,7 +7584,7 @@
         <p:spPr>
           <a:xfrm>
             <a:off x="720000" y="1764000"/>
-            <a:ext cx="8628840" cy="4373640"/>
+            <a:ext cx="8628480" cy="4373280"/>
           </a:xfrm>
           <a:prstGeom prst="rect">
             <a:avLst/>
@@ -8238,7 +8238,7 @@
         <p:spPr>
           <a:xfrm>
             <a:off x="720000" y="300960"/>
-            <a:ext cx="8844480" cy="1251360"/>
+            <a:ext cx="8844120" cy="1251000"/>
           </a:xfrm>
           <a:prstGeom prst="rect">
             <a:avLst/>
@@ -8282,7 +8282,7 @@
         <p:spPr>
           <a:xfrm>
             <a:off x="720000" y="2160000"/>
-            <a:ext cx="8628840" cy="4373640"/>
+            <a:ext cx="8628480" cy="4373280"/>
           </a:xfrm>
           <a:prstGeom prst="rect">
             <a:avLst/>
@@ -8795,7 +8795,7 @@
         <p:spPr>
           <a:xfrm>
             <a:off x="720000" y="300960"/>
-            <a:ext cx="8844480" cy="1251360"/>
+            <a:ext cx="8844120" cy="1251000"/>
           </a:xfrm>
           <a:prstGeom prst="rect">
             <a:avLst/>
@@ -8839,7 +8839,7 @@
         <p:spPr>
           <a:xfrm>
             <a:off x="720000" y="1656000"/>
-            <a:ext cx="8628840" cy="5394240"/>
+            <a:ext cx="8628480" cy="5393880"/>
           </a:xfrm>
           <a:prstGeom prst="rect">
             <a:avLst/>
@@ -8858,7 +8858,7 @@
         <p:txBody>
           <a:bodyPr lIns="0" rIns="0" tIns="0" bIns="0"/>
           <a:p>
-            <a:pPr marL="432000" indent="-312840">
+            <a:pPr marL="432000" indent="-312480">
               <a:lnSpc>
                 <a:spcPct val="100000"/>
               </a:lnSpc>
@@ -8887,7 +8887,7 @@
             </a:endParaRPr>
           </a:p>
           <a:p>
-            <a:pPr marL="432000" indent="-312840">
+            <a:pPr marL="432000" indent="-312480">
               <a:lnSpc>
                 <a:spcPct val="100000"/>
               </a:lnSpc>
@@ -8916,7 +8916,7 @@
             </a:endParaRPr>
           </a:p>
           <a:p>
-            <a:pPr marL="432000" indent="-312840">
+            <a:pPr marL="432000" indent="-312480">
               <a:lnSpc>
                 <a:spcPct val="100000"/>
               </a:lnSpc>
@@ -8945,7 +8945,7 @@
             </a:endParaRPr>
           </a:p>
           <a:p>
-            <a:pPr marL="432000" indent="-312840">
+            <a:pPr marL="432000" indent="-312480">
               <a:lnSpc>
                 <a:spcPct val="100000"/>
               </a:lnSpc>
@@ -8974,7 +8974,7 @@
             </a:endParaRPr>
           </a:p>
           <a:p>
-            <a:pPr marL="432000" indent="-312840">
+            <a:pPr marL="432000" indent="-312480">
               <a:lnSpc>
                 <a:spcPct val="100000"/>
               </a:lnSpc>
@@ -9013,7 +9013,7 @@
             </a:endParaRPr>
           </a:p>
           <a:p>
-            <a:pPr marL="432000" indent="-312840">
+            <a:pPr marL="432000" indent="-312480">
               <a:lnSpc>
                 <a:spcPct val="100000"/>
               </a:lnSpc>
@@ -9042,7 +9042,7 @@
             </a:endParaRPr>
           </a:p>
           <a:p>
-            <a:pPr marL="432000" indent="-312840">
+            <a:pPr marL="432000" indent="-312480">
               <a:lnSpc>
                 <a:spcPct val="100000"/>
               </a:lnSpc>
@@ -9071,7 +9071,7 @@
             </a:endParaRPr>
           </a:p>
           <a:p>
-            <a:pPr marL="432000" indent="-312840">
+            <a:pPr marL="432000" indent="-312480">
               <a:lnSpc>
                 <a:spcPct val="100000"/>
               </a:lnSpc>
@@ -9100,7 +9100,7 @@
             </a:endParaRPr>
           </a:p>
           <a:p>
-            <a:pPr marL="432000" indent="-312840">
+            <a:pPr marL="432000" indent="-312480">
               <a:lnSpc>
                 <a:spcPct val="100000"/>
               </a:lnSpc>
@@ -9129,7 +9129,7 @@
             </a:endParaRPr>
           </a:p>
           <a:p>
-            <a:pPr marL="432000" indent="-312840">
+            <a:pPr marL="432000" indent="-312480">
               <a:lnSpc>
                 <a:spcPct val="100000"/>
               </a:lnSpc>
@@ -9217,7 +9217,7 @@
         <p:spPr>
           <a:xfrm>
             <a:off x="720000" y="300960"/>
-            <a:ext cx="8844480" cy="1251360"/>
+            <a:ext cx="8844120" cy="1251000"/>
           </a:xfrm>
           <a:prstGeom prst="rect">
             <a:avLst/>
@@ -9261,7 +9261,7 @@
         <p:spPr>
           <a:xfrm>
             <a:off x="720000" y="1800000"/>
-            <a:ext cx="8628840" cy="5317560"/>
+            <a:ext cx="8628480" cy="5317200"/>
           </a:xfrm>
           <a:prstGeom prst="rect">
             <a:avLst/>
@@ -9929,7 +9929,7 @@
         <p:spPr>
           <a:xfrm>
             <a:off x="720000" y="300960"/>
-            <a:ext cx="8844480" cy="1251360"/>
+            <a:ext cx="8844120" cy="1251000"/>
           </a:xfrm>
           <a:prstGeom prst="rect">
             <a:avLst/>
@@ -9973,7 +9973,7 @@
         <p:spPr>
           <a:xfrm>
             <a:off x="720000" y="1800000"/>
-            <a:ext cx="8628840" cy="5317560"/>
+            <a:ext cx="8628480" cy="5317200"/>
           </a:xfrm>
           <a:prstGeom prst="rect">
             <a:avLst/>
@@ -10523,7 +10523,7 @@
         <p:spPr>
           <a:xfrm>
             <a:off x="720000" y="300960"/>
-            <a:ext cx="8844480" cy="1251360"/>
+            <a:ext cx="8844120" cy="1251000"/>
           </a:xfrm>
           <a:prstGeom prst="rect">
             <a:avLst/>
@@ -10567,7 +10567,7 @@
         <p:spPr>
           <a:xfrm>
             <a:off x="720000" y="2160000"/>
-            <a:ext cx="8628840" cy="4373640"/>
+            <a:ext cx="8628480" cy="4373280"/>
           </a:xfrm>
           <a:prstGeom prst="rect">
             <a:avLst/>
@@ -11245,7 +11245,7 @@
         <p:spPr>
           <a:xfrm>
             <a:off x="720000" y="300960"/>
-            <a:ext cx="8844480" cy="1251360"/>
+            <a:ext cx="8844120" cy="1251000"/>
           </a:xfrm>
           <a:prstGeom prst="rect">
             <a:avLst/>
@@ -11289,7 +11289,7 @@
         <p:spPr>
           <a:xfrm>
             <a:off x="720000" y="1944000"/>
-            <a:ext cx="8628840" cy="4373640"/>
+            <a:ext cx="8628480" cy="4373280"/>
           </a:xfrm>
           <a:prstGeom prst="rect">
             <a:avLst/>
@@ -11308,7 +11308,7 @@
         <p:txBody>
           <a:bodyPr lIns="0" rIns="0" tIns="0" bIns="0"/>
           <a:p>
-            <a:pPr marL="432000" indent="-312840">
+            <a:pPr marL="432000" indent="-312480">
               <a:lnSpc>
                 <a:spcPct val="100000"/>
               </a:lnSpc>
@@ -11377,7 +11377,7 @@
             </a:endParaRPr>
           </a:p>
           <a:p>
-            <a:pPr marL="432000" indent="-312840">
+            <a:pPr marL="432000" indent="-312480">
               <a:lnSpc>
                 <a:spcPct val="100000"/>
               </a:lnSpc>
@@ -11406,7 +11406,7 @@
             </a:endParaRPr>
           </a:p>
           <a:p>
-            <a:pPr marL="432000" indent="-312840">
+            <a:pPr marL="432000" indent="-312480">
               <a:lnSpc>
                 <a:spcPct val="100000"/>
               </a:lnSpc>
@@ -11435,7 +11435,7 @@
             </a:endParaRPr>
           </a:p>
           <a:p>
-            <a:pPr marL="432000" indent="-312840">
+            <a:pPr marL="432000" indent="-312480">
               <a:lnSpc>
                 <a:spcPct val="100000"/>
               </a:lnSpc>
@@ -11523,7 +11523,7 @@
         <p:spPr>
           <a:xfrm>
             <a:off x="720000" y="300960"/>
-            <a:ext cx="8844480" cy="1251360"/>
+            <a:ext cx="8844120" cy="1251000"/>
           </a:xfrm>
           <a:prstGeom prst="rect">
             <a:avLst/>
@@ -11567,7 +11567,7 @@
         <p:spPr>
           <a:xfrm>
             <a:off x="720000" y="1692000"/>
-            <a:ext cx="8628840" cy="5213880"/>
+            <a:ext cx="8628480" cy="5213520"/>
           </a:xfrm>
           <a:prstGeom prst="rect">
             <a:avLst/>
@@ -11586,7 +11586,7 @@
         <p:txBody>
           <a:bodyPr lIns="0" rIns="0" tIns="0" bIns="0"/>
           <a:p>
-            <a:pPr marL="432000" indent="-312840">
+            <a:pPr marL="432000" indent="-312480">
               <a:lnSpc>
                 <a:spcPct val="100000"/>
               </a:lnSpc>
@@ -12188,7 +12188,7 @@
                 <a:latin typeface="Menlo"/>
                 <a:ea typeface="Menlo"/>
               </a:rPr>
-              <a:t>path.to.libPrintable._</a:t>
+              <a:t>path.to.libPrintable.Printable._</a:t>
             </a:r>
             <a:endParaRPr b="0" lang="de-DE" sz="1600" spc="-1" strike="noStrike">
               <a:latin typeface="Arial"/>
@@ -12210,16 +12210,6 @@
                 <a:spcPct val="100000"/>
               </a:lnSpc>
             </a:pPr>
-            <a:r>
-              <a:rPr b="0" lang="de-DE" sz="1600" spc="-1" strike="noStrike">
-                <a:solidFill>
-                  <a:srgbClr val="000000"/>
-                </a:solidFill>
-                <a:latin typeface="Menlo"/>
-                <a:ea typeface="Menlo"/>
-              </a:rPr>
-              <a:t>Printable.</a:t>
-            </a:r>
             <a:r>
               <a:rPr b="0" i="1" lang="de-DE" sz="1600" spc="-1" strike="noStrike">
                 <a:solidFill>
@@ -12334,7 +12324,7 @@
         <p:spPr>
           <a:xfrm>
             <a:off x="720000" y="300960"/>
-            <a:ext cx="8844480" cy="1251360"/>
+            <a:ext cx="8844120" cy="1251000"/>
           </a:xfrm>
           <a:prstGeom prst="rect">
             <a:avLst/>
@@ -12378,7 +12368,7 @@
         <p:spPr>
           <a:xfrm>
             <a:off x="720000" y="1980000"/>
-            <a:ext cx="8628840" cy="4782600"/>
+            <a:ext cx="8628480" cy="4782240"/>
           </a:xfrm>
           <a:prstGeom prst="rect">
             <a:avLst/>
@@ -12397,7 +12387,7 @@
         <p:txBody>
           <a:bodyPr lIns="0" rIns="0" tIns="0" bIns="0"/>
           <a:p>
-            <a:pPr marL="432000" indent="-312840">
+            <a:pPr marL="432000" indent="-312480">
               <a:lnSpc>
                 <a:spcPct val="100000"/>
               </a:lnSpc>
@@ -12968,7 +12958,7 @@
         <p:spPr>
           <a:xfrm>
             <a:off x="720000" y="300960"/>
-            <a:ext cx="8844480" cy="1251360"/>
+            <a:ext cx="8844120" cy="1251000"/>
           </a:xfrm>
           <a:prstGeom prst="rect">
             <a:avLst/>
@@ -13012,7 +13002,7 @@
         <p:spPr>
           <a:xfrm>
             <a:off x="720000" y="2160000"/>
-            <a:ext cx="8628840" cy="4373640"/>
+            <a:ext cx="8628480" cy="4373280"/>
           </a:xfrm>
           <a:prstGeom prst="rect">
             <a:avLst/>
@@ -13031,7 +13021,7 @@
         <p:txBody>
           <a:bodyPr lIns="0" rIns="0" tIns="0" bIns="0"/>
           <a:p>
-            <a:pPr marL="432000" indent="-312840">
+            <a:pPr marL="432000" indent="-312480">
               <a:lnSpc>
                 <a:spcPct val="100000"/>
               </a:lnSpc>
@@ -13120,7 +13110,7 @@
             </a:endParaRPr>
           </a:p>
           <a:p>
-            <a:pPr marL="432000" indent="-312840">
+            <a:pPr marL="432000" indent="-312480">
               <a:lnSpc>
                 <a:spcPct val="100000"/>
               </a:lnSpc>
@@ -13308,7 +13298,7 @@
         <p:spPr>
           <a:xfrm>
             <a:off x="720000" y="300960"/>
-            <a:ext cx="8844480" cy="1251360"/>
+            <a:ext cx="8844120" cy="1251000"/>
           </a:xfrm>
           <a:prstGeom prst="rect">
             <a:avLst/>
@@ -13352,7 +13342,7 @@
         <p:spPr>
           <a:xfrm>
             <a:off x="720000" y="1584000"/>
-            <a:ext cx="8628840" cy="5322600"/>
+            <a:ext cx="8628480" cy="5322240"/>
           </a:xfrm>
           <a:prstGeom prst="rect">
             <a:avLst/>
@@ -13371,7 +13361,7 @@
         <p:txBody>
           <a:bodyPr lIns="0" rIns="0" tIns="0" bIns="0"/>
           <a:p>
-            <a:pPr marL="432000" indent="-312840">
+            <a:pPr marL="432000" indent="-312480">
               <a:lnSpc>
                 <a:spcPct val="100000"/>
               </a:lnSpc>
@@ -13420,7 +13410,7 @@
             </a:endParaRPr>
           </a:p>
           <a:p>
-            <a:pPr marL="432000" indent="-312840">
+            <a:pPr marL="432000" indent="-312480">
               <a:lnSpc>
                 <a:spcPct val="100000"/>
               </a:lnSpc>
@@ -13480,7 +13470,7 @@
             </a:endParaRPr>
           </a:p>
           <a:p>
-            <a:pPr marL="432000" indent="-312840">
+            <a:pPr marL="432000" indent="-312480">
               <a:lnSpc>
                 <a:spcPct val="100000"/>
               </a:lnSpc>
@@ -13529,7 +13519,7 @@
             </a:endParaRPr>
           </a:p>
           <a:p>
-            <a:pPr marL="432000" indent="-312840">
+            <a:pPr marL="432000" indent="-312480">
               <a:lnSpc>
                 <a:spcPct val="100000"/>
               </a:lnSpc>
@@ -13578,7 +13568,7 @@
             </a:endParaRPr>
           </a:p>
           <a:p>
-            <a:pPr marL="432000" indent="-312840">
+            <a:pPr marL="432000" indent="-312480">
               <a:lnSpc>
                 <a:spcPct val="100000"/>
               </a:lnSpc>
@@ -13607,7 +13597,7 @@
             </a:endParaRPr>
           </a:p>
           <a:p>
-            <a:pPr marL="432000" indent="-312840">
+            <a:pPr marL="432000" indent="-312480">
               <a:lnSpc>
                 <a:spcPct val="100000"/>
               </a:lnSpc>
@@ -13696,7 +13686,7 @@
         <p:spPr>
           <a:xfrm>
             <a:off x="720000" y="300960"/>
-            <a:ext cx="8844480" cy="1251360"/>
+            <a:ext cx="8844120" cy="1251000"/>
           </a:xfrm>
           <a:prstGeom prst="rect">
             <a:avLst/>
@@ -13740,7 +13730,7 @@
         <p:spPr>
           <a:xfrm>
             <a:off x="720000" y="1404000"/>
-            <a:ext cx="8628840" cy="5645520"/>
+            <a:ext cx="8628480" cy="5645160"/>
           </a:xfrm>
           <a:prstGeom prst="rect">
             <a:avLst/>
@@ -14978,7 +14968,7 @@
         <p:spPr>
           <a:xfrm>
             <a:off x="720000" y="300960"/>
-            <a:ext cx="8844480" cy="1251360"/>
+            <a:ext cx="8844120" cy="1251000"/>
           </a:xfrm>
           <a:prstGeom prst="rect">
             <a:avLst/>
@@ -15022,7 +15012,7 @@
         <p:spPr>
           <a:xfrm>
             <a:off x="720000" y="1872000"/>
-            <a:ext cx="8628840" cy="4565520"/>
+            <a:ext cx="8628480" cy="4565160"/>
           </a:xfrm>
           <a:prstGeom prst="rect">
             <a:avLst/>
@@ -15800,7 +15790,7 @@
         <p:spPr>
           <a:xfrm>
             <a:off x="720000" y="300960"/>
-            <a:ext cx="8844480" cy="1251360"/>
+            <a:ext cx="8844120" cy="1251000"/>
           </a:xfrm>
           <a:prstGeom prst="rect">
             <a:avLst/>
@@ -15844,7 +15834,7 @@
         <p:spPr>
           <a:xfrm>
             <a:off x="720000" y="2052000"/>
-            <a:ext cx="8628840" cy="4373640"/>
+            <a:ext cx="8628480" cy="4373280"/>
           </a:xfrm>
           <a:prstGeom prst="rect">
             <a:avLst/>
@@ -15863,7 +15853,7 @@
         <p:txBody>
           <a:bodyPr lIns="0" rIns="0" tIns="0" bIns="0"/>
           <a:p>
-            <a:pPr marL="432000" indent="-312840">
+            <a:pPr marL="432000" indent="-312480">
               <a:lnSpc>
                 <a:spcPct val="100000"/>
               </a:lnSpc>
@@ -15925,7 +15915,7 @@
             </a:endParaRPr>
           </a:p>
           <a:p>
-            <a:pPr marL="432000" indent="-312840">
+            <a:pPr marL="432000" indent="-312480">
               <a:lnSpc>
                 <a:spcPct val="100000"/>
               </a:lnSpc>
@@ -15965,7 +15955,7 @@
             </a:endParaRPr>
           </a:p>
           <a:p>
-            <a:pPr marL="432000" indent="-312840">
+            <a:pPr marL="432000" indent="-312480">
               <a:lnSpc>
                 <a:spcPct val="100000"/>
               </a:lnSpc>
@@ -16005,7 +15995,7 @@
             </a:endParaRPr>
           </a:p>
           <a:p>
-            <a:pPr marL="432000" indent="-312840">
+            <a:pPr marL="432000" indent="-312480">
               <a:lnSpc>
                 <a:spcPct val="100000"/>
               </a:lnSpc>
@@ -16117,7 +16107,7 @@
         <p:spPr>
           <a:xfrm>
             <a:off x="720000" y="300960"/>
-            <a:ext cx="8844480" cy="1251360"/>
+            <a:ext cx="8844120" cy="1251000"/>
           </a:xfrm>
           <a:prstGeom prst="rect">
             <a:avLst/>
@@ -16161,7 +16151,7 @@
         <p:spPr>
           <a:xfrm>
             <a:off x="720000" y="1944000"/>
-            <a:ext cx="8628840" cy="4709520"/>
+            <a:ext cx="8628480" cy="4709160"/>
           </a:xfrm>
           <a:prstGeom prst="rect">
             <a:avLst/>
@@ -17029,7 +17019,7 @@
         <p:spPr>
           <a:xfrm>
             <a:off x="720000" y="300960"/>
-            <a:ext cx="8844480" cy="1251360"/>
+            <a:ext cx="8844120" cy="1251000"/>
           </a:xfrm>
           <a:prstGeom prst="rect">
             <a:avLst/>
@@ -17073,7 +17063,7 @@
         <p:spPr>
           <a:xfrm>
             <a:off x="720000" y="2052000"/>
-            <a:ext cx="8628840" cy="4421520"/>
+            <a:ext cx="8628480" cy="4421160"/>
           </a:xfrm>
           <a:prstGeom prst="rect">
             <a:avLst/>
@@ -17541,7 +17531,7 @@
         <p:spPr>
           <a:xfrm>
             <a:off x="720000" y="300960"/>
-            <a:ext cx="8844480" cy="1251360"/>
+            <a:ext cx="8844120" cy="1251000"/>
           </a:xfrm>
           <a:prstGeom prst="rect">
             <a:avLst/>
@@ -17585,7 +17575,7 @@
         <p:spPr>
           <a:xfrm>
             <a:off x="720000" y="1692000"/>
-            <a:ext cx="8628840" cy="4373640"/>
+            <a:ext cx="8628480" cy="4373280"/>
           </a:xfrm>
           <a:prstGeom prst="rect">
             <a:avLst/>
@@ -17604,7 +17594,7 @@
         <p:txBody>
           <a:bodyPr lIns="0" rIns="0" tIns="0" bIns="0"/>
           <a:p>
-            <a:pPr marL="432000" indent="-312840">
+            <a:pPr marL="432000" indent="-312480">
               <a:lnSpc>
                 <a:spcPct val="100000"/>
               </a:lnSpc>
@@ -17653,7 +17643,7 @@
             </a:endParaRPr>
           </a:p>
           <a:p>
-            <a:pPr marL="432000" indent="-312840">
+            <a:pPr marL="432000" indent="-312480">
               <a:lnSpc>
                 <a:spcPct val="100000"/>
               </a:lnSpc>
@@ -17693,7 +17683,7 @@
             </a:endParaRPr>
           </a:p>
           <a:p>
-            <a:pPr marL="432000" indent="-312840">
+            <a:pPr marL="432000" indent="-312480">
               <a:lnSpc>
                 <a:spcPct val="100000"/>
               </a:lnSpc>
@@ -17722,7 +17712,7 @@
             </a:endParaRPr>
           </a:p>
           <a:p>
-            <a:pPr marL="432000" indent="-312840">
+            <a:pPr marL="432000" indent="-312480">
               <a:lnSpc>
                 <a:spcPct val="100000"/>
               </a:lnSpc>
@@ -17771,7 +17761,7 @@
             </a:endParaRPr>
           </a:p>
           <a:p>
-            <a:pPr marL="432000" indent="-312840">
+            <a:pPr marL="432000" indent="-312480">
               <a:lnSpc>
                 <a:spcPct val="100000"/>
               </a:lnSpc>
@@ -17869,7 +17859,7 @@
         <p:spPr>
           <a:xfrm>
             <a:off x="720000" y="300960"/>
-            <a:ext cx="8844480" cy="1251360"/>
+            <a:ext cx="8844120" cy="1251000"/>
           </a:xfrm>
           <a:prstGeom prst="rect">
             <a:avLst/>
@@ -17913,7 +17903,7 @@
         <p:spPr>
           <a:xfrm>
             <a:off x="720000" y="1404000"/>
-            <a:ext cx="8628840" cy="5645520"/>
+            <a:ext cx="8628480" cy="5645160"/>
           </a:xfrm>
           <a:prstGeom prst="rect">
             <a:avLst/>
@@ -19437,7 +19427,7 @@
         <p:spPr>
           <a:xfrm>
             <a:off x="720000" y="300960"/>
-            <a:ext cx="8844480" cy="1251360"/>
+            <a:ext cx="8844120" cy="1251000"/>
           </a:xfrm>
           <a:prstGeom prst="rect">
             <a:avLst/>
@@ -19481,7 +19471,7 @@
         <p:spPr>
           <a:xfrm>
             <a:off x="964440" y="2160000"/>
-            <a:ext cx="8139960" cy="2868120"/>
+            <a:ext cx="8139600" cy="2867760"/>
           </a:xfrm>
           <a:prstGeom prst="rect">
             <a:avLst/>
@@ -19505,7 +19495,7 @@
             </a:endParaRPr>
           </a:p>
           <a:p>
-            <a:pPr marL="432000" indent="-312840">
+            <a:pPr marL="432000" indent="-312480">
               <a:lnSpc>
                 <a:spcPct val="100000"/>
               </a:lnSpc>
@@ -19534,7 +19524,7 @@
             </a:endParaRPr>
           </a:p>
           <a:p>
-            <a:pPr marL="432000" indent="-312840">
+            <a:pPr marL="432000" indent="-312480">
               <a:lnSpc>
                 <a:spcPct val="100000"/>
               </a:lnSpc>
@@ -19563,7 +19553,7 @@
             </a:endParaRPr>
           </a:p>
           <a:p>
-            <a:pPr marL="432000" indent="-312840">
+            <a:pPr marL="432000" indent="-312480">
               <a:lnSpc>
                 <a:spcPct val="100000"/>
               </a:lnSpc>
@@ -19662,7 +19652,7 @@
         <p:spPr>
           <a:xfrm>
             <a:off x="720000" y="300960"/>
-            <a:ext cx="8844480" cy="1251360"/>
+            <a:ext cx="8844120" cy="1251000"/>
           </a:xfrm>
           <a:prstGeom prst="rect">
             <a:avLst/>
@@ -19706,7 +19696,7 @@
         <p:spPr>
           <a:xfrm>
             <a:off x="720000" y="2160000"/>
-            <a:ext cx="8628840" cy="4373640"/>
+            <a:ext cx="8628480" cy="4373280"/>
           </a:xfrm>
           <a:prstGeom prst="rect">
             <a:avLst/>
@@ -19755,7 +19745,7 @@
             </a:endParaRPr>
           </a:p>
           <a:p>
-            <a:pPr marL="432000" indent="-312840">
+            <a:pPr marL="432000" indent="-312480">
               <a:lnSpc>
                 <a:spcPct val="100000"/>
               </a:lnSpc>
@@ -19804,7 +19794,7 @@
             </a:endParaRPr>
           </a:p>
           <a:p>
-            <a:pPr marL="432000" indent="-312840">
+            <a:pPr marL="432000" indent="-312480">
               <a:lnSpc>
                 <a:spcPct val="100000"/>
               </a:lnSpc>
@@ -19914,7 +19904,7 @@
         <p:spPr>
           <a:xfrm>
             <a:off x="720000" y="300960"/>
-            <a:ext cx="8844480" cy="1251360"/>
+            <a:ext cx="8844120" cy="1251000"/>
           </a:xfrm>
           <a:prstGeom prst="rect">
             <a:avLst/>
@@ -19958,7 +19948,7 @@
         <p:spPr>
           <a:xfrm>
             <a:off x="720000" y="1836000"/>
-            <a:ext cx="8628840" cy="4712040"/>
+            <a:ext cx="8628480" cy="4711680"/>
           </a:xfrm>
           <a:prstGeom prst="rect">
             <a:avLst/>
@@ -19977,7 +19967,7 @@
         <p:txBody>
           <a:bodyPr lIns="0" rIns="0" tIns="0" bIns="0"/>
           <a:p>
-            <a:pPr marL="432000" indent="-312840">
+            <a:pPr marL="432000" indent="-312480">
               <a:lnSpc>
                 <a:spcPct val="100000"/>
               </a:lnSpc>
@@ -20057,7 +20047,7 @@
             </a:endParaRPr>
           </a:p>
           <a:p>
-            <a:pPr marL="432000" indent="-312840">
+            <a:pPr marL="432000" indent="-312480">
               <a:lnSpc>
                 <a:spcPct val="100000"/>
               </a:lnSpc>
@@ -20097,7 +20087,7 @@
             </a:endParaRPr>
           </a:p>
           <a:p>
-            <a:pPr marL="432000" indent="-312840">
+            <a:pPr marL="432000" indent="-312480">
               <a:lnSpc>
                 <a:spcPct val="100000"/>
               </a:lnSpc>
@@ -20137,7 +20127,7 @@
             </a:endParaRPr>
           </a:p>
           <a:p>
-            <a:pPr marL="432000" indent="-312840">
+            <a:pPr marL="432000" indent="-312480">
               <a:lnSpc>
                 <a:spcPct val="100000"/>
               </a:lnSpc>
@@ -20170,14 +20160,14 @@
                 <a:latin typeface="Noto Sans Regular"/>
                 <a:ea typeface="DejaVu Sans"/>
               </a:rPr>
-              <a:t> (only Scala): Default instances (in companion object) can be overridden with your own instances.</a:t>
+              <a:t> (only Scala): Default instances (in companion objects) can be overridden with your own instances.</a:t>
             </a:r>
             <a:endParaRPr b="0" lang="de-DE" sz="2000" spc="-1" strike="noStrike">
               <a:latin typeface="Arial"/>
             </a:endParaRPr>
           </a:p>
           <a:p>
-            <a:pPr marL="432000" indent="-312840">
+            <a:pPr marL="432000" indent="-312480">
               <a:lnSpc>
                 <a:spcPct val="100000"/>
               </a:lnSpc>
@@ -20217,7 +20207,7 @@
             </a:endParaRPr>
           </a:p>
           <a:p>
-            <a:pPr marL="432000" indent="-312840">
+            <a:pPr marL="432000" indent="-312480">
               <a:lnSpc>
                 <a:spcPct val="100000"/>
               </a:lnSpc>
@@ -20316,7 +20306,7 @@
         <p:spPr>
           <a:xfrm>
             <a:off x="720000" y="300960"/>
-            <a:ext cx="8844480" cy="1251360"/>
+            <a:ext cx="8844120" cy="1251000"/>
           </a:xfrm>
           <a:prstGeom prst="rect">
             <a:avLst/>
@@ -20360,7 +20350,7 @@
         <p:spPr>
           <a:xfrm>
             <a:off x="720000" y="2160000"/>
-            <a:ext cx="8628840" cy="4373640"/>
+            <a:ext cx="8628480" cy="4373280"/>
           </a:xfrm>
           <a:prstGeom prst="rect">
             <a:avLst/>
@@ -20379,7 +20369,7 @@
         <p:txBody>
           <a:bodyPr lIns="0" rIns="0" tIns="0" bIns="0"/>
           <a:p>
-            <a:pPr marL="432000" indent="-312840">
+            <a:pPr marL="432000" indent="-312480">
               <a:lnSpc>
                 <a:spcPct val="100000"/>
               </a:lnSpc>
@@ -20408,7 +20398,7 @@
             </a:endParaRPr>
           </a:p>
           <a:p>
-            <a:pPr marL="432000" indent="-312840">
+            <a:pPr marL="432000" indent="-312480">
               <a:lnSpc>
                 <a:spcPct val="100000"/>
               </a:lnSpc>
@@ -20437,7 +20427,7 @@
             </a:endParaRPr>
           </a:p>
           <a:p>
-            <a:pPr marL="432000" indent="-312840">
+            <a:pPr marL="432000" indent="-312480">
               <a:lnSpc>
                 <a:spcPct val="100000"/>
               </a:lnSpc>
@@ -20466,7 +20456,7 @@
             </a:endParaRPr>
           </a:p>
           <a:p>
-            <a:pPr marL="432000" indent="-312840">
+            <a:pPr marL="432000" indent="-312480">
               <a:lnSpc>
                 <a:spcPct val="100000"/>
               </a:lnSpc>
@@ -20554,7 +20544,7 @@
         <p:spPr>
           <a:xfrm>
             <a:off x="720000" y="300960"/>
-            <a:ext cx="8844480" cy="1251360"/>
+            <a:ext cx="8844120" cy="1251000"/>
           </a:xfrm>
           <a:prstGeom prst="rect">
             <a:avLst/>
@@ -20598,7 +20588,7 @@
         <p:spPr>
           <a:xfrm>
             <a:off x="720000" y="1836000"/>
-            <a:ext cx="8628840" cy="4998240"/>
+            <a:ext cx="8628480" cy="4997880"/>
           </a:xfrm>
           <a:prstGeom prst="rect">
             <a:avLst/>
@@ -20617,7 +20607,7 @@
         <p:txBody>
           <a:bodyPr lIns="0" rIns="0" tIns="0" bIns="0"/>
           <a:p>
-            <a:pPr marL="432000" indent="-312840">
+            <a:pPr marL="432000" indent="-312480">
               <a:lnSpc>
                 <a:spcPct val="100000"/>
               </a:lnSpc>
@@ -20677,7 +20667,7 @@
             </a:endParaRPr>
           </a:p>
           <a:p>
-            <a:pPr marL="432000" indent="-312840">
+            <a:pPr marL="432000" indent="-312480">
               <a:lnSpc>
                 <a:spcPct val="100000"/>
               </a:lnSpc>
@@ -20778,7 +20768,7 @@
             </a:endParaRPr>
           </a:p>
           <a:p>
-            <a:pPr marL="432000" indent="-312840">
+            <a:pPr marL="432000" indent="-312480">
               <a:lnSpc>
                 <a:spcPct val="100000"/>
               </a:lnSpc>
@@ -20866,7 +20856,7 @@
         <p:spPr>
           <a:xfrm>
             <a:off x="720000" y="300960"/>
-            <a:ext cx="8844480" cy="1251360"/>
+            <a:ext cx="8844120" cy="1251000"/>
           </a:xfrm>
           <a:prstGeom prst="rect">
             <a:avLst/>
@@ -20910,7 +20900,7 @@
         <p:spPr>
           <a:xfrm>
             <a:off x="720000" y="2160000"/>
-            <a:ext cx="8628840" cy="4373640"/>
+            <a:ext cx="8628480" cy="4373280"/>
           </a:xfrm>
           <a:prstGeom prst="rect">
             <a:avLst/>
@@ -21242,7 +21232,7 @@
         <p:spPr>
           <a:xfrm>
             <a:off x="720000" y="300960"/>
-            <a:ext cx="8844480" cy="1251360"/>
+            <a:ext cx="8844120" cy="1251000"/>
           </a:xfrm>
           <a:prstGeom prst="rect">
             <a:avLst/>
@@ -21286,7 +21276,7 @@
         <p:spPr>
           <a:xfrm>
             <a:off x="720000" y="1872000"/>
-            <a:ext cx="8628840" cy="4373640"/>
+            <a:ext cx="8628480" cy="4373280"/>
           </a:xfrm>
           <a:prstGeom prst="rect">
             <a:avLst/>
@@ -21305,7 +21295,7 @@
         <p:txBody>
           <a:bodyPr lIns="0" rIns="0" tIns="0" bIns="0"/>
           <a:p>
-            <a:pPr marL="432000" indent="-312840">
+            <a:pPr marL="432000" indent="-312480">
               <a:lnSpc>
                 <a:spcPct val="100000"/>
               </a:lnSpc>
@@ -21334,7 +21324,7 @@
             </a:endParaRPr>
           </a:p>
           <a:p>
-            <a:pPr marL="432000" indent="-312840">
+            <a:pPr marL="432000" indent="-312480">
               <a:lnSpc>
                 <a:spcPct val="100000"/>
               </a:lnSpc>
@@ -21363,7 +21353,7 @@
             </a:endParaRPr>
           </a:p>
           <a:p>
-            <a:pPr marL="432000" indent="-312840">
+            <a:pPr marL="432000" indent="-312480">
               <a:lnSpc>
                 <a:spcPct val="100000"/>
               </a:lnSpc>
@@ -21392,7 +21382,7 @@
             </a:endParaRPr>
           </a:p>
           <a:p>
-            <a:pPr marL="432000" indent="-312840">
+            <a:pPr marL="432000" indent="-312480">
               <a:lnSpc>
                 <a:spcPct val="100000"/>
               </a:lnSpc>
@@ -21480,7 +21470,7 @@
         <p:spPr>
           <a:xfrm>
             <a:off x="720000" y="300960"/>
-            <a:ext cx="8844480" cy="1251360"/>
+            <a:ext cx="8844120" cy="1251000"/>
           </a:xfrm>
           <a:prstGeom prst="rect">
             <a:avLst/>
@@ -21524,7 +21514,7 @@
         <p:spPr>
           <a:xfrm>
             <a:off x="720000" y="2160000"/>
-            <a:ext cx="8628840" cy="4373640"/>
+            <a:ext cx="8628480" cy="4373280"/>
           </a:xfrm>
           <a:prstGeom prst="rect">
             <a:avLst/>
@@ -21771,7 +21761,7 @@
         <p:spPr>
           <a:xfrm>
             <a:off x="720000" y="300960"/>
-            <a:ext cx="8844480" cy="1251360"/>
+            <a:ext cx="8844120" cy="1251000"/>
           </a:xfrm>
           <a:prstGeom prst="rect">
             <a:avLst/>
@@ -21815,7 +21805,7 @@
         <p:spPr>
           <a:xfrm>
             <a:off x="720000" y="2160000"/>
-            <a:ext cx="8628840" cy="4373640"/>
+            <a:ext cx="8628480" cy="4373280"/>
           </a:xfrm>
           <a:prstGeom prst="rect">
             <a:avLst/>
@@ -22149,7 +22139,7 @@
         <p:spPr>
           <a:xfrm>
             <a:off x="720000" y="240120"/>
-            <a:ext cx="8844480" cy="1373040"/>
+            <a:ext cx="8844120" cy="1372680"/>
           </a:xfrm>
           <a:prstGeom prst="rect">
             <a:avLst/>
@@ -22193,7 +22183,7 @@
         <p:spPr>
           <a:xfrm>
             <a:off x="720000" y="2484000"/>
-            <a:ext cx="8628840" cy="3738600"/>
+            <a:ext cx="8628480" cy="3738240"/>
           </a:xfrm>
           <a:prstGeom prst="rect">
             <a:avLst/>
@@ -22449,7 +22439,7 @@
         <p:spPr>
           <a:xfrm>
             <a:off x="720000" y="300960"/>
-            <a:ext cx="8844480" cy="1251360"/>
+            <a:ext cx="8844120" cy="1251000"/>
           </a:xfrm>
           <a:prstGeom prst="rect">
             <a:avLst/>
@@ -22493,7 +22483,7 @@
         <p:spPr>
           <a:xfrm>
             <a:off x="720000" y="2160000"/>
-            <a:ext cx="8628840" cy="4373640"/>
+            <a:ext cx="8628480" cy="4373280"/>
           </a:xfrm>
           <a:prstGeom prst="rect">
             <a:avLst/>
@@ -22530,7 +22520,7 @@
             </a:endParaRPr>
           </a:p>
           <a:p>
-            <a:pPr marL="432000" indent="-312840">
+            <a:pPr marL="432000" indent="-312480">
               <a:lnSpc>
                 <a:spcPct val="100000"/>
               </a:lnSpc>
@@ -22579,7 +22569,7 @@
             </a:endParaRPr>
           </a:p>
           <a:p>
-            <a:pPr marL="432000" indent="-312840">
+            <a:pPr marL="432000" indent="-312480">
               <a:lnSpc>
                 <a:spcPct val="100000"/>
               </a:lnSpc>
@@ -22687,7 +22677,7 @@
         <p:spPr>
           <a:xfrm>
             <a:off x="720000" y="300960"/>
-            <a:ext cx="8844480" cy="1251360"/>
+            <a:ext cx="8844120" cy="1251000"/>
           </a:xfrm>
           <a:prstGeom prst="rect">
             <a:avLst/>
@@ -22731,7 +22721,7 @@
         <p:spPr>
           <a:xfrm>
             <a:off x="720000" y="2160000"/>
-            <a:ext cx="8628840" cy="4373640"/>
+            <a:ext cx="8628480" cy="4373280"/>
           </a:xfrm>
           <a:prstGeom prst="rect">
             <a:avLst/>
@@ -22755,7 +22745,7 @@
             </a:endParaRPr>
           </a:p>
           <a:p>
-            <a:pPr marL="432000" indent="-312840">
+            <a:pPr marL="432000" indent="-312480">
               <a:lnSpc>
                 <a:spcPct val="100000"/>
               </a:lnSpc>
@@ -22784,7 +22774,7 @@
             </a:endParaRPr>
           </a:p>
           <a:p>
-            <a:pPr marL="432000" indent="-312840">
+            <a:pPr marL="432000" indent="-312480">
               <a:lnSpc>
                 <a:spcPct val="100000"/>
               </a:lnSpc>
@@ -23092,7 +23082,7 @@
         <p:spPr>
           <a:xfrm>
             <a:off x="720000" y="300960"/>
-            <a:ext cx="8844480" cy="1251360"/>
+            <a:ext cx="8844120" cy="1251000"/>
           </a:xfrm>
           <a:prstGeom prst="rect">
             <a:avLst/>
@@ -23136,7 +23126,7 @@
         <p:spPr>
           <a:xfrm>
             <a:off x="720000" y="1692000"/>
-            <a:ext cx="8628840" cy="5144040"/>
+            <a:ext cx="8628480" cy="5143680"/>
           </a:xfrm>
           <a:prstGeom prst="rect">
             <a:avLst/>
@@ -23155,7 +23145,7 @@
         <p:txBody>
           <a:bodyPr lIns="0" rIns="0" tIns="0" bIns="0"/>
           <a:p>
-            <a:pPr marL="432000" indent="-312840">
+            <a:pPr marL="432000" indent="-312480">
               <a:lnSpc>
                 <a:spcPct val="100000"/>
               </a:lnSpc>
@@ -23224,7 +23214,7 @@
             </a:endParaRPr>
           </a:p>
           <a:p>
-            <a:pPr marL="432000" indent="-312840">
+            <a:pPr marL="432000" indent="-312480">
               <a:lnSpc>
                 <a:spcPct val="100000"/>
               </a:lnSpc>
@@ -23253,7 +23243,7 @@
             </a:endParaRPr>
           </a:p>
           <a:p>
-            <a:pPr marL="432000" indent="-312840">
+            <a:pPr marL="432000" indent="-312480">
               <a:lnSpc>
                 <a:spcPct val="100000"/>
               </a:lnSpc>
@@ -23282,7 +23272,7 @@
             </a:endParaRPr>
           </a:p>
           <a:p>
-            <a:pPr marL="432000" indent="-312840">
+            <a:pPr marL="432000" indent="-312480">
               <a:lnSpc>
                 <a:spcPct val="100000"/>
               </a:lnSpc>
@@ -23311,7 +23301,7 @@
             </a:endParaRPr>
           </a:p>
           <a:p>
-            <a:pPr marL="432000" indent="-312840">
+            <a:pPr marL="432000" indent="-312480">
               <a:lnSpc>
                 <a:spcPct val="100000"/>
               </a:lnSpc>
@@ -23340,7 +23330,7 @@
             </a:endParaRPr>
           </a:p>
           <a:p>
-            <a:pPr marL="432000" indent="-312840">
+            <a:pPr marL="432000" indent="-312480">
               <a:lnSpc>
                 <a:spcPct val="100000"/>
               </a:lnSpc>
@@ -23369,7 +23359,7 @@
             </a:endParaRPr>
           </a:p>
           <a:p>
-            <a:pPr marL="432000" indent="-312840">
+            <a:pPr marL="432000" indent="-312480">
               <a:lnSpc>
                 <a:spcPct val="100000"/>
               </a:lnSpc>
@@ -23467,7 +23457,7 @@
         <p:spPr>
           <a:xfrm>
             <a:off x="720000" y="300960"/>
-            <a:ext cx="8844480" cy="1251360"/>
+            <a:ext cx="8844120" cy="1251000"/>
           </a:xfrm>
           <a:prstGeom prst="rect">
             <a:avLst/>
@@ -23511,7 +23501,7 @@
         <p:spPr>
           <a:xfrm>
             <a:off x="756000" y="2160000"/>
-            <a:ext cx="8628840" cy="4373640"/>
+            <a:ext cx="8628480" cy="4373280"/>
           </a:xfrm>
           <a:prstGeom prst="rect">
             <a:avLst/>
@@ -23530,7 +23520,7 @@
         <p:txBody>
           <a:bodyPr lIns="0" rIns="0" tIns="0" bIns="0"/>
           <a:p>
-            <a:pPr marL="432000" indent="-312840">
+            <a:pPr marL="432000" indent="-312480">
               <a:lnSpc>
                 <a:spcPct val="100000"/>
               </a:lnSpc>
@@ -23581,7 +23571,7 @@
             </a:endParaRPr>
           </a:p>
           <a:p>
-            <a:pPr marL="432000" indent="-312840">
+            <a:pPr marL="432000" indent="-312480">
               <a:lnSpc>
                 <a:spcPct val="100000"/>
               </a:lnSpc>
@@ -23652,7 +23642,7 @@
             </a:endParaRPr>
           </a:p>
           <a:p>
-            <a:pPr marL="432000" indent="-312840">
+            <a:pPr marL="432000" indent="-312480">
               <a:lnSpc>
                 <a:spcPct val="100000"/>
               </a:lnSpc>
@@ -23723,7 +23713,7 @@
             </a:endParaRPr>
           </a:p>
           <a:p>
-            <a:pPr marL="432000" indent="-312840">
+            <a:pPr marL="432000" indent="-312480">
               <a:lnSpc>
                 <a:spcPct val="100000"/>
               </a:lnSpc>
@@ -23854,7 +23844,7 @@
         <p:spPr>
           <a:xfrm>
             <a:off x="720000" y="300960"/>
-            <a:ext cx="8844480" cy="1251360"/>
+            <a:ext cx="8844120" cy="1251000"/>
           </a:xfrm>
           <a:prstGeom prst="rect">
             <a:avLst/>
@@ -23898,7 +23888,7 @@
         <p:spPr>
           <a:xfrm>
             <a:off x="756000" y="2160000"/>
-            <a:ext cx="8628840" cy="4373640"/>
+            <a:ext cx="8628480" cy="4373280"/>
           </a:xfrm>
           <a:prstGeom prst="rect">
             <a:avLst/>
@@ -23917,7 +23907,7 @@
         <p:txBody>
           <a:bodyPr lIns="0" rIns="0" tIns="0" bIns="0"/>
           <a:p>
-            <a:pPr marL="432000" indent="-312840">
+            <a:pPr marL="432000" indent="-312480">
               <a:lnSpc>
                 <a:spcPct val="100000"/>
               </a:lnSpc>
@@ -23988,7 +23978,7 @@
             </a:endParaRPr>
           </a:p>
           <a:p>
-            <a:pPr marL="432000" indent="-312840">
+            <a:pPr marL="432000" indent="-312480">
               <a:lnSpc>
                 <a:spcPct val="100000"/>
               </a:lnSpc>
@@ -24049,7 +24039,7 @@
             </a:endParaRPr>
           </a:p>
           <a:p>
-            <a:pPr marL="432000" indent="-312840">
+            <a:pPr marL="432000" indent="-312480">
               <a:lnSpc>
                 <a:spcPct val="100000"/>
               </a:lnSpc>
@@ -24090,7 +24080,7 @@
             </a:endParaRPr>
           </a:p>
           <a:p>
-            <a:pPr marL="432000" indent="-312840">
+            <a:pPr marL="432000" indent="-312480">
               <a:lnSpc>
                 <a:spcPct val="100000"/>
               </a:lnSpc>
@@ -24230,7 +24220,7 @@
         <p:spPr>
           <a:xfrm>
             <a:off x="720000" y="300960"/>
-            <a:ext cx="8844480" cy="1251360"/>
+            <a:ext cx="8844120" cy="1251000"/>
           </a:xfrm>
           <a:prstGeom prst="rect">
             <a:avLst/>
@@ -24274,7 +24264,7 @@
         <p:spPr>
           <a:xfrm>
             <a:off x="756000" y="2124000"/>
-            <a:ext cx="8628840" cy="4373640"/>
+            <a:ext cx="8628480" cy="4373280"/>
           </a:xfrm>
           <a:prstGeom prst="rect">
             <a:avLst/>
@@ -24293,7 +24283,7 @@
         <p:txBody>
           <a:bodyPr lIns="0" rIns="0" tIns="0" bIns="0"/>
           <a:p>
-            <a:pPr marL="432000" indent="-312840">
+            <a:pPr marL="432000" indent="-312480">
               <a:lnSpc>
                 <a:spcPct val="100000"/>
               </a:lnSpc>
@@ -24334,7 +24324,10 @@
             </a:endParaRPr>
           </a:p>
           <a:p>
-            <a:pPr marL="432000" indent="-312840">
+            <a:pPr marL="432000" indent="-312480">
+              <a:lnSpc>
+                <a:spcPct val="100000"/>
+              </a:lnSpc>
               <a:spcAft>
                 <a:spcPts val="1414"/>
               </a:spcAft>
@@ -24353,17 +24346,7 @@
                 <a:latin typeface="Noto Sans Regular"/>
                 <a:ea typeface="DejaVu Sans"/>
               </a:rPr>
-              <a:t>Blog</a:t>
-            </a:r>
-            <a:r>
-              <a:rPr b="0" lang="de-DE" sz="2400" spc="-1" strike="noStrike">
-                <a:solidFill>
-                  <a:srgbClr val="333333"/>
-                </a:solidFill>
-                <a:latin typeface="Noto Sans Regular"/>
-                <a:ea typeface="DejaVu Sans"/>
-              </a:rPr>
-              <a:t> post: on the details of implicit parameter resolution – </a:t>
+              <a:t>Blog post: on the details of implicit parameter resolution – </a:t>
             </a:r>
             <a:r>
               <a:rPr b="0" lang="de-DE" sz="2000" spc="-1" strike="noStrike" u="sng">
@@ -24392,7 +24375,7 @@
             </a:endParaRPr>
           </a:p>
           <a:p>
-            <a:pPr marL="432000" indent="-312840">
+            <a:pPr marL="432000" indent="-312480">
               <a:lnSpc>
                 <a:spcPct val="100000"/>
               </a:lnSpc>
@@ -24443,7 +24426,7 @@
             </a:endParaRPr>
           </a:p>
           <a:p>
-            <a:pPr marL="432000" indent="-312840">
+            <a:pPr marL="432000" indent="-312480">
               <a:lnSpc>
                 <a:spcPct val="100000"/>
               </a:lnSpc>
@@ -24594,7 +24577,7 @@
         <p:spPr>
           <a:xfrm>
             <a:off x="720000" y="300960"/>
-            <a:ext cx="8844480" cy="1251360"/>
+            <a:ext cx="8844120" cy="1251000"/>
           </a:xfrm>
           <a:prstGeom prst="rect">
             <a:avLst/>
@@ -24638,7 +24621,7 @@
         <p:spPr>
           <a:xfrm>
             <a:off x="720000" y="2160000"/>
-            <a:ext cx="8628840" cy="4373640"/>
+            <a:ext cx="8628480" cy="4373280"/>
           </a:xfrm>
           <a:prstGeom prst="rect">
             <a:avLst/>
@@ -24833,7 +24816,7 @@
         <p:spPr>
           <a:xfrm>
             <a:off x="720000" y="300960"/>
-            <a:ext cx="8844480" cy="1251360"/>
+            <a:ext cx="8844120" cy="1251000"/>
           </a:xfrm>
           <a:prstGeom prst="rect">
             <a:avLst/>
@@ -24877,7 +24860,7 @@
         <p:spPr>
           <a:xfrm>
             <a:off x="720000" y="1872000"/>
-            <a:ext cx="8628840" cy="4373640"/>
+            <a:ext cx="8628480" cy="4373280"/>
           </a:xfrm>
           <a:prstGeom prst="rect">
             <a:avLst/>
@@ -24896,7 +24879,7 @@
         <p:txBody>
           <a:bodyPr lIns="0" rIns="0" tIns="0" bIns="0"/>
           <a:p>
-            <a:pPr marL="432000" indent="-312840">
+            <a:pPr marL="432000" indent="-312480">
               <a:lnSpc>
                 <a:spcPct val="100000"/>
               </a:lnSpc>
@@ -24925,7 +24908,7 @@
             </a:endParaRPr>
           </a:p>
           <a:p>
-            <a:pPr marL="432000" indent="-312840">
+            <a:pPr marL="432000" indent="-312480">
               <a:lnSpc>
                 <a:spcPct val="100000"/>
               </a:lnSpc>
@@ -24985,7 +24968,7 @@
             </a:endParaRPr>
           </a:p>
           <a:p>
-            <a:pPr marL="432000" indent="-312840">
+            <a:pPr marL="432000" indent="-312480">
               <a:lnSpc>
                 <a:spcPct val="100000"/>
               </a:lnSpc>
@@ -25045,7 +25028,7 @@
             </a:endParaRPr>
           </a:p>
           <a:p>
-            <a:pPr marL="432000" indent="-312840">
+            <a:pPr marL="432000" indent="-312480">
               <a:lnSpc>
                 <a:spcPct val="100000"/>
               </a:lnSpc>
@@ -25074,7 +25057,7 @@
             </a:endParaRPr>
           </a:p>
           <a:p>
-            <a:pPr marL="432000" indent="-312840">
+            <a:pPr marL="432000" indent="-312480">
               <a:lnSpc>
                 <a:spcPct val="100000"/>
               </a:lnSpc>
@@ -25162,7 +25145,7 @@
         <p:spPr>
           <a:xfrm>
             <a:off x="720000" y="300960"/>
-            <a:ext cx="8844480" cy="1251360"/>
+            <a:ext cx="8844120" cy="1251000"/>
           </a:xfrm>
           <a:prstGeom prst="rect">
             <a:avLst/>
@@ -25206,7 +25189,7 @@
         <p:spPr>
           <a:xfrm>
             <a:off x="720000" y="2160000"/>
-            <a:ext cx="8628840" cy="4373640"/>
+            <a:ext cx="8628480" cy="4373280"/>
           </a:xfrm>
           <a:prstGeom prst="rect">
             <a:avLst/>
@@ -25225,7 +25208,7 @@
         <p:txBody>
           <a:bodyPr lIns="0" rIns="0" tIns="0" bIns="0"/>
           <a:p>
-            <a:pPr marL="432000" indent="-312840">
+            <a:pPr marL="432000" indent="-312480">
               <a:lnSpc>
                 <a:spcPct val="100000"/>
               </a:lnSpc>
@@ -25254,7 +25237,7 @@
             </a:endParaRPr>
           </a:p>
           <a:p>
-            <a:pPr marL="432000" indent="-312840">
+            <a:pPr marL="432000" indent="-312480">
               <a:lnSpc>
                 <a:spcPct val="100000"/>
               </a:lnSpc>
@@ -25735,7 +25718,7 @@
         <p:spPr>
           <a:xfrm>
             <a:off x="720000" y="300960"/>
-            <a:ext cx="8844480" cy="1251360"/>
+            <a:ext cx="8844120" cy="1251000"/>
           </a:xfrm>
           <a:prstGeom prst="rect">
             <a:avLst/>
@@ -25779,7 +25762,7 @@
         <p:spPr>
           <a:xfrm>
             <a:off x="720000" y="2160000"/>
-            <a:ext cx="8628840" cy="4373640"/>
+            <a:ext cx="8628480" cy="4373280"/>
           </a:xfrm>
           <a:prstGeom prst="rect">
             <a:avLst/>
@@ -25798,7 +25781,7 @@
         <p:txBody>
           <a:bodyPr lIns="0" rIns="0" tIns="0" bIns="0"/>
           <a:p>
-            <a:pPr marL="432000" indent="-312840">
+            <a:pPr marL="432000" indent="-312480">
               <a:lnSpc>
                 <a:spcPct val="100000"/>
               </a:lnSpc>
@@ -25827,7 +25810,7 @@
             </a:endParaRPr>
           </a:p>
           <a:p>
-            <a:pPr marL="432000" indent="-312840">
+            <a:pPr marL="432000" indent="-312480">
               <a:lnSpc>
                 <a:spcPct val="100000"/>
               </a:lnSpc>
@@ -25856,7 +25839,7 @@
             </a:endParaRPr>
           </a:p>
           <a:p>
-            <a:pPr marL="432000" indent="-312840">
+            <a:pPr marL="432000" indent="-312480">
               <a:lnSpc>
                 <a:spcPct val="100000"/>
               </a:lnSpc>
@@ -25885,7 +25868,7 @@
             </a:endParaRPr>
           </a:p>
           <a:p>
-            <a:pPr marL="432000" indent="-312840">
+            <a:pPr marL="432000" indent="-312480">
               <a:lnSpc>
                 <a:spcPct val="100000"/>
               </a:lnSpc>
@@ -26013,7 +25996,7 @@
         <p:spPr>
           <a:xfrm>
             <a:off x="720000" y="300960"/>
-            <a:ext cx="8844480" cy="1251360"/>
+            <a:ext cx="8844120" cy="1251000"/>
           </a:xfrm>
           <a:prstGeom prst="rect">
             <a:avLst/>
@@ -26057,7 +26040,7 @@
         <p:spPr>
           <a:xfrm>
             <a:off x="720000" y="2124000"/>
-            <a:ext cx="8628840" cy="4373640"/>
+            <a:ext cx="8628480" cy="4373280"/>
           </a:xfrm>
           <a:prstGeom prst="rect">
             <a:avLst/>
@@ -26720,7 +26703,7 @@
         <p:spPr>
           <a:xfrm>
             <a:off x="720000" y="300960"/>
-            <a:ext cx="8844480" cy="1251360"/>
+            <a:ext cx="8844120" cy="1251000"/>
           </a:xfrm>
           <a:prstGeom prst="rect">
             <a:avLst/>
@@ -26764,7 +26747,7 @@
         <p:spPr>
           <a:xfrm>
             <a:off x="720000" y="2160000"/>
-            <a:ext cx="8628840" cy="4373640"/>
+            <a:ext cx="8628480" cy="4373280"/>
           </a:xfrm>
           <a:prstGeom prst="rect">
             <a:avLst/>

--- a/Slides/TypeClasses.pptx
+++ b/Slides/TypeClasses.pptx
@@ -2751,7 +2751,7 @@
         <p:spPr>
           <a:xfrm>
             <a:off x="0" y="4320000"/>
-            <a:ext cx="492480" cy="1068480"/>
+            <a:ext cx="492120" cy="1068120"/>
           </a:xfrm>
           <a:prstGeom prst="rect">
             <a:avLst/>
@@ -3030,7 +3030,7 @@
         <p:spPr>
           <a:xfrm>
             <a:off x="0" y="288000"/>
-            <a:ext cx="492480" cy="1068480"/>
+            <a:ext cx="492120" cy="1068120"/>
           </a:xfrm>
           <a:prstGeom prst="rect">
             <a:avLst/>
@@ -3309,7 +3309,7 @@
         <p:spPr>
           <a:xfrm>
             <a:off x="792000" y="3885480"/>
-            <a:ext cx="8556480" cy="1649880"/>
+            <a:ext cx="8556120" cy="1649520"/>
           </a:xfrm>
           <a:prstGeom prst="rect">
             <a:avLst/>
@@ -3366,7 +3366,7 @@
         <p:spPr>
           <a:xfrm>
             <a:off x="792000" y="5904000"/>
-            <a:ext cx="8556480" cy="970920"/>
+            <a:ext cx="8556120" cy="970560"/>
           </a:xfrm>
           <a:prstGeom prst="rect">
             <a:avLst/>
@@ -3474,7 +3474,7 @@
         <p:spPr>
           <a:xfrm>
             <a:off x="720000" y="300960"/>
-            <a:ext cx="8844120" cy="1251000"/>
+            <a:ext cx="8843760" cy="1250640"/>
           </a:xfrm>
           <a:prstGeom prst="rect">
             <a:avLst/>
@@ -3518,7 +3518,7 @@
         <p:spPr>
           <a:xfrm>
             <a:off x="720000" y="2160000"/>
-            <a:ext cx="8628480" cy="4373280"/>
+            <a:ext cx="8628120" cy="4372920"/>
           </a:xfrm>
           <a:prstGeom prst="rect">
             <a:avLst/>
@@ -4406,7 +4406,7 @@
         <p:spPr>
           <a:xfrm>
             <a:off x="720000" y="300960"/>
-            <a:ext cx="8844120" cy="1251000"/>
+            <a:ext cx="8843760" cy="1250640"/>
           </a:xfrm>
           <a:prstGeom prst="rect">
             <a:avLst/>
@@ -4450,7 +4450,7 @@
         <p:spPr>
           <a:xfrm>
             <a:off x="720000" y="2160000"/>
-            <a:ext cx="8628480" cy="4373280"/>
+            <a:ext cx="8628120" cy="4372920"/>
           </a:xfrm>
           <a:prstGeom prst="rect">
             <a:avLst/>
@@ -5518,7 +5518,7 @@
         <p:spPr>
           <a:xfrm>
             <a:off x="720000" y="300960"/>
-            <a:ext cx="8844120" cy="1251000"/>
+            <a:ext cx="8843760" cy="1250640"/>
           </a:xfrm>
           <a:prstGeom prst="rect">
             <a:avLst/>
@@ -5562,7 +5562,7 @@
         <p:spPr>
           <a:xfrm>
             <a:off x="720000" y="2160000"/>
-            <a:ext cx="8628480" cy="4373280"/>
+            <a:ext cx="8628120" cy="4372920"/>
           </a:xfrm>
           <a:prstGeom prst="rect">
             <a:avLst/>
@@ -5581,7 +5581,7 @@
         <p:txBody>
           <a:bodyPr lIns="0" rIns="0" tIns="0" bIns="0"/>
           <a:p>
-            <a:pPr marL="432000" indent="-312480">
+            <a:pPr marL="432000" indent="-312120">
               <a:lnSpc>
                 <a:spcPct val="100000"/>
               </a:lnSpc>
@@ -5610,7 +5610,7 @@
             </a:endParaRPr>
           </a:p>
           <a:p>
-            <a:pPr marL="432000" indent="-312480">
+            <a:pPr marL="432000" indent="-312120">
               <a:lnSpc>
                 <a:spcPct val="100000"/>
               </a:lnSpc>
@@ -5639,7 +5639,7 @@
             </a:endParaRPr>
           </a:p>
           <a:p>
-            <a:pPr marL="432000" indent="-312480">
+            <a:pPr marL="432000" indent="-312120">
               <a:lnSpc>
                 <a:spcPct val="100000"/>
               </a:lnSpc>
@@ -5668,7 +5668,7 @@
             </a:endParaRPr>
           </a:p>
           <a:p>
-            <a:pPr marL="432000" indent="-312480">
+            <a:pPr marL="432000" indent="-312120">
               <a:lnSpc>
                 <a:spcPct val="100000"/>
               </a:lnSpc>
@@ -5697,7 +5697,7 @@
             </a:endParaRPr>
           </a:p>
           <a:p>
-            <a:pPr marL="432000" indent="-312480">
+            <a:pPr marL="432000" indent="-312120">
               <a:lnSpc>
                 <a:spcPct val="100000"/>
               </a:lnSpc>
@@ -5785,7 +5785,7 @@
         <p:spPr>
           <a:xfrm>
             <a:off x="720000" y="300960"/>
-            <a:ext cx="8844120" cy="1251000"/>
+            <a:ext cx="8843760" cy="1250640"/>
           </a:xfrm>
           <a:prstGeom prst="rect">
             <a:avLst/>
@@ -5829,7 +5829,7 @@
         <p:spPr>
           <a:xfrm>
             <a:off x="720000" y="1944000"/>
-            <a:ext cx="8628480" cy="4373280"/>
+            <a:ext cx="8628120" cy="4372920"/>
           </a:xfrm>
           <a:prstGeom prst="rect">
             <a:avLst/>
@@ -5848,7 +5848,7 @@
         <p:txBody>
           <a:bodyPr lIns="0" rIns="0" tIns="0" bIns="0"/>
           <a:p>
-            <a:pPr marL="432000" indent="-312480">
+            <a:pPr marL="432000" indent="-312120">
               <a:lnSpc>
                 <a:spcPct val="100000"/>
               </a:lnSpc>
@@ -5877,7 +5877,7 @@
             </a:endParaRPr>
           </a:p>
           <a:p>
-            <a:pPr marL="432000" indent="-312480">
+            <a:pPr marL="432000" indent="-312120">
               <a:lnSpc>
                 <a:spcPct val="100000"/>
               </a:lnSpc>
@@ -5906,7 +5906,7 @@
             </a:endParaRPr>
           </a:p>
           <a:p>
-            <a:pPr marL="432000" indent="-312480">
+            <a:pPr marL="432000" indent="-312120">
               <a:lnSpc>
                 <a:spcPct val="100000"/>
               </a:lnSpc>
@@ -5935,7 +5935,7 @@
             </a:endParaRPr>
           </a:p>
           <a:p>
-            <a:pPr marL="432000" indent="-312480">
+            <a:pPr marL="432000" indent="-312120">
               <a:lnSpc>
                 <a:spcPct val="100000"/>
               </a:lnSpc>
@@ -5964,7 +5964,7 @@
             </a:endParaRPr>
           </a:p>
           <a:p>
-            <a:pPr marL="432000" indent="-312480">
+            <a:pPr marL="432000" indent="-312120">
               <a:lnSpc>
                 <a:spcPct val="100000"/>
               </a:lnSpc>
@@ -6092,7 +6092,7 @@
         <p:spPr>
           <a:xfrm>
             <a:off x="720000" y="300960"/>
-            <a:ext cx="8844120" cy="1251000"/>
+            <a:ext cx="8843760" cy="1250640"/>
           </a:xfrm>
           <a:prstGeom prst="rect">
             <a:avLst/>
@@ -6136,7 +6136,7 @@
         <p:spPr>
           <a:xfrm>
             <a:off x="720000" y="2160000"/>
-            <a:ext cx="8628480" cy="4373280"/>
+            <a:ext cx="8628120" cy="4372920"/>
           </a:xfrm>
           <a:prstGeom prst="rect">
             <a:avLst/>
@@ -6556,7 +6556,7 @@
         <p:spPr>
           <a:xfrm>
             <a:off x="720000" y="300960"/>
-            <a:ext cx="8844120" cy="1251000"/>
+            <a:ext cx="8843760" cy="1250640"/>
           </a:xfrm>
           <a:prstGeom prst="rect">
             <a:avLst/>
@@ -6600,7 +6600,7 @@
         <p:spPr>
           <a:xfrm>
             <a:off x="720000" y="2160000"/>
-            <a:ext cx="8628480" cy="4373280"/>
+            <a:ext cx="8628120" cy="4372920"/>
           </a:xfrm>
           <a:prstGeom prst="rect">
             <a:avLst/>
@@ -6619,7 +6619,7 @@
         <p:txBody>
           <a:bodyPr lIns="0" rIns="0" tIns="0" bIns="0"/>
           <a:p>
-            <a:pPr marL="432000" indent="-312480">
+            <a:pPr marL="432000" indent="-312120">
               <a:lnSpc>
                 <a:spcPct val="100000"/>
               </a:lnSpc>
@@ -6648,7 +6648,7 @@
             </a:endParaRPr>
           </a:p>
           <a:p>
-            <a:pPr marL="432000" indent="-312480">
+            <a:pPr marL="432000" indent="-312120">
               <a:lnSpc>
                 <a:spcPct val="100000"/>
               </a:lnSpc>
@@ -6677,7 +6677,7 @@
             </a:endParaRPr>
           </a:p>
           <a:p>
-            <a:pPr marL="432000" indent="-312480">
+            <a:pPr marL="432000" indent="-312120">
               <a:lnSpc>
                 <a:spcPct val="100000"/>
               </a:lnSpc>
@@ -6717,7 +6717,7 @@
             </a:endParaRPr>
           </a:p>
           <a:p>
-            <a:pPr marL="432000" indent="-312480">
+            <a:pPr marL="432000" indent="-312120">
               <a:lnSpc>
                 <a:spcPct val="100000"/>
               </a:lnSpc>
@@ -6746,7 +6746,7 @@
             </a:endParaRPr>
           </a:p>
           <a:p>
-            <a:pPr marL="432000" indent="-312480">
+            <a:pPr marL="432000" indent="-312120">
               <a:lnSpc>
                 <a:spcPct val="100000"/>
               </a:lnSpc>
@@ -6775,7 +6775,7 @@
             </a:endParaRPr>
           </a:p>
           <a:p>
-            <a:pPr marL="432000" indent="-312480">
+            <a:pPr marL="432000" indent="-312120">
               <a:lnSpc>
                 <a:spcPct val="100000"/>
               </a:lnSpc>
@@ -6863,7 +6863,7 @@
         <p:spPr>
           <a:xfrm>
             <a:off x="720000" y="300960"/>
-            <a:ext cx="8844120" cy="1251000"/>
+            <a:ext cx="8843760" cy="1250640"/>
           </a:xfrm>
           <a:prstGeom prst="rect">
             <a:avLst/>
@@ -6907,7 +6907,7 @@
         <p:spPr>
           <a:xfrm>
             <a:off x="720000" y="1908000"/>
-            <a:ext cx="8628480" cy="4713120"/>
+            <a:ext cx="8628120" cy="4712760"/>
           </a:xfrm>
           <a:prstGeom prst="rect">
             <a:avLst/>
@@ -6926,7 +6926,7 @@
         <p:txBody>
           <a:bodyPr lIns="0" rIns="0" tIns="0" bIns="0"/>
           <a:p>
-            <a:pPr marL="432000" indent="-312480">
+            <a:pPr marL="432000" indent="-312120">
               <a:lnSpc>
                 <a:spcPct val="100000"/>
               </a:lnSpc>
@@ -6940,7 +6940,7 @@
               <a:buAutoNum type="arabicParenR"/>
             </a:pPr>
             <a:r>
-              <a:rPr b="0" lang="de-DE" sz="2400" spc="-1" strike="noStrike">
+              <a:rPr b="0" lang="de-DE" sz="2200" spc="-1" strike="noStrike">
                 <a:solidFill>
                   <a:srgbClr val="333333"/>
                 </a:solidFill>
@@ -6958,7 +6958,7 @@
                 <a:latin typeface="Noto Sans Regular"/>
                 <a:ea typeface="DejaVu Sans"/>
               </a:rPr>
-              <a:t>     </a:t>
+              <a:t>   </a:t>
             </a:r>
             <a:r>
               <a:rPr b="0" lang="de-DE" sz="1800" spc="-1" strike="noStrike">
@@ -6975,7 +6975,7 @@
             </a:endParaRPr>
           </a:p>
           <a:p>
-            <a:pPr marL="432000" indent="-312480">
+            <a:pPr marL="432000" indent="-312120">
               <a:lnSpc>
                 <a:spcPct val="100000"/>
               </a:lnSpc>
@@ -6989,7 +6989,7 @@
               <a:buAutoNum type="arabicParenR"/>
             </a:pPr>
             <a:r>
-              <a:rPr b="0" lang="de-DE" sz="2400" spc="-1" strike="noStrike">
+              <a:rPr b="0" lang="de-DE" sz="2200" spc="-1" strike="noStrike">
                 <a:solidFill>
                   <a:srgbClr val="333333"/>
                 </a:solidFill>
@@ -6999,7 +6999,7 @@
               <a:t>For each type to support implement a type class instance. Each instance replaces the type parameter </a:t>
             </a:r>
             <a:r>
-              <a:rPr b="0" lang="de-DE" sz="2400" spc="-1" strike="noStrike">
+              <a:rPr b="0" lang="de-DE" sz="2200" spc="-1" strike="noStrike">
                 <a:solidFill>
                   <a:srgbClr val="333333"/>
                 </a:solidFill>
@@ -7009,7 +7009,7 @@
               <a:t>A</a:t>
             </a:r>
             <a:r>
-              <a:rPr b="0" lang="de-DE" sz="2400" spc="-1" strike="noStrike">
+              <a:rPr b="0" lang="de-DE" sz="2200" spc="-1" strike="noStrike">
                 <a:solidFill>
                   <a:srgbClr val="333333"/>
                 </a:solidFill>
@@ -7019,7 +7019,7 @@
               <a:t> by a concrete type (</a:t>
             </a:r>
             <a:r>
-              <a:rPr b="0" lang="de-DE" sz="2400" spc="-1" strike="noStrike">
+              <a:rPr b="0" lang="de-DE" sz="2200" spc="-1" strike="noStrike">
                 <a:solidFill>
                   <a:srgbClr val="333333"/>
                 </a:solidFill>
@@ -7029,7 +7029,7 @@
               <a:t>Int,Date</a:t>
             </a:r>
             <a:r>
-              <a:rPr b="0" lang="de-DE" sz="2400" spc="-1" strike="noStrike">
+              <a:rPr b="0" lang="de-DE" sz="2200" spc="-1" strike="noStrike">
                 <a:solidFill>
                   <a:srgbClr val="333333"/>
                 </a:solidFill>
@@ -7039,7 +7039,7 @@
               <a:t>, </a:t>
             </a:r>
             <a:r>
-              <a:rPr b="0" lang="de-DE" sz="2400" spc="-1" strike="noStrike">
+              <a:rPr b="0" lang="de-DE" sz="2200" spc="-1" strike="noStrike">
                 <a:solidFill>
                   <a:srgbClr val="333333"/>
                 </a:solidFill>
@@ -7049,7 +7049,7 @@
               <a:t>Cat,Option[A]</a:t>
             </a:r>
             <a:r>
-              <a:rPr b="0" lang="de-DE" sz="2400" spc="-1" strike="noStrike">
+              <a:rPr b="0" lang="de-DE" sz="2200" spc="-1" strike="noStrike">
                 <a:solidFill>
                   <a:srgbClr val="333333"/>
                 </a:solidFill>
@@ -7067,7 +7067,7 @@
                 <a:latin typeface="Noto Sans Regular"/>
                 <a:ea typeface="DejaVu Sans"/>
               </a:rPr>
-              <a:t>     </a:t>
+              <a:t>   </a:t>
             </a:r>
             <a:r>
               <a:rPr b="0" lang="de-DE" sz="1800" spc="-1" strike="noStrike">
@@ -7088,7 +7088,7 @@
                 <a:latin typeface="Noto Sans Regular"/>
                 <a:ea typeface="DejaVu Sans"/>
               </a:rPr>
-              <a:t>     </a:t>
+              <a:t>   </a:t>
             </a:r>
             <a:r>
               <a:rPr b="0" lang="de-DE" sz="1800" spc="-1" strike="noStrike">
@@ -7105,10 +7105,7 @@
             </a:endParaRPr>
           </a:p>
           <a:p>
-            <a:pPr marL="432000" indent="-312480">
-              <a:lnSpc>
-                <a:spcPct val="100000"/>
-              </a:lnSpc>
+            <a:pPr marL="432000" indent="-312120">
               <a:spcAft>
                 <a:spcPts val="1414"/>
               </a:spcAft>
@@ -7119,14 +7116,24 @@
               <a:buAutoNum type="arabicParenR"/>
             </a:pPr>
             <a:r>
-              <a:rPr b="0" lang="de-DE" sz="2400" spc="-1" strike="noStrike">
-                <a:solidFill>
-                  <a:srgbClr val="333333"/>
-                </a:solidFill>
-                <a:latin typeface="Noto Sans Regular"/>
-                <a:ea typeface="DejaVu Sans"/>
-              </a:rPr>
-              <a:t>Provide a generic user interface with an implicit type class parameter.</a:t>
+              <a:rPr b="0" lang="de-DE" sz="2200" spc="-1" strike="noStrike">
+                <a:solidFill>
+                  <a:srgbClr val="333333"/>
+                </a:solidFill>
+                <a:latin typeface="Noto Sans Regular"/>
+                <a:ea typeface="DejaVu Sans"/>
+              </a:rPr>
+              <a:t>Provide</a:t>
+            </a:r>
+            <a:r>
+              <a:rPr b="0" lang="de-DE" sz="2200" spc="-1" strike="noStrike">
+                <a:solidFill>
+                  <a:srgbClr val="333333"/>
+                </a:solidFill>
+                <a:latin typeface="Noto Sans Regular"/>
+                <a:ea typeface="DejaVu Sans"/>
+              </a:rPr>
+              <a:t> a generic user interface with an implicit type class parameter.</a:t>
             </a:r>
             <a:br/>
             <a:r>
@@ -7137,7 +7144,7 @@
                 <a:latin typeface="Noto Sans Regular"/>
                 <a:ea typeface="DejaVu Sans"/>
               </a:rPr>
-              <a:t>     </a:t>
+              <a:t>   </a:t>
             </a:r>
             <a:r>
               <a:rPr b="0" lang="de-DE" sz="1800" spc="-1" strike="noStrike">
@@ -7147,7 +7154,28 @@
                 <a:latin typeface="Courier New"/>
                 <a:ea typeface="DejaVu Sans"/>
               </a:rPr>
-              <a:t>def myPrint[A](value: A)(implicit p: Printable[A]) = …</a:t>
+              <a:t>def stringify[A](value: A)(implicit p: Printable[A]) = …</a:t>
+            </a:r>
+            <a:br/>
+            <a:r>
+              <a:rPr b="0" lang="de-DE" sz="1800" spc="-1" strike="noStrike">
+                <a:solidFill>
+                  <a:srgbClr val="333333"/>
+                </a:solidFill>
+                <a:latin typeface="Courier New"/>
+                <a:ea typeface="DejaVu Sans"/>
+              </a:rPr>
+              <a:t>  </a:t>
+            </a:r>
+            <a:r>
+              <a:rPr b="0" lang="de-DE" sz="1800" spc="-1" strike="noStrike">
+                <a:solidFill>
+                  <a:srgbClr val="333333"/>
+                </a:solidFill>
+                <a:latin typeface="Courier New"/>
+                <a:ea typeface="DejaVu Sans"/>
+              </a:rPr>
+              <a:t>def pprint[A](value: A)(implicit p: Printable[A]) = …</a:t>
             </a:r>
             <a:endParaRPr b="0" lang="de-DE" sz="1800" spc="-1" strike="noStrike">
               <a:latin typeface="Arial"/>
@@ -7213,7 +7241,7 @@
         <p:spPr>
           <a:xfrm>
             <a:off x="720000" y="300960"/>
-            <a:ext cx="8844120" cy="1251000"/>
+            <a:ext cx="8843760" cy="1250640"/>
           </a:xfrm>
           <a:prstGeom prst="rect">
             <a:avLst/>
@@ -7257,7 +7285,7 @@
         <p:spPr>
           <a:xfrm>
             <a:off x="720000" y="2160000"/>
-            <a:ext cx="8628480" cy="4373280"/>
+            <a:ext cx="8628120" cy="4372920"/>
           </a:xfrm>
           <a:prstGeom prst="rect">
             <a:avLst/>
@@ -7445,6 +7473,86 @@
                 <a:ea typeface="Menlo"/>
               </a:rPr>
               <a:t>String</a:t>
+            </a:r>
+            <a:endParaRPr b="0" lang="de-DE" sz="1800" spc="-1" strike="noStrike">
+              <a:latin typeface="Arial"/>
+            </a:endParaRPr>
+          </a:p>
+          <a:p>
+            <a:pPr>
+              <a:lnSpc>
+                <a:spcPct val="100000"/>
+              </a:lnSpc>
+            </a:pPr>
+            <a:r>
+              <a:rPr b="0" lang="de-DE" sz="1800" spc="-1" strike="noStrike">
+                <a:solidFill>
+                  <a:srgbClr val="000000"/>
+                </a:solidFill>
+                <a:latin typeface="Menlo"/>
+                <a:ea typeface="Menlo"/>
+              </a:rPr>
+              <a:t>  </a:t>
+            </a:r>
+            <a:r>
+              <a:rPr b="1" lang="de-DE" sz="1800" spc="-1" strike="noStrike">
+                <a:solidFill>
+                  <a:srgbClr val="00006d"/>
+                </a:solidFill>
+                <a:latin typeface="Menlo"/>
+                <a:ea typeface="Menlo"/>
+              </a:rPr>
+              <a:t>def </a:t>
+            </a:r>
+            <a:r>
+              <a:rPr b="0" lang="de-DE" sz="1800" spc="-1" strike="noStrike">
+                <a:solidFill>
+                  <a:srgbClr val="000000"/>
+                </a:solidFill>
+                <a:latin typeface="Menlo"/>
+                <a:ea typeface="Menlo"/>
+              </a:rPr>
+              <a:t>pprint(value: </a:t>
+            </a:r>
+            <a:r>
+              <a:rPr b="0" lang="de-DE" sz="1800" spc="-1" strike="noStrike">
+                <a:solidFill>
+                  <a:srgbClr val="1f888b"/>
+                </a:solidFill>
+                <a:latin typeface="Menlo"/>
+                <a:ea typeface="Menlo"/>
+              </a:rPr>
+              <a:t>A</a:t>
+            </a:r>
+            <a:r>
+              <a:rPr b="0" lang="de-DE" sz="1800" spc="-1" strike="noStrike">
+                <a:solidFill>
+                  <a:srgbClr val="000000"/>
+                </a:solidFill>
+                <a:latin typeface="Menlo"/>
+                <a:ea typeface="Menlo"/>
+              </a:rPr>
+              <a:t>): </a:t>
+            </a:r>
+            <a:r>
+              <a:rPr b="0" lang="de-DE" sz="1800" spc="-1" strike="noStrike">
+                <a:solidFill>
+                  <a:srgbClr val="1f888b"/>
+                </a:solidFill>
+                <a:latin typeface="Menlo"/>
+                <a:ea typeface="Menlo"/>
+              </a:rPr>
+              <a:t>Unit </a:t>
+            </a:r>
+            <a:r>
+              <a:rPr b="0" lang="de-DE" sz="1800" spc="-1" strike="noStrike">
+                <a:solidFill>
+                  <a:srgbClr val="000000"/>
+                </a:solidFill>
+                <a:latin typeface="Menlo"/>
+                <a:ea typeface="Menlo"/>
+              </a:rPr>
+              <a:t>= println(stringify(value))</a:t>
             </a:r>
             <a:endParaRPr b="0" lang="de-DE" sz="1800" spc="-1" strike="noStrike">
               <a:latin typeface="Arial"/>
@@ -7540,7 +7648,7 @@
         <p:spPr>
           <a:xfrm>
             <a:off x="720000" y="300960"/>
-            <a:ext cx="8844120" cy="1251000"/>
+            <a:ext cx="8843760" cy="1250640"/>
           </a:xfrm>
           <a:prstGeom prst="rect">
             <a:avLst/>
@@ -7584,7 +7692,7 @@
         <p:spPr>
           <a:xfrm>
             <a:off x="720000" y="1764000"/>
-            <a:ext cx="8628480" cy="4373280"/>
+            <a:ext cx="8628120" cy="4372920"/>
           </a:xfrm>
           <a:prstGeom prst="rect">
             <a:avLst/>
@@ -7911,7 +8019,7 @@
                 <a:latin typeface="Menlo"/>
                 <a:ea typeface="Menlo"/>
               </a:rPr>
-              <a:t>     </a:t>
+              <a:t>  </a:t>
             </a:r>
             <a:r>
               <a:rPr b="1" lang="de-DE" sz="1600" spc="-1" strike="noStrike">
@@ -8238,7 +8346,7 @@
         <p:spPr>
           <a:xfrm>
             <a:off x="720000" y="300960"/>
-            <a:ext cx="8844120" cy="1251000"/>
+            <a:ext cx="8843760" cy="1250640"/>
           </a:xfrm>
           <a:prstGeom prst="rect">
             <a:avLst/>
@@ -8282,7 +8390,7 @@
         <p:spPr>
           <a:xfrm>
             <a:off x="720000" y="2160000"/>
-            <a:ext cx="8628480" cy="4373280"/>
+            <a:ext cx="8628120" cy="4372920"/>
           </a:xfrm>
           <a:prstGeom prst="rect">
             <a:avLst/>
@@ -8319,7 +8427,7 @@
                 <a:latin typeface="Menlo"/>
                 <a:ea typeface="Menlo"/>
               </a:rPr>
-              <a:t>// interface function for Printable</a:t>
+              <a:t>// object interface function for Printable</a:t>
             </a:r>
             <a:endParaRPr b="0" lang="de-DE" sz="1600" spc="-1" strike="noStrike">
               <a:latin typeface="Arial"/>
@@ -8369,7 +8477,7 @@
                 <a:latin typeface="Menlo"/>
                 <a:ea typeface="Menlo"/>
               </a:rPr>
-              <a:t>myPrint[</a:t>
+              <a:t>stringify[</a:t>
             </a:r>
             <a:r>
               <a:rPr b="0" lang="de-DE" sz="1600" spc="-1" strike="noStrike">
@@ -8449,6 +8557,146 @@
                 <a:latin typeface="Menlo"/>
                 <a:ea typeface="Menlo"/>
               </a:rPr>
+              <a:t>]): String =</a:t>
+            </a:r>
+            <a:endParaRPr b="0" lang="de-DE" sz="1600" spc="-1" strike="noStrike">
+              <a:latin typeface="Arial"/>
+            </a:endParaRPr>
+          </a:p>
+          <a:p>
+            <a:pPr>
+              <a:lnSpc>
+                <a:spcPct val="100000"/>
+              </a:lnSpc>
+            </a:pPr>
+            <a:r>
+              <a:rPr b="0" lang="de-DE" sz="1600" spc="-1" strike="noStrike">
+                <a:solidFill>
+                  <a:srgbClr val="000000"/>
+                </a:solidFill>
+                <a:latin typeface="Menlo"/>
+                <a:ea typeface="Menlo"/>
+              </a:rPr>
+              <a:t>        </a:t>
+            </a:r>
+            <a:r>
+              <a:rPr b="0" lang="de-DE" sz="1600" spc="-1" strike="noStrike">
+                <a:solidFill>
+                  <a:srgbClr val="000000"/>
+                </a:solidFill>
+                <a:latin typeface="Menlo"/>
+                <a:ea typeface="Menlo"/>
+              </a:rPr>
+              <a:t>p.stringify(value)</a:t>
+            </a:r>
+            <a:endParaRPr b="0" lang="de-DE" sz="1600" spc="-1" strike="noStrike">
+              <a:latin typeface="Arial"/>
+            </a:endParaRPr>
+          </a:p>
+          <a:p>
+            <a:pPr>
+              <a:lnSpc>
+                <a:spcPct val="100000"/>
+              </a:lnSpc>
+            </a:pPr>
+            <a:r>
+              <a:rPr b="1" lang="de-DE" sz="1600" spc="-1" strike="noStrike">
+                <a:solidFill>
+                  <a:srgbClr val="00006d"/>
+                </a:solidFill>
+                <a:latin typeface="Menlo"/>
+                <a:ea typeface="Menlo"/>
+              </a:rPr>
+              <a:t>def </a:t>
+            </a:r>
+            <a:r>
+              <a:rPr b="0" lang="de-DE" sz="1600" spc="-1" strike="noStrike">
+                <a:solidFill>
+                  <a:srgbClr val="000000"/>
+                </a:solidFill>
+                <a:latin typeface="Menlo"/>
+                <a:ea typeface="Menlo"/>
+              </a:rPr>
+              <a:t>pprint[</a:t>
+            </a:r>
+            <a:r>
+              <a:rPr b="0" lang="de-DE" sz="1600" spc="-1" strike="noStrike">
+                <a:solidFill>
+                  <a:srgbClr val="1f888b"/>
+                </a:solidFill>
+                <a:latin typeface="Menlo"/>
+                <a:ea typeface="Menlo"/>
+              </a:rPr>
+              <a:t>A</a:t>
+            </a:r>
+            <a:r>
+              <a:rPr b="0" lang="de-DE" sz="1600" spc="-1" strike="noStrike">
+                <a:solidFill>
+                  <a:srgbClr val="000000"/>
+                </a:solidFill>
+                <a:latin typeface="Menlo"/>
+                <a:ea typeface="Menlo"/>
+              </a:rPr>
+              <a:t>](value: </a:t>
+            </a:r>
+            <a:r>
+              <a:rPr b="0" lang="de-DE" sz="1600" spc="-1" strike="noStrike">
+                <a:solidFill>
+                  <a:srgbClr val="1f888b"/>
+                </a:solidFill>
+                <a:latin typeface="Menlo"/>
+                <a:ea typeface="Menlo"/>
+              </a:rPr>
+              <a:t>A</a:t>
+            </a:r>
+            <a:r>
+              <a:rPr b="0" lang="de-DE" sz="1600" spc="-1" strike="noStrike">
+                <a:solidFill>
+                  <a:srgbClr val="000000"/>
+                </a:solidFill>
+                <a:latin typeface="Menlo"/>
+                <a:ea typeface="Menlo"/>
+              </a:rPr>
+              <a:t>)(</a:t>
+            </a:r>
+            <a:r>
+              <a:rPr b="1" lang="de-DE" sz="1600" spc="-1" strike="noStrike">
+                <a:solidFill>
+                  <a:srgbClr val="00006d"/>
+                </a:solidFill>
+                <a:latin typeface="Menlo"/>
+                <a:ea typeface="Menlo"/>
+              </a:rPr>
+              <a:t>implicit </a:t>
+            </a:r>
+            <a:r>
+              <a:rPr b="0" lang="de-DE" sz="1600" spc="-1" strike="noStrike">
+                <a:solidFill>
+                  <a:srgbClr val="000000"/>
+                </a:solidFill>
+                <a:latin typeface="Menlo"/>
+                <a:ea typeface="Menlo"/>
+              </a:rPr>
+              <a:t>p: Printable[</a:t>
+            </a:r>
+            <a:r>
+              <a:rPr b="0" lang="de-DE" sz="1600" spc="-1" strike="noStrike">
+                <a:solidFill>
+                  <a:srgbClr val="1f888b"/>
+                </a:solidFill>
+                <a:latin typeface="Menlo"/>
+                <a:ea typeface="Menlo"/>
+              </a:rPr>
+              <a:t>A</a:t>
+            </a:r>
+            <a:r>
+              <a:rPr b="0" lang="de-DE" sz="1600" spc="-1" strike="noStrike">
+                <a:solidFill>
+                  <a:srgbClr val="000000"/>
+                </a:solidFill>
+                <a:latin typeface="Menlo"/>
+                <a:ea typeface="Menlo"/>
+              </a:rPr>
               <a:t>]): Unit =</a:t>
             </a:r>
             <a:endParaRPr b="0" lang="de-DE" sz="1600" spc="-1" strike="noStrike">
@@ -8469,7 +8717,137 @@
                 <a:latin typeface="Menlo"/>
                 <a:ea typeface="Menlo"/>
               </a:rPr>
-              <a:t>  </a:t>
+              <a:t>        </a:t>
+            </a:r>
+            <a:r>
+              <a:rPr b="0" lang="de-DE" sz="1600" spc="-1" strike="noStrike">
+                <a:solidFill>
+                  <a:srgbClr val="000000"/>
+                </a:solidFill>
+                <a:latin typeface="Menlo"/>
+                <a:ea typeface="Menlo"/>
+              </a:rPr>
+              <a:t>p.pprint(value)</a:t>
+            </a:r>
+            <a:endParaRPr b="0" lang="de-DE" sz="1600" spc="-1" strike="noStrike">
+              <a:latin typeface="Arial"/>
+            </a:endParaRPr>
+          </a:p>
+          <a:p>
+            <a:pPr>
+              <a:lnSpc>
+                <a:spcPct val="100000"/>
+              </a:lnSpc>
+            </a:pPr>
+            <a:endParaRPr b="0" lang="de-DE" sz="1600" spc="-1" strike="noStrike">
+              <a:latin typeface="Arial"/>
+            </a:endParaRPr>
+          </a:p>
+          <a:p>
+            <a:pPr>
+              <a:lnSpc>
+                <a:spcPct val="100000"/>
+              </a:lnSpc>
+            </a:pPr>
+            <a:r>
+              <a:rPr b="0" lang="de-DE" sz="1600" spc="-1" strike="noStrike">
+                <a:solidFill>
+                  <a:srgbClr val="000000"/>
+                </a:solidFill>
+                <a:latin typeface="Menlo"/>
+                <a:ea typeface="Menlo"/>
+              </a:rPr>
+              <a:t>pprint(</a:t>
+            </a:r>
+            <a:r>
+              <a:rPr b="0" lang="de-DE" sz="1600" spc="-1" strike="noStrike">
+                <a:solidFill>
+                  <a:srgbClr val="0000fe"/>
+                </a:solidFill>
+                <a:latin typeface="Menlo"/>
+                <a:ea typeface="Menlo"/>
+              </a:rPr>
+              <a:t>2</a:t>
+            </a:r>
+            <a:r>
+              <a:rPr b="0" lang="de-DE" sz="1600" spc="-1" strike="noStrike">
+                <a:solidFill>
+                  <a:srgbClr val="000000"/>
+                </a:solidFill>
+                <a:latin typeface="Menlo"/>
+                <a:ea typeface="Menlo"/>
+              </a:rPr>
+              <a:t>)</a:t>
+            </a:r>
+            <a:endParaRPr b="0" lang="de-DE" sz="1600" spc="-1" strike="noStrike">
+              <a:latin typeface="Arial"/>
+            </a:endParaRPr>
+          </a:p>
+          <a:p>
+            <a:pPr>
+              <a:lnSpc>
+                <a:spcPct val="100000"/>
+              </a:lnSpc>
+            </a:pPr>
+            <a:r>
+              <a:rPr b="0" lang="de-DE" sz="1600" spc="-1" strike="noStrike">
+                <a:solidFill>
+                  <a:srgbClr val="000000"/>
+                </a:solidFill>
+                <a:latin typeface="Menlo"/>
+                <a:ea typeface="Menlo"/>
+              </a:rPr>
+              <a:t>pprint(</a:t>
+            </a:r>
+            <a:r>
+              <a:rPr b="1" lang="de-DE" sz="1600" spc="-1" strike="noStrike">
+                <a:solidFill>
+                  <a:srgbClr val="00006d"/>
+                </a:solidFill>
+                <a:latin typeface="Menlo"/>
+                <a:ea typeface="Menlo"/>
+              </a:rPr>
+              <a:t>new </a:t>
+            </a:r>
+            <a:r>
+              <a:rPr b="0" lang="de-DE" sz="1600" spc="-1" strike="noStrike">
+                <a:solidFill>
+                  <a:srgbClr val="000000"/>
+                </a:solidFill>
+                <a:latin typeface="Menlo"/>
+                <a:ea typeface="Menlo"/>
+              </a:rPr>
+              <a:t>Date)</a:t>
+            </a:r>
+            <a:endParaRPr b="0" lang="de-DE" sz="1600" spc="-1" strike="noStrike">
+              <a:latin typeface="Arial"/>
+            </a:endParaRPr>
+          </a:p>
+          <a:p>
+            <a:pPr>
+              <a:lnSpc>
+                <a:spcPct val="100000"/>
+              </a:lnSpc>
+            </a:pPr>
+            <a:endParaRPr b="0" lang="de-DE" sz="1600" spc="-1" strike="noStrike">
+              <a:latin typeface="Arial"/>
+            </a:endParaRPr>
+          </a:p>
+          <a:p>
+            <a:pPr>
+              <a:lnSpc>
+                <a:spcPct val="100000"/>
+              </a:lnSpc>
+            </a:pPr>
+            <a:r>
+              <a:rPr b="0" lang="de-DE" sz="1600" spc="-1" strike="noStrike">
+                <a:solidFill>
+                  <a:srgbClr val="000000"/>
+                </a:solidFill>
+                <a:latin typeface="Menlo"/>
+                <a:ea typeface="Menlo"/>
+              </a:rPr>
+              <a:t>pprint(</a:t>
             </a:r>
             <a:r>
               <a:rPr b="0" i="1" lang="de-DE" sz="1600" spc="-1" strike="noStrike">
@@ -8479,17 +8857,37 @@
                 <a:latin typeface="Menlo"/>
                 <a:ea typeface="Menlo"/>
               </a:rPr>
-              <a:t>println</a:t>
-            </a:r>
-            <a:r>
-              <a:rPr b="0" lang="de-DE" sz="1600" spc="-1" strike="noStrike">
-                <a:solidFill>
-                  <a:srgbClr val="000000"/>
-                </a:solidFill>
-                <a:latin typeface="Menlo"/>
-                <a:ea typeface="Menlo"/>
-              </a:rPr>
-              <a:t>(p.stringify(value))</a:t>
+              <a:t>Option</a:t>
+            </a:r>
+            <a:r>
+              <a:rPr b="0" lang="de-DE" sz="1600" spc="-1" strike="noStrike">
+                <a:solidFill>
+                  <a:srgbClr val="000000"/>
+                </a:solidFill>
+                <a:latin typeface="Menlo"/>
+                <a:ea typeface="Menlo"/>
+              </a:rPr>
+              <a:t>(</a:t>
+            </a:r>
+            <a:r>
+              <a:rPr b="0" lang="de-DE" sz="1600" spc="-1" strike="noStrike">
+                <a:solidFill>
+                  <a:srgbClr val="0000fe"/>
+                </a:solidFill>
+                <a:latin typeface="Menlo"/>
+                <a:ea typeface="Menlo"/>
+              </a:rPr>
+              <a:t>2</a:t>
+            </a:r>
+            <a:r>
+              <a:rPr b="0" lang="de-DE" sz="1600" spc="-1" strike="noStrike">
+                <a:solidFill>
+                  <a:srgbClr val="000000"/>
+                </a:solidFill>
+                <a:latin typeface="Menlo"/>
+                <a:ea typeface="Menlo"/>
+              </a:rPr>
+              <a:t>))</a:t>
             </a:r>
             <a:endParaRPr b="0" lang="de-DE" sz="1600" spc="-1" strike="noStrike">
               <a:latin typeface="Arial"/>
@@ -8501,175 +8899,15 @@
                 <a:spcPct val="100000"/>
               </a:lnSpc>
             </a:pPr>
-            <a:endParaRPr b="0" lang="de-DE" sz="1600" spc="-1" strike="noStrike">
-              <a:latin typeface="Arial"/>
-            </a:endParaRPr>
-          </a:p>
-          <a:p>
-            <a:pPr>
-              <a:lnSpc>
-                <a:spcPct val="100000"/>
-              </a:lnSpc>
-            </a:pPr>
-            <a:r>
-              <a:rPr b="0" lang="de-DE" sz="1600" spc="-1" strike="noStrike">
-                <a:solidFill>
-                  <a:srgbClr val="000000"/>
-                </a:solidFill>
-                <a:latin typeface="Menlo"/>
-                <a:ea typeface="Menlo"/>
-              </a:rPr>
-              <a:t>myPrint(</a:t>
-            </a:r>
-            <a:r>
-              <a:rPr b="0" lang="de-DE" sz="1600" spc="-1" strike="noStrike">
-                <a:solidFill>
-                  <a:srgbClr val="0000fe"/>
-                </a:solidFill>
-                <a:latin typeface="Menlo"/>
-                <a:ea typeface="Menlo"/>
-              </a:rPr>
-              <a:t>2</a:t>
-            </a:r>
-            <a:r>
-              <a:rPr b="0" lang="de-DE" sz="1600" spc="-1" strike="noStrike">
-                <a:solidFill>
-                  <a:srgbClr val="000000"/>
-                </a:solidFill>
-                <a:latin typeface="Menlo"/>
-                <a:ea typeface="Menlo"/>
-              </a:rPr>
-              <a:t>)</a:t>
-            </a:r>
-            <a:endParaRPr b="0" lang="de-DE" sz="1600" spc="-1" strike="noStrike">
-              <a:latin typeface="Arial"/>
-            </a:endParaRPr>
-          </a:p>
-          <a:p>
-            <a:pPr>
-              <a:lnSpc>
-                <a:spcPct val="100000"/>
-              </a:lnSpc>
-            </a:pPr>
-            <a:r>
-              <a:rPr b="0" lang="de-DE" sz="1600" spc="-1" strike="noStrike">
-                <a:solidFill>
-                  <a:srgbClr val="000000"/>
-                </a:solidFill>
-                <a:latin typeface="Menlo"/>
-                <a:ea typeface="Menlo"/>
-              </a:rPr>
-              <a:t>myPrint(</a:t>
-            </a:r>
-            <a:r>
-              <a:rPr b="1" lang="de-DE" sz="1600" spc="-1" strike="noStrike">
-                <a:solidFill>
-                  <a:srgbClr val="00006d"/>
-                </a:solidFill>
-                <a:latin typeface="Menlo"/>
-                <a:ea typeface="Menlo"/>
-              </a:rPr>
-              <a:t>new </a:t>
-            </a:r>
-            <a:r>
-              <a:rPr b="0" lang="de-DE" sz="1600" spc="-1" strike="noStrike">
-                <a:solidFill>
-                  <a:srgbClr val="000000"/>
-                </a:solidFill>
-                <a:latin typeface="Menlo"/>
-                <a:ea typeface="Menlo"/>
-              </a:rPr>
-              <a:t>Date)</a:t>
-            </a:r>
-            <a:endParaRPr b="0" lang="de-DE" sz="1600" spc="-1" strike="noStrike">
-              <a:latin typeface="Arial"/>
-            </a:endParaRPr>
-          </a:p>
-          <a:p>
-            <a:pPr>
-              <a:lnSpc>
-                <a:spcPct val="100000"/>
-              </a:lnSpc>
-            </a:pPr>
-            <a:endParaRPr b="0" lang="de-DE" sz="1600" spc="-1" strike="noStrike">
-              <a:latin typeface="Arial"/>
-            </a:endParaRPr>
-          </a:p>
-          <a:p>
-            <a:pPr>
-              <a:lnSpc>
-                <a:spcPct val="100000"/>
-              </a:lnSpc>
-            </a:pPr>
-            <a:r>
-              <a:rPr b="0" lang="de-DE" sz="1600" spc="-1" strike="noStrike">
-                <a:solidFill>
-                  <a:srgbClr val="000000"/>
-                </a:solidFill>
-                <a:latin typeface="Menlo"/>
-                <a:ea typeface="Menlo"/>
-              </a:rPr>
-              <a:t>myPrint(</a:t>
-            </a:r>
-            <a:r>
-              <a:rPr b="0" i="1" lang="de-DE" sz="1600" spc="-1" strike="noStrike">
-                <a:solidFill>
-                  <a:srgbClr val="000000"/>
-                </a:solidFill>
-                <a:latin typeface="Menlo"/>
-                <a:ea typeface="Menlo"/>
-              </a:rPr>
-              <a:t>Option</a:t>
-            </a:r>
-            <a:r>
-              <a:rPr b="0" lang="de-DE" sz="1600" spc="-1" strike="noStrike">
-                <a:solidFill>
-                  <a:srgbClr val="000000"/>
-                </a:solidFill>
-                <a:latin typeface="Menlo"/>
-                <a:ea typeface="Menlo"/>
-              </a:rPr>
-              <a:t>(</a:t>
-            </a:r>
-            <a:r>
-              <a:rPr b="0" lang="de-DE" sz="1600" spc="-1" strike="noStrike">
-                <a:solidFill>
-                  <a:srgbClr val="0000fe"/>
-                </a:solidFill>
-                <a:latin typeface="Menlo"/>
-                <a:ea typeface="Menlo"/>
-              </a:rPr>
-              <a:t>2</a:t>
-            </a:r>
-            <a:r>
-              <a:rPr b="0" lang="de-DE" sz="1600" spc="-1" strike="noStrike">
-                <a:solidFill>
-                  <a:srgbClr val="000000"/>
-                </a:solidFill>
-                <a:latin typeface="Menlo"/>
-                <a:ea typeface="Menlo"/>
-              </a:rPr>
-              <a:t>))</a:t>
-            </a:r>
-            <a:endParaRPr b="0" lang="de-DE" sz="1600" spc="-1" strike="noStrike">
-              <a:latin typeface="Arial"/>
-            </a:endParaRPr>
-          </a:p>
-          <a:p>
-            <a:pPr>
-              <a:lnSpc>
-                <a:spcPct val="100000"/>
-              </a:lnSpc>
-            </a:pPr>
-            <a:r>
-              <a:rPr b="0" lang="de-DE" sz="1600" spc="-1" strike="noStrike">
-                <a:solidFill>
-                  <a:srgbClr val="000000"/>
-                </a:solidFill>
-                <a:latin typeface="Menlo"/>
-                <a:ea typeface="Menlo"/>
-              </a:rPr>
-              <a:t>myPrint(</a:t>
+            <a:r>
+              <a:rPr b="0" lang="de-DE" sz="1600" spc="-1" strike="noStrike">
+                <a:solidFill>
+                  <a:srgbClr val="000000"/>
+                </a:solidFill>
+                <a:latin typeface="Menlo"/>
+                <a:ea typeface="Menlo"/>
+              </a:rPr>
+              <a:t>pprint(</a:t>
             </a:r>
             <a:r>
               <a:rPr b="0" i="1" lang="de-DE" sz="1600" spc="-1" strike="noStrike">
@@ -8795,7 +9033,7 @@
         <p:spPr>
           <a:xfrm>
             <a:off x="720000" y="300960"/>
-            <a:ext cx="8844120" cy="1251000"/>
+            <a:ext cx="8843760" cy="1250640"/>
           </a:xfrm>
           <a:prstGeom prst="rect">
             <a:avLst/>
@@ -8839,7 +9077,7 @@
         <p:spPr>
           <a:xfrm>
             <a:off x="720000" y="1656000"/>
-            <a:ext cx="8628480" cy="5393880"/>
+            <a:ext cx="8628120" cy="5393520"/>
           </a:xfrm>
           <a:prstGeom prst="rect">
             <a:avLst/>
@@ -8858,7 +9096,7 @@
         <p:txBody>
           <a:bodyPr lIns="0" rIns="0" tIns="0" bIns="0"/>
           <a:p>
-            <a:pPr marL="432000" indent="-312480">
+            <a:pPr marL="432000" indent="-312120">
               <a:lnSpc>
                 <a:spcPct val="100000"/>
               </a:lnSpc>
@@ -8887,7 +9125,7 @@
             </a:endParaRPr>
           </a:p>
           <a:p>
-            <a:pPr marL="432000" indent="-312480">
+            <a:pPr marL="432000" indent="-312120">
               <a:lnSpc>
                 <a:spcPct val="100000"/>
               </a:lnSpc>
@@ -8916,7 +9154,7 @@
             </a:endParaRPr>
           </a:p>
           <a:p>
-            <a:pPr marL="432000" indent="-312480">
+            <a:pPr marL="432000" indent="-312120">
               <a:lnSpc>
                 <a:spcPct val="100000"/>
               </a:lnSpc>
@@ -8945,7 +9183,7 @@
             </a:endParaRPr>
           </a:p>
           <a:p>
-            <a:pPr marL="432000" indent="-312480">
+            <a:pPr marL="432000" indent="-312120">
               <a:lnSpc>
                 <a:spcPct val="100000"/>
               </a:lnSpc>
@@ -8974,7 +9212,7 @@
             </a:endParaRPr>
           </a:p>
           <a:p>
-            <a:pPr marL="432000" indent="-312480">
+            <a:pPr marL="432000" indent="-312120">
               <a:lnSpc>
                 <a:spcPct val="100000"/>
               </a:lnSpc>
@@ -9013,7 +9251,7 @@
             </a:endParaRPr>
           </a:p>
           <a:p>
-            <a:pPr marL="432000" indent="-312480">
+            <a:pPr marL="432000" indent="-312120">
               <a:lnSpc>
                 <a:spcPct val="100000"/>
               </a:lnSpc>
@@ -9042,7 +9280,7 @@
             </a:endParaRPr>
           </a:p>
           <a:p>
-            <a:pPr marL="432000" indent="-312480">
+            <a:pPr marL="432000" indent="-312120">
               <a:lnSpc>
                 <a:spcPct val="100000"/>
               </a:lnSpc>
@@ -9071,7 +9309,7 @@
             </a:endParaRPr>
           </a:p>
           <a:p>
-            <a:pPr marL="432000" indent="-312480">
+            <a:pPr marL="432000" indent="-312120">
               <a:lnSpc>
                 <a:spcPct val="100000"/>
               </a:lnSpc>
@@ -9100,7 +9338,7 @@
             </a:endParaRPr>
           </a:p>
           <a:p>
-            <a:pPr marL="432000" indent="-312480">
+            <a:pPr marL="432000" indent="-312120">
               <a:lnSpc>
                 <a:spcPct val="100000"/>
               </a:lnSpc>
@@ -9129,7 +9367,7 @@
             </a:endParaRPr>
           </a:p>
           <a:p>
-            <a:pPr marL="432000" indent="-312480">
+            <a:pPr marL="432000" indent="-312120">
               <a:lnSpc>
                 <a:spcPct val="100000"/>
               </a:lnSpc>
@@ -9217,7 +9455,7 @@
         <p:spPr>
           <a:xfrm>
             <a:off x="720000" y="300960"/>
-            <a:ext cx="8844120" cy="1251000"/>
+            <a:ext cx="8843760" cy="1250640"/>
           </a:xfrm>
           <a:prstGeom prst="rect">
             <a:avLst/>
@@ -9261,7 +9499,7 @@
         <p:spPr>
           <a:xfrm>
             <a:off x="720000" y="1800000"/>
-            <a:ext cx="8628480" cy="5317200"/>
+            <a:ext cx="8628120" cy="5316840"/>
           </a:xfrm>
           <a:prstGeom prst="rect">
             <a:avLst/>
@@ -9548,17 +9786,7 @@
                 <a:latin typeface="Menlo"/>
                 <a:ea typeface="Menlo"/>
               </a:rPr>
-              <a:t>name  = Printable.</a:t>
-            </a:r>
-            <a:r>
-              <a:rPr b="0" i="1" lang="de-DE" sz="1800" spc="-1" strike="noStrike">
-                <a:solidFill>
-                  <a:srgbClr val="000000"/>
-                </a:solidFill>
-                <a:latin typeface="Menlo"/>
-                <a:ea typeface="Menlo"/>
-              </a:rPr>
-              <a:t>stringify</a:t>
+              <a:t>name  = </a:t>
             </a:r>
             <a:r>
               <a:rPr b="0" lang="de-DE" sz="1800" spc="-1" strike="noStrike">
@@ -9568,7 +9796,7 @@
                 <a:latin typeface="Menlo"/>
                 <a:ea typeface="Menlo"/>
               </a:rPr>
-              <a:t>(cat.name)</a:t>
+              <a:t>cat.name</a:t>
             </a:r>
             <a:endParaRPr b="0" lang="de-DE" sz="1800" spc="-1" strike="noStrike">
               <a:latin typeface="Arial"/>
@@ -9603,17 +9831,7 @@
                 <a:latin typeface="Menlo"/>
                 <a:ea typeface="Menlo"/>
               </a:rPr>
-              <a:t>age   = Printable.</a:t>
-            </a:r>
-            <a:r>
-              <a:rPr b="0" i="1" lang="de-DE" sz="1800" spc="-1" strike="noStrike">
-                <a:solidFill>
-                  <a:srgbClr val="000000"/>
-                </a:solidFill>
-                <a:latin typeface="Menlo"/>
-                <a:ea typeface="Menlo"/>
-              </a:rPr>
-              <a:t>stringify</a:t>
+              <a:t>age   = </a:t>
             </a:r>
             <a:r>
               <a:rPr b="0" lang="de-DE" sz="1800" spc="-1" strike="noStrike">
@@ -9623,7 +9841,7 @@
                 <a:latin typeface="Menlo"/>
                 <a:ea typeface="Menlo"/>
               </a:rPr>
-              <a:t>(cat.age)</a:t>
+              <a:t>cat.age.toString</a:t>
             </a:r>
             <a:endParaRPr b="0" lang="de-DE" sz="1800" spc="-1" strike="noStrike">
               <a:latin typeface="Arial"/>
@@ -9658,17 +9876,7 @@
                 <a:latin typeface="Menlo"/>
                 <a:ea typeface="Menlo"/>
               </a:rPr>
-              <a:t>color = Printable.</a:t>
-            </a:r>
-            <a:r>
-              <a:rPr b="0" i="1" lang="de-DE" sz="1800" spc="-1" strike="noStrike">
-                <a:solidFill>
-                  <a:srgbClr val="000000"/>
-                </a:solidFill>
-                <a:latin typeface="Menlo"/>
-                <a:ea typeface="Menlo"/>
-              </a:rPr>
-              <a:t>stringify</a:t>
+              <a:t>color = </a:t>
             </a:r>
             <a:r>
               <a:rPr b="0" lang="de-DE" sz="1800" spc="-1" strike="noStrike">
@@ -9678,7 +9886,7 @@
                 <a:latin typeface="Menlo"/>
                 <a:ea typeface="Menlo"/>
               </a:rPr>
-              <a:t>(cat.color)</a:t>
+              <a:t>cat.color</a:t>
             </a:r>
             <a:endParaRPr b="0" lang="de-DE" sz="1800" spc="-1" strike="noStrike">
               <a:latin typeface="Arial"/>
@@ -9929,7 +10137,7 @@
         <p:spPr>
           <a:xfrm>
             <a:off x="720000" y="300960"/>
-            <a:ext cx="8844120" cy="1251000"/>
+            <a:ext cx="8843760" cy="1250640"/>
           </a:xfrm>
           <a:prstGeom prst="rect">
             <a:avLst/>
@@ -9973,7 +10181,7 @@
         <p:spPr>
           <a:xfrm>
             <a:off x="720000" y="1800000"/>
-            <a:ext cx="8628480" cy="5317200"/>
+            <a:ext cx="8628120" cy="5316840"/>
           </a:xfrm>
           <a:prstGeom prst="rect">
             <a:avLst/>
@@ -10523,7 +10731,7 @@
         <p:spPr>
           <a:xfrm>
             <a:off x="720000" y="300960"/>
-            <a:ext cx="8844120" cy="1251000"/>
+            <a:ext cx="8843760" cy="1250640"/>
           </a:xfrm>
           <a:prstGeom prst="rect">
             <a:avLst/>
@@ -10567,7 +10775,7 @@
         <p:spPr>
           <a:xfrm>
             <a:off x="720000" y="2160000"/>
-            <a:ext cx="8628480" cy="4373280"/>
+            <a:ext cx="8628120" cy="4372920"/>
           </a:xfrm>
           <a:prstGeom prst="rect">
             <a:avLst/>
@@ -10824,7 +11032,7 @@
                 <a:latin typeface="Menlo"/>
                 <a:ea typeface="Menlo"/>
               </a:rPr>
-              <a:t>myPrint[</a:t>
+              <a:t>pprint[</a:t>
             </a:r>
             <a:r>
               <a:rPr b="0" lang="de-DE" sz="1600" spc="-1" strike="noStrike">
@@ -10929,17 +11137,27 @@
                 <a:latin typeface="Menlo"/>
                 <a:ea typeface="Menlo"/>
               </a:rPr>
-              <a:t>println</a:t>
-            </a:r>
-            <a:r>
-              <a:rPr b="0" lang="de-DE" sz="1600" spc="-1" strike="noStrike">
-                <a:solidFill>
-                  <a:srgbClr val="000000"/>
-                </a:solidFill>
-                <a:latin typeface="Menlo"/>
-                <a:ea typeface="Menlo"/>
-              </a:rPr>
-              <a:t>(p.stringify(value))</a:t>
+              <a:t>      </a:t>
+            </a:r>
+            <a:r>
+              <a:rPr b="0" lang="de-DE" sz="1600" spc="-1" strike="noStrike">
+                <a:solidFill>
+                  <a:srgbClr val="000000"/>
+                </a:solidFill>
+                <a:latin typeface="Menlo"/>
+                <a:ea typeface="Menlo"/>
+              </a:rPr>
+              <a:t>p.</a:t>
+            </a:r>
+            <a:r>
+              <a:rPr b="0" lang="de-DE" sz="1600" spc="-1" strike="noStrike">
+                <a:solidFill>
+                  <a:srgbClr val="000000"/>
+                </a:solidFill>
+                <a:latin typeface="Menlo"/>
+                <a:ea typeface="Menlo"/>
+              </a:rPr>
+              <a:t>pprint(value)</a:t>
             </a:r>
             <a:endParaRPr b="0" lang="de-DE" sz="1600" spc="-1" strike="noStrike">
               <a:latin typeface="Arial"/>
@@ -10959,7 +11177,7 @@
                 <a:latin typeface="Menlo"/>
                 <a:ea typeface="Menlo"/>
               </a:rPr>
-              <a:t>myPrint(</a:t>
+              <a:t>pprint(</a:t>
             </a:r>
             <a:r>
               <a:rPr b="0" i="1" lang="de-DE" sz="1600" spc="-1" strike="noStrike">
@@ -10994,7 +11212,7 @@
                 <a:latin typeface="Menlo"/>
                 <a:ea typeface="Menlo"/>
               </a:rPr>
-              <a:t>myPrint(</a:t>
+              <a:t>pprint(</a:t>
             </a:r>
             <a:r>
               <a:rPr b="0" i="1" lang="de-DE" sz="1600" spc="-1" strike="noStrike">
@@ -11039,7 +11257,7 @@
                 <a:latin typeface="Menlo"/>
                 <a:ea typeface="Menlo"/>
               </a:rPr>
-              <a:t>myPrint(Option(</a:t>
+              <a:t>pprint(Option(</a:t>
             </a:r>
             <a:r>
               <a:rPr b="0" i="1" lang="de-DE" sz="1600" spc="-1" strike="noStrike">
@@ -11079,7 +11297,7 @@
                 <a:latin typeface="Menlo"/>
                 <a:ea typeface="Menlo"/>
               </a:rPr>
-              <a:t>myPrint(Option.empty[Cat])</a:t>
+              <a:t>pprint(Option.empty[Cat])</a:t>
             </a:r>
             <a:endParaRPr b="0" lang="de-DE" sz="1600" spc="-1" strike="noStrike">
               <a:latin typeface="Arial"/>
@@ -11109,7 +11327,7 @@
                 <a:latin typeface="Menlo"/>
                 <a:ea typeface="Menlo"/>
               </a:rPr>
-              <a:t>myPrint(List(</a:t>
+              <a:t>pprint(List(</a:t>
             </a:r>
             <a:r>
               <a:rPr b="0" i="1" lang="de-DE" sz="1600" spc="-1" strike="noStrike">
@@ -11169,7 +11387,7 @@
                 <a:latin typeface="Menlo"/>
                 <a:ea typeface="Menlo"/>
               </a:rPr>
-              <a:t>myPrint(List.empty[Cat])</a:t>
+              <a:t>pprint(List.empty[Cat])</a:t>
             </a:r>
             <a:endParaRPr b="0" lang="de-DE" sz="1600" spc="-1" strike="noStrike">
               <a:latin typeface="Arial"/>
@@ -11245,7 +11463,7 @@
         <p:spPr>
           <a:xfrm>
             <a:off x="720000" y="300960"/>
-            <a:ext cx="8844120" cy="1251000"/>
+            <a:ext cx="8843760" cy="1250640"/>
           </a:xfrm>
           <a:prstGeom prst="rect">
             <a:avLst/>
@@ -11289,7 +11507,7 @@
         <p:spPr>
           <a:xfrm>
             <a:off x="720000" y="1944000"/>
-            <a:ext cx="8628480" cy="4373280"/>
+            <a:ext cx="8628120" cy="4372920"/>
           </a:xfrm>
           <a:prstGeom prst="rect">
             <a:avLst/>
@@ -11308,7 +11526,7 @@
         <p:txBody>
           <a:bodyPr lIns="0" rIns="0" tIns="0" bIns="0"/>
           <a:p>
-            <a:pPr marL="432000" indent="-312480">
+            <a:pPr marL="432000" indent="-312120">
               <a:lnSpc>
                 <a:spcPct val="100000"/>
               </a:lnSpc>
@@ -11377,7 +11595,7 @@
             </a:endParaRPr>
           </a:p>
           <a:p>
-            <a:pPr marL="432000" indent="-312480">
+            <a:pPr marL="432000" indent="-312120">
               <a:lnSpc>
                 <a:spcPct val="100000"/>
               </a:lnSpc>
@@ -11406,7 +11624,7 @@
             </a:endParaRPr>
           </a:p>
           <a:p>
-            <a:pPr marL="432000" indent="-312480">
+            <a:pPr marL="432000" indent="-312120">
               <a:lnSpc>
                 <a:spcPct val="100000"/>
               </a:lnSpc>
@@ -11435,7 +11653,7 @@
             </a:endParaRPr>
           </a:p>
           <a:p>
-            <a:pPr marL="432000" indent="-312480">
+            <a:pPr marL="432000" indent="-312120">
               <a:lnSpc>
                 <a:spcPct val="100000"/>
               </a:lnSpc>
@@ -11523,7 +11741,7 @@
         <p:spPr>
           <a:xfrm>
             <a:off x="720000" y="300960"/>
-            <a:ext cx="8844120" cy="1251000"/>
+            <a:ext cx="8843760" cy="1250640"/>
           </a:xfrm>
           <a:prstGeom prst="rect">
             <a:avLst/>
@@ -11567,7 +11785,7 @@
         <p:spPr>
           <a:xfrm>
             <a:off x="720000" y="1692000"/>
-            <a:ext cx="8628480" cy="5213520"/>
+            <a:ext cx="8628120" cy="5213160"/>
           </a:xfrm>
           <a:prstGeom prst="rect">
             <a:avLst/>
@@ -11586,7 +11804,7 @@
         <p:txBody>
           <a:bodyPr lIns="0" rIns="0" tIns="0" bIns="0"/>
           <a:p>
-            <a:pPr marL="432000" indent="-312480">
+            <a:pPr marL="432000" indent="-312120">
               <a:lnSpc>
                 <a:spcPct val="100000"/>
               </a:lnSpc>
@@ -12078,7 +12296,7 @@
                 <a:latin typeface="Menlo"/>
                 <a:ea typeface="Menlo"/>
               </a:rPr>
-              <a:t>println(stringify(value))</a:t>
+              <a:t>p.pprint(value)</a:t>
             </a:r>
             <a:endParaRPr b="0" lang="de-DE" sz="1600" spc="-1" strike="noStrike">
               <a:latin typeface="Arial"/>
@@ -12148,7 +12366,7 @@
                 <a:latin typeface="Menlo"/>
                 <a:ea typeface="Menlo"/>
               </a:rPr>
-              <a:t>userpkg</a:t>
+              <a:t>user</a:t>
             </a:r>
             <a:endParaRPr b="0" lang="de-DE" sz="1600" spc="-1" strike="noStrike">
               <a:latin typeface="Arial"/>
@@ -12324,7 +12542,7 @@
         <p:spPr>
           <a:xfrm>
             <a:off x="720000" y="300960"/>
-            <a:ext cx="8844120" cy="1251000"/>
+            <a:ext cx="8843760" cy="1250640"/>
           </a:xfrm>
           <a:prstGeom prst="rect">
             <a:avLst/>
@@ -12368,7 +12586,7 @@
         <p:spPr>
           <a:xfrm>
             <a:off x="720000" y="1980000"/>
-            <a:ext cx="8628480" cy="4782240"/>
+            <a:ext cx="8628120" cy="4781880"/>
           </a:xfrm>
           <a:prstGeom prst="rect">
             <a:avLst/>
@@ -12387,7 +12605,7 @@
         <p:txBody>
           <a:bodyPr lIns="0" rIns="0" tIns="0" bIns="0"/>
           <a:p>
-            <a:pPr marL="432000" indent="-312480">
+            <a:pPr marL="432000" indent="-312120">
               <a:lnSpc>
                 <a:spcPct val="100000"/>
               </a:lnSpc>
@@ -12958,7 +13176,7 @@
         <p:spPr>
           <a:xfrm>
             <a:off x="720000" y="300960"/>
-            <a:ext cx="8844120" cy="1251000"/>
+            <a:ext cx="8843760" cy="1250640"/>
           </a:xfrm>
           <a:prstGeom prst="rect">
             <a:avLst/>
@@ -13002,7 +13220,7 @@
         <p:spPr>
           <a:xfrm>
             <a:off x="720000" y="2160000"/>
-            <a:ext cx="8628480" cy="4373280"/>
+            <a:ext cx="8628120" cy="4372920"/>
           </a:xfrm>
           <a:prstGeom prst="rect">
             <a:avLst/>
@@ -13021,7 +13239,7 @@
         <p:txBody>
           <a:bodyPr lIns="0" rIns="0" tIns="0" bIns="0"/>
           <a:p>
-            <a:pPr marL="432000" indent="-312480">
+            <a:pPr marL="432000" indent="-312120">
               <a:lnSpc>
                 <a:spcPct val="100000"/>
               </a:lnSpc>
@@ -13036,7 +13254,7 @@
               <a:buChar char=""/>
             </a:pPr>
             <a:r>
-              <a:rPr b="0" lang="de-DE" sz="2600" spc="-1" strike="noStrike">
+              <a:rPr b="0" lang="de-DE" sz="2200" spc="-1" strike="noStrike">
                 <a:solidFill>
                   <a:srgbClr val="333333"/>
                 </a:solidFill>
@@ -13046,7 +13264,7 @@
               <a:t>Type class instances for standard types (</a:t>
             </a:r>
             <a:r>
-              <a:rPr b="0" lang="de-DE" sz="2600" spc="-1" strike="noStrike">
+              <a:rPr b="0" lang="de-DE" sz="2200" spc="-1" strike="noStrike">
                 <a:solidFill>
                   <a:srgbClr val="333333"/>
                 </a:solidFill>
@@ -13056,7 +13274,7 @@
               <a:t>String</a:t>
             </a:r>
             <a:r>
-              <a:rPr b="0" lang="de-DE" sz="2600" spc="-1" strike="noStrike">
+              <a:rPr b="0" lang="de-DE" sz="2200" spc="-1" strike="noStrike">
                 <a:solidFill>
                   <a:srgbClr val="333333"/>
                 </a:solidFill>
@@ -13066,7 +13284,7 @@
               <a:t>, </a:t>
             </a:r>
             <a:r>
-              <a:rPr b="0" lang="de-DE" sz="2600" spc="-1" strike="noStrike">
+              <a:rPr b="0" lang="de-DE" sz="2200" spc="-1" strike="noStrike">
                 <a:solidFill>
                   <a:srgbClr val="333333"/>
                 </a:solidFill>
@@ -13076,7 +13294,7 @@
               <a:t>Int</a:t>
             </a:r>
             <a:r>
-              <a:rPr b="0" lang="de-DE" sz="2600" spc="-1" strike="noStrike">
+              <a:rPr b="0" lang="de-DE" sz="2200" spc="-1" strike="noStrike">
                 <a:solidFill>
                   <a:srgbClr val="333333"/>
                 </a:solidFill>
@@ -13086,7 +13304,7 @@
               <a:t>, </a:t>
             </a:r>
             <a:r>
-              <a:rPr b="0" lang="de-DE" sz="2600" spc="-1" strike="noStrike">
+              <a:rPr b="0" lang="de-DE" sz="2200" spc="-1" strike="noStrike">
                 <a:solidFill>
                   <a:srgbClr val="333333"/>
                 </a:solidFill>
@@ -13096,21 +13314,41 @@
               <a:t>Date</a:t>
             </a:r>
             <a:r>
-              <a:rPr b="0" lang="de-DE" sz="2600" spc="-1" strike="noStrike">
-                <a:solidFill>
-                  <a:srgbClr val="333333"/>
-                </a:solidFill>
-                <a:latin typeface="Noto Sans Regular"/>
-                <a:ea typeface="DejaVu Sans"/>
-              </a:rPr>
-              <a:t> etc.) should be stored under the same package as the type class itself (typically in companion object of the type class).</a:t>
-            </a:r>
-            <a:endParaRPr b="0" lang="de-DE" sz="2600" spc="-1" strike="noStrike">
-              <a:latin typeface="Arial"/>
-            </a:endParaRPr>
-          </a:p>
-          <a:p>
-            <a:pPr marL="432000" indent="-312480">
+              <a:rPr b="0" lang="de-DE" sz="2200" spc="-1" strike="noStrike">
+                <a:solidFill>
+                  <a:srgbClr val="333333"/>
+                </a:solidFill>
+                <a:latin typeface="Noto Sans Regular"/>
+                <a:ea typeface="DejaVu Sans"/>
+              </a:rPr>
+              <a:t> etc.) should be stored under the same package as the type class itself (typically in the </a:t>
+            </a:r>
+            <a:r>
+              <a:rPr b="1" lang="de-DE" sz="2200" spc="-1" strike="noStrike">
+                <a:solidFill>
+                  <a:srgbClr val="333333"/>
+                </a:solidFill>
+                <a:latin typeface="Noto Sans Regular"/>
+                <a:ea typeface="DejaVu Sans"/>
+              </a:rPr>
+              <a:t>type class companion object</a:t>
+            </a:r>
+            <a:r>
+              <a:rPr b="0" lang="de-DE" sz="2200" spc="-1" strike="noStrike">
+                <a:solidFill>
+                  <a:srgbClr val="333333"/>
+                </a:solidFill>
+                <a:latin typeface="Noto Sans Regular"/>
+                <a:ea typeface="DejaVu Sans"/>
+              </a:rPr>
+              <a:t>).</a:t>
+            </a:r>
+            <a:endParaRPr b="0" lang="de-DE" sz="2200" spc="-1" strike="noStrike">
+              <a:latin typeface="Arial"/>
+            </a:endParaRPr>
+          </a:p>
+          <a:p>
+            <a:pPr marL="432000" indent="-312120">
               <a:lnSpc>
                 <a:spcPct val="100000"/>
               </a:lnSpc>
@@ -13125,7 +13363,7 @@
               <a:buChar char=""/>
             </a:pPr>
             <a:r>
-              <a:rPr b="0" lang="de-DE" sz="2600" spc="-1" strike="noStrike">
+              <a:rPr b="0" lang="de-DE" sz="2200" spc="-1" strike="noStrike">
                 <a:solidFill>
                   <a:srgbClr val="333333"/>
                 </a:solidFill>
@@ -13135,7 +13373,7 @@
               <a:t>Type class instances for your own types, i.e. domain classes (</a:t>
             </a:r>
             <a:r>
-              <a:rPr b="0" lang="de-DE" sz="2600" spc="-1" strike="noStrike">
+              <a:rPr b="0" lang="de-DE" sz="2200" spc="-1" strike="noStrike">
                 <a:solidFill>
                   <a:srgbClr val="333333"/>
                 </a:solidFill>
@@ -13145,7 +13383,7 @@
               <a:t>Cat</a:t>
             </a:r>
             <a:r>
-              <a:rPr b="0" lang="de-DE" sz="2600" spc="-1" strike="noStrike">
+              <a:rPr b="0" lang="de-DE" sz="2200" spc="-1" strike="noStrike">
                 <a:solidFill>
                   <a:srgbClr val="333333"/>
                 </a:solidFill>
@@ -13155,7 +13393,7 @@
               <a:t>, </a:t>
             </a:r>
             <a:r>
-              <a:rPr b="0" lang="de-DE" sz="2600" spc="-1" strike="noStrike">
+              <a:rPr b="0" lang="de-DE" sz="2200" spc="-1" strike="noStrike">
                 <a:solidFill>
                   <a:srgbClr val="333333"/>
                 </a:solidFill>
@@ -13165,7 +13403,7 @@
               <a:t>Person</a:t>
             </a:r>
             <a:r>
-              <a:rPr b="0" lang="de-DE" sz="2600" spc="-1" strike="noStrike">
+              <a:rPr b="0" lang="de-DE" sz="2200" spc="-1" strike="noStrike">
                 <a:solidFill>
                   <a:srgbClr val="333333"/>
                 </a:solidFill>
@@ -13175,7 +13413,7 @@
               <a:t>, </a:t>
             </a:r>
             <a:r>
-              <a:rPr b="0" lang="de-DE" sz="2600" spc="-1" strike="noStrike">
+              <a:rPr b="0" lang="de-DE" sz="2200" spc="-1" strike="noStrike">
                 <a:solidFill>
                   <a:srgbClr val="333333"/>
                 </a:solidFill>
@@ -13185,7 +13423,7 @@
               <a:t>Customer</a:t>
             </a:r>
             <a:r>
-              <a:rPr b="0" lang="de-DE" sz="2600" spc="-1" strike="noStrike">
+              <a:rPr b="0" lang="de-DE" sz="2200" spc="-1" strike="noStrike">
                 <a:solidFill>
                   <a:srgbClr val="333333"/>
                 </a:solidFill>
@@ -13195,7 +13433,7 @@
               <a:t>, </a:t>
             </a:r>
             <a:r>
-              <a:rPr b="0" lang="de-DE" sz="2600" spc="-1" strike="noStrike">
+              <a:rPr b="0" lang="de-DE" sz="2200" spc="-1" strike="noStrike">
                 <a:solidFill>
                   <a:srgbClr val="333333"/>
                 </a:solidFill>
@@ -13205,7 +13443,7 @@
               <a:t>Order</a:t>
             </a:r>
             <a:r>
-              <a:rPr b="0" lang="de-DE" sz="2600" spc="-1" strike="noStrike">
+              <a:rPr b="0" lang="de-DE" sz="2200" spc="-1" strike="noStrike">
                 <a:solidFill>
                   <a:srgbClr val="333333"/>
                 </a:solidFill>
@@ -13215,7 +13453,7 @@
               <a:t>, </a:t>
             </a:r>
             <a:r>
-              <a:rPr b="0" lang="de-DE" sz="2600" spc="-1" strike="noStrike">
+              <a:rPr b="0" lang="de-DE" sz="2200" spc="-1" strike="noStrike">
                 <a:solidFill>
                   <a:srgbClr val="333333"/>
                 </a:solidFill>
@@ -13225,16 +13463,85 @@
               <a:t>Invoice</a:t>
             </a:r>
             <a:r>
-              <a:rPr b="0" lang="de-DE" sz="2600" spc="-1" strike="noStrike">
-                <a:solidFill>
-                  <a:srgbClr val="333333"/>
-                </a:solidFill>
-                <a:latin typeface="Noto Sans Regular"/>
-                <a:ea typeface="DejaVu Sans"/>
-              </a:rPr>
-              <a:t> etc.) should be stored under the same package as the respective domain class (typically in the companion object of the domain class).</a:t>
-            </a:r>
-            <a:endParaRPr b="0" lang="de-DE" sz="2600" spc="-1" strike="noStrike">
+              <a:rPr b="0" lang="de-DE" sz="2200" spc="-1" strike="noStrike">
+                <a:solidFill>
+                  <a:srgbClr val="333333"/>
+                </a:solidFill>
+                <a:latin typeface="Noto Sans Regular"/>
+                <a:ea typeface="DejaVu Sans"/>
+              </a:rPr>
+              <a:t> etc.) should be stored under the same package as the respective domain class (typically in the </a:t>
+            </a:r>
+            <a:r>
+              <a:rPr b="1" lang="de-DE" sz="2200" spc="-1" strike="noStrike">
+                <a:solidFill>
+                  <a:srgbClr val="333333"/>
+                </a:solidFill>
+                <a:latin typeface="Noto Sans Regular"/>
+                <a:ea typeface="DejaVu Sans"/>
+              </a:rPr>
+              <a:t>domain class companion object</a:t>
+            </a:r>
+            <a:r>
+              <a:rPr b="0" lang="de-DE" sz="2200" spc="-1" strike="noStrike">
+                <a:solidFill>
+                  <a:srgbClr val="333333"/>
+                </a:solidFill>
+                <a:latin typeface="Noto Sans Regular"/>
+                <a:ea typeface="DejaVu Sans"/>
+              </a:rPr>
+              <a:t>).</a:t>
+            </a:r>
+            <a:endParaRPr b="0" lang="de-DE" sz="2200" spc="-1" strike="noStrike">
+              <a:latin typeface="Arial"/>
+            </a:endParaRPr>
+          </a:p>
+          <a:p>
+            <a:pPr marL="432000" indent="-312120">
+              <a:lnSpc>
+                <a:spcPct val="100000"/>
+              </a:lnSpc>
+              <a:spcAft>
+                <a:spcPts val="1414"/>
+              </a:spcAft>
+              <a:buClr>
+                <a:srgbClr val="ef2929"/>
+              </a:buClr>
+              <a:buSzPct val="45000"/>
+              <a:buFont typeface="Wingdings" charset="2"/>
+              <a:buChar char=""/>
+            </a:pPr>
+            <a:r>
+              <a:rPr b="0" lang="de-DE" sz="2200" spc="-1" strike="noStrike">
+                <a:solidFill>
+                  <a:srgbClr val="333333"/>
+                </a:solidFill>
+                <a:latin typeface="Noto Sans Regular"/>
+                <a:ea typeface="DejaVu Sans"/>
+              </a:rPr>
+              <a:t>Type class instances in companion objects are visible in </a:t>
+            </a:r>
+            <a:r>
+              <a:rPr b="1" lang="de-DE" sz="2200" spc="-1" strike="noStrike">
+                <a:solidFill>
+                  <a:srgbClr val="333333"/>
+                </a:solidFill>
+                <a:latin typeface="Noto Sans Regular"/>
+                <a:ea typeface="DejaVu Sans"/>
+              </a:rPr>
+              <a:t>implicit scope</a:t>
+            </a:r>
+            <a:r>
+              <a:rPr b="0" lang="de-DE" sz="2200" spc="-1" strike="noStrike">
+                <a:solidFill>
+                  <a:srgbClr val="333333"/>
+                </a:solidFill>
+                <a:latin typeface="Noto Sans Regular"/>
+                <a:ea typeface="DejaVu Sans"/>
+              </a:rPr>
+              <a:t>. They can be found automatically by the compiler without needing an extra import.</a:t>
+            </a:r>
+            <a:endParaRPr b="0" lang="de-DE" sz="2200" spc="-1" strike="noStrike">
               <a:latin typeface="Arial"/>
             </a:endParaRPr>
           </a:p>
@@ -13298,7 +13605,7 @@
         <p:spPr>
           <a:xfrm>
             <a:off x="720000" y="300960"/>
-            <a:ext cx="8844120" cy="1251000"/>
+            <a:ext cx="8843760" cy="1250640"/>
           </a:xfrm>
           <a:prstGeom prst="rect">
             <a:avLst/>
@@ -13342,7 +13649,7 @@
         <p:spPr>
           <a:xfrm>
             <a:off x="720000" y="1584000"/>
-            <a:ext cx="8628480" cy="5322240"/>
+            <a:ext cx="8628120" cy="5321880"/>
           </a:xfrm>
           <a:prstGeom prst="rect">
             <a:avLst/>
@@ -13361,7 +13668,7 @@
         <p:txBody>
           <a:bodyPr lIns="0" rIns="0" tIns="0" bIns="0"/>
           <a:p>
-            <a:pPr marL="432000" indent="-312480">
+            <a:pPr marL="432000" indent="-312120">
               <a:lnSpc>
                 <a:spcPct val="100000"/>
               </a:lnSpc>
@@ -13410,7 +13717,7 @@
             </a:endParaRPr>
           </a:p>
           <a:p>
-            <a:pPr marL="432000" indent="-312480">
+            <a:pPr marL="432000" indent="-312120">
               <a:lnSpc>
                 <a:spcPct val="100000"/>
               </a:lnSpc>
@@ -13470,7 +13777,7 @@
             </a:endParaRPr>
           </a:p>
           <a:p>
-            <a:pPr marL="432000" indent="-312480">
+            <a:pPr marL="432000" indent="-312120">
               <a:lnSpc>
                 <a:spcPct val="100000"/>
               </a:lnSpc>
@@ -13519,7 +13826,7 @@
             </a:endParaRPr>
           </a:p>
           <a:p>
-            <a:pPr marL="432000" indent="-312480">
+            <a:pPr marL="432000" indent="-312120">
               <a:lnSpc>
                 <a:spcPct val="100000"/>
               </a:lnSpc>
@@ -13568,7 +13875,7 @@
             </a:endParaRPr>
           </a:p>
           <a:p>
-            <a:pPr marL="432000" indent="-312480">
+            <a:pPr marL="432000" indent="-312120">
               <a:lnSpc>
                 <a:spcPct val="100000"/>
               </a:lnSpc>
@@ -13597,7 +13904,7 @@
             </a:endParaRPr>
           </a:p>
           <a:p>
-            <a:pPr marL="432000" indent="-312480">
+            <a:pPr marL="432000" indent="-312120">
               <a:lnSpc>
                 <a:spcPct val="100000"/>
               </a:lnSpc>
@@ -13686,7 +13993,7 @@
         <p:spPr>
           <a:xfrm>
             <a:off x="720000" y="300960"/>
-            <a:ext cx="8844120" cy="1251000"/>
+            <a:ext cx="8843760" cy="1250640"/>
           </a:xfrm>
           <a:prstGeom prst="rect">
             <a:avLst/>
@@ -13730,7 +14037,7 @@
         <p:spPr>
           <a:xfrm>
             <a:off x="720000" y="1404000"/>
-            <a:ext cx="8628480" cy="5645160"/>
+            <a:ext cx="8628120" cy="5644800"/>
           </a:xfrm>
           <a:prstGeom prst="rect">
             <a:avLst/>
@@ -14312,7 +14619,7 @@
                 <a:latin typeface="Menlo"/>
                 <a:ea typeface="Menlo"/>
               </a:rPr>
-              <a:t>println</a:t>
+              <a:t>p.pprint</a:t>
             </a:r>
             <a:r>
               <a:rPr b="0" lang="de-DE" sz="1200" spc="-1" strike="noStrike">
@@ -14322,17 +14629,47 @@
                 <a:latin typeface="Menlo"/>
                 <a:ea typeface="Menlo"/>
               </a:rPr>
-              <a:t>(</a:t>
-            </a:r>
+              <a:t>(value)</a:t>
+            </a:r>
+            <a:endParaRPr b="0" lang="de-DE" sz="1200" spc="-1" strike="noStrike">
+              <a:latin typeface="Arial"/>
+            </a:endParaRPr>
+          </a:p>
+          <a:p>
+            <a:pPr>
+              <a:lnSpc>
+                <a:spcPct val="100000"/>
+              </a:lnSpc>
+            </a:pPr>
+            <a:endParaRPr b="0" lang="de-DE" sz="1200" spc="-1" strike="noStrike">
+              <a:latin typeface="Arial"/>
+            </a:endParaRPr>
+          </a:p>
+          <a:p>
+            <a:pPr>
+              <a:lnSpc>
+                <a:spcPct val="100000"/>
+              </a:lnSpc>
+            </a:pPr>
             <a:r>
               <a:rPr b="0" i="1" lang="de-DE" sz="1200" spc="-1" strike="noStrike">
                 <a:solidFill>
-                  <a:srgbClr val="000000"/>
-                </a:solidFill>
-                <a:latin typeface="Menlo"/>
-                <a:ea typeface="Menlo"/>
-              </a:rPr>
-              <a:t>stringify</a:t>
+                  <a:srgbClr val="6d6d6d"/>
+                </a:solidFill>
+                <a:latin typeface="Menlo"/>
+                <a:ea typeface="Menlo"/>
+              </a:rPr>
+              <a:t>  </a:t>
+            </a:r>
+            <a:r>
+              <a:rPr b="1" lang="de-DE" sz="1200" spc="-1" strike="noStrike">
+                <a:solidFill>
+                  <a:srgbClr val="00006d"/>
+                </a:solidFill>
+                <a:latin typeface="Menlo"/>
+                <a:ea typeface="Menlo"/>
+              </a:rPr>
+              <a:t>implicit class </a:t>
             </a:r>
             <a:r>
               <a:rPr b="0" lang="de-DE" sz="1200" spc="-1" strike="noStrike">
@@ -14342,7 +14679,47 @@
                 <a:latin typeface="Menlo"/>
                 <a:ea typeface="Menlo"/>
               </a:rPr>
-              <a:t>(value))</a:t>
+              <a:t>PrintableOps[</a:t>
+            </a:r>
+            <a:r>
+              <a:rPr b="0" lang="de-DE" sz="1200" spc="-1" strike="noStrike">
+                <a:solidFill>
+                  <a:srgbClr val="1f888b"/>
+                </a:solidFill>
+                <a:latin typeface="Menlo"/>
+                <a:ea typeface="Menlo"/>
+              </a:rPr>
+              <a:t>A</a:t>
+            </a:r>
+            <a:r>
+              <a:rPr b="0" lang="de-DE" sz="1200" spc="-1" strike="noStrike">
+                <a:solidFill>
+                  <a:srgbClr val="000000"/>
+                </a:solidFill>
+                <a:latin typeface="Menlo"/>
+                <a:ea typeface="Menlo"/>
+              </a:rPr>
+              <a:t>](value: </a:t>
+            </a:r>
+            <a:r>
+              <a:rPr b="0" lang="de-DE" sz="1200" spc="-1" strike="noStrike">
+                <a:solidFill>
+                  <a:srgbClr val="1f888b"/>
+                </a:solidFill>
+                <a:latin typeface="Menlo"/>
+                <a:ea typeface="Menlo"/>
+              </a:rPr>
+              <a:t>A</a:t>
+            </a:r>
+            <a:r>
+              <a:rPr b="0" lang="de-DE" sz="1200" spc="-1" strike="noStrike">
+                <a:solidFill>
+                  <a:srgbClr val="000000"/>
+                </a:solidFill>
+                <a:latin typeface="Menlo"/>
+                <a:ea typeface="Menlo"/>
+              </a:rPr>
+              <a:t>) {</a:t>
             </a:r>
             <a:endParaRPr b="0" lang="de-DE" sz="1200" spc="-1" strike="noStrike">
               <a:latin typeface="Arial"/>
@@ -14354,6 +14731,96 @@
                 <a:spcPct val="100000"/>
               </a:lnSpc>
             </a:pPr>
+            <a:r>
+              <a:rPr b="1" lang="de-DE" sz="1200" spc="-1" strike="noStrike">
+                <a:solidFill>
+                  <a:srgbClr val="00006d"/>
+                </a:solidFill>
+                <a:latin typeface="Menlo"/>
+                <a:ea typeface="Menlo"/>
+              </a:rPr>
+              <a:t>    </a:t>
+            </a:r>
+            <a:r>
+              <a:rPr b="1" lang="de-DE" sz="1200" spc="-1" strike="noStrike">
+                <a:solidFill>
+                  <a:srgbClr val="00006d"/>
+                </a:solidFill>
+                <a:latin typeface="Menlo"/>
+                <a:ea typeface="Menlo"/>
+              </a:rPr>
+              <a:t>def </a:t>
+            </a:r>
+            <a:r>
+              <a:rPr b="0" lang="de-DE" sz="1200" spc="-1" strike="noStrike">
+                <a:solidFill>
+                  <a:srgbClr val="000000"/>
+                </a:solidFill>
+                <a:latin typeface="Menlo"/>
+                <a:ea typeface="Menlo"/>
+              </a:rPr>
+              <a:t>stringify(</a:t>
+            </a:r>
+            <a:r>
+              <a:rPr b="1" lang="de-DE" sz="1200" spc="-1" strike="noStrike">
+                <a:solidFill>
+                  <a:srgbClr val="00006d"/>
+                </a:solidFill>
+                <a:latin typeface="Menlo"/>
+                <a:ea typeface="Menlo"/>
+              </a:rPr>
+              <a:t>implicit </a:t>
+            </a:r>
+            <a:r>
+              <a:rPr b="0" lang="de-DE" sz="1200" spc="-1" strike="noStrike">
+                <a:solidFill>
+                  <a:srgbClr val="000000"/>
+                </a:solidFill>
+                <a:latin typeface="Menlo"/>
+                <a:ea typeface="Menlo"/>
+              </a:rPr>
+              <a:t>p: Printable[</a:t>
+            </a:r>
+            <a:r>
+              <a:rPr b="0" lang="de-DE" sz="1200" spc="-1" strike="noStrike">
+                <a:solidFill>
+                  <a:srgbClr val="1f888b"/>
+                </a:solidFill>
+                <a:latin typeface="Menlo"/>
+                <a:ea typeface="Menlo"/>
+              </a:rPr>
+              <a:t>A</a:t>
+            </a:r>
+            <a:r>
+              <a:rPr b="0" lang="de-DE" sz="1200" spc="-1" strike="noStrike">
+                <a:solidFill>
+                  <a:srgbClr val="000000"/>
+                </a:solidFill>
+                <a:latin typeface="Menlo"/>
+                <a:ea typeface="Menlo"/>
+              </a:rPr>
+              <a:t>]): </a:t>
+            </a:r>
+            <a:r>
+              <a:rPr b="0" lang="de-DE" sz="1200" spc="-1" strike="noStrike">
+                <a:solidFill>
+                  <a:srgbClr val="1f888b"/>
+                </a:solidFill>
+                <a:latin typeface="Menlo"/>
+                <a:ea typeface="Menlo"/>
+              </a:rPr>
+              <a:t>String </a:t>
+            </a:r>
+            <a:r>
+              <a:rPr b="0" lang="de-DE" sz="1200" spc="-1" strike="noStrike">
+                <a:solidFill>
+                  <a:srgbClr val="000000"/>
+                </a:solidFill>
+                <a:latin typeface="Menlo"/>
+                <a:ea typeface="Menlo"/>
+              </a:rPr>
+              <a:t>= p.stringify(value)</a:t>
+            </a:r>
             <a:endParaRPr b="0" lang="de-DE" sz="1200" spc="-1" strike="noStrike">
               <a:latin typeface="Arial"/>
             </a:endParaRPr>
@@ -14365,24 +14832,84 @@
               </a:lnSpc>
             </a:pPr>
             <a:r>
+              <a:rPr b="1" lang="de-DE" sz="1200" spc="-1" strike="noStrike">
+                <a:solidFill>
+                  <a:srgbClr val="00006d"/>
+                </a:solidFill>
+                <a:latin typeface="Menlo"/>
+                <a:ea typeface="Menlo"/>
+              </a:rPr>
+              <a:t>    </a:t>
+            </a:r>
+            <a:r>
+              <a:rPr b="1" lang="de-DE" sz="1200" spc="-1" strike="noStrike">
+                <a:solidFill>
+                  <a:srgbClr val="00006d"/>
+                </a:solidFill>
+                <a:latin typeface="Menlo"/>
+                <a:ea typeface="Menlo"/>
+              </a:rPr>
+              <a:t>def </a:t>
+            </a:r>
+            <a:r>
+              <a:rPr b="0" lang="de-DE" sz="1200" spc="-1" strike="noStrike">
+                <a:solidFill>
+                  <a:srgbClr val="000000"/>
+                </a:solidFill>
+                <a:latin typeface="Menlo"/>
+                <a:ea typeface="Menlo"/>
+              </a:rPr>
+              <a:t>pprint(</a:t>
+            </a:r>
+            <a:r>
+              <a:rPr b="1" lang="de-DE" sz="1200" spc="-1" strike="noStrike">
+                <a:solidFill>
+                  <a:srgbClr val="00006d"/>
+                </a:solidFill>
+                <a:latin typeface="Menlo"/>
+                <a:ea typeface="Menlo"/>
+              </a:rPr>
+              <a:t>implicit </a:t>
+            </a:r>
+            <a:r>
+              <a:rPr b="0" lang="de-DE" sz="1200" spc="-1" strike="noStrike">
+                <a:solidFill>
+                  <a:srgbClr val="000000"/>
+                </a:solidFill>
+                <a:latin typeface="Menlo"/>
+                <a:ea typeface="Menlo"/>
+              </a:rPr>
+              <a:t>p: Printable[</a:t>
+            </a:r>
+            <a:r>
+              <a:rPr b="0" lang="de-DE" sz="1200" spc="-1" strike="noStrike">
+                <a:solidFill>
+                  <a:srgbClr val="1f888b"/>
+                </a:solidFill>
+                <a:latin typeface="Menlo"/>
+                <a:ea typeface="Menlo"/>
+              </a:rPr>
+              <a:t>A</a:t>
+            </a:r>
+            <a:r>
+              <a:rPr b="0" lang="de-DE" sz="1200" spc="-1" strike="noStrike">
+                <a:solidFill>
+                  <a:srgbClr val="000000"/>
+                </a:solidFill>
+                <a:latin typeface="Menlo"/>
+                <a:ea typeface="Menlo"/>
+              </a:rPr>
+              <a:t>]): Unit = </a:t>
+            </a:r>
+            <a:r>
               <a:rPr b="0" i="1" lang="de-DE" sz="1200" spc="-1" strike="noStrike">
                 <a:solidFill>
-                  <a:srgbClr val="6d6d6d"/>
-                </a:solidFill>
-                <a:latin typeface="Menlo"/>
-                <a:ea typeface="Menlo"/>
-              </a:rPr>
-              <a:t>  </a:t>
-            </a:r>
-            <a:r>
-              <a:rPr b="1" lang="de-DE" sz="1200" spc="-1" strike="noStrike">
-                <a:solidFill>
-                  <a:srgbClr val="00006d"/>
-                </a:solidFill>
-                <a:latin typeface="Menlo"/>
-                <a:ea typeface="Menlo"/>
-              </a:rPr>
-              <a:t>implicit class </a:t>
+                  <a:srgbClr val="000000"/>
+                </a:solidFill>
+                <a:latin typeface="Menlo"/>
+                <a:ea typeface="Menlo"/>
+              </a:rPr>
+              <a:t>p.pprint</a:t>
             </a:r>
             <a:r>
               <a:rPr b="0" lang="de-DE" sz="1200" spc="-1" strike="noStrike">
@@ -14392,247 +14919,7 @@
                 <a:latin typeface="Menlo"/>
                 <a:ea typeface="Menlo"/>
               </a:rPr>
-              <a:t>PrintableOps[</a:t>
-            </a:r>
-            <a:r>
-              <a:rPr b="0" lang="de-DE" sz="1200" spc="-1" strike="noStrike">
-                <a:solidFill>
-                  <a:srgbClr val="1f888b"/>
-                </a:solidFill>
-                <a:latin typeface="Menlo"/>
-                <a:ea typeface="Menlo"/>
-              </a:rPr>
-              <a:t>A</a:t>
-            </a:r>
-            <a:r>
-              <a:rPr b="0" lang="de-DE" sz="1200" spc="-1" strike="noStrike">
-                <a:solidFill>
-                  <a:srgbClr val="000000"/>
-                </a:solidFill>
-                <a:latin typeface="Menlo"/>
-                <a:ea typeface="Menlo"/>
-              </a:rPr>
-              <a:t>](value: </a:t>
-            </a:r>
-            <a:r>
-              <a:rPr b="0" lang="de-DE" sz="1200" spc="-1" strike="noStrike">
-                <a:solidFill>
-                  <a:srgbClr val="1f888b"/>
-                </a:solidFill>
-                <a:latin typeface="Menlo"/>
-                <a:ea typeface="Menlo"/>
-              </a:rPr>
-              <a:t>A</a:t>
-            </a:r>
-            <a:r>
-              <a:rPr b="0" lang="de-DE" sz="1200" spc="-1" strike="noStrike">
-                <a:solidFill>
-                  <a:srgbClr val="000000"/>
-                </a:solidFill>
-                <a:latin typeface="Menlo"/>
-                <a:ea typeface="Menlo"/>
-              </a:rPr>
-              <a:t>) {</a:t>
-            </a:r>
-            <a:endParaRPr b="0" lang="de-DE" sz="1200" spc="-1" strike="noStrike">
-              <a:latin typeface="Arial"/>
-            </a:endParaRPr>
-          </a:p>
-          <a:p>
-            <a:pPr>
-              <a:lnSpc>
-                <a:spcPct val="100000"/>
-              </a:lnSpc>
-            </a:pPr>
-            <a:r>
-              <a:rPr b="1" lang="de-DE" sz="1200" spc="-1" strike="noStrike">
-                <a:solidFill>
-                  <a:srgbClr val="00006d"/>
-                </a:solidFill>
-                <a:latin typeface="Menlo"/>
-                <a:ea typeface="Menlo"/>
-              </a:rPr>
-              <a:t>    </a:t>
-            </a:r>
-            <a:r>
-              <a:rPr b="1" lang="de-DE" sz="1200" spc="-1" strike="noStrike">
-                <a:solidFill>
-                  <a:srgbClr val="00006d"/>
-                </a:solidFill>
-                <a:latin typeface="Menlo"/>
-                <a:ea typeface="Menlo"/>
-              </a:rPr>
-              <a:t>def </a:t>
-            </a:r>
-            <a:r>
-              <a:rPr b="0" lang="de-DE" sz="1200" spc="-1" strike="noStrike">
-                <a:solidFill>
-                  <a:srgbClr val="000000"/>
-                </a:solidFill>
-                <a:latin typeface="Menlo"/>
-                <a:ea typeface="Menlo"/>
-              </a:rPr>
-              <a:t>stringify(</a:t>
-            </a:r>
-            <a:r>
-              <a:rPr b="1" lang="de-DE" sz="1200" spc="-1" strike="noStrike">
-                <a:solidFill>
-                  <a:srgbClr val="00006d"/>
-                </a:solidFill>
-                <a:latin typeface="Menlo"/>
-                <a:ea typeface="Menlo"/>
-              </a:rPr>
-              <a:t>implicit </a:t>
-            </a:r>
-            <a:r>
-              <a:rPr b="0" lang="de-DE" sz="1200" spc="-1" strike="noStrike">
-                <a:solidFill>
-                  <a:srgbClr val="000000"/>
-                </a:solidFill>
-                <a:latin typeface="Menlo"/>
-                <a:ea typeface="Menlo"/>
-              </a:rPr>
-              <a:t>p: Printable[</a:t>
-            </a:r>
-            <a:r>
-              <a:rPr b="0" lang="de-DE" sz="1200" spc="-1" strike="noStrike">
-                <a:solidFill>
-                  <a:srgbClr val="1f888b"/>
-                </a:solidFill>
-                <a:latin typeface="Menlo"/>
-                <a:ea typeface="Menlo"/>
-              </a:rPr>
-              <a:t>A</a:t>
-            </a:r>
-            <a:r>
-              <a:rPr b="0" lang="de-DE" sz="1200" spc="-1" strike="noStrike">
-                <a:solidFill>
-                  <a:srgbClr val="000000"/>
-                </a:solidFill>
-                <a:latin typeface="Menlo"/>
-                <a:ea typeface="Menlo"/>
-              </a:rPr>
-              <a:t>]): </a:t>
-            </a:r>
-            <a:r>
-              <a:rPr b="0" lang="de-DE" sz="1200" spc="-1" strike="noStrike">
-                <a:solidFill>
-                  <a:srgbClr val="1f888b"/>
-                </a:solidFill>
-                <a:latin typeface="Menlo"/>
-                <a:ea typeface="Menlo"/>
-              </a:rPr>
-              <a:t>String </a:t>
-            </a:r>
-            <a:r>
-              <a:rPr b="0" lang="de-DE" sz="1200" spc="-1" strike="noStrike">
-                <a:solidFill>
-                  <a:srgbClr val="000000"/>
-                </a:solidFill>
-                <a:latin typeface="Menlo"/>
-                <a:ea typeface="Menlo"/>
-              </a:rPr>
-              <a:t>= p.stringify(value)</a:t>
-            </a:r>
-            <a:endParaRPr b="0" lang="de-DE" sz="1200" spc="-1" strike="noStrike">
-              <a:latin typeface="Arial"/>
-            </a:endParaRPr>
-          </a:p>
-          <a:p>
-            <a:pPr>
-              <a:lnSpc>
-                <a:spcPct val="100000"/>
-              </a:lnSpc>
-            </a:pPr>
-            <a:r>
-              <a:rPr b="1" lang="de-DE" sz="1200" spc="-1" strike="noStrike">
-                <a:solidFill>
-                  <a:srgbClr val="00006d"/>
-                </a:solidFill>
-                <a:latin typeface="Menlo"/>
-                <a:ea typeface="Menlo"/>
-              </a:rPr>
-              <a:t>    </a:t>
-            </a:r>
-            <a:r>
-              <a:rPr b="1" lang="de-DE" sz="1200" spc="-1" strike="noStrike">
-                <a:solidFill>
-                  <a:srgbClr val="00006d"/>
-                </a:solidFill>
-                <a:latin typeface="Menlo"/>
-                <a:ea typeface="Menlo"/>
-              </a:rPr>
-              <a:t>def </a:t>
-            </a:r>
-            <a:r>
-              <a:rPr b="0" lang="de-DE" sz="1200" spc="-1" strike="noStrike">
-                <a:solidFill>
-                  <a:srgbClr val="000000"/>
-                </a:solidFill>
-                <a:latin typeface="Menlo"/>
-                <a:ea typeface="Menlo"/>
-              </a:rPr>
-              <a:t>pprint(</a:t>
-            </a:r>
-            <a:r>
-              <a:rPr b="1" lang="de-DE" sz="1200" spc="-1" strike="noStrike">
-                <a:solidFill>
-                  <a:srgbClr val="00006d"/>
-                </a:solidFill>
-                <a:latin typeface="Menlo"/>
-                <a:ea typeface="Menlo"/>
-              </a:rPr>
-              <a:t>implicit </a:t>
-            </a:r>
-            <a:r>
-              <a:rPr b="0" lang="de-DE" sz="1200" spc="-1" strike="noStrike">
-                <a:solidFill>
-                  <a:srgbClr val="000000"/>
-                </a:solidFill>
-                <a:latin typeface="Menlo"/>
-                <a:ea typeface="Menlo"/>
-              </a:rPr>
-              <a:t>p: Printable[</a:t>
-            </a:r>
-            <a:r>
-              <a:rPr b="0" lang="de-DE" sz="1200" spc="-1" strike="noStrike">
-                <a:solidFill>
-                  <a:srgbClr val="1f888b"/>
-                </a:solidFill>
-                <a:latin typeface="Menlo"/>
-                <a:ea typeface="Menlo"/>
-              </a:rPr>
-              <a:t>A</a:t>
-            </a:r>
-            <a:r>
-              <a:rPr b="0" lang="de-DE" sz="1200" spc="-1" strike="noStrike">
-                <a:solidFill>
-                  <a:srgbClr val="000000"/>
-                </a:solidFill>
-                <a:latin typeface="Menlo"/>
-                <a:ea typeface="Menlo"/>
-              </a:rPr>
-              <a:t>]): Unit = </a:t>
-            </a:r>
-            <a:r>
-              <a:rPr b="0" i="1" lang="de-DE" sz="1200" spc="-1" strike="noStrike">
-                <a:solidFill>
-                  <a:srgbClr val="000000"/>
-                </a:solidFill>
-                <a:latin typeface="Menlo"/>
-                <a:ea typeface="Menlo"/>
-              </a:rPr>
-              <a:t>println</a:t>
-            </a:r>
-            <a:r>
-              <a:rPr b="0" lang="de-DE" sz="1200" spc="-1" strike="noStrike">
-                <a:solidFill>
-                  <a:srgbClr val="000000"/>
-                </a:solidFill>
-                <a:latin typeface="Menlo"/>
-                <a:ea typeface="Menlo"/>
-              </a:rPr>
-              <a:t>(stringify)</a:t>
+              <a:t>(value)</a:t>
             </a:r>
             <a:endParaRPr b="0" lang="de-DE" sz="1200" spc="-1" strike="noStrike">
               <a:latin typeface="Arial"/>
@@ -14968,7 +15255,7 @@
         <p:spPr>
           <a:xfrm>
             <a:off x="720000" y="300960"/>
-            <a:ext cx="8844120" cy="1251000"/>
+            <a:ext cx="8843760" cy="1250640"/>
           </a:xfrm>
           <a:prstGeom prst="rect">
             <a:avLst/>
@@ -15012,7 +15299,7 @@
         <p:spPr>
           <a:xfrm>
             <a:off x="720000" y="1872000"/>
-            <a:ext cx="8628480" cy="4565160"/>
+            <a:ext cx="8628120" cy="4564800"/>
           </a:xfrm>
           <a:prstGeom prst="rect">
             <a:avLst/>
@@ -15324,17 +15611,17 @@
                 <a:latin typeface="Menlo"/>
                 <a:ea typeface="Menlo"/>
               </a:rPr>
-              <a:t>println</a:t>
-            </a:r>
-            <a:r>
-              <a:rPr b="0" lang="de-DE" sz="1600" spc="-1" strike="noStrike">
-                <a:solidFill>
-                  <a:srgbClr val="000000"/>
-                </a:solidFill>
-                <a:latin typeface="Menlo"/>
-                <a:ea typeface="Menlo"/>
-              </a:rPr>
-              <a:t>(stringify)</a:t>
+              <a:t>p.pprint</a:t>
+            </a:r>
+            <a:r>
+              <a:rPr b="0" lang="de-DE" sz="1600" spc="-1" strike="noStrike">
+                <a:solidFill>
+                  <a:srgbClr val="000000"/>
+                </a:solidFill>
+                <a:latin typeface="Menlo"/>
+                <a:ea typeface="Menlo"/>
+              </a:rPr>
+              <a:t>(value)</a:t>
             </a:r>
             <a:endParaRPr b="0" lang="de-DE" sz="1600" spc="-1" strike="noStrike">
               <a:latin typeface="Arial"/>
@@ -15677,6 +15964,56 @@
               <a:t>pprint(): Unit = </a:t>
             </a:r>
             <a:r>
+              <a:rPr b="1" i="1" lang="de-DE" sz="1600" spc="-1" strike="noStrike">
+                <a:solidFill>
+                  <a:srgbClr val="000000"/>
+                </a:solidFill>
+                <a:latin typeface="Menlo"/>
+                <a:ea typeface="Menlo"/>
+              </a:rPr>
+              <a:t>implicitly</a:t>
+            </a:r>
+            <a:r>
+              <a:rPr b="1" lang="de-DE" sz="1600" spc="-1" strike="noStrike">
+                <a:solidFill>
+                  <a:srgbClr val="000000"/>
+                </a:solidFill>
+                <a:latin typeface="Menlo"/>
+                <a:ea typeface="Menlo"/>
+              </a:rPr>
+              <a:t>[Printable[</a:t>
+            </a:r>
+            <a:r>
+              <a:rPr b="1" lang="de-DE" sz="1600" spc="-1" strike="noStrike">
+                <a:solidFill>
+                  <a:srgbClr val="1f888b"/>
+                </a:solidFill>
+                <a:latin typeface="Menlo"/>
+                <a:ea typeface="Menlo"/>
+              </a:rPr>
+              <a:t>A</a:t>
+            </a:r>
+            <a:r>
+              <a:rPr b="1" lang="de-DE" sz="1600" spc="-1" strike="noStrike">
+                <a:solidFill>
+                  <a:srgbClr val="000000"/>
+                </a:solidFill>
+                <a:latin typeface="Menlo"/>
+                <a:ea typeface="Menlo"/>
+              </a:rPr>
+              <a:t>]]</a:t>
+            </a:r>
+            <a:r>
+              <a:rPr b="0" lang="de-DE" sz="1600" spc="-1" strike="noStrike">
+                <a:solidFill>
+                  <a:srgbClr val="000000"/>
+                </a:solidFill>
+                <a:latin typeface="Menlo"/>
+                <a:ea typeface="Menlo"/>
+              </a:rPr>
+              <a:t>.</a:t>
+            </a:r>
+            <a:r>
               <a:rPr b="0" i="1" lang="de-DE" sz="1600" spc="-1" strike="noStrike">
                 <a:solidFill>
                   <a:srgbClr val="000000"/>
@@ -15684,17 +16021,17 @@
                 <a:latin typeface="Menlo"/>
                 <a:ea typeface="Menlo"/>
               </a:rPr>
-              <a:t>println</a:t>
-            </a:r>
-            <a:r>
-              <a:rPr b="0" lang="de-DE" sz="1600" spc="-1" strike="noStrike">
-                <a:solidFill>
-                  <a:srgbClr val="000000"/>
-                </a:solidFill>
-                <a:latin typeface="Menlo"/>
-                <a:ea typeface="Menlo"/>
-              </a:rPr>
-              <a:t>(stringify)</a:t>
+              <a:t>pprint</a:t>
+            </a:r>
+            <a:r>
+              <a:rPr b="0" lang="de-DE" sz="1600" spc="-1" strike="noStrike">
+                <a:solidFill>
+                  <a:srgbClr val="000000"/>
+                </a:solidFill>
+                <a:latin typeface="Menlo"/>
+                <a:ea typeface="Menlo"/>
+              </a:rPr>
+              <a:t>(value)</a:t>
             </a:r>
             <a:endParaRPr b="0" lang="de-DE" sz="1600" spc="-1" strike="noStrike">
               <a:latin typeface="Arial"/>
@@ -15790,7 +16127,7 @@
         <p:spPr>
           <a:xfrm>
             <a:off x="720000" y="300960"/>
-            <a:ext cx="8844120" cy="1251000"/>
+            <a:ext cx="8843760" cy="1250640"/>
           </a:xfrm>
           <a:prstGeom prst="rect">
             <a:avLst/>
@@ -15834,7 +16171,7 @@
         <p:spPr>
           <a:xfrm>
             <a:off x="720000" y="2052000"/>
-            <a:ext cx="8628480" cy="4373280"/>
+            <a:ext cx="8628120" cy="4372920"/>
           </a:xfrm>
           <a:prstGeom prst="rect">
             <a:avLst/>
@@ -15853,7 +16190,7 @@
         <p:txBody>
           <a:bodyPr lIns="0" rIns="0" tIns="0" bIns="0"/>
           <a:p>
-            <a:pPr marL="432000" indent="-312480">
+            <a:pPr marL="432000" indent="-312120">
               <a:lnSpc>
                 <a:spcPct val="100000"/>
               </a:lnSpc>
@@ -15915,7 +16252,7 @@
             </a:endParaRPr>
           </a:p>
           <a:p>
-            <a:pPr marL="432000" indent="-312480">
+            <a:pPr marL="432000" indent="-312120">
               <a:lnSpc>
                 <a:spcPct val="100000"/>
               </a:lnSpc>
@@ -15955,7 +16292,7 @@
             </a:endParaRPr>
           </a:p>
           <a:p>
-            <a:pPr marL="432000" indent="-312480">
+            <a:pPr marL="432000" indent="-312120">
               <a:lnSpc>
                 <a:spcPct val="100000"/>
               </a:lnSpc>
@@ -15995,7 +16332,7 @@
             </a:endParaRPr>
           </a:p>
           <a:p>
-            <a:pPr marL="432000" indent="-312480">
+            <a:pPr marL="432000" indent="-312120">
               <a:lnSpc>
                 <a:spcPct val="100000"/>
               </a:lnSpc>
@@ -16107,7 +16444,7 @@
         <p:spPr>
           <a:xfrm>
             <a:off x="720000" y="300960"/>
-            <a:ext cx="8844120" cy="1251000"/>
+            <a:ext cx="8843760" cy="1250640"/>
           </a:xfrm>
           <a:prstGeom prst="rect">
             <a:avLst/>
@@ -16151,7 +16488,7 @@
         <p:spPr>
           <a:xfrm>
             <a:off x="720000" y="1944000"/>
-            <a:ext cx="8628480" cy="4709160"/>
+            <a:ext cx="8628120" cy="4708800"/>
           </a:xfrm>
           <a:prstGeom prst="rect">
             <a:avLst/>
@@ -16503,17 +16840,437 @@
                 <a:latin typeface="Menlo"/>
                 <a:ea typeface="Menlo"/>
               </a:rPr>
-              <a:t>println</a:t>
-            </a:r>
-            <a:r>
-              <a:rPr b="0" lang="de-DE" sz="1600" spc="-1" strike="noStrike">
-                <a:solidFill>
-                  <a:srgbClr val="000000"/>
-                </a:solidFill>
-                <a:latin typeface="Menlo"/>
-                <a:ea typeface="Menlo"/>
-              </a:rPr>
-              <a:t>(</a:t>
+              <a:t>p.pprint</a:t>
+            </a:r>
+            <a:r>
+              <a:rPr b="0" lang="de-DE" sz="1600" spc="-1" strike="noStrike">
+                <a:solidFill>
+                  <a:srgbClr val="000000"/>
+                </a:solidFill>
+                <a:latin typeface="Menlo"/>
+                <a:ea typeface="Menlo"/>
+              </a:rPr>
+              <a:t>(value)</a:t>
+            </a:r>
+            <a:endParaRPr b="0" lang="de-DE" sz="1600" spc="-1" strike="noStrike">
+              <a:latin typeface="Arial"/>
+            </a:endParaRPr>
+          </a:p>
+          <a:p>
+            <a:pPr>
+              <a:lnSpc>
+                <a:spcPct val="100000"/>
+              </a:lnSpc>
+            </a:pPr>
+            <a:endParaRPr b="0" lang="de-DE" sz="1600" spc="-1" strike="noStrike">
+              <a:latin typeface="Arial"/>
+            </a:endParaRPr>
+          </a:p>
+          <a:p>
+            <a:pPr>
+              <a:lnSpc>
+                <a:spcPct val="100000"/>
+              </a:lnSpc>
+            </a:pPr>
+            <a:r>
+              <a:rPr b="0" lang="de-DE" sz="1600" spc="-1" strike="noStrike">
+                <a:solidFill>
+                  <a:srgbClr val="333333"/>
+                </a:solidFill>
+                <a:latin typeface="Menlo"/>
+                <a:ea typeface="DejaVu Sans"/>
+              </a:rPr>
+              <a:t>- - - - - </a:t>
+            </a:r>
+            <a:endParaRPr b="0" lang="de-DE" sz="1600" spc="-1" strike="noStrike">
+              <a:latin typeface="Arial"/>
+            </a:endParaRPr>
+          </a:p>
+          <a:p>
+            <a:pPr>
+              <a:lnSpc>
+                <a:spcPct val="100000"/>
+              </a:lnSpc>
+            </a:pPr>
+            <a:endParaRPr b="0" lang="de-DE" sz="1600" spc="-1" strike="noStrike">
+              <a:latin typeface="Arial"/>
+            </a:endParaRPr>
+          </a:p>
+          <a:p>
+            <a:pPr>
+              <a:lnSpc>
+                <a:spcPct val="100000"/>
+              </a:lnSpc>
+            </a:pPr>
+            <a:r>
+              <a:rPr b="0" lang="de-DE" sz="1600" spc="-1" strike="noStrike">
+                <a:solidFill>
+                  <a:srgbClr val="333333"/>
+                </a:solidFill>
+                <a:latin typeface="Menlo"/>
+                <a:ea typeface="Menlo"/>
+              </a:rPr>
+              <a:t>// interface object methods (with context bound and implicitly)</a:t>
+            </a:r>
+            <a:endParaRPr b="0" lang="de-DE" sz="1600" spc="-1" strike="noStrike">
+              <a:latin typeface="Arial"/>
+            </a:endParaRPr>
+          </a:p>
+          <a:p>
+            <a:pPr>
+              <a:lnSpc>
+                <a:spcPct val="100000"/>
+              </a:lnSpc>
+            </a:pPr>
+            <a:r>
+              <a:rPr b="0" lang="de-DE" sz="1600" spc="-1" strike="noStrike">
+                <a:solidFill>
+                  <a:srgbClr val="333333"/>
+                </a:solidFill>
+                <a:latin typeface="Menlo"/>
+                <a:ea typeface="Menlo"/>
+              </a:rPr>
+              <a:t>//</a:t>
+            </a:r>
+            <a:endParaRPr b="0" lang="de-DE" sz="1600" spc="-1" strike="noStrike">
+              <a:latin typeface="Arial"/>
+            </a:endParaRPr>
+          </a:p>
+          <a:p>
+            <a:pPr>
+              <a:lnSpc>
+                <a:spcPct val="100000"/>
+              </a:lnSpc>
+            </a:pPr>
+            <a:r>
+              <a:rPr b="1" lang="de-DE" sz="1600" spc="-1" strike="noStrike">
+                <a:solidFill>
+                  <a:srgbClr val="00006d"/>
+                </a:solidFill>
+                <a:latin typeface="Menlo"/>
+                <a:ea typeface="Menlo"/>
+              </a:rPr>
+              <a:t>def </a:t>
+            </a:r>
+            <a:r>
+              <a:rPr b="0" lang="de-DE" sz="1600" spc="-1" strike="noStrike">
+                <a:solidFill>
+                  <a:srgbClr val="000000"/>
+                </a:solidFill>
+                <a:latin typeface="Menlo"/>
+                <a:ea typeface="Menlo"/>
+              </a:rPr>
+              <a:t>stringify</a:t>
+            </a:r>
+            <a:r>
+              <a:rPr b="1" lang="de-DE" sz="1600" spc="-1" strike="noStrike">
+                <a:solidFill>
+                  <a:srgbClr val="000000"/>
+                </a:solidFill>
+                <a:latin typeface="Menlo"/>
+                <a:ea typeface="Menlo"/>
+              </a:rPr>
+              <a:t>[</a:t>
+            </a:r>
+            <a:r>
+              <a:rPr b="1" lang="de-DE" sz="1600" spc="-1" strike="noStrike">
+                <a:solidFill>
+                  <a:srgbClr val="1f888b"/>
+                </a:solidFill>
+                <a:latin typeface="Menlo"/>
+                <a:ea typeface="Menlo"/>
+              </a:rPr>
+              <a:t>A</a:t>
+            </a:r>
+            <a:r>
+              <a:rPr b="1" lang="de-DE" sz="1600" spc="-1" strike="noStrike">
+                <a:solidFill>
+                  <a:srgbClr val="000000"/>
+                </a:solidFill>
+                <a:latin typeface="Menlo"/>
+                <a:ea typeface="Menlo"/>
+              </a:rPr>
+              <a:t>: Printable]</a:t>
+            </a:r>
+            <a:r>
+              <a:rPr b="0" lang="de-DE" sz="1600" spc="-1" strike="noStrike">
+                <a:solidFill>
+                  <a:srgbClr val="000000"/>
+                </a:solidFill>
+                <a:latin typeface="Menlo"/>
+                <a:ea typeface="Menlo"/>
+              </a:rPr>
+              <a:t>(value: </a:t>
+            </a:r>
+            <a:r>
+              <a:rPr b="0" lang="de-DE" sz="1600" spc="-1" strike="noStrike">
+                <a:solidFill>
+                  <a:srgbClr val="1f888b"/>
+                </a:solidFill>
+                <a:latin typeface="Menlo"/>
+                <a:ea typeface="Menlo"/>
+              </a:rPr>
+              <a:t>A</a:t>
+            </a:r>
+            <a:r>
+              <a:rPr b="0" lang="de-DE" sz="1600" spc="-1" strike="noStrike">
+                <a:solidFill>
+                  <a:srgbClr val="000000"/>
+                </a:solidFill>
+                <a:latin typeface="Menlo"/>
+                <a:ea typeface="Menlo"/>
+              </a:rPr>
+              <a:t>): </a:t>
+            </a:r>
+            <a:r>
+              <a:rPr b="0" lang="de-DE" sz="1600" spc="-1" strike="noStrike">
+                <a:solidFill>
+                  <a:srgbClr val="1f888b"/>
+                </a:solidFill>
+                <a:latin typeface="Menlo"/>
+                <a:ea typeface="Menlo"/>
+              </a:rPr>
+              <a:t>String </a:t>
+            </a:r>
+            <a:r>
+              <a:rPr b="0" lang="de-DE" sz="1600" spc="-1" strike="noStrike">
+                <a:solidFill>
+                  <a:srgbClr val="000000"/>
+                </a:solidFill>
+                <a:latin typeface="Menlo"/>
+                <a:ea typeface="Menlo"/>
+              </a:rPr>
+              <a:t>=</a:t>
+            </a:r>
+            <a:endParaRPr b="0" lang="de-DE" sz="1600" spc="-1" strike="noStrike">
+              <a:latin typeface="Arial"/>
+            </a:endParaRPr>
+          </a:p>
+          <a:p>
+            <a:pPr>
+              <a:lnSpc>
+                <a:spcPct val="100000"/>
+              </a:lnSpc>
+            </a:pPr>
+            <a:r>
+              <a:rPr b="0" lang="de-DE" sz="1600" spc="-1" strike="noStrike">
+                <a:solidFill>
+                  <a:srgbClr val="000000"/>
+                </a:solidFill>
+                <a:latin typeface="Menlo"/>
+                <a:ea typeface="Menlo"/>
+              </a:rPr>
+              <a:t>      </a:t>
+            </a:r>
+            <a:r>
+              <a:rPr b="1" i="1" lang="de-DE" sz="1600" spc="-1" strike="noStrike">
+                <a:solidFill>
+                  <a:srgbClr val="000000"/>
+                </a:solidFill>
+                <a:latin typeface="Menlo"/>
+                <a:ea typeface="Menlo"/>
+              </a:rPr>
+              <a:t>implicitly</a:t>
+            </a:r>
+            <a:r>
+              <a:rPr b="1" lang="de-DE" sz="1600" spc="-1" strike="noStrike">
+                <a:solidFill>
+                  <a:srgbClr val="000000"/>
+                </a:solidFill>
+                <a:latin typeface="Menlo"/>
+                <a:ea typeface="Menlo"/>
+              </a:rPr>
+              <a:t>[Printable[</a:t>
+            </a:r>
+            <a:r>
+              <a:rPr b="1" lang="de-DE" sz="1600" spc="-1" strike="noStrike">
+                <a:solidFill>
+                  <a:srgbClr val="1f888b"/>
+                </a:solidFill>
+                <a:latin typeface="Menlo"/>
+                <a:ea typeface="Menlo"/>
+              </a:rPr>
+              <a:t>A</a:t>
+            </a:r>
+            <a:r>
+              <a:rPr b="1" lang="de-DE" sz="1600" spc="-1" strike="noStrike">
+                <a:solidFill>
+                  <a:srgbClr val="000000"/>
+                </a:solidFill>
+                <a:latin typeface="Menlo"/>
+                <a:ea typeface="Menlo"/>
+              </a:rPr>
+              <a:t>]]</a:t>
+            </a:r>
+            <a:r>
+              <a:rPr b="0" lang="de-DE" sz="1600" spc="-1" strike="noStrike">
+                <a:solidFill>
+                  <a:srgbClr val="000000"/>
+                </a:solidFill>
+                <a:latin typeface="Menlo"/>
+                <a:ea typeface="Menlo"/>
+              </a:rPr>
+              <a:t>.stringify(value)</a:t>
+            </a:r>
+            <a:endParaRPr b="0" lang="de-DE" sz="1600" spc="-1" strike="noStrike">
+              <a:latin typeface="Arial"/>
+            </a:endParaRPr>
+          </a:p>
+          <a:p>
+            <a:pPr>
+              <a:lnSpc>
+                <a:spcPct val="100000"/>
+              </a:lnSpc>
+            </a:pPr>
+            <a:r>
+              <a:rPr b="1" lang="de-DE" sz="1600" spc="-1" strike="noStrike">
+                <a:solidFill>
+                  <a:srgbClr val="00006d"/>
+                </a:solidFill>
+                <a:latin typeface="Menlo"/>
+                <a:ea typeface="Menlo"/>
+              </a:rPr>
+              <a:t>def </a:t>
+            </a:r>
+            <a:r>
+              <a:rPr b="0" lang="de-DE" sz="1600" spc="-1" strike="noStrike">
+                <a:solidFill>
+                  <a:srgbClr val="000000"/>
+                </a:solidFill>
+                <a:latin typeface="Menlo"/>
+                <a:ea typeface="Menlo"/>
+              </a:rPr>
+              <a:t>pprint</a:t>
+            </a:r>
+            <a:r>
+              <a:rPr b="1" lang="de-DE" sz="1600" spc="-1" strike="noStrike">
+                <a:solidFill>
+                  <a:srgbClr val="000000"/>
+                </a:solidFill>
+                <a:latin typeface="Menlo"/>
+                <a:ea typeface="Menlo"/>
+              </a:rPr>
+              <a:t>[</a:t>
+            </a:r>
+            <a:r>
+              <a:rPr b="1" lang="de-DE" sz="1600" spc="-1" strike="noStrike">
+                <a:solidFill>
+                  <a:srgbClr val="1f888b"/>
+                </a:solidFill>
+                <a:latin typeface="Menlo"/>
+                <a:ea typeface="Menlo"/>
+              </a:rPr>
+              <a:t>A</a:t>
+            </a:r>
+            <a:r>
+              <a:rPr b="1" lang="de-DE" sz="1600" spc="-1" strike="noStrike">
+                <a:solidFill>
+                  <a:srgbClr val="000000"/>
+                </a:solidFill>
+                <a:latin typeface="Menlo"/>
+                <a:ea typeface="Menlo"/>
+              </a:rPr>
+              <a:t>: Printable]</a:t>
+            </a:r>
+            <a:r>
+              <a:rPr b="0" lang="de-DE" sz="1600" spc="-1" strike="noStrike">
+                <a:solidFill>
+                  <a:srgbClr val="000000"/>
+                </a:solidFill>
+                <a:latin typeface="Menlo"/>
+                <a:ea typeface="Menlo"/>
+              </a:rPr>
+              <a:t>(value: </a:t>
+            </a:r>
+            <a:r>
+              <a:rPr b="0" lang="de-DE" sz="1600" spc="-1" strike="noStrike">
+                <a:solidFill>
+                  <a:srgbClr val="1f888b"/>
+                </a:solidFill>
+                <a:latin typeface="Menlo"/>
+                <a:ea typeface="Menlo"/>
+              </a:rPr>
+              <a:t>A</a:t>
+            </a:r>
+            <a:r>
+              <a:rPr b="0" lang="de-DE" sz="1600" spc="-1" strike="noStrike">
+                <a:solidFill>
+                  <a:srgbClr val="000000"/>
+                </a:solidFill>
+                <a:latin typeface="Menlo"/>
+                <a:ea typeface="Menlo"/>
+              </a:rPr>
+              <a:t>): Unit =</a:t>
+            </a:r>
+            <a:endParaRPr b="0" lang="de-DE" sz="1600" spc="-1" strike="noStrike">
+              <a:latin typeface="Arial"/>
+            </a:endParaRPr>
+          </a:p>
+          <a:p>
+            <a:pPr>
+              <a:lnSpc>
+                <a:spcPct val="100000"/>
+              </a:lnSpc>
+            </a:pPr>
+            <a:r>
+              <a:rPr b="0" lang="de-DE" sz="1600" spc="-1" strike="noStrike">
+                <a:solidFill>
+                  <a:srgbClr val="000000"/>
+                </a:solidFill>
+                <a:latin typeface="Menlo"/>
+                <a:ea typeface="Menlo"/>
+              </a:rPr>
+              <a:t>      </a:t>
+            </a:r>
+            <a:r>
+              <a:rPr b="1" i="1" lang="de-DE" sz="1600" spc="-1" strike="noStrike">
+                <a:solidFill>
+                  <a:srgbClr val="000000"/>
+                </a:solidFill>
+                <a:latin typeface="Menlo"/>
+                <a:ea typeface="Menlo"/>
+              </a:rPr>
+              <a:t>implicitly</a:t>
+            </a:r>
+            <a:r>
+              <a:rPr b="1" lang="de-DE" sz="1600" spc="-1" strike="noStrike">
+                <a:solidFill>
+                  <a:srgbClr val="000000"/>
+                </a:solidFill>
+                <a:latin typeface="Menlo"/>
+                <a:ea typeface="Menlo"/>
+              </a:rPr>
+              <a:t>[Printable[</a:t>
+            </a:r>
+            <a:r>
+              <a:rPr b="1" lang="de-DE" sz="1600" spc="-1" strike="noStrike">
+                <a:solidFill>
+                  <a:srgbClr val="1f888b"/>
+                </a:solidFill>
+                <a:latin typeface="Menlo"/>
+                <a:ea typeface="Menlo"/>
+              </a:rPr>
+              <a:t>A</a:t>
+            </a:r>
+            <a:r>
+              <a:rPr b="1" lang="de-DE" sz="1600" spc="-1" strike="noStrike">
+                <a:solidFill>
+                  <a:srgbClr val="000000"/>
+                </a:solidFill>
+                <a:latin typeface="Menlo"/>
+                <a:ea typeface="Menlo"/>
+              </a:rPr>
+              <a:t>]]</a:t>
+            </a:r>
+            <a:r>
+              <a:rPr b="0" lang="de-DE" sz="1600" spc="-1" strike="noStrike">
+                <a:solidFill>
+                  <a:srgbClr val="000000"/>
+                </a:solidFill>
+                <a:latin typeface="Menlo"/>
+                <a:ea typeface="Menlo"/>
+              </a:rPr>
+              <a:t>.</a:t>
             </a:r>
             <a:r>
               <a:rPr b="0" i="1" lang="de-DE" sz="1600" spc="-1" strike="noStrike">
@@ -16523,427 +17280,17 @@
                 <a:latin typeface="Menlo"/>
                 <a:ea typeface="Menlo"/>
               </a:rPr>
-              <a:t>stringify</a:t>
-            </a:r>
-            <a:r>
-              <a:rPr b="0" lang="de-DE" sz="1600" spc="-1" strike="noStrike">
-                <a:solidFill>
-                  <a:srgbClr val="000000"/>
-                </a:solidFill>
-                <a:latin typeface="Menlo"/>
-                <a:ea typeface="Menlo"/>
-              </a:rPr>
-              <a:t>(value))</a:t>
-            </a:r>
-            <a:endParaRPr b="0" lang="de-DE" sz="1600" spc="-1" strike="noStrike">
-              <a:latin typeface="Arial"/>
-            </a:endParaRPr>
-          </a:p>
-          <a:p>
-            <a:pPr>
-              <a:lnSpc>
-                <a:spcPct val="100000"/>
-              </a:lnSpc>
-            </a:pPr>
-            <a:endParaRPr b="0" lang="de-DE" sz="1600" spc="-1" strike="noStrike">
-              <a:latin typeface="Arial"/>
-            </a:endParaRPr>
-          </a:p>
-          <a:p>
-            <a:pPr>
-              <a:lnSpc>
-                <a:spcPct val="100000"/>
-              </a:lnSpc>
-            </a:pPr>
-            <a:r>
-              <a:rPr b="0" lang="de-DE" sz="1600" spc="-1" strike="noStrike">
-                <a:solidFill>
-                  <a:srgbClr val="333333"/>
-                </a:solidFill>
-                <a:latin typeface="Menlo"/>
-                <a:ea typeface="DejaVu Sans"/>
-              </a:rPr>
-              <a:t>- - - - - </a:t>
-            </a:r>
-            <a:endParaRPr b="0" lang="de-DE" sz="1600" spc="-1" strike="noStrike">
-              <a:latin typeface="Arial"/>
-            </a:endParaRPr>
-          </a:p>
-          <a:p>
-            <a:pPr>
-              <a:lnSpc>
-                <a:spcPct val="100000"/>
-              </a:lnSpc>
-            </a:pPr>
-            <a:endParaRPr b="0" lang="de-DE" sz="1600" spc="-1" strike="noStrike">
-              <a:latin typeface="Arial"/>
-            </a:endParaRPr>
-          </a:p>
-          <a:p>
-            <a:pPr>
-              <a:lnSpc>
-                <a:spcPct val="100000"/>
-              </a:lnSpc>
-            </a:pPr>
-            <a:r>
-              <a:rPr b="0" lang="de-DE" sz="1600" spc="-1" strike="noStrike">
-                <a:solidFill>
-                  <a:srgbClr val="333333"/>
-                </a:solidFill>
-                <a:latin typeface="Menlo"/>
-                <a:ea typeface="Menlo"/>
-              </a:rPr>
-              <a:t>// interface object methods (with context bound and implicitly)</a:t>
-            </a:r>
-            <a:endParaRPr b="0" lang="de-DE" sz="1600" spc="-1" strike="noStrike">
-              <a:latin typeface="Arial"/>
-            </a:endParaRPr>
-          </a:p>
-          <a:p>
-            <a:pPr>
-              <a:lnSpc>
-                <a:spcPct val="100000"/>
-              </a:lnSpc>
-            </a:pPr>
-            <a:r>
-              <a:rPr b="0" lang="de-DE" sz="1600" spc="-1" strike="noStrike">
-                <a:solidFill>
-                  <a:srgbClr val="333333"/>
-                </a:solidFill>
-                <a:latin typeface="Menlo"/>
-                <a:ea typeface="Menlo"/>
-              </a:rPr>
-              <a:t>//</a:t>
-            </a:r>
-            <a:endParaRPr b="0" lang="de-DE" sz="1600" spc="-1" strike="noStrike">
-              <a:latin typeface="Arial"/>
-            </a:endParaRPr>
-          </a:p>
-          <a:p>
-            <a:pPr>
-              <a:lnSpc>
-                <a:spcPct val="100000"/>
-              </a:lnSpc>
-            </a:pPr>
-            <a:r>
-              <a:rPr b="1" lang="de-DE" sz="1600" spc="-1" strike="noStrike">
-                <a:solidFill>
-                  <a:srgbClr val="00006d"/>
-                </a:solidFill>
-                <a:latin typeface="Menlo"/>
-                <a:ea typeface="Menlo"/>
-              </a:rPr>
-              <a:t>def </a:t>
-            </a:r>
-            <a:r>
-              <a:rPr b="0" lang="de-DE" sz="1600" spc="-1" strike="noStrike">
-                <a:solidFill>
-                  <a:srgbClr val="000000"/>
-                </a:solidFill>
-                <a:latin typeface="Menlo"/>
-                <a:ea typeface="Menlo"/>
-              </a:rPr>
-              <a:t>stringify</a:t>
-            </a:r>
-            <a:r>
-              <a:rPr b="1" lang="de-DE" sz="1600" spc="-1" strike="noStrike">
-                <a:solidFill>
-                  <a:srgbClr val="000000"/>
-                </a:solidFill>
-                <a:latin typeface="Menlo"/>
-                <a:ea typeface="Menlo"/>
-              </a:rPr>
-              <a:t>[</a:t>
-            </a:r>
-            <a:r>
-              <a:rPr b="1" lang="de-DE" sz="1600" spc="-1" strike="noStrike">
-                <a:solidFill>
-                  <a:srgbClr val="1f888b"/>
-                </a:solidFill>
-                <a:latin typeface="Menlo"/>
-                <a:ea typeface="Menlo"/>
-              </a:rPr>
-              <a:t>A</a:t>
-            </a:r>
-            <a:r>
-              <a:rPr b="1" lang="de-DE" sz="1600" spc="-1" strike="noStrike">
-                <a:solidFill>
-                  <a:srgbClr val="000000"/>
-                </a:solidFill>
-                <a:latin typeface="Menlo"/>
-                <a:ea typeface="Menlo"/>
-              </a:rPr>
-              <a:t>: Printable]</a:t>
-            </a:r>
-            <a:r>
-              <a:rPr b="0" lang="de-DE" sz="1600" spc="-1" strike="noStrike">
-                <a:solidFill>
-                  <a:srgbClr val="000000"/>
-                </a:solidFill>
-                <a:latin typeface="Menlo"/>
-                <a:ea typeface="Menlo"/>
-              </a:rPr>
-              <a:t>(value: </a:t>
-            </a:r>
-            <a:r>
-              <a:rPr b="0" lang="de-DE" sz="1600" spc="-1" strike="noStrike">
-                <a:solidFill>
-                  <a:srgbClr val="1f888b"/>
-                </a:solidFill>
-                <a:latin typeface="Menlo"/>
-                <a:ea typeface="Menlo"/>
-              </a:rPr>
-              <a:t>A</a:t>
-            </a:r>
-            <a:r>
-              <a:rPr b="0" lang="de-DE" sz="1600" spc="-1" strike="noStrike">
-                <a:solidFill>
-                  <a:srgbClr val="000000"/>
-                </a:solidFill>
-                <a:latin typeface="Menlo"/>
-                <a:ea typeface="Menlo"/>
-              </a:rPr>
-              <a:t>): </a:t>
-            </a:r>
-            <a:r>
-              <a:rPr b="0" lang="de-DE" sz="1600" spc="-1" strike="noStrike">
-                <a:solidFill>
-                  <a:srgbClr val="1f888b"/>
-                </a:solidFill>
-                <a:latin typeface="Menlo"/>
-                <a:ea typeface="Menlo"/>
-              </a:rPr>
-              <a:t>String </a:t>
-            </a:r>
-            <a:r>
-              <a:rPr b="0" lang="de-DE" sz="1600" spc="-1" strike="noStrike">
-                <a:solidFill>
-                  <a:srgbClr val="000000"/>
-                </a:solidFill>
-                <a:latin typeface="Menlo"/>
-                <a:ea typeface="Menlo"/>
-              </a:rPr>
-              <a:t>=</a:t>
-            </a:r>
-            <a:endParaRPr b="0" lang="de-DE" sz="1600" spc="-1" strike="noStrike">
-              <a:latin typeface="Arial"/>
-            </a:endParaRPr>
-          </a:p>
-          <a:p>
-            <a:pPr>
-              <a:lnSpc>
-                <a:spcPct val="100000"/>
-              </a:lnSpc>
-            </a:pPr>
-            <a:r>
-              <a:rPr b="0" lang="de-DE" sz="1600" spc="-1" strike="noStrike">
-                <a:solidFill>
-                  <a:srgbClr val="000000"/>
-                </a:solidFill>
-                <a:latin typeface="Menlo"/>
-                <a:ea typeface="Menlo"/>
-              </a:rPr>
-              <a:t>      </a:t>
-            </a:r>
-            <a:r>
-              <a:rPr b="1" i="1" lang="de-DE" sz="1600" spc="-1" strike="noStrike">
-                <a:solidFill>
-                  <a:srgbClr val="000000"/>
-                </a:solidFill>
-                <a:latin typeface="Menlo"/>
-                <a:ea typeface="Menlo"/>
-              </a:rPr>
-              <a:t>implicitly</a:t>
-            </a:r>
-            <a:r>
-              <a:rPr b="1" lang="de-DE" sz="1600" spc="-1" strike="noStrike">
-                <a:solidFill>
-                  <a:srgbClr val="000000"/>
-                </a:solidFill>
-                <a:latin typeface="Menlo"/>
-                <a:ea typeface="Menlo"/>
-              </a:rPr>
-              <a:t>[Printable[</a:t>
-            </a:r>
-            <a:r>
-              <a:rPr b="1" lang="de-DE" sz="1600" spc="-1" strike="noStrike">
-                <a:solidFill>
-                  <a:srgbClr val="1f888b"/>
-                </a:solidFill>
-                <a:latin typeface="Menlo"/>
-                <a:ea typeface="Menlo"/>
-              </a:rPr>
-              <a:t>A</a:t>
-            </a:r>
-            <a:r>
-              <a:rPr b="1" lang="de-DE" sz="1600" spc="-1" strike="noStrike">
-                <a:solidFill>
-                  <a:srgbClr val="000000"/>
-                </a:solidFill>
-                <a:latin typeface="Menlo"/>
-                <a:ea typeface="Menlo"/>
-              </a:rPr>
-              <a:t>]]</a:t>
-            </a:r>
-            <a:r>
-              <a:rPr b="0" lang="de-DE" sz="1600" spc="-1" strike="noStrike">
-                <a:solidFill>
-                  <a:srgbClr val="000000"/>
-                </a:solidFill>
-                <a:latin typeface="Menlo"/>
-                <a:ea typeface="Menlo"/>
-              </a:rPr>
-              <a:t>.stringify(value)</a:t>
-            </a:r>
-            <a:endParaRPr b="0" lang="de-DE" sz="1600" spc="-1" strike="noStrike">
-              <a:latin typeface="Arial"/>
-            </a:endParaRPr>
-          </a:p>
-          <a:p>
-            <a:pPr>
-              <a:lnSpc>
-                <a:spcPct val="100000"/>
-              </a:lnSpc>
-            </a:pPr>
-            <a:r>
-              <a:rPr b="1" lang="de-DE" sz="1600" spc="-1" strike="noStrike">
-                <a:solidFill>
-                  <a:srgbClr val="00006d"/>
-                </a:solidFill>
-                <a:latin typeface="Menlo"/>
-                <a:ea typeface="Menlo"/>
-              </a:rPr>
-              <a:t>def </a:t>
-            </a:r>
-            <a:r>
-              <a:rPr b="0" lang="de-DE" sz="1600" spc="-1" strike="noStrike">
-                <a:solidFill>
-                  <a:srgbClr val="000000"/>
-                </a:solidFill>
-                <a:latin typeface="Menlo"/>
-                <a:ea typeface="Menlo"/>
-              </a:rPr>
               <a:t>pprint</a:t>
             </a:r>
             <a:r>
-              <a:rPr b="1" lang="de-DE" sz="1600" spc="-1" strike="noStrike">
-                <a:solidFill>
-                  <a:srgbClr val="000000"/>
-                </a:solidFill>
-                <a:latin typeface="Menlo"/>
-                <a:ea typeface="Menlo"/>
-              </a:rPr>
-              <a:t>[</a:t>
-            </a:r>
-            <a:r>
-              <a:rPr b="1" lang="de-DE" sz="1600" spc="-1" strike="noStrike">
-                <a:solidFill>
-                  <a:srgbClr val="1f888b"/>
-                </a:solidFill>
-                <a:latin typeface="Menlo"/>
-                <a:ea typeface="Menlo"/>
-              </a:rPr>
-              <a:t>A</a:t>
-            </a:r>
-            <a:r>
-              <a:rPr b="1" lang="de-DE" sz="1600" spc="-1" strike="noStrike">
-                <a:solidFill>
-                  <a:srgbClr val="000000"/>
-                </a:solidFill>
-                <a:latin typeface="Menlo"/>
-                <a:ea typeface="Menlo"/>
-              </a:rPr>
-              <a:t>: Printable]</a:t>
-            </a:r>
-            <a:r>
-              <a:rPr b="0" lang="de-DE" sz="1600" spc="-1" strike="noStrike">
-                <a:solidFill>
-                  <a:srgbClr val="000000"/>
-                </a:solidFill>
-                <a:latin typeface="Menlo"/>
-                <a:ea typeface="Menlo"/>
-              </a:rPr>
-              <a:t>(value: </a:t>
-            </a:r>
-            <a:r>
-              <a:rPr b="0" lang="de-DE" sz="1600" spc="-1" strike="noStrike">
-                <a:solidFill>
-                  <a:srgbClr val="1f888b"/>
-                </a:solidFill>
-                <a:latin typeface="Menlo"/>
-                <a:ea typeface="Menlo"/>
-              </a:rPr>
-              <a:t>A</a:t>
-            </a:r>
-            <a:r>
-              <a:rPr b="0" lang="de-DE" sz="1600" spc="-1" strike="noStrike">
-                <a:solidFill>
-                  <a:srgbClr val="000000"/>
-                </a:solidFill>
-                <a:latin typeface="Menlo"/>
-                <a:ea typeface="Menlo"/>
-              </a:rPr>
-              <a:t>): Unit =</a:t>
-            </a:r>
-            <a:endParaRPr b="0" lang="de-DE" sz="1600" spc="-1" strike="noStrike">
-              <a:latin typeface="Arial"/>
-            </a:endParaRPr>
-          </a:p>
-          <a:p>
-            <a:pPr>
-              <a:lnSpc>
-                <a:spcPct val="100000"/>
-              </a:lnSpc>
-            </a:pPr>
-            <a:r>
-              <a:rPr b="0" lang="de-DE" sz="1600" spc="-1" strike="noStrike">
-                <a:solidFill>
-                  <a:srgbClr val="000000"/>
-                </a:solidFill>
-                <a:latin typeface="Menlo"/>
-                <a:ea typeface="Menlo"/>
-              </a:rPr>
-              <a:t>      </a:t>
-            </a:r>
-            <a:r>
-              <a:rPr b="0" i="1" lang="de-DE" sz="1600" spc="-1" strike="noStrike">
-                <a:solidFill>
-                  <a:srgbClr val="000000"/>
-                </a:solidFill>
-                <a:latin typeface="Menlo"/>
-                <a:ea typeface="Menlo"/>
-              </a:rPr>
-              <a:t>println</a:t>
-            </a:r>
-            <a:r>
-              <a:rPr b="0" lang="de-DE" sz="1600" spc="-1" strike="noStrike">
-                <a:solidFill>
-                  <a:srgbClr val="000000"/>
-                </a:solidFill>
-                <a:latin typeface="Menlo"/>
-                <a:ea typeface="Menlo"/>
-              </a:rPr>
-              <a:t>(</a:t>
-            </a:r>
-            <a:r>
-              <a:rPr b="0" i="1" lang="de-DE" sz="1600" spc="-1" strike="noStrike">
-                <a:solidFill>
-                  <a:srgbClr val="000000"/>
-                </a:solidFill>
-                <a:latin typeface="Menlo"/>
-                <a:ea typeface="Menlo"/>
-              </a:rPr>
-              <a:t>stringify</a:t>
-            </a:r>
-            <a:r>
-              <a:rPr b="0" lang="de-DE" sz="1600" spc="-1" strike="noStrike">
-                <a:solidFill>
-                  <a:srgbClr val="000000"/>
-                </a:solidFill>
-                <a:latin typeface="Menlo"/>
-                <a:ea typeface="Menlo"/>
-              </a:rPr>
-              <a:t>(value))</a:t>
+              <a:rPr b="0" lang="de-DE" sz="1600" spc="-1" strike="noStrike">
+                <a:solidFill>
+                  <a:srgbClr val="000000"/>
+                </a:solidFill>
+                <a:latin typeface="Menlo"/>
+                <a:ea typeface="Menlo"/>
+              </a:rPr>
+              <a:t>(value)</a:t>
             </a:r>
             <a:endParaRPr b="0" lang="de-DE" sz="1600" spc="-1" strike="noStrike">
               <a:latin typeface="Arial"/>
@@ -17019,7 +17366,7 @@
         <p:spPr>
           <a:xfrm>
             <a:off x="720000" y="300960"/>
-            <a:ext cx="8844120" cy="1251000"/>
+            <a:ext cx="8843760" cy="1250640"/>
           </a:xfrm>
           <a:prstGeom prst="rect">
             <a:avLst/>
@@ -17063,7 +17410,7 @@
         <p:spPr>
           <a:xfrm>
             <a:off x="720000" y="2052000"/>
-            <a:ext cx="8628480" cy="4421160"/>
+            <a:ext cx="8628120" cy="4420800"/>
           </a:xfrm>
           <a:prstGeom prst="rect">
             <a:avLst/>
@@ -17416,6 +17763,186 @@
                 <a:ea typeface="Menlo"/>
               </a:rPr>
               <a:t>.stringify(value)</a:t>
+            </a:r>
+            <a:endParaRPr b="0" lang="de-DE" sz="1600" spc="-1" strike="noStrike">
+              <a:latin typeface="Arial"/>
+            </a:endParaRPr>
+          </a:p>
+          <a:p>
+            <a:pPr>
+              <a:lnSpc>
+                <a:spcPct val="100000"/>
+              </a:lnSpc>
+            </a:pPr>
+            <a:endParaRPr b="0" lang="de-DE" sz="1600" spc="-1" strike="noStrike">
+              <a:latin typeface="Arial"/>
+            </a:endParaRPr>
+          </a:p>
+          <a:p>
+            <a:pPr>
+              <a:lnSpc>
+                <a:spcPct val="100000"/>
+              </a:lnSpc>
+            </a:pPr>
+            <a:r>
+              <a:rPr b="0" i="1" lang="de-DE" sz="1600" spc="-1" strike="noStrike">
+                <a:solidFill>
+                  <a:srgbClr val="6d6d6d"/>
+                </a:solidFill>
+                <a:latin typeface="Menlo"/>
+                <a:ea typeface="Menlo"/>
+              </a:rPr>
+              <a:t>  </a:t>
+            </a:r>
+            <a:r>
+              <a:rPr b="1" lang="de-DE" sz="1600" spc="-1" strike="noStrike">
+                <a:solidFill>
+                  <a:srgbClr val="00006d"/>
+                </a:solidFill>
+                <a:latin typeface="Menlo"/>
+                <a:ea typeface="Menlo"/>
+              </a:rPr>
+              <a:t>def </a:t>
+            </a:r>
+            <a:r>
+              <a:rPr b="0" lang="de-DE" sz="1600" spc="-1" strike="noStrike">
+                <a:solidFill>
+                  <a:srgbClr val="000000"/>
+                </a:solidFill>
+                <a:latin typeface="Menlo"/>
+                <a:ea typeface="Menlo"/>
+              </a:rPr>
+              <a:t>pprint[</a:t>
+            </a:r>
+            <a:r>
+              <a:rPr b="0" lang="de-DE" sz="1600" spc="-1" strike="noStrike">
+                <a:solidFill>
+                  <a:srgbClr val="1f888b"/>
+                </a:solidFill>
+                <a:latin typeface="Menlo"/>
+                <a:ea typeface="Menlo"/>
+              </a:rPr>
+              <a:t>A</a:t>
+            </a:r>
+            <a:r>
+              <a:rPr b="0" lang="de-DE" sz="1600" spc="-1" strike="noStrike">
+                <a:solidFill>
+                  <a:srgbClr val="000000"/>
+                </a:solidFill>
+                <a:latin typeface="Menlo"/>
+                <a:ea typeface="Menlo"/>
+              </a:rPr>
+              <a:t>: Printable](value: </a:t>
+            </a:r>
+            <a:r>
+              <a:rPr b="0" lang="de-DE" sz="1600" spc="-1" strike="noStrike">
+                <a:solidFill>
+                  <a:srgbClr val="1f888b"/>
+                </a:solidFill>
+                <a:latin typeface="Menlo"/>
+                <a:ea typeface="Menlo"/>
+              </a:rPr>
+              <a:t>A</a:t>
+            </a:r>
+            <a:r>
+              <a:rPr b="0" lang="de-DE" sz="1600" spc="-1" strike="noStrike">
+                <a:solidFill>
+                  <a:srgbClr val="000000"/>
+                </a:solidFill>
+                <a:latin typeface="Menlo"/>
+                <a:ea typeface="Menlo"/>
+              </a:rPr>
+              <a:t>): </a:t>
+            </a:r>
+            <a:r>
+              <a:rPr b="0" lang="de-DE" sz="1600" spc="-1" strike="noStrike">
+                <a:solidFill>
+                  <a:srgbClr val="1f888b"/>
+                </a:solidFill>
+                <a:latin typeface="Menlo"/>
+                <a:ea typeface="Menlo"/>
+              </a:rPr>
+              <a:t>Unit </a:t>
+            </a:r>
+            <a:r>
+              <a:rPr b="0" lang="de-DE" sz="1600" spc="-1" strike="noStrike">
+                <a:solidFill>
+                  <a:srgbClr val="000000"/>
+                </a:solidFill>
+                <a:latin typeface="Menlo"/>
+                <a:ea typeface="Menlo"/>
+              </a:rPr>
+              <a:t>=</a:t>
+            </a:r>
+            <a:endParaRPr b="0" lang="de-DE" sz="1600" spc="-1" strike="noStrike">
+              <a:latin typeface="Arial"/>
+            </a:endParaRPr>
+          </a:p>
+          <a:p>
+            <a:pPr>
+              <a:lnSpc>
+                <a:spcPct val="100000"/>
+              </a:lnSpc>
+            </a:pPr>
+            <a:r>
+              <a:rPr b="0" lang="de-DE" sz="1600" spc="-1" strike="noStrike">
+                <a:solidFill>
+                  <a:srgbClr val="000000"/>
+                </a:solidFill>
+                <a:latin typeface="Menlo"/>
+                <a:ea typeface="Menlo"/>
+              </a:rPr>
+              <a:t>      </a:t>
+            </a:r>
+            <a:r>
+              <a:rPr b="1" i="1" lang="de-DE" sz="1600" spc="-1" strike="noStrike">
+                <a:solidFill>
+                  <a:srgbClr val="000000"/>
+                </a:solidFill>
+                <a:latin typeface="Menlo"/>
+                <a:ea typeface="Menlo"/>
+              </a:rPr>
+              <a:t>Printable</a:t>
+            </a:r>
+            <a:r>
+              <a:rPr b="1" lang="de-DE" sz="1600" spc="-1" strike="noStrike">
+                <a:solidFill>
+                  <a:srgbClr val="000000"/>
+                </a:solidFill>
+                <a:latin typeface="Menlo"/>
+                <a:ea typeface="Menlo"/>
+              </a:rPr>
+              <a:t>[</a:t>
+            </a:r>
+            <a:r>
+              <a:rPr b="1" lang="de-DE" sz="1600" spc="-1" strike="noStrike">
+                <a:solidFill>
+                  <a:srgbClr val="1f888b"/>
+                </a:solidFill>
+                <a:latin typeface="Menlo"/>
+                <a:ea typeface="Menlo"/>
+              </a:rPr>
+              <a:t>A</a:t>
+            </a:r>
+            <a:r>
+              <a:rPr b="1" lang="de-DE" sz="1600" spc="-1" strike="noStrike">
+                <a:solidFill>
+                  <a:srgbClr val="000000"/>
+                </a:solidFill>
+                <a:latin typeface="Menlo"/>
+                <a:ea typeface="Menlo"/>
+              </a:rPr>
+              <a:t>]</a:t>
+            </a:r>
+            <a:r>
+              <a:rPr b="0" lang="de-DE" sz="1600" spc="-1" strike="noStrike">
+                <a:solidFill>
+                  <a:srgbClr val="000000"/>
+                </a:solidFill>
+                <a:latin typeface="Menlo"/>
+                <a:ea typeface="Menlo"/>
+              </a:rPr>
+              <a:t>.pprint(value)</a:t>
             </a:r>
             <a:endParaRPr b="0" lang="de-DE" sz="1600" spc="-1" strike="noStrike">
               <a:latin typeface="Arial"/>
@@ -17531,7 +18058,7 @@
         <p:spPr>
           <a:xfrm>
             <a:off x="720000" y="300960"/>
-            <a:ext cx="8844120" cy="1251000"/>
+            <a:ext cx="8843760" cy="1250640"/>
           </a:xfrm>
           <a:prstGeom prst="rect">
             <a:avLst/>
@@ -17575,7 +18102,7 @@
         <p:spPr>
           <a:xfrm>
             <a:off x="720000" y="1692000"/>
-            <a:ext cx="8628480" cy="4373280"/>
+            <a:ext cx="8628120" cy="4372920"/>
           </a:xfrm>
           <a:prstGeom prst="rect">
             <a:avLst/>
@@ -17594,7 +18121,7 @@
         <p:txBody>
           <a:bodyPr lIns="0" rIns="0" tIns="0" bIns="0"/>
           <a:p>
-            <a:pPr marL="432000" indent="-312480">
+            <a:pPr marL="432000" indent="-312120">
               <a:lnSpc>
                 <a:spcPct val="100000"/>
               </a:lnSpc>
@@ -17643,7 +18170,7 @@
             </a:endParaRPr>
           </a:p>
           <a:p>
-            <a:pPr marL="432000" indent="-312480">
+            <a:pPr marL="432000" indent="-312120">
               <a:lnSpc>
                 <a:spcPct val="100000"/>
               </a:lnSpc>
@@ -17683,7 +18210,7 @@
             </a:endParaRPr>
           </a:p>
           <a:p>
-            <a:pPr marL="432000" indent="-312480">
+            <a:pPr marL="432000" indent="-312120">
               <a:lnSpc>
                 <a:spcPct val="100000"/>
               </a:lnSpc>
@@ -17712,7 +18239,7 @@
             </a:endParaRPr>
           </a:p>
           <a:p>
-            <a:pPr marL="432000" indent="-312480">
+            <a:pPr marL="432000" indent="-312120">
               <a:lnSpc>
                 <a:spcPct val="100000"/>
               </a:lnSpc>
@@ -17761,7 +18288,7 @@
             </a:endParaRPr>
           </a:p>
           <a:p>
-            <a:pPr marL="432000" indent="-312480">
+            <a:pPr marL="432000" indent="-312120">
               <a:lnSpc>
                 <a:spcPct val="100000"/>
               </a:lnSpc>
@@ -17859,7 +18386,7 @@
         <p:spPr>
           <a:xfrm>
             <a:off x="720000" y="300960"/>
-            <a:ext cx="8844120" cy="1251000"/>
+            <a:ext cx="8843760" cy="1250640"/>
           </a:xfrm>
           <a:prstGeom prst="rect">
             <a:avLst/>
@@ -17903,7 +18430,7 @@
         <p:spPr>
           <a:xfrm>
             <a:off x="720000" y="1404000"/>
-            <a:ext cx="8628480" cy="5645160"/>
+            <a:ext cx="8628120" cy="5644800"/>
           </a:xfrm>
           <a:prstGeom prst="rect">
             <a:avLst/>
@@ -18327,7 +18854,7 @@
                 <a:latin typeface="Menlo"/>
                 <a:ea typeface="Menlo"/>
               </a:rPr>
-              <a:t>= p.stringify(value)</a:t>
+              <a:t>= ???</a:t>
             </a:r>
             <a:endParaRPr b="0" lang="de-DE" sz="1200" spc="-1" strike="noStrike">
               <a:latin typeface="Arial"/>
@@ -18430,14 +18957,54 @@
               <a:t>]): Unit = </a:t>
             </a:r>
             <a:r>
+              <a:rPr b="0" lang="de-DE" sz="1200" spc="-1" strike="noStrike">
+                <a:solidFill>
+                  <a:srgbClr val="000000"/>
+                </a:solidFill>
+                <a:latin typeface="Menlo"/>
+                <a:ea typeface="Menlo"/>
+              </a:rPr>
+              <a:t>???</a:t>
+            </a:r>
+            <a:endParaRPr b="0" lang="de-DE" sz="1200" spc="-1" strike="noStrike">
+              <a:latin typeface="Arial"/>
+            </a:endParaRPr>
+          </a:p>
+          <a:p>
+            <a:pPr>
+              <a:lnSpc>
+                <a:spcPct val="100000"/>
+              </a:lnSpc>
+            </a:pPr>
+            <a:endParaRPr b="0" lang="de-DE" sz="1200" spc="-1" strike="noStrike">
+              <a:latin typeface="Arial"/>
+            </a:endParaRPr>
+          </a:p>
+          <a:p>
+            <a:pPr>
+              <a:lnSpc>
+                <a:spcPct val="100000"/>
+              </a:lnSpc>
+            </a:pPr>
+            <a:r>
               <a:rPr b="0" i="1" lang="de-DE" sz="1200" spc="-1" strike="noStrike">
                 <a:solidFill>
-                  <a:srgbClr val="000000"/>
-                </a:solidFill>
-                <a:latin typeface="Menlo"/>
-                <a:ea typeface="Menlo"/>
-              </a:rPr>
-              <a:t>println</a:t>
+                  <a:srgbClr val="6d6d6d"/>
+                </a:solidFill>
+                <a:latin typeface="Menlo"/>
+                <a:ea typeface="Menlo"/>
+              </a:rPr>
+              <a:t>  </a:t>
+            </a:r>
+            <a:r>
+              <a:rPr b="1" lang="de-DE" sz="1200" spc="-1" strike="noStrike">
+                <a:solidFill>
+                  <a:srgbClr val="00006d"/>
+                </a:solidFill>
+                <a:latin typeface="Menlo"/>
+                <a:ea typeface="Menlo"/>
+              </a:rPr>
+              <a:t>implicit class </a:t>
             </a:r>
             <a:r>
               <a:rPr b="0" lang="de-DE" sz="1200" spc="-1" strike="noStrike">
@@ -18447,27 +19014,47 @@
                 <a:latin typeface="Menlo"/>
                 <a:ea typeface="Menlo"/>
               </a:rPr>
-              <a:t>(</a:t>
-            </a:r>
-            <a:r>
-              <a:rPr b="0" i="1" lang="de-DE" sz="1200" spc="-1" strike="noStrike">
-                <a:solidFill>
-                  <a:srgbClr val="000000"/>
-                </a:solidFill>
-                <a:latin typeface="Menlo"/>
-                <a:ea typeface="Menlo"/>
-              </a:rPr>
-              <a:t>stringify</a:t>
+              <a:t>PrintableOps[</a:t>
             </a:r>
             <a:r>
               <a:rPr b="0" lang="de-DE" sz="1200" spc="-1" strike="noStrike">
                 <a:solidFill>
-                  <a:srgbClr val="000000"/>
-                </a:solidFill>
-                <a:latin typeface="Menlo"/>
-                <a:ea typeface="Menlo"/>
-              </a:rPr>
-              <a:t>(value))</a:t>
+                  <a:srgbClr val="1f888b"/>
+                </a:solidFill>
+                <a:latin typeface="Menlo"/>
+                <a:ea typeface="Menlo"/>
+              </a:rPr>
+              <a:t>A</a:t>
+            </a:r>
+            <a:r>
+              <a:rPr b="0" lang="de-DE" sz="1200" spc="-1" strike="noStrike">
+                <a:solidFill>
+                  <a:srgbClr val="000000"/>
+                </a:solidFill>
+                <a:latin typeface="Menlo"/>
+                <a:ea typeface="Menlo"/>
+              </a:rPr>
+              <a:t>](value: </a:t>
+            </a:r>
+            <a:r>
+              <a:rPr b="0" lang="de-DE" sz="1200" spc="-1" strike="noStrike">
+                <a:solidFill>
+                  <a:srgbClr val="1f888b"/>
+                </a:solidFill>
+                <a:latin typeface="Menlo"/>
+                <a:ea typeface="Menlo"/>
+              </a:rPr>
+              <a:t>A</a:t>
+            </a:r>
+            <a:r>
+              <a:rPr b="0" lang="de-DE" sz="1200" spc="-1" strike="noStrike">
+                <a:solidFill>
+                  <a:srgbClr val="000000"/>
+                </a:solidFill>
+                <a:latin typeface="Menlo"/>
+                <a:ea typeface="Menlo"/>
+              </a:rPr>
+              <a:t>) {</a:t>
             </a:r>
             <a:endParaRPr b="0" lang="de-DE" sz="1200" spc="-1" strike="noStrike">
               <a:latin typeface="Arial"/>
@@ -18479,6 +19066,106 @@
                 <a:spcPct val="100000"/>
               </a:lnSpc>
             </a:pPr>
+            <a:r>
+              <a:rPr b="1" lang="de-DE" sz="1200" spc="-1" strike="noStrike">
+                <a:solidFill>
+                  <a:srgbClr val="00006d"/>
+                </a:solidFill>
+                <a:latin typeface="Menlo"/>
+                <a:ea typeface="Menlo"/>
+              </a:rPr>
+              <a:t>    </a:t>
+            </a:r>
+            <a:r>
+              <a:rPr b="1" lang="de-DE" sz="1200" spc="-1" strike="noStrike">
+                <a:solidFill>
+                  <a:srgbClr val="00006d"/>
+                </a:solidFill>
+                <a:latin typeface="Menlo"/>
+                <a:ea typeface="Menlo"/>
+              </a:rPr>
+              <a:t>def </a:t>
+            </a:r>
+            <a:r>
+              <a:rPr b="0" lang="de-DE" sz="1200" spc="-1" strike="noStrike">
+                <a:solidFill>
+                  <a:srgbClr val="000000"/>
+                </a:solidFill>
+                <a:latin typeface="Menlo"/>
+                <a:ea typeface="Menlo"/>
+              </a:rPr>
+              <a:t>stringify(</a:t>
+            </a:r>
+            <a:r>
+              <a:rPr b="1" lang="de-DE" sz="1200" spc="-1" strike="noStrike">
+                <a:solidFill>
+                  <a:srgbClr val="00006d"/>
+                </a:solidFill>
+                <a:latin typeface="Menlo"/>
+                <a:ea typeface="Menlo"/>
+              </a:rPr>
+              <a:t>implicit </a:t>
+            </a:r>
+            <a:r>
+              <a:rPr b="0" lang="de-DE" sz="1200" spc="-1" strike="noStrike">
+                <a:solidFill>
+                  <a:srgbClr val="000000"/>
+                </a:solidFill>
+                <a:latin typeface="Menlo"/>
+                <a:ea typeface="Menlo"/>
+              </a:rPr>
+              <a:t>p: Printable[</a:t>
+            </a:r>
+            <a:r>
+              <a:rPr b="0" lang="de-DE" sz="1200" spc="-1" strike="noStrike">
+                <a:solidFill>
+                  <a:srgbClr val="1f888b"/>
+                </a:solidFill>
+                <a:latin typeface="Menlo"/>
+                <a:ea typeface="Menlo"/>
+              </a:rPr>
+              <a:t>A</a:t>
+            </a:r>
+            <a:r>
+              <a:rPr b="0" lang="de-DE" sz="1200" spc="-1" strike="noStrike">
+                <a:solidFill>
+                  <a:srgbClr val="000000"/>
+                </a:solidFill>
+                <a:latin typeface="Menlo"/>
+                <a:ea typeface="Menlo"/>
+              </a:rPr>
+              <a:t>]): </a:t>
+            </a:r>
+            <a:r>
+              <a:rPr b="0" lang="de-DE" sz="1200" spc="-1" strike="noStrike">
+                <a:solidFill>
+                  <a:srgbClr val="1f888b"/>
+                </a:solidFill>
+                <a:latin typeface="Menlo"/>
+                <a:ea typeface="Menlo"/>
+              </a:rPr>
+              <a:t>String </a:t>
+            </a:r>
+            <a:r>
+              <a:rPr b="0" lang="de-DE" sz="1200" spc="-1" strike="noStrike">
+                <a:solidFill>
+                  <a:srgbClr val="000000"/>
+                </a:solidFill>
+                <a:latin typeface="Menlo"/>
+                <a:ea typeface="Menlo"/>
+              </a:rPr>
+              <a:t>= </a:t>
+            </a:r>
+            <a:r>
+              <a:rPr b="0" lang="de-DE" sz="1200" spc="-1" strike="noStrike">
+                <a:solidFill>
+                  <a:srgbClr val="000000"/>
+                </a:solidFill>
+                <a:latin typeface="Menlo"/>
+                <a:ea typeface="Menlo"/>
+              </a:rPr>
+              <a:t>???</a:t>
+            </a:r>
             <a:endParaRPr b="0" lang="de-DE" sz="1200" spc="-1" strike="noStrike">
               <a:latin typeface="Arial"/>
             </a:endParaRPr>
@@ -18490,16 +19177,6 @@
               </a:lnSpc>
             </a:pPr>
             <a:r>
-              <a:rPr b="0" i="1" lang="de-DE" sz="1200" spc="-1" strike="noStrike">
-                <a:solidFill>
-                  <a:srgbClr val="6d6d6d"/>
-                </a:solidFill>
-                <a:latin typeface="Menlo"/>
-                <a:ea typeface="Menlo"/>
-              </a:rPr>
-              <a:t>  </a:t>
-            </a:r>
-            <a:r>
               <a:rPr b="1" lang="de-DE" sz="1200" spc="-1" strike="noStrike">
                 <a:solidFill>
                   <a:srgbClr val="00006d"/>
@@ -18507,7 +19184,17 @@
                 <a:latin typeface="Menlo"/>
                 <a:ea typeface="Menlo"/>
               </a:rPr>
-              <a:t>implicit class </a:t>
+              <a:t>    </a:t>
+            </a:r>
+            <a:r>
+              <a:rPr b="1" lang="de-DE" sz="1200" spc="-1" strike="noStrike">
+                <a:solidFill>
+                  <a:srgbClr val="00006d"/>
+                </a:solidFill>
+                <a:latin typeface="Menlo"/>
+                <a:ea typeface="Menlo"/>
+              </a:rPr>
+              <a:t>def </a:t>
             </a:r>
             <a:r>
               <a:rPr b="0" lang="de-DE" sz="1200" spc="-1" strike="noStrike">
@@ -18517,11 +19204,31 @@
                 <a:latin typeface="Menlo"/>
                 <a:ea typeface="Menlo"/>
               </a:rPr>
-              <a:t>PrintableOps[</a:t>
+              <a:t>pprint(</a:t>
+            </a:r>
+            <a:r>
+              <a:rPr b="1" lang="de-DE" sz="1200" spc="-1" strike="noStrike">
+                <a:solidFill>
+                  <a:srgbClr val="00006d"/>
+                </a:solidFill>
+                <a:latin typeface="Menlo"/>
+                <a:ea typeface="Menlo"/>
+              </a:rPr>
+              <a:t>implicit </a:t>
             </a:r>
             <a:r>
               <a:rPr b="0" lang="de-DE" sz="1200" spc="-1" strike="noStrike">
                 <a:solidFill>
+                  <a:srgbClr val="000000"/>
+                </a:solidFill>
+                <a:latin typeface="Menlo"/>
+                <a:ea typeface="Menlo"/>
+              </a:rPr>
+              <a:t>p: Printable[</a:t>
+            </a:r>
+            <a:r>
+              <a:rPr b="0" lang="de-DE" sz="1200" spc="-1" strike="noStrike">
+                <a:solidFill>
                   <a:srgbClr val="1f888b"/>
                 </a:solidFill>
                 <a:latin typeface="Menlo"/>
@@ -18537,227 +19244,17 @@
                 <a:latin typeface="Menlo"/>
                 <a:ea typeface="Menlo"/>
               </a:rPr>
-              <a:t>](value: </a:t>
+              <a:t>]): Unit = </a:t>
             </a:r>
             <a:r>
               <a:rPr b="0" lang="de-DE" sz="1200" spc="-1" strike="noStrike">
                 <a:solidFill>
-                  <a:srgbClr val="1f888b"/>
-                </a:solidFill>
-                <a:latin typeface="Menlo"/>
-                <a:ea typeface="Menlo"/>
-              </a:rPr>
-              <a:t>A</a:t>
-            </a:r>
-            <a:r>
-              <a:rPr b="0" lang="de-DE" sz="1200" spc="-1" strike="noStrike">
-                <a:solidFill>
-                  <a:srgbClr val="000000"/>
-                </a:solidFill>
-                <a:latin typeface="Menlo"/>
-                <a:ea typeface="Menlo"/>
-              </a:rPr>
-              <a:t>) {</a:t>
-            </a:r>
-            <a:endParaRPr b="0" lang="de-DE" sz="1200" spc="-1" strike="noStrike">
-              <a:latin typeface="Arial"/>
-            </a:endParaRPr>
-          </a:p>
-          <a:p>
-            <a:pPr>
-              <a:lnSpc>
-                <a:spcPct val="100000"/>
-              </a:lnSpc>
-            </a:pPr>
-            <a:r>
-              <a:rPr b="1" lang="de-DE" sz="1200" spc="-1" strike="noStrike">
-                <a:solidFill>
-                  <a:srgbClr val="00006d"/>
-                </a:solidFill>
-                <a:latin typeface="Menlo"/>
-                <a:ea typeface="Menlo"/>
-              </a:rPr>
-              <a:t>    </a:t>
-            </a:r>
-            <a:r>
-              <a:rPr b="1" lang="de-DE" sz="1200" spc="-1" strike="noStrike">
-                <a:solidFill>
-                  <a:srgbClr val="00006d"/>
-                </a:solidFill>
-                <a:latin typeface="Menlo"/>
-                <a:ea typeface="Menlo"/>
-              </a:rPr>
-              <a:t>def </a:t>
-            </a:r>
-            <a:r>
-              <a:rPr b="0" lang="de-DE" sz="1200" spc="-1" strike="noStrike">
-                <a:solidFill>
-                  <a:srgbClr val="000000"/>
-                </a:solidFill>
-                <a:latin typeface="Menlo"/>
-                <a:ea typeface="Menlo"/>
-              </a:rPr>
-              <a:t>stringify(</a:t>
-            </a:r>
-            <a:r>
-              <a:rPr b="1" lang="de-DE" sz="1200" spc="-1" strike="noStrike">
-                <a:solidFill>
-                  <a:srgbClr val="00006d"/>
-                </a:solidFill>
-                <a:latin typeface="Menlo"/>
-                <a:ea typeface="Menlo"/>
-              </a:rPr>
-              <a:t>implicit </a:t>
-            </a:r>
-            <a:r>
-              <a:rPr b="0" lang="de-DE" sz="1200" spc="-1" strike="noStrike">
-                <a:solidFill>
-                  <a:srgbClr val="000000"/>
-                </a:solidFill>
-                <a:latin typeface="Menlo"/>
-                <a:ea typeface="Menlo"/>
-              </a:rPr>
-              <a:t>p: Printable[</a:t>
-            </a:r>
-            <a:r>
-              <a:rPr b="0" lang="de-DE" sz="1200" spc="-1" strike="noStrike">
-                <a:solidFill>
-                  <a:srgbClr val="1f888b"/>
-                </a:solidFill>
-                <a:latin typeface="Menlo"/>
-                <a:ea typeface="Menlo"/>
-              </a:rPr>
-              <a:t>A</a:t>
-            </a:r>
-            <a:r>
-              <a:rPr b="0" lang="de-DE" sz="1200" spc="-1" strike="noStrike">
-                <a:solidFill>
-                  <a:srgbClr val="000000"/>
-                </a:solidFill>
-                <a:latin typeface="Menlo"/>
-                <a:ea typeface="Menlo"/>
-              </a:rPr>
-              <a:t>]): </a:t>
-            </a:r>
-            <a:r>
-              <a:rPr b="0" lang="de-DE" sz="1200" spc="-1" strike="noStrike">
-                <a:solidFill>
-                  <a:srgbClr val="1f888b"/>
-                </a:solidFill>
-                <a:latin typeface="Menlo"/>
-                <a:ea typeface="Menlo"/>
-              </a:rPr>
-              <a:t>String </a:t>
-            </a:r>
-            <a:r>
-              <a:rPr b="0" lang="de-DE" sz="1200" spc="-1" strike="noStrike">
-                <a:solidFill>
-                  <a:srgbClr val="000000"/>
-                </a:solidFill>
-                <a:latin typeface="Menlo"/>
-                <a:ea typeface="Menlo"/>
-              </a:rPr>
-              <a:t>= p.stringify(value)</a:t>
-            </a:r>
-            <a:endParaRPr b="0" lang="de-DE" sz="1200" spc="-1" strike="noStrike">
-              <a:latin typeface="Arial"/>
-            </a:endParaRPr>
-          </a:p>
-          <a:p>
-            <a:pPr>
-              <a:lnSpc>
-                <a:spcPct val="100000"/>
-              </a:lnSpc>
-            </a:pPr>
-            <a:r>
-              <a:rPr b="1" lang="de-DE" sz="1200" spc="-1" strike="noStrike">
-                <a:solidFill>
-                  <a:srgbClr val="00006d"/>
-                </a:solidFill>
-                <a:latin typeface="Menlo"/>
-                <a:ea typeface="Menlo"/>
-              </a:rPr>
-              <a:t>    </a:t>
-            </a:r>
-            <a:r>
-              <a:rPr b="1" lang="de-DE" sz="1200" spc="-1" strike="noStrike">
-                <a:solidFill>
-                  <a:srgbClr val="00006d"/>
-                </a:solidFill>
-                <a:latin typeface="Menlo"/>
-                <a:ea typeface="Menlo"/>
-              </a:rPr>
-              <a:t>def </a:t>
-            </a:r>
-            <a:r>
-              <a:rPr b="0" lang="de-DE" sz="1200" spc="-1" strike="noStrike">
-                <a:solidFill>
-                  <a:srgbClr val="000000"/>
-                </a:solidFill>
-                <a:latin typeface="Menlo"/>
-                <a:ea typeface="Menlo"/>
-              </a:rPr>
-              <a:t>pprint(</a:t>
-            </a:r>
-            <a:r>
-              <a:rPr b="1" lang="de-DE" sz="1200" spc="-1" strike="noStrike">
-                <a:solidFill>
-                  <a:srgbClr val="00006d"/>
-                </a:solidFill>
-                <a:latin typeface="Menlo"/>
-                <a:ea typeface="Menlo"/>
-              </a:rPr>
-              <a:t>implicit </a:t>
-            </a:r>
-            <a:r>
-              <a:rPr b="0" lang="de-DE" sz="1200" spc="-1" strike="noStrike">
-                <a:solidFill>
-                  <a:srgbClr val="000000"/>
-                </a:solidFill>
-                <a:latin typeface="Menlo"/>
-                <a:ea typeface="Menlo"/>
-              </a:rPr>
-              <a:t>p: Printable[</a:t>
-            </a:r>
-            <a:r>
-              <a:rPr b="0" lang="de-DE" sz="1200" spc="-1" strike="noStrike">
-                <a:solidFill>
-                  <a:srgbClr val="1f888b"/>
-                </a:solidFill>
-                <a:latin typeface="Menlo"/>
-                <a:ea typeface="Menlo"/>
-              </a:rPr>
-              <a:t>A</a:t>
-            </a:r>
-            <a:r>
-              <a:rPr b="0" lang="de-DE" sz="1200" spc="-1" strike="noStrike">
-                <a:solidFill>
-                  <a:srgbClr val="000000"/>
-                </a:solidFill>
-                <a:latin typeface="Menlo"/>
-                <a:ea typeface="Menlo"/>
-              </a:rPr>
-              <a:t>]): Unit = </a:t>
-            </a:r>
-            <a:r>
-              <a:rPr b="0" i="1" lang="de-DE" sz="1200" spc="-1" strike="noStrike">
-                <a:solidFill>
-                  <a:srgbClr val="000000"/>
-                </a:solidFill>
-                <a:latin typeface="Menlo"/>
-                <a:ea typeface="Menlo"/>
-              </a:rPr>
-              <a:t>println</a:t>
-            </a:r>
-            <a:r>
-              <a:rPr b="0" lang="de-DE" sz="1200" spc="-1" strike="noStrike">
-                <a:solidFill>
-                  <a:srgbClr val="000000"/>
-                </a:solidFill>
-                <a:latin typeface="Menlo"/>
-                <a:ea typeface="Menlo"/>
-              </a:rPr>
-              <a:t>(stringify)</a:t>
+                  <a:srgbClr val="000000"/>
+                </a:solidFill>
+                <a:latin typeface="Menlo"/>
+                <a:ea typeface="Menlo"/>
+              </a:rPr>
+              <a:t>???</a:t>
             </a:r>
             <a:endParaRPr b="0" lang="de-DE" sz="1200" spc="-1" strike="noStrike">
               <a:latin typeface="Arial"/>
@@ -19427,7 +19924,7 @@
         <p:spPr>
           <a:xfrm>
             <a:off x="720000" y="300960"/>
-            <a:ext cx="8844120" cy="1251000"/>
+            <a:ext cx="8843760" cy="1250640"/>
           </a:xfrm>
           <a:prstGeom prst="rect">
             <a:avLst/>
@@ -19471,7 +19968,7 @@
         <p:spPr>
           <a:xfrm>
             <a:off x="964440" y="2160000"/>
-            <a:ext cx="8139600" cy="2867760"/>
+            <a:ext cx="8139240" cy="2867400"/>
           </a:xfrm>
           <a:prstGeom prst="rect">
             <a:avLst/>
@@ -19495,7 +19992,7 @@
             </a:endParaRPr>
           </a:p>
           <a:p>
-            <a:pPr marL="432000" indent="-312480">
+            <a:pPr marL="432000" indent="-312120">
               <a:lnSpc>
                 <a:spcPct val="100000"/>
               </a:lnSpc>
@@ -19524,7 +20021,7 @@
             </a:endParaRPr>
           </a:p>
           <a:p>
-            <a:pPr marL="432000" indent="-312480">
+            <a:pPr marL="432000" indent="-312120">
               <a:lnSpc>
                 <a:spcPct val="100000"/>
               </a:lnSpc>
@@ -19553,7 +20050,7 @@
             </a:endParaRPr>
           </a:p>
           <a:p>
-            <a:pPr marL="432000" indent="-312480">
+            <a:pPr marL="432000" indent="-312120">
               <a:lnSpc>
                 <a:spcPct val="100000"/>
               </a:lnSpc>
@@ -19652,7 +20149,7 @@
         <p:spPr>
           <a:xfrm>
             <a:off x="720000" y="300960"/>
-            <a:ext cx="8844120" cy="1251000"/>
+            <a:ext cx="8843760" cy="1250640"/>
           </a:xfrm>
           <a:prstGeom prst="rect">
             <a:avLst/>
@@ -19696,7 +20193,7 @@
         <p:spPr>
           <a:xfrm>
             <a:off x="720000" y="2160000"/>
-            <a:ext cx="8628480" cy="4373280"/>
+            <a:ext cx="8628120" cy="4372920"/>
           </a:xfrm>
           <a:prstGeom prst="rect">
             <a:avLst/>
@@ -19745,7 +20242,7 @@
             </a:endParaRPr>
           </a:p>
           <a:p>
-            <a:pPr marL="432000" indent="-312480">
+            <a:pPr marL="432000" indent="-312120">
               <a:lnSpc>
                 <a:spcPct val="100000"/>
               </a:lnSpc>
@@ -19794,7 +20291,7 @@
             </a:endParaRPr>
           </a:p>
           <a:p>
-            <a:pPr marL="432000" indent="-312480">
+            <a:pPr marL="432000" indent="-312120">
               <a:lnSpc>
                 <a:spcPct val="100000"/>
               </a:lnSpc>
@@ -19904,7 +20401,7 @@
         <p:spPr>
           <a:xfrm>
             <a:off x="720000" y="300960"/>
-            <a:ext cx="8844120" cy="1251000"/>
+            <a:ext cx="8843760" cy="1250640"/>
           </a:xfrm>
           <a:prstGeom prst="rect">
             <a:avLst/>
@@ -19948,7 +20445,7 @@
         <p:spPr>
           <a:xfrm>
             <a:off x="720000" y="1836000"/>
-            <a:ext cx="8628480" cy="4711680"/>
+            <a:ext cx="8628120" cy="4711320"/>
           </a:xfrm>
           <a:prstGeom prst="rect">
             <a:avLst/>
@@ -19967,7 +20464,7 @@
         <p:txBody>
           <a:bodyPr lIns="0" rIns="0" tIns="0" bIns="0"/>
           <a:p>
-            <a:pPr marL="432000" indent="-312480">
+            <a:pPr marL="432000" indent="-312120">
               <a:lnSpc>
                 <a:spcPct val="100000"/>
               </a:lnSpc>
@@ -20040,14 +20537,34 @@
                 <a:latin typeface="Noto Sans Regular"/>
                 <a:ea typeface="DejaVu Sans"/>
               </a:rPr>
-              <a:t>) are completely decoupled.</a:t>
+              <a:t>) are </a:t>
+            </a:r>
+            <a:r>
+              <a:rPr b="1" lang="de-DE" sz="2000" spc="-1" strike="noStrike">
+                <a:solidFill>
+                  <a:srgbClr val="333333"/>
+                </a:solidFill>
+                <a:latin typeface="Noto Sans Regular"/>
+                <a:ea typeface="DejaVu Sans"/>
+              </a:rPr>
+              <a:t>completely decoupled</a:t>
+            </a:r>
+            <a:r>
+              <a:rPr b="0" lang="de-DE" sz="2000" spc="-1" strike="noStrike">
+                <a:solidFill>
+                  <a:srgbClr val="333333"/>
+                </a:solidFill>
+                <a:latin typeface="Noto Sans Regular"/>
+                <a:ea typeface="DejaVu Sans"/>
+              </a:rPr>
+              <a:t>.</a:t>
             </a:r>
             <a:endParaRPr b="0" lang="de-DE" sz="2000" spc="-1" strike="noStrike">
               <a:latin typeface="Arial"/>
             </a:endParaRPr>
           </a:p>
           <a:p>
-            <a:pPr marL="432000" indent="-312480">
+            <a:pPr marL="432000" indent="-312120">
               <a:lnSpc>
                 <a:spcPct val="100000"/>
               </a:lnSpc>
@@ -20087,7 +20604,7 @@
             </a:endParaRPr>
           </a:p>
           <a:p>
-            <a:pPr marL="432000" indent="-312480">
+            <a:pPr marL="432000" indent="-312120">
               <a:lnSpc>
                 <a:spcPct val="100000"/>
               </a:lnSpc>
@@ -20127,7 +20644,7 @@
             </a:endParaRPr>
           </a:p>
           <a:p>
-            <a:pPr marL="432000" indent="-312480">
+            <a:pPr marL="432000" indent="-312120">
               <a:lnSpc>
                 <a:spcPct val="100000"/>
               </a:lnSpc>
@@ -20167,7 +20684,7 @@
             </a:endParaRPr>
           </a:p>
           <a:p>
-            <a:pPr marL="432000" indent="-312480">
+            <a:pPr marL="432000" indent="-312120">
               <a:lnSpc>
                 <a:spcPct val="100000"/>
               </a:lnSpc>
@@ -20207,7 +20724,7 @@
             </a:endParaRPr>
           </a:p>
           <a:p>
-            <a:pPr marL="432000" indent="-312480">
+            <a:pPr marL="432000" indent="-312120">
               <a:lnSpc>
                 <a:spcPct val="100000"/>
               </a:lnSpc>
@@ -20306,7 +20823,7 @@
         <p:spPr>
           <a:xfrm>
             <a:off x="720000" y="300960"/>
-            <a:ext cx="8844120" cy="1251000"/>
+            <a:ext cx="8843760" cy="1250640"/>
           </a:xfrm>
           <a:prstGeom prst="rect">
             <a:avLst/>
@@ -20350,7 +20867,7 @@
         <p:spPr>
           <a:xfrm>
             <a:off x="720000" y="2160000"/>
-            <a:ext cx="8628480" cy="4373280"/>
+            <a:ext cx="8628120" cy="4372920"/>
           </a:xfrm>
           <a:prstGeom prst="rect">
             <a:avLst/>
@@ -20369,7 +20886,7 @@
         <p:txBody>
           <a:bodyPr lIns="0" rIns="0" tIns="0" bIns="0"/>
           <a:p>
-            <a:pPr marL="432000" indent="-312480">
+            <a:pPr marL="432000" indent="-312120">
               <a:lnSpc>
                 <a:spcPct val="100000"/>
               </a:lnSpc>
@@ -20398,7 +20915,7 @@
             </a:endParaRPr>
           </a:p>
           <a:p>
-            <a:pPr marL="432000" indent="-312480">
+            <a:pPr marL="432000" indent="-312120">
               <a:lnSpc>
                 <a:spcPct val="100000"/>
               </a:lnSpc>
@@ -20427,7 +20944,7 @@
             </a:endParaRPr>
           </a:p>
           <a:p>
-            <a:pPr marL="432000" indent="-312480">
+            <a:pPr marL="432000" indent="-312120">
               <a:lnSpc>
                 <a:spcPct val="100000"/>
               </a:lnSpc>
@@ -20456,7 +20973,7 @@
             </a:endParaRPr>
           </a:p>
           <a:p>
-            <a:pPr marL="432000" indent="-312480">
+            <a:pPr marL="432000" indent="-312120">
               <a:lnSpc>
                 <a:spcPct val="100000"/>
               </a:lnSpc>
@@ -20544,7 +21061,7 @@
         <p:spPr>
           <a:xfrm>
             <a:off x="720000" y="300960"/>
-            <a:ext cx="8844120" cy="1251000"/>
+            <a:ext cx="8843760" cy="1250640"/>
           </a:xfrm>
           <a:prstGeom prst="rect">
             <a:avLst/>
@@ -20588,7 +21105,7 @@
         <p:spPr>
           <a:xfrm>
             <a:off x="720000" y="1836000"/>
-            <a:ext cx="8628480" cy="4997880"/>
+            <a:ext cx="8628120" cy="4997520"/>
           </a:xfrm>
           <a:prstGeom prst="rect">
             <a:avLst/>
@@ -20607,7 +21124,7 @@
         <p:txBody>
           <a:bodyPr lIns="0" rIns="0" tIns="0" bIns="0"/>
           <a:p>
-            <a:pPr marL="432000" indent="-312480">
+            <a:pPr marL="432000" indent="-312120">
               <a:lnSpc>
                 <a:spcPct val="100000"/>
               </a:lnSpc>
@@ -20667,7 +21184,7 @@
             </a:endParaRPr>
           </a:p>
           <a:p>
-            <a:pPr marL="432000" indent="-312480">
+            <a:pPr marL="432000" indent="-312120">
               <a:lnSpc>
                 <a:spcPct val="100000"/>
               </a:lnSpc>
@@ -20768,7 +21285,7 @@
             </a:endParaRPr>
           </a:p>
           <a:p>
-            <a:pPr marL="432000" indent="-312480">
+            <a:pPr marL="432000" indent="-312120">
               <a:lnSpc>
                 <a:spcPct val="100000"/>
               </a:lnSpc>
@@ -20856,7 +21373,7 @@
         <p:spPr>
           <a:xfrm>
             <a:off x="720000" y="300960"/>
-            <a:ext cx="8844120" cy="1251000"/>
+            <a:ext cx="8843760" cy="1250640"/>
           </a:xfrm>
           <a:prstGeom prst="rect">
             <a:avLst/>
@@ -20900,7 +21417,7 @@
         <p:spPr>
           <a:xfrm>
             <a:off x="720000" y="2160000"/>
-            <a:ext cx="8628480" cy="4373280"/>
+            <a:ext cx="8628120" cy="4372920"/>
           </a:xfrm>
           <a:prstGeom prst="rect">
             <a:avLst/>
@@ -21232,7 +21749,7 @@
         <p:spPr>
           <a:xfrm>
             <a:off x="720000" y="300960"/>
-            <a:ext cx="8844120" cy="1251000"/>
+            <a:ext cx="8843760" cy="1250640"/>
           </a:xfrm>
           <a:prstGeom prst="rect">
             <a:avLst/>
@@ -21276,7 +21793,7 @@
         <p:spPr>
           <a:xfrm>
             <a:off x="720000" y="1872000"/>
-            <a:ext cx="8628480" cy="4373280"/>
+            <a:ext cx="8628120" cy="4372920"/>
           </a:xfrm>
           <a:prstGeom prst="rect">
             <a:avLst/>
@@ -21295,7 +21812,7 @@
         <p:txBody>
           <a:bodyPr lIns="0" rIns="0" tIns="0" bIns="0"/>
           <a:p>
-            <a:pPr marL="432000" indent="-312480">
+            <a:pPr marL="432000" indent="-312120">
               <a:lnSpc>
                 <a:spcPct val="100000"/>
               </a:lnSpc>
@@ -21324,7 +21841,7 @@
             </a:endParaRPr>
           </a:p>
           <a:p>
-            <a:pPr marL="432000" indent="-312480">
+            <a:pPr marL="432000" indent="-312120">
               <a:lnSpc>
                 <a:spcPct val="100000"/>
               </a:lnSpc>
@@ -21353,7 +21870,7 @@
             </a:endParaRPr>
           </a:p>
           <a:p>
-            <a:pPr marL="432000" indent="-312480">
+            <a:pPr marL="432000" indent="-312120">
               <a:lnSpc>
                 <a:spcPct val="100000"/>
               </a:lnSpc>
@@ -21382,7 +21899,7 @@
             </a:endParaRPr>
           </a:p>
           <a:p>
-            <a:pPr marL="432000" indent="-312480">
+            <a:pPr marL="432000" indent="-312120">
               <a:lnSpc>
                 <a:spcPct val="100000"/>
               </a:lnSpc>
@@ -21470,7 +21987,7 @@
         <p:spPr>
           <a:xfrm>
             <a:off x="720000" y="300960"/>
-            <a:ext cx="8844120" cy="1251000"/>
+            <a:ext cx="8843760" cy="1250640"/>
           </a:xfrm>
           <a:prstGeom prst="rect">
             <a:avLst/>
@@ -21514,7 +22031,7 @@
         <p:spPr>
           <a:xfrm>
             <a:off x="720000" y="2160000"/>
-            <a:ext cx="8628480" cy="4373280"/>
+            <a:ext cx="8628120" cy="4372920"/>
           </a:xfrm>
           <a:prstGeom prst="rect">
             <a:avLst/>
@@ -21761,7 +22278,7 @@
         <p:spPr>
           <a:xfrm>
             <a:off x="720000" y="300960"/>
-            <a:ext cx="8844120" cy="1251000"/>
+            <a:ext cx="8843760" cy="1250640"/>
           </a:xfrm>
           <a:prstGeom prst="rect">
             <a:avLst/>
@@ -21805,7 +22322,7 @@
         <p:spPr>
           <a:xfrm>
             <a:off x="720000" y="2160000"/>
-            <a:ext cx="8628480" cy="4373280"/>
+            <a:ext cx="8628120" cy="4372920"/>
           </a:xfrm>
           <a:prstGeom prst="rect">
             <a:avLst/>
@@ -22139,7 +22656,7 @@
         <p:spPr>
           <a:xfrm>
             <a:off x="720000" y="240120"/>
-            <a:ext cx="8844120" cy="1372680"/>
+            <a:ext cx="8843760" cy="1372320"/>
           </a:xfrm>
           <a:prstGeom prst="rect">
             <a:avLst/>
@@ -22183,7 +22700,7 @@
         <p:spPr>
           <a:xfrm>
             <a:off x="720000" y="2484000"/>
-            <a:ext cx="8628480" cy="3738240"/>
+            <a:ext cx="8628120" cy="3737880"/>
           </a:xfrm>
           <a:prstGeom prst="rect">
             <a:avLst/>
@@ -22439,7 +22956,7 @@
         <p:spPr>
           <a:xfrm>
             <a:off x="720000" y="300960"/>
-            <a:ext cx="8844120" cy="1251000"/>
+            <a:ext cx="8843760" cy="1250640"/>
           </a:xfrm>
           <a:prstGeom prst="rect">
             <a:avLst/>
@@ -22483,7 +23000,7 @@
         <p:spPr>
           <a:xfrm>
             <a:off x="720000" y="2160000"/>
-            <a:ext cx="8628480" cy="4373280"/>
+            <a:ext cx="8628120" cy="4372920"/>
           </a:xfrm>
           <a:prstGeom prst="rect">
             <a:avLst/>
@@ -22520,7 +23037,7 @@
             </a:endParaRPr>
           </a:p>
           <a:p>
-            <a:pPr marL="432000" indent="-312480">
+            <a:pPr marL="432000" indent="-312120">
               <a:lnSpc>
                 <a:spcPct val="100000"/>
               </a:lnSpc>
@@ -22569,7 +23086,7 @@
             </a:endParaRPr>
           </a:p>
           <a:p>
-            <a:pPr marL="432000" indent="-312480">
+            <a:pPr marL="432000" indent="-312120">
               <a:lnSpc>
                 <a:spcPct val="100000"/>
               </a:lnSpc>
@@ -22677,7 +23194,7 @@
         <p:spPr>
           <a:xfrm>
             <a:off x="720000" y="300960"/>
-            <a:ext cx="8844120" cy="1251000"/>
+            <a:ext cx="8843760" cy="1250640"/>
           </a:xfrm>
           <a:prstGeom prst="rect">
             <a:avLst/>
@@ -22721,7 +23238,7 @@
         <p:spPr>
           <a:xfrm>
             <a:off x="720000" y="2160000"/>
-            <a:ext cx="8628480" cy="4373280"/>
+            <a:ext cx="8628120" cy="4372920"/>
           </a:xfrm>
           <a:prstGeom prst="rect">
             <a:avLst/>
@@ -22745,7 +23262,7 @@
             </a:endParaRPr>
           </a:p>
           <a:p>
-            <a:pPr marL="432000" indent="-312480">
+            <a:pPr marL="432000" indent="-312120">
               <a:lnSpc>
                 <a:spcPct val="100000"/>
               </a:lnSpc>
@@ -22774,7 +23291,7 @@
             </a:endParaRPr>
           </a:p>
           <a:p>
-            <a:pPr marL="432000" indent="-312480">
+            <a:pPr marL="432000" indent="-312120">
               <a:lnSpc>
                 <a:spcPct val="100000"/>
               </a:lnSpc>
@@ -23082,7 +23599,7 @@
         <p:spPr>
           <a:xfrm>
             <a:off x="720000" y="300960"/>
-            <a:ext cx="8844120" cy="1251000"/>
+            <a:ext cx="8843760" cy="1250640"/>
           </a:xfrm>
           <a:prstGeom prst="rect">
             <a:avLst/>
@@ -23126,7 +23643,7 @@
         <p:spPr>
           <a:xfrm>
             <a:off x="720000" y="1692000"/>
-            <a:ext cx="8628480" cy="5143680"/>
+            <a:ext cx="8628120" cy="5143320"/>
           </a:xfrm>
           <a:prstGeom prst="rect">
             <a:avLst/>
@@ -23145,7 +23662,7 @@
         <p:txBody>
           <a:bodyPr lIns="0" rIns="0" tIns="0" bIns="0"/>
           <a:p>
-            <a:pPr marL="432000" indent="-312480">
+            <a:pPr marL="432000" indent="-312120">
               <a:lnSpc>
                 <a:spcPct val="100000"/>
               </a:lnSpc>
@@ -23214,7 +23731,7 @@
             </a:endParaRPr>
           </a:p>
           <a:p>
-            <a:pPr marL="432000" indent="-312480">
+            <a:pPr marL="432000" indent="-312120">
               <a:lnSpc>
                 <a:spcPct val="100000"/>
               </a:lnSpc>
@@ -23243,7 +23760,7 @@
             </a:endParaRPr>
           </a:p>
           <a:p>
-            <a:pPr marL="432000" indent="-312480">
+            <a:pPr marL="432000" indent="-312120">
               <a:lnSpc>
                 <a:spcPct val="100000"/>
               </a:lnSpc>
@@ -23272,7 +23789,7 @@
             </a:endParaRPr>
           </a:p>
           <a:p>
-            <a:pPr marL="432000" indent="-312480">
+            <a:pPr marL="432000" indent="-312120">
               <a:lnSpc>
                 <a:spcPct val="100000"/>
               </a:lnSpc>
@@ -23301,7 +23818,7 @@
             </a:endParaRPr>
           </a:p>
           <a:p>
-            <a:pPr marL="432000" indent="-312480">
+            <a:pPr marL="432000" indent="-312120">
               <a:lnSpc>
                 <a:spcPct val="100000"/>
               </a:lnSpc>
@@ -23330,7 +23847,7 @@
             </a:endParaRPr>
           </a:p>
           <a:p>
-            <a:pPr marL="432000" indent="-312480">
+            <a:pPr marL="432000" indent="-312120">
               <a:lnSpc>
                 <a:spcPct val="100000"/>
               </a:lnSpc>
@@ -23359,7 +23876,7 @@
             </a:endParaRPr>
           </a:p>
           <a:p>
-            <a:pPr marL="432000" indent="-312480">
+            <a:pPr marL="432000" indent="-312120">
               <a:lnSpc>
                 <a:spcPct val="100000"/>
               </a:lnSpc>
@@ -23457,7 +23974,7 @@
         <p:spPr>
           <a:xfrm>
             <a:off x="720000" y="300960"/>
-            <a:ext cx="8844120" cy="1251000"/>
+            <a:ext cx="8843760" cy="1250640"/>
           </a:xfrm>
           <a:prstGeom prst="rect">
             <a:avLst/>
@@ -23501,7 +24018,7 @@
         <p:spPr>
           <a:xfrm>
             <a:off x="756000" y="2160000"/>
-            <a:ext cx="8628480" cy="4373280"/>
+            <a:ext cx="8628120" cy="4372920"/>
           </a:xfrm>
           <a:prstGeom prst="rect">
             <a:avLst/>
@@ -23520,7 +24037,7 @@
         <p:txBody>
           <a:bodyPr lIns="0" rIns="0" tIns="0" bIns="0"/>
           <a:p>
-            <a:pPr marL="432000" indent="-312480">
+            <a:pPr marL="432000" indent="-312120">
               <a:lnSpc>
                 <a:spcPct val="100000"/>
               </a:lnSpc>
@@ -23571,7 +24088,7 @@
             </a:endParaRPr>
           </a:p>
           <a:p>
-            <a:pPr marL="432000" indent="-312480">
+            <a:pPr marL="432000" indent="-312120">
               <a:lnSpc>
                 <a:spcPct val="100000"/>
               </a:lnSpc>
@@ -23642,7 +24159,7 @@
             </a:endParaRPr>
           </a:p>
           <a:p>
-            <a:pPr marL="432000" indent="-312480">
+            <a:pPr marL="432000" indent="-312120">
               <a:lnSpc>
                 <a:spcPct val="100000"/>
               </a:lnSpc>
@@ -23713,7 +24230,7 @@
             </a:endParaRPr>
           </a:p>
           <a:p>
-            <a:pPr marL="432000" indent="-312480">
+            <a:pPr marL="432000" indent="-312120">
               <a:lnSpc>
                 <a:spcPct val="100000"/>
               </a:lnSpc>
@@ -23844,7 +24361,7 @@
         <p:spPr>
           <a:xfrm>
             <a:off x="720000" y="300960"/>
-            <a:ext cx="8844120" cy="1251000"/>
+            <a:ext cx="8843760" cy="1250640"/>
           </a:xfrm>
           <a:prstGeom prst="rect">
             <a:avLst/>
@@ -23888,7 +24405,7 @@
         <p:spPr>
           <a:xfrm>
             <a:off x="756000" y="2160000"/>
-            <a:ext cx="8628480" cy="4373280"/>
+            <a:ext cx="8628120" cy="4372920"/>
           </a:xfrm>
           <a:prstGeom prst="rect">
             <a:avLst/>
@@ -23907,7 +24424,7 @@
         <p:txBody>
           <a:bodyPr lIns="0" rIns="0" tIns="0" bIns="0"/>
           <a:p>
-            <a:pPr marL="432000" indent="-312480">
+            <a:pPr marL="432000" indent="-312120">
               <a:lnSpc>
                 <a:spcPct val="100000"/>
               </a:lnSpc>
@@ -23978,7 +24495,7 @@
             </a:endParaRPr>
           </a:p>
           <a:p>
-            <a:pPr marL="432000" indent="-312480">
+            <a:pPr marL="432000" indent="-312120">
               <a:lnSpc>
                 <a:spcPct val="100000"/>
               </a:lnSpc>
@@ -24039,7 +24556,7 @@
             </a:endParaRPr>
           </a:p>
           <a:p>
-            <a:pPr marL="432000" indent="-312480">
+            <a:pPr marL="432000" indent="-312120">
               <a:lnSpc>
                 <a:spcPct val="100000"/>
               </a:lnSpc>
@@ -24080,7 +24597,7 @@
             </a:endParaRPr>
           </a:p>
           <a:p>
-            <a:pPr marL="432000" indent="-312480">
+            <a:pPr marL="432000" indent="-312120">
               <a:lnSpc>
                 <a:spcPct val="100000"/>
               </a:lnSpc>
@@ -24220,7 +24737,7 @@
         <p:spPr>
           <a:xfrm>
             <a:off x="720000" y="300960"/>
-            <a:ext cx="8844120" cy="1251000"/>
+            <a:ext cx="8843760" cy="1250640"/>
           </a:xfrm>
           <a:prstGeom prst="rect">
             <a:avLst/>
@@ -24264,7 +24781,7 @@
         <p:spPr>
           <a:xfrm>
             <a:off x="756000" y="2124000"/>
-            <a:ext cx="8628480" cy="4373280"/>
+            <a:ext cx="8628120" cy="4372920"/>
           </a:xfrm>
           <a:prstGeom prst="rect">
             <a:avLst/>
@@ -24283,7 +24800,7 @@
         <p:txBody>
           <a:bodyPr lIns="0" rIns="0" tIns="0" bIns="0"/>
           <a:p>
-            <a:pPr marL="432000" indent="-312480">
+            <a:pPr marL="432000" indent="-312120">
               <a:lnSpc>
                 <a:spcPct val="100000"/>
               </a:lnSpc>
@@ -24324,7 +24841,7 @@
             </a:endParaRPr>
           </a:p>
           <a:p>
-            <a:pPr marL="432000" indent="-312480">
+            <a:pPr marL="432000" indent="-312120">
               <a:lnSpc>
                 <a:spcPct val="100000"/>
               </a:lnSpc>
@@ -24375,7 +24892,7 @@
             </a:endParaRPr>
           </a:p>
           <a:p>
-            <a:pPr marL="432000" indent="-312480">
+            <a:pPr marL="432000" indent="-312120">
               <a:lnSpc>
                 <a:spcPct val="100000"/>
               </a:lnSpc>
@@ -24426,7 +24943,7 @@
             </a:endParaRPr>
           </a:p>
           <a:p>
-            <a:pPr marL="432000" indent="-312480">
+            <a:pPr marL="432000" indent="-312120">
               <a:lnSpc>
                 <a:spcPct val="100000"/>
               </a:lnSpc>
@@ -24577,7 +25094,7 @@
         <p:spPr>
           <a:xfrm>
             <a:off x="720000" y="300960"/>
-            <a:ext cx="8844120" cy="1251000"/>
+            <a:ext cx="8843760" cy="1250640"/>
           </a:xfrm>
           <a:prstGeom prst="rect">
             <a:avLst/>
@@ -24621,7 +25138,7 @@
         <p:spPr>
           <a:xfrm>
             <a:off x="720000" y="2160000"/>
-            <a:ext cx="8628480" cy="4373280"/>
+            <a:ext cx="8628120" cy="4372920"/>
           </a:xfrm>
           <a:prstGeom prst="rect">
             <a:avLst/>
@@ -24816,7 +25333,7 @@
         <p:spPr>
           <a:xfrm>
             <a:off x="720000" y="300960"/>
-            <a:ext cx="8844120" cy="1251000"/>
+            <a:ext cx="8843760" cy="1250640"/>
           </a:xfrm>
           <a:prstGeom prst="rect">
             <a:avLst/>
@@ -24860,7 +25377,7 @@
         <p:spPr>
           <a:xfrm>
             <a:off x="720000" y="1872000"/>
-            <a:ext cx="8628480" cy="4373280"/>
+            <a:ext cx="8628120" cy="4372920"/>
           </a:xfrm>
           <a:prstGeom prst="rect">
             <a:avLst/>
@@ -24879,7 +25396,7 @@
         <p:txBody>
           <a:bodyPr lIns="0" rIns="0" tIns="0" bIns="0"/>
           <a:p>
-            <a:pPr marL="432000" indent="-312480">
+            <a:pPr marL="432000" indent="-312120">
               <a:lnSpc>
                 <a:spcPct val="100000"/>
               </a:lnSpc>
@@ -24908,7 +25425,7 @@
             </a:endParaRPr>
           </a:p>
           <a:p>
-            <a:pPr marL="432000" indent="-312480">
+            <a:pPr marL="432000" indent="-312120">
               <a:lnSpc>
                 <a:spcPct val="100000"/>
               </a:lnSpc>
@@ -24968,7 +25485,7 @@
             </a:endParaRPr>
           </a:p>
           <a:p>
-            <a:pPr marL="432000" indent="-312480">
+            <a:pPr marL="432000" indent="-312120">
               <a:lnSpc>
                 <a:spcPct val="100000"/>
               </a:lnSpc>
@@ -25028,7 +25545,7 @@
             </a:endParaRPr>
           </a:p>
           <a:p>
-            <a:pPr marL="432000" indent="-312480">
+            <a:pPr marL="432000" indent="-312120">
               <a:lnSpc>
                 <a:spcPct val="100000"/>
               </a:lnSpc>
@@ -25057,7 +25574,7 @@
             </a:endParaRPr>
           </a:p>
           <a:p>
-            <a:pPr marL="432000" indent="-312480">
+            <a:pPr marL="432000" indent="-312120">
               <a:lnSpc>
                 <a:spcPct val="100000"/>
               </a:lnSpc>
@@ -25145,7 +25662,7 @@
         <p:spPr>
           <a:xfrm>
             <a:off x="720000" y="300960"/>
-            <a:ext cx="8844120" cy="1251000"/>
+            <a:ext cx="8843760" cy="1250640"/>
           </a:xfrm>
           <a:prstGeom prst="rect">
             <a:avLst/>
@@ -25189,7 +25706,7 @@
         <p:spPr>
           <a:xfrm>
             <a:off x="720000" y="2160000"/>
-            <a:ext cx="8628480" cy="4373280"/>
+            <a:ext cx="8628120" cy="4372920"/>
           </a:xfrm>
           <a:prstGeom prst="rect">
             <a:avLst/>
@@ -25208,7 +25725,7 @@
         <p:txBody>
           <a:bodyPr lIns="0" rIns="0" tIns="0" bIns="0"/>
           <a:p>
-            <a:pPr marL="432000" indent="-312480">
+            <a:pPr marL="432000" indent="-312120">
               <a:lnSpc>
                 <a:spcPct val="100000"/>
               </a:lnSpc>
@@ -25237,7 +25754,7 @@
             </a:endParaRPr>
           </a:p>
           <a:p>
-            <a:pPr marL="432000" indent="-312480">
+            <a:pPr marL="432000" indent="-312120">
               <a:lnSpc>
                 <a:spcPct val="100000"/>
               </a:lnSpc>
@@ -25718,7 +26235,7 @@
         <p:spPr>
           <a:xfrm>
             <a:off x="720000" y="300960"/>
-            <a:ext cx="8844120" cy="1251000"/>
+            <a:ext cx="8843760" cy="1250640"/>
           </a:xfrm>
           <a:prstGeom prst="rect">
             <a:avLst/>
@@ -25762,7 +26279,7 @@
         <p:spPr>
           <a:xfrm>
             <a:off x="720000" y="2160000"/>
-            <a:ext cx="8628480" cy="4373280"/>
+            <a:ext cx="8628120" cy="4372920"/>
           </a:xfrm>
           <a:prstGeom prst="rect">
             <a:avLst/>
@@ -25781,7 +26298,7 @@
         <p:txBody>
           <a:bodyPr lIns="0" rIns="0" tIns="0" bIns="0"/>
           <a:p>
-            <a:pPr marL="432000" indent="-312480">
+            <a:pPr marL="432000" indent="-312120">
               <a:lnSpc>
                 <a:spcPct val="100000"/>
               </a:lnSpc>
@@ -25810,7 +26327,7 @@
             </a:endParaRPr>
           </a:p>
           <a:p>
-            <a:pPr marL="432000" indent="-312480">
+            <a:pPr marL="432000" indent="-312120">
               <a:lnSpc>
                 <a:spcPct val="100000"/>
               </a:lnSpc>
@@ -25839,7 +26356,7 @@
             </a:endParaRPr>
           </a:p>
           <a:p>
-            <a:pPr marL="432000" indent="-312480">
+            <a:pPr marL="432000" indent="-312120">
               <a:lnSpc>
                 <a:spcPct val="100000"/>
               </a:lnSpc>
@@ -25868,7 +26385,7 @@
             </a:endParaRPr>
           </a:p>
           <a:p>
-            <a:pPr marL="432000" indent="-312480">
+            <a:pPr marL="432000" indent="-312120">
               <a:lnSpc>
                 <a:spcPct val="100000"/>
               </a:lnSpc>
@@ -25996,7 +26513,7 @@
         <p:spPr>
           <a:xfrm>
             <a:off x="720000" y="300960"/>
-            <a:ext cx="8844120" cy="1251000"/>
+            <a:ext cx="8843760" cy="1250640"/>
           </a:xfrm>
           <a:prstGeom prst="rect">
             <a:avLst/>
@@ -26040,7 +26557,7 @@
         <p:spPr>
           <a:xfrm>
             <a:off x="720000" y="2124000"/>
-            <a:ext cx="8628480" cy="4373280"/>
+            <a:ext cx="8628120" cy="4372920"/>
           </a:xfrm>
           <a:prstGeom prst="rect">
             <a:avLst/>
@@ -26703,7 +27220,7 @@
         <p:spPr>
           <a:xfrm>
             <a:off x="720000" y="300960"/>
-            <a:ext cx="8844120" cy="1251000"/>
+            <a:ext cx="8843760" cy="1250640"/>
           </a:xfrm>
           <a:prstGeom prst="rect">
             <a:avLst/>
@@ -26747,7 +27264,7 @@
         <p:spPr>
           <a:xfrm>
             <a:off x="720000" y="2160000"/>
-            <a:ext cx="8628480" cy="4373280"/>
+            <a:ext cx="8628120" cy="4372920"/>
           </a:xfrm>
           <a:prstGeom prst="rect">
             <a:avLst/>
